--- a/trunk/Docs/DUEL REALITY .pptx
+++ b/trunk/Docs/DUEL REALITY .pptx
@@ -9,16 +9,19 @@
     <p:sldId id="257" r:id="rId3"/>
     <p:sldId id="258" r:id="rId4"/>
     <p:sldId id="259" r:id="rId5"/>
-    <p:sldId id="260" r:id="rId6"/>
-    <p:sldId id="261" r:id="rId7"/>
-    <p:sldId id="262" r:id="rId8"/>
-    <p:sldId id="263" r:id="rId9"/>
-    <p:sldId id="264" r:id="rId10"/>
-    <p:sldId id="265" r:id="rId11"/>
-    <p:sldId id="266" r:id="rId12"/>
-    <p:sldId id="267" r:id="rId13"/>
-    <p:sldId id="268" r:id="rId14"/>
-    <p:sldId id="269" r:id="rId15"/>
+    <p:sldId id="270" r:id="rId6"/>
+    <p:sldId id="271" r:id="rId7"/>
+    <p:sldId id="272" r:id="rId8"/>
+    <p:sldId id="260" r:id="rId9"/>
+    <p:sldId id="261" r:id="rId10"/>
+    <p:sldId id="262" r:id="rId11"/>
+    <p:sldId id="263" r:id="rId12"/>
+    <p:sldId id="264" r:id="rId13"/>
+    <p:sldId id="265" r:id="rId14"/>
+    <p:sldId id="266" r:id="rId15"/>
+    <p:sldId id="267" r:id="rId16"/>
+    <p:sldId id="268" r:id="rId17"/>
+    <p:sldId id="269" r:id="rId18"/>
   </p:sldIdLst>
   <p:sldSz cx="9144000" cy="6858000" type="screen4x3"/>
   <p:notesSz cx="6858000" cy="9144000"/>
@@ -302,7 +305,7 @@
             <a:fld id="{1D8BD707-D9CF-40AE-B4C6-C98DA3205C09}" type="datetimeFigureOut">
               <a:rPr lang="en-US" smtClean="0"/>
               <a:pPr/>
-              <a:t>4/15/2010</a:t>
+              <a:t>4/17/2010</a:t>
             </a:fld>
             <a:endParaRPr lang="en-US"/>
           </a:p>
@@ -469,7 +472,7 @@
             <a:fld id="{1D8BD707-D9CF-40AE-B4C6-C98DA3205C09}" type="datetimeFigureOut">
               <a:rPr lang="en-US" smtClean="0"/>
               <a:pPr/>
-              <a:t>4/15/2010</a:t>
+              <a:t>4/17/2010</a:t>
             </a:fld>
             <a:endParaRPr lang="en-US"/>
           </a:p>
@@ -646,7 +649,7 @@
             <a:fld id="{1D8BD707-D9CF-40AE-B4C6-C98DA3205C09}" type="datetimeFigureOut">
               <a:rPr lang="en-US" smtClean="0"/>
               <a:pPr/>
-              <a:t>4/15/2010</a:t>
+              <a:t>4/17/2010</a:t>
             </a:fld>
             <a:endParaRPr lang="en-US"/>
           </a:p>
@@ -813,7 +816,7 @@
             <a:fld id="{1D8BD707-D9CF-40AE-B4C6-C98DA3205C09}" type="datetimeFigureOut">
               <a:rPr lang="en-US" smtClean="0"/>
               <a:pPr/>
-              <a:t>4/15/2010</a:t>
+              <a:t>4/17/2010</a:t>
             </a:fld>
             <a:endParaRPr lang="en-US"/>
           </a:p>
@@ -1056,7 +1059,7 @@
             <a:fld id="{1D8BD707-D9CF-40AE-B4C6-C98DA3205C09}" type="datetimeFigureOut">
               <a:rPr lang="en-US" smtClean="0"/>
               <a:pPr/>
-              <a:t>4/15/2010</a:t>
+              <a:t>4/17/2010</a:t>
             </a:fld>
             <a:endParaRPr lang="en-US"/>
           </a:p>
@@ -1341,7 +1344,7 @@
             <a:fld id="{1D8BD707-D9CF-40AE-B4C6-C98DA3205C09}" type="datetimeFigureOut">
               <a:rPr lang="en-US" smtClean="0"/>
               <a:pPr/>
-              <a:t>4/15/2010</a:t>
+              <a:t>4/17/2010</a:t>
             </a:fld>
             <a:endParaRPr lang="en-US"/>
           </a:p>
@@ -1760,7 +1763,7 @@
             <a:fld id="{1D8BD707-D9CF-40AE-B4C6-C98DA3205C09}" type="datetimeFigureOut">
               <a:rPr lang="en-US" smtClean="0"/>
               <a:pPr/>
-              <a:t>4/15/2010</a:t>
+              <a:t>4/17/2010</a:t>
             </a:fld>
             <a:endParaRPr lang="en-US"/>
           </a:p>
@@ -1875,7 +1878,7 @@
             <a:fld id="{1D8BD707-D9CF-40AE-B4C6-C98DA3205C09}" type="datetimeFigureOut">
               <a:rPr lang="en-US" smtClean="0"/>
               <a:pPr/>
-              <a:t>4/15/2010</a:t>
+              <a:t>4/17/2010</a:t>
             </a:fld>
             <a:endParaRPr lang="en-US"/>
           </a:p>
@@ -1967,7 +1970,7 @@
             <a:fld id="{1D8BD707-D9CF-40AE-B4C6-C98DA3205C09}" type="datetimeFigureOut">
               <a:rPr lang="en-US" smtClean="0"/>
               <a:pPr/>
-              <a:t>4/15/2010</a:t>
+              <a:t>4/17/2010</a:t>
             </a:fld>
             <a:endParaRPr lang="en-US"/>
           </a:p>
@@ -2241,7 +2244,7 @@
             <a:fld id="{1D8BD707-D9CF-40AE-B4C6-C98DA3205C09}" type="datetimeFigureOut">
               <a:rPr lang="en-US" smtClean="0"/>
               <a:pPr/>
-              <a:t>4/15/2010</a:t>
+              <a:t>4/17/2010</a:t>
             </a:fld>
             <a:endParaRPr lang="en-US"/>
           </a:p>
@@ -2491,7 +2494,7 @@
             <a:fld id="{1D8BD707-D9CF-40AE-B4C6-C98DA3205C09}" type="datetimeFigureOut">
               <a:rPr lang="en-US" smtClean="0"/>
               <a:pPr/>
-              <a:t>4/15/2010</a:t>
+              <a:t>4/17/2010</a:t>
             </a:fld>
             <a:endParaRPr lang="en-US"/>
           </a:p>
@@ -2701,7 +2704,7 @@
             <a:fld id="{1D8BD707-D9CF-40AE-B4C6-C98DA3205C09}" type="datetimeFigureOut">
               <a:rPr lang="en-US" smtClean="0"/>
               <a:pPr/>
-              <a:t>4/15/2010</a:t>
+              <a:t>4/17/2010</a:t>
             </a:fld>
             <a:endParaRPr lang="en-US"/>
           </a:p>
@@ -3157,7 +3160,7 @@
           <p:nvPr/>
         </p:nvPicPr>
         <p:blipFill>
-          <a:blip r:embed="rId2"/>
+          <a:blip r:embed="rId2" cstate="print"/>
           <a:stretch>
             <a:fillRect/>
           </a:stretch>
@@ -3177,6 +3180,13 @@
   <p:clrMapOvr>
     <a:masterClrMapping/>
   </p:clrMapOvr>
+  <p:timing>
+    <p:tnLst>
+      <p:par>
+        <p:cTn id="1" dur="indefinite" restart="never" nodeType="tmRoot"/>
+      </p:par>
+    </p:tnLst>
+  </p:timing>
 </p:sld>
 </file>
 
@@ -3214,7 +3224,7 @@
           <a:p>
             <a:r>
               <a:rPr lang="en-US" dirty="0" smtClean="0"/>
-              <a:t>Module 4 : Summary</a:t>
+              <a:t>Module 2: Conclusion</a:t>
             </a:r>
             <a:endParaRPr lang="en-US" dirty="0"/>
           </a:p>
@@ -3235,22 +3245,6 @@
           <a:bodyPr/>
           <a:lstStyle/>
           <a:p>
-            <a:r>
-              <a:rPr lang="en-US" dirty="0" smtClean="0"/>
-              <a:t>Point1</a:t>
-            </a:r>
-          </a:p>
-          <a:p>
-            <a:r>
-              <a:rPr lang="en-US" dirty="0" smtClean="0"/>
-              <a:t>Point2</a:t>
-            </a:r>
-          </a:p>
-          <a:p>
-            <a:r>
-              <a:rPr lang="en-US" dirty="0" smtClean="0"/>
-              <a:t>point3</a:t>
-            </a:r>
             <a:endParaRPr lang="en-US" dirty="0"/>
           </a:p>
         </p:txBody>
@@ -3264,7 +3258,7 @@
           <p:nvPr/>
         </p:nvPicPr>
         <p:blipFill>
-          <a:blip r:embed="rId2"/>
+          <a:blip r:embed="rId2" cstate="print"/>
           <a:stretch>
             <a:fillRect/>
           </a:stretch>
@@ -3321,7 +3315,7 @@
           <a:p>
             <a:r>
               <a:rPr lang="en-US" dirty="0" smtClean="0"/>
-              <a:t>Module 4: Conclusion</a:t>
+              <a:t>Module 3 : Summary</a:t>
             </a:r>
             <a:endParaRPr lang="en-US" dirty="0"/>
           </a:p>
@@ -3342,6 +3336,22 @@
           <a:bodyPr/>
           <a:lstStyle/>
           <a:p>
+            <a:r>
+              <a:rPr lang="en-US" dirty="0" smtClean="0"/>
+              <a:t>Point1</a:t>
+            </a:r>
+          </a:p>
+          <a:p>
+            <a:r>
+              <a:rPr lang="en-US" dirty="0" smtClean="0"/>
+              <a:t>Point2</a:t>
+            </a:r>
+          </a:p>
+          <a:p>
+            <a:r>
+              <a:rPr lang="en-US" dirty="0" smtClean="0"/>
+              <a:t>point3</a:t>
+            </a:r>
             <a:endParaRPr lang="en-US" dirty="0"/>
           </a:p>
         </p:txBody>
@@ -3355,7 +3365,7 @@
           <p:nvPr/>
         </p:nvPicPr>
         <p:blipFill>
-          <a:blip r:embed="rId2"/>
+          <a:blip r:embed="rId2" cstate="print"/>
           <a:stretch>
             <a:fillRect/>
           </a:stretch>
@@ -3412,7 +3422,7 @@
           <a:p>
             <a:r>
               <a:rPr lang="en-US" dirty="0" smtClean="0"/>
-              <a:t>Summary </a:t>
+              <a:t>Module 3: Conclusion</a:t>
             </a:r>
             <a:endParaRPr lang="en-US" dirty="0"/>
           </a:p>
@@ -3446,7 +3456,7 @@
           <p:nvPr/>
         </p:nvPicPr>
         <p:blipFill>
-          <a:blip r:embed="rId2"/>
+          <a:blip r:embed="rId2" cstate="print"/>
           <a:stretch>
             <a:fillRect/>
           </a:stretch>
@@ -3503,7 +3513,7 @@
           <a:p>
             <a:r>
               <a:rPr lang="en-US" dirty="0" smtClean="0"/>
-              <a:t>Conclusion</a:t>
+              <a:t>Module 4 : Summary</a:t>
             </a:r>
             <a:endParaRPr lang="en-US" dirty="0"/>
           </a:p>
@@ -3524,6 +3534,22 @@
           <a:bodyPr/>
           <a:lstStyle/>
           <a:p>
+            <a:r>
+              <a:rPr lang="en-US" dirty="0" smtClean="0"/>
+              <a:t>Point1</a:t>
+            </a:r>
+          </a:p>
+          <a:p>
+            <a:r>
+              <a:rPr lang="en-US" dirty="0" smtClean="0"/>
+              <a:t>Point2</a:t>
+            </a:r>
+          </a:p>
+          <a:p>
+            <a:r>
+              <a:rPr lang="en-US" dirty="0" smtClean="0"/>
+              <a:t>point3</a:t>
+            </a:r>
             <a:endParaRPr lang="en-US" dirty="0"/>
           </a:p>
         </p:txBody>
@@ -3537,7 +3563,7 @@
           <p:nvPr/>
         </p:nvPicPr>
         <p:blipFill>
-          <a:blip r:embed="rId2"/>
+          <a:blip r:embed="rId2" cstate="print"/>
           <a:stretch>
             <a:fillRect/>
           </a:stretch>
@@ -3594,8 +3620,27 @@
           <a:p>
             <a:r>
               <a:rPr lang="en-US" dirty="0" smtClean="0"/>
-              <a:t>Questions?</a:t>
-            </a:r>
+              <a:t>Module 4: Conclusion</a:t>
+            </a:r>
+            <a:endParaRPr lang="en-US" dirty="0"/>
+          </a:p>
+        </p:txBody>
+      </p:sp>
+      <p:sp>
+        <p:nvSpPr>
+          <p:cNvPr id="3" name="Content Placeholder 2"/>
+          <p:cNvSpPr>
+            <a:spLocks noGrp="1"/>
+          </p:cNvSpPr>
+          <p:nvPr>
+            <p:ph idx="1"/>
+          </p:nvPr>
+        </p:nvSpPr>
+        <p:spPr/>
+        <p:txBody>
+          <a:bodyPr/>
+          <a:lstStyle/>
+          <a:p>
             <a:endParaRPr lang="en-US" dirty="0"/>
           </a:p>
         </p:txBody>
@@ -3609,7 +3654,261 @@
           <p:nvPr/>
         </p:nvPicPr>
         <p:blipFill>
-          <a:blip r:embed="rId2"/>
+          <a:blip r:embed="rId2" cstate="print"/>
+          <a:stretch>
+            <a:fillRect/>
+          </a:stretch>
+        </p:blipFill>
+        <p:spPr>
+          <a:xfrm>
+            <a:off x="7956253" y="0"/>
+            <a:ext cx="1187747" cy="1328738"/>
+          </a:xfrm>
+          <a:prstGeom prst="rect">
+            <a:avLst/>
+          </a:prstGeom>
+        </p:spPr>
+      </p:pic>
+    </p:spTree>
+  </p:cSld>
+  <p:clrMapOvr>
+    <a:masterClrMapping/>
+  </p:clrMapOvr>
+</p:sld>
+</file>
+
+<file path=ppt/slides/slide15.xml><?xml version="1.0" encoding="utf-8"?>
+<p:sld xmlns:a="http://schemas.openxmlformats.org/drawingml/2006/main" xmlns:r="http://schemas.openxmlformats.org/officeDocument/2006/relationships" xmlns:p="http://schemas.openxmlformats.org/presentationml/2006/main">
+  <p:cSld>
+    <p:spTree>
+      <p:nvGrpSpPr>
+        <p:cNvPr id="1" name=""/>
+        <p:cNvGrpSpPr/>
+        <p:nvPr/>
+      </p:nvGrpSpPr>
+      <p:grpSpPr>
+        <a:xfrm>
+          <a:off x="0" y="0"/>
+          <a:ext cx="0" cy="0"/>
+          <a:chOff x="0" y="0"/>
+          <a:chExt cx="0" cy="0"/>
+        </a:xfrm>
+      </p:grpSpPr>
+      <p:sp>
+        <p:nvSpPr>
+          <p:cNvPr id="2" name="Title 1"/>
+          <p:cNvSpPr>
+            <a:spLocks noGrp="1"/>
+          </p:cNvSpPr>
+          <p:nvPr>
+            <p:ph type="title"/>
+          </p:nvPr>
+        </p:nvSpPr>
+        <p:spPr/>
+        <p:txBody>
+          <a:bodyPr/>
+          <a:lstStyle/>
+          <a:p>
+            <a:r>
+              <a:rPr lang="en-US" dirty="0" smtClean="0"/>
+              <a:t>Summary </a:t>
+            </a:r>
+            <a:endParaRPr lang="en-US" dirty="0"/>
+          </a:p>
+        </p:txBody>
+      </p:sp>
+      <p:sp>
+        <p:nvSpPr>
+          <p:cNvPr id="3" name="Content Placeholder 2"/>
+          <p:cNvSpPr>
+            <a:spLocks noGrp="1"/>
+          </p:cNvSpPr>
+          <p:nvPr>
+            <p:ph idx="1"/>
+          </p:nvPr>
+        </p:nvSpPr>
+        <p:spPr/>
+        <p:txBody>
+          <a:bodyPr/>
+          <a:lstStyle/>
+          <a:p>
+            <a:endParaRPr lang="en-US" dirty="0"/>
+          </a:p>
+        </p:txBody>
+      </p:sp>
+      <p:pic>
+        <p:nvPicPr>
+          <p:cNvPr id="4" name="Picture 3" descr="logo.jpg"/>
+          <p:cNvPicPr>
+            <a:picLocks noChangeAspect="1"/>
+          </p:cNvPicPr>
+          <p:nvPr/>
+        </p:nvPicPr>
+        <p:blipFill>
+          <a:blip r:embed="rId2" cstate="print"/>
+          <a:stretch>
+            <a:fillRect/>
+          </a:stretch>
+        </p:blipFill>
+        <p:spPr>
+          <a:xfrm>
+            <a:off x="7956253" y="0"/>
+            <a:ext cx="1187747" cy="1328738"/>
+          </a:xfrm>
+          <a:prstGeom prst="rect">
+            <a:avLst/>
+          </a:prstGeom>
+        </p:spPr>
+      </p:pic>
+    </p:spTree>
+  </p:cSld>
+  <p:clrMapOvr>
+    <a:masterClrMapping/>
+  </p:clrMapOvr>
+</p:sld>
+</file>
+
+<file path=ppt/slides/slide16.xml><?xml version="1.0" encoding="utf-8"?>
+<p:sld xmlns:a="http://schemas.openxmlformats.org/drawingml/2006/main" xmlns:r="http://schemas.openxmlformats.org/officeDocument/2006/relationships" xmlns:p="http://schemas.openxmlformats.org/presentationml/2006/main">
+  <p:cSld>
+    <p:spTree>
+      <p:nvGrpSpPr>
+        <p:cNvPr id="1" name=""/>
+        <p:cNvGrpSpPr/>
+        <p:nvPr/>
+      </p:nvGrpSpPr>
+      <p:grpSpPr>
+        <a:xfrm>
+          <a:off x="0" y="0"/>
+          <a:ext cx="0" cy="0"/>
+          <a:chOff x="0" y="0"/>
+          <a:chExt cx="0" cy="0"/>
+        </a:xfrm>
+      </p:grpSpPr>
+      <p:sp>
+        <p:nvSpPr>
+          <p:cNvPr id="2" name="Title 1"/>
+          <p:cNvSpPr>
+            <a:spLocks noGrp="1"/>
+          </p:cNvSpPr>
+          <p:nvPr>
+            <p:ph type="title"/>
+          </p:nvPr>
+        </p:nvSpPr>
+        <p:spPr/>
+        <p:txBody>
+          <a:bodyPr/>
+          <a:lstStyle/>
+          <a:p>
+            <a:r>
+              <a:rPr lang="en-US" dirty="0" smtClean="0"/>
+              <a:t>Conclusion</a:t>
+            </a:r>
+            <a:endParaRPr lang="en-US" dirty="0"/>
+          </a:p>
+        </p:txBody>
+      </p:sp>
+      <p:sp>
+        <p:nvSpPr>
+          <p:cNvPr id="3" name="Content Placeholder 2"/>
+          <p:cNvSpPr>
+            <a:spLocks noGrp="1"/>
+          </p:cNvSpPr>
+          <p:nvPr>
+            <p:ph idx="1"/>
+          </p:nvPr>
+        </p:nvSpPr>
+        <p:spPr/>
+        <p:txBody>
+          <a:bodyPr/>
+          <a:lstStyle/>
+          <a:p>
+            <a:endParaRPr lang="en-US" dirty="0"/>
+          </a:p>
+        </p:txBody>
+      </p:sp>
+      <p:pic>
+        <p:nvPicPr>
+          <p:cNvPr id="4" name="Picture 3" descr="logo.jpg"/>
+          <p:cNvPicPr>
+            <a:picLocks noChangeAspect="1"/>
+          </p:cNvPicPr>
+          <p:nvPr/>
+        </p:nvPicPr>
+        <p:blipFill>
+          <a:blip r:embed="rId2" cstate="print"/>
+          <a:stretch>
+            <a:fillRect/>
+          </a:stretch>
+        </p:blipFill>
+        <p:spPr>
+          <a:xfrm>
+            <a:off x="7956253" y="0"/>
+            <a:ext cx="1187747" cy="1328738"/>
+          </a:xfrm>
+          <a:prstGeom prst="rect">
+            <a:avLst/>
+          </a:prstGeom>
+        </p:spPr>
+      </p:pic>
+    </p:spTree>
+  </p:cSld>
+  <p:clrMapOvr>
+    <a:masterClrMapping/>
+  </p:clrMapOvr>
+</p:sld>
+</file>
+
+<file path=ppt/slides/slide17.xml><?xml version="1.0" encoding="utf-8"?>
+<p:sld xmlns:a="http://schemas.openxmlformats.org/drawingml/2006/main" xmlns:r="http://schemas.openxmlformats.org/officeDocument/2006/relationships" xmlns:p="http://schemas.openxmlformats.org/presentationml/2006/main">
+  <p:cSld>
+    <p:spTree>
+      <p:nvGrpSpPr>
+        <p:cNvPr id="1" name=""/>
+        <p:cNvGrpSpPr/>
+        <p:nvPr/>
+      </p:nvGrpSpPr>
+      <p:grpSpPr>
+        <a:xfrm>
+          <a:off x="0" y="0"/>
+          <a:ext cx="0" cy="0"/>
+          <a:chOff x="0" y="0"/>
+          <a:chExt cx="0" cy="0"/>
+        </a:xfrm>
+      </p:grpSpPr>
+      <p:sp>
+        <p:nvSpPr>
+          <p:cNvPr id="2" name="Title 1"/>
+          <p:cNvSpPr>
+            <a:spLocks noGrp="1"/>
+          </p:cNvSpPr>
+          <p:nvPr>
+            <p:ph type="title"/>
+          </p:nvPr>
+        </p:nvSpPr>
+        <p:spPr/>
+        <p:txBody>
+          <a:bodyPr/>
+          <a:lstStyle/>
+          <a:p>
+            <a:r>
+              <a:rPr lang="en-US" dirty="0" smtClean="0"/>
+              <a:t>Questions?</a:t>
+            </a:r>
+            <a:endParaRPr lang="en-US" dirty="0"/>
+          </a:p>
+        </p:txBody>
+      </p:sp>
+      <p:pic>
+        <p:nvPicPr>
+          <p:cNvPr id="4" name="Picture 3" descr="logo.jpg"/>
+          <p:cNvPicPr>
+            <a:picLocks noChangeAspect="1"/>
+          </p:cNvPicPr>
+          <p:nvPr/>
+        </p:nvPicPr>
+        <p:blipFill>
+          <a:blip r:embed="rId2" cstate="print"/>
           <a:stretch>
             <a:fillRect/>
           </a:stretch>
@@ -3750,7 +4049,7 @@
           <p:nvPr/>
         </p:nvPicPr>
         <p:blipFill>
-          <a:blip r:embed="rId2"/>
+          <a:blip r:embed="rId2" cstate="print"/>
           <a:stretch>
             <a:fillRect/>
           </a:stretch>
@@ -3770,6 +4069,13 @@
   <p:clrMapOvr>
     <a:masterClrMapping/>
   </p:clrMapOvr>
+  <p:timing>
+    <p:tnLst>
+      <p:par>
+        <p:cTn id="1" dur="indefinite" restart="never" nodeType="tmRoot"/>
+      </p:par>
+    </p:tnLst>
+  </p:timing>
 </p:sld>
 </file>
 
@@ -3841,7 +4147,7 @@
           <p:nvPr/>
         </p:nvPicPr>
         <p:blipFill>
-          <a:blip r:embed="rId2"/>
+          <a:blip r:embed="rId2" cstate="print"/>
           <a:stretch>
             <a:fillRect/>
           </a:stretch>
@@ -3861,6 +4167,13 @@
   <p:clrMapOvr>
     <a:masterClrMapping/>
   </p:clrMapOvr>
+  <p:timing>
+    <p:tnLst>
+      <p:par>
+        <p:cTn id="1" dur="indefinite" restart="never" nodeType="tmRoot"/>
+      </p:par>
+    </p:tnLst>
+  </p:timing>
 </p:sld>
 </file>
 
@@ -3891,14 +4204,32 @@
             <p:ph type="title"/>
           </p:nvPr>
         </p:nvSpPr>
-        <p:spPr/>
-        <p:txBody>
-          <a:bodyPr/>
-          <a:lstStyle/>
-          <a:p>
-            <a:r>
-              <a:rPr lang="en-US" dirty="0" smtClean="0"/>
-              <a:t>Module 1 : Summary</a:t>
+        <p:spPr>
+          <a:xfrm>
+            <a:off x="457200" y="274638"/>
+            <a:ext cx="7391400" cy="1143000"/>
+          </a:xfrm>
+        </p:spPr>
+        <p:txBody>
+          <a:bodyPr>
+            <a:normAutofit fontScale="90000"/>
+          </a:bodyPr>
+          <a:lstStyle/>
+          <a:p>
+            <a:r>
+              <a:rPr lang="en-US" dirty="0" smtClean="0"/>
+              <a:t>Game Graphics Module</a:t>
+            </a:r>
+            <a:br>
+              <a:rPr lang="en-US" dirty="0" smtClean="0"/>
+            </a:br>
+            <a:r>
+              <a:rPr lang="en-US" dirty="0" smtClean="0"/>
+              <a:t>“</a:t>
+            </a:r>
+            <a:r>
+              <a:rPr lang="en-US" dirty="0" smtClean="0"/>
+              <a:t>Summary”</a:t>
             </a:r>
             <a:endParaRPr lang="en-US" dirty="0"/>
           </a:p>
@@ -3921,19 +4252,21 @@
           <a:p>
             <a:r>
               <a:rPr lang="en-US" dirty="0" smtClean="0"/>
-              <a:t>Point1</a:t>
-            </a:r>
-          </a:p>
-          <a:p>
-            <a:r>
-              <a:rPr lang="en-US" dirty="0" smtClean="0"/>
-              <a:t>Point2</a:t>
-            </a:r>
-          </a:p>
-          <a:p>
-            <a:r>
-              <a:rPr lang="en-US" dirty="0" smtClean="0"/>
-              <a:t>point3</a:t>
+              <a:t>What it is.</a:t>
+            </a:r>
+            <a:endParaRPr lang="en-US" dirty="0" smtClean="0"/>
+          </a:p>
+          <a:p>
+            <a:r>
+              <a:rPr lang="en-US" dirty="0" smtClean="0"/>
+              <a:t>What it does.</a:t>
+            </a:r>
+            <a:endParaRPr lang="en-US" dirty="0" smtClean="0"/>
+          </a:p>
+          <a:p>
+            <a:r>
+              <a:rPr lang="en-US" dirty="0" smtClean="0"/>
+              <a:t>How it works.</a:t>
             </a:r>
             <a:endParaRPr lang="en-US" dirty="0"/>
           </a:p>
@@ -3948,7 +4281,7 @@
           <p:nvPr/>
         </p:nvPicPr>
         <p:blipFill>
-          <a:blip r:embed="rId2"/>
+          <a:blip r:embed="rId2" cstate="print"/>
           <a:stretch>
             <a:fillRect/>
           </a:stretch>
@@ -3968,6 +4301,13 @@
   <p:clrMapOvr>
     <a:masterClrMapping/>
   </p:clrMapOvr>
+  <p:timing>
+    <p:tnLst>
+      <p:par>
+        <p:cTn id="1" dur="indefinite" restart="never" nodeType="tmRoot"/>
+      </p:par>
+    </p:tnLst>
+  </p:timing>
 </p:sld>
 </file>
 
@@ -4000,12 +4340,29 @@
         </p:nvSpPr>
         <p:spPr/>
         <p:txBody>
-          <a:bodyPr/>
-          <a:lstStyle/>
-          <a:p>
-            <a:r>
-              <a:rPr lang="en-US" dirty="0" smtClean="0"/>
-              <a:t>Module 1: Conclusion</a:t>
+          <a:bodyPr>
+            <a:normAutofit fontScale="90000"/>
+          </a:bodyPr>
+          <a:lstStyle/>
+          <a:p>
+            <a:r>
+              <a:rPr lang="en-US" dirty="0" smtClean="0"/>
+              <a:t>Game Graphics </a:t>
+            </a:r>
+            <a:r>
+              <a:rPr lang="en-US" dirty="0" smtClean="0"/>
+              <a:t>Module</a:t>
+            </a:r>
+            <a:r>
+              <a:rPr lang="en-US" dirty="0" smtClean="0"/>
+              <a:t/>
+            </a:r>
+            <a:br>
+              <a:rPr lang="en-US" dirty="0" smtClean="0"/>
+            </a:br>
+            <a:r>
+              <a:rPr lang="en-US" dirty="0" smtClean="0"/>
+              <a:t>“What it is”</a:t>
             </a:r>
             <a:endParaRPr lang="en-US" dirty="0"/>
           </a:p>
@@ -4026,39 +4383,46 @@
           <a:bodyPr/>
           <a:lstStyle/>
           <a:p>
+            <a:r>
+              <a:rPr lang="en-US" dirty="0" smtClean="0"/>
+              <a:t>Region of the main dialog containing the two-dimensional graphics for the game itself.</a:t>
+            </a:r>
+          </a:p>
+          <a:p>
+            <a:r>
+              <a:rPr lang="en-US" dirty="0" smtClean="0"/>
+              <a:t>Background consists of a static image representing the battle environment.</a:t>
+            </a:r>
+          </a:p>
+          <a:p>
+            <a:r>
+              <a:rPr lang="en-US" dirty="0" smtClean="0"/>
+              <a:t>Top portion (generally the sky) serves as a header region for displaying information.</a:t>
+            </a:r>
+          </a:p>
+          <a:p>
+            <a:r>
+              <a:rPr lang="en-US" dirty="0" smtClean="0"/>
+              <a:t>Lower region contains the game grid with units and objects in play.</a:t>
+            </a:r>
+          </a:p>
+          <a:p>
             <a:endParaRPr lang="en-US" dirty="0"/>
           </a:p>
         </p:txBody>
       </p:sp>
-      <p:pic>
-        <p:nvPicPr>
-          <p:cNvPr id="4" name="Picture 3" descr="logo.jpg"/>
-          <p:cNvPicPr>
-            <a:picLocks noChangeAspect="1"/>
-          </p:cNvPicPr>
-          <p:nvPr/>
-        </p:nvPicPr>
-        <p:blipFill>
-          <a:blip r:embed="rId2"/>
-          <a:stretch>
-            <a:fillRect/>
-          </a:stretch>
-        </p:blipFill>
-        <p:spPr>
-          <a:xfrm>
-            <a:off x="7956253" y="0"/>
-            <a:ext cx="1187747" cy="1328738"/>
-          </a:xfrm>
-          <a:prstGeom prst="rect">
-            <a:avLst/>
-          </a:prstGeom>
-        </p:spPr>
-      </p:pic>
     </p:spTree>
   </p:cSld>
   <p:clrMapOvr>
     <a:masterClrMapping/>
   </p:clrMapOvr>
+  <p:timing>
+    <p:tnLst>
+      <p:par>
+        <p:cTn id="1" dur="indefinite" restart="never" nodeType="tmRoot"/>
+      </p:par>
+    </p:tnLst>
+  </p:timing>
 </p:sld>
 </file>
 
@@ -4091,47 +4455,25 @@
         </p:nvSpPr>
         <p:spPr/>
         <p:txBody>
-          <a:bodyPr/>
-          <a:lstStyle/>
-          <a:p>
-            <a:r>
-              <a:rPr lang="en-US" dirty="0" smtClean="0"/>
-              <a:t>Module 2 : Summary</a:t>
-            </a:r>
-            <a:endParaRPr lang="en-US" dirty="0"/>
-          </a:p>
-        </p:txBody>
-      </p:sp>
-      <p:sp>
-        <p:nvSpPr>
-          <p:cNvPr id="3" name="Content Placeholder 2"/>
-          <p:cNvSpPr>
-            <a:spLocks noGrp="1"/>
-          </p:cNvSpPr>
-          <p:nvPr>
-            <p:ph idx="1"/>
-          </p:nvPr>
-        </p:nvSpPr>
-        <p:spPr/>
-        <p:txBody>
-          <a:bodyPr/>
-          <a:lstStyle/>
-          <a:p>
-            <a:r>
-              <a:rPr lang="en-US" dirty="0" smtClean="0"/>
-              <a:t>Point1</a:t>
-            </a:r>
-          </a:p>
-          <a:p>
-            <a:r>
-              <a:rPr lang="en-US" dirty="0" smtClean="0"/>
-              <a:t>Point2</a:t>
-            </a:r>
-          </a:p>
-          <a:p>
-            <a:r>
-              <a:rPr lang="en-US" dirty="0" smtClean="0"/>
-              <a:t>point3</a:t>
+          <a:bodyPr>
+            <a:normAutofit fontScale="90000"/>
+          </a:bodyPr>
+          <a:lstStyle/>
+          <a:p>
+            <a:r>
+              <a:rPr lang="en-US" dirty="0" smtClean="0"/>
+              <a:t>Game Graphics Module</a:t>
+            </a:r>
+            <a:br>
+              <a:rPr lang="en-US" dirty="0" smtClean="0"/>
+            </a:br>
+            <a:r>
+              <a:rPr lang="en-US" dirty="0" smtClean="0"/>
+              <a:t>“What it </a:t>
+            </a:r>
+            <a:r>
+              <a:rPr lang="en-US" dirty="0" smtClean="0"/>
+              <a:t>does”</a:t>
             </a:r>
             <a:endParaRPr lang="en-US" dirty="0"/>
           </a:p>
@@ -4139,26 +4481,30 @@
       </p:sp>
       <p:pic>
         <p:nvPicPr>
-          <p:cNvPr id="4" name="Picture 3" descr="logo.jpg"/>
+          <p:cNvPr id="4" name="Content Placeholder 3" descr="ScreenCap001.jpg"/>
           <p:cNvPicPr>
-            <a:picLocks noChangeAspect="1"/>
+            <a:picLocks noGrp="1" noChangeAspect="1"/>
           </p:cNvPicPr>
-          <p:nvPr/>
+          <p:nvPr>
+            <p:ph idx="1"/>
+          </p:nvPr>
         </p:nvPicPr>
         <p:blipFill>
-          <a:blip r:embed="rId2"/>
+          <a:blip r:embed="rId2" cstate="print"/>
           <a:stretch>
             <a:fillRect/>
           </a:stretch>
         </p:blipFill>
         <p:spPr>
           <a:xfrm>
-            <a:off x="7956253" y="0"/>
-            <a:ext cx="1187747" cy="1328738"/>
+            <a:off x="1549947" y="1600200"/>
+            <a:ext cx="6044106" cy="4525963"/>
           </a:xfrm>
-          <a:prstGeom prst="rect">
-            <a:avLst/>
-          </a:prstGeom>
+          <a:ln w="3175">
+            <a:solidFill>
+              <a:schemeClr val="tx1"/>
+            </a:solidFill>
+          </a:ln>
         </p:spPr>
       </p:pic>
     </p:spTree>
@@ -4166,6 +4512,13 @@
   <p:clrMapOvr>
     <a:masterClrMapping/>
   </p:clrMapOvr>
+  <p:timing>
+    <p:tnLst>
+      <p:par>
+        <p:cTn id="1" dur="indefinite" restart="never" nodeType="tmRoot"/>
+      </p:par>
+    </p:tnLst>
+  </p:timing>
 </p:sld>
 </file>
 
@@ -4198,12 +4551,21 @@
         </p:nvSpPr>
         <p:spPr/>
         <p:txBody>
-          <a:bodyPr/>
-          <a:lstStyle/>
-          <a:p>
-            <a:r>
-              <a:rPr lang="en-US" dirty="0" smtClean="0"/>
-              <a:t>Module 2: Conclusion</a:t>
+          <a:bodyPr>
+            <a:normAutofit fontScale="90000"/>
+          </a:bodyPr>
+          <a:lstStyle/>
+          <a:p>
+            <a:r>
+              <a:rPr lang="en-US" dirty="0" smtClean="0"/>
+              <a:t>Game Graphics Module</a:t>
+            </a:r>
+            <a:br>
+              <a:rPr lang="en-US" dirty="0" smtClean="0"/>
+            </a:br>
+            <a:r>
+              <a:rPr lang="en-US" dirty="0" smtClean="0"/>
+              <a:t>“What it does”</a:t>
             </a:r>
             <a:endParaRPr lang="en-US" dirty="0"/>
           </a:p>
@@ -4221,37 +4583,55 @@
         </p:nvSpPr>
         <p:spPr/>
         <p:txBody>
-          <a:bodyPr/>
-          <a:lstStyle/>
+          <a:bodyPr>
+            <a:normAutofit fontScale="85000" lnSpcReduction="20000"/>
+          </a:bodyPr>
+          <a:lstStyle/>
+          <a:p>
+            <a:r>
+              <a:rPr lang="en-US" dirty="0" smtClean="0"/>
+              <a:t>Accurately reflect the current state of the battle in progress through visual and auditory effects.</a:t>
+            </a:r>
+          </a:p>
+          <a:p>
+            <a:pPr lvl="1"/>
+            <a:r>
+              <a:rPr lang="en-US" dirty="0" smtClean="0"/>
+              <a:t>Grid displays all units with their health and action points.</a:t>
+            </a:r>
+          </a:p>
+          <a:p>
+            <a:pPr lvl="1"/>
+            <a:r>
+              <a:rPr lang="en-US" dirty="0" smtClean="0"/>
+              <a:t>Top region displays more detailed statistics for the current user-selected cell.</a:t>
+            </a:r>
+          </a:p>
+          <a:p>
+            <a:r>
+              <a:rPr lang="en-US" dirty="0" smtClean="0"/>
+              <a:t>Allows loading and manipulation of content by both the players and external modules.</a:t>
+            </a:r>
+          </a:p>
+          <a:p>
+            <a:pPr lvl="1"/>
+            <a:r>
+              <a:rPr lang="en-US" dirty="0" smtClean="0"/>
+              <a:t>Handles movement, attack, and defeat of individual units as requested by the game mechanics and AI.</a:t>
+            </a:r>
+          </a:p>
+          <a:p>
+            <a:pPr lvl="1"/>
+            <a:r>
+              <a:rPr lang="en-US" dirty="0" smtClean="0"/>
+              <a:t>Handles interaction between the user and the game itself.  Specifically, movement, selection, and attack of individual units is supported.</a:t>
+            </a:r>
+          </a:p>
           <a:p>
             <a:endParaRPr lang="en-US" dirty="0"/>
           </a:p>
         </p:txBody>
       </p:sp>
-      <p:pic>
-        <p:nvPicPr>
-          <p:cNvPr id="4" name="Picture 3" descr="logo.jpg"/>
-          <p:cNvPicPr>
-            <a:picLocks noChangeAspect="1"/>
-          </p:cNvPicPr>
-          <p:nvPr/>
-        </p:nvPicPr>
-        <p:blipFill>
-          <a:blip r:embed="rId2"/>
-          <a:stretch>
-            <a:fillRect/>
-          </a:stretch>
-        </p:blipFill>
-        <p:spPr>
-          <a:xfrm>
-            <a:off x="7956253" y="0"/>
-            <a:ext cx="1187747" cy="1328738"/>
-          </a:xfrm>
-          <a:prstGeom prst="rect">
-            <a:avLst/>
-          </a:prstGeom>
-        </p:spPr>
-      </p:pic>
     </p:spTree>
   </p:cSld>
   <p:clrMapOvr>
@@ -4287,14 +4667,36 @@
             <p:ph type="title"/>
           </p:nvPr>
         </p:nvSpPr>
-        <p:spPr/>
-        <p:txBody>
-          <a:bodyPr/>
-          <a:lstStyle/>
-          <a:p>
-            <a:r>
-              <a:rPr lang="en-US" dirty="0" smtClean="0"/>
-              <a:t>Module 3 : Summary</a:t>
+        <p:spPr>
+          <a:xfrm>
+            <a:off x="457200" y="274638"/>
+            <a:ext cx="7391400" cy="1143000"/>
+          </a:xfrm>
+        </p:spPr>
+        <p:txBody>
+          <a:bodyPr>
+            <a:normAutofit fontScale="90000"/>
+          </a:bodyPr>
+          <a:lstStyle/>
+          <a:p>
+            <a:r>
+              <a:rPr lang="en-US" dirty="0" smtClean="0"/>
+              <a:t>Game Graphics </a:t>
+            </a:r>
+            <a:r>
+              <a:rPr lang="en-US" dirty="0" smtClean="0"/>
+              <a:t>Module</a:t>
+            </a:r>
+            <a:br>
+              <a:rPr lang="en-US" dirty="0" smtClean="0"/>
+            </a:br>
+            <a:r>
+              <a:rPr lang="en-US" dirty="0" smtClean="0"/>
+              <a:t>“</a:t>
+            </a:r>
+            <a:r>
+              <a:rPr lang="en-US" dirty="0" smtClean="0"/>
+              <a:t>Conclusion”</a:t>
             </a:r>
             <a:endParaRPr lang="en-US" dirty="0"/>
           </a:p>
@@ -4317,20 +4719,31 @@
           <a:p>
             <a:r>
               <a:rPr lang="en-US" dirty="0" smtClean="0"/>
-              <a:t>Point1</a:t>
-            </a:r>
-          </a:p>
-          <a:p>
-            <a:r>
-              <a:rPr lang="en-US" dirty="0" smtClean="0"/>
-              <a:t>Point2</a:t>
-            </a:r>
-          </a:p>
-          <a:p>
-            <a:r>
-              <a:rPr lang="en-US" dirty="0" smtClean="0"/>
-              <a:t>point3</a:t>
-            </a:r>
+              <a:t>Graphics are crucial to any graphics based video game.</a:t>
+            </a:r>
+          </a:p>
+          <a:p>
+            <a:pPr lvl="1"/>
+            <a:r>
+              <a:rPr lang="en-US" dirty="0" smtClean="0"/>
+              <a:t>Connects the player to the game by accepting input and accurately presenting information.</a:t>
+            </a:r>
+            <a:endParaRPr lang="en-US" dirty="0" smtClean="0"/>
+          </a:p>
+          <a:p>
+            <a:r>
+              <a:rPr lang="en-US" dirty="0" smtClean="0"/>
+              <a:t>Graphics must work well with the game mechanics.</a:t>
+            </a:r>
+          </a:p>
+          <a:p>
+            <a:pPr lvl="1"/>
+            <a:r>
+              <a:rPr lang="en-US" dirty="0" smtClean="0"/>
+              <a:t>2D overhead and grid were used to provide a solid correlation between the game’s mechanics and it’s graphics.</a:t>
+            </a:r>
+          </a:p>
+          <a:p>
             <a:endParaRPr lang="en-US" dirty="0"/>
           </a:p>
         </p:txBody>
@@ -4344,7 +4757,7 @@
           <p:nvPr/>
         </p:nvPicPr>
         <p:blipFill>
-          <a:blip r:embed="rId2"/>
+          <a:blip r:embed="rId2" cstate="print"/>
           <a:stretch>
             <a:fillRect/>
           </a:stretch>
@@ -4364,6 +4777,13 @@
   <p:clrMapOvr>
     <a:masterClrMapping/>
   </p:clrMapOvr>
+  <p:timing>
+    <p:tnLst>
+      <p:par>
+        <p:cTn id="1" dur="indefinite" restart="never" nodeType="tmRoot"/>
+      </p:par>
+    </p:tnLst>
+  </p:timing>
 </p:sld>
 </file>
 
@@ -4401,7 +4821,7 @@
           <a:p>
             <a:r>
               <a:rPr lang="en-US" dirty="0" smtClean="0"/>
-              <a:t>Module 3: Conclusion</a:t>
+              <a:t>Module 2 : Summary</a:t>
             </a:r>
             <a:endParaRPr lang="en-US" dirty="0"/>
           </a:p>
@@ -4422,6 +4842,22 @@
           <a:bodyPr/>
           <a:lstStyle/>
           <a:p>
+            <a:r>
+              <a:rPr lang="en-US" dirty="0" smtClean="0"/>
+              <a:t>Point1</a:t>
+            </a:r>
+          </a:p>
+          <a:p>
+            <a:r>
+              <a:rPr lang="en-US" dirty="0" smtClean="0"/>
+              <a:t>Point2</a:t>
+            </a:r>
+          </a:p>
+          <a:p>
+            <a:r>
+              <a:rPr lang="en-US" dirty="0" smtClean="0"/>
+              <a:t>point3</a:t>
+            </a:r>
             <a:endParaRPr lang="en-US" dirty="0"/>
           </a:p>
         </p:txBody>
@@ -4435,7 +4871,7 @@
           <p:nvPr/>
         </p:nvPicPr>
         <p:blipFill>
-          <a:blip r:embed="rId2"/>
+          <a:blip r:embed="rId2" cstate="print"/>
           <a:stretch>
             <a:fillRect/>
           </a:stretch>
@@ -4455,6 +4891,13 @@
   <p:clrMapOvr>
     <a:masterClrMapping/>
   </p:clrMapOvr>
+  <p:timing>
+    <p:tnLst>
+      <p:par>
+        <p:cTn id="1" dur="indefinite" restart="never" nodeType="tmRoot"/>
+      </p:par>
+    </p:tnLst>
+  </p:timing>
 </p:sld>
 </file>
 

--- a/trunk/Docs/DUEL REALITY .pptx
+++ b/trunk/Docs/DUEL REALITY .pptx
@@ -15,13 +15,15 @@
     <p:sldId id="260" r:id="rId9"/>
     <p:sldId id="261" r:id="rId10"/>
     <p:sldId id="262" r:id="rId11"/>
-    <p:sldId id="263" r:id="rId12"/>
-    <p:sldId id="264" r:id="rId13"/>
-    <p:sldId id="265" r:id="rId14"/>
-    <p:sldId id="266" r:id="rId15"/>
-    <p:sldId id="267" r:id="rId16"/>
-    <p:sldId id="268" r:id="rId17"/>
-    <p:sldId id="269" r:id="rId18"/>
+    <p:sldId id="273" r:id="rId12"/>
+    <p:sldId id="274" r:id="rId13"/>
+    <p:sldId id="263" r:id="rId14"/>
+    <p:sldId id="264" r:id="rId15"/>
+    <p:sldId id="265" r:id="rId16"/>
+    <p:sldId id="266" r:id="rId17"/>
+    <p:sldId id="267" r:id="rId18"/>
+    <p:sldId id="268" r:id="rId19"/>
+    <p:sldId id="269" r:id="rId20"/>
   </p:sldIdLst>
   <p:sldSz cx="9144000" cy="6858000" type="screen4x3"/>
   <p:notesSz cx="6858000" cy="9144000"/>
@@ -305,7 +307,7 @@
             <a:fld id="{1D8BD707-D9CF-40AE-B4C6-C98DA3205C09}" type="datetimeFigureOut">
               <a:rPr lang="en-US" smtClean="0"/>
               <a:pPr/>
-              <a:t>4/17/2010</a:t>
+              <a:t>4/19/2010</a:t>
             </a:fld>
             <a:endParaRPr lang="en-US"/>
           </a:p>
@@ -472,7 +474,7 @@
             <a:fld id="{1D8BD707-D9CF-40AE-B4C6-C98DA3205C09}" type="datetimeFigureOut">
               <a:rPr lang="en-US" smtClean="0"/>
               <a:pPr/>
-              <a:t>4/17/2010</a:t>
+              <a:t>4/19/2010</a:t>
             </a:fld>
             <a:endParaRPr lang="en-US"/>
           </a:p>
@@ -649,7 +651,7 @@
             <a:fld id="{1D8BD707-D9CF-40AE-B4C6-C98DA3205C09}" type="datetimeFigureOut">
               <a:rPr lang="en-US" smtClean="0"/>
               <a:pPr/>
-              <a:t>4/17/2010</a:t>
+              <a:t>4/19/2010</a:t>
             </a:fld>
             <a:endParaRPr lang="en-US"/>
           </a:p>
@@ -816,7 +818,7 @@
             <a:fld id="{1D8BD707-D9CF-40AE-B4C6-C98DA3205C09}" type="datetimeFigureOut">
               <a:rPr lang="en-US" smtClean="0"/>
               <a:pPr/>
-              <a:t>4/17/2010</a:t>
+              <a:t>4/19/2010</a:t>
             </a:fld>
             <a:endParaRPr lang="en-US"/>
           </a:p>
@@ -1059,7 +1061,7 @@
             <a:fld id="{1D8BD707-D9CF-40AE-B4C6-C98DA3205C09}" type="datetimeFigureOut">
               <a:rPr lang="en-US" smtClean="0"/>
               <a:pPr/>
-              <a:t>4/17/2010</a:t>
+              <a:t>4/19/2010</a:t>
             </a:fld>
             <a:endParaRPr lang="en-US"/>
           </a:p>
@@ -1344,7 +1346,7 @@
             <a:fld id="{1D8BD707-D9CF-40AE-B4C6-C98DA3205C09}" type="datetimeFigureOut">
               <a:rPr lang="en-US" smtClean="0"/>
               <a:pPr/>
-              <a:t>4/17/2010</a:t>
+              <a:t>4/19/2010</a:t>
             </a:fld>
             <a:endParaRPr lang="en-US"/>
           </a:p>
@@ -1763,7 +1765,7 @@
             <a:fld id="{1D8BD707-D9CF-40AE-B4C6-C98DA3205C09}" type="datetimeFigureOut">
               <a:rPr lang="en-US" smtClean="0"/>
               <a:pPr/>
-              <a:t>4/17/2010</a:t>
+              <a:t>4/19/2010</a:t>
             </a:fld>
             <a:endParaRPr lang="en-US"/>
           </a:p>
@@ -1878,7 +1880,7 @@
             <a:fld id="{1D8BD707-D9CF-40AE-B4C6-C98DA3205C09}" type="datetimeFigureOut">
               <a:rPr lang="en-US" smtClean="0"/>
               <a:pPr/>
-              <a:t>4/17/2010</a:t>
+              <a:t>4/19/2010</a:t>
             </a:fld>
             <a:endParaRPr lang="en-US"/>
           </a:p>
@@ -1970,7 +1972,7 @@
             <a:fld id="{1D8BD707-D9CF-40AE-B4C6-C98DA3205C09}" type="datetimeFigureOut">
               <a:rPr lang="en-US" smtClean="0"/>
               <a:pPr/>
-              <a:t>4/17/2010</a:t>
+              <a:t>4/19/2010</a:t>
             </a:fld>
             <a:endParaRPr lang="en-US"/>
           </a:p>
@@ -2244,7 +2246,7 @@
             <a:fld id="{1D8BD707-D9CF-40AE-B4C6-C98DA3205C09}" type="datetimeFigureOut">
               <a:rPr lang="en-US" smtClean="0"/>
               <a:pPr/>
-              <a:t>4/17/2010</a:t>
+              <a:t>4/19/2010</a:t>
             </a:fld>
             <a:endParaRPr lang="en-US"/>
           </a:p>
@@ -2494,7 +2496,7 @@
             <a:fld id="{1D8BD707-D9CF-40AE-B4C6-C98DA3205C09}" type="datetimeFigureOut">
               <a:rPr lang="en-US" smtClean="0"/>
               <a:pPr/>
-              <a:t>4/17/2010</a:t>
+              <a:t>4/19/2010</a:t>
             </a:fld>
             <a:endParaRPr lang="en-US"/>
           </a:p>
@@ -2704,7 +2706,7 @@
             <a:fld id="{1D8BD707-D9CF-40AE-B4C6-C98DA3205C09}" type="datetimeFigureOut">
               <a:rPr lang="en-US" smtClean="0"/>
               <a:pPr/>
-              <a:t>4/17/2010</a:t>
+              <a:t>4/19/2010</a:t>
             </a:fld>
             <a:endParaRPr lang="en-US"/>
           </a:p>
@@ -3219,32 +3221,26 @@
         </p:nvSpPr>
         <p:spPr/>
         <p:txBody>
-          <a:bodyPr/>
-          <a:lstStyle/>
-          <a:p>
-            <a:r>
-              <a:rPr lang="en-US" dirty="0" smtClean="0"/>
-              <a:t>Module 2: Conclusion</a:t>
-            </a:r>
-            <a:endParaRPr lang="en-US" dirty="0"/>
-          </a:p>
-        </p:txBody>
-      </p:sp>
-      <p:sp>
-        <p:nvSpPr>
-          <p:cNvPr id="3" name="Content Placeholder 2"/>
-          <p:cNvSpPr>
-            <a:spLocks noGrp="1"/>
-          </p:cNvSpPr>
-          <p:nvPr>
-            <p:ph idx="1"/>
-          </p:nvPr>
-        </p:nvSpPr>
-        <p:spPr/>
-        <p:txBody>
-          <a:bodyPr/>
-          <a:lstStyle/>
-          <a:p>
+          <a:bodyPr>
+            <a:normAutofit fontScale="90000"/>
+          </a:bodyPr>
+          <a:lstStyle/>
+          <a:p>
+            <a:r>
+              <a:rPr lang="en-US" dirty="0" smtClean="0"/>
+              <a:t>User Interface </a:t>
+            </a:r>
+            <a:r>
+              <a:rPr lang="en-US" dirty="0" smtClean="0"/>
+              <a:t>Module</a:t>
+            </a:r>
+            <a:br>
+              <a:rPr lang="en-US" dirty="0" smtClean="0"/>
+            </a:br>
+            <a:r>
+              <a:rPr lang="en-US" dirty="0" smtClean="0"/>
+              <a:t>Function</a:t>
+            </a:r>
             <a:endParaRPr lang="en-US" dirty="0"/>
           </a:p>
         </p:txBody>
@@ -3273,6 +3269,46 @@
           </a:prstGeom>
         </p:spPr>
       </p:pic>
+      <p:sp>
+        <p:nvSpPr>
+          <p:cNvPr id="5" name="Content Placeholder 2"/>
+          <p:cNvSpPr>
+            <a:spLocks noGrp="1"/>
+          </p:cNvSpPr>
+          <p:nvPr>
+            <p:ph idx="1"/>
+          </p:nvPr>
+        </p:nvSpPr>
+        <p:spPr>
+          <a:xfrm>
+            <a:off x="457200" y="1600200"/>
+            <a:ext cx="8229600" cy="4525963"/>
+          </a:xfrm>
+        </p:spPr>
+        <p:txBody>
+          <a:bodyPr/>
+          <a:lstStyle/>
+          <a:p>
+            <a:r>
+              <a:rPr lang="en-US" dirty="0" smtClean="0"/>
+              <a:t>Provide the framework for user interaction with the application</a:t>
+            </a:r>
+          </a:p>
+          <a:p>
+            <a:r>
+              <a:rPr lang="en-US" dirty="0" smtClean="0"/>
+              <a:t>Architecture</a:t>
+            </a:r>
+          </a:p>
+          <a:p>
+            <a:r>
+              <a:rPr lang="en-US" dirty="0" smtClean="0"/>
+              <a:t>Model</a:t>
+            </a:r>
+            <a:endParaRPr lang="en-US" dirty="0"/>
+          </a:p>
+        </p:txBody>
+      </p:sp>
     </p:spTree>
   </p:cSld>
   <p:clrMapOvr>
@@ -3310,12 +3346,25 @@
         </p:nvSpPr>
         <p:spPr/>
         <p:txBody>
-          <a:bodyPr/>
-          <a:lstStyle/>
-          <a:p>
-            <a:r>
-              <a:rPr lang="en-US" dirty="0" smtClean="0"/>
-              <a:t>Module 3 : Summary</a:t>
+          <a:bodyPr>
+            <a:normAutofit fontScale="90000"/>
+          </a:bodyPr>
+          <a:lstStyle/>
+          <a:p>
+            <a:r>
+              <a:rPr lang="en-US" dirty="0" smtClean="0"/>
+              <a:t>User Interface </a:t>
+            </a:r>
+            <a:r>
+              <a:rPr lang="en-US" dirty="0" smtClean="0"/>
+              <a:t>Module</a:t>
+            </a:r>
+            <a:br>
+              <a:rPr lang="en-US" dirty="0" smtClean="0"/>
+            </a:br>
+            <a:r>
+              <a:rPr lang="en-US" dirty="0" smtClean="0"/>
+              <a:t>Architecture</a:t>
             </a:r>
             <a:endParaRPr lang="en-US" dirty="0"/>
           </a:p>
@@ -3331,34 +3380,26 @@
             <p:ph idx="1"/>
           </p:nvPr>
         </p:nvSpPr>
-        <p:spPr/>
-        <p:txBody>
-          <a:bodyPr/>
-          <a:lstStyle/>
-          <a:p>
-            <a:r>
-              <a:rPr lang="en-US" dirty="0" smtClean="0"/>
-              <a:t>Point1</a:t>
-            </a:r>
-          </a:p>
-          <a:p>
-            <a:r>
-              <a:rPr lang="en-US" dirty="0" smtClean="0"/>
-              <a:t>Point2</a:t>
-            </a:r>
-          </a:p>
-          <a:p>
-            <a:r>
-              <a:rPr lang="en-US" dirty="0" smtClean="0"/>
-              <a:t>point3</a:t>
-            </a:r>
-            <a:endParaRPr lang="en-US" dirty="0"/>
+        <p:spPr>
+          <a:xfrm>
+            <a:off x="457200" y="1600201"/>
+            <a:ext cx="8229600" cy="609600"/>
+          </a:xfrm>
+        </p:spPr>
+        <p:txBody>
+          <a:bodyPr/>
+          <a:lstStyle/>
+          <a:p>
+            <a:r>
+              <a:rPr lang="en-US" dirty="0" smtClean="0"/>
+              <a:t>Interaction with other modules</a:t>
+            </a:r>
           </a:p>
         </p:txBody>
       </p:sp>
       <p:pic>
         <p:nvPicPr>
-          <p:cNvPr id="4" name="Picture 3" descr="logo.jpg"/>
+          <p:cNvPr id="4" name="Picture 3" descr="UI_Architecture.png"/>
           <p:cNvPicPr>
             <a:picLocks noChangeAspect="1"/>
           </p:cNvPicPr>
@@ -3372,8 +3413,8 @@
         </p:blipFill>
         <p:spPr>
           <a:xfrm>
-            <a:off x="7956253" y="0"/>
-            <a:ext cx="1187747" cy="1328738"/>
+            <a:off x="914400" y="2590800"/>
+            <a:ext cx="7161905" cy="2676191"/>
           </a:xfrm>
           <a:prstGeom prst="rect">
             <a:avLst/>
@@ -3417,39 +3458,29 @@
         </p:nvSpPr>
         <p:spPr/>
         <p:txBody>
-          <a:bodyPr/>
-          <a:lstStyle/>
-          <a:p>
-            <a:r>
-              <a:rPr lang="en-US" dirty="0" smtClean="0"/>
-              <a:t>Module 3: Conclusion</a:t>
-            </a:r>
-            <a:endParaRPr lang="en-US" dirty="0"/>
-          </a:p>
-        </p:txBody>
-      </p:sp>
-      <p:sp>
-        <p:nvSpPr>
-          <p:cNvPr id="3" name="Content Placeholder 2"/>
-          <p:cNvSpPr>
-            <a:spLocks noGrp="1"/>
-          </p:cNvSpPr>
-          <p:nvPr>
-            <p:ph idx="1"/>
-          </p:nvPr>
-        </p:nvSpPr>
-        <p:spPr/>
-        <p:txBody>
-          <a:bodyPr/>
-          <a:lstStyle/>
-          <a:p>
+          <a:bodyPr>
+            <a:normAutofit fontScale="90000"/>
+          </a:bodyPr>
+          <a:lstStyle/>
+          <a:p>
+            <a:r>
+              <a:rPr lang="en-US" dirty="0" smtClean="0"/>
+              <a:t>User Interface Module:</a:t>
+            </a:r>
+            <a:br>
+              <a:rPr lang="en-US" dirty="0" smtClean="0"/>
+            </a:br>
+            <a:r>
+              <a:rPr lang="en-US" dirty="0" smtClean="0"/>
+              <a:t>Model</a:t>
+            </a:r>
             <a:endParaRPr lang="en-US" dirty="0"/>
           </a:p>
         </p:txBody>
       </p:sp>
       <p:pic>
         <p:nvPicPr>
-          <p:cNvPr id="4" name="Picture 3" descr="logo.jpg"/>
+          <p:cNvPr id="4" name="Picture 3" descr="UI_model.PNG"/>
           <p:cNvPicPr>
             <a:picLocks noChangeAspect="1"/>
           </p:cNvPicPr>
@@ -3463,8 +3494,8 @@
         </p:blipFill>
         <p:spPr>
           <a:xfrm>
-            <a:off x="7956253" y="0"/>
-            <a:ext cx="1187747" cy="1328738"/>
+            <a:off x="531224" y="1552574"/>
+            <a:ext cx="8003176" cy="4376737"/>
           </a:xfrm>
           <a:prstGeom prst="rect">
             <a:avLst/>
@@ -3513,7 +3544,7 @@
           <a:p>
             <a:r>
               <a:rPr lang="en-US" dirty="0" smtClean="0"/>
-              <a:t>Module 4 : Summary</a:t>
+              <a:t>Module 3 : Summary</a:t>
             </a:r>
             <a:endParaRPr lang="en-US" dirty="0"/>
           </a:p>
@@ -3620,7 +3651,7 @@
           <a:p>
             <a:r>
               <a:rPr lang="en-US" dirty="0" smtClean="0"/>
-              <a:t>Module 4: Conclusion</a:t>
+              <a:t>Module 3: Conclusion</a:t>
             </a:r>
             <a:endParaRPr lang="en-US" dirty="0"/>
           </a:p>
@@ -3711,7 +3742,7 @@
           <a:p>
             <a:r>
               <a:rPr lang="en-US" dirty="0" smtClean="0"/>
-              <a:t>Summary </a:t>
+              <a:t>Module 4 : Summary</a:t>
             </a:r>
             <a:endParaRPr lang="en-US" dirty="0"/>
           </a:p>
@@ -3732,6 +3763,22 @@
           <a:bodyPr/>
           <a:lstStyle/>
           <a:p>
+            <a:r>
+              <a:rPr lang="en-US" dirty="0" smtClean="0"/>
+              <a:t>Point1</a:t>
+            </a:r>
+          </a:p>
+          <a:p>
+            <a:r>
+              <a:rPr lang="en-US" dirty="0" smtClean="0"/>
+              <a:t>Point2</a:t>
+            </a:r>
+          </a:p>
+          <a:p>
+            <a:r>
+              <a:rPr lang="en-US" dirty="0" smtClean="0"/>
+              <a:t>point3</a:t>
+            </a:r>
             <a:endParaRPr lang="en-US" dirty="0"/>
           </a:p>
         </p:txBody>
@@ -3802,7 +3849,7 @@
           <a:p>
             <a:r>
               <a:rPr lang="en-US" dirty="0" smtClean="0"/>
-              <a:t>Conclusion</a:t>
+              <a:t>Module 4: Conclusion</a:t>
             </a:r>
             <a:endParaRPr lang="en-US" dirty="0"/>
           </a:p>
@@ -3860,6 +3907,188 @@
 </file>
 
 <file path=ppt/slides/slide17.xml><?xml version="1.0" encoding="utf-8"?>
+<p:sld xmlns:a="http://schemas.openxmlformats.org/drawingml/2006/main" xmlns:r="http://schemas.openxmlformats.org/officeDocument/2006/relationships" xmlns:p="http://schemas.openxmlformats.org/presentationml/2006/main">
+  <p:cSld>
+    <p:spTree>
+      <p:nvGrpSpPr>
+        <p:cNvPr id="1" name=""/>
+        <p:cNvGrpSpPr/>
+        <p:nvPr/>
+      </p:nvGrpSpPr>
+      <p:grpSpPr>
+        <a:xfrm>
+          <a:off x="0" y="0"/>
+          <a:ext cx="0" cy="0"/>
+          <a:chOff x="0" y="0"/>
+          <a:chExt cx="0" cy="0"/>
+        </a:xfrm>
+      </p:grpSpPr>
+      <p:sp>
+        <p:nvSpPr>
+          <p:cNvPr id="2" name="Title 1"/>
+          <p:cNvSpPr>
+            <a:spLocks noGrp="1"/>
+          </p:cNvSpPr>
+          <p:nvPr>
+            <p:ph type="title"/>
+          </p:nvPr>
+        </p:nvSpPr>
+        <p:spPr/>
+        <p:txBody>
+          <a:bodyPr/>
+          <a:lstStyle/>
+          <a:p>
+            <a:r>
+              <a:rPr lang="en-US" dirty="0" smtClean="0"/>
+              <a:t>Summary </a:t>
+            </a:r>
+            <a:endParaRPr lang="en-US" dirty="0"/>
+          </a:p>
+        </p:txBody>
+      </p:sp>
+      <p:sp>
+        <p:nvSpPr>
+          <p:cNvPr id="3" name="Content Placeholder 2"/>
+          <p:cNvSpPr>
+            <a:spLocks noGrp="1"/>
+          </p:cNvSpPr>
+          <p:nvPr>
+            <p:ph idx="1"/>
+          </p:nvPr>
+        </p:nvSpPr>
+        <p:spPr/>
+        <p:txBody>
+          <a:bodyPr/>
+          <a:lstStyle/>
+          <a:p>
+            <a:endParaRPr lang="en-US" dirty="0"/>
+          </a:p>
+        </p:txBody>
+      </p:sp>
+      <p:pic>
+        <p:nvPicPr>
+          <p:cNvPr id="4" name="Picture 3" descr="logo.jpg"/>
+          <p:cNvPicPr>
+            <a:picLocks noChangeAspect="1"/>
+          </p:cNvPicPr>
+          <p:nvPr/>
+        </p:nvPicPr>
+        <p:blipFill>
+          <a:blip r:embed="rId2" cstate="print"/>
+          <a:stretch>
+            <a:fillRect/>
+          </a:stretch>
+        </p:blipFill>
+        <p:spPr>
+          <a:xfrm>
+            <a:off x="7956253" y="0"/>
+            <a:ext cx="1187747" cy="1328738"/>
+          </a:xfrm>
+          <a:prstGeom prst="rect">
+            <a:avLst/>
+          </a:prstGeom>
+        </p:spPr>
+      </p:pic>
+    </p:spTree>
+  </p:cSld>
+  <p:clrMapOvr>
+    <a:masterClrMapping/>
+  </p:clrMapOvr>
+</p:sld>
+</file>
+
+<file path=ppt/slides/slide18.xml><?xml version="1.0" encoding="utf-8"?>
+<p:sld xmlns:a="http://schemas.openxmlformats.org/drawingml/2006/main" xmlns:r="http://schemas.openxmlformats.org/officeDocument/2006/relationships" xmlns:p="http://schemas.openxmlformats.org/presentationml/2006/main">
+  <p:cSld>
+    <p:spTree>
+      <p:nvGrpSpPr>
+        <p:cNvPr id="1" name=""/>
+        <p:cNvGrpSpPr/>
+        <p:nvPr/>
+      </p:nvGrpSpPr>
+      <p:grpSpPr>
+        <a:xfrm>
+          <a:off x="0" y="0"/>
+          <a:ext cx="0" cy="0"/>
+          <a:chOff x="0" y="0"/>
+          <a:chExt cx="0" cy="0"/>
+        </a:xfrm>
+      </p:grpSpPr>
+      <p:sp>
+        <p:nvSpPr>
+          <p:cNvPr id="2" name="Title 1"/>
+          <p:cNvSpPr>
+            <a:spLocks noGrp="1"/>
+          </p:cNvSpPr>
+          <p:nvPr>
+            <p:ph type="title"/>
+          </p:nvPr>
+        </p:nvSpPr>
+        <p:spPr/>
+        <p:txBody>
+          <a:bodyPr/>
+          <a:lstStyle/>
+          <a:p>
+            <a:r>
+              <a:rPr lang="en-US" dirty="0" smtClean="0"/>
+              <a:t>Conclusion</a:t>
+            </a:r>
+            <a:endParaRPr lang="en-US" dirty="0"/>
+          </a:p>
+        </p:txBody>
+      </p:sp>
+      <p:sp>
+        <p:nvSpPr>
+          <p:cNvPr id="3" name="Content Placeholder 2"/>
+          <p:cNvSpPr>
+            <a:spLocks noGrp="1"/>
+          </p:cNvSpPr>
+          <p:nvPr>
+            <p:ph idx="1"/>
+          </p:nvPr>
+        </p:nvSpPr>
+        <p:spPr/>
+        <p:txBody>
+          <a:bodyPr/>
+          <a:lstStyle/>
+          <a:p>
+            <a:endParaRPr lang="en-US" dirty="0"/>
+          </a:p>
+        </p:txBody>
+      </p:sp>
+      <p:pic>
+        <p:nvPicPr>
+          <p:cNvPr id="4" name="Picture 3" descr="logo.jpg"/>
+          <p:cNvPicPr>
+            <a:picLocks noChangeAspect="1"/>
+          </p:cNvPicPr>
+          <p:nvPr/>
+        </p:nvPicPr>
+        <p:blipFill>
+          <a:blip r:embed="rId2" cstate="print"/>
+          <a:stretch>
+            <a:fillRect/>
+          </a:stretch>
+        </p:blipFill>
+        <p:spPr>
+          <a:xfrm>
+            <a:off x="7956253" y="0"/>
+            <a:ext cx="1187747" cy="1328738"/>
+          </a:xfrm>
+          <a:prstGeom prst="rect">
+            <a:avLst/>
+          </a:prstGeom>
+        </p:spPr>
+      </p:pic>
+    </p:spTree>
+  </p:cSld>
+  <p:clrMapOvr>
+    <a:masterClrMapping/>
+  </p:clrMapOvr>
+</p:sld>
+</file>
+
+<file path=ppt/slides/slide19.xml><?xml version="1.0" encoding="utf-8"?>
 <p:sld xmlns:a="http://schemas.openxmlformats.org/drawingml/2006/main" xmlns:r="http://schemas.openxmlformats.org/officeDocument/2006/relationships" xmlns:p="http://schemas.openxmlformats.org/presentationml/2006/main">
   <p:cSld>
     <p:spTree>
@@ -4225,11 +4454,7 @@
             </a:br>
             <a:r>
               <a:rPr lang="en-US" dirty="0" smtClean="0"/>
-              <a:t>“</a:t>
-            </a:r>
-            <a:r>
-              <a:rPr lang="en-US" dirty="0" smtClean="0"/>
-              <a:t>Summary”</a:t>
+              <a:t>“Summary”</a:t>
             </a:r>
             <a:endParaRPr lang="en-US" dirty="0"/>
           </a:p>
@@ -4254,14 +4479,12 @@
               <a:rPr lang="en-US" dirty="0" smtClean="0"/>
               <a:t>What it is.</a:t>
             </a:r>
-            <a:endParaRPr lang="en-US" dirty="0" smtClean="0"/>
           </a:p>
           <a:p>
             <a:r>
               <a:rPr lang="en-US" dirty="0" smtClean="0"/>
               <a:t>What it does.</a:t>
             </a:r>
-            <a:endParaRPr lang="en-US" dirty="0" smtClean="0"/>
           </a:p>
           <a:p>
             <a:r>
@@ -4347,15 +4570,7 @@
           <a:p>
             <a:r>
               <a:rPr lang="en-US" dirty="0" smtClean="0"/>
-              <a:t>Game Graphics </a:t>
-            </a:r>
-            <a:r>
-              <a:rPr lang="en-US" dirty="0" smtClean="0"/>
-              <a:t>Module</a:t>
-            </a:r>
-            <a:r>
-              <a:rPr lang="en-US" dirty="0" smtClean="0"/>
-              <a:t/>
+              <a:t>Game Graphics Module</a:t>
             </a:r>
             <a:br>
               <a:rPr lang="en-US" dirty="0" smtClean="0"/>
@@ -4469,11 +4684,7 @@
             </a:br>
             <a:r>
               <a:rPr lang="en-US" dirty="0" smtClean="0"/>
-              <a:t>“What it </a:t>
-            </a:r>
-            <a:r>
-              <a:rPr lang="en-US" dirty="0" smtClean="0"/>
-              <a:t>does”</a:t>
+              <a:t>“What it does”</a:t>
             </a:r>
             <a:endParaRPr lang="en-US" dirty="0"/>
           </a:p>
@@ -4681,22 +4892,14 @@
           <a:p>
             <a:r>
               <a:rPr lang="en-US" dirty="0" smtClean="0"/>
-              <a:t>Game Graphics </a:t>
-            </a:r>
-            <a:r>
-              <a:rPr lang="en-US" dirty="0" smtClean="0"/>
-              <a:t>Module</a:t>
+              <a:t>Game Graphics Module</a:t>
             </a:r>
             <a:br>
               <a:rPr lang="en-US" dirty="0" smtClean="0"/>
             </a:br>
             <a:r>
               <a:rPr lang="en-US" dirty="0" smtClean="0"/>
-              <a:t>“</a:t>
-            </a:r>
-            <a:r>
-              <a:rPr lang="en-US" dirty="0" smtClean="0"/>
-              <a:t>Conclusion”</a:t>
+              <a:t>“Conclusion”</a:t>
             </a:r>
             <a:endParaRPr lang="en-US" dirty="0"/>
           </a:p>
@@ -4728,7 +4931,6 @@
               <a:rPr lang="en-US" dirty="0" smtClean="0"/>
               <a:t>Connects the player to the game by accepting input and accurately presenting information.</a:t>
             </a:r>
-            <a:endParaRPr lang="en-US" dirty="0" smtClean="0"/>
           </a:p>
           <a:p>
             <a:r>
@@ -4816,12 +5018,21 @@
         </p:nvSpPr>
         <p:spPr/>
         <p:txBody>
-          <a:bodyPr/>
-          <a:lstStyle/>
-          <a:p>
-            <a:r>
-              <a:rPr lang="en-US" dirty="0" smtClean="0"/>
-              <a:t>Module 2 : Summary</a:t>
+          <a:bodyPr>
+            <a:normAutofit fontScale="90000"/>
+          </a:bodyPr>
+          <a:lstStyle/>
+          <a:p>
+            <a:r>
+              <a:rPr lang="en-US" dirty="0" smtClean="0"/>
+              <a:t>User Interface Module</a:t>
+            </a:r>
+            <a:br>
+              <a:rPr lang="en-US" dirty="0" smtClean="0"/>
+            </a:br>
+            <a:r>
+              <a:rPr lang="en-US" dirty="0" smtClean="0"/>
+              <a:t>Summary</a:t>
             </a:r>
             <a:endParaRPr lang="en-US" dirty="0"/>
           </a:p>
@@ -4844,19 +5055,27 @@
           <a:p>
             <a:r>
               <a:rPr lang="en-US" dirty="0" smtClean="0"/>
-              <a:t>Point1</a:t>
-            </a:r>
-          </a:p>
-          <a:p>
-            <a:r>
-              <a:rPr lang="en-US" dirty="0" smtClean="0"/>
-              <a:t>Point2</a:t>
-            </a:r>
-          </a:p>
-          <a:p>
-            <a:r>
-              <a:rPr lang="en-US" dirty="0" smtClean="0"/>
-              <a:t>point3</a:t>
+              <a:t>Function</a:t>
+            </a:r>
+            <a:endParaRPr lang="en-US" dirty="0" smtClean="0"/>
+          </a:p>
+          <a:p>
+            <a:r>
+              <a:rPr lang="en-US" dirty="0" smtClean="0"/>
+              <a:t>Architecture</a:t>
+            </a:r>
+          </a:p>
+          <a:p>
+            <a:r>
+              <a:rPr lang="en-US" dirty="0" smtClean="0"/>
+              <a:t>Model</a:t>
+            </a:r>
+            <a:endParaRPr lang="en-US" dirty="0" smtClean="0"/>
+          </a:p>
+          <a:p>
+            <a:r>
+              <a:rPr lang="en-US" dirty="0" smtClean="0"/>
+              <a:t>Conclusion</a:t>
             </a:r>
             <a:endParaRPr lang="en-US" dirty="0"/>
           </a:p>

--- a/trunk/Docs/DUEL REALITY .pptx
+++ b/trunk/Docs/DUEL REALITY .pptx
@@ -17,13 +17,14 @@
     <p:sldId id="262" r:id="rId11"/>
     <p:sldId id="273" r:id="rId12"/>
     <p:sldId id="274" r:id="rId13"/>
-    <p:sldId id="263" r:id="rId14"/>
-    <p:sldId id="264" r:id="rId15"/>
-    <p:sldId id="265" r:id="rId16"/>
-    <p:sldId id="266" r:id="rId17"/>
-    <p:sldId id="267" r:id="rId18"/>
-    <p:sldId id="268" r:id="rId19"/>
-    <p:sldId id="269" r:id="rId20"/>
+    <p:sldId id="275" r:id="rId14"/>
+    <p:sldId id="263" r:id="rId15"/>
+    <p:sldId id="264" r:id="rId16"/>
+    <p:sldId id="265" r:id="rId17"/>
+    <p:sldId id="266" r:id="rId18"/>
+    <p:sldId id="267" r:id="rId19"/>
+    <p:sldId id="268" r:id="rId20"/>
+    <p:sldId id="269" r:id="rId21"/>
   </p:sldIdLst>
   <p:sldSz cx="9144000" cy="6858000" type="screen4x3"/>
   <p:notesSz cx="6858000" cy="9144000"/>
@@ -3228,11 +3229,7 @@
           <a:p>
             <a:r>
               <a:rPr lang="en-US" dirty="0" smtClean="0"/>
-              <a:t>User Interface </a:t>
-            </a:r>
-            <a:r>
-              <a:rPr lang="en-US" dirty="0" smtClean="0"/>
-              <a:t>Module</a:t>
+              <a:t>User Interface Module</a:t>
             </a:r>
             <a:br>
               <a:rPr lang="en-US" dirty="0" smtClean="0"/>
@@ -3291,19 +3288,32 @@
           <a:p>
             <a:r>
               <a:rPr lang="en-US" dirty="0" smtClean="0"/>
-              <a:t>Provide the framework for user interaction with the application</a:t>
-            </a:r>
-          </a:p>
-          <a:p>
-            <a:r>
-              <a:rPr lang="en-US" dirty="0" smtClean="0"/>
-              <a:t>Architecture</a:t>
-            </a:r>
-          </a:p>
-          <a:p>
-            <a:r>
-              <a:rPr lang="en-US" dirty="0" smtClean="0"/>
-              <a:t>Model</a:t>
+              <a:t>Provide the framework for </a:t>
+            </a:r>
+            <a:r>
+              <a:rPr lang="en-US" dirty="0" smtClean="0"/>
+              <a:t>the user </a:t>
+            </a:r>
+            <a:r>
+              <a:rPr lang="en-US" dirty="0" smtClean="0"/>
+              <a:t>interaction with the application</a:t>
+            </a:r>
+          </a:p>
+          <a:p>
+            <a:r>
+              <a:rPr lang="en-US" dirty="0" smtClean="0"/>
+              <a:t>Provide the ability for the user to choose desired game settings</a:t>
+            </a:r>
+            <a:endParaRPr lang="en-US" dirty="0" smtClean="0"/>
+          </a:p>
+          <a:p>
+            <a:r>
+              <a:rPr lang="en-US" dirty="0" smtClean="0"/>
+              <a:t>Provide status messages or disp</a:t>
+            </a:r>
+            <a:r>
+              <a:rPr lang="en-US" dirty="0" smtClean="0"/>
+              <a:t>lay error messages if user attempts an invalid operation</a:t>
             </a:r>
             <a:endParaRPr lang="en-US" dirty="0"/>
           </a:p>
@@ -3353,11 +3363,7 @@
           <a:p>
             <a:r>
               <a:rPr lang="en-US" dirty="0" smtClean="0"/>
-              <a:t>User Interface </a:t>
-            </a:r>
-            <a:r>
-              <a:rPr lang="en-US" dirty="0" smtClean="0"/>
-              <a:t>Module</a:t>
+              <a:t>User Interface Module</a:t>
             </a:r>
             <a:br>
               <a:rPr lang="en-US" dirty="0" smtClean="0"/>
@@ -3529,7 +3535,7 @@
       </p:grpSpPr>
       <p:sp>
         <p:nvSpPr>
-          <p:cNvPr id="2" name="Title 1"/>
+          <p:cNvPr id="4" name="Title 1"/>
           <p:cNvSpPr>
             <a:spLocks noGrp="1"/>
           </p:cNvSpPr>
@@ -3537,49 +3543,28 @@
             <p:ph type="title"/>
           </p:nvPr>
         </p:nvSpPr>
-        <p:spPr/>
-        <p:txBody>
-          <a:bodyPr/>
-          <a:lstStyle/>
-          <a:p>
-            <a:r>
-              <a:rPr lang="en-US" dirty="0" smtClean="0"/>
-              <a:t>Module 3 : Summary</a:t>
-            </a:r>
-            <a:endParaRPr lang="en-US" dirty="0"/>
-          </a:p>
-        </p:txBody>
-      </p:sp>
-      <p:sp>
-        <p:nvSpPr>
-          <p:cNvPr id="3" name="Content Placeholder 2"/>
-          <p:cNvSpPr>
-            <a:spLocks noGrp="1"/>
-          </p:cNvSpPr>
-          <p:nvPr>
-            <p:ph idx="1"/>
-          </p:nvPr>
-        </p:nvSpPr>
-        <p:spPr/>
-        <p:txBody>
-          <a:bodyPr/>
-          <a:lstStyle/>
-          <a:p>
-            <a:r>
-              <a:rPr lang="en-US" dirty="0" smtClean="0"/>
-              <a:t>Point1</a:t>
-            </a:r>
-          </a:p>
-          <a:p>
-            <a:r>
-              <a:rPr lang="en-US" dirty="0" smtClean="0"/>
-              <a:t>Point2</a:t>
-            </a:r>
-          </a:p>
-          <a:p>
-            <a:r>
-              <a:rPr lang="en-US" dirty="0" smtClean="0"/>
-              <a:t>point3</a:t>
+        <p:spPr>
+          <a:xfrm>
+            <a:off x="457200" y="274638"/>
+            <a:ext cx="8229600" cy="1143000"/>
+          </a:xfrm>
+        </p:spPr>
+        <p:txBody>
+          <a:bodyPr>
+            <a:normAutofit fontScale="90000"/>
+          </a:bodyPr>
+          <a:lstStyle/>
+          <a:p>
+            <a:r>
+              <a:rPr lang="en-US" dirty="0" smtClean="0"/>
+              <a:t>User Interface Module</a:t>
+            </a:r>
+            <a:br>
+              <a:rPr lang="en-US" dirty="0" smtClean="0"/>
+            </a:br>
+            <a:r>
+              <a:rPr lang="en-US" dirty="0" smtClean="0"/>
+              <a:t>Conclusion</a:t>
             </a:r>
             <a:endParaRPr lang="en-US" dirty="0"/>
           </a:p>
@@ -3587,7 +3572,7 @@
       </p:sp>
       <p:pic>
         <p:nvPicPr>
-          <p:cNvPr id="4" name="Picture 3" descr="logo.jpg"/>
+          <p:cNvPr id="5" name="Picture 4" descr="logo.jpg"/>
           <p:cNvPicPr>
             <a:picLocks noChangeAspect="1"/>
           </p:cNvPicPr>
@@ -3609,6 +3594,58 @@
           </a:prstGeom>
         </p:spPr>
       </p:pic>
+      <p:sp>
+        <p:nvSpPr>
+          <p:cNvPr id="6" name="Content Placeholder 2"/>
+          <p:cNvSpPr>
+            <a:spLocks noGrp="1"/>
+          </p:cNvSpPr>
+          <p:nvPr>
+            <p:ph idx="1"/>
+          </p:nvPr>
+        </p:nvSpPr>
+        <p:spPr>
+          <a:xfrm>
+            <a:off x="457200" y="1600200"/>
+            <a:ext cx="8229600" cy="4525963"/>
+          </a:xfrm>
+        </p:spPr>
+        <p:txBody>
+          <a:bodyPr>
+            <a:normAutofit lnSpcReduction="10000"/>
+          </a:bodyPr>
+          <a:lstStyle/>
+          <a:p>
+            <a:r>
+              <a:rPr lang="en-US" dirty="0" smtClean="0"/>
+              <a:t>The User Interface module is what enables the application to respond to the user’s actions.</a:t>
+            </a:r>
+            <a:endParaRPr lang="en-US" dirty="0" smtClean="0"/>
+          </a:p>
+          <a:p>
+            <a:r>
+              <a:rPr lang="en-US" dirty="0" smtClean="0"/>
+              <a:t>By communicating with the game mechanics and database modules, the User Interface shares, with the user, data necessary to configure the game</a:t>
+            </a:r>
+            <a:endParaRPr lang="en-US" dirty="0" smtClean="0"/>
+          </a:p>
+          <a:p>
+            <a:r>
+              <a:rPr lang="en-US" dirty="0" smtClean="0"/>
+              <a:t>The User Interface module does not display graphics of the active battle, but rather </a:t>
+            </a:r>
+            <a:r>
+              <a:rPr lang="en-US" smtClean="0"/>
+              <a:t>provides the space </a:t>
+            </a:r>
+            <a:r>
+              <a:rPr lang="en-US" dirty="0" smtClean="0"/>
+              <a:t>to view the battle.</a:t>
+            </a:r>
+            <a:endParaRPr lang="en-US" dirty="0"/>
+          </a:p>
+        </p:txBody>
+      </p:sp>
     </p:spTree>
   </p:cSld>
   <p:clrMapOvr>
@@ -3651,7 +3688,7 @@
           <a:p>
             <a:r>
               <a:rPr lang="en-US" dirty="0" smtClean="0"/>
-              <a:t>Module 3: Conclusion</a:t>
+              <a:t>Module 3 : Summary</a:t>
             </a:r>
             <a:endParaRPr lang="en-US" dirty="0"/>
           </a:p>
@@ -3672,6 +3709,22 @@
           <a:bodyPr/>
           <a:lstStyle/>
           <a:p>
+            <a:r>
+              <a:rPr lang="en-US" dirty="0" smtClean="0"/>
+              <a:t>Point1</a:t>
+            </a:r>
+          </a:p>
+          <a:p>
+            <a:r>
+              <a:rPr lang="en-US" dirty="0" smtClean="0"/>
+              <a:t>Point2</a:t>
+            </a:r>
+          </a:p>
+          <a:p>
+            <a:r>
+              <a:rPr lang="en-US" dirty="0" smtClean="0"/>
+              <a:t>point3</a:t>
+            </a:r>
             <a:endParaRPr lang="en-US" dirty="0"/>
           </a:p>
         </p:txBody>
@@ -3742,7 +3795,7 @@
           <a:p>
             <a:r>
               <a:rPr lang="en-US" dirty="0" smtClean="0"/>
-              <a:t>Module 4 : Summary</a:t>
+              <a:t>Module 3: Conclusion</a:t>
             </a:r>
             <a:endParaRPr lang="en-US" dirty="0"/>
           </a:p>
@@ -3763,22 +3816,6 @@
           <a:bodyPr/>
           <a:lstStyle/>
           <a:p>
-            <a:r>
-              <a:rPr lang="en-US" dirty="0" smtClean="0"/>
-              <a:t>Point1</a:t>
-            </a:r>
-          </a:p>
-          <a:p>
-            <a:r>
-              <a:rPr lang="en-US" dirty="0" smtClean="0"/>
-              <a:t>Point2</a:t>
-            </a:r>
-          </a:p>
-          <a:p>
-            <a:r>
-              <a:rPr lang="en-US" dirty="0" smtClean="0"/>
-              <a:t>point3</a:t>
-            </a:r>
             <a:endParaRPr lang="en-US" dirty="0"/>
           </a:p>
         </p:txBody>
@@ -3849,7 +3886,7 @@
           <a:p>
             <a:r>
               <a:rPr lang="en-US" dirty="0" smtClean="0"/>
-              <a:t>Module 4: Conclusion</a:t>
+              <a:t>Module 4 : Summary</a:t>
             </a:r>
             <a:endParaRPr lang="en-US" dirty="0"/>
           </a:p>
@@ -3870,6 +3907,22 @@
           <a:bodyPr/>
           <a:lstStyle/>
           <a:p>
+            <a:r>
+              <a:rPr lang="en-US" dirty="0" smtClean="0"/>
+              <a:t>Point1</a:t>
+            </a:r>
+          </a:p>
+          <a:p>
+            <a:r>
+              <a:rPr lang="en-US" dirty="0" smtClean="0"/>
+              <a:t>Point2</a:t>
+            </a:r>
+          </a:p>
+          <a:p>
+            <a:r>
+              <a:rPr lang="en-US" dirty="0" smtClean="0"/>
+              <a:t>point3</a:t>
+            </a:r>
             <a:endParaRPr lang="en-US" dirty="0"/>
           </a:p>
         </p:txBody>
@@ -3940,7 +3993,7 @@
           <a:p>
             <a:r>
               <a:rPr lang="en-US" dirty="0" smtClean="0"/>
-              <a:t>Summary </a:t>
+              <a:t>Module 4: Conclusion</a:t>
             </a:r>
             <a:endParaRPr lang="en-US" dirty="0"/>
           </a:p>
@@ -4031,7 +4084,7 @@
           <a:p>
             <a:r>
               <a:rPr lang="en-US" dirty="0" smtClean="0"/>
-              <a:t>Conclusion</a:t>
+              <a:t>Summary </a:t>
             </a:r>
             <a:endParaRPr lang="en-US" dirty="0"/>
           </a:p>
@@ -4122,8 +4175,27 @@
           <a:p>
             <a:r>
               <a:rPr lang="en-US" dirty="0" smtClean="0"/>
-              <a:t>Questions?</a:t>
-            </a:r>
+              <a:t>Conclusion</a:t>
+            </a:r>
+            <a:endParaRPr lang="en-US" dirty="0"/>
+          </a:p>
+        </p:txBody>
+      </p:sp>
+      <p:sp>
+        <p:nvSpPr>
+          <p:cNvPr id="3" name="Content Placeholder 2"/>
+          <p:cNvSpPr>
+            <a:spLocks noGrp="1"/>
+          </p:cNvSpPr>
+          <p:nvPr>
+            <p:ph idx="1"/>
+          </p:nvPr>
+        </p:nvSpPr>
+        <p:spPr/>
+        <p:txBody>
+          <a:bodyPr/>
+          <a:lstStyle/>
+          <a:p>
             <a:endParaRPr lang="en-US" dirty="0"/>
           </a:p>
         </p:txBody>
@@ -4305,6 +4377,78 @@
       </p:par>
     </p:tnLst>
   </p:timing>
+</p:sld>
+</file>
+
+<file path=ppt/slides/slide20.xml><?xml version="1.0" encoding="utf-8"?>
+<p:sld xmlns:a="http://schemas.openxmlformats.org/drawingml/2006/main" xmlns:r="http://schemas.openxmlformats.org/officeDocument/2006/relationships" xmlns:p="http://schemas.openxmlformats.org/presentationml/2006/main">
+  <p:cSld>
+    <p:spTree>
+      <p:nvGrpSpPr>
+        <p:cNvPr id="1" name=""/>
+        <p:cNvGrpSpPr/>
+        <p:nvPr/>
+      </p:nvGrpSpPr>
+      <p:grpSpPr>
+        <a:xfrm>
+          <a:off x="0" y="0"/>
+          <a:ext cx="0" cy="0"/>
+          <a:chOff x="0" y="0"/>
+          <a:chExt cx="0" cy="0"/>
+        </a:xfrm>
+      </p:grpSpPr>
+      <p:sp>
+        <p:nvSpPr>
+          <p:cNvPr id="2" name="Title 1"/>
+          <p:cNvSpPr>
+            <a:spLocks noGrp="1"/>
+          </p:cNvSpPr>
+          <p:nvPr>
+            <p:ph type="title"/>
+          </p:nvPr>
+        </p:nvSpPr>
+        <p:spPr/>
+        <p:txBody>
+          <a:bodyPr/>
+          <a:lstStyle/>
+          <a:p>
+            <a:r>
+              <a:rPr lang="en-US" dirty="0" smtClean="0"/>
+              <a:t>Questions?</a:t>
+            </a:r>
+            <a:endParaRPr lang="en-US" dirty="0"/>
+          </a:p>
+        </p:txBody>
+      </p:sp>
+      <p:pic>
+        <p:nvPicPr>
+          <p:cNvPr id="4" name="Picture 3" descr="logo.jpg"/>
+          <p:cNvPicPr>
+            <a:picLocks noChangeAspect="1"/>
+          </p:cNvPicPr>
+          <p:nvPr/>
+        </p:nvPicPr>
+        <p:blipFill>
+          <a:blip r:embed="rId2" cstate="print"/>
+          <a:stretch>
+            <a:fillRect/>
+          </a:stretch>
+        </p:blipFill>
+        <p:spPr>
+          <a:xfrm>
+            <a:off x="7956253" y="0"/>
+            <a:ext cx="1187747" cy="1328738"/>
+          </a:xfrm>
+          <a:prstGeom prst="rect">
+            <a:avLst/>
+          </a:prstGeom>
+        </p:spPr>
+      </p:pic>
+    </p:spTree>
+  </p:cSld>
+  <p:clrMapOvr>
+    <a:masterClrMapping/>
+  </p:clrMapOvr>
 </p:sld>
 </file>
 
@@ -5057,7 +5201,6 @@
               <a:rPr lang="en-US" dirty="0" smtClean="0"/>
               <a:t>Function</a:t>
             </a:r>
-            <a:endParaRPr lang="en-US" dirty="0" smtClean="0"/>
           </a:p>
           <a:p>
             <a:r>
@@ -5070,7 +5213,6 @@
               <a:rPr lang="en-US" dirty="0" smtClean="0"/>
               <a:t>Model</a:t>
             </a:r>
-            <a:endParaRPr lang="en-US" dirty="0" smtClean="0"/>
           </a:p>
           <a:p>
             <a:r>

--- a/trunk/Docs/DUEL REALITY .pptx
+++ b/trunk/Docs/DUEL REALITY .pptx
@@ -19,12 +19,16 @@
     <p:sldId id="274" r:id="rId13"/>
     <p:sldId id="275" r:id="rId14"/>
     <p:sldId id="263" r:id="rId15"/>
-    <p:sldId id="264" r:id="rId16"/>
-    <p:sldId id="265" r:id="rId17"/>
-    <p:sldId id="266" r:id="rId18"/>
-    <p:sldId id="267" r:id="rId19"/>
-    <p:sldId id="268" r:id="rId20"/>
-    <p:sldId id="269" r:id="rId21"/>
+    <p:sldId id="276" r:id="rId16"/>
+    <p:sldId id="277" r:id="rId17"/>
+    <p:sldId id="278" r:id="rId18"/>
+    <p:sldId id="264" r:id="rId19"/>
+    <p:sldId id="265" r:id="rId20"/>
+    <p:sldId id="279" r:id="rId21"/>
+    <p:sldId id="266" r:id="rId22"/>
+    <p:sldId id="267" r:id="rId23"/>
+    <p:sldId id="268" r:id="rId24"/>
+    <p:sldId id="269" r:id="rId25"/>
   </p:sldIdLst>
   <p:sldSz cx="9144000" cy="6858000" type="screen4x3"/>
   <p:notesSz cx="6858000" cy="9144000"/>
@@ -308,7 +312,7 @@
             <a:fld id="{1D8BD707-D9CF-40AE-B4C6-C98DA3205C09}" type="datetimeFigureOut">
               <a:rPr lang="en-US" smtClean="0"/>
               <a:pPr/>
-              <a:t>4/19/2010</a:t>
+              <a:t>4/20/2010</a:t>
             </a:fld>
             <a:endParaRPr lang="en-US"/>
           </a:p>
@@ -475,7 +479,7 @@
             <a:fld id="{1D8BD707-D9CF-40AE-B4C6-C98DA3205C09}" type="datetimeFigureOut">
               <a:rPr lang="en-US" smtClean="0"/>
               <a:pPr/>
-              <a:t>4/19/2010</a:t>
+              <a:t>4/20/2010</a:t>
             </a:fld>
             <a:endParaRPr lang="en-US"/>
           </a:p>
@@ -652,7 +656,7 @@
             <a:fld id="{1D8BD707-D9CF-40AE-B4C6-C98DA3205C09}" type="datetimeFigureOut">
               <a:rPr lang="en-US" smtClean="0"/>
               <a:pPr/>
-              <a:t>4/19/2010</a:t>
+              <a:t>4/20/2010</a:t>
             </a:fld>
             <a:endParaRPr lang="en-US"/>
           </a:p>
@@ -819,7 +823,7 @@
             <a:fld id="{1D8BD707-D9CF-40AE-B4C6-C98DA3205C09}" type="datetimeFigureOut">
               <a:rPr lang="en-US" smtClean="0"/>
               <a:pPr/>
-              <a:t>4/19/2010</a:t>
+              <a:t>4/20/2010</a:t>
             </a:fld>
             <a:endParaRPr lang="en-US"/>
           </a:p>
@@ -1062,7 +1066,7 @@
             <a:fld id="{1D8BD707-D9CF-40AE-B4C6-C98DA3205C09}" type="datetimeFigureOut">
               <a:rPr lang="en-US" smtClean="0"/>
               <a:pPr/>
-              <a:t>4/19/2010</a:t>
+              <a:t>4/20/2010</a:t>
             </a:fld>
             <a:endParaRPr lang="en-US"/>
           </a:p>
@@ -1347,7 +1351,7 @@
             <a:fld id="{1D8BD707-D9CF-40AE-B4C6-C98DA3205C09}" type="datetimeFigureOut">
               <a:rPr lang="en-US" smtClean="0"/>
               <a:pPr/>
-              <a:t>4/19/2010</a:t>
+              <a:t>4/20/2010</a:t>
             </a:fld>
             <a:endParaRPr lang="en-US"/>
           </a:p>
@@ -1766,7 +1770,7 @@
             <a:fld id="{1D8BD707-D9CF-40AE-B4C6-C98DA3205C09}" type="datetimeFigureOut">
               <a:rPr lang="en-US" smtClean="0"/>
               <a:pPr/>
-              <a:t>4/19/2010</a:t>
+              <a:t>4/20/2010</a:t>
             </a:fld>
             <a:endParaRPr lang="en-US"/>
           </a:p>
@@ -1881,7 +1885,7 @@
             <a:fld id="{1D8BD707-D9CF-40AE-B4C6-C98DA3205C09}" type="datetimeFigureOut">
               <a:rPr lang="en-US" smtClean="0"/>
               <a:pPr/>
-              <a:t>4/19/2010</a:t>
+              <a:t>4/20/2010</a:t>
             </a:fld>
             <a:endParaRPr lang="en-US"/>
           </a:p>
@@ -1973,7 +1977,7 @@
             <a:fld id="{1D8BD707-D9CF-40AE-B4C6-C98DA3205C09}" type="datetimeFigureOut">
               <a:rPr lang="en-US" smtClean="0"/>
               <a:pPr/>
-              <a:t>4/19/2010</a:t>
+              <a:t>4/20/2010</a:t>
             </a:fld>
             <a:endParaRPr lang="en-US"/>
           </a:p>
@@ -2247,7 +2251,7 @@
             <a:fld id="{1D8BD707-D9CF-40AE-B4C6-C98DA3205C09}" type="datetimeFigureOut">
               <a:rPr lang="en-US" smtClean="0"/>
               <a:pPr/>
-              <a:t>4/19/2010</a:t>
+              <a:t>4/20/2010</a:t>
             </a:fld>
             <a:endParaRPr lang="en-US"/>
           </a:p>
@@ -2497,7 +2501,7 @@
             <a:fld id="{1D8BD707-D9CF-40AE-B4C6-C98DA3205C09}" type="datetimeFigureOut">
               <a:rPr lang="en-US" smtClean="0"/>
               <a:pPr/>
-              <a:t>4/19/2010</a:t>
+              <a:t>4/20/2010</a:t>
             </a:fld>
             <a:endParaRPr lang="en-US"/>
           </a:p>
@@ -2707,7 +2711,7 @@
             <a:fld id="{1D8BD707-D9CF-40AE-B4C6-C98DA3205C09}" type="datetimeFigureOut">
               <a:rPr lang="en-US" smtClean="0"/>
               <a:pPr/>
-              <a:t>4/19/2010</a:t>
+              <a:t>4/20/2010</a:t>
             </a:fld>
             <a:endParaRPr lang="en-US"/>
           </a:p>
@@ -3147,8 +3151,12 @@
           </a:p>
           <a:p>
             <a:r>
+              <a:rPr lang="en-US" dirty="0" smtClean="0"/>
+              <a:t>Ye </a:t>
+            </a:r>
+            <a:r>
               <a:rPr lang="en-US" dirty="0" err="1" smtClean="0"/>
-              <a:t>YeTian</a:t>
+              <a:t>Tian</a:t>
             </a:r>
             <a:endParaRPr lang="en-US" dirty="0"/>
           </a:p>
@@ -3178,6 +3186,116 @@
           </a:prstGeom>
         </p:spPr>
       </p:pic>
+      <p:sp>
+        <p:nvSpPr>
+          <p:cNvPr id="6" name="Title 1"/>
+          <p:cNvSpPr txBox="1">
+            <a:spLocks/>
+          </p:cNvSpPr>
+          <p:nvPr/>
+        </p:nvSpPr>
+        <p:spPr>
+          <a:xfrm>
+            <a:off x="609600" y="152400"/>
+            <a:ext cx="7772400" cy="1847850"/>
+          </a:xfrm>
+          <a:prstGeom prst="rect">
+            <a:avLst/>
+          </a:prstGeom>
+        </p:spPr>
+        <p:txBody>
+          <a:bodyPr vert="horz" lIns="91440" tIns="45720" rIns="91440" bIns="45720" rtlCol="0" anchor="ctr">
+            <a:normAutofit/>
+          </a:bodyPr>
+          <a:lstStyle/>
+          <a:p>
+            <a:pPr marL="0" marR="0" lvl="0" indent="0" algn="ctr" defTabSz="914400" rtl="0" eaLnBrk="1" fontAlgn="auto" latinLnBrk="0" hangingPunct="1">
+              <a:lnSpc>
+                <a:spcPct val="100000"/>
+              </a:lnSpc>
+              <a:spcBef>
+                <a:spcPct val="0"/>
+              </a:spcBef>
+              <a:spcAft>
+                <a:spcPts val="0"/>
+              </a:spcAft>
+              <a:buClrTx/>
+              <a:buSzTx/>
+              <a:buFontTx/>
+              <a:buNone/>
+              <a:tabLst/>
+              <a:defRPr/>
+            </a:pPr>
+            <a:r>
+              <a:rPr kumimoji="0" lang="en-US" sz="4400" b="0" i="0" u="none" strike="noStrike" kern="1200" cap="none" spc="0" normalizeH="0" baseline="0" noProof="0" dirty="0" smtClean="0">
+                <a:ln>
+                  <a:noFill/>
+                </a:ln>
+                <a:solidFill>
+                  <a:schemeClr val="tx1"/>
+                </a:solidFill>
+                <a:effectLst/>
+                <a:uLnTx/>
+                <a:uFillTx/>
+                <a:latin typeface="+mj-lt"/>
+                <a:ea typeface="+mj-ea"/>
+                <a:cs typeface="+mj-cs"/>
+              </a:rPr>
+              <a:t>Software Engineering </a:t>
+            </a:r>
+          </a:p>
+          <a:p>
+            <a:pPr marL="0" marR="0" lvl="0" indent="0" algn="ctr" defTabSz="914400" rtl="0" eaLnBrk="1" fontAlgn="auto" latinLnBrk="0" hangingPunct="1">
+              <a:lnSpc>
+                <a:spcPct val="100000"/>
+              </a:lnSpc>
+              <a:spcBef>
+                <a:spcPct val="0"/>
+              </a:spcBef>
+              <a:spcAft>
+                <a:spcPts val="0"/>
+              </a:spcAft>
+              <a:buClrTx/>
+              <a:buSzTx/>
+              <a:buFontTx/>
+              <a:buNone/>
+              <a:tabLst/>
+              <a:defRPr/>
+            </a:pPr>
+            <a:r>
+              <a:rPr kumimoji="0" lang="en-US" sz="4400" b="0" i="0" u="none" strike="noStrike" kern="1200" cap="none" spc="0" normalizeH="0" baseline="0" noProof="0" dirty="0" smtClean="0">
+                <a:ln>
+                  <a:noFill/>
+                </a:ln>
+                <a:solidFill>
+                  <a:schemeClr val="tx1"/>
+                </a:solidFill>
+                <a:effectLst/>
+                <a:uLnTx/>
+                <a:uFillTx/>
+                <a:latin typeface="+mj-lt"/>
+                <a:ea typeface="+mj-ea"/>
+                <a:cs typeface="+mj-cs"/>
+              </a:rPr>
+              <a:t>Spring 2010</a:t>
+            </a:r>
+            <a:endParaRPr kumimoji="0" lang="en-US" sz="4400" b="0" i="0" u="none" strike="noStrike" kern="1200" cap="none" spc="0" normalizeH="0" baseline="0" noProof="0" dirty="0">
+              <a:ln>
+                <a:noFill/>
+              </a:ln>
+              <a:solidFill>
+                <a:schemeClr val="tx1"/>
+              </a:solidFill>
+              <a:effectLst/>
+              <a:uLnTx/>
+              <a:uFillTx/>
+              <a:latin typeface="+mj-lt"/>
+              <a:ea typeface="+mj-ea"/>
+              <a:cs typeface="+mj-cs"/>
+            </a:endParaRPr>
+          </a:p>
+        </p:txBody>
+      </p:sp>
     </p:spTree>
   </p:cSld>
   <p:clrMapOvr>
@@ -3288,15 +3406,7 @@
           <a:p>
             <a:r>
               <a:rPr lang="en-US" dirty="0" smtClean="0"/>
-              <a:t>Provide the framework for </a:t>
-            </a:r>
-            <a:r>
-              <a:rPr lang="en-US" dirty="0" smtClean="0"/>
-              <a:t>the user </a:t>
-            </a:r>
-            <a:r>
-              <a:rPr lang="en-US" dirty="0" smtClean="0"/>
-              <a:t>interaction with the application</a:t>
+              <a:t>Provide the framework for the user interaction with the application</a:t>
             </a:r>
           </a:p>
           <a:p>
@@ -3304,16 +3414,11 @@
               <a:rPr lang="en-US" dirty="0" smtClean="0"/>
               <a:t>Provide the ability for the user to choose desired game settings</a:t>
             </a:r>
-            <a:endParaRPr lang="en-US" dirty="0" smtClean="0"/>
-          </a:p>
-          <a:p>
-            <a:r>
-              <a:rPr lang="en-US" dirty="0" smtClean="0"/>
-              <a:t>Provide status messages or disp</a:t>
-            </a:r>
-            <a:r>
-              <a:rPr lang="en-US" dirty="0" smtClean="0"/>
-              <a:t>lay error messages if user attempts an invalid operation</a:t>
+          </a:p>
+          <a:p>
+            <a:r>
+              <a:rPr lang="en-US" dirty="0" smtClean="0"/>
+              <a:t>Provide status messages or display error messages if user attempts an invalid operation</a:t>
             </a:r>
             <a:endParaRPr lang="en-US" dirty="0"/>
           </a:p>
@@ -3421,6 +3526,30 @@
           <a:xfrm>
             <a:off x="914400" y="2590800"/>
             <a:ext cx="7161905" cy="2676191"/>
+          </a:xfrm>
+          <a:prstGeom prst="rect">
+            <a:avLst/>
+          </a:prstGeom>
+        </p:spPr>
+      </p:pic>
+      <p:pic>
+        <p:nvPicPr>
+          <p:cNvPr id="5" name="Picture 4" descr="logo.jpg"/>
+          <p:cNvPicPr>
+            <a:picLocks noChangeAspect="1"/>
+          </p:cNvPicPr>
+          <p:nvPr/>
+        </p:nvPicPr>
+        <p:blipFill>
+          <a:blip r:embed="rId3" cstate="print"/>
+          <a:stretch>
+            <a:fillRect/>
+          </a:stretch>
+        </p:blipFill>
+        <p:spPr>
+          <a:xfrm>
+            <a:off x="7956253" y="0"/>
+            <a:ext cx="1187747" cy="1328738"/>
           </a:xfrm>
           <a:prstGeom prst="rect">
             <a:avLst/>
@@ -3508,6 +3637,30 @@
           </a:prstGeom>
         </p:spPr>
       </p:pic>
+      <p:pic>
+        <p:nvPicPr>
+          <p:cNvPr id="5" name="Picture 4" descr="logo.jpg"/>
+          <p:cNvPicPr>
+            <a:picLocks noChangeAspect="1"/>
+          </p:cNvPicPr>
+          <p:nvPr/>
+        </p:nvPicPr>
+        <p:blipFill>
+          <a:blip r:embed="rId3" cstate="print"/>
+          <a:stretch>
+            <a:fillRect/>
+          </a:stretch>
+        </p:blipFill>
+        <p:spPr>
+          <a:xfrm>
+            <a:off x="7956253" y="0"/>
+            <a:ext cx="1187747" cy="1328738"/>
+          </a:xfrm>
+          <a:prstGeom prst="rect">
+            <a:avLst/>
+          </a:prstGeom>
+        </p:spPr>
+      </p:pic>
     </p:spTree>
   </p:cSld>
   <p:clrMapOvr>
@@ -3620,14 +3773,12 @@
               <a:rPr lang="en-US" dirty="0" smtClean="0"/>
               <a:t>The User Interface module is what enables the application to respond to the user’s actions.</a:t>
             </a:r>
-            <a:endParaRPr lang="en-US" dirty="0" smtClean="0"/>
           </a:p>
           <a:p>
             <a:r>
               <a:rPr lang="en-US" dirty="0" smtClean="0"/>
               <a:t>By communicating with the game mechanics and database modules, the User Interface shares, with the user, data necessary to configure the game</a:t>
             </a:r>
-            <a:endParaRPr lang="en-US" dirty="0" smtClean="0"/>
           </a:p>
           <a:p>
             <a:r>
@@ -3683,12 +3834,21 @@
         </p:nvSpPr>
         <p:spPr/>
         <p:txBody>
-          <a:bodyPr/>
-          <a:lstStyle/>
-          <a:p>
-            <a:r>
-              <a:rPr lang="en-US" dirty="0" smtClean="0"/>
-              <a:t>Module 3 : Summary</a:t>
+          <a:bodyPr>
+            <a:normAutofit fontScale="90000"/>
+          </a:bodyPr>
+          <a:lstStyle/>
+          <a:p>
+            <a:r>
+              <a:rPr lang="en-US" dirty="0" smtClean="0"/>
+              <a:t>Game Mechanics</a:t>
+            </a:r>
+            <a:br>
+              <a:rPr lang="en-US" dirty="0" smtClean="0"/>
+            </a:br>
+            <a:r>
+              <a:rPr lang="en-US" dirty="0" smtClean="0"/>
+              <a:t>and AI</a:t>
             </a:r>
             <a:endParaRPr lang="en-US" dirty="0"/>
           </a:p>
@@ -3711,19 +3871,20 @@
           <a:p>
             <a:r>
               <a:rPr lang="en-US" dirty="0" smtClean="0"/>
-              <a:t>Point1</a:t>
-            </a:r>
-          </a:p>
-          <a:p>
-            <a:r>
-              <a:rPr lang="en-US" dirty="0" smtClean="0"/>
-              <a:t>Point2</a:t>
-            </a:r>
-          </a:p>
-          <a:p>
-            <a:r>
-              <a:rPr lang="en-US" dirty="0" smtClean="0"/>
-              <a:t>point3</a:t>
+              <a:t>Units</a:t>
+            </a:r>
+          </a:p>
+          <a:p>
+            <a:r>
+              <a:rPr lang="en-US" dirty="0" smtClean="0"/>
+              <a:t>Mechanics</a:t>
+            </a:r>
+            <a:endParaRPr lang="en-US" dirty="0" smtClean="0"/>
+          </a:p>
+          <a:p>
+            <a:r>
+              <a:rPr lang="en-US" dirty="0" smtClean="0"/>
+              <a:t>AI</a:t>
             </a:r>
             <a:endParaRPr lang="en-US" dirty="0"/>
           </a:p>
@@ -3795,7 +3956,7 @@
           <a:p>
             <a:r>
               <a:rPr lang="en-US" dirty="0" smtClean="0"/>
-              <a:t>Module 3: Conclusion</a:t>
+              <a:t>Units</a:t>
             </a:r>
             <a:endParaRPr lang="en-US" dirty="0"/>
           </a:p>
@@ -3816,6 +3977,22 @@
           <a:bodyPr/>
           <a:lstStyle/>
           <a:p>
+            <a:r>
+              <a:rPr lang="en-US" dirty="0" smtClean="0"/>
+              <a:t>Units are cool</a:t>
+            </a:r>
+          </a:p>
+          <a:p>
+            <a:r>
+              <a:rPr lang="en-US" dirty="0" smtClean="0"/>
+              <a:t>They have attributes</a:t>
+            </a:r>
+          </a:p>
+          <a:p>
+            <a:r>
+              <a:rPr lang="en-US" dirty="0" smtClean="0"/>
+              <a:t>And do stuff</a:t>
+            </a:r>
             <a:endParaRPr lang="en-US" dirty="0"/>
           </a:p>
         </p:txBody>
@@ -3881,12 +4058,14 @@
         </p:nvSpPr>
         <p:spPr/>
         <p:txBody>
-          <a:bodyPr/>
-          <a:lstStyle/>
-          <a:p>
-            <a:r>
-              <a:rPr lang="en-US" dirty="0" smtClean="0"/>
-              <a:t>Module 4 : Summary</a:t>
+          <a:bodyPr>
+            <a:normAutofit/>
+          </a:bodyPr>
+          <a:lstStyle/>
+          <a:p>
+            <a:r>
+              <a:rPr lang="en-US" dirty="0" smtClean="0"/>
+              <a:t>Game Mechanics</a:t>
             </a:r>
             <a:endParaRPr lang="en-US" dirty="0"/>
           </a:p>
@@ -3909,21 +4088,30 @@
           <a:p>
             <a:r>
               <a:rPr lang="en-US" dirty="0" smtClean="0"/>
-              <a:t>Point1</a:t>
-            </a:r>
-          </a:p>
-          <a:p>
-            <a:r>
-              <a:rPr lang="en-US" dirty="0" smtClean="0"/>
-              <a:t>Point2</a:t>
-            </a:r>
-          </a:p>
-          <a:p>
-            <a:r>
-              <a:rPr lang="en-US" dirty="0" smtClean="0"/>
-              <a:t>point3</a:t>
+              <a:t>Discussion of Game Mechanics </a:t>
+            </a:r>
+          </a:p>
+          <a:p>
+            <a:pPr lvl="1"/>
+            <a:r>
+              <a:rPr lang="en-US" dirty="0" smtClean="0"/>
+              <a:t>How Movement and attack are achieved</a:t>
             </a:r>
             <a:endParaRPr lang="en-US" dirty="0"/>
+          </a:p>
+          <a:p>
+            <a:pPr lvl="1"/>
+            <a:r>
+              <a:rPr lang="en-US" dirty="0" smtClean="0"/>
+              <a:t>Other functions</a:t>
+            </a:r>
+          </a:p>
+          <a:p>
+            <a:pPr lvl="1"/>
+            <a:r>
+              <a:rPr lang="en-US" dirty="0" smtClean="0"/>
+              <a:t>Class diagram</a:t>
+            </a:r>
           </a:p>
         </p:txBody>
       </p:sp>
@@ -3993,7 +4181,7 @@
           <a:p>
             <a:r>
               <a:rPr lang="en-US" dirty="0" smtClean="0"/>
-              <a:t>Module 4: Conclusion</a:t>
+              <a:t>AI</a:t>
             </a:r>
             <a:endParaRPr lang="en-US" dirty="0"/>
           </a:p>
@@ -4014,6 +4202,16 @@
           <a:bodyPr/>
           <a:lstStyle/>
           <a:p>
+            <a:r>
+              <a:rPr lang="en-US" dirty="0" smtClean="0"/>
+              <a:t>Method used – Decision tree</a:t>
+            </a:r>
+          </a:p>
+          <a:p>
+            <a:r>
+              <a:rPr lang="en-US" dirty="0" smtClean="0"/>
+              <a:t>Pretty Drawings</a:t>
+            </a:r>
             <a:endParaRPr lang="en-US" dirty="0"/>
           </a:p>
         </p:txBody>
@@ -4079,12 +4277,21 @@
         </p:nvSpPr>
         <p:spPr/>
         <p:txBody>
-          <a:bodyPr/>
-          <a:lstStyle/>
-          <a:p>
-            <a:r>
-              <a:rPr lang="en-US" dirty="0" smtClean="0"/>
-              <a:t>Summary </a:t>
+          <a:bodyPr>
+            <a:normAutofit fontScale="90000"/>
+          </a:bodyPr>
+          <a:lstStyle/>
+          <a:p>
+            <a:r>
+              <a:rPr lang="en-US" dirty="0" smtClean="0"/>
+              <a:t>Game Mechanics &amp;</a:t>
+            </a:r>
+            <a:br>
+              <a:rPr lang="en-US" dirty="0" smtClean="0"/>
+            </a:br>
+            <a:r>
+              <a:rPr lang="en-US" dirty="0" smtClean="0"/>
+              <a:t> AI Conclusion</a:t>
             </a:r>
             <a:endParaRPr lang="en-US" dirty="0"/>
           </a:p>
@@ -4105,7 +4312,27 @@
           <a:bodyPr/>
           <a:lstStyle/>
           <a:p>
-            <a:endParaRPr lang="en-US" dirty="0"/>
+            <a:r>
+              <a:rPr lang="en-US" dirty="0" smtClean="0"/>
+              <a:t>Units</a:t>
+            </a:r>
+          </a:p>
+          <a:p>
+            <a:r>
+              <a:rPr lang="en-US" dirty="0" smtClean="0"/>
+              <a:t>Game </a:t>
+            </a:r>
+            <a:r>
+              <a:rPr lang="en-US" dirty="0" err="1" smtClean="0"/>
+              <a:t>Mech</a:t>
+            </a:r>
+            <a:endParaRPr lang="en-US" dirty="0" smtClean="0"/>
+          </a:p>
+          <a:p>
+            <a:r>
+              <a:rPr lang="en-US" dirty="0" smtClean="0"/>
+              <a:t>AI</a:t>
+            </a:r>
           </a:p>
         </p:txBody>
       </p:sp>
@@ -4175,7 +4402,11 @@
           <a:p>
             <a:r>
               <a:rPr lang="en-US" dirty="0" smtClean="0"/>
-              <a:t>Conclusion</a:t>
+              <a:t>Database: </a:t>
+            </a:r>
+            <a:r>
+              <a:rPr lang="en-US" dirty="0" smtClean="0"/>
+              <a:t>Summary</a:t>
             </a:r>
             <a:endParaRPr lang="en-US" dirty="0"/>
           </a:p>
@@ -4196,6 +4427,22 @@
           <a:bodyPr/>
           <a:lstStyle/>
           <a:p>
+            <a:r>
+              <a:rPr lang="en-US" dirty="0" smtClean="0"/>
+              <a:t>Point1</a:t>
+            </a:r>
+          </a:p>
+          <a:p>
+            <a:r>
+              <a:rPr lang="en-US" dirty="0" smtClean="0"/>
+              <a:t>Point2</a:t>
+            </a:r>
+          </a:p>
+          <a:p>
+            <a:r>
+              <a:rPr lang="en-US" dirty="0" smtClean="0"/>
+              <a:t>point3</a:t>
+            </a:r>
             <a:endParaRPr lang="en-US" dirty="0"/>
           </a:p>
         </p:txBody>
@@ -4302,29 +4549,49 @@
             <a:pPr lvl="1"/>
             <a:r>
               <a:rPr lang="en-US" dirty="0" smtClean="0"/>
-              <a:t>1</a:t>
-            </a:r>
+              <a:t>Graphics (Tom Calloway)</a:t>
+            </a:r>
+            <a:endParaRPr lang="en-US" dirty="0" smtClean="0"/>
           </a:p>
           <a:p>
             <a:pPr lvl="1"/>
             <a:r>
               <a:rPr lang="en-US" dirty="0" smtClean="0"/>
-              <a:t>2</a:t>
-            </a:r>
+              <a:t>User Interface (Obi </a:t>
+            </a:r>
+            <a:r>
+              <a:rPr lang="en-US" dirty="0" err="1" smtClean="0"/>
+              <a:t>Atueyi</a:t>
+            </a:r>
+            <a:r>
+              <a:rPr lang="en-US" dirty="0" smtClean="0"/>
+              <a:t>)</a:t>
+            </a:r>
+            <a:endParaRPr lang="en-US" dirty="0" smtClean="0"/>
           </a:p>
           <a:p>
             <a:pPr lvl="1"/>
             <a:r>
               <a:rPr lang="en-US" dirty="0" smtClean="0"/>
-              <a:t>3</a:t>
-            </a:r>
+              <a:t>Game Mechanics and AI (Josh Kilgore)</a:t>
+            </a:r>
+            <a:endParaRPr lang="en-US" dirty="0" smtClean="0"/>
           </a:p>
           <a:p>
             <a:pPr lvl="1"/>
             <a:r>
               <a:rPr lang="en-US" dirty="0" smtClean="0"/>
-              <a:t>4</a:t>
-            </a:r>
+              <a:t>Database (Ye </a:t>
+            </a:r>
+            <a:r>
+              <a:rPr lang="en-US" dirty="0" err="1" smtClean="0"/>
+              <a:t>Tian</a:t>
+            </a:r>
+            <a:r>
+              <a:rPr lang="en-US" dirty="0" smtClean="0"/>
+              <a:t>)</a:t>
+            </a:r>
+            <a:endParaRPr lang="en-US" dirty="0" smtClean="0"/>
           </a:p>
           <a:p>
             <a:r>
@@ -4414,6 +4681,393 @@
           <a:p>
             <a:r>
               <a:rPr lang="en-US" dirty="0" smtClean="0"/>
+              <a:t>Database: Stuff</a:t>
+            </a:r>
+            <a:endParaRPr lang="en-US" dirty="0"/>
+          </a:p>
+        </p:txBody>
+      </p:sp>
+      <p:sp>
+        <p:nvSpPr>
+          <p:cNvPr id="3" name="Content Placeholder 2"/>
+          <p:cNvSpPr>
+            <a:spLocks noGrp="1"/>
+          </p:cNvSpPr>
+          <p:nvPr>
+            <p:ph idx="1"/>
+          </p:nvPr>
+        </p:nvSpPr>
+        <p:spPr/>
+        <p:txBody>
+          <a:bodyPr/>
+          <a:lstStyle/>
+          <a:p>
+            <a:r>
+              <a:rPr lang="en-US" dirty="0" smtClean="0"/>
+              <a:t>Databases are awesome!!</a:t>
+            </a:r>
+            <a:endParaRPr lang="en-US" dirty="0"/>
+          </a:p>
+        </p:txBody>
+      </p:sp>
+      <p:pic>
+        <p:nvPicPr>
+          <p:cNvPr id="4" name="Picture 3" descr="logo.jpg"/>
+          <p:cNvPicPr>
+            <a:picLocks noChangeAspect="1"/>
+          </p:cNvPicPr>
+          <p:nvPr/>
+        </p:nvPicPr>
+        <p:blipFill>
+          <a:blip r:embed="rId2" cstate="print"/>
+          <a:stretch>
+            <a:fillRect/>
+          </a:stretch>
+        </p:blipFill>
+        <p:spPr>
+          <a:xfrm>
+            <a:off x="7956253" y="0"/>
+            <a:ext cx="1187747" cy="1328738"/>
+          </a:xfrm>
+          <a:prstGeom prst="rect">
+            <a:avLst/>
+          </a:prstGeom>
+        </p:spPr>
+      </p:pic>
+    </p:spTree>
+  </p:cSld>
+  <p:clrMapOvr>
+    <a:masterClrMapping/>
+  </p:clrMapOvr>
+</p:sld>
+</file>
+
+<file path=ppt/slides/slide21.xml><?xml version="1.0" encoding="utf-8"?>
+<p:sld xmlns:a="http://schemas.openxmlformats.org/drawingml/2006/main" xmlns:r="http://schemas.openxmlformats.org/officeDocument/2006/relationships" xmlns:p="http://schemas.openxmlformats.org/presentationml/2006/main">
+  <p:cSld>
+    <p:spTree>
+      <p:nvGrpSpPr>
+        <p:cNvPr id="1" name=""/>
+        <p:cNvGrpSpPr/>
+        <p:nvPr/>
+      </p:nvGrpSpPr>
+      <p:grpSpPr>
+        <a:xfrm>
+          <a:off x="0" y="0"/>
+          <a:ext cx="0" cy="0"/>
+          <a:chOff x="0" y="0"/>
+          <a:chExt cx="0" cy="0"/>
+        </a:xfrm>
+      </p:grpSpPr>
+      <p:sp>
+        <p:nvSpPr>
+          <p:cNvPr id="2" name="Title 1"/>
+          <p:cNvSpPr>
+            <a:spLocks noGrp="1"/>
+          </p:cNvSpPr>
+          <p:nvPr>
+            <p:ph type="title"/>
+          </p:nvPr>
+        </p:nvSpPr>
+        <p:spPr/>
+        <p:txBody>
+          <a:bodyPr/>
+          <a:lstStyle/>
+          <a:p>
+            <a:r>
+              <a:rPr lang="en-US" dirty="0" smtClean="0"/>
+              <a:t>Database: </a:t>
+            </a:r>
+            <a:r>
+              <a:rPr lang="en-US" dirty="0" smtClean="0"/>
+              <a:t>Conclusion</a:t>
+            </a:r>
+            <a:endParaRPr lang="en-US" dirty="0"/>
+          </a:p>
+        </p:txBody>
+      </p:sp>
+      <p:sp>
+        <p:nvSpPr>
+          <p:cNvPr id="3" name="Content Placeholder 2"/>
+          <p:cNvSpPr>
+            <a:spLocks noGrp="1"/>
+          </p:cNvSpPr>
+          <p:nvPr>
+            <p:ph idx="1"/>
+          </p:nvPr>
+        </p:nvSpPr>
+        <p:spPr/>
+        <p:txBody>
+          <a:bodyPr/>
+          <a:lstStyle/>
+          <a:p>
+            <a:endParaRPr lang="en-US" dirty="0"/>
+          </a:p>
+        </p:txBody>
+      </p:sp>
+      <p:pic>
+        <p:nvPicPr>
+          <p:cNvPr id="4" name="Picture 3" descr="logo.jpg"/>
+          <p:cNvPicPr>
+            <a:picLocks noChangeAspect="1"/>
+          </p:cNvPicPr>
+          <p:nvPr/>
+        </p:nvPicPr>
+        <p:blipFill>
+          <a:blip r:embed="rId2" cstate="print"/>
+          <a:stretch>
+            <a:fillRect/>
+          </a:stretch>
+        </p:blipFill>
+        <p:spPr>
+          <a:xfrm>
+            <a:off x="7956253" y="0"/>
+            <a:ext cx="1187747" cy="1328738"/>
+          </a:xfrm>
+          <a:prstGeom prst="rect">
+            <a:avLst/>
+          </a:prstGeom>
+        </p:spPr>
+      </p:pic>
+    </p:spTree>
+  </p:cSld>
+  <p:clrMapOvr>
+    <a:masterClrMapping/>
+  </p:clrMapOvr>
+</p:sld>
+</file>
+
+<file path=ppt/slides/slide22.xml><?xml version="1.0" encoding="utf-8"?>
+<p:sld xmlns:a="http://schemas.openxmlformats.org/drawingml/2006/main" xmlns:r="http://schemas.openxmlformats.org/officeDocument/2006/relationships" xmlns:p="http://schemas.openxmlformats.org/presentationml/2006/main">
+  <p:cSld>
+    <p:spTree>
+      <p:nvGrpSpPr>
+        <p:cNvPr id="1" name=""/>
+        <p:cNvGrpSpPr/>
+        <p:nvPr/>
+      </p:nvGrpSpPr>
+      <p:grpSpPr>
+        <a:xfrm>
+          <a:off x="0" y="0"/>
+          <a:ext cx="0" cy="0"/>
+          <a:chOff x="0" y="0"/>
+          <a:chExt cx="0" cy="0"/>
+        </a:xfrm>
+      </p:grpSpPr>
+      <p:sp>
+        <p:nvSpPr>
+          <p:cNvPr id="2" name="Title 1"/>
+          <p:cNvSpPr>
+            <a:spLocks noGrp="1"/>
+          </p:cNvSpPr>
+          <p:nvPr>
+            <p:ph type="title"/>
+          </p:nvPr>
+        </p:nvSpPr>
+        <p:spPr/>
+        <p:txBody>
+          <a:bodyPr/>
+          <a:lstStyle/>
+          <a:p>
+            <a:r>
+              <a:rPr lang="en-US" dirty="0" smtClean="0"/>
+              <a:t>Summary </a:t>
+            </a:r>
+            <a:endParaRPr lang="en-US" dirty="0"/>
+          </a:p>
+        </p:txBody>
+      </p:sp>
+      <p:sp>
+        <p:nvSpPr>
+          <p:cNvPr id="3" name="Content Placeholder 2"/>
+          <p:cNvSpPr>
+            <a:spLocks noGrp="1"/>
+          </p:cNvSpPr>
+          <p:nvPr>
+            <p:ph idx="1"/>
+          </p:nvPr>
+        </p:nvSpPr>
+        <p:spPr/>
+        <p:txBody>
+          <a:bodyPr/>
+          <a:lstStyle/>
+          <a:p>
+            <a:endParaRPr lang="en-US" dirty="0"/>
+          </a:p>
+        </p:txBody>
+      </p:sp>
+      <p:pic>
+        <p:nvPicPr>
+          <p:cNvPr id="4" name="Picture 3" descr="logo.jpg"/>
+          <p:cNvPicPr>
+            <a:picLocks noChangeAspect="1"/>
+          </p:cNvPicPr>
+          <p:nvPr/>
+        </p:nvPicPr>
+        <p:blipFill>
+          <a:blip r:embed="rId2" cstate="print"/>
+          <a:stretch>
+            <a:fillRect/>
+          </a:stretch>
+        </p:blipFill>
+        <p:spPr>
+          <a:xfrm>
+            <a:off x="7956253" y="0"/>
+            <a:ext cx="1187747" cy="1328738"/>
+          </a:xfrm>
+          <a:prstGeom prst="rect">
+            <a:avLst/>
+          </a:prstGeom>
+        </p:spPr>
+      </p:pic>
+    </p:spTree>
+  </p:cSld>
+  <p:clrMapOvr>
+    <a:masterClrMapping/>
+  </p:clrMapOvr>
+</p:sld>
+</file>
+
+<file path=ppt/slides/slide23.xml><?xml version="1.0" encoding="utf-8"?>
+<p:sld xmlns:a="http://schemas.openxmlformats.org/drawingml/2006/main" xmlns:r="http://schemas.openxmlformats.org/officeDocument/2006/relationships" xmlns:p="http://schemas.openxmlformats.org/presentationml/2006/main">
+  <p:cSld>
+    <p:spTree>
+      <p:nvGrpSpPr>
+        <p:cNvPr id="1" name=""/>
+        <p:cNvGrpSpPr/>
+        <p:nvPr/>
+      </p:nvGrpSpPr>
+      <p:grpSpPr>
+        <a:xfrm>
+          <a:off x="0" y="0"/>
+          <a:ext cx="0" cy="0"/>
+          <a:chOff x="0" y="0"/>
+          <a:chExt cx="0" cy="0"/>
+        </a:xfrm>
+      </p:grpSpPr>
+      <p:sp>
+        <p:nvSpPr>
+          <p:cNvPr id="2" name="Title 1"/>
+          <p:cNvSpPr>
+            <a:spLocks noGrp="1"/>
+          </p:cNvSpPr>
+          <p:nvPr>
+            <p:ph type="title"/>
+          </p:nvPr>
+        </p:nvSpPr>
+        <p:spPr/>
+        <p:txBody>
+          <a:bodyPr/>
+          <a:lstStyle/>
+          <a:p>
+            <a:r>
+              <a:rPr lang="en-US" dirty="0" smtClean="0"/>
+              <a:t>Conclusion</a:t>
+            </a:r>
+            <a:endParaRPr lang="en-US" dirty="0"/>
+          </a:p>
+        </p:txBody>
+      </p:sp>
+      <p:sp>
+        <p:nvSpPr>
+          <p:cNvPr id="3" name="Content Placeholder 2"/>
+          <p:cNvSpPr>
+            <a:spLocks noGrp="1"/>
+          </p:cNvSpPr>
+          <p:nvPr>
+            <p:ph idx="1"/>
+          </p:nvPr>
+        </p:nvSpPr>
+        <p:spPr/>
+        <p:txBody>
+          <a:bodyPr/>
+          <a:lstStyle/>
+          <a:p>
+            <a:r>
+              <a:rPr lang="en-US" dirty="0" smtClean="0"/>
+              <a:t>Conclude this presentation</a:t>
+            </a:r>
+          </a:p>
+          <a:p>
+            <a:r>
+              <a:rPr lang="en-US" dirty="0" smtClean="0"/>
+              <a:t>Told you about our awesome game </a:t>
+            </a:r>
+          </a:p>
+          <a:p>
+            <a:r>
+              <a:rPr lang="en-US" dirty="0" smtClean="0"/>
+              <a:t>Pre-orders available</a:t>
+            </a:r>
+          </a:p>
+        </p:txBody>
+      </p:sp>
+      <p:pic>
+        <p:nvPicPr>
+          <p:cNvPr id="4" name="Picture 3" descr="logo.jpg"/>
+          <p:cNvPicPr>
+            <a:picLocks noChangeAspect="1"/>
+          </p:cNvPicPr>
+          <p:nvPr/>
+        </p:nvPicPr>
+        <p:blipFill>
+          <a:blip r:embed="rId2" cstate="print"/>
+          <a:stretch>
+            <a:fillRect/>
+          </a:stretch>
+        </p:blipFill>
+        <p:spPr>
+          <a:xfrm>
+            <a:off x="7956253" y="0"/>
+            <a:ext cx="1187747" cy="1328738"/>
+          </a:xfrm>
+          <a:prstGeom prst="rect">
+            <a:avLst/>
+          </a:prstGeom>
+        </p:spPr>
+      </p:pic>
+    </p:spTree>
+  </p:cSld>
+  <p:clrMapOvr>
+    <a:masterClrMapping/>
+  </p:clrMapOvr>
+</p:sld>
+</file>
+
+<file path=ppt/slides/slide24.xml><?xml version="1.0" encoding="utf-8"?>
+<p:sld xmlns:a="http://schemas.openxmlformats.org/drawingml/2006/main" xmlns:r="http://schemas.openxmlformats.org/officeDocument/2006/relationships" xmlns:p="http://schemas.openxmlformats.org/presentationml/2006/main">
+  <p:cSld>
+    <p:spTree>
+      <p:nvGrpSpPr>
+        <p:cNvPr id="1" name=""/>
+        <p:cNvGrpSpPr/>
+        <p:nvPr/>
+      </p:nvGrpSpPr>
+      <p:grpSpPr>
+        <a:xfrm>
+          <a:off x="0" y="0"/>
+          <a:ext cx="0" cy="0"/>
+          <a:chOff x="0" y="0"/>
+          <a:chExt cx="0" cy="0"/>
+        </a:xfrm>
+      </p:grpSpPr>
+      <p:sp>
+        <p:nvSpPr>
+          <p:cNvPr id="2" name="Title 1"/>
+          <p:cNvSpPr>
+            <a:spLocks noGrp="1"/>
+          </p:cNvSpPr>
+          <p:nvPr>
+            <p:ph type="title"/>
+          </p:nvPr>
+        </p:nvSpPr>
+        <p:spPr/>
+        <p:txBody>
+          <a:bodyPr/>
+          <a:lstStyle/>
+          <a:p>
+            <a:r>
+              <a:rPr lang="en-US" dirty="0" smtClean="0"/>
               <a:t>Questions?</a:t>
             </a:r>
             <a:endParaRPr lang="en-US" dirty="0"/>
@@ -4507,6 +5161,38 @@
           <a:bodyPr/>
           <a:lstStyle/>
           <a:p>
+            <a:r>
+              <a:rPr lang="en-US" dirty="0" smtClean="0"/>
+              <a:t>This is an overview, there are many like it, but this one is mine </a:t>
+            </a:r>
+          </a:p>
+          <a:p>
+            <a:pPr lvl="1"/>
+            <a:r>
+              <a:rPr lang="en-US" dirty="0" smtClean="0"/>
+              <a:t>consists of an top level of the project</a:t>
+            </a:r>
+          </a:p>
+          <a:p>
+            <a:pPr lvl="1"/>
+            <a:r>
+              <a:rPr lang="en-US" dirty="0" smtClean="0"/>
+              <a:t>Description</a:t>
+            </a:r>
+          </a:p>
+          <a:p>
+            <a:pPr lvl="1"/>
+            <a:r>
+              <a:rPr lang="en-US" dirty="0" smtClean="0"/>
+              <a:t>Leads into greater discussion</a:t>
+            </a:r>
+          </a:p>
+          <a:p>
+            <a:pPr lvl="1"/>
+            <a:r>
+              <a:rPr lang="en-US" dirty="0" smtClean="0"/>
+              <a:t>Good place for component diagram</a:t>
+            </a:r>
             <a:endParaRPr lang="en-US" dirty="0"/>
           </a:p>
         </p:txBody>
@@ -4770,6 +5456,30 @@
           </a:p>
         </p:txBody>
       </p:sp>
+      <p:pic>
+        <p:nvPicPr>
+          <p:cNvPr id="4" name="Picture 3" descr="logo.jpg"/>
+          <p:cNvPicPr>
+            <a:picLocks noChangeAspect="1"/>
+          </p:cNvPicPr>
+          <p:nvPr/>
+        </p:nvPicPr>
+        <p:blipFill>
+          <a:blip r:embed="rId2" cstate="print"/>
+          <a:stretch>
+            <a:fillRect/>
+          </a:stretch>
+        </p:blipFill>
+        <p:spPr>
+          <a:xfrm>
+            <a:off x="7956253" y="0"/>
+            <a:ext cx="1187747" cy="1328738"/>
+          </a:xfrm>
+          <a:prstGeom prst="rect">
+            <a:avLst/>
+          </a:prstGeom>
+        </p:spPr>
+      </p:pic>
     </p:spTree>
   </p:cSld>
   <p:clrMapOvr>
@@ -4860,6 +5570,30 @@
               <a:schemeClr val="tx1"/>
             </a:solidFill>
           </a:ln>
+        </p:spPr>
+      </p:pic>
+      <p:pic>
+        <p:nvPicPr>
+          <p:cNvPr id="5" name="Picture 4" descr="logo.jpg"/>
+          <p:cNvPicPr>
+            <a:picLocks noChangeAspect="1"/>
+          </p:cNvPicPr>
+          <p:nvPr/>
+        </p:nvPicPr>
+        <p:blipFill>
+          <a:blip r:embed="rId3" cstate="print"/>
+          <a:stretch>
+            <a:fillRect/>
+          </a:stretch>
+        </p:blipFill>
+        <p:spPr>
+          <a:xfrm>
+            <a:off x="7956253" y="0"/>
+            <a:ext cx="1187747" cy="1328738"/>
+          </a:xfrm>
+          <a:prstGeom prst="rect">
+            <a:avLst/>
+          </a:prstGeom>
         </p:spPr>
       </p:pic>
     </p:spTree>
@@ -4987,6 +5721,30 @@
           </a:p>
         </p:txBody>
       </p:sp>
+      <p:pic>
+        <p:nvPicPr>
+          <p:cNvPr id="4" name="Picture 3" descr="logo.jpg"/>
+          <p:cNvPicPr>
+            <a:picLocks noChangeAspect="1"/>
+          </p:cNvPicPr>
+          <p:nvPr/>
+        </p:nvPicPr>
+        <p:blipFill>
+          <a:blip r:embed="rId2" cstate="print"/>
+          <a:stretch>
+            <a:fillRect/>
+          </a:stretch>
+        </p:blipFill>
+        <p:spPr>
+          <a:xfrm>
+            <a:off x="7956253" y="0"/>
+            <a:ext cx="1187747" cy="1328738"/>
+          </a:xfrm>
+          <a:prstGeom prst="rect">
+            <a:avLst/>
+          </a:prstGeom>
+        </p:spPr>
+      </p:pic>
     </p:spTree>
   </p:cSld>
   <p:clrMapOvr>

--- a/trunk/Docs/DUEL REALITY .pptx
+++ b/trunk/Docs/DUEL REALITY .pptx
@@ -23,12 +23,15 @@
     <p:sldId id="277" r:id="rId17"/>
     <p:sldId id="278" r:id="rId18"/>
     <p:sldId id="264" r:id="rId19"/>
-    <p:sldId id="265" r:id="rId20"/>
-    <p:sldId id="279" r:id="rId21"/>
-    <p:sldId id="266" r:id="rId22"/>
-    <p:sldId id="267" r:id="rId23"/>
-    <p:sldId id="268" r:id="rId24"/>
-    <p:sldId id="269" r:id="rId25"/>
+    <p:sldId id="280" r:id="rId20"/>
+    <p:sldId id="281" r:id="rId21"/>
+    <p:sldId id="282" r:id="rId22"/>
+    <p:sldId id="283" r:id="rId23"/>
+    <p:sldId id="284" r:id="rId24"/>
+    <p:sldId id="285" r:id="rId25"/>
+    <p:sldId id="267" r:id="rId26"/>
+    <p:sldId id="268" r:id="rId27"/>
+    <p:sldId id="269" r:id="rId28"/>
   </p:sldIdLst>
   <p:sldSz cx="9144000" cy="6858000" type="screen4x3"/>
   <p:notesSz cx="6858000" cy="9144000"/>
@@ -3879,7 +3882,6 @@
               <a:rPr lang="en-US" dirty="0" smtClean="0"/>
               <a:t>Mechanics</a:t>
             </a:r>
-            <a:endParaRPr lang="en-US" dirty="0" smtClean="0"/>
           </a:p>
           <a:p>
             <a:r>
@@ -4395,53 +4397,68 @@
             <p:ph type="title"/>
           </p:nvPr>
         </p:nvSpPr>
-        <p:spPr/>
+        <p:spPr>
+          <a:xfrm>
+            <a:off x="457200" y="381000"/>
+            <a:ext cx="7391400" cy="1143000"/>
+          </a:xfrm>
+        </p:spPr>
+        <p:txBody>
+          <a:bodyPr>
+            <a:normAutofit fontScale="90000"/>
+          </a:bodyPr>
+          <a:lstStyle/>
+          <a:p>
+            <a:r>
+              <a:rPr lang="en-US" dirty="0" smtClean="0"/>
+              <a:t>Database</a:t>
+            </a:r>
+            <a:br>
+              <a:rPr lang="en-US" dirty="0" smtClean="0"/>
+            </a:br>
+            <a:r>
+              <a:rPr lang="en-US" dirty="0" smtClean="0"/>
+              <a:t>“Summary”</a:t>
+            </a:r>
+            <a:endParaRPr lang="en-US" dirty="0"/>
+          </a:p>
+        </p:txBody>
+      </p:sp>
+      <p:sp>
+        <p:nvSpPr>
+          <p:cNvPr id="3" name="Content Placeholder 2"/>
+          <p:cNvSpPr>
+            <a:spLocks noGrp="1"/>
+          </p:cNvSpPr>
+          <p:nvPr>
+            <p:ph idx="1"/>
+          </p:nvPr>
+        </p:nvSpPr>
+        <p:spPr>
+          <a:xfrm>
+            <a:off x="762000" y="2514600"/>
+            <a:ext cx="8229600" cy="3657600"/>
+          </a:xfrm>
+        </p:spPr>
         <p:txBody>
           <a:bodyPr/>
           <a:lstStyle/>
           <a:p>
             <a:r>
               <a:rPr lang="en-US" dirty="0" smtClean="0"/>
-              <a:t>Database: </a:t>
-            </a:r>
-            <a:r>
-              <a:rPr lang="en-US" dirty="0" smtClean="0"/>
-              <a:t>Summary</a:t>
-            </a:r>
-            <a:endParaRPr lang="en-US" dirty="0"/>
-          </a:p>
-        </p:txBody>
-      </p:sp>
-      <p:sp>
-        <p:nvSpPr>
-          <p:cNvPr id="3" name="Content Placeholder 2"/>
-          <p:cNvSpPr>
-            <a:spLocks noGrp="1"/>
-          </p:cNvSpPr>
-          <p:nvPr>
-            <p:ph idx="1"/>
-          </p:nvPr>
-        </p:nvSpPr>
-        <p:spPr/>
-        <p:txBody>
-          <a:bodyPr/>
-          <a:lstStyle/>
-          <a:p>
-            <a:r>
-              <a:rPr lang="en-US" dirty="0" smtClean="0"/>
-              <a:t>Point1</a:t>
-            </a:r>
-          </a:p>
-          <a:p>
-            <a:r>
-              <a:rPr lang="en-US" dirty="0" smtClean="0"/>
-              <a:t>Point2</a:t>
-            </a:r>
-          </a:p>
-          <a:p>
-            <a:r>
-              <a:rPr lang="en-US" dirty="0" smtClean="0"/>
-              <a:t>point3</a:t>
+              <a:t>What Database is?</a:t>
+            </a:r>
+          </a:p>
+          <a:p>
+            <a:r>
+              <a:rPr lang="en-US" dirty="0" smtClean="0"/>
+              <a:t>What Database does in the project?</a:t>
+            </a:r>
+          </a:p>
+          <a:p>
+            <a:r>
+              <a:rPr lang="en-US" dirty="0" smtClean="0"/>
+              <a:t>How Database works?</a:t>
             </a:r>
             <a:endParaRPr lang="en-US" dirty="0"/>
           </a:p>
@@ -4476,6 +4493,13 @@
   <p:clrMapOvr>
     <a:masterClrMapping/>
   </p:clrMapOvr>
+  <p:timing>
+    <p:tnLst>
+      <p:par>
+        <p:cTn id="1" dur="indefinite" restart="never" nodeType="tmRoot"/>
+      </p:par>
+    </p:tnLst>
+  </p:timing>
 </p:sld>
 </file>
 
@@ -4551,7 +4575,6 @@
               <a:rPr lang="en-US" dirty="0" smtClean="0"/>
               <a:t>Graphics (Tom Calloway)</a:t>
             </a:r>
-            <a:endParaRPr lang="en-US" dirty="0" smtClean="0"/>
           </a:p>
           <a:p>
             <a:pPr lvl="1"/>
@@ -4567,7 +4590,6 @@
               <a:rPr lang="en-US" dirty="0" smtClean="0"/>
               <a:t>)</a:t>
             </a:r>
-            <a:endParaRPr lang="en-US" dirty="0" smtClean="0"/>
           </a:p>
           <a:p>
             <a:pPr lvl="1"/>
@@ -4575,7 +4597,6 @@
               <a:rPr lang="en-US" dirty="0" smtClean="0"/>
               <a:t>Game Mechanics and AI (Josh Kilgore)</a:t>
             </a:r>
-            <a:endParaRPr lang="en-US" dirty="0" smtClean="0"/>
           </a:p>
           <a:p>
             <a:pPr lvl="1"/>
@@ -4591,7 +4612,6 @@
               <a:rPr lang="en-US" dirty="0" smtClean="0"/>
               <a:t>)</a:t>
             </a:r>
-            <a:endParaRPr lang="en-US" dirty="0" smtClean="0"/>
           </a:p>
           <a:p>
             <a:r>
@@ -4676,12 +4696,25 @@
         </p:nvSpPr>
         <p:spPr/>
         <p:txBody>
-          <a:bodyPr/>
-          <a:lstStyle/>
-          <a:p>
-            <a:r>
-              <a:rPr lang="en-US" dirty="0" smtClean="0"/>
-              <a:t>Database: Stuff</a:t>
+          <a:bodyPr>
+            <a:normAutofit fontScale="90000"/>
+          </a:bodyPr>
+          <a:lstStyle/>
+          <a:p>
+            <a:r>
+              <a:rPr lang="en-US" dirty="0" smtClean="0"/>
+              <a:t>Database</a:t>
+            </a:r>
+            <a:br>
+              <a:rPr lang="en-US" dirty="0" smtClean="0"/>
+            </a:br>
+            <a:r>
+              <a:rPr lang="en-US" dirty="0" smtClean="0"/>
+              <a:t>“</a:t>
+            </a:r>
+            <a:r>
+              <a:rPr lang="en-US" altLang="zh-CN" dirty="0" smtClean="0"/>
+              <a:t>What Database is”</a:t>
             </a:r>
             <a:endParaRPr lang="en-US" dirty="0"/>
           </a:p>
@@ -4697,16 +4730,40 @@
             <p:ph idx="1"/>
           </p:nvPr>
         </p:nvSpPr>
-        <p:spPr/>
-        <p:txBody>
-          <a:bodyPr/>
-          <a:lstStyle/>
-          <a:p>
-            <a:r>
-              <a:rPr lang="en-US" dirty="0" smtClean="0"/>
-              <a:t>Databases are awesome!!</a:t>
-            </a:r>
-            <a:endParaRPr lang="en-US" dirty="0"/>
+        <p:spPr>
+          <a:xfrm>
+            <a:off x="381000" y="1646237"/>
+            <a:ext cx="8610600" cy="4525963"/>
+          </a:xfrm>
+        </p:spPr>
+        <p:txBody>
+          <a:bodyPr>
+            <a:normAutofit fontScale="92500"/>
+          </a:bodyPr>
+          <a:lstStyle/>
+          <a:p>
+            <a:r>
+              <a:rPr lang="en-US" altLang="zh-CN" dirty="0" smtClean="0"/>
+              <a:t>Databases consist of software-based "containers" that are structured to collect and store information.</a:t>
+            </a:r>
+          </a:p>
+          <a:p>
+            <a:r>
+              <a:rPr lang="en-US" altLang="zh-CN" dirty="0" smtClean="0"/>
+              <a:t>Database programs are designed for users so that they can retrieve, add, update or remove information.</a:t>
+            </a:r>
+          </a:p>
+          <a:p>
+            <a:r>
+              <a:rPr lang="en-US" altLang="zh-CN" dirty="0" smtClean="0"/>
+              <a:t>The structure of a database is tabular, consisting of rows and columns of information.</a:t>
+            </a:r>
+          </a:p>
+          <a:p>
+            <a:r>
+              <a:rPr lang="en-US" altLang="zh-CN" dirty="0" smtClean="0"/>
+              <a:t>A number of database architectures exist. Many databases use a combination of strategies.</a:t>
+            </a:r>
           </a:p>
         </p:txBody>
       </p:sp>
@@ -4769,18 +4826,32 @@
             <p:ph type="title"/>
           </p:nvPr>
         </p:nvSpPr>
-        <p:spPr/>
-        <p:txBody>
-          <a:bodyPr/>
-          <a:lstStyle/>
-          <a:p>
-            <a:r>
-              <a:rPr lang="en-US" dirty="0" smtClean="0"/>
-              <a:t>Database: </a:t>
-            </a:r>
-            <a:r>
-              <a:rPr lang="en-US" dirty="0" smtClean="0"/>
-              <a:t>Conclusion</a:t>
+        <p:spPr>
+          <a:xfrm>
+            <a:off x="-76200" y="274638"/>
+            <a:ext cx="8382000" cy="1143000"/>
+          </a:xfrm>
+        </p:spPr>
+        <p:txBody>
+          <a:bodyPr>
+            <a:normAutofit fontScale="90000"/>
+          </a:bodyPr>
+          <a:lstStyle/>
+          <a:p>
+            <a:r>
+              <a:rPr lang="en-US" dirty="0" smtClean="0"/>
+              <a:t>Database</a:t>
+            </a:r>
+            <a:br>
+              <a:rPr lang="en-US" dirty="0" smtClean="0"/>
+            </a:br>
+            <a:r>
+              <a:rPr lang="en-US" dirty="0" smtClean="0"/>
+              <a:t>“</a:t>
+            </a:r>
+            <a:r>
+              <a:rPr lang="en-US" altLang="zh-CN" dirty="0" smtClean="0"/>
+              <a:t>What Database does in the project”</a:t>
             </a:r>
             <a:endParaRPr lang="en-US" dirty="0"/>
           </a:p>
@@ -4796,12 +4867,35 @@
             <p:ph idx="1"/>
           </p:nvPr>
         </p:nvSpPr>
-        <p:spPr/>
-        <p:txBody>
-          <a:bodyPr/>
-          <a:lstStyle/>
-          <a:p>
-            <a:endParaRPr lang="en-US" dirty="0"/>
+        <p:spPr>
+          <a:xfrm>
+            <a:off x="457200" y="1798637"/>
+            <a:ext cx="8229600" cy="4525963"/>
+          </a:xfrm>
+        </p:spPr>
+        <p:txBody>
+          <a:bodyPr>
+            <a:normAutofit/>
+          </a:bodyPr>
+          <a:lstStyle/>
+          <a:p>
+            <a:r>
+              <a:rPr lang="en-US" altLang="zh-CN" dirty="0" smtClean="0"/>
+              <a:t>The game database contains all of data records</a:t>
+            </a:r>
+          </a:p>
+          <a:p>
+            <a:r>
+              <a:rPr lang="en-US" altLang="zh-CN" dirty="0" smtClean="0"/>
+              <a:t>Tables collection of the names, parameters, status of all game units, and the game contents such as maps.</a:t>
+            </a:r>
+          </a:p>
+          <a:p>
+            <a:r>
+              <a:rPr lang="en-US" altLang="zh-CN" dirty="0" smtClean="0"/>
+              <a:t>The data is retrieved and overwritten for synchronous/ asynchronous backup.</a:t>
+            </a:r>
+            <a:endParaRPr lang="zh-CN" altLang="zh-CN" dirty="0" smtClean="0"/>
           </a:p>
         </p:txBody>
       </p:sp>
@@ -4864,6 +4958,942 @@
             <p:ph type="title"/>
           </p:nvPr>
         </p:nvSpPr>
+        <p:spPr>
+          <a:xfrm>
+            <a:off x="228600" y="274638"/>
+            <a:ext cx="8382000" cy="1143000"/>
+          </a:xfrm>
+        </p:spPr>
+        <p:txBody>
+          <a:bodyPr>
+            <a:normAutofit fontScale="90000"/>
+          </a:bodyPr>
+          <a:lstStyle/>
+          <a:p>
+            <a:r>
+              <a:rPr lang="en-US" dirty="0" smtClean="0"/>
+              <a:t>Database</a:t>
+            </a:r>
+            <a:br>
+              <a:rPr lang="en-US" dirty="0" smtClean="0"/>
+            </a:br>
+            <a:r>
+              <a:rPr lang="en-US" dirty="0" smtClean="0"/>
+              <a:t>“</a:t>
+            </a:r>
+            <a:r>
+              <a:rPr lang="en-US" altLang="zh-CN" dirty="0" smtClean="0"/>
+              <a:t>How Database works”</a:t>
+            </a:r>
+            <a:endParaRPr lang="en-US" dirty="0"/>
+          </a:p>
+        </p:txBody>
+      </p:sp>
+      <p:pic>
+        <p:nvPicPr>
+          <p:cNvPr id="4" name="Picture 3" descr="logo.jpg"/>
+          <p:cNvPicPr>
+            <a:picLocks noChangeAspect="1"/>
+          </p:cNvPicPr>
+          <p:nvPr/>
+        </p:nvPicPr>
+        <p:blipFill>
+          <a:blip r:embed="rId2" cstate="print"/>
+          <a:stretch>
+            <a:fillRect/>
+          </a:stretch>
+        </p:blipFill>
+        <p:spPr>
+          <a:xfrm>
+            <a:off x="7956253" y="0"/>
+            <a:ext cx="1187747" cy="1328738"/>
+          </a:xfrm>
+          <a:prstGeom prst="rect">
+            <a:avLst/>
+          </a:prstGeom>
+        </p:spPr>
+      </p:pic>
+      <p:pic>
+        <p:nvPicPr>
+          <p:cNvPr id="6" name="Picture 2"/>
+          <p:cNvPicPr>
+            <a:picLocks noChangeAspect="1" noChangeArrowheads="1"/>
+          </p:cNvPicPr>
+          <p:nvPr/>
+        </p:nvPicPr>
+        <p:blipFill>
+          <a:blip r:embed="rId3" cstate="print"/>
+          <a:srcRect/>
+          <a:stretch>
+            <a:fillRect/>
+          </a:stretch>
+        </p:blipFill>
+        <p:spPr bwMode="auto">
+          <a:xfrm>
+            <a:off x="1143000" y="1730928"/>
+            <a:ext cx="6362700" cy="4669872"/>
+          </a:xfrm>
+          <a:prstGeom prst="rect">
+            <a:avLst/>
+          </a:prstGeom>
+          <a:noFill/>
+          <a:ln w="9525">
+            <a:noFill/>
+            <a:miter lim="800000"/>
+            <a:headEnd/>
+            <a:tailEnd/>
+          </a:ln>
+        </p:spPr>
+      </p:pic>
+    </p:spTree>
+  </p:cSld>
+  <p:clrMapOvr>
+    <a:masterClrMapping/>
+  </p:clrMapOvr>
+</p:sld>
+</file>
+
+<file path=ppt/slides/slide23.xml><?xml version="1.0" encoding="utf-8"?>
+<p:sld xmlns:a="http://schemas.openxmlformats.org/drawingml/2006/main" xmlns:r="http://schemas.openxmlformats.org/officeDocument/2006/relationships" xmlns:p="http://schemas.openxmlformats.org/presentationml/2006/main">
+  <p:cSld>
+    <p:spTree>
+      <p:nvGrpSpPr>
+        <p:cNvPr id="1" name=""/>
+        <p:cNvGrpSpPr/>
+        <p:nvPr/>
+      </p:nvGrpSpPr>
+      <p:grpSpPr>
+        <a:xfrm>
+          <a:off x="0" y="0"/>
+          <a:ext cx="0" cy="0"/>
+          <a:chOff x="0" y="0"/>
+          <a:chExt cx="0" cy="0"/>
+        </a:xfrm>
+      </p:grpSpPr>
+      <p:sp>
+        <p:nvSpPr>
+          <p:cNvPr id="2" name="Title 1"/>
+          <p:cNvSpPr>
+            <a:spLocks noGrp="1"/>
+          </p:cNvSpPr>
+          <p:nvPr>
+            <p:ph type="title"/>
+          </p:nvPr>
+        </p:nvSpPr>
+        <p:spPr>
+          <a:xfrm>
+            <a:off x="381000" y="274638"/>
+            <a:ext cx="8382000" cy="1143000"/>
+          </a:xfrm>
+        </p:spPr>
+        <p:txBody>
+          <a:bodyPr>
+            <a:normAutofit fontScale="90000"/>
+          </a:bodyPr>
+          <a:lstStyle/>
+          <a:p>
+            <a:r>
+              <a:rPr lang="en-US" dirty="0" smtClean="0"/>
+              <a:t>Database</a:t>
+            </a:r>
+            <a:br>
+              <a:rPr lang="en-US" dirty="0" smtClean="0"/>
+            </a:br>
+            <a:r>
+              <a:rPr lang="en-US" dirty="0" smtClean="0"/>
+              <a:t>“</a:t>
+            </a:r>
+            <a:r>
+              <a:rPr lang="en-US" altLang="zh-CN" dirty="0" smtClean="0"/>
+              <a:t>How Database works”</a:t>
+            </a:r>
+            <a:endParaRPr lang="en-US" dirty="0"/>
+          </a:p>
+        </p:txBody>
+      </p:sp>
+      <p:sp>
+        <p:nvSpPr>
+          <p:cNvPr id="3" name="Content Placeholder 2"/>
+          <p:cNvSpPr>
+            <a:spLocks noGrp="1"/>
+          </p:cNvSpPr>
+          <p:nvPr>
+            <p:ph idx="1"/>
+          </p:nvPr>
+        </p:nvSpPr>
+        <p:spPr>
+          <a:xfrm>
+            <a:off x="457200" y="5105400"/>
+            <a:ext cx="8229600" cy="1371600"/>
+          </a:xfrm>
+        </p:spPr>
+        <p:txBody>
+          <a:bodyPr>
+            <a:normAutofit/>
+          </a:bodyPr>
+          <a:lstStyle/>
+          <a:p>
+            <a:pPr algn="just">
+              <a:buNone/>
+            </a:pPr>
+            <a:r>
+              <a:rPr lang="en-US" altLang="zh-CN" sz="2800" dirty="0" smtClean="0"/>
+              <a:t>The database module interacts with other modules, but does not affect them. It </a:t>
+            </a:r>
+            <a:r>
+              <a:rPr lang="en-US" altLang="zh-CN" sz="2800" b="1" i="1" u="sng" dirty="0" smtClean="0"/>
+              <a:t>shall</a:t>
+            </a:r>
+            <a:r>
+              <a:rPr lang="en-US" altLang="zh-CN" sz="2800" b="1" dirty="0" smtClean="0"/>
+              <a:t> </a:t>
+            </a:r>
+            <a:r>
+              <a:rPr lang="en-US" altLang="zh-CN" sz="2800" dirty="0" smtClean="0"/>
+              <a:t>provide operation function by other modules. Such as: read(); write().</a:t>
+            </a:r>
+            <a:endParaRPr lang="zh-CN" altLang="zh-CN" sz="2800" dirty="0"/>
+          </a:p>
+        </p:txBody>
+      </p:sp>
+      <p:pic>
+        <p:nvPicPr>
+          <p:cNvPr id="4" name="Picture 3" descr="logo.jpg"/>
+          <p:cNvPicPr>
+            <a:picLocks noChangeAspect="1"/>
+          </p:cNvPicPr>
+          <p:nvPr/>
+        </p:nvPicPr>
+        <p:blipFill>
+          <a:blip r:embed="rId2" cstate="print"/>
+          <a:stretch>
+            <a:fillRect/>
+          </a:stretch>
+        </p:blipFill>
+        <p:spPr>
+          <a:xfrm>
+            <a:off x="7956253" y="0"/>
+            <a:ext cx="1187747" cy="1328738"/>
+          </a:xfrm>
+          <a:prstGeom prst="rect">
+            <a:avLst/>
+          </a:prstGeom>
+        </p:spPr>
+      </p:pic>
+      <p:grpSp>
+        <p:nvGrpSpPr>
+          <p:cNvPr id="5" name="Group 21"/>
+          <p:cNvGrpSpPr>
+            <a:grpSpLocks/>
+          </p:cNvGrpSpPr>
+          <p:nvPr/>
+        </p:nvGrpSpPr>
+        <p:grpSpPr bwMode="auto">
+          <a:xfrm>
+            <a:off x="990600" y="1524000"/>
+            <a:ext cx="7086600" cy="3581400"/>
+            <a:chOff x="816" y="1104"/>
+            <a:chExt cx="4320" cy="2496"/>
+          </a:xfrm>
+        </p:grpSpPr>
+        <p:sp>
+          <p:nvSpPr>
+            <p:cNvPr id="6" name="Rectangle 4"/>
+            <p:cNvSpPr>
+              <a:spLocks noChangeArrowheads="1"/>
+            </p:cNvSpPr>
+            <p:nvPr/>
+          </p:nvSpPr>
+          <p:spPr bwMode="auto">
+            <a:xfrm>
+              <a:off x="816" y="1104"/>
+              <a:ext cx="1008" cy="624"/>
+            </a:xfrm>
+            <a:prstGeom prst="rect">
+              <a:avLst/>
+            </a:prstGeom>
+            <a:solidFill>
+              <a:schemeClr val="bg1"/>
+            </a:solidFill>
+            <a:ln w="9525">
+              <a:solidFill>
+                <a:schemeClr val="tx1"/>
+              </a:solidFill>
+              <a:miter lim="800000"/>
+              <a:headEnd/>
+              <a:tailEnd/>
+            </a:ln>
+          </p:spPr>
+          <p:txBody>
+            <a:bodyPr wrap="none" anchor="ctr"/>
+            <a:lstStyle/>
+            <a:p>
+              <a:endParaRPr lang="zh-CN" altLang="en-US"/>
+            </a:p>
+          </p:txBody>
+        </p:sp>
+        <p:sp>
+          <p:nvSpPr>
+            <p:cNvPr id="7" name="Rectangle 5"/>
+            <p:cNvSpPr>
+              <a:spLocks noChangeArrowheads="1"/>
+            </p:cNvSpPr>
+            <p:nvPr/>
+          </p:nvSpPr>
+          <p:spPr bwMode="auto">
+            <a:xfrm>
+              <a:off x="2448" y="2976"/>
+              <a:ext cx="1008" cy="624"/>
+            </a:xfrm>
+            <a:prstGeom prst="rect">
+              <a:avLst/>
+            </a:prstGeom>
+            <a:solidFill>
+              <a:schemeClr val="accent1"/>
+            </a:solidFill>
+            <a:ln w="9525">
+              <a:solidFill>
+                <a:schemeClr val="tx1"/>
+              </a:solidFill>
+              <a:miter lim="800000"/>
+              <a:headEnd/>
+              <a:tailEnd/>
+            </a:ln>
+          </p:spPr>
+          <p:txBody>
+            <a:bodyPr wrap="none" anchor="ctr"/>
+            <a:lstStyle/>
+            <a:p>
+              <a:endParaRPr lang="zh-CN" altLang="en-US"/>
+            </a:p>
+          </p:txBody>
+        </p:sp>
+        <p:sp>
+          <p:nvSpPr>
+            <p:cNvPr id="8" name="Rectangle 8"/>
+            <p:cNvSpPr>
+              <a:spLocks noChangeArrowheads="1"/>
+            </p:cNvSpPr>
+            <p:nvPr/>
+          </p:nvSpPr>
+          <p:spPr bwMode="auto">
+            <a:xfrm>
+              <a:off x="4128" y="1104"/>
+              <a:ext cx="1008" cy="624"/>
+            </a:xfrm>
+            <a:prstGeom prst="rect">
+              <a:avLst/>
+            </a:prstGeom>
+            <a:solidFill>
+              <a:schemeClr val="bg1"/>
+            </a:solidFill>
+            <a:ln w="9525">
+              <a:solidFill>
+                <a:schemeClr val="tx1"/>
+              </a:solidFill>
+              <a:miter lim="800000"/>
+              <a:headEnd/>
+              <a:tailEnd/>
+            </a:ln>
+          </p:spPr>
+          <p:txBody>
+            <a:bodyPr wrap="none" anchor="ctr"/>
+            <a:lstStyle/>
+            <a:p>
+              <a:endParaRPr lang="zh-CN" altLang="en-US"/>
+            </a:p>
+          </p:txBody>
+        </p:sp>
+        <p:sp>
+          <p:nvSpPr>
+            <p:cNvPr id="9" name="Rectangle 9"/>
+            <p:cNvSpPr>
+              <a:spLocks noChangeArrowheads="1"/>
+            </p:cNvSpPr>
+            <p:nvPr/>
+          </p:nvSpPr>
+          <p:spPr bwMode="auto">
+            <a:xfrm>
+              <a:off x="2448" y="1104"/>
+              <a:ext cx="1008" cy="624"/>
+            </a:xfrm>
+            <a:prstGeom prst="rect">
+              <a:avLst/>
+            </a:prstGeom>
+            <a:solidFill>
+              <a:schemeClr val="bg1"/>
+            </a:solidFill>
+            <a:ln w="9525">
+              <a:solidFill>
+                <a:schemeClr val="tx1"/>
+              </a:solidFill>
+              <a:miter lim="800000"/>
+              <a:headEnd/>
+              <a:tailEnd/>
+            </a:ln>
+          </p:spPr>
+          <p:txBody>
+            <a:bodyPr wrap="none" anchor="ctr"/>
+            <a:lstStyle/>
+            <a:p>
+              <a:endParaRPr lang="zh-CN" altLang="en-US"/>
+            </a:p>
+          </p:txBody>
+        </p:sp>
+        <p:sp>
+          <p:nvSpPr>
+            <p:cNvPr id="10" name="Line 10"/>
+            <p:cNvSpPr>
+              <a:spLocks noChangeShapeType="1"/>
+            </p:cNvSpPr>
+            <p:nvPr/>
+          </p:nvSpPr>
+          <p:spPr bwMode="auto">
+            <a:xfrm flipV="1">
+              <a:off x="2928" y="1728"/>
+              <a:ext cx="0" cy="1248"/>
+            </a:xfrm>
+            <a:prstGeom prst="line">
+              <a:avLst/>
+            </a:prstGeom>
+            <a:noFill/>
+            <a:ln w="63500" cmpd="dbl">
+              <a:solidFill>
+                <a:schemeClr val="tx1"/>
+              </a:solidFill>
+              <a:round/>
+              <a:headEnd type="triangle" w="med" len="med"/>
+              <a:tailEnd type="triangle" w="med" len="med"/>
+            </a:ln>
+          </p:spPr>
+          <p:txBody>
+            <a:bodyPr/>
+            <a:lstStyle/>
+            <a:p>
+              <a:endParaRPr lang="zh-CN" altLang="en-US"/>
+            </a:p>
+          </p:txBody>
+        </p:sp>
+        <p:sp>
+          <p:nvSpPr>
+            <p:cNvPr id="11" name="Line 11"/>
+            <p:cNvSpPr>
+              <a:spLocks noChangeShapeType="1"/>
+            </p:cNvSpPr>
+            <p:nvPr/>
+          </p:nvSpPr>
+          <p:spPr bwMode="auto">
+            <a:xfrm flipV="1">
+              <a:off x="1296" y="1728"/>
+              <a:ext cx="0" cy="1584"/>
+            </a:xfrm>
+            <a:prstGeom prst="line">
+              <a:avLst/>
+            </a:prstGeom>
+            <a:noFill/>
+            <a:ln w="63500" cmpd="dbl">
+              <a:solidFill>
+                <a:schemeClr val="tx1"/>
+              </a:solidFill>
+              <a:prstDash val="dash"/>
+              <a:round/>
+              <a:headEnd/>
+              <a:tailEnd type="triangle" w="med" len="med"/>
+            </a:ln>
+          </p:spPr>
+          <p:txBody>
+            <a:bodyPr/>
+            <a:lstStyle/>
+            <a:p>
+              <a:endParaRPr lang="zh-CN" altLang="en-US"/>
+            </a:p>
+          </p:txBody>
+        </p:sp>
+        <p:sp>
+          <p:nvSpPr>
+            <p:cNvPr id="12" name="Line 12"/>
+            <p:cNvSpPr>
+              <a:spLocks noChangeShapeType="1"/>
+            </p:cNvSpPr>
+            <p:nvPr/>
+          </p:nvSpPr>
+          <p:spPr bwMode="auto">
+            <a:xfrm flipV="1">
+              <a:off x="4656" y="1728"/>
+              <a:ext cx="0" cy="1584"/>
+            </a:xfrm>
+            <a:prstGeom prst="line">
+              <a:avLst/>
+            </a:prstGeom>
+            <a:noFill/>
+            <a:ln w="63500" cmpd="dbl">
+              <a:solidFill>
+                <a:schemeClr val="tx1"/>
+              </a:solidFill>
+              <a:round/>
+              <a:headEnd/>
+              <a:tailEnd type="triangle" w="med" len="med"/>
+            </a:ln>
+          </p:spPr>
+          <p:txBody>
+            <a:bodyPr/>
+            <a:lstStyle/>
+            <a:p>
+              <a:endParaRPr lang="zh-CN" altLang="en-US"/>
+            </a:p>
+          </p:txBody>
+        </p:sp>
+        <p:sp>
+          <p:nvSpPr>
+            <p:cNvPr id="13" name="Line 14"/>
+            <p:cNvSpPr>
+              <a:spLocks noChangeShapeType="1"/>
+            </p:cNvSpPr>
+            <p:nvPr/>
+          </p:nvSpPr>
+          <p:spPr bwMode="auto">
+            <a:xfrm>
+              <a:off x="1296" y="3312"/>
+              <a:ext cx="1152" cy="0"/>
+            </a:xfrm>
+            <a:prstGeom prst="line">
+              <a:avLst/>
+            </a:prstGeom>
+            <a:noFill/>
+            <a:ln w="63500" cmpd="dbl">
+              <a:solidFill>
+                <a:schemeClr val="tx1"/>
+              </a:solidFill>
+              <a:prstDash val="dash"/>
+              <a:round/>
+              <a:headEnd/>
+              <a:tailEnd type="triangle" w="med" len="med"/>
+            </a:ln>
+          </p:spPr>
+          <p:txBody>
+            <a:bodyPr/>
+            <a:lstStyle/>
+            <a:p>
+              <a:endParaRPr lang="zh-CN" altLang="en-US"/>
+            </a:p>
+          </p:txBody>
+        </p:sp>
+        <p:sp>
+          <p:nvSpPr>
+            <p:cNvPr id="14" name="Line 15"/>
+            <p:cNvSpPr>
+              <a:spLocks noChangeShapeType="1"/>
+            </p:cNvSpPr>
+            <p:nvPr/>
+          </p:nvSpPr>
+          <p:spPr bwMode="auto">
+            <a:xfrm flipH="1">
+              <a:off x="3456" y="3312"/>
+              <a:ext cx="1200" cy="0"/>
+            </a:xfrm>
+            <a:prstGeom prst="line">
+              <a:avLst/>
+            </a:prstGeom>
+            <a:noFill/>
+            <a:ln w="63500" cmpd="dbl">
+              <a:solidFill>
+                <a:schemeClr val="tx1"/>
+              </a:solidFill>
+              <a:round/>
+              <a:headEnd/>
+              <a:tailEnd type="triangle" w="med" len="med"/>
+            </a:ln>
+          </p:spPr>
+          <p:txBody>
+            <a:bodyPr/>
+            <a:lstStyle/>
+            <a:p>
+              <a:endParaRPr lang="zh-CN" altLang="en-US"/>
+            </a:p>
+          </p:txBody>
+        </p:sp>
+        <p:sp>
+          <p:nvSpPr>
+            <p:cNvPr id="15" name="Text Box 16"/>
+            <p:cNvSpPr txBox="1">
+              <a:spLocks noChangeArrowheads="1"/>
+            </p:cNvSpPr>
+            <p:nvPr/>
+          </p:nvSpPr>
+          <p:spPr bwMode="auto">
+            <a:xfrm>
+              <a:off x="2544" y="3120"/>
+              <a:ext cx="1008" cy="288"/>
+            </a:xfrm>
+            <a:prstGeom prst="rect">
+              <a:avLst/>
+            </a:prstGeom>
+            <a:noFill/>
+            <a:ln w="9525">
+              <a:noFill/>
+              <a:miter lim="800000"/>
+              <a:headEnd/>
+              <a:tailEnd/>
+            </a:ln>
+          </p:spPr>
+          <p:txBody>
+            <a:bodyPr>
+              <a:spAutoFit/>
+            </a:bodyPr>
+            <a:lstStyle/>
+            <a:p>
+              <a:pPr>
+                <a:spcBef>
+                  <a:spcPct val="50000"/>
+                </a:spcBef>
+              </a:pPr>
+              <a:r>
+                <a:rPr lang="en-US" altLang="zh-CN" sz="2400" b="1" dirty="0">
+                  <a:latin typeface="Times New Roman" pitchFamily="18" charset="0"/>
+                </a:rPr>
+                <a:t>Database</a:t>
+              </a:r>
+            </a:p>
+          </p:txBody>
+        </p:sp>
+        <p:sp>
+          <p:nvSpPr>
+            <p:cNvPr id="16" name="Text Box 17"/>
+            <p:cNvSpPr txBox="1">
+              <a:spLocks noChangeArrowheads="1"/>
+            </p:cNvSpPr>
+            <p:nvPr/>
+          </p:nvSpPr>
+          <p:spPr bwMode="auto">
+            <a:xfrm>
+              <a:off x="912" y="1248"/>
+              <a:ext cx="1008" cy="288"/>
+            </a:xfrm>
+            <a:prstGeom prst="rect">
+              <a:avLst/>
+            </a:prstGeom>
+            <a:noFill/>
+            <a:ln w="9525">
+              <a:noFill/>
+              <a:miter lim="800000"/>
+              <a:headEnd/>
+              <a:tailEnd/>
+            </a:ln>
+          </p:spPr>
+          <p:txBody>
+            <a:bodyPr>
+              <a:spAutoFit/>
+            </a:bodyPr>
+            <a:lstStyle/>
+            <a:p>
+              <a:pPr>
+                <a:spcBef>
+                  <a:spcPct val="50000"/>
+                </a:spcBef>
+              </a:pPr>
+              <a:r>
+                <a:rPr lang="en-US" altLang="zh-CN" sz="2400" b="1">
+                  <a:latin typeface="Times New Roman" pitchFamily="18" charset="0"/>
+                </a:rPr>
+                <a:t>OpenGL</a:t>
+              </a:r>
+            </a:p>
+          </p:txBody>
+        </p:sp>
+        <p:sp>
+          <p:nvSpPr>
+            <p:cNvPr id="17" name="Text Box 18"/>
+            <p:cNvSpPr txBox="1">
+              <a:spLocks noChangeArrowheads="1"/>
+            </p:cNvSpPr>
+            <p:nvPr/>
+          </p:nvSpPr>
+          <p:spPr bwMode="auto">
+            <a:xfrm>
+              <a:off x="2448" y="1200"/>
+              <a:ext cx="1008" cy="403"/>
+            </a:xfrm>
+            <a:prstGeom prst="rect">
+              <a:avLst/>
+            </a:prstGeom>
+            <a:noFill/>
+            <a:ln w="9525">
+              <a:noFill/>
+              <a:miter lim="800000"/>
+              <a:headEnd/>
+              <a:tailEnd/>
+            </a:ln>
+          </p:spPr>
+          <p:txBody>
+            <a:bodyPr>
+              <a:spAutoFit/>
+            </a:bodyPr>
+            <a:lstStyle/>
+            <a:p>
+              <a:pPr algn="ctr">
+                <a:lnSpc>
+                  <a:spcPct val="50000"/>
+                </a:lnSpc>
+                <a:spcBef>
+                  <a:spcPct val="50000"/>
+                </a:spcBef>
+              </a:pPr>
+              <a:r>
+                <a:rPr lang="en-US" altLang="zh-CN" sz="2400" b="1">
+                  <a:latin typeface="Times New Roman" pitchFamily="18" charset="0"/>
+                </a:rPr>
+                <a:t>User</a:t>
+              </a:r>
+            </a:p>
+            <a:p>
+              <a:pPr algn="ctr">
+                <a:lnSpc>
+                  <a:spcPct val="50000"/>
+                </a:lnSpc>
+                <a:spcBef>
+                  <a:spcPct val="50000"/>
+                </a:spcBef>
+              </a:pPr>
+              <a:r>
+                <a:rPr lang="en-US" altLang="zh-CN" sz="2400" b="1">
+                  <a:latin typeface="Times New Roman" pitchFamily="18" charset="0"/>
+                </a:rPr>
+                <a:t>Interface</a:t>
+              </a:r>
+            </a:p>
+          </p:txBody>
+        </p:sp>
+        <p:sp>
+          <p:nvSpPr>
+            <p:cNvPr id="18" name="Text Box 19"/>
+            <p:cNvSpPr txBox="1">
+              <a:spLocks noChangeArrowheads="1"/>
+            </p:cNvSpPr>
+            <p:nvPr/>
+          </p:nvSpPr>
+          <p:spPr bwMode="auto">
+            <a:xfrm>
+              <a:off x="4128" y="1200"/>
+              <a:ext cx="1008" cy="403"/>
+            </a:xfrm>
+            <a:prstGeom prst="rect">
+              <a:avLst/>
+            </a:prstGeom>
+            <a:noFill/>
+            <a:ln w="9525">
+              <a:noFill/>
+              <a:miter lim="800000"/>
+              <a:headEnd/>
+              <a:tailEnd/>
+            </a:ln>
+          </p:spPr>
+          <p:txBody>
+            <a:bodyPr>
+              <a:spAutoFit/>
+            </a:bodyPr>
+            <a:lstStyle/>
+            <a:p>
+              <a:pPr algn="ctr">
+                <a:lnSpc>
+                  <a:spcPct val="50000"/>
+                </a:lnSpc>
+                <a:spcBef>
+                  <a:spcPct val="50000"/>
+                </a:spcBef>
+              </a:pPr>
+              <a:r>
+                <a:rPr lang="en-US" altLang="zh-CN" sz="2400" b="1">
+                  <a:latin typeface="Times New Roman" pitchFamily="18" charset="0"/>
+                </a:rPr>
+                <a:t>Game</a:t>
+              </a:r>
+            </a:p>
+            <a:p>
+              <a:pPr algn="ctr">
+                <a:lnSpc>
+                  <a:spcPct val="50000"/>
+                </a:lnSpc>
+                <a:spcBef>
+                  <a:spcPct val="50000"/>
+                </a:spcBef>
+              </a:pPr>
+              <a:r>
+                <a:rPr lang="en-US" altLang="zh-CN" sz="2400" b="1">
+                  <a:latin typeface="Times New Roman" pitchFamily="18" charset="0"/>
+                </a:rPr>
+                <a:t>Mechanics</a:t>
+              </a:r>
+            </a:p>
+          </p:txBody>
+        </p:sp>
+      </p:grpSp>
+    </p:spTree>
+  </p:cSld>
+  <p:clrMapOvr>
+    <a:masterClrMapping/>
+  </p:clrMapOvr>
+</p:sld>
+</file>
+
+<file path=ppt/slides/slide24.xml><?xml version="1.0" encoding="utf-8"?>
+<p:sld xmlns:a="http://schemas.openxmlformats.org/drawingml/2006/main" xmlns:r="http://schemas.openxmlformats.org/officeDocument/2006/relationships" xmlns:p="http://schemas.openxmlformats.org/presentationml/2006/main">
+  <p:cSld>
+    <p:spTree>
+      <p:nvGrpSpPr>
+        <p:cNvPr id="1" name=""/>
+        <p:cNvGrpSpPr/>
+        <p:nvPr/>
+      </p:nvGrpSpPr>
+      <p:grpSpPr>
+        <a:xfrm>
+          <a:off x="0" y="0"/>
+          <a:ext cx="0" cy="0"/>
+          <a:chOff x="0" y="0"/>
+          <a:chExt cx="0" cy="0"/>
+        </a:xfrm>
+      </p:grpSpPr>
+      <p:sp>
+        <p:nvSpPr>
+          <p:cNvPr id="2" name="Title 1"/>
+          <p:cNvSpPr>
+            <a:spLocks noGrp="1"/>
+          </p:cNvSpPr>
+          <p:nvPr>
+            <p:ph type="title"/>
+          </p:nvPr>
+        </p:nvSpPr>
+        <p:spPr>
+          <a:xfrm>
+            <a:off x="457200" y="381000"/>
+            <a:ext cx="7391400" cy="1143000"/>
+          </a:xfrm>
+        </p:spPr>
+        <p:txBody>
+          <a:bodyPr>
+            <a:normAutofit fontScale="90000"/>
+          </a:bodyPr>
+          <a:lstStyle/>
+          <a:p>
+            <a:r>
+              <a:rPr lang="en-US" dirty="0" smtClean="0"/>
+              <a:t>Database</a:t>
+            </a:r>
+            <a:br>
+              <a:rPr lang="en-US" dirty="0" smtClean="0"/>
+            </a:br>
+            <a:r>
+              <a:rPr lang="en-US" dirty="0" smtClean="0"/>
+              <a:t>“Conclusion”</a:t>
+            </a:r>
+            <a:endParaRPr lang="en-US" dirty="0"/>
+          </a:p>
+        </p:txBody>
+      </p:sp>
+      <p:sp>
+        <p:nvSpPr>
+          <p:cNvPr id="3" name="Content Placeholder 2"/>
+          <p:cNvSpPr>
+            <a:spLocks noGrp="1"/>
+          </p:cNvSpPr>
+          <p:nvPr>
+            <p:ph idx="1"/>
+          </p:nvPr>
+        </p:nvSpPr>
+        <p:spPr>
+          <a:xfrm>
+            <a:off x="609600" y="2362200"/>
+            <a:ext cx="8229600" cy="3657600"/>
+          </a:xfrm>
+        </p:spPr>
+        <p:txBody>
+          <a:bodyPr/>
+          <a:lstStyle/>
+          <a:p>
+            <a:r>
+              <a:rPr lang="en-US" altLang="zh-CN" dirty="0" smtClean="0"/>
+              <a:t>Database functions like a background support to other modules.</a:t>
+            </a:r>
+          </a:p>
+          <a:p>
+            <a:r>
+              <a:rPr lang="en-US" altLang="zh-CN" dirty="0" smtClean="0"/>
+              <a:t>Database provides good organization of the game data.</a:t>
+            </a:r>
+          </a:p>
+          <a:p>
+            <a:r>
+              <a:rPr lang="en-US" altLang="zh-CN" dirty="0" smtClean="0"/>
+              <a:t>Database is useful for Storage and Retrieval of map and unit Data.</a:t>
+            </a:r>
+          </a:p>
+        </p:txBody>
+      </p:sp>
+      <p:pic>
+        <p:nvPicPr>
+          <p:cNvPr id="4" name="Picture 3" descr="logo.jpg"/>
+          <p:cNvPicPr>
+            <a:picLocks noChangeAspect="1"/>
+          </p:cNvPicPr>
+          <p:nvPr/>
+        </p:nvPicPr>
+        <p:blipFill>
+          <a:blip r:embed="rId2" cstate="print"/>
+          <a:stretch>
+            <a:fillRect/>
+          </a:stretch>
+        </p:blipFill>
+        <p:spPr>
+          <a:xfrm>
+            <a:off x="7956253" y="0"/>
+            <a:ext cx="1187747" cy="1328738"/>
+          </a:xfrm>
+          <a:prstGeom prst="rect">
+            <a:avLst/>
+          </a:prstGeom>
+        </p:spPr>
+      </p:pic>
+    </p:spTree>
+  </p:cSld>
+  <p:clrMapOvr>
+    <a:masterClrMapping/>
+  </p:clrMapOvr>
+  <p:timing>
+    <p:tnLst>
+      <p:par>
+        <p:cTn id="1" dur="indefinite" restart="never" nodeType="tmRoot"/>
+      </p:par>
+    </p:tnLst>
+  </p:timing>
+</p:sld>
+</file>
+
+<file path=ppt/slides/slide25.xml><?xml version="1.0" encoding="utf-8"?>
+<p:sld xmlns:a="http://schemas.openxmlformats.org/drawingml/2006/main" xmlns:r="http://schemas.openxmlformats.org/officeDocument/2006/relationships" xmlns:p="http://schemas.openxmlformats.org/presentationml/2006/main">
+  <p:cSld>
+    <p:spTree>
+      <p:nvGrpSpPr>
+        <p:cNvPr id="1" name=""/>
+        <p:cNvGrpSpPr/>
+        <p:nvPr/>
+      </p:nvGrpSpPr>
+      <p:grpSpPr>
+        <a:xfrm>
+          <a:off x="0" y="0"/>
+          <a:ext cx="0" cy="0"/>
+          <a:chOff x="0" y="0"/>
+          <a:chExt cx="0" cy="0"/>
+        </a:xfrm>
+      </p:grpSpPr>
+      <p:sp>
+        <p:nvSpPr>
+          <p:cNvPr id="2" name="Title 1"/>
+          <p:cNvSpPr>
+            <a:spLocks noGrp="1"/>
+          </p:cNvSpPr>
+          <p:nvPr>
+            <p:ph type="title"/>
+          </p:nvPr>
+        </p:nvSpPr>
         <p:spPr/>
         <p:txBody>
           <a:bodyPr/>
@@ -4928,7 +5958,7 @@
 </p:sld>
 </file>
 
-<file path=ppt/slides/slide23.xml><?xml version="1.0" encoding="utf-8"?>
+<file path=ppt/slides/slide26.xml><?xml version="1.0" encoding="utf-8"?>
 <p:sld xmlns:a="http://schemas.openxmlformats.org/drawingml/2006/main" xmlns:r="http://schemas.openxmlformats.org/officeDocument/2006/relationships" xmlns:p="http://schemas.openxmlformats.org/presentationml/2006/main">
   <p:cSld>
     <p:spTree>
@@ -5034,7 +6064,7 @@
 </p:sld>
 </file>
 
-<file path=ppt/slides/slide24.xml><?xml version="1.0" encoding="utf-8"?>
+<file path=ppt/slides/slide27.xml><?xml version="1.0" encoding="utf-8"?>
 <p:sld xmlns:a="http://schemas.openxmlformats.org/drawingml/2006/main" xmlns:r="http://schemas.openxmlformats.org/officeDocument/2006/relationships" xmlns:p="http://schemas.openxmlformats.org/presentationml/2006/main">
   <p:cSld>
     <p:spTree>

--- a/trunk/Docs/DUEL REALITY .pptx
+++ b/trunk/Docs/DUEL REALITY .pptx
@@ -3432,6 +3432,13 @@
   <p:clrMapOvr>
     <a:masterClrMapping/>
   </p:clrMapOvr>
+  <p:timing>
+    <p:tnLst>
+      <p:par>
+        <p:cTn id="1" dur="indefinite" restart="never" nodeType="tmRoot"/>
+      </p:par>
+    </p:tnLst>
+  </p:timing>
 </p:sld>
 </file>
 
@@ -3564,6 +3571,13 @@
   <p:clrMapOvr>
     <a:masterClrMapping/>
   </p:clrMapOvr>
+  <p:timing>
+    <p:tnLst>
+      <p:par>
+        <p:cTn id="1" dur="indefinite" restart="never" nodeType="tmRoot"/>
+      </p:par>
+    </p:tnLst>
+  </p:timing>
 </p:sld>
 </file>
 
@@ -6301,7 +6315,7 @@
         </p:spPr>
         <p:txBody>
           <a:bodyPr>
-            <a:normAutofit fontScale="90000"/>
+            <a:normAutofit/>
           </a:bodyPr>
           <a:lstStyle/>
           <a:p>
@@ -6313,10 +6327,10 @@
               <a:rPr lang="en-US" dirty="0" smtClean="0"/>
             </a:br>
             <a:r>
-              <a:rPr lang="en-US" dirty="0" smtClean="0"/>
-              <a:t>“Summary”</a:t>
-            </a:r>
-            <a:endParaRPr lang="en-US" dirty="0"/>
+              <a:rPr lang="en-US" sz="2200" dirty="0" smtClean="0"/>
+              <a:t>Presenter: Tom Calloway</a:t>
+            </a:r>
+            <a:endParaRPr lang="en-US" sz="2200" dirty="0"/>
           </a:p>
         </p:txBody>
       </p:sp>
@@ -6780,6 +6794,13 @@
   <p:clrMapOvr>
     <a:masterClrMapping/>
   </p:clrMapOvr>
+  <p:timing>
+    <p:tnLst>
+      <p:par>
+        <p:cTn id="1" dur="indefinite" restart="never" nodeType="tmRoot"/>
+      </p:par>
+    </p:tnLst>
+  </p:timing>
 </p:sld>
 </file>
 

--- a/trunk/Docs/DUEL REALITY .pptx
+++ b/trunk/Docs/DUEL REALITY .pptx
@@ -5,7 +5,7 @@
     <p:sldMasterId id="2147483660" r:id="rId1"/>
   </p:sldMasterIdLst>
   <p:notesMasterIdLst>
-    <p:notesMasterId r:id="rId40"/>
+    <p:notesMasterId r:id="rId41"/>
   </p:notesMasterIdLst>
   <p:sldIdLst>
     <p:sldId id="256" r:id="rId2"/>
@@ -32,20 +32,21 @@
     <p:sldId id="293" r:id="rId23"/>
     <p:sldId id="277" r:id="rId24"/>
     <p:sldId id="294" r:id="rId25"/>
-    <p:sldId id="295" r:id="rId26"/>
-    <p:sldId id="296" r:id="rId27"/>
-    <p:sldId id="291" r:id="rId28"/>
-    <p:sldId id="278" r:id="rId29"/>
-    <p:sldId id="264" r:id="rId30"/>
-    <p:sldId id="280" r:id="rId31"/>
-    <p:sldId id="281" r:id="rId32"/>
-    <p:sldId id="282" r:id="rId33"/>
-    <p:sldId id="283" r:id="rId34"/>
-    <p:sldId id="284" r:id="rId35"/>
-    <p:sldId id="285" r:id="rId36"/>
-    <p:sldId id="267" r:id="rId37"/>
-    <p:sldId id="268" r:id="rId38"/>
-    <p:sldId id="269" r:id="rId39"/>
+    <p:sldId id="297" r:id="rId26"/>
+    <p:sldId id="295" r:id="rId27"/>
+    <p:sldId id="296" r:id="rId28"/>
+    <p:sldId id="291" r:id="rId29"/>
+    <p:sldId id="278" r:id="rId30"/>
+    <p:sldId id="264" r:id="rId31"/>
+    <p:sldId id="280" r:id="rId32"/>
+    <p:sldId id="281" r:id="rId33"/>
+    <p:sldId id="282" r:id="rId34"/>
+    <p:sldId id="283" r:id="rId35"/>
+    <p:sldId id="284" r:id="rId36"/>
+    <p:sldId id="285" r:id="rId37"/>
+    <p:sldId id="267" r:id="rId38"/>
+    <p:sldId id="268" r:id="rId39"/>
+    <p:sldId id="269" r:id="rId40"/>
   </p:sldIdLst>
   <p:sldSz cx="9144000" cy="6858000" type="screen4x3"/>
   <p:notesSz cx="6858000" cy="9144000"/>
@@ -230,7 +231,7 @@
             <a:fld id="{2DB3A570-3473-4B51-9859-38FBE4FB2A3F}" type="datetimeFigureOut">
               <a:rPr lang="en-US" smtClean="0"/>
               <a:pPr/>
-              <a:t>4/22/2010</a:t>
+              <a:t>4/27/2010</a:t>
             </a:fld>
             <a:endParaRPr lang="en-US"/>
           </a:p>
@@ -745,7 +746,7 @@
             <a:fld id="{10D76176-46D7-45B7-BEC6-0CAB5BAF04B8}" type="datetime1">
               <a:rPr lang="en-US" smtClean="0"/>
               <a:pPr/>
-              <a:t>4/22/2010</a:t>
+              <a:t>4/27/2010</a:t>
             </a:fld>
             <a:endParaRPr lang="en-US"/>
           </a:p>
@@ -970,7 +971,7 @@
             <a:fld id="{2ACA5E9D-9FFA-4FE5-8D48-AD97EAE540F6}" type="datetime1">
               <a:rPr lang="en-US" smtClean="0"/>
               <a:pPr/>
-              <a:t>4/22/2010</a:t>
+              <a:t>4/27/2010</a:t>
             </a:fld>
             <a:endParaRPr lang="en-US"/>
           </a:p>
@@ -1252,7 +1253,7 @@
             <a:fld id="{A97A97D5-15F8-466A-ABDA-DF49D1BB6FB5}" type="datetime1">
               <a:rPr lang="en-US" smtClean="0"/>
               <a:pPr/>
-              <a:t>4/22/2010</a:t>
+              <a:t>4/27/2010</a:t>
             </a:fld>
             <a:endParaRPr lang="en-US"/>
           </a:p>
@@ -1433,7 +1434,7 @@
             <a:fld id="{A516281F-2FAF-4B50-BB04-FE7E9D79FCFE}" type="datetime1">
               <a:rPr lang="en-US" smtClean="0"/>
               <a:pPr/>
-              <a:t>4/22/2010</a:t>
+              <a:t>4/27/2010</a:t>
             </a:fld>
             <a:endParaRPr lang="en-US"/>
           </a:p>
@@ -1793,7 +1794,7 @@
             <a:fld id="{2E9CB2DA-F545-4604-A0C7-5A323DB8BBA1}" type="datetime1">
               <a:rPr lang="en-US" smtClean="0"/>
               <a:pPr/>
-              <a:t>4/22/2010</a:t>
+              <a:t>4/27/2010</a:t>
             </a:fld>
             <a:endParaRPr lang="en-US"/>
           </a:p>
@@ -2082,7 +2083,7 @@
             <a:fld id="{32D3AAE4-58A9-4829-84ED-BAB6B9C4B1BD}" type="datetime1">
               <a:rPr lang="en-US" smtClean="0"/>
               <a:pPr/>
-              <a:t>4/22/2010</a:t>
+              <a:t>4/27/2010</a:t>
             </a:fld>
             <a:endParaRPr lang="en-US"/>
           </a:p>
@@ -2506,7 +2507,7 @@
             <a:fld id="{F1F62B83-C1F9-4900-BD8E-DCF5FCA3C455}" type="datetime1">
               <a:rPr lang="en-US" smtClean="0"/>
               <a:pPr/>
-              <a:t>4/22/2010</a:t>
+              <a:t>4/27/2010</a:t>
             </a:fld>
             <a:endParaRPr lang="en-US"/>
           </a:p>
@@ -2623,7 +2624,7 @@
             <a:fld id="{D67003CF-0740-4329-915B-45FAAE4561B5}" type="datetime1">
               <a:rPr lang="en-US" smtClean="0"/>
               <a:pPr/>
-              <a:t>4/22/2010</a:t>
+              <a:t>4/27/2010</a:t>
             </a:fld>
             <a:endParaRPr lang="en-US"/>
           </a:p>
@@ -2715,7 +2716,7 @@
             <a:fld id="{316BD30F-E255-42E4-A430-2D1BA87B0CA1}" type="datetime1">
               <a:rPr lang="en-US" smtClean="0"/>
               <a:pPr/>
-              <a:t>4/22/2010</a:t>
+              <a:t>4/27/2010</a:t>
             </a:fld>
             <a:endParaRPr lang="en-US"/>
           </a:p>
@@ -2995,7 +2996,7 @@
             <a:fld id="{DF955EC1-8AC4-4897-A39C-5C74CF1158C4}" type="datetime1">
               <a:rPr lang="en-US" smtClean="0"/>
               <a:pPr/>
-              <a:t>4/22/2010</a:t>
+              <a:t>4/27/2010</a:t>
             </a:fld>
             <a:endParaRPr lang="en-US"/>
           </a:p>
@@ -3363,7 +3364,7 @@
             <a:fld id="{C69A9847-EB5B-42B5-A3CA-E519FF22C27F}" type="datetime1">
               <a:rPr lang="en-US" smtClean="0"/>
               <a:pPr/>
-              <a:t>4/22/2010</a:t>
+              <a:t>4/27/2010</a:t>
             </a:fld>
             <a:endParaRPr lang="en-US"/>
           </a:p>
@@ -3802,7 +3803,7 @@
             <a:fld id="{BB02A790-4BD0-4AB4-95D4-38BF854DB16E}" type="datetime1">
               <a:rPr lang="en-US" smtClean="0"/>
               <a:pPr/>
-              <a:t>4/22/2010</a:t>
+              <a:t>4/27/2010</a:t>
             </a:fld>
             <a:endParaRPr lang="en-US"/>
           </a:p>
@@ -5841,6 +5842,13 @@
   <p:clrMapOvr>
     <a:masterClrMapping/>
   </p:clrMapOvr>
+  <p:timing>
+    <p:tnLst>
+      <p:par>
+        <p:cTn id="1" dur="indefinite" restart="never" nodeType="tmRoot"/>
+      </p:par>
+    </p:tnLst>
+  </p:timing>
 </p:sld>
 </file>
 
@@ -5991,6 +5999,13 @@
   <p:clrMapOvr>
     <a:masterClrMapping/>
   </p:clrMapOvr>
+  <p:timing>
+    <p:tnLst>
+      <p:par>
+        <p:cTn id="1" dur="indefinite" restart="never" nodeType="tmRoot"/>
+      </p:par>
+    </p:tnLst>
+  </p:timing>
 </p:sld>
 </file>
 
@@ -6362,6 +6377,13 @@
   <p:clrMapOvr>
     <a:masterClrMapping/>
   </p:clrMapOvr>
+  <p:timing>
+    <p:tnLst>
+      <p:par>
+        <p:cTn id="1" dur="indefinite" restart="never" nodeType="tmRoot"/>
+      </p:par>
+    </p:tnLst>
+  </p:timing>
 </p:sld>
 </file>
 
@@ -6478,8 +6500,9 @@
             <a:pPr lvl="1"/>
             <a:r>
               <a:rPr lang="en-US" dirty="0" smtClean="0"/>
-              <a:t>Upgradable</a:t>
+              <a:t>Upgradable Attributes</a:t>
             </a:r>
+            <a:endParaRPr lang="en-US" dirty="0" smtClean="0"/>
           </a:p>
           <a:p>
             <a:r>
@@ -6691,6 +6714,13 @@
   <p:clrMapOvr>
     <a:masterClrMapping/>
   </p:clrMapOvr>
+  <p:timing>
+    <p:tnLst>
+      <p:par>
+        <p:cTn id="1" dur="indefinite" restart="never" nodeType="tmRoot"/>
+      </p:par>
+    </p:tnLst>
+  </p:timing>
 </p:sld>
 </file>
 
@@ -6851,6 +6881,13 @@
   <p:clrMapOvr>
     <a:masterClrMapping/>
   </p:clrMapOvr>
+  <p:timing>
+    <p:tnLst>
+      <p:par>
+        <p:cTn id="1" dur="indefinite" restart="never" nodeType="tmRoot"/>
+      </p:par>
+    </p:tnLst>
+  </p:timing>
 </p:sld>
 </file>
 
@@ -12620,6 +12657,13 @@
   <p:clrMapOvr>
     <a:masterClrMapping/>
   </p:clrMapOvr>
+  <p:timing>
+    <p:tnLst>
+      <p:par>
+        <p:cTn id="1" dur="indefinite" restart="never" nodeType="tmRoot"/>
+      </p:par>
+    </p:tnLst>
+  </p:timing>
 </p:sld>
 </file>
 
@@ -16903,7 +16947,7 @@
         </p:nvGrpSpPr>
         <p:grpSpPr>
           <a:xfrm>
-            <a:off x="4800600" y="4724400"/>
+            <a:off x="4800600" y="4778188"/>
             <a:ext cx="3117274" cy="1864659"/>
             <a:chOff x="609600" y="2631141"/>
             <a:chExt cx="3117274" cy="1864659"/>
@@ -18423,6 +18467,13 @@
   <p:clrMapOvr>
     <a:masterClrMapping/>
   </p:clrMapOvr>
+  <p:timing>
+    <p:tnLst>
+      <p:par>
+        <p:cTn id="1" dur="indefinite" restart="never" nodeType="tmRoot"/>
+      </p:par>
+    </p:tnLst>
+  </p:timing>
 </p:sld>
 </file>
 
@@ -18460,30 +18511,7 @@
           <a:p>
             <a:r>
               <a:rPr lang="en-US" dirty="0" smtClean="0"/>
-              <a:t>Game Mechanics Class Diagram</a:t>
-            </a:r>
-            <a:endParaRPr lang="en-US" dirty="0"/>
-          </a:p>
-        </p:txBody>
-      </p:sp>
-      <p:sp>
-        <p:nvSpPr>
-          <p:cNvPr id="3" name="Content Placeholder 2"/>
-          <p:cNvSpPr>
-            <a:spLocks noGrp="1"/>
-          </p:cNvSpPr>
-          <p:nvPr>
-            <p:ph idx="1"/>
-          </p:nvPr>
-        </p:nvSpPr>
-        <p:spPr/>
-        <p:txBody>
-          <a:bodyPr/>
-          <a:lstStyle/>
-          <a:p>
-            <a:r>
-              <a:rPr lang="en-US" dirty="0" smtClean="0"/>
-              <a:t>COMING SOON</a:t>
+              <a:t>Game Mechanics</a:t>
             </a:r>
             <a:endParaRPr lang="en-US" dirty="0"/>
           </a:p>
@@ -18513,6 +18541,58 @@
           </a:p>
         </p:txBody>
       </p:sp>
+      <p:pic>
+        <p:nvPicPr>
+          <p:cNvPr id="5" name="Picture 1"/>
+          <p:cNvPicPr>
+            <a:picLocks noChangeAspect="1" noChangeArrowheads="1"/>
+          </p:cNvPicPr>
+          <p:nvPr/>
+        </p:nvPicPr>
+        <p:blipFill>
+          <a:blip r:embed="rId2" cstate="print"/>
+          <a:srcRect t="-114" b="-200"/>
+          <a:stretch>
+            <a:fillRect/>
+          </a:stretch>
+        </p:blipFill>
+        <p:spPr bwMode="auto">
+          <a:xfrm>
+            <a:off x="286657" y="1524000"/>
+            <a:ext cx="5644445" cy="5334000"/>
+          </a:xfrm>
+          <a:prstGeom prst="rect">
+            <a:avLst/>
+          </a:prstGeom>
+          <a:solidFill>
+            <a:srgbClr val="FFFFFF"/>
+          </a:solidFill>
+        </p:spPr>
+      </p:pic>
+      <p:pic>
+        <p:nvPicPr>
+          <p:cNvPr id="6" name="Picture 5" descr="logo.jpg"/>
+          <p:cNvPicPr>
+            <a:picLocks noChangeAspect="1"/>
+          </p:cNvPicPr>
+          <p:nvPr/>
+        </p:nvPicPr>
+        <p:blipFill>
+          <a:blip r:embed="rId3" cstate="print"/>
+          <a:stretch>
+            <a:fillRect/>
+          </a:stretch>
+        </p:blipFill>
+        <p:spPr>
+          <a:xfrm>
+            <a:off x="7956253" y="0"/>
+            <a:ext cx="1187747" cy="1328738"/>
+          </a:xfrm>
+          <a:prstGeom prst="rect">
+            <a:avLst/>
+          </a:prstGeom>
+        </p:spPr>
+      </p:pic>
     </p:spTree>
   </p:cSld>
   <p:clrMapOvr>
@@ -18548,6 +18628,138 @@
             <p:ph type="title"/>
           </p:nvPr>
         </p:nvSpPr>
+        <p:spPr>
+          <a:xfrm>
+            <a:off x="80684" y="155448"/>
+            <a:ext cx="8229600" cy="1252728"/>
+          </a:xfrm>
+        </p:spPr>
+        <p:txBody>
+          <a:bodyPr/>
+          <a:lstStyle/>
+          <a:p>
+            <a:r>
+              <a:rPr lang="en-US" dirty="0" smtClean="0"/>
+              <a:t>Game Mechanics Class Diagram</a:t>
+            </a:r>
+            <a:endParaRPr lang="en-US" dirty="0"/>
+          </a:p>
+        </p:txBody>
+      </p:sp>
+      <p:sp>
+        <p:nvSpPr>
+          <p:cNvPr id="4" name="Slide Number Placeholder 3"/>
+          <p:cNvSpPr>
+            <a:spLocks noGrp="1"/>
+          </p:cNvSpPr>
+          <p:nvPr>
+            <p:ph type="sldNum" sz="quarter" idx="12"/>
+          </p:nvPr>
+        </p:nvSpPr>
+        <p:spPr/>
+        <p:txBody>
+          <a:bodyPr/>
+          <a:lstStyle/>
+          <a:p>
+            <a:fld id="{B6F15528-21DE-4FAA-801E-634DDDAF4B2B}" type="slidenum">
+              <a:rPr lang="en-US" smtClean="0"/>
+              <a:pPr/>
+              <a:t>26</a:t>
+            </a:fld>
+            <a:endParaRPr lang="en-US"/>
+          </a:p>
+        </p:txBody>
+      </p:sp>
+      <p:pic>
+        <p:nvPicPr>
+          <p:cNvPr id="5" name="Picture 4" descr="class1.png"/>
+          <p:cNvPicPr>
+            <a:picLocks noChangeAspect="1"/>
+          </p:cNvPicPr>
+          <p:nvPr/>
+        </p:nvPicPr>
+        <p:blipFill>
+          <a:blip r:embed="rId2" cstate="print"/>
+          <a:stretch>
+            <a:fillRect/>
+          </a:stretch>
+        </p:blipFill>
+        <p:spPr>
+          <a:xfrm>
+            <a:off x="457200" y="1566273"/>
+            <a:ext cx="6400800" cy="5079276"/>
+          </a:xfrm>
+          <a:prstGeom prst="rect">
+            <a:avLst/>
+          </a:prstGeom>
+        </p:spPr>
+      </p:pic>
+      <p:pic>
+        <p:nvPicPr>
+          <p:cNvPr id="7" name="Picture 6" descr="logo.jpg"/>
+          <p:cNvPicPr>
+            <a:picLocks noChangeAspect="1"/>
+          </p:cNvPicPr>
+          <p:nvPr/>
+        </p:nvPicPr>
+        <p:blipFill>
+          <a:blip r:embed="rId3" cstate="print"/>
+          <a:stretch>
+            <a:fillRect/>
+          </a:stretch>
+        </p:blipFill>
+        <p:spPr>
+          <a:xfrm>
+            <a:off x="7956253" y="0"/>
+            <a:ext cx="1187747" cy="1328738"/>
+          </a:xfrm>
+          <a:prstGeom prst="rect">
+            <a:avLst/>
+          </a:prstGeom>
+        </p:spPr>
+      </p:pic>
+    </p:spTree>
+  </p:cSld>
+  <p:clrMapOvr>
+    <a:masterClrMapping/>
+  </p:clrMapOvr>
+  <p:timing>
+    <p:tnLst>
+      <p:par>
+        <p:cTn id="1" dur="indefinite" restart="never" nodeType="tmRoot"/>
+      </p:par>
+    </p:tnLst>
+  </p:timing>
+</p:sld>
+</file>
+
+<file path=ppt/slides/slide27.xml><?xml version="1.0" encoding="utf-8"?>
+<p:sld xmlns:a="http://schemas.openxmlformats.org/drawingml/2006/main" xmlns:r="http://schemas.openxmlformats.org/officeDocument/2006/relationships" xmlns:p="http://schemas.openxmlformats.org/presentationml/2006/main">
+  <p:cSld>
+    <p:spTree>
+      <p:nvGrpSpPr>
+        <p:cNvPr id="1" name=""/>
+        <p:cNvGrpSpPr/>
+        <p:nvPr/>
+      </p:nvGrpSpPr>
+      <p:grpSpPr>
+        <a:xfrm>
+          <a:off x="0" y="0"/>
+          <a:ext cx="0" cy="0"/>
+          <a:chOff x="0" y="0"/>
+          <a:chExt cx="0" cy="0"/>
+        </a:xfrm>
+      </p:grpSpPr>
+      <p:sp>
+        <p:nvSpPr>
+          <p:cNvPr id="2" name="Title 1"/>
+          <p:cNvSpPr>
+            <a:spLocks noGrp="1"/>
+          </p:cNvSpPr>
+          <p:nvPr>
+            <p:ph type="title"/>
+          </p:nvPr>
+        </p:nvSpPr>
         <p:spPr/>
         <p:txBody>
           <a:bodyPr/>
@@ -18578,14 +18790,30 @@
           <a:p>
             <a:r>
               <a:rPr lang="en-US" dirty="0" smtClean="0"/>
-              <a:t>Decision Tree</a:t>
+              <a:t>Playable Opponent</a:t>
             </a:r>
           </a:p>
           <a:p>
             <a:r>
               <a:rPr lang="en-US" dirty="0" smtClean="0"/>
-              <a:t>Board Evaluation</a:t>
+              <a:t>Board </a:t>
             </a:r>
+            <a:r>
+              <a:rPr lang="en-US" dirty="0" smtClean="0"/>
+              <a:t>Evaluation</a:t>
+            </a:r>
+          </a:p>
+          <a:p>
+            <a:r>
+              <a:rPr lang="en-US" dirty="0" smtClean="0"/>
+              <a:t>Decision </a:t>
+            </a:r>
+            <a:r>
+              <a:rPr lang="en-US" dirty="0" smtClean="0"/>
+              <a:t>Tree</a:t>
+            </a:r>
+          </a:p>
+          <a:p>
             <a:endParaRPr lang="en-US" dirty="0"/>
           </a:p>
         </p:txBody>
@@ -18608,7 +18836,7 @@
             <a:fld id="{B6F15528-21DE-4FAA-801E-634DDDAF4B2B}" type="slidenum">
               <a:rPr lang="en-US" smtClean="0"/>
               <a:pPr/>
-              <a:t>26</a:t>
+              <a:t>27</a:t>
             </a:fld>
             <a:endParaRPr lang="en-US"/>
           </a:p>
@@ -18619,10 +18847,17 @@
   <p:clrMapOvr>
     <a:masterClrMapping/>
   </p:clrMapOvr>
+  <p:timing>
+    <p:tnLst>
+      <p:par>
+        <p:cTn id="1" dur="indefinite" restart="never" nodeType="tmRoot"/>
+      </p:par>
+    </p:tnLst>
+  </p:timing>
 </p:sld>
 </file>
 
-<file path=ppt/slides/slide27.xml><?xml version="1.0" encoding="utf-8"?>
+<file path=ppt/slides/slide28.xml><?xml version="1.0" encoding="utf-8"?>
 <p:sld xmlns:a="http://schemas.openxmlformats.org/drawingml/2006/main" xmlns:r="http://schemas.openxmlformats.org/officeDocument/2006/relationships" xmlns:p="http://schemas.openxmlformats.org/presentationml/2006/main">
   <p:cSld>
     <p:spTree>
@@ -18685,7 +18920,7 @@
             <a:fld id="{B6F15528-21DE-4FAA-801E-634DDDAF4B2B}" type="slidenum">
               <a:rPr lang="en-US" smtClean="0"/>
               <a:pPr/>
-              <a:t>27</a:t>
+              <a:t>28</a:t>
             </a:fld>
             <a:endParaRPr lang="en-US"/>
           </a:p>
@@ -18708,8 +18943,8 @@
         </p:blipFill>
         <p:spPr bwMode="auto">
           <a:xfrm>
-            <a:off x="152400" y="609600"/>
-            <a:ext cx="4953000" cy="6191803"/>
+            <a:off x="152400" y="1447800"/>
+            <a:ext cx="4282500" cy="5353603"/>
           </a:xfrm>
           <a:prstGeom prst="rect">
             <a:avLst/>
@@ -18725,15 +18960,46 @@
           </a:ln>
         </p:spPr>
       </p:pic>
+      <p:pic>
+        <p:nvPicPr>
+          <p:cNvPr id="5" name="Picture 4" descr="class2.png"/>
+          <p:cNvPicPr>
+            <a:picLocks noChangeAspect="1"/>
+          </p:cNvPicPr>
+          <p:nvPr/>
+        </p:nvPicPr>
+        <p:blipFill>
+          <a:blip r:embed="rId3" cstate="print"/>
+          <a:stretch>
+            <a:fillRect/>
+          </a:stretch>
+        </p:blipFill>
+        <p:spPr>
+          <a:xfrm>
+            <a:off x="6324600" y="1905000"/>
+            <a:ext cx="2133600" cy="2781300"/>
+          </a:xfrm>
+          <a:prstGeom prst="rect">
+            <a:avLst/>
+          </a:prstGeom>
+        </p:spPr>
+      </p:pic>
     </p:spTree>
   </p:cSld>
   <p:clrMapOvr>
     <a:masterClrMapping/>
   </p:clrMapOvr>
+  <p:timing>
+    <p:tnLst>
+      <p:par>
+        <p:cTn id="1" dur="indefinite" restart="never" nodeType="tmRoot"/>
+      </p:par>
+    </p:tnLst>
+  </p:timing>
 </p:sld>
 </file>
 
-<file path=ppt/slides/slide28.xml><?xml version="1.0" encoding="utf-8"?>
+<file path=ppt/slides/slide29.xml><?xml version="1.0" encoding="utf-8"?>
 <p:sld xmlns:a="http://schemas.openxmlformats.org/drawingml/2006/main" xmlns:r="http://schemas.openxmlformats.org/officeDocument/2006/relationships" xmlns:p="http://schemas.openxmlformats.org/presentationml/2006/main">
   <p:cSld>
     <p:spTree>
@@ -18791,7 +19057,7 @@
             <a:fld id="{B6F15528-21DE-4FAA-801E-634DDDAF4B2B}" type="slidenum">
               <a:rPr lang="en-US" smtClean="0"/>
               <a:pPr/>
-              <a:t>28</a:t>
+              <a:t>29</a:t>
             </a:fld>
             <a:endParaRPr lang="en-US"/>
           </a:p>
@@ -24592,150 +24858,13 @@
   <p:clrMapOvr>
     <a:masterClrMapping/>
   </p:clrMapOvr>
-</p:sld>
-</file>
-
-<file path=ppt/slides/slide29.xml><?xml version="1.0" encoding="utf-8"?>
-<p:sld xmlns:a="http://schemas.openxmlformats.org/drawingml/2006/main" xmlns:r="http://schemas.openxmlformats.org/officeDocument/2006/relationships" xmlns:p="http://schemas.openxmlformats.org/presentationml/2006/main">
-  <p:cSld>
-    <p:spTree>
-      <p:nvGrpSpPr>
-        <p:cNvPr id="1" name=""/>
-        <p:cNvGrpSpPr/>
-        <p:nvPr/>
-      </p:nvGrpSpPr>
-      <p:grpSpPr>
-        <a:xfrm>
-          <a:off x="0" y="0"/>
-          <a:ext cx="0" cy="0"/>
-          <a:chOff x="0" y="0"/>
-          <a:chExt cx="0" cy="0"/>
-        </a:xfrm>
-      </p:grpSpPr>
-      <p:sp>
-        <p:nvSpPr>
-          <p:cNvPr id="2" name="Title 1"/>
-          <p:cNvSpPr>
-            <a:spLocks noGrp="1"/>
-          </p:cNvSpPr>
-          <p:nvPr>
-            <p:ph type="title"/>
-          </p:nvPr>
-        </p:nvSpPr>
-        <p:spPr/>
-        <p:txBody>
-          <a:bodyPr>
-            <a:normAutofit fontScale="90000"/>
-          </a:bodyPr>
-          <a:lstStyle/>
-          <a:p>
-            <a:r>
-              <a:rPr lang="en-US" dirty="0" smtClean="0"/>
-              <a:t>Game Mechanics &amp;</a:t>
-            </a:r>
-            <a:br>
-              <a:rPr lang="en-US" dirty="0" smtClean="0"/>
-            </a:br>
-            <a:r>
-              <a:rPr lang="en-US" dirty="0" smtClean="0"/>
-              <a:t> AI Conclusion</a:t>
-            </a:r>
-            <a:endParaRPr lang="en-US" dirty="0"/>
-          </a:p>
-        </p:txBody>
-      </p:sp>
-      <p:sp>
-        <p:nvSpPr>
-          <p:cNvPr id="3" name="Content Placeholder 2"/>
-          <p:cNvSpPr>
-            <a:spLocks noGrp="1"/>
-          </p:cNvSpPr>
-          <p:nvPr>
-            <p:ph idx="1"/>
-          </p:nvPr>
-        </p:nvSpPr>
-        <p:spPr/>
-        <p:txBody>
-          <a:bodyPr/>
-          <a:lstStyle/>
-          <a:p>
-            <a:r>
-              <a:rPr lang="en-US" dirty="0" smtClean="0"/>
-              <a:t>Units</a:t>
-            </a:r>
-          </a:p>
-          <a:p>
-            <a:r>
-              <a:rPr lang="en-US" dirty="0" smtClean="0"/>
-              <a:t>Game </a:t>
-            </a:r>
-            <a:r>
-              <a:rPr lang="en-US" dirty="0" err="1" smtClean="0"/>
-              <a:t>Mech</a:t>
-            </a:r>
-            <a:endParaRPr lang="en-US" dirty="0" smtClean="0"/>
-          </a:p>
-          <a:p>
-            <a:r>
-              <a:rPr lang="en-US" dirty="0" smtClean="0"/>
-              <a:t>AI</a:t>
-            </a:r>
-          </a:p>
-        </p:txBody>
-      </p:sp>
-      <p:sp>
-        <p:nvSpPr>
-          <p:cNvPr id="5" name="Slide Number Placeholder 4"/>
-          <p:cNvSpPr>
-            <a:spLocks noGrp="1"/>
-          </p:cNvSpPr>
-          <p:nvPr>
-            <p:ph type="sldNum" sz="quarter" idx="12"/>
-          </p:nvPr>
-        </p:nvSpPr>
-        <p:spPr/>
-        <p:txBody>
-          <a:bodyPr/>
-          <a:lstStyle/>
-          <a:p>
-            <a:fld id="{B6F15528-21DE-4FAA-801E-634DDDAF4B2B}" type="slidenum">
-              <a:rPr lang="en-US" smtClean="0"/>
-              <a:pPr/>
-              <a:t>29</a:t>
-            </a:fld>
-            <a:endParaRPr lang="en-US"/>
-          </a:p>
-        </p:txBody>
-      </p:sp>
-      <p:pic>
-        <p:nvPicPr>
-          <p:cNvPr id="4" name="Picture 3" descr="logo.jpg"/>
-          <p:cNvPicPr>
-            <a:picLocks noChangeAspect="1"/>
-          </p:cNvPicPr>
-          <p:nvPr/>
-        </p:nvPicPr>
-        <p:blipFill>
-          <a:blip r:embed="rId2" cstate="print"/>
-          <a:stretch>
-            <a:fillRect/>
-          </a:stretch>
-        </p:blipFill>
-        <p:spPr>
-          <a:xfrm>
-            <a:off x="7956253" y="0"/>
-            <a:ext cx="1187747" cy="1328738"/>
-          </a:xfrm>
-          <a:prstGeom prst="rect">
-            <a:avLst/>
-          </a:prstGeom>
-        </p:spPr>
-      </p:pic>
-    </p:spTree>
-  </p:cSld>
-  <p:clrMapOvr>
-    <a:masterClrMapping/>
-  </p:clrMapOvr>
+  <p:timing>
+    <p:tnLst>
+      <p:par>
+        <p:cTn id="1" dur="indefinite" restart="never" nodeType="tmRoot"/>
+      </p:par>
+    </p:tnLst>
+  </p:timing>
 </p:sld>
 </file>
 
@@ -24917,12 +25046,7 @@
             <p:ph type="title"/>
           </p:nvPr>
         </p:nvSpPr>
-        <p:spPr>
-          <a:xfrm>
-            <a:off x="457200" y="314094"/>
-            <a:ext cx="7391400" cy="1143000"/>
-          </a:xfrm>
-        </p:spPr>
+        <p:spPr/>
         <p:txBody>
           <a:bodyPr>
             <a:normAutofit fontScale="90000"/>
@@ -24931,14 +25055,14 @@
           <a:p>
             <a:r>
               <a:rPr lang="en-US" dirty="0" smtClean="0"/>
-              <a:t>Database</a:t>
+              <a:t>Game Mechanics &amp;</a:t>
             </a:r>
             <a:br>
               <a:rPr lang="en-US" dirty="0" smtClean="0"/>
             </a:br>
             <a:r>
               <a:rPr lang="en-US" dirty="0" smtClean="0"/>
-              <a:t>“Summary”</a:t>
+              <a:t> AI Conclusion</a:t>
             </a:r>
             <a:endParaRPr lang="en-US" dirty="0"/>
           </a:p>
@@ -24954,33 +25078,32 @@
             <p:ph idx="1"/>
           </p:nvPr>
         </p:nvSpPr>
-        <p:spPr>
-          <a:xfrm>
-            <a:off x="762000" y="2514600"/>
-            <a:ext cx="8229600" cy="3657600"/>
-          </a:xfrm>
-        </p:spPr>
+        <p:spPr/>
         <p:txBody>
           <a:bodyPr/>
           <a:lstStyle/>
           <a:p>
             <a:r>
               <a:rPr lang="en-US" dirty="0" smtClean="0"/>
-              <a:t>What Database is?</a:t>
+              <a:t>Units</a:t>
             </a:r>
           </a:p>
           <a:p>
             <a:r>
               <a:rPr lang="en-US" dirty="0" smtClean="0"/>
-              <a:t>What Database does in the project?</a:t>
+              <a:t>Game </a:t>
             </a:r>
-          </a:p>
-          <a:p>
             <a:r>
               <a:rPr lang="en-US" dirty="0" smtClean="0"/>
-              <a:t>How Database works?</a:t>
+              <a:t>Mechanics</a:t>
             </a:r>
-            <a:endParaRPr lang="en-US" dirty="0"/>
+            <a:endParaRPr lang="en-US" dirty="0" smtClean="0"/>
+          </a:p>
+          <a:p>
+            <a:r>
+              <a:rPr lang="en-US" dirty="0" smtClean="0"/>
+              <a:t>AI</a:t>
+            </a:r>
           </a:p>
         </p:txBody>
       </p:sp>
@@ -25074,7 +25197,12 @@
             <p:ph type="title"/>
           </p:nvPr>
         </p:nvSpPr>
-        <p:spPr/>
+        <p:spPr>
+          <a:xfrm>
+            <a:off x="457200" y="314094"/>
+            <a:ext cx="7391400" cy="1143000"/>
+          </a:xfrm>
+        </p:spPr>
         <p:txBody>
           <a:bodyPr>
             <a:normAutofit fontScale="90000"/>
@@ -25090,11 +25218,7 @@
             </a:br>
             <a:r>
               <a:rPr lang="en-US" dirty="0" smtClean="0"/>
-              <a:t>“</a:t>
-            </a:r>
-            <a:r>
-              <a:rPr lang="en-US" altLang="zh-CN" dirty="0" smtClean="0"/>
-              <a:t>What Database is”</a:t>
+              <a:t>“Summary”</a:t>
             </a:r>
             <a:endParaRPr lang="en-US" dirty="0"/>
           </a:p>
@@ -25112,38 +25236,31 @@
         </p:nvSpPr>
         <p:spPr>
           <a:xfrm>
-            <a:off x="381000" y="1646237"/>
-            <a:ext cx="8610600" cy="4525963"/>
+            <a:off x="762000" y="2514600"/>
+            <a:ext cx="8229600" cy="3657600"/>
           </a:xfrm>
         </p:spPr>
         <p:txBody>
-          <a:bodyPr>
-            <a:normAutofit fontScale="92500"/>
-          </a:bodyPr>
+          <a:bodyPr/>
           <a:lstStyle/>
           <a:p>
             <a:r>
-              <a:rPr lang="en-US" altLang="zh-CN" dirty="0" smtClean="0"/>
-              <a:t>Databases consist of software-based "containers" that are structured to collect and store information.</a:t>
+              <a:rPr lang="en-US" dirty="0" smtClean="0"/>
+              <a:t>What Database is?</a:t>
             </a:r>
           </a:p>
           <a:p>
             <a:r>
-              <a:rPr lang="en-US" altLang="zh-CN" dirty="0" smtClean="0"/>
-              <a:t>Database programs are designed for users so that they can retrieve, add, update or remove information.</a:t>
+              <a:rPr lang="en-US" dirty="0" smtClean="0"/>
+              <a:t>What Database does in the project?</a:t>
             </a:r>
           </a:p>
           <a:p>
             <a:r>
-              <a:rPr lang="en-US" altLang="zh-CN" dirty="0" smtClean="0"/>
-              <a:t>The structure of a database is tabular, consisting of rows and columns of information.</a:t>
+              <a:rPr lang="en-US" dirty="0" smtClean="0"/>
+              <a:t>How Database works?</a:t>
             </a:r>
-          </a:p>
-          <a:p>
-            <a:r>
-              <a:rPr lang="en-US" altLang="zh-CN" dirty="0" smtClean="0"/>
-              <a:t>A number of database architectures exist. Many databases use a combination of strategies.</a:t>
-            </a:r>
+            <a:endParaRPr lang="en-US" dirty="0"/>
           </a:p>
         </p:txBody>
       </p:sp>
@@ -25200,10 +25317,180 @@
   <p:clrMapOvr>
     <a:masterClrMapping/>
   </p:clrMapOvr>
+  <p:timing>
+    <p:tnLst>
+      <p:par>
+        <p:cTn id="1" dur="indefinite" restart="never" nodeType="tmRoot"/>
+      </p:par>
+    </p:tnLst>
+  </p:timing>
 </p:sld>
 </file>
 
 <file path=ppt/slides/slide32.xml><?xml version="1.0" encoding="utf-8"?>
+<p:sld xmlns:a="http://schemas.openxmlformats.org/drawingml/2006/main" xmlns:r="http://schemas.openxmlformats.org/officeDocument/2006/relationships" xmlns:p="http://schemas.openxmlformats.org/presentationml/2006/main">
+  <p:cSld>
+    <p:spTree>
+      <p:nvGrpSpPr>
+        <p:cNvPr id="1" name=""/>
+        <p:cNvGrpSpPr/>
+        <p:nvPr/>
+      </p:nvGrpSpPr>
+      <p:grpSpPr>
+        <a:xfrm>
+          <a:off x="0" y="0"/>
+          <a:ext cx="0" cy="0"/>
+          <a:chOff x="0" y="0"/>
+          <a:chExt cx="0" cy="0"/>
+        </a:xfrm>
+      </p:grpSpPr>
+      <p:sp>
+        <p:nvSpPr>
+          <p:cNvPr id="2" name="Title 1"/>
+          <p:cNvSpPr>
+            <a:spLocks noGrp="1"/>
+          </p:cNvSpPr>
+          <p:nvPr>
+            <p:ph type="title"/>
+          </p:nvPr>
+        </p:nvSpPr>
+        <p:spPr/>
+        <p:txBody>
+          <a:bodyPr>
+            <a:normAutofit fontScale="90000"/>
+          </a:bodyPr>
+          <a:lstStyle/>
+          <a:p>
+            <a:r>
+              <a:rPr lang="en-US" dirty="0" smtClean="0"/>
+              <a:t>Database</a:t>
+            </a:r>
+            <a:br>
+              <a:rPr lang="en-US" dirty="0" smtClean="0"/>
+            </a:br>
+            <a:r>
+              <a:rPr lang="en-US" dirty="0" smtClean="0"/>
+              <a:t>“</a:t>
+            </a:r>
+            <a:r>
+              <a:rPr lang="en-US" altLang="zh-CN" dirty="0" smtClean="0"/>
+              <a:t>What Database is”</a:t>
+            </a:r>
+            <a:endParaRPr lang="en-US" dirty="0"/>
+          </a:p>
+        </p:txBody>
+      </p:sp>
+      <p:sp>
+        <p:nvSpPr>
+          <p:cNvPr id="3" name="Content Placeholder 2"/>
+          <p:cNvSpPr>
+            <a:spLocks noGrp="1"/>
+          </p:cNvSpPr>
+          <p:nvPr>
+            <p:ph idx="1"/>
+          </p:nvPr>
+        </p:nvSpPr>
+        <p:spPr>
+          <a:xfrm>
+            <a:off x="381000" y="1646237"/>
+            <a:ext cx="8610600" cy="4525963"/>
+          </a:xfrm>
+        </p:spPr>
+        <p:txBody>
+          <a:bodyPr>
+            <a:normAutofit fontScale="92500"/>
+          </a:bodyPr>
+          <a:lstStyle/>
+          <a:p>
+            <a:r>
+              <a:rPr lang="en-US" altLang="zh-CN" dirty="0" smtClean="0"/>
+              <a:t>Databases consist of software-based "containers" that are structured to collect and store information.</a:t>
+            </a:r>
+          </a:p>
+          <a:p>
+            <a:r>
+              <a:rPr lang="en-US" altLang="zh-CN" dirty="0" smtClean="0"/>
+              <a:t>Database programs are designed for users so that they can retrieve, add, update or remove information.</a:t>
+            </a:r>
+          </a:p>
+          <a:p>
+            <a:r>
+              <a:rPr lang="en-US" altLang="zh-CN" dirty="0" smtClean="0"/>
+              <a:t>The structure of a database is tabular, consisting of rows and columns of information.</a:t>
+            </a:r>
+          </a:p>
+          <a:p>
+            <a:r>
+              <a:rPr lang="en-US" altLang="zh-CN" dirty="0" smtClean="0"/>
+              <a:t>A number of database architectures exist. Many databases use a combination of strategies.</a:t>
+            </a:r>
+          </a:p>
+        </p:txBody>
+      </p:sp>
+      <p:sp>
+        <p:nvSpPr>
+          <p:cNvPr id="5" name="Slide Number Placeholder 4"/>
+          <p:cNvSpPr>
+            <a:spLocks noGrp="1"/>
+          </p:cNvSpPr>
+          <p:nvPr>
+            <p:ph type="sldNum" sz="quarter" idx="12"/>
+          </p:nvPr>
+        </p:nvSpPr>
+        <p:spPr/>
+        <p:txBody>
+          <a:bodyPr/>
+          <a:lstStyle/>
+          <a:p>
+            <a:fld id="{B6F15528-21DE-4FAA-801E-634DDDAF4B2B}" type="slidenum">
+              <a:rPr lang="en-US" smtClean="0"/>
+              <a:pPr/>
+              <a:t>32</a:t>
+            </a:fld>
+            <a:endParaRPr lang="en-US"/>
+          </a:p>
+        </p:txBody>
+      </p:sp>
+      <p:pic>
+        <p:nvPicPr>
+          <p:cNvPr id="4" name="Picture 3" descr="logo.jpg"/>
+          <p:cNvPicPr>
+            <a:picLocks noChangeAspect="1"/>
+          </p:cNvPicPr>
+          <p:nvPr/>
+        </p:nvPicPr>
+        <p:blipFill>
+          <a:blip r:embed="rId2" cstate="print"/>
+          <a:stretch>
+            <a:fillRect/>
+          </a:stretch>
+        </p:blipFill>
+        <p:spPr>
+          <a:xfrm>
+            <a:off x="7956253" y="0"/>
+            <a:ext cx="1187747" cy="1328738"/>
+          </a:xfrm>
+          <a:prstGeom prst="rect">
+            <a:avLst/>
+          </a:prstGeom>
+        </p:spPr>
+      </p:pic>
+    </p:spTree>
+  </p:cSld>
+  <p:clrMapOvr>
+    <a:masterClrMapping/>
+  </p:clrMapOvr>
+  <p:timing>
+    <p:tnLst>
+      <p:par>
+        <p:cTn id="1" dur="indefinite" restart="never" nodeType="tmRoot"/>
+      </p:par>
+    </p:tnLst>
+  </p:timing>
+</p:sld>
+</file>
+
+<file path=ppt/slides/slide33.xml><?xml version="1.0" encoding="utf-8"?>
 <p:sld xmlns:a="http://schemas.openxmlformats.org/drawingml/2006/main" xmlns:r="http://schemas.openxmlformats.org/officeDocument/2006/relationships" xmlns:p="http://schemas.openxmlformats.org/presentationml/2006/main">
   <p:cSld>
     <p:spTree>
@@ -25321,7 +25608,7 @@
             <a:fld id="{B6F15528-21DE-4FAA-801E-634DDDAF4B2B}" type="slidenum">
               <a:rPr lang="en-US" smtClean="0"/>
               <a:pPr/>
-              <a:t>32</a:t>
+              <a:t>33</a:t>
             </a:fld>
             <a:endParaRPr lang="en-US"/>
           </a:p>
@@ -25356,10 +25643,17 @@
   <p:clrMapOvr>
     <a:masterClrMapping/>
   </p:clrMapOvr>
+  <p:timing>
+    <p:tnLst>
+      <p:par>
+        <p:cTn id="1" dur="indefinite" restart="never" nodeType="tmRoot"/>
+      </p:par>
+    </p:tnLst>
+  </p:timing>
 </p:sld>
 </file>
 
-<file path=ppt/slides/slide33.xml><?xml version="1.0" encoding="utf-8"?>
+<file path=ppt/slides/slide34.xml><?xml version="1.0" encoding="utf-8"?>
 <p:sld xmlns:a="http://schemas.openxmlformats.org/drawingml/2006/main" xmlns:r="http://schemas.openxmlformats.org/officeDocument/2006/relationships" xmlns:p="http://schemas.openxmlformats.org/presentationml/2006/main">
   <p:cSld>
     <p:spTree>
@@ -25435,7 +25729,7 @@
             <a:fld id="{B6F15528-21DE-4FAA-801E-634DDDAF4B2B}" type="slidenum">
               <a:rPr lang="en-US" smtClean="0"/>
               <a:pPr/>
-              <a:t>33</a:t>
+              <a:t>34</a:t>
             </a:fld>
             <a:endParaRPr lang="en-US"/>
           </a:p>
@@ -25502,10 +25796,17 @@
   <p:clrMapOvr>
     <a:masterClrMapping/>
   </p:clrMapOvr>
+  <p:timing>
+    <p:tnLst>
+      <p:par>
+        <p:cTn id="1" dur="indefinite" restart="never" nodeType="tmRoot"/>
+      </p:par>
+    </p:tnLst>
+  </p:timing>
 </p:sld>
 </file>
 
-<file path=ppt/slides/slide34.xml><?xml version="1.0" encoding="utf-8"?>
+<file path=ppt/slides/slide35.xml><?xml version="1.0" encoding="utf-8"?>
 <p:sld xmlns:a="http://schemas.openxmlformats.org/drawingml/2006/main" xmlns:r="http://schemas.openxmlformats.org/officeDocument/2006/relationships" xmlns:p="http://schemas.openxmlformats.org/presentationml/2006/main">
   <p:cSld>
     <p:spTree>
@@ -25626,7 +25927,7 @@
             <a:fld id="{B6F15528-21DE-4FAA-801E-634DDDAF4B2B}" type="slidenum">
               <a:rPr lang="en-US" smtClean="0"/>
               <a:pPr/>
-              <a:t>34</a:t>
+              <a:t>35</a:t>
             </a:fld>
             <a:endParaRPr lang="en-US"/>
           </a:p>
@@ -26208,10 +26509,17 @@
   <p:clrMapOvr>
     <a:masterClrMapping/>
   </p:clrMapOvr>
+  <p:timing>
+    <p:tnLst>
+      <p:par>
+        <p:cTn id="1" dur="indefinite" restart="never" nodeType="tmRoot"/>
+      </p:par>
+    </p:tnLst>
+  </p:timing>
 </p:sld>
 </file>
 
-<file path=ppt/slides/slide35.xml><?xml version="1.0" encoding="utf-8"?>
+<file path=ppt/slides/slide36.xml><?xml version="1.0" encoding="utf-8"?>
 <p:sld xmlns:a="http://schemas.openxmlformats.org/drawingml/2006/main" xmlns:r="http://schemas.openxmlformats.org/officeDocument/2006/relationships" xmlns:p="http://schemas.openxmlformats.org/presentationml/2006/main">
   <p:cSld>
     <p:spTree>
@@ -26322,7 +26630,7 @@
             <a:fld id="{B6F15528-21DE-4FAA-801E-634DDDAF4B2B}" type="slidenum">
               <a:rPr lang="en-US" smtClean="0"/>
               <a:pPr/>
-              <a:t>35</a:t>
+              <a:t>36</a:t>
             </a:fld>
             <a:endParaRPr lang="en-US"/>
           </a:p>
@@ -26367,7 +26675,7 @@
 </p:sld>
 </file>
 
-<file path=ppt/slides/slide36.xml><?xml version="1.0" encoding="utf-8"?>
+<file path=ppt/slides/slide37.xml><?xml version="1.0" encoding="utf-8"?>
 <p:sld xmlns:a="http://schemas.openxmlformats.org/drawingml/2006/main" xmlns:r="http://schemas.openxmlformats.org/officeDocument/2006/relationships" xmlns:p="http://schemas.openxmlformats.org/presentationml/2006/main">
   <p:cSld>
     <p:spTree>
@@ -26444,7 +26752,144 @@
             <a:fld id="{B6F15528-21DE-4FAA-801E-634DDDAF4B2B}" type="slidenum">
               <a:rPr lang="en-US" smtClean="0"/>
               <a:pPr/>
-              <a:t>36</a:t>
+              <a:t>37</a:t>
+            </a:fld>
+            <a:endParaRPr lang="en-US"/>
+          </a:p>
+        </p:txBody>
+      </p:sp>
+      <p:pic>
+        <p:nvPicPr>
+          <p:cNvPr id="4" name="Picture 3" descr="logo.jpg"/>
+          <p:cNvPicPr>
+            <a:picLocks noChangeAspect="1"/>
+          </p:cNvPicPr>
+          <p:nvPr/>
+        </p:nvPicPr>
+        <p:blipFill>
+          <a:blip r:embed="rId2" cstate="print"/>
+          <a:stretch>
+            <a:fillRect/>
+          </a:stretch>
+        </p:blipFill>
+        <p:spPr>
+          <a:xfrm>
+            <a:off x="7956253" y="0"/>
+            <a:ext cx="1187747" cy="1328738"/>
+          </a:xfrm>
+          <a:prstGeom prst="rect">
+            <a:avLst/>
+          </a:prstGeom>
+        </p:spPr>
+      </p:pic>
+    </p:spTree>
+  </p:cSld>
+  <p:clrMapOvr>
+    <a:masterClrMapping/>
+  </p:clrMapOvr>
+  <p:timing>
+    <p:tnLst>
+      <p:par>
+        <p:cTn id="1" dur="indefinite" restart="never" nodeType="tmRoot"/>
+      </p:par>
+    </p:tnLst>
+  </p:timing>
+</p:sld>
+</file>
+
+<file path=ppt/slides/slide38.xml><?xml version="1.0" encoding="utf-8"?>
+<p:sld xmlns:a="http://schemas.openxmlformats.org/drawingml/2006/main" xmlns:r="http://schemas.openxmlformats.org/officeDocument/2006/relationships" xmlns:p="http://schemas.openxmlformats.org/presentationml/2006/main">
+  <p:cSld>
+    <p:spTree>
+      <p:nvGrpSpPr>
+        <p:cNvPr id="1" name=""/>
+        <p:cNvGrpSpPr/>
+        <p:nvPr/>
+      </p:nvGrpSpPr>
+      <p:grpSpPr>
+        <a:xfrm>
+          <a:off x="0" y="0"/>
+          <a:ext cx="0" cy="0"/>
+          <a:chOff x="0" y="0"/>
+          <a:chExt cx="0" cy="0"/>
+        </a:xfrm>
+      </p:grpSpPr>
+      <p:sp>
+        <p:nvSpPr>
+          <p:cNvPr id="2" name="Title 1"/>
+          <p:cNvSpPr>
+            <a:spLocks noGrp="1"/>
+          </p:cNvSpPr>
+          <p:nvPr>
+            <p:ph type="title"/>
+          </p:nvPr>
+        </p:nvSpPr>
+        <p:spPr/>
+        <p:txBody>
+          <a:bodyPr/>
+          <a:lstStyle/>
+          <a:p>
+            <a:r>
+              <a:rPr lang="en-US" dirty="0" smtClean="0"/>
+              <a:t>Conclusion</a:t>
+            </a:r>
+            <a:endParaRPr lang="en-US" dirty="0"/>
+          </a:p>
+        </p:txBody>
+      </p:sp>
+      <p:sp>
+        <p:nvSpPr>
+          <p:cNvPr id="3" name="Content Placeholder 2"/>
+          <p:cNvSpPr>
+            <a:spLocks noGrp="1"/>
+          </p:cNvSpPr>
+          <p:nvPr>
+            <p:ph idx="1"/>
+          </p:nvPr>
+        </p:nvSpPr>
+        <p:spPr/>
+        <p:txBody>
+          <a:bodyPr/>
+          <a:lstStyle/>
+          <a:p>
+            <a:r>
+              <a:rPr lang="en-US" dirty="0" smtClean="0"/>
+              <a:t>Conclude this presentation</a:t>
+            </a:r>
+          </a:p>
+          <a:p>
+            <a:r>
+              <a:rPr lang="en-US" dirty="0" smtClean="0"/>
+              <a:t>Told you about our awesome game </a:t>
+            </a:r>
+          </a:p>
+          <a:p>
+            <a:r>
+              <a:rPr lang="en-US" dirty="0" smtClean="0"/>
+              <a:t>Pre-orders available</a:t>
+            </a:r>
+          </a:p>
+        </p:txBody>
+      </p:sp>
+      <p:sp>
+        <p:nvSpPr>
+          <p:cNvPr id="5" name="Slide Number Placeholder 4"/>
+          <p:cNvSpPr>
+            <a:spLocks noGrp="1"/>
+          </p:cNvSpPr>
+          <p:nvPr>
+            <p:ph type="sldNum" sz="quarter" idx="12"/>
+          </p:nvPr>
+        </p:nvSpPr>
+        <p:spPr/>
+        <p:txBody>
+          <a:bodyPr/>
+          <a:lstStyle/>
+          <a:p>
+            <a:fld id="{B6F15528-21DE-4FAA-801E-634DDDAF4B2B}" type="slidenum">
+              <a:rPr lang="en-US" smtClean="0"/>
+              <a:pPr/>
+              <a:t>38</a:t>
             </a:fld>
             <a:endParaRPr lang="en-US"/>
           </a:p>
@@ -26482,7 +26927,7 @@
 </p:sld>
 </file>
 
-<file path=ppt/slides/slide37.xml><?xml version="1.0" encoding="utf-8"?>
+<file path=ppt/slides/slide39.xml><?xml version="1.0" encoding="utf-8"?>
 <p:sld xmlns:a="http://schemas.openxmlformats.org/drawingml/2006/main" xmlns:r="http://schemas.openxmlformats.org/officeDocument/2006/relationships" xmlns:p="http://schemas.openxmlformats.org/presentationml/2006/main">
   <p:cSld>
     <p:spTree>
@@ -26516,43 +26961,9 @@
           <a:p>
             <a:r>
               <a:rPr lang="en-US" dirty="0" smtClean="0"/>
-              <a:t>Conclusion</a:t>
+              <a:t>Questions?</a:t>
             </a:r>
             <a:endParaRPr lang="en-US" dirty="0"/>
-          </a:p>
-        </p:txBody>
-      </p:sp>
-      <p:sp>
-        <p:nvSpPr>
-          <p:cNvPr id="3" name="Content Placeholder 2"/>
-          <p:cNvSpPr>
-            <a:spLocks noGrp="1"/>
-          </p:cNvSpPr>
-          <p:nvPr>
-            <p:ph idx="1"/>
-          </p:nvPr>
-        </p:nvSpPr>
-        <p:spPr/>
-        <p:txBody>
-          <a:bodyPr/>
-          <a:lstStyle/>
-          <a:p>
-            <a:r>
-              <a:rPr lang="en-US" dirty="0" smtClean="0"/>
-              <a:t>Conclude this presentation</a:t>
-            </a:r>
-          </a:p>
-          <a:p>
-            <a:r>
-              <a:rPr lang="en-US" dirty="0" smtClean="0"/>
-              <a:t>Told you about our awesome game </a:t>
-            </a:r>
-          </a:p>
-          <a:p>
-            <a:r>
-              <a:rPr lang="en-US" dirty="0" smtClean="0"/>
-              <a:t>Pre-orders available</a:t>
-            </a:r>
           </a:p>
         </p:txBody>
       </p:sp>
@@ -26574,103 +26985,7 @@
             <a:fld id="{B6F15528-21DE-4FAA-801E-634DDDAF4B2B}" type="slidenum">
               <a:rPr lang="en-US" smtClean="0"/>
               <a:pPr/>
-              <a:t>37</a:t>
-            </a:fld>
-            <a:endParaRPr lang="en-US"/>
-          </a:p>
-        </p:txBody>
-      </p:sp>
-      <p:pic>
-        <p:nvPicPr>
-          <p:cNvPr id="4" name="Picture 3" descr="logo.jpg"/>
-          <p:cNvPicPr>
-            <a:picLocks noChangeAspect="1"/>
-          </p:cNvPicPr>
-          <p:nvPr/>
-        </p:nvPicPr>
-        <p:blipFill>
-          <a:blip r:embed="rId2" cstate="print"/>
-          <a:stretch>
-            <a:fillRect/>
-          </a:stretch>
-        </p:blipFill>
-        <p:spPr>
-          <a:xfrm>
-            <a:off x="7956253" y="0"/>
-            <a:ext cx="1187747" cy="1328738"/>
-          </a:xfrm>
-          <a:prstGeom prst="rect">
-            <a:avLst/>
-          </a:prstGeom>
-        </p:spPr>
-      </p:pic>
-    </p:spTree>
-  </p:cSld>
-  <p:clrMapOvr>
-    <a:masterClrMapping/>
-  </p:clrMapOvr>
-</p:sld>
-</file>
-
-<file path=ppt/slides/slide38.xml><?xml version="1.0" encoding="utf-8"?>
-<p:sld xmlns:a="http://schemas.openxmlformats.org/drawingml/2006/main" xmlns:r="http://schemas.openxmlformats.org/officeDocument/2006/relationships" xmlns:p="http://schemas.openxmlformats.org/presentationml/2006/main">
-  <p:cSld>
-    <p:spTree>
-      <p:nvGrpSpPr>
-        <p:cNvPr id="1" name=""/>
-        <p:cNvGrpSpPr/>
-        <p:nvPr/>
-      </p:nvGrpSpPr>
-      <p:grpSpPr>
-        <a:xfrm>
-          <a:off x="0" y="0"/>
-          <a:ext cx="0" cy="0"/>
-          <a:chOff x="0" y="0"/>
-          <a:chExt cx="0" cy="0"/>
-        </a:xfrm>
-      </p:grpSpPr>
-      <p:sp>
-        <p:nvSpPr>
-          <p:cNvPr id="2" name="Title 1"/>
-          <p:cNvSpPr>
-            <a:spLocks noGrp="1"/>
-          </p:cNvSpPr>
-          <p:nvPr>
-            <p:ph type="title"/>
-          </p:nvPr>
-        </p:nvSpPr>
-        <p:spPr/>
-        <p:txBody>
-          <a:bodyPr/>
-          <a:lstStyle/>
-          <a:p>
-            <a:r>
-              <a:rPr lang="en-US" dirty="0" smtClean="0"/>
-              <a:t>Questions?</a:t>
-            </a:r>
-            <a:endParaRPr lang="en-US" dirty="0"/>
-          </a:p>
-        </p:txBody>
-      </p:sp>
-      <p:sp>
-        <p:nvSpPr>
-          <p:cNvPr id="5" name="Slide Number Placeholder 4"/>
-          <p:cNvSpPr>
-            <a:spLocks noGrp="1"/>
-          </p:cNvSpPr>
-          <p:nvPr>
-            <p:ph type="sldNum" sz="quarter" idx="12"/>
-          </p:nvPr>
-        </p:nvSpPr>
-        <p:spPr/>
-        <p:txBody>
-          <a:bodyPr/>
-          <a:lstStyle/>
-          <a:p>
-            <a:fld id="{B6F15528-21DE-4FAA-801E-634DDDAF4B2B}" type="slidenum">
-              <a:rPr lang="en-US" smtClean="0"/>
-              <a:pPr/>
-              <a:t>38</a:t>
+              <a:t>39</a:t>
             </a:fld>
             <a:endParaRPr lang="en-US"/>
           </a:p>
@@ -26772,15 +27087,7 @@
           <a:p>
             <a:r>
               <a:rPr lang="en-US" dirty="0" smtClean="0"/>
-              <a:t>Total </a:t>
-            </a:r>
-            <a:r>
-              <a:rPr lang="en-US" dirty="0" smtClean="0"/>
-              <a:t>Game play </a:t>
-            </a:r>
-            <a:r>
-              <a:rPr lang="en-US" dirty="0" smtClean="0"/>
-              <a:t>experience</a:t>
+              <a:t>Total Game play experience</a:t>
             </a:r>
           </a:p>
           <a:p>
@@ -26850,13 +27157,8 @@
             <a:pPr lvl="1"/>
             <a:r>
               <a:rPr lang="en-US" dirty="0" smtClean="0"/>
-              <a:t>Dynamic </a:t>
+              <a:t>Dynamic Action Points Game play</a:t>
             </a:r>
-            <a:r>
-              <a:rPr lang="en-US" dirty="0" smtClean="0"/>
-              <a:t>Action Points Game play</a:t>
-            </a:r>
-            <a:endParaRPr lang="en-US" dirty="0" smtClean="0"/>
           </a:p>
           <a:p>
             <a:endParaRPr lang="en-US" dirty="0" smtClean="0"/>
@@ -28560,8 +28862,8 @@
         </p:blipFill>
         <p:spPr bwMode="auto">
           <a:xfrm>
-            <a:off x="286657" y="648081"/>
-            <a:ext cx="6571343" cy="6209919"/>
+            <a:off x="286657" y="1296162"/>
+            <a:ext cx="5885543" cy="5561838"/>
           </a:xfrm>
           <a:prstGeom prst="rect">
             <a:avLst/>
@@ -30788,6 +31090,13 @@
   <p:clrMapOvr>
     <a:masterClrMapping/>
   </p:clrMapOvr>
+  <p:timing>
+    <p:tnLst>
+      <p:par>
+        <p:cTn id="1" dur="indefinite" restart="never" nodeType="tmRoot"/>
+      </p:par>
+    </p:tnLst>
+  </p:timing>
 </p:sld>
 </file>
 

--- a/trunk/Docs/DUEL REALITY .pptx
+++ b/trunk/Docs/DUEL REALITY .pptx
@@ -5,7 +5,7 @@
     <p:sldMasterId id="2147483660" r:id="rId1"/>
   </p:sldMasterIdLst>
   <p:notesMasterIdLst>
-    <p:notesMasterId r:id="rId41"/>
+    <p:notesMasterId r:id="rId42"/>
   </p:notesMasterIdLst>
   <p:sldIdLst>
     <p:sldId id="256" r:id="rId2"/>
@@ -21,32 +21,33 @@
     <p:sldId id="270" r:id="rId12"/>
     <p:sldId id="271" r:id="rId13"/>
     <p:sldId id="272" r:id="rId14"/>
-    <p:sldId id="260" r:id="rId15"/>
-    <p:sldId id="261" r:id="rId16"/>
-    <p:sldId id="262" r:id="rId17"/>
-    <p:sldId id="273" r:id="rId18"/>
-    <p:sldId id="274" r:id="rId19"/>
-    <p:sldId id="275" r:id="rId20"/>
-    <p:sldId id="263" r:id="rId21"/>
-    <p:sldId id="276" r:id="rId22"/>
-    <p:sldId id="293" r:id="rId23"/>
-    <p:sldId id="277" r:id="rId24"/>
-    <p:sldId id="294" r:id="rId25"/>
-    <p:sldId id="297" r:id="rId26"/>
-    <p:sldId id="295" r:id="rId27"/>
-    <p:sldId id="296" r:id="rId28"/>
-    <p:sldId id="291" r:id="rId29"/>
-    <p:sldId id="278" r:id="rId30"/>
-    <p:sldId id="264" r:id="rId31"/>
-    <p:sldId id="280" r:id="rId32"/>
-    <p:sldId id="281" r:id="rId33"/>
-    <p:sldId id="282" r:id="rId34"/>
-    <p:sldId id="283" r:id="rId35"/>
-    <p:sldId id="284" r:id="rId36"/>
-    <p:sldId id="285" r:id="rId37"/>
-    <p:sldId id="267" r:id="rId38"/>
-    <p:sldId id="268" r:id="rId39"/>
-    <p:sldId id="269" r:id="rId40"/>
+    <p:sldId id="298" r:id="rId15"/>
+    <p:sldId id="260" r:id="rId16"/>
+    <p:sldId id="261" r:id="rId17"/>
+    <p:sldId id="262" r:id="rId18"/>
+    <p:sldId id="273" r:id="rId19"/>
+    <p:sldId id="274" r:id="rId20"/>
+    <p:sldId id="275" r:id="rId21"/>
+    <p:sldId id="263" r:id="rId22"/>
+    <p:sldId id="276" r:id="rId23"/>
+    <p:sldId id="293" r:id="rId24"/>
+    <p:sldId id="277" r:id="rId25"/>
+    <p:sldId id="294" r:id="rId26"/>
+    <p:sldId id="297" r:id="rId27"/>
+    <p:sldId id="295" r:id="rId28"/>
+    <p:sldId id="296" r:id="rId29"/>
+    <p:sldId id="291" r:id="rId30"/>
+    <p:sldId id="278" r:id="rId31"/>
+    <p:sldId id="264" r:id="rId32"/>
+    <p:sldId id="280" r:id="rId33"/>
+    <p:sldId id="281" r:id="rId34"/>
+    <p:sldId id="282" r:id="rId35"/>
+    <p:sldId id="283" r:id="rId36"/>
+    <p:sldId id="284" r:id="rId37"/>
+    <p:sldId id="285" r:id="rId38"/>
+    <p:sldId id="267" r:id="rId39"/>
+    <p:sldId id="268" r:id="rId40"/>
+    <p:sldId id="269" r:id="rId41"/>
   </p:sldIdLst>
   <p:sldSz cx="9144000" cy="6858000" type="screen4x3"/>
   <p:notesSz cx="6858000" cy="9144000"/>
@@ -5116,12 +5117,7 @@
             <p:ph type="title"/>
           </p:nvPr>
         </p:nvSpPr>
-        <p:spPr>
-          <a:xfrm>
-            <a:off x="457200" y="274638"/>
-            <a:ext cx="7391400" cy="1143000"/>
-          </a:xfrm>
-        </p:spPr>
+        <p:spPr/>
         <p:txBody>
           <a:bodyPr>
             <a:normAutofit fontScale="90000"/>
@@ -5137,7 +5133,7 @@
             </a:br>
             <a:r>
               <a:rPr lang="en-US" dirty="0" smtClean="0"/>
-              <a:t>“Conclusion”</a:t>
+              <a:t>Unit Test &amp; Verification</a:t>
             </a:r>
             <a:endParaRPr lang="en-US" dirty="0"/>
           </a:p>
@@ -5159,38 +5155,16 @@
           <a:lstStyle/>
           <a:p>
             <a:r>
-              <a:rPr lang="en-US" dirty="0" smtClean="0"/>
-              <a:t>Graphics are crucial to any graphics based video game.</a:t>
+              <a:rPr lang="en-US" smtClean="0"/>
+              <a:t>…</a:t>
             </a:r>
-          </a:p>
-          <a:p>
-            <a:pPr lvl="1"/>
-            <a:r>
-              <a:rPr lang="en-US" dirty="0" smtClean="0"/>
-              <a:t>Connects the player to the game by accepting input and accurately presenting information.</a:t>
-            </a:r>
-          </a:p>
-          <a:p>
-            <a:r>
-              <a:rPr lang="en-US" dirty="0" smtClean="0"/>
-              <a:t>Graphics must work well with the game mechanics.</a:t>
-            </a:r>
-          </a:p>
-          <a:p>
-            <a:pPr lvl="1"/>
-            <a:r>
-              <a:rPr lang="en-US" dirty="0" smtClean="0"/>
-              <a:t>2D overhead and grid were used to provide a solid correlation between the game’s mechanics and it’s graphics.</a:t>
-            </a:r>
-          </a:p>
-          <a:p>
-            <a:endParaRPr lang="en-US" dirty="0"/>
+            <a:endParaRPr lang="en-US"/>
           </a:p>
         </p:txBody>
       </p:sp>
       <p:sp>
         <p:nvSpPr>
-          <p:cNvPr id="5" name="Slide Number Placeholder 4"/>
+          <p:cNvPr id="4" name="Slide Number Placeholder 3"/>
           <p:cNvSpPr>
             <a:spLocks noGrp="1"/>
           </p:cNvSpPr>
@@ -5212,42 +5186,11 @@
           </a:p>
         </p:txBody>
       </p:sp>
-      <p:pic>
-        <p:nvPicPr>
-          <p:cNvPr id="4" name="Picture 3" descr="logo.jpg"/>
-          <p:cNvPicPr>
-            <a:picLocks noChangeAspect="1"/>
-          </p:cNvPicPr>
-          <p:nvPr/>
-        </p:nvPicPr>
-        <p:blipFill>
-          <a:blip r:embed="rId2" cstate="print"/>
-          <a:stretch>
-            <a:fillRect/>
-          </a:stretch>
-        </p:blipFill>
-        <p:spPr>
-          <a:xfrm>
-            <a:off x="7956253" y="0"/>
-            <a:ext cx="1187747" cy="1328738"/>
-          </a:xfrm>
-          <a:prstGeom prst="rect">
-            <a:avLst/>
-          </a:prstGeom>
-        </p:spPr>
-      </p:pic>
     </p:spTree>
   </p:cSld>
   <p:clrMapOvr>
     <a:masterClrMapping/>
   </p:clrMapOvr>
-  <p:timing>
-    <p:tnLst>
-      <p:par>
-        <p:cTn id="1" dur="indefinite" restart="never" nodeType="tmRoot"/>
-      </p:par>
-    </p:tnLst>
-  </p:timing>
 </p:sld>
 </file>
 
@@ -5278,7 +5221,12 @@
             <p:ph type="title"/>
           </p:nvPr>
         </p:nvSpPr>
-        <p:spPr/>
+        <p:spPr>
+          <a:xfrm>
+            <a:off x="457200" y="274638"/>
+            <a:ext cx="7391400" cy="1143000"/>
+          </a:xfrm>
+        </p:spPr>
         <p:txBody>
           <a:bodyPr>
             <a:normAutofit fontScale="90000"/>
@@ -5287,14 +5235,14 @@
           <a:p>
             <a:r>
               <a:rPr lang="en-US" dirty="0" smtClean="0"/>
-              <a:t>User Interface Module</a:t>
+              <a:t>Game Graphics Module</a:t>
             </a:r>
             <a:br>
               <a:rPr lang="en-US" dirty="0" smtClean="0"/>
             </a:br>
             <a:r>
               <a:rPr lang="en-US" dirty="0" smtClean="0"/>
-              <a:t>Summary</a:t>
+              <a:t>“Conclusion”</a:t>
             </a:r>
             <a:endParaRPr lang="en-US" dirty="0"/>
           </a:p>
@@ -5317,26 +5265,30 @@
           <a:p>
             <a:r>
               <a:rPr lang="en-US" dirty="0" smtClean="0"/>
-              <a:t>Function</a:t>
+              <a:t>Graphics are crucial to any graphics based video game.</a:t>
             </a:r>
           </a:p>
           <a:p>
+            <a:pPr lvl="1"/>
             <a:r>
               <a:rPr lang="en-US" dirty="0" smtClean="0"/>
-              <a:t>Architecture</a:t>
+              <a:t>Connects the player to the game by accepting input and accurately presenting information.</a:t>
             </a:r>
           </a:p>
           <a:p>
             <a:r>
               <a:rPr lang="en-US" dirty="0" smtClean="0"/>
-              <a:t>Model</a:t>
+              <a:t>Graphics must work well with the game mechanics.</a:t>
             </a:r>
           </a:p>
           <a:p>
+            <a:pPr lvl="1"/>
             <a:r>
               <a:rPr lang="en-US" dirty="0" smtClean="0"/>
-              <a:t>Conclusion</a:t>
+              <a:t>2D overhead and grid were used to provide a solid correlation between the game’s mechanics and it’s graphics.</a:t>
             </a:r>
+          </a:p>
+          <a:p>
             <a:endParaRPr lang="en-US" dirty="0"/>
           </a:p>
         </p:txBody>
@@ -5447,7 +5399,7 @@
             </a:br>
             <a:r>
               <a:rPr lang="en-US" dirty="0" smtClean="0"/>
-              <a:t>Function</a:t>
+              <a:t>Summary</a:t>
             </a:r>
             <a:endParaRPr lang="en-US" dirty="0"/>
           </a:p>
@@ -5455,7 +5407,7 @@
       </p:sp>
       <p:sp>
         <p:nvSpPr>
-          <p:cNvPr id="5" name="Content Placeholder 2"/>
+          <p:cNvPr id="3" name="Content Placeholder 2"/>
           <p:cNvSpPr>
             <a:spLocks noGrp="1"/>
           </p:cNvSpPr>
@@ -5470,19 +5422,25 @@
           <a:p>
             <a:r>
               <a:rPr lang="en-US" dirty="0" smtClean="0"/>
-              <a:t>Provide the framework for the user interaction with the application</a:t>
+              <a:t>Function</a:t>
             </a:r>
           </a:p>
           <a:p>
             <a:r>
               <a:rPr lang="en-US" dirty="0" smtClean="0"/>
-              <a:t>Provide the ability for the user to choose desired game settings</a:t>
+              <a:t>Architecture</a:t>
             </a:r>
           </a:p>
           <a:p>
             <a:r>
               <a:rPr lang="en-US" dirty="0" smtClean="0"/>
-              <a:t>Provide status messages or display error messages if user attempts an invalid operation</a:t>
+              <a:t>Model</a:t>
+            </a:r>
+          </a:p>
+          <a:p>
+            <a:r>
+              <a:rPr lang="en-US" dirty="0" smtClean="0"/>
+              <a:t>Conclusion</a:t>
             </a:r>
             <a:endParaRPr lang="en-US" dirty="0"/>
           </a:p>
@@ -5490,7 +5448,7 @@
       </p:sp>
       <p:sp>
         <p:nvSpPr>
-          <p:cNvPr id="6" name="Slide Number Placeholder 5"/>
+          <p:cNvPr id="5" name="Slide Number Placeholder 4"/>
           <p:cNvSpPr>
             <a:spLocks noGrp="1"/>
           </p:cNvSpPr>
@@ -5594,6 +5552,153 @@
             </a:br>
             <a:r>
               <a:rPr lang="en-US" dirty="0" smtClean="0"/>
+              <a:t>Function</a:t>
+            </a:r>
+            <a:endParaRPr lang="en-US" dirty="0"/>
+          </a:p>
+        </p:txBody>
+      </p:sp>
+      <p:sp>
+        <p:nvSpPr>
+          <p:cNvPr id="5" name="Content Placeholder 2"/>
+          <p:cNvSpPr>
+            <a:spLocks noGrp="1"/>
+          </p:cNvSpPr>
+          <p:nvPr>
+            <p:ph idx="1"/>
+          </p:nvPr>
+        </p:nvSpPr>
+        <p:spPr/>
+        <p:txBody>
+          <a:bodyPr/>
+          <a:lstStyle/>
+          <a:p>
+            <a:r>
+              <a:rPr lang="en-US" dirty="0" smtClean="0"/>
+              <a:t>Provide the framework for the user interaction with the application</a:t>
+            </a:r>
+          </a:p>
+          <a:p>
+            <a:r>
+              <a:rPr lang="en-US" dirty="0" smtClean="0"/>
+              <a:t>Provide the ability for the user to choose desired game settings</a:t>
+            </a:r>
+          </a:p>
+          <a:p>
+            <a:r>
+              <a:rPr lang="en-US" dirty="0" smtClean="0"/>
+              <a:t>Provide status messages or display error messages if user attempts an invalid operation</a:t>
+            </a:r>
+            <a:endParaRPr lang="en-US" dirty="0"/>
+          </a:p>
+        </p:txBody>
+      </p:sp>
+      <p:sp>
+        <p:nvSpPr>
+          <p:cNvPr id="6" name="Slide Number Placeholder 5"/>
+          <p:cNvSpPr>
+            <a:spLocks noGrp="1"/>
+          </p:cNvSpPr>
+          <p:nvPr>
+            <p:ph type="sldNum" sz="quarter" idx="12"/>
+          </p:nvPr>
+        </p:nvSpPr>
+        <p:spPr/>
+        <p:txBody>
+          <a:bodyPr/>
+          <a:lstStyle/>
+          <a:p>
+            <a:fld id="{B6F15528-21DE-4FAA-801E-634DDDAF4B2B}" type="slidenum">
+              <a:rPr lang="en-US" smtClean="0"/>
+              <a:pPr/>
+              <a:t>17</a:t>
+            </a:fld>
+            <a:endParaRPr lang="en-US"/>
+          </a:p>
+        </p:txBody>
+      </p:sp>
+      <p:pic>
+        <p:nvPicPr>
+          <p:cNvPr id="4" name="Picture 3" descr="logo.jpg"/>
+          <p:cNvPicPr>
+            <a:picLocks noChangeAspect="1"/>
+          </p:cNvPicPr>
+          <p:nvPr/>
+        </p:nvPicPr>
+        <p:blipFill>
+          <a:blip r:embed="rId2" cstate="print"/>
+          <a:stretch>
+            <a:fillRect/>
+          </a:stretch>
+        </p:blipFill>
+        <p:spPr>
+          <a:xfrm>
+            <a:off x="7956253" y="0"/>
+            <a:ext cx="1187747" cy="1328738"/>
+          </a:xfrm>
+          <a:prstGeom prst="rect">
+            <a:avLst/>
+          </a:prstGeom>
+        </p:spPr>
+      </p:pic>
+    </p:spTree>
+  </p:cSld>
+  <p:clrMapOvr>
+    <a:masterClrMapping/>
+  </p:clrMapOvr>
+  <p:timing>
+    <p:tnLst>
+      <p:par>
+        <p:cTn id="1" dur="indefinite" restart="never" nodeType="tmRoot"/>
+      </p:par>
+    </p:tnLst>
+  </p:timing>
+</p:sld>
+</file>
+
+<file path=ppt/slides/slide18.xml><?xml version="1.0" encoding="utf-8"?>
+<p:sld xmlns:a="http://schemas.openxmlformats.org/drawingml/2006/main" xmlns:r="http://schemas.openxmlformats.org/officeDocument/2006/relationships" xmlns:p="http://schemas.openxmlformats.org/presentationml/2006/main">
+  <p:cSld>
+    <p:spTree>
+      <p:nvGrpSpPr>
+        <p:cNvPr id="1" name=""/>
+        <p:cNvGrpSpPr/>
+        <p:nvPr/>
+      </p:nvGrpSpPr>
+      <p:grpSpPr>
+        <a:xfrm>
+          <a:off x="0" y="0"/>
+          <a:ext cx="0" cy="0"/>
+          <a:chOff x="0" y="0"/>
+          <a:chExt cx="0" cy="0"/>
+        </a:xfrm>
+      </p:grpSpPr>
+      <p:sp>
+        <p:nvSpPr>
+          <p:cNvPr id="2" name="Title 1"/>
+          <p:cNvSpPr>
+            <a:spLocks noGrp="1"/>
+          </p:cNvSpPr>
+          <p:nvPr>
+            <p:ph type="title"/>
+          </p:nvPr>
+        </p:nvSpPr>
+        <p:spPr/>
+        <p:txBody>
+          <a:bodyPr>
+            <a:normAutofit fontScale="90000"/>
+          </a:bodyPr>
+          <a:lstStyle/>
+          <a:p>
+            <a:r>
+              <a:rPr lang="en-US" dirty="0" smtClean="0"/>
+              <a:t>User Interface Module</a:t>
+            </a:r>
+            <a:br>
+              <a:rPr lang="en-US" dirty="0" smtClean="0"/>
+            </a:br>
+            <a:r>
+              <a:rPr lang="en-US" dirty="0" smtClean="0"/>
               <a:t>Architecture</a:t>
             </a:r>
             <a:endParaRPr lang="en-US" dirty="0"/>
@@ -5647,7 +5752,7 @@
             <a:fld id="{B6F15528-21DE-4FAA-801E-634DDDAF4B2B}" type="slidenum">
               <a:rPr lang="en-US" smtClean="0"/>
               <a:pPr/>
-              <a:t>17</a:t>
+              <a:t>18</a:t>
             </a:fld>
             <a:endParaRPr lang="en-US"/>
           </a:p>
@@ -5716,7 +5821,7 @@
 </p:sld>
 </file>
 
-<file path=ppt/slides/slide18.xml><?xml version="1.0" encoding="utf-8"?>
+<file path=ppt/slides/slide19.xml><?xml version="1.0" encoding="utf-8"?>
 <p:sld xmlns:a="http://schemas.openxmlformats.org/drawingml/2006/main" xmlns:r="http://schemas.openxmlformats.org/officeDocument/2006/relationships" xmlns:p="http://schemas.openxmlformats.org/presentationml/2006/main">
   <p:cSld>
     <p:spTree>
@@ -5783,7 +5888,7 @@
             <a:fld id="{B6F15528-21DE-4FAA-801E-634DDDAF4B2B}" type="slidenum">
               <a:rPr lang="en-US" smtClean="0"/>
               <a:pPr/>
-              <a:t>18</a:t>
+              <a:t>19</a:t>
             </a:fld>
             <a:endParaRPr lang="en-US"/>
           </a:p>
@@ -5852,163 +5957,6 @@
 </p:sld>
 </file>
 
-<file path=ppt/slides/slide19.xml><?xml version="1.0" encoding="utf-8"?>
-<p:sld xmlns:a="http://schemas.openxmlformats.org/drawingml/2006/main" xmlns:r="http://schemas.openxmlformats.org/officeDocument/2006/relationships" xmlns:p="http://schemas.openxmlformats.org/presentationml/2006/main">
-  <p:cSld>
-    <p:spTree>
-      <p:nvGrpSpPr>
-        <p:cNvPr id="1" name=""/>
-        <p:cNvGrpSpPr/>
-        <p:nvPr/>
-      </p:nvGrpSpPr>
-      <p:grpSpPr>
-        <a:xfrm>
-          <a:off x="0" y="0"/>
-          <a:ext cx="0" cy="0"/>
-          <a:chOff x="0" y="0"/>
-          <a:chExt cx="0" cy="0"/>
-        </a:xfrm>
-      </p:grpSpPr>
-      <p:sp>
-        <p:nvSpPr>
-          <p:cNvPr id="4" name="Title 1"/>
-          <p:cNvSpPr>
-            <a:spLocks noGrp="1"/>
-          </p:cNvSpPr>
-          <p:nvPr>
-            <p:ph type="title"/>
-          </p:nvPr>
-        </p:nvSpPr>
-        <p:spPr/>
-        <p:txBody>
-          <a:bodyPr>
-            <a:normAutofit fontScale="90000"/>
-          </a:bodyPr>
-          <a:lstStyle/>
-          <a:p>
-            <a:r>
-              <a:rPr lang="en-US" dirty="0" smtClean="0"/>
-              <a:t>User Interface Module</a:t>
-            </a:r>
-            <a:br>
-              <a:rPr lang="en-US" dirty="0" smtClean="0"/>
-            </a:br>
-            <a:r>
-              <a:rPr lang="en-US" dirty="0" smtClean="0"/>
-              <a:t>Conclusion</a:t>
-            </a:r>
-            <a:endParaRPr lang="en-US" dirty="0"/>
-          </a:p>
-        </p:txBody>
-      </p:sp>
-      <p:sp>
-        <p:nvSpPr>
-          <p:cNvPr id="6" name="Content Placeholder 2"/>
-          <p:cNvSpPr>
-            <a:spLocks noGrp="1"/>
-          </p:cNvSpPr>
-          <p:nvPr>
-            <p:ph idx="1"/>
-          </p:nvPr>
-        </p:nvSpPr>
-        <p:spPr/>
-        <p:txBody>
-          <a:bodyPr>
-            <a:normAutofit lnSpcReduction="10000"/>
-          </a:bodyPr>
-          <a:lstStyle/>
-          <a:p>
-            <a:r>
-              <a:rPr lang="en-US" dirty="0" smtClean="0"/>
-              <a:t>The User Interface module is what enables the application to respond to the user’s actions.</a:t>
-            </a:r>
-          </a:p>
-          <a:p>
-            <a:r>
-              <a:rPr lang="en-US" dirty="0" smtClean="0"/>
-              <a:t>By communicating with the game mechanics and database modules, the User Interface shares, with the user, data necessary to configure the game</a:t>
-            </a:r>
-          </a:p>
-          <a:p>
-            <a:r>
-              <a:rPr lang="en-US" dirty="0" smtClean="0"/>
-              <a:t>The User Interface module does not display graphics of the active battle, but rather </a:t>
-            </a:r>
-            <a:r>
-              <a:rPr lang="en-US" smtClean="0"/>
-              <a:t>provides the space </a:t>
-            </a:r>
-            <a:r>
-              <a:rPr lang="en-US" dirty="0" smtClean="0"/>
-              <a:t>to view the battle.</a:t>
-            </a:r>
-            <a:endParaRPr lang="en-US" dirty="0"/>
-          </a:p>
-        </p:txBody>
-      </p:sp>
-      <p:sp>
-        <p:nvSpPr>
-          <p:cNvPr id="7" name="Slide Number Placeholder 6"/>
-          <p:cNvSpPr>
-            <a:spLocks noGrp="1"/>
-          </p:cNvSpPr>
-          <p:nvPr>
-            <p:ph type="sldNum" sz="quarter" idx="12"/>
-          </p:nvPr>
-        </p:nvSpPr>
-        <p:spPr/>
-        <p:txBody>
-          <a:bodyPr/>
-          <a:lstStyle/>
-          <a:p>
-            <a:fld id="{B6F15528-21DE-4FAA-801E-634DDDAF4B2B}" type="slidenum">
-              <a:rPr lang="en-US" smtClean="0"/>
-              <a:pPr/>
-              <a:t>19</a:t>
-            </a:fld>
-            <a:endParaRPr lang="en-US"/>
-          </a:p>
-        </p:txBody>
-      </p:sp>
-      <p:pic>
-        <p:nvPicPr>
-          <p:cNvPr id="5" name="Picture 4" descr="logo.jpg"/>
-          <p:cNvPicPr>
-            <a:picLocks noChangeAspect="1"/>
-          </p:cNvPicPr>
-          <p:nvPr/>
-        </p:nvPicPr>
-        <p:blipFill>
-          <a:blip r:embed="rId2" cstate="print"/>
-          <a:stretch>
-            <a:fillRect/>
-          </a:stretch>
-        </p:blipFill>
-        <p:spPr>
-          <a:xfrm>
-            <a:off x="7956253" y="0"/>
-            <a:ext cx="1187747" cy="1328738"/>
-          </a:xfrm>
-          <a:prstGeom prst="rect">
-            <a:avLst/>
-          </a:prstGeom>
-        </p:spPr>
-      </p:pic>
-    </p:spTree>
-  </p:cSld>
-  <p:clrMapOvr>
-    <a:masterClrMapping/>
-  </p:clrMapOvr>
-  <p:timing>
-    <p:tnLst>
-      <p:par>
-        <p:cTn id="1" dur="indefinite" restart="never" nodeType="tmRoot"/>
-      </p:par>
-    </p:tnLst>
-  </p:timing>
-</p:sld>
-</file>
-
 <file path=ppt/slides/slide2.xml><?xml version="1.0" encoding="utf-8"?>
 <p:sld xmlns:a="http://schemas.openxmlformats.org/drawingml/2006/main" xmlns:r="http://schemas.openxmlformats.org/officeDocument/2006/relationships" xmlns:p="http://schemas.openxmlformats.org/presentationml/2006/main">
   <p:cSld>
@@ -6216,7 +6164,7 @@
       </p:grpSpPr>
       <p:sp>
         <p:nvSpPr>
-          <p:cNvPr id="2" name="Title 1"/>
+          <p:cNvPr id="4" name="Title 1"/>
           <p:cNvSpPr>
             <a:spLocks noGrp="1"/>
           </p:cNvSpPr>
@@ -6233,14 +6181,14 @@
           <a:p>
             <a:r>
               <a:rPr lang="en-US" dirty="0" smtClean="0"/>
-              <a:t>Game Mechanics</a:t>
+              <a:t>User Interface Module</a:t>
             </a:r>
             <a:br>
               <a:rPr lang="en-US" dirty="0" smtClean="0"/>
             </a:br>
             <a:r>
               <a:rPr lang="en-US" dirty="0" smtClean="0"/>
-              <a:t>and AI</a:t>
+              <a:t>Conclusion</a:t>
             </a:r>
             <a:endParaRPr lang="en-US" dirty="0"/>
           </a:p>
@@ -6248,7 +6196,7 @@
       </p:sp>
       <p:sp>
         <p:nvSpPr>
-          <p:cNvPr id="3" name="Content Placeholder 2"/>
+          <p:cNvPr id="6" name="Content Placeholder 2"/>
           <p:cNvSpPr>
             <a:spLocks noGrp="1"/>
           </p:cNvSpPr>
@@ -6265,60 +6213,27 @@
           <a:p>
             <a:r>
               <a:rPr lang="en-US" dirty="0" smtClean="0"/>
-              <a:t>Unit</a:t>
+              <a:t>The User Interface module is what enables the application to respond to the user’s actions.</a:t>
             </a:r>
           </a:p>
           <a:p>
             <a:r>
               <a:rPr lang="en-US" dirty="0" smtClean="0"/>
-              <a:t>Player</a:t>
+              <a:t>By communicating with the game mechanics and database modules, the User Interface shares, with the user, data necessary to configure the game</a:t>
             </a:r>
           </a:p>
           <a:p>
             <a:r>
               <a:rPr lang="en-US" dirty="0" smtClean="0"/>
-              <a:t>Mechanics</a:t>
+              <a:t>The User Interface module does not display graphics of the active battle, but rather </a:t>
             </a:r>
-          </a:p>
-          <a:p>
-            <a:pPr lvl="1"/>
+            <a:r>
+              <a:rPr lang="en-US" smtClean="0"/>
+              <a:t>provides the space </a:t>
+            </a:r>
             <a:r>
               <a:rPr lang="en-US" dirty="0" smtClean="0"/>
-              <a:t>Move</a:t>
-            </a:r>
-          </a:p>
-          <a:p>
-            <a:pPr lvl="1"/>
-            <a:r>
-              <a:rPr lang="en-US" dirty="0" smtClean="0"/>
-              <a:t>Attack</a:t>
-            </a:r>
-          </a:p>
-          <a:p>
-            <a:pPr lvl="1"/>
-            <a:r>
-              <a:rPr lang="en-US" dirty="0" smtClean="0"/>
-              <a:t>Others</a:t>
-            </a:r>
-          </a:p>
-          <a:p>
-            <a:r>
-              <a:rPr lang="en-US" dirty="0" smtClean="0"/>
-              <a:t>AI</a:t>
-            </a:r>
-          </a:p>
-          <a:p>
-            <a:pPr lvl="1"/>
-            <a:r>
-              <a:rPr lang="en-US" dirty="0" smtClean="0"/>
-              <a:t>Game Tree</a:t>
-            </a:r>
-          </a:p>
-          <a:p>
-            <a:pPr lvl="1"/>
-            <a:r>
-              <a:rPr lang="en-US" dirty="0" smtClean="0"/>
-              <a:t>Decision Making</a:t>
+              <a:t>to view the battle.</a:t>
             </a:r>
             <a:endParaRPr lang="en-US" dirty="0"/>
           </a:p>
@@ -6326,7 +6241,7 @@
       </p:sp>
       <p:sp>
         <p:nvSpPr>
-          <p:cNvPr id="5" name="Slide Number Placeholder 4"/>
+          <p:cNvPr id="7" name="Slide Number Placeholder 6"/>
           <p:cNvSpPr>
             <a:spLocks noGrp="1"/>
           </p:cNvSpPr>
@@ -6350,7 +6265,7 @@
       </p:sp>
       <p:pic>
         <p:nvPicPr>
-          <p:cNvPr id="4" name="Picture 3" descr="logo.jpg"/>
+          <p:cNvPr id="5" name="Picture 4" descr="logo.jpg"/>
           <p:cNvPicPr>
             <a:picLocks noChangeAspect="1"/>
           </p:cNvPicPr>
@@ -6416,6 +6331,196 @@
         </p:nvSpPr>
         <p:spPr/>
         <p:txBody>
+          <a:bodyPr>
+            <a:normAutofit fontScale="90000"/>
+          </a:bodyPr>
+          <a:lstStyle/>
+          <a:p>
+            <a:r>
+              <a:rPr lang="en-US" dirty="0" smtClean="0"/>
+              <a:t>Game Mechanics</a:t>
+            </a:r>
+            <a:br>
+              <a:rPr lang="en-US" dirty="0" smtClean="0"/>
+            </a:br>
+            <a:r>
+              <a:rPr lang="en-US" dirty="0" smtClean="0"/>
+              <a:t>and AI</a:t>
+            </a:r>
+            <a:endParaRPr lang="en-US" dirty="0"/>
+          </a:p>
+        </p:txBody>
+      </p:sp>
+      <p:sp>
+        <p:nvSpPr>
+          <p:cNvPr id="3" name="Content Placeholder 2"/>
+          <p:cNvSpPr>
+            <a:spLocks noGrp="1"/>
+          </p:cNvSpPr>
+          <p:nvPr>
+            <p:ph idx="1"/>
+          </p:nvPr>
+        </p:nvSpPr>
+        <p:spPr/>
+        <p:txBody>
+          <a:bodyPr>
+            <a:normAutofit lnSpcReduction="10000"/>
+          </a:bodyPr>
+          <a:lstStyle/>
+          <a:p>
+            <a:r>
+              <a:rPr lang="en-US" dirty="0" smtClean="0"/>
+              <a:t>Unit</a:t>
+            </a:r>
+          </a:p>
+          <a:p>
+            <a:r>
+              <a:rPr lang="en-US" dirty="0" smtClean="0"/>
+              <a:t>Player</a:t>
+            </a:r>
+          </a:p>
+          <a:p>
+            <a:r>
+              <a:rPr lang="en-US" dirty="0" smtClean="0"/>
+              <a:t>Mechanics</a:t>
+            </a:r>
+          </a:p>
+          <a:p>
+            <a:pPr lvl="1"/>
+            <a:r>
+              <a:rPr lang="en-US" dirty="0" smtClean="0"/>
+              <a:t>Move</a:t>
+            </a:r>
+          </a:p>
+          <a:p>
+            <a:pPr lvl="1"/>
+            <a:r>
+              <a:rPr lang="en-US" dirty="0" smtClean="0"/>
+              <a:t>Attack</a:t>
+            </a:r>
+          </a:p>
+          <a:p>
+            <a:pPr lvl="1"/>
+            <a:r>
+              <a:rPr lang="en-US" dirty="0" smtClean="0"/>
+              <a:t>Others</a:t>
+            </a:r>
+          </a:p>
+          <a:p>
+            <a:r>
+              <a:rPr lang="en-US" dirty="0" smtClean="0"/>
+              <a:t>AI</a:t>
+            </a:r>
+          </a:p>
+          <a:p>
+            <a:pPr lvl="1"/>
+            <a:r>
+              <a:rPr lang="en-US" dirty="0" smtClean="0"/>
+              <a:t>Game Tree</a:t>
+            </a:r>
+          </a:p>
+          <a:p>
+            <a:pPr lvl="1"/>
+            <a:r>
+              <a:rPr lang="en-US" dirty="0" smtClean="0"/>
+              <a:t>Decision Making</a:t>
+            </a:r>
+            <a:endParaRPr lang="en-US" dirty="0"/>
+          </a:p>
+        </p:txBody>
+      </p:sp>
+      <p:sp>
+        <p:nvSpPr>
+          <p:cNvPr id="5" name="Slide Number Placeholder 4"/>
+          <p:cNvSpPr>
+            <a:spLocks noGrp="1"/>
+          </p:cNvSpPr>
+          <p:nvPr>
+            <p:ph type="sldNum" sz="quarter" idx="12"/>
+          </p:nvPr>
+        </p:nvSpPr>
+        <p:spPr/>
+        <p:txBody>
+          <a:bodyPr/>
+          <a:lstStyle/>
+          <a:p>
+            <a:fld id="{B6F15528-21DE-4FAA-801E-634DDDAF4B2B}" type="slidenum">
+              <a:rPr lang="en-US" smtClean="0"/>
+              <a:pPr/>
+              <a:t>21</a:t>
+            </a:fld>
+            <a:endParaRPr lang="en-US"/>
+          </a:p>
+        </p:txBody>
+      </p:sp>
+      <p:pic>
+        <p:nvPicPr>
+          <p:cNvPr id="4" name="Picture 3" descr="logo.jpg"/>
+          <p:cNvPicPr>
+            <a:picLocks noChangeAspect="1"/>
+          </p:cNvPicPr>
+          <p:nvPr/>
+        </p:nvPicPr>
+        <p:blipFill>
+          <a:blip r:embed="rId2" cstate="print"/>
+          <a:stretch>
+            <a:fillRect/>
+          </a:stretch>
+        </p:blipFill>
+        <p:spPr>
+          <a:xfrm>
+            <a:off x="7956253" y="0"/>
+            <a:ext cx="1187747" cy="1328738"/>
+          </a:xfrm>
+          <a:prstGeom prst="rect">
+            <a:avLst/>
+          </a:prstGeom>
+        </p:spPr>
+      </p:pic>
+    </p:spTree>
+  </p:cSld>
+  <p:clrMapOvr>
+    <a:masterClrMapping/>
+  </p:clrMapOvr>
+  <p:timing>
+    <p:tnLst>
+      <p:par>
+        <p:cTn id="1" dur="indefinite" restart="never" nodeType="tmRoot"/>
+      </p:par>
+    </p:tnLst>
+  </p:timing>
+</p:sld>
+</file>
+
+<file path=ppt/slides/slide22.xml><?xml version="1.0" encoding="utf-8"?>
+<p:sld xmlns:a="http://schemas.openxmlformats.org/drawingml/2006/main" xmlns:r="http://schemas.openxmlformats.org/officeDocument/2006/relationships" xmlns:p="http://schemas.openxmlformats.org/presentationml/2006/main">
+  <p:cSld>
+    <p:spTree>
+      <p:nvGrpSpPr>
+        <p:cNvPr id="1" name=""/>
+        <p:cNvGrpSpPr/>
+        <p:nvPr/>
+      </p:nvGrpSpPr>
+      <p:grpSpPr>
+        <a:xfrm>
+          <a:off x="0" y="0"/>
+          <a:ext cx="0" cy="0"/>
+          <a:chOff x="0" y="0"/>
+          <a:chExt cx="0" cy="0"/>
+        </a:xfrm>
+      </p:grpSpPr>
+      <p:sp>
+        <p:nvSpPr>
+          <p:cNvPr id="2" name="Title 1"/>
+          <p:cNvSpPr>
+            <a:spLocks noGrp="1"/>
+          </p:cNvSpPr>
+          <p:nvPr>
+            <p:ph type="title"/>
+          </p:nvPr>
+        </p:nvSpPr>
+        <p:spPr/>
+        <p:txBody>
           <a:bodyPr/>
           <a:lstStyle/>
           <a:p>
@@ -6502,7 +6607,6 @@
               <a:rPr lang="en-US" dirty="0" smtClean="0"/>
               <a:t>Upgradable Attributes</a:t>
             </a:r>
-            <a:endParaRPr lang="en-US" dirty="0" smtClean="0"/>
           </a:p>
           <a:p>
             <a:r>
@@ -6534,7 +6638,7 @@
             <a:fld id="{B6F15528-21DE-4FAA-801E-634DDDAF4B2B}" type="slidenum">
               <a:rPr lang="en-US" smtClean="0"/>
               <a:pPr/>
-              <a:t>21</a:t>
+              <a:t>22</a:t>
             </a:fld>
             <a:endParaRPr lang="en-US"/>
           </a:p>
@@ -6724,7 +6828,7 @@
 </p:sld>
 </file>
 
-<file path=ppt/slides/slide22.xml><?xml version="1.0" encoding="utf-8"?>
+<file path=ppt/slides/slide23.xml><?xml version="1.0" encoding="utf-8"?>
 <p:sld xmlns:a="http://schemas.openxmlformats.org/drawingml/2006/main" xmlns:r="http://schemas.openxmlformats.org/officeDocument/2006/relationships" xmlns:p="http://schemas.openxmlformats.org/presentationml/2006/main">
   <p:cSld>
     <p:spTree>
@@ -6842,7 +6946,7 @@
             <a:fld id="{B6F15528-21DE-4FAA-801E-634DDDAF4B2B}" type="slidenum">
               <a:rPr lang="en-US" smtClean="0"/>
               <a:pPr/>
-              <a:t>22</a:t>
+              <a:t>23</a:t>
             </a:fld>
             <a:endParaRPr lang="en-US"/>
           </a:p>
@@ -6891,7 +6995,7 @@
 </p:sld>
 </file>
 
-<file path=ppt/slides/slide23.xml><?xml version="1.0" encoding="utf-8"?>
+<file path=ppt/slides/slide24.xml><?xml version="1.0" encoding="utf-8"?>
 <p:sld xmlns:a="http://schemas.openxmlformats.org/drawingml/2006/main" xmlns:r="http://schemas.openxmlformats.org/officeDocument/2006/relationships" xmlns:p="http://schemas.openxmlformats.org/presentationml/2006/main">
   <p:cSld>
     <p:spTree>
@@ -6983,7 +7087,7 @@
             <a:fld id="{B6F15528-21DE-4FAA-801E-634DDDAF4B2B}" type="slidenum">
               <a:rPr lang="en-US" smtClean="0"/>
               <a:pPr/>
-              <a:t>23</a:t>
+              <a:t>24</a:t>
             </a:fld>
             <a:endParaRPr lang="en-US"/>
           </a:p>
@@ -12667,7 +12771,7 @@
 </p:sld>
 </file>
 
-<file path=ppt/slides/slide24.xml><?xml version="1.0" encoding="utf-8"?>
+<file path=ppt/slides/slide25.xml><?xml version="1.0" encoding="utf-8"?>
 <p:sld xmlns:a="http://schemas.openxmlformats.org/drawingml/2006/main" xmlns:r="http://schemas.openxmlformats.org/officeDocument/2006/relationships" xmlns:p="http://schemas.openxmlformats.org/presentationml/2006/main">
   <p:cSld>
     <p:spTree>
@@ -12759,7 +12863,7 @@
             <a:fld id="{B6F15528-21DE-4FAA-801E-634DDDAF4B2B}" type="slidenum">
               <a:rPr lang="en-US" smtClean="0"/>
               <a:pPr/>
-              <a:t>24</a:t>
+              <a:t>25</a:t>
             </a:fld>
             <a:endParaRPr lang="en-US"/>
           </a:p>
@@ -18477,7 +18581,7 @@
 </p:sld>
 </file>
 
-<file path=ppt/slides/slide25.xml><?xml version="1.0" encoding="utf-8"?>
+<file path=ppt/slides/slide26.xml><?xml version="1.0" encoding="utf-8"?>
 <p:sld xmlns:a="http://schemas.openxmlformats.org/drawingml/2006/main" xmlns:r="http://schemas.openxmlformats.org/officeDocument/2006/relationships" xmlns:p="http://schemas.openxmlformats.org/presentationml/2006/main">
   <p:cSld>
     <p:spTree>
@@ -18535,7 +18639,7 @@
             <a:fld id="{B6F15528-21DE-4FAA-801E-634DDDAF4B2B}" type="slidenum">
               <a:rPr lang="en-US" smtClean="0"/>
               <a:pPr/>
-              <a:t>25</a:t>
+              <a:t>26</a:t>
             </a:fld>
             <a:endParaRPr lang="en-US"/>
           </a:p>
@@ -18601,7 +18705,7 @@
 </p:sld>
 </file>
 
-<file path=ppt/slides/slide26.xml><?xml version="1.0" encoding="utf-8"?>
+<file path=ppt/slides/slide27.xml><?xml version="1.0" encoding="utf-8"?>
 <p:sld xmlns:a="http://schemas.openxmlformats.org/drawingml/2006/main" xmlns:r="http://schemas.openxmlformats.org/officeDocument/2006/relationships" xmlns:p="http://schemas.openxmlformats.org/presentationml/2006/main">
   <p:cSld>
     <p:spTree>
@@ -18664,7 +18768,7 @@
             <a:fld id="{B6F15528-21DE-4FAA-801E-634DDDAF4B2B}" type="slidenum">
               <a:rPr lang="en-US" smtClean="0"/>
               <a:pPr/>
-              <a:t>26</a:t>
+              <a:t>27</a:t>
             </a:fld>
             <a:endParaRPr lang="en-US"/>
           </a:p>
@@ -18733,7 +18837,7 @@
 </p:sld>
 </file>
 
-<file path=ppt/slides/slide27.xml><?xml version="1.0" encoding="utf-8"?>
+<file path=ppt/slides/slide28.xml><?xml version="1.0" encoding="utf-8"?>
 <p:sld xmlns:a="http://schemas.openxmlformats.org/drawingml/2006/main" xmlns:r="http://schemas.openxmlformats.org/officeDocument/2006/relationships" xmlns:p="http://schemas.openxmlformats.org/presentationml/2006/main">
   <p:cSld>
     <p:spTree>
@@ -18796,21 +18900,13 @@
           <a:p>
             <a:r>
               <a:rPr lang="en-US" dirty="0" smtClean="0"/>
-              <a:t>Board </a:t>
+              <a:t>Board Evaluation</a:t>
             </a:r>
+          </a:p>
+          <a:p>
             <a:r>
               <a:rPr lang="en-US" dirty="0" smtClean="0"/>
-              <a:t>Evaluation</a:t>
-            </a:r>
-          </a:p>
-          <a:p>
-            <a:r>
-              <a:rPr lang="en-US" dirty="0" smtClean="0"/>
-              <a:t>Decision </a:t>
-            </a:r>
-            <a:r>
-              <a:rPr lang="en-US" dirty="0" smtClean="0"/>
-              <a:t>Tree</a:t>
+              <a:t>Decision Tree</a:t>
             </a:r>
           </a:p>
           <a:p>
@@ -18836,7 +18932,7 @@
             <a:fld id="{B6F15528-21DE-4FAA-801E-634DDDAF4B2B}" type="slidenum">
               <a:rPr lang="en-US" smtClean="0"/>
               <a:pPr/>
-              <a:t>27</a:t>
+              <a:t>28</a:t>
             </a:fld>
             <a:endParaRPr lang="en-US"/>
           </a:p>
@@ -18857,7 +18953,7 @@
 </p:sld>
 </file>
 
-<file path=ppt/slides/slide28.xml><?xml version="1.0" encoding="utf-8"?>
+<file path=ppt/slides/slide29.xml><?xml version="1.0" encoding="utf-8"?>
 <p:sld xmlns:a="http://schemas.openxmlformats.org/drawingml/2006/main" xmlns:r="http://schemas.openxmlformats.org/officeDocument/2006/relationships" xmlns:p="http://schemas.openxmlformats.org/presentationml/2006/main">
   <p:cSld>
     <p:spTree>
@@ -18920,7 +19016,7 @@
             <a:fld id="{B6F15528-21DE-4FAA-801E-634DDDAF4B2B}" type="slidenum">
               <a:rPr lang="en-US" smtClean="0"/>
               <a:pPr/>
-              <a:t>28</a:t>
+              <a:t>29</a:t>
             </a:fld>
             <a:endParaRPr lang="en-US"/>
           </a:p>
@@ -18999,7 +19095,7 @@
 </p:sld>
 </file>
 
-<file path=ppt/slides/slide29.xml><?xml version="1.0" encoding="utf-8"?>
+<file path=ppt/slides/slide3.xml><?xml version="1.0" encoding="utf-8"?>
 <p:sld xmlns:a="http://schemas.openxmlformats.org/drawingml/2006/main" xmlns:r="http://schemas.openxmlformats.org/officeDocument/2006/relationships" xmlns:p="http://schemas.openxmlformats.org/presentationml/2006/main">
   <p:cSld>
     <p:spTree>
@@ -19033,9 +19129,57 @@
           <a:p>
             <a:r>
               <a:rPr lang="en-US" dirty="0" smtClean="0"/>
-              <a:t>AI</a:t>
+              <a:t>The Overview</a:t>
             </a:r>
             <a:endParaRPr lang="en-US" dirty="0"/>
+          </a:p>
+        </p:txBody>
+      </p:sp>
+      <p:sp>
+        <p:nvSpPr>
+          <p:cNvPr id="3" name="Content Placeholder 2"/>
+          <p:cNvSpPr>
+            <a:spLocks noGrp="1"/>
+          </p:cNvSpPr>
+          <p:nvPr>
+            <p:ph idx="1"/>
+          </p:nvPr>
+        </p:nvSpPr>
+        <p:spPr/>
+        <p:txBody>
+          <a:bodyPr/>
+          <a:lstStyle/>
+          <a:p>
+            <a:r>
+              <a:rPr lang="en-US" dirty="0" smtClean="0"/>
+              <a:t>  Game Description</a:t>
+            </a:r>
+          </a:p>
+          <a:p>
+            <a:pPr lvl="1"/>
+            <a:r>
+              <a:rPr lang="en-US" dirty="0" smtClean="0"/>
+              <a:t>Details</a:t>
+            </a:r>
+          </a:p>
+          <a:p>
+            <a:pPr lvl="1"/>
+            <a:r>
+              <a:rPr lang="en-US" dirty="0" smtClean="0"/>
+              <a:t>Game flow, battle flow</a:t>
+            </a:r>
+          </a:p>
+          <a:p>
+            <a:r>
+              <a:rPr lang="en-US" dirty="0" smtClean="0"/>
+              <a:t>Tools</a:t>
+            </a:r>
+          </a:p>
+          <a:p>
+            <a:r>
+              <a:rPr lang="en-US" dirty="0" smtClean="0"/>
+              <a:t>Module Breakdown</a:t>
+            </a:r>
           </a:p>
         </p:txBody>
       </p:sp>
@@ -19057,7 +19201,110 @@
             <a:fld id="{B6F15528-21DE-4FAA-801E-634DDDAF4B2B}" type="slidenum">
               <a:rPr lang="en-US" smtClean="0"/>
               <a:pPr/>
-              <a:t>29</a:t>
+              <a:t>3</a:t>
+            </a:fld>
+            <a:endParaRPr lang="en-US"/>
+          </a:p>
+        </p:txBody>
+      </p:sp>
+      <p:pic>
+        <p:nvPicPr>
+          <p:cNvPr id="4" name="Picture 3" descr="logo.jpg"/>
+          <p:cNvPicPr>
+            <a:picLocks noChangeAspect="1"/>
+          </p:cNvPicPr>
+          <p:nvPr/>
+        </p:nvPicPr>
+        <p:blipFill>
+          <a:blip r:embed="rId2" cstate="print"/>
+          <a:stretch>
+            <a:fillRect/>
+          </a:stretch>
+        </p:blipFill>
+        <p:spPr>
+          <a:xfrm>
+            <a:off x="7956253" y="0"/>
+            <a:ext cx="1187747" cy="1328738"/>
+          </a:xfrm>
+          <a:prstGeom prst="rect">
+            <a:avLst/>
+          </a:prstGeom>
+        </p:spPr>
+      </p:pic>
+    </p:spTree>
+  </p:cSld>
+  <p:clrMapOvr>
+    <a:masterClrMapping/>
+  </p:clrMapOvr>
+  <p:timing>
+    <p:tnLst>
+      <p:par>
+        <p:cTn id="1" dur="indefinite" restart="never" nodeType="tmRoot"/>
+      </p:par>
+    </p:tnLst>
+  </p:timing>
+</p:sld>
+</file>
+
+<file path=ppt/slides/slide30.xml><?xml version="1.0" encoding="utf-8"?>
+<p:sld xmlns:a="http://schemas.openxmlformats.org/drawingml/2006/main" xmlns:r="http://schemas.openxmlformats.org/officeDocument/2006/relationships" xmlns:p="http://schemas.openxmlformats.org/presentationml/2006/main">
+  <p:cSld>
+    <p:spTree>
+      <p:nvGrpSpPr>
+        <p:cNvPr id="1" name=""/>
+        <p:cNvGrpSpPr/>
+        <p:nvPr/>
+      </p:nvGrpSpPr>
+      <p:grpSpPr>
+        <a:xfrm>
+          <a:off x="0" y="0"/>
+          <a:ext cx="0" cy="0"/>
+          <a:chOff x="0" y="0"/>
+          <a:chExt cx="0" cy="0"/>
+        </a:xfrm>
+      </p:grpSpPr>
+      <p:sp>
+        <p:nvSpPr>
+          <p:cNvPr id="2" name="Title 1"/>
+          <p:cNvSpPr>
+            <a:spLocks noGrp="1"/>
+          </p:cNvSpPr>
+          <p:nvPr>
+            <p:ph type="title"/>
+          </p:nvPr>
+        </p:nvSpPr>
+        <p:spPr/>
+        <p:txBody>
+          <a:bodyPr/>
+          <a:lstStyle/>
+          <a:p>
+            <a:r>
+              <a:rPr lang="en-US" dirty="0" smtClean="0"/>
+              <a:t>AI</a:t>
+            </a:r>
+            <a:endParaRPr lang="en-US" dirty="0"/>
+          </a:p>
+        </p:txBody>
+      </p:sp>
+      <p:sp>
+        <p:nvSpPr>
+          <p:cNvPr id="5" name="Slide Number Placeholder 4"/>
+          <p:cNvSpPr>
+            <a:spLocks noGrp="1"/>
+          </p:cNvSpPr>
+          <p:nvPr>
+            <p:ph type="sldNum" sz="quarter" idx="12"/>
+          </p:nvPr>
+        </p:nvSpPr>
+        <p:spPr/>
+        <p:txBody>
+          <a:bodyPr/>
+          <a:lstStyle/>
+          <a:p>
+            <a:fld id="{B6F15528-21DE-4FAA-801E-634DDDAF4B2B}" type="slidenum">
+              <a:rPr lang="en-US" smtClean="0"/>
+              <a:pPr/>
+              <a:t>30</a:t>
             </a:fld>
             <a:endParaRPr lang="en-US"/>
           </a:p>
@@ -24868,158 +25115,7 @@
 </p:sld>
 </file>
 
-<file path=ppt/slides/slide3.xml><?xml version="1.0" encoding="utf-8"?>
-<p:sld xmlns:a="http://schemas.openxmlformats.org/drawingml/2006/main" xmlns:r="http://schemas.openxmlformats.org/officeDocument/2006/relationships" xmlns:p="http://schemas.openxmlformats.org/presentationml/2006/main">
-  <p:cSld>
-    <p:spTree>
-      <p:nvGrpSpPr>
-        <p:cNvPr id="1" name=""/>
-        <p:cNvGrpSpPr/>
-        <p:nvPr/>
-      </p:nvGrpSpPr>
-      <p:grpSpPr>
-        <a:xfrm>
-          <a:off x="0" y="0"/>
-          <a:ext cx="0" cy="0"/>
-          <a:chOff x="0" y="0"/>
-          <a:chExt cx="0" cy="0"/>
-        </a:xfrm>
-      </p:grpSpPr>
-      <p:sp>
-        <p:nvSpPr>
-          <p:cNvPr id="2" name="Title 1"/>
-          <p:cNvSpPr>
-            <a:spLocks noGrp="1"/>
-          </p:cNvSpPr>
-          <p:nvPr>
-            <p:ph type="title"/>
-          </p:nvPr>
-        </p:nvSpPr>
-        <p:spPr/>
-        <p:txBody>
-          <a:bodyPr/>
-          <a:lstStyle/>
-          <a:p>
-            <a:r>
-              <a:rPr lang="en-US" dirty="0" smtClean="0"/>
-              <a:t>The Overview</a:t>
-            </a:r>
-            <a:endParaRPr lang="en-US" dirty="0"/>
-          </a:p>
-        </p:txBody>
-      </p:sp>
-      <p:sp>
-        <p:nvSpPr>
-          <p:cNvPr id="3" name="Content Placeholder 2"/>
-          <p:cNvSpPr>
-            <a:spLocks noGrp="1"/>
-          </p:cNvSpPr>
-          <p:nvPr>
-            <p:ph idx="1"/>
-          </p:nvPr>
-        </p:nvSpPr>
-        <p:spPr/>
-        <p:txBody>
-          <a:bodyPr/>
-          <a:lstStyle/>
-          <a:p>
-            <a:r>
-              <a:rPr lang="en-US" dirty="0" smtClean="0"/>
-              <a:t>  Game Description</a:t>
-            </a:r>
-          </a:p>
-          <a:p>
-            <a:pPr lvl="1"/>
-            <a:r>
-              <a:rPr lang="en-US" dirty="0" smtClean="0"/>
-              <a:t>Details</a:t>
-            </a:r>
-          </a:p>
-          <a:p>
-            <a:pPr lvl="1"/>
-            <a:r>
-              <a:rPr lang="en-US" dirty="0" smtClean="0"/>
-              <a:t>Game flow, battle flow</a:t>
-            </a:r>
-          </a:p>
-          <a:p>
-            <a:r>
-              <a:rPr lang="en-US" dirty="0" smtClean="0"/>
-              <a:t>Tools</a:t>
-            </a:r>
-          </a:p>
-          <a:p>
-            <a:r>
-              <a:rPr lang="en-US" dirty="0" smtClean="0"/>
-              <a:t>Module Breakdown</a:t>
-            </a:r>
-          </a:p>
-        </p:txBody>
-      </p:sp>
-      <p:sp>
-        <p:nvSpPr>
-          <p:cNvPr id="5" name="Slide Number Placeholder 4"/>
-          <p:cNvSpPr>
-            <a:spLocks noGrp="1"/>
-          </p:cNvSpPr>
-          <p:nvPr>
-            <p:ph type="sldNum" sz="quarter" idx="12"/>
-          </p:nvPr>
-        </p:nvSpPr>
-        <p:spPr/>
-        <p:txBody>
-          <a:bodyPr/>
-          <a:lstStyle/>
-          <a:p>
-            <a:fld id="{B6F15528-21DE-4FAA-801E-634DDDAF4B2B}" type="slidenum">
-              <a:rPr lang="en-US" smtClean="0"/>
-              <a:pPr/>
-              <a:t>3</a:t>
-            </a:fld>
-            <a:endParaRPr lang="en-US"/>
-          </a:p>
-        </p:txBody>
-      </p:sp>
-      <p:pic>
-        <p:nvPicPr>
-          <p:cNvPr id="4" name="Picture 3" descr="logo.jpg"/>
-          <p:cNvPicPr>
-            <a:picLocks noChangeAspect="1"/>
-          </p:cNvPicPr>
-          <p:nvPr/>
-        </p:nvPicPr>
-        <p:blipFill>
-          <a:blip r:embed="rId2" cstate="print"/>
-          <a:stretch>
-            <a:fillRect/>
-          </a:stretch>
-        </p:blipFill>
-        <p:spPr>
-          <a:xfrm>
-            <a:off x="7956253" y="0"/>
-            <a:ext cx="1187747" cy="1328738"/>
-          </a:xfrm>
-          <a:prstGeom prst="rect">
-            <a:avLst/>
-          </a:prstGeom>
-        </p:spPr>
-      </p:pic>
-    </p:spTree>
-  </p:cSld>
-  <p:clrMapOvr>
-    <a:masterClrMapping/>
-  </p:clrMapOvr>
-  <p:timing>
-    <p:tnLst>
-      <p:par>
-        <p:cTn id="1" dur="indefinite" restart="never" nodeType="tmRoot"/>
-      </p:par>
-    </p:tnLst>
-  </p:timing>
-</p:sld>
-</file>
-
-<file path=ppt/slides/slide30.xml><?xml version="1.0" encoding="utf-8"?>
+<file path=ppt/slides/slide31.xml><?xml version="1.0" encoding="utf-8"?>
 <p:sld xmlns:a="http://schemas.openxmlformats.org/drawingml/2006/main" xmlns:r="http://schemas.openxmlformats.org/officeDocument/2006/relationships" xmlns:p="http://schemas.openxmlformats.org/presentationml/2006/main">
   <p:cSld>
     <p:spTree>
@@ -25091,176 +25187,14 @@
           <a:p>
             <a:r>
               <a:rPr lang="en-US" dirty="0" smtClean="0"/>
-              <a:t>Game </a:t>
+              <a:t>Game Mechanics</a:t>
             </a:r>
-            <a:r>
-              <a:rPr lang="en-US" dirty="0" smtClean="0"/>
-              <a:t>Mechanics</a:t>
-            </a:r>
-            <a:endParaRPr lang="en-US" dirty="0" smtClean="0"/>
           </a:p>
           <a:p>
             <a:r>
               <a:rPr lang="en-US" dirty="0" smtClean="0"/>
               <a:t>AI</a:t>
             </a:r>
-          </a:p>
-        </p:txBody>
-      </p:sp>
-      <p:sp>
-        <p:nvSpPr>
-          <p:cNvPr id="5" name="Slide Number Placeholder 4"/>
-          <p:cNvSpPr>
-            <a:spLocks noGrp="1"/>
-          </p:cNvSpPr>
-          <p:nvPr>
-            <p:ph type="sldNum" sz="quarter" idx="12"/>
-          </p:nvPr>
-        </p:nvSpPr>
-        <p:spPr/>
-        <p:txBody>
-          <a:bodyPr/>
-          <a:lstStyle/>
-          <a:p>
-            <a:fld id="{B6F15528-21DE-4FAA-801E-634DDDAF4B2B}" type="slidenum">
-              <a:rPr lang="en-US" smtClean="0"/>
-              <a:pPr/>
-              <a:t>30</a:t>
-            </a:fld>
-            <a:endParaRPr lang="en-US"/>
-          </a:p>
-        </p:txBody>
-      </p:sp>
-      <p:pic>
-        <p:nvPicPr>
-          <p:cNvPr id="4" name="Picture 3" descr="logo.jpg"/>
-          <p:cNvPicPr>
-            <a:picLocks noChangeAspect="1"/>
-          </p:cNvPicPr>
-          <p:nvPr/>
-        </p:nvPicPr>
-        <p:blipFill>
-          <a:blip r:embed="rId2" cstate="print"/>
-          <a:stretch>
-            <a:fillRect/>
-          </a:stretch>
-        </p:blipFill>
-        <p:spPr>
-          <a:xfrm>
-            <a:off x="7956253" y="0"/>
-            <a:ext cx="1187747" cy="1328738"/>
-          </a:xfrm>
-          <a:prstGeom prst="rect">
-            <a:avLst/>
-          </a:prstGeom>
-        </p:spPr>
-      </p:pic>
-    </p:spTree>
-  </p:cSld>
-  <p:clrMapOvr>
-    <a:masterClrMapping/>
-  </p:clrMapOvr>
-  <p:timing>
-    <p:tnLst>
-      <p:par>
-        <p:cTn id="1" dur="indefinite" restart="never" nodeType="tmRoot"/>
-      </p:par>
-    </p:tnLst>
-  </p:timing>
-</p:sld>
-</file>
-
-<file path=ppt/slides/slide31.xml><?xml version="1.0" encoding="utf-8"?>
-<p:sld xmlns:a="http://schemas.openxmlformats.org/drawingml/2006/main" xmlns:r="http://schemas.openxmlformats.org/officeDocument/2006/relationships" xmlns:p="http://schemas.openxmlformats.org/presentationml/2006/main">
-  <p:cSld>
-    <p:spTree>
-      <p:nvGrpSpPr>
-        <p:cNvPr id="1" name=""/>
-        <p:cNvGrpSpPr/>
-        <p:nvPr/>
-      </p:nvGrpSpPr>
-      <p:grpSpPr>
-        <a:xfrm>
-          <a:off x="0" y="0"/>
-          <a:ext cx="0" cy="0"/>
-          <a:chOff x="0" y="0"/>
-          <a:chExt cx="0" cy="0"/>
-        </a:xfrm>
-      </p:grpSpPr>
-      <p:sp>
-        <p:nvSpPr>
-          <p:cNvPr id="2" name="Title 1"/>
-          <p:cNvSpPr>
-            <a:spLocks noGrp="1"/>
-          </p:cNvSpPr>
-          <p:nvPr>
-            <p:ph type="title"/>
-          </p:nvPr>
-        </p:nvSpPr>
-        <p:spPr>
-          <a:xfrm>
-            <a:off x="457200" y="314094"/>
-            <a:ext cx="7391400" cy="1143000"/>
-          </a:xfrm>
-        </p:spPr>
-        <p:txBody>
-          <a:bodyPr>
-            <a:normAutofit fontScale="90000"/>
-          </a:bodyPr>
-          <a:lstStyle/>
-          <a:p>
-            <a:r>
-              <a:rPr lang="en-US" dirty="0" smtClean="0"/>
-              <a:t>Database</a:t>
-            </a:r>
-            <a:br>
-              <a:rPr lang="en-US" dirty="0" smtClean="0"/>
-            </a:br>
-            <a:r>
-              <a:rPr lang="en-US" dirty="0" smtClean="0"/>
-              <a:t>“Summary”</a:t>
-            </a:r>
-            <a:endParaRPr lang="en-US" dirty="0"/>
-          </a:p>
-        </p:txBody>
-      </p:sp>
-      <p:sp>
-        <p:nvSpPr>
-          <p:cNvPr id="3" name="Content Placeholder 2"/>
-          <p:cNvSpPr>
-            <a:spLocks noGrp="1"/>
-          </p:cNvSpPr>
-          <p:nvPr>
-            <p:ph idx="1"/>
-          </p:nvPr>
-        </p:nvSpPr>
-        <p:spPr>
-          <a:xfrm>
-            <a:off x="762000" y="2514600"/>
-            <a:ext cx="8229600" cy="3657600"/>
-          </a:xfrm>
-        </p:spPr>
-        <p:txBody>
-          <a:bodyPr/>
-          <a:lstStyle/>
-          <a:p>
-            <a:r>
-              <a:rPr lang="en-US" dirty="0" smtClean="0"/>
-              <a:t>What Database is?</a:t>
-            </a:r>
-          </a:p>
-          <a:p>
-            <a:r>
-              <a:rPr lang="en-US" dirty="0" smtClean="0"/>
-              <a:t>What Database does in the project?</a:t>
-            </a:r>
-          </a:p>
-          <a:p>
-            <a:r>
-              <a:rPr lang="en-US" dirty="0" smtClean="0"/>
-              <a:t>How Database works?</a:t>
-            </a:r>
-            <a:endParaRPr lang="en-US" dirty="0"/>
           </a:p>
         </p:txBody>
       </p:sp>
@@ -25354,7 +25288,12 @@
             <p:ph type="title"/>
           </p:nvPr>
         </p:nvSpPr>
-        <p:spPr/>
+        <p:spPr>
+          <a:xfrm>
+            <a:off x="457200" y="314094"/>
+            <a:ext cx="7391400" cy="1143000"/>
+          </a:xfrm>
+        </p:spPr>
         <p:txBody>
           <a:bodyPr>
             <a:normAutofit fontScale="90000"/>
@@ -25370,11 +25309,7 @@
             </a:br>
             <a:r>
               <a:rPr lang="en-US" dirty="0" smtClean="0"/>
-              <a:t>“</a:t>
-            </a:r>
-            <a:r>
-              <a:rPr lang="en-US" altLang="zh-CN" dirty="0" smtClean="0"/>
-              <a:t>What Database is”</a:t>
+              <a:t>“Summary”</a:t>
             </a:r>
             <a:endParaRPr lang="en-US" dirty="0"/>
           </a:p>
@@ -25392,38 +25327,31 @@
         </p:nvSpPr>
         <p:spPr>
           <a:xfrm>
-            <a:off x="381000" y="1646237"/>
-            <a:ext cx="8610600" cy="4525963"/>
+            <a:off x="762000" y="2514600"/>
+            <a:ext cx="8229600" cy="3657600"/>
           </a:xfrm>
         </p:spPr>
         <p:txBody>
-          <a:bodyPr>
-            <a:normAutofit fontScale="92500"/>
-          </a:bodyPr>
+          <a:bodyPr/>
           <a:lstStyle/>
           <a:p>
             <a:r>
-              <a:rPr lang="en-US" altLang="zh-CN" dirty="0" smtClean="0"/>
-              <a:t>Databases consist of software-based "containers" that are structured to collect and store information.</a:t>
+              <a:rPr lang="en-US" dirty="0" smtClean="0"/>
+              <a:t>What Database is?</a:t>
             </a:r>
           </a:p>
           <a:p>
             <a:r>
-              <a:rPr lang="en-US" altLang="zh-CN" dirty="0" smtClean="0"/>
-              <a:t>Database programs are designed for users so that they can retrieve, add, update or remove information.</a:t>
+              <a:rPr lang="en-US" dirty="0" smtClean="0"/>
+              <a:t>What Database does in the project?</a:t>
             </a:r>
           </a:p>
           <a:p>
             <a:r>
-              <a:rPr lang="en-US" altLang="zh-CN" dirty="0" smtClean="0"/>
-              <a:t>The structure of a database is tabular, consisting of rows and columns of information.</a:t>
+              <a:rPr lang="en-US" dirty="0" smtClean="0"/>
+              <a:t>How Database works?</a:t>
             </a:r>
-          </a:p>
-          <a:p>
-            <a:r>
-              <a:rPr lang="en-US" altLang="zh-CN" dirty="0" smtClean="0"/>
-              <a:t>A number of database architectures exist. Many databases use a combination of strategies.</a:t>
-            </a:r>
+            <a:endParaRPr lang="en-US" dirty="0"/>
           </a:p>
         </p:txBody>
       </p:sp>
@@ -25517,12 +25445,7 @@
             <p:ph type="title"/>
           </p:nvPr>
         </p:nvSpPr>
-        <p:spPr>
-          <a:xfrm>
-            <a:off x="-76200" y="274638"/>
-            <a:ext cx="8382000" cy="1143000"/>
-          </a:xfrm>
-        </p:spPr>
+        <p:spPr/>
         <p:txBody>
           <a:bodyPr>
             <a:normAutofit fontScale="90000"/>
@@ -25542,7 +25465,7 @@
             </a:r>
             <a:r>
               <a:rPr lang="en-US" altLang="zh-CN" dirty="0" smtClean="0"/>
-              <a:t>What Database does in the project”</a:t>
+              <a:t>What Database is”</a:t>
             </a:r>
             <a:endParaRPr lang="en-US" dirty="0"/>
           </a:p>
@@ -25560,33 +25483,38 @@
         </p:nvSpPr>
         <p:spPr>
           <a:xfrm>
-            <a:off x="457200" y="1798637"/>
-            <a:ext cx="8229600" cy="4525963"/>
+            <a:off x="381000" y="1646237"/>
+            <a:ext cx="8610600" cy="4525963"/>
           </a:xfrm>
         </p:spPr>
         <p:txBody>
           <a:bodyPr>
-            <a:normAutofit/>
+            <a:normAutofit fontScale="92500"/>
           </a:bodyPr>
           <a:lstStyle/>
           <a:p>
             <a:r>
               <a:rPr lang="en-US" altLang="zh-CN" dirty="0" smtClean="0"/>
-              <a:t>The game database contains all of data records</a:t>
+              <a:t>Databases consist of software-based "containers" that are structured to collect and store information.</a:t>
             </a:r>
           </a:p>
           <a:p>
             <a:r>
               <a:rPr lang="en-US" altLang="zh-CN" dirty="0" smtClean="0"/>
-              <a:t>Tables collection of the names, parameters, status of all game units, and the game contents such as maps.</a:t>
+              <a:t>Database programs are designed for users so that they can retrieve, add, update or remove information.</a:t>
             </a:r>
           </a:p>
           <a:p>
             <a:r>
               <a:rPr lang="en-US" altLang="zh-CN" dirty="0" smtClean="0"/>
-              <a:t>The data is retrieved and overwritten for synchronous/ asynchronous backup.</a:t>
+              <a:t>The structure of a database is tabular, consisting of rows and columns of information.</a:t>
             </a:r>
-            <a:endParaRPr lang="zh-CN" altLang="zh-CN" dirty="0" smtClean="0"/>
+          </a:p>
+          <a:p>
+            <a:r>
+              <a:rPr lang="en-US" altLang="zh-CN" dirty="0" smtClean="0"/>
+              <a:t>A number of database architectures exist. Many databases use a combination of strategies.</a:t>
+            </a:r>
           </a:p>
         </p:txBody>
       </p:sp>
@@ -25682,6 +25610,169 @@
         </p:nvSpPr>
         <p:spPr>
           <a:xfrm>
+            <a:off x="-76200" y="274638"/>
+            <a:ext cx="8382000" cy="1143000"/>
+          </a:xfrm>
+        </p:spPr>
+        <p:txBody>
+          <a:bodyPr>
+            <a:normAutofit fontScale="90000"/>
+          </a:bodyPr>
+          <a:lstStyle/>
+          <a:p>
+            <a:r>
+              <a:rPr lang="en-US" dirty="0" smtClean="0"/>
+              <a:t>Database</a:t>
+            </a:r>
+            <a:br>
+              <a:rPr lang="en-US" dirty="0" smtClean="0"/>
+            </a:br>
+            <a:r>
+              <a:rPr lang="en-US" dirty="0" smtClean="0"/>
+              <a:t>“</a:t>
+            </a:r>
+            <a:r>
+              <a:rPr lang="en-US" altLang="zh-CN" dirty="0" smtClean="0"/>
+              <a:t>What Database does in the project”</a:t>
+            </a:r>
+            <a:endParaRPr lang="en-US" dirty="0"/>
+          </a:p>
+        </p:txBody>
+      </p:sp>
+      <p:sp>
+        <p:nvSpPr>
+          <p:cNvPr id="3" name="Content Placeholder 2"/>
+          <p:cNvSpPr>
+            <a:spLocks noGrp="1"/>
+          </p:cNvSpPr>
+          <p:nvPr>
+            <p:ph idx="1"/>
+          </p:nvPr>
+        </p:nvSpPr>
+        <p:spPr>
+          <a:xfrm>
+            <a:off x="457200" y="1798637"/>
+            <a:ext cx="8229600" cy="4525963"/>
+          </a:xfrm>
+        </p:spPr>
+        <p:txBody>
+          <a:bodyPr>
+            <a:normAutofit/>
+          </a:bodyPr>
+          <a:lstStyle/>
+          <a:p>
+            <a:r>
+              <a:rPr lang="en-US" altLang="zh-CN" dirty="0" smtClean="0"/>
+              <a:t>The game database contains all of data records</a:t>
+            </a:r>
+          </a:p>
+          <a:p>
+            <a:r>
+              <a:rPr lang="en-US" altLang="zh-CN" dirty="0" smtClean="0"/>
+              <a:t>Tables collection of the names, parameters, status of all game units, and the game contents such as maps.</a:t>
+            </a:r>
+          </a:p>
+          <a:p>
+            <a:r>
+              <a:rPr lang="en-US" altLang="zh-CN" dirty="0" smtClean="0"/>
+              <a:t>The data is retrieved and overwritten for synchronous/ asynchronous backup.</a:t>
+            </a:r>
+            <a:endParaRPr lang="zh-CN" altLang="zh-CN" dirty="0" smtClean="0"/>
+          </a:p>
+        </p:txBody>
+      </p:sp>
+      <p:sp>
+        <p:nvSpPr>
+          <p:cNvPr id="5" name="Slide Number Placeholder 4"/>
+          <p:cNvSpPr>
+            <a:spLocks noGrp="1"/>
+          </p:cNvSpPr>
+          <p:nvPr>
+            <p:ph type="sldNum" sz="quarter" idx="12"/>
+          </p:nvPr>
+        </p:nvSpPr>
+        <p:spPr/>
+        <p:txBody>
+          <a:bodyPr/>
+          <a:lstStyle/>
+          <a:p>
+            <a:fld id="{B6F15528-21DE-4FAA-801E-634DDDAF4B2B}" type="slidenum">
+              <a:rPr lang="en-US" smtClean="0"/>
+              <a:pPr/>
+              <a:t>34</a:t>
+            </a:fld>
+            <a:endParaRPr lang="en-US"/>
+          </a:p>
+        </p:txBody>
+      </p:sp>
+      <p:pic>
+        <p:nvPicPr>
+          <p:cNvPr id="4" name="Picture 3" descr="logo.jpg"/>
+          <p:cNvPicPr>
+            <a:picLocks noChangeAspect="1"/>
+          </p:cNvPicPr>
+          <p:nvPr/>
+        </p:nvPicPr>
+        <p:blipFill>
+          <a:blip r:embed="rId2" cstate="print"/>
+          <a:stretch>
+            <a:fillRect/>
+          </a:stretch>
+        </p:blipFill>
+        <p:spPr>
+          <a:xfrm>
+            <a:off x="7956253" y="0"/>
+            <a:ext cx="1187747" cy="1328738"/>
+          </a:xfrm>
+          <a:prstGeom prst="rect">
+            <a:avLst/>
+          </a:prstGeom>
+        </p:spPr>
+      </p:pic>
+    </p:spTree>
+  </p:cSld>
+  <p:clrMapOvr>
+    <a:masterClrMapping/>
+  </p:clrMapOvr>
+  <p:timing>
+    <p:tnLst>
+      <p:par>
+        <p:cTn id="1" dur="indefinite" restart="never" nodeType="tmRoot"/>
+      </p:par>
+    </p:tnLst>
+  </p:timing>
+</p:sld>
+</file>
+
+<file path=ppt/slides/slide35.xml><?xml version="1.0" encoding="utf-8"?>
+<p:sld xmlns:a="http://schemas.openxmlformats.org/drawingml/2006/main" xmlns:r="http://schemas.openxmlformats.org/officeDocument/2006/relationships" xmlns:p="http://schemas.openxmlformats.org/presentationml/2006/main">
+  <p:cSld>
+    <p:spTree>
+      <p:nvGrpSpPr>
+        <p:cNvPr id="1" name=""/>
+        <p:cNvGrpSpPr/>
+        <p:nvPr/>
+      </p:nvGrpSpPr>
+      <p:grpSpPr>
+        <a:xfrm>
+          <a:off x="0" y="0"/>
+          <a:ext cx="0" cy="0"/>
+          <a:chOff x="0" y="0"/>
+          <a:chExt cx="0" cy="0"/>
+        </a:xfrm>
+      </p:grpSpPr>
+      <p:sp>
+        <p:nvSpPr>
+          <p:cNvPr id="2" name="Title 1"/>
+          <p:cNvSpPr>
+            <a:spLocks noGrp="1"/>
+          </p:cNvSpPr>
+          <p:nvPr>
+            <p:ph type="title"/>
+          </p:nvPr>
+        </p:nvSpPr>
+        <p:spPr>
+          <a:xfrm>
             <a:off x="228600" y="274638"/>
             <a:ext cx="8382000" cy="1143000"/>
           </a:xfrm>
@@ -25729,7 +25820,7 @@
             <a:fld id="{B6F15528-21DE-4FAA-801E-634DDDAF4B2B}" type="slidenum">
               <a:rPr lang="en-US" smtClean="0"/>
               <a:pPr/>
-              <a:t>34</a:t>
+              <a:t>35</a:t>
             </a:fld>
             <a:endParaRPr lang="en-US"/>
           </a:p>
@@ -25806,7 +25897,7 @@
 </p:sld>
 </file>
 
-<file path=ppt/slides/slide35.xml><?xml version="1.0" encoding="utf-8"?>
+<file path=ppt/slides/slide36.xml><?xml version="1.0" encoding="utf-8"?>
 <p:sld xmlns:a="http://schemas.openxmlformats.org/drawingml/2006/main" xmlns:r="http://schemas.openxmlformats.org/officeDocument/2006/relationships" xmlns:p="http://schemas.openxmlformats.org/presentationml/2006/main">
   <p:cSld>
     <p:spTree>
@@ -25927,7 +26018,7 @@
             <a:fld id="{B6F15528-21DE-4FAA-801E-634DDDAF4B2B}" type="slidenum">
               <a:rPr lang="en-US" smtClean="0"/>
               <a:pPr/>
-              <a:t>35</a:t>
+              <a:t>36</a:t>
             </a:fld>
             <a:endParaRPr lang="en-US"/>
           </a:p>
@@ -26519,7 +26610,7 @@
 </p:sld>
 </file>
 
-<file path=ppt/slides/slide36.xml><?xml version="1.0" encoding="utf-8"?>
+<file path=ppt/slides/slide37.xml><?xml version="1.0" encoding="utf-8"?>
 <p:sld xmlns:a="http://schemas.openxmlformats.org/drawingml/2006/main" xmlns:r="http://schemas.openxmlformats.org/officeDocument/2006/relationships" xmlns:p="http://schemas.openxmlformats.org/presentationml/2006/main">
   <p:cSld>
     <p:spTree>
@@ -26609,128 +26700,6 @@
               <a:rPr lang="en-US" altLang="zh-CN" dirty="0" smtClean="0"/>
               <a:t>Database is useful for Storage and Retrieval of map and unit Data.</a:t>
             </a:r>
-          </a:p>
-        </p:txBody>
-      </p:sp>
-      <p:sp>
-        <p:nvSpPr>
-          <p:cNvPr id="5" name="Slide Number Placeholder 4"/>
-          <p:cNvSpPr>
-            <a:spLocks noGrp="1"/>
-          </p:cNvSpPr>
-          <p:nvPr>
-            <p:ph type="sldNum" sz="quarter" idx="12"/>
-          </p:nvPr>
-        </p:nvSpPr>
-        <p:spPr/>
-        <p:txBody>
-          <a:bodyPr/>
-          <a:lstStyle/>
-          <a:p>
-            <a:fld id="{B6F15528-21DE-4FAA-801E-634DDDAF4B2B}" type="slidenum">
-              <a:rPr lang="en-US" smtClean="0"/>
-              <a:pPr/>
-              <a:t>36</a:t>
-            </a:fld>
-            <a:endParaRPr lang="en-US"/>
-          </a:p>
-        </p:txBody>
-      </p:sp>
-      <p:pic>
-        <p:nvPicPr>
-          <p:cNvPr id="4" name="Picture 3" descr="logo.jpg"/>
-          <p:cNvPicPr>
-            <a:picLocks noChangeAspect="1"/>
-          </p:cNvPicPr>
-          <p:nvPr/>
-        </p:nvPicPr>
-        <p:blipFill>
-          <a:blip r:embed="rId2" cstate="print"/>
-          <a:stretch>
-            <a:fillRect/>
-          </a:stretch>
-        </p:blipFill>
-        <p:spPr>
-          <a:xfrm>
-            <a:off x="7956253" y="0"/>
-            <a:ext cx="1187747" cy="1328738"/>
-          </a:xfrm>
-          <a:prstGeom prst="rect">
-            <a:avLst/>
-          </a:prstGeom>
-        </p:spPr>
-      </p:pic>
-    </p:spTree>
-  </p:cSld>
-  <p:clrMapOvr>
-    <a:masterClrMapping/>
-  </p:clrMapOvr>
-  <p:timing>
-    <p:tnLst>
-      <p:par>
-        <p:cTn id="1" dur="indefinite" restart="never" nodeType="tmRoot"/>
-      </p:par>
-    </p:tnLst>
-  </p:timing>
-</p:sld>
-</file>
-
-<file path=ppt/slides/slide37.xml><?xml version="1.0" encoding="utf-8"?>
-<p:sld xmlns:a="http://schemas.openxmlformats.org/drawingml/2006/main" xmlns:r="http://schemas.openxmlformats.org/officeDocument/2006/relationships" xmlns:p="http://schemas.openxmlformats.org/presentationml/2006/main">
-  <p:cSld>
-    <p:spTree>
-      <p:nvGrpSpPr>
-        <p:cNvPr id="1" name=""/>
-        <p:cNvGrpSpPr/>
-        <p:nvPr/>
-      </p:nvGrpSpPr>
-      <p:grpSpPr>
-        <a:xfrm>
-          <a:off x="0" y="0"/>
-          <a:ext cx="0" cy="0"/>
-          <a:chOff x="0" y="0"/>
-          <a:chExt cx="0" cy="0"/>
-        </a:xfrm>
-      </p:grpSpPr>
-      <p:sp>
-        <p:nvSpPr>
-          <p:cNvPr id="2" name="Title 1"/>
-          <p:cNvSpPr>
-            <a:spLocks noGrp="1"/>
-          </p:cNvSpPr>
-          <p:nvPr>
-            <p:ph type="title"/>
-          </p:nvPr>
-        </p:nvSpPr>
-        <p:spPr/>
-        <p:txBody>
-          <a:bodyPr/>
-          <a:lstStyle/>
-          <a:p>
-            <a:r>
-              <a:rPr lang="en-US" dirty="0" smtClean="0"/>
-              <a:t>Summary </a:t>
-            </a:r>
-            <a:endParaRPr lang="en-US" dirty="0"/>
-          </a:p>
-        </p:txBody>
-      </p:sp>
-      <p:sp>
-        <p:nvSpPr>
-          <p:cNvPr id="3" name="Content Placeholder 2"/>
-          <p:cNvSpPr>
-            <a:spLocks noGrp="1"/>
-          </p:cNvSpPr>
-          <p:nvPr>
-            <p:ph idx="1"/>
-          </p:nvPr>
-        </p:nvSpPr>
-        <p:spPr/>
-        <p:txBody>
-          <a:bodyPr/>
-          <a:lstStyle/>
-          <a:p>
-            <a:endParaRPr lang="en-US" dirty="0"/>
           </a:p>
         </p:txBody>
       </p:sp>
@@ -26831,7 +26800,7 @@
           <a:p>
             <a:r>
               <a:rPr lang="en-US" dirty="0" smtClean="0"/>
-              <a:t>Conclusion</a:t>
+              <a:t>Summary </a:t>
             </a:r>
             <a:endParaRPr lang="en-US" dirty="0"/>
           </a:p>
@@ -26852,22 +26821,7 @@
           <a:bodyPr/>
           <a:lstStyle/>
           <a:p>
-            <a:r>
-              <a:rPr lang="en-US" dirty="0" smtClean="0"/>
-              <a:t>Conclude this presentation</a:t>
-            </a:r>
-          </a:p>
-          <a:p>
-            <a:r>
-              <a:rPr lang="en-US" dirty="0" smtClean="0"/>
-              <a:t>Told you about our awesome game </a:t>
-            </a:r>
-          </a:p>
-          <a:p>
-            <a:r>
-              <a:rPr lang="en-US" dirty="0" smtClean="0"/>
-              <a:t>Pre-orders available</a:t>
-            </a:r>
+            <a:endParaRPr lang="en-US" dirty="0"/>
           </a:p>
         </p:txBody>
       </p:sp>
@@ -26924,6 +26878,13 @@
   <p:clrMapOvr>
     <a:masterClrMapping/>
   </p:clrMapOvr>
+  <p:timing>
+    <p:tnLst>
+      <p:par>
+        <p:cTn id="1" dur="indefinite" restart="never" nodeType="tmRoot"/>
+      </p:par>
+    </p:tnLst>
+  </p:timing>
 </p:sld>
 </file>
 
@@ -26961,9 +26922,43 @@
           <a:p>
             <a:r>
               <a:rPr lang="en-US" dirty="0" smtClean="0"/>
-              <a:t>Questions?</a:t>
+              <a:t>Conclusion</a:t>
             </a:r>
             <a:endParaRPr lang="en-US" dirty="0"/>
+          </a:p>
+        </p:txBody>
+      </p:sp>
+      <p:sp>
+        <p:nvSpPr>
+          <p:cNvPr id="3" name="Content Placeholder 2"/>
+          <p:cNvSpPr>
+            <a:spLocks noGrp="1"/>
+          </p:cNvSpPr>
+          <p:nvPr>
+            <p:ph idx="1"/>
+          </p:nvPr>
+        </p:nvSpPr>
+        <p:spPr/>
+        <p:txBody>
+          <a:bodyPr/>
+          <a:lstStyle/>
+          <a:p>
+            <a:r>
+              <a:rPr lang="en-US" dirty="0" smtClean="0"/>
+              <a:t>Conclude this presentation</a:t>
+            </a:r>
+          </a:p>
+          <a:p>
+            <a:r>
+              <a:rPr lang="en-US" dirty="0" smtClean="0"/>
+              <a:t>Told you about our awesome game </a:t>
+            </a:r>
+          </a:p>
+          <a:p>
+            <a:r>
+              <a:rPr lang="en-US" dirty="0" smtClean="0"/>
+              <a:t>Pre-orders available</a:t>
+            </a:r>
           </a:p>
         </p:txBody>
       </p:sp>
@@ -28618,6 +28613,102 @@
       </p:par>
     </p:tnLst>
   </p:timing>
+</p:sld>
+</file>
+
+<file path=ppt/slides/slide40.xml><?xml version="1.0" encoding="utf-8"?>
+<p:sld xmlns:a="http://schemas.openxmlformats.org/drawingml/2006/main" xmlns:r="http://schemas.openxmlformats.org/officeDocument/2006/relationships" xmlns:p="http://schemas.openxmlformats.org/presentationml/2006/main">
+  <p:cSld>
+    <p:spTree>
+      <p:nvGrpSpPr>
+        <p:cNvPr id="1" name=""/>
+        <p:cNvGrpSpPr/>
+        <p:nvPr/>
+      </p:nvGrpSpPr>
+      <p:grpSpPr>
+        <a:xfrm>
+          <a:off x="0" y="0"/>
+          <a:ext cx="0" cy="0"/>
+          <a:chOff x="0" y="0"/>
+          <a:chExt cx="0" cy="0"/>
+        </a:xfrm>
+      </p:grpSpPr>
+      <p:sp>
+        <p:nvSpPr>
+          <p:cNvPr id="2" name="Title 1"/>
+          <p:cNvSpPr>
+            <a:spLocks noGrp="1"/>
+          </p:cNvSpPr>
+          <p:nvPr>
+            <p:ph type="title"/>
+          </p:nvPr>
+        </p:nvSpPr>
+        <p:spPr/>
+        <p:txBody>
+          <a:bodyPr/>
+          <a:lstStyle/>
+          <a:p>
+            <a:r>
+              <a:rPr lang="en-US" dirty="0" smtClean="0"/>
+              <a:t>Questions?</a:t>
+            </a:r>
+            <a:endParaRPr lang="en-US" dirty="0"/>
+          </a:p>
+        </p:txBody>
+      </p:sp>
+      <p:sp>
+        <p:nvSpPr>
+          <p:cNvPr id="5" name="Slide Number Placeholder 4"/>
+          <p:cNvSpPr>
+            <a:spLocks noGrp="1"/>
+          </p:cNvSpPr>
+          <p:nvPr>
+            <p:ph type="sldNum" sz="quarter" idx="12"/>
+          </p:nvPr>
+        </p:nvSpPr>
+        <p:spPr/>
+        <p:txBody>
+          <a:bodyPr/>
+          <a:lstStyle/>
+          <a:p>
+            <a:fld id="{B6F15528-21DE-4FAA-801E-634DDDAF4B2B}" type="slidenum">
+              <a:rPr lang="en-US" smtClean="0"/>
+              <a:pPr/>
+              <a:t>40</a:t>
+            </a:fld>
+            <a:endParaRPr lang="en-US"/>
+          </a:p>
+        </p:txBody>
+      </p:sp>
+      <p:pic>
+        <p:nvPicPr>
+          <p:cNvPr id="4" name="Picture 3" descr="logo.jpg"/>
+          <p:cNvPicPr>
+            <a:picLocks noChangeAspect="1"/>
+          </p:cNvPicPr>
+          <p:nvPr/>
+        </p:nvPicPr>
+        <p:blipFill>
+          <a:blip r:embed="rId2" cstate="print"/>
+          <a:stretch>
+            <a:fillRect/>
+          </a:stretch>
+        </p:blipFill>
+        <p:spPr>
+          <a:xfrm>
+            <a:off x="7956253" y="0"/>
+            <a:ext cx="1187747" cy="1328738"/>
+          </a:xfrm>
+          <a:prstGeom prst="rect">
+            <a:avLst/>
+          </a:prstGeom>
+        </p:spPr>
+      </p:pic>
+    </p:spTree>
+  </p:cSld>
+  <p:clrMapOvr>
+    <a:masterClrMapping/>
+  </p:clrMapOvr>
 </p:sld>
 </file>
 

--- a/trunk/Docs/DUEL REALITY .pptx
+++ b/trunk/Docs/DUEL REALITY .pptx
@@ -232,7 +232,7 @@
             <a:fld id="{2DB3A570-3473-4B51-9859-38FBE4FB2A3F}" type="datetimeFigureOut">
               <a:rPr lang="en-US" smtClean="0"/>
               <a:pPr/>
-              <a:t>4/27/2010</a:t>
+              <a:t>4/29/2010</a:t>
             </a:fld>
             <a:endParaRPr lang="en-US"/>
           </a:p>
@@ -747,7 +747,7 @@
             <a:fld id="{10D76176-46D7-45B7-BEC6-0CAB5BAF04B8}" type="datetime1">
               <a:rPr lang="en-US" smtClean="0"/>
               <a:pPr/>
-              <a:t>4/27/2010</a:t>
+              <a:t>4/29/2010</a:t>
             </a:fld>
             <a:endParaRPr lang="en-US"/>
           </a:p>
@@ -972,7 +972,7 @@
             <a:fld id="{2ACA5E9D-9FFA-4FE5-8D48-AD97EAE540F6}" type="datetime1">
               <a:rPr lang="en-US" smtClean="0"/>
               <a:pPr/>
-              <a:t>4/27/2010</a:t>
+              <a:t>4/29/2010</a:t>
             </a:fld>
             <a:endParaRPr lang="en-US"/>
           </a:p>
@@ -1254,7 +1254,7 @@
             <a:fld id="{A97A97D5-15F8-466A-ABDA-DF49D1BB6FB5}" type="datetime1">
               <a:rPr lang="en-US" smtClean="0"/>
               <a:pPr/>
-              <a:t>4/27/2010</a:t>
+              <a:t>4/29/2010</a:t>
             </a:fld>
             <a:endParaRPr lang="en-US"/>
           </a:p>
@@ -1435,7 +1435,7 @@
             <a:fld id="{A516281F-2FAF-4B50-BB04-FE7E9D79FCFE}" type="datetime1">
               <a:rPr lang="en-US" smtClean="0"/>
               <a:pPr/>
-              <a:t>4/27/2010</a:t>
+              <a:t>4/29/2010</a:t>
             </a:fld>
             <a:endParaRPr lang="en-US"/>
           </a:p>
@@ -1795,7 +1795,7 @@
             <a:fld id="{2E9CB2DA-F545-4604-A0C7-5A323DB8BBA1}" type="datetime1">
               <a:rPr lang="en-US" smtClean="0"/>
               <a:pPr/>
-              <a:t>4/27/2010</a:t>
+              <a:t>4/29/2010</a:t>
             </a:fld>
             <a:endParaRPr lang="en-US"/>
           </a:p>
@@ -2084,7 +2084,7 @@
             <a:fld id="{32D3AAE4-58A9-4829-84ED-BAB6B9C4B1BD}" type="datetime1">
               <a:rPr lang="en-US" smtClean="0"/>
               <a:pPr/>
-              <a:t>4/27/2010</a:t>
+              <a:t>4/29/2010</a:t>
             </a:fld>
             <a:endParaRPr lang="en-US"/>
           </a:p>
@@ -2508,7 +2508,7 @@
             <a:fld id="{F1F62B83-C1F9-4900-BD8E-DCF5FCA3C455}" type="datetime1">
               <a:rPr lang="en-US" smtClean="0"/>
               <a:pPr/>
-              <a:t>4/27/2010</a:t>
+              <a:t>4/29/2010</a:t>
             </a:fld>
             <a:endParaRPr lang="en-US"/>
           </a:p>
@@ -2625,7 +2625,7 @@
             <a:fld id="{D67003CF-0740-4329-915B-45FAAE4561B5}" type="datetime1">
               <a:rPr lang="en-US" smtClean="0"/>
               <a:pPr/>
-              <a:t>4/27/2010</a:t>
+              <a:t>4/29/2010</a:t>
             </a:fld>
             <a:endParaRPr lang="en-US"/>
           </a:p>
@@ -2717,7 +2717,7 @@
             <a:fld id="{316BD30F-E255-42E4-A430-2D1BA87B0CA1}" type="datetime1">
               <a:rPr lang="en-US" smtClean="0"/>
               <a:pPr/>
-              <a:t>4/27/2010</a:t>
+              <a:t>4/29/2010</a:t>
             </a:fld>
             <a:endParaRPr lang="en-US"/>
           </a:p>
@@ -2997,7 +2997,7 @@
             <a:fld id="{DF955EC1-8AC4-4897-A39C-5C74CF1158C4}" type="datetime1">
               <a:rPr lang="en-US" smtClean="0"/>
               <a:pPr/>
-              <a:t>4/27/2010</a:t>
+              <a:t>4/29/2010</a:t>
             </a:fld>
             <a:endParaRPr lang="en-US"/>
           </a:p>
@@ -3365,7 +3365,7 @@
             <a:fld id="{C69A9847-EB5B-42B5-A3CA-E519FF22C27F}" type="datetime1">
               <a:rPr lang="en-US" smtClean="0"/>
               <a:pPr/>
-              <a:t>4/27/2010</a:t>
+              <a:t>4/29/2010</a:t>
             </a:fld>
             <a:endParaRPr lang="en-US"/>
           </a:p>
@@ -3804,7 +3804,7 @@
             <a:fld id="{BB02A790-4BD0-4AB4-95D4-38BF854DB16E}" type="datetime1">
               <a:rPr lang="en-US" smtClean="0"/>
               <a:pPr/>
-              <a:t>4/27/2010</a:t>
+              <a:t>4/29/2010</a:t>
             </a:fld>
             <a:endParaRPr lang="en-US"/>
           </a:p>
@@ -4541,8 +4541,13 @@
           <a:p>
             <a:r>
               <a:rPr lang="en-US" dirty="0" smtClean="0"/>
-              <a:t>What it is.</a:t>
+              <a:t>What it is</a:t>
             </a:r>
+            <a:r>
+              <a:rPr lang="en-US" dirty="0" smtClean="0"/>
+              <a:t>.</a:t>
+            </a:r>
+            <a:endParaRPr lang="en-US" dirty="0" smtClean="0"/>
           </a:p>
           <a:p>
             <a:r>
@@ -4826,34 +4831,6 @@
           </a:p>
         </p:txBody>
       </p:sp>
-      <p:pic>
-        <p:nvPicPr>
-          <p:cNvPr id="4" name="Content Placeholder 3" descr="ScreenCap001.jpg"/>
-          <p:cNvPicPr>
-            <a:picLocks noGrp="1" noChangeAspect="1"/>
-          </p:cNvPicPr>
-          <p:nvPr>
-            <p:ph idx="1"/>
-          </p:nvPr>
-        </p:nvPicPr>
-        <p:blipFill>
-          <a:blip r:embed="rId2" cstate="print"/>
-          <a:stretch>
-            <a:fillRect/>
-          </a:stretch>
-        </p:blipFill>
-        <p:spPr>
-          <a:xfrm>
-            <a:off x="1538287" y="1816100"/>
-            <a:ext cx="6067425" cy="4543425"/>
-          </a:xfrm>
-          <a:ln w="3175">
-            <a:solidFill>
-              <a:schemeClr val="tx1"/>
-            </a:solidFill>
-          </a:ln>
-        </p:spPr>
-      </p:pic>
       <p:sp>
         <p:nvSpPr>
           <p:cNvPr id="6" name="Slide Number Placeholder 5"/>
@@ -4887,7 +4864,7 @@
           <p:nvPr/>
         </p:nvPicPr>
         <p:blipFill>
-          <a:blip r:embed="rId3" cstate="print"/>
+          <a:blip r:embed="rId2" cstate="print"/>
           <a:stretch>
             <a:fillRect/>
           </a:stretch>
@@ -4900,6 +4877,40 @@
           <a:prstGeom prst="rect">
             <a:avLst/>
           </a:prstGeom>
+        </p:spPr>
+      </p:pic>
+      <p:pic>
+        <p:nvPicPr>
+          <p:cNvPr id="1027" name="Picture 3"/>
+          <p:cNvPicPr>
+            <a:picLocks noGrp="1" noChangeAspect="1" noChangeArrowheads="1"/>
+          </p:cNvPicPr>
+          <p:nvPr>
+            <p:ph idx="1"/>
+          </p:nvPr>
+        </p:nvPicPr>
+        <p:blipFill>
+          <a:blip r:embed="rId3" cstate="print"/>
+          <a:srcRect/>
+          <a:stretch>
+            <a:fillRect/>
+          </a:stretch>
+        </p:blipFill>
+        <p:spPr bwMode="auto">
+          <a:xfrm>
+            <a:off x="762000" y="1752600"/>
+            <a:ext cx="7543800" cy="4800599"/>
+          </a:xfrm>
+          <a:prstGeom prst="rect">
+            <a:avLst/>
+          </a:prstGeom>
+          <a:noFill/>
+          <a:ln w="9525">
+            <a:noFill/>
+            <a:miter lim="800000"/>
+            <a:headEnd/>
+            <a:tailEnd/>
+          </a:ln>
         </p:spPr>
       </p:pic>
     </p:spTree>

--- a/trunk/Docs/DUEL REALITY .pptx
+++ b/trunk/Docs/DUEL REALITY .pptx
@@ -5,7 +5,7 @@
     <p:sldMasterId id="2147483660" r:id="rId1"/>
   </p:sldMasterIdLst>
   <p:notesMasterIdLst>
-    <p:notesMasterId r:id="rId42"/>
+    <p:notesMasterId r:id="rId44"/>
   </p:notesMasterIdLst>
   <p:sldIdLst>
     <p:sldId id="256" r:id="rId2"/>
@@ -21,33 +21,35 @@
     <p:sldId id="270" r:id="rId12"/>
     <p:sldId id="271" r:id="rId13"/>
     <p:sldId id="272" r:id="rId14"/>
-    <p:sldId id="298" r:id="rId15"/>
-    <p:sldId id="260" r:id="rId16"/>
-    <p:sldId id="261" r:id="rId17"/>
-    <p:sldId id="262" r:id="rId18"/>
-    <p:sldId id="273" r:id="rId19"/>
-    <p:sldId id="274" r:id="rId20"/>
-    <p:sldId id="275" r:id="rId21"/>
-    <p:sldId id="263" r:id="rId22"/>
-    <p:sldId id="276" r:id="rId23"/>
-    <p:sldId id="293" r:id="rId24"/>
-    <p:sldId id="277" r:id="rId25"/>
-    <p:sldId id="294" r:id="rId26"/>
-    <p:sldId id="297" r:id="rId27"/>
-    <p:sldId id="295" r:id="rId28"/>
-    <p:sldId id="296" r:id="rId29"/>
-    <p:sldId id="291" r:id="rId30"/>
-    <p:sldId id="278" r:id="rId31"/>
-    <p:sldId id="264" r:id="rId32"/>
-    <p:sldId id="280" r:id="rId33"/>
-    <p:sldId id="281" r:id="rId34"/>
-    <p:sldId id="282" r:id="rId35"/>
-    <p:sldId id="283" r:id="rId36"/>
-    <p:sldId id="284" r:id="rId37"/>
-    <p:sldId id="285" r:id="rId38"/>
-    <p:sldId id="267" r:id="rId39"/>
-    <p:sldId id="268" r:id="rId40"/>
-    <p:sldId id="269" r:id="rId41"/>
+    <p:sldId id="300" r:id="rId15"/>
+    <p:sldId id="301" r:id="rId16"/>
+    <p:sldId id="298" r:id="rId17"/>
+    <p:sldId id="260" r:id="rId18"/>
+    <p:sldId id="261" r:id="rId19"/>
+    <p:sldId id="262" r:id="rId20"/>
+    <p:sldId id="273" r:id="rId21"/>
+    <p:sldId id="274" r:id="rId22"/>
+    <p:sldId id="275" r:id="rId23"/>
+    <p:sldId id="263" r:id="rId24"/>
+    <p:sldId id="276" r:id="rId25"/>
+    <p:sldId id="293" r:id="rId26"/>
+    <p:sldId id="277" r:id="rId27"/>
+    <p:sldId id="294" r:id="rId28"/>
+    <p:sldId id="297" r:id="rId29"/>
+    <p:sldId id="295" r:id="rId30"/>
+    <p:sldId id="296" r:id="rId31"/>
+    <p:sldId id="291" r:id="rId32"/>
+    <p:sldId id="278" r:id="rId33"/>
+    <p:sldId id="264" r:id="rId34"/>
+    <p:sldId id="280" r:id="rId35"/>
+    <p:sldId id="281" r:id="rId36"/>
+    <p:sldId id="282" r:id="rId37"/>
+    <p:sldId id="283" r:id="rId38"/>
+    <p:sldId id="284" r:id="rId39"/>
+    <p:sldId id="285" r:id="rId40"/>
+    <p:sldId id="267" r:id="rId41"/>
+    <p:sldId id="268" r:id="rId42"/>
+    <p:sldId id="269" r:id="rId43"/>
   </p:sldIdLst>
   <p:sldSz cx="9144000" cy="6858000" type="screen4x3"/>
   <p:notesSz cx="6858000" cy="9144000"/>
@@ -198,7 +200,7 @@
             </a:lvl1pPr>
           </a:lstStyle>
           <a:p>
-            <a:endParaRPr lang="en-US"/>
+            <a:endParaRPr lang="en-US" dirty="0"/>
           </a:p>
         </p:txBody>
       </p:sp>
@@ -232,9 +234,9 @@
             <a:fld id="{2DB3A570-3473-4B51-9859-38FBE4FB2A3F}" type="datetimeFigureOut">
               <a:rPr lang="en-US" smtClean="0"/>
               <a:pPr/>
-              <a:t>4/29/2010</a:t>
+              <a:t>4/30/2010</a:t>
             </a:fld>
-            <a:endParaRPr lang="en-US"/>
+            <a:endParaRPr lang="en-US" dirty="0"/>
           </a:p>
         </p:txBody>
       </p:sp>
@@ -267,7 +269,7 @@
           <a:bodyPr vert="horz" lIns="91440" tIns="45720" rIns="91440" bIns="45720" rtlCol="0" anchor="ctr"/>
           <a:lstStyle/>
           <a:p>
-            <a:endParaRPr lang="en-US"/>
+            <a:endParaRPr lang="en-US" dirty="0"/>
           </a:p>
         </p:txBody>
       </p:sp>
@@ -360,7 +362,7 @@
             </a:lvl1pPr>
           </a:lstStyle>
           <a:p>
-            <a:endParaRPr lang="en-US"/>
+            <a:endParaRPr lang="en-US" dirty="0"/>
           </a:p>
         </p:txBody>
       </p:sp>
@@ -396,7 +398,7 @@
               <a:pPr/>
               <a:t>‹#›</a:t>
             </a:fld>
-            <a:endParaRPr lang="en-US"/>
+            <a:endParaRPr lang="en-US" dirty="0"/>
           </a:p>
         </p:txBody>
       </p:sp>
@@ -563,7 +565,7 @@
           </a:lstStyle>
           <a:p>
             <a:pPr algn="ctr" eaLnBrk="1" latinLnBrk="0" hangingPunct="1"/>
-            <a:endParaRPr kumimoji="0" lang="en-US"/>
+            <a:endParaRPr kumimoji="0" lang="en-US" dirty="0"/>
           </a:p>
         </p:txBody>
       </p:sp>
@@ -747,9 +749,9 @@
             <a:fld id="{10D76176-46D7-45B7-BEC6-0CAB5BAF04B8}" type="datetime1">
               <a:rPr lang="en-US" smtClean="0"/>
               <a:pPr/>
-              <a:t>4/29/2010</a:t>
+              <a:t>4/30/2010</a:t>
             </a:fld>
-            <a:endParaRPr lang="en-US"/>
+            <a:endParaRPr lang="en-US" dirty="0"/>
           </a:p>
         </p:txBody>
       </p:sp>
@@ -768,7 +770,7 @@
           <a:bodyPr/>
           <a:lstStyle/>
           <a:p>
-            <a:endParaRPr lang="en-US"/>
+            <a:endParaRPr lang="en-US" dirty="0"/>
           </a:p>
         </p:txBody>
       </p:sp>
@@ -792,7 +794,7 @@
               <a:pPr/>
               <a:t>‹#›</a:t>
             </a:fld>
-            <a:endParaRPr lang="en-US"/>
+            <a:endParaRPr lang="en-US" dirty="0"/>
           </a:p>
         </p:txBody>
       </p:sp>
@@ -846,7 +848,7 @@
           </a:lstStyle>
           <a:p>
             <a:pPr algn="ctr" eaLnBrk="1" latinLnBrk="0" hangingPunct="1"/>
-            <a:endParaRPr kumimoji="0" lang="en-US"/>
+            <a:endParaRPr kumimoji="0" lang="en-US" dirty="0"/>
           </a:p>
         </p:txBody>
       </p:sp>
@@ -972,9 +974,9 @@
             <a:fld id="{2ACA5E9D-9FFA-4FE5-8D48-AD97EAE540F6}" type="datetime1">
               <a:rPr lang="en-US" smtClean="0"/>
               <a:pPr/>
-              <a:t>4/29/2010</a:t>
+              <a:t>4/30/2010</a:t>
             </a:fld>
-            <a:endParaRPr lang="en-US"/>
+            <a:endParaRPr lang="en-US" dirty="0"/>
           </a:p>
         </p:txBody>
       </p:sp>
@@ -993,7 +995,7 @@
           <a:bodyPr/>
           <a:lstStyle/>
           <a:p>
-            <a:endParaRPr lang="en-US"/>
+            <a:endParaRPr lang="en-US" dirty="0"/>
           </a:p>
         </p:txBody>
       </p:sp>
@@ -1017,7 +1019,7 @@
               <a:pPr/>
               <a:t>‹#›</a:t>
             </a:fld>
-            <a:endParaRPr lang="en-US"/>
+            <a:endParaRPr lang="en-US" dirty="0"/>
           </a:p>
         </p:txBody>
       </p:sp>
@@ -1096,7 +1098,7 @@
           </a:lstStyle>
           <a:p>
             <a:pPr algn="ctr" eaLnBrk="1" latinLnBrk="0" hangingPunct="1"/>
-            <a:endParaRPr kumimoji="0" lang="en-US"/>
+            <a:endParaRPr kumimoji="0" lang="en-US" dirty="0"/>
           </a:p>
         </p:txBody>
       </p:sp>
@@ -1143,7 +1145,7 @@
           </a:lstStyle>
           <a:p>
             <a:pPr algn="ctr" eaLnBrk="1" latinLnBrk="0" hangingPunct="1"/>
-            <a:endParaRPr kumimoji="0" lang="en-US"/>
+            <a:endParaRPr kumimoji="0" lang="en-US" dirty="0"/>
           </a:p>
         </p:txBody>
       </p:sp>
@@ -1254,9 +1256,9 @@
             <a:fld id="{A97A97D5-15F8-466A-ABDA-DF49D1BB6FB5}" type="datetime1">
               <a:rPr lang="en-US" smtClean="0"/>
               <a:pPr/>
-              <a:t>4/29/2010</a:t>
+              <a:t>4/30/2010</a:t>
             </a:fld>
-            <a:endParaRPr lang="en-US"/>
+            <a:endParaRPr lang="en-US" dirty="0"/>
           </a:p>
         </p:txBody>
       </p:sp>
@@ -1280,7 +1282,7 @@
           <a:bodyPr/>
           <a:lstStyle/>
           <a:p>
-            <a:endParaRPr lang="en-US"/>
+            <a:endParaRPr lang="en-US" dirty="0"/>
           </a:p>
         </p:txBody>
       </p:sp>
@@ -1304,7 +1306,7 @@
               <a:pPr/>
               <a:t>‹#›</a:t>
             </a:fld>
-            <a:endParaRPr lang="en-US"/>
+            <a:endParaRPr lang="en-US" dirty="0"/>
           </a:p>
         </p:txBody>
       </p:sp>
@@ -1435,9 +1437,9 @@
             <a:fld id="{A516281F-2FAF-4B50-BB04-FE7E9D79FCFE}" type="datetime1">
               <a:rPr lang="en-US" smtClean="0"/>
               <a:pPr/>
-              <a:t>4/29/2010</a:t>
+              <a:t>4/30/2010</a:t>
             </a:fld>
-            <a:endParaRPr lang="en-US"/>
+            <a:endParaRPr lang="en-US" dirty="0"/>
           </a:p>
         </p:txBody>
       </p:sp>
@@ -1456,7 +1458,7 @@
           <a:bodyPr/>
           <a:lstStyle/>
           <a:p>
-            <a:endParaRPr lang="en-US"/>
+            <a:endParaRPr lang="en-US" dirty="0"/>
           </a:p>
         </p:txBody>
       </p:sp>
@@ -1480,7 +1482,7 @@
               <a:pPr/>
               <a:t>‹#›</a:t>
             </a:fld>
-            <a:endParaRPr lang="en-US"/>
+            <a:endParaRPr lang="en-US" dirty="0"/>
           </a:p>
         </p:txBody>
       </p:sp>
@@ -1557,7 +1559,7 @@
           </a:lstStyle>
           <a:p>
             <a:pPr algn="ctr" eaLnBrk="1" latinLnBrk="0" hangingPunct="1"/>
-            <a:endParaRPr kumimoji="0" lang="en-US"/>
+            <a:endParaRPr kumimoji="0" lang="en-US" dirty="0"/>
           </a:p>
         </p:txBody>
       </p:sp>
@@ -1611,7 +1613,7 @@
           </a:lstStyle>
           <a:p>
             <a:pPr algn="ctr" eaLnBrk="1" latinLnBrk="0" hangingPunct="1"/>
-            <a:endParaRPr kumimoji="0" lang="en-US"/>
+            <a:endParaRPr kumimoji="0" lang="en-US" dirty="0"/>
           </a:p>
         </p:txBody>
       </p:sp>
@@ -1795,9 +1797,9 @@
             <a:fld id="{2E9CB2DA-F545-4604-A0C7-5A323DB8BBA1}" type="datetime1">
               <a:rPr lang="en-US" smtClean="0"/>
               <a:pPr/>
-              <a:t>4/29/2010</a:t>
+              <a:t>4/30/2010</a:t>
             </a:fld>
-            <a:endParaRPr lang="en-US"/>
+            <a:endParaRPr lang="en-US" dirty="0"/>
           </a:p>
         </p:txBody>
       </p:sp>
@@ -1816,7 +1818,7 @@
           <a:bodyPr/>
           <a:lstStyle/>
           <a:p>
-            <a:endParaRPr lang="en-US"/>
+            <a:endParaRPr lang="en-US" dirty="0"/>
           </a:p>
         </p:txBody>
       </p:sp>
@@ -1840,7 +1842,7 @@
               <a:pPr/>
               <a:t>‹#›</a:t>
             </a:fld>
-            <a:endParaRPr lang="en-US"/>
+            <a:endParaRPr lang="en-US" dirty="0"/>
           </a:p>
         </p:txBody>
       </p:sp>
@@ -2084,9 +2086,9 @@
             <a:fld id="{32D3AAE4-58A9-4829-84ED-BAB6B9C4B1BD}" type="datetime1">
               <a:rPr lang="en-US" smtClean="0"/>
               <a:pPr/>
-              <a:t>4/29/2010</a:t>
+              <a:t>4/30/2010</a:t>
             </a:fld>
-            <a:endParaRPr lang="en-US"/>
+            <a:endParaRPr lang="en-US" dirty="0"/>
           </a:p>
         </p:txBody>
       </p:sp>
@@ -2105,7 +2107,7 @@
           <a:bodyPr/>
           <a:lstStyle/>
           <a:p>
-            <a:endParaRPr lang="en-US"/>
+            <a:endParaRPr lang="en-US" dirty="0"/>
           </a:p>
         </p:txBody>
       </p:sp>
@@ -2129,7 +2131,7 @@
               <a:pPr/>
               <a:t>‹#›</a:t>
             </a:fld>
-            <a:endParaRPr lang="en-US"/>
+            <a:endParaRPr lang="en-US" dirty="0"/>
           </a:p>
         </p:txBody>
       </p:sp>
@@ -2508,9 +2510,9 @@
             <a:fld id="{F1F62B83-C1F9-4900-BD8E-DCF5FCA3C455}" type="datetime1">
               <a:rPr lang="en-US" smtClean="0"/>
               <a:pPr/>
-              <a:t>4/29/2010</a:t>
+              <a:t>4/30/2010</a:t>
             </a:fld>
-            <a:endParaRPr lang="en-US"/>
+            <a:endParaRPr lang="en-US" dirty="0"/>
           </a:p>
         </p:txBody>
       </p:sp>
@@ -2529,7 +2531,7 @@
           <a:bodyPr/>
           <a:lstStyle/>
           <a:p>
-            <a:endParaRPr lang="en-US"/>
+            <a:endParaRPr lang="en-US" dirty="0"/>
           </a:p>
         </p:txBody>
       </p:sp>
@@ -2553,7 +2555,7 @@
               <a:pPr/>
               <a:t>‹#›</a:t>
             </a:fld>
-            <a:endParaRPr lang="en-US"/>
+            <a:endParaRPr lang="en-US" dirty="0"/>
           </a:p>
         </p:txBody>
       </p:sp>
@@ -2625,9 +2627,9 @@
             <a:fld id="{D67003CF-0740-4329-915B-45FAAE4561B5}" type="datetime1">
               <a:rPr lang="en-US" smtClean="0"/>
               <a:pPr/>
-              <a:t>4/29/2010</a:t>
+              <a:t>4/30/2010</a:t>
             </a:fld>
-            <a:endParaRPr lang="en-US"/>
+            <a:endParaRPr lang="en-US" dirty="0"/>
           </a:p>
         </p:txBody>
       </p:sp>
@@ -2646,7 +2648,7 @@
           <a:bodyPr/>
           <a:lstStyle/>
           <a:p>
-            <a:endParaRPr lang="en-US"/>
+            <a:endParaRPr lang="en-US" dirty="0"/>
           </a:p>
         </p:txBody>
       </p:sp>
@@ -2670,7 +2672,7 @@
               <a:pPr/>
               <a:t>‹#›</a:t>
             </a:fld>
-            <a:endParaRPr lang="en-US"/>
+            <a:endParaRPr lang="en-US" dirty="0"/>
           </a:p>
         </p:txBody>
       </p:sp>
@@ -2717,9 +2719,9 @@
             <a:fld id="{316BD30F-E255-42E4-A430-2D1BA87B0CA1}" type="datetime1">
               <a:rPr lang="en-US" smtClean="0"/>
               <a:pPr/>
-              <a:t>4/29/2010</a:t>
+              <a:t>4/30/2010</a:t>
             </a:fld>
-            <a:endParaRPr lang="en-US"/>
+            <a:endParaRPr lang="en-US" dirty="0"/>
           </a:p>
         </p:txBody>
       </p:sp>
@@ -2738,7 +2740,7 @@
           <a:bodyPr/>
           <a:lstStyle/>
           <a:p>
-            <a:endParaRPr lang="en-US"/>
+            <a:endParaRPr lang="en-US" dirty="0"/>
           </a:p>
         </p:txBody>
       </p:sp>
@@ -2762,7 +2764,7 @@
               <a:pPr/>
               <a:t>‹#›</a:t>
             </a:fld>
-            <a:endParaRPr lang="en-US"/>
+            <a:endParaRPr lang="en-US" dirty="0"/>
           </a:p>
         </p:txBody>
       </p:sp>
@@ -2997,9 +2999,9 @@
             <a:fld id="{DF955EC1-8AC4-4897-A39C-5C74CF1158C4}" type="datetime1">
               <a:rPr lang="en-US" smtClean="0"/>
               <a:pPr/>
-              <a:t>4/29/2010</a:t>
+              <a:t>4/30/2010</a:t>
             </a:fld>
-            <a:endParaRPr lang="en-US"/>
+            <a:endParaRPr lang="en-US" dirty="0"/>
           </a:p>
         </p:txBody>
       </p:sp>
@@ -3018,7 +3020,7 @@
           <a:bodyPr/>
           <a:lstStyle/>
           <a:p>
-            <a:endParaRPr lang="en-US"/>
+            <a:endParaRPr lang="en-US" dirty="0"/>
           </a:p>
         </p:txBody>
       </p:sp>
@@ -3042,7 +3044,7 @@
               <a:pPr/>
               <a:t>‹#›</a:t>
             </a:fld>
-            <a:endParaRPr lang="en-US"/>
+            <a:endParaRPr lang="en-US" dirty="0"/>
           </a:p>
         </p:txBody>
       </p:sp>
@@ -3089,7 +3091,7 @@
           </a:lstStyle>
           <a:p>
             <a:pPr algn="ctr" eaLnBrk="1" latinLnBrk="0" hangingPunct="1"/>
-            <a:endParaRPr kumimoji="0" lang="en-US"/>
+            <a:endParaRPr kumimoji="0" lang="en-US" dirty="0"/>
           </a:p>
         </p:txBody>
       </p:sp>
@@ -3136,7 +3138,7 @@
           </a:lstStyle>
           <a:p>
             <a:pPr algn="ctr" eaLnBrk="1" latinLnBrk="0" hangingPunct="1"/>
-            <a:endParaRPr kumimoji="0" lang="en-US"/>
+            <a:endParaRPr kumimoji="0" lang="en-US" dirty="0"/>
           </a:p>
         </p:txBody>
       </p:sp>
@@ -3269,7 +3271,7 @@
           </a:lstStyle>
           <a:p>
             <a:r>
-              <a:rPr kumimoji="0" lang="en-US" smtClean="0"/>
+              <a:rPr kumimoji="0" lang="en-US" dirty="0" smtClean="0"/>
               <a:t>Click icon to add picture</a:t>
             </a:r>
             <a:endParaRPr kumimoji="0" lang="en-US" dirty="0"/>
@@ -3365,9 +3367,9 @@
             <a:fld id="{C69A9847-EB5B-42B5-A3CA-E519FF22C27F}" type="datetime1">
               <a:rPr lang="en-US" smtClean="0"/>
               <a:pPr/>
-              <a:t>4/29/2010</a:t>
+              <a:t>4/30/2010</a:t>
             </a:fld>
-            <a:endParaRPr lang="en-US"/>
+            <a:endParaRPr lang="en-US" dirty="0"/>
           </a:p>
         </p:txBody>
       </p:sp>
@@ -3414,7 +3416,7 @@
           </a:lstStyle>
           <a:p>
             <a:pPr algn="ctr" eaLnBrk="1" latinLnBrk="0" hangingPunct="1"/>
-            <a:endParaRPr kumimoji="0" lang="en-US"/>
+            <a:endParaRPr kumimoji="0" lang="en-US" dirty="0"/>
           </a:p>
         </p:txBody>
       </p:sp>
@@ -3461,7 +3463,7 @@
           </a:lstStyle>
           <a:p>
             <a:pPr algn="ctr" eaLnBrk="1" latinLnBrk="0" hangingPunct="1"/>
-            <a:endParaRPr kumimoji="0" lang="en-US"/>
+            <a:endParaRPr kumimoji="0" lang="en-US" dirty="0"/>
           </a:p>
         </p:txBody>
       </p:sp>
@@ -3495,7 +3497,7 @@
             </a:lvl1pPr>
           </a:lstStyle>
           <a:p>
-            <a:endParaRPr lang="en-US"/>
+            <a:endParaRPr lang="en-US" dirty="0"/>
           </a:p>
         </p:txBody>
       </p:sp>
@@ -3524,7 +3526,7 @@
               <a:pPr/>
               <a:t>‹#›</a:t>
             </a:fld>
-            <a:endParaRPr lang="en-US"/>
+            <a:endParaRPr lang="en-US" dirty="0"/>
           </a:p>
         </p:txBody>
       </p:sp>
@@ -3608,7 +3610,7 @@
           </a:lstStyle>
           <a:p>
             <a:pPr algn="ctr" eaLnBrk="1" latinLnBrk="0" hangingPunct="1"/>
-            <a:endParaRPr kumimoji="0" lang="en-US"/>
+            <a:endParaRPr kumimoji="0" lang="en-US" dirty="0"/>
           </a:p>
         </p:txBody>
       </p:sp>
@@ -3655,7 +3657,7 @@
           </a:lstStyle>
           <a:p>
             <a:pPr algn="ctr" eaLnBrk="1" latinLnBrk="0" hangingPunct="1"/>
-            <a:endParaRPr kumimoji="0" lang="en-US"/>
+            <a:endParaRPr kumimoji="0" lang="en-US" dirty="0"/>
           </a:p>
         </p:txBody>
       </p:sp>
@@ -3804,9 +3806,9 @@
             <a:fld id="{BB02A790-4BD0-4AB4-95D4-38BF854DB16E}" type="datetime1">
               <a:rPr lang="en-US" smtClean="0"/>
               <a:pPr/>
-              <a:t>4/29/2010</a:t>
+              <a:t>4/30/2010</a:t>
             </a:fld>
-            <a:endParaRPr lang="en-US"/>
+            <a:endParaRPr lang="en-US" dirty="0"/>
           </a:p>
         </p:txBody>
       </p:sp>
@@ -3844,7 +3846,7 @@
             <a:extLst/>
           </a:lstStyle>
           <a:p>
-            <a:endParaRPr lang="en-US"/>
+            <a:endParaRPr lang="en-US" dirty="0"/>
           </a:p>
         </p:txBody>
       </p:sp>
@@ -3887,7 +3889,7 @@
               <a:pPr/>
               <a:t>‹#›</a:t>
             </a:fld>
-            <a:endParaRPr lang="en-US"/>
+            <a:endParaRPr lang="en-US" dirty="0"/>
           </a:p>
         </p:txBody>
       </p:sp>
@@ -4270,13 +4272,8 @@
           <a:p>
             <a:r>
               <a:rPr lang="en-US" dirty="0" smtClean="0"/>
-              <a:t>Obi </a:t>
+              <a:t>Obi Atueyi</a:t>
             </a:r>
-            <a:r>
-              <a:rPr lang="en-US" dirty="0" err="1" smtClean="0"/>
-              <a:t>Atueyi</a:t>
-            </a:r>
-            <a:endParaRPr lang="en-US" dirty="0" smtClean="0"/>
           </a:p>
           <a:p>
             <a:r>
@@ -4287,11 +4284,7 @@
           <a:p>
             <a:r>
               <a:rPr lang="en-US" dirty="0" smtClean="0"/>
-              <a:t>Ye </a:t>
-            </a:r>
-            <a:r>
-              <a:rPr lang="en-US" dirty="0" err="1" smtClean="0"/>
-              <a:t>Tian</a:t>
+              <a:t>Ye Tian</a:t>
             </a:r>
             <a:endParaRPr lang="en-US" dirty="0"/>
           </a:p>
@@ -4317,7 +4310,7 @@
               <a:pPr/>
               <a:t>1</a:t>
             </a:fld>
-            <a:endParaRPr lang="en-US"/>
+            <a:endParaRPr lang="en-US" dirty="0"/>
           </a:p>
         </p:txBody>
       </p:sp>
@@ -4541,26 +4534,66 @@
           <a:p>
             <a:r>
               <a:rPr lang="en-US" dirty="0" smtClean="0"/>
-              <a:t>What it is</a:t>
+              <a:t>What it is.</a:t>
+            </a:r>
+          </a:p>
+          <a:p>
+            <a:pPr lvl="1"/>
+            <a:r>
+              <a:rPr lang="en-US" dirty="0" smtClean="0"/>
+              <a:t>Purpose and overview.</a:t>
+            </a:r>
+          </a:p>
+          <a:p>
+            <a:r>
+              <a:rPr lang="en-US" dirty="0" smtClean="0"/>
+              <a:t>What it does.</a:t>
+            </a:r>
+          </a:p>
+          <a:p>
+            <a:pPr lvl="1"/>
+            <a:r>
+              <a:rPr lang="en-US" dirty="0" smtClean="0"/>
+              <a:t>Key functionality.</a:t>
+            </a:r>
+          </a:p>
+          <a:p>
+            <a:r>
+              <a:rPr lang="en-US" dirty="0" smtClean="0"/>
+              <a:t>How it is implemented.</a:t>
+            </a:r>
+            <a:endParaRPr lang="en-US" dirty="0"/>
+          </a:p>
+          <a:p>
+            <a:pPr lvl="1"/>
+            <a:r>
+              <a:rPr lang="en-US" dirty="0" smtClean="0"/>
+              <a:t>Tools &amp; </a:t>
+            </a:r>
+            <a:r>
+              <a:rPr lang="en-US" dirty="0" smtClean="0"/>
+              <a:t>Architecture.</a:t>
+            </a:r>
+            <a:endParaRPr lang="en-US" dirty="0" smtClean="0"/>
+          </a:p>
+          <a:p>
+            <a:pPr lvl="1"/>
+            <a:r>
+              <a:rPr lang="en-US" dirty="0" smtClean="0"/>
+              <a:t>Challenges</a:t>
             </a:r>
             <a:r>
               <a:rPr lang="en-US" dirty="0" smtClean="0"/>
               <a:t>.</a:t>
             </a:r>
-            <a:endParaRPr lang="en-US" dirty="0" smtClean="0"/>
-          </a:p>
-          <a:p>
+          </a:p>
+          <a:p>
+            <a:pPr lvl="1"/>
             <a:r>
               <a:rPr lang="en-US" dirty="0" smtClean="0"/>
-              <a:t>What it does.</a:t>
+              <a:t>Unit Test &amp; Verification.</a:t>
             </a:r>
-          </a:p>
-          <a:p>
-            <a:r>
-              <a:rPr lang="en-US" dirty="0" smtClean="0"/>
-              <a:t>How it works.</a:t>
-            </a:r>
-            <a:endParaRPr lang="en-US" dirty="0"/>
+            <a:endParaRPr lang="en-US" dirty="0" smtClean="0"/>
           </a:p>
         </p:txBody>
       </p:sp>
@@ -4584,7 +4617,7 @@
               <a:pPr/>
               <a:t>10</a:t>
             </a:fld>
-            <a:endParaRPr lang="en-US"/>
+            <a:endParaRPr lang="en-US" dirty="0"/>
           </a:p>
         </p:txBody>
       </p:sp>
@@ -4612,6 +4645,167 @@
           </a:prstGeom>
         </p:spPr>
       </p:pic>
+      <p:grpSp>
+        <p:nvGrpSpPr>
+          <p:cNvPr id="10" name="Group 9"/>
+          <p:cNvGrpSpPr/>
+          <p:nvPr/>
+        </p:nvGrpSpPr>
+        <p:grpSpPr>
+          <a:xfrm>
+            <a:off x="5867400" y="2362200"/>
+            <a:ext cx="2133600" cy="2057400"/>
+            <a:chOff x="5943600" y="1905000"/>
+            <a:chExt cx="2133600" cy="2057400"/>
+          </a:xfrm>
+        </p:grpSpPr>
+        <p:pic>
+          <p:nvPicPr>
+            <p:cNvPr id="1026" name="Picture 2" descr="C:\Users\Copper\Desktop\wizard.jpg"/>
+            <p:cNvPicPr>
+              <a:picLocks noChangeAspect="1" noChangeArrowheads="1"/>
+            </p:cNvPicPr>
+            <p:nvPr/>
+          </p:nvPicPr>
+          <p:blipFill>
+            <a:blip r:embed="rId3" cstate="print"/>
+            <a:srcRect/>
+            <a:stretch>
+              <a:fillRect/>
+            </a:stretch>
+          </p:blipFill>
+          <p:spPr bwMode="auto">
+            <a:xfrm>
+              <a:off x="7315200" y="1905000"/>
+              <a:ext cx="571500" cy="1143000"/>
+            </a:xfrm>
+            <a:prstGeom prst="rect">
+              <a:avLst/>
+            </a:prstGeom>
+            <a:noFill/>
+          </p:spPr>
+        </p:pic>
+        <p:sp>
+          <p:nvSpPr>
+            <p:cNvPr id="7" name="Rectangle 6"/>
+            <p:cNvSpPr/>
+            <p:nvPr/>
+          </p:nvSpPr>
+          <p:spPr>
+            <a:xfrm>
+              <a:off x="5943600" y="2514600"/>
+              <a:ext cx="990600" cy="609600"/>
+            </a:xfrm>
+            <a:prstGeom prst="rect">
+              <a:avLst/>
+            </a:prstGeom>
+          </p:spPr>
+          <p:style>
+            <a:lnRef idx="2">
+              <a:schemeClr val="accent6">
+                <a:shade val="50000"/>
+              </a:schemeClr>
+            </a:lnRef>
+            <a:fillRef idx="1">
+              <a:schemeClr val="accent6"/>
+            </a:fillRef>
+            <a:effectRef idx="0">
+              <a:schemeClr val="accent6"/>
+            </a:effectRef>
+            <a:fontRef idx="minor">
+              <a:schemeClr val="lt1"/>
+            </a:fontRef>
+          </p:style>
+          <p:txBody>
+            <a:bodyPr rtlCol="0" anchor="ctr"/>
+            <a:lstStyle/>
+            <a:p>
+              <a:pPr algn="ctr"/>
+              <a:endParaRPr lang="en-US" dirty="0"/>
+            </a:p>
+          </p:txBody>
+        </p:sp>
+        <p:sp>
+          <p:nvSpPr>
+            <p:cNvPr id="8" name="Rectangle 7"/>
+            <p:cNvSpPr/>
+            <p:nvPr/>
+          </p:nvSpPr>
+          <p:spPr>
+            <a:xfrm>
+              <a:off x="7086600" y="3352800"/>
+              <a:ext cx="990600" cy="609600"/>
+            </a:xfrm>
+            <a:prstGeom prst="rect">
+              <a:avLst/>
+            </a:prstGeom>
+          </p:spPr>
+          <p:style>
+            <a:lnRef idx="2">
+              <a:schemeClr val="accent1">
+                <a:shade val="50000"/>
+              </a:schemeClr>
+            </a:lnRef>
+            <a:fillRef idx="1">
+              <a:schemeClr val="accent1"/>
+            </a:fillRef>
+            <a:effectRef idx="0">
+              <a:schemeClr val="accent1"/>
+            </a:effectRef>
+            <a:fontRef idx="minor">
+              <a:schemeClr val="lt1"/>
+            </a:fontRef>
+          </p:style>
+          <p:txBody>
+            <a:bodyPr rtlCol="0" anchor="ctr"/>
+            <a:lstStyle/>
+            <a:p>
+              <a:pPr algn="ctr"/>
+              <a:endParaRPr lang="en-US" dirty="0"/>
+            </a:p>
+          </p:txBody>
+        </p:sp>
+        <p:sp>
+          <p:nvSpPr>
+            <p:cNvPr id="9" name="Left Arrow 8"/>
+            <p:cNvSpPr/>
+            <p:nvPr/>
+          </p:nvSpPr>
+          <p:spPr>
+            <a:xfrm>
+              <a:off x="6629400" y="2667000"/>
+              <a:ext cx="533400" cy="228600"/>
+            </a:xfrm>
+            <a:prstGeom prst="leftArrow">
+              <a:avLst/>
+            </a:prstGeom>
+          </p:spPr>
+          <p:style>
+            <a:lnRef idx="2">
+              <a:schemeClr val="accent1">
+                <a:shade val="50000"/>
+              </a:schemeClr>
+            </a:lnRef>
+            <a:fillRef idx="1">
+              <a:schemeClr val="accent1"/>
+            </a:fillRef>
+            <a:effectRef idx="0">
+              <a:schemeClr val="accent1"/>
+            </a:effectRef>
+            <a:fontRef idx="minor">
+              <a:schemeClr val="lt1"/>
+            </a:fontRef>
+          </p:style>
+          <p:txBody>
+            <a:bodyPr rtlCol="0" anchor="ctr"/>
+            <a:lstStyle/>
+            <a:p>
+              <a:pPr algn="ctr"/>
+              <a:endParaRPr lang="en-US" dirty="0"/>
+            </a:p>
+          </p:txBody>
+        </p:sp>
+      </p:grpSp>
     </p:spTree>
   </p:cSld>
   <p:clrMapOvr>
@@ -4657,7 +4851,7 @@
         <p:spPr/>
         <p:txBody>
           <a:bodyPr>
-            <a:normAutofit fontScale="90000"/>
+            <a:normAutofit/>
           </a:bodyPr>
           <a:lstStyle/>
           <a:p>
@@ -4669,10 +4863,9 @@
               <a:rPr lang="en-US" dirty="0" smtClean="0"/>
             </a:br>
             <a:r>
-              <a:rPr lang="en-US" dirty="0" smtClean="0"/>
-              <a:t>“What it is”</a:t>
+              <a:rPr lang="en-US" sz="2200" dirty="0" smtClean="0"/>
+              <a:t>Purpose &amp; Overview (What it is)</a:t>
             </a:r>
-            <a:endParaRPr lang="en-US" dirty="0"/>
           </a:p>
         </p:txBody>
       </p:sp>
@@ -4693,25 +4886,7 @@
           <a:p>
             <a:r>
               <a:rPr lang="en-US" dirty="0" smtClean="0"/>
-              <a:t>Region of the main dialog containing the two-dimensional graphics for the game itself.</a:t>
-            </a:r>
-          </a:p>
-          <a:p>
-            <a:r>
-              <a:rPr lang="en-US" dirty="0" smtClean="0"/>
-              <a:t>Background consists of a static image representing the battle environment.</a:t>
-            </a:r>
-          </a:p>
-          <a:p>
-            <a:r>
-              <a:rPr lang="en-US" dirty="0" smtClean="0"/>
-              <a:t>Top portion (generally the sky) serves as a header region for displaying information.</a:t>
-            </a:r>
-          </a:p>
-          <a:p>
-            <a:r>
-              <a:rPr lang="en-US" dirty="0" smtClean="0"/>
-              <a:t>Lower region contains the game grid with units and objects in play.</a:t>
+              <a:t>The 2D Graphics &amp; Sound Effects!</a:t>
             </a:r>
           </a:p>
           <a:p>
@@ -4739,7 +4914,7 @@
               <a:pPr/>
               <a:t>11</a:t>
             </a:fld>
-            <a:endParaRPr lang="en-US"/>
+            <a:endParaRPr lang="en-US" dirty="0"/>
           </a:p>
         </p:txBody>
       </p:sp>
@@ -4767,6 +4942,167 @@
           </a:prstGeom>
         </p:spPr>
       </p:pic>
+      <p:grpSp>
+        <p:nvGrpSpPr>
+          <p:cNvPr id="13" name="Group 12"/>
+          <p:cNvGrpSpPr/>
+          <p:nvPr/>
+        </p:nvGrpSpPr>
+        <p:grpSpPr>
+          <a:xfrm>
+            <a:off x="5181600" y="3657600"/>
+            <a:ext cx="2743200" cy="2426732"/>
+            <a:chOff x="5181600" y="3657600"/>
+            <a:chExt cx="2743200" cy="2426732"/>
+          </a:xfrm>
+        </p:grpSpPr>
+        <p:pic>
+          <p:nvPicPr>
+            <p:cNvPr id="2051" name="Picture 3"/>
+            <p:cNvPicPr>
+              <a:picLocks noChangeAspect="1" noChangeArrowheads="1"/>
+            </p:cNvPicPr>
+            <p:nvPr/>
+          </p:nvPicPr>
+          <p:blipFill>
+            <a:blip r:embed="rId3" cstate="print"/>
+            <a:srcRect/>
+            <a:stretch>
+              <a:fillRect/>
+            </a:stretch>
+          </p:blipFill>
+          <p:spPr bwMode="auto">
+            <a:xfrm>
+              <a:off x="5181600" y="3657600"/>
+              <a:ext cx="2681287" cy="2080396"/>
+            </a:xfrm>
+            <a:prstGeom prst="rect">
+              <a:avLst/>
+            </a:prstGeom>
+            <a:noFill/>
+            <a:ln w="25400">
+              <a:solidFill>
+                <a:schemeClr val="accent1"/>
+              </a:solidFill>
+              <a:miter lim="800000"/>
+              <a:headEnd/>
+              <a:tailEnd/>
+            </a:ln>
+          </p:spPr>
+        </p:pic>
+        <p:sp>
+          <p:nvSpPr>
+            <p:cNvPr id="8" name="TextBox 7"/>
+            <p:cNvSpPr txBox="1"/>
+            <p:nvPr/>
+          </p:nvSpPr>
+          <p:spPr>
+            <a:xfrm>
+              <a:off x="6629400" y="5715000"/>
+              <a:ext cx="1295400" cy="369332"/>
+            </a:xfrm>
+            <a:prstGeom prst="rect">
+              <a:avLst/>
+            </a:prstGeom>
+            <a:noFill/>
+            <a:ln w="25400">
+              <a:noFill/>
+            </a:ln>
+          </p:spPr>
+          <p:txBody>
+            <a:bodyPr wrap="square" rtlCol="0">
+              <a:spAutoFit/>
+            </a:bodyPr>
+            <a:lstStyle/>
+            <a:p>
+              <a:r>
+                <a:rPr lang="en-US" dirty="0" smtClean="0"/>
+                <a:t>Pong - 1972</a:t>
+              </a:r>
+              <a:endParaRPr lang="en-US" dirty="0"/>
+            </a:p>
+          </p:txBody>
+        </p:sp>
+      </p:grpSp>
+      <p:grpSp>
+        <p:nvGrpSpPr>
+          <p:cNvPr id="12" name="Group 11"/>
+          <p:cNvGrpSpPr/>
+          <p:nvPr/>
+        </p:nvGrpSpPr>
+        <p:grpSpPr>
+          <a:xfrm>
+            <a:off x="1118464" y="2819400"/>
+            <a:ext cx="2920136" cy="2502932"/>
+            <a:chOff x="990600" y="2819400"/>
+            <a:chExt cx="2920136" cy="2502932"/>
+          </a:xfrm>
+        </p:grpSpPr>
+        <p:pic>
+          <p:nvPicPr>
+            <p:cNvPr id="2050" name="Picture 2"/>
+            <p:cNvPicPr>
+              <a:picLocks noChangeAspect="1" noChangeArrowheads="1"/>
+            </p:cNvPicPr>
+            <p:nvPr/>
+          </p:nvPicPr>
+          <p:blipFill>
+            <a:blip r:embed="rId4" cstate="print"/>
+            <a:srcRect/>
+            <a:stretch>
+              <a:fillRect/>
+            </a:stretch>
+          </p:blipFill>
+          <p:spPr bwMode="auto">
+            <a:xfrm>
+              <a:off x="1143000" y="2819400"/>
+              <a:ext cx="2767736" cy="2114550"/>
+            </a:xfrm>
+            <a:prstGeom prst="rect">
+              <a:avLst/>
+            </a:prstGeom>
+            <a:noFill/>
+            <a:ln w="25400">
+              <a:solidFill>
+                <a:schemeClr val="accent1"/>
+              </a:solidFill>
+              <a:miter lim="800000"/>
+              <a:headEnd/>
+              <a:tailEnd/>
+            </a:ln>
+          </p:spPr>
+        </p:pic>
+        <p:sp>
+          <p:nvSpPr>
+            <p:cNvPr id="9" name="TextBox 8"/>
+            <p:cNvSpPr txBox="1"/>
+            <p:nvPr/>
+          </p:nvSpPr>
+          <p:spPr>
+            <a:xfrm>
+              <a:off x="990600" y="4953000"/>
+              <a:ext cx="2590800" cy="369332"/>
+            </a:xfrm>
+            <a:prstGeom prst="rect">
+              <a:avLst/>
+            </a:prstGeom>
+            <a:noFill/>
+          </p:spPr>
+          <p:txBody>
+            <a:bodyPr wrap="square" rtlCol="0">
+              <a:spAutoFit/>
+            </a:bodyPr>
+            <a:lstStyle/>
+            <a:p>
+              <a:r>
+                <a:rPr lang="en-US" dirty="0" smtClean="0"/>
+                <a:t>Super Mario Bros. - 1985</a:t>
+              </a:r>
+              <a:endParaRPr lang="en-US" dirty="0"/>
+            </a:p>
+          </p:txBody>
+        </p:sp>
+      </p:grpSp>
     </p:spTree>
   </p:cSld>
   <p:clrMapOvr>
@@ -4812,7 +5148,7 @@
         <p:spPr/>
         <p:txBody>
           <a:bodyPr>
-            <a:normAutofit fontScale="90000"/>
+            <a:normAutofit/>
           </a:bodyPr>
           <a:lstStyle/>
           <a:p>
@@ -4824,10 +5160,10 @@
               <a:rPr lang="en-US" dirty="0" smtClean="0"/>
             </a:br>
             <a:r>
-              <a:rPr lang="en-US" dirty="0" smtClean="0"/>
-              <a:t>“What it does”</a:t>
+              <a:rPr lang="en-US" sz="2200" dirty="0" smtClean="0"/>
+              <a:t>Functionality (What it does)</a:t>
             </a:r>
-            <a:endParaRPr lang="en-US" dirty="0"/>
+            <a:endParaRPr lang="en-US" sz="2200" dirty="0"/>
           </a:p>
         </p:txBody>
       </p:sp>
@@ -4851,7 +5187,7 @@
               <a:pPr/>
               <a:t>12</a:t>
             </a:fld>
-            <a:endParaRPr lang="en-US"/>
+            <a:endParaRPr lang="en-US" dirty="0"/>
           </a:p>
         </p:txBody>
       </p:sp>
@@ -4881,7 +5217,7 @@
       </p:pic>
       <p:pic>
         <p:nvPicPr>
-          <p:cNvPr id="1027" name="Picture 3"/>
+          <p:cNvPr id="3" name="Picture 3"/>
           <p:cNvPicPr>
             <a:picLocks noGrp="1" noChangeAspect="1" noChangeArrowheads="1"/>
           </p:cNvPicPr>
@@ -4898,15 +5234,17 @@
         </p:blipFill>
         <p:spPr bwMode="auto">
           <a:xfrm>
-            <a:off x="762000" y="1752600"/>
-            <a:ext cx="7543800" cy="4800599"/>
+            <a:off x="1119187" y="1976437"/>
+            <a:ext cx="6829425" cy="4352925"/>
           </a:xfrm>
           <a:prstGeom prst="rect">
             <a:avLst/>
           </a:prstGeom>
           <a:noFill/>
-          <a:ln w="9525">
-            <a:noFill/>
+          <a:ln w="25400">
+            <a:solidFill>
+              <a:schemeClr val="accent1"/>
+            </a:solidFill>
             <a:miter lim="800000"/>
             <a:headEnd/>
             <a:tailEnd/>
@@ -4958,7 +5296,7 @@
         <p:spPr/>
         <p:txBody>
           <a:bodyPr>
-            <a:normAutofit fontScale="90000"/>
+            <a:normAutofit/>
           </a:bodyPr>
           <a:lstStyle/>
           <a:p>
@@ -4970,10 +5308,14 @@
               <a:rPr lang="en-US" dirty="0" smtClean="0"/>
             </a:br>
             <a:r>
-              <a:rPr lang="en-US" dirty="0" smtClean="0"/>
-              <a:t>“What it does”</a:t>
+              <a:rPr lang="en-US" sz="2400" dirty="0" smtClean="0"/>
+              <a:t> </a:t>
             </a:r>
-            <a:endParaRPr lang="en-US" dirty="0"/>
+            <a:r>
+              <a:rPr lang="en-US" sz="2400" dirty="0" smtClean="0"/>
+              <a:t>Implementation (Tools)</a:t>
+            </a:r>
+            <a:endParaRPr lang="en-US" sz="2400" dirty="0"/>
           </a:p>
         </p:txBody>
       </p:sp>
@@ -4987,54 +5329,81 @@
             <p:ph idx="1"/>
           </p:nvPr>
         </p:nvSpPr>
-        <p:spPr/>
+        <p:spPr>
+          <a:xfrm>
+            <a:off x="152400" y="1600201"/>
+            <a:ext cx="8839200" cy="5029200"/>
+          </a:xfrm>
+        </p:spPr>
         <p:txBody>
           <a:bodyPr>
-            <a:normAutofit fontScale="85000" lnSpcReduction="10000"/>
+            <a:normAutofit/>
           </a:bodyPr>
           <a:lstStyle/>
           <a:p>
             <a:r>
               <a:rPr lang="en-US" dirty="0" smtClean="0"/>
-              <a:t>Accurately reflect the current state of the battle in progress through visual and auditory effects.</a:t>
+              <a:t>Some Possibilities</a:t>
             </a:r>
           </a:p>
           <a:p>
             <a:pPr lvl="1"/>
             <a:r>
-              <a:rPr lang="en-US" dirty="0" smtClean="0"/>
-              <a:t>Grid displays all units with their health and action points.</a:t>
+              <a:rPr lang="en-US" sz="2400" dirty="0" smtClean="0"/>
+              <a:t>Direct </a:t>
             </a:r>
+            <a:r>
+              <a:rPr lang="en-US" sz="2400" dirty="0" smtClean="0"/>
+              <a:t>image manipulation</a:t>
+            </a:r>
+            <a:endParaRPr lang="en-US" sz="2400" dirty="0" smtClean="0"/>
           </a:p>
           <a:p>
             <a:pPr lvl="1"/>
             <a:r>
-              <a:rPr lang="en-US" dirty="0" smtClean="0"/>
-              <a:t>Top region displays more detailed statistics for the current user-selected cell.</a:t>
+              <a:rPr lang="en-US" sz="2400" dirty="0" smtClean="0"/>
+              <a:t>Microsoft DirectX Technology</a:t>
             </a:r>
+            <a:endParaRPr lang="en-US" sz="2400" dirty="0" smtClean="0"/>
+          </a:p>
+          <a:p>
+            <a:pPr lvl="1"/>
+            <a:r>
+              <a:rPr lang="en-US" sz="2400" dirty="0" smtClean="0"/>
+              <a:t>OpenGL (Open Graphics Libraries)</a:t>
+            </a:r>
+          </a:p>
+          <a:p>
+            <a:pPr lvl="1"/>
+            <a:endParaRPr lang="en-US" dirty="0" smtClean="0"/>
           </a:p>
           <a:p>
             <a:r>
               <a:rPr lang="en-US" dirty="0" smtClean="0"/>
-              <a:t>Allows loading and manipulation of content by both the players and external modules.</a:t>
+              <a:t>OpenGL Selected</a:t>
             </a:r>
           </a:p>
           <a:p>
             <a:pPr lvl="1"/>
             <a:r>
-              <a:rPr lang="en-US" dirty="0" smtClean="0"/>
-              <a:t>Handles movement, attack, and defeat of individual units as requested by the game mechanics and AI.</a:t>
+              <a:rPr lang="en-US" sz="2400" dirty="0" smtClean="0"/>
+              <a:t>Cross-platform</a:t>
             </a:r>
           </a:p>
           <a:p>
             <a:pPr lvl="1"/>
             <a:r>
-              <a:rPr lang="en-US" dirty="0" smtClean="0"/>
-              <a:t>Handles interaction between the user and the game itself.  Specifically, movement, selection, and attack of individual units is supported.</a:t>
+              <a:rPr lang="en-US" sz="2400" dirty="0" smtClean="0"/>
+              <a:t>Simple Qt Integration</a:t>
             </a:r>
           </a:p>
           <a:p>
-            <a:endParaRPr lang="en-US" dirty="0"/>
+            <a:pPr lvl="1"/>
+            <a:r>
+              <a:rPr lang="en-US" sz="2400" dirty="0" smtClean="0"/>
+              <a:t>Free ($$)</a:t>
+            </a:r>
+            <a:endParaRPr lang="en-US" sz="2400" dirty="0"/>
           </a:p>
         </p:txBody>
       </p:sp>
@@ -5058,7 +5427,7 @@
               <a:pPr/>
               <a:t>13</a:t>
             </a:fld>
-            <a:endParaRPr lang="en-US"/>
+            <a:endParaRPr lang="en-US" dirty="0"/>
           </a:p>
         </p:txBody>
       </p:sp>
@@ -5080,6 +5449,30 @@
           <a:xfrm>
             <a:off x="7956253" y="0"/>
             <a:ext cx="1187747" cy="1328738"/>
+          </a:xfrm>
+          <a:prstGeom prst="rect">
+            <a:avLst/>
+          </a:prstGeom>
+        </p:spPr>
+      </p:pic>
+      <p:pic>
+        <p:nvPicPr>
+          <p:cNvPr id="11" name="Picture 10" descr="opengl.jpg"/>
+          <p:cNvPicPr>
+            <a:picLocks noChangeAspect="1"/>
+          </p:cNvPicPr>
+          <p:nvPr/>
+        </p:nvPicPr>
+        <p:blipFill>
+          <a:blip r:embed="rId3" cstate="print"/>
+          <a:stretch>
+            <a:fillRect/>
+          </a:stretch>
+        </p:blipFill>
+        <p:spPr>
+          <a:xfrm>
+            <a:off x="4724400" y="4191000"/>
+            <a:ext cx="3157008" cy="1628775"/>
           </a:xfrm>
           <a:prstGeom prst="rect">
             <a:avLst/>
@@ -5131,7 +5524,7 @@
         <p:spPr/>
         <p:txBody>
           <a:bodyPr>
-            <a:normAutofit fontScale="90000"/>
+            <a:normAutofit/>
           </a:bodyPr>
           <a:lstStyle/>
           <a:p>
@@ -5143,10 +5536,14 @@
               <a:rPr lang="en-US" dirty="0" smtClean="0"/>
             </a:br>
             <a:r>
-              <a:rPr lang="en-US" dirty="0" smtClean="0"/>
-              <a:t>Unit Test &amp; Verification</a:t>
+              <a:rPr lang="en-US" sz="2400" dirty="0" smtClean="0"/>
+              <a:t> </a:t>
             </a:r>
-            <a:endParaRPr lang="en-US" dirty="0"/>
+            <a:r>
+              <a:rPr lang="en-US" sz="2400" dirty="0" smtClean="0"/>
+              <a:t>Implementation (Architecture)</a:t>
+            </a:r>
+            <a:endParaRPr lang="en-US" sz="2400" dirty="0"/>
           </a:p>
         </p:txBody>
       </p:sp>
@@ -5160,22 +5557,58 @@
             <p:ph idx="1"/>
           </p:nvPr>
         </p:nvSpPr>
-        <p:spPr/>
+        <p:spPr>
+          <a:xfrm>
+            <a:off x="152400" y="1600201"/>
+            <a:ext cx="4876800" cy="5029200"/>
+          </a:xfrm>
+        </p:spPr>
         <p:txBody>
-          <a:bodyPr/>
+          <a:bodyPr>
+            <a:normAutofit/>
+          </a:bodyPr>
           <a:lstStyle/>
           <a:p>
             <a:r>
-              <a:rPr lang="en-US" smtClean="0"/>
-              <a:t>…</a:t>
+              <a:rPr lang="en-US" sz="2400" dirty="0" smtClean="0"/>
+              <a:t>How it works.</a:t>
             </a:r>
-            <a:endParaRPr lang="en-US"/>
+          </a:p>
+          <a:p>
+            <a:pPr lvl="1"/>
+            <a:r>
+              <a:rPr lang="en-US" sz="2000" dirty="0" smtClean="0"/>
+              <a:t>Receives data from other modules.</a:t>
+            </a:r>
+          </a:p>
+          <a:p>
+            <a:pPr lvl="1"/>
+            <a:r>
+              <a:rPr lang="en-US" sz="2000" dirty="0" smtClean="0"/>
+              <a:t>Content is loaded </a:t>
+            </a:r>
+            <a:r>
+              <a:rPr lang="en-US" sz="2000" dirty="0" smtClean="0"/>
+              <a:t>from hard drive.</a:t>
+            </a:r>
+            <a:endParaRPr lang="en-US" sz="2000" dirty="0" smtClean="0"/>
+          </a:p>
+          <a:p>
+            <a:pPr lvl="1"/>
+            <a:r>
+              <a:rPr lang="en-US" sz="2000" dirty="0" smtClean="0"/>
+              <a:t>Allows events triggered by external code modules and users (e.g., move, select, attack, remove, add) .</a:t>
+            </a:r>
+            <a:endParaRPr lang="en-US" sz="2000" dirty="0" smtClean="0"/>
+          </a:p>
+          <a:p>
+            <a:endParaRPr lang="en-US" sz="2400" dirty="0"/>
           </a:p>
         </p:txBody>
       </p:sp>
       <p:sp>
         <p:nvSpPr>
-          <p:cNvPr id="4" name="Slide Number Placeholder 3"/>
+          <p:cNvPr id="5" name="Slide Number Placeholder 4"/>
           <p:cNvSpPr>
             <a:spLocks noGrp="1"/>
           </p:cNvSpPr>
@@ -5193,15 +5626,309 @@
               <a:pPr/>
               <a:t>14</a:t>
             </a:fld>
-            <a:endParaRPr lang="en-US"/>
+            <a:endParaRPr lang="en-US" dirty="0"/>
           </a:p>
         </p:txBody>
       </p:sp>
+      <p:pic>
+        <p:nvPicPr>
+          <p:cNvPr id="4" name="Picture 3" descr="logo.jpg"/>
+          <p:cNvPicPr>
+            <a:picLocks noChangeAspect="1"/>
+          </p:cNvPicPr>
+          <p:nvPr/>
+        </p:nvPicPr>
+        <p:blipFill>
+          <a:blip r:embed="rId2" cstate="print"/>
+          <a:stretch>
+            <a:fillRect/>
+          </a:stretch>
+        </p:blipFill>
+        <p:spPr>
+          <a:xfrm>
+            <a:off x="7956253" y="0"/>
+            <a:ext cx="1187747" cy="1328738"/>
+          </a:xfrm>
+          <a:prstGeom prst="rect">
+            <a:avLst/>
+          </a:prstGeom>
+        </p:spPr>
+      </p:pic>
+      <p:grpSp>
+        <p:nvGrpSpPr>
+          <p:cNvPr id="13" name="Group 12"/>
+          <p:cNvGrpSpPr/>
+          <p:nvPr/>
+        </p:nvGrpSpPr>
+        <p:grpSpPr>
+          <a:xfrm>
+            <a:off x="5333999" y="1905000"/>
+            <a:ext cx="3096381" cy="4114800"/>
+            <a:chOff x="4876800" y="1905000"/>
+            <a:chExt cx="3048000" cy="4114800"/>
+          </a:xfrm>
+        </p:grpSpPr>
+        <p:sp>
+          <p:nvSpPr>
+            <p:cNvPr id="7" name="Rectangle 6"/>
+            <p:cNvSpPr/>
+            <p:nvPr/>
+          </p:nvSpPr>
+          <p:spPr>
+            <a:xfrm>
+              <a:off x="4876800" y="3505200"/>
+              <a:ext cx="3048000" cy="914400"/>
+            </a:xfrm>
+            <a:prstGeom prst="rect">
+              <a:avLst/>
+            </a:prstGeom>
+          </p:spPr>
+          <p:style>
+            <a:lnRef idx="2">
+              <a:schemeClr val="accent1"/>
+            </a:lnRef>
+            <a:fillRef idx="1">
+              <a:schemeClr val="lt1"/>
+            </a:fillRef>
+            <a:effectRef idx="0">
+              <a:schemeClr val="accent1"/>
+            </a:effectRef>
+            <a:fontRef idx="minor">
+              <a:schemeClr val="dk1"/>
+            </a:fontRef>
+          </p:style>
+          <p:txBody>
+            <a:bodyPr rtlCol="0" anchor="ctr"/>
+            <a:lstStyle/>
+            <a:p>
+              <a:r>
+                <a:rPr lang="en-US" sz="2000" b="1" dirty="0" smtClean="0"/>
+                <a:t>OpenGL </a:t>
+              </a:r>
+              <a:r>
+                <a:rPr lang="en-US" sz="2000" b="1" dirty="0" smtClean="0"/>
+                <a:t>Graphics Widget</a:t>
+              </a:r>
+              <a:endParaRPr lang="en-US" sz="2000" b="1" dirty="0" smtClean="0"/>
+            </a:p>
+            <a:p>
+              <a:r>
+                <a:rPr lang="en-US" dirty="0" smtClean="0"/>
+                <a:t>    - Redrawn at 10 fps (10 Hz)</a:t>
+              </a:r>
+              <a:endParaRPr lang="en-US" dirty="0"/>
+            </a:p>
+          </p:txBody>
+        </p:sp>
+        <p:sp>
+          <p:nvSpPr>
+            <p:cNvPr id="8" name="Rectangle 7"/>
+            <p:cNvSpPr/>
+            <p:nvPr/>
+          </p:nvSpPr>
+          <p:spPr>
+            <a:xfrm>
+              <a:off x="5334000" y="1905000"/>
+              <a:ext cx="2133600" cy="1066800"/>
+            </a:xfrm>
+            <a:prstGeom prst="rect">
+              <a:avLst/>
+            </a:prstGeom>
+            <a:ln>
+              <a:solidFill>
+                <a:schemeClr val="tx1"/>
+              </a:solidFill>
+            </a:ln>
+          </p:spPr>
+          <p:style>
+            <a:lnRef idx="2">
+              <a:schemeClr val="accent1"/>
+            </a:lnRef>
+            <a:fillRef idx="1">
+              <a:schemeClr val="lt1"/>
+            </a:fillRef>
+            <a:effectRef idx="0">
+              <a:schemeClr val="accent1"/>
+            </a:effectRef>
+            <a:fontRef idx="minor">
+              <a:schemeClr val="dk1"/>
+            </a:fontRef>
+          </p:style>
+          <p:txBody>
+            <a:bodyPr rtlCol="0" anchor="ctr"/>
+            <a:lstStyle/>
+            <a:p>
+              <a:r>
+                <a:rPr lang="en-US" sz="2000" b="1" dirty="0" smtClean="0"/>
+                <a:t>Data Classes</a:t>
+              </a:r>
+            </a:p>
+            <a:p>
+              <a:r>
+                <a:rPr lang="en-US" dirty="0" smtClean="0"/>
+                <a:t>    - Unit Class (array)</a:t>
+              </a:r>
+            </a:p>
+            <a:p>
+              <a:r>
+                <a:rPr lang="en-US" dirty="0" smtClean="0"/>
+                <a:t>    - Map Class</a:t>
+              </a:r>
+              <a:endParaRPr lang="en-US" dirty="0"/>
+            </a:p>
+          </p:txBody>
+        </p:sp>
+        <p:sp>
+          <p:nvSpPr>
+            <p:cNvPr id="9" name="Down Arrow 8"/>
+            <p:cNvSpPr/>
+            <p:nvPr/>
+          </p:nvSpPr>
+          <p:spPr>
+            <a:xfrm>
+              <a:off x="6248400" y="3048000"/>
+              <a:ext cx="304800" cy="381000"/>
+            </a:xfrm>
+            <a:prstGeom prst="downArrow">
+              <a:avLst/>
+            </a:prstGeom>
+          </p:spPr>
+          <p:style>
+            <a:lnRef idx="2">
+              <a:schemeClr val="accent1">
+                <a:shade val="50000"/>
+              </a:schemeClr>
+            </a:lnRef>
+            <a:fillRef idx="1">
+              <a:schemeClr val="accent1"/>
+            </a:fillRef>
+            <a:effectRef idx="0">
+              <a:schemeClr val="accent1"/>
+            </a:effectRef>
+            <a:fontRef idx="minor">
+              <a:schemeClr val="lt1"/>
+            </a:fontRef>
+          </p:style>
+          <p:txBody>
+            <a:bodyPr rtlCol="0" anchor="ctr"/>
+            <a:lstStyle/>
+            <a:p>
+              <a:pPr algn="ctr"/>
+              <a:endParaRPr lang="en-US"/>
+            </a:p>
+          </p:txBody>
+        </p:sp>
+        <p:sp>
+          <p:nvSpPr>
+            <p:cNvPr id="10" name="Rectangle 9"/>
+            <p:cNvSpPr/>
+            <p:nvPr/>
+          </p:nvSpPr>
+          <p:spPr>
+            <a:xfrm>
+              <a:off x="5334000" y="4953000"/>
+              <a:ext cx="2133600" cy="1066800"/>
+            </a:xfrm>
+            <a:prstGeom prst="rect">
+              <a:avLst/>
+            </a:prstGeom>
+            <a:ln>
+              <a:solidFill>
+                <a:schemeClr val="tx1"/>
+              </a:solidFill>
+            </a:ln>
+          </p:spPr>
+          <p:style>
+            <a:lnRef idx="2">
+              <a:schemeClr val="accent1"/>
+            </a:lnRef>
+            <a:fillRef idx="1">
+              <a:schemeClr val="lt1"/>
+            </a:fillRef>
+            <a:effectRef idx="0">
+              <a:schemeClr val="accent1"/>
+            </a:effectRef>
+            <a:fontRef idx="minor">
+              <a:schemeClr val="dk1"/>
+            </a:fontRef>
+          </p:style>
+          <p:txBody>
+            <a:bodyPr rtlCol="0" anchor="ctr"/>
+            <a:lstStyle/>
+            <a:p>
+              <a:r>
+                <a:rPr lang="en-US" sz="2000" b="1" dirty="0" smtClean="0"/>
+                <a:t>User Input</a:t>
+              </a:r>
+            </a:p>
+            <a:p>
+              <a:r>
+                <a:rPr lang="en-US" dirty="0" smtClean="0"/>
+                <a:t>    - Cell Selection</a:t>
+              </a:r>
+            </a:p>
+            <a:p>
+              <a:r>
+                <a:rPr lang="en-US" dirty="0" smtClean="0"/>
+                <a:t>    - Resize Window</a:t>
+              </a:r>
+              <a:endParaRPr lang="en-US" dirty="0"/>
+            </a:p>
+          </p:txBody>
+        </p:sp>
+        <p:sp>
+          <p:nvSpPr>
+            <p:cNvPr id="12" name="Up Arrow 11"/>
+            <p:cNvSpPr/>
+            <p:nvPr/>
+          </p:nvSpPr>
+          <p:spPr>
+            <a:xfrm>
+              <a:off x="6248400" y="4495800"/>
+              <a:ext cx="304800" cy="381000"/>
+            </a:xfrm>
+            <a:prstGeom prst="upArrow">
+              <a:avLst/>
+            </a:prstGeom>
+          </p:spPr>
+          <p:style>
+            <a:lnRef idx="2">
+              <a:schemeClr val="accent1">
+                <a:shade val="50000"/>
+              </a:schemeClr>
+            </a:lnRef>
+            <a:fillRef idx="1">
+              <a:schemeClr val="accent1"/>
+            </a:fillRef>
+            <a:effectRef idx="0">
+              <a:schemeClr val="accent1"/>
+            </a:effectRef>
+            <a:fontRef idx="minor">
+              <a:schemeClr val="lt1"/>
+            </a:fontRef>
+          </p:style>
+          <p:txBody>
+            <a:bodyPr rtlCol="0" anchor="ctr"/>
+            <a:lstStyle/>
+            <a:p>
+              <a:pPr algn="ctr"/>
+              <a:endParaRPr lang="en-US"/>
+            </a:p>
+          </p:txBody>
+        </p:sp>
+      </p:grpSp>
     </p:spTree>
   </p:cSld>
   <p:clrMapOvr>
     <a:masterClrMapping/>
   </p:clrMapOvr>
+  <p:timing>
+    <p:tnLst>
+      <p:par>
+        <p:cTn id="1" dur="indefinite" restart="never" nodeType="tmRoot"/>
+      </p:par>
+    </p:tnLst>
+  </p:timing>
 </p:sld>
 </file>
 
@@ -5232,15 +5959,10 @@
             <p:ph type="title"/>
           </p:nvPr>
         </p:nvSpPr>
-        <p:spPr>
-          <a:xfrm>
-            <a:off x="457200" y="274638"/>
-            <a:ext cx="7391400" cy="1143000"/>
-          </a:xfrm>
-        </p:spPr>
+        <p:spPr/>
         <p:txBody>
           <a:bodyPr>
-            <a:normAutofit fontScale="90000"/>
+            <a:normAutofit/>
           </a:bodyPr>
           <a:lstStyle/>
           <a:p>
@@ -5252,10 +5974,14 @@
               <a:rPr lang="en-US" dirty="0" smtClean="0"/>
             </a:br>
             <a:r>
-              <a:rPr lang="en-US" dirty="0" smtClean="0"/>
-              <a:t>“Conclusion”</a:t>
+              <a:rPr lang="en-US" sz="2400" dirty="0" smtClean="0"/>
+              <a:t> </a:t>
             </a:r>
-            <a:endParaRPr lang="en-US" dirty="0"/>
+            <a:r>
+              <a:rPr lang="en-US" sz="2400" dirty="0" smtClean="0"/>
+              <a:t>Implementation (Challenges)</a:t>
+            </a:r>
+            <a:endParaRPr lang="en-US" sz="2400" dirty="0"/>
           </a:p>
         </p:txBody>
       </p:sp>
@@ -5269,37 +5995,81 @@
             <p:ph idx="1"/>
           </p:nvPr>
         </p:nvSpPr>
-        <p:spPr/>
+        <p:spPr>
+          <a:xfrm>
+            <a:off x="152400" y="1600201"/>
+            <a:ext cx="8839200" cy="5029200"/>
+          </a:xfrm>
+        </p:spPr>
         <p:txBody>
-          <a:bodyPr/>
+          <a:bodyPr>
+            <a:normAutofit/>
+          </a:bodyPr>
           <a:lstStyle/>
           <a:p>
             <a:r>
               <a:rPr lang="en-US" dirty="0" smtClean="0"/>
-              <a:t>Graphics are crucial to any graphics based video game.</a:t>
+              <a:t>Transparency</a:t>
             </a:r>
           </a:p>
           <a:p>
             <a:pPr lvl="1"/>
             <a:r>
-              <a:rPr lang="en-US" dirty="0" smtClean="0"/>
-              <a:t>Connects the player to the game by accepting input and accurately presenting information.</a:t>
+              <a:rPr lang="en-US" sz="2400" dirty="0" smtClean="0"/>
+              <a:t>Bit masking of multiple images.</a:t>
             </a:r>
           </a:p>
           <a:p>
             <a:r>
               <a:rPr lang="en-US" dirty="0" smtClean="0"/>
-              <a:t>Graphics must work well with the game mechanics.</a:t>
+              <a:t>Mouse Interactions</a:t>
             </a:r>
           </a:p>
           <a:p>
             <a:pPr lvl="1"/>
             <a:r>
+              <a:rPr lang="en-US" sz="2400" dirty="0" smtClean="0"/>
+              <a:t>Coordinate </a:t>
+            </a:r>
+            <a:r>
+              <a:rPr lang="en-US" sz="2400" dirty="0" smtClean="0"/>
+              <a:t>calculations.</a:t>
+            </a:r>
+            <a:endParaRPr lang="en-US" dirty="0" smtClean="0"/>
+          </a:p>
+          <a:p>
+            <a:r>
               <a:rPr lang="en-US" dirty="0" smtClean="0"/>
-              <a:t>2D overhead and grid were used to provide a solid correlation between the game’s mechanics and it’s graphics.</a:t>
+              <a:t>OpenGL Familiarity</a:t>
             </a:r>
           </a:p>
           <a:p>
+            <a:pPr lvl="1"/>
+            <a:r>
+              <a:rPr lang="en-US" sz="2400" dirty="0" smtClean="0"/>
+              <a:t>Know what is available.</a:t>
+            </a:r>
+            <a:endParaRPr lang="en-US" sz="2400" dirty="0" smtClean="0"/>
+          </a:p>
+          <a:p>
+            <a:pPr lvl="1"/>
+            <a:r>
+              <a:rPr lang="en-US" sz="2400" dirty="0" smtClean="0"/>
+              <a:t>Know how functions work.</a:t>
+            </a:r>
+          </a:p>
+          <a:p>
+            <a:pPr lvl="1"/>
+            <a:r>
+              <a:rPr lang="en-US" sz="2400" dirty="0" smtClean="0"/>
+              <a:t>Understand quirks.</a:t>
+            </a:r>
+          </a:p>
+          <a:p>
+            <a:r>
+              <a:rPr lang="en-US" dirty="0" smtClean="0"/>
+              <a:t>Many Others…</a:t>
+            </a:r>
             <a:endParaRPr lang="en-US" dirty="0"/>
           </a:p>
         </p:txBody>
@@ -5324,7 +6094,7 @@
               <a:pPr/>
               <a:t>15</a:t>
             </a:fld>
-            <a:endParaRPr lang="en-US"/>
+            <a:endParaRPr lang="en-US" dirty="0"/>
           </a:p>
         </p:txBody>
       </p:sp>
@@ -5352,6 +6122,208 @@
           </a:prstGeom>
         </p:spPr>
       </p:pic>
+      <p:grpSp>
+        <p:nvGrpSpPr>
+          <p:cNvPr id="14" name="Group 13"/>
+          <p:cNvGrpSpPr/>
+          <p:nvPr/>
+        </p:nvGrpSpPr>
+        <p:grpSpPr>
+          <a:xfrm>
+            <a:off x="5867400" y="2057400"/>
+            <a:ext cx="2667000" cy="3581400"/>
+            <a:chOff x="5867400" y="2057400"/>
+            <a:chExt cx="2667000" cy="3581400"/>
+          </a:xfrm>
+        </p:grpSpPr>
+        <p:pic>
+          <p:nvPicPr>
+            <p:cNvPr id="7" name="Picture 6" descr="desertsoldier.png"/>
+            <p:cNvPicPr>
+              <a:picLocks noChangeAspect="1"/>
+            </p:cNvPicPr>
+            <p:nvPr/>
+          </p:nvPicPr>
+          <p:blipFill>
+            <a:blip r:embed="rId3" cstate="print"/>
+            <a:stretch>
+              <a:fillRect/>
+            </a:stretch>
+          </p:blipFill>
+          <p:spPr>
+            <a:xfrm>
+              <a:off x="5867400" y="2057400"/>
+              <a:ext cx="1013987" cy="1463040"/>
+            </a:xfrm>
+            <a:prstGeom prst="rect">
+              <a:avLst/>
+            </a:prstGeom>
+            <a:ln w="25400">
+              <a:solidFill>
+                <a:schemeClr val="accent1">
+                  <a:shade val="50000"/>
+                </a:schemeClr>
+              </a:solidFill>
+            </a:ln>
+          </p:spPr>
+        </p:pic>
+        <p:pic>
+          <p:nvPicPr>
+            <p:cNvPr id="8" name="Picture 7" descr="mask_desertsoldier.png"/>
+            <p:cNvPicPr>
+              <a:picLocks noChangeAspect="1"/>
+            </p:cNvPicPr>
+            <p:nvPr/>
+          </p:nvPicPr>
+          <p:blipFill>
+            <a:blip r:embed="rId4" cstate="print"/>
+            <a:stretch>
+              <a:fillRect/>
+            </a:stretch>
+          </p:blipFill>
+          <p:spPr>
+            <a:xfrm>
+              <a:off x="7520413" y="2057400"/>
+              <a:ext cx="1013987" cy="1463040"/>
+            </a:xfrm>
+            <a:prstGeom prst="rect">
+              <a:avLst/>
+            </a:prstGeom>
+            <a:ln w="25400">
+              <a:solidFill>
+                <a:schemeClr val="accent1">
+                  <a:shade val="50000"/>
+                </a:schemeClr>
+              </a:solidFill>
+            </a:ln>
+          </p:spPr>
+        </p:pic>
+        <p:pic>
+          <p:nvPicPr>
+            <p:cNvPr id="9" name="Picture 8" descr="desertsoldier (2).png"/>
+            <p:cNvPicPr>
+              <a:picLocks noChangeAspect="1"/>
+            </p:cNvPicPr>
+            <p:nvPr/>
+          </p:nvPicPr>
+          <p:blipFill>
+            <a:blip r:embed="rId5" cstate="print"/>
+            <a:stretch>
+              <a:fillRect/>
+            </a:stretch>
+          </p:blipFill>
+          <p:spPr>
+            <a:xfrm>
+              <a:off x="6629400" y="4055581"/>
+              <a:ext cx="1097280" cy="1583219"/>
+            </a:xfrm>
+            <a:prstGeom prst="rect">
+              <a:avLst/>
+            </a:prstGeom>
+            <a:ln w="25400">
+              <a:solidFill>
+                <a:schemeClr val="accent1">
+                  <a:shade val="50000"/>
+                </a:schemeClr>
+              </a:solidFill>
+            </a:ln>
+          </p:spPr>
+        </p:pic>
+        <p:sp>
+          <p:nvSpPr>
+            <p:cNvPr id="10" name="Left-Right Arrow 9"/>
+            <p:cNvSpPr/>
+            <p:nvPr/>
+          </p:nvSpPr>
+          <p:spPr>
+            <a:xfrm>
+              <a:off x="7010400" y="2514600"/>
+              <a:ext cx="381000" cy="228600"/>
+            </a:xfrm>
+            <a:prstGeom prst="leftRightArrow">
+              <a:avLst/>
+            </a:prstGeom>
+            <a:ln w="25400">
+              <a:solidFill>
+                <a:schemeClr val="accent1">
+                  <a:shade val="50000"/>
+                </a:schemeClr>
+              </a:solidFill>
+            </a:ln>
+          </p:spPr>
+          <p:style>
+            <a:lnRef idx="2">
+              <a:schemeClr val="accent1">
+                <a:shade val="50000"/>
+              </a:schemeClr>
+            </a:lnRef>
+            <a:fillRef idx="1">
+              <a:schemeClr val="accent1"/>
+            </a:fillRef>
+            <a:effectRef idx="0">
+              <a:schemeClr val="accent1"/>
+            </a:effectRef>
+            <a:fontRef idx="minor">
+              <a:schemeClr val="lt1"/>
+            </a:fontRef>
+          </p:style>
+          <p:txBody>
+            <a:bodyPr rtlCol="0" anchor="ctr"/>
+            <a:lstStyle/>
+            <a:p>
+              <a:pPr algn="ctr"/>
+              <a:endParaRPr lang="en-US"/>
+            </a:p>
+          </p:txBody>
+        </p:sp>
+        <p:sp>
+          <p:nvSpPr>
+            <p:cNvPr id="12" name="Down Arrow 11"/>
+            <p:cNvSpPr/>
+            <p:nvPr/>
+          </p:nvSpPr>
+          <p:spPr>
+            <a:xfrm>
+              <a:off x="7086600" y="3581400"/>
+              <a:ext cx="228600" cy="304800"/>
+            </a:xfrm>
+            <a:prstGeom prst="downArrow">
+              <a:avLst/>
+            </a:prstGeom>
+            <a:ln w="25400">
+              <a:solidFill>
+                <a:schemeClr val="accent1">
+                  <a:shade val="50000"/>
+                </a:schemeClr>
+              </a:solidFill>
+            </a:ln>
+          </p:spPr>
+          <p:style>
+            <a:lnRef idx="2">
+              <a:schemeClr val="accent1">
+                <a:shade val="50000"/>
+              </a:schemeClr>
+            </a:lnRef>
+            <a:fillRef idx="1">
+              <a:schemeClr val="accent1"/>
+            </a:fillRef>
+            <a:effectRef idx="0">
+              <a:schemeClr val="accent1"/>
+            </a:effectRef>
+            <a:fontRef idx="minor">
+              <a:schemeClr val="lt1"/>
+            </a:fontRef>
+          </p:style>
+          <p:txBody>
+            <a:bodyPr rtlCol="0" anchor="ctr"/>
+            <a:lstStyle/>
+            <a:p>
+              <a:pPr algn="ctr"/>
+              <a:endParaRPr lang="en-US"/>
+            </a:p>
+          </p:txBody>
+        </p:sp>
+      </p:grpSp>
     </p:spTree>
   </p:cSld>
   <p:clrMapOvr>
@@ -5397,22 +6369,22 @@
         <p:spPr/>
         <p:txBody>
           <a:bodyPr>
-            <a:normAutofit fontScale="90000"/>
+            <a:normAutofit/>
           </a:bodyPr>
           <a:lstStyle/>
           <a:p>
             <a:r>
               <a:rPr lang="en-US" dirty="0" smtClean="0"/>
-              <a:t>User Interface Module</a:t>
+              <a:t>Game Graphics Module</a:t>
             </a:r>
             <a:br>
               <a:rPr lang="en-US" dirty="0" smtClean="0"/>
             </a:br>
             <a:r>
-              <a:rPr lang="en-US" dirty="0" smtClean="0"/>
-              <a:t>Summary</a:t>
+              <a:rPr lang="en-US" sz="2400" dirty="0" smtClean="0"/>
+              <a:t>Unit Test &amp; Verification</a:t>
             </a:r>
-            <a:endParaRPr lang="en-US" dirty="0"/>
+            <a:endParaRPr lang="en-US" sz="2400" dirty="0"/>
           </a:p>
         </p:txBody>
       </p:sp>
@@ -5426,40 +6398,63 @@
             <p:ph idx="1"/>
           </p:nvPr>
         </p:nvSpPr>
-        <p:spPr/>
+        <p:spPr>
+          <a:xfrm>
+            <a:off x="457200" y="1775191"/>
+            <a:ext cx="5105400" cy="4625609"/>
+          </a:xfrm>
+        </p:spPr>
         <p:txBody>
           <a:bodyPr/>
           <a:lstStyle/>
           <a:p>
+            <a:pPr>
+              <a:buNone/>
+            </a:pPr>
+            <a:endParaRPr lang="en-US" sz="2800" dirty="0" smtClean="0"/>
+          </a:p>
+          <a:p>
             <a:r>
-              <a:rPr lang="en-US" dirty="0" smtClean="0"/>
-              <a:t>Function</a:t>
+              <a:rPr lang="en-US" sz="2800" dirty="0" smtClean="0"/>
+              <a:t>Create “Dummy” Data Classes</a:t>
             </a:r>
           </a:p>
           <a:p>
+            <a:pPr lvl="1"/>
             <a:r>
-              <a:rPr lang="en-US" dirty="0" smtClean="0"/>
-              <a:t>Architecture</a:t>
+              <a:rPr lang="en-US" sz="2200" dirty="0" smtClean="0"/>
+              <a:t>Tweak dat</a:t>
             </a:r>
-          </a:p>
-          <a:p>
             <a:r>
-              <a:rPr lang="en-US" dirty="0" smtClean="0"/>
-              <a:t>Model</a:t>
+              <a:rPr lang="en-US" sz="2200" dirty="0" smtClean="0"/>
+              <a:t>a and observe the results.</a:t>
             </a:r>
           </a:p>
           <a:p>
+            <a:pPr lvl="1">
+              <a:buNone/>
+            </a:pPr>
+            <a:endParaRPr lang="en-US" dirty="0" smtClean="0"/>
+          </a:p>
+          <a:p>
             <a:r>
-              <a:rPr lang="en-US" dirty="0" smtClean="0"/>
-              <a:t>Conclusion</a:t>
+              <a:rPr lang="en-US" sz="2800" dirty="0" smtClean="0"/>
+              <a:t>Create “Wrapper” Class</a:t>
             </a:r>
-            <a:endParaRPr lang="en-US" dirty="0"/>
+          </a:p>
+          <a:p>
+            <a:pPr lvl="1"/>
+            <a:r>
+              <a:rPr lang="en-US" sz="2200" dirty="0" smtClean="0"/>
+              <a:t>Calls and exercises functions.</a:t>
+            </a:r>
+            <a:endParaRPr lang="en-US" sz="2200" dirty="0"/>
           </a:p>
         </p:txBody>
       </p:sp>
       <p:sp>
         <p:nvSpPr>
-          <p:cNvPr id="5" name="Slide Number Placeholder 4"/>
+          <p:cNvPr id="4" name="Slide Number Placeholder 3"/>
           <p:cNvSpPr>
             <a:spLocks noGrp="1"/>
           </p:cNvSpPr>
@@ -5477,46 +6472,384 @@
               <a:pPr/>
               <a:t>16</a:t>
             </a:fld>
-            <a:endParaRPr lang="en-US"/>
+            <a:endParaRPr lang="en-US" dirty="0"/>
           </a:p>
         </p:txBody>
       </p:sp>
-      <p:pic>
-        <p:nvPicPr>
-          <p:cNvPr id="4" name="Picture 3" descr="logo.jpg"/>
-          <p:cNvPicPr>
-            <a:picLocks noChangeAspect="1"/>
-          </p:cNvPicPr>
+      <p:grpSp>
+        <p:nvGrpSpPr>
+          <p:cNvPr id="14" name="Group 13"/>
+          <p:cNvGrpSpPr/>
           <p:nvPr/>
-        </p:nvPicPr>
-        <p:blipFill>
-          <a:blip r:embed="rId2" cstate="print"/>
-          <a:stretch>
-            <a:fillRect/>
-          </a:stretch>
-        </p:blipFill>
-        <p:spPr>
+        </p:nvGrpSpPr>
+        <p:grpSpPr>
           <a:xfrm>
-            <a:off x="7956253" y="0"/>
-            <a:ext cx="1187747" cy="1328738"/>
+            <a:off x="5562600" y="1828800"/>
+            <a:ext cx="2895600" cy="4267200"/>
+            <a:chOff x="5486400" y="1828800"/>
+            <a:chExt cx="2895600" cy="4267200"/>
           </a:xfrm>
-          <a:prstGeom prst="rect">
-            <a:avLst/>
-          </a:prstGeom>
-        </p:spPr>
-      </p:pic>
+        </p:grpSpPr>
+        <p:sp>
+          <p:nvSpPr>
+            <p:cNvPr id="11" name="Rectangle 10"/>
+            <p:cNvSpPr/>
+            <p:nvPr/>
+          </p:nvSpPr>
+          <p:spPr>
+            <a:xfrm>
+              <a:off x="5486400" y="1828800"/>
+              <a:ext cx="2895600" cy="4267200"/>
+            </a:xfrm>
+            <a:prstGeom prst="rect">
+              <a:avLst/>
+            </a:prstGeom>
+          </p:spPr>
+          <p:style>
+            <a:lnRef idx="2">
+              <a:schemeClr val="dk1"/>
+            </a:lnRef>
+            <a:fillRef idx="1">
+              <a:schemeClr val="lt1"/>
+            </a:fillRef>
+            <a:effectRef idx="0">
+              <a:schemeClr val="dk1"/>
+            </a:effectRef>
+            <a:fontRef idx="minor">
+              <a:schemeClr val="dk1"/>
+            </a:fontRef>
+          </p:style>
+          <p:txBody>
+            <a:bodyPr rtlCol="0" anchor="ctr"/>
+            <a:lstStyle/>
+            <a:p>
+              <a:pPr algn="ctr"/>
+              <a:endParaRPr lang="en-US" dirty="0" smtClean="0"/>
+            </a:p>
+            <a:p>
+              <a:pPr algn="ctr"/>
+              <a:endParaRPr lang="en-US" dirty="0" smtClean="0"/>
+            </a:p>
+            <a:p>
+              <a:pPr algn="ctr"/>
+              <a:endParaRPr lang="en-US" dirty="0" smtClean="0"/>
+            </a:p>
+            <a:p>
+              <a:pPr algn="ctr"/>
+              <a:endParaRPr lang="en-US" dirty="0" smtClean="0"/>
+            </a:p>
+            <a:p>
+              <a:pPr algn="ctr"/>
+              <a:endParaRPr lang="en-US" dirty="0" smtClean="0"/>
+            </a:p>
+            <a:p>
+              <a:pPr algn="ctr"/>
+              <a:endParaRPr lang="en-US" dirty="0" smtClean="0"/>
+            </a:p>
+            <a:p>
+              <a:pPr algn="ctr"/>
+              <a:endParaRPr lang="en-US" dirty="0" smtClean="0"/>
+            </a:p>
+            <a:p>
+              <a:pPr algn="ctr"/>
+              <a:endParaRPr lang="en-US" dirty="0" smtClean="0"/>
+            </a:p>
+            <a:p>
+              <a:pPr algn="ctr"/>
+              <a:endParaRPr lang="en-US" dirty="0" smtClean="0"/>
+            </a:p>
+            <a:p>
+              <a:pPr algn="ctr"/>
+              <a:endParaRPr lang="en-US" dirty="0" smtClean="0"/>
+            </a:p>
+            <a:p>
+              <a:pPr algn="ctr"/>
+              <a:endParaRPr lang="en-US" dirty="0" smtClean="0"/>
+            </a:p>
+            <a:p>
+              <a:pPr algn="ctr"/>
+              <a:endParaRPr lang="en-US" dirty="0" smtClean="0"/>
+            </a:p>
+            <a:p>
+              <a:pPr algn="ctr"/>
+              <a:endParaRPr lang="en-US" dirty="0" smtClean="0"/>
+            </a:p>
+            <a:p>
+              <a:pPr algn="r"/>
+              <a:endParaRPr lang="en-US" dirty="0" smtClean="0"/>
+            </a:p>
+            <a:p>
+              <a:pPr algn="r"/>
+              <a:r>
+                <a:rPr lang="en-US" b="1" dirty="0" smtClean="0"/>
+                <a:t>Wrapper Class</a:t>
+              </a:r>
+              <a:endParaRPr lang="en-US" b="1" dirty="0"/>
+            </a:p>
+          </p:txBody>
+        </p:sp>
+        <p:sp>
+          <p:nvSpPr>
+            <p:cNvPr id="6" name="Rectangle 5"/>
+            <p:cNvSpPr/>
+            <p:nvPr/>
+          </p:nvSpPr>
+          <p:spPr>
+            <a:xfrm>
+              <a:off x="5867400" y="3581400"/>
+              <a:ext cx="2057401" cy="609600"/>
+            </a:xfrm>
+            <a:prstGeom prst="rect">
+              <a:avLst/>
+            </a:prstGeom>
+          </p:spPr>
+          <p:style>
+            <a:lnRef idx="2">
+              <a:schemeClr val="accent1"/>
+            </a:lnRef>
+            <a:fillRef idx="1">
+              <a:schemeClr val="lt1"/>
+            </a:fillRef>
+            <a:effectRef idx="0">
+              <a:schemeClr val="accent1"/>
+            </a:effectRef>
+            <a:fontRef idx="minor">
+              <a:schemeClr val="dk1"/>
+            </a:fontRef>
+          </p:style>
+          <p:txBody>
+            <a:bodyPr rtlCol="0" anchor="ctr"/>
+            <a:lstStyle/>
+            <a:p>
+              <a:pPr algn="ctr"/>
+              <a:r>
+                <a:rPr lang="en-US" sz="2000" b="1" dirty="0" smtClean="0"/>
+                <a:t>Graphics Module</a:t>
+              </a:r>
+              <a:endParaRPr lang="en-US" dirty="0"/>
+            </a:p>
+          </p:txBody>
+        </p:sp>
+        <p:sp>
+          <p:nvSpPr>
+            <p:cNvPr id="7" name="Rectangle 6"/>
+            <p:cNvSpPr/>
+            <p:nvPr/>
+          </p:nvSpPr>
+          <p:spPr>
+            <a:xfrm>
+              <a:off x="6103256" y="2057400"/>
+              <a:ext cx="1592944" cy="838200"/>
+            </a:xfrm>
+            <a:prstGeom prst="rect">
+              <a:avLst/>
+            </a:prstGeom>
+            <a:ln>
+              <a:solidFill>
+                <a:schemeClr val="tx1"/>
+              </a:solidFill>
+            </a:ln>
+          </p:spPr>
+          <p:style>
+            <a:lnRef idx="2">
+              <a:schemeClr val="accent1"/>
+            </a:lnRef>
+            <a:fillRef idx="1">
+              <a:schemeClr val="lt1"/>
+            </a:fillRef>
+            <a:effectRef idx="0">
+              <a:schemeClr val="accent1"/>
+            </a:effectRef>
+            <a:fontRef idx="minor">
+              <a:schemeClr val="dk1"/>
+            </a:fontRef>
+          </p:style>
+          <p:txBody>
+            <a:bodyPr rtlCol="0" anchor="ctr"/>
+            <a:lstStyle/>
+            <a:p>
+              <a:pPr algn="ctr"/>
+              <a:r>
+                <a:rPr lang="en-US" sz="2000" b="1" dirty="0" smtClean="0"/>
+                <a:t>Dummy Data Classes</a:t>
+              </a:r>
+              <a:endParaRPr lang="en-US" dirty="0"/>
+            </a:p>
+          </p:txBody>
+        </p:sp>
+        <p:sp>
+          <p:nvSpPr>
+            <p:cNvPr id="8" name="Down Arrow 7"/>
+            <p:cNvSpPr/>
+            <p:nvPr/>
+          </p:nvSpPr>
+          <p:spPr>
+            <a:xfrm>
+              <a:off x="6776962" y="3048000"/>
+              <a:ext cx="309638" cy="381000"/>
+            </a:xfrm>
+            <a:prstGeom prst="downArrow">
+              <a:avLst/>
+            </a:prstGeom>
+          </p:spPr>
+          <p:style>
+            <a:lnRef idx="2">
+              <a:schemeClr val="accent1">
+                <a:shade val="50000"/>
+              </a:schemeClr>
+            </a:lnRef>
+            <a:fillRef idx="1">
+              <a:schemeClr val="accent1"/>
+            </a:fillRef>
+            <a:effectRef idx="0">
+              <a:schemeClr val="accent1"/>
+            </a:effectRef>
+            <a:fontRef idx="minor">
+              <a:schemeClr val="lt1"/>
+            </a:fontRef>
+          </p:style>
+          <p:txBody>
+            <a:bodyPr rtlCol="0" anchor="ctr"/>
+            <a:lstStyle/>
+            <a:p>
+              <a:pPr algn="ctr"/>
+              <a:endParaRPr lang="en-US"/>
+            </a:p>
+          </p:txBody>
+        </p:sp>
+        <p:sp>
+          <p:nvSpPr>
+            <p:cNvPr id="9" name="Rectangle 8"/>
+            <p:cNvSpPr/>
+            <p:nvPr/>
+          </p:nvSpPr>
+          <p:spPr>
+            <a:xfrm>
+              <a:off x="5638800" y="4876800"/>
+              <a:ext cx="1364344" cy="609600"/>
+            </a:xfrm>
+            <a:prstGeom prst="rect">
+              <a:avLst/>
+            </a:prstGeom>
+            <a:ln>
+              <a:solidFill>
+                <a:schemeClr val="tx1"/>
+              </a:solidFill>
+            </a:ln>
+          </p:spPr>
+          <p:style>
+            <a:lnRef idx="2">
+              <a:schemeClr val="accent1"/>
+            </a:lnRef>
+            <a:fillRef idx="1">
+              <a:schemeClr val="lt1"/>
+            </a:fillRef>
+            <a:effectRef idx="0">
+              <a:schemeClr val="accent1"/>
+            </a:effectRef>
+            <a:fontRef idx="minor">
+              <a:schemeClr val="dk1"/>
+            </a:fontRef>
+          </p:style>
+          <p:txBody>
+            <a:bodyPr rtlCol="0" anchor="ctr"/>
+            <a:lstStyle/>
+            <a:p>
+              <a:pPr algn="ctr"/>
+              <a:r>
+                <a:rPr lang="en-US" sz="2000" b="1" dirty="0" smtClean="0"/>
+                <a:t>User Input</a:t>
+              </a:r>
+              <a:endParaRPr lang="en-US" dirty="0"/>
+            </a:p>
+          </p:txBody>
+        </p:sp>
+        <p:sp>
+          <p:nvSpPr>
+            <p:cNvPr id="10" name="Up Arrow 9"/>
+            <p:cNvSpPr/>
+            <p:nvPr/>
+          </p:nvSpPr>
+          <p:spPr>
+            <a:xfrm>
+              <a:off x="6172200" y="4343400"/>
+              <a:ext cx="309638" cy="381000"/>
+            </a:xfrm>
+            <a:prstGeom prst="upArrow">
+              <a:avLst/>
+            </a:prstGeom>
+          </p:spPr>
+          <p:style>
+            <a:lnRef idx="2">
+              <a:schemeClr val="accent1">
+                <a:shade val="50000"/>
+              </a:schemeClr>
+            </a:lnRef>
+            <a:fillRef idx="1">
+              <a:schemeClr val="accent1"/>
+            </a:fillRef>
+            <a:effectRef idx="0">
+              <a:schemeClr val="accent1"/>
+            </a:effectRef>
+            <a:fontRef idx="minor">
+              <a:schemeClr val="lt1"/>
+            </a:fontRef>
+          </p:style>
+          <p:txBody>
+            <a:bodyPr rtlCol="0" anchor="ctr"/>
+            <a:lstStyle/>
+            <a:p>
+              <a:pPr algn="ctr"/>
+              <a:endParaRPr lang="en-US"/>
+            </a:p>
+          </p:txBody>
+        </p:sp>
+        <p:sp>
+          <p:nvSpPr>
+            <p:cNvPr id="12" name="Up Arrow 11"/>
+            <p:cNvSpPr/>
+            <p:nvPr/>
+          </p:nvSpPr>
+          <p:spPr>
+            <a:xfrm>
+              <a:off x="7391400" y="4343400"/>
+              <a:ext cx="304800" cy="1219200"/>
+            </a:xfrm>
+            <a:prstGeom prst="upArrow">
+              <a:avLst/>
+            </a:prstGeom>
+          </p:spPr>
+          <p:style>
+            <a:lnRef idx="2">
+              <a:schemeClr val="accent1">
+                <a:shade val="50000"/>
+              </a:schemeClr>
+            </a:lnRef>
+            <a:fillRef idx="1">
+              <a:schemeClr val="accent1"/>
+            </a:fillRef>
+            <a:effectRef idx="0">
+              <a:schemeClr val="accent1"/>
+            </a:effectRef>
+            <a:fontRef idx="minor">
+              <a:schemeClr val="lt1"/>
+            </a:fontRef>
+          </p:style>
+          <p:txBody>
+            <a:bodyPr rtlCol="0" anchor="ctr"/>
+            <a:lstStyle/>
+            <a:p>
+              <a:pPr algn="ctr"/>
+              <a:endParaRPr lang="en-US"/>
+            </a:p>
+          </p:txBody>
+        </p:sp>
+      </p:grpSp>
     </p:spTree>
   </p:cSld>
   <p:clrMapOvr>
     <a:masterClrMapping/>
   </p:clrMapOvr>
-  <p:timing>
-    <p:tnLst>
-      <p:par>
-        <p:cTn id="1" dur="indefinite" restart="never" nodeType="tmRoot"/>
-      </p:par>
-    </p:tnLst>
-  </p:timing>
 </p:sld>
 </file>
 
@@ -5547,31 +6880,36 @@
             <p:ph type="title"/>
           </p:nvPr>
         </p:nvSpPr>
-        <p:spPr/>
+        <p:spPr>
+          <a:xfrm>
+            <a:off x="457200" y="274638"/>
+            <a:ext cx="7391400" cy="1143000"/>
+          </a:xfrm>
+        </p:spPr>
         <p:txBody>
           <a:bodyPr>
-            <a:normAutofit fontScale="90000"/>
+            <a:normAutofit/>
           </a:bodyPr>
           <a:lstStyle/>
           <a:p>
             <a:r>
               <a:rPr lang="en-US" dirty="0" smtClean="0"/>
-              <a:t>User Interface Module</a:t>
+              <a:t>Game Graphics Module</a:t>
             </a:r>
             <a:br>
               <a:rPr lang="en-US" dirty="0" smtClean="0"/>
             </a:br>
             <a:r>
-              <a:rPr lang="en-US" dirty="0" smtClean="0"/>
-              <a:t>Function</a:t>
+              <a:rPr lang="en-US" sz="2400" dirty="0" smtClean="0"/>
+              <a:t>Summary</a:t>
             </a:r>
-            <a:endParaRPr lang="en-US" dirty="0"/>
+            <a:endParaRPr lang="en-US" sz="2400" dirty="0"/>
           </a:p>
         </p:txBody>
       </p:sp>
       <p:sp>
         <p:nvSpPr>
-          <p:cNvPr id="5" name="Content Placeholder 2"/>
+          <p:cNvPr id="3" name="Content Placeholder 2"/>
           <p:cNvSpPr>
             <a:spLocks noGrp="1"/>
           </p:cNvSpPr>
@@ -5586,27 +6924,56 @@
           <a:p>
             <a:r>
               <a:rPr lang="en-US" dirty="0" smtClean="0"/>
-              <a:t>Provide the framework for the user interaction with the application</a:t>
+              <a:t>Graphics vs. Mechanics</a:t>
             </a:r>
-          </a:p>
-          <a:p>
+            <a:endParaRPr lang="en-US" dirty="0" smtClean="0"/>
+          </a:p>
+          <a:p>
+            <a:pPr lvl="1"/>
             <a:r>
               <a:rPr lang="en-US" dirty="0" smtClean="0"/>
-              <a:t>Provide the ability for the user to choose desired game settings</a:t>
+              <a:t>2D </a:t>
             </a:r>
-          </a:p>
-          <a:p>
             <a:r>
               <a:rPr lang="en-US" dirty="0" smtClean="0"/>
-              <a:t>Provide status messages or display error messages if user attempts an invalid operation</a:t>
+              <a:t>Mechanics = 2D Overhead Graphics.</a:t>
             </a:r>
+          </a:p>
+          <a:p>
+            <a:pPr lvl="1">
+              <a:buNone/>
+            </a:pPr>
+            <a:endParaRPr lang="en-US" dirty="0" smtClean="0"/>
+          </a:p>
+          <a:p>
+            <a:r>
+              <a:rPr lang="en-US" dirty="0" smtClean="0"/>
+              <a:t>Tools / Architecture Choices Important</a:t>
+            </a:r>
+          </a:p>
+          <a:p>
+            <a:pPr lvl="1"/>
+            <a:r>
+              <a:rPr lang="en-US" dirty="0" smtClean="0"/>
+              <a:t>Avoid future frustration.</a:t>
+            </a:r>
+          </a:p>
+          <a:p>
+            <a:pPr lvl="1"/>
+            <a:r>
+              <a:rPr lang="en-US" dirty="0" smtClean="0"/>
+              <a:t>Create a solid game.</a:t>
+            </a:r>
+            <a:endParaRPr lang="en-US" dirty="0" smtClean="0"/>
+          </a:p>
+          <a:p>
             <a:endParaRPr lang="en-US" dirty="0"/>
           </a:p>
         </p:txBody>
       </p:sp>
       <p:sp>
         <p:nvSpPr>
-          <p:cNvPr id="6" name="Slide Number Placeholder 5"/>
+          <p:cNvPr id="5" name="Slide Number Placeholder 4"/>
           <p:cNvSpPr>
             <a:spLocks noGrp="1"/>
           </p:cNvSpPr>
@@ -5624,7 +6991,7 @@
               <a:pPr/>
               <a:t>17</a:t>
             </a:fld>
-            <a:endParaRPr lang="en-US"/>
+            <a:endParaRPr lang="en-US" dirty="0"/>
           </a:p>
         </p:txBody>
       </p:sp>
@@ -5710,6 +7077,478 @@
             </a:br>
             <a:r>
               <a:rPr lang="en-US" dirty="0" smtClean="0"/>
+              <a:t>Summary</a:t>
+            </a:r>
+            <a:endParaRPr lang="en-US" dirty="0"/>
+          </a:p>
+        </p:txBody>
+      </p:sp>
+      <p:sp>
+        <p:nvSpPr>
+          <p:cNvPr id="3" name="Content Placeholder 2"/>
+          <p:cNvSpPr>
+            <a:spLocks noGrp="1"/>
+          </p:cNvSpPr>
+          <p:nvPr>
+            <p:ph idx="1"/>
+          </p:nvPr>
+        </p:nvSpPr>
+        <p:spPr/>
+        <p:txBody>
+          <a:bodyPr/>
+          <a:lstStyle/>
+          <a:p>
+            <a:r>
+              <a:rPr lang="en-US" dirty="0" smtClean="0"/>
+              <a:t>Function</a:t>
+            </a:r>
+          </a:p>
+          <a:p>
+            <a:r>
+              <a:rPr lang="en-US" dirty="0" smtClean="0"/>
+              <a:t>Architecture</a:t>
+            </a:r>
+          </a:p>
+          <a:p>
+            <a:r>
+              <a:rPr lang="en-US" dirty="0" smtClean="0"/>
+              <a:t>Model</a:t>
+            </a:r>
+          </a:p>
+          <a:p>
+            <a:r>
+              <a:rPr lang="en-US" dirty="0" smtClean="0"/>
+              <a:t>Conclusion</a:t>
+            </a:r>
+            <a:endParaRPr lang="en-US" dirty="0"/>
+          </a:p>
+        </p:txBody>
+      </p:sp>
+      <p:sp>
+        <p:nvSpPr>
+          <p:cNvPr id="5" name="Slide Number Placeholder 4"/>
+          <p:cNvSpPr>
+            <a:spLocks noGrp="1"/>
+          </p:cNvSpPr>
+          <p:nvPr>
+            <p:ph type="sldNum" sz="quarter" idx="12"/>
+          </p:nvPr>
+        </p:nvSpPr>
+        <p:spPr/>
+        <p:txBody>
+          <a:bodyPr/>
+          <a:lstStyle/>
+          <a:p>
+            <a:fld id="{B6F15528-21DE-4FAA-801E-634DDDAF4B2B}" type="slidenum">
+              <a:rPr lang="en-US" smtClean="0"/>
+              <a:pPr/>
+              <a:t>18</a:t>
+            </a:fld>
+            <a:endParaRPr lang="en-US" dirty="0"/>
+          </a:p>
+        </p:txBody>
+      </p:sp>
+      <p:pic>
+        <p:nvPicPr>
+          <p:cNvPr id="4" name="Picture 3" descr="logo.jpg"/>
+          <p:cNvPicPr>
+            <a:picLocks noChangeAspect="1"/>
+          </p:cNvPicPr>
+          <p:nvPr/>
+        </p:nvPicPr>
+        <p:blipFill>
+          <a:blip r:embed="rId2" cstate="print"/>
+          <a:stretch>
+            <a:fillRect/>
+          </a:stretch>
+        </p:blipFill>
+        <p:spPr>
+          <a:xfrm>
+            <a:off x="7956253" y="0"/>
+            <a:ext cx="1187747" cy="1328738"/>
+          </a:xfrm>
+          <a:prstGeom prst="rect">
+            <a:avLst/>
+          </a:prstGeom>
+        </p:spPr>
+      </p:pic>
+    </p:spTree>
+  </p:cSld>
+  <p:clrMapOvr>
+    <a:masterClrMapping/>
+  </p:clrMapOvr>
+  <p:timing>
+    <p:tnLst>
+      <p:par>
+        <p:cTn id="1" dur="indefinite" restart="never" nodeType="tmRoot"/>
+      </p:par>
+    </p:tnLst>
+  </p:timing>
+</p:sld>
+</file>
+
+<file path=ppt/slides/slide19.xml><?xml version="1.0" encoding="utf-8"?>
+<p:sld xmlns:a="http://schemas.openxmlformats.org/drawingml/2006/main" xmlns:r="http://schemas.openxmlformats.org/officeDocument/2006/relationships" xmlns:p="http://schemas.openxmlformats.org/presentationml/2006/main">
+  <p:cSld>
+    <p:spTree>
+      <p:nvGrpSpPr>
+        <p:cNvPr id="1" name=""/>
+        <p:cNvGrpSpPr/>
+        <p:nvPr/>
+      </p:nvGrpSpPr>
+      <p:grpSpPr>
+        <a:xfrm>
+          <a:off x="0" y="0"/>
+          <a:ext cx="0" cy="0"/>
+          <a:chOff x="0" y="0"/>
+          <a:chExt cx="0" cy="0"/>
+        </a:xfrm>
+      </p:grpSpPr>
+      <p:sp>
+        <p:nvSpPr>
+          <p:cNvPr id="2" name="Title 1"/>
+          <p:cNvSpPr>
+            <a:spLocks noGrp="1"/>
+          </p:cNvSpPr>
+          <p:nvPr>
+            <p:ph type="title"/>
+          </p:nvPr>
+        </p:nvSpPr>
+        <p:spPr/>
+        <p:txBody>
+          <a:bodyPr>
+            <a:normAutofit fontScale="90000"/>
+          </a:bodyPr>
+          <a:lstStyle/>
+          <a:p>
+            <a:r>
+              <a:rPr lang="en-US" dirty="0" smtClean="0"/>
+              <a:t>User Interface Module</a:t>
+            </a:r>
+            <a:br>
+              <a:rPr lang="en-US" dirty="0" smtClean="0"/>
+            </a:br>
+            <a:r>
+              <a:rPr lang="en-US" dirty="0" smtClean="0"/>
+              <a:t>Function</a:t>
+            </a:r>
+            <a:endParaRPr lang="en-US" dirty="0"/>
+          </a:p>
+        </p:txBody>
+      </p:sp>
+      <p:sp>
+        <p:nvSpPr>
+          <p:cNvPr id="5" name="Content Placeholder 2"/>
+          <p:cNvSpPr>
+            <a:spLocks noGrp="1"/>
+          </p:cNvSpPr>
+          <p:nvPr>
+            <p:ph idx="1"/>
+          </p:nvPr>
+        </p:nvSpPr>
+        <p:spPr/>
+        <p:txBody>
+          <a:bodyPr/>
+          <a:lstStyle/>
+          <a:p>
+            <a:r>
+              <a:rPr lang="en-US" dirty="0" smtClean="0"/>
+              <a:t>Provide the framework for the user interaction with the application</a:t>
+            </a:r>
+          </a:p>
+          <a:p>
+            <a:r>
+              <a:rPr lang="en-US" dirty="0" smtClean="0"/>
+              <a:t>Provide the ability for the user to choose desired game settings</a:t>
+            </a:r>
+          </a:p>
+          <a:p>
+            <a:r>
+              <a:rPr lang="en-US" dirty="0" smtClean="0"/>
+              <a:t>Provide status messages or display error messages if user attempts an invalid operation</a:t>
+            </a:r>
+            <a:endParaRPr lang="en-US" dirty="0"/>
+          </a:p>
+        </p:txBody>
+      </p:sp>
+      <p:sp>
+        <p:nvSpPr>
+          <p:cNvPr id="6" name="Slide Number Placeholder 5"/>
+          <p:cNvSpPr>
+            <a:spLocks noGrp="1"/>
+          </p:cNvSpPr>
+          <p:nvPr>
+            <p:ph type="sldNum" sz="quarter" idx="12"/>
+          </p:nvPr>
+        </p:nvSpPr>
+        <p:spPr/>
+        <p:txBody>
+          <a:bodyPr/>
+          <a:lstStyle/>
+          <a:p>
+            <a:fld id="{B6F15528-21DE-4FAA-801E-634DDDAF4B2B}" type="slidenum">
+              <a:rPr lang="en-US" smtClean="0"/>
+              <a:pPr/>
+              <a:t>19</a:t>
+            </a:fld>
+            <a:endParaRPr lang="en-US" dirty="0"/>
+          </a:p>
+        </p:txBody>
+      </p:sp>
+      <p:pic>
+        <p:nvPicPr>
+          <p:cNvPr id="4" name="Picture 3" descr="logo.jpg"/>
+          <p:cNvPicPr>
+            <a:picLocks noChangeAspect="1"/>
+          </p:cNvPicPr>
+          <p:nvPr/>
+        </p:nvPicPr>
+        <p:blipFill>
+          <a:blip r:embed="rId2" cstate="print"/>
+          <a:stretch>
+            <a:fillRect/>
+          </a:stretch>
+        </p:blipFill>
+        <p:spPr>
+          <a:xfrm>
+            <a:off x="7956253" y="0"/>
+            <a:ext cx="1187747" cy="1328738"/>
+          </a:xfrm>
+          <a:prstGeom prst="rect">
+            <a:avLst/>
+          </a:prstGeom>
+        </p:spPr>
+      </p:pic>
+    </p:spTree>
+  </p:cSld>
+  <p:clrMapOvr>
+    <a:masterClrMapping/>
+  </p:clrMapOvr>
+  <p:timing>
+    <p:tnLst>
+      <p:par>
+        <p:cTn id="1" dur="indefinite" restart="never" nodeType="tmRoot"/>
+      </p:par>
+    </p:tnLst>
+  </p:timing>
+</p:sld>
+</file>
+
+<file path=ppt/slides/slide2.xml><?xml version="1.0" encoding="utf-8"?>
+<p:sld xmlns:a="http://schemas.openxmlformats.org/drawingml/2006/main" xmlns:r="http://schemas.openxmlformats.org/officeDocument/2006/relationships" xmlns:p="http://schemas.openxmlformats.org/presentationml/2006/main">
+  <p:cSld>
+    <p:spTree>
+      <p:nvGrpSpPr>
+        <p:cNvPr id="1" name=""/>
+        <p:cNvGrpSpPr/>
+        <p:nvPr/>
+      </p:nvGrpSpPr>
+      <p:grpSpPr>
+        <a:xfrm>
+          <a:off x="0" y="0"/>
+          <a:ext cx="0" cy="0"/>
+          <a:chOff x="0" y="0"/>
+          <a:chExt cx="0" cy="0"/>
+        </a:xfrm>
+      </p:grpSpPr>
+      <p:sp>
+        <p:nvSpPr>
+          <p:cNvPr id="2" name="Title 1"/>
+          <p:cNvSpPr>
+            <a:spLocks noGrp="1"/>
+          </p:cNvSpPr>
+          <p:nvPr>
+            <p:ph type="title"/>
+          </p:nvPr>
+        </p:nvSpPr>
+        <p:spPr/>
+        <p:txBody>
+          <a:bodyPr/>
+          <a:lstStyle/>
+          <a:p>
+            <a:r>
+              <a:rPr lang="en-US" dirty="0" smtClean="0"/>
+              <a:t>Summary	</a:t>
+            </a:r>
+            <a:endParaRPr lang="en-US" dirty="0"/>
+          </a:p>
+        </p:txBody>
+      </p:sp>
+      <p:sp>
+        <p:nvSpPr>
+          <p:cNvPr id="3" name="Content Placeholder 2"/>
+          <p:cNvSpPr>
+            <a:spLocks noGrp="1"/>
+          </p:cNvSpPr>
+          <p:nvPr>
+            <p:ph idx="1"/>
+          </p:nvPr>
+        </p:nvSpPr>
+        <p:spPr/>
+        <p:txBody>
+          <a:bodyPr/>
+          <a:lstStyle/>
+          <a:p>
+            <a:r>
+              <a:rPr lang="en-US" dirty="0" smtClean="0"/>
+              <a:t>Overview</a:t>
+            </a:r>
+          </a:p>
+          <a:p>
+            <a:r>
+              <a:rPr lang="en-US" dirty="0" smtClean="0"/>
+              <a:t>Modules</a:t>
+            </a:r>
+          </a:p>
+          <a:p>
+            <a:pPr lvl="1"/>
+            <a:r>
+              <a:rPr lang="en-US" dirty="0" smtClean="0"/>
+              <a:t>Graphics (Tom Calloway)</a:t>
+            </a:r>
+          </a:p>
+          <a:p>
+            <a:pPr lvl="1"/>
+            <a:r>
+              <a:rPr lang="en-US" dirty="0" smtClean="0"/>
+              <a:t>User Interface (Obi Atueyi)</a:t>
+            </a:r>
+          </a:p>
+          <a:p>
+            <a:pPr lvl="1"/>
+            <a:r>
+              <a:rPr lang="en-US" dirty="0" smtClean="0"/>
+              <a:t>Game Mechanics and AI (Josh Kilgore)</a:t>
+            </a:r>
+          </a:p>
+          <a:p>
+            <a:pPr lvl="1"/>
+            <a:r>
+              <a:rPr lang="en-US" dirty="0" smtClean="0"/>
+              <a:t>Database (Ye Tian)</a:t>
+            </a:r>
+          </a:p>
+          <a:p>
+            <a:r>
+              <a:rPr lang="en-US" dirty="0" smtClean="0"/>
+              <a:t>Conclusion </a:t>
+            </a:r>
+          </a:p>
+          <a:p>
+            <a:r>
+              <a:rPr lang="en-US" dirty="0" smtClean="0"/>
+              <a:t>Questions</a:t>
+            </a:r>
+            <a:endParaRPr lang="en-US" dirty="0"/>
+          </a:p>
+        </p:txBody>
+      </p:sp>
+      <p:sp>
+        <p:nvSpPr>
+          <p:cNvPr id="5" name="Slide Number Placeholder 4"/>
+          <p:cNvSpPr>
+            <a:spLocks noGrp="1"/>
+          </p:cNvSpPr>
+          <p:nvPr>
+            <p:ph type="sldNum" sz="quarter" idx="12"/>
+          </p:nvPr>
+        </p:nvSpPr>
+        <p:spPr/>
+        <p:txBody>
+          <a:bodyPr/>
+          <a:lstStyle/>
+          <a:p>
+            <a:fld id="{B6F15528-21DE-4FAA-801E-634DDDAF4B2B}" type="slidenum">
+              <a:rPr lang="en-US" smtClean="0"/>
+              <a:pPr/>
+              <a:t>2</a:t>
+            </a:fld>
+            <a:endParaRPr lang="en-US" dirty="0"/>
+          </a:p>
+        </p:txBody>
+      </p:sp>
+      <p:pic>
+        <p:nvPicPr>
+          <p:cNvPr id="4" name="Picture 3" descr="logo.jpg"/>
+          <p:cNvPicPr>
+            <a:picLocks noChangeAspect="1"/>
+          </p:cNvPicPr>
+          <p:nvPr/>
+        </p:nvPicPr>
+        <p:blipFill>
+          <a:blip r:embed="rId2" cstate="print"/>
+          <a:stretch>
+            <a:fillRect/>
+          </a:stretch>
+        </p:blipFill>
+        <p:spPr>
+          <a:xfrm>
+            <a:off x="7956253" y="0"/>
+            <a:ext cx="1187747" cy="1328738"/>
+          </a:xfrm>
+          <a:prstGeom prst="rect">
+            <a:avLst/>
+          </a:prstGeom>
+        </p:spPr>
+      </p:pic>
+    </p:spTree>
+  </p:cSld>
+  <p:clrMapOvr>
+    <a:masterClrMapping/>
+  </p:clrMapOvr>
+  <p:timing>
+    <p:tnLst>
+      <p:par>
+        <p:cTn id="1" dur="indefinite" restart="never" nodeType="tmRoot"/>
+      </p:par>
+    </p:tnLst>
+  </p:timing>
+</p:sld>
+</file>
+
+<file path=ppt/slides/slide20.xml><?xml version="1.0" encoding="utf-8"?>
+<p:sld xmlns:a="http://schemas.openxmlformats.org/drawingml/2006/main" xmlns:r="http://schemas.openxmlformats.org/officeDocument/2006/relationships" xmlns:p="http://schemas.openxmlformats.org/presentationml/2006/main">
+  <p:cSld>
+    <p:spTree>
+      <p:nvGrpSpPr>
+        <p:cNvPr id="1" name=""/>
+        <p:cNvGrpSpPr/>
+        <p:nvPr/>
+      </p:nvGrpSpPr>
+      <p:grpSpPr>
+        <a:xfrm>
+          <a:off x="0" y="0"/>
+          <a:ext cx="0" cy="0"/>
+          <a:chOff x="0" y="0"/>
+          <a:chExt cx="0" cy="0"/>
+        </a:xfrm>
+      </p:grpSpPr>
+      <p:sp>
+        <p:nvSpPr>
+          <p:cNvPr id="2" name="Title 1"/>
+          <p:cNvSpPr>
+            <a:spLocks noGrp="1"/>
+          </p:cNvSpPr>
+          <p:nvPr>
+            <p:ph type="title"/>
+          </p:nvPr>
+        </p:nvSpPr>
+        <p:spPr/>
+        <p:txBody>
+          <a:bodyPr>
+            <a:normAutofit fontScale="90000"/>
+          </a:bodyPr>
+          <a:lstStyle/>
+          <a:p>
+            <a:r>
+              <a:rPr lang="en-US" dirty="0" smtClean="0"/>
+              <a:t>User Interface Module</a:t>
+            </a:r>
+            <a:br>
+              <a:rPr lang="en-US" dirty="0" smtClean="0"/>
+            </a:br>
+            <a:r>
+              <a:rPr lang="en-US" dirty="0" smtClean="0"/>
               <a:t>Architecture</a:t>
             </a:r>
             <a:endParaRPr lang="en-US" dirty="0"/>
@@ -5763,9 +7602,9 @@
             <a:fld id="{B6F15528-21DE-4FAA-801E-634DDDAF4B2B}" type="slidenum">
               <a:rPr lang="en-US" smtClean="0"/>
               <a:pPr/>
-              <a:t>18</a:t>
+              <a:t>20</a:t>
             </a:fld>
-            <a:endParaRPr lang="en-US"/>
+            <a:endParaRPr lang="en-US" dirty="0"/>
           </a:p>
         </p:txBody>
       </p:sp>
@@ -5832,7 +7671,7 @@
 </p:sld>
 </file>
 
-<file path=ppt/slides/slide19.xml><?xml version="1.0" encoding="utf-8"?>
+<file path=ppt/slides/slide21.xml><?xml version="1.0" encoding="utf-8"?>
 <p:sld xmlns:a="http://schemas.openxmlformats.org/drawingml/2006/main" xmlns:r="http://schemas.openxmlformats.org/officeDocument/2006/relationships" xmlns:p="http://schemas.openxmlformats.org/presentationml/2006/main">
   <p:cSld>
     <p:spTree>
@@ -5899,9 +7738,9 @@
             <a:fld id="{B6F15528-21DE-4FAA-801E-634DDDAF4B2B}" type="slidenum">
               <a:rPr lang="en-US" smtClean="0"/>
               <a:pPr/>
-              <a:t>19</a:t>
+              <a:t>21</a:t>
             </a:fld>
-            <a:endParaRPr lang="en-US"/>
+            <a:endParaRPr lang="en-US" dirty="0"/>
           </a:p>
         </p:txBody>
       </p:sp>
@@ -5968,7 +7807,156 @@
 </p:sld>
 </file>
 
-<file path=ppt/slides/slide2.xml><?xml version="1.0" encoding="utf-8"?>
+<file path=ppt/slides/slide22.xml><?xml version="1.0" encoding="utf-8"?>
+<p:sld xmlns:a="http://schemas.openxmlformats.org/drawingml/2006/main" xmlns:r="http://schemas.openxmlformats.org/officeDocument/2006/relationships" xmlns:p="http://schemas.openxmlformats.org/presentationml/2006/main">
+  <p:cSld>
+    <p:spTree>
+      <p:nvGrpSpPr>
+        <p:cNvPr id="1" name=""/>
+        <p:cNvGrpSpPr/>
+        <p:nvPr/>
+      </p:nvGrpSpPr>
+      <p:grpSpPr>
+        <a:xfrm>
+          <a:off x="0" y="0"/>
+          <a:ext cx="0" cy="0"/>
+          <a:chOff x="0" y="0"/>
+          <a:chExt cx="0" cy="0"/>
+        </a:xfrm>
+      </p:grpSpPr>
+      <p:sp>
+        <p:nvSpPr>
+          <p:cNvPr id="4" name="Title 1"/>
+          <p:cNvSpPr>
+            <a:spLocks noGrp="1"/>
+          </p:cNvSpPr>
+          <p:nvPr>
+            <p:ph type="title"/>
+          </p:nvPr>
+        </p:nvSpPr>
+        <p:spPr/>
+        <p:txBody>
+          <a:bodyPr>
+            <a:normAutofit fontScale="90000"/>
+          </a:bodyPr>
+          <a:lstStyle/>
+          <a:p>
+            <a:r>
+              <a:rPr lang="en-US" dirty="0" smtClean="0"/>
+              <a:t>User Interface Module</a:t>
+            </a:r>
+            <a:br>
+              <a:rPr lang="en-US" dirty="0" smtClean="0"/>
+            </a:br>
+            <a:r>
+              <a:rPr lang="en-US" dirty="0" smtClean="0"/>
+              <a:t>Conclusion</a:t>
+            </a:r>
+            <a:endParaRPr lang="en-US" dirty="0"/>
+          </a:p>
+        </p:txBody>
+      </p:sp>
+      <p:sp>
+        <p:nvSpPr>
+          <p:cNvPr id="6" name="Content Placeholder 2"/>
+          <p:cNvSpPr>
+            <a:spLocks noGrp="1"/>
+          </p:cNvSpPr>
+          <p:nvPr>
+            <p:ph idx="1"/>
+          </p:nvPr>
+        </p:nvSpPr>
+        <p:spPr/>
+        <p:txBody>
+          <a:bodyPr>
+            <a:normAutofit lnSpcReduction="10000"/>
+          </a:bodyPr>
+          <a:lstStyle/>
+          <a:p>
+            <a:r>
+              <a:rPr lang="en-US" dirty="0" smtClean="0"/>
+              <a:t>The User Interface module is what enables the application to respond to the user’s actions.</a:t>
+            </a:r>
+          </a:p>
+          <a:p>
+            <a:r>
+              <a:rPr lang="en-US" dirty="0" smtClean="0"/>
+              <a:t>By communicating with the game mechanics and database modules, the User Interface shares, with the user, data necessary to configure the game</a:t>
+            </a:r>
+          </a:p>
+          <a:p>
+            <a:r>
+              <a:rPr lang="en-US" dirty="0" smtClean="0"/>
+              <a:t>The User Interface module does not display graphics of the active battle, but rather provides the space to view the battle.</a:t>
+            </a:r>
+            <a:endParaRPr lang="en-US" dirty="0"/>
+          </a:p>
+        </p:txBody>
+      </p:sp>
+      <p:sp>
+        <p:nvSpPr>
+          <p:cNvPr id="7" name="Slide Number Placeholder 6"/>
+          <p:cNvSpPr>
+            <a:spLocks noGrp="1"/>
+          </p:cNvSpPr>
+          <p:nvPr>
+            <p:ph type="sldNum" sz="quarter" idx="12"/>
+          </p:nvPr>
+        </p:nvSpPr>
+        <p:spPr/>
+        <p:txBody>
+          <a:bodyPr/>
+          <a:lstStyle/>
+          <a:p>
+            <a:fld id="{B6F15528-21DE-4FAA-801E-634DDDAF4B2B}" type="slidenum">
+              <a:rPr lang="en-US" smtClean="0"/>
+              <a:pPr/>
+              <a:t>22</a:t>
+            </a:fld>
+            <a:endParaRPr lang="en-US" dirty="0"/>
+          </a:p>
+        </p:txBody>
+      </p:sp>
+      <p:pic>
+        <p:nvPicPr>
+          <p:cNvPr id="5" name="Picture 4" descr="logo.jpg"/>
+          <p:cNvPicPr>
+            <a:picLocks noChangeAspect="1"/>
+          </p:cNvPicPr>
+          <p:nvPr/>
+        </p:nvPicPr>
+        <p:blipFill>
+          <a:blip r:embed="rId2" cstate="print"/>
+          <a:stretch>
+            <a:fillRect/>
+          </a:stretch>
+        </p:blipFill>
+        <p:spPr>
+          <a:xfrm>
+            <a:off x="7956253" y="0"/>
+            <a:ext cx="1187747" cy="1328738"/>
+          </a:xfrm>
+          <a:prstGeom prst="rect">
+            <a:avLst/>
+          </a:prstGeom>
+        </p:spPr>
+      </p:pic>
+    </p:spTree>
+  </p:cSld>
+  <p:clrMapOvr>
+    <a:masterClrMapping/>
+  </p:clrMapOvr>
+  <p:timing>
+    <p:tnLst>
+      <p:par>
+        <p:cTn id="1" dur="indefinite" restart="never" nodeType="tmRoot"/>
+      </p:par>
+    </p:tnLst>
+  </p:timing>
+</p:sld>
+</file>
+
+<file path=ppt/slides/slide23.xml><?xml version="1.0" encoding="utf-8"?>
 <p:sld xmlns:a="http://schemas.openxmlformats.org/drawingml/2006/main" xmlns:r="http://schemas.openxmlformats.org/officeDocument/2006/relationships" xmlns:p="http://schemas.openxmlformats.org/presentationml/2006/main">
   <p:cSld>
     <p:spTree>
@@ -5997,12 +7985,21 @@
         </p:nvSpPr>
         <p:spPr/>
         <p:txBody>
-          <a:bodyPr/>
+          <a:bodyPr>
+            <a:normAutofit fontScale="90000"/>
+          </a:bodyPr>
           <a:lstStyle/>
           <a:p>
             <a:r>
               <a:rPr lang="en-US" dirty="0" smtClean="0"/>
-              <a:t>Summary	</a:t>
+              <a:t>Game Mechanics</a:t>
+            </a:r>
+            <a:br>
+              <a:rPr lang="en-US" dirty="0" smtClean="0"/>
+            </a:br>
+            <a:r>
+              <a:rPr lang="en-US" dirty="0" smtClean="0"/>
+              <a:t>and AI</a:t>
             </a:r>
             <a:endParaRPr lang="en-US" dirty="0"/>
           </a:p>
@@ -6020,74 +8017,67 @@
         </p:nvSpPr>
         <p:spPr/>
         <p:txBody>
-          <a:bodyPr/>
+          <a:bodyPr>
+            <a:normAutofit lnSpcReduction="10000"/>
+          </a:bodyPr>
           <a:lstStyle/>
           <a:p>
             <a:r>
               <a:rPr lang="en-US" dirty="0" smtClean="0"/>
-              <a:t>Overview</a:t>
+              <a:t>Unit</a:t>
             </a:r>
           </a:p>
           <a:p>
             <a:r>
               <a:rPr lang="en-US" dirty="0" smtClean="0"/>
-              <a:t>Modules</a:t>
+              <a:t>Player</a:t>
+            </a:r>
+          </a:p>
+          <a:p>
+            <a:r>
+              <a:rPr lang="en-US" dirty="0" smtClean="0"/>
+              <a:t>Mechanics</a:t>
             </a:r>
           </a:p>
           <a:p>
             <a:pPr lvl="1"/>
             <a:r>
               <a:rPr lang="en-US" dirty="0" smtClean="0"/>
-              <a:t>Graphics (Tom Calloway)</a:t>
+              <a:t>Move</a:t>
             </a:r>
           </a:p>
           <a:p>
             <a:pPr lvl="1"/>
             <a:r>
               <a:rPr lang="en-US" dirty="0" smtClean="0"/>
-              <a:t>User Interface (Obi </a:t>
-            </a:r>
-            <a:r>
-              <a:rPr lang="en-US" dirty="0" err="1" smtClean="0"/>
-              <a:t>Atueyi</a:t>
-            </a:r>
-            <a:r>
-              <a:rPr lang="en-US" dirty="0" smtClean="0"/>
-              <a:t>)</a:t>
+              <a:t>Attack</a:t>
             </a:r>
           </a:p>
           <a:p>
             <a:pPr lvl="1"/>
             <a:r>
               <a:rPr lang="en-US" dirty="0" smtClean="0"/>
-              <a:t>Game Mechanics and AI (Josh Kilgore)</a:t>
+              <a:t>Others</a:t>
+            </a:r>
+          </a:p>
+          <a:p>
+            <a:r>
+              <a:rPr lang="en-US" dirty="0" smtClean="0"/>
+              <a:t>AI</a:t>
             </a:r>
           </a:p>
           <a:p>
             <a:pPr lvl="1"/>
             <a:r>
               <a:rPr lang="en-US" dirty="0" smtClean="0"/>
-              <a:t>Database (Ye </a:t>
+              <a:t>Game Tree</a:t>
             </a:r>
-            <a:r>
-              <a:rPr lang="en-US" dirty="0" err="1" smtClean="0"/>
-              <a:t>Tian</a:t>
-            </a:r>
+          </a:p>
+          <a:p>
+            <a:pPr lvl="1"/>
             <a:r>
               <a:rPr lang="en-US" dirty="0" smtClean="0"/>
-              <a:t>)</a:t>
-            </a:r>
-          </a:p>
-          <a:p>
-            <a:r>
-              <a:rPr lang="en-US" dirty="0" smtClean="0"/>
-              <a:t>Conclusion </a:t>
-            </a:r>
-          </a:p>
-          <a:p>
-            <a:r>
-              <a:rPr lang="en-US" dirty="0" smtClean="0"/>
-              <a:t>Questions</a:t>
+              <a:t>Decision Making</a:t>
             </a:r>
             <a:endParaRPr lang="en-US" dirty="0"/>
           </a:p>
@@ -6111,9 +8101,9 @@
             <a:fld id="{B6F15528-21DE-4FAA-801E-634DDDAF4B2B}" type="slidenum">
               <a:rPr lang="en-US" smtClean="0"/>
               <a:pPr/>
-              <a:t>2</a:t>
+              <a:t>23</a:t>
             </a:fld>
-            <a:endParaRPr lang="en-US"/>
+            <a:endParaRPr lang="en-US" dirty="0"/>
           </a:p>
         </p:txBody>
       </p:sp>
@@ -6156,354 +8146,7 @@
 </p:sld>
 </file>
 
-<file path=ppt/slides/slide20.xml><?xml version="1.0" encoding="utf-8"?>
-<p:sld xmlns:a="http://schemas.openxmlformats.org/drawingml/2006/main" xmlns:r="http://schemas.openxmlformats.org/officeDocument/2006/relationships" xmlns:p="http://schemas.openxmlformats.org/presentationml/2006/main">
-  <p:cSld>
-    <p:spTree>
-      <p:nvGrpSpPr>
-        <p:cNvPr id="1" name=""/>
-        <p:cNvGrpSpPr/>
-        <p:nvPr/>
-      </p:nvGrpSpPr>
-      <p:grpSpPr>
-        <a:xfrm>
-          <a:off x="0" y="0"/>
-          <a:ext cx="0" cy="0"/>
-          <a:chOff x="0" y="0"/>
-          <a:chExt cx="0" cy="0"/>
-        </a:xfrm>
-      </p:grpSpPr>
-      <p:sp>
-        <p:nvSpPr>
-          <p:cNvPr id="4" name="Title 1"/>
-          <p:cNvSpPr>
-            <a:spLocks noGrp="1"/>
-          </p:cNvSpPr>
-          <p:nvPr>
-            <p:ph type="title"/>
-          </p:nvPr>
-        </p:nvSpPr>
-        <p:spPr/>
-        <p:txBody>
-          <a:bodyPr>
-            <a:normAutofit fontScale="90000"/>
-          </a:bodyPr>
-          <a:lstStyle/>
-          <a:p>
-            <a:r>
-              <a:rPr lang="en-US" dirty="0" smtClean="0"/>
-              <a:t>User Interface Module</a:t>
-            </a:r>
-            <a:br>
-              <a:rPr lang="en-US" dirty="0" smtClean="0"/>
-            </a:br>
-            <a:r>
-              <a:rPr lang="en-US" dirty="0" smtClean="0"/>
-              <a:t>Conclusion</a:t>
-            </a:r>
-            <a:endParaRPr lang="en-US" dirty="0"/>
-          </a:p>
-        </p:txBody>
-      </p:sp>
-      <p:sp>
-        <p:nvSpPr>
-          <p:cNvPr id="6" name="Content Placeholder 2"/>
-          <p:cNvSpPr>
-            <a:spLocks noGrp="1"/>
-          </p:cNvSpPr>
-          <p:nvPr>
-            <p:ph idx="1"/>
-          </p:nvPr>
-        </p:nvSpPr>
-        <p:spPr/>
-        <p:txBody>
-          <a:bodyPr>
-            <a:normAutofit lnSpcReduction="10000"/>
-          </a:bodyPr>
-          <a:lstStyle/>
-          <a:p>
-            <a:r>
-              <a:rPr lang="en-US" dirty="0" smtClean="0"/>
-              <a:t>The User Interface module is what enables the application to respond to the user’s actions.</a:t>
-            </a:r>
-          </a:p>
-          <a:p>
-            <a:r>
-              <a:rPr lang="en-US" dirty="0" smtClean="0"/>
-              <a:t>By communicating with the game mechanics and database modules, the User Interface shares, with the user, data necessary to configure the game</a:t>
-            </a:r>
-          </a:p>
-          <a:p>
-            <a:r>
-              <a:rPr lang="en-US" dirty="0" smtClean="0"/>
-              <a:t>The User Interface module does not display graphics of the active battle, but rather </a:t>
-            </a:r>
-            <a:r>
-              <a:rPr lang="en-US" smtClean="0"/>
-              <a:t>provides the space </a:t>
-            </a:r>
-            <a:r>
-              <a:rPr lang="en-US" dirty="0" smtClean="0"/>
-              <a:t>to view the battle.</a:t>
-            </a:r>
-            <a:endParaRPr lang="en-US" dirty="0"/>
-          </a:p>
-        </p:txBody>
-      </p:sp>
-      <p:sp>
-        <p:nvSpPr>
-          <p:cNvPr id="7" name="Slide Number Placeholder 6"/>
-          <p:cNvSpPr>
-            <a:spLocks noGrp="1"/>
-          </p:cNvSpPr>
-          <p:nvPr>
-            <p:ph type="sldNum" sz="quarter" idx="12"/>
-          </p:nvPr>
-        </p:nvSpPr>
-        <p:spPr/>
-        <p:txBody>
-          <a:bodyPr/>
-          <a:lstStyle/>
-          <a:p>
-            <a:fld id="{B6F15528-21DE-4FAA-801E-634DDDAF4B2B}" type="slidenum">
-              <a:rPr lang="en-US" smtClean="0"/>
-              <a:pPr/>
-              <a:t>20</a:t>
-            </a:fld>
-            <a:endParaRPr lang="en-US"/>
-          </a:p>
-        </p:txBody>
-      </p:sp>
-      <p:pic>
-        <p:nvPicPr>
-          <p:cNvPr id="5" name="Picture 4" descr="logo.jpg"/>
-          <p:cNvPicPr>
-            <a:picLocks noChangeAspect="1"/>
-          </p:cNvPicPr>
-          <p:nvPr/>
-        </p:nvPicPr>
-        <p:blipFill>
-          <a:blip r:embed="rId2" cstate="print"/>
-          <a:stretch>
-            <a:fillRect/>
-          </a:stretch>
-        </p:blipFill>
-        <p:spPr>
-          <a:xfrm>
-            <a:off x="7956253" y="0"/>
-            <a:ext cx="1187747" cy="1328738"/>
-          </a:xfrm>
-          <a:prstGeom prst="rect">
-            <a:avLst/>
-          </a:prstGeom>
-        </p:spPr>
-      </p:pic>
-    </p:spTree>
-  </p:cSld>
-  <p:clrMapOvr>
-    <a:masterClrMapping/>
-  </p:clrMapOvr>
-  <p:timing>
-    <p:tnLst>
-      <p:par>
-        <p:cTn id="1" dur="indefinite" restart="never" nodeType="tmRoot"/>
-      </p:par>
-    </p:tnLst>
-  </p:timing>
-</p:sld>
-</file>
-
-<file path=ppt/slides/slide21.xml><?xml version="1.0" encoding="utf-8"?>
-<p:sld xmlns:a="http://schemas.openxmlformats.org/drawingml/2006/main" xmlns:r="http://schemas.openxmlformats.org/officeDocument/2006/relationships" xmlns:p="http://schemas.openxmlformats.org/presentationml/2006/main">
-  <p:cSld>
-    <p:spTree>
-      <p:nvGrpSpPr>
-        <p:cNvPr id="1" name=""/>
-        <p:cNvGrpSpPr/>
-        <p:nvPr/>
-      </p:nvGrpSpPr>
-      <p:grpSpPr>
-        <a:xfrm>
-          <a:off x="0" y="0"/>
-          <a:ext cx="0" cy="0"/>
-          <a:chOff x="0" y="0"/>
-          <a:chExt cx="0" cy="0"/>
-        </a:xfrm>
-      </p:grpSpPr>
-      <p:sp>
-        <p:nvSpPr>
-          <p:cNvPr id="2" name="Title 1"/>
-          <p:cNvSpPr>
-            <a:spLocks noGrp="1"/>
-          </p:cNvSpPr>
-          <p:nvPr>
-            <p:ph type="title"/>
-          </p:nvPr>
-        </p:nvSpPr>
-        <p:spPr/>
-        <p:txBody>
-          <a:bodyPr>
-            <a:normAutofit fontScale="90000"/>
-          </a:bodyPr>
-          <a:lstStyle/>
-          <a:p>
-            <a:r>
-              <a:rPr lang="en-US" dirty="0" smtClean="0"/>
-              <a:t>Game Mechanics</a:t>
-            </a:r>
-            <a:br>
-              <a:rPr lang="en-US" dirty="0" smtClean="0"/>
-            </a:br>
-            <a:r>
-              <a:rPr lang="en-US" dirty="0" smtClean="0"/>
-              <a:t>and AI</a:t>
-            </a:r>
-            <a:endParaRPr lang="en-US" dirty="0"/>
-          </a:p>
-        </p:txBody>
-      </p:sp>
-      <p:sp>
-        <p:nvSpPr>
-          <p:cNvPr id="3" name="Content Placeholder 2"/>
-          <p:cNvSpPr>
-            <a:spLocks noGrp="1"/>
-          </p:cNvSpPr>
-          <p:nvPr>
-            <p:ph idx="1"/>
-          </p:nvPr>
-        </p:nvSpPr>
-        <p:spPr/>
-        <p:txBody>
-          <a:bodyPr>
-            <a:normAutofit lnSpcReduction="10000"/>
-          </a:bodyPr>
-          <a:lstStyle/>
-          <a:p>
-            <a:r>
-              <a:rPr lang="en-US" dirty="0" smtClean="0"/>
-              <a:t>Unit</a:t>
-            </a:r>
-          </a:p>
-          <a:p>
-            <a:r>
-              <a:rPr lang="en-US" dirty="0" smtClean="0"/>
-              <a:t>Player</a:t>
-            </a:r>
-          </a:p>
-          <a:p>
-            <a:r>
-              <a:rPr lang="en-US" dirty="0" smtClean="0"/>
-              <a:t>Mechanics</a:t>
-            </a:r>
-          </a:p>
-          <a:p>
-            <a:pPr lvl="1"/>
-            <a:r>
-              <a:rPr lang="en-US" dirty="0" smtClean="0"/>
-              <a:t>Move</a:t>
-            </a:r>
-          </a:p>
-          <a:p>
-            <a:pPr lvl="1"/>
-            <a:r>
-              <a:rPr lang="en-US" dirty="0" smtClean="0"/>
-              <a:t>Attack</a:t>
-            </a:r>
-          </a:p>
-          <a:p>
-            <a:pPr lvl="1"/>
-            <a:r>
-              <a:rPr lang="en-US" dirty="0" smtClean="0"/>
-              <a:t>Others</a:t>
-            </a:r>
-          </a:p>
-          <a:p>
-            <a:r>
-              <a:rPr lang="en-US" dirty="0" smtClean="0"/>
-              <a:t>AI</a:t>
-            </a:r>
-          </a:p>
-          <a:p>
-            <a:pPr lvl="1"/>
-            <a:r>
-              <a:rPr lang="en-US" dirty="0" smtClean="0"/>
-              <a:t>Game Tree</a:t>
-            </a:r>
-          </a:p>
-          <a:p>
-            <a:pPr lvl="1"/>
-            <a:r>
-              <a:rPr lang="en-US" dirty="0" smtClean="0"/>
-              <a:t>Decision Making</a:t>
-            </a:r>
-            <a:endParaRPr lang="en-US" dirty="0"/>
-          </a:p>
-        </p:txBody>
-      </p:sp>
-      <p:sp>
-        <p:nvSpPr>
-          <p:cNvPr id="5" name="Slide Number Placeholder 4"/>
-          <p:cNvSpPr>
-            <a:spLocks noGrp="1"/>
-          </p:cNvSpPr>
-          <p:nvPr>
-            <p:ph type="sldNum" sz="quarter" idx="12"/>
-          </p:nvPr>
-        </p:nvSpPr>
-        <p:spPr/>
-        <p:txBody>
-          <a:bodyPr/>
-          <a:lstStyle/>
-          <a:p>
-            <a:fld id="{B6F15528-21DE-4FAA-801E-634DDDAF4B2B}" type="slidenum">
-              <a:rPr lang="en-US" smtClean="0"/>
-              <a:pPr/>
-              <a:t>21</a:t>
-            </a:fld>
-            <a:endParaRPr lang="en-US"/>
-          </a:p>
-        </p:txBody>
-      </p:sp>
-      <p:pic>
-        <p:nvPicPr>
-          <p:cNvPr id="4" name="Picture 3" descr="logo.jpg"/>
-          <p:cNvPicPr>
-            <a:picLocks noChangeAspect="1"/>
-          </p:cNvPicPr>
-          <p:nvPr/>
-        </p:nvPicPr>
-        <p:blipFill>
-          <a:blip r:embed="rId2" cstate="print"/>
-          <a:stretch>
-            <a:fillRect/>
-          </a:stretch>
-        </p:blipFill>
-        <p:spPr>
-          <a:xfrm>
-            <a:off x="7956253" y="0"/>
-            <a:ext cx="1187747" cy="1328738"/>
-          </a:xfrm>
-          <a:prstGeom prst="rect">
-            <a:avLst/>
-          </a:prstGeom>
-        </p:spPr>
-      </p:pic>
-    </p:spTree>
-  </p:cSld>
-  <p:clrMapOvr>
-    <a:masterClrMapping/>
-  </p:clrMapOvr>
-  <p:timing>
-    <p:tnLst>
-      <p:par>
-        <p:cTn id="1" dur="indefinite" restart="never" nodeType="tmRoot"/>
-      </p:par>
-    </p:tnLst>
-  </p:timing>
-</p:sld>
-</file>
-
-<file path=ppt/slides/slide22.xml><?xml version="1.0" encoding="utf-8"?>
+<file path=ppt/slides/slide24.xml><?xml version="1.0" encoding="utf-8"?>
 <p:sld xmlns:a="http://schemas.openxmlformats.org/drawingml/2006/main" xmlns:r="http://schemas.openxmlformats.org/officeDocument/2006/relationships" xmlns:p="http://schemas.openxmlformats.org/presentationml/2006/main">
   <p:cSld>
     <p:spTree>
@@ -6649,9 +8292,9 @@
             <a:fld id="{B6F15528-21DE-4FAA-801E-634DDDAF4B2B}" type="slidenum">
               <a:rPr lang="en-US" smtClean="0"/>
               <a:pPr/>
-              <a:t>22</a:t>
+              <a:t>24</a:t>
             </a:fld>
-            <a:endParaRPr lang="en-US"/>
+            <a:endParaRPr lang="en-US" dirty="0"/>
           </a:p>
         </p:txBody>
       </p:sp>
@@ -6839,7 +8482,7 @@
 </p:sld>
 </file>
 
-<file path=ppt/slides/slide23.xml><?xml version="1.0" encoding="utf-8"?>
+<file path=ppt/slides/slide25.xml><?xml version="1.0" encoding="utf-8"?>
 <p:sld xmlns:a="http://schemas.openxmlformats.org/drawingml/2006/main" xmlns:r="http://schemas.openxmlformats.org/officeDocument/2006/relationships" xmlns:p="http://schemas.openxmlformats.org/presentationml/2006/main">
   <p:cSld>
     <p:spTree>
@@ -6957,9 +8600,9 @@
             <a:fld id="{B6F15528-21DE-4FAA-801E-634DDDAF4B2B}" type="slidenum">
               <a:rPr lang="en-US" smtClean="0"/>
               <a:pPr/>
-              <a:t>23</a:t>
+              <a:t>25</a:t>
             </a:fld>
-            <a:endParaRPr lang="en-US"/>
+            <a:endParaRPr lang="en-US" dirty="0"/>
           </a:p>
         </p:txBody>
       </p:sp>
@@ -7006,7 +8649,7 @@
 </p:sld>
 </file>
 
-<file path=ppt/slides/slide24.xml><?xml version="1.0" encoding="utf-8"?>
+<file path=ppt/slides/slide26.xml><?xml version="1.0" encoding="utf-8"?>
 <p:sld xmlns:a="http://schemas.openxmlformats.org/drawingml/2006/main" xmlns:r="http://schemas.openxmlformats.org/officeDocument/2006/relationships" xmlns:p="http://schemas.openxmlformats.org/presentationml/2006/main">
   <p:cSld>
     <p:spTree>
@@ -7098,9 +8741,9 @@
             <a:fld id="{B6F15528-21DE-4FAA-801E-634DDDAF4B2B}" type="slidenum">
               <a:rPr lang="en-US" smtClean="0"/>
               <a:pPr/>
-              <a:t>24</a:t>
+              <a:t>26</a:t>
             </a:fld>
-            <a:endParaRPr lang="en-US"/>
+            <a:endParaRPr lang="en-US" dirty="0"/>
           </a:p>
         </p:txBody>
       </p:sp>
@@ -7216,7 +8859,7 @@
             <a:lstStyle/>
             <a:p>
               <a:pPr algn="ctr"/>
-              <a:endParaRPr lang="en-US"/>
+              <a:endParaRPr lang="en-US" dirty="0"/>
             </a:p>
           </p:txBody>
         </p:sp>
@@ -7264,7 +8907,7 @@
             <a:lstStyle/>
             <a:p>
               <a:pPr algn="ctr"/>
-              <a:endParaRPr lang="en-US"/>
+              <a:endParaRPr lang="en-US" dirty="0"/>
             </a:p>
           </p:txBody>
         </p:sp>
@@ -7312,7 +8955,7 @@
             <a:lstStyle/>
             <a:p>
               <a:pPr algn="ctr"/>
-              <a:endParaRPr lang="en-US"/>
+              <a:endParaRPr lang="en-US" dirty="0"/>
             </a:p>
           </p:txBody>
         </p:sp>
@@ -7360,7 +9003,7 @@
             <a:lstStyle/>
             <a:p>
               <a:pPr algn="ctr"/>
-              <a:endParaRPr lang="en-US"/>
+              <a:endParaRPr lang="en-US" dirty="0"/>
             </a:p>
           </p:txBody>
         </p:sp>
@@ -7408,7 +9051,7 @@
             <a:lstStyle/>
             <a:p>
               <a:pPr algn="ctr"/>
-              <a:endParaRPr lang="en-US"/>
+              <a:endParaRPr lang="en-US" dirty="0"/>
             </a:p>
           </p:txBody>
         </p:sp>
@@ -7456,7 +9099,7 @@
             <a:lstStyle/>
             <a:p>
               <a:pPr algn="ctr"/>
-              <a:endParaRPr lang="en-US"/>
+              <a:endParaRPr lang="en-US" dirty="0"/>
             </a:p>
           </p:txBody>
         </p:sp>
@@ -7504,7 +9147,7 @@
             <a:lstStyle/>
             <a:p>
               <a:pPr algn="ctr"/>
-              <a:endParaRPr lang="en-US"/>
+              <a:endParaRPr lang="en-US" dirty="0"/>
             </a:p>
           </p:txBody>
         </p:sp>
@@ -7552,7 +9195,7 @@
             <a:lstStyle/>
             <a:p>
               <a:pPr algn="ctr"/>
-              <a:endParaRPr lang="en-US"/>
+              <a:endParaRPr lang="en-US" dirty="0"/>
             </a:p>
           </p:txBody>
         </p:sp>
@@ -7600,7 +9243,7 @@
             <a:lstStyle/>
             <a:p>
               <a:pPr algn="ctr"/>
-              <a:endParaRPr lang="en-US"/>
+              <a:endParaRPr lang="en-US" dirty="0"/>
             </a:p>
           </p:txBody>
         </p:sp>
@@ -7648,7 +9291,7 @@
             <a:lstStyle/>
             <a:p>
               <a:pPr algn="ctr"/>
-              <a:endParaRPr lang="en-US"/>
+              <a:endParaRPr lang="en-US" dirty="0"/>
             </a:p>
           </p:txBody>
         </p:sp>
@@ -7696,7 +9339,7 @@
             <a:lstStyle/>
             <a:p>
               <a:pPr algn="ctr"/>
-              <a:endParaRPr lang="en-US"/>
+              <a:endParaRPr lang="en-US" dirty="0"/>
             </a:p>
           </p:txBody>
         </p:sp>
@@ -7744,7 +9387,7 @@
             <a:lstStyle/>
             <a:p>
               <a:pPr algn="ctr"/>
-              <a:endParaRPr lang="en-US"/>
+              <a:endParaRPr lang="en-US" dirty="0"/>
             </a:p>
           </p:txBody>
         </p:sp>
@@ -7792,7 +9435,7 @@
             <a:lstStyle/>
             <a:p>
               <a:pPr algn="ctr"/>
-              <a:endParaRPr lang="en-US"/>
+              <a:endParaRPr lang="en-US" dirty="0"/>
             </a:p>
           </p:txBody>
         </p:sp>
@@ -7840,7 +9483,7 @@
             <a:lstStyle/>
             <a:p>
               <a:pPr algn="ctr"/>
-              <a:endParaRPr lang="en-US"/>
+              <a:endParaRPr lang="en-US" dirty="0"/>
             </a:p>
           </p:txBody>
         </p:sp>
@@ -7888,7 +9531,7 @@
             <a:lstStyle/>
             <a:p>
               <a:pPr algn="ctr"/>
-              <a:endParaRPr lang="en-US"/>
+              <a:endParaRPr lang="en-US" dirty="0"/>
             </a:p>
           </p:txBody>
         </p:sp>
@@ -7936,7 +9579,7 @@
             <a:lstStyle/>
             <a:p>
               <a:pPr algn="ctr"/>
-              <a:endParaRPr lang="en-US"/>
+              <a:endParaRPr lang="en-US" dirty="0"/>
             </a:p>
           </p:txBody>
         </p:sp>
@@ -7984,7 +9627,7 @@
             <a:lstStyle/>
             <a:p>
               <a:pPr algn="ctr"/>
-              <a:endParaRPr lang="en-US"/>
+              <a:endParaRPr lang="en-US" dirty="0"/>
             </a:p>
           </p:txBody>
         </p:sp>
@@ -8032,7 +9675,7 @@
             <a:lstStyle/>
             <a:p>
               <a:pPr algn="ctr"/>
-              <a:endParaRPr lang="en-US"/>
+              <a:endParaRPr lang="en-US" dirty="0"/>
             </a:p>
           </p:txBody>
         </p:sp>
@@ -8080,7 +9723,7 @@
             <a:lstStyle/>
             <a:p>
               <a:pPr algn="ctr"/>
-              <a:endParaRPr lang="en-US"/>
+              <a:endParaRPr lang="en-US" dirty="0"/>
             </a:p>
           </p:txBody>
         </p:sp>
@@ -8128,7 +9771,7 @@
             <a:lstStyle/>
             <a:p>
               <a:pPr algn="ctr"/>
-              <a:endParaRPr lang="en-US"/>
+              <a:endParaRPr lang="en-US" dirty="0"/>
             </a:p>
           </p:txBody>
         </p:sp>
@@ -8176,7 +9819,7 @@
             <a:lstStyle/>
             <a:p>
               <a:pPr algn="ctr"/>
-              <a:endParaRPr lang="en-US"/>
+              <a:endParaRPr lang="en-US" dirty="0"/>
             </a:p>
           </p:txBody>
         </p:sp>
@@ -8224,7 +9867,7 @@
             <a:lstStyle/>
             <a:p>
               <a:pPr algn="ctr"/>
-              <a:endParaRPr lang="en-US"/>
+              <a:endParaRPr lang="en-US" dirty="0"/>
             </a:p>
           </p:txBody>
         </p:sp>
@@ -8272,7 +9915,7 @@
             <a:lstStyle/>
             <a:p>
               <a:pPr algn="ctr"/>
-              <a:endParaRPr lang="en-US"/>
+              <a:endParaRPr lang="en-US" dirty="0"/>
             </a:p>
           </p:txBody>
         </p:sp>
@@ -8320,7 +9963,7 @@
             <a:lstStyle/>
             <a:p>
               <a:pPr algn="ctr"/>
-              <a:endParaRPr lang="en-US"/>
+              <a:endParaRPr lang="en-US" dirty="0"/>
             </a:p>
           </p:txBody>
         </p:sp>
@@ -8555,7 +10198,7 @@
               <a:lstStyle/>
               <a:p>
                 <a:pPr algn="ctr"/>
-                <a:endParaRPr lang="en-US"/>
+                <a:endParaRPr lang="en-US" dirty="0"/>
               </a:p>
             </p:txBody>
           </p:sp>
@@ -8603,7 +10246,7 @@
               <a:lstStyle/>
               <a:p>
                 <a:pPr algn="ctr"/>
-                <a:endParaRPr lang="en-US"/>
+                <a:endParaRPr lang="en-US" dirty="0"/>
               </a:p>
             </p:txBody>
           </p:sp>
@@ -8651,7 +10294,7 @@
               <a:lstStyle/>
               <a:p>
                 <a:pPr algn="ctr"/>
-                <a:endParaRPr lang="en-US"/>
+                <a:endParaRPr lang="en-US" dirty="0"/>
               </a:p>
             </p:txBody>
           </p:sp>
@@ -8699,7 +10342,7 @@
               <a:lstStyle/>
               <a:p>
                 <a:pPr algn="ctr"/>
-                <a:endParaRPr lang="en-US"/>
+                <a:endParaRPr lang="en-US" dirty="0"/>
               </a:p>
             </p:txBody>
           </p:sp>
@@ -8747,7 +10390,7 @@
               <a:lstStyle/>
               <a:p>
                 <a:pPr algn="ctr"/>
-                <a:endParaRPr lang="en-US"/>
+                <a:endParaRPr lang="en-US" dirty="0"/>
               </a:p>
             </p:txBody>
           </p:sp>
@@ -8795,7 +10438,7 @@
               <a:lstStyle/>
               <a:p>
                 <a:pPr algn="ctr"/>
-                <a:endParaRPr lang="en-US"/>
+                <a:endParaRPr lang="en-US" dirty="0"/>
               </a:p>
             </p:txBody>
           </p:sp>
@@ -8843,7 +10486,7 @@
               <a:lstStyle/>
               <a:p>
                 <a:pPr algn="ctr"/>
-                <a:endParaRPr lang="en-US"/>
+                <a:endParaRPr lang="en-US" dirty="0"/>
               </a:p>
             </p:txBody>
           </p:sp>
@@ -8891,7 +10534,7 @@
               <a:lstStyle/>
               <a:p>
                 <a:pPr algn="ctr"/>
-                <a:endParaRPr lang="en-US"/>
+                <a:endParaRPr lang="en-US" dirty="0"/>
               </a:p>
             </p:txBody>
           </p:sp>
@@ -8939,7 +10582,7 @@
               <a:lstStyle/>
               <a:p>
                 <a:pPr algn="ctr"/>
-                <a:endParaRPr lang="en-US"/>
+                <a:endParaRPr lang="en-US" dirty="0"/>
               </a:p>
             </p:txBody>
           </p:sp>
@@ -8987,7 +10630,7 @@
               <a:lstStyle/>
               <a:p>
                 <a:pPr algn="ctr"/>
-                <a:endParaRPr lang="en-US"/>
+                <a:endParaRPr lang="en-US" dirty="0"/>
               </a:p>
             </p:txBody>
           </p:sp>
@@ -9035,7 +10678,7 @@
               <a:lstStyle/>
               <a:p>
                 <a:pPr algn="ctr"/>
-                <a:endParaRPr lang="en-US"/>
+                <a:endParaRPr lang="en-US" dirty="0"/>
               </a:p>
             </p:txBody>
           </p:sp>
@@ -9083,7 +10726,7 @@
               <a:lstStyle/>
               <a:p>
                 <a:pPr algn="ctr"/>
-                <a:endParaRPr lang="en-US"/>
+                <a:endParaRPr lang="en-US" dirty="0"/>
               </a:p>
             </p:txBody>
           </p:sp>
@@ -9131,7 +10774,7 @@
               <a:lstStyle/>
               <a:p>
                 <a:pPr algn="ctr"/>
-                <a:endParaRPr lang="en-US"/>
+                <a:endParaRPr lang="en-US" dirty="0"/>
               </a:p>
             </p:txBody>
           </p:sp>
@@ -9179,7 +10822,7 @@
               <a:lstStyle/>
               <a:p>
                 <a:pPr algn="ctr"/>
-                <a:endParaRPr lang="en-US"/>
+                <a:endParaRPr lang="en-US" dirty="0"/>
               </a:p>
             </p:txBody>
           </p:sp>
@@ -9227,7 +10870,7 @@
               <a:lstStyle/>
               <a:p>
                 <a:pPr algn="ctr"/>
-                <a:endParaRPr lang="en-US"/>
+                <a:endParaRPr lang="en-US" dirty="0"/>
               </a:p>
             </p:txBody>
           </p:sp>
@@ -9275,7 +10918,7 @@
               <a:lstStyle/>
               <a:p>
                 <a:pPr algn="ctr"/>
-                <a:endParaRPr lang="en-US"/>
+                <a:endParaRPr lang="en-US" dirty="0"/>
               </a:p>
             </p:txBody>
           </p:sp>
@@ -9323,7 +10966,7 @@
               <a:lstStyle/>
               <a:p>
                 <a:pPr algn="ctr"/>
-                <a:endParaRPr lang="en-US"/>
+                <a:endParaRPr lang="en-US" dirty="0"/>
               </a:p>
             </p:txBody>
           </p:sp>
@@ -9371,7 +11014,7 @@
               <a:lstStyle/>
               <a:p>
                 <a:pPr algn="ctr"/>
-                <a:endParaRPr lang="en-US"/>
+                <a:endParaRPr lang="en-US" dirty="0"/>
               </a:p>
             </p:txBody>
           </p:sp>
@@ -9419,7 +11062,7 @@
               <a:lstStyle/>
               <a:p>
                 <a:pPr algn="ctr"/>
-                <a:endParaRPr lang="en-US"/>
+                <a:endParaRPr lang="en-US" dirty="0"/>
               </a:p>
             </p:txBody>
           </p:sp>
@@ -9467,7 +11110,7 @@
               <a:lstStyle/>
               <a:p>
                 <a:pPr algn="ctr"/>
-                <a:endParaRPr lang="en-US"/>
+                <a:endParaRPr lang="en-US" dirty="0"/>
               </a:p>
             </p:txBody>
           </p:sp>
@@ -9515,7 +11158,7 @@
               <a:lstStyle/>
               <a:p>
                 <a:pPr algn="ctr"/>
-                <a:endParaRPr lang="en-US"/>
+                <a:endParaRPr lang="en-US" dirty="0"/>
               </a:p>
             </p:txBody>
           </p:sp>
@@ -9563,7 +11206,7 @@
               <a:lstStyle/>
               <a:p>
                 <a:pPr algn="ctr"/>
-                <a:endParaRPr lang="en-US"/>
+                <a:endParaRPr lang="en-US" dirty="0"/>
               </a:p>
             </p:txBody>
           </p:sp>
@@ -9611,7 +11254,7 @@
               <a:lstStyle/>
               <a:p>
                 <a:pPr algn="ctr"/>
-                <a:endParaRPr lang="en-US"/>
+                <a:endParaRPr lang="en-US" dirty="0"/>
               </a:p>
             </p:txBody>
           </p:sp>
@@ -9659,7 +11302,7 @@
               <a:lstStyle/>
               <a:p>
                 <a:pPr algn="ctr"/>
-                <a:endParaRPr lang="en-US"/>
+                <a:endParaRPr lang="en-US" dirty="0"/>
               </a:p>
             </p:txBody>
           </p:sp>
@@ -9889,7 +11532,7 @@
           <a:lstStyle/>
           <a:p>
             <a:pPr algn="ctr"/>
-            <a:endParaRPr lang="en-US"/>
+            <a:endParaRPr lang="en-US" dirty="0"/>
           </a:p>
         </p:txBody>
       </p:sp>
@@ -9951,7 +11594,7 @@
             <a:lstStyle/>
             <a:p>
               <a:pPr algn="ctr"/>
-              <a:endParaRPr lang="en-US"/>
+              <a:endParaRPr lang="en-US" dirty="0"/>
             </a:p>
           </p:txBody>
         </p:sp>
@@ -9999,7 +11642,7 @@
             <a:lstStyle/>
             <a:p>
               <a:pPr algn="ctr"/>
-              <a:endParaRPr lang="en-US"/>
+              <a:endParaRPr lang="en-US" dirty="0"/>
             </a:p>
           </p:txBody>
         </p:sp>
@@ -10047,7 +11690,7 @@
             <a:lstStyle/>
             <a:p>
               <a:pPr algn="ctr"/>
-              <a:endParaRPr lang="en-US"/>
+              <a:endParaRPr lang="en-US" dirty="0"/>
             </a:p>
           </p:txBody>
         </p:sp>
@@ -10095,7 +11738,7 @@
             <a:lstStyle/>
             <a:p>
               <a:pPr algn="ctr"/>
-              <a:endParaRPr lang="en-US"/>
+              <a:endParaRPr lang="en-US" dirty="0"/>
             </a:p>
           </p:txBody>
         </p:sp>
@@ -10143,7 +11786,7 @@
             <a:lstStyle/>
             <a:p>
               <a:pPr algn="ctr"/>
-              <a:endParaRPr lang="en-US"/>
+              <a:endParaRPr lang="en-US" dirty="0"/>
             </a:p>
           </p:txBody>
         </p:sp>
@@ -10191,7 +11834,7 @@
             <a:lstStyle/>
             <a:p>
               <a:pPr algn="ctr"/>
-              <a:endParaRPr lang="en-US"/>
+              <a:endParaRPr lang="en-US" dirty="0"/>
             </a:p>
           </p:txBody>
         </p:sp>
@@ -10239,7 +11882,7 @@
             <a:lstStyle/>
             <a:p>
               <a:pPr algn="ctr"/>
-              <a:endParaRPr lang="en-US"/>
+              <a:endParaRPr lang="en-US" dirty="0"/>
             </a:p>
           </p:txBody>
         </p:sp>
@@ -10287,7 +11930,7 @@
             <a:lstStyle/>
             <a:p>
               <a:pPr algn="ctr"/>
-              <a:endParaRPr lang="en-US"/>
+              <a:endParaRPr lang="en-US" dirty="0"/>
             </a:p>
           </p:txBody>
         </p:sp>
@@ -10335,7 +11978,7 @@
             <a:lstStyle/>
             <a:p>
               <a:pPr algn="ctr"/>
-              <a:endParaRPr lang="en-US"/>
+              <a:endParaRPr lang="en-US" dirty="0"/>
             </a:p>
           </p:txBody>
         </p:sp>
@@ -10383,7 +12026,7 @@
             <a:lstStyle/>
             <a:p>
               <a:pPr algn="ctr"/>
-              <a:endParaRPr lang="en-US"/>
+              <a:endParaRPr lang="en-US" dirty="0"/>
             </a:p>
           </p:txBody>
         </p:sp>
@@ -10431,7 +12074,7 @@
             <a:lstStyle/>
             <a:p>
               <a:pPr algn="ctr"/>
-              <a:endParaRPr lang="en-US"/>
+              <a:endParaRPr lang="en-US" dirty="0"/>
             </a:p>
           </p:txBody>
         </p:sp>
@@ -10479,7 +12122,7 @@
             <a:lstStyle/>
             <a:p>
               <a:pPr algn="ctr"/>
-              <a:endParaRPr lang="en-US"/>
+              <a:endParaRPr lang="en-US" dirty="0"/>
             </a:p>
           </p:txBody>
         </p:sp>
@@ -10527,7 +12170,7 @@
             <a:lstStyle/>
             <a:p>
               <a:pPr algn="ctr"/>
-              <a:endParaRPr lang="en-US"/>
+              <a:endParaRPr lang="en-US" dirty="0"/>
             </a:p>
           </p:txBody>
         </p:sp>
@@ -10575,7 +12218,7 @@
             <a:lstStyle/>
             <a:p>
               <a:pPr algn="ctr"/>
-              <a:endParaRPr lang="en-US"/>
+              <a:endParaRPr lang="en-US" dirty="0"/>
             </a:p>
           </p:txBody>
         </p:sp>
@@ -10623,7 +12266,7 @@
             <a:lstStyle/>
             <a:p>
               <a:pPr algn="ctr"/>
-              <a:endParaRPr lang="en-US"/>
+              <a:endParaRPr lang="en-US" dirty="0"/>
             </a:p>
           </p:txBody>
         </p:sp>
@@ -10671,7 +12314,7 @@
             <a:lstStyle/>
             <a:p>
               <a:pPr algn="ctr"/>
-              <a:endParaRPr lang="en-US"/>
+              <a:endParaRPr lang="en-US" dirty="0"/>
             </a:p>
           </p:txBody>
         </p:sp>
@@ -10719,7 +12362,7 @@
             <a:lstStyle/>
             <a:p>
               <a:pPr algn="ctr"/>
-              <a:endParaRPr lang="en-US"/>
+              <a:endParaRPr lang="en-US" dirty="0"/>
             </a:p>
           </p:txBody>
         </p:sp>
@@ -10767,7 +12410,7 @@
             <a:lstStyle/>
             <a:p>
               <a:pPr algn="ctr"/>
-              <a:endParaRPr lang="en-US"/>
+              <a:endParaRPr lang="en-US" dirty="0"/>
             </a:p>
           </p:txBody>
         </p:sp>
@@ -10815,7 +12458,7 @@
             <a:lstStyle/>
             <a:p>
               <a:pPr algn="ctr"/>
-              <a:endParaRPr lang="en-US"/>
+              <a:endParaRPr lang="en-US" dirty="0"/>
             </a:p>
           </p:txBody>
         </p:sp>
@@ -10863,7 +12506,7 @@
             <a:lstStyle/>
             <a:p>
               <a:pPr algn="ctr"/>
-              <a:endParaRPr lang="en-US"/>
+              <a:endParaRPr lang="en-US" dirty="0"/>
             </a:p>
           </p:txBody>
         </p:sp>
@@ -10911,7 +12554,7 @@
             <a:lstStyle/>
             <a:p>
               <a:pPr algn="ctr"/>
-              <a:endParaRPr lang="en-US"/>
+              <a:endParaRPr lang="en-US" dirty="0"/>
             </a:p>
           </p:txBody>
         </p:sp>
@@ -10959,7 +12602,7 @@
             <a:lstStyle/>
             <a:p>
               <a:pPr algn="ctr"/>
-              <a:endParaRPr lang="en-US"/>
+              <a:endParaRPr lang="en-US" dirty="0"/>
             </a:p>
           </p:txBody>
         </p:sp>
@@ -11007,7 +12650,7 @@
             <a:lstStyle/>
             <a:p>
               <a:pPr algn="ctr"/>
-              <a:endParaRPr lang="en-US"/>
+              <a:endParaRPr lang="en-US" dirty="0"/>
             </a:p>
           </p:txBody>
         </p:sp>
@@ -11055,7 +12698,7 @@
             <a:lstStyle/>
             <a:p>
               <a:pPr algn="ctr"/>
-              <a:endParaRPr lang="en-US"/>
+              <a:endParaRPr lang="en-US" dirty="0"/>
             </a:p>
           </p:txBody>
         </p:sp>
@@ -11379,7 +13022,7 @@
             <a:lstStyle/>
             <a:p>
               <a:pPr algn="ctr"/>
-              <a:endParaRPr lang="en-US"/>
+              <a:endParaRPr lang="en-US" dirty="0"/>
             </a:p>
           </p:txBody>
         </p:sp>
@@ -11427,7 +13070,7 @@
             <a:lstStyle/>
             <a:p>
               <a:pPr algn="ctr"/>
-              <a:endParaRPr lang="en-US"/>
+              <a:endParaRPr lang="en-US" dirty="0"/>
             </a:p>
           </p:txBody>
         </p:sp>
@@ -11475,7 +13118,7 @@
             <a:lstStyle/>
             <a:p>
               <a:pPr algn="ctr"/>
-              <a:endParaRPr lang="en-US"/>
+              <a:endParaRPr lang="en-US" dirty="0"/>
             </a:p>
           </p:txBody>
         </p:sp>
@@ -11523,7 +13166,7 @@
             <a:lstStyle/>
             <a:p>
               <a:pPr algn="ctr"/>
-              <a:endParaRPr lang="en-US"/>
+              <a:endParaRPr lang="en-US" dirty="0"/>
             </a:p>
           </p:txBody>
         </p:sp>
@@ -11571,7 +13214,7 @@
             <a:lstStyle/>
             <a:p>
               <a:pPr algn="ctr"/>
-              <a:endParaRPr lang="en-US"/>
+              <a:endParaRPr lang="en-US" dirty="0"/>
             </a:p>
           </p:txBody>
         </p:sp>
@@ -11619,7 +13262,7 @@
             <a:lstStyle/>
             <a:p>
               <a:pPr algn="ctr"/>
-              <a:endParaRPr lang="en-US"/>
+              <a:endParaRPr lang="en-US" dirty="0"/>
             </a:p>
           </p:txBody>
         </p:sp>
@@ -11667,7 +13310,7 @@
             <a:lstStyle/>
             <a:p>
               <a:pPr algn="ctr"/>
-              <a:endParaRPr lang="en-US"/>
+              <a:endParaRPr lang="en-US" dirty="0"/>
             </a:p>
           </p:txBody>
         </p:sp>
@@ -11715,7 +13358,7 @@
             <a:lstStyle/>
             <a:p>
               <a:pPr algn="ctr"/>
-              <a:endParaRPr lang="en-US"/>
+              <a:endParaRPr lang="en-US" dirty="0"/>
             </a:p>
           </p:txBody>
         </p:sp>
@@ -11763,7 +13406,7 @@
             <a:lstStyle/>
             <a:p>
               <a:pPr algn="ctr"/>
-              <a:endParaRPr lang="en-US"/>
+              <a:endParaRPr lang="en-US" dirty="0"/>
             </a:p>
           </p:txBody>
         </p:sp>
@@ -11811,7 +13454,7 @@
             <a:lstStyle/>
             <a:p>
               <a:pPr algn="ctr"/>
-              <a:endParaRPr lang="en-US"/>
+              <a:endParaRPr lang="en-US" dirty="0"/>
             </a:p>
           </p:txBody>
         </p:sp>
@@ -11859,7 +13502,7 @@
             <a:lstStyle/>
             <a:p>
               <a:pPr algn="ctr"/>
-              <a:endParaRPr lang="en-US"/>
+              <a:endParaRPr lang="en-US" dirty="0"/>
             </a:p>
           </p:txBody>
         </p:sp>
@@ -11907,7 +13550,7 @@
             <a:lstStyle/>
             <a:p>
               <a:pPr algn="ctr"/>
-              <a:endParaRPr lang="en-US"/>
+              <a:endParaRPr lang="en-US" dirty="0"/>
             </a:p>
           </p:txBody>
         </p:sp>
@@ -11955,7 +13598,7 @@
             <a:lstStyle/>
             <a:p>
               <a:pPr algn="ctr"/>
-              <a:endParaRPr lang="en-US"/>
+              <a:endParaRPr lang="en-US" dirty="0"/>
             </a:p>
           </p:txBody>
         </p:sp>
@@ -12003,7 +13646,7 @@
             <a:lstStyle/>
             <a:p>
               <a:pPr algn="ctr"/>
-              <a:endParaRPr lang="en-US"/>
+              <a:endParaRPr lang="en-US" dirty="0"/>
             </a:p>
           </p:txBody>
         </p:sp>
@@ -12051,7 +13694,7 @@
             <a:lstStyle/>
             <a:p>
               <a:pPr algn="ctr"/>
-              <a:endParaRPr lang="en-US"/>
+              <a:endParaRPr lang="en-US" dirty="0"/>
             </a:p>
           </p:txBody>
         </p:sp>
@@ -12099,7 +13742,7 @@
             <a:lstStyle/>
             <a:p>
               <a:pPr algn="ctr"/>
-              <a:endParaRPr lang="en-US"/>
+              <a:endParaRPr lang="en-US" dirty="0"/>
             </a:p>
           </p:txBody>
         </p:sp>
@@ -12147,7 +13790,7 @@
             <a:lstStyle/>
             <a:p>
               <a:pPr algn="ctr"/>
-              <a:endParaRPr lang="en-US"/>
+              <a:endParaRPr lang="en-US" dirty="0"/>
             </a:p>
           </p:txBody>
         </p:sp>
@@ -12195,7 +13838,7 @@
             <a:lstStyle/>
             <a:p>
               <a:pPr algn="ctr"/>
-              <a:endParaRPr lang="en-US"/>
+              <a:endParaRPr lang="en-US" dirty="0"/>
             </a:p>
           </p:txBody>
         </p:sp>
@@ -12243,7 +13886,7 @@
             <a:lstStyle/>
             <a:p>
               <a:pPr algn="ctr"/>
-              <a:endParaRPr lang="en-US"/>
+              <a:endParaRPr lang="en-US" dirty="0"/>
             </a:p>
           </p:txBody>
         </p:sp>
@@ -12291,7 +13934,7 @@
             <a:lstStyle/>
             <a:p>
               <a:pPr algn="ctr"/>
-              <a:endParaRPr lang="en-US"/>
+              <a:endParaRPr lang="en-US" dirty="0"/>
             </a:p>
           </p:txBody>
         </p:sp>
@@ -12339,7 +13982,7 @@
             <a:lstStyle/>
             <a:p>
               <a:pPr algn="ctr"/>
-              <a:endParaRPr lang="en-US"/>
+              <a:endParaRPr lang="en-US" dirty="0"/>
             </a:p>
           </p:txBody>
         </p:sp>
@@ -12387,7 +14030,7 @@
             <a:lstStyle/>
             <a:p>
               <a:pPr algn="ctr"/>
-              <a:endParaRPr lang="en-US"/>
+              <a:endParaRPr lang="en-US" dirty="0"/>
             </a:p>
           </p:txBody>
         </p:sp>
@@ -12435,7 +14078,7 @@
             <a:lstStyle/>
             <a:p>
               <a:pPr algn="ctr"/>
-              <a:endParaRPr lang="en-US"/>
+              <a:endParaRPr lang="en-US" dirty="0"/>
             </a:p>
           </p:txBody>
         </p:sp>
@@ -12483,7 +14126,7 @@
             <a:lstStyle/>
             <a:p>
               <a:pPr algn="ctr"/>
-              <a:endParaRPr lang="en-US"/>
+              <a:endParaRPr lang="en-US" dirty="0"/>
             </a:p>
           </p:txBody>
         </p:sp>
@@ -12725,7 +14368,7 @@
           <a:lstStyle/>
           <a:p>
             <a:pPr algn="ctr"/>
-            <a:endParaRPr lang="en-US"/>
+            <a:endParaRPr lang="en-US" dirty="0"/>
           </a:p>
         </p:txBody>
       </p:sp>
@@ -12763,7 +14406,7 @@
           <a:lstStyle/>
           <a:p>
             <a:pPr algn="ctr"/>
-            <a:endParaRPr lang="en-US"/>
+            <a:endParaRPr lang="en-US" dirty="0"/>
           </a:p>
         </p:txBody>
       </p:sp>
@@ -12782,7 +14425,7 @@
 </p:sld>
 </file>
 
-<file path=ppt/slides/slide25.xml><?xml version="1.0" encoding="utf-8"?>
+<file path=ppt/slides/slide27.xml><?xml version="1.0" encoding="utf-8"?>
 <p:sld xmlns:a="http://schemas.openxmlformats.org/drawingml/2006/main" xmlns:r="http://schemas.openxmlformats.org/officeDocument/2006/relationships" xmlns:p="http://schemas.openxmlformats.org/presentationml/2006/main">
   <p:cSld>
     <p:spTree>
@@ -12874,9 +14517,9 @@
             <a:fld id="{B6F15528-21DE-4FAA-801E-634DDDAF4B2B}" type="slidenum">
               <a:rPr lang="en-US" smtClean="0"/>
               <a:pPr/>
-              <a:t>25</a:t>
+              <a:t>27</a:t>
             </a:fld>
-            <a:endParaRPr lang="en-US"/>
+            <a:endParaRPr lang="en-US" dirty="0"/>
           </a:p>
         </p:txBody>
       </p:sp>
@@ -12992,7 +14635,7 @@
             <a:lstStyle/>
             <a:p>
               <a:pPr algn="ctr"/>
-              <a:endParaRPr lang="en-US"/>
+              <a:endParaRPr lang="en-US" dirty="0"/>
             </a:p>
           </p:txBody>
         </p:sp>
@@ -13040,7 +14683,7 @@
             <a:lstStyle/>
             <a:p>
               <a:pPr algn="ctr"/>
-              <a:endParaRPr lang="en-US"/>
+              <a:endParaRPr lang="en-US" dirty="0"/>
             </a:p>
           </p:txBody>
         </p:sp>
@@ -13088,7 +14731,7 @@
             <a:lstStyle/>
             <a:p>
               <a:pPr algn="ctr"/>
-              <a:endParaRPr lang="en-US"/>
+              <a:endParaRPr lang="en-US" dirty="0"/>
             </a:p>
           </p:txBody>
         </p:sp>
@@ -13136,7 +14779,7 @@
             <a:lstStyle/>
             <a:p>
               <a:pPr algn="ctr"/>
-              <a:endParaRPr lang="en-US"/>
+              <a:endParaRPr lang="en-US" dirty="0"/>
             </a:p>
           </p:txBody>
         </p:sp>
@@ -13184,7 +14827,7 @@
             <a:lstStyle/>
             <a:p>
               <a:pPr algn="ctr"/>
-              <a:endParaRPr lang="en-US"/>
+              <a:endParaRPr lang="en-US" dirty="0"/>
             </a:p>
           </p:txBody>
         </p:sp>
@@ -13232,7 +14875,7 @@
             <a:lstStyle/>
             <a:p>
               <a:pPr algn="ctr"/>
-              <a:endParaRPr lang="en-US"/>
+              <a:endParaRPr lang="en-US" dirty="0"/>
             </a:p>
           </p:txBody>
         </p:sp>
@@ -13280,7 +14923,7 @@
             <a:lstStyle/>
             <a:p>
               <a:pPr algn="ctr"/>
-              <a:endParaRPr lang="en-US"/>
+              <a:endParaRPr lang="en-US" dirty="0"/>
             </a:p>
           </p:txBody>
         </p:sp>
@@ -13328,7 +14971,7 @@
             <a:lstStyle/>
             <a:p>
               <a:pPr algn="ctr"/>
-              <a:endParaRPr lang="en-US"/>
+              <a:endParaRPr lang="en-US" dirty="0"/>
             </a:p>
           </p:txBody>
         </p:sp>
@@ -13376,7 +15019,7 @@
             <a:lstStyle/>
             <a:p>
               <a:pPr algn="ctr"/>
-              <a:endParaRPr lang="en-US"/>
+              <a:endParaRPr lang="en-US" dirty="0"/>
             </a:p>
           </p:txBody>
         </p:sp>
@@ -13424,7 +15067,7 @@
             <a:lstStyle/>
             <a:p>
               <a:pPr algn="ctr"/>
-              <a:endParaRPr lang="en-US"/>
+              <a:endParaRPr lang="en-US" dirty="0"/>
             </a:p>
           </p:txBody>
         </p:sp>
@@ -13472,7 +15115,7 @@
             <a:lstStyle/>
             <a:p>
               <a:pPr algn="ctr"/>
-              <a:endParaRPr lang="en-US"/>
+              <a:endParaRPr lang="en-US" dirty="0"/>
             </a:p>
           </p:txBody>
         </p:sp>
@@ -13520,7 +15163,7 @@
             <a:lstStyle/>
             <a:p>
               <a:pPr algn="ctr"/>
-              <a:endParaRPr lang="en-US"/>
+              <a:endParaRPr lang="en-US" dirty="0"/>
             </a:p>
           </p:txBody>
         </p:sp>
@@ -13568,7 +15211,7 @@
             <a:lstStyle/>
             <a:p>
               <a:pPr algn="ctr"/>
-              <a:endParaRPr lang="en-US"/>
+              <a:endParaRPr lang="en-US" dirty="0"/>
             </a:p>
           </p:txBody>
         </p:sp>
@@ -13616,7 +15259,7 @@
             <a:lstStyle/>
             <a:p>
               <a:pPr algn="ctr"/>
-              <a:endParaRPr lang="en-US"/>
+              <a:endParaRPr lang="en-US" dirty="0"/>
             </a:p>
           </p:txBody>
         </p:sp>
@@ -13664,7 +15307,7 @@
             <a:lstStyle/>
             <a:p>
               <a:pPr algn="ctr"/>
-              <a:endParaRPr lang="en-US"/>
+              <a:endParaRPr lang="en-US" dirty="0"/>
             </a:p>
           </p:txBody>
         </p:sp>
@@ -13712,7 +15355,7 @@
             <a:lstStyle/>
             <a:p>
               <a:pPr algn="ctr"/>
-              <a:endParaRPr lang="en-US"/>
+              <a:endParaRPr lang="en-US" dirty="0"/>
             </a:p>
           </p:txBody>
         </p:sp>
@@ -13760,7 +15403,7 @@
             <a:lstStyle/>
             <a:p>
               <a:pPr algn="ctr"/>
-              <a:endParaRPr lang="en-US"/>
+              <a:endParaRPr lang="en-US" dirty="0"/>
             </a:p>
           </p:txBody>
         </p:sp>
@@ -13808,7 +15451,7 @@
             <a:lstStyle/>
             <a:p>
               <a:pPr algn="ctr"/>
-              <a:endParaRPr lang="en-US"/>
+              <a:endParaRPr lang="en-US" dirty="0"/>
             </a:p>
           </p:txBody>
         </p:sp>
@@ -13856,7 +15499,7 @@
             <a:lstStyle/>
             <a:p>
               <a:pPr algn="ctr"/>
-              <a:endParaRPr lang="en-US"/>
+              <a:endParaRPr lang="en-US" dirty="0"/>
             </a:p>
           </p:txBody>
         </p:sp>
@@ -13904,7 +15547,7 @@
             <a:lstStyle/>
             <a:p>
               <a:pPr algn="ctr"/>
-              <a:endParaRPr lang="en-US"/>
+              <a:endParaRPr lang="en-US" dirty="0"/>
             </a:p>
           </p:txBody>
         </p:sp>
@@ -13952,7 +15595,7 @@
             <a:lstStyle/>
             <a:p>
               <a:pPr algn="ctr"/>
-              <a:endParaRPr lang="en-US"/>
+              <a:endParaRPr lang="en-US" dirty="0"/>
             </a:p>
           </p:txBody>
         </p:sp>
@@ -14000,7 +15643,7 @@
             <a:lstStyle/>
             <a:p>
               <a:pPr algn="ctr"/>
-              <a:endParaRPr lang="en-US"/>
+              <a:endParaRPr lang="en-US" dirty="0"/>
             </a:p>
           </p:txBody>
         </p:sp>
@@ -14048,7 +15691,7 @@
             <a:lstStyle/>
             <a:p>
               <a:pPr algn="ctr"/>
-              <a:endParaRPr lang="en-US"/>
+              <a:endParaRPr lang="en-US" dirty="0"/>
             </a:p>
           </p:txBody>
         </p:sp>
@@ -14096,7 +15739,7 @@
             <a:lstStyle/>
             <a:p>
               <a:pPr algn="ctr"/>
-              <a:endParaRPr lang="en-US"/>
+              <a:endParaRPr lang="en-US" dirty="0"/>
             </a:p>
           </p:txBody>
         </p:sp>
@@ -14331,7 +15974,7 @@
               <a:lstStyle/>
               <a:p>
                 <a:pPr algn="ctr"/>
-                <a:endParaRPr lang="en-US"/>
+                <a:endParaRPr lang="en-US" dirty="0"/>
               </a:p>
             </p:txBody>
           </p:sp>
@@ -14379,7 +16022,7 @@
               <a:lstStyle/>
               <a:p>
                 <a:pPr algn="ctr"/>
-                <a:endParaRPr lang="en-US"/>
+                <a:endParaRPr lang="en-US" dirty="0"/>
               </a:p>
             </p:txBody>
           </p:sp>
@@ -14427,7 +16070,7 @@
               <a:lstStyle/>
               <a:p>
                 <a:pPr algn="ctr"/>
-                <a:endParaRPr lang="en-US"/>
+                <a:endParaRPr lang="en-US" dirty="0"/>
               </a:p>
             </p:txBody>
           </p:sp>
@@ -14475,7 +16118,7 @@
               <a:lstStyle/>
               <a:p>
                 <a:pPr algn="ctr"/>
-                <a:endParaRPr lang="en-US"/>
+                <a:endParaRPr lang="en-US" dirty="0"/>
               </a:p>
             </p:txBody>
           </p:sp>
@@ -14523,7 +16166,7 @@
               <a:lstStyle/>
               <a:p>
                 <a:pPr algn="ctr"/>
-                <a:endParaRPr lang="en-US"/>
+                <a:endParaRPr lang="en-US" dirty="0"/>
               </a:p>
             </p:txBody>
           </p:sp>
@@ -14571,7 +16214,7 @@
               <a:lstStyle/>
               <a:p>
                 <a:pPr algn="ctr"/>
-                <a:endParaRPr lang="en-US"/>
+                <a:endParaRPr lang="en-US" dirty="0"/>
               </a:p>
             </p:txBody>
           </p:sp>
@@ -14619,7 +16262,7 @@
               <a:lstStyle/>
               <a:p>
                 <a:pPr algn="ctr"/>
-                <a:endParaRPr lang="en-US"/>
+                <a:endParaRPr lang="en-US" dirty="0"/>
               </a:p>
             </p:txBody>
           </p:sp>
@@ -14667,7 +16310,7 @@
               <a:lstStyle/>
               <a:p>
                 <a:pPr algn="ctr"/>
-                <a:endParaRPr lang="en-US"/>
+                <a:endParaRPr lang="en-US" dirty="0"/>
               </a:p>
             </p:txBody>
           </p:sp>
@@ -14715,7 +16358,7 @@
               <a:lstStyle/>
               <a:p>
                 <a:pPr algn="ctr"/>
-                <a:endParaRPr lang="en-US"/>
+                <a:endParaRPr lang="en-US" dirty="0"/>
               </a:p>
             </p:txBody>
           </p:sp>
@@ -14763,7 +16406,7 @@
               <a:lstStyle/>
               <a:p>
                 <a:pPr algn="ctr"/>
-                <a:endParaRPr lang="en-US"/>
+                <a:endParaRPr lang="en-US" dirty="0"/>
               </a:p>
             </p:txBody>
           </p:sp>
@@ -14811,7 +16454,7 @@
               <a:lstStyle/>
               <a:p>
                 <a:pPr algn="ctr"/>
-                <a:endParaRPr lang="en-US"/>
+                <a:endParaRPr lang="en-US" dirty="0"/>
               </a:p>
             </p:txBody>
           </p:sp>
@@ -14859,7 +16502,7 @@
               <a:lstStyle/>
               <a:p>
                 <a:pPr algn="ctr"/>
-                <a:endParaRPr lang="en-US"/>
+                <a:endParaRPr lang="en-US" dirty="0"/>
               </a:p>
             </p:txBody>
           </p:sp>
@@ -14907,7 +16550,7 @@
               <a:lstStyle/>
               <a:p>
                 <a:pPr algn="ctr"/>
-                <a:endParaRPr lang="en-US"/>
+                <a:endParaRPr lang="en-US" dirty="0"/>
               </a:p>
             </p:txBody>
           </p:sp>
@@ -14955,7 +16598,7 @@
               <a:lstStyle/>
               <a:p>
                 <a:pPr algn="ctr"/>
-                <a:endParaRPr lang="en-US"/>
+                <a:endParaRPr lang="en-US" dirty="0"/>
               </a:p>
             </p:txBody>
           </p:sp>
@@ -15003,7 +16646,7 @@
               <a:lstStyle/>
               <a:p>
                 <a:pPr algn="ctr"/>
-                <a:endParaRPr lang="en-US"/>
+                <a:endParaRPr lang="en-US" dirty="0"/>
               </a:p>
             </p:txBody>
           </p:sp>
@@ -15051,7 +16694,7 @@
               <a:lstStyle/>
               <a:p>
                 <a:pPr algn="ctr"/>
-                <a:endParaRPr lang="en-US"/>
+                <a:endParaRPr lang="en-US" dirty="0"/>
               </a:p>
             </p:txBody>
           </p:sp>
@@ -15099,7 +16742,7 @@
               <a:lstStyle/>
               <a:p>
                 <a:pPr algn="ctr"/>
-                <a:endParaRPr lang="en-US"/>
+                <a:endParaRPr lang="en-US" dirty="0"/>
               </a:p>
             </p:txBody>
           </p:sp>
@@ -15147,7 +16790,7 @@
               <a:lstStyle/>
               <a:p>
                 <a:pPr algn="ctr"/>
-                <a:endParaRPr lang="en-US"/>
+                <a:endParaRPr lang="en-US" dirty="0"/>
               </a:p>
             </p:txBody>
           </p:sp>
@@ -15195,7 +16838,7 @@
               <a:lstStyle/>
               <a:p>
                 <a:pPr algn="ctr"/>
-                <a:endParaRPr lang="en-US"/>
+                <a:endParaRPr lang="en-US" dirty="0"/>
               </a:p>
             </p:txBody>
           </p:sp>
@@ -15243,7 +16886,7 @@
               <a:lstStyle/>
               <a:p>
                 <a:pPr algn="ctr"/>
-                <a:endParaRPr lang="en-US"/>
+                <a:endParaRPr lang="en-US" dirty="0"/>
               </a:p>
             </p:txBody>
           </p:sp>
@@ -15291,7 +16934,7 @@
               <a:lstStyle/>
               <a:p>
                 <a:pPr algn="ctr"/>
-                <a:endParaRPr lang="en-US"/>
+                <a:endParaRPr lang="en-US" dirty="0"/>
               </a:p>
             </p:txBody>
           </p:sp>
@@ -15339,7 +16982,7 @@
               <a:lstStyle/>
               <a:p>
                 <a:pPr algn="ctr"/>
-                <a:endParaRPr lang="en-US"/>
+                <a:endParaRPr lang="en-US" dirty="0"/>
               </a:p>
             </p:txBody>
           </p:sp>
@@ -15387,7 +17030,7 @@
               <a:lstStyle/>
               <a:p>
                 <a:pPr algn="ctr"/>
-                <a:endParaRPr lang="en-US"/>
+                <a:endParaRPr lang="en-US" dirty="0"/>
               </a:p>
             </p:txBody>
           </p:sp>
@@ -15435,7 +17078,7 @@
               <a:lstStyle/>
               <a:p>
                 <a:pPr algn="ctr"/>
-                <a:endParaRPr lang="en-US"/>
+                <a:endParaRPr lang="en-US" dirty="0"/>
               </a:p>
             </p:txBody>
           </p:sp>
@@ -15665,7 +17308,7 @@
           <a:lstStyle/>
           <a:p>
             <a:pPr algn="ctr"/>
-            <a:endParaRPr lang="en-US"/>
+            <a:endParaRPr lang="en-US" dirty="0"/>
           </a:p>
         </p:txBody>
       </p:sp>
@@ -15727,7 +17370,7 @@
             <a:lstStyle/>
             <a:p>
               <a:pPr algn="ctr"/>
-              <a:endParaRPr lang="en-US"/>
+              <a:endParaRPr lang="en-US" dirty="0"/>
             </a:p>
           </p:txBody>
         </p:sp>
@@ -15775,7 +17418,7 @@
             <a:lstStyle/>
             <a:p>
               <a:pPr algn="ctr"/>
-              <a:endParaRPr lang="en-US"/>
+              <a:endParaRPr lang="en-US" dirty="0"/>
             </a:p>
           </p:txBody>
         </p:sp>
@@ -15823,7 +17466,7 @@
             <a:lstStyle/>
             <a:p>
               <a:pPr algn="ctr"/>
-              <a:endParaRPr lang="en-US"/>
+              <a:endParaRPr lang="en-US" dirty="0"/>
             </a:p>
           </p:txBody>
         </p:sp>
@@ -15871,7 +17514,7 @@
             <a:lstStyle/>
             <a:p>
               <a:pPr algn="ctr"/>
-              <a:endParaRPr lang="en-US"/>
+              <a:endParaRPr lang="en-US" dirty="0"/>
             </a:p>
           </p:txBody>
         </p:sp>
@@ -15919,7 +17562,7 @@
             <a:lstStyle/>
             <a:p>
               <a:pPr algn="ctr"/>
-              <a:endParaRPr lang="en-US"/>
+              <a:endParaRPr lang="en-US" dirty="0"/>
             </a:p>
           </p:txBody>
         </p:sp>
@@ -15967,7 +17610,7 @@
             <a:lstStyle/>
             <a:p>
               <a:pPr algn="ctr"/>
-              <a:endParaRPr lang="en-US"/>
+              <a:endParaRPr lang="en-US" dirty="0"/>
             </a:p>
           </p:txBody>
         </p:sp>
@@ -16015,7 +17658,7 @@
             <a:lstStyle/>
             <a:p>
               <a:pPr algn="ctr"/>
-              <a:endParaRPr lang="en-US"/>
+              <a:endParaRPr lang="en-US" dirty="0"/>
             </a:p>
           </p:txBody>
         </p:sp>
@@ -16063,7 +17706,7 @@
             <a:lstStyle/>
             <a:p>
               <a:pPr algn="ctr"/>
-              <a:endParaRPr lang="en-US"/>
+              <a:endParaRPr lang="en-US" dirty="0"/>
             </a:p>
           </p:txBody>
         </p:sp>
@@ -16111,7 +17754,7 @@
             <a:lstStyle/>
             <a:p>
               <a:pPr algn="ctr"/>
-              <a:endParaRPr lang="en-US"/>
+              <a:endParaRPr lang="en-US" dirty="0"/>
             </a:p>
           </p:txBody>
         </p:sp>
@@ -16159,7 +17802,7 @@
             <a:lstStyle/>
             <a:p>
               <a:pPr algn="ctr"/>
-              <a:endParaRPr lang="en-US"/>
+              <a:endParaRPr lang="en-US" dirty="0"/>
             </a:p>
           </p:txBody>
         </p:sp>
@@ -16207,7 +17850,7 @@
             <a:lstStyle/>
             <a:p>
               <a:pPr algn="ctr"/>
-              <a:endParaRPr lang="en-US"/>
+              <a:endParaRPr lang="en-US" dirty="0"/>
             </a:p>
           </p:txBody>
         </p:sp>
@@ -16255,7 +17898,7 @@
             <a:lstStyle/>
             <a:p>
               <a:pPr algn="ctr"/>
-              <a:endParaRPr lang="en-US"/>
+              <a:endParaRPr lang="en-US" dirty="0"/>
             </a:p>
           </p:txBody>
         </p:sp>
@@ -16303,7 +17946,7 @@
             <a:lstStyle/>
             <a:p>
               <a:pPr algn="ctr"/>
-              <a:endParaRPr lang="en-US"/>
+              <a:endParaRPr lang="en-US" dirty="0"/>
             </a:p>
           </p:txBody>
         </p:sp>
@@ -16351,7 +17994,7 @@
             <a:lstStyle/>
             <a:p>
               <a:pPr algn="ctr"/>
-              <a:endParaRPr lang="en-US"/>
+              <a:endParaRPr lang="en-US" dirty="0"/>
             </a:p>
           </p:txBody>
         </p:sp>
@@ -16399,7 +18042,7 @@
             <a:lstStyle/>
             <a:p>
               <a:pPr algn="ctr"/>
-              <a:endParaRPr lang="en-US"/>
+              <a:endParaRPr lang="en-US" dirty="0"/>
             </a:p>
           </p:txBody>
         </p:sp>
@@ -16447,7 +18090,7 @@
             <a:lstStyle/>
             <a:p>
               <a:pPr algn="ctr"/>
-              <a:endParaRPr lang="en-US"/>
+              <a:endParaRPr lang="en-US" dirty="0"/>
             </a:p>
           </p:txBody>
         </p:sp>
@@ -16495,7 +18138,7 @@
             <a:lstStyle/>
             <a:p>
               <a:pPr algn="ctr"/>
-              <a:endParaRPr lang="en-US"/>
+              <a:endParaRPr lang="en-US" dirty="0"/>
             </a:p>
           </p:txBody>
         </p:sp>
@@ -16543,7 +18186,7 @@
             <a:lstStyle/>
             <a:p>
               <a:pPr algn="ctr"/>
-              <a:endParaRPr lang="en-US"/>
+              <a:endParaRPr lang="en-US" dirty="0"/>
             </a:p>
           </p:txBody>
         </p:sp>
@@ -16591,7 +18234,7 @@
             <a:lstStyle/>
             <a:p>
               <a:pPr algn="ctr"/>
-              <a:endParaRPr lang="en-US"/>
+              <a:endParaRPr lang="en-US" dirty="0"/>
             </a:p>
           </p:txBody>
         </p:sp>
@@ -16639,7 +18282,7 @@
             <a:lstStyle/>
             <a:p>
               <a:pPr algn="ctr"/>
-              <a:endParaRPr lang="en-US"/>
+              <a:endParaRPr lang="en-US" dirty="0"/>
             </a:p>
           </p:txBody>
         </p:sp>
@@ -16687,7 +18330,7 @@
             <a:lstStyle/>
             <a:p>
               <a:pPr algn="ctr"/>
-              <a:endParaRPr lang="en-US"/>
+              <a:endParaRPr lang="en-US" dirty="0"/>
             </a:p>
           </p:txBody>
         </p:sp>
@@ -16735,7 +18378,7 @@
             <a:lstStyle/>
             <a:p>
               <a:pPr algn="ctr"/>
-              <a:endParaRPr lang="en-US"/>
+              <a:endParaRPr lang="en-US" dirty="0"/>
             </a:p>
           </p:txBody>
         </p:sp>
@@ -16783,7 +18426,7 @@
             <a:lstStyle/>
             <a:p>
               <a:pPr algn="ctr"/>
-              <a:endParaRPr lang="en-US"/>
+              <a:endParaRPr lang="en-US" dirty="0"/>
             </a:p>
           </p:txBody>
         </p:sp>
@@ -16831,7 +18474,7 @@
             <a:lstStyle/>
             <a:p>
               <a:pPr algn="ctr"/>
-              <a:endParaRPr lang="en-US"/>
+              <a:endParaRPr lang="en-US" dirty="0"/>
             </a:p>
           </p:txBody>
         </p:sp>
@@ -17112,7 +18755,7 @@
             <a:lstStyle/>
             <a:p>
               <a:pPr algn="ctr"/>
-              <a:endParaRPr lang="en-US"/>
+              <a:endParaRPr lang="en-US" dirty="0"/>
             </a:p>
           </p:txBody>
         </p:sp>
@@ -17160,7 +18803,7 @@
             <a:lstStyle/>
             <a:p>
               <a:pPr algn="ctr"/>
-              <a:endParaRPr lang="en-US"/>
+              <a:endParaRPr lang="en-US" dirty="0"/>
             </a:p>
           </p:txBody>
         </p:sp>
@@ -17208,7 +18851,7 @@
             <a:lstStyle/>
             <a:p>
               <a:pPr algn="ctr"/>
-              <a:endParaRPr lang="en-US"/>
+              <a:endParaRPr lang="en-US" dirty="0"/>
             </a:p>
           </p:txBody>
         </p:sp>
@@ -17256,7 +18899,7 @@
             <a:lstStyle/>
             <a:p>
               <a:pPr algn="ctr"/>
-              <a:endParaRPr lang="en-US"/>
+              <a:endParaRPr lang="en-US" dirty="0"/>
             </a:p>
           </p:txBody>
         </p:sp>
@@ -17304,7 +18947,7 @@
             <a:lstStyle/>
             <a:p>
               <a:pPr algn="ctr"/>
-              <a:endParaRPr lang="en-US"/>
+              <a:endParaRPr lang="en-US" dirty="0"/>
             </a:p>
           </p:txBody>
         </p:sp>
@@ -17352,7 +18995,7 @@
             <a:lstStyle/>
             <a:p>
               <a:pPr algn="ctr"/>
-              <a:endParaRPr lang="en-US"/>
+              <a:endParaRPr lang="en-US" dirty="0"/>
             </a:p>
           </p:txBody>
         </p:sp>
@@ -17400,7 +19043,7 @@
             <a:lstStyle/>
             <a:p>
               <a:pPr algn="ctr"/>
-              <a:endParaRPr lang="en-US"/>
+              <a:endParaRPr lang="en-US" dirty="0"/>
             </a:p>
           </p:txBody>
         </p:sp>
@@ -17448,7 +19091,7 @@
             <a:lstStyle/>
             <a:p>
               <a:pPr algn="ctr"/>
-              <a:endParaRPr lang="en-US"/>
+              <a:endParaRPr lang="en-US" dirty="0"/>
             </a:p>
           </p:txBody>
         </p:sp>
@@ -17496,7 +19139,7 @@
             <a:lstStyle/>
             <a:p>
               <a:pPr algn="ctr"/>
-              <a:endParaRPr lang="en-US"/>
+              <a:endParaRPr lang="en-US" dirty="0"/>
             </a:p>
           </p:txBody>
         </p:sp>
@@ -17544,7 +19187,7 @@
             <a:lstStyle/>
             <a:p>
               <a:pPr algn="ctr"/>
-              <a:endParaRPr lang="en-US"/>
+              <a:endParaRPr lang="en-US" dirty="0"/>
             </a:p>
           </p:txBody>
         </p:sp>
@@ -17592,7 +19235,7 @@
             <a:lstStyle/>
             <a:p>
               <a:pPr algn="ctr"/>
-              <a:endParaRPr lang="en-US"/>
+              <a:endParaRPr lang="en-US" dirty="0"/>
             </a:p>
           </p:txBody>
         </p:sp>
@@ -17640,7 +19283,7 @@
             <a:lstStyle/>
             <a:p>
               <a:pPr algn="ctr"/>
-              <a:endParaRPr lang="en-US"/>
+              <a:endParaRPr lang="en-US" dirty="0"/>
             </a:p>
           </p:txBody>
         </p:sp>
@@ -17688,7 +19331,7 @@
             <a:lstStyle/>
             <a:p>
               <a:pPr algn="ctr"/>
-              <a:endParaRPr lang="en-US"/>
+              <a:endParaRPr lang="en-US" dirty="0"/>
             </a:p>
           </p:txBody>
         </p:sp>
@@ -17736,7 +19379,7 @@
             <a:lstStyle/>
             <a:p>
               <a:pPr algn="ctr"/>
-              <a:endParaRPr lang="en-US"/>
+              <a:endParaRPr lang="en-US" dirty="0"/>
             </a:p>
           </p:txBody>
         </p:sp>
@@ -17784,7 +19427,7 @@
             <a:lstStyle/>
             <a:p>
               <a:pPr algn="ctr"/>
-              <a:endParaRPr lang="en-US"/>
+              <a:endParaRPr lang="en-US" dirty="0"/>
             </a:p>
           </p:txBody>
         </p:sp>
@@ -17832,7 +19475,7 @@
             <a:lstStyle/>
             <a:p>
               <a:pPr algn="ctr"/>
-              <a:endParaRPr lang="en-US"/>
+              <a:endParaRPr lang="en-US" dirty="0"/>
             </a:p>
           </p:txBody>
         </p:sp>
@@ -17880,7 +19523,7 @@
             <a:lstStyle/>
             <a:p>
               <a:pPr algn="ctr"/>
-              <a:endParaRPr lang="en-US"/>
+              <a:endParaRPr lang="en-US" dirty="0"/>
             </a:p>
           </p:txBody>
         </p:sp>
@@ -17928,7 +19571,7 @@
             <a:lstStyle/>
             <a:p>
               <a:pPr algn="ctr"/>
-              <a:endParaRPr lang="en-US"/>
+              <a:endParaRPr lang="en-US" dirty="0"/>
             </a:p>
           </p:txBody>
         </p:sp>
@@ -17976,7 +19619,7 @@
             <a:lstStyle/>
             <a:p>
               <a:pPr algn="ctr"/>
-              <a:endParaRPr lang="en-US"/>
+              <a:endParaRPr lang="en-US" dirty="0"/>
             </a:p>
           </p:txBody>
         </p:sp>
@@ -18024,7 +19667,7 @@
             <a:lstStyle/>
             <a:p>
               <a:pPr algn="ctr"/>
-              <a:endParaRPr lang="en-US"/>
+              <a:endParaRPr lang="en-US" dirty="0"/>
             </a:p>
           </p:txBody>
         </p:sp>
@@ -18072,7 +19715,7 @@
             <a:lstStyle/>
             <a:p>
               <a:pPr algn="ctr"/>
-              <a:endParaRPr lang="en-US"/>
+              <a:endParaRPr lang="en-US" dirty="0"/>
             </a:p>
           </p:txBody>
         </p:sp>
@@ -18120,7 +19763,7 @@
             <a:lstStyle/>
             <a:p>
               <a:pPr algn="ctr"/>
-              <a:endParaRPr lang="en-US"/>
+              <a:endParaRPr lang="en-US" dirty="0"/>
             </a:p>
           </p:txBody>
         </p:sp>
@@ -18168,7 +19811,7 @@
             <a:lstStyle/>
             <a:p>
               <a:pPr algn="ctr"/>
-              <a:endParaRPr lang="en-US"/>
+              <a:endParaRPr lang="en-US" dirty="0"/>
             </a:p>
           </p:txBody>
         </p:sp>
@@ -18216,7 +19859,7 @@
             <a:lstStyle/>
             <a:p>
               <a:pPr algn="ctr"/>
-              <a:endParaRPr lang="en-US"/>
+              <a:endParaRPr lang="en-US" dirty="0"/>
             </a:p>
           </p:txBody>
         </p:sp>
@@ -18415,7 +20058,7 @@
           <a:lstStyle/>
           <a:p>
             <a:pPr algn="ctr"/>
-            <a:endParaRPr lang="en-US"/>
+            <a:endParaRPr lang="en-US" dirty="0"/>
           </a:p>
         </p:txBody>
       </p:sp>
@@ -18453,7 +20096,7 @@
           <a:lstStyle/>
           <a:p>
             <a:pPr algn="ctr"/>
-            <a:endParaRPr lang="en-US"/>
+            <a:endParaRPr lang="en-US" dirty="0"/>
           </a:p>
         </p:txBody>
       </p:sp>
@@ -18529,7 +20172,7 @@
           <a:lstStyle/>
           <a:p>
             <a:pPr algn="ctr"/>
-            <a:endParaRPr lang="en-US"/>
+            <a:endParaRPr lang="en-US" dirty="0"/>
           </a:p>
         </p:txBody>
       </p:sp>
@@ -18569,7 +20212,7 @@
           <a:lstStyle/>
           <a:p>
             <a:pPr algn="ctr"/>
-            <a:endParaRPr lang="en-US">
+            <a:endParaRPr lang="en-US" dirty="0">
               <a:solidFill>
                 <a:schemeClr val="tx1"/>
               </a:solidFill>
@@ -18592,7 +20235,7 @@
 </p:sld>
 </file>
 
-<file path=ppt/slides/slide26.xml><?xml version="1.0" encoding="utf-8"?>
+<file path=ppt/slides/slide28.xml><?xml version="1.0" encoding="utf-8"?>
 <p:sld xmlns:a="http://schemas.openxmlformats.org/drawingml/2006/main" xmlns:r="http://schemas.openxmlformats.org/officeDocument/2006/relationships" xmlns:p="http://schemas.openxmlformats.org/presentationml/2006/main">
   <p:cSld>
     <p:spTree>
@@ -18650,9 +20293,9 @@
             <a:fld id="{B6F15528-21DE-4FAA-801E-634DDDAF4B2B}" type="slidenum">
               <a:rPr lang="en-US" smtClean="0"/>
               <a:pPr/>
-              <a:t>26</a:t>
+              <a:t>28</a:t>
             </a:fld>
-            <a:endParaRPr lang="en-US"/>
+            <a:endParaRPr lang="en-US" dirty="0"/>
           </a:p>
         </p:txBody>
       </p:sp>
@@ -18716,7 +20359,7 @@
 </p:sld>
 </file>
 
-<file path=ppt/slides/slide27.xml><?xml version="1.0" encoding="utf-8"?>
+<file path=ppt/slides/slide29.xml><?xml version="1.0" encoding="utf-8"?>
 <p:sld xmlns:a="http://schemas.openxmlformats.org/drawingml/2006/main" xmlns:r="http://schemas.openxmlformats.org/officeDocument/2006/relationships" xmlns:p="http://schemas.openxmlformats.org/presentationml/2006/main">
   <p:cSld>
     <p:spTree>
@@ -18779,9 +20422,9 @@
             <a:fld id="{B6F15528-21DE-4FAA-801E-634DDDAF4B2B}" type="slidenum">
               <a:rPr lang="en-US" smtClean="0"/>
               <a:pPr/>
-              <a:t>27</a:t>
+              <a:t>29</a:t>
             </a:fld>
-            <a:endParaRPr lang="en-US"/>
+            <a:endParaRPr lang="en-US" dirty="0"/>
           </a:p>
         </p:txBody>
       </p:sp>
@@ -18848,7 +20491,7 @@
 </p:sld>
 </file>
 
-<file path=ppt/slides/slide28.xml><?xml version="1.0" encoding="utf-8"?>
+<file path=ppt/slides/slide3.xml><?xml version="1.0" encoding="utf-8"?>
 <p:sld xmlns:a="http://schemas.openxmlformats.org/drawingml/2006/main" xmlns:r="http://schemas.openxmlformats.org/officeDocument/2006/relationships" xmlns:p="http://schemas.openxmlformats.org/presentationml/2006/main">
   <p:cSld>
     <p:spTree>
@@ -18882,7 +20525,7 @@
           <a:p>
             <a:r>
               <a:rPr lang="en-US" dirty="0" smtClean="0"/>
-              <a:t>AI</a:t>
+              <a:t>The Overview</a:t>
             </a:r>
             <a:endParaRPr lang="en-US" dirty="0"/>
           </a:p>
@@ -18905,6 +20548,157 @@
           <a:p>
             <a:r>
               <a:rPr lang="en-US" dirty="0" smtClean="0"/>
+              <a:t>  Game Description</a:t>
+            </a:r>
+          </a:p>
+          <a:p>
+            <a:pPr lvl="1"/>
+            <a:r>
+              <a:rPr lang="en-US" dirty="0" smtClean="0"/>
+              <a:t>Details</a:t>
+            </a:r>
+          </a:p>
+          <a:p>
+            <a:pPr lvl="1"/>
+            <a:r>
+              <a:rPr lang="en-US" dirty="0" smtClean="0"/>
+              <a:t>Game flow, battle flow</a:t>
+            </a:r>
+          </a:p>
+          <a:p>
+            <a:r>
+              <a:rPr lang="en-US" dirty="0" smtClean="0"/>
+              <a:t>Tools</a:t>
+            </a:r>
+          </a:p>
+          <a:p>
+            <a:r>
+              <a:rPr lang="en-US" dirty="0" smtClean="0"/>
+              <a:t>Module Breakdown</a:t>
+            </a:r>
+          </a:p>
+        </p:txBody>
+      </p:sp>
+      <p:sp>
+        <p:nvSpPr>
+          <p:cNvPr id="5" name="Slide Number Placeholder 4"/>
+          <p:cNvSpPr>
+            <a:spLocks noGrp="1"/>
+          </p:cNvSpPr>
+          <p:nvPr>
+            <p:ph type="sldNum" sz="quarter" idx="12"/>
+          </p:nvPr>
+        </p:nvSpPr>
+        <p:spPr/>
+        <p:txBody>
+          <a:bodyPr/>
+          <a:lstStyle/>
+          <a:p>
+            <a:fld id="{B6F15528-21DE-4FAA-801E-634DDDAF4B2B}" type="slidenum">
+              <a:rPr lang="en-US" smtClean="0"/>
+              <a:pPr/>
+              <a:t>3</a:t>
+            </a:fld>
+            <a:endParaRPr lang="en-US" dirty="0"/>
+          </a:p>
+        </p:txBody>
+      </p:sp>
+      <p:pic>
+        <p:nvPicPr>
+          <p:cNvPr id="4" name="Picture 3" descr="logo.jpg"/>
+          <p:cNvPicPr>
+            <a:picLocks noChangeAspect="1"/>
+          </p:cNvPicPr>
+          <p:nvPr/>
+        </p:nvPicPr>
+        <p:blipFill>
+          <a:blip r:embed="rId2" cstate="print"/>
+          <a:stretch>
+            <a:fillRect/>
+          </a:stretch>
+        </p:blipFill>
+        <p:spPr>
+          <a:xfrm>
+            <a:off x="7956253" y="0"/>
+            <a:ext cx="1187747" cy="1328738"/>
+          </a:xfrm>
+          <a:prstGeom prst="rect">
+            <a:avLst/>
+          </a:prstGeom>
+        </p:spPr>
+      </p:pic>
+    </p:spTree>
+  </p:cSld>
+  <p:clrMapOvr>
+    <a:masterClrMapping/>
+  </p:clrMapOvr>
+  <p:timing>
+    <p:tnLst>
+      <p:par>
+        <p:cTn id="1" dur="indefinite" restart="never" nodeType="tmRoot"/>
+      </p:par>
+    </p:tnLst>
+  </p:timing>
+</p:sld>
+</file>
+
+<file path=ppt/slides/slide30.xml><?xml version="1.0" encoding="utf-8"?>
+<p:sld xmlns:a="http://schemas.openxmlformats.org/drawingml/2006/main" xmlns:r="http://schemas.openxmlformats.org/officeDocument/2006/relationships" xmlns:p="http://schemas.openxmlformats.org/presentationml/2006/main">
+  <p:cSld>
+    <p:spTree>
+      <p:nvGrpSpPr>
+        <p:cNvPr id="1" name=""/>
+        <p:cNvGrpSpPr/>
+        <p:nvPr/>
+      </p:nvGrpSpPr>
+      <p:grpSpPr>
+        <a:xfrm>
+          <a:off x="0" y="0"/>
+          <a:ext cx="0" cy="0"/>
+          <a:chOff x="0" y="0"/>
+          <a:chExt cx="0" cy="0"/>
+        </a:xfrm>
+      </p:grpSpPr>
+      <p:sp>
+        <p:nvSpPr>
+          <p:cNvPr id="2" name="Title 1"/>
+          <p:cNvSpPr>
+            <a:spLocks noGrp="1"/>
+          </p:cNvSpPr>
+          <p:nvPr>
+            <p:ph type="title"/>
+          </p:nvPr>
+        </p:nvSpPr>
+        <p:spPr/>
+        <p:txBody>
+          <a:bodyPr/>
+          <a:lstStyle/>
+          <a:p>
+            <a:r>
+              <a:rPr lang="en-US" dirty="0" smtClean="0"/>
+              <a:t>AI</a:t>
+            </a:r>
+            <a:endParaRPr lang="en-US" dirty="0"/>
+          </a:p>
+        </p:txBody>
+      </p:sp>
+      <p:sp>
+        <p:nvSpPr>
+          <p:cNvPr id="3" name="Content Placeholder 2"/>
+          <p:cNvSpPr>
+            <a:spLocks noGrp="1"/>
+          </p:cNvSpPr>
+          <p:nvPr>
+            <p:ph idx="1"/>
+          </p:nvPr>
+        </p:nvSpPr>
+        <p:spPr/>
+        <p:txBody>
+          <a:bodyPr/>
+          <a:lstStyle/>
+          <a:p>
+            <a:r>
+              <a:rPr lang="en-US" dirty="0" smtClean="0"/>
               <a:t>Playable Opponent</a:t>
             </a:r>
           </a:p>
@@ -18943,9 +20737,9 @@
             <a:fld id="{B6F15528-21DE-4FAA-801E-634DDDAF4B2B}" type="slidenum">
               <a:rPr lang="en-US" smtClean="0"/>
               <a:pPr/>
-              <a:t>28</a:t>
+              <a:t>30</a:t>
             </a:fld>
-            <a:endParaRPr lang="en-US"/>
+            <a:endParaRPr lang="en-US" dirty="0"/>
           </a:p>
         </p:txBody>
       </p:sp>
@@ -18964,7 +20758,7 @@
 </p:sld>
 </file>
 
-<file path=ppt/slides/slide29.xml><?xml version="1.0" encoding="utf-8"?>
+<file path=ppt/slides/slide31.xml><?xml version="1.0" encoding="utf-8"?>
 <p:sld xmlns:a="http://schemas.openxmlformats.org/drawingml/2006/main" xmlns:r="http://schemas.openxmlformats.org/officeDocument/2006/relationships" xmlns:p="http://schemas.openxmlformats.org/presentationml/2006/main">
   <p:cSld>
     <p:spTree>
@@ -19027,9 +20821,9 @@
             <a:fld id="{B6F15528-21DE-4FAA-801E-634DDDAF4B2B}" type="slidenum">
               <a:rPr lang="en-US" smtClean="0"/>
               <a:pPr/>
-              <a:t>29</a:t>
+              <a:t>31</a:t>
             </a:fld>
-            <a:endParaRPr lang="en-US"/>
+            <a:endParaRPr lang="en-US" dirty="0"/>
           </a:p>
         </p:txBody>
       </p:sp>
@@ -19106,7 +20900,7 @@
 </p:sld>
 </file>
 
-<file path=ppt/slides/slide3.xml><?xml version="1.0" encoding="utf-8"?>
+<file path=ppt/slides/slide32.xml><?xml version="1.0" encoding="utf-8"?>
 <p:sld xmlns:a="http://schemas.openxmlformats.org/drawingml/2006/main" xmlns:r="http://schemas.openxmlformats.org/officeDocument/2006/relationships" xmlns:p="http://schemas.openxmlformats.org/presentationml/2006/main">
   <p:cSld>
     <p:spTree>
@@ -19140,57 +20934,9 @@
           <a:p>
             <a:r>
               <a:rPr lang="en-US" dirty="0" smtClean="0"/>
-              <a:t>The Overview</a:t>
+              <a:t>AI</a:t>
             </a:r>
             <a:endParaRPr lang="en-US" dirty="0"/>
-          </a:p>
-        </p:txBody>
-      </p:sp>
-      <p:sp>
-        <p:nvSpPr>
-          <p:cNvPr id="3" name="Content Placeholder 2"/>
-          <p:cNvSpPr>
-            <a:spLocks noGrp="1"/>
-          </p:cNvSpPr>
-          <p:nvPr>
-            <p:ph idx="1"/>
-          </p:nvPr>
-        </p:nvSpPr>
-        <p:spPr/>
-        <p:txBody>
-          <a:bodyPr/>
-          <a:lstStyle/>
-          <a:p>
-            <a:r>
-              <a:rPr lang="en-US" dirty="0" smtClean="0"/>
-              <a:t>  Game Description</a:t>
-            </a:r>
-          </a:p>
-          <a:p>
-            <a:pPr lvl="1"/>
-            <a:r>
-              <a:rPr lang="en-US" dirty="0" smtClean="0"/>
-              <a:t>Details</a:t>
-            </a:r>
-          </a:p>
-          <a:p>
-            <a:pPr lvl="1"/>
-            <a:r>
-              <a:rPr lang="en-US" dirty="0" smtClean="0"/>
-              <a:t>Game flow, battle flow</a:t>
-            </a:r>
-          </a:p>
-          <a:p>
-            <a:r>
-              <a:rPr lang="en-US" dirty="0" smtClean="0"/>
-              <a:t>Tools</a:t>
-            </a:r>
-          </a:p>
-          <a:p>
-            <a:r>
-              <a:rPr lang="en-US" dirty="0" smtClean="0"/>
-              <a:t>Module Breakdown</a:t>
-            </a:r>
           </a:p>
         </p:txBody>
       </p:sp>
@@ -19212,112 +20958,9 @@
             <a:fld id="{B6F15528-21DE-4FAA-801E-634DDDAF4B2B}" type="slidenum">
               <a:rPr lang="en-US" smtClean="0"/>
               <a:pPr/>
-              <a:t>3</a:t>
+              <a:t>32</a:t>
             </a:fld>
-            <a:endParaRPr lang="en-US"/>
-          </a:p>
-        </p:txBody>
-      </p:sp>
-      <p:pic>
-        <p:nvPicPr>
-          <p:cNvPr id="4" name="Picture 3" descr="logo.jpg"/>
-          <p:cNvPicPr>
-            <a:picLocks noChangeAspect="1"/>
-          </p:cNvPicPr>
-          <p:nvPr/>
-        </p:nvPicPr>
-        <p:blipFill>
-          <a:blip r:embed="rId2" cstate="print"/>
-          <a:stretch>
-            <a:fillRect/>
-          </a:stretch>
-        </p:blipFill>
-        <p:spPr>
-          <a:xfrm>
-            <a:off x="7956253" y="0"/>
-            <a:ext cx="1187747" cy="1328738"/>
-          </a:xfrm>
-          <a:prstGeom prst="rect">
-            <a:avLst/>
-          </a:prstGeom>
-        </p:spPr>
-      </p:pic>
-    </p:spTree>
-  </p:cSld>
-  <p:clrMapOvr>
-    <a:masterClrMapping/>
-  </p:clrMapOvr>
-  <p:timing>
-    <p:tnLst>
-      <p:par>
-        <p:cTn id="1" dur="indefinite" restart="never" nodeType="tmRoot"/>
-      </p:par>
-    </p:tnLst>
-  </p:timing>
-</p:sld>
-</file>
-
-<file path=ppt/slides/slide30.xml><?xml version="1.0" encoding="utf-8"?>
-<p:sld xmlns:a="http://schemas.openxmlformats.org/drawingml/2006/main" xmlns:r="http://schemas.openxmlformats.org/officeDocument/2006/relationships" xmlns:p="http://schemas.openxmlformats.org/presentationml/2006/main">
-  <p:cSld>
-    <p:spTree>
-      <p:nvGrpSpPr>
-        <p:cNvPr id="1" name=""/>
-        <p:cNvGrpSpPr/>
-        <p:nvPr/>
-      </p:nvGrpSpPr>
-      <p:grpSpPr>
-        <a:xfrm>
-          <a:off x="0" y="0"/>
-          <a:ext cx="0" cy="0"/>
-          <a:chOff x="0" y="0"/>
-          <a:chExt cx="0" cy="0"/>
-        </a:xfrm>
-      </p:grpSpPr>
-      <p:sp>
-        <p:nvSpPr>
-          <p:cNvPr id="2" name="Title 1"/>
-          <p:cNvSpPr>
-            <a:spLocks noGrp="1"/>
-          </p:cNvSpPr>
-          <p:nvPr>
-            <p:ph type="title"/>
-          </p:nvPr>
-        </p:nvSpPr>
-        <p:spPr/>
-        <p:txBody>
-          <a:bodyPr/>
-          <a:lstStyle/>
-          <a:p>
-            <a:r>
-              <a:rPr lang="en-US" dirty="0" smtClean="0"/>
-              <a:t>AI</a:t>
-            </a:r>
             <a:endParaRPr lang="en-US" dirty="0"/>
-          </a:p>
-        </p:txBody>
-      </p:sp>
-      <p:sp>
-        <p:nvSpPr>
-          <p:cNvPr id="5" name="Slide Number Placeholder 4"/>
-          <p:cNvSpPr>
-            <a:spLocks noGrp="1"/>
-          </p:cNvSpPr>
-          <p:nvPr>
-            <p:ph type="sldNum" sz="quarter" idx="12"/>
-          </p:nvPr>
-        </p:nvSpPr>
-        <p:spPr/>
-        <p:txBody>
-          <a:bodyPr/>
-          <a:lstStyle/>
-          <a:p>
-            <a:fld id="{B6F15528-21DE-4FAA-801E-634DDDAF4B2B}" type="slidenum">
-              <a:rPr lang="en-US" smtClean="0"/>
-              <a:pPr/>
-              <a:t>30</a:t>
-            </a:fld>
-            <a:endParaRPr lang="en-US"/>
           </a:p>
         </p:txBody>
       </p:sp>
@@ -19433,7 +21076,7 @@
             <a:lstStyle/>
             <a:p>
               <a:pPr algn="ctr"/>
-              <a:endParaRPr lang="en-US"/>
+              <a:endParaRPr lang="en-US" dirty="0"/>
             </a:p>
           </p:txBody>
         </p:sp>
@@ -19481,7 +21124,7 @@
             <a:lstStyle/>
             <a:p>
               <a:pPr algn="ctr"/>
-              <a:endParaRPr lang="en-US"/>
+              <a:endParaRPr lang="en-US" dirty="0"/>
             </a:p>
           </p:txBody>
         </p:sp>
@@ -19529,7 +21172,7 @@
             <a:lstStyle/>
             <a:p>
               <a:pPr algn="ctr"/>
-              <a:endParaRPr lang="en-US"/>
+              <a:endParaRPr lang="en-US" dirty="0"/>
             </a:p>
           </p:txBody>
         </p:sp>
@@ -19577,7 +21220,7 @@
             <a:lstStyle/>
             <a:p>
               <a:pPr algn="ctr"/>
-              <a:endParaRPr lang="en-US"/>
+              <a:endParaRPr lang="en-US" dirty="0"/>
             </a:p>
           </p:txBody>
         </p:sp>
@@ -19625,7 +21268,7 @@
             <a:lstStyle/>
             <a:p>
               <a:pPr algn="ctr"/>
-              <a:endParaRPr lang="en-US"/>
+              <a:endParaRPr lang="en-US" dirty="0"/>
             </a:p>
           </p:txBody>
         </p:sp>
@@ -19673,7 +21316,7 @@
             <a:lstStyle/>
             <a:p>
               <a:pPr algn="ctr"/>
-              <a:endParaRPr lang="en-US"/>
+              <a:endParaRPr lang="en-US" dirty="0"/>
             </a:p>
           </p:txBody>
         </p:sp>
@@ -19721,7 +21364,7 @@
             <a:lstStyle/>
             <a:p>
               <a:pPr algn="ctr"/>
-              <a:endParaRPr lang="en-US"/>
+              <a:endParaRPr lang="en-US" dirty="0"/>
             </a:p>
           </p:txBody>
         </p:sp>
@@ -19769,7 +21412,7 @@
             <a:lstStyle/>
             <a:p>
               <a:pPr algn="ctr"/>
-              <a:endParaRPr lang="en-US"/>
+              <a:endParaRPr lang="en-US" dirty="0"/>
             </a:p>
           </p:txBody>
         </p:sp>
@@ -19817,7 +21460,7 @@
             <a:lstStyle/>
             <a:p>
               <a:pPr algn="ctr"/>
-              <a:endParaRPr lang="en-US"/>
+              <a:endParaRPr lang="en-US" dirty="0"/>
             </a:p>
           </p:txBody>
         </p:sp>
@@ -19865,7 +21508,7 @@
             <a:lstStyle/>
             <a:p>
               <a:pPr algn="ctr"/>
-              <a:endParaRPr lang="en-US"/>
+              <a:endParaRPr lang="en-US" dirty="0"/>
             </a:p>
           </p:txBody>
         </p:sp>
@@ -19913,7 +21556,7 @@
             <a:lstStyle/>
             <a:p>
               <a:pPr algn="ctr"/>
-              <a:endParaRPr lang="en-US"/>
+              <a:endParaRPr lang="en-US" dirty="0"/>
             </a:p>
           </p:txBody>
         </p:sp>
@@ -19961,7 +21604,7 @@
             <a:lstStyle/>
             <a:p>
               <a:pPr algn="ctr"/>
-              <a:endParaRPr lang="en-US"/>
+              <a:endParaRPr lang="en-US" dirty="0"/>
             </a:p>
           </p:txBody>
         </p:sp>
@@ -20009,7 +21652,7 @@
             <a:lstStyle/>
             <a:p>
               <a:pPr algn="ctr"/>
-              <a:endParaRPr lang="en-US"/>
+              <a:endParaRPr lang="en-US" dirty="0"/>
             </a:p>
           </p:txBody>
         </p:sp>
@@ -20057,7 +21700,7 @@
             <a:lstStyle/>
             <a:p>
               <a:pPr algn="ctr"/>
-              <a:endParaRPr lang="en-US"/>
+              <a:endParaRPr lang="en-US" dirty="0"/>
             </a:p>
           </p:txBody>
         </p:sp>
@@ -20105,7 +21748,7 @@
             <a:lstStyle/>
             <a:p>
               <a:pPr algn="ctr"/>
-              <a:endParaRPr lang="en-US"/>
+              <a:endParaRPr lang="en-US" dirty="0"/>
             </a:p>
           </p:txBody>
         </p:sp>
@@ -20153,7 +21796,7 @@
             <a:lstStyle/>
             <a:p>
               <a:pPr algn="ctr"/>
-              <a:endParaRPr lang="en-US"/>
+              <a:endParaRPr lang="en-US" dirty="0"/>
             </a:p>
           </p:txBody>
         </p:sp>
@@ -20201,7 +21844,7 @@
             <a:lstStyle/>
             <a:p>
               <a:pPr algn="ctr"/>
-              <a:endParaRPr lang="en-US"/>
+              <a:endParaRPr lang="en-US" dirty="0"/>
             </a:p>
           </p:txBody>
         </p:sp>
@@ -20249,7 +21892,7 @@
             <a:lstStyle/>
             <a:p>
               <a:pPr algn="ctr"/>
-              <a:endParaRPr lang="en-US"/>
+              <a:endParaRPr lang="en-US" dirty="0"/>
             </a:p>
           </p:txBody>
         </p:sp>
@@ -20297,7 +21940,7 @@
             <a:lstStyle/>
             <a:p>
               <a:pPr algn="ctr"/>
-              <a:endParaRPr lang="en-US"/>
+              <a:endParaRPr lang="en-US" dirty="0"/>
             </a:p>
           </p:txBody>
         </p:sp>
@@ -20345,7 +21988,7 @@
             <a:lstStyle/>
             <a:p>
               <a:pPr algn="ctr"/>
-              <a:endParaRPr lang="en-US"/>
+              <a:endParaRPr lang="en-US" dirty="0"/>
             </a:p>
           </p:txBody>
         </p:sp>
@@ -20393,7 +22036,7 @@
             <a:lstStyle/>
             <a:p>
               <a:pPr algn="ctr"/>
-              <a:endParaRPr lang="en-US"/>
+              <a:endParaRPr lang="en-US" dirty="0"/>
             </a:p>
           </p:txBody>
         </p:sp>
@@ -20441,7 +22084,7 @@
             <a:lstStyle/>
             <a:p>
               <a:pPr algn="ctr"/>
-              <a:endParaRPr lang="en-US"/>
+              <a:endParaRPr lang="en-US" dirty="0"/>
             </a:p>
           </p:txBody>
         </p:sp>
@@ -20489,7 +22132,7 @@
             <a:lstStyle/>
             <a:p>
               <a:pPr algn="ctr"/>
-              <a:endParaRPr lang="en-US"/>
+              <a:endParaRPr lang="en-US" dirty="0"/>
             </a:p>
           </p:txBody>
         </p:sp>
@@ -20537,7 +22180,7 @@
             <a:lstStyle/>
             <a:p>
               <a:pPr algn="ctr"/>
-              <a:endParaRPr lang="en-US"/>
+              <a:endParaRPr lang="en-US" dirty="0"/>
             </a:p>
           </p:txBody>
         </p:sp>
@@ -20772,7 +22415,7 @@
               <a:lstStyle/>
               <a:p>
                 <a:pPr algn="ctr"/>
-                <a:endParaRPr lang="en-US"/>
+                <a:endParaRPr lang="en-US" dirty="0"/>
               </a:p>
             </p:txBody>
           </p:sp>
@@ -20820,7 +22463,7 @@
               <a:lstStyle/>
               <a:p>
                 <a:pPr algn="ctr"/>
-                <a:endParaRPr lang="en-US"/>
+                <a:endParaRPr lang="en-US" dirty="0"/>
               </a:p>
             </p:txBody>
           </p:sp>
@@ -20868,7 +22511,7 @@
               <a:lstStyle/>
               <a:p>
                 <a:pPr algn="ctr"/>
-                <a:endParaRPr lang="en-US"/>
+                <a:endParaRPr lang="en-US" dirty="0"/>
               </a:p>
             </p:txBody>
           </p:sp>
@@ -20916,7 +22559,7 @@
               <a:lstStyle/>
               <a:p>
                 <a:pPr algn="ctr"/>
-                <a:endParaRPr lang="en-US"/>
+                <a:endParaRPr lang="en-US" dirty="0"/>
               </a:p>
             </p:txBody>
           </p:sp>
@@ -20964,7 +22607,7 @@
               <a:lstStyle/>
               <a:p>
                 <a:pPr algn="ctr"/>
-                <a:endParaRPr lang="en-US"/>
+                <a:endParaRPr lang="en-US" dirty="0"/>
               </a:p>
             </p:txBody>
           </p:sp>
@@ -21012,7 +22655,7 @@
               <a:lstStyle/>
               <a:p>
                 <a:pPr algn="ctr"/>
-                <a:endParaRPr lang="en-US"/>
+                <a:endParaRPr lang="en-US" dirty="0"/>
               </a:p>
             </p:txBody>
           </p:sp>
@@ -21060,7 +22703,7 @@
               <a:lstStyle/>
               <a:p>
                 <a:pPr algn="ctr"/>
-                <a:endParaRPr lang="en-US"/>
+                <a:endParaRPr lang="en-US" dirty="0"/>
               </a:p>
             </p:txBody>
           </p:sp>
@@ -21108,7 +22751,7 @@
               <a:lstStyle/>
               <a:p>
                 <a:pPr algn="ctr"/>
-                <a:endParaRPr lang="en-US"/>
+                <a:endParaRPr lang="en-US" dirty="0"/>
               </a:p>
             </p:txBody>
           </p:sp>
@@ -21156,7 +22799,7 @@
               <a:lstStyle/>
               <a:p>
                 <a:pPr algn="ctr"/>
-                <a:endParaRPr lang="en-US"/>
+                <a:endParaRPr lang="en-US" dirty="0"/>
               </a:p>
             </p:txBody>
           </p:sp>
@@ -21204,7 +22847,7 @@
               <a:lstStyle/>
               <a:p>
                 <a:pPr algn="ctr"/>
-                <a:endParaRPr lang="en-US"/>
+                <a:endParaRPr lang="en-US" dirty="0"/>
               </a:p>
             </p:txBody>
           </p:sp>
@@ -21252,7 +22895,7 @@
               <a:lstStyle/>
               <a:p>
                 <a:pPr algn="ctr"/>
-                <a:endParaRPr lang="en-US"/>
+                <a:endParaRPr lang="en-US" dirty="0"/>
               </a:p>
             </p:txBody>
           </p:sp>
@@ -21300,7 +22943,7 @@
               <a:lstStyle/>
               <a:p>
                 <a:pPr algn="ctr"/>
-                <a:endParaRPr lang="en-US"/>
+                <a:endParaRPr lang="en-US" dirty="0"/>
               </a:p>
             </p:txBody>
           </p:sp>
@@ -21348,7 +22991,7 @@
               <a:lstStyle/>
               <a:p>
                 <a:pPr algn="ctr"/>
-                <a:endParaRPr lang="en-US"/>
+                <a:endParaRPr lang="en-US" dirty="0"/>
               </a:p>
             </p:txBody>
           </p:sp>
@@ -21396,7 +23039,7 @@
               <a:lstStyle/>
               <a:p>
                 <a:pPr algn="ctr"/>
-                <a:endParaRPr lang="en-US"/>
+                <a:endParaRPr lang="en-US" dirty="0"/>
               </a:p>
             </p:txBody>
           </p:sp>
@@ -21444,7 +23087,7 @@
               <a:lstStyle/>
               <a:p>
                 <a:pPr algn="ctr"/>
-                <a:endParaRPr lang="en-US"/>
+                <a:endParaRPr lang="en-US" dirty="0"/>
               </a:p>
             </p:txBody>
           </p:sp>
@@ -21492,7 +23135,7 @@
               <a:lstStyle/>
               <a:p>
                 <a:pPr algn="ctr"/>
-                <a:endParaRPr lang="en-US"/>
+                <a:endParaRPr lang="en-US" dirty="0"/>
               </a:p>
             </p:txBody>
           </p:sp>
@@ -21540,7 +23183,7 @@
               <a:lstStyle/>
               <a:p>
                 <a:pPr algn="ctr"/>
-                <a:endParaRPr lang="en-US"/>
+                <a:endParaRPr lang="en-US" dirty="0"/>
               </a:p>
             </p:txBody>
           </p:sp>
@@ -21588,7 +23231,7 @@
               <a:lstStyle/>
               <a:p>
                 <a:pPr algn="ctr"/>
-                <a:endParaRPr lang="en-US"/>
+                <a:endParaRPr lang="en-US" dirty="0"/>
               </a:p>
             </p:txBody>
           </p:sp>
@@ -21636,7 +23279,7 @@
               <a:lstStyle/>
               <a:p>
                 <a:pPr algn="ctr"/>
-                <a:endParaRPr lang="en-US"/>
+                <a:endParaRPr lang="en-US" dirty="0"/>
               </a:p>
             </p:txBody>
           </p:sp>
@@ -21684,7 +23327,7 @@
               <a:lstStyle/>
               <a:p>
                 <a:pPr algn="ctr"/>
-                <a:endParaRPr lang="en-US"/>
+                <a:endParaRPr lang="en-US" dirty="0"/>
               </a:p>
             </p:txBody>
           </p:sp>
@@ -21732,7 +23375,7 @@
               <a:lstStyle/>
               <a:p>
                 <a:pPr algn="ctr"/>
-                <a:endParaRPr lang="en-US"/>
+                <a:endParaRPr lang="en-US" dirty="0"/>
               </a:p>
             </p:txBody>
           </p:sp>
@@ -21780,7 +23423,7 @@
               <a:lstStyle/>
               <a:p>
                 <a:pPr algn="ctr"/>
-                <a:endParaRPr lang="en-US"/>
+                <a:endParaRPr lang="en-US" dirty="0"/>
               </a:p>
             </p:txBody>
           </p:sp>
@@ -21828,7 +23471,7 @@
               <a:lstStyle/>
               <a:p>
                 <a:pPr algn="ctr"/>
-                <a:endParaRPr lang="en-US"/>
+                <a:endParaRPr lang="en-US" dirty="0"/>
               </a:p>
             </p:txBody>
           </p:sp>
@@ -21876,7 +23519,7 @@
               <a:lstStyle/>
               <a:p>
                 <a:pPr algn="ctr"/>
-                <a:endParaRPr lang="en-US"/>
+                <a:endParaRPr lang="en-US" dirty="0"/>
               </a:p>
             </p:txBody>
           </p:sp>
@@ -22106,7 +23749,7 @@
           <a:lstStyle/>
           <a:p>
             <a:pPr algn="ctr"/>
-            <a:endParaRPr lang="en-US"/>
+            <a:endParaRPr lang="en-US" dirty="0"/>
           </a:p>
         </p:txBody>
       </p:sp>
@@ -22212,7 +23855,7 @@
               <a:lstStyle/>
               <a:p>
                 <a:pPr algn="ctr"/>
-                <a:endParaRPr lang="en-US"/>
+                <a:endParaRPr lang="en-US" dirty="0"/>
               </a:p>
             </p:txBody>
           </p:sp>
@@ -22260,7 +23903,7 @@
               <a:lstStyle/>
               <a:p>
                 <a:pPr algn="ctr"/>
-                <a:endParaRPr lang="en-US"/>
+                <a:endParaRPr lang="en-US" dirty="0"/>
               </a:p>
             </p:txBody>
           </p:sp>
@@ -22308,7 +23951,7 @@
               <a:lstStyle/>
               <a:p>
                 <a:pPr algn="ctr"/>
-                <a:endParaRPr lang="en-US"/>
+                <a:endParaRPr lang="en-US" dirty="0"/>
               </a:p>
             </p:txBody>
           </p:sp>
@@ -22356,7 +23999,7 @@
               <a:lstStyle/>
               <a:p>
                 <a:pPr algn="ctr"/>
-                <a:endParaRPr lang="en-US"/>
+                <a:endParaRPr lang="en-US" dirty="0"/>
               </a:p>
             </p:txBody>
           </p:sp>
@@ -22404,7 +24047,7 @@
               <a:lstStyle/>
               <a:p>
                 <a:pPr algn="ctr"/>
-                <a:endParaRPr lang="en-US"/>
+                <a:endParaRPr lang="en-US" dirty="0"/>
               </a:p>
             </p:txBody>
           </p:sp>
@@ -22452,7 +24095,7 @@
               <a:lstStyle/>
               <a:p>
                 <a:pPr algn="ctr"/>
-                <a:endParaRPr lang="en-US"/>
+                <a:endParaRPr lang="en-US" dirty="0"/>
               </a:p>
             </p:txBody>
           </p:sp>
@@ -22500,7 +24143,7 @@
               <a:lstStyle/>
               <a:p>
                 <a:pPr algn="ctr"/>
-                <a:endParaRPr lang="en-US"/>
+                <a:endParaRPr lang="en-US" dirty="0"/>
               </a:p>
             </p:txBody>
           </p:sp>
@@ -22548,7 +24191,7 @@
               <a:lstStyle/>
               <a:p>
                 <a:pPr algn="ctr"/>
-                <a:endParaRPr lang="en-US"/>
+                <a:endParaRPr lang="en-US" dirty="0"/>
               </a:p>
             </p:txBody>
           </p:sp>
@@ -22596,7 +24239,7 @@
               <a:lstStyle/>
               <a:p>
                 <a:pPr algn="ctr"/>
-                <a:endParaRPr lang="en-US"/>
+                <a:endParaRPr lang="en-US" dirty="0"/>
               </a:p>
             </p:txBody>
           </p:sp>
@@ -22644,7 +24287,7 @@
               <a:lstStyle/>
               <a:p>
                 <a:pPr algn="ctr"/>
-                <a:endParaRPr lang="en-US"/>
+                <a:endParaRPr lang="en-US" dirty="0"/>
               </a:p>
             </p:txBody>
           </p:sp>
@@ -22692,7 +24335,7 @@
               <a:lstStyle/>
               <a:p>
                 <a:pPr algn="ctr"/>
-                <a:endParaRPr lang="en-US"/>
+                <a:endParaRPr lang="en-US" dirty="0"/>
               </a:p>
             </p:txBody>
           </p:sp>
@@ -22740,7 +24383,7 @@
               <a:lstStyle/>
               <a:p>
                 <a:pPr algn="ctr"/>
-                <a:endParaRPr lang="en-US"/>
+                <a:endParaRPr lang="en-US" dirty="0"/>
               </a:p>
             </p:txBody>
           </p:sp>
@@ -22788,7 +24431,7 @@
               <a:lstStyle/>
               <a:p>
                 <a:pPr algn="ctr"/>
-                <a:endParaRPr lang="en-US"/>
+                <a:endParaRPr lang="en-US" dirty="0"/>
               </a:p>
             </p:txBody>
           </p:sp>
@@ -22836,7 +24479,7 @@
               <a:lstStyle/>
               <a:p>
                 <a:pPr algn="ctr"/>
-                <a:endParaRPr lang="en-US"/>
+                <a:endParaRPr lang="en-US" dirty="0"/>
               </a:p>
             </p:txBody>
           </p:sp>
@@ -22884,7 +24527,7 @@
               <a:lstStyle/>
               <a:p>
                 <a:pPr algn="ctr"/>
-                <a:endParaRPr lang="en-US"/>
+                <a:endParaRPr lang="en-US" dirty="0"/>
               </a:p>
             </p:txBody>
           </p:sp>
@@ -22932,7 +24575,7 @@
               <a:lstStyle/>
               <a:p>
                 <a:pPr algn="ctr"/>
-                <a:endParaRPr lang="en-US"/>
+                <a:endParaRPr lang="en-US" dirty="0"/>
               </a:p>
             </p:txBody>
           </p:sp>
@@ -22980,7 +24623,7 @@
               <a:lstStyle/>
               <a:p>
                 <a:pPr algn="ctr"/>
-                <a:endParaRPr lang="en-US"/>
+                <a:endParaRPr lang="en-US" dirty="0"/>
               </a:p>
             </p:txBody>
           </p:sp>
@@ -23028,7 +24671,7 @@
               <a:lstStyle/>
               <a:p>
                 <a:pPr algn="ctr"/>
-                <a:endParaRPr lang="en-US"/>
+                <a:endParaRPr lang="en-US" dirty="0"/>
               </a:p>
             </p:txBody>
           </p:sp>
@@ -23076,7 +24719,7 @@
               <a:lstStyle/>
               <a:p>
                 <a:pPr algn="ctr"/>
-                <a:endParaRPr lang="en-US"/>
+                <a:endParaRPr lang="en-US" dirty="0"/>
               </a:p>
             </p:txBody>
           </p:sp>
@@ -23124,7 +24767,7 @@
               <a:lstStyle/>
               <a:p>
                 <a:pPr algn="ctr"/>
-                <a:endParaRPr lang="en-US"/>
+                <a:endParaRPr lang="en-US" dirty="0"/>
               </a:p>
             </p:txBody>
           </p:sp>
@@ -23172,7 +24815,7 @@
               <a:lstStyle/>
               <a:p>
                 <a:pPr algn="ctr"/>
-                <a:endParaRPr lang="en-US"/>
+                <a:endParaRPr lang="en-US" dirty="0"/>
               </a:p>
             </p:txBody>
           </p:sp>
@@ -23220,7 +24863,7 @@
               <a:lstStyle/>
               <a:p>
                 <a:pPr algn="ctr"/>
-                <a:endParaRPr lang="en-US"/>
+                <a:endParaRPr lang="en-US" dirty="0"/>
               </a:p>
             </p:txBody>
           </p:sp>
@@ -23268,7 +24911,7 @@
               <a:lstStyle/>
               <a:p>
                 <a:pPr algn="ctr"/>
-                <a:endParaRPr lang="en-US"/>
+                <a:endParaRPr lang="en-US" dirty="0"/>
               </a:p>
             </p:txBody>
           </p:sp>
@@ -23316,7 +24959,7 @@
               <a:lstStyle/>
               <a:p>
                 <a:pPr algn="ctr"/>
-                <a:endParaRPr lang="en-US"/>
+                <a:endParaRPr lang="en-US" dirty="0"/>
               </a:p>
             </p:txBody>
           </p:sp>
@@ -23582,7 +25225,7 @@
               <a:lstStyle/>
               <a:p>
                 <a:pPr algn="ctr"/>
-                <a:endParaRPr lang="en-US"/>
+                <a:endParaRPr lang="en-US" dirty="0"/>
               </a:p>
             </p:txBody>
           </p:sp>
@@ -23630,7 +25273,7 @@
               <a:lstStyle/>
               <a:p>
                 <a:pPr algn="ctr"/>
-                <a:endParaRPr lang="en-US"/>
+                <a:endParaRPr lang="en-US" dirty="0"/>
               </a:p>
             </p:txBody>
           </p:sp>
@@ -23678,7 +25321,7 @@
               <a:lstStyle/>
               <a:p>
                 <a:pPr algn="ctr"/>
-                <a:endParaRPr lang="en-US"/>
+                <a:endParaRPr lang="en-US" dirty="0"/>
               </a:p>
             </p:txBody>
           </p:sp>
@@ -23726,7 +25369,7 @@
               <a:lstStyle/>
               <a:p>
                 <a:pPr algn="ctr"/>
-                <a:endParaRPr lang="en-US"/>
+                <a:endParaRPr lang="en-US" dirty="0"/>
               </a:p>
             </p:txBody>
           </p:sp>
@@ -23774,7 +25417,7 @@
               <a:lstStyle/>
               <a:p>
                 <a:pPr algn="ctr"/>
-                <a:endParaRPr lang="en-US"/>
+                <a:endParaRPr lang="en-US" dirty="0"/>
               </a:p>
             </p:txBody>
           </p:sp>
@@ -23822,7 +25465,7 @@
               <a:lstStyle/>
               <a:p>
                 <a:pPr algn="ctr"/>
-                <a:endParaRPr lang="en-US"/>
+                <a:endParaRPr lang="en-US" dirty="0"/>
               </a:p>
             </p:txBody>
           </p:sp>
@@ -23870,7 +25513,7 @@
               <a:lstStyle/>
               <a:p>
                 <a:pPr algn="ctr"/>
-                <a:endParaRPr lang="en-US"/>
+                <a:endParaRPr lang="en-US" dirty="0"/>
               </a:p>
             </p:txBody>
           </p:sp>
@@ -23918,7 +25561,7 @@
               <a:lstStyle/>
               <a:p>
                 <a:pPr algn="ctr"/>
-                <a:endParaRPr lang="en-US"/>
+                <a:endParaRPr lang="en-US" dirty="0"/>
               </a:p>
             </p:txBody>
           </p:sp>
@@ -23966,7 +25609,7 @@
               <a:lstStyle/>
               <a:p>
                 <a:pPr algn="ctr"/>
-                <a:endParaRPr lang="en-US"/>
+                <a:endParaRPr lang="en-US" dirty="0"/>
               </a:p>
             </p:txBody>
           </p:sp>
@@ -24014,7 +25657,7 @@
               <a:lstStyle/>
               <a:p>
                 <a:pPr algn="ctr"/>
-                <a:endParaRPr lang="en-US"/>
+                <a:endParaRPr lang="en-US" dirty="0"/>
               </a:p>
             </p:txBody>
           </p:sp>
@@ -24062,7 +25705,7 @@
               <a:lstStyle/>
               <a:p>
                 <a:pPr algn="ctr"/>
-                <a:endParaRPr lang="en-US"/>
+                <a:endParaRPr lang="en-US" dirty="0"/>
               </a:p>
             </p:txBody>
           </p:sp>
@@ -24110,7 +25753,7 @@
               <a:lstStyle/>
               <a:p>
                 <a:pPr algn="ctr"/>
-                <a:endParaRPr lang="en-US"/>
+                <a:endParaRPr lang="en-US" dirty="0"/>
               </a:p>
             </p:txBody>
           </p:sp>
@@ -24158,7 +25801,7 @@
               <a:lstStyle/>
               <a:p>
                 <a:pPr algn="ctr"/>
-                <a:endParaRPr lang="en-US"/>
+                <a:endParaRPr lang="en-US" dirty="0"/>
               </a:p>
             </p:txBody>
           </p:sp>
@@ -24206,7 +25849,7 @@
               <a:lstStyle/>
               <a:p>
                 <a:pPr algn="ctr"/>
-                <a:endParaRPr lang="en-US"/>
+                <a:endParaRPr lang="en-US" dirty="0"/>
               </a:p>
             </p:txBody>
           </p:sp>
@@ -24254,7 +25897,7 @@
               <a:lstStyle/>
               <a:p>
                 <a:pPr algn="ctr"/>
-                <a:endParaRPr lang="en-US"/>
+                <a:endParaRPr lang="en-US" dirty="0"/>
               </a:p>
             </p:txBody>
           </p:sp>
@@ -24302,7 +25945,7 @@
               <a:lstStyle/>
               <a:p>
                 <a:pPr algn="ctr"/>
-                <a:endParaRPr lang="en-US"/>
+                <a:endParaRPr lang="en-US" dirty="0"/>
               </a:p>
             </p:txBody>
           </p:sp>
@@ -24350,7 +25993,7 @@
               <a:lstStyle/>
               <a:p>
                 <a:pPr algn="ctr"/>
-                <a:endParaRPr lang="en-US"/>
+                <a:endParaRPr lang="en-US" dirty="0"/>
               </a:p>
             </p:txBody>
           </p:sp>
@@ -24398,7 +26041,7 @@
               <a:lstStyle/>
               <a:p>
                 <a:pPr algn="ctr"/>
-                <a:endParaRPr lang="en-US"/>
+                <a:endParaRPr lang="en-US" dirty="0"/>
               </a:p>
             </p:txBody>
           </p:sp>
@@ -24446,7 +26089,7 @@
               <a:lstStyle/>
               <a:p>
                 <a:pPr algn="ctr"/>
-                <a:endParaRPr lang="en-US"/>
+                <a:endParaRPr lang="en-US" dirty="0"/>
               </a:p>
             </p:txBody>
           </p:sp>
@@ -24494,7 +26137,7 @@
               <a:lstStyle/>
               <a:p>
                 <a:pPr algn="ctr"/>
-                <a:endParaRPr lang="en-US"/>
+                <a:endParaRPr lang="en-US" dirty="0"/>
               </a:p>
             </p:txBody>
           </p:sp>
@@ -24542,7 +26185,7 @@
               <a:lstStyle/>
               <a:p>
                 <a:pPr algn="ctr"/>
-                <a:endParaRPr lang="en-US"/>
+                <a:endParaRPr lang="en-US" dirty="0"/>
               </a:p>
             </p:txBody>
           </p:sp>
@@ -24590,7 +26233,7 @@
               <a:lstStyle/>
               <a:p>
                 <a:pPr algn="ctr"/>
-                <a:endParaRPr lang="en-US"/>
+                <a:endParaRPr lang="en-US" dirty="0"/>
               </a:p>
             </p:txBody>
           </p:sp>
@@ -24638,7 +26281,7 @@
               <a:lstStyle/>
               <a:p>
                 <a:pPr algn="ctr"/>
-                <a:endParaRPr lang="en-US"/>
+                <a:endParaRPr lang="en-US" dirty="0"/>
               </a:p>
             </p:txBody>
           </p:sp>
@@ -24686,7 +26329,7 @@
               <a:lstStyle/>
               <a:p>
                 <a:pPr algn="ctr"/>
-                <a:endParaRPr lang="en-US"/>
+                <a:endParaRPr lang="en-US" dirty="0"/>
               </a:p>
             </p:txBody>
           </p:sp>
@@ -25036,7 +26679,7 @@
           <a:lstStyle/>
           <a:p>
             <a:pPr algn="ctr"/>
-            <a:endParaRPr lang="en-US"/>
+            <a:endParaRPr lang="en-US" dirty="0"/>
           </a:p>
         </p:txBody>
       </p:sp>
@@ -25079,7 +26722,7 @@
           <a:lstStyle/>
           <a:p>
             <a:pPr algn="ctr"/>
-            <a:endParaRPr lang="en-US"/>
+            <a:endParaRPr lang="en-US" dirty="0"/>
           </a:p>
         </p:txBody>
       </p:sp>
@@ -25109,309 +26752,6 @@
             <a:avLst/>
           </a:prstGeom>
           <a:noFill/>
-        </p:spPr>
-      </p:pic>
-    </p:spTree>
-  </p:cSld>
-  <p:clrMapOvr>
-    <a:masterClrMapping/>
-  </p:clrMapOvr>
-  <p:timing>
-    <p:tnLst>
-      <p:par>
-        <p:cTn id="1" dur="indefinite" restart="never" nodeType="tmRoot"/>
-      </p:par>
-    </p:tnLst>
-  </p:timing>
-</p:sld>
-</file>
-
-<file path=ppt/slides/slide31.xml><?xml version="1.0" encoding="utf-8"?>
-<p:sld xmlns:a="http://schemas.openxmlformats.org/drawingml/2006/main" xmlns:r="http://schemas.openxmlformats.org/officeDocument/2006/relationships" xmlns:p="http://schemas.openxmlformats.org/presentationml/2006/main">
-  <p:cSld>
-    <p:spTree>
-      <p:nvGrpSpPr>
-        <p:cNvPr id="1" name=""/>
-        <p:cNvGrpSpPr/>
-        <p:nvPr/>
-      </p:nvGrpSpPr>
-      <p:grpSpPr>
-        <a:xfrm>
-          <a:off x="0" y="0"/>
-          <a:ext cx="0" cy="0"/>
-          <a:chOff x="0" y="0"/>
-          <a:chExt cx="0" cy="0"/>
-        </a:xfrm>
-      </p:grpSpPr>
-      <p:sp>
-        <p:nvSpPr>
-          <p:cNvPr id="2" name="Title 1"/>
-          <p:cNvSpPr>
-            <a:spLocks noGrp="1"/>
-          </p:cNvSpPr>
-          <p:nvPr>
-            <p:ph type="title"/>
-          </p:nvPr>
-        </p:nvSpPr>
-        <p:spPr/>
-        <p:txBody>
-          <a:bodyPr>
-            <a:normAutofit fontScale="90000"/>
-          </a:bodyPr>
-          <a:lstStyle/>
-          <a:p>
-            <a:r>
-              <a:rPr lang="en-US" dirty="0" smtClean="0"/>
-              <a:t>Game Mechanics &amp;</a:t>
-            </a:r>
-            <a:br>
-              <a:rPr lang="en-US" dirty="0" smtClean="0"/>
-            </a:br>
-            <a:r>
-              <a:rPr lang="en-US" dirty="0" smtClean="0"/>
-              <a:t> AI Conclusion</a:t>
-            </a:r>
-            <a:endParaRPr lang="en-US" dirty="0"/>
-          </a:p>
-        </p:txBody>
-      </p:sp>
-      <p:sp>
-        <p:nvSpPr>
-          <p:cNvPr id="3" name="Content Placeholder 2"/>
-          <p:cNvSpPr>
-            <a:spLocks noGrp="1"/>
-          </p:cNvSpPr>
-          <p:nvPr>
-            <p:ph idx="1"/>
-          </p:nvPr>
-        </p:nvSpPr>
-        <p:spPr/>
-        <p:txBody>
-          <a:bodyPr/>
-          <a:lstStyle/>
-          <a:p>
-            <a:r>
-              <a:rPr lang="en-US" dirty="0" smtClean="0"/>
-              <a:t>Units</a:t>
-            </a:r>
-          </a:p>
-          <a:p>
-            <a:r>
-              <a:rPr lang="en-US" dirty="0" smtClean="0"/>
-              <a:t>Game Mechanics</a:t>
-            </a:r>
-          </a:p>
-          <a:p>
-            <a:r>
-              <a:rPr lang="en-US" dirty="0" smtClean="0"/>
-              <a:t>AI</a:t>
-            </a:r>
-          </a:p>
-        </p:txBody>
-      </p:sp>
-      <p:sp>
-        <p:nvSpPr>
-          <p:cNvPr id="5" name="Slide Number Placeholder 4"/>
-          <p:cNvSpPr>
-            <a:spLocks noGrp="1"/>
-          </p:cNvSpPr>
-          <p:nvPr>
-            <p:ph type="sldNum" sz="quarter" idx="12"/>
-          </p:nvPr>
-        </p:nvSpPr>
-        <p:spPr/>
-        <p:txBody>
-          <a:bodyPr/>
-          <a:lstStyle/>
-          <a:p>
-            <a:fld id="{B6F15528-21DE-4FAA-801E-634DDDAF4B2B}" type="slidenum">
-              <a:rPr lang="en-US" smtClean="0"/>
-              <a:pPr/>
-              <a:t>31</a:t>
-            </a:fld>
-            <a:endParaRPr lang="en-US"/>
-          </a:p>
-        </p:txBody>
-      </p:sp>
-      <p:pic>
-        <p:nvPicPr>
-          <p:cNvPr id="4" name="Picture 3" descr="logo.jpg"/>
-          <p:cNvPicPr>
-            <a:picLocks noChangeAspect="1"/>
-          </p:cNvPicPr>
-          <p:nvPr/>
-        </p:nvPicPr>
-        <p:blipFill>
-          <a:blip r:embed="rId2" cstate="print"/>
-          <a:stretch>
-            <a:fillRect/>
-          </a:stretch>
-        </p:blipFill>
-        <p:spPr>
-          <a:xfrm>
-            <a:off x="7956253" y="0"/>
-            <a:ext cx="1187747" cy="1328738"/>
-          </a:xfrm>
-          <a:prstGeom prst="rect">
-            <a:avLst/>
-          </a:prstGeom>
-        </p:spPr>
-      </p:pic>
-    </p:spTree>
-  </p:cSld>
-  <p:clrMapOvr>
-    <a:masterClrMapping/>
-  </p:clrMapOvr>
-  <p:timing>
-    <p:tnLst>
-      <p:par>
-        <p:cTn id="1" dur="indefinite" restart="never" nodeType="tmRoot"/>
-      </p:par>
-    </p:tnLst>
-  </p:timing>
-</p:sld>
-</file>
-
-<file path=ppt/slides/slide32.xml><?xml version="1.0" encoding="utf-8"?>
-<p:sld xmlns:a="http://schemas.openxmlformats.org/drawingml/2006/main" xmlns:r="http://schemas.openxmlformats.org/officeDocument/2006/relationships" xmlns:p="http://schemas.openxmlformats.org/presentationml/2006/main">
-  <p:cSld>
-    <p:spTree>
-      <p:nvGrpSpPr>
-        <p:cNvPr id="1" name=""/>
-        <p:cNvGrpSpPr/>
-        <p:nvPr/>
-      </p:nvGrpSpPr>
-      <p:grpSpPr>
-        <a:xfrm>
-          <a:off x="0" y="0"/>
-          <a:ext cx="0" cy="0"/>
-          <a:chOff x="0" y="0"/>
-          <a:chExt cx="0" cy="0"/>
-        </a:xfrm>
-      </p:grpSpPr>
-      <p:sp>
-        <p:nvSpPr>
-          <p:cNvPr id="2" name="Title 1"/>
-          <p:cNvSpPr>
-            <a:spLocks noGrp="1"/>
-          </p:cNvSpPr>
-          <p:nvPr>
-            <p:ph type="title"/>
-          </p:nvPr>
-        </p:nvSpPr>
-        <p:spPr>
-          <a:xfrm>
-            <a:off x="457200" y="314094"/>
-            <a:ext cx="7391400" cy="1143000"/>
-          </a:xfrm>
-        </p:spPr>
-        <p:txBody>
-          <a:bodyPr>
-            <a:normAutofit fontScale="90000"/>
-          </a:bodyPr>
-          <a:lstStyle/>
-          <a:p>
-            <a:r>
-              <a:rPr lang="en-US" dirty="0" smtClean="0"/>
-              <a:t>Database</a:t>
-            </a:r>
-            <a:br>
-              <a:rPr lang="en-US" dirty="0" smtClean="0"/>
-            </a:br>
-            <a:r>
-              <a:rPr lang="en-US" dirty="0" smtClean="0"/>
-              <a:t>“Summary”</a:t>
-            </a:r>
-            <a:endParaRPr lang="en-US" dirty="0"/>
-          </a:p>
-        </p:txBody>
-      </p:sp>
-      <p:sp>
-        <p:nvSpPr>
-          <p:cNvPr id="3" name="Content Placeholder 2"/>
-          <p:cNvSpPr>
-            <a:spLocks noGrp="1"/>
-          </p:cNvSpPr>
-          <p:nvPr>
-            <p:ph idx="1"/>
-          </p:nvPr>
-        </p:nvSpPr>
-        <p:spPr>
-          <a:xfrm>
-            <a:off x="762000" y="2514600"/>
-            <a:ext cx="8229600" cy="3657600"/>
-          </a:xfrm>
-        </p:spPr>
-        <p:txBody>
-          <a:bodyPr/>
-          <a:lstStyle/>
-          <a:p>
-            <a:r>
-              <a:rPr lang="en-US" dirty="0" smtClean="0"/>
-              <a:t>What Database is?</a:t>
-            </a:r>
-          </a:p>
-          <a:p>
-            <a:r>
-              <a:rPr lang="en-US" dirty="0" smtClean="0"/>
-              <a:t>What Database does in the project?</a:t>
-            </a:r>
-          </a:p>
-          <a:p>
-            <a:r>
-              <a:rPr lang="en-US" dirty="0" smtClean="0"/>
-              <a:t>How Database works?</a:t>
-            </a:r>
-            <a:endParaRPr lang="en-US" dirty="0"/>
-          </a:p>
-        </p:txBody>
-      </p:sp>
-      <p:sp>
-        <p:nvSpPr>
-          <p:cNvPr id="5" name="Slide Number Placeholder 4"/>
-          <p:cNvSpPr>
-            <a:spLocks noGrp="1"/>
-          </p:cNvSpPr>
-          <p:nvPr>
-            <p:ph type="sldNum" sz="quarter" idx="12"/>
-          </p:nvPr>
-        </p:nvSpPr>
-        <p:spPr/>
-        <p:txBody>
-          <a:bodyPr/>
-          <a:lstStyle/>
-          <a:p>
-            <a:fld id="{B6F15528-21DE-4FAA-801E-634DDDAF4B2B}" type="slidenum">
-              <a:rPr lang="en-US" smtClean="0"/>
-              <a:pPr/>
-              <a:t>32</a:t>
-            </a:fld>
-            <a:endParaRPr lang="en-US"/>
-          </a:p>
-        </p:txBody>
-      </p:sp>
-      <p:pic>
-        <p:nvPicPr>
-          <p:cNvPr id="4" name="Picture 3" descr="logo.jpg"/>
-          <p:cNvPicPr>
-            <a:picLocks noChangeAspect="1"/>
-          </p:cNvPicPr>
-          <p:nvPr/>
-        </p:nvPicPr>
-        <p:blipFill>
-          <a:blip r:embed="rId2" cstate="print"/>
-          <a:stretch>
-            <a:fillRect/>
-          </a:stretch>
-        </p:blipFill>
-        <p:spPr>
-          <a:xfrm>
-            <a:off x="7956253" y="0"/>
-            <a:ext cx="1187747" cy="1328738"/>
-          </a:xfrm>
-          <a:prstGeom prst="rect">
-            <a:avLst/>
-          </a:prstGeom>
         </p:spPr>
       </p:pic>
     </p:spTree>
@@ -25465,18 +26805,14 @@
           <a:p>
             <a:r>
               <a:rPr lang="en-US" dirty="0" smtClean="0"/>
-              <a:t>Database</a:t>
+              <a:t>Game Mechanics &amp;</a:t>
             </a:r>
             <a:br>
               <a:rPr lang="en-US" dirty="0" smtClean="0"/>
             </a:br>
             <a:r>
               <a:rPr lang="en-US" dirty="0" smtClean="0"/>
-              <a:t>“</a:t>
-            </a:r>
-            <a:r>
-              <a:rPr lang="en-US" altLang="zh-CN" dirty="0" smtClean="0"/>
-              <a:t>What Database is”</a:t>
+              <a:t> AI Conclusion</a:t>
             </a:r>
             <a:endParaRPr lang="en-US" dirty="0"/>
           </a:p>
@@ -25492,39 +26828,26 @@
             <p:ph idx="1"/>
           </p:nvPr>
         </p:nvSpPr>
-        <p:spPr>
-          <a:xfrm>
-            <a:off x="381000" y="1646237"/>
-            <a:ext cx="8610600" cy="4525963"/>
-          </a:xfrm>
-        </p:spPr>
+        <p:spPr/>
         <p:txBody>
-          <a:bodyPr>
-            <a:normAutofit fontScale="92500"/>
-          </a:bodyPr>
+          <a:bodyPr/>
           <a:lstStyle/>
           <a:p>
             <a:r>
-              <a:rPr lang="en-US" altLang="zh-CN" dirty="0" smtClean="0"/>
-              <a:t>Databases consist of software-based "containers" that are structured to collect and store information.</a:t>
+              <a:rPr lang="en-US" dirty="0" smtClean="0"/>
+              <a:t>Units</a:t>
             </a:r>
           </a:p>
           <a:p>
             <a:r>
-              <a:rPr lang="en-US" altLang="zh-CN" dirty="0" smtClean="0"/>
-              <a:t>Database programs are designed for users so that they can retrieve, add, update or remove information.</a:t>
+              <a:rPr lang="en-US" dirty="0" smtClean="0"/>
+              <a:t>Game Mechanics</a:t>
             </a:r>
           </a:p>
           <a:p>
             <a:r>
-              <a:rPr lang="en-US" altLang="zh-CN" dirty="0" smtClean="0"/>
-              <a:t>The structure of a database is tabular, consisting of rows and columns of information.</a:t>
-            </a:r>
-          </a:p>
-          <a:p>
-            <a:r>
-              <a:rPr lang="en-US" altLang="zh-CN" dirty="0" smtClean="0"/>
-              <a:t>A number of database architectures exist. Many databases use a combination of strategies.</a:t>
+              <a:rPr lang="en-US" dirty="0" smtClean="0"/>
+              <a:t>AI</a:t>
             </a:r>
           </a:p>
         </p:txBody>
@@ -25549,7 +26872,7 @@
               <a:pPr/>
               <a:t>33</a:t>
             </a:fld>
-            <a:endParaRPr lang="en-US"/>
+            <a:endParaRPr lang="en-US" dirty="0"/>
           </a:p>
         </p:txBody>
       </p:sp>
@@ -25621,8 +26944,8 @@
         </p:nvSpPr>
         <p:spPr>
           <a:xfrm>
-            <a:off x="-76200" y="274638"/>
-            <a:ext cx="8382000" cy="1143000"/>
+            <a:off x="457200" y="314094"/>
+            <a:ext cx="7391400" cy="1143000"/>
           </a:xfrm>
         </p:spPr>
         <p:txBody>
@@ -25640,11 +26963,7 @@
             </a:br>
             <a:r>
               <a:rPr lang="en-US" dirty="0" smtClean="0"/>
-              <a:t>“</a:t>
-            </a:r>
-            <a:r>
-              <a:rPr lang="en-US" altLang="zh-CN" dirty="0" smtClean="0"/>
-              <a:t>What Database does in the project”</a:t>
+              <a:t>“Summary”</a:t>
             </a:r>
             <a:endParaRPr lang="en-US" dirty="0"/>
           </a:p>
@@ -25662,33 +26981,31 @@
         </p:nvSpPr>
         <p:spPr>
           <a:xfrm>
-            <a:off x="457200" y="1798637"/>
-            <a:ext cx="8229600" cy="4525963"/>
+            <a:off x="762000" y="2514600"/>
+            <a:ext cx="8229600" cy="3657600"/>
           </a:xfrm>
         </p:spPr>
         <p:txBody>
-          <a:bodyPr>
-            <a:normAutofit/>
-          </a:bodyPr>
+          <a:bodyPr/>
           <a:lstStyle/>
           <a:p>
             <a:r>
-              <a:rPr lang="en-US" altLang="zh-CN" dirty="0" smtClean="0"/>
-              <a:t>The game database contains all of data records</a:t>
+              <a:rPr lang="en-US" dirty="0" smtClean="0"/>
+              <a:t>What Database is?</a:t>
             </a:r>
           </a:p>
           <a:p>
             <a:r>
-              <a:rPr lang="en-US" altLang="zh-CN" dirty="0" smtClean="0"/>
-              <a:t>Tables collection of the names, parameters, status of all game units, and the game contents such as maps.</a:t>
+              <a:rPr lang="en-US" dirty="0" smtClean="0"/>
+              <a:t>What Database does in the project?</a:t>
             </a:r>
           </a:p>
           <a:p>
             <a:r>
-              <a:rPr lang="en-US" altLang="zh-CN" dirty="0" smtClean="0"/>
-              <a:t>The data is retrieved and overwritten for synchronous/ asynchronous backup.</a:t>
+              <a:rPr lang="en-US" dirty="0" smtClean="0"/>
+              <a:t>How Database works?</a:t>
             </a:r>
-            <a:endParaRPr lang="zh-CN" altLang="zh-CN" dirty="0" smtClean="0"/>
+            <a:endParaRPr lang="en-US" dirty="0"/>
           </a:p>
         </p:txBody>
       </p:sp>
@@ -25712,7 +27029,7 @@
               <a:pPr/>
               <a:t>34</a:t>
             </a:fld>
-            <a:endParaRPr lang="en-US"/>
+            <a:endParaRPr lang="en-US" dirty="0"/>
           </a:p>
         </p:txBody>
       </p:sp>
@@ -25782,6 +27099,332 @@
             <p:ph type="title"/>
           </p:nvPr>
         </p:nvSpPr>
+        <p:spPr/>
+        <p:txBody>
+          <a:bodyPr>
+            <a:normAutofit fontScale="90000"/>
+          </a:bodyPr>
+          <a:lstStyle/>
+          <a:p>
+            <a:r>
+              <a:rPr lang="en-US" dirty="0" smtClean="0"/>
+              <a:t>Database</a:t>
+            </a:r>
+            <a:br>
+              <a:rPr lang="en-US" dirty="0" smtClean="0"/>
+            </a:br>
+            <a:r>
+              <a:rPr lang="en-US" dirty="0" smtClean="0"/>
+              <a:t>“</a:t>
+            </a:r>
+            <a:r>
+              <a:rPr lang="en-US" altLang="zh-CN" dirty="0" smtClean="0"/>
+              <a:t>What Database is”</a:t>
+            </a:r>
+            <a:endParaRPr lang="en-US" dirty="0"/>
+          </a:p>
+        </p:txBody>
+      </p:sp>
+      <p:sp>
+        <p:nvSpPr>
+          <p:cNvPr id="3" name="Content Placeholder 2"/>
+          <p:cNvSpPr>
+            <a:spLocks noGrp="1"/>
+          </p:cNvSpPr>
+          <p:nvPr>
+            <p:ph idx="1"/>
+          </p:nvPr>
+        </p:nvSpPr>
+        <p:spPr>
+          <a:xfrm>
+            <a:off x="381000" y="1646237"/>
+            <a:ext cx="8610600" cy="4525963"/>
+          </a:xfrm>
+        </p:spPr>
+        <p:txBody>
+          <a:bodyPr>
+            <a:normAutofit fontScale="92500"/>
+          </a:bodyPr>
+          <a:lstStyle/>
+          <a:p>
+            <a:r>
+              <a:rPr lang="en-US" altLang="zh-CN" dirty="0" smtClean="0"/>
+              <a:t>Databases consist of software-based "containers" that are structured to collect and store information.</a:t>
+            </a:r>
+          </a:p>
+          <a:p>
+            <a:r>
+              <a:rPr lang="en-US" altLang="zh-CN" dirty="0" smtClean="0"/>
+              <a:t>Database programs are designed for users so that they can retrieve, add, update or remove information.</a:t>
+            </a:r>
+          </a:p>
+          <a:p>
+            <a:r>
+              <a:rPr lang="en-US" altLang="zh-CN" dirty="0" smtClean="0"/>
+              <a:t>The structure of a database is tabular, consisting of rows and columns of information.</a:t>
+            </a:r>
+          </a:p>
+          <a:p>
+            <a:r>
+              <a:rPr lang="en-US" altLang="zh-CN" dirty="0" smtClean="0"/>
+              <a:t>A number of database architectures exist. Many databases use a combination of strategies.</a:t>
+            </a:r>
+          </a:p>
+        </p:txBody>
+      </p:sp>
+      <p:sp>
+        <p:nvSpPr>
+          <p:cNvPr id="5" name="Slide Number Placeholder 4"/>
+          <p:cNvSpPr>
+            <a:spLocks noGrp="1"/>
+          </p:cNvSpPr>
+          <p:nvPr>
+            <p:ph type="sldNum" sz="quarter" idx="12"/>
+          </p:nvPr>
+        </p:nvSpPr>
+        <p:spPr/>
+        <p:txBody>
+          <a:bodyPr/>
+          <a:lstStyle/>
+          <a:p>
+            <a:fld id="{B6F15528-21DE-4FAA-801E-634DDDAF4B2B}" type="slidenum">
+              <a:rPr lang="en-US" smtClean="0"/>
+              <a:pPr/>
+              <a:t>35</a:t>
+            </a:fld>
+            <a:endParaRPr lang="en-US" dirty="0"/>
+          </a:p>
+        </p:txBody>
+      </p:sp>
+      <p:pic>
+        <p:nvPicPr>
+          <p:cNvPr id="4" name="Picture 3" descr="logo.jpg"/>
+          <p:cNvPicPr>
+            <a:picLocks noChangeAspect="1"/>
+          </p:cNvPicPr>
+          <p:nvPr/>
+        </p:nvPicPr>
+        <p:blipFill>
+          <a:blip r:embed="rId2" cstate="print"/>
+          <a:stretch>
+            <a:fillRect/>
+          </a:stretch>
+        </p:blipFill>
+        <p:spPr>
+          <a:xfrm>
+            <a:off x="7956253" y="0"/>
+            <a:ext cx="1187747" cy="1328738"/>
+          </a:xfrm>
+          <a:prstGeom prst="rect">
+            <a:avLst/>
+          </a:prstGeom>
+        </p:spPr>
+      </p:pic>
+    </p:spTree>
+  </p:cSld>
+  <p:clrMapOvr>
+    <a:masterClrMapping/>
+  </p:clrMapOvr>
+  <p:timing>
+    <p:tnLst>
+      <p:par>
+        <p:cTn id="1" dur="indefinite" restart="never" nodeType="tmRoot"/>
+      </p:par>
+    </p:tnLst>
+  </p:timing>
+</p:sld>
+</file>
+
+<file path=ppt/slides/slide36.xml><?xml version="1.0" encoding="utf-8"?>
+<p:sld xmlns:a="http://schemas.openxmlformats.org/drawingml/2006/main" xmlns:r="http://schemas.openxmlformats.org/officeDocument/2006/relationships" xmlns:p="http://schemas.openxmlformats.org/presentationml/2006/main">
+  <p:cSld>
+    <p:spTree>
+      <p:nvGrpSpPr>
+        <p:cNvPr id="1" name=""/>
+        <p:cNvGrpSpPr/>
+        <p:nvPr/>
+      </p:nvGrpSpPr>
+      <p:grpSpPr>
+        <a:xfrm>
+          <a:off x="0" y="0"/>
+          <a:ext cx="0" cy="0"/>
+          <a:chOff x="0" y="0"/>
+          <a:chExt cx="0" cy="0"/>
+        </a:xfrm>
+      </p:grpSpPr>
+      <p:sp>
+        <p:nvSpPr>
+          <p:cNvPr id="2" name="Title 1"/>
+          <p:cNvSpPr>
+            <a:spLocks noGrp="1"/>
+          </p:cNvSpPr>
+          <p:nvPr>
+            <p:ph type="title"/>
+          </p:nvPr>
+        </p:nvSpPr>
+        <p:spPr>
+          <a:xfrm>
+            <a:off x="-76200" y="274638"/>
+            <a:ext cx="8382000" cy="1143000"/>
+          </a:xfrm>
+        </p:spPr>
+        <p:txBody>
+          <a:bodyPr>
+            <a:normAutofit fontScale="90000"/>
+          </a:bodyPr>
+          <a:lstStyle/>
+          <a:p>
+            <a:r>
+              <a:rPr lang="en-US" dirty="0" smtClean="0"/>
+              <a:t>Database</a:t>
+            </a:r>
+            <a:br>
+              <a:rPr lang="en-US" dirty="0" smtClean="0"/>
+            </a:br>
+            <a:r>
+              <a:rPr lang="en-US" dirty="0" smtClean="0"/>
+              <a:t>“</a:t>
+            </a:r>
+            <a:r>
+              <a:rPr lang="en-US" altLang="zh-CN" dirty="0" smtClean="0"/>
+              <a:t>What Database does in the project”</a:t>
+            </a:r>
+            <a:endParaRPr lang="en-US" dirty="0"/>
+          </a:p>
+        </p:txBody>
+      </p:sp>
+      <p:sp>
+        <p:nvSpPr>
+          <p:cNvPr id="3" name="Content Placeholder 2"/>
+          <p:cNvSpPr>
+            <a:spLocks noGrp="1"/>
+          </p:cNvSpPr>
+          <p:nvPr>
+            <p:ph idx="1"/>
+          </p:nvPr>
+        </p:nvSpPr>
+        <p:spPr>
+          <a:xfrm>
+            <a:off x="457200" y="1798637"/>
+            <a:ext cx="8229600" cy="4525963"/>
+          </a:xfrm>
+        </p:spPr>
+        <p:txBody>
+          <a:bodyPr>
+            <a:normAutofit/>
+          </a:bodyPr>
+          <a:lstStyle/>
+          <a:p>
+            <a:r>
+              <a:rPr lang="en-US" altLang="zh-CN" dirty="0" smtClean="0"/>
+              <a:t>The game database contains all of data records</a:t>
+            </a:r>
+          </a:p>
+          <a:p>
+            <a:r>
+              <a:rPr lang="en-US" altLang="zh-CN" dirty="0" smtClean="0"/>
+              <a:t>Tables collection of the names, parameters, status of all game units, and the game contents such as maps.</a:t>
+            </a:r>
+          </a:p>
+          <a:p>
+            <a:r>
+              <a:rPr lang="en-US" altLang="zh-CN" dirty="0" smtClean="0"/>
+              <a:t>The data is retrieved and overwritten for synchronous/ asynchronous backup.</a:t>
+            </a:r>
+            <a:endParaRPr lang="zh-CN" altLang="zh-CN" dirty="0" smtClean="0"/>
+          </a:p>
+        </p:txBody>
+      </p:sp>
+      <p:sp>
+        <p:nvSpPr>
+          <p:cNvPr id="5" name="Slide Number Placeholder 4"/>
+          <p:cNvSpPr>
+            <a:spLocks noGrp="1"/>
+          </p:cNvSpPr>
+          <p:nvPr>
+            <p:ph type="sldNum" sz="quarter" idx="12"/>
+          </p:nvPr>
+        </p:nvSpPr>
+        <p:spPr/>
+        <p:txBody>
+          <a:bodyPr/>
+          <a:lstStyle/>
+          <a:p>
+            <a:fld id="{B6F15528-21DE-4FAA-801E-634DDDAF4B2B}" type="slidenum">
+              <a:rPr lang="en-US" smtClean="0"/>
+              <a:pPr/>
+              <a:t>36</a:t>
+            </a:fld>
+            <a:endParaRPr lang="en-US" dirty="0"/>
+          </a:p>
+        </p:txBody>
+      </p:sp>
+      <p:pic>
+        <p:nvPicPr>
+          <p:cNvPr id="4" name="Picture 3" descr="logo.jpg"/>
+          <p:cNvPicPr>
+            <a:picLocks noChangeAspect="1"/>
+          </p:cNvPicPr>
+          <p:nvPr/>
+        </p:nvPicPr>
+        <p:blipFill>
+          <a:blip r:embed="rId2" cstate="print"/>
+          <a:stretch>
+            <a:fillRect/>
+          </a:stretch>
+        </p:blipFill>
+        <p:spPr>
+          <a:xfrm>
+            <a:off x="7956253" y="0"/>
+            <a:ext cx="1187747" cy="1328738"/>
+          </a:xfrm>
+          <a:prstGeom prst="rect">
+            <a:avLst/>
+          </a:prstGeom>
+        </p:spPr>
+      </p:pic>
+    </p:spTree>
+  </p:cSld>
+  <p:clrMapOvr>
+    <a:masterClrMapping/>
+  </p:clrMapOvr>
+  <p:timing>
+    <p:tnLst>
+      <p:par>
+        <p:cTn id="1" dur="indefinite" restart="never" nodeType="tmRoot"/>
+      </p:par>
+    </p:tnLst>
+  </p:timing>
+</p:sld>
+</file>
+
+<file path=ppt/slides/slide37.xml><?xml version="1.0" encoding="utf-8"?>
+<p:sld xmlns:a="http://schemas.openxmlformats.org/drawingml/2006/main" xmlns:r="http://schemas.openxmlformats.org/officeDocument/2006/relationships" xmlns:p="http://schemas.openxmlformats.org/presentationml/2006/main">
+  <p:cSld>
+    <p:spTree>
+      <p:nvGrpSpPr>
+        <p:cNvPr id="1" name=""/>
+        <p:cNvGrpSpPr/>
+        <p:nvPr/>
+      </p:nvGrpSpPr>
+      <p:grpSpPr>
+        <a:xfrm>
+          <a:off x="0" y="0"/>
+          <a:ext cx="0" cy="0"/>
+          <a:chOff x="0" y="0"/>
+          <a:chExt cx="0" cy="0"/>
+        </a:xfrm>
+      </p:grpSpPr>
+      <p:sp>
+        <p:nvSpPr>
+          <p:cNvPr id="2" name="Title 1"/>
+          <p:cNvSpPr>
+            <a:spLocks noGrp="1"/>
+          </p:cNvSpPr>
+          <p:nvPr>
+            <p:ph type="title"/>
+          </p:nvPr>
+        </p:nvSpPr>
         <p:spPr>
           <a:xfrm>
             <a:off x="228600" y="274638"/>
@@ -25831,9 +27474,9 @@
             <a:fld id="{B6F15528-21DE-4FAA-801E-634DDDAF4B2B}" type="slidenum">
               <a:rPr lang="en-US" smtClean="0"/>
               <a:pPr/>
-              <a:t>35</a:t>
+              <a:t>37</a:t>
             </a:fld>
-            <a:endParaRPr lang="en-US"/>
+            <a:endParaRPr lang="en-US" dirty="0"/>
           </a:p>
         </p:txBody>
       </p:sp>
@@ -25908,7 +27551,7 @@
 </p:sld>
 </file>
 
-<file path=ppt/slides/slide36.xml><?xml version="1.0" encoding="utf-8"?>
+<file path=ppt/slides/slide38.xml><?xml version="1.0" encoding="utf-8"?>
 <p:sld xmlns:a="http://schemas.openxmlformats.org/drawingml/2006/main" xmlns:r="http://schemas.openxmlformats.org/officeDocument/2006/relationships" xmlns:p="http://schemas.openxmlformats.org/presentationml/2006/main">
   <p:cSld>
     <p:spTree>
@@ -26029,9 +27672,9 @@
             <a:fld id="{B6F15528-21DE-4FAA-801E-634DDDAF4B2B}" type="slidenum">
               <a:rPr lang="en-US" smtClean="0"/>
               <a:pPr/>
-              <a:t>36</a:t>
+              <a:t>38</a:t>
             </a:fld>
-            <a:endParaRPr lang="en-US"/>
+            <a:endParaRPr lang="en-US" dirty="0"/>
           </a:p>
         </p:txBody>
       </p:sp>
@@ -26471,7 +28114,7 @@
                 </a:spcBef>
               </a:pPr>
               <a:r>
-                <a:rPr lang="en-US" altLang="zh-CN" sz="2400" b="1">
+                <a:rPr lang="en-US" altLang="zh-CN" sz="2400" b="1" dirty="0">
                   <a:latin typeface="Times New Roman" pitchFamily="18" charset="0"/>
                 </a:rPr>
                 <a:t>OpenGL</a:t>
@@ -26518,7 +28161,7 @@
                 </a:spcBef>
               </a:pPr>
               <a:r>
-                <a:rPr lang="en-US" altLang="zh-CN" sz="2400" b="1">
+                <a:rPr lang="en-US" altLang="zh-CN" sz="2400" b="1" dirty="0">
                   <a:latin typeface="Times New Roman" pitchFamily="18" charset="0"/>
                 </a:rPr>
                 <a:t>User</a:t>
@@ -26534,7 +28177,7 @@
                 </a:spcBef>
               </a:pPr>
               <a:r>
-                <a:rPr lang="en-US" altLang="zh-CN" sz="2400" b="1">
+                <a:rPr lang="en-US" altLang="zh-CN" sz="2400" b="1" dirty="0">
                   <a:latin typeface="Times New Roman" pitchFamily="18" charset="0"/>
                 </a:rPr>
                 <a:t>Interface</a:t>
@@ -26581,7 +28224,7 @@
                 </a:spcBef>
               </a:pPr>
               <a:r>
-                <a:rPr lang="en-US" altLang="zh-CN" sz="2400" b="1">
+                <a:rPr lang="en-US" altLang="zh-CN" sz="2400" b="1" dirty="0">
                   <a:latin typeface="Times New Roman" pitchFamily="18" charset="0"/>
                 </a:rPr>
                 <a:t>Game</a:t>
@@ -26597,7 +28240,7 @@
                 </a:spcBef>
               </a:pPr>
               <a:r>
-                <a:rPr lang="en-US" altLang="zh-CN" sz="2400" b="1">
+                <a:rPr lang="en-US" altLang="zh-CN" sz="2400" b="1" dirty="0">
                   <a:latin typeface="Times New Roman" pitchFamily="18" charset="0"/>
                 </a:rPr>
                 <a:t>Mechanics</a:t>
@@ -26606,284 +28249,6 @@
           </p:txBody>
         </p:sp>
       </p:grpSp>
-    </p:spTree>
-  </p:cSld>
-  <p:clrMapOvr>
-    <a:masterClrMapping/>
-  </p:clrMapOvr>
-  <p:timing>
-    <p:tnLst>
-      <p:par>
-        <p:cTn id="1" dur="indefinite" restart="never" nodeType="tmRoot"/>
-      </p:par>
-    </p:tnLst>
-  </p:timing>
-</p:sld>
-</file>
-
-<file path=ppt/slides/slide37.xml><?xml version="1.0" encoding="utf-8"?>
-<p:sld xmlns:a="http://schemas.openxmlformats.org/drawingml/2006/main" xmlns:r="http://schemas.openxmlformats.org/officeDocument/2006/relationships" xmlns:p="http://schemas.openxmlformats.org/presentationml/2006/main">
-  <p:cSld>
-    <p:spTree>
-      <p:nvGrpSpPr>
-        <p:cNvPr id="1" name=""/>
-        <p:cNvGrpSpPr/>
-        <p:nvPr/>
-      </p:nvGrpSpPr>
-      <p:grpSpPr>
-        <a:xfrm>
-          <a:off x="0" y="0"/>
-          <a:ext cx="0" cy="0"/>
-          <a:chOff x="0" y="0"/>
-          <a:chExt cx="0" cy="0"/>
-        </a:xfrm>
-      </p:grpSpPr>
-      <p:sp>
-        <p:nvSpPr>
-          <p:cNvPr id="2" name="Title 1"/>
-          <p:cNvSpPr>
-            <a:spLocks noGrp="1"/>
-          </p:cNvSpPr>
-          <p:nvPr>
-            <p:ph type="title"/>
-          </p:nvPr>
-        </p:nvSpPr>
-        <p:spPr>
-          <a:xfrm>
-            <a:off x="457200" y="381000"/>
-            <a:ext cx="7391400" cy="1143000"/>
-          </a:xfrm>
-        </p:spPr>
-        <p:txBody>
-          <a:bodyPr>
-            <a:normAutofit fontScale="90000"/>
-          </a:bodyPr>
-          <a:lstStyle/>
-          <a:p>
-            <a:r>
-              <a:rPr lang="en-US" dirty="0" smtClean="0"/>
-              <a:t>Database</a:t>
-            </a:r>
-            <a:br>
-              <a:rPr lang="en-US" dirty="0" smtClean="0"/>
-            </a:br>
-            <a:r>
-              <a:rPr lang="en-US" dirty="0" smtClean="0"/>
-              <a:t>“Conclusion”</a:t>
-            </a:r>
-            <a:endParaRPr lang="en-US" dirty="0"/>
-          </a:p>
-        </p:txBody>
-      </p:sp>
-      <p:sp>
-        <p:nvSpPr>
-          <p:cNvPr id="3" name="Content Placeholder 2"/>
-          <p:cNvSpPr>
-            <a:spLocks noGrp="1"/>
-          </p:cNvSpPr>
-          <p:nvPr>
-            <p:ph idx="1"/>
-          </p:nvPr>
-        </p:nvSpPr>
-        <p:spPr>
-          <a:xfrm>
-            <a:off x="609600" y="2362200"/>
-            <a:ext cx="8229600" cy="3657600"/>
-          </a:xfrm>
-        </p:spPr>
-        <p:txBody>
-          <a:bodyPr/>
-          <a:lstStyle/>
-          <a:p>
-            <a:r>
-              <a:rPr lang="en-US" altLang="zh-CN" dirty="0" smtClean="0"/>
-              <a:t>Database functions like a background support to other modules.</a:t>
-            </a:r>
-          </a:p>
-          <a:p>
-            <a:r>
-              <a:rPr lang="en-US" altLang="zh-CN" dirty="0" smtClean="0"/>
-              <a:t>Database provides good organization of the game data.</a:t>
-            </a:r>
-          </a:p>
-          <a:p>
-            <a:r>
-              <a:rPr lang="en-US" altLang="zh-CN" dirty="0" smtClean="0"/>
-              <a:t>Database is useful for Storage and Retrieval of map and unit Data.</a:t>
-            </a:r>
-          </a:p>
-        </p:txBody>
-      </p:sp>
-      <p:sp>
-        <p:nvSpPr>
-          <p:cNvPr id="5" name="Slide Number Placeholder 4"/>
-          <p:cNvSpPr>
-            <a:spLocks noGrp="1"/>
-          </p:cNvSpPr>
-          <p:nvPr>
-            <p:ph type="sldNum" sz="quarter" idx="12"/>
-          </p:nvPr>
-        </p:nvSpPr>
-        <p:spPr/>
-        <p:txBody>
-          <a:bodyPr/>
-          <a:lstStyle/>
-          <a:p>
-            <a:fld id="{B6F15528-21DE-4FAA-801E-634DDDAF4B2B}" type="slidenum">
-              <a:rPr lang="en-US" smtClean="0"/>
-              <a:pPr/>
-              <a:t>37</a:t>
-            </a:fld>
-            <a:endParaRPr lang="en-US"/>
-          </a:p>
-        </p:txBody>
-      </p:sp>
-      <p:pic>
-        <p:nvPicPr>
-          <p:cNvPr id="4" name="Picture 3" descr="logo.jpg"/>
-          <p:cNvPicPr>
-            <a:picLocks noChangeAspect="1"/>
-          </p:cNvPicPr>
-          <p:nvPr/>
-        </p:nvPicPr>
-        <p:blipFill>
-          <a:blip r:embed="rId2" cstate="print"/>
-          <a:stretch>
-            <a:fillRect/>
-          </a:stretch>
-        </p:blipFill>
-        <p:spPr>
-          <a:xfrm>
-            <a:off x="7956253" y="0"/>
-            <a:ext cx="1187747" cy="1328738"/>
-          </a:xfrm>
-          <a:prstGeom prst="rect">
-            <a:avLst/>
-          </a:prstGeom>
-        </p:spPr>
-      </p:pic>
-    </p:spTree>
-  </p:cSld>
-  <p:clrMapOvr>
-    <a:masterClrMapping/>
-  </p:clrMapOvr>
-  <p:timing>
-    <p:tnLst>
-      <p:par>
-        <p:cTn id="1" dur="indefinite" restart="never" nodeType="tmRoot"/>
-      </p:par>
-    </p:tnLst>
-  </p:timing>
-</p:sld>
-</file>
-
-<file path=ppt/slides/slide38.xml><?xml version="1.0" encoding="utf-8"?>
-<p:sld xmlns:a="http://schemas.openxmlformats.org/drawingml/2006/main" xmlns:r="http://schemas.openxmlformats.org/officeDocument/2006/relationships" xmlns:p="http://schemas.openxmlformats.org/presentationml/2006/main">
-  <p:cSld>
-    <p:spTree>
-      <p:nvGrpSpPr>
-        <p:cNvPr id="1" name=""/>
-        <p:cNvGrpSpPr/>
-        <p:nvPr/>
-      </p:nvGrpSpPr>
-      <p:grpSpPr>
-        <a:xfrm>
-          <a:off x="0" y="0"/>
-          <a:ext cx="0" cy="0"/>
-          <a:chOff x="0" y="0"/>
-          <a:chExt cx="0" cy="0"/>
-        </a:xfrm>
-      </p:grpSpPr>
-      <p:sp>
-        <p:nvSpPr>
-          <p:cNvPr id="2" name="Title 1"/>
-          <p:cNvSpPr>
-            <a:spLocks noGrp="1"/>
-          </p:cNvSpPr>
-          <p:nvPr>
-            <p:ph type="title"/>
-          </p:nvPr>
-        </p:nvSpPr>
-        <p:spPr/>
-        <p:txBody>
-          <a:bodyPr/>
-          <a:lstStyle/>
-          <a:p>
-            <a:r>
-              <a:rPr lang="en-US" dirty="0" smtClean="0"/>
-              <a:t>Summary </a:t>
-            </a:r>
-            <a:endParaRPr lang="en-US" dirty="0"/>
-          </a:p>
-        </p:txBody>
-      </p:sp>
-      <p:sp>
-        <p:nvSpPr>
-          <p:cNvPr id="3" name="Content Placeholder 2"/>
-          <p:cNvSpPr>
-            <a:spLocks noGrp="1"/>
-          </p:cNvSpPr>
-          <p:nvPr>
-            <p:ph idx="1"/>
-          </p:nvPr>
-        </p:nvSpPr>
-        <p:spPr/>
-        <p:txBody>
-          <a:bodyPr/>
-          <a:lstStyle/>
-          <a:p>
-            <a:endParaRPr lang="en-US" dirty="0"/>
-          </a:p>
-        </p:txBody>
-      </p:sp>
-      <p:sp>
-        <p:nvSpPr>
-          <p:cNvPr id="5" name="Slide Number Placeholder 4"/>
-          <p:cNvSpPr>
-            <a:spLocks noGrp="1"/>
-          </p:cNvSpPr>
-          <p:nvPr>
-            <p:ph type="sldNum" sz="quarter" idx="12"/>
-          </p:nvPr>
-        </p:nvSpPr>
-        <p:spPr/>
-        <p:txBody>
-          <a:bodyPr/>
-          <a:lstStyle/>
-          <a:p>
-            <a:fld id="{B6F15528-21DE-4FAA-801E-634DDDAF4B2B}" type="slidenum">
-              <a:rPr lang="en-US" smtClean="0"/>
-              <a:pPr/>
-              <a:t>38</a:t>
-            </a:fld>
-            <a:endParaRPr lang="en-US"/>
-          </a:p>
-        </p:txBody>
-      </p:sp>
-      <p:pic>
-        <p:nvPicPr>
-          <p:cNvPr id="4" name="Picture 3" descr="logo.jpg"/>
-          <p:cNvPicPr>
-            <a:picLocks noChangeAspect="1"/>
-          </p:cNvPicPr>
-          <p:nvPr/>
-        </p:nvPicPr>
-        <p:blipFill>
-          <a:blip r:embed="rId2" cstate="print"/>
-          <a:stretch>
-            <a:fillRect/>
-          </a:stretch>
-        </p:blipFill>
-        <p:spPr>
-          <a:xfrm>
-            <a:off x="7956253" y="0"/>
-            <a:ext cx="1187747" cy="1328738"/>
-          </a:xfrm>
-          <a:prstGeom prst="rect">
-            <a:avLst/>
-          </a:prstGeom>
-        </p:spPr>
-      </p:pic>
     </p:spTree>
   </p:cSld>
   <p:clrMapOvr>
@@ -26926,14 +28291,28 @@
             <p:ph type="title"/>
           </p:nvPr>
         </p:nvSpPr>
-        <p:spPr/>
+        <p:spPr>
+          <a:xfrm>
+            <a:off x="457200" y="381000"/>
+            <a:ext cx="7391400" cy="1143000"/>
+          </a:xfrm>
+        </p:spPr>
         <p:txBody>
-          <a:bodyPr/>
+          <a:bodyPr>
+            <a:normAutofit fontScale="90000"/>
+          </a:bodyPr>
           <a:lstStyle/>
           <a:p>
             <a:r>
               <a:rPr lang="en-US" dirty="0" smtClean="0"/>
-              <a:t>Conclusion</a:t>
+              <a:t>Database</a:t>
+            </a:r>
+            <a:br>
+              <a:rPr lang="en-US" dirty="0" smtClean="0"/>
+            </a:br>
+            <a:r>
+              <a:rPr lang="en-US" dirty="0" smtClean="0"/>
+              <a:t>“Conclusion”</a:t>
             </a:r>
             <a:endParaRPr lang="en-US" dirty="0"/>
           </a:p>
@@ -26949,26 +28328,31 @@
             <p:ph idx="1"/>
           </p:nvPr>
         </p:nvSpPr>
-        <p:spPr/>
+        <p:spPr>
+          <a:xfrm>
+            <a:off x="609600" y="2362200"/>
+            <a:ext cx="8229600" cy="3657600"/>
+          </a:xfrm>
+        </p:spPr>
         <p:txBody>
           <a:bodyPr/>
           <a:lstStyle/>
           <a:p>
             <a:r>
-              <a:rPr lang="en-US" dirty="0" smtClean="0"/>
-              <a:t>Conclude this presentation</a:t>
+              <a:rPr lang="en-US" altLang="zh-CN" dirty="0" smtClean="0"/>
+              <a:t>Database functions like a background support to other modules.</a:t>
             </a:r>
           </a:p>
           <a:p>
             <a:r>
-              <a:rPr lang="en-US" dirty="0" smtClean="0"/>
-              <a:t>Told you about our awesome game </a:t>
+              <a:rPr lang="en-US" altLang="zh-CN" dirty="0" smtClean="0"/>
+              <a:t>Database provides good organization of the game data.</a:t>
             </a:r>
           </a:p>
           <a:p>
             <a:r>
-              <a:rPr lang="en-US" dirty="0" smtClean="0"/>
-              <a:t>Pre-orders available</a:t>
+              <a:rPr lang="en-US" altLang="zh-CN" dirty="0" smtClean="0"/>
+              <a:t>Database is useful for Storage and Retrieval of map and unit Data.</a:t>
             </a:r>
           </a:p>
         </p:txBody>
@@ -26993,7 +28377,7 @@
               <a:pPr/>
               <a:t>39</a:t>
             </a:fld>
-            <a:endParaRPr lang="en-US"/>
+            <a:endParaRPr lang="en-US" dirty="0"/>
           </a:p>
         </p:txBody>
       </p:sp>
@@ -27026,6 +28410,13 @@
   <p:clrMapOvr>
     <a:masterClrMapping/>
   </p:clrMapOvr>
+  <p:timing>
+    <p:tnLst>
+      <p:par>
+        <p:cTn id="1" dur="indefinite" restart="never" nodeType="tmRoot"/>
+      </p:par>
+    </p:tnLst>
+  </p:timing>
 </p:sld>
 </file>
 
@@ -27194,7 +28585,7 @@
               <a:pPr/>
               <a:t>4</a:t>
             </a:fld>
-            <a:endParaRPr lang="en-US"/>
+            <a:endParaRPr lang="en-US" dirty="0"/>
           </a:p>
         </p:txBody>
       </p:sp>
@@ -27294,7 +28685,7 @@
               <a:lstStyle/>
               <a:p>
                 <a:pPr algn="ctr"/>
-                <a:endParaRPr lang="en-US"/>
+                <a:endParaRPr lang="en-US" dirty="0"/>
               </a:p>
             </p:txBody>
           </p:sp>
@@ -27342,7 +28733,7 @@
               <a:lstStyle/>
               <a:p>
                 <a:pPr algn="ctr"/>
-                <a:endParaRPr lang="en-US"/>
+                <a:endParaRPr lang="en-US" dirty="0"/>
               </a:p>
             </p:txBody>
           </p:sp>
@@ -27390,7 +28781,7 @@
               <a:lstStyle/>
               <a:p>
                 <a:pPr algn="ctr"/>
-                <a:endParaRPr lang="en-US"/>
+                <a:endParaRPr lang="en-US" dirty="0"/>
               </a:p>
             </p:txBody>
           </p:sp>
@@ -27438,7 +28829,7 @@
               <a:lstStyle/>
               <a:p>
                 <a:pPr algn="ctr"/>
-                <a:endParaRPr lang="en-US"/>
+                <a:endParaRPr lang="en-US" dirty="0"/>
               </a:p>
             </p:txBody>
           </p:sp>
@@ -27486,7 +28877,7 @@
               <a:lstStyle/>
               <a:p>
                 <a:pPr algn="ctr"/>
-                <a:endParaRPr lang="en-US"/>
+                <a:endParaRPr lang="en-US" dirty="0"/>
               </a:p>
             </p:txBody>
           </p:sp>
@@ -27534,7 +28925,7 @@
               <a:lstStyle/>
               <a:p>
                 <a:pPr algn="ctr"/>
-                <a:endParaRPr lang="en-US"/>
+                <a:endParaRPr lang="en-US" dirty="0"/>
               </a:p>
             </p:txBody>
           </p:sp>
@@ -27582,7 +28973,7 @@
               <a:lstStyle/>
               <a:p>
                 <a:pPr algn="ctr"/>
-                <a:endParaRPr lang="en-US"/>
+                <a:endParaRPr lang="en-US" dirty="0"/>
               </a:p>
             </p:txBody>
           </p:sp>
@@ -27630,7 +29021,7 @@
               <a:lstStyle/>
               <a:p>
                 <a:pPr algn="ctr"/>
-                <a:endParaRPr lang="en-US"/>
+                <a:endParaRPr lang="en-US" dirty="0"/>
               </a:p>
             </p:txBody>
           </p:sp>
@@ -27678,7 +29069,7 @@
               <a:lstStyle/>
               <a:p>
                 <a:pPr algn="ctr"/>
-                <a:endParaRPr lang="en-US"/>
+                <a:endParaRPr lang="en-US" dirty="0"/>
               </a:p>
             </p:txBody>
           </p:sp>
@@ -27726,7 +29117,7 @@
               <a:lstStyle/>
               <a:p>
                 <a:pPr algn="ctr"/>
-                <a:endParaRPr lang="en-US"/>
+                <a:endParaRPr lang="en-US" dirty="0"/>
               </a:p>
             </p:txBody>
           </p:sp>
@@ -27774,7 +29165,7 @@
               <a:lstStyle/>
               <a:p>
                 <a:pPr algn="ctr"/>
-                <a:endParaRPr lang="en-US"/>
+                <a:endParaRPr lang="en-US" dirty="0"/>
               </a:p>
             </p:txBody>
           </p:sp>
@@ -27822,7 +29213,7 @@
               <a:lstStyle/>
               <a:p>
                 <a:pPr algn="ctr"/>
-                <a:endParaRPr lang="en-US"/>
+                <a:endParaRPr lang="en-US" dirty="0"/>
               </a:p>
             </p:txBody>
           </p:sp>
@@ -27870,7 +29261,7 @@
               <a:lstStyle/>
               <a:p>
                 <a:pPr algn="ctr"/>
-                <a:endParaRPr lang="en-US"/>
+                <a:endParaRPr lang="en-US" dirty="0"/>
               </a:p>
             </p:txBody>
           </p:sp>
@@ -27918,7 +29309,7 @@
               <a:lstStyle/>
               <a:p>
                 <a:pPr algn="ctr"/>
-                <a:endParaRPr lang="en-US"/>
+                <a:endParaRPr lang="en-US" dirty="0"/>
               </a:p>
             </p:txBody>
           </p:sp>
@@ -27966,7 +29357,7 @@
               <a:lstStyle/>
               <a:p>
                 <a:pPr algn="ctr"/>
-                <a:endParaRPr lang="en-US"/>
+                <a:endParaRPr lang="en-US" dirty="0"/>
               </a:p>
             </p:txBody>
           </p:sp>
@@ -28014,7 +29405,7 @@
               <a:lstStyle/>
               <a:p>
                 <a:pPr algn="ctr"/>
-                <a:endParaRPr lang="en-US"/>
+                <a:endParaRPr lang="en-US" dirty="0"/>
               </a:p>
             </p:txBody>
           </p:sp>
@@ -28062,7 +29453,7 @@
               <a:lstStyle/>
               <a:p>
                 <a:pPr algn="ctr"/>
-                <a:endParaRPr lang="en-US"/>
+                <a:endParaRPr lang="en-US" dirty="0"/>
               </a:p>
             </p:txBody>
           </p:sp>
@@ -28110,7 +29501,7 @@
               <a:lstStyle/>
               <a:p>
                 <a:pPr algn="ctr"/>
-                <a:endParaRPr lang="en-US"/>
+                <a:endParaRPr lang="en-US" dirty="0"/>
               </a:p>
             </p:txBody>
           </p:sp>
@@ -28158,7 +29549,7 @@
               <a:lstStyle/>
               <a:p>
                 <a:pPr algn="ctr"/>
-                <a:endParaRPr lang="en-US"/>
+                <a:endParaRPr lang="en-US" dirty="0"/>
               </a:p>
             </p:txBody>
           </p:sp>
@@ -28206,7 +29597,7 @@
               <a:lstStyle/>
               <a:p>
                 <a:pPr algn="ctr"/>
-                <a:endParaRPr lang="en-US"/>
+                <a:endParaRPr lang="en-US" dirty="0"/>
               </a:p>
             </p:txBody>
           </p:sp>
@@ -28254,7 +29645,7 @@
               <a:lstStyle/>
               <a:p>
                 <a:pPr algn="ctr"/>
-                <a:endParaRPr lang="en-US"/>
+                <a:endParaRPr lang="en-US" dirty="0"/>
               </a:p>
             </p:txBody>
           </p:sp>
@@ -28302,7 +29693,7 @@
               <a:lstStyle/>
               <a:p>
                 <a:pPr algn="ctr"/>
-                <a:endParaRPr lang="en-US"/>
+                <a:endParaRPr lang="en-US" dirty="0"/>
               </a:p>
             </p:txBody>
           </p:sp>
@@ -28350,7 +29741,7 @@
               <a:lstStyle/>
               <a:p>
                 <a:pPr algn="ctr"/>
-                <a:endParaRPr lang="en-US"/>
+                <a:endParaRPr lang="en-US" dirty="0"/>
               </a:p>
             </p:txBody>
           </p:sp>
@@ -28398,7 +29789,7 @@
               <a:lstStyle/>
               <a:p>
                 <a:pPr algn="ctr"/>
-                <a:endParaRPr lang="en-US"/>
+                <a:endParaRPr lang="en-US" dirty="0"/>
               </a:p>
             </p:txBody>
           </p:sp>
@@ -28661,8 +30052,27 @@
           <a:p>
             <a:r>
               <a:rPr lang="en-US" dirty="0" smtClean="0"/>
-              <a:t>Questions?</a:t>
+              <a:t>Summary </a:t>
             </a:r>
+            <a:endParaRPr lang="en-US" dirty="0"/>
+          </a:p>
+        </p:txBody>
+      </p:sp>
+      <p:sp>
+        <p:nvSpPr>
+          <p:cNvPr id="3" name="Content Placeholder 2"/>
+          <p:cNvSpPr>
+            <a:spLocks noGrp="1"/>
+          </p:cNvSpPr>
+          <p:nvPr>
+            <p:ph idx="1"/>
+          </p:nvPr>
+        </p:nvSpPr>
+        <p:spPr/>
+        <p:txBody>
+          <a:bodyPr/>
+          <a:lstStyle/>
+          <a:p>
             <a:endParaRPr lang="en-US" dirty="0"/>
           </a:p>
         </p:txBody>
@@ -28687,7 +30097,240 @@
               <a:pPr/>
               <a:t>40</a:t>
             </a:fld>
-            <a:endParaRPr lang="en-US"/>
+            <a:endParaRPr lang="en-US" dirty="0"/>
+          </a:p>
+        </p:txBody>
+      </p:sp>
+      <p:pic>
+        <p:nvPicPr>
+          <p:cNvPr id="4" name="Picture 3" descr="logo.jpg"/>
+          <p:cNvPicPr>
+            <a:picLocks noChangeAspect="1"/>
+          </p:cNvPicPr>
+          <p:nvPr/>
+        </p:nvPicPr>
+        <p:blipFill>
+          <a:blip r:embed="rId2" cstate="print"/>
+          <a:stretch>
+            <a:fillRect/>
+          </a:stretch>
+        </p:blipFill>
+        <p:spPr>
+          <a:xfrm>
+            <a:off x="7956253" y="0"/>
+            <a:ext cx="1187747" cy="1328738"/>
+          </a:xfrm>
+          <a:prstGeom prst="rect">
+            <a:avLst/>
+          </a:prstGeom>
+        </p:spPr>
+      </p:pic>
+    </p:spTree>
+  </p:cSld>
+  <p:clrMapOvr>
+    <a:masterClrMapping/>
+  </p:clrMapOvr>
+  <p:timing>
+    <p:tnLst>
+      <p:par>
+        <p:cTn id="1" dur="indefinite" restart="never" nodeType="tmRoot"/>
+      </p:par>
+    </p:tnLst>
+  </p:timing>
+</p:sld>
+</file>
+
+<file path=ppt/slides/slide41.xml><?xml version="1.0" encoding="utf-8"?>
+<p:sld xmlns:a="http://schemas.openxmlformats.org/drawingml/2006/main" xmlns:r="http://schemas.openxmlformats.org/officeDocument/2006/relationships" xmlns:p="http://schemas.openxmlformats.org/presentationml/2006/main">
+  <p:cSld>
+    <p:spTree>
+      <p:nvGrpSpPr>
+        <p:cNvPr id="1" name=""/>
+        <p:cNvGrpSpPr/>
+        <p:nvPr/>
+      </p:nvGrpSpPr>
+      <p:grpSpPr>
+        <a:xfrm>
+          <a:off x="0" y="0"/>
+          <a:ext cx="0" cy="0"/>
+          <a:chOff x="0" y="0"/>
+          <a:chExt cx="0" cy="0"/>
+        </a:xfrm>
+      </p:grpSpPr>
+      <p:sp>
+        <p:nvSpPr>
+          <p:cNvPr id="2" name="Title 1"/>
+          <p:cNvSpPr>
+            <a:spLocks noGrp="1"/>
+          </p:cNvSpPr>
+          <p:nvPr>
+            <p:ph type="title"/>
+          </p:nvPr>
+        </p:nvSpPr>
+        <p:spPr/>
+        <p:txBody>
+          <a:bodyPr/>
+          <a:lstStyle/>
+          <a:p>
+            <a:r>
+              <a:rPr lang="en-US" dirty="0" smtClean="0"/>
+              <a:t>Conclusion</a:t>
+            </a:r>
+            <a:endParaRPr lang="en-US" dirty="0"/>
+          </a:p>
+        </p:txBody>
+      </p:sp>
+      <p:sp>
+        <p:nvSpPr>
+          <p:cNvPr id="3" name="Content Placeholder 2"/>
+          <p:cNvSpPr>
+            <a:spLocks noGrp="1"/>
+          </p:cNvSpPr>
+          <p:nvPr>
+            <p:ph idx="1"/>
+          </p:nvPr>
+        </p:nvSpPr>
+        <p:spPr/>
+        <p:txBody>
+          <a:bodyPr/>
+          <a:lstStyle/>
+          <a:p>
+            <a:r>
+              <a:rPr lang="en-US" dirty="0" smtClean="0"/>
+              <a:t>Conclude this presentation</a:t>
+            </a:r>
+          </a:p>
+          <a:p>
+            <a:r>
+              <a:rPr lang="en-US" dirty="0" smtClean="0"/>
+              <a:t>Told you about our awesome game </a:t>
+            </a:r>
+          </a:p>
+          <a:p>
+            <a:r>
+              <a:rPr lang="en-US" dirty="0" smtClean="0"/>
+              <a:t>Pre-orders available</a:t>
+            </a:r>
+          </a:p>
+        </p:txBody>
+      </p:sp>
+      <p:sp>
+        <p:nvSpPr>
+          <p:cNvPr id="5" name="Slide Number Placeholder 4"/>
+          <p:cNvSpPr>
+            <a:spLocks noGrp="1"/>
+          </p:cNvSpPr>
+          <p:nvPr>
+            <p:ph type="sldNum" sz="quarter" idx="12"/>
+          </p:nvPr>
+        </p:nvSpPr>
+        <p:spPr/>
+        <p:txBody>
+          <a:bodyPr/>
+          <a:lstStyle/>
+          <a:p>
+            <a:fld id="{B6F15528-21DE-4FAA-801E-634DDDAF4B2B}" type="slidenum">
+              <a:rPr lang="en-US" smtClean="0"/>
+              <a:pPr/>
+              <a:t>41</a:t>
+            </a:fld>
+            <a:endParaRPr lang="en-US" dirty="0"/>
+          </a:p>
+        </p:txBody>
+      </p:sp>
+      <p:pic>
+        <p:nvPicPr>
+          <p:cNvPr id="4" name="Picture 3" descr="logo.jpg"/>
+          <p:cNvPicPr>
+            <a:picLocks noChangeAspect="1"/>
+          </p:cNvPicPr>
+          <p:nvPr/>
+        </p:nvPicPr>
+        <p:blipFill>
+          <a:blip r:embed="rId2" cstate="print"/>
+          <a:stretch>
+            <a:fillRect/>
+          </a:stretch>
+        </p:blipFill>
+        <p:spPr>
+          <a:xfrm>
+            <a:off x="7956253" y="0"/>
+            <a:ext cx="1187747" cy="1328738"/>
+          </a:xfrm>
+          <a:prstGeom prst="rect">
+            <a:avLst/>
+          </a:prstGeom>
+        </p:spPr>
+      </p:pic>
+    </p:spTree>
+  </p:cSld>
+  <p:clrMapOvr>
+    <a:masterClrMapping/>
+  </p:clrMapOvr>
+</p:sld>
+</file>
+
+<file path=ppt/slides/slide42.xml><?xml version="1.0" encoding="utf-8"?>
+<p:sld xmlns:a="http://schemas.openxmlformats.org/drawingml/2006/main" xmlns:r="http://schemas.openxmlformats.org/officeDocument/2006/relationships" xmlns:p="http://schemas.openxmlformats.org/presentationml/2006/main">
+  <p:cSld>
+    <p:spTree>
+      <p:nvGrpSpPr>
+        <p:cNvPr id="1" name=""/>
+        <p:cNvGrpSpPr/>
+        <p:nvPr/>
+      </p:nvGrpSpPr>
+      <p:grpSpPr>
+        <a:xfrm>
+          <a:off x="0" y="0"/>
+          <a:ext cx="0" cy="0"/>
+          <a:chOff x="0" y="0"/>
+          <a:chExt cx="0" cy="0"/>
+        </a:xfrm>
+      </p:grpSpPr>
+      <p:sp>
+        <p:nvSpPr>
+          <p:cNvPr id="2" name="Title 1"/>
+          <p:cNvSpPr>
+            <a:spLocks noGrp="1"/>
+          </p:cNvSpPr>
+          <p:nvPr>
+            <p:ph type="title"/>
+          </p:nvPr>
+        </p:nvSpPr>
+        <p:spPr/>
+        <p:txBody>
+          <a:bodyPr/>
+          <a:lstStyle/>
+          <a:p>
+            <a:r>
+              <a:rPr lang="en-US" dirty="0" smtClean="0"/>
+              <a:t>Questions?</a:t>
+            </a:r>
+            <a:endParaRPr lang="en-US" dirty="0"/>
+          </a:p>
+        </p:txBody>
+      </p:sp>
+      <p:sp>
+        <p:nvSpPr>
+          <p:cNvPr id="5" name="Slide Number Placeholder 4"/>
+          <p:cNvSpPr>
+            <a:spLocks noGrp="1"/>
+          </p:cNvSpPr>
+          <p:nvPr>
+            <p:ph type="sldNum" sz="quarter" idx="12"/>
+          </p:nvPr>
+        </p:nvSpPr>
+        <p:spPr/>
+        <p:txBody>
+          <a:bodyPr/>
+          <a:lstStyle/>
+          <a:p>
+            <a:fld id="{B6F15528-21DE-4FAA-801E-634DDDAF4B2B}" type="slidenum">
+              <a:rPr lang="en-US" smtClean="0"/>
+              <a:pPr/>
+              <a:t>42</a:t>
+            </a:fld>
+            <a:endParaRPr lang="en-US" dirty="0"/>
           </a:p>
         </p:txBody>
       </p:sp>
@@ -28821,7 +30464,7 @@
               <a:pPr/>
               <a:t>5</a:t>
             </a:fld>
-            <a:endParaRPr lang="en-US"/>
+            <a:endParaRPr lang="en-US" dirty="0"/>
           </a:p>
         </p:txBody>
       </p:sp>
@@ -28859,7 +30502,7 @@
           </a:bodyPr>
           <a:lstStyle/>
           <a:p>
-            <a:endParaRPr lang="en-US"/>
+            <a:endParaRPr lang="en-US" dirty="0"/>
           </a:p>
         </p:txBody>
       </p:sp>
@@ -29023,7 +30666,7 @@
               <a:pPr/>
               <a:t>6</a:t>
             </a:fld>
-            <a:endParaRPr lang="en-US"/>
+            <a:endParaRPr lang="en-US" dirty="0"/>
           </a:p>
         </p:txBody>
       </p:sp>
@@ -29061,7 +30704,7 @@
           </a:bodyPr>
           <a:lstStyle/>
           <a:p>
-            <a:endParaRPr lang="en-US"/>
+            <a:endParaRPr lang="en-US" dirty="0"/>
           </a:p>
         </p:txBody>
       </p:sp>
@@ -29294,7 +30937,7 @@
               <a:pPr/>
               <a:t>7</a:t>
             </a:fld>
-            <a:endParaRPr lang="en-US"/>
+            <a:endParaRPr lang="en-US" dirty="0"/>
           </a:p>
         </p:txBody>
       </p:sp>
@@ -29479,7 +31122,7 @@
               <a:pPr/>
               <a:t>8</a:t>
             </a:fld>
-            <a:endParaRPr lang="en-US"/>
+            <a:endParaRPr lang="en-US" dirty="0"/>
           </a:p>
         </p:txBody>
       </p:sp>
@@ -29700,7 +31343,7 @@
               <a:pPr/>
               <a:t>9</a:t>
             </a:fld>
-            <a:endParaRPr lang="en-US"/>
+            <a:endParaRPr lang="en-US" dirty="0"/>
           </a:p>
         </p:txBody>
       </p:sp>
@@ -29776,7 +31419,7 @@
               <a:lstStyle/>
               <a:p>
                 <a:pPr algn="ctr"/>
-                <a:endParaRPr lang="en-US"/>
+                <a:endParaRPr lang="en-US" dirty="0"/>
               </a:p>
             </p:txBody>
           </p:sp>
@@ -29824,7 +31467,7 @@
               <a:lstStyle/>
               <a:p>
                 <a:pPr algn="ctr"/>
-                <a:endParaRPr lang="en-US"/>
+                <a:endParaRPr lang="en-US" dirty="0"/>
               </a:p>
             </p:txBody>
           </p:sp>
@@ -29872,7 +31515,7 @@
               <a:lstStyle/>
               <a:p>
                 <a:pPr algn="ctr"/>
-                <a:endParaRPr lang="en-US"/>
+                <a:endParaRPr lang="en-US" dirty="0"/>
               </a:p>
             </p:txBody>
           </p:sp>
@@ -29920,7 +31563,7 @@
               <a:lstStyle/>
               <a:p>
                 <a:pPr algn="ctr"/>
-                <a:endParaRPr lang="en-US"/>
+                <a:endParaRPr lang="en-US" dirty="0"/>
               </a:p>
             </p:txBody>
           </p:sp>
@@ -29968,7 +31611,7 @@
               <a:lstStyle/>
               <a:p>
                 <a:pPr algn="ctr"/>
-                <a:endParaRPr lang="en-US"/>
+                <a:endParaRPr lang="en-US" dirty="0"/>
               </a:p>
             </p:txBody>
           </p:sp>
@@ -30016,7 +31659,7 @@
               <a:lstStyle/>
               <a:p>
                 <a:pPr algn="ctr"/>
-                <a:endParaRPr lang="en-US"/>
+                <a:endParaRPr lang="en-US" dirty="0"/>
               </a:p>
             </p:txBody>
           </p:sp>
@@ -30064,7 +31707,7 @@
               <a:lstStyle/>
               <a:p>
                 <a:pPr algn="ctr"/>
-                <a:endParaRPr lang="en-US"/>
+                <a:endParaRPr lang="en-US" dirty="0"/>
               </a:p>
             </p:txBody>
           </p:sp>
@@ -30112,7 +31755,7 @@
               <a:lstStyle/>
               <a:p>
                 <a:pPr algn="ctr"/>
-                <a:endParaRPr lang="en-US"/>
+                <a:endParaRPr lang="en-US" dirty="0"/>
               </a:p>
             </p:txBody>
           </p:sp>
@@ -30160,7 +31803,7 @@
               <a:lstStyle/>
               <a:p>
                 <a:pPr algn="ctr"/>
-                <a:endParaRPr lang="en-US"/>
+                <a:endParaRPr lang="en-US" dirty="0"/>
               </a:p>
             </p:txBody>
           </p:sp>
@@ -30208,7 +31851,7 @@
               <a:lstStyle/>
               <a:p>
                 <a:pPr algn="ctr"/>
-                <a:endParaRPr lang="en-US"/>
+                <a:endParaRPr lang="en-US" dirty="0"/>
               </a:p>
             </p:txBody>
           </p:sp>
@@ -30256,7 +31899,7 @@
               <a:lstStyle/>
               <a:p>
                 <a:pPr algn="ctr"/>
-                <a:endParaRPr lang="en-US"/>
+                <a:endParaRPr lang="en-US" dirty="0"/>
               </a:p>
             </p:txBody>
           </p:sp>
@@ -30304,7 +31947,7 @@
               <a:lstStyle/>
               <a:p>
                 <a:pPr algn="ctr"/>
-                <a:endParaRPr lang="en-US"/>
+                <a:endParaRPr lang="en-US" dirty="0"/>
               </a:p>
             </p:txBody>
           </p:sp>
@@ -30352,7 +31995,7 @@
               <a:lstStyle/>
               <a:p>
                 <a:pPr algn="ctr"/>
-                <a:endParaRPr lang="en-US"/>
+                <a:endParaRPr lang="en-US" dirty="0"/>
               </a:p>
             </p:txBody>
           </p:sp>
@@ -30400,7 +32043,7 @@
               <a:lstStyle/>
               <a:p>
                 <a:pPr algn="ctr"/>
-                <a:endParaRPr lang="en-US"/>
+                <a:endParaRPr lang="en-US" dirty="0"/>
               </a:p>
             </p:txBody>
           </p:sp>
@@ -30448,7 +32091,7 @@
               <a:lstStyle/>
               <a:p>
                 <a:pPr algn="ctr"/>
-                <a:endParaRPr lang="en-US"/>
+                <a:endParaRPr lang="en-US" dirty="0"/>
               </a:p>
             </p:txBody>
           </p:sp>
@@ -30496,7 +32139,7 @@
               <a:lstStyle/>
               <a:p>
                 <a:pPr algn="ctr"/>
-                <a:endParaRPr lang="en-US"/>
+                <a:endParaRPr lang="en-US" dirty="0"/>
               </a:p>
             </p:txBody>
           </p:sp>
@@ -30544,7 +32187,7 @@
               <a:lstStyle/>
               <a:p>
                 <a:pPr algn="ctr"/>
-                <a:endParaRPr lang="en-US"/>
+                <a:endParaRPr lang="en-US" dirty="0"/>
               </a:p>
             </p:txBody>
           </p:sp>
@@ -30592,7 +32235,7 @@
               <a:lstStyle/>
               <a:p>
                 <a:pPr algn="ctr"/>
-                <a:endParaRPr lang="en-US"/>
+                <a:endParaRPr lang="en-US" dirty="0"/>
               </a:p>
             </p:txBody>
           </p:sp>
@@ -30640,7 +32283,7 @@
               <a:lstStyle/>
               <a:p>
                 <a:pPr algn="ctr"/>
-                <a:endParaRPr lang="en-US"/>
+                <a:endParaRPr lang="en-US" dirty="0"/>
               </a:p>
             </p:txBody>
           </p:sp>
@@ -30688,7 +32331,7 @@
               <a:lstStyle/>
               <a:p>
                 <a:pPr algn="ctr"/>
-                <a:endParaRPr lang="en-US"/>
+                <a:endParaRPr lang="en-US" dirty="0"/>
               </a:p>
             </p:txBody>
           </p:sp>
@@ -30736,7 +32379,7 @@
               <a:lstStyle/>
               <a:p>
                 <a:pPr algn="ctr"/>
-                <a:endParaRPr lang="en-US"/>
+                <a:endParaRPr lang="en-US" dirty="0"/>
               </a:p>
             </p:txBody>
           </p:sp>
@@ -30784,7 +32427,7 @@
               <a:lstStyle/>
               <a:p>
                 <a:pPr algn="ctr"/>
-                <a:endParaRPr lang="en-US"/>
+                <a:endParaRPr lang="en-US" dirty="0"/>
               </a:p>
             </p:txBody>
           </p:sp>
@@ -30832,7 +32475,7 @@
               <a:lstStyle/>
               <a:p>
                 <a:pPr algn="ctr"/>
-                <a:endParaRPr lang="en-US"/>
+                <a:endParaRPr lang="en-US" dirty="0"/>
               </a:p>
             </p:txBody>
           </p:sp>
@@ -30880,7 +32523,7 @@
               <a:lstStyle/>
               <a:p>
                 <a:pPr algn="ctr"/>
-                <a:endParaRPr lang="en-US"/>
+                <a:endParaRPr lang="en-US" dirty="0"/>
               </a:p>
             </p:txBody>
           </p:sp>

--- a/trunk/Docs/DUEL REALITY .pptx
+++ b/trunk/Docs/DUEL REALITY .pptx
@@ -234,7 +234,7 @@
             <a:fld id="{2DB3A570-3473-4B51-9859-38FBE4FB2A3F}" type="datetimeFigureOut">
               <a:rPr lang="en-US" smtClean="0"/>
               <a:pPr/>
-              <a:t>4/30/2010</a:t>
+              <a:t>5/1/2010</a:t>
             </a:fld>
             <a:endParaRPr lang="en-US" dirty="0"/>
           </a:p>
@@ -749,7 +749,7 @@
             <a:fld id="{10D76176-46D7-45B7-BEC6-0CAB5BAF04B8}" type="datetime1">
               <a:rPr lang="en-US" smtClean="0"/>
               <a:pPr/>
-              <a:t>4/30/2010</a:t>
+              <a:t>5/1/2010</a:t>
             </a:fld>
             <a:endParaRPr lang="en-US" dirty="0"/>
           </a:p>
@@ -974,7 +974,7 @@
             <a:fld id="{2ACA5E9D-9FFA-4FE5-8D48-AD97EAE540F6}" type="datetime1">
               <a:rPr lang="en-US" smtClean="0"/>
               <a:pPr/>
-              <a:t>4/30/2010</a:t>
+              <a:t>5/1/2010</a:t>
             </a:fld>
             <a:endParaRPr lang="en-US" dirty="0"/>
           </a:p>
@@ -1256,7 +1256,7 @@
             <a:fld id="{A97A97D5-15F8-466A-ABDA-DF49D1BB6FB5}" type="datetime1">
               <a:rPr lang="en-US" smtClean="0"/>
               <a:pPr/>
-              <a:t>4/30/2010</a:t>
+              <a:t>5/1/2010</a:t>
             </a:fld>
             <a:endParaRPr lang="en-US" dirty="0"/>
           </a:p>
@@ -1437,7 +1437,7 @@
             <a:fld id="{A516281F-2FAF-4B50-BB04-FE7E9D79FCFE}" type="datetime1">
               <a:rPr lang="en-US" smtClean="0"/>
               <a:pPr/>
-              <a:t>4/30/2010</a:t>
+              <a:t>5/1/2010</a:t>
             </a:fld>
             <a:endParaRPr lang="en-US" dirty="0"/>
           </a:p>
@@ -1797,7 +1797,7 @@
             <a:fld id="{2E9CB2DA-F545-4604-A0C7-5A323DB8BBA1}" type="datetime1">
               <a:rPr lang="en-US" smtClean="0"/>
               <a:pPr/>
-              <a:t>4/30/2010</a:t>
+              <a:t>5/1/2010</a:t>
             </a:fld>
             <a:endParaRPr lang="en-US" dirty="0"/>
           </a:p>
@@ -2086,7 +2086,7 @@
             <a:fld id="{32D3AAE4-58A9-4829-84ED-BAB6B9C4B1BD}" type="datetime1">
               <a:rPr lang="en-US" smtClean="0"/>
               <a:pPr/>
-              <a:t>4/30/2010</a:t>
+              <a:t>5/1/2010</a:t>
             </a:fld>
             <a:endParaRPr lang="en-US" dirty="0"/>
           </a:p>
@@ -2510,7 +2510,7 @@
             <a:fld id="{F1F62B83-C1F9-4900-BD8E-DCF5FCA3C455}" type="datetime1">
               <a:rPr lang="en-US" smtClean="0"/>
               <a:pPr/>
-              <a:t>4/30/2010</a:t>
+              <a:t>5/1/2010</a:t>
             </a:fld>
             <a:endParaRPr lang="en-US" dirty="0"/>
           </a:p>
@@ -2627,7 +2627,7 @@
             <a:fld id="{D67003CF-0740-4329-915B-45FAAE4561B5}" type="datetime1">
               <a:rPr lang="en-US" smtClean="0"/>
               <a:pPr/>
-              <a:t>4/30/2010</a:t>
+              <a:t>5/1/2010</a:t>
             </a:fld>
             <a:endParaRPr lang="en-US" dirty="0"/>
           </a:p>
@@ -2719,7 +2719,7 @@
             <a:fld id="{316BD30F-E255-42E4-A430-2D1BA87B0CA1}" type="datetime1">
               <a:rPr lang="en-US" smtClean="0"/>
               <a:pPr/>
-              <a:t>4/30/2010</a:t>
+              <a:t>5/1/2010</a:t>
             </a:fld>
             <a:endParaRPr lang="en-US" dirty="0"/>
           </a:p>
@@ -2999,7 +2999,7 @@
             <a:fld id="{DF955EC1-8AC4-4897-A39C-5C74CF1158C4}" type="datetime1">
               <a:rPr lang="en-US" smtClean="0"/>
               <a:pPr/>
-              <a:t>4/30/2010</a:t>
+              <a:t>5/1/2010</a:t>
             </a:fld>
             <a:endParaRPr lang="en-US" dirty="0"/>
           </a:p>
@@ -3367,7 +3367,7 @@
             <a:fld id="{C69A9847-EB5B-42B5-A3CA-E519FF22C27F}" type="datetime1">
               <a:rPr lang="en-US" smtClean="0"/>
               <a:pPr/>
-              <a:t>4/30/2010</a:t>
+              <a:t>5/1/2010</a:t>
             </a:fld>
             <a:endParaRPr lang="en-US" dirty="0"/>
           </a:p>
@@ -3806,7 +3806,7 @@
             <a:fld id="{BB02A790-4BD0-4AB4-95D4-38BF854DB16E}" type="datetime1">
               <a:rPr lang="en-US" smtClean="0"/>
               <a:pPr/>
-              <a:t>4/30/2010</a:t>
+              <a:t>5/1/2010</a:t>
             </a:fld>
             <a:endParaRPr lang="en-US" dirty="0"/>
           </a:p>
@@ -4568,23 +4568,14 @@
             <a:pPr lvl="1"/>
             <a:r>
               <a:rPr lang="en-US" dirty="0" smtClean="0"/>
-              <a:t>Tools &amp; </a:t>
+              <a:t>Tools &amp; Architecture.</a:t>
             </a:r>
-            <a:r>
-              <a:rPr lang="en-US" dirty="0" smtClean="0"/>
-              <a:t>Architecture.</a:t>
-            </a:r>
-            <a:endParaRPr lang="en-US" dirty="0" smtClean="0"/>
           </a:p>
           <a:p>
             <a:pPr lvl="1"/>
             <a:r>
               <a:rPr lang="en-US" dirty="0" smtClean="0"/>
-              <a:t>Challenges</a:t>
-            </a:r>
-            <a:r>
-              <a:rPr lang="en-US" dirty="0" smtClean="0"/>
-              <a:t>.</a:t>
+              <a:t>Challenges.</a:t>
             </a:r>
           </a:p>
           <a:p>
@@ -4593,7 +4584,6 @@
               <a:rPr lang="en-US" dirty="0" smtClean="0"/>
               <a:t>Unit Test &amp; Verification.</a:t>
             </a:r>
-            <a:endParaRPr lang="en-US" dirty="0" smtClean="0"/>
           </a:p>
         </p:txBody>
       </p:sp>
@@ -5309,11 +5299,7 @@
             </a:br>
             <a:r>
               <a:rPr lang="en-US" sz="2400" dirty="0" smtClean="0"/>
-              <a:t> </a:t>
-            </a:r>
-            <a:r>
-              <a:rPr lang="en-US" sz="2400" dirty="0" smtClean="0"/>
-              <a:t>Implementation (Tools)</a:t>
+              <a:t> Implementation (Tools)</a:t>
             </a:r>
             <a:endParaRPr lang="en-US" sz="2400" dirty="0"/>
           </a:p>
@@ -5350,13 +5336,8 @@
             <a:pPr lvl="1"/>
             <a:r>
               <a:rPr lang="en-US" sz="2400" dirty="0" smtClean="0"/>
-              <a:t>Direct </a:t>
+              <a:t>Direct image manipulation</a:t>
             </a:r>
-            <a:r>
-              <a:rPr lang="en-US" sz="2400" dirty="0" smtClean="0"/>
-              <a:t>image manipulation</a:t>
-            </a:r>
-            <a:endParaRPr lang="en-US" sz="2400" dirty="0" smtClean="0"/>
           </a:p>
           <a:p>
             <a:pPr lvl="1"/>
@@ -5364,7 +5345,6 @@
               <a:rPr lang="en-US" sz="2400" dirty="0" smtClean="0"/>
               <a:t>Microsoft DirectX Technology</a:t>
             </a:r>
-            <a:endParaRPr lang="en-US" sz="2400" dirty="0" smtClean="0"/>
           </a:p>
           <a:p>
             <a:pPr lvl="1"/>
@@ -5537,11 +5517,7 @@
             </a:br>
             <a:r>
               <a:rPr lang="en-US" sz="2400" dirty="0" smtClean="0"/>
-              <a:t> </a:t>
-            </a:r>
-            <a:r>
-              <a:rPr lang="en-US" sz="2400" dirty="0" smtClean="0"/>
-              <a:t>Implementation (Architecture)</a:t>
+              <a:t> Implementation (Architecture)</a:t>
             </a:r>
             <a:endParaRPr lang="en-US" sz="2400" dirty="0"/>
           </a:p>
@@ -5585,13 +5561,8 @@
             <a:pPr lvl="1"/>
             <a:r>
               <a:rPr lang="en-US" sz="2000" dirty="0" smtClean="0"/>
-              <a:t>Content is loaded </a:t>
+              <a:t>Content is loaded from hard drive.</a:t>
             </a:r>
-            <a:r>
-              <a:rPr lang="en-US" sz="2000" dirty="0" smtClean="0"/>
-              <a:t>from hard drive.</a:t>
-            </a:r>
-            <a:endParaRPr lang="en-US" sz="2000" dirty="0" smtClean="0"/>
           </a:p>
           <a:p>
             <a:pPr lvl="1"/>
@@ -5599,7 +5570,6 @@
               <a:rPr lang="en-US" sz="2000" dirty="0" smtClean="0"/>
               <a:t>Allows events triggered by external code modules and users (e.g., move, select, attack, remove, add) .</a:t>
             </a:r>
-            <a:endParaRPr lang="en-US" sz="2000" dirty="0" smtClean="0"/>
           </a:p>
           <a:p>
             <a:endParaRPr lang="en-US" sz="2400" dirty="0"/>
@@ -5703,13 +5673,8 @@
             <a:p>
               <a:r>
                 <a:rPr lang="en-US" sz="2000" b="1" dirty="0" smtClean="0"/>
-                <a:t>OpenGL </a:t>
+                <a:t>OpenGL Graphics Widget</a:t>
               </a:r>
-              <a:r>
-                <a:rPr lang="en-US" sz="2000" b="1" dirty="0" smtClean="0"/>
-                <a:t>Graphics Widget</a:t>
-              </a:r>
-              <a:endParaRPr lang="en-US" sz="2000" b="1" dirty="0" smtClean="0"/>
             </a:p>
             <a:p>
               <a:r>
@@ -5975,11 +5940,7 @@
             </a:br>
             <a:r>
               <a:rPr lang="en-US" sz="2400" dirty="0" smtClean="0"/>
-              <a:t> </a:t>
-            </a:r>
-            <a:r>
-              <a:rPr lang="en-US" sz="2400" dirty="0" smtClean="0"/>
-              <a:t>Implementation (Challenges)</a:t>
+              <a:t> Implementation (Challenges)</a:t>
             </a:r>
             <a:endParaRPr lang="en-US" sz="2400" dirty="0"/>
           </a:p>
@@ -6029,11 +5990,7 @@
             <a:pPr lvl="1"/>
             <a:r>
               <a:rPr lang="en-US" sz="2400" dirty="0" smtClean="0"/>
-              <a:t>Coordinate </a:t>
-            </a:r>
-            <a:r>
-              <a:rPr lang="en-US" sz="2400" dirty="0" smtClean="0"/>
-              <a:t>calculations.</a:t>
+              <a:t>Coordinate calculations.</a:t>
             </a:r>
             <a:endParaRPr lang="en-US" dirty="0" smtClean="0"/>
           </a:p>
@@ -6049,7 +6006,6 @@
               <a:rPr lang="en-US" sz="2400" dirty="0" smtClean="0"/>
               <a:t>Know what is available.</a:t>
             </a:r>
-            <a:endParaRPr lang="en-US" sz="2400" dirty="0" smtClean="0"/>
           </a:p>
           <a:p>
             <a:pPr lvl="1"/>
@@ -6423,11 +6379,7 @@
             <a:pPr lvl="1"/>
             <a:r>
               <a:rPr lang="en-US" sz="2200" dirty="0" smtClean="0"/>
-              <a:t>Tweak dat</a:t>
-            </a:r>
-            <a:r>
-              <a:rPr lang="en-US" sz="2200" dirty="0" smtClean="0"/>
-              <a:t>a and observe the results.</a:t>
+              <a:t>Tweak data and observe the results.</a:t>
             </a:r>
           </a:p>
           <a:p>
@@ -6850,6 +6802,13 @@
   <p:clrMapOvr>
     <a:masterClrMapping/>
   </p:clrMapOvr>
+  <p:timing>
+    <p:tnLst>
+      <p:par>
+        <p:cTn id="1" dur="indefinite" restart="never" nodeType="tmRoot"/>
+      </p:par>
+    </p:tnLst>
+  </p:timing>
 </p:sld>
 </file>
 
@@ -6926,17 +6885,12 @@
               <a:rPr lang="en-US" dirty="0" smtClean="0"/>
               <a:t>Graphics vs. Mechanics</a:t>
             </a:r>
-            <a:endParaRPr lang="en-US" dirty="0" smtClean="0"/>
           </a:p>
           <a:p>
             <a:pPr lvl="1"/>
             <a:r>
               <a:rPr lang="en-US" dirty="0" smtClean="0"/>
-              <a:t>2D </a:t>
-            </a:r>
-            <a:r>
-              <a:rPr lang="en-US" dirty="0" smtClean="0"/>
-              <a:t>Mechanics = 2D Overhead Graphics.</a:t>
+              <a:t>2D Mechanics = 2D Overhead Graphics.</a:t>
             </a:r>
           </a:p>
           <a:p>
@@ -6964,7 +6918,6 @@
               <a:rPr lang="en-US" dirty="0" smtClean="0"/>
               <a:t>Create a solid game.</a:t>
             </a:r>
-            <a:endParaRPr lang="en-US" dirty="0" smtClean="0"/>
           </a:p>
           <a:p>
             <a:endParaRPr lang="en-US" dirty="0"/>

--- a/trunk/Docs/DUEL REALITY .pptx
+++ b/trunk/Docs/DUEL REALITY .pptx
@@ -5,8 +5,11 @@
     <p:sldMasterId id="2147483660" r:id="rId1"/>
   </p:sldMasterIdLst>
   <p:notesMasterIdLst>
-    <p:notesMasterId r:id="rId44"/>
+    <p:notesMasterId r:id="rId52"/>
   </p:notesMasterIdLst>
+  <p:handoutMasterIdLst>
+    <p:handoutMasterId r:id="rId53"/>
+  </p:handoutMasterIdLst>
   <p:sldIdLst>
     <p:sldId id="256" r:id="rId2"/>
     <p:sldId id="257" r:id="rId3"/>
@@ -27,32 +30,40 @@
     <p:sldId id="260" r:id="rId18"/>
     <p:sldId id="261" r:id="rId19"/>
     <p:sldId id="262" r:id="rId20"/>
-    <p:sldId id="273" r:id="rId21"/>
-    <p:sldId id="274" r:id="rId22"/>
-    <p:sldId id="275" r:id="rId23"/>
-    <p:sldId id="263" r:id="rId24"/>
-    <p:sldId id="276" r:id="rId25"/>
-    <p:sldId id="293" r:id="rId26"/>
-    <p:sldId id="277" r:id="rId27"/>
-    <p:sldId id="294" r:id="rId28"/>
-    <p:sldId id="297" r:id="rId29"/>
-    <p:sldId id="295" r:id="rId30"/>
-    <p:sldId id="296" r:id="rId31"/>
-    <p:sldId id="291" r:id="rId32"/>
-    <p:sldId id="278" r:id="rId33"/>
-    <p:sldId id="264" r:id="rId34"/>
-    <p:sldId id="280" r:id="rId35"/>
-    <p:sldId id="281" r:id="rId36"/>
-    <p:sldId id="282" r:id="rId37"/>
-    <p:sldId id="283" r:id="rId38"/>
-    <p:sldId id="284" r:id="rId39"/>
-    <p:sldId id="285" r:id="rId40"/>
-    <p:sldId id="267" r:id="rId41"/>
-    <p:sldId id="268" r:id="rId42"/>
-    <p:sldId id="269" r:id="rId43"/>
+    <p:sldId id="306" r:id="rId21"/>
+    <p:sldId id="308" r:id="rId22"/>
+    <p:sldId id="309" r:id="rId23"/>
+    <p:sldId id="273" r:id="rId24"/>
+    <p:sldId id="307" r:id="rId25"/>
+    <p:sldId id="305" r:id="rId26"/>
+    <p:sldId id="304" r:id="rId27"/>
+    <p:sldId id="274" r:id="rId28"/>
+    <p:sldId id="275" r:id="rId29"/>
+    <p:sldId id="303" r:id="rId30"/>
+    <p:sldId id="302" r:id="rId31"/>
+    <p:sldId id="263" r:id="rId32"/>
+    <p:sldId id="276" r:id="rId33"/>
+    <p:sldId id="293" r:id="rId34"/>
+    <p:sldId id="277" r:id="rId35"/>
+    <p:sldId id="294" r:id="rId36"/>
+    <p:sldId id="297" r:id="rId37"/>
+    <p:sldId id="295" r:id="rId38"/>
+    <p:sldId id="296" r:id="rId39"/>
+    <p:sldId id="291" r:id="rId40"/>
+    <p:sldId id="278" r:id="rId41"/>
+    <p:sldId id="264" r:id="rId42"/>
+    <p:sldId id="280" r:id="rId43"/>
+    <p:sldId id="281" r:id="rId44"/>
+    <p:sldId id="282" r:id="rId45"/>
+    <p:sldId id="283" r:id="rId46"/>
+    <p:sldId id="284" r:id="rId47"/>
+    <p:sldId id="285" r:id="rId48"/>
+    <p:sldId id="267" r:id="rId49"/>
+    <p:sldId id="268" r:id="rId50"/>
+    <p:sldId id="269" r:id="rId51"/>
   </p:sldIdLst>
   <p:sldSz cx="9144000" cy="6858000" type="screen4x3"/>
-  <p:notesSz cx="6858000" cy="9144000"/>
+  <p:notesSz cx="7315200" cy="9601200"/>
   <p:defaultTextStyle>
     <a:defPPr>
       <a:defRPr lang="en-US"/>
@@ -151,6 +162,166 @@
 </p:presentation>
 </file>
 
+<file path=ppt/handoutMasters/handoutMaster1.xml><?xml version="1.0" encoding="utf-8"?>
+<p:handoutMaster xmlns:a="http://schemas.openxmlformats.org/drawingml/2006/main" xmlns:r="http://schemas.openxmlformats.org/officeDocument/2006/relationships" xmlns:p="http://schemas.openxmlformats.org/presentationml/2006/main">
+  <p:cSld>
+    <p:bg>
+      <p:bgRef idx="1001">
+        <a:schemeClr val="bg1"/>
+      </p:bgRef>
+    </p:bg>
+    <p:spTree>
+      <p:nvGrpSpPr>
+        <p:cNvPr id="1" name=""/>
+        <p:cNvGrpSpPr/>
+        <p:nvPr/>
+      </p:nvGrpSpPr>
+      <p:grpSpPr>
+        <a:xfrm>
+          <a:off x="0" y="0"/>
+          <a:ext cx="0" cy="0"/>
+          <a:chOff x="0" y="0"/>
+          <a:chExt cx="0" cy="0"/>
+        </a:xfrm>
+      </p:grpSpPr>
+      <p:sp>
+        <p:nvSpPr>
+          <p:cNvPr id="2" name="Header Placeholder 1"/>
+          <p:cNvSpPr>
+            <a:spLocks noGrp="1"/>
+          </p:cNvSpPr>
+          <p:nvPr>
+            <p:ph type="hdr" sz="quarter"/>
+          </p:nvPr>
+        </p:nvSpPr>
+        <p:spPr>
+          <a:xfrm>
+            <a:off x="0" y="0"/>
+            <a:ext cx="3169699" cy="479403"/>
+          </a:xfrm>
+          <a:prstGeom prst="rect">
+            <a:avLst/>
+          </a:prstGeom>
+        </p:spPr>
+        <p:txBody>
+          <a:bodyPr vert="horz" lIns="95006" tIns="47503" rIns="95006" bIns="47503" rtlCol="0"/>
+          <a:lstStyle>
+            <a:lvl1pPr algn="l">
+              <a:defRPr sz="1200"/>
+            </a:lvl1pPr>
+          </a:lstStyle>
+          <a:p>
+            <a:endParaRPr lang="en-US"/>
+          </a:p>
+        </p:txBody>
+      </p:sp>
+      <p:sp>
+        <p:nvSpPr>
+          <p:cNvPr id="3" name="Date Placeholder 2"/>
+          <p:cNvSpPr>
+            <a:spLocks noGrp="1"/>
+          </p:cNvSpPr>
+          <p:nvPr>
+            <p:ph type="dt" sz="quarter" idx="1"/>
+          </p:nvPr>
+        </p:nvSpPr>
+        <p:spPr>
+          <a:xfrm>
+            <a:off x="4143843" y="0"/>
+            <a:ext cx="3169699" cy="479403"/>
+          </a:xfrm>
+          <a:prstGeom prst="rect">
+            <a:avLst/>
+          </a:prstGeom>
+        </p:spPr>
+        <p:txBody>
+          <a:bodyPr vert="horz" lIns="95006" tIns="47503" rIns="95006" bIns="47503" rtlCol="0"/>
+          <a:lstStyle>
+            <a:lvl1pPr algn="r">
+              <a:defRPr sz="1200"/>
+            </a:lvl1pPr>
+          </a:lstStyle>
+          <a:p>
+            <a:fld id="{36092B14-EE1A-4A52-9F56-C4F7F9096ABA}" type="datetimeFigureOut">
+              <a:rPr lang="en-US" smtClean="0"/>
+              <a:t>5/2/2010</a:t>
+            </a:fld>
+            <a:endParaRPr lang="en-US"/>
+          </a:p>
+        </p:txBody>
+      </p:sp>
+      <p:sp>
+        <p:nvSpPr>
+          <p:cNvPr id="4" name="Footer Placeholder 3"/>
+          <p:cNvSpPr>
+            <a:spLocks noGrp="1"/>
+          </p:cNvSpPr>
+          <p:nvPr>
+            <p:ph type="ftr" sz="quarter" idx="2"/>
+          </p:nvPr>
+        </p:nvSpPr>
+        <p:spPr>
+          <a:xfrm>
+            <a:off x="0" y="9120156"/>
+            <a:ext cx="3169699" cy="479403"/>
+          </a:xfrm>
+          <a:prstGeom prst="rect">
+            <a:avLst/>
+          </a:prstGeom>
+        </p:spPr>
+        <p:txBody>
+          <a:bodyPr vert="horz" lIns="95006" tIns="47503" rIns="95006" bIns="47503" rtlCol="0" anchor="b"/>
+          <a:lstStyle>
+            <a:lvl1pPr algn="l">
+              <a:defRPr sz="1200"/>
+            </a:lvl1pPr>
+          </a:lstStyle>
+          <a:p>
+            <a:endParaRPr lang="en-US"/>
+          </a:p>
+        </p:txBody>
+      </p:sp>
+      <p:sp>
+        <p:nvSpPr>
+          <p:cNvPr id="5" name="Slide Number Placeholder 4"/>
+          <p:cNvSpPr>
+            <a:spLocks noGrp="1"/>
+          </p:cNvSpPr>
+          <p:nvPr>
+            <p:ph type="sldNum" sz="quarter" idx="3"/>
+          </p:nvPr>
+        </p:nvSpPr>
+        <p:spPr>
+          <a:xfrm>
+            <a:off x="4143843" y="9120156"/>
+            <a:ext cx="3169699" cy="479403"/>
+          </a:xfrm>
+          <a:prstGeom prst="rect">
+            <a:avLst/>
+          </a:prstGeom>
+        </p:spPr>
+        <p:txBody>
+          <a:bodyPr vert="horz" lIns="95006" tIns="47503" rIns="95006" bIns="47503" rtlCol="0" anchor="b"/>
+          <a:lstStyle>
+            <a:lvl1pPr algn="r">
+              <a:defRPr sz="1200"/>
+            </a:lvl1pPr>
+          </a:lstStyle>
+          <a:p>
+            <a:fld id="{7D451319-E09D-4A5A-951E-23271F549020}" type="slidenum">
+              <a:rPr lang="en-US" smtClean="0"/>
+              <a:t>‹#›</a:t>
+            </a:fld>
+            <a:endParaRPr lang="en-US"/>
+          </a:p>
+        </p:txBody>
+      </p:sp>
+    </p:spTree>
+  </p:cSld>
+  <p:clrMap bg1="lt1" tx1="dk1" bg2="lt2" tx2="dk2" accent1="accent1" accent2="accent2" accent3="accent3" accent4="accent4" accent5="accent5" accent6="accent6" hlink="hlink" folHlink="folHlink"/>
+</p:handoutMaster>
+</file>
+
 <file path=ppt/notesMasters/notesMaster1.xml><?xml version="1.0" encoding="utf-8"?>
 <p:notesMaster xmlns:a="http://schemas.openxmlformats.org/drawingml/2006/main" xmlns:r="http://schemas.openxmlformats.org/officeDocument/2006/relationships" xmlns:p="http://schemas.openxmlformats.org/presentationml/2006/main">
   <p:cSld>
@@ -185,15 +356,15 @@
         </p:nvSpPr>
         <p:spPr>
           <a:xfrm>
-            <a:off x="0" y="0"/>
-            <a:ext cx="2971800" cy="457200"/>
+            <a:off x="1" y="1"/>
+            <a:ext cx="3169920" cy="480060"/>
           </a:xfrm>
           <a:prstGeom prst="rect">
             <a:avLst/>
           </a:prstGeom>
         </p:spPr>
         <p:txBody>
-          <a:bodyPr vert="horz" lIns="91440" tIns="45720" rIns="91440" bIns="45720" rtlCol="0"/>
+          <a:bodyPr vert="horz" lIns="96659" tIns="48330" rIns="96659" bIns="48330" rtlCol="0"/>
           <a:lstStyle>
             <a:lvl1pPr algn="l">
               <a:defRPr sz="1200"/>
@@ -216,15 +387,15 @@
         </p:nvSpPr>
         <p:spPr>
           <a:xfrm>
-            <a:off x="3884613" y="0"/>
-            <a:ext cx="2971800" cy="457200"/>
+            <a:off x="4143588" y="1"/>
+            <a:ext cx="3169920" cy="480060"/>
           </a:xfrm>
           <a:prstGeom prst="rect">
             <a:avLst/>
           </a:prstGeom>
         </p:spPr>
         <p:txBody>
-          <a:bodyPr vert="horz" lIns="91440" tIns="45720" rIns="91440" bIns="45720" rtlCol="0"/>
+          <a:bodyPr vert="horz" lIns="96659" tIns="48330" rIns="96659" bIns="48330" rtlCol="0"/>
           <a:lstStyle>
             <a:lvl1pPr algn="r">
               <a:defRPr sz="1200"/>
@@ -234,7 +405,7 @@
             <a:fld id="{2DB3A570-3473-4B51-9859-38FBE4FB2A3F}" type="datetimeFigureOut">
               <a:rPr lang="en-US" smtClean="0"/>
               <a:pPr/>
-              <a:t>5/1/2010</a:t>
+              <a:t>5/2/2010</a:t>
             </a:fld>
             <a:endParaRPr lang="en-US" dirty="0"/>
           </a:p>
@@ -252,8 +423,8 @@
         </p:nvSpPr>
         <p:spPr>
           <a:xfrm>
-            <a:off x="1143000" y="685800"/>
-            <a:ext cx="4572000" cy="3429000"/>
+            <a:off x="1257300" y="720725"/>
+            <a:ext cx="4800600" cy="3600450"/>
           </a:xfrm>
           <a:prstGeom prst="rect">
             <a:avLst/>
@@ -266,7 +437,7 @@
           </a:ln>
         </p:spPr>
         <p:txBody>
-          <a:bodyPr vert="horz" lIns="91440" tIns="45720" rIns="91440" bIns="45720" rtlCol="0" anchor="ctr"/>
+          <a:bodyPr vert="horz" lIns="96659" tIns="48330" rIns="96659" bIns="48330" rtlCol="0" anchor="ctr"/>
           <a:lstStyle/>
           <a:p>
             <a:endParaRPr lang="en-US" dirty="0"/>
@@ -285,15 +456,15 @@
         </p:nvSpPr>
         <p:spPr>
           <a:xfrm>
-            <a:off x="685800" y="4343400"/>
-            <a:ext cx="5486400" cy="4114800"/>
+            <a:off x="731520" y="4560571"/>
+            <a:ext cx="5852160" cy="4320540"/>
           </a:xfrm>
           <a:prstGeom prst="rect">
             <a:avLst/>
           </a:prstGeom>
         </p:spPr>
         <p:txBody>
-          <a:bodyPr vert="horz" lIns="91440" tIns="45720" rIns="91440" bIns="45720" rtlCol="0">
+          <a:bodyPr vert="horz" lIns="96659" tIns="48330" rIns="96659" bIns="48330" rtlCol="0">
             <a:normAutofit/>
           </a:bodyPr>
           <a:lstStyle/>
@@ -347,15 +518,15 @@
         </p:nvSpPr>
         <p:spPr>
           <a:xfrm>
-            <a:off x="0" y="8685213"/>
-            <a:ext cx="2971800" cy="457200"/>
+            <a:off x="1" y="9119474"/>
+            <a:ext cx="3169920" cy="480060"/>
           </a:xfrm>
           <a:prstGeom prst="rect">
             <a:avLst/>
           </a:prstGeom>
         </p:spPr>
         <p:txBody>
-          <a:bodyPr vert="horz" lIns="91440" tIns="45720" rIns="91440" bIns="45720" rtlCol="0" anchor="b"/>
+          <a:bodyPr vert="horz" lIns="96659" tIns="48330" rIns="96659" bIns="48330" rtlCol="0" anchor="b"/>
           <a:lstStyle>
             <a:lvl1pPr algn="l">
               <a:defRPr sz="1200"/>
@@ -378,15 +549,15 @@
         </p:nvSpPr>
         <p:spPr>
           <a:xfrm>
-            <a:off x="3884613" y="8685213"/>
-            <a:ext cx="2971800" cy="457200"/>
+            <a:off x="4143588" y="9119474"/>
+            <a:ext cx="3169920" cy="480060"/>
           </a:xfrm>
           <a:prstGeom prst="rect">
             <a:avLst/>
           </a:prstGeom>
         </p:spPr>
         <p:txBody>
-          <a:bodyPr vert="horz" lIns="91440" tIns="45720" rIns="91440" bIns="45720" rtlCol="0" anchor="b"/>
+          <a:bodyPr vert="horz" lIns="96659" tIns="48330" rIns="96659" bIns="48330" rtlCol="0" anchor="b"/>
           <a:lstStyle>
             <a:lvl1pPr algn="r">
               <a:defRPr sz="1200"/>
@@ -498,6 +669,88 @@
     </a:lvl9pPr>
   </p:notesStyle>
 </p:notesMaster>
+</file>
+
+<file path=ppt/notesSlides/notesSlide1.xml><?xml version="1.0" encoding="utf-8"?>
+<p:notes xmlns:a="http://schemas.openxmlformats.org/drawingml/2006/main" xmlns:r="http://schemas.openxmlformats.org/officeDocument/2006/relationships" xmlns:p="http://schemas.openxmlformats.org/presentationml/2006/main">
+  <p:cSld>
+    <p:spTree>
+      <p:nvGrpSpPr>
+        <p:cNvPr id="1" name=""/>
+        <p:cNvGrpSpPr/>
+        <p:nvPr/>
+      </p:nvGrpSpPr>
+      <p:grpSpPr>
+        <a:xfrm>
+          <a:off x="0" y="0"/>
+          <a:ext cx="0" cy="0"/>
+          <a:chOff x="0" y="0"/>
+          <a:chExt cx="0" cy="0"/>
+        </a:xfrm>
+      </p:grpSpPr>
+      <p:sp>
+        <p:nvSpPr>
+          <p:cNvPr id="2" name="Slide Image Placeholder 1"/>
+          <p:cNvSpPr>
+            <a:spLocks noGrp="1" noRot="1" noChangeAspect="1"/>
+          </p:cNvSpPr>
+          <p:nvPr>
+            <p:ph type="sldImg"/>
+          </p:nvPr>
+        </p:nvSpPr>
+        <p:spPr/>
+      </p:sp>
+      <p:sp>
+        <p:nvSpPr>
+          <p:cNvPr id="3" name="Notes Placeholder 2"/>
+          <p:cNvSpPr>
+            <a:spLocks noGrp="1"/>
+          </p:cNvSpPr>
+          <p:nvPr>
+            <p:ph type="body" idx="1"/>
+          </p:nvPr>
+        </p:nvSpPr>
+        <p:spPr/>
+        <p:txBody>
+          <a:bodyPr>
+            <a:normAutofit/>
+          </a:bodyPr>
+          <a:lstStyle/>
+          <a:p>
+            <a:endParaRPr lang="en-US" dirty="0"/>
+          </a:p>
+        </p:txBody>
+      </p:sp>
+      <p:sp>
+        <p:nvSpPr>
+          <p:cNvPr id="4" name="Slide Number Placeholder 3"/>
+          <p:cNvSpPr>
+            <a:spLocks noGrp="1"/>
+          </p:cNvSpPr>
+          <p:nvPr>
+            <p:ph type="sldNum" sz="quarter" idx="10"/>
+          </p:nvPr>
+        </p:nvSpPr>
+        <p:spPr/>
+        <p:txBody>
+          <a:bodyPr/>
+          <a:lstStyle/>
+          <a:p>
+            <a:fld id="{8960281A-6CED-46DD-8591-9D9821CD1C06}" type="slidenum">
+              <a:rPr lang="en-US" smtClean="0"/>
+              <a:pPr/>
+              <a:t>30</a:t>
+            </a:fld>
+            <a:endParaRPr lang="en-US" dirty="0"/>
+          </a:p>
+        </p:txBody>
+      </p:sp>
+    </p:spTree>
+  </p:cSld>
+  <p:clrMapOvr>
+    <a:masterClrMapping/>
+  </p:clrMapOvr>
+</p:notes>
 </file>
 
 <file path=ppt/slideLayouts/slideLayout1.xml><?xml version="1.0" encoding="utf-8"?>
@@ -749,7 +1002,7 @@
             <a:fld id="{10D76176-46D7-45B7-BEC6-0CAB5BAF04B8}" type="datetime1">
               <a:rPr lang="en-US" smtClean="0"/>
               <a:pPr/>
-              <a:t>5/1/2010</a:t>
+              <a:t>5/2/2010</a:t>
             </a:fld>
             <a:endParaRPr lang="en-US" dirty="0"/>
           </a:p>
@@ -974,7 +1227,7 @@
             <a:fld id="{2ACA5E9D-9FFA-4FE5-8D48-AD97EAE540F6}" type="datetime1">
               <a:rPr lang="en-US" smtClean="0"/>
               <a:pPr/>
-              <a:t>5/1/2010</a:t>
+              <a:t>5/2/2010</a:t>
             </a:fld>
             <a:endParaRPr lang="en-US" dirty="0"/>
           </a:p>
@@ -1256,7 +1509,7 @@
             <a:fld id="{A97A97D5-15F8-466A-ABDA-DF49D1BB6FB5}" type="datetime1">
               <a:rPr lang="en-US" smtClean="0"/>
               <a:pPr/>
-              <a:t>5/1/2010</a:t>
+              <a:t>5/2/2010</a:t>
             </a:fld>
             <a:endParaRPr lang="en-US" dirty="0"/>
           </a:p>
@@ -1437,7 +1690,7 @@
             <a:fld id="{A516281F-2FAF-4B50-BB04-FE7E9D79FCFE}" type="datetime1">
               <a:rPr lang="en-US" smtClean="0"/>
               <a:pPr/>
-              <a:t>5/1/2010</a:t>
+              <a:t>5/2/2010</a:t>
             </a:fld>
             <a:endParaRPr lang="en-US" dirty="0"/>
           </a:p>
@@ -1797,7 +2050,7 @@
             <a:fld id="{2E9CB2DA-F545-4604-A0C7-5A323DB8BBA1}" type="datetime1">
               <a:rPr lang="en-US" smtClean="0"/>
               <a:pPr/>
-              <a:t>5/1/2010</a:t>
+              <a:t>5/2/2010</a:t>
             </a:fld>
             <a:endParaRPr lang="en-US" dirty="0"/>
           </a:p>
@@ -2086,7 +2339,7 @@
             <a:fld id="{32D3AAE4-58A9-4829-84ED-BAB6B9C4B1BD}" type="datetime1">
               <a:rPr lang="en-US" smtClean="0"/>
               <a:pPr/>
-              <a:t>5/1/2010</a:t>
+              <a:t>5/2/2010</a:t>
             </a:fld>
             <a:endParaRPr lang="en-US" dirty="0"/>
           </a:p>
@@ -2510,7 +2763,7 @@
             <a:fld id="{F1F62B83-C1F9-4900-BD8E-DCF5FCA3C455}" type="datetime1">
               <a:rPr lang="en-US" smtClean="0"/>
               <a:pPr/>
-              <a:t>5/1/2010</a:t>
+              <a:t>5/2/2010</a:t>
             </a:fld>
             <a:endParaRPr lang="en-US" dirty="0"/>
           </a:p>
@@ -2627,7 +2880,7 @@
             <a:fld id="{D67003CF-0740-4329-915B-45FAAE4561B5}" type="datetime1">
               <a:rPr lang="en-US" smtClean="0"/>
               <a:pPr/>
-              <a:t>5/1/2010</a:t>
+              <a:t>5/2/2010</a:t>
             </a:fld>
             <a:endParaRPr lang="en-US" dirty="0"/>
           </a:p>
@@ -2719,7 +2972,7 @@
             <a:fld id="{316BD30F-E255-42E4-A430-2D1BA87B0CA1}" type="datetime1">
               <a:rPr lang="en-US" smtClean="0"/>
               <a:pPr/>
-              <a:t>5/1/2010</a:t>
+              <a:t>5/2/2010</a:t>
             </a:fld>
             <a:endParaRPr lang="en-US" dirty="0"/>
           </a:p>
@@ -2999,7 +3252,7 @@
             <a:fld id="{DF955EC1-8AC4-4897-A39C-5C74CF1158C4}" type="datetime1">
               <a:rPr lang="en-US" smtClean="0"/>
               <a:pPr/>
-              <a:t>5/1/2010</a:t>
+              <a:t>5/2/2010</a:t>
             </a:fld>
             <a:endParaRPr lang="en-US" dirty="0"/>
           </a:p>
@@ -3367,7 +3620,7 @@
             <a:fld id="{C69A9847-EB5B-42B5-A3CA-E519FF22C27F}" type="datetime1">
               <a:rPr lang="en-US" smtClean="0"/>
               <a:pPr/>
-              <a:t>5/1/2010</a:t>
+              <a:t>5/2/2010</a:t>
             </a:fld>
             <a:endParaRPr lang="en-US" dirty="0"/>
           </a:p>
@@ -3806,7 +4059,7 @@
             <a:fld id="{BB02A790-4BD0-4AB4-95D4-38BF854DB16E}" type="datetime1">
               <a:rPr lang="en-US" smtClean="0"/>
               <a:pPr/>
-              <a:t>5/1/2010</a:t>
+              <a:t>5/2/2010</a:t>
             </a:fld>
             <a:endParaRPr lang="en-US" dirty="0"/>
           </a:p>
@@ -7017,7 +7270,7 @@
         <p:spPr/>
         <p:txBody>
           <a:bodyPr>
-            <a:normAutofit fontScale="90000"/>
+            <a:normAutofit/>
           </a:bodyPr>
           <a:lstStyle/>
           <a:p>
@@ -7029,10 +7282,10 @@
               <a:rPr lang="en-US" dirty="0" smtClean="0"/>
             </a:br>
             <a:r>
-              <a:rPr lang="en-US" dirty="0" smtClean="0"/>
-              <a:t>Summary</a:t>
+              <a:rPr lang="en-US" sz="2400" dirty="0" smtClean="0"/>
+              <a:t>Presenter: Obi Atueyi</a:t>
             </a:r>
-            <a:endParaRPr lang="en-US" dirty="0"/>
+            <a:endParaRPr lang="en-US" sz="2400" dirty="0"/>
           </a:p>
         </p:txBody>
       </p:sp>
@@ -7065,8 +7318,37 @@
           <a:p>
             <a:r>
               <a:rPr lang="en-US" dirty="0" smtClean="0"/>
-              <a:t>Model</a:t>
+              <a:t>Implementation</a:t>
             </a:r>
+          </a:p>
+          <a:p>
+            <a:pPr lvl="1"/>
+            <a:r>
+              <a:rPr lang="en-US" dirty="0" smtClean="0"/>
+              <a:t>Tools</a:t>
+            </a:r>
+          </a:p>
+          <a:p>
+            <a:pPr lvl="1"/>
+            <a:r>
+              <a:rPr lang="en-US" dirty="0" smtClean="0"/>
+              <a:t>Classes</a:t>
+            </a:r>
+          </a:p>
+          <a:p>
+            <a:pPr lvl="1"/>
+            <a:r>
+              <a:rPr lang="en-US" dirty="0" smtClean="0"/>
+              <a:t>Unit Test &amp; Verification</a:t>
+            </a:r>
+            <a:endParaRPr lang="en-US" dirty="0" smtClean="0"/>
+          </a:p>
+          <a:p>
+            <a:r>
+              <a:rPr lang="en-US" dirty="0" smtClean="0"/>
+              <a:t>Challenges</a:t>
+            </a:r>
+            <a:endParaRPr lang="en-US" dirty="0" smtClean="0"/>
           </a:p>
           <a:p>
             <a:r>
@@ -7489,7 +7771,7 @@
         <p:spPr/>
         <p:txBody>
           <a:bodyPr>
-            <a:normAutofit fontScale="90000"/>
+            <a:normAutofit/>
           </a:bodyPr>
           <a:lstStyle/>
           <a:p>
@@ -7501,45 +7783,16 @@
               <a:rPr lang="en-US" dirty="0" smtClean="0"/>
             </a:br>
             <a:r>
-              <a:rPr lang="en-US" dirty="0" smtClean="0"/>
-              <a:t>Architecture</a:t>
+              <a:rPr lang="en-US" sz="2400" dirty="0" smtClean="0"/>
+              <a:t>Function</a:t>
             </a:r>
-            <a:endParaRPr lang="en-US" dirty="0"/>
+            <a:endParaRPr lang="en-US" sz="2400" dirty="0"/>
           </a:p>
         </p:txBody>
       </p:sp>
       <p:sp>
         <p:nvSpPr>
-          <p:cNvPr id="3" name="Content Placeholder 2"/>
-          <p:cNvSpPr>
-            <a:spLocks noGrp="1"/>
-          </p:cNvSpPr>
-          <p:nvPr>
-            <p:ph idx="1"/>
-          </p:nvPr>
-        </p:nvSpPr>
-        <p:spPr>
-          <a:xfrm>
-            <a:off x="457200" y="1600201"/>
-            <a:ext cx="8229600" cy="609600"/>
-          </a:xfrm>
-        </p:spPr>
-        <p:txBody>
-          <a:bodyPr>
-            <a:normAutofit lnSpcReduction="10000"/>
-          </a:bodyPr>
-          <a:lstStyle/>
-          <a:p>
-            <a:r>
-              <a:rPr lang="en-US" dirty="0" smtClean="0"/>
-              <a:t>Interaction with other modules</a:t>
-            </a:r>
-          </a:p>
-        </p:txBody>
-      </p:sp>
-      <p:sp>
-        <p:nvSpPr>
-          <p:cNvPr id="6" name="Slide Number Placeholder 5"/>
+          <p:cNvPr id="4" name="Slide Number Placeholder 3"/>
           <p:cNvSpPr>
             <a:spLocks noGrp="1"/>
           </p:cNvSpPr>
@@ -7563,7 +7816,7 @@
       </p:sp>
       <p:pic>
         <p:nvPicPr>
-          <p:cNvPr id="4" name="Picture 3" descr="UI_Architecture.png"/>
+          <p:cNvPr id="5" name="Picture 4" descr="DummyDialog.PNG"/>
           <p:cNvPicPr>
             <a:picLocks noChangeAspect="1"/>
           </p:cNvPicPr>
@@ -7577,50 +7830,51 @@
         </p:blipFill>
         <p:spPr>
           <a:xfrm>
-            <a:off x="914400" y="2590800"/>
-            <a:ext cx="7161905" cy="2676191"/>
+            <a:off x="2667000" y="3048000"/>
+            <a:ext cx="3924300" cy="3219450"/>
           </a:xfrm>
           <a:prstGeom prst="rect">
             <a:avLst/>
           </a:prstGeom>
         </p:spPr>
       </p:pic>
-      <p:pic>
-        <p:nvPicPr>
-          <p:cNvPr id="5" name="Picture 4" descr="logo.jpg"/>
-          <p:cNvPicPr>
-            <a:picLocks noChangeAspect="1"/>
-          </p:cNvPicPr>
-          <p:nvPr/>
-        </p:nvPicPr>
-        <p:blipFill>
-          <a:blip r:embed="rId3" cstate="print"/>
-          <a:stretch>
-            <a:fillRect/>
-          </a:stretch>
-        </p:blipFill>
+      <p:sp>
+        <p:nvSpPr>
+          <p:cNvPr id="6" name="Content Placeholder 2"/>
+          <p:cNvSpPr>
+            <a:spLocks noGrp="1"/>
+          </p:cNvSpPr>
+          <p:nvPr>
+            <p:ph idx="1"/>
+          </p:nvPr>
+        </p:nvSpPr>
         <p:spPr>
           <a:xfrm>
-            <a:off x="7956253" y="0"/>
-            <a:ext cx="1187747" cy="1328738"/>
+            <a:off x="457200" y="1775191"/>
+            <a:ext cx="8229600" cy="4625609"/>
           </a:xfrm>
-          <a:prstGeom prst="rect">
-            <a:avLst/>
-          </a:prstGeom>
         </p:spPr>
-      </p:pic>
+        <p:txBody>
+          <a:bodyPr/>
+          <a:lstStyle/>
+          <a:p>
+            <a:r>
+              <a:rPr lang="en-US" dirty="0" smtClean="0"/>
+              <a:t>Provide the framework for the user interaction with the </a:t>
+            </a:r>
+            <a:r>
+              <a:rPr lang="en-US" dirty="0" smtClean="0"/>
+              <a:t>application</a:t>
+            </a:r>
+            <a:endParaRPr lang="en-US" dirty="0" smtClean="0"/>
+          </a:p>
+        </p:txBody>
+      </p:sp>
     </p:spTree>
   </p:cSld>
   <p:clrMapOvr>
     <a:masterClrMapping/>
   </p:clrMapOvr>
-  <p:timing>
-    <p:tnLst>
-      <p:par>
-        <p:cTn id="1" dur="indefinite" restart="never" nodeType="tmRoot"/>
-      </p:par>
-    </p:tnLst>
-  </p:timing>
 </p:sld>
 </file>
 
@@ -7654,28 +7908,28 @@
         <p:spPr/>
         <p:txBody>
           <a:bodyPr>
-            <a:normAutofit fontScale="90000"/>
+            <a:normAutofit/>
           </a:bodyPr>
           <a:lstStyle/>
           <a:p>
             <a:r>
               <a:rPr lang="en-US" dirty="0" smtClean="0"/>
-              <a:t>User Interface Module:</a:t>
+              <a:t>User Interface Module</a:t>
             </a:r>
             <a:br>
               <a:rPr lang="en-US" dirty="0" smtClean="0"/>
             </a:br>
             <a:r>
-              <a:rPr lang="en-US" dirty="0" smtClean="0"/>
-              <a:t>Model</a:t>
+              <a:rPr lang="en-US" sz="2400" dirty="0" smtClean="0"/>
+              <a:t>Function</a:t>
             </a:r>
-            <a:endParaRPr lang="en-US" dirty="0"/>
+            <a:endParaRPr lang="en-US" sz="2400" dirty="0"/>
           </a:p>
         </p:txBody>
       </p:sp>
       <p:sp>
         <p:nvSpPr>
-          <p:cNvPr id="6" name="Slide Number Placeholder 5"/>
+          <p:cNvPr id="4" name="Slide Number Placeholder 3"/>
           <p:cNvSpPr>
             <a:spLocks noGrp="1"/>
           </p:cNvSpPr>
@@ -7699,7 +7953,7 @@
       </p:sp>
       <p:pic>
         <p:nvPicPr>
-          <p:cNvPr id="4" name="Picture 3" descr="UI_model.PNG"/>
+          <p:cNvPr id="5" name="Picture 4" descr="DummyDialog2.PNG"/>
           <p:cNvPicPr>
             <a:picLocks noChangeAspect="1"/>
           </p:cNvPicPr>
@@ -7713,50 +7967,55 @@
         </p:blipFill>
         <p:spPr>
           <a:xfrm>
-            <a:off x="531224" y="1552574"/>
-            <a:ext cx="8003176" cy="4376737"/>
+            <a:off x="2590800" y="3124200"/>
+            <a:ext cx="3924300" cy="3219450"/>
           </a:xfrm>
           <a:prstGeom prst="rect">
             <a:avLst/>
           </a:prstGeom>
         </p:spPr>
       </p:pic>
-      <p:pic>
-        <p:nvPicPr>
-          <p:cNvPr id="5" name="Picture 4" descr="logo.jpg"/>
-          <p:cNvPicPr>
-            <a:picLocks noChangeAspect="1"/>
-          </p:cNvPicPr>
-          <p:nvPr/>
-        </p:nvPicPr>
-        <p:blipFill>
-          <a:blip r:embed="rId3" cstate="print"/>
-          <a:stretch>
-            <a:fillRect/>
-          </a:stretch>
-        </p:blipFill>
+      <p:sp>
+        <p:nvSpPr>
+          <p:cNvPr id="6" name="Content Placeholder 2"/>
+          <p:cNvSpPr>
+            <a:spLocks noGrp="1"/>
+          </p:cNvSpPr>
+          <p:nvPr>
+            <p:ph idx="1"/>
+          </p:nvPr>
+        </p:nvSpPr>
         <p:spPr>
           <a:xfrm>
-            <a:off x="7956253" y="0"/>
-            <a:ext cx="1187747" cy="1328738"/>
+            <a:off x="457200" y="1775191"/>
+            <a:ext cx="8229600" cy="4625609"/>
           </a:xfrm>
-          <a:prstGeom prst="rect">
-            <a:avLst/>
-          </a:prstGeom>
         </p:spPr>
-      </p:pic>
+        <p:txBody>
+          <a:bodyPr/>
+          <a:lstStyle/>
+          <a:p>
+            <a:r>
+              <a:rPr lang="en-US" dirty="0" smtClean="0"/>
+              <a:t>Provide </a:t>
+            </a:r>
+            <a:r>
+              <a:rPr lang="en-US" dirty="0" smtClean="0"/>
+              <a:t>the ability for the user to choose desired </a:t>
+            </a:r>
+            <a:r>
+              <a:rPr lang="en-US" dirty="0" smtClean="0"/>
+              <a:t>settings</a:t>
+            </a:r>
+            <a:endParaRPr lang="en-US" dirty="0" smtClean="0"/>
+          </a:p>
+        </p:txBody>
+      </p:sp>
     </p:spTree>
   </p:cSld>
   <p:clrMapOvr>
     <a:masterClrMapping/>
   </p:clrMapOvr>
-  <p:timing>
-    <p:tnLst>
-      <p:par>
-        <p:cTn id="1" dur="indefinite" restart="never" nodeType="tmRoot"/>
-      </p:par>
-    </p:tnLst>
-  </p:timing>
 </p:sld>
 </file>
 
@@ -7779,7 +8038,7 @@
       </p:grpSpPr>
       <p:sp>
         <p:nvSpPr>
-          <p:cNvPr id="4" name="Title 1"/>
+          <p:cNvPr id="2" name="Title 1"/>
           <p:cNvSpPr>
             <a:spLocks noGrp="1"/>
           </p:cNvSpPr>
@@ -7790,7 +8049,7 @@
         <p:spPr/>
         <p:txBody>
           <a:bodyPr>
-            <a:normAutofit fontScale="90000"/>
+            <a:normAutofit/>
           </a:bodyPr>
           <a:lstStyle/>
           <a:p>
@@ -7802,9 +8061,33 @@
               <a:rPr lang="en-US" dirty="0" smtClean="0"/>
             </a:br>
             <a:r>
-              <a:rPr lang="en-US" dirty="0" smtClean="0"/>
-              <a:t>Conclusion</a:t>
+              <a:rPr lang="en-US" sz="2400" dirty="0" smtClean="0"/>
+              <a:t>Function</a:t>
             </a:r>
+            <a:endParaRPr lang="en-US" sz="2400" dirty="0"/>
+          </a:p>
+        </p:txBody>
+      </p:sp>
+      <p:sp>
+        <p:nvSpPr>
+          <p:cNvPr id="4" name="Slide Number Placeholder 3"/>
+          <p:cNvSpPr>
+            <a:spLocks noGrp="1"/>
+          </p:cNvSpPr>
+          <p:nvPr>
+            <p:ph type="sldNum" sz="quarter" idx="12"/>
+          </p:nvPr>
+        </p:nvSpPr>
+        <p:spPr/>
+        <p:txBody>
+          <a:bodyPr/>
+          <a:lstStyle/>
+          <a:p>
+            <a:fld id="{B6F15528-21DE-4FAA-801E-634DDDAF4B2B}" type="slidenum">
+              <a:rPr lang="en-US" smtClean="0"/>
+              <a:pPr/>
+              <a:t>22</a:t>
+            </a:fld>
             <a:endParaRPr lang="en-US" dirty="0"/>
           </a:p>
         </p:txBody>
@@ -7819,60 +8102,39 @@
             <p:ph idx="1"/>
           </p:nvPr>
         </p:nvSpPr>
-        <p:spPr/>
-        <p:txBody>
-          <a:bodyPr>
-            <a:normAutofit lnSpcReduction="10000"/>
-          </a:bodyPr>
-          <a:lstStyle/>
-          <a:p>
-            <a:r>
-              <a:rPr lang="en-US" dirty="0" smtClean="0"/>
-              <a:t>The User Interface module is what enables the application to respond to the user’s actions.</a:t>
-            </a:r>
-          </a:p>
-          <a:p>
-            <a:r>
-              <a:rPr lang="en-US" dirty="0" smtClean="0"/>
-              <a:t>By communicating with the game mechanics and database modules, the User Interface shares, with the user, data necessary to configure the game</a:t>
-            </a:r>
-          </a:p>
-          <a:p>
-            <a:r>
-              <a:rPr lang="en-US" dirty="0" smtClean="0"/>
-              <a:t>The User Interface module does not display graphics of the active battle, but rather provides the space to view the battle.</a:t>
-            </a:r>
-            <a:endParaRPr lang="en-US" dirty="0"/>
-          </a:p>
-        </p:txBody>
-      </p:sp>
-      <p:sp>
-        <p:nvSpPr>
-          <p:cNvPr id="7" name="Slide Number Placeholder 6"/>
-          <p:cNvSpPr>
-            <a:spLocks noGrp="1"/>
-          </p:cNvSpPr>
-          <p:nvPr>
-            <p:ph type="sldNum" sz="quarter" idx="12"/>
-          </p:nvPr>
-        </p:nvSpPr>
-        <p:spPr/>
+        <p:spPr>
+          <a:xfrm>
+            <a:off x="457200" y="1775191"/>
+            <a:ext cx="8229600" cy="4625609"/>
+          </a:xfrm>
+        </p:spPr>
         <p:txBody>
           <a:bodyPr/>
           <a:lstStyle/>
           <a:p>
-            <a:fld id="{B6F15528-21DE-4FAA-801E-634DDDAF4B2B}" type="slidenum">
-              <a:rPr lang="en-US" smtClean="0"/>
-              <a:pPr/>
-              <a:t>22</a:t>
-            </a:fld>
+            <a:r>
+              <a:rPr lang="en-US" dirty="0" smtClean="0"/>
+              <a:t>Provide </a:t>
+            </a:r>
+            <a:r>
+              <a:rPr lang="en-US" dirty="0" smtClean="0"/>
+              <a:t>status </a:t>
+            </a:r>
+            <a:r>
+              <a:rPr lang="en-US" dirty="0" smtClean="0"/>
+              <a:t>or error </a:t>
+            </a:r>
+            <a:r>
+              <a:rPr lang="en-US" dirty="0" smtClean="0"/>
+              <a:t>messages</a:t>
+            </a:r>
             <a:endParaRPr lang="en-US" dirty="0"/>
           </a:p>
         </p:txBody>
       </p:sp>
       <p:pic>
         <p:nvPicPr>
-          <p:cNvPr id="5" name="Picture 4" descr="logo.jpg"/>
+          <p:cNvPr id="7" name="Picture 6" descr="DummyDialog4.PNG"/>
           <p:cNvPicPr>
             <a:picLocks noChangeAspect="1"/>
           </p:cNvPicPr>
@@ -7886,8 +8148,8 @@
         </p:blipFill>
         <p:spPr>
           <a:xfrm>
-            <a:off x="7956253" y="0"/>
-            <a:ext cx="1187747" cy="1328738"/>
+            <a:off x="2743200" y="3581400"/>
+            <a:ext cx="3667125" cy="1247775"/>
           </a:xfrm>
           <a:prstGeom prst="rect">
             <a:avLst/>
@@ -7899,13 +8161,6 @@
   <p:clrMapOvr>
     <a:masterClrMapping/>
   </p:clrMapOvr>
-  <p:timing>
-    <p:tnLst>
-      <p:par>
-        <p:cTn id="1" dur="indefinite" restart="never" nodeType="tmRoot"/>
-      </p:par>
-    </p:tnLst>
-  </p:timing>
 </p:sld>
 </file>
 
@@ -7939,22 +8194,22 @@
         <p:spPr/>
         <p:txBody>
           <a:bodyPr>
-            <a:normAutofit fontScale="90000"/>
+            <a:normAutofit/>
           </a:bodyPr>
           <a:lstStyle/>
           <a:p>
             <a:r>
               <a:rPr lang="en-US" dirty="0" smtClean="0"/>
-              <a:t>Game Mechanics</a:t>
+              <a:t>User Interface Module</a:t>
             </a:r>
             <a:br>
               <a:rPr lang="en-US" dirty="0" smtClean="0"/>
             </a:br>
             <a:r>
-              <a:rPr lang="en-US" dirty="0" smtClean="0"/>
-              <a:t>and AI</a:t>
+              <a:rPr lang="en-US" sz="2700" dirty="0" smtClean="0"/>
+              <a:t>Implementation: Tools</a:t>
             </a:r>
-            <a:endParaRPr lang="en-US" dirty="0"/>
+            <a:endParaRPr lang="en-US" sz="2700" dirty="0"/>
           </a:p>
         </p:txBody>
       </p:sp>
@@ -7968,7 +8223,12 @@
             <p:ph idx="1"/>
           </p:nvPr>
         </p:nvSpPr>
-        <p:spPr/>
+        <p:spPr>
+          <a:xfrm>
+            <a:off x="457200" y="1600201"/>
+            <a:ext cx="8229600" cy="609600"/>
+          </a:xfrm>
+        </p:spPr>
         <p:txBody>
           <a:bodyPr>
             <a:normAutofit lnSpcReduction="10000"/>
@@ -7977,68 +8237,14 @@
           <a:p>
             <a:r>
               <a:rPr lang="en-US" dirty="0" smtClean="0"/>
-              <a:t>Unit</a:t>
+              <a:t>Interaction with other modules</a:t>
             </a:r>
-          </a:p>
-          <a:p>
-            <a:r>
-              <a:rPr lang="en-US" dirty="0" smtClean="0"/>
-              <a:t>Player</a:t>
-            </a:r>
-          </a:p>
-          <a:p>
-            <a:r>
-              <a:rPr lang="en-US" dirty="0" smtClean="0"/>
-              <a:t>Mechanics</a:t>
-            </a:r>
-          </a:p>
-          <a:p>
-            <a:pPr lvl="1"/>
-            <a:r>
-              <a:rPr lang="en-US" dirty="0" smtClean="0"/>
-              <a:t>Move</a:t>
-            </a:r>
-          </a:p>
-          <a:p>
-            <a:pPr lvl="1"/>
-            <a:r>
-              <a:rPr lang="en-US" dirty="0" smtClean="0"/>
-              <a:t>Attack</a:t>
-            </a:r>
-          </a:p>
-          <a:p>
-            <a:pPr lvl="1"/>
-            <a:r>
-              <a:rPr lang="en-US" dirty="0" smtClean="0"/>
-              <a:t>Others</a:t>
-            </a:r>
-          </a:p>
-          <a:p>
-            <a:r>
-              <a:rPr lang="en-US" dirty="0" smtClean="0"/>
-              <a:t>AI</a:t>
-            </a:r>
-          </a:p>
-          <a:p>
-            <a:pPr lvl="1"/>
-            <a:r>
-              <a:rPr lang="en-US" dirty="0" smtClean="0"/>
-              <a:t>Game Tree</a:t>
-            </a:r>
-          </a:p>
-          <a:p>
-            <a:pPr lvl="1"/>
-            <a:r>
-              <a:rPr lang="en-US" dirty="0" smtClean="0"/>
-              <a:t>Decision Making</a:t>
-            </a:r>
-            <a:endParaRPr lang="en-US" dirty="0"/>
           </a:p>
         </p:txBody>
       </p:sp>
       <p:sp>
         <p:nvSpPr>
-          <p:cNvPr id="5" name="Slide Number Placeholder 4"/>
+          <p:cNvPr id="6" name="Slide Number Placeholder 5"/>
           <p:cNvSpPr>
             <a:spLocks noGrp="1"/>
           </p:cNvSpPr>
@@ -8062,7 +8268,7 @@
       </p:sp>
       <p:pic>
         <p:nvPicPr>
-          <p:cNvPr id="4" name="Picture 3" descr="logo.jpg"/>
+          <p:cNvPr id="5" name="Picture 4" descr="logo.jpg"/>
           <p:cNvPicPr>
             <a:picLocks noChangeAspect="1"/>
           </p:cNvPicPr>
@@ -8131,6 +8337,2619 @@
           <a:bodyPr/>
           <a:lstStyle/>
           <a:p>
+            <a:endParaRPr lang="en-US"/>
+          </a:p>
+        </p:txBody>
+      </p:sp>
+      <p:sp>
+        <p:nvSpPr>
+          <p:cNvPr id="3" name="Content Placeholder 2"/>
+          <p:cNvSpPr>
+            <a:spLocks noGrp="1"/>
+          </p:cNvSpPr>
+          <p:nvPr>
+            <p:ph idx="1"/>
+          </p:nvPr>
+        </p:nvSpPr>
+        <p:spPr/>
+        <p:txBody>
+          <a:bodyPr/>
+          <a:lstStyle/>
+          <a:p>
+            <a:endParaRPr lang="en-US"/>
+          </a:p>
+        </p:txBody>
+      </p:sp>
+      <p:sp>
+        <p:nvSpPr>
+          <p:cNvPr id="4" name="Slide Number Placeholder 3"/>
+          <p:cNvSpPr>
+            <a:spLocks noGrp="1"/>
+          </p:cNvSpPr>
+          <p:nvPr>
+            <p:ph type="sldNum" sz="quarter" idx="12"/>
+          </p:nvPr>
+        </p:nvSpPr>
+        <p:spPr/>
+        <p:txBody>
+          <a:bodyPr/>
+          <a:lstStyle/>
+          <a:p>
+            <a:fld id="{B6F15528-21DE-4FAA-801E-634DDDAF4B2B}" type="slidenum">
+              <a:rPr lang="en-US" smtClean="0"/>
+              <a:pPr/>
+              <a:t>24</a:t>
+            </a:fld>
+            <a:endParaRPr lang="en-US" dirty="0"/>
+          </a:p>
+        </p:txBody>
+      </p:sp>
+    </p:spTree>
+  </p:cSld>
+  <p:clrMapOvr>
+    <a:masterClrMapping/>
+  </p:clrMapOvr>
+</p:sld>
+</file>
+
+<file path=ppt/slides/slide25.xml><?xml version="1.0" encoding="utf-8"?>
+<p:sld xmlns:a="http://schemas.openxmlformats.org/drawingml/2006/main" xmlns:r="http://schemas.openxmlformats.org/officeDocument/2006/relationships" xmlns:p="http://schemas.openxmlformats.org/presentationml/2006/main">
+  <p:cSld>
+    <p:spTree>
+      <p:nvGrpSpPr>
+        <p:cNvPr id="1" name=""/>
+        <p:cNvGrpSpPr/>
+        <p:nvPr/>
+      </p:nvGrpSpPr>
+      <p:grpSpPr>
+        <a:xfrm>
+          <a:off x="0" y="0"/>
+          <a:ext cx="0" cy="0"/>
+          <a:chOff x="0" y="0"/>
+          <a:chExt cx="0" cy="0"/>
+        </a:xfrm>
+      </p:grpSpPr>
+      <p:sp>
+        <p:nvSpPr>
+          <p:cNvPr id="2" name="Title 1"/>
+          <p:cNvSpPr>
+            <a:spLocks noGrp="1"/>
+          </p:cNvSpPr>
+          <p:nvPr>
+            <p:ph type="title"/>
+          </p:nvPr>
+        </p:nvSpPr>
+        <p:spPr/>
+        <p:txBody>
+          <a:bodyPr/>
+          <a:lstStyle/>
+          <a:p>
+            <a:endParaRPr lang="en-US"/>
+          </a:p>
+        </p:txBody>
+      </p:sp>
+      <p:sp>
+        <p:nvSpPr>
+          <p:cNvPr id="3" name="Content Placeholder 2"/>
+          <p:cNvSpPr>
+            <a:spLocks noGrp="1"/>
+          </p:cNvSpPr>
+          <p:nvPr>
+            <p:ph idx="1"/>
+          </p:nvPr>
+        </p:nvSpPr>
+        <p:spPr/>
+        <p:txBody>
+          <a:bodyPr/>
+          <a:lstStyle/>
+          <a:p>
+            <a:endParaRPr lang="en-US" dirty="0"/>
+          </a:p>
+        </p:txBody>
+      </p:sp>
+      <p:sp>
+        <p:nvSpPr>
+          <p:cNvPr id="4" name="Slide Number Placeholder 3"/>
+          <p:cNvSpPr>
+            <a:spLocks noGrp="1"/>
+          </p:cNvSpPr>
+          <p:nvPr>
+            <p:ph type="sldNum" sz="quarter" idx="12"/>
+          </p:nvPr>
+        </p:nvSpPr>
+        <p:spPr/>
+        <p:txBody>
+          <a:bodyPr/>
+          <a:lstStyle/>
+          <a:p>
+            <a:fld id="{B6F15528-21DE-4FAA-801E-634DDDAF4B2B}" type="slidenum">
+              <a:rPr lang="en-US" smtClean="0"/>
+              <a:pPr/>
+              <a:t>25</a:t>
+            </a:fld>
+            <a:endParaRPr lang="en-US" dirty="0"/>
+          </a:p>
+        </p:txBody>
+      </p:sp>
+    </p:spTree>
+  </p:cSld>
+  <p:clrMapOvr>
+    <a:masterClrMapping/>
+  </p:clrMapOvr>
+</p:sld>
+</file>
+
+<file path=ppt/slides/slide26.xml><?xml version="1.0" encoding="utf-8"?>
+<p:sld xmlns:a="http://schemas.openxmlformats.org/drawingml/2006/main" xmlns:r="http://schemas.openxmlformats.org/officeDocument/2006/relationships" xmlns:p="http://schemas.openxmlformats.org/presentationml/2006/main">
+  <p:cSld>
+    <p:spTree>
+      <p:nvGrpSpPr>
+        <p:cNvPr id="1" name=""/>
+        <p:cNvGrpSpPr/>
+        <p:nvPr/>
+      </p:nvGrpSpPr>
+      <p:grpSpPr>
+        <a:xfrm>
+          <a:off x="0" y="0"/>
+          <a:ext cx="0" cy="0"/>
+          <a:chOff x="0" y="0"/>
+          <a:chExt cx="0" cy="0"/>
+        </a:xfrm>
+      </p:grpSpPr>
+      <p:sp>
+        <p:nvSpPr>
+          <p:cNvPr id="2" name="Title 1"/>
+          <p:cNvSpPr>
+            <a:spLocks noGrp="1"/>
+          </p:cNvSpPr>
+          <p:nvPr>
+            <p:ph type="title"/>
+          </p:nvPr>
+        </p:nvSpPr>
+        <p:spPr/>
+        <p:txBody>
+          <a:bodyPr>
+            <a:normAutofit/>
+          </a:bodyPr>
+          <a:lstStyle/>
+          <a:p>
+            <a:r>
+              <a:rPr lang="en-US" dirty="0" smtClean="0"/>
+              <a:t>User Interface Module</a:t>
+            </a:r>
+            <a:br>
+              <a:rPr lang="en-US" dirty="0" smtClean="0"/>
+            </a:br>
+            <a:r>
+              <a:rPr lang="en-US" sz="2700" dirty="0" smtClean="0"/>
+              <a:t>Module Interactions</a:t>
+            </a:r>
+            <a:endParaRPr lang="en-US" sz="2700" dirty="0"/>
+          </a:p>
+        </p:txBody>
+      </p:sp>
+      <p:sp>
+        <p:nvSpPr>
+          <p:cNvPr id="4" name="Slide Number Placeholder 3"/>
+          <p:cNvSpPr>
+            <a:spLocks noGrp="1"/>
+          </p:cNvSpPr>
+          <p:nvPr>
+            <p:ph type="sldNum" sz="quarter" idx="12"/>
+          </p:nvPr>
+        </p:nvSpPr>
+        <p:spPr/>
+        <p:txBody>
+          <a:bodyPr/>
+          <a:lstStyle/>
+          <a:p>
+            <a:fld id="{B6F15528-21DE-4FAA-801E-634DDDAF4B2B}" type="slidenum">
+              <a:rPr lang="en-US" smtClean="0"/>
+              <a:pPr/>
+              <a:t>26</a:t>
+            </a:fld>
+            <a:endParaRPr lang="en-US" dirty="0"/>
+          </a:p>
+        </p:txBody>
+      </p:sp>
+      <p:sp>
+        <p:nvSpPr>
+          <p:cNvPr id="5" name="Rectangle 4"/>
+          <p:cNvSpPr/>
+          <p:nvPr/>
+        </p:nvSpPr>
+        <p:spPr>
+          <a:xfrm>
+            <a:off x="2209800" y="2057400"/>
+            <a:ext cx="4724400" cy="3581400"/>
+          </a:xfrm>
+          <a:prstGeom prst="rect">
+            <a:avLst/>
+          </a:prstGeom>
+          <a:noFill/>
+          <a:ln>
+            <a:solidFill>
+              <a:srgbClr val="0070C0"/>
+            </a:solidFill>
+          </a:ln>
+        </p:spPr>
+        <p:style>
+          <a:lnRef idx="2">
+            <a:schemeClr val="accent1">
+              <a:shade val="50000"/>
+            </a:schemeClr>
+          </a:lnRef>
+          <a:fillRef idx="1">
+            <a:schemeClr val="accent1"/>
+          </a:fillRef>
+          <a:effectRef idx="0">
+            <a:schemeClr val="accent1"/>
+          </a:effectRef>
+          <a:fontRef idx="minor">
+            <a:schemeClr val="lt1"/>
+          </a:fontRef>
+        </p:style>
+        <p:txBody>
+          <a:bodyPr rtlCol="0" anchor="ctr"/>
+          <a:lstStyle/>
+          <a:p>
+            <a:pPr algn="ctr"/>
+            <a:endParaRPr lang="en-US"/>
+          </a:p>
+        </p:txBody>
+      </p:sp>
+      <p:sp>
+        <p:nvSpPr>
+          <p:cNvPr id="6" name="Rectangle 5"/>
+          <p:cNvSpPr/>
+          <p:nvPr/>
+        </p:nvSpPr>
+        <p:spPr>
+          <a:xfrm>
+            <a:off x="2209800" y="2057400"/>
+            <a:ext cx="4724400" cy="304800"/>
+          </a:xfrm>
+          <a:prstGeom prst="rect">
+            <a:avLst/>
+          </a:prstGeom>
+          <a:noFill/>
+          <a:ln>
+            <a:solidFill>
+              <a:srgbClr val="0070C0"/>
+            </a:solidFill>
+          </a:ln>
+        </p:spPr>
+        <p:style>
+          <a:lnRef idx="2">
+            <a:schemeClr val="accent1">
+              <a:shade val="50000"/>
+            </a:schemeClr>
+          </a:lnRef>
+          <a:fillRef idx="1">
+            <a:schemeClr val="accent1"/>
+          </a:fillRef>
+          <a:effectRef idx="0">
+            <a:schemeClr val="accent1"/>
+          </a:effectRef>
+          <a:fontRef idx="minor">
+            <a:schemeClr val="lt1"/>
+          </a:fontRef>
+        </p:style>
+        <p:txBody>
+          <a:bodyPr rtlCol="0" anchor="ctr"/>
+          <a:lstStyle/>
+          <a:p>
+            <a:pPr algn="ctr"/>
+            <a:endParaRPr lang="en-US"/>
+          </a:p>
+        </p:txBody>
+      </p:sp>
+      <p:sp>
+        <p:nvSpPr>
+          <p:cNvPr id="7" name="Rectangle 6"/>
+          <p:cNvSpPr/>
+          <p:nvPr/>
+        </p:nvSpPr>
+        <p:spPr>
+          <a:xfrm>
+            <a:off x="2209800" y="5334000"/>
+            <a:ext cx="4724400" cy="304800"/>
+          </a:xfrm>
+          <a:prstGeom prst="rect">
+            <a:avLst/>
+          </a:prstGeom>
+          <a:noFill/>
+          <a:ln>
+            <a:solidFill>
+              <a:srgbClr val="0070C0"/>
+            </a:solidFill>
+          </a:ln>
+        </p:spPr>
+        <p:style>
+          <a:lnRef idx="2">
+            <a:schemeClr val="accent1">
+              <a:shade val="50000"/>
+            </a:schemeClr>
+          </a:lnRef>
+          <a:fillRef idx="1">
+            <a:schemeClr val="accent1"/>
+          </a:fillRef>
+          <a:effectRef idx="0">
+            <a:schemeClr val="accent1"/>
+          </a:effectRef>
+          <a:fontRef idx="minor">
+            <a:schemeClr val="lt1"/>
+          </a:fontRef>
+        </p:style>
+        <p:txBody>
+          <a:bodyPr rtlCol="0" anchor="ctr"/>
+          <a:lstStyle/>
+          <a:p>
+            <a:pPr algn="ctr"/>
+            <a:endParaRPr lang="en-US"/>
+          </a:p>
+        </p:txBody>
+      </p:sp>
+      <p:sp>
+        <p:nvSpPr>
+          <p:cNvPr id="8" name="Rectangle 7"/>
+          <p:cNvSpPr/>
+          <p:nvPr/>
+        </p:nvSpPr>
+        <p:spPr>
+          <a:xfrm>
+            <a:off x="2209800" y="2362200"/>
+            <a:ext cx="4724400" cy="304800"/>
+          </a:xfrm>
+          <a:prstGeom prst="rect">
+            <a:avLst/>
+          </a:prstGeom>
+          <a:noFill/>
+          <a:ln>
+            <a:solidFill>
+              <a:srgbClr val="0070C0"/>
+            </a:solidFill>
+          </a:ln>
+        </p:spPr>
+        <p:style>
+          <a:lnRef idx="2">
+            <a:schemeClr val="accent1">
+              <a:shade val="50000"/>
+            </a:schemeClr>
+          </a:lnRef>
+          <a:fillRef idx="1">
+            <a:schemeClr val="accent1"/>
+          </a:fillRef>
+          <a:effectRef idx="0">
+            <a:schemeClr val="accent1"/>
+          </a:effectRef>
+          <a:fontRef idx="minor">
+            <a:schemeClr val="lt1"/>
+          </a:fontRef>
+        </p:style>
+        <p:txBody>
+          <a:bodyPr rtlCol="0" anchor="ctr"/>
+          <a:lstStyle/>
+          <a:p>
+            <a:pPr algn="ctr"/>
+            <a:endParaRPr lang="en-US"/>
+          </a:p>
+        </p:txBody>
+      </p:sp>
+      <p:sp>
+        <p:nvSpPr>
+          <p:cNvPr id="9" name="TextBox 8"/>
+          <p:cNvSpPr txBox="1"/>
+          <p:nvPr/>
+        </p:nvSpPr>
+        <p:spPr>
+          <a:xfrm>
+            <a:off x="2209800" y="2057400"/>
+            <a:ext cx="4724400" cy="338554"/>
+          </a:xfrm>
+          <a:prstGeom prst="rect">
+            <a:avLst/>
+          </a:prstGeom>
+          <a:noFill/>
+          <a:ln>
+            <a:noFill/>
+          </a:ln>
+        </p:spPr>
+        <p:txBody>
+          <a:bodyPr wrap="square" rtlCol="0">
+            <a:spAutoFit/>
+          </a:bodyPr>
+          <a:lstStyle/>
+          <a:p>
+            <a:pPr algn="ctr"/>
+            <a:r>
+              <a:rPr lang="en-US" sz="1600" dirty="0" smtClean="0"/>
+              <a:t>Menu bar</a:t>
+            </a:r>
+            <a:endParaRPr lang="en-US" sz="1600" dirty="0"/>
+          </a:p>
+        </p:txBody>
+      </p:sp>
+      <p:sp>
+        <p:nvSpPr>
+          <p:cNvPr id="10" name="TextBox 9"/>
+          <p:cNvSpPr txBox="1"/>
+          <p:nvPr/>
+        </p:nvSpPr>
+        <p:spPr>
+          <a:xfrm>
+            <a:off x="2209800" y="2362200"/>
+            <a:ext cx="4724400" cy="338554"/>
+          </a:xfrm>
+          <a:prstGeom prst="rect">
+            <a:avLst/>
+          </a:prstGeom>
+          <a:noFill/>
+          <a:ln>
+            <a:noFill/>
+          </a:ln>
+        </p:spPr>
+        <p:txBody>
+          <a:bodyPr wrap="square" rtlCol="0">
+            <a:spAutoFit/>
+          </a:bodyPr>
+          <a:lstStyle/>
+          <a:p>
+            <a:pPr algn="ctr"/>
+            <a:r>
+              <a:rPr lang="en-US" sz="1600" dirty="0" smtClean="0"/>
+              <a:t>Tool bar</a:t>
+            </a:r>
+            <a:endParaRPr lang="en-US" sz="1600" dirty="0"/>
+          </a:p>
+        </p:txBody>
+      </p:sp>
+      <p:sp>
+        <p:nvSpPr>
+          <p:cNvPr id="11" name="TextBox 10"/>
+          <p:cNvSpPr txBox="1"/>
+          <p:nvPr/>
+        </p:nvSpPr>
+        <p:spPr>
+          <a:xfrm>
+            <a:off x="2209800" y="5334000"/>
+            <a:ext cx="4724400" cy="338554"/>
+          </a:xfrm>
+          <a:prstGeom prst="rect">
+            <a:avLst/>
+          </a:prstGeom>
+          <a:noFill/>
+          <a:ln>
+            <a:noFill/>
+          </a:ln>
+        </p:spPr>
+        <p:txBody>
+          <a:bodyPr wrap="square" rtlCol="0">
+            <a:spAutoFit/>
+          </a:bodyPr>
+          <a:lstStyle/>
+          <a:p>
+            <a:pPr algn="ctr"/>
+            <a:r>
+              <a:rPr lang="en-US" sz="1600" dirty="0" smtClean="0"/>
+              <a:t>Status bar</a:t>
+            </a:r>
+            <a:endParaRPr lang="en-US" sz="1600" dirty="0"/>
+          </a:p>
+        </p:txBody>
+      </p:sp>
+      <p:sp>
+        <p:nvSpPr>
+          <p:cNvPr id="12" name="TextBox 11"/>
+          <p:cNvSpPr txBox="1"/>
+          <p:nvPr/>
+        </p:nvSpPr>
+        <p:spPr>
+          <a:xfrm>
+            <a:off x="6629400" y="2057400"/>
+            <a:ext cx="228600" cy="338554"/>
+          </a:xfrm>
+          <a:prstGeom prst="rect">
+            <a:avLst/>
+          </a:prstGeom>
+          <a:noFill/>
+        </p:spPr>
+        <p:txBody>
+          <a:bodyPr wrap="square" rtlCol="0">
+            <a:spAutoFit/>
+          </a:bodyPr>
+          <a:lstStyle/>
+          <a:p>
+            <a:r>
+              <a:rPr lang="en-US" sz="1600" dirty="0" smtClean="0">
+                <a:solidFill>
+                  <a:srgbClr val="0070C0"/>
+                </a:solidFill>
+              </a:rPr>
+              <a:t>x</a:t>
+            </a:r>
+            <a:endParaRPr lang="en-US" sz="1600" dirty="0">
+              <a:solidFill>
+                <a:srgbClr val="0070C0"/>
+              </a:solidFill>
+            </a:endParaRPr>
+          </a:p>
+        </p:txBody>
+      </p:sp>
+      <p:sp>
+        <p:nvSpPr>
+          <p:cNvPr id="13" name="Rectangle 12"/>
+          <p:cNvSpPr/>
+          <p:nvPr/>
+        </p:nvSpPr>
+        <p:spPr>
+          <a:xfrm>
+            <a:off x="6477000" y="2209800"/>
+            <a:ext cx="152400" cy="76200"/>
+          </a:xfrm>
+          <a:prstGeom prst="rect">
+            <a:avLst/>
+          </a:prstGeom>
+          <a:noFill/>
+          <a:ln>
+            <a:solidFill>
+              <a:srgbClr val="0070C0"/>
+            </a:solidFill>
+          </a:ln>
+        </p:spPr>
+        <p:style>
+          <a:lnRef idx="2">
+            <a:schemeClr val="accent1">
+              <a:shade val="50000"/>
+            </a:schemeClr>
+          </a:lnRef>
+          <a:fillRef idx="1">
+            <a:schemeClr val="accent1"/>
+          </a:fillRef>
+          <a:effectRef idx="0">
+            <a:schemeClr val="accent1"/>
+          </a:effectRef>
+          <a:fontRef idx="minor">
+            <a:schemeClr val="lt1"/>
+          </a:fontRef>
+        </p:style>
+        <p:txBody>
+          <a:bodyPr rtlCol="0" anchor="ctr"/>
+          <a:lstStyle/>
+          <a:p>
+            <a:pPr algn="ctr"/>
+            <a:endParaRPr lang="en-US"/>
+          </a:p>
+        </p:txBody>
+      </p:sp>
+      <p:sp>
+        <p:nvSpPr>
+          <p:cNvPr id="14" name="TextBox 13"/>
+          <p:cNvSpPr txBox="1"/>
+          <p:nvPr/>
+        </p:nvSpPr>
+        <p:spPr>
+          <a:xfrm>
+            <a:off x="6172200" y="2057400"/>
+            <a:ext cx="228600" cy="338554"/>
+          </a:xfrm>
+          <a:prstGeom prst="rect">
+            <a:avLst/>
+          </a:prstGeom>
+          <a:noFill/>
+        </p:spPr>
+        <p:txBody>
+          <a:bodyPr wrap="square" rtlCol="0">
+            <a:spAutoFit/>
+          </a:bodyPr>
+          <a:lstStyle/>
+          <a:p>
+            <a:r>
+              <a:rPr lang="en-US" sz="1600" dirty="0" smtClean="0">
+                <a:solidFill>
+                  <a:srgbClr val="0070C0"/>
+                </a:solidFill>
+              </a:rPr>
+              <a:t>-</a:t>
+            </a:r>
+            <a:endParaRPr lang="en-US" sz="1600" dirty="0">
+              <a:solidFill>
+                <a:srgbClr val="0070C0"/>
+              </a:solidFill>
+            </a:endParaRPr>
+          </a:p>
+        </p:txBody>
+      </p:sp>
+      <p:sp>
+        <p:nvSpPr>
+          <p:cNvPr id="15" name="Rectangle 14"/>
+          <p:cNvSpPr/>
+          <p:nvPr/>
+        </p:nvSpPr>
+        <p:spPr>
+          <a:xfrm>
+            <a:off x="2362200" y="2819400"/>
+            <a:ext cx="4419600" cy="2362200"/>
+          </a:xfrm>
+          <a:prstGeom prst="rect">
+            <a:avLst/>
+          </a:prstGeom>
+          <a:noFill/>
+          <a:ln>
+            <a:solidFill>
+              <a:srgbClr val="FFFF00"/>
+            </a:solidFill>
+          </a:ln>
+        </p:spPr>
+        <p:style>
+          <a:lnRef idx="2">
+            <a:schemeClr val="accent1">
+              <a:shade val="50000"/>
+            </a:schemeClr>
+          </a:lnRef>
+          <a:fillRef idx="1">
+            <a:schemeClr val="accent1"/>
+          </a:fillRef>
+          <a:effectRef idx="0">
+            <a:schemeClr val="accent1"/>
+          </a:effectRef>
+          <a:fontRef idx="minor">
+            <a:schemeClr val="lt1"/>
+          </a:fontRef>
+        </p:style>
+        <p:txBody>
+          <a:bodyPr rtlCol="0" anchor="ctr"/>
+          <a:lstStyle/>
+          <a:p>
+            <a:pPr algn="ctr"/>
+            <a:endParaRPr lang="en-US"/>
+          </a:p>
+        </p:txBody>
+      </p:sp>
+      <p:sp>
+        <p:nvSpPr>
+          <p:cNvPr id="16" name="TextBox 15"/>
+          <p:cNvSpPr txBox="1"/>
+          <p:nvPr/>
+        </p:nvSpPr>
+        <p:spPr>
+          <a:xfrm>
+            <a:off x="2057400" y="3733800"/>
+            <a:ext cx="5029200" cy="338554"/>
+          </a:xfrm>
+          <a:prstGeom prst="rect">
+            <a:avLst/>
+          </a:prstGeom>
+          <a:noFill/>
+          <a:ln>
+            <a:noFill/>
+          </a:ln>
+        </p:spPr>
+        <p:txBody>
+          <a:bodyPr wrap="square" rtlCol="0">
+            <a:spAutoFit/>
+          </a:bodyPr>
+          <a:lstStyle/>
+          <a:p>
+            <a:pPr algn="ctr"/>
+            <a:r>
+              <a:rPr lang="en-US" sz="1600" dirty="0" smtClean="0"/>
+              <a:t>Game Graphics module</a:t>
+            </a:r>
+            <a:endParaRPr lang="en-US" sz="1600" dirty="0"/>
+          </a:p>
+        </p:txBody>
+      </p:sp>
+      <p:sp>
+        <p:nvSpPr>
+          <p:cNvPr id="17" name="Rectangle 16"/>
+          <p:cNvSpPr/>
+          <p:nvPr/>
+        </p:nvSpPr>
+        <p:spPr>
+          <a:xfrm>
+            <a:off x="228600" y="2819400"/>
+            <a:ext cx="1371600" cy="2362200"/>
+          </a:xfrm>
+          <a:prstGeom prst="rect">
+            <a:avLst/>
+          </a:prstGeom>
+          <a:noFill/>
+          <a:ln>
+            <a:solidFill>
+              <a:srgbClr val="00B050"/>
+            </a:solidFill>
+          </a:ln>
+        </p:spPr>
+        <p:style>
+          <a:lnRef idx="2">
+            <a:schemeClr val="accent1">
+              <a:shade val="50000"/>
+            </a:schemeClr>
+          </a:lnRef>
+          <a:fillRef idx="1">
+            <a:schemeClr val="accent1"/>
+          </a:fillRef>
+          <a:effectRef idx="0">
+            <a:schemeClr val="accent1"/>
+          </a:effectRef>
+          <a:fontRef idx="minor">
+            <a:schemeClr val="lt1"/>
+          </a:fontRef>
+        </p:style>
+        <p:txBody>
+          <a:bodyPr rtlCol="0" anchor="ctr"/>
+          <a:lstStyle/>
+          <a:p>
+            <a:pPr algn="ctr"/>
+            <a:endParaRPr lang="en-US"/>
+          </a:p>
+        </p:txBody>
+      </p:sp>
+      <p:sp>
+        <p:nvSpPr>
+          <p:cNvPr id="18" name="Rectangle 17"/>
+          <p:cNvSpPr/>
+          <p:nvPr/>
+        </p:nvSpPr>
+        <p:spPr>
+          <a:xfrm>
+            <a:off x="7543800" y="2819400"/>
+            <a:ext cx="1371600" cy="2362200"/>
+          </a:xfrm>
+          <a:prstGeom prst="rect">
+            <a:avLst/>
+          </a:prstGeom>
+          <a:noFill/>
+          <a:ln>
+            <a:solidFill>
+              <a:srgbClr val="7030A0"/>
+            </a:solidFill>
+          </a:ln>
+        </p:spPr>
+        <p:style>
+          <a:lnRef idx="2">
+            <a:schemeClr val="accent1">
+              <a:shade val="50000"/>
+            </a:schemeClr>
+          </a:lnRef>
+          <a:fillRef idx="1">
+            <a:schemeClr val="accent1"/>
+          </a:fillRef>
+          <a:effectRef idx="0">
+            <a:schemeClr val="accent1"/>
+          </a:effectRef>
+          <a:fontRef idx="minor">
+            <a:schemeClr val="lt1"/>
+          </a:fontRef>
+        </p:style>
+        <p:txBody>
+          <a:bodyPr rtlCol="0" anchor="ctr"/>
+          <a:lstStyle/>
+          <a:p>
+            <a:pPr algn="ctr"/>
+            <a:endParaRPr lang="en-US"/>
+          </a:p>
+        </p:txBody>
+      </p:sp>
+      <p:sp>
+        <p:nvSpPr>
+          <p:cNvPr id="19" name="TextBox 18"/>
+          <p:cNvSpPr txBox="1"/>
+          <p:nvPr/>
+        </p:nvSpPr>
+        <p:spPr>
+          <a:xfrm>
+            <a:off x="228600" y="3505200"/>
+            <a:ext cx="1371600" cy="830997"/>
+          </a:xfrm>
+          <a:prstGeom prst="rect">
+            <a:avLst/>
+          </a:prstGeom>
+          <a:noFill/>
+          <a:ln>
+            <a:noFill/>
+          </a:ln>
+        </p:spPr>
+        <p:txBody>
+          <a:bodyPr wrap="square" rtlCol="0">
+            <a:spAutoFit/>
+          </a:bodyPr>
+          <a:lstStyle/>
+          <a:p>
+            <a:pPr algn="ctr"/>
+            <a:r>
+              <a:rPr lang="en-US" sz="1600" dirty="0" smtClean="0"/>
+              <a:t>Game Mechanics module</a:t>
+            </a:r>
+            <a:endParaRPr lang="en-US" sz="1600" dirty="0"/>
+          </a:p>
+        </p:txBody>
+      </p:sp>
+      <p:sp>
+        <p:nvSpPr>
+          <p:cNvPr id="20" name="TextBox 19"/>
+          <p:cNvSpPr txBox="1"/>
+          <p:nvPr/>
+        </p:nvSpPr>
+        <p:spPr>
+          <a:xfrm>
+            <a:off x="7543800" y="3657600"/>
+            <a:ext cx="1371600" cy="584775"/>
+          </a:xfrm>
+          <a:prstGeom prst="rect">
+            <a:avLst/>
+          </a:prstGeom>
+          <a:noFill/>
+          <a:ln>
+            <a:noFill/>
+          </a:ln>
+        </p:spPr>
+        <p:txBody>
+          <a:bodyPr wrap="square" rtlCol="0">
+            <a:spAutoFit/>
+          </a:bodyPr>
+          <a:lstStyle/>
+          <a:p>
+            <a:pPr algn="ctr"/>
+            <a:r>
+              <a:rPr lang="en-US" sz="1600" dirty="0" smtClean="0"/>
+              <a:t>Database module</a:t>
+            </a:r>
+            <a:endParaRPr lang="en-US" sz="1600" dirty="0"/>
+          </a:p>
+        </p:txBody>
+      </p:sp>
+      <p:sp>
+        <p:nvSpPr>
+          <p:cNvPr id="21" name="Left-Right Arrow 20"/>
+          <p:cNvSpPr/>
+          <p:nvPr/>
+        </p:nvSpPr>
+        <p:spPr>
+          <a:xfrm>
+            <a:off x="1600200" y="3810000"/>
+            <a:ext cx="609600" cy="304800"/>
+          </a:xfrm>
+          <a:prstGeom prst="leftRightArrow">
+            <a:avLst/>
+          </a:prstGeom>
+        </p:spPr>
+        <p:style>
+          <a:lnRef idx="2">
+            <a:schemeClr val="accent1">
+              <a:shade val="50000"/>
+            </a:schemeClr>
+          </a:lnRef>
+          <a:fillRef idx="1">
+            <a:schemeClr val="accent1"/>
+          </a:fillRef>
+          <a:effectRef idx="0">
+            <a:schemeClr val="accent1"/>
+          </a:effectRef>
+          <a:fontRef idx="minor">
+            <a:schemeClr val="lt1"/>
+          </a:fontRef>
+        </p:style>
+        <p:txBody>
+          <a:bodyPr rtlCol="0" anchor="ctr"/>
+          <a:lstStyle/>
+          <a:p>
+            <a:pPr algn="ctr"/>
+            <a:endParaRPr lang="en-US"/>
+          </a:p>
+        </p:txBody>
+      </p:sp>
+      <p:sp>
+        <p:nvSpPr>
+          <p:cNvPr id="22" name="Left-Right Arrow 21"/>
+          <p:cNvSpPr/>
+          <p:nvPr/>
+        </p:nvSpPr>
+        <p:spPr>
+          <a:xfrm>
+            <a:off x="6934200" y="3810000"/>
+            <a:ext cx="609600" cy="304800"/>
+          </a:xfrm>
+          <a:prstGeom prst="leftRightArrow">
+            <a:avLst/>
+          </a:prstGeom>
+        </p:spPr>
+        <p:style>
+          <a:lnRef idx="2">
+            <a:schemeClr val="accent1">
+              <a:shade val="50000"/>
+            </a:schemeClr>
+          </a:lnRef>
+          <a:fillRef idx="1">
+            <a:schemeClr val="accent1"/>
+          </a:fillRef>
+          <a:effectRef idx="0">
+            <a:schemeClr val="accent1"/>
+          </a:effectRef>
+          <a:fontRef idx="minor">
+            <a:schemeClr val="lt1"/>
+          </a:fontRef>
+        </p:style>
+        <p:txBody>
+          <a:bodyPr rtlCol="0" anchor="ctr"/>
+          <a:lstStyle/>
+          <a:p>
+            <a:pPr algn="ctr"/>
+            <a:endParaRPr lang="en-US"/>
+          </a:p>
+        </p:txBody>
+      </p:sp>
+      <p:sp>
+        <p:nvSpPr>
+          <p:cNvPr id="23" name="TextBox 22"/>
+          <p:cNvSpPr txBox="1"/>
+          <p:nvPr/>
+        </p:nvSpPr>
+        <p:spPr>
+          <a:xfrm>
+            <a:off x="7239000" y="1600200"/>
+            <a:ext cx="1371600" cy="584775"/>
+          </a:xfrm>
+          <a:prstGeom prst="rect">
+            <a:avLst/>
+          </a:prstGeom>
+          <a:noFill/>
+          <a:ln>
+            <a:noFill/>
+          </a:ln>
+        </p:spPr>
+        <p:txBody>
+          <a:bodyPr wrap="square" rtlCol="0">
+            <a:spAutoFit/>
+          </a:bodyPr>
+          <a:lstStyle/>
+          <a:p>
+            <a:pPr algn="ctr"/>
+            <a:r>
+              <a:rPr lang="en-US" sz="1600" dirty="0" smtClean="0"/>
+              <a:t>User Interface module</a:t>
+            </a:r>
+            <a:endParaRPr lang="en-US" sz="1600" dirty="0"/>
+          </a:p>
+        </p:txBody>
+      </p:sp>
+      <p:cxnSp>
+        <p:nvCxnSpPr>
+          <p:cNvPr id="27" name="Straight Arrow Connector 26"/>
+          <p:cNvCxnSpPr/>
+          <p:nvPr/>
+        </p:nvCxnSpPr>
+        <p:spPr>
+          <a:xfrm rot="10800000" flipV="1">
+            <a:off x="7010400" y="1905000"/>
+            <a:ext cx="381000" cy="228601"/>
+          </a:xfrm>
+          <a:prstGeom prst="straightConnector1">
+            <a:avLst/>
+          </a:prstGeom>
+          <a:ln>
+            <a:solidFill>
+              <a:srgbClr val="0070C0"/>
+            </a:solidFill>
+            <a:tailEnd type="arrow"/>
+          </a:ln>
+        </p:spPr>
+        <p:style>
+          <a:lnRef idx="1">
+            <a:schemeClr val="accent1"/>
+          </a:lnRef>
+          <a:fillRef idx="0">
+            <a:schemeClr val="accent1"/>
+          </a:fillRef>
+          <a:effectRef idx="0">
+            <a:schemeClr val="accent1"/>
+          </a:effectRef>
+          <a:fontRef idx="minor">
+            <a:schemeClr val="tx1"/>
+          </a:fontRef>
+        </p:style>
+      </p:cxnSp>
+    </p:spTree>
+  </p:cSld>
+  <p:clrMapOvr>
+    <a:masterClrMapping/>
+  </p:clrMapOvr>
+</p:sld>
+</file>
+
+<file path=ppt/slides/slide27.xml><?xml version="1.0" encoding="utf-8"?>
+<p:sld xmlns:a="http://schemas.openxmlformats.org/drawingml/2006/main" xmlns:r="http://schemas.openxmlformats.org/officeDocument/2006/relationships" xmlns:p="http://schemas.openxmlformats.org/presentationml/2006/main">
+  <p:cSld>
+    <p:spTree>
+      <p:nvGrpSpPr>
+        <p:cNvPr id="1" name=""/>
+        <p:cNvGrpSpPr/>
+        <p:nvPr/>
+      </p:nvGrpSpPr>
+      <p:grpSpPr>
+        <a:xfrm>
+          <a:off x="0" y="0"/>
+          <a:ext cx="0" cy="0"/>
+          <a:chOff x="0" y="0"/>
+          <a:chExt cx="0" cy="0"/>
+        </a:xfrm>
+      </p:grpSpPr>
+      <p:sp>
+        <p:nvSpPr>
+          <p:cNvPr id="2" name="Title 1"/>
+          <p:cNvSpPr>
+            <a:spLocks noGrp="1"/>
+          </p:cNvSpPr>
+          <p:nvPr>
+            <p:ph type="title"/>
+          </p:nvPr>
+        </p:nvSpPr>
+        <p:spPr/>
+        <p:txBody>
+          <a:bodyPr>
+            <a:normAutofit fontScale="90000"/>
+          </a:bodyPr>
+          <a:lstStyle/>
+          <a:p>
+            <a:r>
+              <a:rPr lang="en-US" dirty="0" smtClean="0"/>
+              <a:t>User Interface Module:</a:t>
+            </a:r>
+            <a:br>
+              <a:rPr lang="en-US" dirty="0" smtClean="0"/>
+            </a:br>
+            <a:r>
+              <a:rPr lang="en-US" dirty="0" smtClean="0"/>
+              <a:t>Model</a:t>
+            </a:r>
+            <a:endParaRPr lang="en-US" dirty="0"/>
+          </a:p>
+        </p:txBody>
+      </p:sp>
+      <p:sp>
+        <p:nvSpPr>
+          <p:cNvPr id="6" name="Slide Number Placeholder 5"/>
+          <p:cNvSpPr>
+            <a:spLocks noGrp="1"/>
+          </p:cNvSpPr>
+          <p:nvPr>
+            <p:ph type="sldNum" sz="quarter" idx="12"/>
+          </p:nvPr>
+        </p:nvSpPr>
+        <p:spPr/>
+        <p:txBody>
+          <a:bodyPr/>
+          <a:lstStyle/>
+          <a:p>
+            <a:fld id="{B6F15528-21DE-4FAA-801E-634DDDAF4B2B}" type="slidenum">
+              <a:rPr lang="en-US" smtClean="0"/>
+              <a:pPr/>
+              <a:t>27</a:t>
+            </a:fld>
+            <a:endParaRPr lang="en-US" dirty="0"/>
+          </a:p>
+        </p:txBody>
+      </p:sp>
+      <p:pic>
+        <p:nvPicPr>
+          <p:cNvPr id="4" name="Picture 3" descr="UI_model.PNG"/>
+          <p:cNvPicPr>
+            <a:picLocks noChangeAspect="1"/>
+          </p:cNvPicPr>
+          <p:nvPr/>
+        </p:nvPicPr>
+        <p:blipFill>
+          <a:blip r:embed="rId2" cstate="print"/>
+          <a:stretch>
+            <a:fillRect/>
+          </a:stretch>
+        </p:blipFill>
+        <p:spPr>
+          <a:xfrm>
+            <a:off x="531224" y="1552574"/>
+            <a:ext cx="8003176" cy="4376737"/>
+          </a:xfrm>
+          <a:prstGeom prst="rect">
+            <a:avLst/>
+          </a:prstGeom>
+        </p:spPr>
+      </p:pic>
+      <p:pic>
+        <p:nvPicPr>
+          <p:cNvPr id="5" name="Picture 4" descr="logo.jpg"/>
+          <p:cNvPicPr>
+            <a:picLocks noChangeAspect="1"/>
+          </p:cNvPicPr>
+          <p:nvPr/>
+        </p:nvPicPr>
+        <p:blipFill>
+          <a:blip r:embed="rId3" cstate="print"/>
+          <a:stretch>
+            <a:fillRect/>
+          </a:stretch>
+        </p:blipFill>
+        <p:spPr>
+          <a:xfrm>
+            <a:off x="7956253" y="0"/>
+            <a:ext cx="1187747" cy="1328738"/>
+          </a:xfrm>
+          <a:prstGeom prst="rect">
+            <a:avLst/>
+          </a:prstGeom>
+        </p:spPr>
+      </p:pic>
+    </p:spTree>
+  </p:cSld>
+  <p:clrMapOvr>
+    <a:masterClrMapping/>
+  </p:clrMapOvr>
+  <p:timing>
+    <p:tnLst>
+      <p:par>
+        <p:cTn id="1" dur="indefinite" restart="never" nodeType="tmRoot"/>
+      </p:par>
+    </p:tnLst>
+  </p:timing>
+</p:sld>
+</file>
+
+<file path=ppt/slides/slide28.xml><?xml version="1.0" encoding="utf-8"?>
+<p:sld xmlns:a="http://schemas.openxmlformats.org/drawingml/2006/main" xmlns:r="http://schemas.openxmlformats.org/officeDocument/2006/relationships" xmlns:p="http://schemas.openxmlformats.org/presentationml/2006/main">
+  <p:cSld>
+    <p:spTree>
+      <p:nvGrpSpPr>
+        <p:cNvPr id="1" name=""/>
+        <p:cNvGrpSpPr/>
+        <p:nvPr/>
+      </p:nvGrpSpPr>
+      <p:grpSpPr>
+        <a:xfrm>
+          <a:off x="0" y="0"/>
+          <a:ext cx="0" cy="0"/>
+          <a:chOff x="0" y="0"/>
+          <a:chExt cx="0" cy="0"/>
+        </a:xfrm>
+      </p:grpSpPr>
+      <p:sp>
+        <p:nvSpPr>
+          <p:cNvPr id="4" name="Title 1"/>
+          <p:cNvSpPr>
+            <a:spLocks noGrp="1"/>
+          </p:cNvSpPr>
+          <p:nvPr>
+            <p:ph type="title"/>
+          </p:nvPr>
+        </p:nvSpPr>
+        <p:spPr/>
+        <p:txBody>
+          <a:bodyPr>
+            <a:normAutofit fontScale="90000"/>
+          </a:bodyPr>
+          <a:lstStyle/>
+          <a:p>
+            <a:r>
+              <a:rPr lang="en-US" dirty="0" smtClean="0"/>
+              <a:t>User Interface Module</a:t>
+            </a:r>
+            <a:br>
+              <a:rPr lang="en-US" dirty="0" smtClean="0"/>
+            </a:br>
+            <a:r>
+              <a:rPr lang="en-US" dirty="0" smtClean="0"/>
+              <a:t>Conclusion</a:t>
+            </a:r>
+            <a:endParaRPr lang="en-US" dirty="0"/>
+          </a:p>
+        </p:txBody>
+      </p:sp>
+      <p:sp>
+        <p:nvSpPr>
+          <p:cNvPr id="6" name="Content Placeholder 2"/>
+          <p:cNvSpPr>
+            <a:spLocks noGrp="1"/>
+          </p:cNvSpPr>
+          <p:nvPr>
+            <p:ph idx="1"/>
+          </p:nvPr>
+        </p:nvSpPr>
+        <p:spPr/>
+        <p:txBody>
+          <a:bodyPr>
+            <a:normAutofit lnSpcReduction="10000"/>
+          </a:bodyPr>
+          <a:lstStyle/>
+          <a:p>
+            <a:r>
+              <a:rPr lang="en-US" dirty="0" smtClean="0"/>
+              <a:t>The User Interface module is what enables the application to respond to the user’s actions.</a:t>
+            </a:r>
+          </a:p>
+          <a:p>
+            <a:r>
+              <a:rPr lang="en-US" dirty="0" smtClean="0"/>
+              <a:t>By communicating with the game mechanics and database modules, the User Interface shares, with the user, data necessary to configure the game</a:t>
+            </a:r>
+          </a:p>
+          <a:p>
+            <a:r>
+              <a:rPr lang="en-US" dirty="0" smtClean="0"/>
+              <a:t>The User Interface module does not display graphics of the active battle, but rather provides the space to view the battle.</a:t>
+            </a:r>
+            <a:endParaRPr lang="en-US" dirty="0"/>
+          </a:p>
+        </p:txBody>
+      </p:sp>
+      <p:sp>
+        <p:nvSpPr>
+          <p:cNvPr id="7" name="Slide Number Placeholder 6"/>
+          <p:cNvSpPr>
+            <a:spLocks noGrp="1"/>
+          </p:cNvSpPr>
+          <p:nvPr>
+            <p:ph type="sldNum" sz="quarter" idx="12"/>
+          </p:nvPr>
+        </p:nvSpPr>
+        <p:spPr/>
+        <p:txBody>
+          <a:bodyPr/>
+          <a:lstStyle/>
+          <a:p>
+            <a:fld id="{B6F15528-21DE-4FAA-801E-634DDDAF4B2B}" type="slidenum">
+              <a:rPr lang="en-US" smtClean="0"/>
+              <a:pPr/>
+              <a:t>28</a:t>
+            </a:fld>
+            <a:endParaRPr lang="en-US" dirty="0"/>
+          </a:p>
+        </p:txBody>
+      </p:sp>
+      <p:pic>
+        <p:nvPicPr>
+          <p:cNvPr id="5" name="Picture 4" descr="logo.jpg"/>
+          <p:cNvPicPr>
+            <a:picLocks noChangeAspect="1"/>
+          </p:cNvPicPr>
+          <p:nvPr/>
+        </p:nvPicPr>
+        <p:blipFill>
+          <a:blip r:embed="rId2" cstate="print"/>
+          <a:stretch>
+            <a:fillRect/>
+          </a:stretch>
+        </p:blipFill>
+        <p:spPr>
+          <a:xfrm>
+            <a:off x="7956253" y="0"/>
+            <a:ext cx="1187747" cy="1328738"/>
+          </a:xfrm>
+          <a:prstGeom prst="rect">
+            <a:avLst/>
+          </a:prstGeom>
+        </p:spPr>
+      </p:pic>
+    </p:spTree>
+  </p:cSld>
+  <p:clrMapOvr>
+    <a:masterClrMapping/>
+  </p:clrMapOvr>
+  <p:timing>
+    <p:tnLst>
+      <p:par>
+        <p:cTn id="1" dur="indefinite" restart="never" nodeType="tmRoot"/>
+      </p:par>
+    </p:tnLst>
+  </p:timing>
+</p:sld>
+</file>
+
+<file path=ppt/slides/slide29.xml><?xml version="1.0" encoding="utf-8"?>
+<p:sld xmlns:a="http://schemas.openxmlformats.org/drawingml/2006/main" xmlns:r="http://schemas.openxmlformats.org/officeDocument/2006/relationships" xmlns:p="http://schemas.openxmlformats.org/presentationml/2006/main">
+  <p:cSld>
+    <p:spTree>
+      <p:nvGrpSpPr>
+        <p:cNvPr id="1" name=""/>
+        <p:cNvGrpSpPr/>
+        <p:nvPr/>
+      </p:nvGrpSpPr>
+      <p:grpSpPr>
+        <a:xfrm>
+          <a:off x="0" y="0"/>
+          <a:ext cx="0" cy="0"/>
+          <a:chOff x="0" y="0"/>
+          <a:chExt cx="0" cy="0"/>
+        </a:xfrm>
+      </p:grpSpPr>
+      <p:sp>
+        <p:nvSpPr>
+          <p:cNvPr id="2" name="Title 1"/>
+          <p:cNvSpPr>
+            <a:spLocks noGrp="1"/>
+          </p:cNvSpPr>
+          <p:nvPr>
+            <p:ph type="title"/>
+          </p:nvPr>
+        </p:nvSpPr>
+        <p:spPr/>
+        <p:txBody>
+          <a:bodyPr>
+            <a:normAutofit/>
+          </a:bodyPr>
+          <a:lstStyle/>
+          <a:p>
+            <a:r>
+              <a:rPr lang="en-US" dirty="0" smtClean="0"/>
+              <a:t>User Interface Module</a:t>
+            </a:r>
+            <a:br>
+              <a:rPr lang="en-US" dirty="0" smtClean="0"/>
+            </a:br>
+            <a:r>
+              <a:rPr lang="en-US" sz="2700" dirty="0" err="1" smtClean="0"/>
+              <a:t>Qwizard</a:t>
+            </a:r>
+            <a:r>
+              <a:rPr lang="en-US" sz="2700" dirty="0" smtClean="0"/>
+              <a:t> and </a:t>
+            </a:r>
+            <a:r>
+              <a:rPr lang="en-US" sz="2700" dirty="0" err="1" smtClean="0"/>
+              <a:t>QWzardPage</a:t>
+            </a:r>
+            <a:r>
+              <a:rPr lang="en-US" sz="2700" dirty="0" smtClean="0"/>
+              <a:t> Classes</a:t>
+            </a:r>
+            <a:endParaRPr lang="en-US" sz="2700" dirty="0"/>
+          </a:p>
+        </p:txBody>
+      </p:sp>
+      <p:sp>
+        <p:nvSpPr>
+          <p:cNvPr id="4" name="Slide Number Placeholder 3"/>
+          <p:cNvSpPr>
+            <a:spLocks noGrp="1"/>
+          </p:cNvSpPr>
+          <p:nvPr>
+            <p:ph type="sldNum" sz="quarter" idx="12"/>
+          </p:nvPr>
+        </p:nvSpPr>
+        <p:spPr/>
+        <p:txBody>
+          <a:bodyPr/>
+          <a:lstStyle/>
+          <a:p>
+            <a:fld id="{B6F15528-21DE-4FAA-801E-634DDDAF4B2B}" type="slidenum">
+              <a:rPr lang="en-US" smtClean="0"/>
+              <a:pPr/>
+              <a:t>29</a:t>
+            </a:fld>
+            <a:endParaRPr lang="en-US" dirty="0"/>
+          </a:p>
+        </p:txBody>
+      </p:sp>
+      <p:pic>
+        <p:nvPicPr>
+          <p:cNvPr id="5" name="Picture 4" descr="RecruitUnitsPage2.PNG"/>
+          <p:cNvPicPr>
+            <a:picLocks noChangeAspect="1"/>
+          </p:cNvPicPr>
+          <p:nvPr/>
+        </p:nvPicPr>
+        <p:blipFill>
+          <a:blip r:embed="rId2" cstate="print"/>
+          <a:stretch>
+            <a:fillRect/>
+          </a:stretch>
+        </p:blipFill>
+        <p:spPr>
+          <a:xfrm>
+            <a:off x="1905000" y="2057400"/>
+            <a:ext cx="4886325" cy="3790950"/>
+          </a:xfrm>
+          <a:prstGeom prst="rect">
+            <a:avLst/>
+          </a:prstGeom>
+        </p:spPr>
+      </p:pic>
+      <p:sp>
+        <p:nvSpPr>
+          <p:cNvPr id="6" name="Rectangle 5"/>
+          <p:cNvSpPr/>
+          <p:nvPr/>
+        </p:nvSpPr>
+        <p:spPr>
+          <a:xfrm>
+            <a:off x="1981200" y="2362200"/>
+            <a:ext cx="4724400" cy="2971800"/>
+          </a:xfrm>
+          <a:prstGeom prst="rect">
+            <a:avLst/>
+          </a:prstGeom>
+          <a:noFill/>
+          <a:ln>
+            <a:solidFill>
+              <a:srgbClr val="FF0000"/>
+            </a:solidFill>
+          </a:ln>
+        </p:spPr>
+        <p:style>
+          <a:lnRef idx="2">
+            <a:schemeClr val="accent1">
+              <a:shade val="50000"/>
+            </a:schemeClr>
+          </a:lnRef>
+          <a:fillRef idx="1">
+            <a:schemeClr val="accent1"/>
+          </a:fillRef>
+          <a:effectRef idx="0">
+            <a:schemeClr val="accent1"/>
+          </a:effectRef>
+          <a:fontRef idx="minor">
+            <a:schemeClr val="lt1"/>
+          </a:fontRef>
+        </p:style>
+        <p:txBody>
+          <a:bodyPr rtlCol="0" anchor="ctr"/>
+          <a:lstStyle/>
+          <a:p>
+            <a:pPr algn="ctr"/>
+            <a:endParaRPr lang="en-US"/>
+          </a:p>
+        </p:txBody>
+      </p:sp>
+      <p:sp>
+        <p:nvSpPr>
+          <p:cNvPr id="7" name="TextBox 6"/>
+          <p:cNvSpPr txBox="1"/>
+          <p:nvPr/>
+        </p:nvSpPr>
+        <p:spPr>
+          <a:xfrm>
+            <a:off x="7010400" y="2971800"/>
+            <a:ext cx="1600200" cy="369332"/>
+          </a:xfrm>
+          <a:prstGeom prst="rect">
+            <a:avLst/>
+          </a:prstGeom>
+          <a:noFill/>
+        </p:spPr>
+        <p:txBody>
+          <a:bodyPr wrap="square" rtlCol="0">
+            <a:spAutoFit/>
+          </a:bodyPr>
+          <a:lstStyle/>
+          <a:p>
+            <a:r>
+              <a:rPr lang="en-US" dirty="0" err="1" smtClean="0"/>
+              <a:t>QWizardPage</a:t>
+            </a:r>
+            <a:endParaRPr lang="en-US" dirty="0"/>
+          </a:p>
+        </p:txBody>
+      </p:sp>
+      <p:sp>
+        <p:nvSpPr>
+          <p:cNvPr id="8" name="Rectangle 7"/>
+          <p:cNvSpPr/>
+          <p:nvPr/>
+        </p:nvSpPr>
+        <p:spPr>
+          <a:xfrm>
+            <a:off x="7010400" y="2971800"/>
+            <a:ext cx="1447800" cy="457200"/>
+          </a:xfrm>
+          <a:prstGeom prst="rect">
+            <a:avLst/>
+          </a:prstGeom>
+          <a:noFill/>
+          <a:ln>
+            <a:solidFill>
+              <a:srgbClr val="FF0000"/>
+            </a:solidFill>
+          </a:ln>
+        </p:spPr>
+        <p:style>
+          <a:lnRef idx="2">
+            <a:schemeClr val="accent1">
+              <a:shade val="50000"/>
+            </a:schemeClr>
+          </a:lnRef>
+          <a:fillRef idx="1">
+            <a:schemeClr val="accent1"/>
+          </a:fillRef>
+          <a:effectRef idx="0">
+            <a:schemeClr val="accent1"/>
+          </a:effectRef>
+          <a:fontRef idx="minor">
+            <a:schemeClr val="lt1"/>
+          </a:fontRef>
+        </p:style>
+        <p:txBody>
+          <a:bodyPr rtlCol="0" anchor="ctr"/>
+          <a:lstStyle/>
+          <a:p>
+            <a:pPr algn="ctr"/>
+            <a:endParaRPr lang="en-US"/>
+          </a:p>
+        </p:txBody>
+      </p:sp>
+      <p:sp>
+        <p:nvSpPr>
+          <p:cNvPr id="9" name="Rectangle 8"/>
+          <p:cNvSpPr/>
+          <p:nvPr/>
+        </p:nvSpPr>
+        <p:spPr>
+          <a:xfrm>
+            <a:off x="1905000" y="2057400"/>
+            <a:ext cx="4876800" cy="3810000"/>
+          </a:xfrm>
+          <a:prstGeom prst="rect">
+            <a:avLst/>
+          </a:prstGeom>
+          <a:noFill/>
+          <a:ln>
+            <a:solidFill>
+              <a:srgbClr val="FFFF00"/>
+            </a:solidFill>
+          </a:ln>
+        </p:spPr>
+        <p:style>
+          <a:lnRef idx="2">
+            <a:schemeClr val="accent1">
+              <a:shade val="50000"/>
+            </a:schemeClr>
+          </a:lnRef>
+          <a:fillRef idx="1">
+            <a:schemeClr val="accent1"/>
+          </a:fillRef>
+          <a:effectRef idx="0">
+            <a:schemeClr val="accent1"/>
+          </a:effectRef>
+          <a:fontRef idx="minor">
+            <a:schemeClr val="lt1"/>
+          </a:fontRef>
+        </p:style>
+        <p:txBody>
+          <a:bodyPr rtlCol="0" anchor="ctr"/>
+          <a:lstStyle/>
+          <a:p>
+            <a:pPr algn="ctr"/>
+            <a:endParaRPr lang="en-US"/>
+          </a:p>
+        </p:txBody>
+      </p:sp>
+      <p:sp>
+        <p:nvSpPr>
+          <p:cNvPr id="10" name="TextBox 9"/>
+          <p:cNvSpPr txBox="1"/>
+          <p:nvPr/>
+        </p:nvSpPr>
+        <p:spPr>
+          <a:xfrm>
+            <a:off x="7162800" y="2209800"/>
+            <a:ext cx="1066800" cy="369332"/>
+          </a:xfrm>
+          <a:prstGeom prst="rect">
+            <a:avLst/>
+          </a:prstGeom>
+          <a:noFill/>
+        </p:spPr>
+        <p:txBody>
+          <a:bodyPr wrap="square" rtlCol="0">
+            <a:spAutoFit/>
+          </a:bodyPr>
+          <a:lstStyle/>
+          <a:p>
+            <a:r>
+              <a:rPr lang="en-US" dirty="0" err="1" smtClean="0"/>
+              <a:t>QWizard</a:t>
+            </a:r>
+            <a:endParaRPr lang="en-US" dirty="0"/>
+          </a:p>
+        </p:txBody>
+      </p:sp>
+      <p:sp>
+        <p:nvSpPr>
+          <p:cNvPr id="11" name="Rectangle 10"/>
+          <p:cNvSpPr/>
+          <p:nvPr/>
+        </p:nvSpPr>
+        <p:spPr>
+          <a:xfrm>
+            <a:off x="7162800" y="2209800"/>
+            <a:ext cx="990600" cy="457200"/>
+          </a:xfrm>
+          <a:prstGeom prst="rect">
+            <a:avLst/>
+          </a:prstGeom>
+          <a:noFill/>
+          <a:ln>
+            <a:solidFill>
+              <a:srgbClr val="FFFF00"/>
+            </a:solidFill>
+          </a:ln>
+        </p:spPr>
+        <p:style>
+          <a:lnRef idx="2">
+            <a:schemeClr val="accent1">
+              <a:shade val="50000"/>
+            </a:schemeClr>
+          </a:lnRef>
+          <a:fillRef idx="1">
+            <a:schemeClr val="accent1"/>
+          </a:fillRef>
+          <a:effectRef idx="0">
+            <a:schemeClr val="accent1"/>
+          </a:effectRef>
+          <a:fontRef idx="minor">
+            <a:schemeClr val="lt1"/>
+          </a:fontRef>
+        </p:style>
+        <p:txBody>
+          <a:bodyPr rtlCol="0" anchor="ctr"/>
+          <a:lstStyle/>
+          <a:p>
+            <a:pPr algn="ctr"/>
+            <a:endParaRPr lang="en-US"/>
+          </a:p>
+        </p:txBody>
+      </p:sp>
+    </p:spTree>
+  </p:cSld>
+  <p:clrMapOvr>
+    <a:masterClrMapping/>
+  </p:clrMapOvr>
+</p:sld>
+</file>
+
+<file path=ppt/slides/slide3.xml><?xml version="1.0" encoding="utf-8"?>
+<p:sld xmlns:a="http://schemas.openxmlformats.org/drawingml/2006/main" xmlns:r="http://schemas.openxmlformats.org/officeDocument/2006/relationships" xmlns:p="http://schemas.openxmlformats.org/presentationml/2006/main">
+  <p:cSld>
+    <p:spTree>
+      <p:nvGrpSpPr>
+        <p:cNvPr id="1" name=""/>
+        <p:cNvGrpSpPr/>
+        <p:nvPr/>
+      </p:nvGrpSpPr>
+      <p:grpSpPr>
+        <a:xfrm>
+          <a:off x="0" y="0"/>
+          <a:ext cx="0" cy="0"/>
+          <a:chOff x="0" y="0"/>
+          <a:chExt cx="0" cy="0"/>
+        </a:xfrm>
+      </p:grpSpPr>
+      <p:sp>
+        <p:nvSpPr>
+          <p:cNvPr id="2" name="Title 1"/>
+          <p:cNvSpPr>
+            <a:spLocks noGrp="1"/>
+          </p:cNvSpPr>
+          <p:nvPr>
+            <p:ph type="title"/>
+          </p:nvPr>
+        </p:nvSpPr>
+        <p:spPr/>
+        <p:txBody>
+          <a:bodyPr/>
+          <a:lstStyle/>
+          <a:p>
+            <a:r>
+              <a:rPr lang="en-US" dirty="0" smtClean="0"/>
+              <a:t>The Overview</a:t>
+            </a:r>
+            <a:endParaRPr lang="en-US" dirty="0"/>
+          </a:p>
+        </p:txBody>
+      </p:sp>
+      <p:sp>
+        <p:nvSpPr>
+          <p:cNvPr id="3" name="Content Placeholder 2"/>
+          <p:cNvSpPr>
+            <a:spLocks noGrp="1"/>
+          </p:cNvSpPr>
+          <p:nvPr>
+            <p:ph idx="1"/>
+          </p:nvPr>
+        </p:nvSpPr>
+        <p:spPr/>
+        <p:txBody>
+          <a:bodyPr/>
+          <a:lstStyle/>
+          <a:p>
+            <a:r>
+              <a:rPr lang="en-US" dirty="0" smtClean="0"/>
+              <a:t>  Game Description</a:t>
+            </a:r>
+          </a:p>
+          <a:p>
+            <a:pPr lvl="1"/>
+            <a:r>
+              <a:rPr lang="en-US" dirty="0" smtClean="0"/>
+              <a:t>Details</a:t>
+            </a:r>
+          </a:p>
+          <a:p>
+            <a:pPr lvl="1"/>
+            <a:r>
+              <a:rPr lang="en-US" dirty="0" smtClean="0"/>
+              <a:t>Game flow, battle flow</a:t>
+            </a:r>
+          </a:p>
+          <a:p>
+            <a:r>
+              <a:rPr lang="en-US" dirty="0" smtClean="0"/>
+              <a:t>Tools</a:t>
+            </a:r>
+          </a:p>
+          <a:p>
+            <a:r>
+              <a:rPr lang="en-US" dirty="0" smtClean="0"/>
+              <a:t>Module Breakdown</a:t>
+            </a:r>
+          </a:p>
+        </p:txBody>
+      </p:sp>
+      <p:sp>
+        <p:nvSpPr>
+          <p:cNvPr id="5" name="Slide Number Placeholder 4"/>
+          <p:cNvSpPr>
+            <a:spLocks noGrp="1"/>
+          </p:cNvSpPr>
+          <p:nvPr>
+            <p:ph type="sldNum" sz="quarter" idx="12"/>
+          </p:nvPr>
+        </p:nvSpPr>
+        <p:spPr/>
+        <p:txBody>
+          <a:bodyPr/>
+          <a:lstStyle/>
+          <a:p>
+            <a:fld id="{B6F15528-21DE-4FAA-801E-634DDDAF4B2B}" type="slidenum">
+              <a:rPr lang="en-US" smtClean="0"/>
+              <a:pPr/>
+              <a:t>3</a:t>
+            </a:fld>
+            <a:endParaRPr lang="en-US" dirty="0"/>
+          </a:p>
+        </p:txBody>
+      </p:sp>
+      <p:pic>
+        <p:nvPicPr>
+          <p:cNvPr id="4" name="Picture 3" descr="logo.jpg"/>
+          <p:cNvPicPr>
+            <a:picLocks noChangeAspect="1"/>
+          </p:cNvPicPr>
+          <p:nvPr/>
+        </p:nvPicPr>
+        <p:blipFill>
+          <a:blip r:embed="rId2" cstate="print"/>
+          <a:stretch>
+            <a:fillRect/>
+          </a:stretch>
+        </p:blipFill>
+        <p:spPr>
+          <a:xfrm>
+            <a:off x="7956253" y="0"/>
+            <a:ext cx="1187747" cy="1328738"/>
+          </a:xfrm>
+          <a:prstGeom prst="rect">
+            <a:avLst/>
+          </a:prstGeom>
+        </p:spPr>
+      </p:pic>
+    </p:spTree>
+  </p:cSld>
+  <p:clrMapOvr>
+    <a:masterClrMapping/>
+  </p:clrMapOvr>
+  <p:timing>
+    <p:tnLst>
+      <p:par>
+        <p:cTn id="1" dur="indefinite" restart="never" nodeType="tmRoot"/>
+      </p:par>
+    </p:tnLst>
+  </p:timing>
+</p:sld>
+</file>
+
+<file path=ppt/slides/slide30.xml><?xml version="1.0" encoding="utf-8"?>
+<p:sld xmlns:a="http://schemas.openxmlformats.org/drawingml/2006/main" xmlns:r="http://schemas.openxmlformats.org/officeDocument/2006/relationships" xmlns:p="http://schemas.openxmlformats.org/presentationml/2006/main">
+  <p:cSld>
+    <p:spTree>
+      <p:nvGrpSpPr>
+        <p:cNvPr id="1" name=""/>
+        <p:cNvGrpSpPr/>
+        <p:nvPr/>
+      </p:nvGrpSpPr>
+      <p:grpSpPr>
+        <a:xfrm>
+          <a:off x="0" y="0"/>
+          <a:ext cx="0" cy="0"/>
+          <a:chOff x="0" y="0"/>
+          <a:chExt cx="0" cy="0"/>
+        </a:xfrm>
+      </p:grpSpPr>
+      <p:sp>
+        <p:nvSpPr>
+          <p:cNvPr id="2" name="Title 1"/>
+          <p:cNvSpPr>
+            <a:spLocks noGrp="1"/>
+          </p:cNvSpPr>
+          <p:nvPr>
+            <p:ph type="title"/>
+          </p:nvPr>
+        </p:nvSpPr>
+        <p:spPr/>
+        <p:txBody>
+          <a:bodyPr>
+            <a:normAutofit fontScale="90000"/>
+          </a:bodyPr>
+          <a:lstStyle/>
+          <a:p>
+            <a:r>
+              <a:rPr lang="en-US" sz="5000" dirty="0" smtClean="0"/>
+              <a:t>User Interface </a:t>
+            </a:r>
+            <a:r>
+              <a:rPr lang="en-US" sz="5000" dirty="0" smtClean="0"/>
+              <a:t>Module</a:t>
+            </a:r>
+            <a:br>
+              <a:rPr lang="en-US" sz="5000" dirty="0" smtClean="0"/>
+            </a:br>
+            <a:r>
+              <a:rPr lang="en-US" sz="2700" dirty="0" smtClean="0"/>
+              <a:t>New Game Dialog Traversal Paths</a:t>
+            </a:r>
+            <a:endParaRPr lang="en-US" sz="2700" dirty="0"/>
+          </a:p>
+        </p:txBody>
+      </p:sp>
+      <p:sp>
+        <p:nvSpPr>
+          <p:cNvPr id="4" name="Slide Number Placeholder 3"/>
+          <p:cNvSpPr>
+            <a:spLocks noGrp="1"/>
+          </p:cNvSpPr>
+          <p:nvPr>
+            <p:ph type="sldNum" sz="quarter" idx="12"/>
+          </p:nvPr>
+        </p:nvSpPr>
+        <p:spPr/>
+        <p:txBody>
+          <a:bodyPr/>
+          <a:lstStyle/>
+          <a:p>
+            <a:fld id="{B6F15528-21DE-4FAA-801E-634DDDAF4B2B}" type="slidenum">
+              <a:rPr lang="en-US" smtClean="0"/>
+              <a:pPr/>
+              <a:t>30</a:t>
+            </a:fld>
+            <a:endParaRPr lang="en-US" dirty="0"/>
+          </a:p>
+        </p:txBody>
+      </p:sp>
+      <p:pic>
+        <p:nvPicPr>
+          <p:cNvPr id="5" name="Picture 4" descr="SelectModePage.PNG"/>
+          <p:cNvPicPr>
+            <a:picLocks noChangeAspect="1"/>
+          </p:cNvPicPr>
+          <p:nvPr/>
+        </p:nvPicPr>
+        <p:blipFill>
+          <a:blip r:embed="rId3" cstate="print"/>
+          <a:stretch>
+            <a:fillRect/>
+          </a:stretch>
+        </p:blipFill>
+        <p:spPr>
+          <a:xfrm>
+            <a:off x="5410200" y="3429000"/>
+            <a:ext cx="1465898" cy="1137285"/>
+          </a:xfrm>
+          <a:prstGeom prst="rect">
+            <a:avLst/>
+          </a:prstGeom>
+        </p:spPr>
+      </p:pic>
+      <p:pic>
+        <p:nvPicPr>
+          <p:cNvPr id="6" name="Picture 5" descr="CreatePlayerPage.PNG"/>
+          <p:cNvPicPr>
+            <a:picLocks noChangeAspect="1"/>
+          </p:cNvPicPr>
+          <p:nvPr/>
+        </p:nvPicPr>
+        <p:blipFill>
+          <a:blip r:embed="rId4" cstate="print"/>
+          <a:stretch>
+            <a:fillRect/>
+          </a:stretch>
+        </p:blipFill>
+        <p:spPr>
+          <a:xfrm>
+            <a:off x="1676400" y="5257800"/>
+            <a:ext cx="1465898" cy="1137285"/>
+          </a:xfrm>
+          <a:prstGeom prst="rect">
+            <a:avLst/>
+          </a:prstGeom>
+        </p:spPr>
+      </p:pic>
+      <p:pic>
+        <p:nvPicPr>
+          <p:cNvPr id="7" name="Picture 6" descr="LoadPlayerPage.PNG"/>
+          <p:cNvPicPr>
+            <a:picLocks noChangeAspect="1"/>
+          </p:cNvPicPr>
+          <p:nvPr/>
+        </p:nvPicPr>
+        <p:blipFill>
+          <a:blip r:embed="rId5" cstate="print"/>
+          <a:stretch>
+            <a:fillRect/>
+          </a:stretch>
+        </p:blipFill>
+        <p:spPr>
+          <a:xfrm>
+            <a:off x="1676400" y="1676400"/>
+            <a:ext cx="1465898" cy="1137285"/>
+          </a:xfrm>
+          <a:prstGeom prst="rect">
+            <a:avLst/>
+          </a:prstGeom>
+        </p:spPr>
+      </p:pic>
+      <p:pic>
+        <p:nvPicPr>
+          <p:cNvPr id="8" name="Picture 7" descr="NewGameConclusionPage.PNG"/>
+          <p:cNvPicPr>
+            <a:picLocks noChangeAspect="1"/>
+          </p:cNvPicPr>
+          <p:nvPr/>
+        </p:nvPicPr>
+        <p:blipFill>
+          <a:blip r:embed="rId6" cstate="print"/>
+          <a:stretch>
+            <a:fillRect/>
+          </a:stretch>
+        </p:blipFill>
+        <p:spPr>
+          <a:xfrm>
+            <a:off x="7543800" y="3429000"/>
+            <a:ext cx="1465898" cy="1137285"/>
+          </a:xfrm>
+          <a:prstGeom prst="rect">
+            <a:avLst/>
+          </a:prstGeom>
+        </p:spPr>
+      </p:pic>
+      <p:pic>
+        <p:nvPicPr>
+          <p:cNvPr id="9" name="Picture 8" descr="NewGameIntroPage.PNG"/>
+          <p:cNvPicPr>
+            <a:picLocks noChangeAspect="1"/>
+          </p:cNvPicPr>
+          <p:nvPr/>
+        </p:nvPicPr>
+        <p:blipFill>
+          <a:blip r:embed="rId7" cstate="print"/>
+          <a:stretch>
+            <a:fillRect/>
+          </a:stretch>
+        </p:blipFill>
+        <p:spPr>
+          <a:xfrm>
+            <a:off x="76200" y="3429000"/>
+            <a:ext cx="1465898" cy="1137285"/>
+          </a:xfrm>
+          <a:prstGeom prst="rect">
+            <a:avLst/>
+          </a:prstGeom>
+        </p:spPr>
+      </p:pic>
+      <p:pic>
+        <p:nvPicPr>
+          <p:cNvPr id="10" name="Picture 9" descr="RecruitUnitsPage.PNG"/>
+          <p:cNvPicPr>
+            <a:picLocks noChangeAspect="1"/>
+          </p:cNvPicPr>
+          <p:nvPr/>
+        </p:nvPicPr>
+        <p:blipFill>
+          <a:blip r:embed="rId8" cstate="print"/>
+          <a:stretch>
+            <a:fillRect/>
+          </a:stretch>
+        </p:blipFill>
+        <p:spPr>
+          <a:xfrm>
+            <a:off x="3276600" y="3429000"/>
+            <a:ext cx="1465898" cy="1137285"/>
+          </a:xfrm>
+          <a:prstGeom prst="rect">
+            <a:avLst/>
+          </a:prstGeom>
+        </p:spPr>
+      </p:pic>
+      <p:pic>
+        <p:nvPicPr>
+          <p:cNvPr id="12" name="Picture 11" descr="SelectMapPage.PNG"/>
+          <p:cNvPicPr>
+            <a:picLocks noChangeAspect="1"/>
+          </p:cNvPicPr>
+          <p:nvPr/>
+        </p:nvPicPr>
+        <p:blipFill>
+          <a:blip r:embed="rId9" cstate="print"/>
+          <a:stretch>
+            <a:fillRect/>
+          </a:stretch>
+        </p:blipFill>
+        <p:spPr>
+          <a:xfrm>
+            <a:off x="6477000" y="1676400"/>
+            <a:ext cx="1465898" cy="1137285"/>
+          </a:xfrm>
+          <a:prstGeom prst="rect">
+            <a:avLst/>
+          </a:prstGeom>
+        </p:spPr>
+      </p:pic>
+      <p:sp>
+        <p:nvSpPr>
+          <p:cNvPr id="13" name="Right Arrow 12"/>
+          <p:cNvSpPr/>
+          <p:nvPr/>
+        </p:nvSpPr>
+        <p:spPr>
+          <a:xfrm rot="18914404">
+            <a:off x="1432183" y="2992595"/>
+            <a:ext cx="774972" cy="274744"/>
+          </a:xfrm>
+          <a:prstGeom prst="rightArrow">
+            <a:avLst/>
+          </a:prstGeom>
+        </p:spPr>
+        <p:style>
+          <a:lnRef idx="2">
+            <a:schemeClr val="accent1">
+              <a:shade val="50000"/>
+            </a:schemeClr>
+          </a:lnRef>
+          <a:fillRef idx="1">
+            <a:schemeClr val="accent1"/>
+          </a:fillRef>
+          <a:effectRef idx="0">
+            <a:schemeClr val="accent1"/>
+          </a:effectRef>
+          <a:fontRef idx="minor">
+            <a:schemeClr val="lt1"/>
+          </a:fontRef>
+        </p:style>
+        <p:txBody>
+          <a:bodyPr rtlCol="0" anchor="ctr"/>
+          <a:lstStyle/>
+          <a:p>
+            <a:pPr algn="ctr"/>
+            <a:endParaRPr lang="en-US"/>
+          </a:p>
+        </p:txBody>
+      </p:sp>
+      <p:sp>
+        <p:nvSpPr>
+          <p:cNvPr id="15" name="Right Arrow 14"/>
+          <p:cNvSpPr/>
+          <p:nvPr/>
+        </p:nvSpPr>
+        <p:spPr>
+          <a:xfrm rot="18914404">
+            <a:off x="6478675" y="2942014"/>
+            <a:ext cx="655677" cy="274744"/>
+          </a:xfrm>
+          <a:prstGeom prst="rightArrow">
+            <a:avLst/>
+          </a:prstGeom>
+        </p:spPr>
+        <p:style>
+          <a:lnRef idx="2">
+            <a:schemeClr val="accent1">
+              <a:shade val="50000"/>
+            </a:schemeClr>
+          </a:lnRef>
+          <a:fillRef idx="1">
+            <a:schemeClr val="accent1"/>
+          </a:fillRef>
+          <a:effectRef idx="0">
+            <a:schemeClr val="accent1"/>
+          </a:effectRef>
+          <a:fontRef idx="minor">
+            <a:schemeClr val="lt1"/>
+          </a:fontRef>
+        </p:style>
+        <p:txBody>
+          <a:bodyPr rtlCol="0" anchor="ctr"/>
+          <a:lstStyle/>
+          <a:p>
+            <a:pPr algn="ctr"/>
+            <a:endParaRPr lang="en-US"/>
+          </a:p>
+        </p:txBody>
+      </p:sp>
+      <p:sp>
+        <p:nvSpPr>
+          <p:cNvPr id="16" name="Right Arrow 15"/>
+          <p:cNvSpPr/>
+          <p:nvPr/>
+        </p:nvSpPr>
+        <p:spPr>
+          <a:xfrm rot="18914404">
+            <a:off x="3032384" y="4805016"/>
+            <a:ext cx="774972" cy="274744"/>
+          </a:xfrm>
+          <a:prstGeom prst="rightArrow">
+            <a:avLst/>
+          </a:prstGeom>
+        </p:spPr>
+        <p:style>
+          <a:lnRef idx="2">
+            <a:schemeClr val="accent1">
+              <a:shade val="50000"/>
+            </a:schemeClr>
+          </a:lnRef>
+          <a:fillRef idx="1">
+            <a:schemeClr val="accent1"/>
+          </a:fillRef>
+          <a:effectRef idx="0">
+            <a:schemeClr val="accent1"/>
+          </a:effectRef>
+          <a:fontRef idx="minor">
+            <a:schemeClr val="lt1"/>
+          </a:fontRef>
+        </p:style>
+        <p:txBody>
+          <a:bodyPr rtlCol="0" anchor="ctr"/>
+          <a:lstStyle/>
+          <a:p>
+            <a:pPr algn="ctr"/>
+            <a:endParaRPr lang="en-US"/>
+          </a:p>
+        </p:txBody>
+      </p:sp>
+      <p:sp>
+        <p:nvSpPr>
+          <p:cNvPr id="17" name="Right Arrow 16"/>
+          <p:cNvSpPr/>
+          <p:nvPr/>
+        </p:nvSpPr>
+        <p:spPr>
+          <a:xfrm>
+            <a:off x="6934200" y="3810000"/>
+            <a:ext cx="533400" cy="274744"/>
+          </a:xfrm>
+          <a:prstGeom prst="rightArrow">
+            <a:avLst/>
+          </a:prstGeom>
+        </p:spPr>
+        <p:style>
+          <a:lnRef idx="2">
+            <a:schemeClr val="accent1">
+              <a:shade val="50000"/>
+            </a:schemeClr>
+          </a:lnRef>
+          <a:fillRef idx="1">
+            <a:schemeClr val="accent1"/>
+          </a:fillRef>
+          <a:effectRef idx="0">
+            <a:schemeClr val="accent1"/>
+          </a:effectRef>
+          <a:fontRef idx="minor">
+            <a:schemeClr val="lt1"/>
+          </a:fontRef>
+        </p:style>
+        <p:txBody>
+          <a:bodyPr rtlCol="0" anchor="ctr"/>
+          <a:lstStyle/>
+          <a:p>
+            <a:pPr algn="ctr"/>
+            <a:endParaRPr lang="en-US"/>
+          </a:p>
+        </p:txBody>
+      </p:sp>
+      <p:sp>
+        <p:nvSpPr>
+          <p:cNvPr id="18" name="Right Arrow 17"/>
+          <p:cNvSpPr/>
+          <p:nvPr/>
+        </p:nvSpPr>
+        <p:spPr>
+          <a:xfrm>
+            <a:off x="4800600" y="3810000"/>
+            <a:ext cx="533400" cy="274744"/>
+          </a:xfrm>
+          <a:prstGeom prst="rightArrow">
+            <a:avLst/>
+          </a:prstGeom>
+        </p:spPr>
+        <p:style>
+          <a:lnRef idx="2">
+            <a:schemeClr val="accent1">
+              <a:shade val="50000"/>
+            </a:schemeClr>
+          </a:lnRef>
+          <a:fillRef idx="1">
+            <a:schemeClr val="accent1"/>
+          </a:fillRef>
+          <a:effectRef idx="0">
+            <a:schemeClr val="accent1"/>
+          </a:effectRef>
+          <a:fontRef idx="minor">
+            <a:schemeClr val="lt1"/>
+          </a:fontRef>
+        </p:style>
+        <p:txBody>
+          <a:bodyPr rtlCol="0" anchor="ctr"/>
+          <a:lstStyle/>
+          <a:p>
+            <a:pPr algn="ctr"/>
+            <a:endParaRPr lang="en-US"/>
+          </a:p>
+        </p:txBody>
+      </p:sp>
+      <p:sp>
+        <p:nvSpPr>
+          <p:cNvPr id="19" name="Right Arrow 18"/>
+          <p:cNvSpPr/>
+          <p:nvPr/>
+        </p:nvSpPr>
+        <p:spPr>
+          <a:xfrm rot="2597053">
+            <a:off x="3028367" y="2968995"/>
+            <a:ext cx="725729" cy="274744"/>
+          </a:xfrm>
+          <a:prstGeom prst="rightArrow">
+            <a:avLst/>
+          </a:prstGeom>
+        </p:spPr>
+        <p:style>
+          <a:lnRef idx="2">
+            <a:schemeClr val="accent1">
+              <a:shade val="50000"/>
+            </a:schemeClr>
+          </a:lnRef>
+          <a:fillRef idx="1">
+            <a:schemeClr val="accent1"/>
+          </a:fillRef>
+          <a:effectRef idx="0">
+            <a:schemeClr val="accent1"/>
+          </a:effectRef>
+          <a:fontRef idx="minor">
+            <a:schemeClr val="lt1"/>
+          </a:fontRef>
+        </p:style>
+        <p:txBody>
+          <a:bodyPr rtlCol="0" anchor="ctr"/>
+          <a:lstStyle/>
+          <a:p>
+            <a:pPr algn="ctr"/>
+            <a:endParaRPr lang="en-US"/>
+          </a:p>
+        </p:txBody>
+      </p:sp>
+      <p:sp>
+        <p:nvSpPr>
+          <p:cNvPr id="21" name="Right Arrow 20"/>
+          <p:cNvSpPr/>
+          <p:nvPr/>
+        </p:nvSpPr>
+        <p:spPr>
+          <a:xfrm rot="2597053">
+            <a:off x="1443272" y="4783416"/>
+            <a:ext cx="725729" cy="274744"/>
+          </a:xfrm>
+          <a:prstGeom prst="rightArrow">
+            <a:avLst/>
+          </a:prstGeom>
+        </p:spPr>
+        <p:style>
+          <a:lnRef idx="2">
+            <a:schemeClr val="accent1">
+              <a:shade val="50000"/>
+            </a:schemeClr>
+          </a:lnRef>
+          <a:fillRef idx="1">
+            <a:schemeClr val="accent1"/>
+          </a:fillRef>
+          <a:effectRef idx="0">
+            <a:schemeClr val="accent1"/>
+          </a:effectRef>
+          <a:fontRef idx="minor">
+            <a:schemeClr val="lt1"/>
+          </a:fontRef>
+        </p:style>
+        <p:txBody>
+          <a:bodyPr rtlCol="0" anchor="ctr"/>
+          <a:lstStyle/>
+          <a:p>
+            <a:pPr algn="ctr"/>
+            <a:endParaRPr lang="en-US"/>
+          </a:p>
+        </p:txBody>
+      </p:sp>
+      <p:sp>
+        <p:nvSpPr>
+          <p:cNvPr id="22" name="Right Arrow 21"/>
+          <p:cNvSpPr/>
+          <p:nvPr/>
+        </p:nvSpPr>
+        <p:spPr>
+          <a:xfrm rot="2597053">
+            <a:off x="7775132" y="3012516"/>
+            <a:ext cx="672348" cy="274744"/>
+          </a:xfrm>
+          <a:prstGeom prst="rightArrow">
+            <a:avLst/>
+          </a:prstGeom>
+        </p:spPr>
+        <p:style>
+          <a:lnRef idx="2">
+            <a:schemeClr val="accent1">
+              <a:shade val="50000"/>
+            </a:schemeClr>
+          </a:lnRef>
+          <a:fillRef idx="1">
+            <a:schemeClr val="accent1"/>
+          </a:fillRef>
+          <a:effectRef idx="0">
+            <a:schemeClr val="accent1"/>
+          </a:effectRef>
+          <a:fontRef idx="minor">
+            <a:schemeClr val="lt1"/>
+          </a:fontRef>
+        </p:style>
+        <p:txBody>
+          <a:bodyPr rtlCol="0" anchor="ctr"/>
+          <a:lstStyle/>
+          <a:p>
+            <a:pPr algn="ctr"/>
+            <a:endParaRPr lang="en-US"/>
+          </a:p>
+        </p:txBody>
+      </p:sp>
+    </p:spTree>
+  </p:cSld>
+  <p:clrMapOvr>
+    <a:masterClrMapping/>
+  </p:clrMapOvr>
+</p:sld>
+</file>
+
+<file path=ppt/slides/slide31.xml><?xml version="1.0" encoding="utf-8"?>
+<p:sld xmlns:a="http://schemas.openxmlformats.org/drawingml/2006/main" xmlns:r="http://schemas.openxmlformats.org/officeDocument/2006/relationships" xmlns:p="http://schemas.openxmlformats.org/presentationml/2006/main">
+  <p:cSld>
+    <p:spTree>
+      <p:nvGrpSpPr>
+        <p:cNvPr id="1" name=""/>
+        <p:cNvGrpSpPr/>
+        <p:nvPr/>
+      </p:nvGrpSpPr>
+      <p:grpSpPr>
+        <a:xfrm>
+          <a:off x="0" y="0"/>
+          <a:ext cx="0" cy="0"/>
+          <a:chOff x="0" y="0"/>
+          <a:chExt cx="0" cy="0"/>
+        </a:xfrm>
+      </p:grpSpPr>
+      <p:sp>
+        <p:nvSpPr>
+          <p:cNvPr id="2" name="Title 1"/>
+          <p:cNvSpPr>
+            <a:spLocks noGrp="1"/>
+          </p:cNvSpPr>
+          <p:nvPr>
+            <p:ph type="title"/>
+          </p:nvPr>
+        </p:nvSpPr>
+        <p:spPr/>
+        <p:txBody>
+          <a:bodyPr>
+            <a:normAutofit fontScale="90000"/>
+          </a:bodyPr>
+          <a:lstStyle/>
+          <a:p>
+            <a:r>
+              <a:rPr lang="en-US" dirty="0" smtClean="0"/>
+              <a:t>Game Mechanics</a:t>
+            </a:r>
+            <a:br>
+              <a:rPr lang="en-US" dirty="0" smtClean="0"/>
+            </a:br>
+            <a:r>
+              <a:rPr lang="en-US" dirty="0" smtClean="0"/>
+              <a:t>and AI</a:t>
+            </a:r>
+            <a:endParaRPr lang="en-US" dirty="0"/>
+          </a:p>
+        </p:txBody>
+      </p:sp>
+      <p:sp>
+        <p:nvSpPr>
+          <p:cNvPr id="3" name="Content Placeholder 2"/>
+          <p:cNvSpPr>
+            <a:spLocks noGrp="1"/>
+          </p:cNvSpPr>
+          <p:nvPr>
+            <p:ph idx="1"/>
+          </p:nvPr>
+        </p:nvSpPr>
+        <p:spPr/>
+        <p:txBody>
+          <a:bodyPr>
+            <a:normAutofit lnSpcReduction="10000"/>
+          </a:bodyPr>
+          <a:lstStyle/>
+          <a:p>
+            <a:r>
+              <a:rPr lang="en-US" dirty="0" smtClean="0"/>
+              <a:t>Unit</a:t>
+            </a:r>
+          </a:p>
+          <a:p>
+            <a:r>
+              <a:rPr lang="en-US" dirty="0" smtClean="0"/>
+              <a:t>Player</a:t>
+            </a:r>
+          </a:p>
+          <a:p>
+            <a:r>
+              <a:rPr lang="en-US" dirty="0" smtClean="0"/>
+              <a:t>Mechanics</a:t>
+            </a:r>
+          </a:p>
+          <a:p>
+            <a:pPr lvl="1"/>
+            <a:r>
+              <a:rPr lang="en-US" dirty="0" smtClean="0"/>
+              <a:t>Move</a:t>
+            </a:r>
+          </a:p>
+          <a:p>
+            <a:pPr lvl="1"/>
+            <a:r>
+              <a:rPr lang="en-US" dirty="0" smtClean="0"/>
+              <a:t>Attack</a:t>
+            </a:r>
+          </a:p>
+          <a:p>
+            <a:pPr lvl="1"/>
+            <a:r>
+              <a:rPr lang="en-US" dirty="0" smtClean="0"/>
+              <a:t>Others</a:t>
+            </a:r>
+          </a:p>
+          <a:p>
+            <a:r>
+              <a:rPr lang="en-US" dirty="0" smtClean="0"/>
+              <a:t>AI</a:t>
+            </a:r>
+          </a:p>
+          <a:p>
+            <a:pPr lvl="1"/>
+            <a:r>
+              <a:rPr lang="en-US" dirty="0" smtClean="0"/>
+              <a:t>Game Tree</a:t>
+            </a:r>
+          </a:p>
+          <a:p>
+            <a:pPr lvl="1"/>
+            <a:r>
+              <a:rPr lang="en-US" dirty="0" smtClean="0"/>
+              <a:t>Decision Making</a:t>
+            </a:r>
+            <a:endParaRPr lang="en-US" dirty="0"/>
+          </a:p>
+        </p:txBody>
+      </p:sp>
+      <p:sp>
+        <p:nvSpPr>
+          <p:cNvPr id="5" name="Slide Number Placeholder 4"/>
+          <p:cNvSpPr>
+            <a:spLocks noGrp="1"/>
+          </p:cNvSpPr>
+          <p:nvPr>
+            <p:ph type="sldNum" sz="quarter" idx="12"/>
+          </p:nvPr>
+        </p:nvSpPr>
+        <p:spPr/>
+        <p:txBody>
+          <a:bodyPr/>
+          <a:lstStyle/>
+          <a:p>
+            <a:fld id="{B6F15528-21DE-4FAA-801E-634DDDAF4B2B}" type="slidenum">
+              <a:rPr lang="en-US" smtClean="0"/>
+              <a:pPr/>
+              <a:t>31</a:t>
+            </a:fld>
+            <a:endParaRPr lang="en-US" dirty="0"/>
+          </a:p>
+        </p:txBody>
+      </p:sp>
+      <p:pic>
+        <p:nvPicPr>
+          <p:cNvPr id="4" name="Picture 3" descr="logo.jpg"/>
+          <p:cNvPicPr>
+            <a:picLocks noChangeAspect="1"/>
+          </p:cNvPicPr>
+          <p:nvPr/>
+        </p:nvPicPr>
+        <p:blipFill>
+          <a:blip r:embed="rId2" cstate="print"/>
+          <a:stretch>
+            <a:fillRect/>
+          </a:stretch>
+        </p:blipFill>
+        <p:spPr>
+          <a:xfrm>
+            <a:off x="7956253" y="0"/>
+            <a:ext cx="1187747" cy="1328738"/>
+          </a:xfrm>
+          <a:prstGeom prst="rect">
+            <a:avLst/>
+          </a:prstGeom>
+        </p:spPr>
+      </p:pic>
+    </p:spTree>
+  </p:cSld>
+  <p:clrMapOvr>
+    <a:masterClrMapping/>
+  </p:clrMapOvr>
+  <p:timing>
+    <p:tnLst>
+      <p:par>
+        <p:cTn id="1" dur="indefinite" restart="never" nodeType="tmRoot"/>
+      </p:par>
+    </p:tnLst>
+  </p:timing>
+</p:sld>
+</file>
+
+<file path=ppt/slides/slide32.xml><?xml version="1.0" encoding="utf-8"?>
+<p:sld xmlns:a="http://schemas.openxmlformats.org/drawingml/2006/main" xmlns:r="http://schemas.openxmlformats.org/officeDocument/2006/relationships" xmlns:p="http://schemas.openxmlformats.org/presentationml/2006/main">
+  <p:cSld>
+    <p:spTree>
+      <p:nvGrpSpPr>
+        <p:cNvPr id="1" name=""/>
+        <p:cNvGrpSpPr/>
+        <p:nvPr/>
+      </p:nvGrpSpPr>
+      <p:grpSpPr>
+        <a:xfrm>
+          <a:off x="0" y="0"/>
+          <a:ext cx="0" cy="0"/>
+          <a:chOff x="0" y="0"/>
+          <a:chExt cx="0" cy="0"/>
+        </a:xfrm>
+      </p:grpSpPr>
+      <p:sp>
+        <p:nvSpPr>
+          <p:cNvPr id="2" name="Title 1"/>
+          <p:cNvSpPr>
+            <a:spLocks noGrp="1"/>
+          </p:cNvSpPr>
+          <p:nvPr>
+            <p:ph type="title"/>
+          </p:nvPr>
+        </p:nvSpPr>
+        <p:spPr/>
+        <p:txBody>
+          <a:bodyPr/>
+          <a:lstStyle/>
+          <a:p>
             <a:r>
               <a:rPr lang="en-US" dirty="0" smtClean="0"/>
               <a:t>Unit Class</a:t>
@@ -8245,7 +11064,7 @@
             <a:fld id="{B6F15528-21DE-4FAA-801E-634DDDAF4B2B}" type="slidenum">
               <a:rPr lang="en-US" smtClean="0"/>
               <a:pPr/>
-              <a:t>24</a:t>
+              <a:t>32</a:t>
             </a:fld>
             <a:endParaRPr lang="en-US" dirty="0"/>
           </a:p>
@@ -8435,7 +11254,7 @@
 </p:sld>
 </file>
 
-<file path=ppt/slides/slide25.xml><?xml version="1.0" encoding="utf-8"?>
+<file path=ppt/slides/slide33.xml><?xml version="1.0" encoding="utf-8"?>
 <p:sld xmlns:a="http://schemas.openxmlformats.org/drawingml/2006/main" xmlns:r="http://schemas.openxmlformats.org/officeDocument/2006/relationships" xmlns:p="http://schemas.openxmlformats.org/presentationml/2006/main">
   <p:cSld>
     <p:spTree>
@@ -8553,7 +11372,7 @@
             <a:fld id="{B6F15528-21DE-4FAA-801E-634DDDAF4B2B}" type="slidenum">
               <a:rPr lang="en-US" smtClean="0"/>
               <a:pPr/>
-              <a:t>25</a:t>
+              <a:t>33</a:t>
             </a:fld>
             <a:endParaRPr lang="en-US" dirty="0"/>
           </a:p>
@@ -8602,7 +11421,7 @@
 </p:sld>
 </file>
 
-<file path=ppt/slides/slide26.xml><?xml version="1.0" encoding="utf-8"?>
+<file path=ppt/slides/slide34.xml><?xml version="1.0" encoding="utf-8"?>
 <p:sld xmlns:a="http://schemas.openxmlformats.org/drawingml/2006/main" xmlns:r="http://schemas.openxmlformats.org/officeDocument/2006/relationships" xmlns:p="http://schemas.openxmlformats.org/presentationml/2006/main">
   <p:cSld>
     <p:spTree>
@@ -8694,7 +11513,7 @@
             <a:fld id="{B6F15528-21DE-4FAA-801E-634DDDAF4B2B}" type="slidenum">
               <a:rPr lang="en-US" smtClean="0"/>
               <a:pPr/>
-              <a:t>26</a:t>
+              <a:t>34</a:t>
             </a:fld>
             <a:endParaRPr lang="en-US" dirty="0"/>
           </a:p>
@@ -14378,7 +17197,7 @@
 </p:sld>
 </file>
 
-<file path=ppt/slides/slide27.xml><?xml version="1.0" encoding="utf-8"?>
+<file path=ppt/slides/slide35.xml><?xml version="1.0" encoding="utf-8"?>
 <p:sld xmlns:a="http://schemas.openxmlformats.org/drawingml/2006/main" xmlns:r="http://schemas.openxmlformats.org/officeDocument/2006/relationships" xmlns:p="http://schemas.openxmlformats.org/presentationml/2006/main">
   <p:cSld>
     <p:spTree>
@@ -14470,7 +17289,7 @@
             <a:fld id="{B6F15528-21DE-4FAA-801E-634DDDAF4B2B}" type="slidenum">
               <a:rPr lang="en-US" smtClean="0"/>
               <a:pPr/>
-              <a:t>27</a:t>
+              <a:t>35</a:t>
             </a:fld>
             <a:endParaRPr lang="en-US" dirty="0"/>
           </a:p>
@@ -20188,7 +23007,7 @@
 </p:sld>
 </file>
 
-<file path=ppt/slides/slide28.xml><?xml version="1.0" encoding="utf-8"?>
+<file path=ppt/slides/slide36.xml><?xml version="1.0" encoding="utf-8"?>
 <p:sld xmlns:a="http://schemas.openxmlformats.org/drawingml/2006/main" xmlns:r="http://schemas.openxmlformats.org/officeDocument/2006/relationships" xmlns:p="http://schemas.openxmlformats.org/presentationml/2006/main">
   <p:cSld>
     <p:spTree>
@@ -20246,7 +23065,7 @@
             <a:fld id="{B6F15528-21DE-4FAA-801E-634DDDAF4B2B}" type="slidenum">
               <a:rPr lang="en-US" smtClean="0"/>
               <a:pPr/>
-              <a:t>28</a:t>
+              <a:t>36</a:t>
             </a:fld>
             <a:endParaRPr lang="en-US" dirty="0"/>
           </a:p>
@@ -20312,7 +23131,7 @@
 </p:sld>
 </file>
 
-<file path=ppt/slides/slide29.xml><?xml version="1.0" encoding="utf-8"?>
+<file path=ppt/slides/slide37.xml><?xml version="1.0" encoding="utf-8"?>
 <p:sld xmlns:a="http://schemas.openxmlformats.org/drawingml/2006/main" xmlns:r="http://schemas.openxmlformats.org/officeDocument/2006/relationships" xmlns:p="http://schemas.openxmlformats.org/presentationml/2006/main">
   <p:cSld>
     <p:spTree>
@@ -20375,7 +23194,7 @@
             <a:fld id="{B6F15528-21DE-4FAA-801E-634DDDAF4B2B}" type="slidenum">
               <a:rPr lang="en-US" smtClean="0"/>
               <a:pPr/>
-              <a:t>29</a:t>
+              <a:t>37</a:t>
             </a:fld>
             <a:endParaRPr lang="en-US" dirty="0"/>
           </a:p>
@@ -20444,7 +23263,7 @@
 </p:sld>
 </file>
 
-<file path=ppt/slides/slide3.xml><?xml version="1.0" encoding="utf-8"?>
+<file path=ppt/slides/slide38.xml><?xml version="1.0" encoding="utf-8"?>
 <p:sld xmlns:a="http://schemas.openxmlformats.org/drawingml/2006/main" xmlns:r="http://schemas.openxmlformats.org/officeDocument/2006/relationships" xmlns:p="http://schemas.openxmlformats.org/presentationml/2006/main">
   <p:cSld>
     <p:spTree>
@@ -20478,7 +23297,7 @@
           <a:p>
             <a:r>
               <a:rPr lang="en-US" dirty="0" smtClean="0"/>
-              <a:t>The Overview</a:t>
+              <a:t>AI</a:t>
             </a:r>
             <a:endParaRPr lang="en-US" dirty="0"/>
           </a:p>
@@ -20501,157 +23320,6 @@
           <a:p>
             <a:r>
               <a:rPr lang="en-US" dirty="0" smtClean="0"/>
-              <a:t>  Game Description</a:t>
-            </a:r>
-          </a:p>
-          <a:p>
-            <a:pPr lvl="1"/>
-            <a:r>
-              <a:rPr lang="en-US" dirty="0" smtClean="0"/>
-              <a:t>Details</a:t>
-            </a:r>
-          </a:p>
-          <a:p>
-            <a:pPr lvl="1"/>
-            <a:r>
-              <a:rPr lang="en-US" dirty="0" smtClean="0"/>
-              <a:t>Game flow, battle flow</a:t>
-            </a:r>
-          </a:p>
-          <a:p>
-            <a:r>
-              <a:rPr lang="en-US" dirty="0" smtClean="0"/>
-              <a:t>Tools</a:t>
-            </a:r>
-          </a:p>
-          <a:p>
-            <a:r>
-              <a:rPr lang="en-US" dirty="0" smtClean="0"/>
-              <a:t>Module Breakdown</a:t>
-            </a:r>
-          </a:p>
-        </p:txBody>
-      </p:sp>
-      <p:sp>
-        <p:nvSpPr>
-          <p:cNvPr id="5" name="Slide Number Placeholder 4"/>
-          <p:cNvSpPr>
-            <a:spLocks noGrp="1"/>
-          </p:cNvSpPr>
-          <p:nvPr>
-            <p:ph type="sldNum" sz="quarter" idx="12"/>
-          </p:nvPr>
-        </p:nvSpPr>
-        <p:spPr/>
-        <p:txBody>
-          <a:bodyPr/>
-          <a:lstStyle/>
-          <a:p>
-            <a:fld id="{B6F15528-21DE-4FAA-801E-634DDDAF4B2B}" type="slidenum">
-              <a:rPr lang="en-US" smtClean="0"/>
-              <a:pPr/>
-              <a:t>3</a:t>
-            </a:fld>
-            <a:endParaRPr lang="en-US" dirty="0"/>
-          </a:p>
-        </p:txBody>
-      </p:sp>
-      <p:pic>
-        <p:nvPicPr>
-          <p:cNvPr id="4" name="Picture 3" descr="logo.jpg"/>
-          <p:cNvPicPr>
-            <a:picLocks noChangeAspect="1"/>
-          </p:cNvPicPr>
-          <p:nvPr/>
-        </p:nvPicPr>
-        <p:blipFill>
-          <a:blip r:embed="rId2" cstate="print"/>
-          <a:stretch>
-            <a:fillRect/>
-          </a:stretch>
-        </p:blipFill>
-        <p:spPr>
-          <a:xfrm>
-            <a:off x="7956253" y="0"/>
-            <a:ext cx="1187747" cy="1328738"/>
-          </a:xfrm>
-          <a:prstGeom prst="rect">
-            <a:avLst/>
-          </a:prstGeom>
-        </p:spPr>
-      </p:pic>
-    </p:spTree>
-  </p:cSld>
-  <p:clrMapOvr>
-    <a:masterClrMapping/>
-  </p:clrMapOvr>
-  <p:timing>
-    <p:tnLst>
-      <p:par>
-        <p:cTn id="1" dur="indefinite" restart="never" nodeType="tmRoot"/>
-      </p:par>
-    </p:tnLst>
-  </p:timing>
-</p:sld>
-</file>
-
-<file path=ppt/slides/slide30.xml><?xml version="1.0" encoding="utf-8"?>
-<p:sld xmlns:a="http://schemas.openxmlformats.org/drawingml/2006/main" xmlns:r="http://schemas.openxmlformats.org/officeDocument/2006/relationships" xmlns:p="http://schemas.openxmlformats.org/presentationml/2006/main">
-  <p:cSld>
-    <p:spTree>
-      <p:nvGrpSpPr>
-        <p:cNvPr id="1" name=""/>
-        <p:cNvGrpSpPr/>
-        <p:nvPr/>
-      </p:nvGrpSpPr>
-      <p:grpSpPr>
-        <a:xfrm>
-          <a:off x="0" y="0"/>
-          <a:ext cx="0" cy="0"/>
-          <a:chOff x="0" y="0"/>
-          <a:chExt cx="0" cy="0"/>
-        </a:xfrm>
-      </p:grpSpPr>
-      <p:sp>
-        <p:nvSpPr>
-          <p:cNvPr id="2" name="Title 1"/>
-          <p:cNvSpPr>
-            <a:spLocks noGrp="1"/>
-          </p:cNvSpPr>
-          <p:nvPr>
-            <p:ph type="title"/>
-          </p:nvPr>
-        </p:nvSpPr>
-        <p:spPr/>
-        <p:txBody>
-          <a:bodyPr/>
-          <a:lstStyle/>
-          <a:p>
-            <a:r>
-              <a:rPr lang="en-US" dirty="0" smtClean="0"/>
-              <a:t>AI</a:t>
-            </a:r>
-            <a:endParaRPr lang="en-US" dirty="0"/>
-          </a:p>
-        </p:txBody>
-      </p:sp>
-      <p:sp>
-        <p:nvSpPr>
-          <p:cNvPr id="3" name="Content Placeholder 2"/>
-          <p:cNvSpPr>
-            <a:spLocks noGrp="1"/>
-          </p:cNvSpPr>
-          <p:nvPr>
-            <p:ph idx="1"/>
-          </p:nvPr>
-        </p:nvSpPr>
-        <p:spPr/>
-        <p:txBody>
-          <a:bodyPr/>
-          <a:lstStyle/>
-          <a:p>
-            <a:r>
-              <a:rPr lang="en-US" dirty="0" smtClean="0"/>
               <a:t>Playable Opponent</a:t>
             </a:r>
           </a:p>
@@ -20690,7 +23358,7 @@
             <a:fld id="{B6F15528-21DE-4FAA-801E-634DDDAF4B2B}" type="slidenum">
               <a:rPr lang="en-US" smtClean="0"/>
               <a:pPr/>
-              <a:t>30</a:t>
+              <a:t>38</a:t>
             </a:fld>
             <a:endParaRPr lang="en-US" dirty="0"/>
           </a:p>
@@ -20711,7 +23379,7 @@
 </p:sld>
 </file>
 
-<file path=ppt/slides/slide31.xml><?xml version="1.0" encoding="utf-8"?>
+<file path=ppt/slides/slide39.xml><?xml version="1.0" encoding="utf-8"?>
 <p:sld xmlns:a="http://schemas.openxmlformats.org/drawingml/2006/main" xmlns:r="http://schemas.openxmlformats.org/officeDocument/2006/relationships" xmlns:p="http://schemas.openxmlformats.org/presentationml/2006/main">
   <p:cSld>
     <p:spTree>
@@ -20774,7 +23442,7 @@
             <a:fld id="{B6F15528-21DE-4FAA-801E-634DDDAF4B2B}" type="slidenum">
               <a:rPr lang="en-US" smtClean="0"/>
               <a:pPr/>
-              <a:t>31</a:t>
+              <a:t>39</a:t>
             </a:fld>
             <a:endParaRPr lang="en-US" dirty="0"/>
           </a:p>
@@ -20853,7 +23521,7 @@
 </p:sld>
 </file>
 
-<file path=ppt/slides/slide32.xml><?xml version="1.0" encoding="utf-8"?>
+<file path=ppt/slides/slide4.xml><?xml version="1.0" encoding="utf-8"?>
 <p:sld xmlns:a="http://schemas.openxmlformats.org/drawingml/2006/main" xmlns:r="http://schemas.openxmlformats.org/officeDocument/2006/relationships" xmlns:p="http://schemas.openxmlformats.org/presentationml/2006/main">
   <p:cSld>
     <p:spTree>
@@ -20887,6 +23555,1604 @@
           <a:p>
             <a:r>
               <a:rPr lang="en-US" dirty="0" smtClean="0"/>
+              <a:t>Duel Reality: the Game</a:t>
+            </a:r>
+            <a:endParaRPr lang="en-US" dirty="0"/>
+          </a:p>
+        </p:txBody>
+      </p:sp>
+      <p:sp>
+        <p:nvSpPr>
+          <p:cNvPr id="3" name="Content Placeholder 2"/>
+          <p:cNvSpPr>
+            <a:spLocks noGrp="1"/>
+          </p:cNvSpPr>
+          <p:nvPr>
+            <p:ph idx="1"/>
+          </p:nvPr>
+        </p:nvSpPr>
+        <p:spPr>
+          <a:xfrm>
+            <a:off x="457200" y="1600200"/>
+            <a:ext cx="8229600" cy="4343400"/>
+          </a:xfrm>
+        </p:spPr>
+        <p:txBody>
+          <a:bodyPr>
+            <a:normAutofit fontScale="85000" lnSpcReduction="20000"/>
+          </a:bodyPr>
+          <a:lstStyle/>
+          <a:p>
+            <a:r>
+              <a:rPr lang="en-US" dirty="0" smtClean="0"/>
+              <a:t>Total Game play experience</a:t>
+            </a:r>
+          </a:p>
+          <a:p>
+            <a:pPr lvl="1"/>
+            <a:r>
+              <a:rPr lang="en-US" dirty="0" smtClean="0"/>
+              <a:t>2D</a:t>
+            </a:r>
+          </a:p>
+          <a:p>
+            <a:pPr lvl="1"/>
+            <a:r>
+              <a:rPr lang="en-US" dirty="0" smtClean="0"/>
+              <a:t>Turn based</a:t>
+            </a:r>
+          </a:p>
+          <a:p>
+            <a:pPr lvl="1"/>
+            <a:r>
+              <a:rPr lang="en-US" dirty="0" smtClean="0"/>
+              <a:t>Strategy battle simulation</a:t>
+            </a:r>
+          </a:p>
+          <a:p>
+            <a:pPr lvl="1"/>
+            <a:r>
+              <a:rPr lang="en-US" dirty="0" smtClean="0"/>
+              <a:t>1 Player  w/ Ai opponent</a:t>
+            </a:r>
+          </a:p>
+          <a:p>
+            <a:pPr lvl="1"/>
+            <a:r>
+              <a:rPr lang="en-US" dirty="0" smtClean="0"/>
+              <a:t>(maybe 2)</a:t>
+            </a:r>
+          </a:p>
+          <a:p>
+            <a:pPr lvl="1"/>
+            <a:r>
+              <a:rPr lang="en-US" dirty="0" smtClean="0"/>
+              <a:t>Upgradable units</a:t>
+            </a:r>
+          </a:p>
+          <a:p>
+            <a:pPr lvl="1"/>
+            <a:r>
+              <a:rPr lang="en-US" dirty="0" smtClean="0"/>
+              <a:t>7  - level Campaign and Free Battle Modes</a:t>
+            </a:r>
+          </a:p>
+          <a:p>
+            <a:pPr lvl="1"/>
+            <a:r>
+              <a:rPr lang="en-US" dirty="0" smtClean="0"/>
+              <a:t>Save / Load functionality</a:t>
+            </a:r>
+          </a:p>
+          <a:p>
+            <a:pPr lvl="1"/>
+            <a:r>
+              <a:rPr lang="en-US" dirty="0" smtClean="0"/>
+              <a:t>Amazing Graphics and Sound</a:t>
+            </a:r>
+          </a:p>
+          <a:p>
+            <a:pPr lvl="1"/>
+            <a:r>
+              <a:rPr lang="en-US" dirty="0" smtClean="0"/>
+              <a:t>Dynamic Action Points Game play</a:t>
+            </a:r>
+          </a:p>
+          <a:p>
+            <a:endParaRPr lang="en-US" dirty="0" smtClean="0"/>
+          </a:p>
+          <a:p>
+            <a:endParaRPr lang="en-US" dirty="0" smtClean="0"/>
+          </a:p>
+        </p:txBody>
+      </p:sp>
+      <p:sp>
+        <p:nvSpPr>
+          <p:cNvPr id="4" name="Slide Number Placeholder 3"/>
+          <p:cNvSpPr>
+            <a:spLocks noGrp="1"/>
+          </p:cNvSpPr>
+          <p:nvPr>
+            <p:ph type="sldNum" sz="quarter" idx="12"/>
+          </p:nvPr>
+        </p:nvSpPr>
+        <p:spPr/>
+        <p:txBody>
+          <a:bodyPr/>
+          <a:lstStyle/>
+          <a:p>
+            <a:fld id="{B6F15528-21DE-4FAA-801E-634DDDAF4B2B}" type="slidenum">
+              <a:rPr lang="en-US" smtClean="0"/>
+              <a:pPr/>
+              <a:t>4</a:t>
+            </a:fld>
+            <a:endParaRPr lang="en-US" dirty="0"/>
+          </a:p>
+        </p:txBody>
+      </p:sp>
+      <p:pic>
+        <p:nvPicPr>
+          <p:cNvPr id="5" name="Picture 4" descr="logo.jpg"/>
+          <p:cNvPicPr>
+            <a:picLocks noChangeAspect="1"/>
+          </p:cNvPicPr>
+          <p:nvPr/>
+        </p:nvPicPr>
+        <p:blipFill>
+          <a:blip r:embed="rId2" cstate="print"/>
+          <a:stretch>
+            <a:fillRect/>
+          </a:stretch>
+        </p:blipFill>
+        <p:spPr>
+          <a:xfrm>
+            <a:off x="7956253" y="0"/>
+            <a:ext cx="1187747" cy="1328738"/>
+          </a:xfrm>
+          <a:prstGeom prst="rect">
+            <a:avLst/>
+          </a:prstGeom>
+        </p:spPr>
+      </p:pic>
+      <p:grpSp>
+        <p:nvGrpSpPr>
+          <p:cNvPr id="38" name="Group 37"/>
+          <p:cNvGrpSpPr/>
+          <p:nvPr/>
+        </p:nvGrpSpPr>
+        <p:grpSpPr>
+          <a:xfrm>
+            <a:off x="6400800" y="4648200"/>
+            <a:ext cx="2514600" cy="1295400"/>
+            <a:chOff x="6172200" y="2895600"/>
+            <a:chExt cx="2514600" cy="1295400"/>
+          </a:xfrm>
+        </p:grpSpPr>
+        <p:grpSp>
+          <p:nvGrpSpPr>
+            <p:cNvPr id="31" name="Group 30"/>
+            <p:cNvGrpSpPr/>
+            <p:nvPr/>
+          </p:nvGrpSpPr>
+          <p:grpSpPr>
+            <a:xfrm>
+              <a:off x="6172200" y="2971800"/>
+              <a:ext cx="2286000" cy="1219200"/>
+              <a:chOff x="6172200" y="2971800"/>
+              <a:chExt cx="2286000" cy="1219200"/>
+            </a:xfrm>
+          </p:grpSpPr>
+          <p:sp>
+            <p:nvSpPr>
+              <p:cNvPr id="7" name="Rectangle 6"/>
+              <p:cNvSpPr/>
+              <p:nvPr/>
+            </p:nvSpPr>
+            <p:spPr>
+              <a:xfrm>
+                <a:off x="6553200" y="2971800"/>
+                <a:ext cx="381000" cy="304800"/>
+              </a:xfrm>
+              <a:prstGeom prst="rect">
+                <a:avLst/>
+              </a:prstGeom>
+              <a:solidFill>
+                <a:schemeClr val="bg1"/>
+              </a:solidFill>
+              <a:ln>
+                <a:solidFill>
+                  <a:schemeClr val="tx1"/>
+                </a:solidFill>
+              </a:ln>
+            </p:spPr>
+            <p:style>
+              <a:lnRef idx="2">
+                <a:schemeClr val="accent1">
+                  <a:shade val="50000"/>
+                </a:schemeClr>
+              </a:lnRef>
+              <a:fillRef idx="1">
+                <a:schemeClr val="accent1"/>
+              </a:fillRef>
+              <a:effectRef idx="0">
+                <a:schemeClr val="accent1"/>
+              </a:effectRef>
+              <a:fontRef idx="minor">
+                <a:schemeClr val="lt1"/>
+              </a:fontRef>
+            </p:style>
+            <p:txBody>
+              <a:bodyPr rtlCol="0" anchor="ctr"/>
+              <a:lstStyle/>
+              <a:p>
+                <a:pPr algn="ctr"/>
+                <a:endParaRPr lang="en-US" dirty="0"/>
+              </a:p>
+            </p:txBody>
+          </p:sp>
+          <p:sp>
+            <p:nvSpPr>
+              <p:cNvPr id="8" name="Rectangle 7"/>
+              <p:cNvSpPr/>
+              <p:nvPr/>
+            </p:nvSpPr>
+            <p:spPr>
+              <a:xfrm>
+                <a:off x="6553200" y="3276600"/>
+                <a:ext cx="381000" cy="304800"/>
+              </a:xfrm>
+              <a:prstGeom prst="rect">
+                <a:avLst/>
+              </a:prstGeom>
+              <a:solidFill>
+                <a:schemeClr val="bg1"/>
+              </a:solidFill>
+              <a:ln>
+                <a:solidFill>
+                  <a:schemeClr val="tx1"/>
+                </a:solidFill>
+              </a:ln>
+            </p:spPr>
+            <p:style>
+              <a:lnRef idx="2">
+                <a:schemeClr val="accent1">
+                  <a:shade val="50000"/>
+                </a:schemeClr>
+              </a:lnRef>
+              <a:fillRef idx="1">
+                <a:schemeClr val="accent1"/>
+              </a:fillRef>
+              <a:effectRef idx="0">
+                <a:schemeClr val="accent1"/>
+              </a:effectRef>
+              <a:fontRef idx="minor">
+                <a:schemeClr val="lt1"/>
+              </a:fontRef>
+            </p:style>
+            <p:txBody>
+              <a:bodyPr rtlCol="0" anchor="ctr"/>
+              <a:lstStyle/>
+              <a:p>
+                <a:pPr algn="ctr"/>
+                <a:endParaRPr lang="en-US" dirty="0"/>
+              </a:p>
+            </p:txBody>
+          </p:sp>
+          <p:sp>
+            <p:nvSpPr>
+              <p:cNvPr id="9" name="Rectangle 8"/>
+              <p:cNvSpPr/>
+              <p:nvPr/>
+            </p:nvSpPr>
+            <p:spPr>
+              <a:xfrm>
+                <a:off x="6553200" y="3581400"/>
+                <a:ext cx="381000" cy="304800"/>
+              </a:xfrm>
+              <a:prstGeom prst="rect">
+                <a:avLst/>
+              </a:prstGeom>
+              <a:solidFill>
+                <a:schemeClr val="bg1"/>
+              </a:solidFill>
+              <a:ln>
+                <a:solidFill>
+                  <a:schemeClr val="tx1"/>
+                </a:solidFill>
+              </a:ln>
+            </p:spPr>
+            <p:style>
+              <a:lnRef idx="2">
+                <a:schemeClr val="accent1">
+                  <a:shade val="50000"/>
+                </a:schemeClr>
+              </a:lnRef>
+              <a:fillRef idx="1">
+                <a:schemeClr val="accent1"/>
+              </a:fillRef>
+              <a:effectRef idx="0">
+                <a:schemeClr val="accent1"/>
+              </a:effectRef>
+              <a:fontRef idx="minor">
+                <a:schemeClr val="lt1"/>
+              </a:fontRef>
+            </p:style>
+            <p:txBody>
+              <a:bodyPr rtlCol="0" anchor="ctr"/>
+              <a:lstStyle/>
+              <a:p>
+                <a:pPr algn="ctr"/>
+                <a:endParaRPr lang="en-US" dirty="0"/>
+              </a:p>
+            </p:txBody>
+          </p:sp>
+          <p:sp>
+            <p:nvSpPr>
+              <p:cNvPr id="10" name="Rectangle 9"/>
+              <p:cNvSpPr/>
+              <p:nvPr/>
+            </p:nvSpPr>
+            <p:spPr>
+              <a:xfrm>
+                <a:off x="6553200" y="3886200"/>
+                <a:ext cx="381000" cy="304800"/>
+              </a:xfrm>
+              <a:prstGeom prst="rect">
+                <a:avLst/>
+              </a:prstGeom>
+              <a:solidFill>
+                <a:schemeClr val="bg1"/>
+              </a:solidFill>
+              <a:ln>
+                <a:solidFill>
+                  <a:schemeClr val="tx1"/>
+                </a:solidFill>
+              </a:ln>
+            </p:spPr>
+            <p:style>
+              <a:lnRef idx="2">
+                <a:schemeClr val="accent1">
+                  <a:shade val="50000"/>
+                </a:schemeClr>
+              </a:lnRef>
+              <a:fillRef idx="1">
+                <a:schemeClr val="accent1"/>
+              </a:fillRef>
+              <a:effectRef idx="0">
+                <a:schemeClr val="accent1"/>
+              </a:effectRef>
+              <a:fontRef idx="minor">
+                <a:schemeClr val="lt1"/>
+              </a:fontRef>
+            </p:style>
+            <p:txBody>
+              <a:bodyPr rtlCol="0" anchor="ctr"/>
+              <a:lstStyle/>
+              <a:p>
+                <a:pPr algn="ctr"/>
+                <a:endParaRPr lang="en-US" dirty="0"/>
+              </a:p>
+            </p:txBody>
+          </p:sp>
+          <p:sp>
+            <p:nvSpPr>
+              <p:cNvPr id="11" name="Rectangle 10"/>
+              <p:cNvSpPr/>
+              <p:nvPr/>
+            </p:nvSpPr>
+            <p:spPr>
+              <a:xfrm>
+                <a:off x="6934200" y="2971800"/>
+                <a:ext cx="381000" cy="304800"/>
+              </a:xfrm>
+              <a:prstGeom prst="rect">
+                <a:avLst/>
+              </a:prstGeom>
+              <a:solidFill>
+                <a:schemeClr val="bg1"/>
+              </a:solidFill>
+              <a:ln>
+                <a:solidFill>
+                  <a:schemeClr val="tx1"/>
+                </a:solidFill>
+              </a:ln>
+            </p:spPr>
+            <p:style>
+              <a:lnRef idx="2">
+                <a:schemeClr val="accent1">
+                  <a:shade val="50000"/>
+                </a:schemeClr>
+              </a:lnRef>
+              <a:fillRef idx="1">
+                <a:schemeClr val="accent1"/>
+              </a:fillRef>
+              <a:effectRef idx="0">
+                <a:schemeClr val="accent1"/>
+              </a:effectRef>
+              <a:fontRef idx="minor">
+                <a:schemeClr val="lt1"/>
+              </a:fontRef>
+            </p:style>
+            <p:txBody>
+              <a:bodyPr rtlCol="0" anchor="ctr"/>
+              <a:lstStyle/>
+              <a:p>
+                <a:pPr algn="ctr"/>
+                <a:endParaRPr lang="en-US" dirty="0"/>
+              </a:p>
+            </p:txBody>
+          </p:sp>
+          <p:sp>
+            <p:nvSpPr>
+              <p:cNvPr id="12" name="Rectangle 11"/>
+              <p:cNvSpPr/>
+              <p:nvPr/>
+            </p:nvSpPr>
+            <p:spPr>
+              <a:xfrm>
+                <a:off x="6934200" y="3276600"/>
+                <a:ext cx="381000" cy="304800"/>
+              </a:xfrm>
+              <a:prstGeom prst="rect">
+                <a:avLst/>
+              </a:prstGeom>
+              <a:solidFill>
+                <a:schemeClr val="bg1"/>
+              </a:solidFill>
+              <a:ln>
+                <a:solidFill>
+                  <a:schemeClr val="tx1"/>
+                </a:solidFill>
+              </a:ln>
+            </p:spPr>
+            <p:style>
+              <a:lnRef idx="2">
+                <a:schemeClr val="accent1">
+                  <a:shade val="50000"/>
+                </a:schemeClr>
+              </a:lnRef>
+              <a:fillRef idx="1">
+                <a:schemeClr val="accent1"/>
+              </a:fillRef>
+              <a:effectRef idx="0">
+                <a:schemeClr val="accent1"/>
+              </a:effectRef>
+              <a:fontRef idx="minor">
+                <a:schemeClr val="lt1"/>
+              </a:fontRef>
+            </p:style>
+            <p:txBody>
+              <a:bodyPr rtlCol="0" anchor="ctr"/>
+              <a:lstStyle/>
+              <a:p>
+                <a:pPr algn="ctr"/>
+                <a:endParaRPr lang="en-US" dirty="0"/>
+              </a:p>
+            </p:txBody>
+          </p:sp>
+          <p:sp>
+            <p:nvSpPr>
+              <p:cNvPr id="13" name="Rectangle 12"/>
+              <p:cNvSpPr/>
+              <p:nvPr/>
+            </p:nvSpPr>
+            <p:spPr>
+              <a:xfrm>
+                <a:off x="6934200" y="3581400"/>
+                <a:ext cx="381000" cy="304800"/>
+              </a:xfrm>
+              <a:prstGeom prst="rect">
+                <a:avLst/>
+              </a:prstGeom>
+              <a:solidFill>
+                <a:schemeClr val="bg1"/>
+              </a:solidFill>
+              <a:ln>
+                <a:solidFill>
+                  <a:schemeClr val="tx1"/>
+                </a:solidFill>
+              </a:ln>
+            </p:spPr>
+            <p:style>
+              <a:lnRef idx="2">
+                <a:schemeClr val="accent1">
+                  <a:shade val="50000"/>
+                </a:schemeClr>
+              </a:lnRef>
+              <a:fillRef idx="1">
+                <a:schemeClr val="accent1"/>
+              </a:fillRef>
+              <a:effectRef idx="0">
+                <a:schemeClr val="accent1"/>
+              </a:effectRef>
+              <a:fontRef idx="minor">
+                <a:schemeClr val="lt1"/>
+              </a:fontRef>
+            </p:style>
+            <p:txBody>
+              <a:bodyPr rtlCol="0" anchor="ctr"/>
+              <a:lstStyle/>
+              <a:p>
+                <a:pPr algn="ctr"/>
+                <a:endParaRPr lang="en-US" dirty="0"/>
+              </a:p>
+            </p:txBody>
+          </p:sp>
+          <p:sp>
+            <p:nvSpPr>
+              <p:cNvPr id="14" name="Rectangle 13"/>
+              <p:cNvSpPr/>
+              <p:nvPr/>
+            </p:nvSpPr>
+            <p:spPr>
+              <a:xfrm>
+                <a:off x="6934200" y="3886200"/>
+                <a:ext cx="381000" cy="304800"/>
+              </a:xfrm>
+              <a:prstGeom prst="rect">
+                <a:avLst/>
+              </a:prstGeom>
+              <a:solidFill>
+                <a:schemeClr val="bg1"/>
+              </a:solidFill>
+              <a:ln>
+                <a:solidFill>
+                  <a:schemeClr val="tx1"/>
+                </a:solidFill>
+              </a:ln>
+            </p:spPr>
+            <p:style>
+              <a:lnRef idx="2">
+                <a:schemeClr val="accent1">
+                  <a:shade val="50000"/>
+                </a:schemeClr>
+              </a:lnRef>
+              <a:fillRef idx="1">
+                <a:schemeClr val="accent1"/>
+              </a:fillRef>
+              <a:effectRef idx="0">
+                <a:schemeClr val="accent1"/>
+              </a:effectRef>
+              <a:fontRef idx="minor">
+                <a:schemeClr val="lt1"/>
+              </a:fontRef>
+            </p:style>
+            <p:txBody>
+              <a:bodyPr rtlCol="0" anchor="ctr"/>
+              <a:lstStyle/>
+              <a:p>
+                <a:pPr algn="ctr"/>
+                <a:endParaRPr lang="en-US" dirty="0"/>
+              </a:p>
+            </p:txBody>
+          </p:sp>
+          <p:sp>
+            <p:nvSpPr>
+              <p:cNvPr id="15" name="Rectangle 14"/>
+              <p:cNvSpPr/>
+              <p:nvPr/>
+            </p:nvSpPr>
+            <p:spPr>
+              <a:xfrm>
+                <a:off x="7315200" y="2971800"/>
+                <a:ext cx="381000" cy="304800"/>
+              </a:xfrm>
+              <a:prstGeom prst="rect">
+                <a:avLst/>
+              </a:prstGeom>
+              <a:solidFill>
+                <a:schemeClr val="bg1"/>
+              </a:solidFill>
+              <a:ln>
+                <a:solidFill>
+                  <a:schemeClr val="tx1"/>
+                </a:solidFill>
+              </a:ln>
+            </p:spPr>
+            <p:style>
+              <a:lnRef idx="2">
+                <a:schemeClr val="accent1">
+                  <a:shade val="50000"/>
+                </a:schemeClr>
+              </a:lnRef>
+              <a:fillRef idx="1">
+                <a:schemeClr val="accent1"/>
+              </a:fillRef>
+              <a:effectRef idx="0">
+                <a:schemeClr val="accent1"/>
+              </a:effectRef>
+              <a:fontRef idx="minor">
+                <a:schemeClr val="lt1"/>
+              </a:fontRef>
+            </p:style>
+            <p:txBody>
+              <a:bodyPr rtlCol="0" anchor="ctr"/>
+              <a:lstStyle/>
+              <a:p>
+                <a:pPr algn="ctr"/>
+                <a:endParaRPr lang="en-US" dirty="0"/>
+              </a:p>
+            </p:txBody>
+          </p:sp>
+          <p:sp>
+            <p:nvSpPr>
+              <p:cNvPr id="16" name="Rectangle 15"/>
+              <p:cNvSpPr/>
+              <p:nvPr/>
+            </p:nvSpPr>
+            <p:spPr>
+              <a:xfrm>
+                <a:off x="7315200" y="3276600"/>
+                <a:ext cx="381000" cy="304800"/>
+              </a:xfrm>
+              <a:prstGeom prst="rect">
+                <a:avLst/>
+              </a:prstGeom>
+              <a:solidFill>
+                <a:schemeClr val="bg1"/>
+              </a:solidFill>
+              <a:ln>
+                <a:solidFill>
+                  <a:schemeClr val="tx1"/>
+                </a:solidFill>
+              </a:ln>
+            </p:spPr>
+            <p:style>
+              <a:lnRef idx="2">
+                <a:schemeClr val="accent1">
+                  <a:shade val="50000"/>
+                </a:schemeClr>
+              </a:lnRef>
+              <a:fillRef idx="1">
+                <a:schemeClr val="accent1"/>
+              </a:fillRef>
+              <a:effectRef idx="0">
+                <a:schemeClr val="accent1"/>
+              </a:effectRef>
+              <a:fontRef idx="minor">
+                <a:schemeClr val="lt1"/>
+              </a:fontRef>
+            </p:style>
+            <p:txBody>
+              <a:bodyPr rtlCol="0" anchor="ctr"/>
+              <a:lstStyle/>
+              <a:p>
+                <a:pPr algn="ctr"/>
+                <a:endParaRPr lang="en-US" dirty="0"/>
+              </a:p>
+            </p:txBody>
+          </p:sp>
+          <p:sp>
+            <p:nvSpPr>
+              <p:cNvPr id="17" name="Rectangle 16"/>
+              <p:cNvSpPr/>
+              <p:nvPr/>
+            </p:nvSpPr>
+            <p:spPr>
+              <a:xfrm>
+                <a:off x="7315200" y="3581400"/>
+                <a:ext cx="381000" cy="304800"/>
+              </a:xfrm>
+              <a:prstGeom prst="rect">
+                <a:avLst/>
+              </a:prstGeom>
+              <a:solidFill>
+                <a:schemeClr val="bg1"/>
+              </a:solidFill>
+              <a:ln>
+                <a:solidFill>
+                  <a:schemeClr val="tx1"/>
+                </a:solidFill>
+              </a:ln>
+            </p:spPr>
+            <p:style>
+              <a:lnRef idx="2">
+                <a:schemeClr val="accent1">
+                  <a:shade val="50000"/>
+                </a:schemeClr>
+              </a:lnRef>
+              <a:fillRef idx="1">
+                <a:schemeClr val="accent1"/>
+              </a:fillRef>
+              <a:effectRef idx="0">
+                <a:schemeClr val="accent1"/>
+              </a:effectRef>
+              <a:fontRef idx="minor">
+                <a:schemeClr val="lt1"/>
+              </a:fontRef>
+            </p:style>
+            <p:txBody>
+              <a:bodyPr rtlCol="0" anchor="ctr"/>
+              <a:lstStyle/>
+              <a:p>
+                <a:pPr algn="ctr"/>
+                <a:endParaRPr lang="en-US" dirty="0"/>
+              </a:p>
+            </p:txBody>
+          </p:sp>
+          <p:sp>
+            <p:nvSpPr>
+              <p:cNvPr id="18" name="Rectangle 17"/>
+              <p:cNvSpPr/>
+              <p:nvPr/>
+            </p:nvSpPr>
+            <p:spPr>
+              <a:xfrm>
+                <a:off x="7315200" y="3886200"/>
+                <a:ext cx="381000" cy="304800"/>
+              </a:xfrm>
+              <a:prstGeom prst="rect">
+                <a:avLst/>
+              </a:prstGeom>
+              <a:solidFill>
+                <a:schemeClr val="bg1"/>
+              </a:solidFill>
+              <a:ln>
+                <a:solidFill>
+                  <a:schemeClr val="tx1"/>
+                </a:solidFill>
+              </a:ln>
+            </p:spPr>
+            <p:style>
+              <a:lnRef idx="2">
+                <a:schemeClr val="accent1">
+                  <a:shade val="50000"/>
+                </a:schemeClr>
+              </a:lnRef>
+              <a:fillRef idx="1">
+                <a:schemeClr val="accent1"/>
+              </a:fillRef>
+              <a:effectRef idx="0">
+                <a:schemeClr val="accent1"/>
+              </a:effectRef>
+              <a:fontRef idx="minor">
+                <a:schemeClr val="lt1"/>
+              </a:fontRef>
+            </p:style>
+            <p:txBody>
+              <a:bodyPr rtlCol="0" anchor="ctr"/>
+              <a:lstStyle/>
+              <a:p>
+                <a:pPr algn="ctr"/>
+                <a:endParaRPr lang="en-US" dirty="0"/>
+              </a:p>
+            </p:txBody>
+          </p:sp>
+          <p:sp>
+            <p:nvSpPr>
+              <p:cNvPr id="19" name="Rectangle 18"/>
+              <p:cNvSpPr/>
+              <p:nvPr/>
+            </p:nvSpPr>
+            <p:spPr>
+              <a:xfrm>
+                <a:off x="7696200" y="2971800"/>
+                <a:ext cx="381000" cy="304800"/>
+              </a:xfrm>
+              <a:prstGeom prst="rect">
+                <a:avLst/>
+              </a:prstGeom>
+              <a:solidFill>
+                <a:schemeClr val="bg1"/>
+              </a:solidFill>
+              <a:ln>
+                <a:solidFill>
+                  <a:schemeClr val="tx1"/>
+                </a:solidFill>
+              </a:ln>
+            </p:spPr>
+            <p:style>
+              <a:lnRef idx="2">
+                <a:schemeClr val="accent1">
+                  <a:shade val="50000"/>
+                </a:schemeClr>
+              </a:lnRef>
+              <a:fillRef idx="1">
+                <a:schemeClr val="accent1"/>
+              </a:fillRef>
+              <a:effectRef idx="0">
+                <a:schemeClr val="accent1"/>
+              </a:effectRef>
+              <a:fontRef idx="minor">
+                <a:schemeClr val="lt1"/>
+              </a:fontRef>
+            </p:style>
+            <p:txBody>
+              <a:bodyPr rtlCol="0" anchor="ctr"/>
+              <a:lstStyle/>
+              <a:p>
+                <a:pPr algn="ctr"/>
+                <a:endParaRPr lang="en-US" dirty="0"/>
+              </a:p>
+            </p:txBody>
+          </p:sp>
+          <p:sp>
+            <p:nvSpPr>
+              <p:cNvPr id="20" name="Rectangle 19"/>
+              <p:cNvSpPr/>
+              <p:nvPr/>
+            </p:nvSpPr>
+            <p:spPr>
+              <a:xfrm>
+                <a:off x="7696200" y="3276600"/>
+                <a:ext cx="381000" cy="304800"/>
+              </a:xfrm>
+              <a:prstGeom prst="rect">
+                <a:avLst/>
+              </a:prstGeom>
+              <a:solidFill>
+                <a:schemeClr val="bg1"/>
+              </a:solidFill>
+              <a:ln>
+                <a:solidFill>
+                  <a:schemeClr val="tx1"/>
+                </a:solidFill>
+              </a:ln>
+            </p:spPr>
+            <p:style>
+              <a:lnRef idx="2">
+                <a:schemeClr val="accent1">
+                  <a:shade val="50000"/>
+                </a:schemeClr>
+              </a:lnRef>
+              <a:fillRef idx="1">
+                <a:schemeClr val="accent1"/>
+              </a:fillRef>
+              <a:effectRef idx="0">
+                <a:schemeClr val="accent1"/>
+              </a:effectRef>
+              <a:fontRef idx="minor">
+                <a:schemeClr val="lt1"/>
+              </a:fontRef>
+            </p:style>
+            <p:txBody>
+              <a:bodyPr rtlCol="0" anchor="ctr"/>
+              <a:lstStyle/>
+              <a:p>
+                <a:pPr algn="ctr"/>
+                <a:endParaRPr lang="en-US" dirty="0"/>
+              </a:p>
+            </p:txBody>
+          </p:sp>
+          <p:sp>
+            <p:nvSpPr>
+              <p:cNvPr id="21" name="Rectangle 20"/>
+              <p:cNvSpPr/>
+              <p:nvPr/>
+            </p:nvSpPr>
+            <p:spPr>
+              <a:xfrm>
+                <a:off x="7696200" y="3581400"/>
+                <a:ext cx="381000" cy="304800"/>
+              </a:xfrm>
+              <a:prstGeom prst="rect">
+                <a:avLst/>
+              </a:prstGeom>
+              <a:solidFill>
+                <a:schemeClr val="bg1"/>
+              </a:solidFill>
+              <a:ln>
+                <a:solidFill>
+                  <a:schemeClr val="tx1"/>
+                </a:solidFill>
+              </a:ln>
+            </p:spPr>
+            <p:style>
+              <a:lnRef idx="2">
+                <a:schemeClr val="accent1">
+                  <a:shade val="50000"/>
+                </a:schemeClr>
+              </a:lnRef>
+              <a:fillRef idx="1">
+                <a:schemeClr val="accent1"/>
+              </a:fillRef>
+              <a:effectRef idx="0">
+                <a:schemeClr val="accent1"/>
+              </a:effectRef>
+              <a:fontRef idx="minor">
+                <a:schemeClr val="lt1"/>
+              </a:fontRef>
+            </p:style>
+            <p:txBody>
+              <a:bodyPr rtlCol="0" anchor="ctr"/>
+              <a:lstStyle/>
+              <a:p>
+                <a:pPr algn="ctr"/>
+                <a:endParaRPr lang="en-US" dirty="0"/>
+              </a:p>
+            </p:txBody>
+          </p:sp>
+          <p:sp>
+            <p:nvSpPr>
+              <p:cNvPr id="22" name="Rectangle 21"/>
+              <p:cNvSpPr/>
+              <p:nvPr/>
+            </p:nvSpPr>
+            <p:spPr>
+              <a:xfrm>
+                <a:off x="7696200" y="3886200"/>
+                <a:ext cx="381000" cy="304800"/>
+              </a:xfrm>
+              <a:prstGeom prst="rect">
+                <a:avLst/>
+              </a:prstGeom>
+              <a:solidFill>
+                <a:schemeClr val="bg1"/>
+              </a:solidFill>
+              <a:ln>
+                <a:solidFill>
+                  <a:schemeClr val="tx1"/>
+                </a:solidFill>
+              </a:ln>
+            </p:spPr>
+            <p:style>
+              <a:lnRef idx="2">
+                <a:schemeClr val="accent1">
+                  <a:shade val="50000"/>
+                </a:schemeClr>
+              </a:lnRef>
+              <a:fillRef idx="1">
+                <a:schemeClr val="accent1"/>
+              </a:fillRef>
+              <a:effectRef idx="0">
+                <a:schemeClr val="accent1"/>
+              </a:effectRef>
+              <a:fontRef idx="minor">
+                <a:schemeClr val="lt1"/>
+              </a:fontRef>
+            </p:style>
+            <p:txBody>
+              <a:bodyPr rtlCol="0" anchor="ctr"/>
+              <a:lstStyle/>
+              <a:p>
+                <a:pPr algn="ctr"/>
+                <a:endParaRPr lang="en-US" dirty="0"/>
+              </a:p>
+            </p:txBody>
+          </p:sp>
+          <p:sp>
+            <p:nvSpPr>
+              <p:cNvPr id="23" name="Rectangle 22"/>
+              <p:cNvSpPr/>
+              <p:nvPr/>
+            </p:nvSpPr>
+            <p:spPr>
+              <a:xfrm>
+                <a:off x="8077200" y="2971800"/>
+                <a:ext cx="381000" cy="304800"/>
+              </a:xfrm>
+              <a:prstGeom prst="rect">
+                <a:avLst/>
+              </a:prstGeom>
+              <a:solidFill>
+                <a:schemeClr val="bg1"/>
+              </a:solidFill>
+              <a:ln>
+                <a:solidFill>
+                  <a:schemeClr val="tx1"/>
+                </a:solidFill>
+              </a:ln>
+            </p:spPr>
+            <p:style>
+              <a:lnRef idx="2">
+                <a:schemeClr val="accent1">
+                  <a:shade val="50000"/>
+                </a:schemeClr>
+              </a:lnRef>
+              <a:fillRef idx="1">
+                <a:schemeClr val="accent1"/>
+              </a:fillRef>
+              <a:effectRef idx="0">
+                <a:schemeClr val="accent1"/>
+              </a:effectRef>
+              <a:fontRef idx="minor">
+                <a:schemeClr val="lt1"/>
+              </a:fontRef>
+            </p:style>
+            <p:txBody>
+              <a:bodyPr rtlCol="0" anchor="ctr"/>
+              <a:lstStyle/>
+              <a:p>
+                <a:pPr algn="ctr"/>
+                <a:endParaRPr lang="en-US" dirty="0"/>
+              </a:p>
+            </p:txBody>
+          </p:sp>
+          <p:sp>
+            <p:nvSpPr>
+              <p:cNvPr id="24" name="Rectangle 23"/>
+              <p:cNvSpPr/>
+              <p:nvPr/>
+            </p:nvSpPr>
+            <p:spPr>
+              <a:xfrm>
+                <a:off x="8077200" y="3276600"/>
+                <a:ext cx="381000" cy="304800"/>
+              </a:xfrm>
+              <a:prstGeom prst="rect">
+                <a:avLst/>
+              </a:prstGeom>
+              <a:solidFill>
+                <a:schemeClr val="bg1"/>
+              </a:solidFill>
+              <a:ln>
+                <a:solidFill>
+                  <a:schemeClr val="tx1"/>
+                </a:solidFill>
+              </a:ln>
+            </p:spPr>
+            <p:style>
+              <a:lnRef idx="2">
+                <a:schemeClr val="accent1">
+                  <a:shade val="50000"/>
+                </a:schemeClr>
+              </a:lnRef>
+              <a:fillRef idx="1">
+                <a:schemeClr val="accent1"/>
+              </a:fillRef>
+              <a:effectRef idx="0">
+                <a:schemeClr val="accent1"/>
+              </a:effectRef>
+              <a:fontRef idx="minor">
+                <a:schemeClr val="lt1"/>
+              </a:fontRef>
+            </p:style>
+            <p:txBody>
+              <a:bodyPr rtlCol="0" anchor="ctr"/>
+              <a:lstStyle/>
+              <a:p>
+                <a:pPr algn="ctr"/>
+                <a:endParaRPr lang="en-US" dirty="0"/>
+              </a:p>
+            </p:txBody>
+          </p:sp>
+          <p:sp>
+            <p:nvSpPr>
+              <p:cNvPr id="25" name="Rectangle 24"/>
+              <p:cNvSpPr/>
+              <p:nvPr/>
+            </p:nvSpPr>
+            <p:spPr>
+              <a:xfrm>
+                <a:off x="8077200" y="3581400"/>
+                <a:ext cx="381000" cy="304800"/>
+              </a:xfrm>
+              <a:prstGeom prst="rect">
+                <a:avLst/>
+              </a:prstGeom>
+              <a:solidFill>
+                <a:schemeClr val="bg1"/>
+              </a:solidFill>
+              <a:ln>
+                <a:solidFill>
+                  <a:schemeClr val="tx1"/>
+                </a:solidFill>
+              </a:ln>
+            </p:spPr>
+            <p:style>
+              <a:lnRef idx="2">
+                <a:schemeClr val="accent1">
+                  <a:shade val="50000"/>
+                </a:schemeClr>
+              </a:lnRef>
+              <a:fillRef idx="1">
+                <a:schemeClr val="accent1"/>
+              </a:fillRef>
+              <a:effectRef idx="0">
+                <a:schemeClr val="accent1"/>
+              </a:effectRef>
+              <a:fontRef idx="minor">
+                <a:schemeClr val="lt1"/>
+              </a:fontRef>
+            </p:style>
+            <p:txBody>
+              <a:bodyPr rtlCol="0" anchor="ctr"/>
+              <a:lstStyle/>
+              <a:p>
+                <a:pPr algn="ctr"/>
+                <a:endParaRPr lang="en-US" dirty="0"/>
+              </a:p>
+            </p:txBody>
+          </p:sp>
+          <p:sp>
+            <p:nvSpPr>
+              <p:cNvPr id="26" name="Rectangle 25"/>
+              <p:cNvSpPr/>
+              <p:nvPr/>
+            </p:nvSpPr>
+            <p:spPr>
+              <a:xfrm>
+                <a:off x="8077200" y="3886200"/>
+                <a:ext cx="381000" cy="304800"/>
+              </a:xfrm>
+              <a:prstGeom prst="rect">
+                <a:avLst/>
+              </a:prstGeom>
+              <a:solidFill>
+                <a:schemeClr val="bg1"/>
+              </a:solidFill>
+              <a:ln>
+                <a:solidFill>
+                  <a:schemeClr val="tx1"/>
+                </a:solidFill>
+              </a:ln>
+            </p:spPr>
+            <p:style>
+              <a:lnRef idx="2">
+                <a:schemeClr val="accent1">
+                  <a:shade val="50000"/>
+                </a:schemeClr>
+              </a:lnRef>
+              <a:fillRef idx="1">
+                <a:schemeClr val="accent1"/>
+              </a:fillRef>
+              <a:effectRef idx="0">
+                <a:schemeClr val="accent1"/>
+              </a:effectRef>
+              <a:fontRef idx="minor">
+                <a:schemeClr val="lt1"/>
+              </a:fontRef>
+            </p:style>
+            <p:txBody>
+              <a:bodyPr rtlCol="0" anchor="ctr"/>
+              <a:lstStyle/>
+              <a:p>
+                <a:pPr algn="ctr"/>
+                <a:endParaRPr lang="en-US" dirty="0"/>
+              </a:p>
+            </p:txBody>
+          </p:sp>
+          <p:sp>
+            <p:nvSpPr>
+              <p:cNvPr id="27" name="Rectangle 26"/>
+              <p:cNvSpPr/>
+              <p:nvPr/>
+            </p:nvSpPr>
+            <p:spPr>
+              <a:xfrm>
+                <a:off x="6172200" y="2971800"/>
+                <a:ext cx="381000" cy="304800"/>
+              </a:xfrm>
+              <a:prstGeom prst="rect">
+                <a:avLst/>
+              </a:prstGeom>
+              <a:solidFill>
+                <a:schemeClr val="bg1"/>
+              </a:solidFill>
+              <a:ln>
+                <a:solidFill>
+                  <a:schemeClr val="tx1"/>
+                </a:solidFill>
+              </a:ln>
+            </p:spPr>
+            <p:style>
+              <a:lnRef idx="2">
+                <a:schemeClr val="accent1">
+                  <a:shade val="50000"/>
+                </a:schemeClr>
+              </a:lnRef>
+              <a:fillRef idx="1">
+                <a:schemeClr val="accent1"/>
+              </a:fillRef>
+              <a:effectRef idx="0">
+                <a:schemeClr val="accent1"/>
+              </a:effectRef>
+              <a:fontRef idx="minor">
+                <a:schemeClr val="lt1"/>
+              </a:fontRef>
+            </p:style>
+            <p:txBody>
+              <a:bodyPr rtlCol="0" anchor="ctr"/>
+              <a:lstStyle/>
+              <a:p>
+                <a:pPr algn="ctr"/>
+                <a:endParaRPr lang="en-US" dirty="0"/>
+              </a:p>
+            </p:txBody>
+          </p:sp>
+          <p:sp>
+            <p:nvSpPr>
+              <p:cNvPr id="28" name="Rectangle 27"/>
+              <p:cNvSpPr/>
+              <p:nvPr/>
+            </p:nvSpPr>
+            <p:spPr>
+              <a:xfrm>
+                <a:off x="6172200" y="3276600"/>
+                <a:ext cx="381000" cy="304800"/>
+              </a:xfrm>
+              <a:prstGeom prst="rect">
+                <a:avLst/>
+              </a:prstGeom>
+              <a:solidFill>
+                <a:schemeClr val="bg1"/>
+              </a:solidFill>
+              <a:ln>
+                <a:solidFill>
+                  <a:schemeClr val="tx1"/>
+                </a:solidFill>
+              </a:ln>
+            </p:spPr>
+            <p:style>
+              <a:lnRef idx="2">
+                <a:schemeClr val="accent1">
+                  <a:shade val="50000"/>
+                </a:schemeClr>
+              </a:lnRef>
+              <a:fillRef idx="1">
+                <a:schemeClr val="accent1"/>
+              </a:fillRef>
+              <a:effectRef idx="0">
+                <a:schemeClr val="accent1"/>
+              </a:effectRef>
+              <a:fontRef idx="minor">
+                <a:schemeClr val="lt1"/>
+              </a:fontRef>
+            </p:style>
+            <p:txBody>
+              <a:bodyPr rtlCol="0" anchor="ctr"/>
+              <a:lstStyle/>
+              <a:p>
+                <a:pPr algn="ctr"/>
+                <a:endParaRPr lang="en-US" dirty="0"/>
+              </a:p>
+            </p:txBody>
+          </p:sp>
+          <p:sp>
+            <p:nvSpPr>
+              <p:cNvPr id="29" name="Rectangle 28"/>
+              <p:cNvSpPr/>
+              <p:nvPr/>
+            </p:nvSpPr>
+            <p:spPr>
+              <a:xfrm>
+                <a:off x="6172200" y="3581400"/>
+                <a:ext cx="381000" cy="304800"/>
+              </a:xfrm>
+              <a:prstGeom prst="rect">
+                <a:avLst/>
+              </a:prstGeom>
+              <a:solidFill>
+                <a:schemeClr val="bg1"/>
+              </a:solidFill>
+              <a:ln>
+                <a:solidFill>
+                  <a:schemeClr val="tx1"/>
+                </a:solidFill>
+              </a:ln>
+            </p:spPr>
+            <p:style>
+              <a:lnRef idx="2">
+                <a:schemeClr val="accent1">
+                  <a:shade val="50000"/>
+                </a:schemeClr>
+              </a:lnRef>
+              <a:fillRef idx="1">
+                <a:schemeClr val="accent1"/>
+              </a:fillRef>
+              <a:effectRef idx="0">
+                <a:schemeClr val="accent1"/>
+              </a:effectRef>
+              <a:fontRef idx="minor">
+                <a:schemeClr val="lt1"/>
+              </a:fontRef>
+            </p:style>
+            <p:txBody>
+              <a:bodyPr rtlCol="0" anchor="ctr"/>
+              <a:lstStyle/>
+              <a:p>
+                <a:pPr algn="ctr"/>
+                <a:endParaRPr lang="en-US" dirty="0"/>
+              </a:p>
+            </p:txBody>
+          </p:sp>
+          <p:sp>
+            <p:nvSpPr>
+              <p:cNvPr id="30" name="Rectangle 29"/>
+              <p:cNvSpPr/>
+              <p:nvPr/>
+            </p:nvSpPr>
+            <p:spPr>
+              <a:xfrm>
+                <a:off x="6172200" y="3886200"/>
+                <a:ext cx="381000" cy="304800"/>
+              </a:xfrm>
+              <a:prstGeom prst="rect">
+                <a:avLst/>
+              </a:prstGeom>
+              <a:solidFill>
+                <a:schemeClr val="bg1"/>
+              </a:solidFill>
+              <a:ln>
+                <a:solidFill>
+                  <a:schemeClr val="tx1"/>
+                </a:solidFill>
+              </a:ln>
+            </p:spPr>
+            <p:style>
+              <a:lnRef idx="2">
+                <a:schemeClr val="accent1">
+                  <a:shade val="50000"/>
+                </a:schemeClr>
+              </a:lnRef>
+              <a:fillRef idx="1">
+                <a:schemeClr val="accent1"/>
+              </a:fillRef>
+              <a:effectRef idx="0">
+                <a:schemeClr val="accent1"/>
+              </a:effectRef>
+              <a:fontRef idx="minor">
+                <a:schemeClr val="lt1"/>
+              </a:fontRef>
+            </p:style>
+            <p:txBody>
+              <a:bodyPr rtlCol="0" anchor="ctr"/>
+              <a:lstStyle/>
+              <a:p>
+                <a:pPr algn="ctr"/>
+                <a:endParaRPr lang="en-US" dirty="0"/>
+              </a:p>
+            </p:txBody>
+          </p:sp>
+        </p:grpSp>
+        <p:sp>
+          <p:nvSpPr>
+            <p:cNvPr id="32" name="TextBox 31"/>
+            <p:cNvSpPr txBox="1"/>
+            <p:nvPr/>
+          </p:nvSpPr>
+          <p:spPr>
+            <a:xfrm>
+              <a:off x="6172200" y="2895600"/>
+              <a:ext cx="533400" cy="369332"/>
+            </a:xfrm>
+            <a:prstGeom prst="rect">
+              <a:avLst/>
+            </a:prstGeom>
+            <a:noFill/>
+          </p:spPr>
+          <p:txBody>
+            <a:bodyPr wrap="square" rtlCol="0">
+              <a:spAutoFit/>
+            </a:bodyPr>
+            <a:lstStyle/>
+            <a:p>
+              <a:r>
+                <a:rPr lang="en-US" dirty="0" smtClean="0"/>
+                <a:t>X</a:t>
+              </a:r>
+              <a:endParaRPr lang="en-US" dirty="0"/>
+            </a:p>
+          </p:txBody>
+        </p:sp>
+        <p:sp>
+          <p:nvSpPr>
+            <p:cNvPr id="33" name="TextBox 32"/>
+            <p:cNvSpPr txBox="1"/>
+            <p:nvPr/>
+          </p:nvSpPr>
+          <p:spPr>
+            <a:xfrm>
+              <a:off x="6553200" y="3200400"/>
+              <a:ext cx="533400" cy="369332"/>
+            </a:xfrm>
+            <a:prstGeom prst="rect">
+              <a:avLst/>
+            </a:prstGeom>
+            <a:noFill/>
+          </p:spPr>
+          <p:txBody>
+            <a:bodyPr wrap="square" rtlCol="0">
+              <a:spAutoFit/>
+            </a:bodyPr>
+            <a:lstStyle/>
+            <a:p>
+              <a:r>
+                <a:rPr lang="en-US" dirty="0" smtClean="0"/>
+                <a:t>X</a:t>
+              </a:r>
+              <a:endParaRPr lang="en-US" dirty="0"/>
+            </a:p>
+          </p:txBody>
+        </p:sp>
+        <p:sp>
+          <p:nvSpPr>
+            <p:cNvPr id="34" name="TextBox 33"/>
+            <p:cNvSpPr txBox="1"/>
+            <p:nvPr/>
+          </p:nvSpPr>
+          <p:spPr>
+            <a:xfrm>
+              <a:off x="6172200" y="3505200"/>
+              <a:ext cx="533400" cy="369332"/>
+            </a:xfrm>
+            <a:prstGeom prst="rect">
+              <a:avLst/>
+            </a:prstGeom>
+            <a:noFill/>
+          </p:spPr>
+          <p:txBody>
+            <a:bodyPr wrap="square" rtlCol="0">
+              <a:spAutoFit/>
+            </a:bodyPr>
+            <a:lstStyle/>
+            <a:p>
+              <a:r>
+                <a:rPr lang="en-US" dirty="0" smtClean="0"/>
+                <a:t>X</a:t>
+              </a:r>
+              <a:endParaRPr lang="en-US" dirty="0"/>
+            </a:p>
+          </p:txBody>
+        </p:sp>
+        <p:sp>
+          <p:nvSpPr>
+            <p:cNvPr id="35" name="TextBox 34"/>
+            <p:cNvSpPr txBox="1"/>
+            <p:nvPr/>
+          </p:nvSpPr>
+          <p:spPr>
+            <a:xfrm>
+              <a:off x="7315200" y="2895600"/>
+              <a:ext cx="609600" cy="369332"/>
+            </a:xfrm>
+            <a:prstGeom prst="rect">
+              <a:avLst/>
+            </a:prstGeom>
+            <a:noFill/>
+          </p:spPr>
+          <p:txBody>
+            <a:bodyPr wrap="square" rtlCol="0">
+              <a:spAutoFit/>
+            </a:bodyPr>
+            <a:lstStyle/>
+            <a:p>
+              <a:r>
+                <a:rPr lang="en-US" dirty="0" smtClean="0"/>
+                <a:t>O</a:t>
+              </a:r>
+              <a:endParaRPr lang="en-US" dirty="0"/>
+            </a:p>
+          </p:txBody>
+        </p:sp>
+        <p:sp>
+          <p:nvSpPr>
+            <p:cNvPr id="36" name="TextBox 35"/>
+            <p:cNvSpPr txBox="1"/>
+            <p:nvPr/>
+          </p:nvSpPr>
+          <p:spPr>
+            <a:xfrm>
+              <a:off x="8077200" y="3810000"/>
+              <a:ext cx="609600" cy="369332"/>
+            </a:xfrm>
+            <a:prstGeom prst="rect">
+              <a:avLst/>
+            </a:prstGeom>
+            <a:noFill/>
+          </p:spPr>
+          <p:txBody>
+            <a:bodyPr wrap="square" rtlCol="0">
+              <a:spAutoFit/>
+            </a:bodyPr>
+            <a:lstStyle/>
+            <a:p>
+              <a:r>
+                <a:rPr lang="en-US" dirty="0" smtClean="0"/>
+                <a:t>O</a:t>
+              </a:r>
+              <a:endParaRPr lang="en-US" dirty="0"/>
+            </a:p>
+          </p:txBody>
+        </p:sp>
+        <p:sp>
+          <p:nvSpPr>
+            <p:cNvPr id="37" name="TextBox 36"/>
+            <p:cNvSpPr txBox="1"/>
+            <p:nvPr/>
+          </p:nvSpPr>
+          <p:spPr>
+            <a:xfrm>
+              <a:off x="7696200" y="3505200"/>
+              <a:ext cx="609600" cy="369332"/>
+            </a:xfrm>
+            <a:prstGeom prst="rect">
+              <a:avLst/>
+            </a:prstGeom>
+            <a:noFill/>
+          </p:spPr>
+          <p:txBody>
+            <a:bodyPr wrap="square" rtlCol="0">
+              <a:spAutoFit/>
+            </a:bodyPr>
+            <a:lstStyle/>
+            <a:p>
+              <a:r>
+                <a:rPr lang="en-US" dirty="0" smtClean="0"/>
+                <a:t>O</a:t>
+              </a:r>
+              <a:endParaRPr lang="en-US" dirty="0"/>
+            </a:p>
+          </p:txBody>
+        </p:sp>
+      </p:grpSp>
+      <p:pic>
+        <p:nvPicPr>
+          <p:cNvPr id="2050" name="Picture 2" descr="http://t1.gstatic.com/images?q=tbn:DfwJv-0KT8KniM:http://blog.timesunion.com/tech/files/2009/10/powerglove.jpg">
+            <a:hlinkClick r:id="rId3"/>
+          </p:cNvPr>
+          <p:cNvPicPr>
+            <a:picLocks noChangeAspect="1" noChangeArrowheads="1"/>
+          </p:cNvPicPr>
+          <p:nvPr/>
+        </p:nvPicPr>
+        <p:blipFill>
+          <a:blip r:embed="rId4" cstate="print"/>
+          <a:srcRect/>
+          <a:stretch>
+            <a:fillRect/>
+          </a:stretch>
+        </p:blipFill>
+        <p:spPr bwMode="auto">
+          <a:xfrm>
+            <a:off x="6400800" y="1828800"/>
+            <a:ext cx="2545347" cy="2438400"/>
+          </a:xfrm>
+          <a:prstGeom prst="rect">
+            <a:avLst/>
+          </a:prstGeom>
+          <a:noFill/>
+        </p:spPr>
+      </p:pic>
+    </p:spTree>
+  </p:cSld>
+  <p:clrMapOvr>
+    <a:masterClrMapping/>
+  </p:clrMapOvr>
+  <p:timing>
+    <p:tnLst>
+      <p:par>
+        <p:cTn id="1" dur="indefinite" restart="never" nodeType="tmRoot"/>
+      </p:par>
+    </p:tnLst>
+  </p:timing>
+</p:sld>
+</file>
+
+<file path=ppt/slides/slide40.xml><?xml version="1.0" encoding="utf-8"?>
+<p:sld xmlns:a="http://schemas.openxmlformats.org/drawingml/2006/main" xmlns:r="http://schemas.openxmlformats.org/officeDocument/2006/relationships" xmlns:p="http://schemas.openxmlformats.org/presentationml/2006/main">
+  <p:cSld>
+    <p:spTree>
+      <p:nvGrpSpPr>
+        <p:cNvPr id="1" name=""/>
+        <p:cNvGrpSpPr/>
+        <p:nvPr/>
+      </p:nvGrpSpPr>
+      <p:grpSpPr>
+        <a:xfrm>
+          <a:off x="0" y="0"/>
+          <a:ext cx="0" cy="0"/>
+          <a:chOff x="0" y="0"/>
+          <a:chExt cx="0" cy="0"/>
+        </a:xfrm>
+      </p:grpSpPr>
+      <p:sp>
+        <p:nvSpPr>
+          <p:cNvPr id="2" name="Title 1"/>
+          <p:cNvSpPr>
+            <a:spLocks noGrp="1"/>
+          </p:cNvSpPr>
+          <p:nvPr>
+            <p:ph type="title"/>
+          </p:nvPr>
+        </p:nvSpPr>
+        <p:spPr/>
+        <p:txBody>
+          <a:bodyPr/>
+          <a:lstStyle/>
+          <a:p>
+            <a:r>
+              <a:rPr lang="en-US" dirty="0" smtClean="0"/>
               <a:t>AI</a:t>
             </a:r>
             <a:endParaRPr lang="en-US" dirty="0"/>
@@ -20911,7 +25177,7 @@
             <a:fld id="{B6F15528-21DE-4FAA-801E-634DDDAF4B2B}" type="slidenum">
               <a:rPr lang="en-US" smtClean="0"/>
               <a:pPr/>
-              <a:t>32</a:t>
+              <a:t>40</a:t>
             </a:fld>
             <a:endParaRPr lang="en-US" dirty="0"/>
           </a:p>
@@ -26722,7 +30988,7 @@
 </p:sld>
 </file>
 
-<file path=ppt/slides/slide33.xml><?xml version="1.0" encoding="utf-8"?>
+<file path=ppt/slides/slide41.xml><?xml version="1.0" encoding="utf-8"?>
 <p:sld xmlns:a="http://schemas.openxmlformats.org/drawingml/2006/main" xmlns:r="http://schemas.openxmlformats.org/officeDocument/2006/relationships" xmlns:p="http://schemas.openxmlformats.org/presentationml/2006/main">
   <p:cSld>
     <p:spTree>
@@ -26823,7 +31089,7 @@
             <a:fld id="{B6F15528-21DE-4FAA-801E-634DDDAF4B2B}" type="slidenum">
               <a:rPr lang="en-US" smtClean="0"/>
               <a:pPr/>
-              <a:t>33</a:t>
+              <a:t>41</a:t>
             </a:fld>
             <a:endParaRPr lang="en-US" dirty="0"/>
           </a:p>
@@ -26868,7 +31134,7 @@
 </p:sld>
 </file>
 
-<file path=ppt/slides/slide34.xml><?xml version="1.0" encoding="utf-8"?>
+<file path=ppt/slides/slide42.xml><?xml version="1.0" encoding="utf-8"?>
 <p:sld xmlns:a="http://schemas.openxmlformats.org/drawingml/2006/main" xmlns:r="http://schemas.openxmlformats.org/officeDocument/2006/relationships" xmlns:p="http://schemas.openxmlformats.org/presentationml/2006/main">
   <p:cSld>
     <p:spTree>
@@ -26980,7 +31246,7 @@
             <a:fld id="{B6F15528-21DE-4FAA-801E-634DDDAF4B2B}" type="slidenum">
               <a:rPr lang="en-US" smtClean="0"/>
               <a:pPr/>
-              <a:t>34</a:t>
+              <a:t>42</a:t>
             </a:fld>
             <a:endParaRPr lang="en-US" dirty="0"/>
           </a:p>
@@ -27025,7 +31291,7 @@
 </p:sld>
 </file>
 
-<file path=ppt/slides/slide35.xml><?xml version="1.0" encoding="utf-8"?>
+<file path=ppt/slides/slide43.xml><?xml version="1.0" encoding="utf-8"?>
 <p:sld xmlns:a="http://schemas.openxmlformats.org/drawingml/2006/main" xmlns:r="http://schemas.openxmlformats.org/officeDocument/2006/relationships" xmlns:p="http://schemas.openxmlformats.org/presentationml/2006/main">
   <p:cSld>
     <p:spTree>
@@ -27143,7 +31409,7 @@
             <a:fld id="{B6F15528-21DE-4FAA-801E-634DDDAF4B2B}" type="slidenum">
               <a:rPr lang="en-US" smtClean="0"/>
               <a:pPr/>
-              <a:t>35</a:t>
+              <a:t>43</a:t>
             </a:fld>
             <a:endParaRPr lang="en-US" dirty="0"/>
           </a:p>
@@ -27188,7 +31454,7 @@
 </p:sld>
 </file>
 
-<file path=ppt/slides/slide36.xml><?xml version="1.0" encoding="utf-8"?>
+<file path=ppt/slides/slide44.xml><?xml version="1.0" encoding="utf-8"?>
 <p:sld xmlns:a="http://schemas.openxmlformats.org/drawingml/2006/main" xmlns:r="http://schemas.openxmlformats.org/officeDocument/2006/relationships" xmlns:p="http://schemas.openxmlformats.org/presentationml/2006/main">
   <p:cSld>
     <p:spTree>
@@ -27306,7 +31572,7 @@
             <a:fld id="{B6F15528-21DE-4FAA-801E-634DDDAF4B2B}" type="slidenum">
               <a:rPr lang="en-US" smtClean="0"/>
               <a:pPr/>
-              <a:t>36</a:t>
+              <a:t>44</a:t>
             </a:fld>
             <a:endParaRPr lang="en-US" dirty="0"/>
           </a:p>
@@ -27351,7 +31617,7 @@
 </p:sld>
 </file>
 
-<file path=ppt/slides/slide37.xml><?xml version="1.0" encoding="utf-8"?>
+<file path=ppt/slides/slide45.xml><?xml version="1.0" encoding="utf-8"?>
 <p:sld xmlns:a="http://schemas.openxmlformats.org/drawingml/2006/main" xmlns:r="http://schemas.openxmlformats.org/officeDocument/2006/relationships" xmlns:p="http://schemas.openxmlformats.org/presentationml/2006/main">
   <p:cSld>
     <p:spTree>
@@ -27427,7 +31693,7 @@
             <a:fld id="{B6F15528-21DE-4FAA-801E-634DDDAF4B2B}" type="slidenum">
               <a:rPr lang="en-US" smtClean="0"/>
               <a:pPr/>
-              <a:t>37</a:t>
+              <a:t>45</a:t>
             </a:fld>
             <a:endParaRPr lang="en-US" dirty="0"/>
           </a:p>
@@ -27504,7 +31770,7 @@
 </p:sld>
 </file>
 
-<file path=ppt/slides/slide38.xml><?xml version="1.0" encoding="utf-8"?>
+<file path=ppt/slides/slide46.xml><?xml version="1.0" encoding="utf-8"?>
 <p:sld xmlns:a="http://schemas.openxmlformats.org/drawingml/2006/main" xmlns:r="http://schemas.openxmlformats.org/officeDocument/2006/relationships" xmlns:p="http://schemas.openxmlformats.org/presentationml/2006/main">
   <p:cSld>
     <p:spTree>
@@ -27625,7 +31891,7 @@
             <a:fld id="{B6F15528-21DE-4FAA-801E-634DDDAF4B2B}" type="slidenum">
               <a:rPr lang="en-US" smtClean="0"/>
               <a:pPr/>
-              <a:t>38</a:t>
+              <a:t>46</a:t>
             </a:fld>
             <a:endParaRPr lang="en-US" dirty="0"/>
           </a:p>
@@ -28217,7 +32483,7 @@
 </p:sld>
 </file>
 
-<file path=ppt/slides/slide39.xml><?xml version="1.0" encoding="utf-8"?>
+<file path=ppt/slides/slide47.xml><?xml version="1.0" encoding="utf-8"?>
 <p:sld xmlns:a="http://schemas.openxmlformats.org/drawingml/2006/main" xmlns:r="http://schemas.openxmlformats.org/officeDocument/2006/relationships" xmlns:p="http://schemas.openxmlformats.org/presentationml/2006/main">
   <p:cSld>
     <p:spTree>
@@ -28328,7 +32594,7 @@
             <a:fld id="{B6F15528-21DE-4FAA-801E-634DDDAF4B2B}" type="slidenum">
               <a:rPr lang="en-US" smtClean="0"/>
               <a:pPr/>
-              <a:t>39</a:t>
+              <a:t>47</a:t>
             </a:fld>
             <a:endParaRPr lang="en-US" dirty="0"/>
           </a:p>
@@ -28373,7 +32639,7 @@
 </p:sld>
 </file>
 
-<file path=ppt/slides/slide4.xml><?xml version="1.0" encoding="utf-8"?>
+<file path=ppt/slides/slide48.xml><?xml version="1.0" encoding="utf-8"?>
 <p:sld xmlns:a="http://schemas.openxmlformats.org/drawingml/2006/main" xmlns:r="http://schemas.openxmlformats.org/officeDocument/2006/relationships" xmlns:p="http://schemas.openxmlformats.org/presentationml/2006/main">
   <p:cSld>
     <p:spTree>
@@ -28407,1604 +32673,6 @@
           <a:p>
             <a:r>
               <a:rPr lang="en-US" dirty="0" smtClean="0"/>
-              <a:t>Duel Reality: the Game</a:t>
-            </a:r>
-            <a:endParaRPr lang="en-US" dirty="0"/>
-          </a:p>
-        </p:txBody>
-      </p:sp>
-      <p:sp>
-        <p:nvSpPr>
-          <p:cNvPr id="3" name="Content Placeholder 2"/>
-          <p:cNvSpPr>
-            <a:spLocks noGrp="1"/>
-          </p:cNvSpPr>
-          <p:nvPr>
-            <p:ph idx="1"/>
-          </p:nvPr>
-        </p:nvSpPr>
-        <p:spPr>
-          <a:xfrm>
-            <a:off x="457200" y="1600200"/>
-            <a:ext cx="8229600" cy="4343400"/>
-          </a:xfrm>
-        </p:spPr>
-        <p:txBody>
-          <a:bodyPr>
-            <a:normAutofit fontScale="85000" lnSpcReduction="20000"/>
-          </a:bodyPr>
-          <a:lstStyle/>
-          <a:p>
-            <a:r>
-              <a:rPr lang="en-US" dirty="0" smtClean="0"/>
-              <a:t>Total Game play experience</a:t>
-            </a:r>
-          </a:p>
-          <a:p>
-            <a:pPr lvl="1"/>
-            <a:r>
-              <a:rPr lang="en-US" dirty="0" smtClean="0"/>
-              <a:t>2D</a:t>
-            </a:r>
-          </a:p>
-          <a:p>
-            <a:pPr lvl="1"/>
-            <a:r>
-              <a:rPr lang="en-US" dirty="0" smtClean="0"/>
-              <a:t>Turn based</a:t>
-            </a:r>
-          </a:p>
-          <a:p>
-            <a:pPr lvl="1"/>
-            <a:r>
-              <a:rPr lang="en-US" dirty="0" smtClean="0"/>
-              <a:t>Strategy battle simulation</a:t>
-            </a:r>
-          </a:p>
-          <a:p>
-            <a:pPr lvl="1"/>
-            <a:r>
-              <a:rPr lang="en-US" dirty="0" smtClean="0"/>
-              <a:t>1 Player  w/ Ai opponent</a:t>
-            </a:r>
-          </a:p>
-          <a:p>
-            <a:pPr lvl="1"/>
-            <a:r>
-              <a:rPr lang="en-US" dirty="0" smtClean="0"/>
-              <a:t>(maybe 2)</a:t>
-            </a:r>
-          </a:p>
-          <a:p>
-            <a:pPr lvl="1"/>
-            <a:r>
-              <a:rPr lang="en-US" dirty="0" smtClean="0"/>
-              <a:t>Upgradable units</a:t>
-            </a:r>
-          </a:p>
-          <a:p>
-            <a:pPr lvl="1"/>
-            <a:r>
-              <a:rPr lang="en-US" dirty="0" smtClean="0"/>
-              <a:t>7  - level Campaign and Free Battle Modes</a:t>
-            </a:r>
-          </a:p>
-          <a:p>
-            <a:pPr lvl="1"/>
-            <a:r>
-              <a:rPr lang="en-US" dirty="0" smtClean="0"/>
-              <a:t>Save / Load functionality</a:t>
-            </a:r>
-          </a:p>
-          <a:p>
-            <a:pPr lvl="1"/>
-            <a:r>
-              <a:rPr lang="en-US" dirty="0" smtClean="0"/>
-              <a:t>Amazing Graphics and Sound</a:t>
-            </a:r>
-          </a:p>
-          <a:p>
-            <a:pPr lvl="1"/>
-            <a:r>
-              <a:rPr lang="en-US" dirty="0" smtClean="0"/>
-              <a:t>Dynamic Action Points Game play</a:t>
-            </a:r>
-          </a:p>
-          <a:p>
-            <a:endParaRPr lang="en-US" dirty="0" smtClean="0"/>
-          </a:p>
-          <a:p>
-            <a:endParaRPr lang="en-US" dirty="0" smtClean="0"/>
-          </a:p>
-        </p:txBody>
-      </p:sp>
-      <p:sp>
-        <p:nvSpPr>
-          <p:cNvPr id="4" name="Slide Number Placeholder 3"/>
-          <p:cNvSpPr>
-            <a:spLocks noGrp="1"/>
-          </p:cNvSpPr>
-          <p:nvPr>
-            <p:ph type="sldNum" sz="quarter" idx="12"/>
-          </p:nvPr>
-        </p:nvSpPr>
-        <p:spPr/>
-        <p:txBody>
-          <a:bodyPr/>
-          <a:lstStyle/>
-          <a:p>
-            <a:fld id="{B6F15528-21DE-4FAA-801E-634DDDAF4B2B}" type="slidenum">
-              <a:rPr lang="en-US" smtClean="0"/>
-              <a:pPr/>
-              <a:t>4</a:t>
-            </a:fld>
-            <a:endParaRPr lang="en-US" dirty="0"/>
-          </a:p>
-        </p:txBody>
-      </p:sp>
-      <p:pic>
-        <p:nvPicPr>
-          <p:cNvPr id="5" name="Picture 4" descr="logo.jpg"/>
-          <p:cNvPicPr>
-            <a:picLocks noChangeAspect="1"/>
-          </p:cNvPicPr>
-          <p:nvPr/>
-        </p:nvPicPr>
-        <p:blipFill>
-          <a:blip r:embed="rId2" cstate="print"/>
-          <a:stretch>
-            <a:fillRect/>
-          </a:stretch>
-        </p:blipFill>
-        <p:spPr>
-          <a:xfrm>
-            <a:off x="7956253" y="0"/>
-            <a:ext cx="1187747" cy="1328738"/>
-          </a:xfrm>
-          <a:prstGeom prst="rect">
-            <a:avLst/>
-          </a:prstGeom>
-        </p:spPr>
-      </p:pic>
-      <p:grpSp>
-        <p:nvGrpSpPr>
-          <p:cNvPr id="38" name="Group 37"/>
-          <p:cNvGrpSpPr/>
-          <p:nvPr/>
-        </p:nvGrpSpPr>
-        <p:grpSpPr>
-          <a:xfrm>
-            <a:off x="6400800" y="4648200"/>
-            <a:ext cx="2514600" cy="1295400"/>
-            <a:chOff x="6172200" y="2895600"/>
-            <a:chExt cx="2514600" cy="1295400"/>
-          </a:xfrm>
-        </p:grpSpPr>
-        <p:grpSp>
-          <p:nvGrpSpPr>
-            <p:cNvPr id="31" name="Group 30"/>
-            <p:cNvGrpSpPr/>
-            <p:nvPr/>
-          </p:nvGrpSpPr>
-          <p:grpSpPr>
-            <a:xfrm>
-              <a:off x="6172200" y="2971800"/>
-              <a:ext cx="2286000" cy="1219200"/>
-              <a:chOff x="6172200" y="2971800"/>
-              <a:chExt cx="2286000" cy="1219200"/>
-            </a:xfrm>
-          </p:grpSpPr>
-          <p:sp>
-            <p:nvSpPr>
-              <p:cNvPr id="7" name="Rectangle 6"/>
-              <p:cNvSpPr/>
-              <p:nvPr/>
-            </p:nvSpPr>
-            <p:spPr>
-              <a:xfrm>
-                <a:off x="6553200" y="2971800"/>
-                <a:ext cx="381000" cy="304800"/>
-              </a:xfrm>
-              <a:prstGeom prst="rect">
-                <a:avLst/>
-              </a:prstGeom>
-              <a:solidFill>
-                <a:schemeClr val="bg1"/>
-              </a:solidFill>
-              <a:ln>
-                <a:solidFill>
-                  <a:schemeClr val="tx1"/>
-                </a:solidFill>
-              </a:ln>
-            </p:spPr>
-            <p:style>
-              <a:lnRef idx="2">
-                <a:schemeClr val="accent1">
-                  <a:shade val="50000"/>
-                </a:schemeClr>
-              </a:lnRef>
-              <a:fillRef idx="1">
-                <a:schemeClr val="accent1"/>
-              </a:fillRef>
-              <a:effectRef idx="0">
-                <a:schemeClr val="accent1"/>
-              </a:effectRef>
-              <a:fontRef idx="minor">
-                <a:schemeClr val="lt1"/>
-              </a:fontRef>
-            </p:style>
-            <p:txBody>
-              <a:bodyPr rtlCol="0" anchor="ctr"/>
-              <a:lstStyle/>
-              <a:p>
-                <a:pPr algn="ctr"/>
-                <a:endParaRPr lang="en-US" dirty="0"/>
-              </a:p>
-            </p:txBody>
-          </p:sp>
-          <p:sp>
-            <p:nvSpPr>
-              <p:cNvPr id="8" name="Rectangle 7"/>
-              <p:cNvSpPr/>
-              <p:nvPr/>
-            </p:nvSpPr>
-            <p:spPr>
-              <a:xfrm>
-                <a:off x="6553200" y="3276600"/>
-                <a:ext cx="381000" cy="304800"/>
-              </a:xfrm>
-              <a:prstGeom prst="rect">
-                <a:avLst/>
-              </a:prstGeom>
-              <a:solidFill>
-                <a:schemeClr val="bg1"/>
-              </a:solidFill>
-              <a:ln>
-                <a:solidFill>
-                  <a:schemeClr val="tx1"/>
-                </a:solidFill>
-              </a:ln>
-            </p:spPr>
-            <p:style>
-              <a:lnRef idx="2">
-                <a:schemeClr val="accent1">
-                  <a:shade val="50000"/>
-                </a:schemeClr>
-              </a:lnRef>
-              <a:fillRef idx="1">
-                <a:schemeClr val="accent1"/>
-              </a:fillRef>
-              <a:effectRef idx="0">
-                <a:schemeClr val="accent1"/>
-              </a:effectRef>
-              <a:fontRef idx="minor">
-                <a:schemeClr val="lt1"/>
-              </a:fontRef>
-            </p:style>
-            <p:txBody>
-              <a:bodyPr rtlCol="0" anchor="ctr"/>
-              <a:lstStyle/>
-              <a:p>
-                <a:pPr algn="ctr"/>
-                <a:endParaRPr lang="en-US" dirty="0"/>
-              </a:p>
-            </p:txBody>
-          </p:sp>
-          <p:sp>
-            <p:nvSpPr>
-              <p:cNvPr id="9" name="Rectangle 8"/>
-              <p:cNvSpPr/>
-              <p:nvPr/>
-            </p:nvSpPr>
-            <p:spPr>
-              <a:xfrm>
-                <a:off x="6553200" y="3581400"/>
-                <a:ext cx="381000" cy="304800"/>
-              </a:xfrm>
-              <a:prstGeom prst="rect">
-                <a:avLst/>
-              </a:prstGeom>
-              <a:solidFill>
-                <a:schemeClr val="bg1"/>
-              </a:solidFill>
-              <a:ln>
-                <a:solidFill>
-                  <a:schemeClr val="tx1"/>
-                </a:solidFill>
-              </a:ln>
-            </p:spPr>
-            <p:style>
-              <a:lnRef idx="2">
-                <a:schemeClr val="accent1">
-                  <a:shade val="50000"/>
-                </a:schemeClr>
-              </a:lnRef>
-              <a:fillRef idx="1">
-                <a:schemeClr val="accent1"/>
-              </a:fillRef>
-              <a:effectRef idx="0">
-                <a:schemeClr val="accent1"/>
-              </a:effectRef>
-              <a:fontRef idx="minor">
-                <a:schemeClr val="lt1"/>
-              </a:fontRef>
-            </p:style>
-            <p:txBody>
-              <a:bodyPr rtlCol="0" anchor="ctr"/>
-              <a:lstStyle/>
-              <a:p>
-                <a:pPr algn="ctr"/>
-                <a:endParaRPr lang="en-US" dirty="0"/>
-              </a:p>
-            </p:txBody>
-          </p:sp>
-          <p:sp>
-            <p:nvSpPr>
-              <p:cNvPr id="10" name="Rectangle 9"/>
-              <p:cNvSpPr/>
-              <p:nvPr/>
-            </p:nvSpPr>
-            <p:spPr>
-              <a:xfrm>
-                <a:off x="6553200" y="3886200"/>
-                <a:ext cx="381000" cy="304800"/>
-              </a:xfrm>
-              <a:prstGeom prst="rect">
-                <a:avLst/>
-              </a:prstGeom>
-              <a:solidFill>
-                <a:schemeClr val="bg1"/>
-              </a:solidFill>
-              <a:ln>
-                <a:solidFill>
-                  <a:schemeClr val="tx1"/>
-                </a:solidFill>
-              </a:ln>
-            </p:spPr>
-            <p:style>
-              <a:lnRef idx="2">
-                <a:schemeClr val="accent1">
-                  <a:shade val="50000"/>
-                </a:schemeClr>
-              </a:lnRef>
-              <a:fillRef idx="1">
-                <a:schemeClr val="accent1"/>
-              </a:fillRef>
-              <a:effectRef idx="0">
-                <a:schemeClr val="accent1"/>
-              </a:effectRef>
-              <a:fontRef idx="minor">
-                <a:schemeClr val="lt1"/>
-              </a:fontRef>
-            </p:style>
-            <p:txBody>
-              <a:bodyPr rtlCol="0" anchor="ctr"/>
-              <a:lstStyle/>
-              <a:p>
-                <a:pPr algn="ctr"/>
-                <a:endParaRPr lang="en-US" dirty="0"/>
-              </a:p>
-            </p:txBody>
-          </p:sp>
-          <p:sp>
-            <p:nvSpPr>
-              <p:cNvPr id="11" name="Rectangle 10"/>
-              <p:cNvSpPr/>
-              <p:nvPr/>
-            </p:nvSpPr>
-            <p:spPr>
-              <a:xfrm>
-                <a:off x="6934200" y="2971800"/>
-                <a:ext cx="381000" cy="304800"/>
-              </a:xfrm>
-              <a:prstGeom prst="rect">
-                <a:avLst/>
-              </a:prstGeom>
-              <a:solidFill>
-                <a:schemeClr val="bg1"/>
-              </a:solidFill>
-              <a:ln>
-                <a:solidFill>
-                  <a:schemeClr val="tx1"/>
-                </a:solidFill>
-              </a:ln>
-            </p:spPr>
-            <p:style>
-              <a:lnRef idx="2">
-                <a:schemeClr val="accent1">
-                  <a:shade val="50000"/>
-                </a:schemeClr>
-              </a:lnRef>
-              <a:fillRef idx="1">
-                <a:schemeClr val="accent1"/>
-              </a:fillRef>
-              <a:effectRef idx="0">
-                <a:schemeClr val="accent1"/>
-              </a:effectRef>
-              <a:fontRef idx="minor">
-                <a:schemeClr val="lt1"/>
-              </a:fontRef>
-            </p:style>
-            <p:txBody>
-              <a:bodyPr rtlCol="0" anchor="ctr"/>
-              <a:lstStyle/>
-              <a:p>
-                <a:pPr algn="ctr"/>
-                <a:endParaRPr lang="en-US" dirty="0"/>
-              </a:p>
-            </p:txBody>
-          </p:sp>
-          <p:sp>
-            <p:nvSpPr>
-              <p:cNvPr id="12" name="Rectangle 11"/>
-              <p:cNvSpPr/>
-              <p:nvPr/>
-            </p:nvSpPr>
-            <p:spPr>
-              <a:xfrm>
-                <a:off x="6934200" y="3276600"/>
-                <a:ext cx="381000" cy="304800"/>
-              </a:xfrm>
-              <a:prstGeom prst="rect">
-                <a:avLst/>
-              </a:prstGeom>
-              <a:solidFill>
-                <a:schemeClr val="bg1"/>
-              </a:solidFill>
-              <a:ln>
-                <a:solidFill>
-                  <a:schemeClr val="tx1"/>
-                </a:solidFill>
-              </a:ln>
-            </p:spPr>
-            <p:style>
-              <a:lnRef idx="2">
-                <a:schemeClr val="accent1">
-                  <a:shade val="50000"/>
-                </a:schemeClr>
-              </a:lnRef>
-              <a:fillRef idx="1">
-                <a:schemeClr val="accent1"/>
-              </a:fillRef>
-              <a:effectRef idx="0">
-                <a:schemeClr val="accent1"/>
-              </a:effectRef>
-              <a:fontRef idx="minor">
-                <a:schemeClr val="lt1"/>
-              </a:fontRef>
-            </p:style>
-            <p:txBody>
-              <a:bodyPr rtlCol="0" anchor="ctr"/>
-              <a:lstStyle/>
-              <a:p>
-                <a:pPr algn="ctr"/>
-                <a:endParaRPr lang="en-US" dirty="0"/>
-              </a:p>
-            </p:txBody>
-          </p:sp>
-          <p:sp>
-            <p:nvSpPr>
-              <p:cNvPr id="13" name="Rectangle 12"/>
-              <p:cNvSpPr/>
-              <p:nvPr/>
-            </p:nvSpPr>
-            <p:spPr>
-              <a:xfrm>
-                <a:off x="6934200" y="3581400"/>
-                <a:ext cx="381000" cy="304800"/>
-              </a:xfrm>
-              <a:prstGeom prst="rect">
-                <a:avLst/>
-              </a:prstGeom>
-              <a:solidFill>
-                <a:schemeClr val="bg1"/>
-              </a:solidFill>
-              <a:ln>
-                <a:solidFill>
-                  <a:schemeClr val="tx1"/>
-                </a:solidFill>
-              </a:ln>
-            </p:spPr>
-            <p:style>
-              <a:lnRef idx="2">
-                <a:schemeClr val="accent1">
-                  <a:shade val="50000"/>
-                </a:schemeClr>
-              </a:lnRef>
-              <a:fillRef idx="1">
-                <a:schemeClr val="accent1"/>
-              </a:fillRef>
-              <a:effectRef idx="0">
-                <a:schemeClr val="accent1"/>
-              </a:effectRef>
-              <a:fontRef idx="minor">
-                <a:schemeClr val="lt1"/>
-              </a:fontRef>
-            </p:style>
-            <p:txBody>
-              <a:bodyPr rtlCol="0" anchor="ctr"/>
-              <a:lstStyle/>
-              <a:p>
-                <a:pPr algn="ctr"/>
-                <a:endParaRPr lang="en-US" dirty="0"/>
-              </a:p>
-            </p:txBody>
-          </p:sp>
-          <p:sp>
-            <p:nvSpPr>
-              <p:cNvPr id="14" name="Rectangle 13"/>
-              <p:cNvSpPr/>
-              <p:nvPr/>
-            </p:nvSpPr>
-            <p:spPr>
-              <a:xfrm>
-                <a:off x="6934200" y="3886200"/>
-                <a:ext cx="381000" cy="304800"/>
-              </a:xfrm>
-              <a:prstGeom prst="rect">
-                <a:avLst/>
-              </a:prstGeom>
-              <a:solidFill>
-                <a:schemeClr val="bg1"/>
-              </a:solidFill>
-              <a:ln>
-                <a:solidFill>
-                  <a:schemeClr val="tx1"/>
-                </a:solidFill>
-              </a:ln>
-            </p:spPr>
-            <p:style>
-              <a:lnRef idx="2">
-                <a:schemeClr val="accent1">
-                  <a:shade val="50000"/>
-                </a:schemeClr>
-              </a:lnRef>
-              <a:fillRef idx="1">
-                <a:schemeClr val="accent1"/>
-              </a:fillRef>
-              <a:effectRef idx="0">
-                <a:schemeClr val="accent1"/>
-              </a:effectRef>
-              <a:fontRef idx="minor">
-                <a:schemeClr val="lt1"/>
-              </a:fontRef>
-            </p:style>
-            <p:txBody>
-              <a:bodyPr rtlCol="0" anchor="ctr"/>
-              <a:lstStyle/>
-              <a:p>
-                <a:pPr algn="ctr"/>
-                <a:endParaRPr lang="en-US" dirty="0"/>
-              </a:p>
-            </p:txBody>
-          </p:sp>
-          <p:sp>
-            <p:nvSpPr>
-              <p:cNvPr id="15" name="Rectangle 14"/>
-              <p:cNvSpPr/>
-              <p:nvPr/>
-            </p:nvSpPr>
-            <p:spPr>
-              <a:xfrm>
-                <a:off x="7315200" y="2971800"/>
-                <a:ext cx="381000" cy="304800"/>
-              </a:xfrm>
-              <a:prstGeom prst="rect">
-                <a:avLst/>
-              </a:prstGeom>
-              <a:solidFill>
-                <a:schemeClr val="bg1"/>
-              </a:solidFill>
-              <a:ln>
-                <a:solidFill>
-                  <a:schemeClr val="tx1"/>
-                </a:solidFill>
-              </a:ln>
-            </p:spPr>
-            <p:style>
-              <a:lnRef idx="2">
-                <a:schemeClr val="accent1">
-                  <a:shade val="50000"/>
-                </a:schemeClr>
-              </a:lnRef>
-              <a:fillRef idx="1">
-                <a:schemeClr val="accent1"/>
-              </a:fillRef>
-              <a:effectRef idx="0">
-                <a:schemeClr val="accent1"/>
-              </a:effectRef>
-              <a:fontRef idx="minor">
-                <a:schemeClr val="lt1"/>
-              </a:fontRef>
-            </p:style>
-            <p:txBody>
-              <a:bodyPr rtlCol="0" anchor="ctr"/>
-              <a:lstStyle/>
-              <a:p>
-                <a:pPr algn="ctr"/>
-                <a:endParaRPr lang="en-US" dirty="0"/>
-              </a:p>
-            </p:txBody>
-          </p:sp>
-          <p:sp>
-            <p:nvSpPr>
-              <p:cNvPr id="16" name="Rectangle 15"/>
-              <p:cNvSpPr/>
-              <p:nvPr/>
-            </p:nvSpPr>
-            <p:spPr>
-              <a:xfrm>
-                <a:off x="7315200" y="3276600"/>
-                <a:ext cx="381000" cy="304800"/>
-              </a:xfrm>
-              <a:prstGeom prst="rect">
-                <a:avLst/>
-              </a:prstGeom>
-              <a:solidFill>
-                <a:schemeClr val="bg1"/>
-              </a:solidFill>
-              <a:ln>
-                <a:solidFill>
-                  <a:schemeClr val="tx1"/>
-                </a:solidFill>
-              </a:ln>
-            </p:spPr>
-            <p:style>
-              <a:lnRef idx="2">
-                <a:schemeClr val="accent1">
-                  <a:shade val="50000"/>
-                </a:schemeClr>
-              </a:lnRef>
-              <a:fillRef idx="1">
-                <a:schemeClr val="accent1"/>
-              </a:fillRef>
-              <a:effectRef idx="0">
-                <a:schemeClr val="accent1"/>
-              </a:effectRef>
-              <a:fontRef idx="minor">
-                <a:schemeClr val="lt1"/>
-              </a:fontRef>
-            </p:style>
-            <p:txBody>
-              <a:bodyPr rtlCol="0" anchor="ctr"/>
-              <a:lstStyle/>
-              <a:p>
-                <a:pPr algn="ctr"/>
-                <a:endParaRPr lang="en-US" dirty="0"/>
-              </a:p>
-            </p:txBody>
-          </p:sp>
-          <p:sp>
-            <p:nvSpPr>
-              <p:cNvPr id="17" name="Rectangle 16"/>
-              <p:cNvSpPr/>
-              <p:nvPr/>
-            </p:nvSpPr>
-            <p:spPr>
-              <a:xfrm>
-                <a:off x="7315200" y="3581400"/>
-                <a:ext cx="381000" cy="304800"/>
-              </a:xfrm>
-              <a:prstGeom prst="rect">
-                <a:avLst/>
-              </a:prstGeom>
-              <a:solidFill>
-                <a:schemeClr val="bg1"/>
-              </a:solidFill>
-              <a:ln>
-                <a:solidFill>
-                  <a:schemeClr val="tx1"/>
-                </a:solidFill>
-              </a:ln>
-            </p:spPr>
-            <p:style>
-              <a:lnRef idx="2">
-                <a:schemeClr val="accent1">
-                  <a:shade val="50000"/>
-                </a:schemeClr>
-              </a:lnRef>
-              <a:fillRef idx="1">
-                <a:schemeClr val="accent1"/>
-              </a:fillRef>
-              <a:effectRef idx="0">
-                <a:schemeClr val="accent1"/>
-              </a:effectRef>
-              <a:fontRef idx="minor">
-                <a:schemeClr val="lt1"/>
-              </a:fontRef>
-            </p:style>
-            <p:txBody>
-              <a:bodyPr rtlCol="0" anchor="ctr"/>
-              <a:lstStyle/>
-              <a:p>
-                <a:pPr algn="ctr"/>
-                <a:endParaRPr lang="en-US" dirty="0"/>
-              </a:p>
-            </p:txBody>
-          </p:sp>
-          <p:sp>
-            <p:nvSpPr>
-              <p:cNvPr id="18" name="Rectangle 17"/>
-              <p:cNvSpPr/>
-              <p:nvPr/>
-            </p:nvSpPr>
-            <p:spPr>
-              <a:xfrm>
-                <a:off x="7315200" y="3886200"/>
-                <a:ext cx="381000" cy="304800"/>
-              </a:xfrm>
-              <a:prstGeom prst="rect">
-                <a:avLst/>
-              </a:prstGeom>
-              <a:solidFill>
-                <a:schemeClr val="bg1"/>
-              </a:solidFill>
-              <a:ln>
-                <a:solidFill>
-                  <a:schemeClr val="tx1"/>
-                </a:solidFill>
-              </a:ln>
-            </p:spPr>
-            <p:style>
-              <a:lnRef idx="2">
-                <a:schemeClr val="accent1">
-                  <a:shade val="50000"/>
-                </a:schemeClr>
-              </a:lnRef>
-              <a:fillRef idx="1">
-                <a:schemeClr val="accent1"/>
-              </a:fillRef>
-              <a:effectRef idx="0">
-                <a:schemeClr val="accent1"/>
-              </a:effectRef>
-              <a:fontRef idx="minor">
-                <a:schemeClr val="lt1"/>
-              </a:fontRef>
-            </p:style>
-            <p:txBody>
-              <a:bodyPr rtlCol="0" anchor="ctr"/>
-              <a:lstStyle/>
-              <a:p>
-                <a:pPr algn="ctr"/>
-                <a:endParaRPr lang="en-US" dirty="0"/>
-              </a:p>
-            </p:txBody>
-          </p:sp>
-          <p:sp>
-            <p:nvSpPr>
-              <p:cNvPr id="19" name="Rectangle 18"/>
-              <p:cNvSpPr/>
-              <p:nvPr/>
-            </p:nvSpPr>
-            <p:spPr>
-              <a:xfrm>
-                <a:off x="7696200" y="2971800"/>
-                <a:ext cx="381000" cy="304800"/>
-              </a:xfrm>
-              <a:prstGeom prst="rect">
-                <a:avLst/>
-              </a:prstGeom>
-              <a:solidFill>
-                <a:schemeClr val="bg1"/>
-              </a:solidFill>
-              <a:ln>
-                <a:solidFill>
-                  <a:schemeClr val="tx1"/>
-                </a:solidFill>
-              </a:ln>
-            </p:spPr>
-            <p:style>
-              <a:lnRef idx="2">
-                <a:schemeClr val="accent1">
-                  <a:shade val="50000"/>
-                </a:schemeClr>
-              </a:lnRef>
-              <a:fillRef idx="1">
-                <a:schemeClr val="accent1"/>
-              </a:fillRef>
-              <a:effectRef idx="0">
-                <a:schemeClr val="accent1"/>
-              </a:effectRef>
-              <a:fontRef idx="minor">
-                <a:schemeClr val="lt1"/>
-              </a:fontRef>
-            </p:style>
-            <p:txBody>
-              <a:bodyPr rtlCol="0" anchor="ctr"/>
-              <a:lstStyle/>
-              <a:p>
-                <a:pPr algn="ctr"/>
-                <a:endParaRPr lang="en-US" dirty="0"/>
-              </a:p>
-            </p:txBody>
-          </p:sp>
-          <p:sp>
-            <p:nvSpPr>
-              <p:cNvPr id="20" name="Rectangle 19"/>
-              <p:cNvSpPr/>
-              <p:nvPr/>
-            </p:nvSpPr>
-            <p:spPr>
-              <a:xfrm>
-                <a:off x="7696200" y="3276600"/>
-                <a:ext cx="381000" cy="304800"/>
-              </a:xfrm>
-              <a:prstGeom prst="rect">
-                <a:avLst/>
-              </a:prstGeom>
-              <a:solidFill>
-                <a:schemeClr val="bg1"/>
-              </a:solidFill>
-              <a:ln>
-                <a:solidFill>
-                  <a:schemeClr val="tx1"/>
-                </a:solidFill>
-              </a:ln>
-            </p:spPr>
-            <p:style>
-              <a:lnRef idx="2">
-                <a:schemeClr val="accent1">
-                  <a:shade val="50000"/>
-                </a:schemeClr>
-              </a:lnRef>
-              <a:fillRef idx="1">
-                <a:schemeClr val="accent1"/>
-              </a:fillRef>
-              <a:effectRef idx="0">
-                <a:schemeClr val="accent1"/>
-              </a:effectRef>
-              <a:fontRef idx="minor">
-                <a:schemeClr val="lt1"/>
-              </a:fontRef>
-            </p:style>
-            <p:txBody>
-              <a:bodyPr rtlCol="0" anchor="ctr"/>
-              <a:lstStyle/>
-              <a:p>
-                <a:pPr algn="ctr"/>
-                <a:endParaRPr lang="en-US" dirty="0"/>
-              </a:p>
-            </p:txBody>
-          </p:sp>
-          <p:sp>
-            <p:nvSpPr>
-              <p:cNvPr id="21" name="Rectangle 20"/>
-              <p:cNvSpPr/>
-              <p:nvPr/>
-            </p:nvSpPr>
-            <p:spPr>
-              <a:xfrm>
-                <a:off x="7696200" y="3581400"/>
-                <a:ext cx="381000" cy="304800"/>
-              </a:xfrm>
-              <a:prstGeom prst="rect">
-                <a:avLst/>
-              </a:prstGeom>
-              <a:solidFill>
-                <a:schemeClr val="bg1"/>
-              </a:solidFill>
-              <a:ln>
-                <a:solidFill>
-                  <a:schemeClr val="tx1"/>
-                </a:solidFill>
-              </a:ln>
-            </p:spPr>
-            <p:style>
-              <a:lnRef idx="2">
-                <a:schemeClr val="accent1">
-                  <a:shade val="50000"/>
-                </a:schemeClr>
-              </a:lnRef>
-              <a:fillRef idx="1">
-                <a:schemeClr val="accent1"/>
-              </a:fillRef>
-              <a:effectRef idx="0">
-                <a:schemeClr val="accent1"/>
-              </a:effectRef>
-              <a:fontRef idx="minor">
-                <a:schemeClr val="lt1"/>
-              </a:fontRef>
-            </p:style>
-            <p:txBody>
-              <a:bodyPr rtlCol="0" anchor="ctr"/>
-              <a:lstStyle/>
-              <a:p>
-                <a:pPr algn="ctr"/>
-                <a:endParaRPr lang="en-US" dirty="0"/>
-              </a:p>
-            </p:txBody>
-          </p:sp>
-          <p:sp>
-            <p:nvSpPr>
-              <p:cNvPr id="22" name="Rectangle 21"/>
-              <p:cNvSpPr/>
-              <p:nvPr/>
-            </p:nvSpPr>
-            <p:spPr>
-              <a:xfrm>
-                <a:off x="7696200" y="3886200"/>
-                <a:ext cx="381000" cy="304800"/>
-              </a:xfrm>
-              <a:prstGeom prst="rect">
-                <a:avLst/>
-              </a:prstGeom>
-              <a:solidFill>
-                <a:schemeClr val="bg1"/>
-              </a:solidFill>
-              <a:ln>
-                <a:solidFill>
-                  <a:schemeClr val="tx1"/>
-                </a:solidFill>
-              </a:ln>
-            </p:spPr>
-            <p:style>
-              <a:lnRef idx="2">
-                <a:schemeClr val="accent1">
-                  <a:shade val="50000"/>
-                </a:schemeClr>
-              </a:lnRef>
-              <a:fillRef idx="1">
-                <a:schemeClr val="accent1"/>
-              </a:fillRef>
-              <a:effectRef idx="0">
-                <a:schemeClr val="accent1"/>
-              </a:effectRef>
-              <a:fontRef idx="minor">
-                <a:schemeClr val="lt1"/>
-              </a:fontRef>
-            </p:style>
-            <p:txBody>
-              <a:bodyPr rtlCol="0" anchor="ctr"/>
-              <a:lstStyle/>
-              <a:p>
-                <a:pPr algn="ctr"/>
-                <a:endParaRPr lang="en-US" dirty="0"/>
-              </a:p>
-            </p:txBody>
-          </p:sp>
-          <p:sp>
-            <p:nvSpPr>
-              <p:cNvPr id="23" name="Rectangle 22"/>
-              <p:cNvSpPr/>
-              <p:nvPr/>
-            </p:nvSpPr>
-            <p:spPr>
-              <a:xfrm>
-                <a:off x="8077200" y="2971800"/>
-                <a:ext cx="381000" cy="304800"/>
-              </a:xfrm>
-              <a:prstGeom prst="rect">
-                <a:avLst/>
-              </a:prstGeom>
-              <a:solidFill>
-                <a:schemeClr val="bg1"/>
-              </a:solidFill>
-              <a:ln>
-                <a:solidFill>
-                  <a:schemeClr val="tx1"/>
-                </a:solidFill>
-              </a:ln>
-            </p:spPr>
-            <p:style>
-              <a:lnRef idx="2">
-                <a:schemeClr val="accent1">
-                  <a:shade val="50000"/>
-                </a:schemeClr>
-              </a:lnRef>
-              <a:fillRef idx="1">
-                <a:schemeClr val="accent1"/>
-              </a:fillRef>
-              <a:effectRef idx="0">
-                <a:schemeClr val="accent1"/>
-              </a:effectRef>
-              <a:fontRef idx="minor">
-                <a:schemeClr val="lt1"/>
-              </a:fontRef>
-            </p:style>
-            <p:txBody>
-              <a:bodyPr rtlCol="0" anchor="ctr"/>
-              <a:lstStyle/>
-              <a:p>
-                <a:pPr algn="ctr"/>
-                <a:endParaRPr lang="en-US" dirty="0"/>
-              </a:p>
-            </p:txBody>
-          </p:sp>
-          <p:sp>
-            <p:nvSpPr>
-              <p:cNvPr id="24" name="Rectangle 23"/>
-              <p:cNvSpPr/>
-              <p:nvPr/>
-            </p:nvSpPr>
-            <p:spPr>
-              <a:xfrm>
-                <a:off x="8077200" y="3276600"/>
-                <a:ext cx="381000" cy="304800"/>
-              </a:xfrm>
-              <a:prstGeom prst="rect">
-                <a:avLst/>
-              </a:prstGeom>
-              <a:solidFill>
-                <a:schemeClr val="bg1"/>
-              </a:solidFill>
-              <a:ln>
-                <a:solidFill>
-                  <a:schemeClr val="tx1"/>
-                </a:solidFill>
-              </a:ln>
-            </p:spPr>
-            <p:style>
-              <a:lnRef idx="2">
-                <a:schemeClr val="accent1">
-                  <a:shade val="50000"/>
-                </a:schemeClr>
-              </a:lnRef>
-              <a:fillRef idx="1">
-                <a:schemeClr val="accent1"/>
-              </a:fillRef>
-              <a:effectRef idx="0">
-                <a:schemeClr val="accent1"/>
-              </a:effectRef>
-              <a:fontRef idx="minor">
-                <a:schemeClr val="lt1"/>
-              </a:fontRef>
-            </p:style>
-            <p:txBody>
-              <a:bodyPr rtlCol="0" anchor="ctr"/>
-              <a:lstStyle/>
-              <a:p>
-                <a:pPr algn="ctr"/>
-                <a:endParaRPr lang="en-US" dirty="0"/>
-              </a:p>
-            </p:txBody>
-          </p:sp>
-          <p:sp>
-            <p:nvSpPr>
-              <p:cNvPr id="25" name="Rectangle 24"/>
-              <p:cNvSpPr/>
-              <p:nvPr/>
-            </p:nvSpPr>
-            <p:spPr>
-              <a:xfrm>
-                <a:off x="8077200" y="3581400"/>
-                <a:ext cx="381000" cy="304800"/>
-              </a:xfrm>
-              <a:prstGeom prst="rect">
-                <a:avLst/>
-              </a:prstGeom>
-              <a:solidFill>
-                <a:schemeClr val="bg1"/>
-              </a:solidFill>
-              <a:ln>
-                <a:solidFill>
-                  <a:schemeClr val="tx1"/>
-                </a:solidFill>
-              </a:ln>
-            </p:spPr>
-            <p:style>
-              <a:lnRef idx="2">
-                <a:schemeClr val="accent1">
-                  <a:shade val="50000"/>
-                </a:schemeClr>
-              </a:lnRef>
-              <a:fillRef idx="1">
-                <a:schemeClr val="accent1"/>
-              </a:fillRef>
-              <a:effectRef idx="0">
-                <a:schemeClr val="accent1"/>
-              </a:effectRef>
-              <a:fontRef idx="minor">
-                <a:schemeClr val="lt1"/>
-              </a:fontRef>
-            </p:style>
-            <p:txBody>
-              <a:bodyPr rtlCol="0" anchor="ctr"/>
-              <a:lstStyle/>
-              <a:p>
-                <a:pPr algn="ctr"/>
-                <a:endParaRPr lang="en-US" dirty="0"/>
-              </a:p>
-            </p:txBody>
-          </p:sp>
-          <p:sp>
-            <p:nvSpPr>
-              <p:cNvPr id="26" name="Rectangle 25"/>
-              <p:cNvSpPr/>
-              <p:nvPr/>
-            </p:nvSpPr>
-            <p:spPr>
-              <a:xfrm>
-                <a:off x="8077200" y="3886200"/>
-                <a:ext cx="381000" cy="304800"/>
-              </a:xfrm>
-              <a:prstGeom prst="rect">
-                <a:avLst/>
-              </a:prstGeom>
-              <a:solidFill>
-                <a:schemeClr val="bg1"/>
-              </a:solidFill>
-              <a:ln>
-                <a:solidFill>
-                  <a:schemeClr val="tx1"/>
-                </a:solidFill>
-              </a:ln>
-            </p:spPr>
-            <p:style>
-              <a:lnRef idx="2">
-                <a:schemeClr val="accent1">
-                  <a:shade val="50000"/>
-                </a:schemeClr>
-              </a:lnRef>
-              <a:fillRef idx="1">
-                <a:schemeClr val="accent1"/>
-              </a:fillRef>
-              <a:effectRef idx="0">
-                <a:schemeClr val="accent1"/>
-              </a:effectRef>
-              <a:fontRef idx="minor">
-                <a:schemeClr val="lt1"/>
-              </a:fontRef>
-            </p:style>
-            <p:txBody>
-              <a:bodyPr rtlCol="0" anchor="ctr"/>
-              <a:lstStyle/>
-              <a:p>
-                <a:pPr algn="ctr"/>
-                <a:endParaRPr lang="en-US" dirty="0"/>
-              </a:p>
-            </p:txBody>
-          </p:sp>
-          <p:sp>
-            <p:nvSpPr>
-              <p:cNvPr id="27" name="Rectangle 26"/>
-              <p:cNvSpPr/>
-              <p:nvPr/>
-            </p:nvSpPr>
-            <p:spPr>
-              <a:xfrm>
-                <a:off x="6172200" y="2971800"/>
-                <a:ext cx="381000" cy="304800"/>
-              </a:xfrm>
-              <a:prstGeom prst="rect">
-                <a:avLst/>
-              </a:prstGeom>
-              <a:solidFill>
-                <a:schemeClr val="bg1"/>
-              </a:solidFill>
-              <a:ln>
-                <a:solidFill>
-                  <a:schemeClr val="tx1"/>
-                </a:solidFill>
-              </a:ln>
-            </p:spPr>
-            <p:style>
-              <a:lnRef idx="2">
-                <a:schemeClr val="accent1">
-                  <a:shade val="50000"/>
-                </a:schemeClr>
-              </a:lnRef>
-              <a:fillRef idx="1">
-                <a:schemeClr val="accent1"/>
-              </a:fillRef>
-              <a:effectRef idx="0">
-                <a:schemeClr val="accent1"/>
-              </a:effectRef>
-              <a:fontRef idx="minor">
-                <a:schemeClr val="lt1"/>
-              </a:fontRef>
-            </p:style>
-            <p:txBody>
-              <a:bodyPr rtlCol="0" anchor="ctr"/>
-              <a:lstStyle/>
-              <a:p>
-                <a:pPr algn="ctr"/>
-                <a:endParaRPr lang="en-US" dirty="0"/>
-              </a:p>
-            </p:txBody>
-          </p:sp>
-          <p:sp>
-            <p:nvSpPr>
-              <p:cNvPr id="28" name="Rectangle 27"/>
-              <p:cNvSpPr/>
-              <p:nvPr/>
-            </p:nvSpPr>
-            <p:spPr>
-              <a:xfrm>
-                <a:off x="6172200" y="3276600"/>
-                <a:ext cx="381000" cy="304800"/>
-              </a:xfrm>
-              <a:prstGeom prst="rect">
-                <a:avLst/>
-              </a:prstGeom>
-              <a:solidFill>
-                <a:schemeClr val="bg1"/>
-              </a:solidFill>
-              <a:ln>
-                <a:solidFill>
-                  <a:schemeClr val="tx1"/>
-                </a:solidFill>
-              </a:ln>
-            </p:spPr>
-            <p:style>
-              <a:lnRef idx="2">
-                <a:schemeClr val="accent1">
-                  <a:shade val="50000"/>
-                </a:schemeClr>
-              </a:lnRef>
-              <a:fillRef idx="1">
-                <a:schemeClr val="accent1"/>
-              </a:fillRef>
-              <a:effectRef idx="0">
-                <a:schemeClr val="accent1"/>
-              </a:effectRef>
-              <a:fontRef idx="minor">
-                <a:schemeClr val="lt1"/>
-              </a:fontRef>
-            </p:style>
-            <p:txBody>
-              <a:bodyPr rtlCol="0" anchor="ctr"/>
-              <a:lstStyle/>
-              <a:p>
-                <a:pPr algn="ctr"/>
-                <a:endParaRPr lang="en-US" dirty="0"/>
-              </a:p>
-            </p:txBody>
-          </p:sp>
-          <p:sp>
-            <p:nvSpPr>
-              <p:cNvPr id="29" name="Rectangle 28"/>
-              <p:cNvSpPr/>
-              <p:nvPr/>
-            </p:nvSpPr>
-            <p:spPr>
-              <a:xfrm>
-                <a:off x="6172200" y="3581400"/>
-                <a:ext cx="381000" cy="304800"/>
-              </a:xfrm>
-              <a:prstGeom prst="rect">
-                <a:avLst/>
-              </a:prstGeom>
-              <a:solidFill>
-                <a:schemeClr val="bg1"/>
-              </a:solidFill>
-              <a:ln>
-                <a:solidFill>
-                  <a:schemeClr val="tx1"/>
-                </a:solidFill>
-              </a:ln>
-            </p:spPr>
-            <p:style>
-              <a:lnRef idx="2">
-                <a:schemeClr val="accent1">
-                  <a:shade val="50000"/>
-                </a:schemeClr>
-              </a:lnRef>
-              <a:fillRef idx="1">
-                <a:schemeClr val="accent1"/>
-              </a:fillRef>
-              <a:effectRef idx="0">
-                <a:schemeClr val="accent1"/>
-              </a:effectRef>
-              <a:fontRef idx="minor">
-                <a:schemeClr val="lt1"/>
-              </a:fontRef>
-            </p:style>
-            <p:txBody>
-              <a:bodyPr rtlCol="0" anchor="ctr"/>
-              <a:lstStyle/>
-              <a:p>
-                <a:pPr algn="ctr"/>
-                <a:endParaRPr lang="en-US" dirty="0"/>
-              </a:p>
-            </p:txBody>
-          </p:sp>
-          <p:sp>
-            <p:nvSpPr>
-              <p:cNvPr id="30" name="Rectangle 29"/>
-              <p:cNvSpPr/>
-              <p:nvPr/>
-            </p:nvSpPr>
-            <p:spPr>
-              <a:xfrm>
-                <a:off x="6172200" y="3886200"/>
-                <a:ext cx="381000" cy="304800"/>
-              </a:xfrm>
-              <a:prstGeom prst="rect">
-                <a:avLst/>
-              </a:prstGeom>
-              <a:solidFill>
-                <a:schemeClr val="bg1"/>
-              </a:solidFill>
-              <a:ln>
-                <a:solidFill>
-                  <a:schemeClr val="tx1"/>
-                </a:solidFill>
-              </a:ln>
-            </p:spPr>
-            <p:style>
-              <a:lnRef idx="2">
-                <a:schemeClr val="accent1">
-                  <a:shade val="50000"/>
-                </a:schemeClr>
-              </a:lnRef>
-              <a:fillRef idx="1">
-                <a:schemeClr val="accent1"/>
-              </a:fillRef>
-              <a:effectRef idx="0">
-                <a:schemeClr val="accent1"/>
-              </a:effectRef>
-              <a:fontRef idx="minor">
-                <a:schemeClr val="lt1"/>
-              </a:fontRef>
-            </p:style>
-            <p:txBody>
-              <a:bodyPr rtlCol="0" anchor="ctr"/>
-              <a:lstStyle/>
-              <a:p>
-                <a:pPr algn="ctr"/>
-                <a:endParaRPr lang="en-US" dirty="0"/>
-              </a:p>
-            </p:txBody>
-          </p:sp>
-        </p:grpSp>
-        <p:sp>
-          <p:nvSpPr>
-            <p:cNvPr id="32" name="TextBox 31"/>
-            <p:cNvSpPr txBox="1"/>
-            <p:nvPr/>
-          </p:nvSpPr>
-          <p:spPr>
-            <a:xfrm>
-              <a:off x="6172200" y="2895600"/>
-              <a:ext cx="533400" cy="369332"/>
-            </a:xfrm>
-            <a:prstGeom prst="rect">
-              <a:avLst/>
-            </a:prstGeom>
-            <a:noFill/>
-          </p:spPr>
-          <p:txBody>
-            <a:bodyPr wrap="square" rtlCol="0">
-              <a:spAutoFit/>
-            </a:bodyPr>
-            <a:lstStyle/>
-            <a:p>
-              <a:r>
-                <a:rPr lang="en-US" dirty="0" smtClean="0"/>
-                <a:t>X</a:t>
-              </a:r>
-              <a:endParaRPr lang="en-US" dirty="0"/>
-            </a:p>
-          </p:txBody>
-        </p:sp>
-        <p:sp>
-          <p:nvSpPr>
-            <p:cNvPr id="33" name="TextBox 32"/>
-            <p:cNvSpPr txBox="1"/>
-            <p:nvPr/>
-          </p:nvSpPr>
-          <p:spPr>
-            <a:xfrm>
-              <a:off x="6553200" y="3200400"/>
-              <a:ext cx="533400" cy="369332"/>
-            </a:xfrm>
-            <a:prstGeom prst="rect">
-              <a:avLst/>
-            </a:prstGeom>
-            <a:noFill/>
-          </p:spPr>
-          <p:txBody>
-            <a:bodyPr wrap="square" rtlCol="0">
-              <a:spAutoFit/>
-            </a:bodyPr>
-            <a:lstStyle/>
-            <a:p>
-              <a:r>
-                <a:rPr lang="en-US" dirty="0" smtClean="0"/>
-                <a:t>X</a:t>
-              </a:r>
-              <a:endParaRPr lang="en-US" dirty="0"/>
-            </a:p>
-          </p:txBody>
-        </p:sp>
-        <p:sp>
-          <p:nvSpPr>
-            <p:cNvPr id="34" name="TextBox 33"/>
-            <p:cNvSpPr txBox="1"/>
-            <p:nvPr/>
-          </p:nvSpPr>
-          <p:spPr>
-            <a:xfrm>
-              <a:off x="6172200" y="3505200"/>
-              <a:ext cx="533400" cy="369332"/>
-            </a:xfrm>
-            <a:prstGeom prst="rect">
-              <a:avLst/>
-            </a:prstGeom>
-            <a:noFill/>
-          </p:spPr>
-          <p:txBody>
-            <a:bodyPr wrap="square" rtlCol="0">
-              <a:spAutoFit/>
-            </a:bodyPr>
-            <a:lstStyle/>
-            <a:p>
-              <a:r>
-                <a:rPr lang="en-US" dirty="0" smtClean="0"/>
-                <a:t>X</a:t>
-              </a:r>
-              <a:endParaRPr lang="en-US" dirty="0"/>
-            </a:p>
-          </p:txBody>
-        </p:sp>
-        <p:sp>
-          <p:nvSpPr>
-            <p:cNvPr id="35" name="TextBox 34"/>
-            <p:cNvSpPr txBox="1"/>
-            <p:nvPr/>
-          </p:nvSpPr>
-          <p:spPr>
-            <a:xfrm>
-              <a:off x="7315200" y="2895600"/>
-              <a:ext cx="609600" cy="369332"/>
-            </a:xfrm>
-            <a:prstGeom prst="rect">
-              <a:avLst/>
-            </a:prstGeom>
-            <a:noFill/>
-          </p:spPr>
-          <p:txBody>
-            <a:bodyPr wrap="square" rtlCol="0">
-              <a:spAutoFit/>
-            </a:bodyPr>
-            <a:lstStyle/>
-            <a:p>
-              <a:r>
-                <a:rPr lang="en-US" dirty="0" smtClean="0"/>
-                <a:t>O</a:t>
-              </a:r>
-              <a:endParaRPr lang="en-US" dirty="0"/>
-            </a:p>
-          </p:txBody>
-        </p:sp>
-        <p:sp>
-          <p:nvSpPr>
-            <p:cNvPr id="36" name="TextBox 35"/>
-            <p:cNvSpPr txBox="1"/>
-            <p:nvPr/>
-          </p:nvSpPr>
-          <p:spPr>
-            <a:xfrm>
-              <a:off x="8077200" y="3810000"/>
-              <a:ext cx="609600" cy="369332"/>
-            </a:xfrm>
-            <a:prstGeom prst="rect">
-              <a:avLst/>
-            </a:prstGeom>
-            <a:noFill/>
-          </p:spPr>
-          <p:txBody>
-            <a:bodyPr wrap="square" rtlCol="0">
-              <a:spAutoFit/>
-            </a:bodyPr>
-            <a:lstStyle/>
-            <a:p>
-              <a:r>
-                <a:rPr lang="en-US" dirty="0" smtClean="0"/>
-                <a:t>O</a:t>
-              </a:r>
-              <a:endParaRPr lang="en-US" dirty="0"/>
-            </a:p>
-          </p:txBody>
-        </p:sp>
-        <p:sp>
-          <p:nvSpPr>
-            <p:cNvPr id="37" name="TextBox 36"/>
-            <p:cNvSpPr txBox="1"/>
-            <p:nvPr/>
-          </p:nvSpPr>
-          <p:spPr>
-            <a:xfrm>
-              <a:off x="7696200" y="3505200"/>
-              <a:ext cx="609600" cy="369332"/>
-            </a:xfrm>
-            <a:prstGeom prst="rect">
-              <a:avLst/>
-            </a:prstGeom>
-            <a:noFill/>
-          </p:spPr>
-          <p:txBody>
-            <a:bodyPr wrap="square" rtlCol="0">
-              <a:spAutoFit/>
-            </a:bodyPr>
-            <a:lstStyle/>
-            <a:p>
-              <a:r>
-                <a:rPr lang="en-US" dirty="0" smtClean="0"/>
-                <a:t>O</a:t>
-              </a:r>
-              <a:endParaRPr lang="en-US" dirty="0"/>
-            </a:p>
-          </p:txBody>
-        </p:sp>
-      </p:grpSp>
-      <p:pic>
-        <p:nvPicPr>
-          <p:cNvPr id="2050" name="Picture 2" descr="http://t1.gstatic.com/images?q=tbn:DfwJv-0KT8KniM:http://blog.timesunion.com/tech/files/2009/10/powerglove.jpg">
-            <a:hlinkClick r:id="rId3"/>
-          </p:cNvPr>
-          <p:cNvPicPr>
-            <a:picLocks noChangeAspect="1" noChangeArrowheads="1"/>
-          </p:cNvPicPr>
-          <p:nvPr/>
-        </p:nvPicPr>
-        <p:blipFill>
-          <a:blip r:embed="rId4" cstate="print"/>
-          <a:srcRect/>
-          <a:stretch>
-            <a:fillRect/>
-          </a:stretch>
-        </p:blipFill>
-        <p:spPr bwMode="auto">
-          <a:xfrm>
-            <a:off x="6400800" y="1828800"/>
-            <a:ext cx="2545347" cy="2438400"/>
-          </a:xfrm>
-          <a:prstGeom prst="rect">
-            <a:avLst/>
-          </a:prstGeom>
-          <a:noFill/>
-        </p:spPr>
-      </p:pic>
-    </p:spTree>
-  </p:cSld>
-  <p:clrMapOvr>
-    <a:masterClrMapping/>
-  </p:clrMapOvr>
-  <p:timing>
-    <p:tnLst>
-      <p:par>
-        <p:cTn id="1" dur="indefinite" restart="never" nodeType="tmRoot"/>
-      </p:par>
-    </p:tnLst>
-  </p:timing>
-</p:sld>
-</file>
-
-<file path=ppt/slides/slide40.xml><?xml version="1.0" encoding="utf-8"?>
-<p:sld xmlns:a="http://schemas.openxmlformats.org/drawingml/2006/main" xmlns:r="http://schemas.openxmlformats.org/officeDocument/2006/relationships" xmlns:p="http://schemas.openxmlformats.org/presentationml/2006/main">
-  <p:cSld>
-    <p:spTree>
-      <p:nvGrpSpPr>
-        <p:cNvPr id="1" name=""/>
-        <p:cNvGrpSpPr/>
-        <p:nvPr/>
-      </p:nvGrpSpPr>
-      <p:grpSpPr>
-        <a:xfrm>
-          <a:off x="0" y="0"/>
-          <a:ext cx="0" cy="0"/>
-          <a:chOff x="0" y="0"/>
-          <a:chExt cx="0" cy="0"/>
-        </a:xfrm>
-      </p:grpSpPr>
-      <p:sp>
-        <p:nvSpPr>
-          <p:cNvPr id="2" name="Title 1"/>
-          <p:cNvSpPr>
-            <a:spLocks noGrp="1"/>
-          </p:cNvSpPr>
-          <p:nvPr>
-            <p:ph type="title"/>
-          </p:nvPr>
-        </p:nvSpPr>
-        <p:spPr/>
-        <p:txBody>
-          <a:bodyPr/>
-          <a:lstStyle/>
-          <a:p>
-            <a:r>
-              <a:rPr lang="en-US" dirty="0" smtClean="0"/>
               <a:t>Summary </a:t>
             </a:r>
             <a:endParaRPr lang="en-US" dirty="0"/>
@@ -30048,7 +32716,7 @@
             <a:fld id="{B6F15528-21DE-4FAA-801E-634DDDAF4B2B}" type="slidenum">
               <a:rPr lang="en-US" smtClean="0"/>
               <a:pPr/>
-              <a:t>40</a:t>
+              <a:t>48</a:t>
             </a:fld>
             <a:endParaRPr lang="en-US" dirty="0"/>
           </a:p>
@@ -30093,7 +32761,7 @@
 </p:sld>
 </file>
 
-<file path=ppt/slides/slide41.xml><?xml version="1.0" encoding="utf-8"?>
+<file path=ppt/slides/slide49.xml><?xml version="1.0" encoding="utf-8"?>
 <p:sld xmlns:a="http://schemas.openxmlformats.org/drawingml/2006/main" xmlns:r="http://schemas.openxmlformats.org/officeDocument/2006/relationships" xmlns:p="http://schemas.openxmlformats.org/presentationml/2006/main">
   <p:cSld>
     <p:spTree>
@@ -30185,103 +32853,7 @@
             <a:fld id="{B6F15528-21DE-4FAA-801E-634DDDAF4B2B}" type="slidenum">
               <a:rPr lang="en-US" smtClean="0"/>
               <a:pPr/>
-              <a:t>41</a:t>
-            </a:fld>
-            <a:endParaRPr lang="en-US" dirty="0"/>
-          </a:p>
-        </p:txBody>
-      </p:sp>
-      <p:pic>
-        <p:nvPicPr>
-          <p:cNvPr id="4" name="Picture 3" descr="logo.jpg"/>
-          <p:cNvPicPr>
-            <a:picLocks noChangeAspect="1"/>
-          </p:cNvPicPr>
-          <p:nvPr/>
-        </p:nvPicPr>
-        <p:blipFill>
-          <a:blip r:embed="rId2" cstate="print"/>
-          <a:stretch>
-            <a:fillRect/>
-          </a:stretch>
-        </p:blipFill>
-        <p:spPr>
-          <a:xfrm>
-            <a:off x="7956253" y="0"/>
-            <a:ext cx="1187747" cy="1328738"/>
-          </a:xfrm>
-          <a:prstGeom prst="rect">
-            <a:avLst/>
-          </a:prstGeom>
-        </p:spPr>
-      </p:pic>
-    </p:spTree>
-  </p:cSld>
-  <p:clrMapOvr>
-    <a:masterClrMapping/>
-  </p:clrMapOvr>
-</p:sld>
-</file>
-
-<file path=ppt/slides/slide42.xml><?xml version="1.0" encoding="utf-8"?>
-<p:sld xmlns:a="http://schemas.openxmlformats.org/drawingml/2006/main" xmlns:r="http://schemas.openxmlformats.org/officeDocument/2006/relationships" xmlns:p="http://schemas.openxmlformats.org/presentationml/2006/main">
-  <p:cSld>
-    <p:spTree>
-      <p:nvGrpSpPr>
-        <p:cNvPr id="1" name=""/>
-        <p:cNvGrpSpPr/>
-        <p:nvPr/>
-      </p:nvGrpSpPr>
-      <p:grpSpPr>
-        <a:xfrm>
-          <a:off x="0" y="0"/>
-          <a:ext cx="0" cy="0"/>
-          <a:chOff x="0" y="0"/>
-          <a:chExt cx="0" cy="0"/>
-        </a:xfrm>
-      </p:grpSpPr>
-      <p:sp>
-        <p:nvSpPr>
-          <p:cNvPr id="2" name="Title 1"/>
-          <p:cNvSpPr>
-            <a:spLocks noGrp="1"/>
-          </p:cNvSpPr>
-          <p:nvPr>
-            <p:ph type="title"/>
-          </p:nvPr>
-        </p:nvSpPr>
-        <p:spPr/>
-        <p:txBody>
-          <a:bodyPr/>
-          <a:lstStyle/>
-          <a:p>
-            <a:r>
-              <a:rPr lang="en-US" dirty="0" smtClean="0"/>
-              <a:t>Questions?</a:t>
-            </a:r>
-            <a:endParaRPr lang="en-US" dirty="0"/>
-          </a:p>
-        </p:txBody>
-      </p:sp>
-      <p:sp>
-        <p:nvSpPr>
-          <p:cNvPr id="5" name="Slide Number Placeholder 4"/>
-          <p:cNvSpPr>
-            <a:spLocks noGrp="1"/>
-          </p:cNvSpPr>
-          <p:nvPr>
-            <p:ph type="sldNum" sz="quarter" idx="12"/>
-          </p:nvPr>
-        </p:nvSpPr>
-        <p:spPr/>
-        <p:txBody>
-          <a:bodyPr/>
-          <a:lstStyle/>
-          <a:p>
-            <a:fld id="{B6F15528-21DE-4FAA-801E-634DDDAF4B2B}" type="slidenum">
-              <a:rPr lang="en-US" smtClean="0"/>
-              <a:pPr/>
-              <a:t>42</a:t>
+              <a:t>49</a:t>
             </a:fld>
             <a:endParaRPr lang="en-US" dirty="0"/>
           </a:p>
@@ -30523,6 +33095,102 @@
       </p:par>
     </p:tnLst>
   </p:timing>
+</p:sld>
+</file>
+
+<file path=ppt/slides/slide50.xml><?xml version="1.0" encoding="utf-8"?>
+<p:sld xmlns:a="http://schemas.openxmlformats.org/drawingml/2006/main" xmlns:r="http://schemas.openxmlformats.org/officeDocument/2006/relationships" xmlns:p="http://schemas.openxmlformats.org/presentationml/2006/main">
+  <p:cSld>
+    <p:spTree>
+      <p:nvGrpSpPr>
+        <p:cNvPr id="1" name=""/>
+        <p:cNvGrpSpPr/>
+        <p:nvPr/>
+      </p:nvGrpSpPr>
+      <p:grpSpPr>
+        <a:xfrm>
+          <a:off x="0" y="0"/>
+          <a:ext cx="0" cy="0"/>
+          <a:chOff x="0" y="0"/>
+          <a:chExt cx="0" cy="0"/>
+        </a:xfrm>
+      </p:grpSpPr>
+      <p:sp>
+        <p:nvSpPr>
+          <p:cNvPr id="2" name="Title 1"/>
+          <p:cNvSpPr>
+            <a:spLocks noGrp="1"/>
+          </p:cNvSpPr>
+          <p:nvPr>
+            <p:ph type="title"/>
+          </p:nvPr>
+        </p:nvSpPr>
+        <p:spPr/>
+        <p:txBody>
+          <a:bodyPr/>
+          <a:lstStyle/>
+          <a:p>
+            <a:r>
+              <a:rPr lang="en-US" dirty="0" smtClean="0"/>
+              <a:t>Questions?</a:t>
+            </a:r>
+            <a:endParaRPr lang="en-US" dirty="0"/>
+          </a:p>
+        </p:txBody>
+      </p:sp>
+      <p:sp>
+        <p:nvSpPr>
+          <p:cNvPr id="5" name="Slide Number Placeholder 4"/>
+          <p:cNvSpPr>
+            <a:spLocks noGrp="1"/>
+          </p:cNvSpPr>
+          <p:nvPr>
+            <p:ph type="sldNum" sz="quarter" idx="12"/>
+          </p:nvPr>
+        </p:nvSpPr>
+        <p:spPr/>
+        <p:txBody>
+          <a:bodyPr/>
+          <a:lstStyle/>
+          <a:p>
+            <a:fld id="{B6F15528-21DE-4FAA-801E-634DDDAF4B2B}" type="slidenum">
+              <a:rPr lang="en-US" smtClean="0"/>
+              <a:pPr/>
+              <a:t>50</a:t>
+            </a:fld>
+            <a:endParaRPr lang="en-US" dirty="0"/>
+          </a:p>
+        </p:txBody>
+      </p:sp>
+      <p:pic>
+        <p:nvPicPr>
+          <p:cNvPr id="4" name="Picture 3" descr="logo.jpg"/>
+          <p:cNvPicPr>
+            <a:picLocks noChangeAspect="1"/>
+          </p:cNvPicPr>
+          <p:nvPr/>
+        </p:nvPicPr>
+        <p:blipFill>
+          <a:blip r:embed="rId2" cstate="print"/>
+          <a:stretch>
+            <a:fillRect/>
+          </a:stretch>
+        </p:blipFill>
+        <p:spPr>
+          <a:xfrm>
+            <a:off x="7956253" y="0"/>
+            <a:ext cx="1187747" cy="1328738"/>
+          </a:xfrm>
+          <a:prstGeom prst="rect">
+            <a:avLst/>
+          </a:prstGeom>
+        </p:spPr>
+      </p:pic>
+    </p:spTree>
+  </p:cSld>
+  <p:clrMapOvr>
+    <a:masterClrMapping/>
+  </p:clrMapOvr>
 </p:sld>
 </file>
 
@@ -33362,4 +36030,287 @@
   <a:objectDefaults/>
   <a:extraClrSchemeLst/>
 </a:theme>
+</file>
+
+<file path=ppt/theme/theme3.xml><?xml version="1.0" encoding="utf-8"?>
+<a:theme xmlns:a="http://schemas.openxmlformats.org/drawingml/2006/main" name="Office Theme">
+  <a:themeElements>
+    <a:clrScheme name="Office">
+      <a:dk1>
+        <a:sysClr val="windowText" lastClr="000000"/>
+      </a:dk1>
+      <a:lt1>
+        <a:sysClr val="window" lastClr="FFFFFF"/>
+      </a:lt1>
+      <a:dk2>
+        <a:srgbClr val="1F497D"/>
+      </a:dk2>
+      <a:lt2>
+        <a:srgbClr val="EEECE1"/>
+      </a:lt2>
+      <a:accent1>
+        <a:srgbClr val="4F81BD"/>
+      </a:accent1>
+      <a:accent2>
+        <a:srgbClr val="C0504D"/>
+      </a:accent2>
+      <a:accent3>
+        <a:srgbClr val="9BBB59"/>
+      </a:accent3>
+      <a:accent4>
+        <a:srgbClr val="8064A2"/>
+      </a:accent4>
+      <a:accent5>
+        <a:srgbClr val="4BACC6"/>
+      </a:accent5>
+      <a:accent6>
+        <a:srgbClr val="F79646"/>
+      </a:accent6>
+      <a:hlink>
+        <a:srgbClr val="0000FF"/>
+      </a:hlink>
+      <a:folHlink>
+        <a:srgbClr val="800080"/>
+      </a:folHlink>
+    </a:clrScheme>
+    <a:fontScheme name="Office">
+      <a:majorFont>
+        <a:latin typeface="Calibri"/>
+        <a:ea typeface=""/>
+        <a:cs typeface=""/>
+        <a:font script="Jpan" typeface="ＭＳ Ｐゴシック"/>
+        <a:font script="Hang" typeface="맑은 고딕"/>
+        <a:font script="Hans" typeface="宋体"/>
+        <a:font script="Hant" typeface="新細明體"/>
+        <a:font script="Arab" typeface="Times New Roman"/>
+        <a:font script="Hebr" typeface="Times New Roman"/>
+        <a:font script="Thai" typeface="Angsana New"/>
+        <a:font script="Ethi" typeface="Nyala"/>
+        <a:font script="Beng" typeface="Vrinda"/>
+        <a:font script="Gujr" typeface="Shruti"/>
+        <a:font script="Khmr" typeface="MoolBoran"/>
+        <a:font script="Knda" typeface="Tunga"/>
+        <a:font script="Guru" typeface="Raavi"/>
+        <a:font script="Cans" typeface="Euphemia"/>
+        <a:font script="Cher" typeface="Plantagenet Cherokee"/>
+        <a:font script="Yiii" typeface="Microsoft Yi Baiti"/>
+        <a:font script="Tibt" typeface="Microsoft Himalaya"/>
+        <a:font script="Thaa" typeface="MV Boli"/>
+        <a:font script="Deva" typeface="Mangal"/>
+        <a:font script="Telu" typeface="Gautami"/>
+        <a:font script="Taml" typeface="Latha"/>
+        <a:font script="Syrc" typeface="Estrangelo Edessa"/>
+        <a:font script="Orya" typeface="Kalinga"/>
+        <a:font script="Mlym" typeface="Kartika"/>
+        <a:font script="Laoo" typeface="DokChampa"/>
+        <a:font script="Sinh" typeface="Iskoola Pota"/>
+        <a:font script="Mong" typeface="Mongolian Baiti"/>
+        <a:font script="Viet" typeface="Times New Roman"/>
+        <a:font script="Uigh" typeface="Microsoft Uighur"/>
+      </a:majorFont>
+      <a:minorFont>
+        <a:latin typeface="Calibri"/>
+        <a:ea typeface=""/>
+        <a:cs typeface=""/>
+        <a:font script="Jpan" typeface="ＭＳ Ｐゴシック"/>
+        <a:font script="Hang" typeface="맑은 고딕"/>
+        <a:font script="Hans" typeface="宋体"/>
+        <a:font script="Hant" typeface="新細明體"/>
+        <a:font script="Arab" typeface="Arial"/>
+        <a:font script="Hebr" typeface="Arial"/>
+        <a:font script="Thai" typeface="Cordia New"/>
+        <a:font script="Ethi" typeface="Nyala"/>
+        <a:font script="Beng" typeface="Vrinda"/>
+        <a:font script="Gujr" typeface="Shruti"/>
+        <a:font script="Khmr" typeface="DaunPenh"/>
+        <a:font script="Knda" typeface="Tunga"/>
+        <a:font script="Guru" typeface="Raavi"/>
+        <a:font script="Cans" typeface="Euphemia"/>
+        <a:font script="Cher" typeface="Plantagenet Cherokee"/>
+        <a:font script="Yiii" typeface="Microsoft Yi Baiti"/>
+        <a:font script="Tibt" typeface="Microsoft Himalaya"/>
+        <a:font script="Thaa" typeface="MV Boli"/>
+        <a:font script="Deva" typeface="Mangal"/>
+        <a:font script="Telu" typeface="Gautami"/>
+        <a:font script="Taml" typeface="Latha"/>
+        <a:font script="Syrc" typeface="Estrangelo Edessa"/>
+        <a:font script="Orya" typeface="Kalinga"/>
+        <a:font script="Mlym" typeface="Kartika"/>
+        <a:font script="Laoo" typeface="DokChampa"/>
+        <a:font script="Sinh" typeface="Iskoola Pota"/>
+        <a:font script="Mong" typeface="Mongolian Baiti"/>
+        <a:font script="Viet" typeface="Arial"/>
+        <a:font script="Uigh" typeface="Microsoft Uighur"/>
+      </a:minorFont>
+    </a:fontScheme>
+    <a:fmtScheme name="Office">
+      <a:fillStyleLst>
+        <a:solidFill>
+          <a:schemeClr val="phClr"/>
+        </a:solidFill>
+        <a:gradFill rotWithShape="1">
+          <a:gsLst>
+            <a:gs pos="0">
+              <a:schemeClr val="phClr">
+                <a:tint val="50000"/>
+                <a:satMod val="300000"/>
+              </a:schemeClr>
+            </a:gs>
+            <a:gs pos="35000">
+              <a:schemeClr val="phClr">
+                <a:tint val="37000"/>
+                <a:satMod val="300000"/>
+              </a:schemeClr>
+            </a:gs>
+            <a:gs pos="100000">
+              <a:schemeClr val="phClr">
+                <a:tint val="15000"/>
+                <a:satMod val="350000"/>
+              </a:schemeClr>
+            </a:gs>
+          </a:gsLst>
+          <a:lin ang="16200000" scaled="1"/>
+        </a:gradFill>
+        <a:gradFill rotWithShape="1">
+          <a:gsLst>
+            <a:gs pos="0">
+              <a:schemeClr val="phClr">
+                <a:shade val="51000"/>
+                <a:satMod val="130000"/>
+              </a:schemeClr>
+            </a:gs>
+            <a:gs pos="80000">
+              <a:schemeClr val="phClr">
+                <a:shade val="93000"/>
+                <a:satMod val="130000"/>
+              </a:schemeClr>
+            </a:gs>
+            <a:gs pos="100000">
+              <a:schemeClr val="phClr">
+                <a:shade val="94000"/>
+                <a:satMod val="135000"/>
+              </a:schemeClr>
+            </a:gs>
+          </a:gsLst>
+          <a:lin ang="16200000" scaled="0"/>
+        </a:gradFill>
+      </a:fillStyleLst>
+      <a:lnStyleLst>
+        <a:ln w="9525" cap="flat" cmpd="sng" algn="ctr">
+          <a:solidFill>
+            <a:schemeClr val="phClr">
+              <a:shade val="95000"/>
+              <a:satMod val="105000"/>
+            </a:schemeClr>
+          </a:solidFill>
+          <a:prstDash val="solid"/>
+        </a:ln>
+        <a:ln w="25400" cap="flat" cmpd="sng" algn="ctr">
+          <a:solidFill>
+            <a:schemeClr val="phClr"/>
+          </a:solidFill>
+          <a:prstDash val="solid"/>
+        </a:ln>
+        <a:ln w="38100" cap="flat" cmpd="sng" algn="ctr">
+          <a:solidFill>
+            <a:schemeClr val="phClr"/>
+          </a:solidFill>
+          <a:prstDash val="solid"/>
+        </a:ln>
+      </a:lnStyleLst>
+      <a:effectStyleLst>
+        <a:effectStyle>
+          <a:effectLst>
+            <a:outerShdw blurRad="40000" dist="20000" dir="5400000" rotWithShape="0">
+              <a:srgbClr val="000000">
+                <a:alpha val="38000"/>
+              </a:srgbClr>
+            </a:outerShdw>
+          </a:effectLst>
+        </a:effectStyle>
+        <a:effectStyle>
+          <a:effectLst>
+            <a:outerShdw blurRad="40000" dist="23000" dir="5400000" rotWithShape="0">
+              <a:srgbClr val="000000">
+                <a:alpha val="35000"/>
+              </a:srgbClr>
+            </a:outerShdw>
+          </a:effectLst>
+        </a:effectStyle>
+        <a:effectStyle>
+          <a:effectLst>
+            <a:outerShdw blurRad="40000" dist="23000" dir="5400000" rotWithShape="0">
+              <a:srgbClr val="000000">
+                <a:alpha val="35000"/>
+              </a:srgbClr>
+            </a:outerShdw>
+          </a:effectLst>
+          <a:scene3d>
+            <a:camera prst="orthographicFront">
+              <a:rot lat="0" lon="0" rev="0"/>
+            </a:camera>
+            <a:lightRig rig="threePt" dir="t">
+              <a:rot lat="0" lon="0" rev="1200000"/>
+            </a:lightRig>
+          </a:scene3d>
+          <a:sp3d>
+            <a:bevelT w="63500" h="25400"/>
+          </a:sp3d>
+        </a:effectStyle>
+      </a:effectStyleLst>
+      <a:bgFillStyleLst>
+        <a:solidFill>
+          <a:schemeClr val="phClr"/>
+        </a:solidFill>
+        <a:gradFill rotWithShape="1">
+          <a:gsLst>
+            <a:gs pos="0">
+              <a:schemeClr val="phClr">
+                <a:tint val="40000"/>
+                <a:satMod val="350000"/>
+              </a:schemeClr>
+            </a:gs>
+            <a:gs pos="40000">
+              <a:schemeClr val="phClr">
+                <a:tint val="45000"/>
+                <a:shade val="99000"/>
+                <a:satMod val="350000"/>
+              </a:schemeClr>
+            </a:gs>
+            <a:gs pos="100000">
+              <a:schemeClr val="phClr">
+                <a:shade val="20000"/>
+                <a:satMod val="255000"/>
+              </a:schemeClr>
+            </a:gs>
+          </a:gsLst>
+          <a:path path="circle">
+            <a:fillToRect l="50000" t="-80000" r="50000" b="180000"/>
+          </a:path>
+        </a:gradFill>
+        <a:gradFill rotWithShape="1">
+          <a:gsLst>
+            <a:gs pos="0">
+              <a:schemeClr val="phClr">
+                <a:tint val="80000"/>
+                <a:satMod val="300000"/>
+              </a:schemeClr>
+            </a:gs>
+            <a:gs pos="100000">
+              <a:schemeClr val="phClr">
+                <a:shade val="30000"/>
+                <a:satMod val="200000"/>
+              </a:schemeClr>
+            </a:gs>
+          </a:gsLst>
+          <a:path path="circle">
+            <a:fillToRect l="50000" t="50000" r="50000" b="50000"/>
+          </a:path>
+        </a:gradFill>
+      </a:bgFillStyleLst>
+    </a:fmtScheme>
+  </a:themeElements>
+  <a:objectDefaults/>
+  <a:extraClrSchemeLst/>
+</a:theme>
 </file>
--- a/trunk/Docs/DUEL REALITY .pptx
+++ b/trunk/Docs/DUEL REALITY .pptx
@@ -5,10 +5,10 @@
     <p:sldMasterId id="2147483660" r:id="rId1"/>
   </p:sldMasterIdLst>
   <p:notesMasterIdLst>
-    <p:notesMasterId r:id="rId52"/>
+    <p:notesMasterId r:id="rId51"/>
   </p:notesMasterIdLst>
   <p:handoutMasterIdLst>
-    <p:handoutMasterId r:id="rId53"/>
+    <p:handoutMasterId r:id="rId52"/>
   </p:handoutMasterIdLst>
   <p:sldIdLst>
     <p:sldId id="256" r:id="rId2"/>
@@ -29,38 +29,37 @@
     <p:sldId id="298" r:id="rId17"/>
     <p:sldId id="260" r:id="rId18"/>
     <p:sldId id="261" r:id="rId19"/>
-    <p:sldId id="262" r:id="rId20"/>
-    <p:sldId id="306" r:id="rId21"/>
-    <p:sldId id="308" r:id="rId22"/>
-    <p:sldId id="309" r:id="rId23"/>
-    <p:sldId id="273" r:id="rId24"/>
-    <p:sldId id="307" r:id="rId25"/>
-    <p:sldId id="305" r:id="rId26"/>
-    <p:sldId id="304" r:id="rId27"/>
-    <p:sldId id="274" r:id="rId28"/>
-    <p:sldId id="275" r:id="rId29"/>
-    <p:sldId id="303" r:id="rId30"/>
-    <p:sldId id="302" r:id="rId31"/>
-    <p:sldId id="263" r:id="rId32"/>
-    <p:sldId id="276" r:id="rId33"/>
-    <p:sldId id="293" r:id="rId34"/>
-    <p:sldId id="277" r:id="rId35"/>
-    <p:sldId id="294" r:id="rId36"/>
-    <p:sldId id="297" r:id="rId37"/>
-    <p:sldId id="295" r:id="rId38"/>
-    <p:sldId id="296" r:id="rId39"/>
-    <p:sldId id="291" r:id="rId40"/>
-    <p:sldId id="278" r:id="rId41"/>
-    <p:sldId id="264" r:id="rId42"/>
-    <p:sldId id="280" r:id="rId43"/>
-    <p:sldId id="281" r:id="rId44"/>
-    <p:sldId id="282" r:id="rId45"/>
-    <p:sldId id="283" r:id="rId46"/>
-    <p:sldId id="284" r:id="rId47"/>
-    <p:sldId id="285" r:id="rId48"/>
-    <p:sldId id="267" r:id="rId49"/>
-    <p:sldId id="268" r:id="rId50"/>
-    <p:sldId id="269" r:id="rId51"/>
+    <p:sldId id="306" r:id="rId20"/>
+    <p:sldId id="308" r:id="rId21"/>
+    <p:sldId id="309" r:id="rId22"/>
+    <p:sldId id="273" r:id="rId23"/>
+    <p:sldId id="305" r:id="rId24"/>
+    <p:sldId id="304" r:id="rId25"/>
+    <p:sldId id="274" r:id="rId26"/>
+    <p:sldId id="303" r:id="rId27"/>
+    <p:sldId id="302" r:id="rId28"/>
+    <p:sldId id="310" r:id="rId29"/>
+    <p:sldId id="311" r:id="rId30"/>
+    <p:sldId id="263" r:id="rId31"/>
+    <p:sldId id="276" r:id="rId32"/>
+    <p:sldId id="293" r:id="rId33"/>
+    <p:sldId id="277" r:id="rId34"/>
+    <p:sldId id="294" r:id="rId35"/>
+    <p:sldId id="297" r:id="rId36"/>
+    <p:sldId id="295" r:id="rId37"/>
+    <p:sldId id="296" r:id="rId38"/>
+    <p:sldId id="291" r:id="rId39"/>
+    <p:sldId id="278" r:id="rId40"/>
+    <p:sldId id="264" r:id="rId41"/>
+    <p:sldId id="280" r:id="rId42"/>
+    <p:sldId id="281" r:id="rId43"/>
+    <p:sldId id="282" r:id="rId44"/>
+    <p:sldId id="283" r:id="rId45"/>
+    <p:sldId id="284" r:id="rId46"/>
+    <p:sldId id="285" r:id="rId47"/>
+    <p:sldId id="267" r:id="rId48"/>
+    <p:sldId id="268" r:id="rId49"/>
+    <p:sldId id="269" r:id="rId50"/>
   </p:sldIdLst>
   <p:sldSz cx="9144000" cy="6858000" type="screen4x3"/>
   <p:notesSz cx="7315200" cy="9601200"/>
@@ -244,7 +243,8 @@
           <a:p>
             <a:fld id="{36092B14-EE1A-4A52-9F56-C4F7F9096ABA}" type="datetimeFigureOut">
               <a:rPr lang="en-US" smtClean="0"/>
-              <a:t>5/2/2010</a:t>
+              <a:pPr/>
+              <a:t>5/3/2010</a:t>
             </a:fld>
             <a:endParaRPr lang="en-US"/>
           </a:p>
@@ -310,6 +310,7 @@
           <a:p>
             <a:fld id="{7D451319-E09D-4A5A-951E-23271F549020}" type="slidenum">
               <a:rPr lang="en-US" smtClean="0"/>
+              <a:pPr/>
               <a:t>‹#›</a:t>
             </a:fld>
             <a:endParaRPr lang="en-US"/>
@@ -405,7 +406,7 @@
             <a:fld id="{2DB3A570-3473-4B51-9859-38FBE4FB2A3F}" type="datetimeFigureOut">
               <a:rPr lang="en-US" smtClean="0"/>
               <a:pPr/>
-              <a:t>5/2/2010</a:t>
+              <a:t>5/3/2010</a:t>
             </a:fld>
             <a:endParaRPr lang="en-US" dirty="0"/>
           </a:p>
@@ -739,7 +740,7 @@
             <a:fld id="{8960281A-6CED-46DD-8591-9D9821CD1C06}" type="slidenum">
               <a:rPr lang="en-US" smtClean="0"/>
               <a:pPr/>
-              <a:t>30</a:t>
+              <a:t>27</a:t>
             </a:fld>
             <a:endParaRPr lang="en-US" dirty="0"/>
           </a:p>
@@ -1002,7 +1003,7 @@
             <a:fld id="{10D76176-46D7-45B7-BEC6-0CAB5BAF04B8}" type="datetime1">
               <a:rPr lang="en-US" smtClean="0"/>
               <a:pPr/>
-              <a:t>5/2/2010</a:t>
+              <a:t>5/3/2010</a:t>
             </a:fld>
             <a:endParaRPr lang="en-US" dirty="0"/>
           </a:p>
@@ -1227,7 +1228,7 @@
             <a:fld id="{2ACA5E9D-9FFA-4FE5-8D48-AD97EAE540F6}" type="datetime1">
               <a:rPr lang="en-US" smtClean="0"/>
               <a:pPr/>
-              <a:t>5/2/2010</a:t>
+              <a:t>5/3/2010</a:t>
             </a:fld>
             <a:endParaRPr lang="en-US" dirty="0"/>
           </a:p>
@@ -1509,7 +1510,7 @@
             <a:fld id="{A97A97D5-15F8-466A-ABDA-DF49D1BB6FB5}" type="datetime1">
               <a:rPr lang="en-US" smtClean="0"/>
               <a:pPr/>
-              <a:t>5/2/2010</a:t>
+              <a:t>5/3/2010</a:t>
             </a:fld>
             <a:endParaRPr lang="en-US" dirty="0"/>
           </a:p>
@@ -1690,7 +1691,7 @@
             <a:fld id="{A516281F-2FAF-4B50-BB04-FE7E9D79FCFE}" type="datetime1">
               <a:rPr lang="en-US" smtClean="0"/>
               <a:pPr/>
-              <a:t>5/2/2010</a:t>
+              <a:t>5/3/2010</a:t>
             </a:fld>
             <a:endParaRPr lang="en-US" dirty="0"/>
           </a:p>
@@ -2050,7 +2051,7 @@
             <a:fld id="{2E9CB2DA-F545-4604-A0C7-5A323DB8BBA1}" type="datetime1">
               <a:rPr lang="en-US" smtClean="0"/>
               <a:pPr/>
-              <a:t>5/2/2010</a:t>
+              <a:t>5/3/2010</a:t>
             </a:fld>
             <a:endParaRPr lang="en-US" dirty="0"/>
           </a:p>
@@ -2339,7 +2340,7 @@
             <a:fld id="{32D3AAE4-58A9-4829-84ED-BAB6B9C4B1BD}" type="datetime1">
               <a:rPr lang="en-US" smtClean="0"/>
               <a:pPr/>
-              <a:t>5/2/2010</a:t>
+              <a:t>5/3/2010</a:t>
             </a:fld>
             <a:endParaRPr lang="en-US" dirty="0"/>
           </a:p>
@@ -2763,7 +2764,7 @@
             <a:fld id="{F1F62B83-C1F9-4900-BD8E-DCF5FCA3C455}" type="datetime1">
               <a:rPr lang="en-US" smtClean="0"/>
               <a:pPr/>
-              <a:t>5/2/2010</a:t>
+              <a:t>5/3/2010</a:t>
             </a:fld>
             <a:endParaRPr lang="en-US" dirty="0"/>
           </a:p>
@@ -2880,7 +2881,7 @@
             <a:fld id="{D67003CF-0740-4329-915B-45FAAE4561B5}" type="datetime1">
               <a:rPr lang="en-US" smtClean="0"/>
               <a:pPr/>
-              <a:t>5/2/2010</a:t>
+              <a:t>5/3/2010</a:t>
             </a:fld>
             <a:endParaRPr lang="en-US" dirty="0"/>
           </a:p>
@@ -2972,7 +2973,7 @@
             <a:fld id="{316BD30F-E255-42E4-A430-2D1BA87B0CA1}" type="datetime1">
               <a:rPr lang="en-US" smtClean="0"/>
               <a:pPr/>
-              <a:t>5/2/2010</a:t>
+              <a:t>5/3/2010</a:t>
             </a:fld>
             <a:endParaRPr lang="en-US" dirty="0"/>
           </a:p>
@@ -3252,7 +3253,7 @@
             <a:fld id="{DF955EC1-8AC4-4897-A39C-5C74CF1158C4}" type="datetime1">
               <a:rPr lang="en-US" smtClean="0"/>
               <a:pPr/>
-              <a:t>5/2/2010</a:t>
+              <a:t>5/3/2010</a:t>
             </a:fld>
             <a:endParaRPr lang="en-US" dirty="0"/>
           </a:p>
@@ -3620,7 +3621,7 @@
             <a:fld id="{C69A9847-EB5B-42B5-A3CA-E519FF22C27F}" type="datetime1">
               <a:rPr lang="en-US" smtClean="0"/>
               <a:pPr/>
-              <a:t>5/2/2010</a:t>
+              <a:t>5/3/2010</a:t>
             </a:fld>
             <a:endParaRPr lang="en-US" dirty="0"/>
           </a:p>
@@ -4059,7 +4060,7 @@
             <a:fld id="{BB02A790-4BD0-4AB4-95D4-38BF854DB16E}" type="datetime1">
               <a:rPr lang="en-US" smtClean="0"/>
               <a:pPr/>
-              <a:t>5/2/2010</a:t>
+              <a:t>5/3/2010</a:t>
             </a:fld>
             <a:endParaRPr lang="en-US" dirty="0"/>
           </a:p>
@@ -7299,9 +7300,16 @@
             <p:ph idx="1"/>
           </p:nvPr>
         </p:nvSpPr>
-        <p:spPr/>
+        <p:spPr>
+          <a:xfrm>
+            <a:off x="457200" y="1600201"/>
+            <a:ext cx="8229600" cy="4800600"/>
+          </a:xfrm>
+        </p:spPr>
         <p:txBody>
-          <a:bodyPr/>
+          <a:bodyPr>
+            <a:normAutofit lnSpcReduction="10000"/>
+          </a:bodyPr>
           <a:lstStyle/>
           <a:p>
             <a:r>
@@ -7332,8 +7340,36 @@
             <a:pPr lvl="1"/>
             <a:r>
               <a:rPr lang="en-US" dirty="0" smtClean="0"/>
-              <a:t>Classes</a:t>
+              <a:t>Class Diagrams</a:t>
             </a:r>
+            <a:endParaRPr lang="en-US" dirty="0" smtClean="0"/>
+          </a:p>
+          <a:p>
+            <a:pPr lvl="1"/>
+            <a:r>
+              <a:rPr lang="en-US" dirty="0" smtClean="0"/>
+              <a:t>Qt Classes</a:t>
+            </a:r>
+          </a:p>
+          <a:p>
+            <a:pPr lvl="2"/>
+            <a:r>
+              <a:rPr lang="en-US" dirty="0" err="1" smtClean="0"/>
+              <a:t>QWizard</a:t>
+            </a:r>
+            <a:r>
+              <a:rPr lang="en-US" dirty="0" smtClean="0"/>
+              <a:t> &amp; </a:t>
+            </a:r>
+            <a:r>
+              <a:rPr lang="en-US" dirty="0" err="1" smtClean="0"/>
+              <a:t>QWizardPage</a:t>
+            </a:r>
+            <a:r>
+              <a:rPr lang="en-US" dirty="0" smtClean="0"/>
+              <a:t> Classes</a:t>
+            </a:r>
+            <a:endParaRPr lang="en-US" dirty="0" smtClean="0"/>
           </a:p>
           <a:p>
             <a:pPr lvl="1"/>
@@ -7341,14 +7377,12 @@
               <a:rPr lang="en-US" dirty="0" smtClean="0"/>
               <a:t>Unit Test &amp; Verification</a:t>
             </a:r>
-            <a:endParaRPr lang="en-US" dirty="0" smtClean="0"/>
           </a:p>
           <a:p>
             <a:r>
               <a:rPr lang="en-US" dirty="0" smtClean="0"/>
               <a:t>Challenges</a:t>
             </a:r>
-            <a:endParaRPr lang="en-US" dirty="0" smtClean="0"/>
           </a:p>
           <a:p>
             <a:r>
@@ -7452,7 +7486,7 @@
         <p:spPr/>
         <p:txBody>
           <a:bodyPr>
-            <a:normAutofit fontScale="90000"/>
+            <a:normAutofit/>
           </a:bodyPr>
           <a:lstStyle/>
           <a:p>
@@ -7464,51 +7498,16 @@
               <a:rPr lang="en-US" dirty="0" smtClean="0"/>
             </a:br>
             <a:r>
-              <a:rPr lang="en-US" dirty="0" smtClean="0"/>
+              <a:rPr lang="en-US" sz="2400" dirty="0" smtClean="0"/>
               <a:t>Function</a:t>
             </a:r>
-            <a:endParaRPr lang="en-US" dirty="0"/>
+            <a:endParaRPr lang="en-US" sz="2400" dirty="0"/>
           </a:p>
         </p:txBody>
       </p:sp>
       <p:sp>
         <p:nvSpPr>
-          <p:cNvPr id="5" name="Content Placeholder 2"/>
-          <p:cNvSpPr>
-            <a:spLocks noGrp="1"/>
-          </p:cNvSpPr>
-          <p:nvPr>
-            <p:ph idx="1"/>
-          </p:nvPr>
-        </p:nvSpPr>
-        <p:spPr/>
-        <p:txBody>
-          <a:bodyPr/>
-          <a:lstStyle/>
-          <a:p>
-            <a:r>
-              <a:rPr lang="en-US" dirty="0" smtClean="0"/>
-              <a:t>Provide the framework for the user interaction with the application</a:t>
-            </a:r>
-          </a:p>
-          <a:p>
-            <a:r>
-              <a:rPr lang="en-US" dirty="0" smtClean="0"/>
-              <a:t>Provide the ability for the user to choose desired game settings</a:t>
-            </a:r>
-          </a:p>
-          <a:p>
-            <a:r>
-              <a:rPr lang="en-US" dirty="0" smtClean="0"/>
-              <a:t>Provide status messages or display error messages if user attempts an invalid operation</a:t>
-            </a:r>
-            <a:endParaRPr lang="en-US" dirty="0"/>
-          </a:p>
-        </p:txBody>
-      </p:sp>
-      <p:sp>
-        <p:nvSpPr>
-          <p:cNvPr id="6" name="Slide Number Placeholder 5"/>
+          <p:cNvPr id="4" name="Slide Number Placeholder 3"/>
           <p:cNvSpPr>
             <a:spLocks noGrp="1"/>
           </p:cNvSpPr>
@@ -7532,7 +7531,7 @@
       </p:sp>
       <p:pic>
         <p:nvPicPr>
-          <p:cNvPr id="4" name="Picture 3" descr="logo.jpg"/>
+          <p:cNvPr id="5" name="Picture 4" descr="DummyDialog.PNG"/>
           <p:cNvPicPr>
             <a:picLocks noChangeAspect="1"/>
           </p:cNvPicPr>
@@ -7546,26 +7545,46 @@
         </p:blipFill>
         <p:spPr>
           <a:xfrm>
-            <a:off x="7956253" y="0"/>
-            <a:ext cx="1187747" cy="1328738"/>
+            <a:off x="2667000" y="3048000"/>
+            <a:ext cx="3924300" cy="3219450"/>
           </a:xfrm>
           <a:prstGeom prst="rect">
             <a:avLst/>
           </a:prstGeom>
         </p:spPr>
       </p:pic>
+      <p:sp>
+        <p:nvSpPr>
+          <p:cNvPr id="6" name="Content Placeholder 2"/>
+          <p:cNvSpPr>
+            <a:spLocks noGrp="1"/>
+          </p:cNvSpPr>
+          <p:nvPr>
+            <p:ph idx="1"/>
+          </p:nvPr>
+        </p:nvSpPr>
+        <p:spPr>
+          <a:xfrm>
+            <a:off x="457200" y="1775191"/>
+            <a:ext cx="8229600" cy="4625609"/>
+          </a:xfrm>
+        </p:spPr>
+        <p:txBody>
+          <a:bodyPr/>
+          <a:lstStyle/>
+          <a:p>
+            <a:r>
+              <a:rPr lang="en-US" dirty="0" smtClean="0"/>
+              <a:t>Provide the framework for the user interaction with the application</a:t>
+            </a:r>
+          </a:p>
+        </p:txBody>
+      </p:sp>
     </p:spTree>
   </p:cSld>
   <p:clrMapOvr>
     <a:masterClrMapping/>
   </p:clrMapOvr>
-  <p:timing>
-    <p:tnLst>
-      <p:par>
-        <p:cTn id="1" dur="indefinite" restart="never" nodeType="tmRoot"/>
-      </p:par>
-    </p:tnLst>
-  </p:timing>
 </p:sld>
 </file>
 
@@ -7816,7 +7835,7 @@
       </p:sp>
       <p:pic>
         <p:nvPicPr>
-          <p:cNvPr id="5" name="Picture 4" descr="DummyDialog.PNG"/>
+          <p:cNvPr id="5" name="Picture 4" descr="DummyDialog2.PNG"/>
           <p:cNvPicPr>
             <a:picLocks noChangeAspect="1"/>
           </p:cNvPicPr>
@@ -7830,7 +7849,7 @@
         </p:blipFill>
         <p:spPr>
           <a:xfrm>
-            <a:off x="2667000" y="3048000"/>
+            <a:off x="2590800" y="3124200"/>
             <a:ext cx="3924300" cy="3219450"/>
           </a:xfrm>
           <a:prstGeom prst="rect">
@@ -7860,13 +7879,8 @@
           <a:p>
             <a:r>
               <a:rPr lang="en-US" dirty="0" smtClean="0"/>
-              <a:t>Provide the framework for the user interaction with the </a:t>
+              <a:t>Provide the ability for the user to choose desired settings</a:t>
             </a:r>
-            <a:r>
-              <a:rPr lang="en-US" dirty="0" smtClean="0"/>
-              <a:t>application</a:t>
-            </a:r>
-            <a:endParaRPr lang="en-US" dirty="0" smtClean="0"/>
           </a:p>
         </p:txBody>
       </p:sp>
@@ -7951,30 +7965,6 @@
           </a:p>
         </p:txBody>
       </p:sp>
-      <p:pic>
-        <p:nvPicPr>
-          <p:cNvPr id="5" name="Picture 4" descr="DummyDialog2.PNG"/>
-          <p:cNvPicPr>
-            <a:picLocks noChangeAspect="1"/>
-          </p:cNvPicPr>
-          <p:nvPr/>
-        </p:nvPicPr>
-        <p:blipFill>
-          <a:blip r:embed="rId2" cstate="print"/>
-          <a:stretch>
-            <a:fillRect/>
-          </a:stretch>
-        </p:blipFill>
-        <p:spPr>
-          <a:xfrm>
-            <a:off x="2590800" y="3124200"/>
-            <a:ext cx="3924300" cy="3219450"/>
-          </a:xfrm>
-          <a:prstGeom prst="rect">
-            <a:avLst/>
-          </a:prstGeom>
-        </p:spPr>
-      </p:pic>
       <p:sp>
         <p:nvSpPr>
           <p:cNvPr id="6" name="Content Placeholder 2"/>
@@ -7997,136 +7987,7 @@
           <a:p>
             <a:r>
               <a:rPr lang="en-US" dirty="0" smtClean="0"/>
-              <a:t>Provide </a:t>
-            </a:r>
-            <a:r>
-              <a:rPr lang="en-US" dirty="0" smtClean="0"/>
-              <a:t>the ability for the user to choose desired </a:t>
-            </a:r>
-            <a:r>
-              <a:rPr lang="en-US" dirty="0" smtClean="0"/>
-              <a:t>settings</a:t>
-            </a:r>
-            <a:endParaRPr lang="en-US" dirty="0" smtClean="0"/>
-          </a:p>
-        </p:txBody>
-      </p:sp>
-    </p:spTree>
-  </p:cSld>
-  <p:clrMapOvr>
-    <a:masterClrMapping/>
-  </p:clrMapOvr>
-</p:sld>
-</file>
-
-<file path=ppt/slides/slide22.xml><?xml version="1.0" encoding="utf-8"?>
-<p:sld xmlns:a="http://schemas.openxmlformats.org/drawingml/2006/main" xmlns:r="http://schemas.openxmlformats.org/officeDocument/2006/relationships" xmlns:p="http://schemas.openxmlformats.org/presentationml/2006/main">
-  <p:cSld>
-    <p:spTree>
-      <p:nvGrpSpPr>
-        <p:cNvPr id="1" name=""/>
-        <p:cNvGrpSpPr/>
-        <p:nvPr/>
-      </p:nvGrpSpPr>
-      <p:grpSpPr>
-        <a:xfrm>
-          <a:off x="0" y="0"/>
-          <a:ext cx="0" cy="0"/>
-          <a:chOff x="0" y="0"/>
-          <a:chExt cx="0" cy="0"/>
-        </a:xfrm>
-      </p:grpSpPr>
-      <p:sp>
-        <p:nvSpPr>
-          <p:cNvPr id="2" name="Title 1"/>
-          <p:cNvSpPr>
-            <a:spLocks noGrp="1"/>
-          </p:cNvSpPr>
-          <p:nvPr>
-            <p:ph type="title"/>
-          </p:nvPr>
-        </p:nvSpPr>
-        <p:spPr/>
-        <p:txBody>
-          <a:bodyPr>
-            <a:normAutofit/>
-          </a:bodyPr>
-          <a:lstStyle/>
-          <a:p>
-            <a:r>
-              <a:rPr lang="en-US" dirty="0" smtClean="0"/>
-              <a:t>User Interface Module</a:t>
-            </a:r>
-            <a:br>
-              <a:rPr lang="en-US" dirty="0" smtClean="0"/>
-            </a:br>
-            <a:r>
-              <a:rPr lang="en-US" sz="2400" dirty="0" smtClean="0"/>
-              <a:t>Function</a:t>
-            </a:r>
-            <a:endParaRPr lang="en-US" sz="2400" dirty="0"/>
-          </a:p>
-        </p:txBody>
-      </p:sp>
-      <p:sp>
-        <p:nvSpPr>
-          <p:cNvPr id="4" name="Slide Number Placeholder 3"/>
-          <p:cNvSpPr>
-            <a:spLocks noGrp="1"/>
-          </p:cNvSpPr>
-          <p:nvPr>
-            <p:ph type="sldNum" sz="quarter" idx="12"/>
-          </p:nvPr>
-        </p:nvSpPr>
-        <p:spPr/>
-        <p:txBody>
-          <a:bodyPr/>
-          <a:lstStyle/>
-          <a:p>
-            <a:fld id="{B6F15528-21DE-4FAA-801E-634DDDAF4B2B}" type="slidenum">
-              <a:rPr lang="en-US" smtClean="0"/>
-              <a:pPr/>
-              <a:t>22</a:t>
-            </a:fld>
-            <a:endParaRPr lang="en-US" dirty="0"/>
-          </a:p>
-        </p:txBody>
-      </p:sp>
-      <p:sp>
-        <p:nvSpPr>
-          <p:cNvPr id="6" name="Content Placeholder 2"/>
-          <p:cNvSpPr>
-            <a:spLocks noGrp="1"/>
-          </p:cNvSpPr>
-          <p:nvPr>
-            <p:ph idx="1"/>
-          </p:nvPr>
-        </p:nvSpPr>
-        <p:spPr>
-          <a:xfrm>
-            <a:off x="457200" y="1775191"/>
-            <a:ext cx="8229600" cy="4625609"/>
-          </a:xfrm>
-        </p:spPr>
-        <p:txBody>
-          <a:bodyPr/>
-          <a:lstStyle/>
-          <a:p>
-            <a:r>
-              <a:rPr lang="en-US" dirty="0" smtClean="0"/>
-              <a:t>Provide </a:t>
-            </a:r>
-            <a:r>
-              <a:rPr lang="en-US" dirty="0" smtClean="0"/>
-              <a:t>status </a:t>
-            </a:r>
-            <a:r>
-              <a:rPr lang="en-US" dirty="0" smtClean="0"/>
-              <a:t>or error </a:t>
-            </a:r>
-            <a:r>
-              <a:rPr lang="en-US" dirty="0" smtClean="0"/>
-              <a:t>messages</a:t>
+              <a:t>Provide status or error messages</a:t>
             </a:r>
             <a:endParaRPr lang="en-US" dirty="0"/>
           </a:p>
@@ -8164,7 +8025,7 @@
 </p:sld>
 </file>
 
-<file path=ppt/slides/slide23.xml><?xml version="1.0" encoding="utf-8"?>
+<file path=ppt/slides/slide22.xml><?xml version="1.0" encoding="utf-8"?>
 <p:sld xmlns:a="http://schemas.openxmlformats.org/drawingml/2006/main" xmlns:r="http://schemas.openxmlformats.org/officeDocument/2006/relationships" xmlns:p="http://schemas.openxmlformats.org/presentationml/2006/main">
   <p:cSld>
     <p:spTree>
@@ -8183,67 +8044,6 @@
       </p:grpSpPr>
       <p:sp>
         <p:nvSpPr>
-          <p:cNvPr id="2" name="Title 1"/>
-          <p:cNvSpPr>
-            <a:spLocks noGrp="1"/>
-          </p:cNvSpPr>
-          <p:nvPr>
-            <p:ph type="title"/>
-          </p:nvPr>
-        </p:nvSpPr>
-        <p:spPr/>
-        <p:txBody>
-          <a:bodyPr>
-            <a:normAutofit/>
-          </a:bodyPr>
-          <a:lstStyle/>
-          <a:p>
-            <a:r>
-              <a:rPr lang="en-US" dirty="0" smtClean="0"/>
-              <a:t>User Interface Module</a:t>
-            </a:r>
-            <a:br>
-              <a:rPr lang="en-US" dirty="0" smtClean="0"/>
-            </a:br>
-            <a:r>
-              <a:rPr lang="en-US" sz="2700" dirty="0" smtClean="0"/>
-              <a:t>Implementation: Tools</a:t>
-            </a:r>
-            <a:endParaRPr lang="en-US" sz="2700" dirty="0"/>
-          </a:p>
-        </p:txBody>
-      </p:sp>
-      <p:sp>
-        <p:nvSpPr>
-          <p:cNvPr id="3" name="Content Placeholder 2"/>
-          <p:cNvSpPr>
-            <a:spLocks noGrp="1"/>
-          </p:cNvSpPr>
-          <p:nvPr>
-            <p:ph idx="1"/>
-          </p:nvPr>
-        </p:nvSpPr>
-        <p:spPr>
-          <a:xfrm>
-            <a:off x="457200" y="1600201"/>
-            <a:ext cx="8229600" cy="609600"/>
-          </a:xfrm>
-        </p:spPr>
-        <p:txBody>
-          <a:bodyPr>
-            <a:normAutofit lnSpcReduction="10000"/>
-          </a:bodyPr>
-          <a:lstStyle/>
-          <a:p>
-            <a:r>
-              <a:rPr lang="en-US" dirty="0" smtClean="0"/>
-              <a:t>Interaction with other modules</a:t>
-            </a:r>
-          </a:p>
-        </p:txBody>
-      </p:sp>
-      <p:sp>
-        <p:nvSpPr>
           <p:cNvPr id="6" name="Slide Number Placeholder 5"/>
           <p:cNvSpPr>
             <a:spLocks noGrp="1"/>
@@ -8260,71 +8060,15 @@
             <a:fld id="{B6F15528-21DE-4FAA-801E-634DDDAF4B2B}" type="slidenum">
               <a:rPr lang="en-US" smtClean="0"/>
               <a:pPr/>
-              <a:t>23</a:t>
+              <a:t>22</a:t>
             </a:fld>
             <a:endParaRPr lang="en-US" dirty="0"/>
           </a:p>
         </p:txBody>
       </p:sp>
-      <p:pic>
-        <p:nvPicPr>
-          <p:cNvPr id="5" name="Picture 4" descr="logo.jpg"/>
-          <p:cNvPicPr>
-            <a:picLocks noChangeAspect="1"/>
-          </p:cNvPicPr>
-          <p:nvPr/>
-        </p:nvPicPr>
-        <p:blipFill>
-          <a:blip r:embed="rId2" cstate="print"/>
-          <a:stretch>
-            <a:fillRect/>
-          </a:stretch>
-        </p:blipFill>
-        <p:spPr>
-          <a:xfrm>
-            <a:off x="7956253" y="0"/>
-            <a:ext cx="1187747" cy="1328738"/>
-          </a:xfrm>
-          <a:prstGeom prst="rect">
-            <a:avLst/>
-          </a:prstGeom>
-        </p:spPr>
-      </p:pic>
-    </p:spTree>
-  </p:cSld>
-  <p:clrMapOvr>
-    <a:masterClrMapping/>
-  </p:clrMapOvr>
-  <p:timing>
-    <p:tnLst>
-      <p:par>
-        <p:cTn id="1" dur="indefinite" restart="never" nodeType="tmRoot"/>
-      </p:par>
-    </p:tnLst>
-  </p:timing>
-</p:sld>
-</file>
-
-<file path=ppt/slides/slide24.xml><?xml version="1.0" encoding="utf-8"?>
-<p:sld xmlns:a="http://schemas.openxmlformats.org/drawingml/2006/main" xmlns:r="http://schemas.openxmlformats.org/officeDocument/2006/relationships" xmlns:p="http://schemas.openxmlformats.org/presentationml/2006/main">
-  <p:cSld>
-    <p:spTree>
-      <p:nvGrpSpPr>
-        <p:cNvPr id="1" name=""/>
-        <p:cNvGrpSpPr/>
-        <p:nvPr/>
-      </p:nvGrpSpPr>
-      <p:grpSpPr>
-        <a:xfrm>
-          <a:off x="0" y="0"/>
-          <a:ext cx="0" cy="0"/>
-          <a:chOff x="0" y="0"/>
-          <a:chExt cx="0" cy="0"/>
-        </a:xfrm>
-      </p:grpSpPr>
       <p:sp>
         <p:nvSpPr>
-          <p:cNvPr id="2" name="Title 1"/>
+          <p:cNvPr id="35" name="Title 1"/>
           <p:cNvSpPr>
             <a:spLocks noGrp="1"/>
           </p:cNvSpPr>
@@ -8332,181 +8076,12 @@
             <p:ph type="title"/>
           </p:nvPr>
         </p:nvSpPr>
-        <p:spPr/>
-        <p:txBody>
-          <a:bodyPr/>
-          <a:lstStyle/>
-          <a:p>
-            <a:endParaRPr lang="en-US"/>
-          </a:p>
-        </p:txBody>
-      </p:sp>
-      <p:sp>
-        <p:nvSpPr>
-          <p:cNvPr id="3" name="Content Placeholder 2"/>
-          <p:cNvSpPr>
-            <a:spLocks noGrp="1"/>
-          </p:cNvSpPr>
-          <p:nvPr>
-            <p:ph idx="1"/>
-          </p:nvPr>
-        </p:nvSpPr>
-        <p:spPr/>
-        <p:txBody>
-          <a:bodyPr/>
-          <a:lstStyle/>
-          <a:p>
-            <a:endParaRPr lang="en-US"/>
-          </a:p>
-        </p:txBody>
-      </p:sp>
-      <p:sp>
-        <p:nvSpPr>
-          <p:cNvPr id="4" name="Slide Number Placeholder 3"/>
-          <p:cNvSpPr>
-            <a:spLocks noGrp="1"/>
-          </p:cNvSpPr>
-          <p:nvPr>
-            <p:ph type="sldNum" sz="quarter" idx="12"/>
-          </p:nvPr>
-        </p:nvSpPr>
-        <p:spPr/>
-        <p:txBody>
-          <a:bodyPr/>
-          <a:lstStyle/>
-          <a:p>
-            <a:fld id="{B6F15528-21DE-4FAA-801E-634DDDAF4B2B}" type="slidenum">
-              <a:rPr lang="en-US" smtClean="0"/>
-              <a:pPr/>
-              <a:t>24</a:t>
-            </a:fld>
-            <a:endParaRPr lang="en-US" dirty="0"/>
-          </a:p>
-        </p:txBody>
-      </p:sp>
-    </p:spTree>
-  </p:cSld>
-  <p:clrMapOvr>
-    <a:masterClrMapping/>
-  </p:clrMapOvr>
-</p:sld>
-</file>
-
-<file path=ppt/slides/slide25.xml><?xml version="1.0" encoding="utf-8"?>
-<p:sld xmlns:a="http://schemas.openxmlformats.org/drawingml/2006/main" xmlns:r="http://schemas.openxmlformats.org/officeDocument/2006/relationships" xmlns:p="http://schemas.openxmlformats.org/presentationml/2006/main">
-  <p:cSld>
-    <p:spTree>
-      <p:nvGrpSpPr>
-        <p:cNvPr id="1" name=""/>
-        <p:cNvGrpSpPr/>
-        <p:nvPr/>
-      </p:nvGrpSpPr>
-      <p:grpSpPr>
-        <a:xfrm>
-          <a:off x="0" y="0"/>
-          <a:ext cx="0" cy="0"/>
-          <a:chOff x="0" y="0"/>
-          <a:chExt cx="0" cy="0"/>
-        </a:xfrm>
-      </p:grpSpPr>
-      <p:sp>
-        <p:nvSpPr>
-          <p:cNvPr id="2" name="Title 1"/>
-          <p:cNvSpPr>
-            <a:spLocks noGrp="1"/>
-          </p:cNvSpPr>
-          <p:nvPr>
-            <p:ph type="title"/>
-          </p:nvPr>
-        </p:nvSpPr>
-        <p:spPr/>
-        <p:txBody>
-          <a:bodyPr/>
-          <a:lstStyle/>
-          <a:p>
-            <a:endParaRPr lang="en-US"/>
-          </a:p>
-        </p:txBody>
-      </p:sp>
-      <p:sp>
-        <p:nvSpPr>
-          <p:cNvPr id="3" name="Content Placeholder 2"/>
-          <p:cNvSpPr>
-            <a:spLocks noGrp="1"/>
-          </p:cNvSpPr>
-          <p:nvPr>
-            <p:ph idx="1"/>
-          </p:nvPr>
-        </p:nvSpPr>
-        <p:spPr/>
-        <p:txBody>
-          <a:bodyPr/>
-          <a:lstStyle/>
-          <a:p>
-            <a:endParaRPr lang="en-US" dirty="0"/>
-          </a:p>
-        </p:txBody>
-      </p:sp>
-      <p:sp>
-        <p:nvSpPr>
-          <p:cNvPr id="4" name="Slide Number Placeholder 3"/>
-          <p:cNvSpPr>
-            <a:spLocks noGrp="1"/>
-          </p:cNvSpPr>
-          <p:nvPr>
-            <p:ph type="sldNum" sz="quarter" idx="12"/>
-          </p:nvPr>
-        </p:nvSpPr>
-        <p:spPr/>
-        <p:txBody>
-          <a:bodyPr/>
-          <a:lstStyle/>
-          <a:p>
-            <a:fld id="{B6F15528-21DE-4FAA-801E-634DDDAF4B2B}" type="slidenum">
-              <a:rPr lang="en-US" smtClean="0"/>
-              <a:pPr/>
-              <a:t>25</a:t>
-            </a:fld>
-            <a:endParaRPr lang="en-US" dirty="0"/>
-          </a:p>
-        </p:txBody>
-      </p:sp>
-    </p:spTree>
-  </p:cSld>
-  <p:clrMapOvr>
-    <a:masterClrMapping/>
-  </p:clrMapOvr>
-</p:sld>
-</file>
-
-<file path=ppt/slides/slide26.xml><?xml version="1.0" encoding="utf-8"?>
-<p:sld xmlns:a="http://schemas.openxmlformats.org/drawingml/2006/main" xmlns:r="http://schemas.openxmlformats.org/officeDocument/2006/relationships" xmlns:p="http://schemas.openxmlformats.org/presentationml/2006/main">
-  <p:cSld>
-    <p:spTree>
-      <p:nvGrpSpPr>
-        <p:cNvPr id="1" name=""/>
-        <p:cNvGrpSpPr/>
-        <p:nvPr/>
-      </p:nvGrpSpPr>
-      <p:grpSpPr>
-        <a:xfrm>
-          <a:off x="0" y="0"/>
-          <a:ext cx="0" cy="0"/>
-          <a:chOff x="0" y="0"/>
-          <a:chExt cx="0" cy="0"/>
-        </a:xfrm>
-      </p:grpSpPr>
-      <p:sp>
-        <p:nvSpPr>
-          <p:cNvPr id="2" name="Title 1"/>
-          <p:cNvSpPr>
-            <a:spLocks noGrp="1"/>
-          </p:cNvSpPr>
-          <p:nvPr>
-            <p:ph type="title"/>
-          </p:nvPr>
-        </p:nvSpPr>
-        <p:spPr/>
+        <p:spPr>
+          <a:xfrm>
+            <a:off x="457200" y="155448"/>
+            <a:ext cx="8229600" cy="1252728"/>
+          </a:xfrm>
+        </p:spPr>
         <p:txBody>
           <a:bodyPr>
             <a:normAutofit/>
@@ -8522,7 +8097,7 @@
             </a:br>
             <a:r>
               <a:rPr lang="en-US" sz="2700" dirty="0" smtClean="0"/>
-              <a:t>Module Interactions</a:t>
+              <a:t>Architecture</a:t>
             </a:r>
             <a:endParaRPr lang="en-US" sz="2700" dirty="0"/>
           </a:p>
@@ -8530,31 +8105,7 @@
       </p:sp>
       <p:sp>
         <p:nvSpPr>
-          <p:cNvPr id="4" name="Slide Number Placeholder 3"/>
-          <p:cNvSpPr>
-            <a:spLocks noGrp="1"/>
-          </p:cNvSpPr>
-          <p:nvPr>
-            <p:ph type="sldNum" sz="quarter" idx="12"/>
-          </p:nvPr>
-        </p:nvSpPr>
-        <p:spPr/>
-        <p:txBody>
-          <a:bodyPr/>
-          <a:lstStyle/>
-          <a:p>
-            <a:fld id="{B6F15528-21DE-4FAA-801E-634DDDAF4B2B}" type="slidenum">
-              <a:rPr lang="en-US" smtClean="0"/>
-              <a:pPr/>
-              <a:t>26</a:t>
-            </a:fld>
-            <a:endParaRPr lang="en-US" dirty="0"/>
-          </a:p>
-        </p:txBody>
-      </p:sp>
-      <p:sp>
-        <p:nvSpPr>
-          <p:cNvPr id="5" name="Rectangle 4"/>
+          <p:cNvPr id="36" name="Rectangle 35"/>
           <p:cNvSpPr/>
           <p:nvPr/>
         </p:nvSpPr>
@@ -8600,7 +8151,7 @@
       </p:sp>
       <p:sp>
         <p:nvSpPr>
-          <p:cNvPr id="6" name="Rectangle 5"/>
+          <p:cNvPr id="37" name="Rectangle 36"/>
           <p:cNvSpPr/>
           <p:nvPr/>
         </p:nvSpPr>
@@ -8646,7 +8197,7 @@
       </p:sp>
       <p:sp>
         <p:nvSpPr>
-          <p:cNvPr id="7" name="Rectangle 6"/>
+          <p:cNvPr id="38" name="Rectangle 37"/>
           <p:cNvSpPr/>
           <p:nvPr/>
         </p:nvSpPr>
@@ -8692,7 +8243,7 @@
       </p:sp>
       <p:sp>
         <p:nvSpPr>
-          <p:cNvPr id="8" name="Rectangle 7"/>
+          <p:cNvPr id="39" name="Rectangle 38"/>
           <p:cNvSpPr/>
           <p:nvPr/>
         </p:nvSpPr>
@@ -8738,7 +8289,7 @@
       </p:sp>
       <p:sp>
         <p:nvSpPr>
-          <p:cNvPr id="9" name="TextBox 8"/>
+          <p:cNvPr id="40" name="TextBox 39"/>
           <p:cNvSpPr txBox="1"/>
           <p:nvPr/>
         </p:nvSpPr>
@@ -8772,7 +8323,7 @@
       </p:sp>
       <p:sp>
         <p:nvSpPr>
-          <p:cNvPr id="10" name="TextBox 9"/>
+          <p:cNvPr id="41" name="TextBox 40"/>
           <p:cNvSpPr txBox="1"/>
           <p:nvPr/>
         </p:nvSpPr>
@@ -8806,7 +8357,7 @@
       </p:sp>
       <p:sp>
         <p:nvSpPr>
-          <p:cNvPr id="11" name="TextBox 10"/>
+          <p:cNvPr id="42" name="TextBox 41"/>
           <p:cNvSpPr txBox="1"/>
           <p:nvPr/>
         </p:nvSpPr>
@@ -8840,7 +8391,7 @@
       </p:sp>
       <p:sp>
         <p:nvSpPr>
-          <p:cNvPr id="12" name="TextBox 11"/>
+          <p:cNvPr id="43" name="TextBox 42"/>
           <p:cNvSpPr txBox="1"/>
           <p:nvPr/>
         </p:nvSpPr>
@@ -8878,7 +8429,7 @@
       </p:sp>
       <p:sp>
         <p:nvSpPr>
-          <p:cNvPr id="13" name="Rectangle 12"/>
+          <p:cNvPr id="44" name="Rectangle 43"/>
           <p:cNvSpPr/>
           <p:nvPr/>
         </p:nvSpPr>
@@ -8924,7 +8475,7 @@
       </p:sp>
       <p:sp>
         <p:nvSpPr>
-          <p:cNvPr id="14" name="TextBox 13"/>
+          <p:cNvPr id="45" name="TextBox 44"/>
           <p:cNvSpPr txBox="1"/>
           <p:nvPr/>
         </p:nvSpPr>
@@ -8962,7 +8513,7 @@
       </p:sp>
       <p:sp>
         <p:nvSpPr>
-          <p:cNvPr id="15" name="Rectangle 14"/>
+          <p:cNvPr id="46" name="Rectangle 45"/>
           <p:cNvSpPr/>
           <p:nvPr/>
         </p:nvSpPr>
@@ -9008,7 +8559,7 @@
       </p:sp>
       <p:sp>
         <p:nvSpPr>
-          <p:cNvPr id="16" name="TextBox 15"/>
+          <p:cNvPr id="47" name="TextBox 46"/>
           <p:cNvSpPr txBox="1"/>
           <p:nvPr/>
         </p:nvSpPr>
@@ -9042,7 +8593,7 @@
       </p:sp>
       <p:sp>
         <p:nvSpPr>
-          <p:cNvPr id="17" name="Rectangle 16"/>
+          <p:cNvPr id="48" name="Rectangle 47"/>
           <p:cNvSpPr/>
           <p:nvPr/>
         </p:nvSpPr>
@@ -9088,7 +8639,7 @@
       </p:sp>
       <p:sp>
         <p:nvSpPr>
-          <p:cNvPr id="18" name="Rectangle 17"/>
+          <p:cNvPr id="49" name="Rectangle 48"/>
           <p:cNvSpPr/>
           <p:nvPr/>
         </p:nvSpPr>
@@ -9134,7 +8685,7 @@
       </p:sp>
       <p:sp>
         <p:nvSpPr>
-          <p:cNvPr id="19" name="TextBox 18"/>
+          <p:cNvPr id="50" name="TextBox 49"/>
           <p:cNvSpPr txBox="1"/>
           <p:nvPr/>
         </p:nvSpPr>
@@ -9168,7 +8719,7 @@
       </p:sp>
       <p:sp>
         <p:nvSpPr>
-          <p:cNvPr id="20" name="TextBox 19"/>
+          <p:cNvPr id="51" name="TextBox 50"/>
           <p:cNvSpPr txBox="1"/>
           <p:nvPr/>
         </p:nvSpPr>
@@ -9202,7 +8753,7 @@
       </p:sp>
       <p:sp>
         <p:nvSpPr>
-          <p:cNvPr id="21" name="Left-Right Arrow 20"/>
+          <p:cNvPr id="52" name="Left-Right Arrow 51"/>
           <p:cNvSpPr/>
           <p:nvPr/>
         </p:nvSpPr>
@@ -9242,7 +8793,7 @@
       </p:sp>
       <p:sp>
         <p:nvSpPr>
-          <p:cNvPr id="22" name="Left-Right Arrow 21"/>
+          <p:cNvPr id="53" name="Left-Right Arrow 52"/>
           <p:cNvSpPr/>
           <p:nvPr/>
         </p:nvSpPr>
@@ -9282,7 +8833,7 @@
       </p:sp>
       <p:sp>
         <p:nvSpPr>
-          <p:cNvPr id="23" name="TextBox 22"/>
+          <p:cNvPr id="54" name="TextBox 53"/>
           <p:cNvSpPr txBox="1"/>
           <p:nvPr/>
         </p:nvSpPr>
@@ -9316,7 +8867,7 @@
       </p:sp>
       <p:cxnSp>
         <p:nvCxnSpPr>
-          <p:cNvPr id="27" name="Straight Arrow Connector 26"/>
+          <p:cNvPr id="55" name="Straight Arrow Connector 54"/>
           <p:cNvCxnSpPr/>
           <p:nvPr/>
         </p:nvCxnSpPr>
@@ -9355,10 +8906,17 @@
   <p:clrMapOvr>
     <a:masterClrMapping/>
   </p:clrMapOvr>
+  <p:timing>
+    <p:tnLst>
+      <p:par>
+        <p:cTn id="1" dur="indefinite" restart="never" nodeType="tmRoot"/>
+      </p:par>
+    </p:tnLst>
+  </p:timing>
 </p:sld>
 </file>
 
-<file path=ppt/slides/slide27.xml><?xml version="1.0" encoding="utf-8"?>
+<file path=ppt/slides/slide23.xml><?xml version="1.0" encoding="utf-8"?>
 <p:sld xmlns:a="http://schemas.openxmlformats.org/drawingml/2006/main" xmlns:r="http://schemas.openxmlformats.org/officeDocument/2006/relationships" xmlns:p="http://schemas.openxmlformats.org/presentationml/2006/main">
   <p:cSld>
     <p:spTree>
@@ -9377,7 +8935,7 @@
       </p:grpSpPr>
       <p:sp>
         <p:nvSpPr>
-          <p:cNvPr id="2" name="Title 1"/>
+          <p:cNvPr id="5" name="Title 1"/>
           <p:cNvSpPr>
             <a:spLocks noGrp="1"/>
           </p:cNvSpPr>
@@ -9385,146 +8943,15 @@
             <p:ph type="title"/>
           </p:nvPr>
         </p:nvSpPr>
-        <p:spPr/>
+        <p:spPr>
+          <a:xfrm>
+            <a:off x="457200" y="155448"/>
+            <a:ext cx="8229600" cy="1252728"/>
+          </a:xfrm>
+        </p:spPr>
         <p:txBody>
           <a:bodyPr>
-            <a:normAutofit fontScale="90000"/>
-          </a:bodyPr>
-          <a:lstStyle/>
-          <a:p>
-            <a:r>
-              <a:rPr lang="en-US" dirty="0" smtClean="0"/>
-              <a:t>User Interface Module:</a:t>
-            </a:r>
-            <a:br>
-              <a:rPr lang="en-US" dirty="0" smtClean="0"/>
-            </a:br>
-            <a:r>
-              <a:rPr lang="en-US" dirty="0" smtClean="0"/>
-              <a:t>Model</a:t>
-            </a:r>
-            <a:endParaRPr lang="en-US" dirty="0"/>
-          </a:p>
-        </p:txBody>
-      </p:sp>
-      <p:sp>
-        <p:nvSpPr>
-          <p:cNvPr id="6" name="Slide Number Placeholder 5"/>
-          <p:cNvSpPr>
-            <a:spLocks noGrp="1"/>
-          </p:cNvSpPr>
-          <p:nvPr>
-            <p:ph type="sldNum" sz="quarter" idx="12"/>
-          </p:nvPr>
-        </p:nvSpPr>
-        <p:spPr/>
-        <p:txBody>
-          <a:bodyPr/>
-          <a:lstStyle/>
-          <a:p>
-            <a:fld id="{B6F15528-21DE-4FAA-801E-634DDDAF4B2B}" type="slidenum">
-              <a:rPr lang="en-US" smtClean="0"/>
-              <a:pPr/>
-              <a:t>27</a:t>
-            </a:fld>
-            <a:endParaRPr lang="en-US" dirty="0"/>
-          </a:p>
-        </p:txBody>
-      </p:sp>
-      <p:pic>
-        <p:nvPicPr>
-          <p:cNvPr id="4" name="Picture 3" descr="UI_model.PNG"/>
-          <p:cNvPicPr>
-            <a:picLocks noChangeAspect="1"/>
-          </p:cNvPicPr>
-          <p:nvPr/>
-        </p:nvPicPr>
-        <p:blipFill>
-          <a:blip r:embed="rId2" cstate="print"/>
-          <a:stretch>
-            <a:fillRect/>
-          </a:stretch>
-        </p:blipFill>
-        <p:spPr>
-          <a:xfrm>
-            <a:off x="531224" y="1552574"/>
-            <a:ext cx="8003176" cy="4376737"/>
-          </a:xfrm>
-          <a:prstGeom prst="rect">
-            <a:avLst/>
-          </a:prstGeom>
-        </p:spPr>
-      </p:pic>
-      <p:pic>
-        <p:nvPicPr>
-          <p:cNvPr id="5" name="Picture 4" descr="logo.jpg"/>
-          <p:cNvPicPr>
-            <a:picLocks noChangeAspect="1"/>
-          </p:cNvPicPr>
-          <p:nvPr/>
-        </p:nvPicPr>
-        <p:blipFill>
-          <a:blip r:embed="rId3" cstate="print"/>
-          <a:stretch>
-            <a:fillRect/>
-          </a:stretch>
-        </p:blipFill>
-        <p:spPr>
-          <a:xfrm>
-            <a:off x="7956253" y="0"/>
-            <a:ext cx="1187747" cy="1328738"/>
-          </a:xfrm>
-          <a:prstGeom prst="rect">
-            <a:avLst/>
-          </a:prstGeom>
-        </p:spPr>
-      </p:pic>
-    </p:spTree>
-  </p:cSld>
-  <p:clrMapOvr>
-    <a:masterClrMapping/>
-  </p:clrMapOvr>
-  <p:timing>
-    <p:tnLst>
-      <p:par>
-        <p:cTn id="1" dur="indefinite" restart="never" nodeType="tmRoot"/>
-      </p:par>
-    </p:tnLst>
-  </p:timing>
-</p:sld>
-</file>
-
-<file path=ppt/slides/slide28.xml><?xml version="1.0" encoding="utf-8"?>
-<p:sld xmlns:a="http://schemas.openxmlformats.org/drawingml/2006/main" xmlns:r="http://schemas.openxmlformats.org/officeDocument/2006/relationships" xmlns:p="http://schemas.openxmlformats.org/presentationml/2006/main">
-  <p:cSld>
-    <p:spTree>
-      <p:nvGrpSpPr>
-        <p:cNvPr id="1" name=""/>
-        <p:cNvGrpSpPr/>
-        <p:nvPr/>
-      </p:nvGrpSpPr>
-      <p:grpSpPr>
-        <a:xfrm>
-          <a:off x="0" y="0"/>
-          <a:ext cx="0" cy="0"/>
-          <a:chOff x="0" y="0"/>
-          <a:chExt cx="0" cy="0"/>
-        </a:xfrm>
-      </p:grpSpPr>
-      <p:sp>
-        <p:nvSpPr>
-          <p:cNvPr id="4" name="Title 1"/>
-          <p:cNvSpPr>
-            <a:spLocks noGrp="1"/>
-          </p:cNvSpPr>
-          <p:nvPr>
-            <p:ph type="title"/>
-          </p:nvPr>
-        </p:nvSpPr>
-        <p:spPr/>
-        <p:txBody>
-          <a:bodyPr>
-            <a:normAutofit fontScale="90000"/>
+            <a:normAutofit/>
           </a:bodyPr>
           <a:lstStyle/>
           <a:p>
@@ -9536,77 +8963,16 @@
               <a:rPr lang="en-US" dirty="0" smtClean="0"/>
             </a:br>
             <a:r>
-              <a:rPr lang="en-US" dirty="0" smtClean="0"/>
-              <a:t>Conclusion</a:t>
+              <a:rPr lang="en-US" sz="2700" dirty="0" smtClean="0"/>
+              <a:t>Implementation: Tools</a:t>
             </a:r>
-            <a:endParaRPr lang="en-US" dirty="0"/>
-          </a:p>
-        </p:txBody>
-      </p:sp>
-      <p:sp>
-        <p:nvSpPr>
-          <p:cNvPr id="6" name="Content Placeholder 2"/>
-          <p:cNvSpPr>
-            <a:spLocks noGrp="1"/>
-          </p:cNvSpPr>
-          <p:nvPr>
-            <p:ph idx="1"/>
-          </p:nvPr>
-        </p:nvSpPr>
-        <p:spPr/>
-        <p:txBody>
-          <a:bodyPr>
-            <a:normAutofit lnSpcReduction="10000"/>
-          </a:bodyPr>
-          <a:lstStyle/>
-          <a:p>
-            <a:r>
-              <a:rPr lang="en-US" dirty="0" smtClean="0"/>
-              <a:t>The User Interface module is what enables the application to respond to the user’s actions.</a:t>
-            </a:r>
-          </a:p>
-          <a:p>
-            <a:r>
-              <a:rPr lang="en-US" dirty="0" smtClean="0"/>
-              <a:t>By communicating with the game mechanics and database modules, the User Interface shares, with the user, data necessary to configure the game</a:t>
-            </a:r>
-          </a:p>
-          <a:p>
-            <a:r>
-              <a:rPr lang="en-US" dirty="0" smtClean="0"/>
-              <a:t>The User Interface module does not display graphics of the active battle, but rather provides the space to view the battle.</a:t>
-            </a:r>
-            <a:endParaRPr lang="en-US" dirty="0"/>
-          </a:p>
-        </p:txBody>
-      </p:sp>
-      <p:sp>
-        <p:nvSpPr>
-          <p:cNvPr id="7" name="Slide Number Placeholder 6"/>
-          <p:cNvSpPr>
-            <a:spLocks noGrp="1"/>
-          </p:cNvSpPr>
-          <p:nvPr>
-            <p:ph type="sldNum" sz="quarter" idx="12"/>
-          </p:nvPr>
-        </p:nvSpPr>
-        <p:spPr/>
-        <p:txBody>
-          <a:bodyPr/>
-          <a:lstStyle/>
-          <a:p>
-            <a:fld id="{B6F15528-21DE-4FAA-801E-634DDDAF4B2B}" type="slidenum">
-              <a:rPr lang="en-US" smtClean="0"/>
-              <a:pPr/>
-              <a:t>28</a:t>
-            </a:fld>
-            <a:endParaRPr lang="en-US" dirty="0"/>
+            <a:endParaRPr lang="en-US" sz="2700" dirty="0"/>
           </a:p>
         </p:txBody>
       </p:sp>
       <p:pic>
         <p:nvPicPr>
-          <p:cNvPr id="5" name="Picture 4" descr="logo.jpg"/>
+          <p:cNvPr id="6" name="Picture 5" descr="logo.jpg"/>
           <p:cNvPicPr>
             <a:picLocks noChangeAspect="1"/>
           </p:cNvPicPr>
@@ -9628,22 +8994,232 @@
           </a:prstGeom>
         </p:spPr>
       </p:pic>
+      <p:sp>
+        <p:nvSpPr>
+          <p:cNvPr id="7" name="Content Placeholder 6"/>
+          <p:cNvSpPr>
+            <a:spLocks noGrp="1"/>
+          </p:cNvSpPr>
+          <p:nvPr>
+            <p:ph idx="1"/>
+          </p:nvPr>
+        </p:nvSpPr>
+        <p:spPr>
+          <a:xfrm>
+            <a:off x="1219200" y="1775191"/>
+            <a:ext cx="7467600" cy="4625609"/>
+          </a:xfrm>
+        </p:spPr>
+        <p:txBody>
+          <a:bodyPr/>
+          <a:lstStyle/>
+          <a:p>
+            <a:pPr>
+              <a:buNone/>
+            </a:pPr>
+            <a:r>
+              <a:rPr lang="en-US" dirty="0" smtClean="0"/>
+              <a:t>Considered Tools</a:t>
+            </a:r>
+          </a:p>
+          <a:p>
+            <a:pPr>
+              <a:buNone/>
+            </a:pPr>
+            <a:r>
+              <a:rPr lang="en-US" dirty="0" smtClean="0"/>
+              <a:t>	Qt</a:t>
+            </a:r>
+          </a:p>
+          <a:p>
+            <a:pPr>
+              <a:buNone/>
+            </a:pPr>
+            <a:r>
+              <a:rPr lang="en-US" dirty="0" smtClean="0"/>
+              <a:t>	</a:t>
+            </a:r>
+            <a:r>
+              <a:rPr lang="en-US" dirty="0" err="1" smtClean="0"/>
+              <a:t>wxWidgets</a:t>
+            </a:r>
+            <a:endParaRPr lang="en-US" dirty="0" smtClean="0"/>
+          </a:p>
+          <a:p>
+            <a:pPr>
+              <a:buNone/>
+            </a:pPr>
+            <a:r>
+              <a:rPr lang="en-US" dirty="0" smtClean="0"/>
+              <a:t>	MFC</a:t>
+            </a:r>
+          </a:p>
+          <a:p>
+            <a:pPr>
+              <a:buNone/>
+            </a:pPr>
+            <a:endParaRPr lang="en-US" dirty="0" smtClean="0"/>
+          </a:p>
+          <a:p>
+            <a:pPr>
+              <a:buNone/>
+            </a:pPr>
+            <a:r>
+              <a:rPr lang="en-US" dirty="0" smtClean="0"/>
+              <a:t>Qt Selected</a:t>
+            </a:r>
+          </a:p>
+          <a:p>
+            <a:r>
+              <a:rPr lang="en-US" dirty="0" smtClean="0"/>
+              <a:t>Cross-platform</a:t>
+            </a:r>
+          </a:p>
+          <a:p>
+            <a:r>
+              <a:rPr lang="en-US" dirty="0" smtClean="0"/>
+              <a:t>Non-GUI features (SQL database)</a:t>
+            </a:r>
+          </a:p>
+          <a:p>
+            <a:r>
+              <a:rPr lang="en-US" dirty="0" smtClean="0"/>
+              <a:t>Meta-object compiler (object macros)</a:t>
+            </a:r>
+          </a:p>
+          <a:p>
+            <a:pPr>
+              <a:buNone/>
+            </a:pPr>
+            <a:endParaRPr lang="en-US" dirty="0" smtClean="0"/>
+          </a:p>
+          <a:p>
+            <a:pPr>
+              <a:buNone/>
+            </a:pPr>
+            <a:endParaRPr lang="en-US" dirty="0" smtClean="0"/>
+          </a:p>
+          <a:p>
+            <a:pPr>
+              <a:buNone/>
+            </a:pPr>
+            <a:endParaRPr lang="en-US" dirty="0" smtClean="0"/>
+          </a:p>
+          <a:p>
+            <a:endParaRPr lang="en-US" dirty="0"/>
+          </a:p>
+        </p:txBody>
+      </p:sp>
+      <p:pic>
+        <p:nvPicPr>
+          <p:cNvPr id="8" name="Picture 7" descr="wxwidgetsLogo.png"/>
+          <p:cNvPicPr>
+            <a:picLocks noChangeAspect="1"/>
+          </p:cNvPicPr>
+          <p:nvPr/>
+        </p:nvPicPr>
+        <p:blipFill>
+          <a:blip r:embed="rId3" cstate="print"/>
+          <a:stretch>
+            <a:fillRect/>
+          </a:stretch>
+        </p:blipFill>
+        <p:spPr>
+          <a:xfrm>
+            <a:off x="990600" y="2895600"/>
+            <a:ext cx="595313" cy="430893"/>
+          </a:xfrm>
+          <a:prstGeom prst="rect">
+            <a:avLst/>
+          </a:prstGeom>
+        </p:spPr>
+      </p:pic>
+      <p:pic>
+        <p:nvPicPr>
+          <p:cNvPr id="9" name="Picture 8" descr="qt-logo.png"/>
+          <p:cNvPicPr>
+            <a:picLocks noChangeAspect="1"/>
+          </p:cNvPicPr>
+          <p:nvPr/>
+        </p:nvPicPr>
+        <p:blipFill>
+          <a:blip r:embed="rId4" cstate="print"/>
+          <a:stretch>
+            <a:fillRect/>
+          </a:stretch>
+        </p:blipFill>
+        <p:spPr>
+          <a:xfrm>
+            <a:off x="1066800" y="2362200"/>
+            <a:ext cx="533400" cy="533400"/>
+          </a:xfrm>
+          <a:prstGeom prst="rect">
+            <a:avLst/>
+          </a:prstGeom>
+        </p:spPr>
+      </p:pic>
+      <p:pic>
+        <p:nvPicPr>
+          <p:cNvPr id="10" name="Picture 9" descr="msdn-logo.png"/>
+          <p:cNvPicPr>
+            <a:picLocks noChangeAspect="1"/>
+          </p:cNvPicPr>
+          <p:nvPr/>
+        </p:nvPicPr>
+        <p:blipFill>
+          <a:blip r:embed="rId5" cstate="print"/>
+          <a:stretch>
+            <a:fillRect/>
+          </a:stretch>
+        </p:blipFill>
+        <p:spPr>
+          <a:xfrm>
+            <a:off x="990600" y="3429000"/>
+            <a:ext cx="646161" cy="319850"/>
+          </a:xfrm>
+          <a:prstGeom prst="rect">
+            <a:avLst/>
+          </a:prstGeom>
+        </p:spPr>
+      </p:pic>
+      <p:sp>
+        <p:nvSpPr>
+          <p:cNvPr id="11" name="Slide Number Placeholder 3"/>
+          <p:cNvSpPr>
+            <a:spLocks noGrp="1"/>
+          </p:cNvSpPr>
+          <p:nvPr>
+            <p:ph type="sldNum" sz="quarter" idx="12"/>
+          </p:nvPr>
+        </p:nvSpPr>
+        <p:spPr>
+          <a:xfrm>
+            <a:off x="8204396" y="6476999"/>
+            <a:ext cx="733864" cy="274320"/>
+          </a:xfrm>
+        </p:spPr>
+        <p:txBody>
+          <a:bodyPr/>
+          <a:lstStyle/>
+          <a:p>
+            <a:fld id="{B6F15528-21DE-4FAA-801E-634DDDAF4B2B}" type="slidenum">
+              <a:rPr lang="en-US" smtClean="0"/>
+              <a:pPr/>
+              <a:t>23</a:t>
+            </a:fld>
+            <a:endParaRPr lang="en-US" dirty="0"/>
+          </a:p>
+        </p:txBody>
+      </p:sp>
     </p:spTree>
   </p:cSld>
   <p:clrMapOvr>
     <a:masterClrMapping/>
   </p:clrMapOvr>
-  <p:timing>
-    <p:tnLst>
-      <p:par>
-        <p:cTn id="1" dur="indefinite" restart="never" nodeType="tmRoot"/>
-      </p:par>
-    </p:tnLst>
-  </p:timing>
 </p:sld>
 </file>
 
-<file path=ppt/slides/slide29.xml><?xml version="1.0" encoding="utf-8"?>
+<file path=ppt/slides/slide24.xml><?xml version="1.0" encoding="utf-8"?>
 <p:sld xmlns:a="http://schemas.openxmlformats.org/drawingml/2006/main" xmlns:r="http://schemas.openxmlformats.org/officeDocument/2006/relationships" xmlns:p="http://schemas.openxmlformats.org/presentationml/2006/main">
   <p:cSld>
     <p:spTree>
@@ -9685,20 +9261,12 @@
               <a:rPr lang="en-US" dirty="0" smtClean="0"/>
             </a:br>
             <a:r>
-              <a:rPr lang="en-US" sz="2700" dirty="0" err="1" smtClean="0"/>
-              <a:t>Qwizard</a:t>
+              <a:rPr lang="en-US" sz="2700" dirty="0" smtClean="0"/>
+              <a:t>Implementation: Class Diagra</a:t>
             </a:r>
             <a:r>
               <a:rPr lang="en-US" sz="2700" dirty="0" smtClean="0"/>
-              <a:t> and </a:t>
-            </a:r>
-            <a:r>
-              <a:rPr lang="en-US" sz="2700" dirty="0" err="1" smtClean="0"/>
-              <a:t>QWzardPage</a:t>
-            </a:r>
-            <a:r>
-              <a:rPr lang="en-US" sz="2700" dirty="0" smtClean="0"/>
-              <a:t> Classes</a:t>
+              <a:t>m</a:t>
             </a:r>
             <a:endParaRPr lang="en-US" sz="2700" dirty="0"/>
           </a:p>
@@ -9722,7 +9290,307 @@
             <a:fld id="{B6F15528-21DE-4FAA-801E-634DDDAF4B2B}" type="slidenum">
               <a:rPr lang="en-US" smtClean="0"/>
               <a:pPr/>
-              <a:t>29</a:t>
+              <a:t>24</a:t>
+            </a:fld>
+            <a:endParaRPr lang="en-US" dirty="0"/>
+          </a:p>
+        </p:txBody>
+      </p:sp>
+      <p:pic>
+        <p:nvPicPr>
+          <p:cNvPr id="24" name="Picture 23" descr="umlDiagramsUI.png"/>
+          <p:cNvPicPr>
+            <a:picLocks noChangeAspect="1"/>
+          </p:cNvPicPr>
+          <p:nvPr/>
+        </p:nvPicPr>
+        <p:blipFill>
+          <a:blip r:embed="rId2" cstate="print"/>
+          <a:stretch>
+            <a:fillRect/>
+          </a:stretch>
+        </p:blipFill>
+        <p:spPr>
+          <a:xfrm>
+            <a:off x="990600" y="1905000"/>
+            <a:ext cx="6705600" cy="4527600"/>
+          </a:xfrm>
+          <a:prstGeom prst="rect">
+            <a:avLst/>
+          </a:prstGeom>
+        </p:spPr>
+      </p:pic>
+    </p:spTree>
+  </p:cSld>
+  <p:clrMapOvr>
+    <a:masterClrMapping/>
+  </p:clrMapOvr>
+</p:sld>
+</file>
+
+<file path=ppt/slides/slide25.xml><?xml version="1.0" encoding="utf-8"?>
+<p:sld xmlns:a="http://schemas.openxmlformats.org/drawingml/2006/main" xmlns:r="http://schemas.openxmlformats.org/officeDocument/2006/relationships" xmlns:p="http://schemas.openxmlformats.org/presentationml/2006/main">
+  <p:cSld>
+    <p:spTree>
+      <p:nvGrpSpPr>
+        <p:cNvPr id="1" name=""/>
+        <p:cNvGrpSpPr/>
+        <p:nvPr/>
+      </p:nvGrpSpPr>
+      <p:grpSpPr>
+        <a:xfrm>
+          <a:off x="0" y="0"/>
+          <a:ext cx="0" cy="0"/>
+          <a:chOff x="0" y="0"/>
+          <a:chExt cx="0" cy="0"/>
+        </a:xfrm>
+      </p:grpSpPr>
+      <p:sp>
+        <p:nvSpPr>
+          <p:cNvPr id="2" name="Title 1"/>
+          <p:cNvSpPr>
+            <a:spLocks noGrp="1"/>
+          </p:cNvSpPr>
+          <p:nvPr>
+            <p:ph type="title"/>
+          </p:nvPr>
+        </p:nvSpPr>
+        <p:spPr/>
+        <p:txBody>
+          <a:bodyPr>
+            <a:normAutofit/>
+          </a:bodyPr>
+          <a:lstStyle/>
+          <a:p>
+            <a:r>
+              <a:rPr lang="en-US" dirty="0" smtClean="0"/>
+              <a:t>User Interface </a:t>
+            </a:r>
+            <a:r>
+              <a:rPr lang="en-US" dirty="0" smtClean="0"/>
+              <a:t>Module</a:t>
+            </a:r>
+            <a:r>
+              <a:rPr lang="en-US" dirty="0" smtClean="0"/>
+              <a:t/>
+            </a:r>
+            <a:br>
+              <a:rPr lang="en-US" dirty="0" smtClean="0"/>
+            </a:br>
+            <a:r>
+              <a:rPr lang="en-US" sz="2700" dirty="0" smtClean="0"/>
+              <a:t>Implementation: Qt Classes</a:t>
+            </a:r>
+            <a:endParaRPr lang="en-US" sz="2700" dirty="0"/>
+          </a:p>
+        </p:txBody>
+      </p:sp>
+      <p:sp>
+        <p:nvSpPr>
+          <p:cNvPr id="6" name="Slide Number Placeholder 5"/>
+          <p:cNvSpPr>
+            <a:spLocks noGrp="1"/>
+          </p:cNvSpPr>
+          <p:nvPr>
+            <p:ph type="sldNum" sz="quarter" idx="12"/>
+          </p:nvPr>
+        </p:nvSpPr>
+        <p:spPr/>
+        <p:txBody>
+          <a:bodyPr/>
+          <a:lstStyle/>
+          <a:p>
+            <a:fld id="{B6F15528-21DE-4FAA-801E-634DDDAF4B2B}" type="slidenum">
+              <a:rPr lang="en-US" smtClean="0"/>
+              <a:pPr/>
+              <a:t>25</a:t>
+            </a:fld>
+            <a:endParaRPr lang="en-US" dirty="0"/>
+          </a:p>
+        </p:txBody>
+      </p:sp>
+      <p:pic>
+        <p:nvPicPr>
+          <p:cNvPr id="5" name="Picture 4" descr="logo.jpg"/>
+          <p:cNvPicPr>
+            <a:picLocks noChangeAspect="1"/>
+          </p:cNvPicPr>
+          <p:nvPr/>
+        </p:nvPicPr>
+        <p:blipFill>
+          <a:blip r:embed="rId2" cstate="print"/>
+          <a:stretch>
+            <a:fillRect/>
+          </a:stretch>
+        </p:blipFill>
+        <p:spPr>
+          <a:xfrm>
+            <a:off x="7956253" y="0"/>
+            <a:ext cx="1187747" cy="1328738"/>
+          </a:xfrm>
+          <a:prstGeom prst="rect">
+            <a:avLst/>
+          </a:prstGeom>
+        </p:spPr>
+      </p:pic>
+      <p:sp>
+        <p:nvSpPr>
+          <p:cNvPr id="7" name="Content Placeholder 2"/>
+          <p:cNvSpPr>
+            <a:spLocks noGrp="1"/>
+          </p:cNvSpPr>
+          <p:nvPr>
+            <p:ph idx="1"/>
+          </p:nvPr>
+        </p:nvSpPr>
+        <p:spPr>
+          <a:xfrm>
+            <a:off x="457200" y="1775191"/>
+            <a:ext cx="8229600" cy="4625609"/>
+          </a:xfrm>
+        </p:spPr>
+        <p:txBody>
+          <a:bodyPr/>
+          <a:lstStyle/>
+          <a:p>
+            <a:r>
+              <a:rPr lang="en-US" dirty="0" err="1" smtClean="0"/>
+              <a:t>QMainWindow</a:t>
+            </a:r>
+            <a:endParaRPr lang="en-US" dirty="0" smtClean="0"/>
+          </a:p>
+          <a:p>
+            <a:r>
+              <a:rPr lang="en-US" dirty="0" err="1" smtClean="0"/>
+              <a:t>QPushButton</a:t>
+            </a:r>
+            <a:endParaRPr lang="en-US" dirty="0" smtClean="0"/>
+          </a:p>
+          <a:p>
+            <a:r>
+              <a:rPr lang="en-US" dirty="0" err="1" smtClean="0"/>
+              <a:t>QCheckBox</a:t>
+            </a:r>
+            <a:endParaRPr lang="en-US" dirty="0" smtClean="0"/>
+          </a:p>
+          <a:p>
+            <a:r>
+              <a:rPr lang="en-US" dirty="0" err="1" smtClean="0"/>
+              <a:t>QDialog</a:t>
+            </a:r>
+            <a:endParaRPr lang="en-US" dirty="0" smtClean="0"/>
+          </a:p>
+          <a:p>
+            <a:r>
+              <a:rPr lang="en-US" dirty="0" err="1" smtClean="0"/>
+              <a:t>QWizard</a:t>
+            </a:r>
+            <a:endParaRPr lang="en-US" dirty="0" smtClean="0"/>
+          </a:p>
+          <a:p>
+            <a:r>
+              <a:rPr lang="en-US" dirty="0" err="1" smtClean="0"/>
+              <a:t>QWizardPage</a:t>
+            </a:r>
+            <a:endParaRPr lang="en-US" dirty="0" smtClean="0"/>
+          </a:p>
+        </p:txBody>
+      </p:sp>
+    </p:spTree>
+  </p:cSld>
+  <p:clrMapOvr>
+    <a:masterClrMapping/>
+  </p:clrMapOvr>
+  <p:timing>
+    <p:tnLst>
+      <p:par>
+        <p:cTn id="1" dur="indefinite" restart="never" nodeType="tmRoot"/>
+      </p:par>
+    </p:tnLst>
+  </p:timing>
+</p:sld>
+</file>
+
+<file path=ppt/slides/slide26.xml><?xml version="1.0" encoding="utf-8"?>
+<p:sld xmlns:a="http://schemas.openxmlformats.org/drawingml/2006/main" xmlns:r="http://schemas.openxmlformats.org/officeDocument/2006/relationships" xmlns:p="http://schemas.openxmlformats.org/presentationml/2006/main">
+  <p:cSld>
+    <p:spTree>
+      <p:nvGrpSpPr>
+        <p:cNvPr id="1" name=""/>
+        <p:cNvGrpSpPr/>
+        <p:nvPr/>
+      </p:nvGrpSpPr>
+      <p:grpSpPr>
+        <a:xfrm>
+          <a:off x="0" y="0"/>
+          <a:ext cx="0" cy="0"/>
+          <a:chOff x="0" y="0"/>
+          <a:chExt cx="0" cy="0"/>
+        </a:xfrm>
+      </p:grpSpPr>
+      <p:sp>
+        <p:nvSpPr>
+          <p:cNvPr id="2" name="Title 1"/>
+          <p:cNvSpPr>
+            <a:spLocks noGrp="1"/>
+          </p:cNvSpPr>
+          <p:nvPr>
+            <p:ph type="title"/>
+          </p:nvPr>
+        </p:nvSpPr>
+        <p:spPr/>
+        <p:txBody>
+          <a:bodyPr>
+            <a:normAutofit/>
+          </a:bodyPr>
+          <a:lstStyle/>
+          <a:p>
+            <a:r>
+              <a:rPr lang="en-US" dirty="0" smtClean="0"/>
+              <a:t>User Interface Module</a:t>
+            </a:r>
+            <a:br>
+              <a:rPr lang="en-US" dirty="0" smtClean="0"/>
+            </a:br>
+            <a:r>
+              <a:rPr lang="en-US" sz="2400" dirty="0" err="1" smtClean="0"/>
+              <a:t>QWizard</a:t>
+            </a:r>
+            <a:r>
+              <a:rPr lang="en-US" sz="2400" dirty="0" smtClean="0"/>
+              <a:t> </a:t>
+            </a:r>
+            <a:r>
+              <a:rPr lang="en-US" sz="2400" dirty="0" smtClean="0"/>
+              <a:t>and </a:t>
+            </a:r>
+            <a:r>
+              <a:rPr lang="en-US" sz="2400" dirty="0" err="1" smtClean="0"/>
+              <a:t>QWizardPage</a:t>
+            </a:r>
+            <a:endParaRPr lang="en-US" sz="2400" dirty="0"/>
+          </a:p>
+        </p:txBody>
+      </p:sp>
+      <p:sp>
+        <p:nvSpPr>
+          <p:cNvPr id="4" name="Slide Number Placeholder 3"/>
+          <p:cNvSpPr>
+            <a:spLocks noGrp="1"/>
+          </p:cNvSpPr>
+          <p:nvPr>
+            <p:ph type="sldNum" sz="quarter" idx="12"/>
+          </p:nvPr>
+        </p:nvSpPr>
+        <p:spPr/>
+        <p:txBody>
+          <a:bodyPr/>
+          <a:lstStyle/>
+          <a:p>
+            <a:fld id="{B6F15528-21DE-4FAA-801E-634DDDAF4B2B}" type="slidenum">
+              <a:rPr lang="en-US" smtClean="0"/>
+              <a:pPr/>
+              <a:t>26</a:t>
             </a:fld>
             <a:endParaRPr lang="en-US" dirty="0"/>
           </a:p>
@@ -10004,158 +9872,7 @@
 </p:sld>
 </file>
 
-<file path=ppt/slides/slide3.xml><?xml version="1.0" encoding="utf-8"?>
-<p:sld xmlns:a="http://schemas.openxmlformats.org/drawingml/2006/main" xmlns:r="http://schemas.openxmlformats.org/officeDocument/2006/relationships" xmlns:p="http://schemas.openxmlformats.org/presentationml/2006/main">
-  <p:cSld>
-    <p:spTree>
-      <p:nvGrpSpPr>
-        <p:cNvPr id="1" name=""/>
-        <p:cNvGrpSpPr/>
-        <p:nvPr/>
-      </p:nvGrpSpPr>
-      <p:grpSpPr>
-        <a:xfrm>
-          <a:off x="0" y="0"/>
-          <a:ext cx="0" cy="0"/>
-          <a:chOff x="0" y="0"/>
-          <a:chExt cx="0" cy="0"/>
-        </a:xfrm>
-      </p:grpSpPr>
-      <p:sp>
-        <p:nvSpPr>
-          <p:cNvPr id="2" name="Title 1"/>
-          <p:cNvSpPr>
-            <a:spLocks noGrp="1"/>
-          </p:cNvSpPr>
-          <p:nvPr>
-            <p:ph type="title"/>
-          </p:nvPr>
-        </p:nvSpPr>
-        <p:spPr/>
-        <p:txBody>
-          <a:bodyPr/>
-          <a:lstStyle/>
-          <a:p>
-            <a:r>
-              <a:rPr lang="en-US" dirty="0" smtClean="0"/>
-              <a:t>The Overview</a:t>
-            </a:r>
-            <a:endParaRPr lang="en-US" dirty="0"/>
-          </a:p>
-        </p:txBody>
-      </p:sp>
-      <p:sp>
-        <p:nvSpPr>
-          <p:cNvPr id="3" name="Content Placeholder 2"/>
-          <p:cNvSpPr>
-            <a:spLocks noGrp="1"/>
-          </p:cNvSpPr>
-          <p:nvPr>
-            <p:ph idx="1"/>
-          </p:nvPr>
-        </p:nvSpPr>
-        <p:spPr/>
-        <p:txBody>
-          <a:bodyPr/>
-          <a:lstStyle/>
-          <a:p>
-            <a:r>
-              <a:rPr lang="en-US" dirty="0" smtClean="0"/>
-              <a:t>  Game Description</a:t>
-            </a:r>
-          </a:p>
-          <a:p>
-            <a:pPr lvl="1"/>
-            <a:r>
-              <a:rPr lang="en-US" dirty="0" smtClean="0"/>
-              <a:t>Details</a:t>
-            </a:r>
-          </a:p>
-          <a:p>
-            <a:pPr lvl="1"/>
-            <a:r>
-              <a:rPr lang="en-US" dirty="0" smtClean="0"/>
-              <a:t>Game flow, battle flow</a:t>
-            </a:r>
-          </a:p>
-          <a:p>
-            <a:r>
-              <a:rPr lang="en-US" dirty="0" smtClean="0"/>
-              <a:t>Tools</a:t>
-            </a:r>
-          </a:p>
-          <a:p>
-            <a:r>
-              <a:rPr lang="en-US" dirty="0" smtClean="0"/>
-              <a:t>Module Breakdown</a:t>
-            </a:r>
-          </a:p>
-        </p:txBody>
-      </p:sp>
-      <p:sp>
-        <p:nvSpPr>
-          <p:cNvPr id="5" name="Slide Number Placeholder 4"/>
-          <p:cNvSpPr>
-            <a:spLocks noGrp="1"/>
-          </p:cNvSpPr>
-          <p:nvPr>
-            <p:ph type="sldNum" sz="quarter" idx="12"/>
-          </p:nvPr>
-        </p:nvSpPr>
-        <p:spPr/>
-        <p:txBody>
-          <a:bodyPr/>
-          <a:lstStyle/>
-          <a:p>
-            <a:fld id="{B6F15528-21DE-4FAA-801E-634DDDAF4B2B}" type="slidenum">
-              <a:rPr lang="en-US" smtClean="0"/>
-              <a:pPr/>
-              <a:t>3</a:t>
-            </a:fld>
-            <a:endParaRPr lang="en-US" dirty="0"/>
-          </a:p>
-        </p:txBody>
-      </p:sp>
-      <p:pic>
-        <p:nvPicPr>
-          <p:cNvPr id="4" name="Picture 3" descr="logo.jpg"/>
-          <p:cNvPicPr>
-            <a:picLocks noChangeAspect="1"/>
-          </p:cNvPicPr>
-          <p:nvPr/>
-        </p:nvPicPr>
-        <p:blipFill>
-          <a:blip r:embed="rId2" cstate="print"/>
-          <a:stretch>
-            <a:fillRect/>
-          </a:stretch>
-        </p:blipFill>
-        <p:spPr>
-          <a:xfrm>
-            <a:off x="7956253" y="0"/>
-            <a:ext cx="1187747" cy="1328738"/>
-          </a:xfrm>
-          <a:prstGeom prst="rect">
-            <a:avLst/>
-          </a:prstGeom>
-        </p:spPr>
-      </p:pic>
-    </p:spTree>
-  </p:cSld>
-  <p:clrMapOvr>
-    <a:masterClrMapping/>
-  </p:clrMapOvr>
-  <p:timing>
-    <p:tnLst>
-      <p:par>
-        <p:cTn id="1" dur="indefinite" restart="never" nodeType="tmRoot"/>
-      </p:par>
-    </p:tnLst>
-  </p:timing>
-</p:sld>
-</file>
-
-<file path=ppt/slides/slide30.xml><?xml version="1.0" encoding="utf-8"?>
+<file path=ppt/slides/slide27.xml><?xml version="1.0" encoding="utf-8"?>
 <p:sld xmlns:a="http://schemas.openxmlformats.org/drawingml/2006/main" xmlns:r="http://schemas.openxmlformats.org/officeDocument/2006/relationships" xmlns:p="http://schemas.openxmlformats.org/presentationml/2006/main">
   <p:cSld>
     <p:spTree>
@@ -10191,18 +9908,30 @@
           <a:p>
             <a:r>
               <a:rPr lang="en-US" sz="5000" dirty="0" smtClean="0"/>
-              <a:t>User Interface </a:t>
-            </a:r>
-            <a:r>
-              <a:rPr lang="en-US" sz="5000" dirty="0" smtClean="0"/>
-              <a:t>Module</a:t>
+              <a:t>User Interface Module</a:t>
             </a:r>
             <a:br>
               <a:rPr lang="en-US" sz="5000" dirty="0" smtClean="0"/>
             </a:br>
             <a:r>
+              <a:rPr lang="en-US" sz="2700" dirty="0" err="1" smtClean="0"/>
+              <a:t>QWizard</a:t>
+            </a:r>
+            <a:r>
               <a:rPr lang="en-US" sz="2700" dirty="0" smtClean="0"/>
-              <a:t>New Game Dialog Traversal Paths</a:t>
+              <a:t> &amp; </a:t>
+            </a:r>
+            <a:r>
+              <a:rPr lang="en-US" sz="2700" dirty="0" err="1" smtClean="0"/>
+              <a:t>QWizardPage</a:t>
+            </a:r>
+            <a:r>
+              <a:rPr lang="en-US" sz="2700" dirty="0" smtClean="0"/>
+              <a:t>: New </a:t>
+            </a:r>
+            <a:r>
+              <a:rPr lang="en-US" sz="2700" dirty="0" smtClean="0"/>
+              <a:t>Game Dialog Traversal Paths</a:t>
             </a:r>
             <a:endParaRPr lang="en-US" sz="2700" dirty="0"/>
           </a:p>
@@ -10226,7 +9955,7 @@
             <a:fld id="{B6F15528-21DE-4FAA-801E-634DDDAF4B2B}" type="slidenum">
               <a:rPr lang="en-US" smtClean="0"/>
               <a:pPr/>
-              <a:t>30</a:t>
+              <a:t>27</a:t>
             </a:fld>
             <a:endParaRPr lang="en-US" dirty="0"/>
           </a:p>
@@ -10728,7 +10457,7 @@
 </p:sld>
 </file>
 
-<file path=ppt/slides/slide31.xml><?xml version="1.0" encoding="utf-8"?>
+<file path=ppt/slides/slide28.xml><?xml version="1.0" encoding="utf-8"?>
 <p:sld xmlns:a="http://schemas.openxmlformats.org/drawingml/2006/main" xmlns:r="http://schemas.openxmlformats.org/officeDocument/2006/relationships" xmlns:p="http://schemas.openxmlformats.org/presentationml/2006/main">
   <p:cSld>
     <p:spTree>
@@ -10763,17 +10492,21 @@
           <a:lstStyle/>
           <a:p>
             <a:r>
+              <a:rPr lang="en-US" sz="5000" dirty="0" smtClean="0"/>
+              <a:t>User Interface Module</a:t>
+            </a:r>
+            <a:r>
               <a:rPr lang="en-US" dirty="0" smtClean="0"/>
-              <a:t>Game Mechanics</a:t>
+              <a:t/>
             </a:r>
             <a:br>
               <a:rPr lang="en-US" dirty="0" smtClean="0"/>
             </a:br>
             <a:r>
-              <a:rPr lang="en-US" dirty="0" smtClean="0"/>
-              <a:t>and AI</a:t>
+              <a:rPr lang="en-US" sz="2700" dirty="0" smtClean="0"/>
+              <a:t>Unit Testing &amp; Verification</a:t>
             </a:r>
-            <a:endParaRPr lang="en-US" dirty="0"/>
+            <a:endParaRPr lang="en-US" sz="2700" dirty="0"/>
           </a:p>
         </p:txBody>
       </p:sp>
@@ -10789,21 +10522,42 @@
         </p:nvSpPr>
         <p:spPr/>
         <p:txBody>
-          <a:bodyPr>
-            <a:normAutofit lnSpcReduction="10000"/>
-          </a:bodyPr>
+          <a:bodyPr/>
           <a:lstStyle/>
           <a:p>
             <a:r>
               <a:rPr lang="en-US" dirty="0" smtClean="0"/>
-              <a:t>Unit</a:t>
+              <a:t>Database</a:t>
             </a:r>
           </a:p>
           <a:p>
+            <a:pPr lvl="1"/>
             <a:r>
               <a:rPr lang="en-US" dirty="0" smtClean="0"/>
-              <a:t>Player</a:t>
+              <a:t>Generate sprites, maps &amp; test users</a:t>
             </a:r>
+          </a:p>
+          <a:p>
+            <a:pPr lvl="1"/>
+            <a:r>
+              <a:rPr lang="en-US" dirty="0" smtClean="0"/>
+              <a:t>Perform data reads &amp; writes during new game dialogs</a:t>
+            </a:r>
+            <a:endParaRPr lang="en-US" dirty="0" smtClean="0"/>
+          </a:p>
+          <a:p>
+            <a:r>
+              <a:rPr lang="en-US" dirty="0" smtClean="0"/>
+              <a:t>AI</a:t>
+            </a:r>
+          </a:p>
+          <a:p>
+            <a:pPr lvl="1"/>
+            <a:r>
+              <a:rPr lang="en-US" dirty="0" smtClean="0"/>
+              <a:t>Generate end turn signal</a:t>
+            </a:r>
+            <a:endParaRPr lang="en-US" dirty="0" smtClean="0"/>
           </a:p>
           <a:p>
             <a:r>
@@ -10815,43 +10569,247 @@
             <a:pPr lvl="1"/>
             <a:r>
               <a:rPr lang="en-US" dirty="0" smtClean="0"/>
-              <a:t>Move</a:t>
+              <a:t>Generate battle over signal</a:t>
+            </a:r>
+          </a:p>
+        </p:txBody>
+      </p:sp>
+      <p:sp>
+        <p:nvSpPr>
+          <p:cNvPr id="4" name="Slide Number Placeholder 3"/>
+          <p:cNvSpPr>
+            <a:spLocks noGrp="1"/>
+          </p:cNvSpPr>
+          <p:nvPr>
+            <p:ph type="sldNum" sz="quarter" idx="12"/>
+          </p:nvPr>
+        </p:nvSpPr>
+        <p:spPr/>
+        <p:txBody>
+          <a:bodyPr/>
+          <a:lstStyle/>
+          <a:p>
+            <a:fld id="{B6F15528-21DE-4FAA-801E-634DDDAF4B2B}" type="slidenum">
+              <a:rPr lang="en-US" smtClean="0"/>
+              <a:pPr/>
+              <a:t>28</a:t>
+            </a:fld>
+            <a:endParaRPr lang="en-US" dirty="0"/>
+          </a:p>
+        </p:txBody>
+      </p:sp>
+    </p:spTree>
+  </p:cSld>
+  <p:clrMapOvr>
+    <a:masterClrMapping/>
+  </p:clrMapOvr>
+</p:sld>
+</file>
+
+<file path=ppt/slides/slide29.xml><?xml version="1.0" encoding="utf-8"?>
+<p:sld xmlns:a="http://schemas.openxmlformats.org/drawingml/2006/main" xmlns:r="http://schemas.openxmlformats.org/officeDocument/2006/relationships" xmlns:p="http://schemas.openxmlformats.org/presentationml/2006/main">
+  <p:cSld>
+    <p:spTree>
+      <p:nvGrpSpPr>
+        <p:cNvPr id="1" name=""/>
+        <p:cNvGrpSpPr/>
+        <p:nvPr/>
+      </p:nvGrpSpPr>
+      <p:grpSpPr>
+        <a:xfrm>
+          <a:off x="0" y="0"/>
+          <a:ext cx="0" cy="0"/>
+          <a:chOff x="0" y="0"/>
+          <a:chExt cx="0" cy="0"/>
+        </a:xfrm>
+      </p:grpSpPr>
+      <p:sp>
+        <p:nvSpPr>
+          <p:cNvPr id="2" name="Title 1"/>
+          <p:cNvSpPr>
+            <a:spLocks noGrp="1"/>
+          </p:cNvSpPr>
+          <p:nvPr>
+            <p:ph type="title"/>
+          </p:nvPr>
+        </p:nvSpPr>
+        <p:spPr/>
+        <p:txBody>
+          <a:bodyPr>
+            <a:normAutofit/>
+          </a:bodyPr>
+          <a:lstStyle/>
+          <a:p>
+            <a:r>
+              <a:rPr lang="en-US" dirty="0" smtClean="0"/>
+              <a:t>User Interface </a:t>
+            </a:r>
+            <a:r>
+              <a:rPr lang="en-US" dirty="0" smtClean="0"/>
+              <a:t>Module</a:t>
+            </a:r>
+            <a:br>
+              <a:rPr lang="en-US" dirty="0" smtClean="0"/>
+            </a:br>
+            <a:r>
+              <a:rPr lang="en-US" sz="2700" dirty="0" smtClean="0"/>
+              <a:t>Challenges</a:t>
+            </a:r>
+            <a:endParaRPr lang="en-US" sz="2700" dirty="0"/>
+          </a:p>
+        </p:txBody>
+      </p:sp>
+      <p:sp>
+        <p:nvSpPr>
+          <p:cNvPr id="3" name="Content Placeholder 2"/>
+          <p:cNvSpPr>
+            <a:spLocks noGrp="1"/>
+          </p:cNvSpPr>
+          <p:nvPr>
+            <p:ph idx="1"/>
+          </p:nvPr>
+        </p:nvSpPr>
+        <p:spPr/>
+        <p:txBody>
+          <a:bodyPr/>
+          <a:lstStyle/>
+          <a:p>
+            <a:r>
+              <a:rPr lang="en-US" dirty="0" smtClean="0"/>
+              <a:t>Object-oriented design knowledge</a:t>
+            </a:r>
+          </a:p>
+          <a:p>
+            <a:r>
+              <a:rPr lang="en-US" dirty="0" smtClean="0"/>
+              <a:t>Qt knowledge</a:t>
+            </a:r>
+          </a:p>
+          <a:p>
+            <a:r>
+              <a:rPr lang="en-US" dirty="0" smtClean="0"/>
+              <a:t>Modularity in game development</a:t>
+            </a:r>
+          </a:p>
+        </p:txBody>
+      </p:sp>
+      <p:sp>
+        <p:nvSpPr>
+          <p:cNvPr id="4" name="Slide Number Placeholder 3"/>
+          <p:cNvSpPr>
+            <a:spLocks noGrp="1"/>
+          </p:cNvSpPr>
+          <p:nvPr>
+            <p:ph type="sldNum" sz="quarter" idx="12"/>
+          </p:nvPr>
+        </p:nvSpPr>
+        <p:spPr/>
+        <p:txBody>
+          <a:bodyPr/>
+          <a:lstStyle/>
+          <a:p>
+            <a:fld id="{B6F15528-21DE-4FAA-801E-634DDDAF4B2B}" type="slidenum">
+              <a:rPr lang="en-US" smtClean="0"/>
+              <a:pPr/>
+              <a:t>29</a:t>
+            </a:fld>
+            <a:endParaRPr lang="en-US" dirty="0"/>
+          </a:p>
+        </p:txBody>
+      </p:sp>
+    </p:spTree>
+  </p:cSld>
+  <p:clrMapOvr>
+    <a:masterClrMapping/>
+  </p:clrMapOvr>
+</p:sld>
+</file>
+
+<file path=ppt/slides/slide3.xml><?xml version="1.0" encoding="utf-8"?>
+<p:sld xmlns:a="http://schemas.openxmlformats.org/drawingml/2006/main" xmlns:r="http://schemas.openxmlformats.org/officeDocument/2006/relationships" xmlns:p="http://schemas.openxmlformats.org/presentationml/2006/main">
+  <p:cSld>
+    <p:spTree>
+      <p:nvGrpSpPr>
+        <p:cNvPr id="1" name=""/>
+        <p:cNvGrpSpPr/>
+        <p:nvPr/>
+      </p:nvGrpSpPr>
+      <p:grpSpPr>
+        <a:xfrm>
+          <a:off x="0" y="0"/>
+          <a:ext cx="0" cy="0"/>
+          <a:chOff x="0" y="0"/>
+          <a:chExt cx="0" cy="0"/>
+        </a:xfrm>
+      </p:grpSpPr>
+      <p:sp>
+        <p:nvSpPr>
+          <p:cNvPr id="2" name="Title 1"/>
+          <p:cNvSpPr>
+            <a:spLocks noGrp="1"/>
+          </p:cNvSpPr>
+          <p:nvPr>
+            <p:ph type="title"/>
+          </p:nvPr>
+        </p:nvSpPr>
+        <p:spPr/>
+        <p:txBody>
+          <a:bodyPr/>
+          <a:lstStyle/>
+          <a:p>
+            <a:r>
+              <a:rPr lang="en-US" dirty="0" smtClean="0"/>
+              <a:t>The Overview</a:t>
+            </a:r>
+            <a:endParaRPr lang="en-US" dirty="0"/>
+          </a:p>
+        </p:txBody>
+      </p:sp>
+      <p:sp>
+        <p:nvSpPr>
+          <p:cNvPr id="3" name="Content Placeholder 2"/>
+          <p:cNvSpPr>
+            <a:spLocks noGrp="1"/>
+          </p:cNvSpPr>
+          <p:nvPr>
+            <p:ph idx="1"/>
+          </p:nvPr>
+        </p:nvSpPr>
+        <p:spPr/>
+        <p:txBody>
+          <a:bodyPr/>
+          <a:lstStyle/>
+          <a:p>
+            <a:r>
+              <a:rPr lang="en-US" dirty="0" smtClean="0"/>
+              <a:t>  Game Description</a:t>
             </a:r>
           </a:p>
           <a:p>
             <a:pPr lvl="1"/>
             <a:r>
               <a:rPr lang="en-US" dirty="0" smtClean="0"/>
-              <a:t>Attack</a:t>
+              <a:t>Details</a:t>
             </a:r>
           </a:p>
           <a:p>
             <a:pPr lvl="1"/>
             <a:r>
               <a:rPr lang="en-US" dirty="0" smtClean="0"/>
-              <a:t>Others</a:t>
+              <a:t>Game flow, battle flow</a:t>
             </a:r>
           </a:p>
           <a:p>
             <a:r>
               <a:rPr lang="en-US" dirty="0" smtClean="0"/>
-              <a:t>AI</a:t>
+              <a:t>Tools</a:t>
             </a:r>
           </a:p>
           <a:p>
-            <a:pPr lvl="1"/>
             <a:r>
               <a:rPr lang="en-US" dirty="0" smtClean="0"/>
-              <a:t>Game Tree</a:t>
+              <a:t>Module Breakdown</a:t>
             </a:r>
-          </a:p>
-          <a:p>
-            <a:pPr lvl="1"/>
-            <a:r>
-              <a:rPr lang="en-US" dirty="0" smtClean="0"/>
-              <a:t>Decision Making</a:t>
-            </a:r>
-            <a:endParaRPr lang="en-US" dirty="0"/>
           </a:p>
         </p:txBody>
       </p:sp>
@@ -10873,7 +10831,7 @@
             <a:fld id="{B6F15528-21DE-4FAA-801E-634DDDAF4B2B}" type="slidenum">
               <a:rPr lang="en-US" smtClean="0"/>
               <a:pPr/>
-              <a:t>31</a:t>
+              <a:t>3</a:t>
             </a:fld>
             <a:endParaRPr lang="en-US" dirty="0"/>
           </a:p>
@@ -10918,7 +10876,197 @@
 </p:sld>
 </file>
 
-<file path=ppt/slides/slide32.xml><?xml version="1.0" encoding="utf-8"?>
+<file path=ppt/slides/slide30.xml><?xml version="1.0" encoding="utf-8"?>
+<p:sld xmlns:a="http://schemas.openxmlformats.org/drawingml/2006/main" xmlns:r="http://schemas.openxmlformats.org/officeDocument/2006/relationships" xmlns:p="http://schemas.openxmlformats.org/presentationml/2006/main">
+  <p:cSld>
+    <p:spTree>
+      <p:nvGrpSpPr>
+        <p:cNvPr id="1" name=""/>
+        <p:cNvGrpSpPr/>
+        <p:nvPr/>
+      </p:nvGrpSpPr>
+      <p:grpSpPr>
+        <a:xfrm>
+          <a:off x="0" y="0"/>
+          <a:ext cx="0" cy="0"/>
+          <a:chOff x="0" y="0"/>
+          <a:chExt cx="0" cy="0"/>
+        </a:xfrm>
+      </p:grpSpPr>
+      <p:sp>
+        <p:nvSpPr>
+          <p:cNvPr id="2" name="Title 1"/>
+          <p:cNvSpPr>
+            <a:spLocks noGrp="1"/>
+          </p:cNvSpPr>
+          <p:nvPr>
+            <p:ph type="title"/>
+          </p:nvPr>
+        </p:nvSpPr>
+        <p:spPr/>
+        <p:txBody>
+          <a:bodyPr>
+            <a:normAutofit fontScale="90000"/>
+          </a:bodyPr>
+          <a:lstStyle/>
+          <a:p>
+            <a:r>
+              <a:rPr lang="en-US" dirty="0" smtClean="0"/>
+              <a:t>Game Mechanics</a:t>
+            </a:r>
+            <a:br>
+              <a:rPr lang="en-US" dirty="0" smtClean="0"/>
+            </a:br>
+            <a:r>
+              <a:rPr lang="en-US" dirty="0" smtClean="0"/>
+              <a:t>and AI</a:t>
+            </a:r>
+            <a:endParaRPr lang="en-US" dirty="0"/>
+          </a:p>
+        </p:txBody>
+      </p:sp>
+      <p:sp>
+        <p:nvSpPr>
+          <p:cNvPr id="3" name="Content Placeholder 2"/>
+          <p:cNvSpPr>
+            <a:spLocks noGrp="1"/>
+          </p:cNvSpPr>
+          <p:nvPr>
+            <p:ph idx="1"/>
+          </p:nvPr>
+        </p:nvSpPr>
+        <p:spPr/>
+        <p:txBody>
+          <a:bodyPr>
+            <a:normAutofit lnSpcReduction="10000"/>
+          </a:bodyPr>
+          <a:lstStyle/>
+          <a:p>
+            <a:r>
+              <a:rPr lang="en-US" dirty="0" smtClean="0"/>
+              <a:t>Unit</a:t>
+            </a:r>
+          </a:p>
+          <a:p>
+            <a:r>
+              <a:rPr lang="en-US" dirty="0" smtClean="0"/>
+              <a:t>Player</a:t>
+            </a:r>
+          </a:p>
+          <a:p>
+            <a:r>
+              <a:rPr lang="en-US" dirty="0" smtClean="0"/>
+              <a:t>Mechanics</a:t>
+            </a:r>
+          </a:p>
+          <a:p>
+            <a:pPr lvl="1"/>
+            <a:r>
+              <a:rPr lang="en-US" dirty="0" smtClean="0"/>
+              <a:t>Move</a:t>
+            </a:r>
+          </a:p>
+          <a:p>
+            <a:pPr lvl="1"/>
+            <a:r>
+              <a:rPr lang="en-US" dirty="0" smtClean="0"/>
+              <a:t>Attack</a:t>
+            </a:r>
+          </a:p>
+          <a:p>
+            <a:pPr lvl="1"/>
+            <a:r>
+              <a:rPr lang="en-US" dirty="0" smtClean="0"/>
+              <a:t>Others</a:t>
+            </a:r>
+          </a:p>
+          <a:p>
+            <a:r>
+              <a:rPr lang="en-US" dirty="0" smtClean="0"/>
+              <a:t>AI</a:t>
+            </a:r>
+          </a:p>
+          <a:p>
+            <a:pPr lvl="1"/>
+            <a:r>
+              <a:rPr lang="en-US" dirty="0" smtClean="0"/>
+              <a:t>Game Tree</a:t>
+            </a:r>
+          </a:p>
+          <a:p>
+            <a:pPr lvl="1"/>
+            <a:r>
+              <a:rPr lang="en-US" dirty="0" smtClean="0"/>
+              <a:t>Decision Making</a:t>
+            </a:r>
+            <a:endParaRPr lang="en-US" dirty="0"/>
+          </a:p>
+        </p:txBody>
+      </p:sp>
+      <p:sp>
+        <p:nvSpPr>
+          <p:cNvPr id="5" name="Slide Number Placeholder 4"/>
+          <p:cNvSpPr>
+            <a:spLocks noGrp="1"/>
+          </p:cNvSpPr>
+          <p:nvPr>
+            <p:ph type="sldNum" sz="quarter" idx="12"/>
+          </p:nvPr>
+        </p:nvSpPr>
+        <p:spPr/>
+        <p:txBody>
+          <a:bodyPr/>
+          <a:lstStyle/>
+          <a:p>
+            <a:fld id="{B6F15528-21DE-4FAA-801E-634DDDAF4B2B}" type="slidenum">
+              <a:rPr lang="en-US" smtClean="0"/>
+              <a:pPr/>
+              <a:t>30</a:t>
+            </a:fld>
+            <a:endParaRPr lang="en-US" dirty="0"/>
+          </a:p>
+        </p:txBody>
+      </p:sp>
+      <p:pic>
+        <p:nvPicPr>
+          <p:cNvPr id="4" name="Picture 3" descr="logo.jpg"/>
+          <p:cNvPicPr>
+            <a:picLocks noChangeAspect="1"/>
+          </p:cNvPicPr>
+          <p:nvPr/>
+        </p:nvPicPr>
+        <p:blipFill>
+          <a:blip r:embed="rId2" cstate="print"/>
+          <a:stretch>
+            <a:fillRect/>
+          </a:stretch>
+        </p:blipFill>
+        <p:spPr>
+          <a:xfrm>
+            <a:off x="7956253" y="0"/>
+            <a:ext cx="1187747" cy="1328738"/>
+          </a:xfrm>
+          <a:prstGeom prst="rect">
+            <a:avLst/>
+          </a:prstGeom>
+        </p:spPr>
+      </p:pic>
+    </p:spTree>
+  </p:cSld>
+  <p:clrMapOvr>
+    <a:masterClrMapping/>
+  </p:clrMapOvr>
+  <p:timing>
+    <p:tnLst>
+      <p:par>
+        <p:cTn id="1" dur="indefinite" restart="never" nodeType="tmRoot"/>
+      </p:par>
+    </p:tnLst>
+  </p:timing>
+</p:sld>
+</file>
+
+<file path=ppt/slides/slide31.xml><?xml version="1.0" encoding="utf-8"?>
 <p:sld xmlns:a="http://schemas.openxmlformats.org/drawingml/2006/main" xmlns:r="http://schemas.openxmlformats.org/officeDocument/2006/relationships" xmlns:p="http://schemas.openxmlformats.org/presentationml/2006/main">
   <p:cSld>
     <p:spTree>
@@ -11064,7 +11212,7 @@
             <a:fld id="{B6F15528-21DE-4FAA-801E-634DDDAF4B2B}" type="slidenum">
               <a:rPr lang="en-US" smtClean="0"/>
               <a:pPr/>
-              <a:t>32</a:t>
+              <a:t>31</a:t>
             </a:fld>
             <a:endParaRPr lang="en-US" dirty="0"/>
           </a:p>
@@ -11254,7 +11402,7 @@
 </p:sld>
 </file>
 
-<file path=ppt/slides/slide33.xml><?xml version="1.0" encoding="utf-8"?>
+<file path=ppt/slides/slide32.xml><?xml version="1.0" encoding="utf-8"?>
 <p:sld xmlns:a="http://schemas.openxmlformats.org/drawingml/2006/main" xmlns:r="http://schemas.openxmlformats.org/officeDocument/2006/relationships" xmlns:p="http://schemas.openxmlformats.org/presentationml/2006/main">
   <p:cSld>
     <p:spTree>
@@ -11372,7 +11520,7 @@
             <a:fld id="{B6F15528-21DE-4FAA-801E-634DDDAF4B2B}" type="slidenum">
               <a:rPr lang="en-US" smtClean="0"/>
               <a:pPr/>
-              <a:t>33</a:t>
+              <a:t>32</a:t>
             </a:fld>
             <a:endParaRPr lang="en-US" dirty="0"/>
           </a:p>
@@ -11421,7 +11569,7 @@
 </p:sld>
 </file>
 
-<file path=ppt/slides/slide34.xml><?xml version="1.0" encoding="utf-8"?>
+<file path=ppt/slides/slide33.xml><?xml version="1.0" encoding="utf-8"?>
 <p:sld xmlns:a="http://schemas.openxmlformats.org/drawingml/2006/main" xmlns:r="http://schemas.openxmlformats.org/officeDocument/2006/relationships" xmlns:p="http://schemas.openxmlformats.org/presentationml/2006/main">
   <p:cSld>
     <p:spTree>
@@ -11513,7 +11661,7 @@
             <a:fld id="{B6F15528-21DE-4FAA-801E-634DDDAF4B2B}" type="slidenum">
               <a:rPr lang="en-US" smtClean="0"/>
               <a:pPr/>
-              <a:t>34</a:t>
+              <a:t>33</a:t>
             </a:fld>
             <a:endParaRPr lang="en-US" dirty="0"/>
           </a:p>
@@ -17197,7 +17345,7 @@
 </p:sld>
 </file>
 
-<file path=ppt/slides/slide35.xml><?xml version="1.0" encoding="utf-8"?>
+<file path=ppt/slides/slide34.xml><?xml version="1.0" encoding="utf-8"?>
 <p:sld xmlns:a="http://schemas.openxmlformats.org/drawingml/2006/main" xmlns:r="http://schemas.openxmlformats.org/officeDocument/2006/relationships" xmlns:p="http://schemas.openxmlformats.org/presentationml/2006/main">
   <p:cSld>
     <p:spTree>
@@ -17289,7 +17437,7 @@
             <a:fld id="{B6F15528-21DE-4FAA-801E-634DDDAF4B2B}" type="slidenum">
               <a:rPr lang="en-US" smtClean="0"/>
               <a:pPr/>
-              <a:t>35</a:t>
+              <a:t>34</a:t>
             </a:fld>
             <a:endParaRPr lang="en-US" dirty="0"/>
           </a:p>
@@ -23007,7 +23155,7 @@
 </p:sld>
 </file>
 
-<file path=ppt/slides/slide36.xml><?xml version="1.0" encoding="utf-8"?>
+<file path=ppt/slides/slide35.xml><?xml version="1.0" encoding="utf-8"?>
 <p:sld xmlns:a="http://schemas.openxmlformats.org/drawingml/2006/main" xmlns:r="http://schemas.openxmlformats.org/officeDocument/2006/relationships" xmlns:p="http://schemas.openxmlformats.org/presentationml/2006/main">
   <p:cSld>
     <p:spTree>
@@ -23065,7 +23213,7 @@
             <a:fld id="{B6F15528-21DE-4FAA-801E-634DDDAF4B2B}" type="slidenum">
               <a:rPr lang="en-US" smtClean="0"/>
               <a:pPr/>
-              <a:t>36</a:t>
+              <a:t>35</a:t>
             </a:fld>
             <a:endParaRPr lang="en-US" dirty="0"/>
           </a:p>
@@ -23131,7 +23279,7 @@
 </p:sld>
 </file>
 
-<file path=ppt/slides/slide37.xml><?xml version="1.0" encoding="utf-8"?>
+<file path=ppt/slides/slide36.xml><?xml version="1.0" encoding="utf-8"?>
 <p:sld xmlns:a="http://schemas.openxmlformats.org/drawingml/2006/main" xmlns:r="http://schemas.openxmlformats.org/officeDocument/2006/relationships" xmlns:p="http://schemas.openxmlformats.org/presentationml/2006/main">
   <p:cSld>
     <p:spTree>
@@ -23194,7 +23342,7 @@
             <a:fld id="{B6F15528-21DE-4FAA-801E-634DDDAF4B2B}" type="slidenum">
               <a:rPr lang="en-US" smtClean="0"/>
               <a:pPr/>
-              <a:t>37</a:t>
+              <a:t>36</a:t>
             </a:fld>
             <a:endParaRPr lang="en-US" dirty="0"/>
           </a:p>
@@ -23263,7 +23411,7 @@
 </p:sld>
 </file>
 
-<file path=ppt/slides/slide38.xml><?xml version="1.0" encoding="utf-8"?>
+<file path=ppt/slides/slide37.xml><?xml version="1.0" encoding="utf-8"?>
 <p:sld xmlns:a="http://schemas.openxmlformats.org/drawingml/2006/main" xmlns:r="http://schemas.openxmlformats.org/officeDocument/2006/relationships" xmlns:p="http://schemas.openxmlformats.org/presentationml/2006/main">
   <p:cSld>
     <p:spTree>
@@ -23358,7 +23506,7 @@
             <a:fld id="{B6F15528-21DE-4FAA-801E-634DDDAF4B2B}" type="slidenum">
               <a:rPr lang="en-US" smtClean="0"/>
               <a:pPr/>
-              <a:t>38</a:t>
+              <a:t>37</a:t>
             </a:fld>
             <a:endParaRPr lang="en-US" dirty="0"/>
           </a:p>
@@ -23379,7 +23527,7 @@
 </p:sld>
 </file>
 
-<file path=ppt/slides/slide39.xml><?xml version="1.0" encoding="utf-8"?>
+<file path=ppt/slides/slide38.xml><?xml version="1.0" encoding="utf-8"?>
 <p:sld xmlns:a="http://schemas.openxmlformats.org/drawingml/2006/main" xmlns:r="http://schemas.openxmlformats.org/officeDocument/2006/relationships" xmlns:p="http://schemas.openxmlformats.org/presentationml/2006/main">
   <p:cSld>
     <p:spTree>
@@ -23442,7 +23590,7 @@
             <a:fld id="{B6F15528-21DE-4FAA-801E-634DDDAF4B2B}" type="slidenum">
               <a:rPr lang="en-US" smtClean="0"/>
               <a:pPr/>
-              <a:t>39</a:t>
+              <a:t>38</a:t>
             </a:fld>
             <a:endParaRPr lang="en-US" dirty="0"/>
           </a:p>
@@ -23521,7 +23669,7 @@
 </p:sld>
 </file>
 
-<file path=ppt/slides/slide4.xml><?xml version="1.0" encoding="utf-8"?>
+<file path=ppt/slides/slide39.xml><?xml version="1.0" encoding="utf-8"?>
 <p:sld xmlns:a="http://schemas.openxmlformats.org/drawingml/2006/main" xmlns:r="http://schemas.openxmlformats.org/officeDocument/2006/relationships" xmlns:p="http://schemas.openxmlformats.org/presentationml/2006/main">
   <p:cSld>
     <p:spTree>
@@ -23555,1604 +23703,6 @@
           <a:p>
             <a:r>
               <a:rPr lang="en-US" dirty="0" smtClean="0"/>
-              <a:t>Duel Reality: the Game</a:t>
-            </a:r>
-            <a:endParaRPr lang="en-US" dirty="0"/>
-          </a:p>
-        </p:txBody>
-      </p:sp>
-      <p:sp>
-        <p:nvSpPr>
-          <p:cNvPr id="3" name="Content Placeholder 2"/>
-          <p:cNvSpPr>
-            <a:spLocks noGrp="1"/>
-          </p:cNvSpPr>
-          <p:nvPr>
-            <p:ph idx="1"/>
-          </p:nvPr>
-        </p:nvSpPr>
-        <p:spPr>
-          <a:xfrm>
-            <a:off x="457200" y="1600200"/>
-            <a:ext cx="8229600" cy="4343400"/>
-          </a:xfrm>
-        </p:spPr>
-        <p:txBody>
-          <a:bodyPr>
-            <a:normAutofit fontScale="85000" lnSpcReduction="20000"/>
-          </a:bodyPr>
-          <a:lstStyle/>
-          <a:p>
-            <a:r>
-              <a:rPr lang="en-US" dirty="0" smtClean="0"/>
-              <a:t>Total Game play experience</a:t>
-            </a:r>
-          </a:p>
-          <a:p>
-            <a:pPr lvl="1"/>
-            <a:r>
-              <a:rPr lang="en-US" dirty="0" smtClean="0"/>
-              <a:t>2D</a:t>
-            </a:r>
-          </a:p>
-          <a:p>
-            <a:pPr lvl="1"/>
-            <a:r>
-              <a:rPr lang="en-US" dirty="0" smtClean="0"/>
-              <a:t>Turn based</a:t>
-            </a:r>
-          </a:p>
-          <a:p>
-            <a:pPr lvl="1"/>
-            <a:r>
-              <a:rPr lang="en-US" dirty="0" smtClean="0"/>
-              <a:t>Strategy battle simulation</a:t>
-            </a:r>
-          </a:p>
-          <a:p>
-            <a:pPr lvl="1"/>
-            <a:r>
-              <a:rPr lang="en-US" dirty="0" smtClean="0"/>
-              <a:t>1 Player  w/ Ai opponent</a:t>
-            </a:r>
-          </a:p>
-          <a:p>
-            <a:pPr lvl="1"/>
-            <a:r>
-              <a:rPr lang="en-US" dirty="0" smtClean="0"/>
-              <a:t>(maybe 2)</a:t>
-            </a:r>
-          </a:p>
-          <a:p>
-            <a:pPr lvl="1"/>
-            <a:r>
-              <a:rPr lang="en-US" dirty="0" smtClean="0"/>
-              <a:t>Upgradable units</a:t>
-            </a:r>
-          </a:p>
-          <a:p>
-            <a:pPr lvl="1"/>
-            <a:r>
-              <a:rPr lang="en-US" dirty="0" smtClean="0"/>
-              <a:t>7  - level Campaign and Free Battle Modes</a:t>
-            </a:r>
-          </a:p>
-          <a:p>
-            <a:pPr lvl="1"/>
-            <a:r>
-              <a:rPr lang="en-US" dirty="0" smtClean="0"/>
-              <a:t>Save / Load functionality</a:t>
-            </a:r>
-          </a:p>
-          <a:p>
-            <a:pPr lvl="1"/>
-            <a:r>
-              <a:rPr lang="en-US" dirty="0" smtClean="0"/>
-              <a:t>Amazing Graphics and Sound</a:t>
-            </a:r>
-          </a:p>
-          <a:p>
-            <a:pPr lvl="1"/>
-            <a:r>
-              <a:rPr lang="en-US" dirty="0" smtClean="0"/>
-              <a:t>Dynamic Action Points Game play</a:t>
-            </a:r>
-          </a:p>
-          <a:p>
-            <a:endParaRPr lang="en-US" dirty="0" smtClean="0"/>
-          </a:p>
-          <a:p>
-            <a:endParaRPr lang="en-US" dirty="0" smtClean="0"/>
-          </a:p>
-        </p:txBody>
-      </p:sp>
-      <p:sp>
-        <p:nvSpPr>
-          <p:cNvPr id="4" name="Slide Number Placeholder 3"/>
-          <p:cNvSpPr>
-            <a:spLocks noGrp="1"/>
-          </p:cNvSpPr>
-          <p:nvPr>
-            <p:ph type="sldNum" sz="quarter" idx="12"/>
-          </p:nvPr>
-        </p:nvSpPr>
-        <p:spPr/>
-        <p:txBody>
-          <a:bodyPr/>
-          <a:lstStyle/>
-          <a:p>
-            <a:fld id="{B6F15528-21DE-4FAA-801E-634DDDAF4B2B}" type="slidenum">
-              <a:rPr lang="en-US" smtClean="0"/>
-              <a:pPr/>
-              <a:t>4</a:t>
-            </a:fld>
-            <a:endParaRPr lang="en-US" dirty="0"/>
-          </a:p>
-        </p:txBody>
-      </p:sp>
-      <p:pic>
-        <p:nvPicPr>
-          <p:cNvPr id="5" name="Picture 4" descr="logo.jpg"/>
-          <p:cNvPicPr>
-            <a:picLocks noChangeAspect="1"/>
-          </p:cNvPicPr>
-          <p:nvPr/>
-        </p:nvPicPr>
-        <p:blipFill>
-          <a:blip r:embed="rId2" cstate="print"/>
-          <a:stretch>
-            <a:fillRect/>
-          </a:stretch>
-        </p:blipFill>
-        <p:spPr>
-          <a:xfrm>
-            <a:off x="7956253" y="0"/>
-            <a:ext cx="1187747" cy="1328738"/>
-          </a:xfrm>
-          <a:prstGeom prst="rect">
-            <a:avLst/>
-          </a:prstGeom>
-        </p:spPr>
-      </p:pic>
-      <p:grpSp>
-        <p:nvGrpSpPr>
-          <p:cNvPr id="38" name="Group 37"/>
-          <p:cNvGrpSpPr/>
-          <p:nvPr/>
-        </p:nvGrpSpPr>
-        <p:grpSpPr>
-          <a:xfrm>
-            <a:off x="6400800" y="4648200"/>
-            <a:ext cx="2514600" cy="1295400"/>
-            <a:chOff x="6172200" y="2895600"/>
-            <a:chExt cx="2514600" cy="1295400"/>
-          </a:xfrm>
-        </p:grpSpPr>
-        <p:grpSp>
-          <p:nvGrpSpPr>
-            <p:cNvPr id="31" name="Group 30"/>
-            <p:cNvGrpSpPr/>
-            <p:nvPr/>
-          </p:nvGrpSpPr>
-          <p:grpSpPr>
-            <a:xfrm>
-              <a:off x="6172200" y="2971800"/>
-              <a:ext cx="2286000" cy="1219200"/>
-              <a:chOff x="6172200" y="2971800"/>
-              <a:chExt cx="2286000" cy="1219200"/>
-            </a:xfrm>
-          </p:grpSpPr>
-          <p:sp>
-            <p:nvSpPr>
-              <p:cNvPr id="7" name="Rectangle 6"/>
-              <p:cNvSpPr/>
-              <p:nvPr/>
-            </p:nvSpPr>
-            <p:spPr>
-              <a:xfrm>
-                <a:off x="6553200" y="2971800"/>
-                <a:ext cx="381000" cy="304800"/>
-              </a:xfrm>
-              <a:prstGeom prst="rect">
-                <a:avLst/>
-              </a:prstGeom>
-              <a:solidFill>
-                <a:schemeClr val="bg1"/>
-              </a:solidFill>
-              <a:ln>
-                <a:solidFill>
-                  <a:schemeClr val="tx1"/>
-                </a:solidFill>
-              </a:ln>
-            </p:spPr>
-            <p:style>
-              <a:lnRef idx="2">
-                <a:schemeClr val="accent1">
-                  <a:shade val="50000"/>
-                </a:schemeClr>
-              </a:lnRef>
-              <a:fillRef idx="1">
-                <a:schemeClr val="accent1"/>
-              </a:fillRef>
-              <a:effectRef idx="0">
-                <a:schemeClr val="accent1"/>
-              </a:effectRef>
-              <a:fontRef idx="minor">
-                <a:schemeClr val="lt1"/>
-              </a:fontRef>
-            </p:style>
-            <p:txBody>
-              <a:bodyPr rtlCol="0" anchor="ctr"/>
-              <a:lstStyle/>
-              <a:p>
-                <a:pPr algn="ctr"/>
-                <a:endParaRPr lang="en-US" dirty="0"/>
-              </a:p>
-            </p:txBody>
-          </p:sp>
-          <p:sp>
-            <p:nvSpPr>
-              <p:cNvPr id="8" name="Rectangle 7"/>
-              <p:cNvSpPr/>
-              <p:nvPr/>
-            </p:nvSpPr>
-            <p:spPr>
-              <a:xfrm>
-                <a:off x="6553200" y="3276600"/>
-                <a:ext cx="381000" cy="304800"/>
-              </a:xfrm>
-              <a:prstGeom prst="rect">
-                <a:avLst/>
-              </a:prstGeom>
-              <a:solidFill>
-                <a:schemeClr val="bg1"/>
-              </a:solidFill>
-              <a:ln>
-                <a:solidFill>
-                  <a:schemeClr val="tx1"/>
-                </a:solidFill>
-              </a:ln>
-            </p:spPr>
-            <p:style>
-              <a:lnRef idx="2">
-                <a:schemeClr val="accent1">
-                  <a:shade val="50000"/>
-                </a:schemeClr>
-              </a:lnRef>
-              <a:fillRef idx="1">
-                <a:schemeClr val="accent1"/>
-              </a:fillRef>
-              <a:effectRef idx="0">
-                <a:schemeClr val="accent1"/>
-              </a:effectRef>
-              <a:fontRef idx="minor">
-                <a:schemeClr val="lt1"/>
-              </a:fontRef>
-            </p:style>
-            <p:txBody>
-              <a:bodyPr rtlCol="0" anchor="ctr"/>
-              <a:lstStyle/>
-              <a:p>
-                <a:pPr algn="ctr"/>
-                <a:endParaRPr lang="en-US" dirty="0"/>
-              </a:p>
-            </p:txBody>
-          </p:sp>
-          <p:sp>
-            <p:nvSpPr>
-              <p:cNvPr id="9" name="Rectangle 8"/>
-              <p:cNvSpPr/>
-              <p:nvPr/>
-            </p:nvSpPr>
-            <p:spPr>
-              <a:xfrm>
-                <a:off x="6553200" y="3581400"/>
-                <a:ext cx="381000" cy="304800"/>
-              </a:xfrm>
-              <a:prstGeom prst="rect">
-                <a:avLst/>
-              </a:prstGeom>
-              <a:solidFill>
-                <a:schemeClr val="bg1"/>
-              </a:solidFill>
-              <a:ln>
-                <a:solidFill>
-                  <a:schemeClr val="tx1"/>
-                </a:solidFill>
-              </a:ln>
-            </p:spPr>
-            <p:style>
-              <a:lnRef idx="2">
-                <a:schemeClr val="accent1">
-                  <a:shade val="50000"/>
-                </a:schemeClr>
-              </a:lnRef>
-              <a:fillRef idx="1">
-                <a:schemeClr val="accent1"/>
-              </a:fillRef>
-              <a:effectRef idx="0">
-                <a:schemeClr val="accent1"/>
-              </a:effectRef>
-              <a:fontRef idx="minor">
-                <a:schemeClr val="lt1"/>
-              </a:fontRef>
-            </p:style>
-            <p:txBody>
-              <a:bodyPr rtlCol="0" anchor="ctr"/>
-              <a:lstStyle/>
-              <a:p>
-                <a:pPr algn="ctr"/>
-                <a:endParaRPr lang="en-US" dirty="0"/>
-              </a:p>
-            </p:txBody>
-          </p:sp>
-          <p:sp>
-            <p:nvSpPr>
-              <p:cNvPr id="10" name="Rectangle 9"/>
-              <p:cNvSpPr/>
-              <p:nvPr/>
-            </p:nvSpPr>
-            <p:spPr>
-              <a:xfrm>
-                <a:off x="6553200" y="3886200"/>
-                <a:ext cx="381000" cy="304800"/>
-              </a:xfrm>
-              <a:prstGeom prst="rect">
-                <a:avLst/>
-              </a:prstGeom>
-              <a:solidFill>
-                <a:schemeClr val="bg1"/>
-              </a:solidFill>
-              <a:ln>
-                <a:solidFill>
-                  <a:schemeClr val="tx1"/>
-                </a:solidFill>
-              </a:ln>
-            </p:spPr>
-            <p:style>
-              <a:lnRef idx="2">
-                <a:schemeClr val="accent1">
-                  <a:shade val="50000"/>
-                </a:schemeClr>
-              </a:lnRef>
-              <a:fillRef idx="1">
-                <a:schemeClr val="accent1"/>
-              </a:fillRef>
-              <a:effectRef idx="0">
-                <a:schemeClr val="accent1"/>
-              </a:effectRef>
-              <a:fontRef idx="minor">
-                <a:schemeClr val="lt1"/>
-              </a:fontRef>
-            </p:style>
-            <p:txBody>
-              <a:bodyPr rtlCol="0" anchor="ctr"/>
-              <a:lstStyle/>
-              <a:p>
-                <a:pPr algn="ctr"/>
-                <a:endParaRPr lang="en-US" dirty="0"/>
-              </a:p>
-            </p:txBody>
-          </p:sp>
-          <p:sp>
-            <p:nvSpPr>
-              <p:cNvPr id="11" name="Rectangle 10"/>
-              <p:cNvSpPr/>
-              <p:nvPr/>
-            </p:nvSpPr>
-            <p:spPr>
-              <a:xfrm>
-                <a:off x="6934200" y="2971800"/>
-                <a:ext cx="381000" cy="304800"/>
-              </a:xfrm>
-              <a:prstGeom prst="rect">
-                <a:avLst/>
-              </a:prstGeom>
-              <a:solidFill>
-                <a:schemeClr val="bg1"/>
-              </a:solidFill>
-              <a:ln>
-                <a:solidFill>
-                  <a:schemeClr val="tx1"/>
-                </a:solidFill>
-              </a:ln>
-            </p:spPr>
-            <p:style>
-              <a:lnRef idx="2">
-                <a:schemeClr val="accent1">
-                  <a:shade val="50000"/>
-                </a:schemeClr>
-              </a:lnRef>
-              <a:fillRef idx="1">
-                <a:schemeClr val="accent1"/>
-              </a:fillRef>
-              <a:effectRef idx="0">
-                <a:schemeClr val="accent1"/>
-              </a:effectRef>
-              <a:fontRef idx="minor">
-                <a:schemeClr val="lt1"/>
-              </a:fontRef>
-            </p:style>
-            <p:txBody>
-              <a:bodyPr rtlCol="0" anchor="ctr"/>
-              <a:lstStyle/>
-              <a:p>
-                <a:pPr algn="ctr"/>
-                <a:endParaRPr lang="en-US" dirty="0"/>
-              </a:p>
-            </p:txBody>
-          </p:sp>
-          <p:sp>
-            <p:nvSpPr>
-              <p:cNvPr id="12" name="Rectangle 11"/>
-              <p:cNvSpPr/>
-              <p:nvPr/>
-            </p:nvSpPr>
-            <p:spPr>
-              <a:xfrm>
-                <a:off x="6934200" y="3276600"/>
-                <a:ext cx="381000" cy="304800"/>
-              </a:xfrm>
-              <a:prstGeom prst="rect">
-                <a:avLst/>
-              </a:prstGeom>
-              <a:solidFill>
-                <a:schemeClr val="bg1"/>
-              </a:solidFill>
-              <a:ln>
-                <a:solidFill>
-                  <a:schemeClr val="tx1"/>
-                </a:solidFill>
-              </a:ln>
-            </p:spPr>
-            <p:style>
-              <a:lnRef idx="2">
-                <a:schemeClr val="accent1">
-                  <a:shade val="50000"/>
-                </a:schemeClr>
-              </a:lnRef>
-              <a:fillRef idx="1">
-                <a:schemeClr val="accent1"/>
-              </a:fillRef>
-              <a:effectRef idx="0">
-                <a:schemeClr val="accent1"/>
-              </a:effectRef>
-              <a:fontRef idx="minor">
-                <a:schemeClr val="lt1"/>
-              </a:fontRef>
-            </p:style>
-            <p:txBody>
-              <a:bodyPr rtlCol="0" anchor="ctr"/>
-              <a:lstStyle/>
-              <a:p>
-                <a:pPr algn="ctr"/>
-                <a:endParaRPr lang="en-US" dirty="0"/>
-              </a:p>
-            </p:txBody>
-          </p:sp>
-          <p:sp>
-            <p:nvSpPr>
-              <p:cNvPr id="13" name="Rectangle 12"/>
-              <p:cNvSpPr/>
-              <p:nvPr/>
-            </p:nvSpPr>
-            <p:spPr>
-              <a:xfrm>
-                <a:off x="6934200" y="3581400"/>
-                <a:ext cx="381000" cy="304800"/>
-              </a:xfrm>
-              <a:prstGeom prst="rect">
-                <a:avLst/>
-              </a:prstGeom>
-              <a:solidFill>
-                <a:schemeClr val="bg1"/>
-              </a:solidFill>
-              <a:ln>
-                <a:solidFill>
-                  <a:schemeClr val="tx1"/>
-                </a:solidFill>
-              </a:ln>
-            </p:spPr>
-            <p:style>
-              <a:lnRef idx="2">
-                <a:schemeClr val="accent1">
-                  <a:shade val="50000"/>
-                </a:schemeClr>
-              </a:lnRef>
-              <a:fillRef idx="1">
-                <a:schemeClr val="accent1"/>
-              </a:fillRef>
-              <a:effectRef idx="0">
-                <a:schemeClr val="accent1"/>
-              </a:effectRef>
-              <a:fontRef idx="minor">
-                <a:schemeClr val="lt1"/>
-              </a:fontRef>
-            </p:style>
-            <p:txBody>
-              <a:bodyPr rtlCol="0" anchor="ctr"/>
-              <a:lstStyle/>
-              <a:p>
-                <a:pPr algn="ctr"/>
-                <a:endParaRPr lang="en-US" dirty="0"/>
-              </a:p>
-            </p:txBody>
-          </p:sp>
-          <p:sp>
-            <p:nvSpPr>
-              <p:cNvPr id="14" name="Rectangle 13"/>
-              <p:cNvSpPr/>
-              <p:nvPr/>
-            </p:nvSpPr>
-            <p:spPr>
-              <a:xfrm>
-                <a:off x="6934200" y="3886200"/>
-                <a:ext cx="381000" cy="304800"/>
-              </a:xfrm>
-              <a:prstGeom prst="rect">
-                <a:avLst/>
-              </a:prstGeom>
-              <a:solidFill>
-                <a:schemeClr val="bg1"/>
-              </a:solidFill>
-              <a:ln>
-                <a:solidFill>
-                  <a:schemeClr val="tx1"/>
-                </a:solidFill>
-              </a:ln>
-            </p:spPr>
-            <p:style>
-              <a:lnRef idx="2">
-                <a:schemeClr val="accent1">
-                  <a:shade val="50000"/>
-                </a:schemeClr>
-              </a:lnRef>
-              <a:fillRef idx="1">
-                <a:schemeClr val="accent1"/>
-              </a:fillRef>
-              <a:effectRef idx="0">
-                <a:schemeClr val="accent1"/>
-              </a:effectRef>
-              <a:fontRef idx="minor">
-                <a:schemeClr val="lt1"/>
-              </a:fontRef>
-            </p:style>
-            <p:txBody>
-              <a:bodyPr rtlCol="0" anchor="ctr"/>
-              <a:lstStyle/>
-              <a:p>
-                <a:pPr algn="ctr"/>
-                <a:endParaRPr lang="en-US" dirty="0"/>
-              </a:p>
-            </p:txBody>
-          </p:sp>
-          <p:sp>
-            <p:nvSpPr>
-              <p:cNvPr id="15" name="Rectangle 14"/>
-              <p:cNvSpPr/>
-              <p:nvPr/>
-            </p:nvSpPr>
-            <p:spPr>
-              <a:xfrm>
-                <a:off x="7315200" y="2971800"/>
-                <a:ext cx="381000" cy="304800"/>
-              </a:xfrm>
-              <a:prstGeom prst="rect">
-                <a:avLst/>
-              </a:prstGeom>
-              <a:solidFill>
-                <a:schemeClr val="bg1"/>
-              </a:solidFill>
-              <a:ln>
-                <a:solidFill>
-                  <a:schemeClr val="tx1"/>
-                </a:solidFill>
-              </a:ln>
-            </p:spPr>
-            <p:style>
-              <a:lnRef idx="2">
-                <a:schemeClr val="accent1">
-                  <a:shade val="50000"/>
-                </a:schemeClr>
-              </a:lnRef>
-              <a:fillRef idx="1">
-                <a:schemeClr val="accent1"/>
-              </a:fillRef>
-              <a:effectRef idx="0">
-                <a:schemeClr val="accent1"/>
-              </a:effectRef>
-              <a:fontRef idx="minor">
-                <a:schemeClr val="lt1"/>
-              </a:fontRef>
-            </p:style>
-            <p:txBody>
-              <a:bodyPr rtlCol="0" anchor="ctr"/>
-              <a:lstStyle/>
-              <a:p>
-                <a:pPr algn="ctr"/>
-                <a:endParaRPr lang="en-US" dirty="0"/>
-              </a:p>
-            </p:txBody>
-          </p:sp>
-          <p:sp>
-            <p:nvSpPr>
-              <p:cNvPr id="16" name="Rectangle 15"/>
-              <p:cNvSpPr/>
-              <p:nvPr/>
-            </p:nvSpPr>
-            <p:spPr>
-              <a:xfrm>
-                <a:off x="7315200" y="3276600"/>
-                <a:ext cx="381000" cy="304800"/>
-              </a:xfrm>
-              <a:prstGeom prst="rect">
-                <a:avLst/>
-              </a:prstGeom>
-              <a:solidFill>
-                <a:schemeClr val="bg1"/>
-              </a:solidFill>
-              <a:ln>
-                <a:solidFill>
-                  <a:schemeClr val="tx1"/>
-                </a:solidFill>
-              </a:ln>
-            </p:spPr>
-            <p:style>
-              <a:lnRef idx="2">
-                <a:schemeClr val="accent1">
-                  <a:shade val="50000"/>
-                </a:schemeClr>
-              </a:lnRef>
-              <a:fillRef idx="1">
-                <a:schemeClr val="accent1"/>
-              </a:fillRef>
-              <a:effectRef idx="0">
-                <a:schemeClr val="accent1"/>
-              </a:effectRef>
-              <a:fontRef idx="minor">
-                <a:schemeClr val="lt1"/>
-              </a:fontRef>
-            </p:style>
-            <p:txBody>
-              <a:bodyPr rtlCol="0" anchor="ctr"/>
-              <a:lstStyle/>
-              <a:p>
-                <a:pPr algn="ctr"/>
-                <a:endParaRPr lang="en-US" dirty="0"/>
-              </a:p>
-            </p:txBody>
-          </p:sp>
-          <p:sp>
-            <p:nvSpPr>
-              <p:cNvPr id="17" name="Rectangle 16"/>
-              <p:cNvSpPr/>
-              <p:nvPr/>
-            </p:nvSpPr>
-            <p:spPr>
-              <a:xfrm>
-                <a:off x="7315200" y="3581400"/>
-                <a:ext cx="381000" cy="304800"/>
-              </a:xfrm>
-              <a:prstGeom prst="rect">
-                <a:avLst/>
-              </a:prstGeom>
-              <a:solidFill>
-                <a:schemeClr val="bg1"/>
-              </a:solidFill>
-              <a:ln>
-                <a:solidFill>
-                  <a:schemeClr val="tx1"/>
-                </a:solidFill>
-              </a:ln>
-            </p:spPr>
-            <p:style>
-              <a:lnRef idx="2">
-                <a:schemeClr val="accent1">
-                  <a:shade val="50000"/>
-                </a:schemeClr>
-              </a:lnRef>
-              <a:fillRef idx="1">
-                <a:schemeClr val="accent1"/>
-              </a:fillRef>
-              <a:effectRef idx="0">
-                <a:schemeClr val="accent1"/>
-              </a:effectRef>
-              <a:fontRef idx="minor">
-                <a:schemeClr val="lt1"/>
-              </a:fontRef>
-            </p:style>
-            <p:txBody>
-              <a:bodyPr rtlCol="0" anchor="ctr"/>
-              <a:lstStyle/>
-              <a:p>
-                <a:pPr algn="ctr"/>
-                <a:endParaRPr lang="en-US" dirty="0"/>
-              </a:p>
-            </p:txBody>
-          </p:sp>
-          <p:sp>
-            <p:nvSpPr>
-              <p:cNvPr id="18" name="Rectangle 17"/>
-              <p:cNvSpPr/>
-              <p:nvPr/>
-            </p:nvSpPr>
-            <p:spPr>
-              <a:xfrm>
-                <a:off x="7315200" y="3886200"/>
-                <a:ext cx="381000" cy="304800"/>
-              </a:xfrm>
-              <a:prstGeom prst="rect">
-                <a:avLst/>
-              </a:prstGeom>
-              <a:solidFill>
-                <a:schemeClr val="bg1"/>
-              </a:solidFill>
-              <a:ln>
-                <a:solidFill>
-                  <a:schemeClr val="tx1"/>
-                </a:solidFill>
-              </a:ln>
-            </p:spPr>
-            <p:style>
-              <a:lnRef idx="2">
-                <a:schemeClr val="accent1">
-                  <a:shade val="50000"/>
-                </a:schemeClr>
-              </a:lnRef>
-              <a:fillRef idx="1">
-                <a:schemeClr val="accent1"/>
-              </a:fillRef>
-              <a:effectRef idx="0">
-                <a:schemeClr val="accent1"/>
-              </a:effectRef>
-              <a:fontRef idx="minor">
-                <a:schemeClr val="lt1"/>
-              </a:fontRef>
-            </p:style>
-            <p:txBody>
-              <a:bodyPr rtlCol="0" anchor="ctr"/>
-              <a:lstStyle/>
-              <a:p>
-                <a:pPr algn="ctr"/>
-                <a:endParaRPr lang="en-US" dirty="0"/>
-              </a:p>
-            </p:txBody>
-          </p:sp>
-          <p:sp>
-            <p:nvSpPr>
-              <p:cNvPr id="19" name="Rectangle 18"/>
-              <p:cNvSpPr/>
-              <p:nvPr/>
-            </p:nvSpPr>
-            <p:spPr>
-              <a:xfrm>
-                <a:off x="7696200" y="2971800"/>
-                <a:ext cx="381000" cy="304800"/>
-              </a:xfrm>
-              <a:prstGeom prst="rect">
-                <a:avLst/>
-              </a:prstGeom>
-              <a:solidFill>
-                <a:schemeClr val="bg1"/>
-              </a:solidFill>
-              <a:ln>
-                <a:solidFill>
-                  <a:schemeClr val="tx1"/>
-                </a:solidFill>
-              </a:ln>
-            </p:spPr>
-            <p:style>
-              <a:lnRef idx="2">
-                <a:schemeClr val="accent1">
-                  <a:shade val="50000"/>
-                </a:schemeClr>
-              </a:lnRef>
-              <a:fillRef idx="1">
-                <a:schemeClr val="accent1"/>
-              </a:fillRef>
-              <a:effectRef idx="0">
-                <a:schemeClr val="accent1"/>
-              </a:effectRef>
-              <a:fontRef idx="minor">
-                <a:schemeClr val="lt1"/>
-              </a:fontRef>
-            </p:style>
-            <p:txBody>
-              <a:bodyPr rtlCol="0" anchor="ctr"/>
-              <a:lstStyle/>
-              <a:p>
-                <a:pPr algn="ctr"/>
-                <a:endParaRPr lang="en-US" dirty="0"/>
-              </a:p>
-            </p:txBody>
-          </p:sp>
-          <p:sp>
-            <p:nvSpPr>
-              <p:cNvPr id="20" name="Rectangle 19"/>
-              <p:cNvSpPr/>
-              <p:nvPr/>
-            </p:nvSpPr>
-            <p:spPr>
-              <a:xfrm>
-                <a:off x="7696200" y="3276600"/>
-                <a:ext cx="381000" cy="304800"/>
-              </a:xfrm>
-              <a:prstGeom prst="rect">
-                <a:avLst/>
-              </a:prstGeom>
-              <a:solidFill>
-                <a:schemeClr val="bg1"/>
-              </a:solidFill>
-              <a:ln>
-                <a:solidFill>
-                  <a:schemeClr val="tx1"/>
-                </a:solidFill>
-              </a:ln>
-            </p:spPr>
-            <p:style>
-              <a:lnRef idx="2">
-                <a:schemeClr val="accent1">
-                  <a:shade val="50000"/>
-                </a:schemeClr>
-              </a:lnRef>
-              <a:fillRef idx="1">
-                <a:schemeClr val="accent1"/>
-              </a:fillRef>
-              <a:effectRef idx="0">
-                <a:schemeClr val="accent1"/>
-              </a:effectRef>
-              <a:fontRef idx="minor">
-                <a:schemeClr val="lt1"/>
-              </a:fontRef>
-            </p:style>
-            <p:txBody>
-              <a:bodyPr rtlCol="0" anchor="ctr"/>
-              <a:lstStyle/>
-              <a:p>
-                <a:pPr algn="ctr"/>
-                <a:endParaRPr lang="en-US" dirty="0"/>
-              </a:p>
-            </p:txBody>
-          </p:sp>
-          <p:sp>
-            <p:nvSpPr>
-              <p:cNvPr id="21" name="Rectangle 20"/>
-              <p:cNvSpPr/>
-              <p:nvPr/>
-            </p:nvSpPr>
-            <p:spPr>
-              <a:xfrm>
-                <a:off x="7696200" y="3581400"/>
-                <a:ext cx="381000" cy="304800"/>
-              </a:xfrm>
-              <a:prstGeom prst="rect">
-                <a:avLst/>
-              </a:prstGeom>
-              <a:solidFill>
-                <a:schemeClr val="bg1"/>
-              </a:solidFill>
-              <a:ln>
-                <a:solidFill>
-                  <a:schemeClr val="tx1"/>
-                </a:solidFill>
-              </a:ln>
-            </p:spPr>
-            <p:style>
-              <a:lnRef idx="2">
-                <a:schemeClr val="accent1">
-                  <a:shade val="50000"/>
-                </a:schemeClr>
-              </a:lnRef>
-              <a:fillRef idx="1">
-                <a:schemeClr val="accent1"/>
-              </a:fillRef>
-              <a:effectRef idx="0">
-                <a:schemeClr val="accent1"/>
-              </a:effectRef>
-              <a:fontRef idx="minor">
-                <a:schemeClr val="lt1"/>
-              </a:fontRef>
-            </p:style>
-            <p:txBody>
-              <a:bodyPr rtlCol="0" anchor="ctr"/>
-              <a:lstStyle/>
-              <a:p>
-                <a:pPr algn="ctr"/>
-                <a:endParaRPr lang="en-US" dirty="0"/>
-              </a:p>
-            </p:txBody>
-          </p:sp>
-          <p:sp>
-            <p:nvSpPr>
-              <p:cNvPr id="22" name="Rectangle 21"/>
-              <p:cNvSpPr/>
-              <p:nvPr/>
-            </p:nvSpPr>
-            <p:spPr>
-              <a:xfrm>
-                <a:off x="7696200" y="3886200"/>
-                <a:ext cx="381000" cy="304800"/>
-              </a:xfrm>
-              <a:prstGeom prst="rect">
-                <a:avLst/>
-              </a:prstGeom>
-              <a:solidFill>
-                <a:schemeClr val="bg1"/>
-              </a:solidFill>
-              <a:ln>
-                <a:solidFill>
-                  <a:schemeClr val="tx1"/>
-                </a:solidFill>
-              </a:ln>
-            </p:spPr>
-            <p:style>
-              <a:lnRef idx="2">
-                <a:schemeClr val="accent1">
-                  <a:shade val="50000"/>
-                </a:schemeClr>
-              </a:lnRef>
-              <a:fillRef idx="1">
-                <a:schemeClr val="accent1"/>
-              </a:fillRef>
-              <a:effectRef idx="0">
-                <a:schemeClr val="accent1"/>
-              </a:effectRef>
-              <a:fontRef idx="minor">
-                <a:schemeClr val="lt1"/>
-              </a:fontRef>
-            </p:style>
-            <p:txBody>
-              <a:bodyPr rtlCol="0" anchor="ctr"/>
-              <a:lstStyle/>
-              <a:p>
-                <a:pPr algn="ctr"/>
-                <a:endParaRPr lang="en-US" dirty="0"/>
-              </a:p>
-            </p:txBody>
-          </p:sp>
-          <p:sp>
-            <p:nvSpPr>
-              <p:cNvPr id="23" name="Rectangle 22"/>
-              <p:cNvSpPr/>
-              <p:nvPr/>
-            </p:nvSpPr>
-            <p:spPr>
-              <a:xfrm>
-                <a:off x="8077200" y="2971800"/>
-                <a:ext cx="381000" cy="304800"/>
-              </a:xfrm>
-              <a:prstGeom prst="rect">
-                <a:avLst/>
-              </a:prstGeom>
-              <a:solidFill>
-                <a:schemeClr val="bg1"/>
-              </a:solidFill>
-              <a:ln>
-                <a:solidFill>
-                  <a:schemeClr val="tx1"/>
-                </a:solidFill>
-              </a:ln>
-            </p:spPr>
-            <p:style>
-              <a:lnRef idx="2">
-                <a:schemeClr val="accent1">
-                  <a:shade val="50000"/>
-                </a:schemeClr>
-              </a:lnRef>
-              <a:fillRef idx="1">
-                <a:schemeClr val="accent1"/>
-              </a:fillRef>
-              <a:effectRef idx="0">
-                <a:schemeClr val="accent1"/>
-              </a:effectRef>
-              <a:fontRef idx="minor">
-                <a:schemeClr val="lt1"/>
-              </a:fontRef>
-            </p:style>
-            <p:txBody>
-              <a:bodyPr rtlCol="0" anchor="ctr"/>
-              <a:lstStyle/>
-              <a:p>
-                <a:pPr algn="ctr"/>
-                <a:endParaRPr lang="en-US" dirty="0"/>
-              </a:p>
-            </p:txBody>
-          </p:sp>
-          <p:sp>
-            <p:nvSpPr>
-              <p:cNvPr id="24" name="Rectangle 23"/>
-              <p:cNvSpPr/>
-              <p:nvPr/>
-            </p:nvSpPr>
-            <p:spPr>
-              <a:xfrm>
-                <a:off x="8077200" y="3276600"/>
-                <a:ext cx="381000" cy="304800"/>
-              </a:xfrm>
-              <a:prstGeom prst="rect">
-                <a:avLst/>
-              </a:prstGeom>
-              <a:solidFill>
-                <a:schemeClr val="bg1"/>
-              </a:solidFill>
-              <a:ln>
-                <a:solidFill>
-                  <a:schemeClr val="tx1"/>
-                </a:solidFill>
-              </a:ln>
-            </p:spPr>
-            <p:style>
-              <a:lnRef idx="2">
-                <a:schemeClr val="accent1">
-                  <a:shade val="50000"/>
-                </a:schemeClr>
-              </a:lnRef>
-              <a:fillRef idx="1">
-                <a:schemeClr val="accent1"/>
-              </a:fillRef>
-              <a:effectRef idx="0">
-                <a:schemeClr val="accent1"/>
-              </a:effectRef>
-              <a:fontRef idx="minor">
-                <a:schemeClr val="lt1"/>
-              </a:fontRef>
-            </p:style>
-            <p:txBody>
-              <a:bodyPr rtlCol="0" anchor="ctr"/>
-              <a:lstStyle/>
-              <a:p>
-                <a:pPr algn="ctr"/>
-                <a:endParaRPr lang="en-US" dirty="0"/>
-              </a:p>
-            </p:txBody>
-          </p:sp>
-          <p:sp>
-            <p:nvSpPr>
-              <p:cNvPr id="25" name="Rectangle 24"/>
-              <p:cNvSpPr/>
-              <p:nvPr/>
-            </p:nvSpPr>
-            <p:spPr>
-              <a:xfrm>
-                <a:off x="8077200" y="3581400"/>
-                <a:ext cx="381000" cy="304800"/>
-              </a:xfrm>
-              <a:prstGeom prst="rect">
-                <a:avLst/>
-              </a:prstGeom>
-              <a:solidFill>
-                <a:schemeClr val="bg1"/>
-              </a:solidFill>
-              <a:ln>
-                <a:solidFill>
-                  <a:schemeClr val="tx1"/>
-                </a:solidFill>
-              </a:ln>
-            </p:spPr>
-            <p:style>
-              <a:lnRef idx="2">
-                <a:schemeClr val="accent1">
-                  <a:shade val="50000"/>
-                </a:schemeClr>
-              </a:lnRef>
-              <a:fillRef idx="1">
-                <a:schemeClr val="accent1"/>
-              </a:fillRef>
-              <a:effectRef idx="0">
-                <a:schemeClr val="accent1"/>
-              </a:effectRef>
-              <a:fontRef idx="minor">
-                <a:schemeClr val="lt1"/>
-              </a:fontRef>
-            </p:style>
-            <p:txBody>
-              <a:bodyPr rtlCol="0" anchor="ctr"/>
-              <a:lstStyle/>
-              <a:p>
-                <a:pPr algn="ctr"/>
-                <a:endParaRPr lang="en-US" dirty="0"/>
-              </a:p>
-            </p:txBody>
-          </p:sp>
-          <p:sp>
-            <p:nvSpPr>
-              <p:cNvPr id="26" name="Rectangle 25"/>
-              <p:cNvSpPr/>
-              <p:nvPr/>
-            </p:nvSpPr>
-            <p:spPr>
-              <a:xfrm>
-                <a:off x="8077200" y="3886200"/>
-                <a:ext cx="381000" cy="304800"/>
-              </a:xfrm>
-              <a:prstGeom prst="rect">
-                <a:avLst/>
-              </a:prstGeom>
-              <a:solidFill>
-                <a:schemeClr val="bg1"/>
-              </a:solidFill>
-              <a:ln>
-                <a:solidFill>
-                  <a:schemeClr val="tx1"/>
-                </a:solidFill>
-              </a:ln>
-            </p:spPr>
-            <p:style>
-              <a:lnRef idx="2">
-                <a:schemeClr val="accent1">
-                  <a:shade val="50000"/>
-                </a:schemeClr>
-              </a:lnRef>
-              <a:fillRef idx="1">
-                <a:schemeClr val="accent1"/>
-              </a:fillRef>
-              <a:effectRef idx="0">
-                <a:schemeClr val="accent1"/>
-              </a:effectRef>
-              <a:fontRef idx="minor">
-                <a:schemeClr val="lt1"/>
-              </a:fontRef>
-            </p:style>
-            <p:txBody>
-              <a:bodyPr rtlCol="0" anchor="ctr"/>
-              <a:lstStyle/>
-              <a:p>
-                <a:pPr algn="ctr"/>
-                <a:endParaRPr lang="en-US" dirty="0"/>
-              </a:p>
-            </p:txBody>
-          </p:sp>
-          <p:sp>
-            <p:nvSpPr>
-              <p:cNvPr id="27" name="Rectangle 26"/>
-              <p:cNvSpPr/>
-              <p:nvPr/>
-            </p:nvSpPr>
-            <p:spPr>
-              <a:xfrm>
-                <a:off x="6172200" y="2971800"/>
-                <a:ext cx="381000" cy="304800"/>
-              </a:xfrm>
-              <a:prstGeom prst="rect">
-                <a:avLst/>
-              </a:prstGeom>
-              <a:solidFill>
-                <a:schemeClr val="bg1"/>
-              </a:solidFill>
-              <a:ln>
-                <a:solidFill>
-                  <a:schemeClr val="tx1"/>
-                </a:solidFill>
-              </a:ln>
-            </p:spPr>
-            <p:style>
-              <a:lnRef idx="2">
-                <a:schemeClr val="accent1">
-                  <a:shade val="50000"/>
-                </a:schemeClr>
-              </a:lnRef>
-              <a:fillRef idx="1">
-                <a:schemeClr val="accent1"/>
-              </a:fillRef>
-              <a:effectRef idx="0">
-                <a:schemeClr val="accent1"/>
-              </a:effectRef>
-              <a:fontRef idx="minor">
-                <a:schemeClr val="lt1"/>
-              </a:fontRef>
-            </p:style>
-            <p:txBody>
-              <a:bodyPr rtlCol="0" anchor="ctr"/>
-              <a:lstStyle/>
-              <a:p>
-                <a:pPr algn="ctr"/>
-                <a:endParaRPr lang="en-US" dirty="0"/>
-              </a:p>
-            </p:txBody>
-          </p:sp>
-          <p:sp>
-            <p:nvSpPr>
-              <p:cNvPr id="28" name="Rectangle 27"/>
-              <p:cNvSpPr/>
-              <p:nvPr/>
-            </p:nvSpPr>
-            <p:spPr>
-              <a:xfrm>
-                <a:off x="6172200" y="3276600"/>
-                <a:ext cx="381000" cy="304800"/>
-              </a:xfrm>
-              <a:prstGeom prst="rect">
-                <a:avLst/>
-              </a:prstGeom>
-              <a:solidFill>
-                <a:schemeClr val="bg1"/>
-              </a:solidFill>
-              <a:ln>
-                <a:solidFill>
-                  <a:schemeClr val="tx1"/>
-                </a:solidFill>
-              </a:ln>
-            </p:spPr>
-            <p:style>
-              <a:lnRef idx="2">
-                <a:schemeClr val="accent1">
-                  <a:shade val="50000"/>
-                </a:schemeClr>
-              </a:lnRef>
-              <a:fillRef idx="1">
-                <a:schemeClr val="accent1"/>
-              </a:fillRef>
-              <a:effectRef idx="0">
-                <a:schemeClr val="accent1"/>
-              </a:effectRef>
-              <a:fontRef idx="minor">
-                <a:schemeClr val="lt1"/>
-              </a:fontRef>
-            </p:style>
-            <p:txBody>
-              <a:bodyPr rtlCol="0" anchor="ctr"/>
-              <a:lstStyle/>
-              <a:p>
-                <a:pPr algn="ctr"/>
-                <a:endParaRPr lang="en-US" dirty="0"/>
-              </a:p>
-            </p:txBody>
-          </p:sp>
-          <p:sp>
-            <p:nvSpPr>
-              <p:cNvPr id="29" name="Rectangle 28"/>
-              <p:cNvSpPr/>
-              <p:nvPr/>
-            </p:nvSpPr>
-            <p:spPr>
-              <a:xfrm>
-                <a:off x="6172200" y="3581400"/>
-                <a:ext cx="381000" cy="304800"/>
-              </a:xfrm>
-              <a:prstGeom prst="rect">
-                <a:avLst/>
-              </a:prstGeom>
-              <a:solidFill>
-                <a:schemeClr val="bg1"/>
-              </a:solidFill>
-              <a:ln>
-                <a:solidFill>
-                  <a:schemeClr val="tx1"/>
-                </a:solidFill>
-              </a:ln>
-            </p:spPr>
-            <p:style>
-              <a:lnRef idx="2">
-                <a:schemeClr val="accent1">
-                  <a:shade val="50000"/>
-                </a:schemeClr>
-              </a:lnRef>
-              <a:fillRef idx="1">
-                <a:schemeClr val="accent1"/>
-              </a:fillRef>
-              <a:effectRef idx="0">
-                <a:schemeClr val="accent1"/>
-              </a:effectRef>
-              <a:fontRef idx="minor">
-                <a:schemeClr val="lt1"/>
-              </a:fontRef>
-            </p:style>
-            <p:txBody>
-              <a:bodyPr rtlCol="0" anchor="ctr"/>
-              <a:lstStyle/>
-              <a:p>
-                <a:pPr algn="ctr"/>
-                <a:endParaRPr lang="en-US" dirty="0"/>
-              </a:p>
-            </p:txBody>
-          </p:sp>
-          <p:sp>
-            <p:nvSpPr>
-              <p:cNvPr id="30" name="Rectangle 29"/>
-              <p:cNvSpPr/>
-              <p:nvPr/>
-            </p:nvSpPr>
-            <p:spPr>
-              <a:xfrm>
-                <a:off x="6172200" y="3886200"/>
-                <a:ext cx="381000" cy="304800"/>
-              </a:xfrm>
-              <a:prstGeom prst="rect">
-                <a:avLst/>
-              </a:prstGeom>
-              <a:solidFill>
-                <a:schemeClr val="bg1"/>
-              </a:solidFill>
-              <a:ln>
-                <a:solidFill>
-                  <a:schemeClr val="tx1"/>
-                </a:solidFill>
-              </a:ln>
-            </p:spPr>
-            <p:style>
-              <a:lnRef idx="2">
-                <a:schemeClr val="accent1">
-                  <a:shade val="50000"/>
-                </a:schemeClr>
-              </a:lnRef>
-              <a:fillRef idx="1">
-                <a:schemeClr val="accent1"/>
-              </a:fillRef>
-              <a:effectRef idx="0">
-                <a:schemeClr val="accent1"/>
-              </a:effectRef>
-              <a:fontRef idx="minor">
-                <a:schemeClr val="lt1"/>
-              </a:fontRef>
-            </p:style>
-            <p:txBody>
-              <a:bodyPr rtlCol="0" anchor="ctr"/>
-              <a:lstStyle/>
-              <a:p>
-                <a:pPr algn="ctr"/>
-                <a:endParaRPr lang="en-US" dirty="0"/>
-              </a:p>
-            </p:txBody>
-          </p:sp>
-        </p:grpSp>
-        <p:sp>
-          <p:nvSpPr>
-            <p:cNvPr id="32" name="TextBox 31"/>
-            <p:cNvSpPr txBox="1"/>
-            <p:nvPr/>
-          </p:nvSpPr>
-          <p:spPr>
-            <a:xfrm>
-              <a:off x="6172200" y="2895600"/>
-              <a:ext cx="533400" cy="369332"/>
-            </a:xfrm>
-            <a:prstGeom prst="rect">
-              <a:avLst/>
-            </a:prstGeom>
-            <a:noFill/>
-          </p:spPr>
-          <p:txBody>
-            <a:bodyPr wrap="square" rtlCol="0">
-              <a:spAutoFit/>
-            </a:bodyPr>
-            <a:lstStyle/>
-            <a:p>
-              <a:r>
-                <a:rPr lang="en-US" dirty="0" smtClean="0"/>
-                <a:t>X</a:t>
-              </a:r>
-              <a:endParaRPr lang="en-US" dirty="0"/>
-            </a:p>
-          </p:txBody>
-        </p:sp>
-        <p:sp>
-          <p:nvSpPr>
-            <p:cNvPr id="33" name="TextBox 32"/>
-            <p:cNvSpPr txBox="1"/>
-            <p:nvPr/>
-          </p:nvSpPr>
-          <p:spPr>
-            <a:xfrm>
-              <a:off x="6553200" y="3200400"/>
-              <a:ext cx="533400" cy="369332"/>
-            </a:xfrm>
-            <a:prstGeom prst="rect">
-              <a:avLst/>
-            </a:prstGeom>
-            <a:noFill/>
-          </p:spPr>
-          <p:txBody>
-            <a:bodyPr wrap="square" rtlCol="0">
-              <a:spAutoFit/>
-            </a:bodyPr>
-            <a:lstStyle/>
-            <a:p>
-              <a:r>
-                <a:rPr lang="en-US" dirty="0" smtClean="0"/>
-                <a:t>X</a:t>
-              </a:r>
-              <a:endParaRPr lang="en-US" dirty="0"/>
-            </a:p>
-          </p:txBody>
-        </p:sp>
-        <p:sp>
-          <p:nvSpPr>
-            <p:cNvPr id="34" name="TextBox 33"/>
-            <p:cNvSpPr txBox="1"/>
-            <p:nvPr/>
-          </p:nvSpPr>
-          <p:spPr>
-            <a:xfrm>
-              <a:off x="6172200" y="3505200"/>
-              <a:ext cx="533400" cy="369332"/>
-            </a:xfrm>
-            <a:prstGeom prst="rect">
-              <a:avLst/>
-            </a:prstGeom>
-            <a:noFill/>
-          </p:spPr>
-          <p:txBody>
-            <a:bodyPr wrap="square" rtlCol="0">
-              <a:spAutoFit/>
-            </a:bodyPr>
-            <a:lstStyle/>
-            <a:p>
-              <a:r>
-                <a:rPr lang="en-US" dirty="0" smtClean="0"/>
-                <a:t>X</a:t>
-              </a:r>
-              <a:endParaRPr lang="en-US" dirty="0"/>
-            </a:p>
-          </p:txBody>
-        </p:sp>
-        <p:sp>
-          <p:nvSpPr>
-            <p:cNvPr id="35" name="TextBox 34"/>
-            <p:cNvSpPr txBox="1"/>
-            <p:nvPr/>
-          </p:nvSpPr>
-          <p:spPr>
-            <a:xfrm>
-              <a:off x="7315200" y="2895600"/>
-              <a:ext cx="609600" cy="369332"/>
-            </a:xfrm>
-            <a:prstGeom prst="rect">
-              <a:avLst/>
-            </a:prstGeom>
-            <a:noFill/>
-          </p:spPr>
-          <p:txBody>
-            <a:bodyPr wrap="square" rtlCol="0">
-              <a:spAutoFit/>
-            </a:bodyPr>
-            <a:lstStyle/>
-            <a:p>
-              <a:r>
-                <a:rPr lang="en-US" dirty="0" smtClean="0"/>
-                <a:t>O</a:t>
-              </a:r>
-              <a:endParaRPr lang="en-US" dirty="0"/>
-            </a:p>
-          </p:txBody>
-        </p:sp>
-        <p:sp>
-          <p:nvSpPr>
-            <p:cNvPr id="36" name="TextBox 35"/>
-            <p:cNvSpPr txBox="1"/>
-            <p:nvPr/>
-          </p:nvSpPr>
-          <p:spPr>
-            <a:xfrm>
-              <a:off x="8077200" y="3810000"/>
-              <a:ext cx="609600" cy="369332"/>
-            </a:xfrm>
-            <a:prstGeom prst="rect">
-              <a:avLst/>
-            </a:prstGeom>
-            <a:noFill/>
-          </p:spPr>
-          <p:txBody>
-            <a:bodyPr wrap="square" rtlCol="0">
-              <a:spAutoFit/>
-            </a:bodyPr>
-            <a:lstStyle/>
-            <a:p>
-              <a:r>
-                <a:rPr lang="en-US" dirty="0" smtClean="0"/>
-                <a:t>O</a:t>
-              </a:r>
-              <a:endParaRPr lang="en-US" dirty="0"/>
-            </a:p>
-          </p:txBody>
-        </p:sp>
-        <p:sp>
-          <p:nvSpPr>
-            <p:cNvPr id="37" name="TextBox 36"/>
-            <p:cNvSpPr txBox="1"/>
-            <p:nvPr/>
-          </p:nvSpPr>
-          <p:spPr>
-            <a:xfrm>
-              <a:off x="7696200" y="3505200"/>
-              <a:ext cx="609600" cy="369332"/>
-            </a:xfrm>
-            <a:prstGeom prst="rect">
-              <a:avLst/>
-            </a:prstGeom>
-            <a:noFill/>
-          </p:spPr>
-          <p:txBody>
-            <a:bodyPr wrap="square" rtlCol="0">
-              <a:spAutoFit/>
-            </a:bodyPr>
-            <a:lstStyle/>
-            <a:p>
-              <a:r>
-                <a:rPr lang="en-US" dirty="0" smtClean="0"/>
-                <a:t>O</a:t>
-              </a:r>
-              <a:endParaRPr lang="en-US" dirty="0"/>
-            </a:p>
-          </p:txBody>
-        </p:sp>
-      </p:grpSp>
-      <p:pic>
-        <p:nvPicPr>
-          <p:cNvPr id="2050" name="Picture 2" descr="http://t1.gstatic.com/images?q=tbn:DfwJv-0KT8KniM:http://blog.timesunion.com/tech/files/2009/10/powerglove.jpg">
-            <a:hlinkClick r:id="rId3"/>
-          </p:cNvPr>
-          <p:cNvPicPr>
-            <a:picLocks noChangeAspect="1" noChangeArrowheads="1"/>
-          </p:cNvPicPr>
-          <p:nvPr/>
-        </p:nvPicPr>
-        <p:blipFill>
-          <a:blip r:embed="rId4" cstate="print"/>
-          <a:srcRect/>
-          <a:stretch>
-            <a:fillRect/>
-          </a:stretch>
-        </p:blipFill>
-        <p:spPr bwMode="auto">
-          <a:xfrm>
-            <a:off x="6400800" y="1828800"/>
-            <a:ext cx="2545347" cy="2438400"/>
-          </a:xfrm>
-          <a:prstGeom prst="rect">
-            <a:avLst/>
-          </a:prstGeom>
-          <a:noFill/>
-        </p:spPr>
-      </p:pic>
-    </p:spTree>
-  </p:cSld>
-  <p:clrMapOvr>
-    <a:masterClrMapping/>
-  </p:clrMapOvr>
-  <p:timing>
-    <p:tnLst>
-      <p:par>
-        <p:cTn id="1" dur="indefinite" restart="never" nodeType="tmRoot"/>
-      </p:par>
-    </p:tnLst>
-  </p:timing>
-</p:sld>
-</file>
-
-<file path=ppt/slides/slide40.xml><?xml version="1.0" encoding="utf-8"?>
-<p:sld xmlns:a="http://schemas.openxmlformats.org/drawingml/2006/main" xmlns:r="http://schemas.openxmlformats.org/officeDocument/2006/relationships" xmlns:p="http://schemas.openxmlformats.org/presentationml/2006/main">
-  <p:cSld>
-    <p:spTree>
-      <p:nvGrpSpPr>
-        <p:cNvPr id="1" name=""/>
-        <p:cNvGrpSpPr/>
-        <p:nvPr/>
-      </p:nvGrpSpPr>
-      <p:grpSpPr>
-        <a:xfrm>
-          <a:off x="0" y="0"/>
-          <a:ext cx="0" cy="0"/>
-          <a:chOff x="0" y="0"/>
-          <a:chExt cx="0" cy="0"/>
-        </a:xfrm>
-      </p:grpSpPr>
-      <p:sp>
-        <p:nvSpPr>
-          <p:cNvPr id="2" name="Title 1"/>
-          <p:cNvSpPr>
-            <a:spLocks noGrp="1"/>
-          </p:cNvSpPr>
-          <p:nvPr>
-            <p:ph type="title"/>
-          </p:nvPr>
-        </p:nvSpPr>
-        <p:spPr/>
-        <p:txBody>
-          <a:bodyPr/>
-          <a:lstStyle/>
-          <a:p>
-            <a:r>
-              <a:rPr lang="en-US" dirty="0" smtClean="0"/>
               <a:t>AI</a:t>
             </a:r>
             <a:endParaRPr lang="en-US" dirty="0"/>
@@ -25177,7 +23727,7 @@
             <a:fld id="{B6F15528-21DE-4FAA-801E-634DDDAF4B2B}" type="slidenum">
               <a:rPr lang="en-US" smtClean="0"/>
               <a:pPr/>
-              <a:t>40</a:t>
+              <a:t>39</a:t>
             </a:fld>
             <a:endParaRPr lang="en-US" dirty="0"/>
           </a:p>
@@ -30988,7 +29538,1605 @@
 </p:sld>
 </file>
 
-<file path=ppt/slides/slide41.xml><?xml version="1.0" encoding="utf-8"?>
+<file path=ppt/slides/slide4.xml><?xml version="1.0" encoding="utf-8"?>
+<p:sld xmlns:a="http://schemas.openxmlformats.org/drawingml/2006/main" xmlns:r="http://schemas.openxmlformats.org/officeDocument/2006/relationships" xmlns:p="http://schemas.openxmlformats.org/presentationml/2006/main">
+  <p:cSld>
+    <p:spTree>
+      <p:nvGrpSpPr>
+        <p:cNvPr id="1" name=""/>
+        <p:cNvGrpSpPr/>
+        <p:nvPr/>
+      </p:nvGrpSpPr>
+      <p:grpSpPr>
+        <a:xfrm>
+          <a:off x="0" y="0"/>
+          <a:ext cx="0" cy="0"/>
+          <a:chOff x="0" y="0"/>
+          <a:chExt cx="0" cy="0"/>
+        </a:xfrm>
+      </p:grpSpPr>
+      <p:sp>
+        <p:nvSpPr>
+          <p:cNvPr id="2" name="Title 1"/>
+          <p:cNvSpPr>
+            <a:spLocks noGrp="1"/>
+          </p:cNvSpPr>
+          <p:nvPr>
+            <p:ph type="title"/>
+          </p:nvPr>
+        </p:nvSpPr>
+        <p:spPr/>
+        <p:txBody>
+          <a:bodyPr/>
+          <a:lstStyle/>
+          <a:p>
+            <a:r>
+              <a:rPr lang="en-US" dirty="0" smtClean="0"/>
+              <a:t>Duel Reality: the Game</a:t>
+            </a:r>
+            <a:endParaRPr lang="en-US" dirty="0"/>
+          </a:p>
+        </p:txBody>
+      </p:sp>
+      <p:sp>
+        <p:nvSpPr>
+          <p:cNvPr id="3" name="Content Placeholder 2"/>
+          <p:cNvSpPr>
+            <a:spLocks noGrp="1"/>
+          </p:cNvSpPr>
+          <p:nvPr>
+            <p:ph idx="1"/>
+          </p:nvPr>
+        </p:nvSpPr>
+        <p:spPr>
+          <a:xfrm>
+            <a:off x="457200" y="1600200"/>
+            <a:ext cx="8229600" cy="4343400"/>
+          </a:xfrm>
+        </p:spPr>
+        <p:txBody>
+          <a:bodyPr>
+            <a:normAutofit fontScale="85000" lnSpcReduction="20000"/>
+          </a:bodyPr>
+          <a:lstStyle/>
+          <a:p>
+            <a:r>
+              <a:rPr lang="en-US" dirty="0" smtClean="0"/>
+              <a:t>Total Game play experience</a:t>
+            </a:r>
+          </a:p>
+          <a:p>
+            <a:pPr lvl="1"/>
+            <a:r>
+              <a:rPr lang="en-US" dirty="0" smtClean="0"/>
+              <a:t>2D</a:t>
+            </a:r>
+          </a:p>
+          <a:p>
+            <a:pPr lvl="1"/>
+            <a:r>
+              <a:rPr lang="en-US" dirty="0" smtClean="0"/>
+              <a:t>Turn based</a:t>
+            </a:r>
+          </a:p>
+          <a:p>
+            <a:pPr lvl="1"/>
+            <a:r>
+              <a:rPr lang="en-US" dirty="0" smtClean="0"/>
+              <a:t>Strategy battle simulation</a:t>
+            </a:r>
+          </a:p>
+          <a:p>
+            <a:pPr lvl="1"/>
+            <a:r>
+              <a:rPr lang="en-US" dirty="0" smtClean="0"/>
+              <a:t>1 Player  w/ Ai opponent</a:t>
+            </a:r>
+          </a:p>
+          <a:p>
+            <a:pPr lvl="1"/>
+            <a:r>
+              <a:rPr lang="en-US" dirty="0" smtClean="0"/>
+              <a:t>(maybe 2)</a:t>
+            </a:r>
+          </a:p>
+          <a:p>
+            <a:pPr lvl="1"/>
+            <a:r>
+              <a:rPr lang="en-US" dirty="0" smtClean="0"/>
+              <a:t>Upgradable units</a:t>
+            </a:r>
+          </a:p>
+          <a:p>
+            <a:pPr lvl="1"/>
+            <a:r>
+              <a:rPr lang="en-US" dirty="0" smtClean="0"/>
+              <a:t>7  - level Campaign and Free Battle Modes</a:t>
+            </a:r>
+          </a:p>
+          <a:p>
+            <a:pPr lvl="1"/>
+            <a:r>
+              <a:rPr lang="en-US" dirty="0" smtClean="0"/>
+              <a:t>Save / Load functionality</a:t>
+            </a:r>
+          </a:p>
+          <a:p>
+            <a:pPr lvl="1"/>
+            <a:r>
+              <a:rPr lang="en-US" dirty="0" smtClean="0"/>
+              <a:t>Amazing Graphics and Sound</a:t>
+            </a:r>
+          </a:p>
+          <a:p>
+            <a:pPr lvl="1"/>
+            <a:r>
+              <a:rPr lang="en-US" dirty="0" smtClean="0"/>
+              <a:t>Dynamic Action Points Game play</a:t>
+            </a:r>
+          </a:p>
+          <a:p>
+            <a:endParaRPr lang="en-US" dirty="0" smtClean="0"/>
+          </a:p>
+          <a:p>
+            <a:endParaRPr lang="en-US" dirty="0" smtClean="0"/>
+          </a:p>
+        </p:txBody>
+      </p:sp>
+      <p:sp>
+        <p:nvSpPr>
+          <p:cNvPr id="4" name="Slide Number Placeholder 3"/>
+          <p:cNvSpPr>
+            <a:spLocks noGrp="1"/>
+          </p:cNvSpPr>
+          <p:nvPr>
+            <p:ph type="sldNum" sz="quarter" idx="12"/>
+          </p:nvPr>
+        </p:nvSpPr>
+        <p:spPr/>
+        <p:txBody>
+          <a:bodyPr/>
+          <a:lstStyle/>
+          <a:p>
+            <a:fld id="{B6F15528-21DE-4FAA-801E-634DDDAF4B2B}" type="slidenum">
+              <a:rPr lang="en-US" smtClean="0"/>
+              <a:pPr/>
+              <a:t>4</a:t>
+            </a:fld>
+            <a:endParaRPr lang="en-US" dirty="0"/>
+          </a:p>
+        </p:txBody>
+      </p:sp>
+      <p:pic>
+        <p:nvPicPr>
+          <p:cNvPr id="5" name="Picture 4" descr="logo.jpg"/>
+          <p:cNvPicPr>
+            <a:picLocks noChangeAspect="1"/>
+          </p:cNvPicPr>
+          <p:nvPr/>
+        </p:nvPicPr>
+        <p:blipFill>
+          <a:blip r:embed="rId2" cstate="print"/>
+          <a:stretch>
+            <a:fillRect/>
+          </a:stretch>
+        </p:blipFill>
+        <p:spPr>
+          <a:xfrm>
+            <a:off x="7956253" y="0"/>
+            <a:ext cx="1187747" cy="1328738"/>
+          </a:xfrm>
+          <a:prstGeom prst="rect">
+            <a:avLst/>
+          </a:prstGeom>
+        </p:spPr>
+      </p:pic>
+      <p:grpSp>
+        <p:nvGrpSpPr>
+          <p:cNvPr id="38" name="Group 37"/>
+          <p:cNvGrpSpPr/>
+          <p:nvPr/>
+        </p:nvGrpSpPr>
+        <p:grpSpPr>
+          <a:xfrm>
+            <a:off x="6400800" y="4648200"/>
+            <a:ext cx="2514600" cy="1295400"/>
+            <a:chOff x="6172200" y="2895600"/>
+            <a:chExt cx="2514600" cy="1295400"/>
+          </a:xfrm>
+        </p:grpSpPr>
+        <p:grpSp>
+          <p:nvGrpSpPr>
+            <p:cNvPr id="31" name="Group 30"/>
+            <p:cNvGrpSpPr/>
+            <p:nvPr/>
+          </p:nvGrpSpPr>
+          <p:grpSpPr>
+            <a:xfrm>
+              <a:off x="6172200" y="2971800"/>
+              <a:ext cx="2286000" cy="1219200"/>
+              <a:chOff x="6172200" y="2971800"/>
+              <a:chExt cx="2286000" cy="1219200"/>
+            </a:xfrm>
+          </p:grpSpPr>
+          <p:sp>
+            <p:nvSpPr>
+              <p:cNvPr id="7" name="Rectangle 6"/>
+              <p:cNvSpPr/>
+              <p:nvPr/>
+            </p:nvSpPr>
+            <p:spPr>
+              <a:xfrm>
+                <a:off x="6553200" y="2971800"/>
+                <a:ext cx="381000" cy="304800"/>
+              </a:xfrm>
+              <a:prstGeom prst="rect">
+                <a:avLst/>
+              </a:prstGeom>
+              <a:solidFill>
+                <a:schemeClr val="bg1"/>
+              </a:solidFill>
+              <a:ln>
+                <a:solidFill>
+                  <a:schemeClr val="tx1"/>
+                </a:solidFill>
+              </a:ln>
+            </p:spPr>
+            <p:style>
+              <a:lnRef idx="2">
+                <a:schemeClr val="accent1">
+                  <a:shade val="50000"/>
+                </a:schemeClr>
+              </a:lnRef>
+              <a:fillRef idx="1">
+                <a:schemeClr val="accent1"/>
+              </a:fillRef>
+              <a:effectRef idx="0">
+                <a:schemeClr val="accent1"/>
+              </a:effectRef>
+              <a:fontRef idx="minor">
+                <a:schemeClr val="lt1"/>
+              </a:fontRef>
+            </p:style>
+            <p:txBody>
+              <a:bodyPr rtlCol="0" anchor="ctr"/>
+              <a:lstStyle/>
+              <a:p>
+                <a:pPr algn="ctr"/>
+                <a:endParaRPr lang="en-US" dirty="0"/>
+              </a:p>
+            </p:txBody>
+          </p:sp>
+          <p:sp>
+            <p:nvSpPr>
+              <p:cNvPr id="8" name="Rectangle 7"/>
+              <p:cNvSpPr/>
+              <p:nvPr/>
+            </p:nvSpPr>
+            <p:spPr>
+              <a:xfrm>
+                <a:off x="6553200" y="3276600"/>
+                <a:ext cx="381000" cy="304800"/>
+              </a:xfrm>
+              <a:prstGeom prst="rect">
+                <a:avLst/>
+              </a:prstGeom>
+              <a:solidFill>
+                <a:schemeClr val="bg1"/>
+              </a:solidFill>
+              <a:ln>
+                <a:solidFill>
+                  <a:schemeClr val="tx1"/>
+                </a:solidFill>
+              </a:ln>
+            </p:spPr>
+            <p:style>
+              <a:lnRef idx="2">
+                <a:schemeClr val="accent1">
+                  <a:shade val="50000"/>
+                </a:schemeClr>
+              </a:lnRef>
+              <a:fillRef idx="1">
+                <a:schemeClr val="accent1"/>
+              </a:fillRef>
+              <a:effectRef idx="0">
+                <a:schemeClr val="accent1"/>
+              </a:effectRef>
+              <a:fontRef idx="minor">
+                <a:schemeClr val="lt1"/>
+              </a:fontRef>
+            </p:style>
+            <p:txBody>
+              <a:bodyPr rtlCol="0" anchor="ctr"/>
+              <a:lstStyle/>
+              <a:p>
+                <a:pPr algn="ctr"/>
+                <a:endParaRPr lang="en-US" dirty="0"/>
+              </a:p>
+            </p:txBody>
+          </p:sp>
+          <p:sp>
+            <p:nvSpPr>
+              <p:cNvPr id="9" name="Rectangle 8"/>
+              <p:cNvSpPr/>
+              <p:nvPr/>
+            </p:nvSpPr>
+            <p:spPr>
+              <a:xfrm>
+                <a:off x="6553200" y="3581400"/>
+                <a:ext cx="381000" cy="304800"/>
+              </a:xfrm>
+              <a:prstGeom prst="rect">
+                <a:avLst/>
+              </a:prstGeom>
+              <a:solidFill>
+                <a:schemeClr val="bg1"/>
+              </a:solidFill>
+              <a:ln>
+                <a:solidFill>
+                  <a:schemeClr val="tx1"/>
+                </a:solidFill>
+              </a:ln>
+            </p:spPr>
+            <p:style>
+              <a:lnRef idx="2">
+                <a:schemeClr val="accent1">
+                  <a:shade val="50000"/>
+                </a:schemeClr>
+              </a:lnRef>
+              <a:fillRef idx="1">
+                <a:schemeClr val="accent1"/>
+              </a:fillRef>
+              <a:effectRef idx="0">
+                <a:schemeClr val="accent1"/>
+              </a:effectRef>
+              <a:fontRef idx="minor">
+                <a:schemeClr val="lt1"/>
+              </a:fontRef>
+            </p:style>
+            <p:txBody>
+              <a:bodyPr rtlCol="0" anchor="ctr"/>
+              <a:lstStyle/>
+              <a:p>
+                <a:pPr algn="ctr"/>
+                <a:endParaRPr lang="en-US" dirty="0"/>
+              </a:p>
+            </p:txBody>
+          </p:sp>
+          <p:sp>
+            <p:nvSpPr>
+              <p:cNvPr id="10" name="Rectangle 9"/>
+              <p:cNvSpPr/>
+              <p:nvPr/>
+            </p:nvSpPr>
+            <p:spPr>
+              <a:xfrm>
+                <a:off x="6553200" y="3886200"/>
+                <a:ext cx="381000" cy="304800"/>
+              </a:xfrm>
+              <a:prstGeom prst="rect">
+                <a:avLst/>
+              </a:prstGeom>
+              <a:solidFill>
+                <a:schemeClr val="bg1"/>
+              </a:solidFill>
+              <a:ln>
+                <a:solidFill>
+                  <a:schemeClr val="tx1"/>
+                </a:solidFill>
+              </a:ln>
+            </p:spPr>
+            <p:style>
+              <a:lnRef idx="2">
+                <a:schemeClr val="accent1">
+                  <a:shade val="50000"/>
+                </a:schemeClr>
+              </a:lnRef>
+              <a:fillRef idx="1">
+                <a:schemeClr val="accent1"/>
+              </a:fillRef>
+              <a:effectRef idx="0">
+                <a:schemeClr val="accent1"/>
+              </a:effectRef>
+              <a:fontRef idx="minor">
+                <a:schemeClr val="lt1"/>
+              </a:fontRef>
+            </p:style>
+            <p:txBody>
+              <a:bodyPr rtlCol="0" anchor="ctr"/>
+              <a:lstStyle/>
+              <a:p>
+                <a:pPr algn="ctr"/>
+                <a:endParaRPr lang="en-US" dirty="0"/>
+              </a:p>
+            </p:txBody>
+          </p:sp>
+          <p:sp>
+            <p:nvSpPr>
+              <p:cNvPr id="11" name="Rectangle 10"/>
+              <p:cNvSpPr/>
+              <p:nvPr/>
+            </p:nvSpPr>
+            <p:spPr>
+              <a:xfrm>
+                <a:off x="6934200" y="2971800"/>
+                <a:ext cx="381000" cy="304800"/>
+              </a:xfrm>
+              <a:prstGeom prst="rect">
+                <a:avLst/>
+              </a:prstGeom>
+              <a:solidFill>
+                <a:schemeClr val="bg1"/>
+              </a:solidFill>
+              <a:ln>
+                <a:solidFill>
+                  <a:schemeClr val="tx1"/>
+                </a:solidFill>
+              </a:ln>
+            </p:spPr>
+            <p:style>
+              <a:lnRef idx="2">
+                <a:schemeClr val="accent1">
+                  <a:shade val="50000"/>
+                </a:schemeClr>
+              </a:lnRef>
+              <a:fillRef idx="1">
+                <a:schemeClr val="accent1"/>
+              </a:fillRef>
+              <a:effectRef idx="0">
+                <a:schemeClr val="accent1"/>
+              </a:effectRef>
+              <a:fontRef idx="minor">
+                <a:schemeClr val="lt1"/>
+              </a:fontRef>
+            </p:style>
+            <p:txBody>
+              <a:bodyPr rtlCol="0" anchor="ctr"/>
+              <a:lstStyle/>
+              <a:p>
+                <a:pPr algn="ctr"/>
+                <a:endParaRPr lang="en-US" dirty="0"/>
+              </a:p>
+            </p:txBody>
+          </p:sp>
+          <p:sp>
+            <p:nvSpPr>
+              <p:cNvPr id="12" name="Rectangle 11"/>
+              <p:cNvSpPr/>
+              <p:nvPr/>
+            </p:nvSpPr>
+            <p:spPr>
+              <a:xfrm>
+                <a:off x="6934200" y="3276600"/>
+                <a:ext cx="381000" cy="304800"/>
+              </a:xfrm>
+              <a:prstGeom prst="rect">
+                <a:avLst/>
+              </a:prstGeom>
+              <a:solidFill>
+                <a:schemeClr val="bg1"/>
+              </a:solidFill>
+              <a:ln>
+                <a:solidFill>
+                  <a:schemeClr val="tx1"/>
+                </a:solidFill>
+              </a:ln>
+            </p:spPr>
+            <p:style>
+              <a:lnRef idx="2">
+                <a:schemeClr val="accent1">
+                  <a:shade val="50000"/>
+                </a:schemeClr>
+              </a:lnRef>
+              <a:fillRef idx="1">
+                <a:schemeClr val="accent1"/>
+              </a:fillRef>
+              <a:effectRef idx="0">
+                <a:schemeClr val="accent1"/>
+              </a:effectRef>
+              <a:fontRef idx="minor">
+                <a:schemeClr val="lt1"/>
+              </a:fontRef>
+            </p:style>
+            <p:txBody>
+              <a:bodyPr rtlCol="0" anchor="ctr"/>
+              <a:lstStyle/>
+              <a:p>
+                <a:pPr algn="ctr"/>
+                <a:endParaRPr lang="en-US" dirty="0"/>
+              </a:p>
+            </p:txBody>
+          </p:sp>
+          <p:sp>
+            <p:nvSpPr>
+              <p:cNvPr id="13" name="Rectangle 12"/>
+              <p:cNvSpPr/>
+              <p:nvPr/>
+            </p:nvSpPr>
+            <p:spPr>
+              <a:xfrm>
+                <a:off x="6934200" y="3581400"/>
+                <a:ext cx="381000" cy="304800"/>
+              </a:xfrm>
+              <a:prstGeom prst="rect">
+                <a:avLst/>
+              </a:prstGeom>
+              <a:solidFill>
+                <a:schemeClr val="bg1"/>
+              </a:solidFill>
+              <a:ln>
+                <a:solidFill>
+                  <a:schemeClr val="tx1"/>
+                </a:solidFill>
+              </a:ln>
+            </p:spPr>
+            <p:style>
+              <a:lnRef idx="2">
+                <a:schemeClr val="accent1">
+                  <a:shade val="50000"/>
+                </a:schemeClr>
+              </a:lnRef>
+              <a:fillRef idx="1">
+                <a:schemeClr val="accent1"/>
+              </a:fillRef>
+              <a:effectRef idx="0">
+                <a:schemeClr val="accent1"/>
+              </a:effectRef>
+              <a:fontRef idx="minor">
+                <a:schemeClr val="lt1"/>
+              </a:fontRef>
+            </p:style>
+            <p:txBody>
+              <a:bodyPr rtlCol="0" anchor="ctr"/>
+              <a:lstStyle/>
+              <a:p>
+                <a:pPr algn="ctr"/>
+                <a:endParaRPr lang="en-US" dirty="0"/>
+              </a:p>
+            </p:txBody>
+          </p:sp>
+          <p:sp>
+            <p:nvSpPr>
+              <p:cNvPr id="14" name="Rectangle 13"/>
+              <p:cNvSpPr/>
+              <p:nvPr/>
+            </p:nvSpPr>
+            <p:spPr>
+              <a:xfrm>
+                <a:off x="6934200" y="3886200"/>
+                <a:ext cx="381000" cy="304800"/>
+              </a:xfrm>
+              <a:prstGeom prst="rect">
+                <a:avLst/>
+              </a:prstGeom>
+              <a:solidFill>
+                <a:schemeClr val="bg1"/>
+              </a:solidFill>
+              <a:ln>
+                <a:solidFill>
+                  <a:schemeClr val="tx1"/>
+                </a:solidFill>
+              </a:ln>
+            </p:spPr>
+            <p:style>
+              <a:lnRef idx="2">
+                <a:schemeClr val="accent1">
+                  <a:shade val="50000"/>
+                </a:schemeClr>
+              </a:lnRef>
+              <a:fillRef idx="1">
+                <a:schemeClr val="accent1"/>
+              </a:fillRef>
+              <a:effectRef idx="0">
+                <a:schemeClr val="accent1"/>
+              </a:effectRef>
+              <a:fontRef idx="minor">
+                <a:schemeClr val="lt1"/>
+              </a:fontRef>
+            </p:style>
+            <p:txBody>
+              <a:bodyPr rtlCol="0" anchor="ctr"/>
+              <a:lstStyle/>
+              <a:p>
+                <a:pPr algn="ctr"/>
+                <a:endParaRPr lang="en-US" dirty="0"/>
+              </a:p>
+            </p:txBody>
+          </p:sp>
+          <p:sp>
+            <p:nvSpPr>
+              <p:cNvPr id="15" name="Rectangle 14"/>
+              <p:cNvSpPr/>
+              <p:nvPr/>
+            </p:nvSpPr>
+            <p:spPr>
+              <a:xfrm>
+                <a:off x="7315200" y="2971800"/>
+                <a:ext cx="381000" cy="304800"/>
+              </a:xfrm>
+              <a:prstGeom prst="rect">
+                <a:avLst/>
+              </a:prstGeom>
+              <a:solidFill>
+                <a:schemeClr val="bg1"/>
+              </a:solidFill>
+              <a:ln>
+                <a:solidFill>
+                  <a:schemeClr val="tx1"/>
+                </a:solidFill>
+              </a:ln>
+            </p:spPr>
+            <p:style>
+              <a:lnRef idx="2">
+                <a:schemeClr val="accent1">
+                  <a:shade val="50000"/>
+                </a:schemeClr>
+              </a:lnRef>
+              <a:fillRef idx="1">
+                <a:schemeClr val="accent1"/>
+              </a:fillRef>
+              <a:effectRef idx="0">
+                <a:schemeClr val="accent1"/>
+              </a:effectRef>
+              <a:fontRef idx="minor">
+                <a:schemeClr val="lt1"/>
+              </a:fontRef>
+            </p:style>
+            <p:txBody>
+              <a:bodyPr rtlCol="0" anchor="ctr"/>
+              <a:lstStyle/>
+              <a:p>
+                <a:pPr algn="ctr"/>
+                <a:endParaRPr lang="en-US" dirty="0"/>
+              </a:p>
+            </p:txBody>
+          </p:sp>
+          <p:sp>
+            <p:nvSpPr>
+              <p:cNvPr id="16" name="Rectangle 15"/>
+              <p:cNvSpPr/>
+              <p:nvPr/>
+            </p:nvSpPr>
+            <p:spPr>
+              <a:xfrm>
+                <a:off x="7315200" y="3276600"/>
+                <a:ext cx="381000" cy="304800"/>
+              </a:xfrm>
+              <a:prstGeom prst="rect">
+                <a:avLst/>
+              </a:prstGeom>
+              <a:solidFill>
+                <a:schemeClr val="bg1"/>
+              </a:solidFill>
+              <a:ln>
+                <a:solidFill>
+                  <a:schemeClr val="tx1"/>
+                </a:solidFill>
+              </a:ln>
+            </p:spPr>
+            <p:style>
+              <a:lnRef idx="2">
+                <a:schemeClr val="accent1">
+                  <a:shade val="50000"/>
+                </a:schemeClr>
+              </a:lnRef>
+              <a:fillRef idx="1">
+                <a:schemeClr val="accent1"/>
+              </a:fillRef>
+              <a:effectRef idx="0">
+                <a:schemeClr val="accent1"/>
+              </a:effectRef>
+              <a:fontRef idx="minor">
+                <a:schemeClr val="lt1"/>
+              </a:fontRef>
+            </p:style>
+            <p:txBody>
+              <a:bodyPr rtlCol="0" anchor="ctr"/>
+              <a:lstStyle/>
+              <a:p>
+                <a:pPr algn="ctr"/>
+                <a:endParaRPr lang="en-US" dirty="0"/>
+              </a:p>
+            </p:txBody>
+          </p:sp>
+          <p:sp>
+            <p:nvSpPr>
+              <p:cNvPr id="17" name="Rectangle 16"/>
+              <p:cNvSpPr/>
+              <p:nvPr/>
+            </p:nvSpPr>
+            <p:spPr>
+              <a:xfrm>
+                <a:off x="7315200" y="3581400"/>
+                <a:ext cx="381000" cy="304800"/>
+              </a:xfrm>
+              <a:prstGeom prst="rect">
+                <a:avLst/>
+              </a:prstGeom>
+              <a:solidFill>
+                <a:schemeClr val="bg1"/>
+              </a:solidFill>
+              <a:ln>
+                <a:solidFill>
+                  <a:schemeClr val="tx1"/>
+                </a:solidFill>
+              </a:ln>
+            </p:spPr>
+            <p:style>
+              <a:lnRef idx="2">
+                <a:schemeClr val="accent1">
+                  <a:shade val="50000"/>
+                </a:schemeClr>
+              </a:lnRef>
+              <a:fillRef idx="1">
+                <a:schemeClr val="accent1"/>
+              </a:fillRef>
+              <a:effectRef idx="0">
+                <a:schemeClr val="accent1"/>
+              </a:effectRef>
+              <a:fontRef idx="minor">
+                <a:schemeClr val="lt1"/>
+              </a:fontRef>
+            </p:style>
+            <p:txBody>
+              <a:bodyPr rtlCol="0" anchor="ctr"/>
+              <a:lstStyle/>
+              <a:p>
+                <a:pPr algn="ctr"/>
+                <a:endParaRPr lang="en-US" dirty="0"/>
+              </a:p>
+            </p:txBody>
+          </p:sp>
+          <p:sp>
+            <p:nvSpPr>
+              <p:cNvPr id="18" name="Rectangle 17"/>
+              <p:cNvSpPr/>
+              <p:nvPr/>
+            </p:nvSpPr>
+            <p:spPr>
+              <a:xfrm>
+                <a:off x="7315200" y="3886200"/>
+                <a:ext cx="381000" cy="304800"/>
+              </a:xfrm>
+              <a:prstGeom prst="rect">
+                <a:avLst/>
+              </a:prstGeom>
+              <a:solidFill>
+                <a:schemeClr val="bg1"/>
+              </a:solidFill>
+              <a:ln>
+                <a:solidFill>
+                  <a:schemeClr val="tx1"/>
+                </a:solidFill>
+              </a:ln>
+            </p:spPr>
+            <p:style>
+              <a:lnRef idx="2">
+                <a:schemeClr val="accent1">
+                  <a:shade val="50000"/>
+                </a:schemeClr>
+              </a:lnRef>
+              <a:fillRef idx="1">
+                <a:schemeClr val="accent1"/>
+              </a:fillRef>
+              <a:effectRef idx="0">
+                <a:schemeClr val="accent1"/>
+              </a:effectRef>
+              <a:fontRef idx="minor">
+                <a:schemeClr val="lt1"/>
+              </a:fontRef>
+            </p:style>
+            <p:txBody>
+              <a:bodyPr rtlCol="0" anchor="ctr"/>
+              <a:lstStyle/>
+              <a:p>
+                <a:pPr algn="ctr"/>
+                <a:endParaRPr lang="en-US" dirty="0"/>
+              </a:p>
+            </p:txBody>
+          </p:sp>
+          <p:sp>
+            <p:nvSpPr>
+              <p:cNvPr id="19" name="Rectangle 18"/>
+              <p:cNvSpPr/>
+              <p:nvPr/>
+            </p:nvSpPr>
+            <p:spPr>
+              <a:xfrm>
+                <a:off x="7696200" y="2971800"/>
+                <a:ext cx="381000" cy="304800"/>
+              </a:xfrm>
+              <a:prstGeom prst="rect">
+                <a:avLst/>
+              </a:prstGeom>
+              <a:solidFill>
+                <a:schemeClr val="bg1"/>
+              </a:solidFill>
+              <a:ln>
+                <a:solidFill>
+                  <a:schemeClr val="tx1"/>
+                </a:solidFill>
+              </a:ln>
+            </p:spPr>
+            <p:style>
+              <a:lnRef idx="2">
+                <a:schemeClr val="accent1">
+                  <a:shade val="50000"/>
+                </a:schemeClr>
+              </a:lnRef>
+              <a:fillRef idx="1">
+                <a:schemeClr val="accent1"/>
+              </a:fillRef>
+              <a:effectRef idx="0">
+                <a:schemeClr val="accent1"/>
+              </a:effectRef>
+              <a:fontRef idx="minor">
+                <a:schemeClr val="lt1"/>
+              </a:fontRef>
+            </p:style>
+            <p:txBody>
+              <a:bodyPr rtlCol="0" anchor="ctr"/>
+              <a:lstStyle/>
+              <a:p>
+                <a:pPr algn="ctr"/>
+                <a:endParaRPr lang="en-US" dirty="0"/>
+              </a:p>
+            </p:txBody>
+          </p:sp>
+          <p:sp>
+            <p:nvSpPr>
+              <p:cNvPr id="20" name="Rectangle 19"/>
+              <p:cNvSpPr/>
+              <p:nvPr/>
+            </p:nvSpPr>
+            <p:spPr>
+              <a:xfrm>
+                <a:off x="7696200" y="3276600"/>
+                <a:ext cx="381000" cy="304800"/>
+              </a:xfrm>
+              <a:prstGeom prst="rect">
+                <a:avLst/>
+              </a:prstGeom>
+              <a:solidFill>
+                <a:schemeClr val="bg1"/>
+              </a:solidFill>
+              <a:ln>
+                <a:solidFill>
+                  <a:schemeClr val="tx1"/>
+                </a:solidFill>
+              </a:ln>
+            </p:spPr>
+            <p:style>
+              <a:lnRef idx="2">
+                <a:schemeClr val="accent1">
+                  <a:shade val="50000"/>
+                </a:schemeClr>
+              </a:lnRef>
+              <a:fillRef idx="1">
+                <a:schemeClr val="accent1"/>
+              </a:fillRef>
+              <a:effectRef idx="0">
+                <a:schemeClr val="accent1"/>
+              </a:effectRef>
+              <a:fontRef idx="minor">
+                <a:schemeClr val="lt1"/>
+              </a:fontRef>
+            </p:style>
+            <p:txBody>
+              <a:bodyPr rtlCol="0" anchor="ctr"/>
+              <a:lstStyle/>
+              <a:p>
+                <a:pPr algn="ctr"/>
+                <a:endParaRPr lang="en-US" dirty="0"/>
+              </a:p>
+            </p:txBody>
+          </p:sp>
+          <p:sp>
+            <p:nvSpPr>
+              <p:cNvPr id="21" name="Rectangle 20"/>
+              <p:cNvSpPr/>
+              <p:nvPr/>
+            </p:nvSpPr>
+            <p:spPr>
+              <a:xfrm>
+                <a:off x="7696200" y="3581400"/>
+                <a:ext cx="381000" cy="304800"/>
+              </a:xfrm>
+              <a:prstGeom prst="rect">
+                <a:avLst/>
+              </a:prstGeom>
+              <a:solidFill>
+                <a:schemeClr val="bg1"/>
+              </a:solidFill>
+              <a:ln>
+                <a:solidFill>
+                  <a:schemeClr val="tx1"/>
+                </a:solidFill>
+              </a:ln>
+            </p:spPr>
+            <p:style>
+              <a:lnRef idx="2">
+                <a:schemeClr val="accent1">
+                  <a:shade val="50000"/>
+                </a:schemeClr>
+              </a:lnRef>
+              <a:fillRef idx="1">
+                <a:schemeClr val="accent1"/>
+              </a:fillRef>
+              <a:effectRef idx="0">
+                <a:schemeClr val="accent1"/>
+              </a:effectRef>
+              <a:fontRef idx="minor">
+                <a:schemeClr val="lt1"/>
+              </a:fontRef>
+            </p:style>
+            <p:txBody>
+              <a:bodyPr rtlCol="0" anchor="ctr"/>
+              <a:lstStyle/>
+              <a:p>
+                <a:pPr algn="ctr"/>
+                <a:endParaRPr lang="en-US" dirty="0"/>
+              </a:p>
+            </p:txBody>
+          </p:sp>
+          <p:sp>
+            <p:nvSpPr>
+              <p:cNvPr id="22" name="Rectangle 21"/>
+              <p:cNvSpPr/>
+              <p:nvPr/>
+            </p:nvSpPr>
+            <p:spPr>
+              <a:xfrm>
+                <a:off x="7696200" y="3886200"/>
+                <a:ext cx="381000" cy="304800"/>
+              </a:xfrm>
+              <a:prstGeom prst="rect">
+                <a:avLst/>
+              </a:prstGeom>
+              <a:solidFill>
+                <a:schemeClr val="bg1"/>
+              </a:solidFill>
+              <a:ln>
+                <a:solidFill>
+                  <a:schemeClr val="tx1"/>
+                </a:solidFill>
+              </a:ln>
+            </p:spPr>
+            <p:style>
+              <a:lnRef idx="2">
+                <a:schemeClr val="accent1">
+                  <a:shade val="50000"/>
+                </a:schemeClr>
+              </a:lnRef>
+              <a:fillRef idx="1">
+                <a:schemeClr val="accent1"/>
+              </a:fillRef>
+              <a:effectRef idx="0">
+                <a:schemeClr val="accent1"/>
+              </a:effectRef>
+              <a:fontRef idx="minor">
+                <a:schemeClr val="lt1"/>
+              </a:fontRef>
+            </p:style>
+            <p:txBody>
+              <a:bodyPr rtlCol="0" anchor="ctr"/>
+              <a:lstStyle/>
+              <a:p>
+                <a:pPr algn="ctr"/>
+                <a:endParaRPr lang="en-US" dirty="0"/>
+              </a:p>
+            </p:txBody>
+          </p:sp>
+          <p:sp>
+            <p:nvSpPr>
+              <p:cNvPr id="23" name="Rectangle 22"/>
+              <p:cNvSpPr/>
+              <p:nvPr/>
+            </p:nvSpPr>
+            <p:spPr>
+              <a:xfrm>
+                <a:off x="8077200" y="2971800"/>
+                <a:ext cx="381000" cy="304800"/>
+              </a:xfrm>
+              <a:prstGeom prst="rect">
+                <a:avLst/>
+              </a:prstGeom>
+              <a:solidFill>
+                <a:schemeClr val="bg1"/>
+              </a:solidFill>
+              <a:ln>
+                <a:solidFill>
+                  <a:schemeClr val="tx1"/>
+                </a:solidFill>
+              </a:ln>
+            </p:spPr>
+            <p:style>
+              <a:lnRef idx="2">
+                <a:schemeClr val="accent1">
+                  <a:shade val="50000"/>
+                </a:schemeClr>
+              </a:lnRef>
+              <a:fillRef idx="1">
+                <a:schemeClr val="accent1"/>
+              </a:fillRef>
+              <a:effectRef idx="0">
+                <a:schemeClr val="accent1"/>
+              </a:effectRef>
+              <a:fontRef idx="minor">
+                <a:schemeClr val="lt1"/>
+              </a:fontRef>
+            </p:style>
+            <p:txBody>
+              <a:bodyPr rtlCol="0" anchor="ctr"/>
+              <a:lstStyle/>
+              <a:p>
+                <a:pPr algn="ctr"/>
+                <a:endParaRPr lang="en-US" dirty="0"/>
+              </a:p>
+            </p:txBody>
+          </p:sp>
+          <p:sp>
+            <p:nvSpPr>
+              <p:cNvPr id="24" name="Rectangle 23"/>
+              <p:cNvSpPr/>
+              <p:nvPr/>
+            </p:nvSpPr>
+            <p:spPr>
+              <a:xfrm>
+                <a:off x="8077200" y="3276600"/>
+                <a:ext cx="381000" cy="304800"/>
+              </a:xfrm>
+              <a:prstGeom prst="rect">
+                <a:avLst/>
+              </a:prstGeom>
+              <a:solidFill>
+                <a:schemeClr val="bg1"/>
+              </a:solidFill>
+              <a:ln>
+                <a:solidFill>
+                  <a:schemeClr val="tx1"/>
+                </a:solidFill>
+              </a:ln>
+            </p:spPr>
+            <p:style>
+              <a:lnRef idx="2">
+                <a:schemeClr val="accent1">
+                  <a:shade val="50000"/>
+                </a:schemeClr>
+              </a:lnRef>
+              <a:fillRef idx="1">
+                <a:schemeClr val="accent1"/>
+              </a:fillRef>
+              <a:effectRef idx="0">
+                <a:schemeClr val="accent1"/>
+              </a:effectRef>
+              <a:fontRef idx="minor">
+                <a:schemeClr val="lt1"/>
+              </a:fontRef>
+            </p:style>
+            <p:txBody>
+              <a:bodyPr rtlCol="0" anchor="ctr"/>
+              <a:lstStyle/>
+              <a:p>
+                <a:pPr algn="ctr"/>
+                <a:endParaRPr lang="en-US" dirty="0"/>
+              </a:p>
+            </p:txBody>
+          </p:sp>
+          <p:sp>
+            <p:nvSpPr>
+              <p:cNvPr id="25" name="Rectangle 24"/>
+              <p:cNvSpPr/>
+              <p:nvPr/>
+            </p:nvSpPr>
+            <p:spPr>
+              <a:xfrm>
+                <a:off x="8077200" y="3581400"/>
+                <a:ext cx="381000" cy="304800"/>
+              </a:xfrm>
+              <a:prstGeom prst="rect">
+                <a:avLst/>
+              </a:prstGeom>
+              <a:solidFill>
+                <a:schemeClr val="bg1"/>
+              </a:solidFill>
+              <a:ln>
+                <a:solidFill>
+                  <a:schemeClr val="tx1"/>
+                </a:solidFill>
+              </a:ln>
+            </p:spPr>
+            <p:style>
+              <a:lnRef idx="2">
+                <a:schemeClr val="accent1">
+                  <a:shade val="50000"/>
+                </a:schemeClr>
+              </a:lnRef>
+              <a:fillRef idx="1">
+                <a:schemeClr val="accent1"/>
+              </a:fillRef>
+              <a:effectRef idx="0">
+                <a:schemeClr val="accent1"/>
+              </a:effectRef>
+              <a:fontRef idx="minor">
+                <a:schemeClr val="lt1"/>
+              </a:fontRef>
+            </p:style>
+            <p:txBody>
+              <a:bodyPr rtlCol="0" anchor="ctr"/>
+              <a:lstStyle/>
+              <a:p>
+                <a:pPr algn="ctr"/>
+                <a:endParaRPr lang="en-US" dirty="0"/>
+              </a:p>
+            </p:txBody>
+          </p:sp>
+          <p:sp>
+            <p:nvSpPr>
+              <p:cNvPr id="26" name="Rectangle 25"/>
+              <p:cNvSpPr/>
+              <p:nvPr/>
+            </p:nvSpPr>
+            <p:spPr>
+              <a:xfrm>
+                <a:off x="8077200" y="3886200"/>
+                <a:ext cx="381000" cy="304800"/>
+              </a:xfrm>
+              <a:prstGeom prst="rect">
+                <a:avLst/>
+              </a:prstGeom>
+              <a:solidFill>
+                <a:schemeClr val="bg1"/>
+              </a:solidFill>
+              <a:ln>
+                <a:solidFill>
+                  <a:schemeClr val="tx1"/>
+                </a:solidFill>
+              </a:ln>
+            </p:spPr>
+            <p:style>
+              <a:lnRef idx="2">
+                <a:schemeClr val="accent1">
+                  <a:shade val="50000"/>
+                </a:schemeClr>
+              </a:lnRef>
+              <a:fillRef idx="1">
+                <a:schemeClr val="accent1"/>
+              </a:fillRef>
+              <a:effectRef idx="0">
+                <a:schemeClr val="accent1"/>
+              </a:effectRef>
+              <a:fontRef idx="minor">
+                <a:schemeClr val="lt1"/>
+              </a:fontRef>
+            </p:style>
+            <p:txBody>
+              <a:bodyPr rtlCol="0" anchor="ctr"/>
+              <a:lstStyle/>
+              <a:p>
+                <a:pPr algn="ctr"/>
+                <a:endParaRPr lang="en-US" dirty="0"/>
+              </a:p>
+            </p:txBody>
+          </p:sp>
+          <p:sp>
+            <p:nvSpPr>
+              <p:cNvPr id="27" name="Rectangle 26"/>
+              <p:cNvSpPr/>
+              <p:nvPr/>
+            </p:nvSpPr>
+            <p:spPr>
+              <a:xfrm>
+                <a:off x="6172200" y="2971800"/>
+                <a:ext cx="381000" cy="304800"/>
+              </a:xfrm>
+              <a:prstGeom prst="rect">
+                <a:avLst/>
+              </a:prstGeom>
+              <a:solidFill>
+                <a:schemeClr val="bg1"/>
+              </a:solidFill>
+              <a:ln>
+                <a:solidFill>
+                  <a:schemeClr val="tx1"/>
+                </a:solidFill>
+              </a:ln>
+            </p:spPr>
+            <p:style>
+              <a:lnRef idx="2">
+                <a:schemeClr val="accent1">
+                  <a:shade val="50000"/>
+                </a:schemeClr>
+              </a:lnRef>
+              <a:fillRef idx="1">
+                <a:schemeClr val="accent1"/>
+              </a:fillRef>
+              <a:effectRef idx="0">
+                <a:schemeClr val="accent1"/>
+              </a:effectRef>
+              <a:fontRef idx="minor">
+                <a:schemeClr val="lt1"/>
+              </a:fontRef>
+            </p:style>
+            <p:txBody>
+              <a:bodyPr rtlCol="0" anchor="ctr"/>
+              <a:lstStyle/>
+              <a:p>
+                <a:pPr algn="ctr"/>
+                <a:endParaRPr lang="en-US" dirty="0"/>
+              </a:p>
+            </p:txBody>
+          </p:sp>
+          <p:sp>
+            <p:nvSpPr>
+              <p:cNvPr id="28" name="Rectangle 27"/>
+              <p:cNvSpPr/>
+              <p:nvPr/>
+            </p:nvSpPr>
+            <p:spPr>
+              <a:xfrm>
+                <a:off x="6172200" y="3276600"/>
+                <a:ext cx="381000" cy="304800"/>
+              </a:xfrm>
+              <a:prstGeom prst="rect">
+                <a:avLst/>
+              </a:prstGeom>
+              <a:solidFill>
+                <a:schemeClr val="bg1"/>
+              </a:solidFill>
+              <a:ln>
+                <a:solidFill>
+                  <a:schemeClr val="tx1"/>
+                </a:solidFill>
+              </a:ln>
+            </p:spPr>
+            <p:style>
+              <a:lnRef idx="2">
+                <a:schemeClr val="accent1">
+                  <a:shade val="50000"/>
+                </a:schemeClr>
+              </a:lnRef>
+              <a:fillRef idx="1">
+                <a:schemeClr val="accent1"/>
+              </a:fillRef>
+              <a:effectRef idx="0">
+                <a:schemeClr val="accent1"/>
+              </a:effectRef>
+              <a:fontRef idx="minor">
+                <a:schemeClr val="lt1"/>
+              </a:fontRef>
+            </p:style>
+            <p:txBody>
+              <a:bodyPr rtlCol="0" anchor="ctr"/>
+              <a:lstStyle/>
+              <a:p>
+                <a:pPr algn="ctr"/>
+                <a:endParaRPr lang="en-US" dirty="0"/>
+              </a:p>
+            </p:txBody>
+          </p:sp>
+          <p:sp>
+            <p:nvSpPr>
+              <p:cNvPr id="29" name="Rectangle 28"/>
+              <p:cNvSpPr/>
+              <p:nvPr/>
+            </p:nvSpPr>
+            <p:spPr>
+              <a:xfrm>
+                <a:off x="6172200" y="3581400"/>
+                <a:ext cx="381000" cy="304800"/>
+              </a:xfrm>
+              <a:prstGeom prst="rect">
+                <a:avLst/>
+              </a:prstGeom>
+              <a:solidFill>
+                <a:schemeClr val="bg1"/>
+              </a:solidFill>
+              <a:ln>
+                <a:solidFill>
+                  <a:schemeClr val="tx1"/>
+                </a:solidFill>
+              </a:ln>
+            </p:spPr>
+            <p:style>
+              <a:lnRef idx="2">
+                <a:schemeClr val="accent1">
+                  <a:shade val="50000"/>
+                </a:schemeClr>
+              </a:lnRef>
+              <a:fillRef idx="1">
+                <a:schemeClr val="accent1"/>
+              </a:fillRef>
+              <a:effectRef idx="0">
+                <a:schemeClr val="accent1"/>
+              </a:effectRef>
+              <a:fontRef idx="minor">
+                <a:schemeClr val="lt1"/>
+              </a:fontRef>
+            </p:style>
+            <p:txBody>
+              <a:bodyPr rtlCol="0" anchor="ctr"/>
+              <a:lstStyle/>
+              <a:p>
+                <a:pPr algn="ctr"/>
+                <a:endParaRPr lang="en-US" dirty="0"/>
+              </a:p>
+            </p:txBody>
+          </p:sp>
+          <p:sp>
+            <p:nvSpPr>
+              <p:cNvPr id="30" name="Rectangle 29"/>
+              <p:cNvSpPr/>
+              <p:nvPr/>
+            </p:nvSpPr>
+            <p:spPr>
+              <a:xfrm>
+                <a:off x="6172200" y="3886200"/>
+                <a:ext cx="381000" cy="304800"/>
+              </a:xfrm>
+              <a:prstGeom prst="rect">
+                <a:avLst/>
+              </a:prstGeom>
+              <a:solidFill>
+                <a:schemeClr val="bg1"/>
+              </a:solidFill>
+              <a:ln>
+                <a:solidFill>
+                  <a:schemeClr val="tx1"/>
+                </a:solidFill>
+              </a:ln>
+            </p:spPr>
+            <p:style>
+              <a:lnRef idx="2">
+                <a:schemeClr val="accent1">
+                  <a:shade val="50000"/>
+                </a:schemeClr>
+              </a:lnRef>
+              <a:fillRef idx="1">
+                <a:schemeClr val="accent1"/>
+              </a:fillRef>
+              <a:effectRef idx="0">
+                <a:schemeClr val="accent1"/>
+              </a:effectRef>
+              <a:fontRef idx="minor">
+                <a:schemeClr val="lt1"/>
+              </a:fontRef>
+            </p:style>
+            <p:txBody>
+              <a:bodyPr rtlCol="0" anchor="ctr"/>
+              <a:lstStyle/>
+              <a:p>
+                <a:pPr algn="ctr"/>
+                <a:endParaRPr lang="en-US" dirty="0"/>
+              </a:p>
+            </p:txBody>
+          </p:sp>
+        </p:grpSp>
+        <p:sp>
+          <p:nvSpPr>
+            <p:cNvPr id="32" name="TextBox 31"/>
+            <p:cNvSpPr txBox="1"/>
+            <p:nvPr/>
+          </p:nvSpPr>
+          <p:spPr>
+            <a:xfrm>
+              <a:off x="6172200" y="2895600"/>
+              <a:ext cx="533400" cy="369332"/>
+            </a:xfrm>
+            <a:prstGeom prst="rect">
+              <a:avLst/>
+            </a:prstGeom>
+            <a:noFill/>
+          </p:spPr>
+          <p:txBody>
+            <a:bodyPr wrap="square" rtlCol="0">
+              <a:spAutoFit/>
+            </a:bodyPr>
+            <a:lstStyle/>
+            <a:p>
+              <a:r>
+                <a:rPr lang="en-US" dirty="0" smtClean="0"/>
+                <a:t>X</a:t>
+              </a:r>
+              <a:endParaRPr lang="en-US" dirty="0"/>
+            </a:p>
+          </p:txBody>
+        </p:sp>
+        <p:sp>
+          <p:nvSpPr>
+            <p:cNvPr id="33" name="TextBox 32"/>
+            <p:cNvSpPr txBox="1"/>
+            <p:nvPr/>
+          </p:nvSpPr>
+          <p:spPr>
+            <a:xfrm>
+              <a:off x="6553200" y="3200400"/>
+              <a:ext cx="533400" cy="369332"/>
+            </a:xfrm>
+            <a:prstGeom prst="rect">
+              <a:avLst/>
+            </a:prstGeom>
+            <a:noFill/>
+          </p:spPr>
+          <p:txBody>
+            <a:bodyPr wrap="square" rtlCol="0">
+              <a:spAutoFit/>
+            </a:bodyPr>
+            <a:lstStyle/>
+            <a:p>
+              <a:r>
+                <a:rPr lang="en-US" dirty="0" smtClean="0"/>
+                <a:t>X</a:t>
+              </a:r>
+              <a:endParaRPr lang="en-US" dirty="0"/>
+            </a:p>
+          </p:txBody>
+        </p:sp>
+        <p:sp>
+          <p:nvSpPr>
+            <p:cNvPr id="34" name="TextBox 33"/>
+            <p:cNvSpPr txBox="1"/>
+            <p:nvPr/>
+          </p:nvSpPr>
+          <p:spPr>
+            <a:xfrm>
+              <a:off x="6172200" y="3505200"/>
+              <a:ext cx="533400" cy="369332"/>
+            </a:xfrm>
+            <a:prstGeom prst="rect">
+              <a:avLst/>
+            </a:prstGeom>
+            <a:noFill/>
+          </p:spPr>
+          <p:txBody>
+            <a:bodyPr wrap="square" rtlCol="0">
+              <a:spAutoFit/>
+            </a:bodyPr>
+            <a:lstStyle/>
+            <a:p>
+              <a:r>
+                <a:rPr lang="en-US" dirty="0" smtClean="0"/>
+                <a:t>X</a:t>
+              </a:r>
+              <a:endParaRPr lang="en-US" dirty="0"/>
+            </a:p>
+          </p:txBody>
+        </p:sp>
+        <p:sp>
+          <p:nvSpPr>
+            <p:cNvPr id="35" name="TextBox 34"/>
+            <p:cNvSpPr txBox="1"/>
+            <p:nvPr/>
+          </p:nvSpPr>
+          <p:spPr>
+            <a:xfrm>
+              <a:off x="7315200" y="2895600"/>
+              <a:ext cx="609600" cy="369332"/>
+            </a:xfrm>
+            <a:prstGeom prst="rect">
+              <a:avLst/>
+            </a:prstGeom>
+            <a:noFill/>
+          </p:spPr>
+          <p:txBody>
+            <a:bodyPr wrap="square" rtlCol="0">
+              <a:spAutoFit/>
+            </a:bodyPr>
+            <a:lstStyle/>
+            <a:p>
+              <a:r>
+                <a:rPr lang="en-US" dirty="0" smtClean="0"/>
+                <a:t>O</a:t>
+              </a:r>
+              <a:endParaRPr lang="en-US" dirty="0"/>
+            </a:p>
+          </p:txBody>
+        </p:sp>
+        <p:sp>
+          <p:nvSpPr>
+            <p:cNvPr id="36" name="TextBox 35"/>
+            <p:cNvSpPr txBox="1"/>
+            <p:nvPr/>
+          </p:nvSpPr>
+          <p:spPr>
+            <a:xfrm>
+              <a:off x="8077200" y="3810000"/>
+              <a:ext cx="609600" cy="369332"/>
+            </a:xfrm>
+            <a:prstGeom prst="rect">
+              <a:avLst/>
+            </a:prstGeom>
+            <a:noFill/>
+          </p:spPr>
+          <p:txBody>
+            <a:bodyPr wrap="square" rtlCol="0">
+              <a:spAutoFit/>
+            </a:bodyPr>
+            <a:lstStyle/>
+            <a:p>
+              <a:r>
+                <a:rPr lang="en-US" dirty="0" smtClean="0"/>
+                <a:t>O</a:t>
+              </a:r>
+              <a:endParaRPr lang="en-US" dirty="0"/>
+            </a:p>
+          </p:txBody>
+        </p:sp>
+        <p:sp>
+          <p:nvSpPr>
+            <p:cNvPr id="37" name="TextBox 36"/>
+            <p:cNvSpPr txBox="1"/>
+            <p:nvPr/>
+          </p:nvSpPr>
+          <p:spPr>
+            <a:xfrm>
+              <a:off x="7696200" y="3505200"/>
+              <a:ext cx="609600" cy="369332"/>
+            </a:xfrm>
+            <a:prstGeom prst="rect">
+              <a:avLst/>
+            </a:prstGeom>
+            <a:noFill/>
+          </p:spPr>
+          <p:txBody>
+            <a:bodyPr wrap="square" rtlCol="0">
+              <a:spAutoFit/>
+            </a:bodyPr>
+            <a:lstStyle/>
+            <a:p>
+              <a:r>
+                <a:rPr lang="en-US" dirty="0" smtClean="0"/>
+                <a:t>O</a:t>
+              </a:r>
+              <a:endParaRPr lang="en-US" dirty="0"/>
+            </a:p>
+          </p:txBody>
+        </p:sp>
+      </p:grpSp>
+      <p:pic>
+        <p:nvPicPr>
+          <p:cNvPr id="2050" name="Picture 2" descr="http://t1.gstatic.com/images?q=tbn:DfwJv-0KT8KniM:http://blog.timesunion.com/tech/files/2009/10/powerglove.jpg">
+            <a:hlinkClick r:id="rId3"/>
+          </p:cNvPr>
+          <p:cNvPicPr>
+            <a:picLocks noChangeAspect="1" noChangeArrowheads="1"/>
+          </p:cNvPicPr>
+          <p:nvPr/>
+        </p:nvPicPr>
+        <p:blipFill>
+          <a:blip r:embed="rId4" cstate="print"/>
+          <a:srcRect/>
+          <a:stretch>
+            <a:fillRect/>
+          </a:stretch>
+        </p:blipFill>
+        <p:spPr bwMode="auto">
+          <a:xfrm>
+            <a:off x="6400800" y="1828800"/>
+            <a:ext cx="2545347" cy="2438400"/>
+          </a:xfrm>
+          <a:prstGeom prst="rect">
+            <a:avLst/>
+          </a:prstGeom>
+          <a:noFill/>
+        </p:spPr>
+      </p:pic>
+    </p:spTree>
+  </p:cSld>
+  <p:clrMapOvr>
+    <a:masterClrMapping/>
+  </p:clrMapOvr>
+  <p:timing>
+    <p:tnLst>
+      <p:par>
+        <p:cTn id="1" dur="indefinite" restart="never" nodeType="tmRoot"/>
+      </p:par>
+    </p:tnLst>
+  </p:timing>
+</p:sld>
+</file>
+
+<file path=ppt/slides/slide40.xml><?xml version="1.0" encoding="utf-8"?>
 <p:sld xmlns:a="http://schemas.openxmlformats.org/drawingml/2006/main" xmlns:r="http://schemas.openxmlformats.org/officeDocument/2006/relationships" xmlns:p="http://schemas.openxmlformats.org/presentationml/2006/main">
   <p:cSld>
     <p:spTree>
@@ -31068,6 +31216,163 @@
               <a:rPr lang="en-US" dirty="0" smtClean="0"/>
               <a:t>AI</a:t>
             </a:r>
+          </a:p>
+        </p:txBody>
+      </p:sp>
+      <p:sp>
+        <p:nvSpPr>
+          <p:cNvPr id="5" name="Slide Number Placeholder 4"/>
+          <p:cNvSpPr>
+            <a:spLocks noGrp="1"/>
+          </p:cNvSpPr>
+          <p:nvPr>
+            <p:ph type="sldNum" sz="quarter" idx="12"/>
+          </p:nvPr>
+        </p:nvSpPr>
+        <p:spPr/>
+        <p:txBody>
+          <a:bodyPr/>
+          <a:lstStyle/>
+          <a:p>
+            <a:fld id="{B6F15528-21DE-4FAA-801E-634DDDAF4B2B}" type="slidenum">
+              <a:rPr lang="en-US" smtClean="0"/>
+              <a:pPr/>
+              <a:t>40</a:t>
+            </a:fld>
+            <a:endParaRPr lang="en-US" dirty="0"/>
+          </a:p>
+        </p:txBody>
+      </p:sp>
+      <p:pic>
+        <p:nvPicPr>
+          <p:cNvPr id="4" name="Picture 3" descr="logo.jpg"/>
+          <p:cNvPicPr>
+            <a:picLocks noChangeAspect="1"/>
+          </p:cNvPicPr>
+          <p:nvPr/>
+        </p:nvPicPr>
+        <p:blipFill>
+          <a:blip r:embed="rId2" cstate="print"/>
+          <a:stretch>
+            <a:fillRect/>
+          </a:stretch>
+        </p:blipFill>
+        <p:spPr>
+          <a:xfrm>
+            <a:off x="7956253" y="0"/>
+            <a:ext cx="1187747" cy="1328738"/>
+          </a:xfrm>
+          <a:prstGeom prst="rect">
+            <a:avLst/>
+          </a:prstGeom>
+        </p:spPr>
+      </p:pic>
+    </p:spTree>
+  </p:cSld>
+  <p:clrMapOvr>
+    <a:masterClrMapping/>
+  </p:clrMapOvr>
+  <p:timing>
+    <p:tnLst>
+      <p:par>
+        <p:cTn id="1" dur="indefinite" restart="never" nodeType="tmRoot"/>
+      </p:par>
+    </p:tnLst>
+  </p:timing>
+</p:sld>
+</file>
+
+<file path=ppt/slides/slide41.xml><?xml version="1.0" encoding="utf-8"?>
+<p:sld xmlns:a="http://schemas.openxmlformats.org/drawingml/2006/main" xmlns:r="http://schemas.openxmlformats.org/officeDocument/2006/relationships" xmlns:p="http://schemas.openxmlformats.org/presentationml/2006/main">
+  <p:cSld>
+    <p:spTree>
+      <p:nvGrpSpPr>
+        <p:cNvPr id="1" name=""/>
+        <p:cNvGrpSpPr/>
+        <p:nvPr/>
+      </p:nvGrpSpPr>
+      <p:grpSpPr>
+        <a:xfrm>
+          <a:off x="0" y="0"/>
+          <a:ext cx="0" cy="0"/>
+          <a:chOff x="0" y="0"/>
+          <a:chExt cx="0" cy="0"/>
+        </a:xfrm>
+      </p:grpSpPr>
+      <p:sp>
+        <p:nvSpPr>
+          <p:cNvPr id="2" name="Title 1"/>
+          <p:cNvSpPr>
+            <a:spLocks noGrp="1"/>
+          </p:cNvSpPr>
+          <p:nvPr>
+            <p:ph type="title"/>
+          </p:nvPr>
+        </p:nvSpPr>
+        <p:spPr>
+          <a:xfrm>
+            <a:off x="457200" y="314094"/>
+            <a:ext cx="7391400" cy="1143000"/>
+          </a:xfrm>
+        </p:spPr>
+        <p:txBody>
+          <a:bodyPr>
+            <a:normAutofit fontScale="90000"/>
+          </a:bodyPr>
+          <a:lstStyle/>
+          <a:p>
+            <a:r>
+              <a:rPr lang="en-US" dirty="0" smtClean="0"/>
+              <a:t>Database</a:t>
+            </a:r>
+            <a:br>
+              <a:rPr lang="en-US" dirty="0" smtClean="0"/>
+            </a:br>
+            <a:r>
+              <a:rPr lang="en-US" dirty="0" smtClean="0"/>
+              <a:t>“Summary”</a:t>
+            </a:r>
+            <a:endParaRPr lang="en-US" dirty="0"/>
+          </a:p>
+        </p:txBody>
+      </p:sp>
+      <p:sp>
+        <p:nvSpPr>
+          <p:cNvPr id="3" name="Content Placeholder 2"/>
+          <p:cNvSpPr>
+            <a:spLocks noGrp="1"/>
+          </p:cNvSpPr>
+          <p:nvPr>
+            <p:ph idx="1"/>
+          </p:nvPr>
+        </p:nvSpPr>
+        <p:spPr>
+          <a:xfrm>
+            <a:off x="762000" y="2514600"/>
+            <a:ext cx="8229600" cy="3657600"/>
+          </a:xfrm>
+        </p:spPr>
+        <p:txBody>
+          <a:bodyPr/>
+          <a:lstStyle/>
+          <a:p>
+            <a:r>
+              <a:rPr lang="en-US" dirty="0" smtClean="0"/>
+              <a:t>What Database is?</a:t>
+            </a:r>
+          </a:p>
+          <a:p>
+            <a:r>
+              <a:rPr lang="en-US" dirty="0" smtClean="0"/>
+              <a:t>What Database does in the project?</a:t>
+            </a:r>
+          </a:p>
+          <a:p>
+            <a:r>
+              <a:rPr lang="en-US" dirty="0" smtClean="0"/>
+              <a:t>How Database works?</a:t>
+            </a:r>
+            <a:endParaRPr lang="en-US" dirty="0"/>
           </a:p>
         </p:txBody>
       </p:sp>
@@ -31161,12 +31466,7 @@
             <p:ph type="title"/>
           </p:nvPr>
         </p:nvSpPr>
-        <p:spPr>
-          <a:xfrm>
-            <a:off x="457200" y="314094"/>
-            <a:ext cx="7391400" cy="1143000"/>
-          </a:xfrm>
-        </p:spPr>
+        <p:spPr/>
         <p:txBody>
           <a:bodyPr>
             <a:normAutofit fontScale="90000"/>
@@ -31182,7 +31482,11 @@
             </a:br>
             <a:r>
               <a:rPr lang="en-US" dirty="0" smtClean="0"/>
-              <a:t>“Summary”</a:t>
+              <a:t>“</a:t>
+            </a:r>
+            <a:r>
+              <a:rPr lang="en-US" altLang="zh-CN" dirty="0" smtClean="0"/>
+              <a:t>What Database is”</a:t>
             </a:r>
             <a:endParaRPr lang="en-US" dirty="0"/>
           </a:p>
@@ -31200,31 +31504,38 @@
         </p:nvSpPr>
         <p:spPr>
           <a:xfrm>
-            <a:off x="762000" y="2514600"/>
-            <a:ext cx="8229600" cy="3657600"/>
+            <a:off x="381000" y="1646237"/>
+            <a:ext cx="8610600" cy="4525963"/>
           </a:xfrm>
         </p:spPr>
         <p:txBody>
-          <a:bodyPr/>
+          <a:bodyPr>
+            <a:normAutofit fontScale="92500"/>
+          </a:bodyPr>
           <a:lstStyle/>
           <a:p>
             <a:r>
-              <a:rPr lang="en-US" dirty="0" smtClean="0"/>
-              <a:t>What Database is?</a:t>
+              <a:rPr lang="en-US" altLang="zh-CN" dirty="0" smtClean="0"/>
+              <a:t>Databases consist of software-based "containers" that are structured to collect and store information.</a:t>
             </a:r>
           </a:p>
           <a:p>
             <a:r>
-              <a:rPr lang="en-US" dirty="0" smtClean="0"/>
-              <a:t>What Database does in the project?</a:t>
+              <a:rPr lang="en-US" altLang="zh-CN" dirty="0" smtClean="0"/>
+              <a:t>Database programs are designed for users so that they can retrieve, add, update or remove information.</a:t>
             </a:r>
           </a:p>
           <a:p>
             <a:r>
-              <a:rPr lang="en-US" dirty="0" smtClean="0"/>
-              <a:t>How Database works?</a:t>
+              <a:rPr lang="en-US" altLang="zh-CN" dirty="0" smtClean="0"/>
+              <a:t>The structure of a database is tabular, consisting of rows and columns of information.</a:t>
             </a:r>
-            <a:endParaRPr lang="en-US" dirty="0"/>
+          </a:p>
+          <a:p>
+            <a:r>
+              <a:rPr lang="en-US" altLang="zh-CN" dirty="0" smtClean="0"/>
+              <a:t>A number of database architectures exist. Many databases use a combination of strategies.</a:t>
+            </a:r>
           </a:p>
         </p:txBody>
       </p:sp>
@@ -31318,7 +31629,12 @@
             <p:ph type="title"/>
           </p:nvPr>
         </p:nvSpPr>
-        <p:spPr/>
+        <p:spPr>
+          <a:xfrm>
+            <a:off x="-76200" y="274638"/>
+            <a:ext cx="8382000" cy="1143000"/>
+          </a:xfrm>
+        </p:spPr>
         <p:txBody>
           <a:bodyPr>
             <a:normAutofit fontScale="90000"/>
@@ -31338,7 +31654,7 @@
             </a:r>
             <a:r>
               <a:rPr lang="en-US" altLang="zh-CN" dirty="0" smtClean="0"/>
-              <a:t>What Database is”</a:t>
+              <a:t>What Database does in the project”</a:t>
             </a:r>
             <a:endParaRPr lang="en-US" dirty="0"/>
           </a:p>
@@ -31356,38 +31672,33 @@
         </p:nvSpPr>
         <p:spPr>
           <a:xfrm>
-            <a:off x="381000" y="1646237"/>
-            <a:ext cx="8610600" cy="4525963"/>
+            <a:off x="457200" y="1798637"/>
+            <a:ext cx="8229600" cy="4525963"/>
           </a:xfrm>
         </p:spPr>
         <p:txBody>
           <a:bodyPr>
-            <a:normAutofit fontScale="92500"/>
+            <a:normAutofit/>
           </a:bodyPr>
           <a:lstStyle/>
           <a:p>
             <a:r>
               <a:rPr lang="en-US" altLang="zh-CN" dirty="0" smtClean="0"/>
-              <a:t>Databases consist of software-based "containers" that are structured to collect and store information.</a:t>
+              <a:t>The game database contains all of data records</a:t>
             </a:r>
           </a:p>
           <a:p>
             <a:r>
               <a:rPr lang="en-US" altLang="zh-CN" dirty="0" smtClean="0"/>
-              <a:t>Database programs are designed for users so that they can retrieve, add, update or remove information.</a:t>
+              <a:t>Tables collection of the names, parameters, status of all game units, and the game contents such as maps.</a:t>
             </a:r>
           </a:p>
           <a:p>
             <a:r>
               <a:rPr lang="en-US" altLang="zh-CN" dirty="0" smtClean="0"/>
-              <a:t>The structure of a database is tabular, consisting of rows and columns of information.</a:t>
+              <a:t>The data is retrieved and overwritten for synchronous/ asynchronous backup.</a:t>
             </a:r>
-          </a:p>
-          <a:p>
-            <a:r>
-              <a:rPr lang="en-US" altLang="zh-CN" dirty="0" smtClean="0"/>
-              <a:t>A number of database architectures exist. Many databases use a combination of strategies.</a:t>
-            </a:r>
+            <a:endParaRPr lang="zh-CN" altLang="zh-CN" dirty="0" smtClean="0"/>
           </a:p>
         </p:txBody>
       </p:sp>
@@ -31483,7 +31794,7 @@
         </p:nvSpPr>
         <p:spPr>
           <a:xfrm>
-            <a:off x="-76200" y="274638"/>
+            <a:off x="228600" y="274638"/>
             <a:ext cx="8382000" cy="1143000"/>
           </a:xfrm>
         </p:spPr>
@@ -31506,51 +31817,9 @@
             </a:r>
             <a:r>
               <a:rPr lang="en-US" altLang="zh-CN" dirty="0" smtClean="0"/>
-              <a:t>What Database does in the project”</a:t>
+              <a:t>How Database works”</a:t>
             </a:r>
             <a:endParaRPr lang="en-US" dirty="0"/>
-          </a:p>
-        </p:txBody>
-      </p:sp>
-      <p:sp>
-        <p:nvSpPr>
-          <p:cNvPr id="3" name="Content Placeholder 2"/>
-          <p:cNvSpPr>
-            <a:spLocks noGrp="1"/>
-          </p:cNvSpPr>
-          <p:nvPr>
-            <p:ph idx="1"/>
-          </p:nvPr>
-        </p:nvSpPr>
-        <p:spPr>
-          <a:xfrm>
-            <a:off x="457200" y="1798637"/>
-            <a:ext cx="8229600" cy="4525963"/>
-          </a:xfrm>
-        </p:spPr>
-        <p:txBody>
-          <a:bodyPr>
-            <a:normAutofit/>
-          </a:bodyPr>
-          <a:lstStyle/>
-          <a:p>
-            <a:r>
-              <a:rPr lang="en-US" altLang="zh-CN" dirty="0" smtClean="0"/>
-              <a:t>The game database contains all of data records</a:t>
-            </a:r>
-          </a:p>
-          <a:p>
-            <a:r>
-              <a:rPr lang="en-US" altLang="zh-CN" dirty="0" smtClean="0"/>
-              <a:t>Tables collection of the names, parameters, status of all game units, and the game contents such as maps.</a:t>
-            </a:r>
-          </a:p>
-          <a:p>
-            <a:r>
-              <a:rPr lang="en-US" altLang="zh-CN" dirty="0" smtClean="0"/>
-              <a:t>The data is retrieved and overwritten for synchronous/ asynchronous backup.</a:t>
-            </a:r>
-            <a:endParaRPr lang="zh-CN" altLang="zh-CN" dirty="0" smtClean="0"/>
           </a:p>
         </p:txBody>
       </p:sp>
@@ -31573,127 +31842,6 @@
               <a:rPr lang="en-US" smtClean="0"/>
               <a:pPr/>
               <a:t>44</a:t>
-            </a:fld>
-            <a:endParaRPr lang="en-US" dirty="0"/>
-          </a:p>
-        </p:txBody>
-      </p:sp>
-      <p:pic>
-        <p:nvPicPr>
-          <p:cNvPr id="4" name="Picture 3" descr="logo.jpg"/>
-          <p:cNvPicPr>
-            <a:picLocks noChangeAspect="1"/>
-          </p:cNvPicPr>
-          <p:nvPr/>
-        </p:nvPicPr>
-        <p:blipFill>
-          <a:blip r:embed="rId2" cstate="print"/>
-          <a:stretch>
-            <a:fillRect/>
-          </a:stretch>
-        </p:blipFill>
-        <p:spPr>
-          <a:xfrm>
-            <a:off x="7956253" y="0"/>
-            <a:ext cx="1187747" cy="1328738"/>
-          </a:xfrm>
-          <a:prstGeom prst="rect">
-            <a:avLst/>
-          </a:prstGeom>
-        </p:spPr>
-      </p:pic>
-    </p:spTree>
-  </p:cSld>
-  <p:clrMapOvr>
-    <a:masterClrMapping/>
-  </p:clrMapOvr>
-  <p:timing>
-    <p:tnLst>
-      <p:par>
-        <p:cTn id="1" dur="indefinite" restart="never" nodeType="tmRoot"/>
-      </p:par>
-    </p:tnLst>
-  </p:timing>
-</p:sld>
-</file>
-
-<file path=ppt/slides/slide45.xml><?xml version="1.0" encoding="utf-8"?>
-<p:sld xmlns:a="http://schemas.openxmlformats.org/drawingml/2006/main" xmlns:r="http://schemas.openxmlformats.org/officeDocument/2006/relationships" xmlns:p="http://schemas.openxmlformats.org/presentationml/2006/main">
-  <p:cSld>
-    <p:spTree>
-      <p:nvGrpSpPr>
-        <p:cNvPr id="1" name=""/>
-        <p:cNvGrpSpPr/>
-        <p:nvPr/>
-      </p:nvGrpSpPr>
-      <p:grpSpPr>
-        <a:xfrm>
-          <a:off x="0" y="0"/>
-          <a:ext cx="0" cy="0"/>
-          <a:chOff x="0" y="0"/>
-          <a:chExt cx="0" cy="0"/>
-        </a:xfrm>
-      </p:grpSpPr>
-      <p:sp>
-        <p:nvSpPr>
-          <p:cNvPr id="2" name="Title 1"/>
-          <p:cNvSpPr>
-            <a:spLocks noGrp="1"/>
-          </p:cNvSpPr>
-          <p:nvPr>
-            <p:ph type="title"/>
-          </p:nvPr>
-        </p:nvSpPr>
-        <p:spPr>
-          <a:xfrm>
-            <a:off x="228600" y="274638"/>
-            <a:ext cx="8382000" cy="1143000"/>
-          </a:xfrm>
-        </p:spPr>
-        <p:txBody>
-          <a:bodyPr>
-            <a:normAutofit fontScale="90000"/>
-          </a:bodyPr>
-          <a:lstStyle/>
-          <a:p>
-            <a:r>
-              <a:rPr lang="en-US" dirty="0" smtClean="0"/>
-              <a:t>Database</a:t>
-            </a:r>
-            <a:br>
-              <a:rPr lang="en-US" dirty="0" smtClean="0"/>
-            </a:br>
-            <a:r>
-              <a:rPr lang="en-US" dirty="0" smtClean="0"/>
-              <a:t>“</a:t>
-            </a:r>
-            <a:r>
-              <a:rPr lang="en-US" altLang="zh-CN" dirty="0" smtClean="0"/>
-              <a:t>How Database works”</a:t>
-            </a:r>
-            <a:endParaRPr lang="en-US" dirty="0"/>
-          </a:p>
-        </p:txBody>
-      </p:sp>
-      <p:sp>
-        <p:nvSpPr>
-          <p:cNvPr id="5" name="Slide Number Placeholder 4"/>
-          <p:cNvSpPr>
-            <a:spLocks noGrp="1"/>
-          </p:cNvSpPr>
-          <p:nvPr>
-            <p:ph type="sldNum" sz="quarter" idx="12"/>
-          </p:nvPr>
-        </p:nvSpPr>
-        <p:spPr/>
-        <p:txBody>
-          <a:bodyPr/>
-          <a:lstStyle/>
-          <a:p>
-            <a:fld id="{B6F15528-21DE-4FAA-801E-634DDDAF4B2B}" type="slidenum">
-              <a:rPr lang="en-US" smtClean="0"/>
-              <a:pPr/>
-              <a:t>45</a:t>
             </a:fld>
             <a:endParaRPr lang="en-US" dirty="0"/>
           </a:p>
@@ -31770,7 +31918,7 @@
 </p:sld>
 </file>
 
-<file path=ppt/slides/slide46.xml><?xml version="1.0" encoding="utf-8"?>
+<file path=ppt/slides/slide45.xml><?xml version="1.0" encoding="utf-8"?>
 <p:sld xmlns:a="http://schemas.openxmlformats.org/drawingml/2006/main" xmlns:r="http://schemas.openxmlformats.org/officeDocument/2006/relationships" xmlns:p="http://schemas.openxmlformats.org/presentationml/2006/main">
   <p:cSld>
     <p:spTree>
@@ -31891,7 +32039,7 @@
             <a:fld id="{B6F15528-21DE-4FAA-801E-634DDDAF4B2B}" type="slidenum">
               <a:rPr lang="en-US" smtClean="0"/>
               <a:pPr/>
-              <a:t>46</a:t>
+              <a:t>45</a:t>
             </a:fld>
             <a:endParaRPr lang="en-US" dirty="0"/>
           </a:p>
@@ -32483,7 +32631,7 @@
 </p:sld>
 </file>
 
-<file path=ppt/slides/slide47.xml><?xml version="1.0" encoding="utf-8"?>
+<file path=ppt/slides/slide46.xml><?xml version="1.0" encoding="utf-8"?>
 <p:sld xmlns:a="http://schemas.openxmlformats.org/drawingml/2006/main" xmlns:r="http://schemas.openxmlformats.org/officeDocument/2006/relationships" xmlns:p="http://schemas.openxmlformats.org/presentationml/2006/main">
   <p:cSld>
     <p:spTree>
@@ -32573,6 +32721,128 @@
               <a:rPr lang="en-US" altLang="zh-CN" dirty="0" smtClean="0"/>
               <a:t>Database is useful for Storage and Retrieval of map and unit Data.</a:t>
             </a:r>
+          </a:p>
+        </p:txBody>
+      </p:sp>
+      <p:sp>
+        <p:nvSpPr>
+          <p:cNvPr id="5" name="Slide Number Placeholder 4"/>
+          <p:cNvSpPr>
+            <a:spLocks noGrp="1"/>
+          </p:cNvSpPr>
+          <p:nvPr>
+            <p:ph type="sldNum" sz="quarter" idx="12"/>
+          </p:nvPr>
+        </p:nvSpPr>
+        <p:spPr/>
+        <p:txBody>
+          <a:bodyPr/>
+          <a:lstStyle/>
+          <a:p>
+            <a:fld id="{B6F15528-21DE-4FAA-801E-634DDDAF4B2B}" type="slidenum">
+              <a:rPr lang="en-US" smtClean="0"/>
+              <a:pPr/>
+              <a:t>46</a:t>
+            </a:fld>
+            <a:endParaRPr lang="en-US" dirty="0"/>
+          </a:p>
+        </p:txBody>
+      </p:sp>
+      <p:pic>
+        <p:nvPicPr>
+          <p:cNvPr id="4" name="Picture 3" descr="logo.jpg"/>
+          <p:cNvPicPr>
+            <a:picLocks noChangeAspect="1"/>
+          </p:cNvPicPr>
+          <p:nvPr/>
+        </p:nvPicPr>
+        <p:blipFill>
+          <a:blip r:embed="rId2" cstate="print"/>
+          <a:stretch>
+            <a:fillRect/>
+          </a:stretch>
+        </p:blipFill>
+        <p:spPr>
+          <a:xfrm>
+            <a:off x="7956253" y="0"/>
+            <a:ext cx="1187747" cy="1328738"/>
+          </a:xfrm>
+          <a:prstGeom prst="rect">
+            <a:avLst/>
+          </a:prstGeom>
+        </p:spPr>
+      </p:pic>
+    </p:spTree>
+  </p:cSld>
+  <p:clrMapOvr>
+    <a:masterClrMapping/>
+  </p:clrMapOvr>
+  <p:timing>
+    <p:tnLst>
+      <p:par>
+        <p:cTn id="1" dur="indefinite" restart="never" nodeType="tmRoot"/>
+      </p:par>
+    </p:tnLst>
+  </p:timing>
+</p:sld>
+</file>
+
+<file path=ppt/slides/slide47.xml><?xml version="1.0" encoding="utf-8"?>
+<p:sld xmlns:a="http://schemas.openxmlformats.org/drawingml/2006/main" xmlns:r="http://schemas.openxmlformats.org/officeDocument/2006/relationships" xmlns:p="http://schemas.openxmlformats.org/presentationml/2006/main">
+  <p:cSld>
+    <p:spTree>
+      <p:nvGrpSpPr>
+        <p:cNvPr id="1" name=""/>
+        <p:cNvGrpSpPr/>
+        <p:nvPr/>
+      </p:nvGrpSpPr>
+      <p:grpSpPr>
+        <a:xfrm>
+          <a:off x="0" y="0"/>
+          <a:ext cx="0" cy="0"/>
+          <a:chOff x="0" y="0"/>
+          <a:chExt cx="0" cy="0"/>
+        </a:xfrm>
+      </p:grpSpPr>
+      <p:sp>
+        <p:nvSpPr>
+          <p:cNvPr id="2" name="Title 1"/>
+          <p:cNvSpPr>
+            <a:spLocks noGrp="1"/>
+          </p:cNvSpPr>
+          <p:nvPr>
+            <p:ph type="title"/>
+          </p:nvPr>
+        </p:nvSpPr>
+        <p:spPr/>
+        <p:txBody>
+          <a:bodyPr/>
+          <a:lstStyle/>
+          <a:p>
+            <a:r>
+              <a:rPr lang="en-US" dirty="0" smtClean="0"/>
+              <a:t>Summary </a:t>
+            </a:r>
+            <a:endParaRPr lang="en-US" dirty="0"/>
+          </a:p>
+        </p:txBody>
+      </p:sp>
+      <p:sp>
+        <p:nvSpPr>
+          <p:cNvPr id="3" name="Content Placeholder 2"/>
+          <p:cNvSpPr>
+            <a:spLocks noGrp="1"/>
+          </p:cNvSpPr>
+          <p:nvPr>
+            <p:ph idx="1"/>
+          </p:nvPr>
+        </p:nvSpPr>
+        <p:spPr/>
+        <p:txBody>
+          <a:bodyPr/>
+          <a:lstStyle/>
+          <a:p>
+            <a:endParaRPr lang="en-US" dirty="0"/>
           </a:p>
         </p:txBody>
       </p:sp>
@@ -32673,7 +32943,7 @@
           <a:p>
             <a:r>
               <a:rPr lang="en-US" dirty="0" smtClean="0"/>
-              <a:t>Summary </a:t>
+              <a:t>Conclusion</a:t>
             </a:r>
             <a:endParaRPr lang="en-US" dirty="0"/>
           </a:p>
@@ -32694,7 +32964,22 @@
           <a:bodyPr/>
           <a:lstStyle/>
           <a:p>
-            <a:endParaRPr lang="en-US" dirty="0"/>
+            <a:r>
+              <a:rPr lang="en-US" dirty="0" smtClean="0"/>
+              <a:t>Conclude this presentation</a:t>
+            </a:r>
+          </a:p>
+          <a:p>
+            <a:r>
+              <a:rPr lang="en-US" dirty="0" smtClean="0"/>
+              <a:t>Told you about our awesome game </a:t>
+            </a:r>
+          </a:p>
+          <a:p>
+            <a:r>
+              <a:rPr lang="en-US" dirty="0" smtClean="0"/>
+              <a:t>Pre-orders available</a:t>
+            </a:r>
           </a:p>
         </p:txBody>
       </p:sp>
@@ -32751,13 +33036,6 @@
   <p:clrMapOvr>
     <a:masterClrMapping/>
   </p:clrMapOvr>
-  <p:timing>
-    <p:tnLst>
-      <p:par>
-        <p:cTn id="1" dur="indefinite" restart="never" nodeType="tmRoot"/>
-      </p:par>
-    </p:tnLst>
-  </p:timing>
 </p:sld>
 </file>
 
@@ -32795,43 +33073,9 @@
           <a:p>
             <a:r>
               <a:rPr lang="en-US" dirty="0" smtClean="0"/>
-              <a:t>Conclusion</a:t>
+              <a:t>Questions?</a:t>
             </a:r>
             <a:endParaRPr lang="en-US" dirty="0"/>
-          </a:p>
-        </p:txBody>
-      </p:sp>
-      <p:sp>
-        <p:nvSpPr>
-          <p:cNvPr id="3" name="Content Placeholder 2"/>
-          <p:cNvSpPr>
-            <a:spLocks noGrp="1"/>
-          </p:cNvSpPr>
-          <p:nvPr>
-            <p:ph idx="1"/>
-          </p:nvPr>
-        </p:nvSpPr>
-        <p:spPr/>
-        <p:txBody>
-          <a:bodyPr/>
-          <a:lstStyle/>
-          <a:p>
-            <a:r>
-              <a:rPr lang="en-US" dirty="0" smtClean="0"/>
-              <a:t>Conclude this presentation</a:t>
-            </a:r>
-          </a:p>
-          <a:p>
-            <a:r>
-              <a:rPr lang="en-US" dirty="0" smtClean="0"/>
-              <a:t>Told you about our awesome game </a:t>
-            </a:r>
-          </a:p>
-          <a:p>
-            <a:r>
-              <a:rPr lang="en-US" dirty="0" smtClean="0"/>
-              <a:t>Pre-orders available</a:t>
-            </a:r>
           </a:p>
         </p:txBody>
       </p:sp>
@@ -33095,102 +33339,6 @@
       </p:par>
     </p:tnLst>
   </p:timing>
-</p:sld>
-</file>
-
-<file path=ppt/slides/slide50.xml><?xml version="1.0" encoding="utf-8"?>
-<p:sld xmlns:a="http://schemas.openxmlformats.org/drawingml/2006/main" xmlns:r="http://schemas.openxmlformats.org/officeDocument/2006/relationships" xmlns:p="http://schemas.openxmlformats.org/presentationml/2006/main">
-  <p:cSld>
-    <p:spTree>
-      <p:nvGrpSpPr>
-        <p:cNvPr id="1" name=""/>
-        <p:cNvGrpSpPr/>
-        <p:nvPr/>
-      </p:nvGrpSpPr>
-      <p:grpSpPr>
-        <a:xfrm>
-          <a:off x="0" y="0"/>
-          <a:ext cx="0" cy="0"/>
-          <a:chOff x="0" y="0"/>
-          <a:chExt cx="0" cy="0"/>
-        </a:xfrm>
-      </p:grpSpPr>
-      <p:sp>
-        <p:nvSpPr>
-          <p:cNvPr id="2" name="Title 1"/>
-          <p:cNvSpPr>
-            <a:spLocks noGrp="1"/>
-          </p:cNvSpPr>
-          <p:nvPr>
-            <p:ph type="title"/>
-          </p:nvPr>
-        </p:nvSpPr>
-        <p:spPr/>
-        <p:txBody>
-          <a:bodyPr/>
-          <a:lstStyle/>
-          <a:p>
-            <a:r>
-              <a:rPr lang="en-US" dirty="0" smtClean="0"/>
-              <a:t>Questions?</a:t>
-            </a:r>
-            <a:endParaRPr lang="en-US" dirty="0"/>
-          </a:p>
-        </p:txBody>
-      </p:sp>
-      <p:sp>
-        <p:nvSpPr>
-          <p:cNvPr id="5" name="Slide Number Placeholder 4"/>
-          <p:cNvSpPr>
-            <a:spLocks noGrp="1"/>
-          </p:cNvSpPr>
-          <p:nvPr>
-            <p:ph type="sldNum" sz="quarter" idx="12"/>
-          </p:nvPr>
-        </p:nvSpPr>
-        <p:spPr/>
-        <p:txBody>
-          <a:bodyPr/>
-          <a:lstStyle/>
-          <a:p>
-            <a:fld id="{B6F15528-21DE-4FAA-801E-634DDDAF4B2B}" type="slidenum">
-              <a:rPr lang="en-US" smtClean="0"/>
-              <a:pPr/>
-              <a:t>50</a:t>
-            </a:fld>
-            <a:endParaRPr lang="en-US" dirty="0"/>
-          </a:p>
-        </p:txBody>
-      </p:sp>
-      <p:pic>
-        <p:nvPicPr>
-          <p:cNvPr id="4" name="Picture 3" descr="logo.jpg"/>
-          <p:cNvPicPr>
-            <a:picLocks noChangeAspect="1"/>
-          </p:cNvPicPr>
-          <p:nvPr/>
-        </p:nvPicPr>
-        <p:blipFill>
-          <a:blip r:embed="rId2" cstate="print"/>
-          <a:stretch>
-            <a:fillRect/>
-          </a:stretch>
-        </p:blipFill>
-        <p:spPr>
-          <a:xfrm>
-            <a:off x="7956253" y="0"/>
-            <a:ext cx="1187747" cy="1328738"/>
-          </a:xfrm>
-          <a:prstGeom prst="rect">
-            <a:avLst/>
-          </a:prstGeom>
-        </p:spPr>
-      </p:pic>
-    </p:spTree>
-  </p:cSld>
-  <p:clrMapOvr>
-    <a:masterClrMapping/>
-  </p:clrMapOvr>
 </p:sld>
 </file>
 

--- a/trunk/Docs/DUEL REALITY .pptx
+++ b/trunk/Docs/DUEL REALITY .pptx
@@ -5,10 +5,10 @@
     <p:sldMasterId id="2147483660" r:id="rId1"/>
   </p:sldMasterIdLst>
   <p:notesMasterIdLst>
-    <p:notesMasterId r:id="rId51"/>
+    <p:notesMasterId r:id="rId53"/>
   </p:notesMasterIdLst>
   <p:handoutMasterIdLst>
-    <p:handoutMasterId r:id="rId52"/>
+    <p:handoutMasterId r:id="rId54"/>
   </p:handoutMasterIdLst>
   <p:sldIdLst>
     <p:sldId id="256" r:id="rId2"/>
@@ -33,33 +33,35 @@
     <p:sldId id="308" r:id="rId21"/>
     <p:sldId id="309" r:id="rId22"/>
     <p:sldId id="273" r:id="rId23"/>
-    <p:sldId id="305" r:id="rId24"/>
-    <p:sldId id="304" r:id="rId25"/>
-    <p:sldId id="274" r:id="rId26"/>
-    <p:sldId id="303" r:id="rId27"/>
-    <p:sldId id="302" r:id="rId28"/>
-    <p:sldId id="310" r:id="rId29"/>
-    <p:sldId id="311" r:id="rId30"/>
-    <p:sldId id="263" r:id="rId31"/>
-    <p:sldId id="276" r:id="rId32"/>
-    <p:sldId id="293" r:id="rId33"/>
-    <p:sldId id="277" r:id="rId34"/>
-    <p:sldId id="294" r:id="rId35"/>
-    <p:sldId id="297" r:id="rId36"/>
-    <p:sldId id="295" r:id="rId37"/>
-    <p:sldId id="296" r:id="rId38"/>
-    <p:sldId id="291" r:id="rId39"/>
-    <p:sldId id="278" r:id="rId40"/>
-    <p:sldId id="264" r:id="rId41"/>
-    <p:sldId id="280" r:id="rId42"/>
-    <p:sldId id="281" r:id="rId43"/>
-    <p:sldId id="282" r:id="rId44"/>
-    <p:sldId id="283" r:id="rId45"/>
-    <p:sldId id="284" r:id="rId46"/>
-    <p:sldId id="285" r:id="rId47"/>
-    <p:sldId id="267" r:id="rId48"/>
-    <p:sldId id="268" r:id="rId49"/>
-    <p:sldId id="269" r:id="rId50"/>
+    <p:sldId id="313" r:id="rId24"/>
+    <p:sldId id="305" r:id="rId25"/>
+    <p:sldId id="304" r:id="rId26"/>
+    <p:sldId id="274" r:id="rId27"/>
+    <p:sldId id="303" r:id="rId28"/>
+    <p:sldId id="302" r:id="rId29"/>
+    <p:sldId id="310" r:id="rId30"/>
+    <p:sldId id="311" r:id="rId31"/>
+    <p:sldId id="314" r:id="rId32"/>
+    <p:sldId id="263" r:id="rId33"/>
+    <p:sldId id="276" r:id="rId34"/>
+    <p:sldId id="293" r:id="rId35"/>
+    <p:sldId id="277" r:id="rId36"/>
+    <p:sldId id="294" r:id="rId37"/>
+    <p:sldId id="297" r:id="rId38"/>
+    <p:sldId id="295" r:id="rId39"/>
+    <p:sldId id="296" r:id="rId40"/>
+    <p:sldId id="291" r:id="rId41"/>
+    <p:sldId id="278" r:id="rId42"/>
+    <p:sldId id="264" r:id="rId43"/>
+    <p:sldId id="280" r:id="rId44"/>
+    <p:sldId id="281" r:id="rId45"/>
+    <p:sldId id="282" r:id="rId46"/>
+    <p:sldId id="283" r:id="rId47"/>
+    <p:sldId id="284" r:id="rId48"/>
+    <p:sldId id="285" r:id="rId49"/>
+    <p:sldId id="267" r:id="rId50"/>
+    <p:sldId id="268" r:id="rId51"/>
+    <p:sldId id="269" r:id="rId52"/>
   </p:sldIdLst>
   <p:sldSz cx="9144000" cy="6858000" type="screen4x3"/>
   <p:notesSz cx="7315200" cy="9601200"/>
@@ -740,7 +742,7 @@
             <a:fld id="{8960281A-6CED-46DD-8591-9D9821CD1C06}" type="slidenum">
               <a:rPr lang="en-US" smtClean="0"/>
               <a:pPr/>
-              <a:t>27</a:t>
+              <a:t>28</a:t>
             </a:fld>
             <a:endParaRPr lang="en-US" dirty="0"/>
           </a:p>
@@ -7308,7 +7310,7 @@
         </p:spPr>
         <p:txBody>
           <a:bodyPr>
-            <a:normAutofit lnSpcReduction="10000"/>
+            <a:normAutofit fontScale="92500" lnSpcReduction="20000"/>
           </a:bodyPr>
           <a:lstStyle/>
           <a:p>
@@ -7324,6 +7326,21 @@
             </a:r>
           </a:p>
           <a:p>
+            <a:pPr lvl="1"/>
+            <a:r>
+              <a:rPr lang="en-US" dirty="0" smtClean="0"/>
+              <a:t>Module Interactions</a:t>
+            </a:r>
+          </a:p>
+          <a:p>
+            <a:pPr lvl="1"/>
+            <a:r>
+              <a:rPr lang="en-US" dirty="0" smtClean="0"/>
+              <a:t>Application Interaction Items</a:t>
+            </a:r>
+            <a:endParaRPr lang="en-US" dirty="0" smtClean="0"/>
+          </a:p>
+          <a:p>
             <a:r>
               <a:rPr lang="en-US" dirty="0" smtClean="0"/>
               <a:t>Implementation</a:t>
@@ -7342,7 +7359,6 @@
               <a:rPr lang="en-US" dirty="0" smtClean="0"/>
               <a:t>Class Diagrams</a:t>
             </a:r>
-            <a:endParaRPr lang="en-US" dirty="0" smtClean="0"/>
           </a:p>
           <a:p>
             <a:pPr lvl="1"/>
@@ -7369,7 +7385,6 @@
               <a:rPr lang="en-US" dirty="0" smtClean="0"/>
               <a:t> Classes</a:t>
             </a:r>
-            <a:endParaRPr lang="en-US" dirty="0" smtClean="0"/>
           </a:p>
           <a:p>
             <a:pPr lvl="1"/>
@@ -7386,8 +7401,8 @@
           </a:p>
           <a:p>
             <a:r>
-              <a:rPr lang="en-US" dirty="0" smtClean="0"/>
-              <a:t>Conclusion</a:t>
+              <a:rPr lang="en-US" smtClean="0"/>
+              <a:t>Summary</a:t>
             </a:r>
             <a:endParaRPr lang="en-US" dirty="0"/>
           </a:p>
@@ -7575,7 +7590,15 @@
           <a:p>
             <a:r>
               <a:rPr lang="en-US" dirty="0" smtClean="0"/>
-              <a:t>Provide the framework for the user interaction with the application</a:t>
+              <a:t>Provide the framework for </a:t>
+            </a:r>
+            <a:r>
+              <a:rPr lang="en-US" dirty="0" smtClean="0"/>
+              <a:t>user </a:t>
+            </a:r>
+            <a:r>
+              <a:rPr lang="en-US" dirty="0" smtClean="0"/>
+              <a:t>interaction with the application</a:t>
             </a:r>
           </a:p>
         </p:txBody>
@@ -7879,7 +7902,15 @@
           <a:p>
             <a:r>
               <a:rPr lang="en-US" dirty="0" smtClean="0"/>
-              <a:t>Provide the ability for the user to choose desired settings</a:t>
+              <a:t>Provide the ability for </a:t>
+            </a:r>
+            <a:r>
+              <a:rPr lang="en-US" dirty="0" smtClean="0"/>
+              <a:t>user </a:t>
+            </a:r>
+            <a:r>
+              <a:rPr lang="en-US" dirty="0" smtClean="0"/>
+              <a:t>to choose desired settings</a:t>
             </a:r>
           </a:p>
         </p:txBody>
@@ -8097,7 +8128,7 @@
             </a:br>
             <a:r>
               <a:rPr lang="en-US" sz="2700" dirty="0" smtClean="0"/>
-              <a:t>Architecture</a:t>
+              <a:t>Architecture: Module Interactions</a:t>
             </a:r>
             <a:endParaRPr lang="en-US" sz="2700" dirty="0"/>
           </a:p>
@@ -8917,6 +8948,215 @@
 </file>
 
 <file path=ppt/slides/slide23.xml><?xml version="1.0" encoding="utf-8"?>
+<p:sld xmlns:a="http://schemas.openxmlformats.org/drawingml/2006/main" xmlns:r="http://schemas.openxmlformats.org/officeDocument/2006/relationships" xmlns:p="http://schemas.openxmlformats.org/presentationml/2006/main">
+  <p:cSld>
+    <p:spTree>
+      <p:nvGrpSpPr>
+        <p:cNvPr id="1" name=""/>
+        <p:cNvGrpSpPr/>
+        <p:nvPr/>
+      </p:nvGrpSpPr>
+      <p:grpSpPr>
+        <a:xfrm>
+          <a:off x="0" y="0"/>
+          <a:ext cx="0" cy="0"/>
+          <a:chOff x="0" y="0"/>
+          <a:chExt cx="0" cy="0"/>
+        </a:xfrm>
+      </p:grpSpPr>
+      <p:sp>
+        <p:nvSpPr>
+          <p:cNvPr id="2" name="Title 1"/>
+          <p:cNvSpPr>
+            <a:spLocks noGrp="1"/>
+          </p:cNvSpPr>
+          <p:nvPr>
+            <p:ph type="title"/>
+          </p:nvPr>
+        </p:nvSpPr>
+        <p:spPr/>
+        <p:txBody>
+          <a:bodyPr/>
+          <a:lstStyle/>
+          <a:p>
+            <a:r>
+              <a:rPr lang="en-US" dirty="0" smtClean="0"/>
+              <a:t>User Interface Module</a:t>
+            </a:r>
+            <a:br>
+              <a:rPr lang="en-US" dirty="0" smtClean="0"/>
+            </a:br>
+            <a:r>
+              <a:rPr lang="en-US" sz="2500" dirty="0" smtClean="0"/>
+              <a:t>Architecture: Application Interaction Items</a:t>
+            </a:r>
+            <a:endParaRPr lang="en-US" sz="2500" dirty="0"/>
+          </a:p>
+        </p:txBody>
+      </p:sp>
+      <p:sp>
+        <p:nvSpPr>
+          <p:cNvPr id="4" name="Slide Number Placeholder 3"/>
+          <p:cNvSpPr>
+            <a:spLocks noGrp="1"/>
+          </p:cNvSpPr>
+          <p:nvPr>
+            <p:ph type="sldNum" sz="quarter" idx="12"/>
+          </p:nvPr>
+        </p:nvSpPr>
+        <p:spPr/>
+        <p:txBody>
+          <a:bodyPr/>
+          <a:lstStyle/>
+          <a:p>
+            <a:fld id="{B6F15528-21DE-4FAA-801E-634DDDAF4B2B}" type="slidenum">
+              <a:rPr lang="en-US" smtClean="0"/>
+              <a:pPr/>
+              <a:t>23</a:t>
+            </a:fld>
+            <a:endParaRPr lang="en-US" dirty="0"/>
+          </a:p>
+        </p:txBody>
+      </p:sp>
+      <p:sp>
+        <p:nvSpPr>
+          <p:cNvPr id="5" name="Content Placeholder 2"/>
+          <p:cNvSpPr>
+            <a:spLocks noGrp="1"/>
+          </p:cNvSpPr>
+          <p:nvPr>
+            <p:ph idx="1"/>
+          </p:nvPr>
+        </p:nvSpPr>
+        <p:spPr>
+          <a:xfrm>
+            <a:off x="457200" y="1775191"/>
+            <a:ext cx="8229600" cy="4625609"/>
+          </a:xfrm>
+        </p:spPr>
+        <p:txBody>
+          <a:bodyPr>
+            <a:normAutofit fontScale="92500" lnSpcReduction="20000"/>
+          </a:bodyPr>
+          <a:lstStyle/>
+          <a:p>
+            <a:r>
+              <a:rPr lang="en-US" dirty="0" smtClean="0"/>
+              <a:t>Menu Items</a:t>
+            </a:r>
+          </a:p>
+          <a:p>
+            <a:pPr lvl="1"/>
+            <a:r>
+              <a:rPr lang="en-US" dirty="0" smtClean="0">
+                <a:solidFill>
+                  <a:srgbClr val="0070C0"/>
+                </a:solidFill>
+              </a:rPr>
+              <a:t>New Game</a:t>
+            </a:r>
+          </a:p>
+          <a:p>
+            <a:pPr lvl="1"/>
+            <a:r>
+              <a:rPr lang="en-US" dirty="0" smtClean="0">
+                <a:solidFill>
+                  <a:srgbClr val="0070C0"/>
+                </a:solidFill>
+              </a:rPr>
+              <a:t>Load Game</a:t>
+            </a:r>
+          </a:p>
+          <a:p>
+            <a:pPr lvl="1"/>
+            <a:r>
+              <a:rPr lang="en-US" dirty="0" smtClean="0">
+                <a:solidFill>
+                  <a:srgbClr val="0070C0"/>
+                </a:solidFill>
+              </a:rPr>
+              <a:t>Save Game</a:t>
+            </a:r>
+          </a:p>
+          <a:p>
+            <a:pPr lvl="1"/>
+            <a:r>
+              <a:rPr lang="en-US" dirty="0" smtClean="0">
+                <a:solidFill>
+                  <a:srgbClr val="00B050"/>
+                </a:solidFill>
+              </a:rPr>
+              <a:t>Restart Game</a:t>
+            </a:r>
+          </a:p>
+          <a:p>
+            <a:pPr lvl="1"/>
+            <a:r>
+              <a:rPr lang="en-US" dirty="0" smtClean="0">
+                <a:solidFill>
+                  <a:srgbClr val="00B050"/>
+                </a:solidFill>
+              </a:rPr>
+              <a:t>Quit Game</a:t>
+            </a:r>
+          </a:p>
+          <a:p>
+            <a:r>
+              <a:rPr lang="en-US" dirty="0" smtClean="0"/>
+              <a:t>Toolbar Items</a:t>
+            </a:r>
+          </a:p>
+          <a:p>
+            <a:pPr lvl="1"/>
+            <a:r>
+              <a:rPr lang="en-US" dirty="0" smtClean="0">
+                <a:solidFill>
+                  <a:srgbClr val="00B050"/>
+                </a:solidFill>
+              </a:rPr>
+              <a:t>Attack</a:t>
+            </a:r>
+          </a:p>
+          <a:p>
+            <a:pPr lvl="1"/>
+            <a:r>
+              <a:rPr lang="en-US" dirty="0" smtClean="0">
+                <a:solidFill>
+                  <a:srgbClr val="00B050"/>
+                </a:solidFill>
+              </a:rPr>
+              <a:t>Move</a:t>
+            </a:r>
+          </a:p>
+          <a:p>
+            <a:pPr lvl="1"/>
+            <a:r>
+              <a:rPr lang="en-US" dirty="0" smtClean="0">
+                <a:solidFill>
+                  <a:srgbClr val="00B050"/>
+                </a:solidFill>
+              </a:rPr>
+              <a:t>End Turn</a:t>
+            </a:r>
+          </a:p>
+          <a:p>
+            <a:r>
+              <a:rPr lang="en-US" dirty="0" smtClean="0"/>
+              <a:t>Status Bar Items</a:t>
+            </a:r>
+            <a:endParaRPr lang="en-US" dirty="0"/>
+          </a:p>
+        </p:txBody>
+      </p:sp>
+    </p:spTree>
+  </p:cSld>
+  <p:clrMapOvr>
+    <a:masterClrMapping/>
+  </p:clrMapOvr>
+</p:sld>
+</file>
+
+<file path=ppt/slides/slide24.xml><?xml version="1.0" encoding="utf-8"?>
 <p:sld xmlns:a="http://schemas.openxmlformats.org/drawingml/2006/main" xmlns:r="http://schemas.openxmlformats.org/officeDocument/2006/relationships" xmlns:p="http://schemas.openxmlformats.org/presentationml/2006/main">
   <p:cSld>
     <p:spTree>
@@ -9205,121 +9445,12 @@
             <a:fld id="{B6F15528-21DE-4FAA-801E-634DDDAF4B2B}" type="slidenum">
               <a:rPr lang="en-US" smtClean="0"/>
               <a:pPr/>
-              <a:t>23</a:t>
-            </a:fld>
-            <a:endParaRPr lang="en-US" dirty="0"/>
-          </a:p>
-        </p:txBody>
-      </p:sp>
-    </p:spTree>
-  </p:cSld>
-  <p:clrMapOvr>
-    <a:masterClrMapping/>
-  </p:clrMapOvr>
-</p:sld>
-</file>
-
-<file path=ppt/slides/slide24.xml><?xml version="1.0" encoding="utf-8"?>
-<p:sld xmlns:a="http://schemas.openxmlformats.org/drawingml/2006/main" xmlns:r="http://schemas.openxmlformats.org/officeDocument/2006/relationships" xmlns:p="http://schemas.openxmlformats.org/presentationml/2006/main">
-  <p:cSld>
-    <p:spTree>
-      <p:nvGrpSpPr>
-        <p:cNvPr id="1" name=""/>
-        <p:cNvGrpSpPr/>
-        <p:nvPr/>
-      </p:nvGrpSpPr>
-      <p:grpSpPr>
-        <a:xfrm>
-          <a:off x="0" y="0"/>
-          <a:ext cx="0" cy="0"/>
-          <a:chOff x="0" y="0"/>
-          <a:chExt cx="0" cy="0"/>
-        </a:xfrm>
-      </p:grpSpPr>
-      <p:sp>
-        <p:nvSpPr>
-          <p:cNvPr id="2" name="Title 1"/>
-          <p:cNvSpPr>
-            <a:spLocks noGrp="1"/>
-          </p:cNvSpPr>
-          <p:nvPr>
-            <p:ph type="title"/>
-          </p:nvPr>
-        </p:nvSpPr>
-        <p:spPr/>
-        <p:txBody>
-          <a:bodyPr>
-            <a:normAutofit/>
-          </a:bodyPr>
-          <a:lstStyle/>
-          <a:p>
-            <a:r>
-              <a:rPr lang="en-US" dirty="0" smtClean="0"/>
-              <a:t>User Interface Module</a:t>
-            </a:r>
-            <a:br>
-              <a:rPr lang="en-US" dirty="0" smtClean="0"/>
-            </a:br>
-            <a:r>
-              <a:rPr lang="en-US" sz="2700" dirty="0" smtClean="0"/>
-              <a:t>Implementation: Class Diagra</a:t>
-            </a:r>
-            <a:r>
-              <a:rPr lang="en-US" sz="2700" dirty="0" smtClean="0"/>
-              <a:t>m</a:t>
-            </a:r>
-            <a:endParaRPr lang="en-US" sz="2700" dirty="0"/>
-          </a:p>
-        </p:txBody>
-      </p:sp>
-      <p:sp>
-        <p:nvSpPr>
-          <p:cNvPr id="4" name="Slide Number Placeholder 3"/>
-          <p:cNvSpPr>
-            <a:spLocks noGrp="1"/>
-          </p:cNvSpPr>
-          <p:nvPr>
-            <p:ph type="sldNum" sz="quarter" idx="12"/>
-          </p:nvPr>
-        </p:nvSpPr>
-        <p:spPr/>
-        <p:txBody>
-          <a:bodyPr/>
-          <a:lstStyle/>
-          <a:p>
-            <a:fld id="{B6F15528-21DE-4FAA-801E-634DDDAF4B2B}" type="slidenum">
-              <a:rPr lang="en-US" smtClean="0"/>
-              <a:pPr/>
               <a:t>24</a:t>
             </a:fld>
             <a:endParaRPr lang="en-US" dirty="0"/>
           </a:p>
         </p:txBody>
       </p:sp>
-      <p:pic>
-        <p:nvPicPr>
-          <p:cNvPr id="24" name="Picture 23" descr="umlDiagramsUI.png"/>
-          <p:cNvPicPr>
-            <a:picLocks noChangeAspect="1"/>
-          </p:cNvPicPr>
-          <p:nvPr/>
-        </p:nvPicPr>
-        <p:blipFill>
-          <a:blip r:embed="rId2" cstate="print"/>
-          <a:stretch>
-            <a:fillRect/>
-          </a:stretch>
-        </p:blipFill>
-        <p:spPr>
-          <a:xfrm>
-            <a:off x="990600" y="1905000"/>
-            <a:ext cx="6705600" cy="4527600"/>
-          </a:xfrm>
-          <a:prstGeom prst="rect">
-            <a:avLst/>
-          </a:prstGeom>
-        </p:spPr>
-      </p:pic>
     </p:spTree>
   </p:cSld>
   <p:clrMapOvr>
@@ -9364,15 +9495,112 @@
           <a:p>
             <a:r>
               <a:rPr lang="en-US" dirty="0" smtClean="0"/>
-              <a:t>User Interface </a:t>
-            </a:r>
-            <a:r>
+              <a:t>User Interface Module</a:t>
+            </a:r>
+            <a:br>
               <a:rPr lang="en-US" dirty="0" smtClean="0"/>
-              <a:t>Module</a:t>
-            </a:r>
+            </a:br>
+            <a:r>
+              <a:rPr lang="en-US" sz="2700" dirty="0" smtClean="0"/>
+              <a:t>Implementation: Class Diagram</a:t>
+            </a:r>
+            <a:endParaRPr lang="en-US" sz="2700" dirty="0"/>
+          </a:p>
+        </p:txBody>
+      </p:sp>
+      <p:sp>
+        <p:nvSpPr>
+          <p:cNvPr id="4" name="Slide Number Placeholder 3"/>
+          <p:cNvSpPr>
+            <a:spLocks noGrp="1"/>
+          </p:cNvSpPr>
+          <p:nvPr>
+            <p:ph type="sldNum" sz="quarter" idx="12"/>
+          </p:nvPr>
+        </p:nvSpPr>
+        <p:spPr/>
+        <p:txBody>
+          <a:bodyPr/>
+          <a:lstStyle/>
+          <a:p>
+            <a:fld id="{B6F15528-21DE-4FAA-801E-634DDDAF4B2B}" type="slidenum">
+              <a:rPr lang="en-US" smtClean="0"/>
+              <a:pPr/>
+              <a:t>25</a:t>
+            </a:fld>
+            <a:endParaRPr lang="en-US" dirty="0"/>
+          </a:p>
+        </p:txBody>
+      </p:sp>
+      <p:pic>
+        <p:nvPicPr>
+          <p:cNvPr id="24" name="Picture 23" descr="umlDiagramsUI.png"/>
+          <p:cNvPicPr>
+            <a:picLocks noChangeAspect="1"/>
+          </p:cNvPicPr>
+          <p:nvPr/>
+        </p:nvPicPr>
+        <p:blipFill>
+          <a:blip r:embed="rId2" cstate="print"/>
+          <a:stretch>
+            <a:fillRect/>
+          </a:stretch>
+        </p:blipFill>
+        <p:spPr>
+          <a:xfrm>
+            <a:off x="990600" y="1905000"/>
+            <a:ext cx="6705600" cy="4527600"/>
+          </a:xfrm>
+          <a:prstGeom prst="rect">
+            <a:avLst/>
+          </a:prstGeom>
+        </p:spPr>
+      </p:pic>
+    </p:spTree>
+  </p:cSld>
+  <p:clrMapOvr>
+    <a:masterClrMapping/>
+  </p:clrMapOvr>
+</p:sld>
+</file>
+
+<file path=ppt/slides/slide26.xml><?xml version="1.0" encoding="utf-8"?>
+<p:sld xmlns:a="http://schemas.openxmlformats.org/drawingml/2006/main" xmlns:r="http://schemas.openxmlformats.org/officeDocument/2006/relationships" xmlns:p="http://schemas.openxmlformats.org/presentationml/2006/main">
+  <p:cSld>
+    <p:spTree>
+      <p:nvGrpSpPr>
+        <p:cNvPr id="1" name=""/>
+        <p:cNvGrpSpPr/>
+        <p:nvPr/>
+      </p:nvGrpSpPr>
+      <p:grpSpPr>
+        <a:xfrm>
+          <a:off x="0" y="0"/>
+          <a:ext cx="0" cy="0"/>
+          <a:chOff x="0" y="0"/>
+          <a:chExt cx="0" cy="0"/>
+        </a:xfrm>
+      </p:grpSpPr>
+      <p:sp>
+        <p:nvSpPr>
+          <p:cNvPr id="2" name="Title 1"/>
+          <p:cNvSpPr>
+            <a:spLocks noGrp="1"/>
+          </p:cNvSpPr>
+          <p:nvPr>
+            <p:ph type="title"/>
+          </p:nvPr>
+        </p:nvSpPr>
+        <p:spPr/>
+        <p:txBody>
+          <a:bodyPr>
+            <a:normAutofit/>
+          </a:bodyPr>
+          <a:lstStyle/>
+          <a:p>
             <a:r>
               <a:rPr lang="en-US" dirty="0" smtClean="0"/>
-              <a:t/>
+              <a:t>User Interface Module</a:t>
             </a:r>
             <a:br>
               <a:rPr lang="en-US" dirty="0" smtClean="0"/>
@@ -9403,7 +9631,7 @@
             <a:fld id="{B6F15528-21DE-4FAA-801E-634DDDAF4B2B}" type="slidenum">
               <a:rPr lang="en-US" smtClean="0"/>
               <a:pPr/>
-              <a:t>25</a:t>
+              <a:t>26</a:t>
             </a:fld>
             <a:endParaRPr lang="en-US" dirty="0"/>
           </a:p>
@@ -9511,7 +9739,7 @@
 </p:sld>
 </file>
 
-<file path=ppt/slides/slide26.xml><?xml version="1.0" encoding="utf-8"?>
+<file path=ppt/slides/slide27.xml><?xml version="1.0" encoding="utf-8"?>
 <p:sld xmlns:a="http://schemas.openxmlformats.org/drawingml/2006/main" xmlns:r="http://schemas.openxmlformats.org/officeDocument/2006/relationships" xmlns:p="http://schemas.openxmlformats.org/presentationml/2006/main">
   <p:cSld>
     <p:spTree>
@@ -9558,11 +9786,7 @@
             </a:r>
             <a:r>
               <a:rPr lang="en-US" sz="2400" dirty="0" smtClean="0"/>
-              <a:t> </a:t>
-            </a:r>
-            <a:r>
-              <a:rPr lang="en-US" sz="2400" dirty="0" smtClean="0"/>
-              <a:t>and </a:t>
+              <a:t> and </a:t>
             </a:r>
             <a:r>
               <a:rPr lang="en-US" sz="2400" dirty="0" err="1" smtClean="0"/>
@@ -9590,7 +9814,7 @@
             <a:fld id="{B6F15528-21DE-4FAA-801E-634DDDAF4B2B}" type="slidenum">
               <a:rPr lang="en-US" smtClean="0"/>
               <a:pPr/>
-              <a:t>26</a:t>
+              <a:t>27</a:t>
             </a:fld>
             <a:endParaRPr lang="en-US" dirty="0"/>
           </a:p>
@@ -9872,7 +10096,7 @@
 </p:sld>
 </file>
 
-<file path=ppt/slides/slide27.xml><?xml version="1.0" encoding="utf-8"?>
+<file path=ppt/slides/slide28.xml><?xml version="1.0" encoding="utf-8"?>
 <p:sld xmlns:a="http://schemas.openxmlformats.org/drawingml/2006/main" xmlns:r="http://schemas.openxmlformats.org/officeDocument/2006/relationships" xmlns:p="http://schemas.openxmlformats.org/presentationml/2006/main">
   <p:cSld>
     <p:spTree>
@@ -9927,11 +10151,7 @@
             </a:r>
             <a:r>
               <a:rPr lang="en-US" sz="2700" dirty="0" smtClean="0"/>
-              <a:t>: New </a:t>
-            </a:r>
-            <a:r>
-              <a:rPr lang="en-US" sz="2700" dirty="0" smtClean="0"/>
-              <a:t>Game Dialog Traversal Paths</a:t>
+              <a:t>: New Game Dialog Traversal Paths</a:t>
             </a:r>
             <a:endParaRPr lang="en-US" sz="2700" dirty="0"/>
           </a:p>
@@ -9955,7 +10175,7 @@
             <a:fld id="{B6F15528-21DE-4FAA-801E-634DDDAF4B2B}" type="slidenum">
               <a:rPr lang="en-US" smtClean="0"/>
               <a:pPr/>
-              <a:t>27</a:t>
+              <a:t>28</a:t>
             </a:fld>
             <a:endParaRPr lang="en-US" dirty="0"/>
           </a:p>
@@ -10457,7 +10677,7 @@
 </p:sld>
 </file>
 
-<file path=ppt/slides/slide28.xml><?xml version="1.0" encoding="utf-8"?>
+<file path=ppt/slides/slide29.xml><?xml version="1.0" encoding="utf-8"?>
 <p:sld xmlns:a="http://schemas.openxmlformats.org/drawingml/2006/main" xmlns:r="http://schemas.openxmlformats.org/officeDocument/2006/relationships" xmlns:p="http://schemas.openxmlformats.org/presentationml/2006/main">
   <p:cSld>
     <p:spTree>
@@ -10543,7 +10763,6 @@
               <a:rPr lang="en-US" dirty="0" smtClean="0"/>
               <a:t>Perform data reads &amp; writes during new game dialogs</a:t>
             </a:r>
-            <a:endParaRPr lang="en-US" dirty="0" smtClean="0"/>
           </a:p>
           <a:p>
             <a:r>
@@ -10557,7 +10776,6 @@
               <a:rPr lang="en-US" dirty="0" smtClean="0"/>
               <a:t>Generate end turn signal</a:t>
             </a:r>
-            <a:endParaRPr lang="en-US" dirty="0" smtClean="0"/>
           </a:p>
           <a:p>
             <a:r>
@@ -10570,125 +10788,6 @@
             <a:r>
               <a:rPr lang="en-US" dirty="0" smtClean="0"/>
               <a:t>Generate battle over signal</a:t>
-            </a:r>
-          </a:p>
-        </p:txBody>
-      </p:sp>
-      <p:sp>
-        <p:nvSpPr>
-          <p:cNvPr id="4" name="Slide Number Placeholder 3"/>
-          <p:cNvSpPr>
-            <a:spLocks noGrp="1"/>
-          </p:cNvSpPr>
-          <p:nvPr>
-            <p:ph type="sldNum" sz="quarter" idx="12"/>
-          </p:nvPr>
-        </p:nvSpPr>
-        <p:spPr/>
-        <p:txBody>
-          <a:bodyPr/>
-          <a:lstStyle/>
-          <a:p>
-            <a:fld id="{B6F15528-21DE-4FAA-801E-634DDDAF4B2B}" type="slidenum">
-              <a:rPr lang="en-US" smtClean="0"/>
-              <a:pPr/>
-              <a:t>28</a:t>
-            </a:fld>
-            <a:endParaRPr lang="en-US" dirty="0"/>
-          </a:p>
-        </p:txBody>
-      </p:sp>
-    </p:spTree>
-  </p:cSld>
-  <p:clrMapOvr>
-    <a:masterClrMapping/>
-  </p:clrMapOvr>
-</p:sld>
-</file>
-
-<file path=ppt/slides/slide29.xml><?xml version="1.0" encoding="utf-8"?>
-<p:sld xmlns:a="http://schemas.openxmlformats.org/drawingml/2006/main" xmlns:r="http://schemas.openxmlformats.org/officeDocument/2006/relationships" xmlns:p="http://schemas.openxmlformats.org/presentationml/2006/main">
-  <p:cSld>
-    <p:spTree>
-      <p:nvGrpSpPr>
-        <p:cNvPr id="1" name=""/>
-        <p:cNvGrpSpPr/>
-        <p:nvPr/>
-      </p:nvGrpSpPr>
-      <p:grpSpPr>
-        <a:xfrm>
-          <a:off x="0" y="0"/>
-          <a:ext cx="0" cy="0"/>
-          <a:chOff x="0" y="0"/>
-          <a:chExt cx="0" cy="0"/>
-        </a:xfrm>
-      </p:grpSpPr>
-      <p:sp>
-        <p:nvSpPr>
-          <p:cNvPr id="2" name="Title 1"/>
-          <p:cNvSpPr>
-            <a:spLocks noGrp="1"/>
-          </p:cNvSpPr>
-          <p:nvPr>
-            <p:ph type="title"/>
-          </p:nvPr>
-        </p:nvSpPr>
-        <p:spPr/>
-        <p:txBody>
-          <a:bodyPr>
-            <a:normAutofit/>
-          </a:bodyPr>
-          <a:lstStyle/>
-          <a:p>
-            <a:r>
-              <a:rPr lang="en-US" dirty="0" smtClean="0"/>
-              <a:t>User Interface </a:t>
-            </a:r>
-            <a:r>
-              <a:rPr lang="en-US" dirty="0" smtClean="0"/>
-              <a:t>Module</a:t>
-            </a:r>
-            <a:br>
-              <a:rPr lang="en-US" dirty="0" smtClean="0"/>
-            </a:br>
-            <a:r>
-              <a:rPr lang="en-US" sz="2700" dirty="0" smtClean="0"/>
-              <a:t>Challenges</a:t>
-            </a:r>
-            <a:endParaRPr lang="en-US" sz="2700" dirty="0"/>
-          </a:p>
-        </p:txBody>
-      </p:sp>
-      <p:sp>
-        <p:nvSpPr>
-          <p:cNvPr id="3" name="Content Placeholder 2"/>
-          <p:cNvSpPr>
-            <a:spLocks noGrp="1"/>
-          </p:cNvSpPr>
-          <p:nvPr>
-            <p:ph idx="1"/>
-          </p:nvPr>
-        </p:nvSpPr>
-        <p:spPr/>
-        <p:txBody>
-          <a:bodyPr/>
-          <a:lstStyle/>
-          <a:p>
-            <a:r>
-              <a:rPr lang="en-US" dirty="0" smtClean="0"/>
-              <a:t>Object-oriented design knowledge</a:t>
-            </a:r>
-          </a:p>
-          <a:p>
-            <a:r>
-              <a:rPr lang="en-US" dirty="0" smtClean="0"/>
-              <a:t>Qt knowledge</a:t>
-            </a:r>
-          </a:p>
-          <a:p>
-            <a:r>
-              <a:rPr lang="en-US" dirty="0" smtClean="0"/>
-              <a:t>Modularity in game development</a:t>
             </a:r>
           </a:p>
         </p:txBody>
@@ -10906,6 +11005,248 @@
         <p:spPr/>
         <p:txBody>
           <a:bodyPr>
+            <a:normAutofit/>
+          </a:bodyPr>
+          <a:lstStyle/>
+          <a:p>
+            <a:r>
+              <a:rPr lang="en-US" dirty="0" smtClean="0"/>
+              <a:t>User Interface Module</a:t>
+            </a:r>
+            <a:br>
+              <a:rPr lang="en-US" dirty="0" smtClean="0"/>
+            </a:br>
+            <a:r>
+              <a:rPr lang="en-US" sz="2700" dirty="0" smtClean="0"/>
+              <a:t>Challenges</a:t>
+            </a:r>
+            <a:endParaRPr lang="en-US" sz="2700" dirty="0"/>
+          </a:p>
+        </p:txBody>
+      </p:sp>
+      <p:sp>
+        <p:nvSpPr>
+          <p:cNvPr id="3" name="Content Placeholder 2"/>
+          <p:cNvSpPr>
+            <a:spLocks noGrp="1"/>
+          </p:cNvSpPr>
+          <p:nvPr>
+            <p:ph idx="1"/>
+          </p:nvPr>
+        </p:nvSpPr>
+        <p:spPr/>
+        <p:txBody>
+          <a:bodyPr/>
+          <a:lstStyle/>
+          <a:p>
+            <a:r>
+              <a:rPr lang="en-US" dirty="0" smtClean="0"/>
+              <a:t>Object-oriented design knowledge</a:t>
+            </a:r>
+          </a:p>
+          <a:p>
+            <a:r>
+              <a:rPr lang="en-US" dirty="0" smtClean="0"/>
+              <a:t>Qt knowledge</a:t>
+            </a:r>
+          </a:p>
+          <a:p>
+            <a:r>
+              <a:rPr lang="en-US" dirty="0" smtClean="0"/>
+              <a:t>Modularity in game </a:t>
+            </a:r>
+            <a:r>
+              <a:rPr lang="en-US" dirty="0" smtClean="0"/>
+              <a:t>development</a:t>
+            </a:r>
+          </a:p>
+          <a:p>
+            <a:r>
+              <a:rPr lang="en-US" dirty="0" smtClean="0"/>
+              <a:t>Time constraint</a:t>
+            </a:r>
+            <a:endParaRPr lang="en-US" dirty="0" smtClean="0"/>
+          </a:p>
+        </p:txBody>
+      </p:sp>
+      <p:sp>
+        <p:nvSpPr>
+          <p:cNvPr id="4" name="Slide Number Placeholder 3"/>
+          <p:cNvSpPr>
+            <a:spLocks noGrp="1"/>
+          </p:cNvSpPr>
+          <p:nvPr>
+            <p:ph type="sldNum" sz="quarter" idx="12"/>
+          </p:nvPr>
+        </p:nvSpPr>
+        <p:spPr/>
+        <p:txBody>
+          <a:bodyPr/>
+          <a:lstStyle/>
+          <a:p>
+            <a:fld id="{B6F15528-21DE-4FAA-801E-634DDDAF4B2B}" type="slidenum">
+              <a:rPr lang="en-US" smtClean="0"/>
+              <a:pPr/>
+              <a:t>30</a:t>
+            </a:fld>
+            <a:endParaRPr lang="en-US" dirty="0"/>
+          </a:p>
+        </p:txBody>
+      </p:sp>
+    </p:spTree>
+  </p:cSld>
+  <p:clrMapOvr>
+    <a:masterClrMapping/>
+  </p:clrMapOvr>
+</p:sld>
+</file>
+
+<file path=ppt/slides/slide31.xml><?xml version="1.0" encoding="utf-8"?>
+<p:sld xmlns:a="http://schemas.openxmlformats.org/drawingml/2006/main" xmlns:r="http://schemas.openxmlformats.org/officeDocument/2006/relationships" xmlns:p="http://schemas.openxmlformats.org/presentationml/2006/main">
+  <p:cSld>
+    <p:spTree>
+      <p:nvGrpSpPr>
+        <p:cNvPr id="1" name=""/>
+        <p:cNvGrpSpPr/>
+        <p:nvPr/>
+      </p:nvGrpSpPr>
+      <p:grpSpPr>
+        <a:xfrm>
+          <a:off x="0" y="0"/>
+          <a:ext cx="0" cy="0"/>
+          <a:chOff x="0" y="0"/>
+          <a:chExt cx="0" cy="0"/>
+        </a:xfrm>
+      </p:grpSpPr>
+      <p:sp>
+        <p:nvSpPr>
+          <p:cNvPr id="2" name="Title 1"/>
+          <p:cNvSpPr>
+            <a:spLocks noGrp="1"/>
+          </p:cNvSpPr>
+          <p:nvPr>
+            <p:ph type="title"/>
+          </p:nvPr>
+        </p:nvSpPr>
+        <p:spPr/>
+        <p:txBody>
+          <a:bodyPr/>
+          <a:lstStyle/>
+          <a:p>
+            <a:r>
+              <a:rPr lang="en-US" dirty="0" smtClean="0"/>
+              <a:t>User Interface Module</a:t>
+            </a:r>
+            <a:br>
+              <a:rPr lang="en-US" dirty="0" smtClean="0"/>
+            </a:br>
+            <a:r>
+              <a:rPr lang="en-US" sz="2400" dirty="0" smtClean="0"/>
+              <a:t>Summary</a:t>
+            </a:r>
+            <a:endParaRPr lang="en-US" sz="2400" dirty="0"/>
+          </a:p>
+        </p:txBody>
+      </p:sp>
+      <p:sp>
+        <p:nvSpPr>
+          <p:cNvPr id="3" name="Content Placeholder 2"/>
+          <p:cNvSpPr>
+            <a:spLocks noGrp="1"/>
+          </p:cNvSpPr>
+          <p:nvPr>
+            <p:ph idx="1"/>
+          </p:nvPr>
+        </p:nvSpPr>
+        <p:spPr/>
+        <p:txBody>
+          <a:bodyPr/>
+          <a:lstStyle/>
+          <a:p>
+            <a:r>
+              <a:rPr lang="en-US" dirty="0" smtClean="0"/>
+              <a:t>Absolutely a fun project</a:t>
+            </a:r>
+          </a:p>
+          <a:p>
+            <a:r>
+              <a:rPr lang="en-US" dirty="0" smtClean="0"/>
+              <a:t>Relative knowledge of final product</a:t>
+            </a:r>
+          </a:p>
+          <a:p>
+            <a:r>
+              <a:rPr lang="en-US" dirty="0" smtClean="0"/>
+              <a:t>Code complexity vs. user-friendliness</a:t>
+            </a:r>
+          </a:p>
+          <a:p>
+            <a:endParaRPr lang="en-US" dirty="0"/>
+          </a:p>
+        </p:txBody>
+      </p:sp>
+      <p:sp>
+        <p:nvSpPr>
+          <p:cNvPr id="4" name="Slide Number Placeholder 3"/>
+          <p:cNvSpPr>
+            <a:spLocks noGrp="1"/>
+          </p:cNvSpPr>
+          <p:nvPr>
+            <p:ph type="sldNum" sz="quarter" idx="12"/>
+          </p:nvPr>
+        </p:nvSpPr>
+        <p:spPr/>
+        <p:txBody>
+          <a:bodyPr/>
+          <a:lstStyle/>
+          <a:p>
+            <a:fld id="{B6F15528-21DE-4FAA-801E-634DDDAF4B2B}" type="slidenum">
+              <a:rPr lang="en-US" smtClean="0"/>
+              <a:pPr/>
+              <a:t>31</a:t>
+            </a:fld>
+            <a:endParaRPr lang="en-US" dirty="0"/>
+          </a:p>
+        </p:txBody>
+      </p:sp>
+    </p:spTree>
+  </p:cSld>
+  <p:clrMapOvr>
+    <a:masterClrMapping/>
+  </p:clrMapOvr>
+</p:sld>
+</file>
+
+<file path=ppt/slides/slide32.xml><?xml version="1.0" encoding="utf-8"?>
+<p:sld xmlns:a="http://schemas.openxmlformats.org/drawingml/2006/main" xmlns:r="http://schemas.openxmlformats.org/officeDocument/2006/relationships" xmlns:p="http://schemas.openxmlformats.org/presentationml/2006/main">
+  <p:cSld>
+    <p:spTree>
+      <p:nvGrpSpPr>
+        <p:cNvPr id="1" name=""/>
+        <p:cNvGrpSpPr/>
+        <p:nvPr/>
+      </p:nvGrpSpPr>
+      <p:grpSpPr>
+        <a:xfrm>
+          <a:off x="0" y="0"/>
+          <a:ext cx="0" cy="0"/>
+          <a:chOff x="0" y="0"/>
+          <a:chExt cx="0" cy="0"/>
+        </a:xfrm>
+      </p:grpSpPr>
+      <p:sp>
+        <p:nvSpPr>
+          <p:cNvPr id="2" name="Title 1"/>
+          <p:cNvSpPr>
+            <a:spLocks noGrp="1"/>
+          </p:cNvSpPr>
+          <p:nvPr>
+            <p:ph type="title"/>
+          </p:nvPr>
+        </p:nvSpPr>
+        <p:spPr/>
+        <p:txBody>
+          <a:bodyPr>
             <a:normAutofit fontScale="90000"/>
           </a:bodyPr>
           <a:lstStyle/>
@@ -11021,7 +11362,7 @@
             <a:fld id="{B6F15528-21DE-4FAA-801E-634DDDAF4B2B}" type="slidenum">
               <a:rPr lang="en-US" smtClean="0"/>
               <a:pPr/>
-              <a:t>30</a:t>
+              <a:t>32</a:t>
             </a:fld>
             <a:endParaRPr lang="en-US" dirty="0"/>
           </a:p>
@@ -11066,7 +11407,7 @@
 </p:sld>
 </file>
 
-<file path=ppt/slides/slide31.xml><?xml version="1.0" encoding="utf-8"?>
+<file path=ppt/slides/slide33.xml><?xml version="1.0" encoding="utf-8"?>
 <p:sld xmlns:a="http://schemas.openxmlformats.org/drawingml/2006/main" xmlns:r="http://schemas.openxmlformats.org/officeDocument/2006/relationships" xmlns:p="http://schemas.openxmlformats.org/presentationml/2006/main">
   <p:cSld>
     <p:spTree>
@@ -11212,7 +11553,7 @@
             <a:fld id="{B6F15528-21DE-4FAA-801E-634DDDAF4B2B}" type="slidenum">
               <a:rPr lang="en-US" smtClean="0"/>
               <a:pPr/>
-              <a:t>31</a:t>
+              <a:t>33</a:t>
             </a:fld>
             <a:endParaRPr lang="en-US" dirty="0"/>
           </a:p>
@@ -11402,7 +11743,7 @@
 </p:sld>
 </file>
 
-<file path=ppt/slides/slide32.xml><?xml version="1.0" encoding="utf-8"?>
+<file path=ppt/slides/slide34.xml><?xml version="1.0" encoding="utf-8"?>
 <p:sld xmlns:a="http://schemas.openxmlformats.org/drawingml/2006/main" xmlns:r="http://schemas.openxmlformats.org/officeDocument/2006/relationships" xmlns:p="http://schemas.openxmlformats.org/presentationml/2006/main">
   <p:cSld>
     <p:spTree>
@@ -11520,7 +11861,7 @@
             <a:fld id="{B6F15528-21DE-4FAA-801E-634DDDAF4B2B}" type="slidenum">
               <a:rPr lang="en-US" smtClean="0"/>
               <a:pPr/>
-              <a:t>32</a:t>
+              <a:t>34</a:t>
             </a:fld>
             <a:endParaRPr lang="en-US" dirty="0"/>
           </a:p>
@@ -11569,7 +11910,7 @@
 </p:sld>
 </file>
 
-<file path=ppt/slides/slide33.xml><?xml version="1.0" encoding="utf-8"?>
+<file path=ppt/slides/slide35.xml><?xml version="1.0" encoding="utf-8"?>
 <p:sld xmlns:a="http://schemas.openxmlformats.org/drawingml/2006/main" xmlns:r="http://schemas.openxmlformats.org/officeDocument/2006/relationships" xmlns:p="http://schemas.openxmlformats.org/presentationml/2006/main">
   <p:cSld>
     <p:spTree>
@@ -11661,7 +12002,7 @@
             <a:fld id="{B6F15528-21DE-4FAA-801E-634DDDAF4B2B}" type="slidenum">
               <a:rPr lang="en-US" smtClean="0"/>
               <a:pPr/>
-              <a:t>33</a:t>
+              <a:t>35</a:t>
             </a:fld>
             <a:endParaRPr lang="en-US" dirty="0"/>
           </a:p>
@@ -17345,7 +17686,7 @@
 </p:sld>
 </file>
 
-<file path=ppt/slides/slide34.xml><?xml version="1.0" encoding="utf-8"?>
+<file path=ppt/slides/slide36.xml><?xml version="1.0" encoding="utf-8"?>
 <p:sld xmlns:a="http://schemas.openxmlformats.org/drawingml/2006/main" xmlns:r="http://schemas.openxmlformats.org/officeDocument/2006/relationships" xmlns:p="http://schemas.openxmlformats.org/presentationml/2006/main">
   <p:cSld>
     <p:spTree>
@@ -17437,7 +17778,7 @@
             <a:fld id="{B6F15528-21DE-4FAA-801E-634DDDAF4B2B}" type="slidenum">
               <a:rPr lang="en-US" smtClean="0"/>
               <a:pPr/>
-              <a:t>34</a:t>
+              <a:t>36</a:t>
             </a:fld>
             <a:endParaRPr lang="en-US" dirty="0"/>
           </a:p>
@@ -23155,7 +23496,7 @@
 </p:sld>
 </file>
 
-<file path=ppt/slides/slide35.xml><?xml version="1.0" encoding="utf-8"?>
+<file path=ppt/slides/slide37.xml><?xml version="1.0" encoding="utf-8"?>
 <p:sld xmlns:a="http://schemas.openxmlformats.org/drawingml/2006/main" xmlns:r="http://schemas.openxmlformats.org/officeDocument/2006/relationships" xmlns:p="http://schemas.openxmlformats.org/presentationml/2006/main">
   <p:cSld>
     <p:spTree>
@@ -23213,7 +23554,7 @@
             <a:fld id="{B6F15528-21DE-4FAA-801E-634DDDAF4B2B}" type="slidenum">
               <a:rPr lang="en-US" smtClean="0"/>
               <a:pPr/>
-              <a:t>35</a:t>
+              <a:t>37</a:t>
             </a:fld>
             <a:endParaRPr lang="en-US" dirty="0"/>
           </a:p>
@@ -23279,7 +23620,7 @@
 </p:sld>
 </file>
 
-<file path=ppt/slides/slide36.xml><?xml version="1.0" encoding="utf-8"?>
+<file path=ppt/slides/slide38.xml><?xml version="1.0" encoding="utf-8"?>
 <p:sld xmlns:a="http://schemas.openxmlformats.org/drawingml/2006/main" xmlns:r="http://schemas.openxmlformats.org/officeDocument/2006/relationships" xmlns:p="http://schemas.openxmlformats.org/presentationml/2006/main">
   <p:cSld>
     <p:spTree>
@@ -23342,7 +23683,7 @@
             <a:fld id="{B6F15528-21DE-4FAA-801E-634DDDAF4B2B}" type="slidenum">
               <a:rPr lang="en-US" smtClean="0"/>
               <a:pPr/>
-              <a:t>36</a:t>
+              <a:t>38</a:t>
             </a:fld>
             <a:endParaRPr lang="en-US" dirty="0"/>
           </a:p>
@@ -23411,7 +23752,7 @@
 </p:sld>
 </file>
 
-<file path=ppt/slides/slide37.xml><?xml version="1.0" encoding="utf-8"?>
+<file path=ppt/slides/slide39.xml><?xml version="1.0" encoding="utf-8"?>
 <p:sld xmlns:a="http://schemas.openxmlformats.org/drawingml/2006/main" xmlns:r="http://schemas.openxmlformats.org/officeDocument/2006/relationships" xmlns:p="http://schemas.openxmlformats.org/presentationml/2006/main">
   <p:cSld>
     <p:spTree>
@@ -23506,7 +23847,7 @@
             <a:fld id="{B6F15528-21DE-4FAA-801E-634DDDAF4B2B}" type="slidenum">
               <a:rPr lang="en-US" smtClean="0"/>
               <a:pPr/>
-              <a:t>37</a:t>
+              <a:t>39</a:t>
             </a:fld>
             <a:endParaRPr lang="en-US" dirty="0"/>
           </a:p>
@@ -23527,7 +23868,1605 @@
 </p:sld>
 </file>
 
-<file path=ppt/slides/slide38.xml><?xml version="1.0" encoding="utf-8"?>
+<file path=ppt/slides/slide4.xml><?xml version="1.0" encoding="utf-8"?>
+<p:sld xmlns:a="http://schemas.openxmlformats.org/drawingml/2006/main" xmlns:r="http://schemas.openxmlformats.org/officeDocument/2006/relationships" xmlns:p="http://schemas.openxmlformats.org/presentationml/2006/main">
+  <p:cSld>
+    <p:spTree>
+      <p:nvGrpSpPr>
+        <p:cNvPr id="1" name=""/>
+        <p:cNvGrpSpPr/>
+        <p:nvPr/>
+      </p:nvGrpSpPr>
+      <p:grpSpPr>
+        <a:xfrm>
+          <a:off x="0" y="0"/>
+          <a:ext cx="0" cy="0"/>
+          <a:chOff x="0" y="0"/>
+          <a:chExt cx="0" cy="0"/>
+        </a:xfrm>
+      </p:grpSpPr>
+      <p:sp>
+        <p:nvSpPr>
+          <p:cNvPr id="2" name="Title 1"/>
+          <p:cNvSpPr>
+            <a:spLocks noGrp="1"/>
+          </p:cNvSpPr>
+          <p:nvPr>
+            <p:ph type="title"/>
+          </p:nvPr>
+        </p:nvSpPr>
+        <p:spPr/>
+        <p:txBody>
+          <a:bodyPr/>
+          <a:lstStyle/>
+          <a:p>
+            <a:r>
+              <a:rPr lang="en-US" dirty="0" smtClean="0"/>
+              <a:t>Duel Reality: the Game</a:t>
+            </a:r>
+            <a:endParaRPr lang="en-US" dirty="0"/>
+          </a:p>
+        </p:txBody>
+      </p:sp>
+      <p:sp>
+        <p:nvSpPr>
+          <p:cNvPr id="3" name="Content Placeholder 2"/>
+          <p:cNvSpPr>
+            <a:spLocks noGrp="1"/>
+          </p:cNvSpPr>
+          <p:nvPr>
+            <p:ph idx="1"/>
+          </p:nvPr>
+        </p:nvSpPr>
+        <p:spPr>
+          <a:xfrm>
+            <a:off x="457200" y="1600200"/>
+            <a:ext cx="8229600" cy="4343400"/>
+          </a:xfrm>
+        </p:spPr>
+        <p:txBody>
+          <a:bodyPr>
+            <a:normAutofit fontScale="85000" lnSpcReduction="20000"/>
+          </a:bodyPr>
+          <a:lstStyle/>
+          <a:p>
+            <a:r>
+              <a:rPr lang="en-US" dirty="0" smtClean="0"/>
+              <a:t>Total Game play experience</a:t>
+            </a:r>
+          </a:p>
+          <a:p>
+            <a:pPr lvl="1"/>
+            <a:r>
+              <a:rPr lang="en-US" dirty="0" smtClean="0"/>
+              <a:t>2D</a:t>
+            </a:r>
+          </a:p>
+          <a:p>
+            <a:pPr lvl="1"/>
+            <a:r>
+              <a:rPr lang="en-US" dirty="0" smtClean="0"/>
+              <a:t>Turn based</a:t>
+            </a:r>
+          </a:p>
+          <a:p>
+            <a:pPr lvl="1"/>
+            <a:r>
+              <a:rPr lang="en-US" dirty="0" smtClean="0"/>
+              <a:t>Strategy battle simulation</a:t>
+            </a:r>
+          </a:p>
+          <a:p>
+            <a:pPr lvl="1"/>
+            <a:r>
+              <a:rPr lang="en-US" dirty="0" smtClean="0"/>
+              <a:t>1 Player  w/ Ai opponent</a:t>
+            </a:r>
+          </a:p>
+          <a:p>
+            <a:pPr lvl="1"/>
+            <a:r>
+              <a:rPr lang="en-US" dirty="0" smtClean="0"/>
+              <a:t>(maybe 2)</a:t>
+            </a:r>
+          </a:p>
+          <a:p>
+            <a:pPr lvl="1"/>
+            <a:r>
+              <a:rPr lang="en-US" dirty="0" smtClean="0"/>
+              <a:t>Upgradable units</a:t>
+            </a:r>
+          </a:p>
+          <a:p>
+            <a:pPr lvl="1"/>
+            <a:r>
+              <a:rPr lang="en-US" dirty="0" smtClean="0"/>
+              <a:t>7  - level Campaign and Free Battle Modes</a:t>
+            </a:r>
+          </a:p>
+          <a:p>
+            <a:pPr lvl="1"/>
+            <a:r>
+              <a:rPr lang="en-US" dirty="0" smtClean="0"/>
+              <a:t>Save / Load functionality</a:t>
+            </a:r>
+          </a:p>
+          <a:p>
+            <a:pPr lvl="1"/>
+            <a:r>
+              <a:rPr lang="en-US" dirty="0" smtClean="0"/>
+              <a:t>Amazing Graphics and Sound</a:t>
+            </a:r>
+          </a:p>
+          <a:p>
+            <a:pPr lvl="1"/>
+            <a:r>
+              <a:rPr lang="en-US" dirty="0" smtClean="0"/>
+              <a:t>Dynamic Action Points Game play</a:t>
+            </a:r>
+          </a:p>
+          <a:p>
+            <a:endParaRPr lang="en-US" dirty="0" smtClean="0"/>
+          </a:p>
+          <a:p>
+            <a:endParaRPr lang="en-US" dirty="0" smtClean="0"/>
+          </a:p>
+        </p:txBody>
+      </p:sp>
+      <p:sp>
+        <p:nvSpPr>
+          <p:cNvPr id="4" name="Slide Number Placeholder 3"/>
+          <p:cNvSpPr>
+            <a:spLocks noGrp="1"/>
+          </p:cNvSpPr>
+          <p:nvPr>
+            <p:ph type="sldNum" sz="quarter" idx="12"/>
+          </p:nvPr>
+        </p:nvSpPr>
+        <p:spPr/>
+        <p:txBody>
+          <a:bodyPr/>
+          <a:lstStyle/>
+          <a:p>
+            <a:fld id="{B6F15528-21DE-4FAA-801E-634DDDAF4B2B}" type="slidenum">
+              <a:rPr lang="en-US" smtClean="0"/>
+              <a:pPr/>
+              <a:t>4</a:t>
+            </a:fld>
+            <a:endParaRPr lang="en-US" dirty="0"/>
+          </a:p>
+        </p:txBody>
+      </p:sp>
+      <p:pic>
+        <p:nvPicPr>
+          <p:cNvPr id="5" name="Picture 4" descr="logo.jpg"/>
+          <p:cNvPicPr>
+            <a:picLocks noChangeAspect="1"/>
+          </p:cNvPicPr>
+          <p:nvPr/>
+        </p:nvPicPr>
+        <p:blipFill>
+          <a:blip r:embed="rId2" cstate="print"/>
+          <a:stretch>
+            <a:fillRect/>
+          </a:stretch>
+        </p:blipFill>
+        <p:spPr>
+          <a:xfrm>
+            <a:off x="7956253" y="0"/>
+            <a:ext cx="1187747" cy="1328738"/>
+          </a:xfrm>
+          <a:prstGeom prst="rect">
+            <a:avLst/>
+          </a:prstGeom>
+        </p:spPr>
+      </p:pic>
+      <p:grpSp>
+        <p:nvGrpSpPr>
+          <p:cNvPr id="38" name="Group 37"/>
+          <p:cNvGrpSpPr/>
+          <p:nvPr/>
+        </p:nvGrpSpPr>
+        <p:grpSpPr>
+          <a:xfrm>
+            <a:off x="6400800" y="4648200"/>
+            <a:ext cx="2514600" cy="1295400"/>
+            <a:chOff x="6172200" y="2895600"/>
+            <a:chExt cx="2514600" cy="1295400"/>
+          </a:xfrm>
+        </p:grpSpPr>
+        <p:grpSp>
+          <p:nvGrpSpPr>
+            <p:cNvPr id="31" name="Group 30"/>
+            <p:cNvGrpSpPr/>
+            <p:nvPr/>
+          </p:nvGrpSpPr>
+          <p:grpSpPr>
+            <a:xfrm>
+              <a:off x="6172200" y="2971800"/>
+              <a:ext cx="2286000" cy="1219200"/>
+              <a:chOff x="6172200" y="2971800"/>
+              <a:chExt cx="2286000" cy="1219200"/>
+            </a:xfrm>
+          </p:grpSpPr>
+          <p:sp>
+            <p:nvSpPr>
+              <p:cNvPr id="7" name="Rectangle 6"/>
+              <p:cNvSpPr/>
+              <p:nvPr/>
+            </p:nvSpPr>
+            <p:spPr>
+              <a:xfrm>
+                <a:off x="6553200" y="2971800"/>
+                <a:ext cx="381000" cy="304800"/>
+              </a:xfrm>
+              <a:prstGeom prst="rect">
+                <a:avLst/>
+              </a:prstGeom>
+              <a:solidFill>
+                <a:schemeClr val="bg1"/>
+              </a:solidFill>
+              <a:ln>
+                <a:solidFill>
+                  <a:schemeClr val="tx1"/>
+                </a:solidFill>
+              </a:ln>
+            </p:spPr>
+            <p:style>
+              <a:lnRef idx="2">
+                <a:schemeClr val="accent1">
+                  <a:shade val="50000"/>
+                </a:schemeClr>
+              </a:lnRef>
+              <a:fillRef idx="1">
+                <a:schemeClr val="accent1"/>
+              </a:fillRef>
+              <a:effectRef idx="0">
+                <a:schemeClr val="accent1"/>
+              </a:effectRef>
+              <a:fontRef idx="minor">
+                <a:schemeClr val="lt1"/>
+              </a:fontRef>
+            </p:style>
+            <p:txBody>
+              <a:bodyPr rtlCol="0" anchor="ctr"/>
+              <a:lstStyle/>
+              <a:p>
+                <a:pPr algn="ctr"/>
+                <a:endParaRPr lang="en-US" dirty="0"/>
+              </a:p>
+            </p:txBody>
+          </p:sp>
+          <p:sp>
+            <p:nvSpPr>
+              <p:cNvPr id="8" name="Rectangle 7"/>
+              <p:cNvSpPr/>
+              <p:nvPr/>
+            </p:nvSpPr>
+            <p:spPr>
+              <a:xfrm>
+                <a:off x="6553200" y="3276600"/>
+                <a:ext cx="381000" cy="304800"/>
+              </a:xfrm>
+              <a:prstGeom prst="rect">
+                <a:avLst/>
+              </a:prstGeom>
+              <a:solidFill>
+                <a:schemeClr val="bg1"/>
+              </a:solidFill>
+              <a:ln>
+                <a:solidFill>
+                  <a:schemeClr val="tx1"/>
+                </a:solidFill>
+              </a:ln>
+            </p:spPr>
+            <p:style>
+              <a:lnRef idx="2">
+                <a:schemeClr val="accent1">
+                  <a:shade val="50000"/>
+                </a:schemeClr>
+              </a:lnRef>
+              <a:fillRef idx="1">
+                <a:schemeClr val="accent1"/>
+              </a:fillRef>
+              <a:effectRef idx="0">
+                <a:schemeClr val="accent1"/>
+              </a:effectRef>
+              <a:fontRef idx="minor">
+                <a:schemeClr val="lt1"/>
+              </a:fontRef>
+            </p:style>
+            <p:txBody>
+              <a:bodyPr rtlCol="0" anchor="ctr"/>
+              <a:lstStyle/>
+              <a:p>
+                <a:pPr algn="ctr"/>
+                <a:endParaRPr lang="en-US" dirty="0"/>
+              </a:p>
+            </p:txBody>
+          </p:sp>
+          <p:sp>
+            <p:nvSpPr>
+              <p:cNvPr id="9" name="Rectangle 8"/>
+              <p:cNvSpPr/>
+              <p:nvPr/>
+            </p:nvSpPr>
+            <p:spPr>
+              <a:xfrm>
+                <a:off x="6553200" y="3581400"/>
+                <a:ext cx="381000" cy="304800"/>
+              </a:xfrm>
+              <a:prstGeom prst="rect">
+                <a:avLst/>
+              </a:prstGeom>
+              <a:solidFill>
+                <a:schemeClr val="bg1"/>
+              </a:solidFill>
+              <a:ln>
+                <a:solidFill>
+                  <a:schemeClr val="tx1"/>
+                </a:solidFill>
+              </a:ln>
+            </p:spPr>
+            <p:style>
+              <a:lnRef idx="2">
+                <a:schemeClr val="accent1">
+                  <a:shade val="50000"/>
+                </a:schemeClr>
+              </a:lnRef>
+              <a:fillRef idx="1">
+                <a:schemeClr val="accent1"/>
+              </a:fillRef>
+              <a:effectRef idx="0">
+                <a:schemeClr val="accent1"/>
+              </a:effectRef>
+              <a:fontRef idx="minor">
+                <a:schemeClr val="lt1"/>
+              </a:fontRef>
+            </p:style>
+            <p:txBody>
+              <a:bodyPr rtlCol="0" anchor="ctr"/>
+              <a:lstStyle/>
+              <a:p>
+                <a:pPr algn="ctr"/>
+                <a:endParaRPr lang="en-US" dirty="0"/>
+              </a:p>
+            </p:txBody>
+          </p:sp>
+          <p:sp>
+            <p:nvSpPr>
+              <p:cNvPr id="10" name="Rectangle 9"/>
+              <p:cNvSpPr/>
+              <p:nvPr/>
+            </p:nvSpPr>
+            <p:spPr>
+              <a:xfrm>
+                <a:off x="6553200" y="3886200"/>
+                <a:ext cx="381000" cy="304800"/>
+              </a:xfrm>
+              <a:prstGeom prst="rect">
+                <a:avLst/>
+              </a:prstGeom>
+              <a:solidFill>
+                <a:schemeClr val="bg1"/>
+              </a:solidFill>
+              <a:ln>
+                <a:solidFill>
+                  <a:schemeClr val="tx1"/>
+                </a:solidFill>
+              </a:ln>
+            </p:spPr>
+            <p:style>
+              <a:lnRef idx="2">
+                <a:schemeClr val="accent1">
+                  <a:shade val="50000"/>
+                </a:schemeClr>
+              </a:lnRef>
+              <a:fillRef idx="1">
+                <a:schemeClr val="accent1"/>
+              </a:fillRef>
+              <a:effectRef idx="0">
+                <a:schemeClr val="accent1"/>
+              </a:effectRef>
+              <a:fontRef idx="minor">
+                <a:schemeClr val="lt1"/>
+              </a:fontRef>
+            </p:style>
+            <p:txBody>
+              <a:bodyPr rtlCol="0" anchor="ctr"/>
+              <a:lstStyle/>
+              <a:p>
+                <a:pPr algn="ctr"/>
+                <a:endParaRPr lang="en-US" dirty="0"/>
+              </a:p>
+            </p:txBody>
+          </p:sp>
+          <p:sp>
+            <p:nvSpPr>
+              <p:cNvPr id="11" name="Rectangle 10"/>
+              <p:cNvSpPr/>
+              <p:nvPr/>
+            </p:nvSpPr>
+            <p:spPr>
+              <a:xfrm>
+                <a:off x="6934200" y="2971800"/>
+                <a:ext cx="381000" cy="304800"/>
+              </a:xfrm>
+              <a:prstGeom prst="rect">
+                <a:avLst/>
+              </a:prstGeom>
+              <a:solidFill>
+                <a:schemeClr val="bg1"/>
+              </a:solidFill>
+              <a:ln>
+                <a:solidFill>
+                  <a:schemeClr val="tx1"/>
+                </a:solidFill>
+              </a:ln>
+            </p:spPr>
+            <p:style>
+              <a:lnRef idx="2">
+                <a:schemeClr val="accent1">
+                  <a:shade val="50000"/>
+                </a:schemeClr>
+              </a:lnRef>
+              <a:fillRef idx="1">
+                <a:schemeClr val="accent1"/>
+              </a:fillRef>
+              <a:effectRef idx="0">
+                <a:schemeClr val="accent1"/>
+              </a:effectRef>
+              <a:fontRef idx="minor">
+                <a:schemeClr val="lt1"/>
+              </a:fontRef>
+            </p:style>
+            <p:txBody>
+              <a:bodyPr rtlCol="0" anchor="ctr"/>
+              <a:lstStyle/>
+              <a:p>
+                <a:pPr algn="ctr"/>
+                <a:endParaRPr lang="en-US" dirty="0"/>
+              </a:p>
+            </p:txBody>
+          </p:sp>
+          <p:sp>
+            <p:nvSpPr>
+              <p:cNvPr id="12" name="Rectangle 11"/>
+              <p:cNvSpPr/>
+              <p:nvPr/>
+            </p:nvSpPr>
+            <p:spPr>
+              <a:xfrm>
+                <a:off x="6934200" y="3276600"/>
+                <a:ext cx="381000" cy="304800"/>
+              </a:xfrm>
+              <a:prstGeom prst="rect">
+                <a:avLst/>
+              </a:prstGeom>
+              <a:solidFill>
+                <a:schemeClr val="bg1"/>
+              </a:solidFill>
+              <a:ln>
+                <a:solidFill>
+                  <a:schemeClr val="tx1"/>
+                </a:solidFill>
+              </a:ln>
+            </p:spPr>
+            <p:style>
+              <a:lnRef idx="2">
+                <a:schemeClr val="accent1">
+                  <a:shade val="50000"/>
+                </a:schemeClr>
+              </a:lnRef>
+              <a:fillRef idx="1">
+                <a:schemeClr val="accent1"/>
+              </a:fillRef>
+              <a:effectRef idx="0">
+                <a:schemeClr val="accent1"/>
+              </a:effectRef>
+              <a:fontRef idx="minor">
+                <a:schemeClr val="lt1"/>
+              </a:fontRef>
+            </p:style>
+            <p:txBody>
+              <a:bodyPr rtlCol="0" anchor="ctr"/>
+              <a:lstStyle/>
+              <a:p>
+                <a:pPr algn="ctr"/>
+                <a:endParaRPr lang="en-US" dirty="0"/>
+              </a:p>
+            </p:txBody>
+          </p:sp>
+          <p:sp>
+            <p:nvSpPr>
+              <p:cNvPr id="13" name="Rectangle 12"/>
+              <p:cNvSpPr/>
+              <p:nvPr/>
+            </p:nvSpPr>
+            <p:spPr>
+              <a:xfrm>
+                <a:off x="6934200" y="3581400"/>
+                <a:ext cx="381000" cy="304800"/>
+              </a:xfrm>
+              <a:prstGeom prst="rect">
+                <a:avLst/>
+              </a:prstGeom>
+              <a:solidFill>
+                <a:schemeClr val="bg1"/>
+              </a:solidFill>
+              <a:ln>
+                <a:solidFill>
+                  <a:schemeClr val="tx1"/>
+                </a:solidFill>
+              </a:ln>
+            </p:spPr>
+            <p:style>
+              <a:lnRef idx="2">
+                <a:schemeClr val="accent1">
+                  <a:shade val="50000"/>
+                </a:schemeClr>
+              </a:lnRef>
+              <a:fillRef idx="1">
+                <a:schemeClr val="accent1"/>
+              </a:fillRef>
+              <a:effectRef idx="0">
+                <a:schemeClr val="accent1"/>
+              </a:effectRef>
+              <a:fontRef idx="minor">
+                <a:schemeClr val="lt1"/>
+              </a:fontRef>
+            </p:style>
+            <p:txBody>
+              <a:bodyPr rtlCol="0" anchor="ctr"/>
+              <a:lstStyle/>
+              <a:p>
+                <a:pPr algn="ctr"/>
+                <a:endParaRPr lang="en-US" dirty="0"/>
+              </a:p>
+            </p:txBody>
+          </p:sp>
+          <p:sp>
+            <p:nvSpPr>
+              <p:cNvPr id="14" name="Rectangle 13"/>
+              <p:cNvSpPr/>
+              <p:nvPr/>
+            </p:nvSpPr>
+            <p:spPr>
+              <a:xfrm>
+                <a:off x="6934200" y="3886200"/>
+                <a:ext cx="381000" cy="304800"/>
+              </a:xfrm>
+              <a:prstGeom prst="rect">
+                <a:avLst/>
+              </a:prstGeom>
+              <a:solidFill>
+                <a:schemeClr val="bg1"/>
+              </a:solidFill>
+              <a:ln>
+                <a:solidFill>
+                  <a:schemeClr val="tx1"/>
+                </a:solidFill>
+              </a:ln>
+            </p:spPr>
+            <p:style>
+              <a:lnRef idx="2">
+                <a:schemeClr val="accent1">
+                  <a:shade val="50000"/>
+                </a:schemeClr>
+              </a:lnRef>
+              <a:fillRef idx="1">
+                <a:schemeClr val="accent1"/>
+              </a:fillRef>
+              <a:effectRef idx="0">
+                <a:schemeClr val="accent1"/>
+              </a:effectRef>
+              <a:fontRef idx="minor">
+                <a:schemeClr val="lt1"/>
+              </a:fontRef>
+            </p:style>
+            <p:txBody>
+              <a:bodyPr rtlCol="0" anchor="ctr"/>
+              <a:lstStyle/>
+              <a:p>
+                <a:pPr algn="ctr"/>
+                <a:endParaRPr lang="en-US" dirty="0"/>
+              </a:p>
+            </p:txBody>
+          </p:sp>
+          <p:sp>
+            <p:nvSpPr>
+              <p:cNvPr id="15" name="Rectangle 14"/>
+              <p:cNvSpPr/>
+              <p:nvPr/>
+            </p:nvSpPr>
+            <p:spPr>
+              <a:xfrm>
+                <a:off x="7315200" y="2971800"/>
+                <a:ext cx="381000" cy="304800"/>
+              </a:xfrm>
+              <a:prstGeom prst="rect">
+                <a:avLst/>
+              </a:prstGeom>
+              <a:solidFill>
+                <a:schemeClr val="bg1"/>
+              </a:solidFill>
+              <a:ln>
+                <a:solidFill>
+                  <a:schemeClr val="tx1"/>
+                </a:solidFill>
+              </a:ln>
+            </p:spPr>
+            <p:style>
+              <a:lnRef idx="2">
+                <a:schemeClr val="accent1">
+                  <a:shade val="50000"/>
+                </a:schemeClr>
+              </a:lnRef>
+              <a:fillRef idx="1">
+                <a:schemeClr val="accent1"/>
+              </a:fillRef>
+              <a:effectRef idx="0">
+                <a:schemeClr val="accent1"/>
+              </a:effectRef>
+              <a:fontRef idx="minor">
+                <a:schemeClr val="lt1"/>
+              </a:fontRef>
+            </p:style>
+            <p:txBody>
+              <a:bodyPr rtlCol="0" anchor="ctr"/>
+              <a:lstStyle/>
+              <a:p>
+                <a:pPr algn="ctr"/>
+                <a:endParaRPr lang="en-US" dirty="0"/>
+              </a:p>
+            </p:txBody>
+          </p:sp>
+          <p:sp>
+            <p:nvSpPr>
+              <p:cNvPr id="16" name="Rectangle 15"/>
+              <p:cNvSpPr/>
+              <p:nvPr/>
+            </p:nvSpPr>
+            <p:spPr>
+              <a:xfrm>
+                <a:off x="7315200" y="3276600"/>
+                <a:ext cx="381000" cy="304800"/>
+              </a:xfrm>
+              <a:prstGeom prst="rect">
+                <a:avLst/>
+              </a:prstGeom>
+              <a:solidFill>
+                <a:schemeClr val="bg1"/>
+              </a:solidFill>
+              <a:ln>
+                <a:solidFill>
+                  <a:schemeClr val="tx1"/>
+                </a:solidFill>
+              </a:ln>
+            </p:spPr>
+            <p:style>
+              <a:lnRef idx="2">
+                <a:schemeClr val="accent1">
+                  <a:shade val="50000"/>
+                </a:schemeClr>
+              </a:lnRef>
+              <a:fillRef idx="1">
+                <a:schemeClr val="accent1"/>
+              </a:fillRef>
+              <a:effectRef idx="0">
+                <a:schemeClr val="accent1"/>
+              </a:effectRef>
+              <a:fontRef idx="minor">
+                <a:schemeClr val="lt1"/>
+              </a:fontRef>
+            </p:style>
+            <p:txBody>
+              <a:bodyPr rtlCol="0" anchor="ctr"/>
+              <a:lstStyle/>
+              <a:p>
+                <a:pPr algn="ctr"/>
+                <a:endParaRPr lang="en-US" dirty="0"/>
+              </a:p>
+            </p:txBody>
+          </p:sp>
+          <p:sp>
+            <p:nvSpPr>
+              <p:cNvPr id="17" name="Rectangle 16"/>
+              <p:cNvSpPr/>
+              <p:nvPr/>
+            </p:nvSpPr>
+            <p:spPr>
+              <a:xfrm>
+                <a:off x="7315200" y="3581400"/>
+                <a:ext cx="381000" cy="304800"/>
+              </a:xfrm>
+              <a:prstGeom prst="rect">
+                <a:avLst/>
+              </a:prstGeom>
+              <a:solidFill>
+                <a:schemeClr val="bg1"/>
+              </a:solidFill>
+              <a:ln>
+                <a:solidFill>
+                  <a:schemeClr val="tx1"/>
+                </a:solidFill>
+              </a:ln>
+            </p:spPr>
+            <p:style>
+              <a:lnRef idx="2">
+                <a:schemeClr val="accent1">
+                  <a:shade val="50000"/>
+                </a:schemeClr>
+              </a:lnRef>
+              <a:fillRef idx="1">
+                <a:schemeClr val="accent1"/>
+              </a:fillRef>
+              <a:effectRef idx="0">
+                <a:schemeClr val="accent1"/>
+              </a:effectRef>
+              <a:fontRef idx="minor">
+                <a:schemeClr val="lt1"/>
+              </a:fontRef>
+            </p:style>
+            <p:txBody>
+              <a:bodyPr rtlCol="0" anchor="ctr"/>
+              <a:lstStyle/>
+              <a:p>
+                <a:pPr algn="ctr"/>
+                <a:endParaRPr lang="en-US" dirty="0"/>
+              </a:p>
+            </p:txBody>
+          </p:sp>
+          <p:sp>
+            <p:nvSpPr>
+              <p:cNvPr id="18" name="Rectangle 17"/>
+              <p:cNvSpPr/>
+              <p:nvPr/>
+            </p:nvSpPr>
+            <p:spPr>
+              <a:xfrm>
+                <a:off x="7315200" y="3886200"/>
+                <a:ext cx="381000" cy="304800"/>
+              </a:xfrm>
+              <a:prstGeom prst="rect">
+                <a:avLst/>
+              </a:prstGeom>
+              <a:solidFill>
+                <a:schemeClr val="bg1"/>
+              </a:solidFill>
+              <a:ln>
+                <a:solidFill>
+                  <a:schemeClr val="tx1"/>
+                </a:solidFill>
+              </a:ln>
+            </p:spPr>
+            <p:style>
+              <a:lnRef idx="2">
+                <a:schemeClr val="accent1">
+                  <a:shade val="50000"/>
+                </a:schemeClr>
+              </a:lnRef>
+              <a:fillRef idx="1">
+                <a:schemeClr val="accent1"/>
+              </a:fillRef>
+              <a:effectRef idx="0">
+                <a:schemeClr val="accent1"/>
+              </a:effectRef>
+              <a:fontRef idx="minor">
+                <a:schemeClr val="lt1"/>
+              </a:fontRef>
+            </p:style>
+            <p:txBody>
+              <a:bodyPr rtlCol="0" anchor="ctr"/>
+              <a:lstStyle/>
+              <a:p>
+                <a:pPr algn="ctr"/>
+                <a:endParaRPr lang="en-US" dirty="0"/>
+              </a:p>
+            </p:txBody>
+          </p:sp>
+          <p:sp>
+            <p:nvSpPr>
+              <p:cNvPr id="19" name="Rectangle 18"/>
+              <p:cNvSpPr/>
+              <p:nvPr/>
+            </p:nvSpPr>
+            <p:spPr>
+              <a:xfrm>
+                <a:off x="7696200" y="2971800"/>
+                <a:ext cx="381000" cy="304800"/>
+              </a:xfrm>
+              <a:prstGeom prst="rect">
+                <a:avLst/>
+              </a:prstGeom>
+              <a:solidFill>
+                <a:schemeClr val="bg1"/>
+              </a:solidFill>
+              <a:ln>
+                <a:solidFill>
+                  <a:schemeClr val="tx1"/>
+                </a:solidFill>
+              </a:ln>
+            </p:spPr>
+            <p:style>
+              <a:lnRef idx="2">
+                <a:schemeClr val="accent1">
+                  <a:shade val="50000"/>
+                </a:schemeClr>
+              </a:lnRef>
+              <a:fillRef idx="1">
+                <a:schemeClr val="accent1"/>
+              </a:fillRef>
+              <a:effectRef idx="0">
+                <a:schemeClr val="accent1"/>
+              </a:effectRef>
+              <a:fontRef idx="minor">
+                <a:schemeClr val="lt1"/>
+              </a:fontRef>
+            </p:style>
+            <p:txBody>
+              <a:bodyPr rtlCol="0" anchor="ctr"/>
+              <a:lstStyle/>
+              <a:p>
+                <a:pPr algn="ctr"/>
+                <a:endParaRPr lang="en-US" dirty="0"/>
+              </a:p>
+            </p:txBody>
+          </p:sp>
+          <p:sp>
+            <p:nvSpPr>
+              <p:cNvPr id="20" name="Rectangle 19"/>
+              <p:cNvSpPr/>
+              <p:nvPr/>
+            </p:nvSpPr>
+            <p:spPr>
+              <a:xfrm>
+                <a:off x="7696200" y="3276600"/>
+                <a:ext cx="381000" cy="304800"/>
+              </a:xfrm>
+              <a:prstGeom prst="rect">
+                <a:avLst/>
+              </a:prstGeom>
+              <a:solidFill>
+                <a:schemeClr val="bg1"/>
+              </a:solidFill>
+              <a:ln>
+                <a:solidFill>
+                  <a:schemeClr val="tx1"/>
+                </a:solidFill>
+              </a:ln>
+            </p:spPr>
+            <p:style>
+              <a:lnRef idx="2">
+                <a:schemeClr val="accent1">
+                  <a:shade val="50000"/>
+                </a:schemeClr>
+              </a:lnRef>
+              <a:fillRef idx="1">
+                <a:schemeClr val="accent1"/>
+              </a:fillRef>
+              <a:effectRef idx="0">
+                <a:schemeClr val="accent1"/>
+              </a:effectRef>
+              <a:fontRef idx="minor">
+                <a:schemeClr val="lt1"/>
+              </a:fontRef>
+            </p:style>
+            <p:txBody>
+              <a:bodyPr rtlCol="0" anchor="ctr"/>
+              <a:lstStyle/>
+              <a:p>
+                <a:pPr algn="ctr"/>
+                <a:endParaRPr lang="en-US" dirty="0"/>
+              </a:p>
+            </p:txBody>
+          </p:sp>
+          <p:sp>
+            <p:nvSpPr>
+              <p:cNvPr id="21" name="Rectangle 20"/>
+              <p:cNvSpPr/>
+              <p:nvPr/>
+            </p:nvSpPr>
+            <p:spPr>
+              <a:xfrm>
+                <a:off x="7696200" y="3581400"/>
+                <a:ext cx="381000" cy="304800"/>
+              </a:xfrm>
+              <a:prstGeom prst="rect">
+                <a:avLst/>
+              </a:prstGeom>
+              <a:solidFill>
+                <a:schemeClr val="bg1"/>
+              </a:solidFill>
+              <a:ln>
+                <a:solidFill>
+                  <a:schemeClr val="tx1"/>
+                </a:solidFill>
+              </a:ln>
+            </p:spPr>
+            <p:style>
+              <a:lnRef idx="2">
+                <a:schemeClr val="accent1">
+                  <a:shade val="50000"/>
+                </a:schemeClr>
+              </a:lnRef>
+              <a:fillRef idx="1">
+                <a:schemeClr val="accent1"/>
+              </a:fillRef>
+              <a:effectRef idx="0">
+                <a:schemeClr val="accent1"/>
+              </a:effectRef>
+              <a:fontRef idx="minor">
+                <a:schemeClr val="lt1"/>
+              </a:fontRef>
+            </p:style>
+            <p:txBody>
+              <a:bodyPr rtlCol="0" anchor="ctr"/>
+              <a:lstStyle/>
+              <a:p>
+                <a:pPr algn="ctr"/>
+                <a:endParaRPr lang="en-US" dirty="0"/>
+              </a:p>
+            </p:txBody>
+          </p:sp>
+          <p:sp>
+            <p:nvSpPr>
+              <p:cNvPr id="22" name="Rectangle 21"/>
+              <p:cNvSpPr/>
+              <p:nvPr/>
+            </p:nvSpPr>
+            <p:spPr>
+              <a:xfrm>
+                <a:off x="7696200" y="3886200"/>
+                <a:ext cx="381000" cy="304800"/>
+              </a:xfrm>
+              <a:prstGeom prst="rect">
+                <a:avLst/>
+              </a:prstGeom>
+              <a:solidFill>
+                <a:schemeClr val="bg1"/>
+              </a:solidFill>
+              <a:ln>
+                <a:solidFill>
+                  <a:schemeClr val="tx1"/>
+                </a:solidFill>
+              </a:ln>
+            </p:spPr>
+            <p:style>
+              <a:lnRef idx="2">
+                <a:schemeClr val="accent1">
+                  <a:shade val="50000"/>
+                </a:schemeClr>
+              </a:lnRef>
+              <a:fillRef idx="1">
+                <a:schemeClr val="accent1"/>
+              </a:fillRef>
+              <a:effectRef idx="0">
+                <a:schemeClr val="accent1"/>
+              </a:effectRef>
+              <a:fontRef idx="minor">
+                <a:schemeClr val="lt1"/>
+              </a:fontRef>
+            </p:style>
+            <p:txBody>
+              <a:bodyPr rtlCol="0" anchor="ctr"/>
+              <a:lstStyle/>
+              <a:p>
+                <a:pPr algn="ctr"/>
+                <a:endParaRPr lang="en-US" dirty="0"/>
+              </a:p>
+            </p:txBody>
+          </p:sp>
+          <p:sp>
+            <p:nvSpPr>
+              <p:cNvPr id="23" name="Rectangle 22"/>
+              <p:cNvSpPr/>
+              <p:nvPr/>
+            </p:nvSpPr>
+            <p:spPr>
+              <a:xfrm>
+                <a:off x="8077200" y="2971800"/>
+                <a:ext cx="381000" cy="304800"/>
+              </a:xfrm>
+              <a:prstGeom prst="rect">
+                <a:avLst/>
+              </a:prstGeom>
+              <a:solidFill>
+                <a:schemeClr val="bg1"/>
+              </a:solidFill>
+              <a:ln>
+                <a:solidFill>
+                  <a:schemeClr val="tx1"/>
+                </a:solidFill>
+              </a:ln>
+            </p:spPr>
+            <p:style>
+              <a:lnRef idx="2">
+                <a:schemeClr val="accent1">
+                  <a:shade val="50000"/>
+                </a:schemeClr>
+              </a:lnRef>
+              <a:fillRef idx="1">
+                <a:schemeClr val="accent1"/>
+              </a:fillRef>
+              <a:effectRef idx="0">
+                <a:schemeClr val="accent1"/>
+              </a:effectRef>
+              <a:fontRef idx="minor">
+                <a:schemeClr val="lt1"/>
+              </a:fontRef>
+            </p:style>
+            <p:txBody>
+              <a:bodyPr rtlCol="0" anchor="ctr"/>
+              <a:lstStyle/>
+              <a:p>
+                <a:pPr algn="ctr"/>
+                <a:endParaRPr lang="en-US" dirty="0"/>
+              </a:p>
+            </p:txBody>
+          </p:sp>
+          <p:sp>
+            <p:nvSpPr>
+              <p:cNvPr id="24" name="Rectangle 23"/>
+              <p:cNvSpPr/>
+              <p:nvPr/>
+            </p:nvSpPr>
+            <p:spPr>
+              <a:xfrm>
+                <a:off x="8077200" y="3276600"/>
+                <a:ext cx="381000" cy="304800"/>
+              </a:xfrm>
+              <a:prstGeom prst="rect">
+                <a:avLst/>
+              </a:prstGeom>
+              <a:solidFill>
+                <a:schemeClr val="bg1"/>
+              </a:solidFill>
+              <a:ln>
+                <a:solidFill>
+                  <a:schemeClr val="tx1"/>
+                </a:solidFill>
+              </a:ln>
+            </p:spPr>
+            <p:style>
+              <a:lnRef idx="2">
+                <a:schemeClr val="accent1">
+                  <a:shade val="50000"/>
+                </a:schemeClr>
+              </a:lnRef>
+              <a:fillRef idx="1">
+                <a:schemeClr val="accent1"/>
+              </a:fillRef>
+              <a:effectRef idx="0">
+                <a:schemeClr val="accent1"/>
+              </a:effectRef>
+              <a:fontRef idx="minor">
+                <a:schemeClr val="lt1"/>
+              </a:fontRef>
+            </p:style>
+            <p:txBody>
+              <a:bodyPr rtlCol="0" anchor="ctr"/>
+              <a:lstStyle/>
+              <a:p>
+                <a:pPr algn="ctr"/>
+                <a:endParaRPr lang="en-US" dirty="0"/>
+              </a:p>
+            </p:txBody>
+          </p:sp>
+          <p:sp>
+            <p:nvSpPr>
+              <p:cNvPr id="25" name="Rectangle 24"/>
+              <p:cNvSpPr/>
+              <p:nvPr/>
+            </p:nvSpPr>
+            <p:spPr>
+              <a:xfrm>
+                <a:off x="8077200" y="3581400"/>
+                <a:ext cx="381000" cy="304800"/>
+              </a:xfrm>
+              <a:prstGeom prst="rect">
+                <a:avLst/>
+              </a:prstGeom>
+              <a:solidFill>
+                <a:schemeClr val="bg1"/>
+              </a:solidFill>
+              <a:ln>
+                <a:solidFill>
+                  <a:schemeClr val="tx1"/>
+                </a:solidFill>
+              </a:ln>
+            </p:spPr>
+            <p:style>
+              <a:lnRef idx="2">
+                <a:schemeClr val="accent1">
+                  <a:shade val="50000"/>
+                </a:schemeClr>
+              </a:lnRef>
+              <a:fillRef idx="1">
+                <a:schemeClr val="accent1"/>
+              </a:fillRef>
+              <a:effectRef idx="0">
+                <a:schemeClr val="accent1"/>
+              </a:effectRef>
+              <a:fontRef idx="minor">
+                <a:schemeClr val="lt1"/>
+              </a:fontRef>
+            </p:style>
+            <p:txBody>
+              <a:bodyPr rtlCol="0" anchor="ctr"/>
+              <a:lstStyle/>
+              <a:p>
+                <a:pPr algn="ctr"/>
+                <a:endParaRPr lang="en-US" dirty="0"/>
+              </a:p>
+            </p:txBody>
+          </p:sp>
+          <p:sp>
+            <p:nvSpPr>
+              <p:cNvPr id="26" name="Rectangle 25"/>
+              <p:cNvSpPr/>
+              <p:nvPr/>
+            </p:nvSpPr>
+            <p:spPr>
+              <a:xfrm>
+                <a:off x="8077200" y="3886200"/>
+                <a:ext cx="381000" cy="304800"/>
+              </a:xfrm>
+              <a:prstGeom prst="rect">
+                <a:avLst/>
+              </a:prstGeom>
+              <a:solidFill>
+                <a:schemeClr val="bg1"/>
+              </a:solidFill>
+              <a:ln>
+                <a:solidFill>
+                  <a:schemeClr val="tx1"/>
+                </a:solidFill>
+              </a:ln>
+            </p:spPr>
+            <p:style>
+              <a:lnRef idx="2">
+                <a:schemeClr val="accent1">
+                  <a:shade val="50000"/>
+                </a:schemeClr>
+              </a:lnRef>
+              <a:fillRef idx="1">
+                <a:schemeClr val="accent1"/>
+              </a:fillRef>
+              <a:effectRef idx="0">
+                <a:schemeClr val="accent1"/>
+              </a:effectRef>
+              <a:fontRef idx="minor">
+                <a:schemeClr val="lt1"/>
+              </a:fontRef>
+            </p:style>
+            <p:txBody>
+              <a:bodyPr rtlCol="0" anchor="ctr"/>
+              <a:lstStyle/>
+              <a:p>
+                <a:pPr algn="ctr"/>
+                <a:endParaRPr lang="en-US" dirty="0"/>
+              </a:p>
+            </p:txBody>
+          </p:sp>
+          <p:sp>
+            <p:nvSpPr>
+              <p:cNvPr id="27" name="Rectangle 26"/>
+              <p:cNvSpPr/>
+              <p:nvPr/>
+            </p:nvSpPr>
+            <p:spPr>
+              <a:xfrm>
+                <a:off x="6172200" y="2971800"/>
+                <a:ext cx="381000" cy="304800"/>
+              </a:xfrm>
+              <a:prstGeom prst="rect">
+                <a:avLst/>
+              </a:prstGeom>
+              <a:solidFill>
+                <a:schemeClr val="bg1"/>
+              </a:solidFill>
+              <a:ln>
+                <a:solidFill>
+                  <a:schemeClr val="tx1"/>
+                </a:solidFill>
+              </a:ln>
+            </p:spPr>
+            <p:style>
+              <a:lnRef idx="2">
+                <a:schemeClr val="accent1">
+                  <a:shade val="50000"/>
+                </a:schemeClr>
+              </a:lnRef>
+              <a:fillRef idx="1">
+                <a:schemeClr val="accent1"/>
+              </a:fillRef>
+              <a:effectRef idx="0">
+                <a:schemeClr val="accent1"/>
+              </a:effectRef>
+              <a:fontRef idx="minor">
+                <a:schemeClr val="lt1"/>
+              </a:fontRef>
+            </p:style>
+            <p:txBody>
+              <a:bodyPr rtlCol="0" anchor="ctr"/>
+              <a:lstStyle/>
+              <a:p>
+                <a:pPr algn="ctr"/>
+                <a:endParaRPr lang="en-US" dirty="0"/>
+              </a:p>
+            </p:txBody>
+          </p:sp>
+          <p:sp>
+            <p:nvSpPr>
+              <p:cNvPr id="28" name="Rectangle 27"/>
+              <p:cNvSpPr/>
+              <p:nvPr/>
+            </p:nvSpPr>
+            <p:spPr>
+              <a:xfrm>
+                <a:off x="6172200" y="3276600"/>
+                <a:ext cx="381000" cy="304800"/>
+              </a:xfrm>
+              <a:prstGeom prst="rect">
+                <a:avLst/>
+              </a:prstGeom>
+              <a:solidFill>
+                <a:schemeClr val="bg1"/>
+              </a:solidFill>
+              <a:ln>
+                <a:solidFill>
+                  <a:schemeClr val="tx1"/>
+                </a:solidFill>
+              </a:ln>
+            </p:spPr>
+            <p:style>
+              <a:lnRef idx="2">
+                <a:schemeClr val="accent1">
+                  <a:shade val="50000"/>
+                </a:schemeClr>
+              </a:lnRef>
+              <a:fillRef idx="1">
+                <a:schemeClr val="accent1"/>
+              </a:fillRef>
+              <a:effectRef idx="0">
+                <a:schemeClr val="accent1"/>
+              </a:effectRef>
+              <a:fontRef idx="minor">
+                <a:schemeClr val="lt1"/>
+              </a:fontRef>
+            </p:style>
+            <p:txBody>
+              <a:bodyPr rtlCol="0" anchor="ctr"/>
+              <a:lstStyle/>
+              <a:p>
+                <a:pPr algn="ctr"/>
+                <a:endParaRPr lang="en-US" dirty="0"/>
+              </a:p>
+            </p:txBody>
+          </p:sp>
+          <p:sp>
+            <p:nvSpPr>
+              <p:cNvPr id="29" name="Rectangle 28"/>
+              <p:cNvSpPr/>
+              <p:nvPr/>
+            </p:nvSpPr>
+            <p:spPr>
+              <a:xfrm>
+                <a:off x="6172200" y="3581400"/>
+                <a:ext cx="381000" cy="304800"/>
+              </a:xfrm>
+              <a:prstGeom prst="rect">
+                <a:avLst/>
+              </a:prstGeom>
+              <a:solidFill>
+                <a:schemeClr val="bg1"/>
+              </a:solidFill>
+              <a:ln>
+                <a:solidFill>
+                  <a:schemeClr val="tx1"/>
+                </a:solidFill>
+              </a:ln>
+            </p:spPr>
+            <p:style>
+              <a:lnRef idx="2">
+                <a:schemeClr val="accent1">
+                  <a:shade val="50000"/>
+                </a:schemeClr>
+              </a:lnRef>
+              <a:fillRef idx="1">
+                <a:schemeClr val="accent1"/>
+              </a:fillRef>
+              <a:effectRef idx="0">
+                <a:schemeClr val="accent1"/>
+              </a:effectRef>
+              <a:fontRef idx="minor">
+                <a:schemeClr val="lt1"/>
+              </a:fontRef>
+            </p:style>
+            <p:txBody>
+              <a:bodyPr rtlCol="0" anchor="ctr"/>
+              <a:lstStyle/>
+              <a:p>
+                <a:pPr algn="ctr"/>
+                <a:endParaRPr lang="en-US" dirty="0"/>
+              </a:p>
+            </p:txBody>
+          </p:sp>
+          <p:sp>
+            <p:nvSpPr>
+              <p:cNvPr id="30" name="Rectangle 29"/>
+              <p:cNvSpPr/>
+              <p:nvPr/>
+            </p:nvSpPr>
+            <p:spPr>
+              <a:xfrm>
+                <a:off x="6172200" y="3886200"/>
+                <a:ext cx="381000" cy="304800"/>
+              </a:xfrm>
+              <a:prstGeom prst="rect">
+                <a:avLst/>
+              </a:prstGeom>
+              <a:solidFill>
+                <a:schemeClr val="bg1"/>
+              </a:solidFill>
+              <a:ln>
+                <a:solidFill>
+                  <a:schemeClr val="tx1"/>
+                </a:solidFill>
+              </a:ln>
+            </p:spPr>
+            <p:style>
+              <a:lnRef idx="2">
+                <a:schemeClr val="accent1">
+                  <a:shade val="50000"/>
+                </a:schemeClr>
+              </a:lnRef>
+              <a:fillRef idx="1">
+                <a:schemeClr val="accent1"/>
+              </a:fillRef>
+              <a:effectRef idx="0">
+                <a:schemeClr val="accent1"/>
+              </a:effectRef>
+              <a:fontRef idx="minor">
+                <a:schemeClr val="lt1"/>
+              </a:fontRef>
+            </p:style>
+            <p:txBody>
+              <a:bodyPr rtlCol="0" anchor="ctr"/>
+              <a:lstStyle/>
+              <a:p>
+                <a:pPr algn="ctr"/>
+                <a:endParaRPr lang="en-US" dirty="0"/>
+              </a:p>
+            </p:txBody>
+          </p:sp>
+        </p:grpSp>
+        <p:sp>
+          <p:nvSpPr>
+            <p:cNvPr id="32" name="TextBox 31"/>
+            <p:cNvSpPr txBox="1"/>
+            <p:nvPr/>
+          </p:nvSpPr>
+          <p:spPr>
+            <a:xfrm>
+              <a:off x="6172200" y="2895600"/>
+              <a:ext cx="533400" cy="369332"/>
+            </a:xfrm>
+            <a:prstGeom prst="rect">
+              <a:avLst/>
+            </a:prstGeom>
+            <a:noFill/>
+          </p:spPr>
+          <p:txBody>
+            <a:bodyPr wrap="square" rtlCol="0">
+              <a:spAutoFit/>
+            </a:bodyPr>
+            <a:lstStyle/>
+            <a:p>
+              <a:r>
+                <a:rPr lang="en-US" dirty="0" smtClean="0"/>
+                <a:t>X</a:t>
+              </a:r>
+              <a:endParaRPr lang="en-US" dirty="0"/>
+            </a:p>
+          </p:txBody>
+        </p:sp>
+        <p:sp>
+          <p:nvSpPr>
+            <p:cNvPr id="33" name="TextBox 32"/>
+            <p:cNvSpPr txBox="1"/>
+            <p:nvPr/>
+          </p:nvSpPr>
+          <p:spPr>
+            <a:xfrm>
+              <a:off x="6553200" y="3200400"/>
+              <a:ext cx="533400" cy="369332"/>
+            </a:xfrm>
+            <a:prstGeom prst="rect">
+              <a:avLst/>
+            </a:prstGeom>
+            <a:noFill/>
+          </p:spPr>
+          <p:txBody>
+            <a:bodyPr wrap="square" rtlCol="0">
+              <a:spAutoFit/>
+            </a:bodyPr>
+            <a:lstStyle/>
+            <a:p>
+              <a:r>
+                <a:rPr lang="en-US" dirty="0" smtClean="0"/>
+                <a:t>X</a:t>
+              </a:r>
+              <a:endParaRPr lang="en-US" dirty="0"/>
+            </a:p>
+          </p:txBody>
+        </p:sp>
+        <p:sp>
+          <p:nvSpPr>
+            <p:cNvPr id="34" name="TextBox 33"/>
+            <p:cNvSpPr txBox="1"/>
+            <p:nvPr/>
+          </p:nvSpPr>
+          <p:spPr>
+            <a:xfrm>
+              <a:off x="6172200" y="3505200"/>
+              <a:ext cx="533400" cy="369332"/>
+            </a:xfrm>
+            <a:prstGeom prst="rect">
+              <a:avLst/>
+            </a:prstGeom>
+            <a:noFill/>
+          </p:spPr>
+          <p:txBody>
+            <a:bodyPr wrap="square" rtlCol="0">
+              <a:spAutoFit/>
+            </a:bodyPr>
+            <a:lstStyle/>
+            <a:p>
+              <a:r>
+                <a:rPr lang="en-US" dirty="0" smtClean="0"/>
+                <a:t>X</a:t>
+              </a:r>
+              <a:endParaRPr lang="en-US" dirty="0"/>
+            </a:p>
+          </p:txBody>
+        </p:sp>
+        <p:sp>
+          <p:nvSpPr>
+            <p:cNvPr id="35" name="TextBox 34"/>
+            <p:cNvSpPr txBox="1"/>
+            <p:nvPr/>
+          </p:nvSpPr>
+          <p:spPr>
+            <a:xfrm>
+              <a:off x="7315200" y="2895600"/>
+              <a:ext cx="609600" cy="369332"/>
+            </a:xfrm>
+            <a:prstGeom prst="rect">
+              <a:avLst/>
+            </a:prstGeom>
+            <a:noFill/>
+          </p:spPr>
+          <p:txBody>
+            <a:bodyPr wrap="square" rtlCol="0">
+              <a:spAutoFit/>
+            </a:bodyPr>
+            <a:lstStyle/>
+            <a:p>
+              <a:r>
+                <a:rPr lang="en-US" dirty="0" smtClean="0"/>
+                <a:t>O</a:t>
+              </a:r>
+              <a:endParaRPr lang="en-US" dirty="0"/>
+            </a:p>
+          </p:txBody>
+        </p:sp>
+        <p:sp>
+          <p:nvSpPr>
+            <p:cNvPr id="36" name="TextBox 35"/>
+            <p:cNvSpPr txBox="1"/>
+            <p:nvPr/>
+          </p:nvSpPr>
+          <p:spPr>
+            <a:xfrm>
+              <a:off x="8077200" y="3810000"/>
+              <a:ext cx="609600" cy="369332"/>
+            </a:xfrm>
+            <a:prstGeom prst="rect">
+              <a:avLst/>
+            </a:prstGeom>
+            <a:noFill/>
+          </p:spPr>
+          <p:txBody>
+            <a:bodyPr wrap="square" rtlCol="0">
+              <a:spAutoFit/>
+            </a:bodyPr>
+            <a:lstStyle/>
+            <a:p>
+              <a:r>
+                <a:rPr lang="en-US" dirty="0" smtClean="0"/>
+                <a:t>O</a:t>
+              </a:r>
+              <a:endParaRPr lang="en-US" dirty="0"/>
+            </a:p>
+          </p:txBody>
+        </p:sp>
+        <p:sp>
+          <p:nvSpPr>
+            <p:cNvPr id="37" name="TextBox 36"/>
+            <p:cNvSpPr txBox="1"/>
+            <p:nvPr/>
+          </p:nvSpPr>
+          <p:spPr>
+            <a:xfrm>
+              <a:off x="7696200" y="3505200"/>
+              <a:ext cx="609600" cy="369332"/>
+            </a:xfrm>
+            <a:prstGeom prst="rect">
+              <a:avLst/>
+            </a:prstGeom>
+            <a:noFill/>
+          </p:spPr>
+          <p:txBody>
+            <a:bodyPr wrap="square" rtlCol="0">
+              <a:spAutoFit/>
+            </a:bodyPr>
+            <a:lstStyle/>
+            <a:p>
+              <a:r>
+                <a:rPr lang="en-US" dirty="0" smtClean="0"/>
+                <a:t>O</a:t>
+              </a:r>
+              <a:endParaRPr lang="en-US" dirty="0"/>
+            </a:p>
+          </p:txBody>
+        </p:sp>
+      </p:grpSp>
+      <p:pic>
+        <p:nvPicPr>
+          <p:cNvPr id="2050" name="Picture 2" descr="http://t1.gstatic.com/images?q=tbn:DfwJv-0KT8KniM:http://blog.timesunion.com/tech/files/2009/10/powerglove.jpg">
+            <a:hlinkClick r:id="rId3"/>
+          </p:cNvPr>
+          <p:cNvPicPr>
+            <a:picLocks noChangeAspect="1" noChangeArrowheads="1"/>
+          </p:cNvPicPr>
+          <p:nvPr/>
+        </p:nvPicPr>
+        <p:blipFill>
+          <a:blip r:embed="rId4" cstate="print"/>
+          <a:srcRect/>
+          <a:stretch>
+            <a:fillRect/>
+          </a:stretch>
+        </p:blipFill>
+        <p:spPr bwMode="auto">
+          <a:xfrm>
+            <a:off x="6400800" y="1828800"/>
+            <a:ext cx="2545347" cy="2438400"/>
+          </a:xfrm>
+          <a:prstGeom prst="rect">
+            <a:avLst/>
+          </a:prstGeom>
+          <a:noFill/>
+        </p:spPr>
+      </p:pic>
+    </p:spTree>
+  </p:cSld>
+  <p:clrMapOvr>
+    <a:masterClrMapping/>
+  </p:clrMapOvr>
+  <p:timing>
+    <p:tnLst>
+      <p:par>
+        <p:cTn id="1" dur="indefinite" restart="never" nodeType="tmRoot"/>
+      </p:par>
+    </p:tnLst>
+  </p:timing>
+</p:sld>
+</file>
+
+<file path=ppt/slides/slide40.xml><?xml version="1.0" encoding="utf-8"?>
 <p:sld xmlns:a="http://schemas.openxmlformats.org/drawingml/2006/main" xmlns:r="http://schemas.openxmlformats.org/officeDocument/2006/relationships" xmlns:p="http://schemas.openxmlformats.org/presentationml/2006/main">
   <p:cSld>
     <p:spTree>
@@ -23590,7 +25529,7 @@
             <a:fld id="{B6F15528-21DE-4FAA-801E-634DDDAF4B2B}" type="slidenum">
               <a:rPr lang="en-US" smtClean="0"/>
               <a:pPr/>
-              <a:t>38</a:t>
+              <a:t>40</a:t>
             </a:fld>
             <a:endParaRPr lang="en-US" dirty="0"/>
           </a:p>
@@ -23669,7 +25608,7 @@
 </p:sld>
 </file>
 
-<file path=ppt/slides/slide39.xml><?xml version="1.0" encoding="utf-8"?>
+<file path=ppt/slides/slide41.xml><?xml version="1.0" encoding="utf-8"?>
 <p:sld xmlns:a="http://schemas.openxmlformats.org/drawingml/2006/main" xmlns:r="http://schemas.openxmlformats.org/officeDocument/2006/relationships" xmlns:p="http://schemas.openxmlformats.org/presentationml/2006/main">
   <p:cSld>
     <p:spTree>
@@ -23727,7 +25666,7 @@
             <a:fld id="{B6F15528-21DE-4FAA-801E-634DDDAF4B2B}" type="slidenum">
               <a:rPr lang="en-US" smtClean="0"/>
               <a:pPr/>
-              <a:t>39</a:t>
+              <a:t>41</a:t>
             </a:fld>
             <a:endParaRPr lang="en-US" dirty="0"/>
           </a:p>
@@ -29538,1907 +31477,6 @@
 </p:sld>
 </file>
 
-<file path=ppt/slides/slide4.xml><?xml version="1.0" encoding="utf-8"?>
-<p:sld xmlns:a="http://schemas.openxmlformats.org/drawingml/2006/main" xmlns:r="http://schemas.openxmlformats.org/officeDocument/2006/relationships" xmlns:p="http://schemas.openxmlformats.org/presentationml/2006/main">
-  <p:cSld>
-    <p:spTree>
-      <p:nvGrpSpPr>
-        <p:cNvPr id="1" name=""/>
-        <p:cNvGrpSpPr/>
-        <p:nvPr/>
-      </p:nvGrpSpPr>
-      <p:grpSpPr>
-        <a:xfrm>
-          <a:off x="0" y="0"/>
-          <a:ext cx="0" cy="0"/>
-          <a:chOff x="0" y="0"/>
-          <a:chExt cx="0" cy="0"/>
-        </a:xfrm>
-      </p:grpSpPr>
-      <p:sp>
-        <p:nvSpPr>
-          <p:cNvPr id="2" name="Title 1"/>
-          <p:cNvSpPr>
-            <a:spLocks noGrp="1"/>
-          </p:cNvSpPr>
-          <p:nvPr>
-            <p:ph type="title"/>
-          </p:nvPr>
-        </p:nvSpPr>
-        <p:spPr/>
-        <p:txBody>
-          <a:bodyPr/>
-          <a:lstStyle/>
-          <a:p>
-            <a:r>
-              <a:rPr lang="en-US" dirty="0" smtClean="0"/>
-              <a:t>Duel Reality: the Game</a:t>
-            </a:r>
-            <a:endParaRPr lang="en-US" dirty="0"/>
-          </a:p>
-        </p:txBody>
-      </p:sp>
-      <p:sp>
-        <p:nvSpPr>
-          <p:cNvPr id="3" name="Content Placeholder 2"/>
-          <p:cNvSpPr>
-            <a:spLocks noGrp="1"/>
-          </p:cNvSpPr>
-          <p:nvPr>
-            <p:ph idx="1"/>
-          </p:nvPr>
-        </p:nvSpPr>
-        <p:spPr>
-          <a:xfrm>
-            <a:off x="457200" y="1600200"/>
-            <a:ext cx="8229600" cy="4343400"/>
-          </a:xfrm>
-        </p:spPr>
-        <p:txBody>
-          <a:bodyPr>
-            <a:normAutofit fontScale="85000" lnSpcReduction="20000"/>
-          </a:bodyPr>
-          <a:lstStyle/>
-          <a:p>
-            <a:r>
-              <a:rPr lang="en-US" dirty="0" smtClean="0"/>
-              <a:t>Total Game play experience</a:t>
-            </a:r>
-          </a:p>
-          <a:p>
-            <a:pPr lvl="1"/>
-            <a:r>
-              <a:rPr lang="en-US" dirty="0" smtClean="0"/>
-              <a:t>2D</a:t>
-            </a:r>
-          </a:p>
-          <a:p>
-            <a:pPr lvl="1"/>
-            <a:r>
-              <a:rPr lang="en-US" dirty="0" smtClean="0"/>
-              <a:t>Turn based</a:t>
-            </a:r>
-          </a:p>
-          <a:p>
-            <a:pPr lvl="1"/>
-            <a:r>
-              <a:rPr lang="en-US" dirty="0" smtClean="0"/>
-              <a:t>Strategy battle simulation</a:t>
-            </a:r>
-          </a:p>
-          <a:p>
-            <a:pPr lvl="1"/>
-            <a:r>
-              <a:rPr lang="en-US" dirty="0" smtClean="0"/>
-              <a:t>1 Player  w/ Ai opponent</a:t>
-            </a:r>
-          </a:p>
-          <a:p>
-            <a:pPr lvl="1"/>
-            <a:r>
-              <a:rPr lang="en-US" dirty="0" smtClean="0"/>
-              <a:t>(maybe 2)</a:t>
-            </a:r>
-          </a:p>
-          <a:p>
-            <a:pPr lvl="1"/>
-            <a:r>
-              <a:rPr lang="en-US" dirty="0" smtClean="0"/>
-              <a:t>Upgradable units</a:t>
-            </a:r>
-          </a:p>
-          <a:p>
-            <a:pPr lvl="1"/>
-            <a:r>
-              <a:rPr lang="en-US" dirty="0" smtClean="0"/>
-              <a:t>7  - level Campaign and Free Battle Modes</a:t>
-            </a:r>
-          </a:p>
-          <a:p>
-            <a:pPr lvl="1"/>
-            <a:r>
-              <a:rPr lang="en-US" dirty="0" smtClean="0"/>
-              <a:t>Save / Load functionality</a:t>
-            </a:r>
-          </a:p>
-          <a:p>
-            <a:pPr lvl="1"/>
-            <a:r>
-              <a:rPr lang="en-US" dirty="0" smtClean="0"/>
-              <a:t>Amazing Graphics and Sound</a:t>
-            </a:r>
-          </a:p>
-          <a:p>
-            <a:pPr lvl="1"/>
-            <a:r>
-              <a:rPr lang="en-US" dirty="0" smtClean="0"/>
-              <a:t>Dynamic Action Points Game play</a:t>
-            </a:r>
-          </a:p>
-          <a:p>
-            <a:endParaRPr lang="en-US" dirty="0" smtClean="0"/>
-          </a:p>
-          <a:p>
-            <a:endParaRPr lang="en-US" dirty="0" smtClean="0"/>
-          </a:p>
-        </p:txBody>
-      </p:sp>
-      <p:sp>
-        <p:nvSpPr>
-          <p:cNvPr id="4" name="Slide Number Placeholder 3"/>
-          <p:cNvSpPr>
-            <a:spLocks noGrp="1"/>
-          </p:cNvSpPr>
-          <p:nvPr>
-            <p:ph type="sldNum" sz="quarter" idx="12"/>
-          </p:nvPr>
-        </p:nvSpPr>
-        <p:spPr/>
-        <p:txBody>
-          <a:bodyPr/>
-          <a:lstStyle/>
-          <a:p>
-            <a:fld id="{B6F15528-21DE-4FAA-801E-634DDDAF4B2B}" type="slidenum">
-              <a:rPr lang="en-US" smtClean="0"/>
-              <a:pPr/>
-              <a:t>4</a:t>
-            </a:fld>
-            <a:endParaRPr lang="en-US" dirty="0"/>
-          </a:p>
-        </p:txBody>
-      </p:sp>
-      <p:pic>
-        <p:nvPicPr>
-          <p:cNvPr id="5" name="Picture 4" descr="logo.jpg"/>
-          <p:cNvPicPr>
-            <a:picLocks noChangeAspect="1"/>
-          </p:cNvPicPr>
-          <p:nvPr/>
-        </p:nvPicPr>
-        <p:blipFill>
-          <a:blip r:embed="rId2" cstate="print"/>
-          <a:stretch>
-            <a:fillRect/>
-          </a:stretch>
-        </p:blipFill>
-        <p:spPr>
-          <a:xfrm>
-            <a:off x="7956253" y="0"/>
-            <a:ext cx="1187747" cy="1328738"/>
-          </a:xfrm>
-          <a:prstGeom prst="rect">
-            <a:avLst/>
-          </a:prstGeom>
-        </p:spPr>
-      </p:pic>
-      <p:grpSp>
-        <p:nvGrpSpPr>
-          <p:cNvPr id="38" name="Group 37"/>
-          <p:cNvGrpSpPr/>
-          <p:nvPr/>
-        </p:nvGrpSpPr>
-        <p:grpSpPr>
-          <a:xfrm>
-            <a:off x="6400800" y="4648200"/>
-            <a:ext cx="2514600" cy="1295400"/>
-            <a:chOff x="6172200" y="2895600"/>
-            <a:chExt cx="2514600" cy="1295400"/>
-          </a:xfrm>
-        </p:grpSpPr>
-        <p:grpSp>
-          <p:nvGrpSpPr>
-            <p:cNvPr id="31" name="Group 30"/>
-            <p:cNvGrpSpPr/>
-            <p:nvPr/>
-          </p:nvGrpSpPr>
-          <p:grpSpPr>
-            <a:xfrm>
-              <a:off x="6172200" y="2971800"/>
-              <a:ext cx="2286000" cy="1219200"/>
-              <a:chOff x="6172200" y="2971800"/>
-              <a:chExt cx="2286000" cy="1219200"/>
-            </a:xfrm>
-          </p:grpSpPr>
-          <p:sp>
-            <p:nvSpPr>
-              <p:cNvPr id="7" name="Rectangle 6"/>
-              <p:cNvSpPr/>
-              <p:nvPr/>
-            </p:nvSpPr>
-            <p:spPr>
-              <a:xfrm>
-                <a:off x="6553200" y="2971800"/>
-                <a:ext cx="381000" cy="304800"/>
-              </a:xfrm>
-              <a:prstGeom prst="rect">
-                <a:avLst/>
-              </a:prstGeom>
-              <a:solidFill>
-                <a:schemeClr val="bg1"/>
-              </a:solidFill>
-              <a:ln>
-                <a:solidFill>
-                  <a:schemeClr val="tx1"/>
-                </a:solidFill>
-              </a:ln>
-            </p:spPr>
-            <p:style>
-              <a:lnRef idx="2">
-                <a:schemeClr val="accent1">
-                  <a:shade val="50000"/>
-                </a:schemeClr>
-              </a:lnRef>
-              <a:fillRef idx="1">
-                <a:schemeClr val="accent1"/>
-              </a:fillRef>
-              <a:effectRef idx="0">
-                <a:schemeClr val="accent1"/>
-              </a:effectRef>
-              <a:fontRef idx="minor">
-                <a:schemeClr val="lt1"/>
-              </a:fontRef>
-            </p:style>
-            <p:txBody>
-              <a:bodyPr rtlCol="0" anchor="ctr"/>
-              <a:lstStyle/>
-              <a:p>
-                <a:pPr algn="ctr"/>
-                <a:endParaRPr lang="en-US" dirty="0"/>
-              </a:p>
-            </p:txBody>
-          </p:sp>
-          <p:sp>
-            <p:nvSpPr>
-              <p:cNvPr id="8" name="Rectangle 7"/>
-              <p:cNvSpPr/>
-              <p:nvPr/>
-            </p:nvSpPr>
-            <p:spPr>
-              <a:xfrm>
-                <a:off x="6553200" y="3276600"/>
-                <a:ext cx="381000" cy="304800"/>
-              </a:xfrm>
-              <a:prstGeom prst="rect">
-                <a:avLst/>
-              </a:prstGeom>
-              <a:solidFill>
-                <a:schemeClr val="bg1"/>
-              </a:solidFill>
-              <a:ln>
-                <a:solidFill>
-                  <a:schemeClr val="tx1"/>
-                </a:solidFill>
-              </a:ln>
-            </p:spPr>
-            <p:style>
-              <a:lnRef idx="2">
-                <a:schemeClr val="accent1">
-                  <a:shade val="50000"/>
-                </a:schemeClr>
-              </a:lnRef>
-              <a:fillRef idx="1">
-                <a:schemeClr val="accent1"/>
-              </a:fillRef>
-              <a:effectRef idx="0">
-                <a:schemeClr val="accent1"/>
-              </a:effectRef>
-              <a:fontRef idx="minor">
-                <a:schemeClr val="lt1"/>
-              </a:fontRef>
-            </p:style>
-            <p:txBody>
-              <a:bodyPr rtlCol="0" anchor="ctr"/>
-              <a:lstStyle/>
-              <a:p>
-                <a:pPr algn="ctr"/>
-                <a:endParaRPr lang="en-US" dirty="0"/>
-              </a:p>
-            </p:txBody>
-          </p:sp>
-          <p:sp>
-            <p:nvSpPr>
-              <p:cNvPr id="9" name="Rectangle 8"/>
-              <p:cNvSpPr/>
-              <p:nvPr/>
-            </p:nvSpPr>
-            <p:spPr>
-              <a:xfrm>
-                <a:off x="6553200" y="3581400"/>
-                <a:ext cx="381000" cy="304800"/>
-              </a:xfrm>
-              <a:prstGeom prst="rect">
-                <a:avLst/>
-              </a:prstGeom>
-              <a:solidFill>
-                <a:schemeClr val="bg1"/>
-              </a:solidFill>
-              <a:ln>
-                <a:solidFill>
-                  <a:schemeClr val="tx1"/>
-                </a:solidFill>
-              </a:ln>
-            </p:spPr>
-            <p:style>
-              <a:lnRef idx="2">
-                <a:schemeClr val="accent1">
-                  <a:shade val="50000"/>
-                </a:schemeClr>
-              </a:lnRef>
-              <a:fillRef idx="1">
-                <a:schemeClr val="accent1"/>
-              </a:fillRef>
-              <a:effectRef idx="0">
-                <a:schemeClr val="accent1"/>
-              </a:effectRef>
-              <a:fontRef idx="minor">
-                <a:schemeClr val="lt1"/>
-              </a:fontRef>
-            </p:style>
-            <p:txBody>
-              <a:bodyPr rtlCol="0" anchor="ctr"/>
-              <a:lstStyle/>
-              <a:p>
-                <a:pPr algn="ctr"/>
-                <a:endParaRPr lang="en-US" dirty="0"/>
-              </a:p>
-            </p:txBody>
-          </p:sp>
-          <p:sp>
-            <p:nvSpPr>
-              <p:cNvPr id="10" name="Rectangle 9"/>
-              <p:cNvSpPr/>
-              <p:nvPr/>
-            </p:nvSpPr>
-            <p:spPr>
-              <a:xfrm>
-                <a:off x="6553200" y="3886200"/>
-                <a:ext cx="381000" cy="304800"/>
-              </a:xfrm>
-              <a:prstGeom prst="rect">
-                <a:avLst/>
-              </a:prstGeom>
-              <a:solidFill>
-                <a:schemeClr val="bg1"/>
-              </a:solidFill>
-              <a:ln>
-                <a:solidFill>
-                  <a:schemeClr val="tx1"/>
-                </a:solidFill>
-              </a:ln>
-            </p:spPr>
-            <p:style>
-              <a:lnRef idx="2">
-                <a:schemeClr val="accent1">
-                  <a:shade val="50000"/>
-                </a:schemeClr>
-              </a:lnRef>
-              <a:fillRef idx="1">
-                <a:schemeClr val="accent1"/>
-              </a:fillRef>
-              <a:effectRef idx="0">
-                <a:schemeClr val="accent1"/>
-              </a:effectRef>
-              <a:fontRef idx="minor">
-                <a:schemeClr val="lt1"/>
-              </a:fontRef>
-            </p:style>
-            <p:txBody>
-              <a:bodyPr rtlCol="0" anchor="ctr"/>
-              <a:lstStyle/>
-              <a:p>
-                <a:pPr algn="ctr"/>
-                <a:endParaRPr lang="en-US" dirty="0"/>
-              </a:p>
-            </p:txBody>
-          </p:sp>
-          <p:sp>
-            <p:nvSpPr>
-              <p:cNvPr id="11" name="Rectangle 10"/>
-              <p:cNvSpPr/>
-              <p:nvPr/>
-            </p:nvSpPr>
-            <p:spPr>
-              <a:xfrm>
-                <a:off x="6934200" y="2971800"/>
-                <a:ext cx="381000" cy="304800"/>
-              </a:xfrm>
-              <a:prstGeom prst="rect">
-                <a:avLst/>
-              </a:prstGeom>
-              <a:solidFill>
-                <a:schemeClr val="bg1"/>
-              </a:solidFill>
-              <a:ln>
-                <a:solidFill>
-                  <a:schemeClr val="tx1"/>
-                </a:solidFill>
-              </a:ln>
-            </p:spPr>
-            <p:style>
-              <a:lnRef idx="2">
-                <a:schemeClr val="accent1">
-                  <a:shade val="50000"/>
-                </a:schemeClr>
-              </a:lnRef>
-              <a:fillRef idx="1">
-                <a:schemeClr val="accent1"/>
-              </a:fillRef>
-              <a:effectRef idx="0">
-                <a:schemeClr val="accent1"/>
-              </a:effectRef>
-              <a:fontRef idx="minor">
-                <a:schemeClr val="lt1"/>
-              </a:fontRef>
-            </p:style>
-            <p:txBody>
-              <a:bodyPr rtlCol="0" anchor="ctr"/>
-              <a:lstStyle/>
-              <a:p>
-                <a:pPr algn="ctr"/>
-                <a:endParaRPr lang="en-US" dirty="0"/>
-              </a:p>
-            </p:txBody>
-          </p:sp>
-          <p:sp>
-            <p:nvSpPr>
-              <p:cNvPr id="12" name="Rectangle 11"/>
-              <p:cNvSpPr/>
-              <p:nvPr/>
-            </p:nvSpPr>
-            <p:spPr>
-              <a:xfrm>
-                <a:off x="6934200" y="3276600"/>
-                <a:ext cx="381000" cy="304800"/>
-              </a:xfrm>
-              <a:prstGeom prst="rect">
-                <a:avLst/>
-              </a:prstGeom>
-              <a:solidFill>
-                <a:schemeClr val="bg1"/>
-              </a:solidFill>
-              <a:ln>
-                <a:solidFill>
-                  <a:schemeClr val="tx1"/>
-                </a:solidFill>
-              </a:ln>
-            </p:spPr>
-            <p:style>
-              <a:lnRef idx="2">
-                <a:schemeClr val="accent1">
-                  <a:shade val="50000"/>
-                </a:schemeClr>
-              </a:lnRef>
-              <a:fillRef idx="1">
-                <a:schemeClr val="accent1"/>
-              </a:fillRef>
-              <a:effectRef idx="0">
-                <a:schemeClr val="accent1"/>
-              </a:effectRef>
-              <a:fontRef idx="minor">
-                <a:schemeClr val="lt1"/>
-              </a:fontRef>
-            </p:style>
-            <p:txBody>
-              <a:bodyPr rtlCol="0" anchor="ctr"/>
-              <a:lstStyle/>
-              <a:p>
-                <a:pPr algn="ctr"/>
-                <a:endParaRPr lang="en-US" dirty="0"/>
-              </a:p>
-            </p:txBody>
-          </p:sp>
-          <p:sp>
-            <p:nvSpPr>
-              <p:cNvPr id="13" name="Rectangle 12"/>
-              <p:cNvSpPr/>
-              <p:nvPr/>
-            </p:nvSpPr>
-            <p:spPr>
-              <a:xfrm>
-                <a:off x="6934200" y="3581400"/>
-                <a:ext cx="381000" cy="304800"/>
-              </a:xfrm>
-              <a:prstGeom prst="rect">
-                <a:avLst/>
-              </a:prstGeom>
-              <a:solidFill>
-                <a:schemeClr val="bg1"/>
-              </a:solidFill>
-              <a:ln>
-                <a:solidFill>
-                  <a:schemeClr val="tx1"/>
-                </a:solidFill>
-              </a:ln>
-            </p:spPr>
-            <p:style>
-              <a:lnRef idx="2">
-                <a:schemeClr val="accent1">
-                  <a:shade val="50000"/>
-                </a:schemeClr>
-              </a:lnRef>
-              <a:fillRef idx="1">
-                <a:schemeClr val="accent1"/>
-              </a:fillRef>
-              <a:effectRef idx="0">
-                <a:schemeClr val="accent1"/>
-              </a:effectRef>
-              <a:fontRef idx="minor">
-                <a:schemeClr val="lt1"/>
-              </a:fontRef>
-            </p:style>
-            <p:txBody>
-              <a:bodyPr rtlCol="0" anchor="ctr"/>
-              <a:lstStyle/>
-              <a:p>
-                <a:pPr algn="ctr"/>
-                <a:endParaRPr lang="en-US" dirty="0"/>
-              </a:p>
-            </p:txBody>
-          </p:sp>
-          <p:sp>
-            <p:nvSpPr>
-              <p:cNvPr id="14" name="Rectangle 13"/>
-              <p:cNvSpPr/>
-              <p:nvPr/>
-            </p:nvSpPr>
-            <p:spPr>
-              <a:xfrm>
-                <a:off x="6934200" y="3886200"/>
-                <a:ext cx="381000" cy="304800"/>
-              </a:xfrm>
-              <a:prstGeom prst="rect">
-                <a:avLst/>
-              </a:prstGeom>
-              <a:solidFill>
-                <a:schemeClr val="bg1"/>
-              </a:solidFill>
-              <a:ln>
-                <a:solidFill>
-                  <a:schemeClr val="tx1"/>
-                </a:solidFill>
-              </a:ln>
-            </p:spPr>
-            <p:style>
-              <a:lnRef idx="2">
-                <a:schemeClr val="accent1">
-                  <a:shade val="50000"/>
-                </a:schemeClr>
-              </a:lnRef>
-              <a:fillRef idx="1">
-                <a:schemeClr val="accent1"/>
-              </a:fillRef>
-              <a:effectRef idx="0">
-                <a:schemeClr val="accent1"/>
-              </a:effectRef>
-              <a:fontRef idx="minor">
-                <a:schemeClr val="lt1"/>
-              </a:fontRef>
-            </p:style>
-            <p:txBody>
-              <a:bodyPr rtlCol="0" anchor="ctr"/>
-              <a:lstStyle/>
-              <a:p>
-                <a:pPr algn="ctr"/>
-                <a:endParaRPr lang="en-US" dirty="0"/>
-              </a:p>
-            </p:txBody>
-          </p:sp>
-          <p:sp>
-            <p:nvSpPr>
-              <p:cNvPr id="15" name="Rectangle 14"/>
-              <p:cNvSpPr/>
-              <p:nvPr/>
-            </p:nvSpPr>
-            <p:spPr>
-              <a:xfrm>
-                <a:off x="7315200" y="2971800"/>
-                <a:ext cx="381000" cy="304800"/>
-              </a:xfrm>
-              <a:prstGeom prst="rect">
-                <a:avLst/>
-              </a:prstGeom>
-              <a:solidFill>
-                <a:schemeClr val="bg1"/>
-              </a:solidFill>
-              <a:ln>
-                <a:solidFill>
-                  <a:schemeClr val="tx1"/>
-                </a:solidFill>
-              </a:ln>
-            </p:spPr>
-            <p:style>
-              <a:lnRef idx="2">
-                <a:schemeClr val="accent1">
-                  <a:shade val="50000"/>
-                </a:schemeClr>
-              </a:lnRef>
-              <a:fillRef idx="1">
-                <a:schemeClr val="accent1"/>
-              </a:fillRef>
-              <a:effectRef idx="0">
-                <a:schemeClr val="accent1"/>
-              </a:effectRef>
-              <a:fontRef idx="minor">
-                <a:schemeClr val="lt1"/>
-              </a:fontRef>
-            </p:style>
-            <p:txBody>
-              <a:bodyPr rtlCol="0" anchor="ctr"/>
-              <a:lstStyle/>
-              <a:p>
-                <a:pPr algn="ctr"/>
-                <a:endParaRPr lang="en-US" dirty="0"/>
-              </a:p>
-            </p:txBody>
-          </p:sp>
-          <p:sp>
-            <p:nvSpPr>
-              <p:cNvPr id="16" name="Rectangle 15"/>
-              <p:cNvSpPr/>
-              <p:nvPr/>
-            </p:nvSpPr>
-            <p:spPr>
-              <a:xfrm>
-                <a:off x="7315200" y="3276600"/>
-                <a:ext cx="381000" cy="304800"/>
-              </a:xfrm>
-              <a:prstGeom prst="rect">
-                <a:avLst/>
-              </a:prstGeom>
-              <a:solidFill>
-                <a:schemeClr val="bg1"/>
-              </a:solidFill>
-              <a:ln>
-                <a:solidFill>
-                  <a:schemeClr val="tx1"/>
-                </a:solidFill>
-              </a:ln>
-            </p:spPr>
-            <p:style>
-              <a:lnRef idx="2">
-                <a:schemeClr val="accent1">
-                  <a:shade val="50000"/>
-                </a:schemeClr>
-              </a:lnRef>
-              <a:fillRef idx="1">
-                <a:schemeClr val="accent1"/>
-              </a:fillRef>
-              <a:effectRef idx="0">
-                <a:schemeClr val="accent1"/>
-              </a:effectRef>
-              <a:fontRef idx="minor">
-                <a:schemeClr val="lt1"/>
-              </a:fontRef>
-            </p:style>
-            <p:txBody>
-              <a:bodyPr rtlCol="0" anchor="ctr"/>
-              <a:lstStyle/>
-              <a:p>
-                <a:pPr algn="ctr"/>
-                <a:endParaRPr lang="en-US" dirty="0"/>
-              </a:p>
-            </p:txBody>
-          </p:sp>
-          <p:sp>
-            <p:nvSpPr>
-              <p:cNvPr id="17" name="Rectangle 16"/>
-              <p:cNvSpPr/>
-              <p:nvPr/>
-            </p:nvSpPr>
-            <p:spPr>
-              <a:xfrm>
-                <a:off x="7315200" y="3581400"/>
-                <a:ext cx="381000" cy="304800"/>
-              </a:xfrm>
-              <a:prstGeom prst="rect">
-                <a:avLst/>
-              </a:prstGeom>
-              <a:solidFill>
-                <a:schemeClr val="bg1"/>
-              </a:solidFill>
-              <a:ln>
-                <a:solidFill>
-                  <a:schemeClr val="tx1"/>
-                </a:solidFill>
-              </a:ln>
-            </p:spPr>
-            <p:style>
-              <a:lnRef idx="2">
-                <a:schemeClr val="accent1">
-                  <a:shade val="50000"/>
-                </a:schemeClr>
-              </a:lnRef>
-              <a:fillRef idx="1">
-                <a:schemeClr val="accent1"/>
-              </a:fillRef>
-              <a:effectRef idx="0">
-                <a:schemeClr val="accent1"/>
-              </a:effectRef>
-              <a:fontRef idx="minor">
-                <a:schemeClr val="lt1"/>
-              </a:fontRef>
-            </p:style>
-            <p:txBody>
-              <a:bodyPr rtlCol="0" anchor="ctr"/>
-              <a:lstStyle/>
-              <a:p>
-                <a:pPr algn="ctr"/>
-                <a:endParaRPr lang="en-US" dirty="0"/>
-              </a:p>
-            </p:txBody>
-          </p:sp>
-          <p:sp>
-            <p:nvSpPr>
-              <p:cNvPr id="18" name="Rectangle 17"/>
-              <p:cNvSpPr/>
-              <p:nvPr/>
-            </p:nvSpPr>
-            <p:spPr>
-              <a:xfrm>
-                <a:off x="7315200" y="3886200"/>
-                <a:ext cx="381000" cy="304800"/>
-              </a:xfrm>
-              <a:prstGeom prst="rect">
-                <a:avLst/>
-              </a:prstGeom>
-              <a:solidFill>
-                <a:schemeClr val="bg1"/>
-              </a:solidFill>
-              <a:ln>
-                <a:solidFill>
-                  <a:schemeClr val="tx1"/>
-                </a:solidFill>
-              </a:ln>
-            </p:spPr>
-            <p:style>
-              <a:lnRef idx="2">
-                <a:schemeClr val="accent1">
-                  <a:shade val="50000"/>
-                </a:schemeClr>
-              </a:lnRef>
-              <a:fillRef idx="1">
-                <a:schemeClr val="accent1"/>
-              </a:fillRef>
-              <a:effectRef idx="0">
-                <a:schemeClr val="accent1"/>
-              </a:effectRef>
-              <a:fontRef idx="minor">
-                <a:schemeClr val="lt1"/>
-              </a:fontRef>
-            </p:style>
-            <p:txBody>
-              <a:bodyPr rtlCol="0" anchor="ctr"/>
-              <a:lstStyle/>
-              <a:p>
-                <a:pPr algn="ctr"/>
-                <a:endParaRPr lang="en-US" dirty="0"/>
-              </a:p>
-            </p:txBody>
-          </p:sp>
-          <p:sp>
-            <p:nvSpPr>
-              <p:cNvPr id="19" name="Rectangle 18"/>
-              <p:cNvSpPr/>
-              <p:nvPr/>
-            </p:nvSpPr>
-            <p:spPr>
-              <a:xfrm>
-                <a:off x="7696200" y="2971800"/>
-                <a:ext cx="381000" cy="304800"/>
-              </a:xfrm>
-              <a:prstGeom prst="rect">
-                <a:avLst/>
-              </a:prstGeom>
-              <a:solidFill>
-                <a:schemeClr val="bg1"/>
-              </a:solidFill>
-              <a:ln>
-                <a:solidFill>
-                  <a:schemeClr val="tx1"/>
-                </a:solidFill>
-              </a:ln>
-            </p:spPr>
-            <p:style>
-              <a:lnRef idx="2">
-                <a:schemeClr val="accent1">
-                  <a:shade val="50000"/>
-                </a:schemeClr>
-              </a:lnRef>
-              <a:fillRef idx="1">
-                <a:schemeClr val="accent1"/>
-              </a:fillRef>
-              <a:effectRef idx="0">
-                <a:schemeClr val="accent1"/>
-              </a:effectRef>
-              <a:fontRef idx="minor">
-                <a:schemeClr val="lt1"/>
-              </a:fontRef>
-            </p:style>
-            <p:txBody>
-              <a:bodyPr rtlCol="0" anchor="ctr"/>
-              <a:lstStyle/>
-              <a:p>
-                <a:pPr algn="ctr"/>
-                <a:endParaRPr lang="en-US" dirty="0"/>
-              </a:p>
-            </p:txBody>
-          </p:sp>
-          <p:sp>
-            <p:nvSpPr>
-              <p:cNvPr id="20" name="Rectangle 19"/>
-              <p:cNvSpPr/>
-              <p:nvPr/>
-            </p:nvSpPr>
-            <p:spPr>
-              <a:xfrm>
-                <a:off x="7696200" y="3276600"/>
-                <a:ext cx="381000" cy="304800"/>
-              </a:xfrm>
-              <a:prstGeom prst="rect">
-                <a:avLst/>
-              </a:prstGeom>
-              <a:solidFill>
-                <a:schemeClr val="bg1"/>
-              </a:solidFill>
-              <a:ln>
-                <a:solidFill>
-                  <a:schemeClr val="tx1"/>
-                </a:solidFill>
-              </a:ln>
-            </p:spPr>
-            <p:style>
-              <a:lnRef idx="2">
-                <a:schemeClr val="accent1">
-                  <a:shade val="50000"/>
-                </a:schemeClr>
-              </a:lnRef>
-              <a:fillRef idx="1">
-                <a:schemeClr val="accent1"/>
-              </a:fillRef>
-              <a:effectRef idx="0">
-                <a:schemeClr val="accent1"/>
-              </a:effectRef>
-              <a:fontRef idx="minor">
-                <a:schemeClr val="lt1"/>
-              </a:fontRef>
-            </p:style>
-            <p:txBody>
-              <a:bodyPr rtlCol="0" anchor="ctr"/>
-              <a:lstStyle/>
-              <a:p>
-                <a:pPr algn="ctr"/>
-                <a:endParaRPr lang="en-US" dirty="0"/>
-              </a:p>
-            </p:txBody>
-          </p:sp>
-          <p:sp>
-            <p:nvSpPr>
-              <p:cNvPr id="21" name="Rectangle 20"/>
-              <p:cNvSpPr/>
-              <p:nvPr/>
-            </p:nvSpPr>
-            <p:spPr>
-              <a:xfrm>
-                <a:off x="7696200" y="3581400"/>
-                <a:ext cx="381000" cy="304800"/>
-              </a:xfrm>
-              <a:prstGeom prst="rect">
-                <a:avLst/>
-              </a:prstGeom>
-              <a:solidFill>
-                <a:schemeClr val="bg1"/>
-              </a:solidFill>
-              <a:ln>
-                <a:solidFill>
-                  <a:schemeClr val="tx1"/>
-                </a:solidFill>
-              </a:ln>
-            </p:spPr>
-            <p:style>
-              <a:lnRef idx="2">
-                <a:schemeClr val="accent1">
-                  <a:shade val="50000"/>
-                </a:schemeClr>
-              </a:lnRef>
-              <a:fillRef idx="1">
-                <a:schemeClr val="accent1"/>
-              </a:fillRef>
-              <a:effectRef idx="0">
-                <a:schemeClr val="accent1"/>
-              </a:effectRef>
-              <a:fontRef idx="minor">
-                <a:schemeClr val="lt1"/>
-              </a:fontRef>
-            </p:style>
-            <p:txBody>
-              <a:bodyPr rtlCol="0" anchor="ctr"/>
-              <a:lstStyle/>
-              <a:p>
-                <a:pPr algn="ctr"/>
-                <a:endParaRPr lang="en-US" dirty="0"/>
-              </a:p>
-            </p:txBody>
-          </p:sp>
-          <p:sp>
-            <p:nvSpPr>
-              <p:cNvPr id="22" name="Rectangle 21"/>
-              <p:cNvSpPr/>
-              <p:nvPr/>
-            </p:nvSpPr>
-            <p:spPr>
-              <a:xfrm>
-                <a:off x="7696200" y="3886200"/>
-                <a:ext cx="381000" cy="304800"/>
-              </a:xfrm>
-              <a:prstGeom prst="rect">
-                <a:avLst/>
-              </a:prstGeom>
-              <a:solidFill>
-                <a:schemeClr val="bg1"/>
-              </a:solidFill>
-              <a:ln>
-                <a:solidFill>
-                  <a:schemeClr val="tx1"/>
-                </a:solidFill>
-              </a:ln>
-            </p:spPr>
-            <p:style>
-              <a:lnRef idx="2">
-                <a:schemeClr val="accent1">
-                  <a:shade val="50000"/>
-                </a:schemeClr>
-              </a:lnRef>
-              <a:fillRef idx="1">
-                <a:schemeClr val="accent1"/>
-              </a:fillRef>
-              <a:effectRef idx="0">
-                <a:schemeClr val="accent1"/>
-              </a:effectRef>
-              <a:fontRef idx="minor">
-                <a:schemeClr val="lt1"/>
-              </a:fontRef>
-            </p:style>
-            <p:txBody>
-              <a:bodyPr rtlCol="0" anchor="ctr"/>
-              <a:lstStyle/>
-              <a:p>
-                <a:pPr algn="ctr"/>
-                <a:endParaRPr lang="en-US" dirty="0"/>
-              </a:p>
-            </p:txBody>
-          </p:sp>
-          <p:sp>
-            <p:nvSpPr>
-              <p:cNvPr id="23" name="Rectangle 22"/>
-              <p:cNvSpPr/>
-              <p:nvPr/>
-            </p:nvSpPr>
-            <p:spPr>
-              <a:xfrm>
-                <a:off x="8077200" y="2971800"/>
-                <a:ext cx="381000" cy="304800"/>
-              </a:xfrm>
-              <a:prstGeom prst="rect">
-                <a:avLst/>
-              </a:prstGeom>
-              <a:solidFill>
-                <a:schemeClr val="bg1"/>
-              </a:solidFill>
-              <a:ln>
-                <a:solidFill>
-                  <a:schemeClr val="tx1"/>
-                </a:solidFill>
-              </a:ln>
-            </p:spPr>
-            <p:style>
-              <a:lnRef idx="2">
-                <a:schemeClr val="accent1">
-                  <a:shade val="50000"/>
-                </a:schemeClr>
-              </a:lnRef>
-              <a:fillRef idx="1">
-                <a:schemeClr val="accent1"/>
-              </a:fillRef>
-              <a:effectRef idx="0">
-                <a:schemeClr val="accent1"/>
-              </a:effectRef>
-              <a:fontRef idx="minor">
-                <a:schemeClr val="lt1"/>
-              </a:fontRef>
-            </p:style>
-            <p:txBody>
-              <a:bodyPr rtlCol="0" anchor="ctr"/>
-              <a:lstStyle/>
-              <a:p>
-                <a:pPr algn="ctr"/>
-                <a:endParaRPr lang="en-US" dirty="0"/>
-              </a:p>
-            </p:txBody>
-          </p:sp>
-          <p:sp>
-            <p:nvSpPr>
-              <p:cNvPr id="24" name="Rectangle 23"/>
-              <p:cNvSpPr/>
-              <p:nvPr/>
-            </p:nvSpPr>
-            <p:spPr>
-              <a:xfrm>
-                <a:off x="8077200" y="3276600"/>
-                <a:ext cx="381000" cy="304800"/>
-              </a:xfrm>
-              <a:prstGeom prst="rect">
-                <a:avLst/>
-              </a:prstGeom>
-              <a:solidFill>
-                <a:schemeClr val="bg1"/>
-              </a:solidFill>
-              <a:ln>
-                <a:solidFill>
-                  <a:schemeClr val="tx1"/>
-                </a:solidFill>
-              </a:ln>
-            </p:spPr>
-            <p:style>
-              <a:lnRef idx="2">
-                <a:schemeClr val="accent1">
-                  <a:shade val="50000"/>
-                </a:schemeClr>
-              </a:lnRef>
-              <a:fillRef idx="1">
-                <a:schemeClr val="accent1"/>
-              </a:fillRef>
-              <a:effectRef idx="0">
-                <a:schemeClr val="accent1"/>
-              </a:effectRef>
-              <a:fontRef idx="minor">
-                <a:schemeClr val="lt1"/>
-              </a:fontRef>
-            </p:style>
-            <p:txBody>
-              <a:bodyPr rtlCol="0" anchor="ctr"/>
-              <a:lstStyle/>
-              <a:p>
-                <a:pPr algn="ctr"/>
-                <a:endParaRPr lang="en-US" dirty="0"/>
-              </a:p>
-            </p:txBody>
-          </p:sp>
-          <p:sp>
-            <p:nvSpPr>
-              <p:cNvPr id="25" name="Rectangle 24"/>
-              <p:cNvSpPr/>
-              <p:nvPr/>
-            </p:nvSpPr>
-            <p:spPr>
-              <a:xfrm>
-                <a:off x="8077200" y="3581400"/>
-                <a:ext cx="381000" cy="304800"/>
-              </a:xfrm>
-              <a:prstGeom prst="rect">
-                <a:avLst/>
-              </a:prstGeom>
-              <a:solidFill>
-                <a:schemeClr val="bg1"/>
-              </a:solidFill>
-              <a:ln>
-                <a:solidFill>
-                  <a:schemeClr val="tx1"/>
-                </a:solidFill>
-              </a:ln>
-            </p:spPr>
-            <p:style>
-              <a:lnRef idx="2">
-                <a:schemeClr val="accent1">
-                  <a:shade val="50000"/>
-                </a:schemeClr>
-              </a:lnRef>
-              <a:fillRef idx="1">
-                <a:schemeClr val="accent1"/>
-              </a:fillRef>
-              <a:effectRef idx="0">
-                <a:schemeClr val="accent1"/>
-              </a:effectRef>
-              <a:fontRef idx="minor">
-                <a:schemeClr val="lt1"/>
-              </a:fontRef>
-            </p:style>
-            <p:txBody>
-              <a:bodyPr rtlCol="0" anchor="ctr"/>
-              <a:lstStyle/>
-              <a:p>
-                <a:pPr algn="ctr"/>
-                <a:endParaRPr lang="en-US" dirty="0"/>
-              </a:p>
-            </p:txBody>
-          </p:sp>
-          <p:sp>
-            <p:nvSpPr>
-              <p:cNvPr id="26" name="Rectangle 25"/>
-              <p:cNvSpPr/>
-              <p:nvPr/>
-            </p:nvSpPr>
-            <p:spPr>
-              <a:xfrm>
-                <a:off x="8077200" y="3886200"/>
-                <a:ext cx="381000" cy="304800"/>
-              </a:xfrm>
-              <a:prstGeom prst="rect">
-                <a:avLst/>
-              </a:prstGeom>
-              <a:solidFill>
-                <a:schemeClr val="bg1"/>
-              </a:solidFill>
-              <a:ln>
-                <a:solidFill>
-                  <a:schemeClr val="tx1"/>
-                </a:solidFill>
-              </a:ln>
-            </p:spPr>
-            <p:style>
-              <a:lnRef idx="2">
-                <a:schemeClr val="accent1">
-                  <a:shade val="50000"/>
-                </a:schemeClr>
-              </a:lnRef>
-              <a:fillRef idx="1">
-                <a:schemeClr val="accent1"/>
-              </a:fillRef>
-              <a:effectRef idx="0">
-                <a:schemeClr val="accent1"/>
-              </a:effectRef>
-              <a:fontRef idx="minor">
-                <a:schemeClr val="lt1"/>
-              </a:fontRef>
-            </p:style>
-            <p:txBody>
-              <a:bodyPr rtlCol="0" anchor="ctr"/>
-              <a:lstStyle/>
-              <a:p>
-                <a:pPr algn="ctr"/>
-                <a:endParaRPr lang="en-US" dirty="0"/>
-              </a:p>
-            </p:txBody>
-          </p:sp>
-          <p:sp>
-            <p:nvSpPr>
-              <p:cNvPr id="27" name="Rectangle 26"/>
-              <p:cNvSpPr/>
-              <p:nvPr/>
-            </p:nvSpPr>
-            <p:spPr>
-              <a:xfrm>
-                <a:off x="6172200" y="2971800"/>
-                <a:ext cx="381000" cy="304800"/>
-              </a:xfrm>
-              <a:prstGeom prst="rect">
-                <a:avLst/>
-              </a:prstGeom>
-              <a:solidFill>
-                <a:schemeClr val="bg1"/>
-              </a:solidFill>
-              <a:ln>
-                <a:solidFill>
-                  <a:schemeClr val="tx1"/>
-                </a:solidFill>
-              </a:ln>
-            </p:spPr>
-            <p:style>
-              <a:lnRef idx="2">
-                <a:schemeClr val="accent1">
-                  <a:shade val="50000"/>
-                </a:schemeClr>
-              </a:lnRef>
-              <a:fillRef idx="1">
-                <a:schemeClr val="accent1"/>
-              </a:fillRef>
-              <a:effectRef idx="0">
-                <a:schemeClr val="accent1"/>
-              </a:effectRef>
-              <a:fontRef idx="minor">
-                <a:schemeClr val="lt1"/>
-              </a:fontRef>
-            </p:style>
-            <p:txBody>
-              <a:bodyPr rtlCol="0" anchor="ctr"/>
-              <a:lstStyle/>
-              <a:p>
-                <a:pPr algn="ctr"/>
-                <a:endParaRPr lang="en-US" dirty="0"/>
-              </a:p>
-            </p:txBody>
-          </p:sp>
-          <p:sp>
-            <p:nvSpPr>
-              <p:cNvPr id="28" name="Rectangle 27"/>
-              <p:cNvSpPr/>
-              <p:nvPr/>
-            </p:nvSpPr>
-            <p:spPr>
-              <a:xfrm>
-                <a:off x="6172200" y="3276600"/>
-                <a:ext cx="381000" cy="304800"/>
-              </a:xfrm>
-              <a:prstGeom prst="rect">
-                <a:avLst/>
-              </a:prstGeom>
-              <a:solidFill>
-                <a:schemeClr val="bg1"/>
-              </a:solidFill>
-              <a:ln>
-                <a:solidFill>
-                  <a:schemeClr val="tx1"/>
-                </a:solidFill>
-              </a:ln>
-            </p:spPr>
-            <p:style>
-              <a:lnRef idx="2">
-                <a:schemeClr val="accent1">
-                  <a:shade val="50000"/>
-                </a:schemeClr>
-              </a:lnRef>
-              <a:fillRef idx="1">
-                <a:schemeClr val="accent1"/>
-              </a:fillRef>
-              <a:effectRef idx="0">
-                <a:schemeClr val="accent1"/>
-              </a:effectRef>
-              <a:fontRef idx="minor">
-                <a:schemeClr val="lt1"/>
-              </a:fontRef>
-            </p:style>
-            <p:txBody>
-              <a:bodyPr rtlCol="0" anchor="ctr"/>
-              <a:lstStyle/>
-              <a:p>
-                <a:pPr algn="ctr"/>
-                <a:endParaRPr lang="en-US" dirty="0"/>
-              </a:p>
-            </p:txBody>
-          </p:sp>
-          <p:sp>
-            <p:nvSpPr>
-              <p:cNvPr id="29" name="Rectangle 28"/>
-              <p:cNvSpPr/>
-              <p:nvPr/>
-            </p:nvSpPr>
-            <p:spPr>
-              <a:xfrm>
-                <a:off x="6172200" y="3581400"/>
-                <a:ext cx="381000" cy="304800"/>
-              </a:xfrm>
-              <a:prstGeom prst="rect">
-                <a:avLst/>
-              </a:prstGeom>
-              <a:solidFill>
-                <a:schemeClr val="bg1"/>
-              </a:solidFill>
-              <a:ln>
-                <a:solidFill>
-                  <a:schemeClr val="tx1"/>
-                </a:solidFill>
-              </a:ln>
-            </p:spPr>
-            <p:style>
-              <a:lnRef idx="2">
-                <a:schemeClr val="accent1">
-                  <a:shade val="50000"/>
-                </a:schemeClr>
-              </a:lnRef>
-              <a:fillRef idx="1">
-                <a:schemeClr val="accent1"/>
-              </a:fillRef>
-              <a:effectRef idx="0">
-                <a:schemeClr val="accent1"/>
-              </a:effectRef>
-              <a:fontRef idx="minor">
-                <a:schemeClr val="lt1"/>
-              </a:fontRef>
-            </p:style>
-            <p:txBody>
-              <a:bodyPr rtlCol="0" anchor="ctr"/>
-              <a:lstStyle/>
-              <a:p>
-                <a:pPr algn="ctr"/>
-                <a:endParaRPr lang="en-US" dirty="0"/>
-              </a:p>
-            </p:txBody>
-          </p:sp>
-          <p:sp>
-            <p:nvSpPr>
-              <p:cNvPr id="30" name="Rectangle 29"/>
-              <p:cNvSpPr/>
-              <p:nvPr/>
-            </p:nvSpPr>
-            <p:spPr>
-              <a:xfrm>
-                <a:off x="6172200" y="3886200"/>
-                <a:ext cx="381000" cy="304800"/>
-              </a:xfrm>
-              <a:prstGeom prst="rect">
-                <a:avLst/>
-              </a:prstGeom>
-              <a:solidFill>
-                <a:schemeClr val="bg1"/>
-              </a:solidFill>
-              <a:ln>
-                <a:solidFill>
-                  <a:schemeClr val="tx1"/>
-                </a:solidFill>
-              </a:ln>
-            </p:spPr>
-            <p:style>
-              <a:lnRef idx="2">
-                <a:schemeClr val="accent1">
-                  <a:shade val="50000"/>
-                </a:schemeClr>
-              </a:lnRef>
-              <a:fillRef idx="1">
-                <a:schemeClr val="accent1"/>
-              </a:fillRef>
-              <a:effectRef idx="0">
-                <a:schemeClr val="accent1"/>
-              </a:effectRef>
-              <a:fontRef idx="minor">
-                <a:schemeClr val="lt1"/>
-              </a:fontRef>
-            </p:style>
-            <p:txBody>
-              <a:bodyPr rtlCol="0" anchor="ctr"/>
-              <a:lstStyle/>
-              <a:p>
-                <a:pPr algn="ctr"/>
-                <a:endParaRPr lang="en-US" dirty="0"/>
-              </a:p>
-            </p:txBody>
-          </p:sp>
-        </p:grpSp>
-        <p:sp>
-          <p:nvSpPr>
-            <p:cNvPr id="32" name="TextBox 31"/>
-            <p:cNvSpPr txBox="1"/>
-            <p:nvPr/>
-          </p:nvSpPr>
-          <p:spPr>
-            <a:xfrm>
-              <a:off x="6172200" y="2895600"/>
-              <a:ext cx="533400" cy="369332"/>
-            </a:xfrm>
-            <a:prstGeom prst="rect">
-              <a:avLst/>
-            </a:prstGeom>
-            <a:noFill/>
-          </p:spPr>
-          <p:txBody>
-            <a:bodyPr wrap="square" rtlCol="0">
-              <a:spAutoFit/>
-            </a:bodyPr>
-            <a:lstStyle/>
-            <a:p>
-              <a:r>
-                <a:rPr lang="en-US" dirty="0" smtClean="0"/>
-                <a:t>X</a:t>
-              </a:r>
-              <a:endParaRPr lang="en-US" dirty="0"/>
-            </a:p>
-          </p:txBody>
-        </p:sp>
-        <p:sp>
-          <p:nvSpPr>
-            <p:cNvPr id="33" name="TextBox 32"/>
-            <p:cNvSpPr txBox="1"/>
-            <p:nvPr/>
-          </p:nvSpPr>
-          <p:spPr>
-            <a:xfrm>
-              <a:off x="6553200" y="3200400"/>
-              <a:ext cx="533400" cy="369332"/>
-            </a:xfrm>
-            <a:prstGeom prst="rect">
-              <a:avLst/>
-            </a:prstGeom>
-            <a:noFill/>
-          </p:spPr>
-          <p:txBody>
-            <a:bodyPr wrap="square" rtlCol="0">
-              <a:spAutoFit/>
-            </a:bodyPr>
-            <a:lstStyle/>
-            <a:p>
-              <a:r>
-                <a:rPr lang="en-US" dirty="0" smtClean="0"/>
-                <a:t>X</a:t>
-              </a:r>
-              <a:endParaRPr lang="en-US" dirty="0"/>
-            </a:p>
-          </p:txBody>
-        </p:sp>
-        <p:sp>
-          <p:nvSpPr>
-            <p:cNvPr id="34" name="TextBox 33"/>
-            <p:cNvSpPr txBox="1"/>
-            <p:nvPr/>
-          </p:nvSpPr>
-          <p:spPr>
-            <a:xfrm>
-              <a:off x="6172200" y="3505200"/>
-              <a:ext cx="533400" cy="369332"/>
-            </a:xfrm>
-            <a:prstGeom prst="rect">
-              <a:avLst/>
-            </a:prstGeom>
-            <a:noFill/>
-          </p:spPr>
-          <p:txBody>
-            <a:bodyPr wrap="square" rtlCol="0">
-              <a:spAutoFit/>
-            </a:bodyPr>
-            <a:lstStyle/>
-            <a:p>
-              <a:r>
-                <a:rPr lang="en-US" dirty="0" smtClean="0"/>
-                <a:t>X</a:t>
-              </a:r>
-              <a:endParaRPr lang="en-US" dirty="0"/>
-            </a:p>
-          </p:txBody>
-        </p:sp>
-        <p:sp>
-          <p:nvSpPr>
-            <p:cNvPr id="35" name="TextBox 34"/>
-            <p:cNvSpPr txBox="1"/>
-            <p:nvPr/>
-          </p:nvSpPr>
-          <p:spPr>
-            <a:xfrm>
-              <a:off x="7315200" y="2895600"/>
-              <a:ext cx="609600" cy="369332"/>
-            </a:xfrm>
-            <a:prstGeom prst="rect">
-              <a:avLst/>
-            </a:prstGeom>
-            <a:noFill/>
-          </p:spPr>
-          <p:txBody>
-            <a:bodyPr wrap="square" rtlCol="0">
-              <a:spAutoFit/>
-            </a:bodyPr>
-            <a:lstStyle/>
-            <a:p>
-              <a:r>
-                <a:rPr lang="en-US" dirty="0" smtClean="0"/>
-                <a:t>O</a:t>
-              </a:r>
-              <a:endParaRPr lang="en-US" dirty="0"/>
-            </a:p>
-          </p:txBody>
-        </p:sp>
-        <p:sp>
-          <p:nvSpPr>
-            <p:cNvPr id="36" name="TextBox 35"/>
-            <p:cNvSpPr txBox="1"/>
-            <p:nvPr/>
-          </p:nvSpPr>
-          <p:spPr>
-            <a:xfrm>
-              <a:off x="8077200" y="3810000"/>
-              <a:ext cx="609600" cy="369332"/>
-            </a:xfrm>
-            <a:prstGeom prst="rect">
-              <a:avLst/>
-            </a:prstGeom>
-            <a:noFill/>
-          </p:spPr>
-          <p:txBody>
-            <a:bodyPr wrap="square" rtlCol="0">
-              <a:spAutoFit/>
-            </a:bodyPr>
-            <a:lstStyle/>
-            <a:p>
-              <a:r>
-                <a:rPr lang="en-US" dirty="0" smtClean="0"/>
-                <a:t>O</a:t>
-              </a:r>
-              <a:endParaRPr lang="en-US" dirty="0"/>
-            </a:p>
-          </p:txBody>
-        </p:sp>
-        <p:sp>
-          <p:nvSpPr>
-            <p:cNvPr id="37" name="TextBox 36"/>
-            <p:cNvSpPr txBox="1"/>
-            <p:nvPr/>
-          </p:nvSpPr>
-          <p:spPr>
-            <a:xfrm>
-              <a:off x="7696200" y="3505200"/>
-              <a:ext cx="609600" cy="369332"/>
-            </a:xfrm>
-            <a:prstGeom prst="rect">
-              <a:avLst/>
-            </a:prstGeom>
-            <a:noFill/>
-          </p:spPr>
-          <p:txBody>
-            <a:bodyPr wrap="square" rtlCol="0">
-              <a:spAutoFit/>
-            </a:bodyPr>
-            <a:lstStyle/>
-            <a:p>
-              <a:r>
-                <a:rPr lang="en-US" dirty="0" smtClean="0"/>
-                <a:t>O</a:t>
-              </a:r>
-              <a:endParaRPr lang="en-US" dirty="0"/>
-            </a:p>
-          </p:txBody>
-        </p:sp>
-      </p:grpSp>
-      <p:pic>
-        <p:nvPicPr>
-          <p:cNvPr id="2050" name="Picture 2" descr="http://t1.gstatic.com/images?q=tbn:DfwJv-0KT8KniM:http://blog.timesunion.com/tech/files/2009/10/powerglove.jpg">
-            <a:hlinkClick r:id="rId3"/>
-          </p:cNvPr>
-          <p:cNvPicPr>
-            <a:picLocks noChangeAspect="1" noChangeArrowheads="1"/>
-          </p:cNvPicPr>
-          <p:nvPr/>
-        </p:nvPicPr>
-        <p:blipFill>
-          <a:blip r:embed="rId4" cstate="print"/>
-          <a:srcRect/>
-          <a:stretch>
-            <a:fillRect/>
-          </a:stretch>
-        </p:blipFill>
-        <p:spPr bwMode="auto">
-          <a:xfrm>
-            <a:off x="6400800" y="1828800"/>
-            <a:ext cx="2545347" cy="2438400"/>
-          </a:xfrm>
-          <a:prstGeom prst="rect">
-            <a:avLst/>
-          </a:prstGeom>
-          <a:noFill/>
-        </p:spPr>
-      </p:pic>
-    </p:spTree>
-  </p:cSld>
-  <p:clrMapOvr>
-    <a:masterClrMapping/>
-  </p:clrMapOvr>
-  <p:timing>
-    <p:tnLst>
-      <p:par>
-        <p:cTn id="1" dur="indefinite" restart="never" nodeType="tmRoot"/>
-      </p:par>
-    </p:tnLst>
-  </p:timing>
-</p:sld>
-</file>
-
-<file path=ppt/slides/slide40.xml><?xml version="1.0" encoding="utf-8"?>
-<p:sld xmlns:a="http://schemas.openxmlformats.org/drawingml/2006/main" xmlns:r="http://schemas.openxmlformats.org/officeDocument/2006/relationships" xmlns:p="http://schemas.openxmlformats.org/presentationml/2006/main">
-  <p:cSld>
-    <p:spTree>
-      <p:nvGrpSpPr>
-        <p:cNvPr id="1" name=""/>
-        <p:cNvGrpSpPr/>
-        <p:nvPr/>
-      </p:nvGrpSpPr>
-      <p:grpSpPr>
-        <a:xfrm>
-          <a:off x="0" y="0"/>
-          <a:ext cx="0" cy="0"/>
-          <a:chOff x="0" y="0"/>
-          <a:chExt cx="0" cy="0"/>
-        </a:xfrm>
-      </p:grpSpPr>
-      <p:sp>
-        <p:nvSpPr>
-          <p:cNvPr id="2" name="Title 1"/>
-          <p:cNvSpPr>
-            <a:spLocks noGrp="1"/>
-          </p:cNvSpPr>
-          <p:nvPr>
-            <p:ph type="title"/>
-          </p:nvPr>
-        </p:nvSpPr>
-        <p:spPr/>
-        <p:txBody>
-          <a:bodyPr>
-            <a:normAutofit fontScale="90000"/>
-          </a:bodyPr>
-          <a:lstStyle/>
-          <a:p>
-            <a:r>
-              <a:rPr lang="en-US" dirty="0" smtClean="0"/>
-              <a:t>Game Mechanics &amp;</a:t>
-            </a:r>
-            <a:br>
-              <a:rPr lang="en-US" dirty="0" smtClean="0"/>
-            </a:br>
-            <a:r>
-              <a:rPr lang="en-US" dirty="0" smtClean="0"/>
-              <a:t> AI Conclusion</a:t>
-            </a:r>
-            <a:endParaRPr lang="en-US" dirty="0"/>
-          </a:p>
-        </p:txBody>
-      </p:sp>
-      <p:sp>
-        <p:nvSpPr>
-          <p:cNvPr id="3" name="Content Placeholder 2"/>
-          <p:cNvSpPr>
-            <a:spLocks noGrp="1"/>
-          </p:cNvSpPr>
-          <p:nvPr>
-            <p:ph idx="1"/>
-          </p:nvPr>
-        </p:nvSpPr>
-        <p:spPr/>
-        <p:txBody>
-          <a:bodyPr/>
-          <a:lstStyle/>
-          <a:p>
-            <a:r>
-              <a:rPr lang="en-US" dirty="0" smtClean="0"/>
-              <a:t>Units</a:t>
-            </a:r>
-          </a:p>
-          <a:p>
-            <a:r>
-              <a:rPr lang="en-US" dirty="0" smtClean="0"/>
-              <a:t>Game Mechanics</a:t>
-            </a:r>
-          </a:p>
-          <a:p>
-            <a:r>
-              <a:rPr lang="en-US" dirty="0" smtClean="0"/>
-              <a:t>AI</a:t>
-            </a:r>
-          </a:p>
-        </p:txBody>
-      </p:sp>
-      <p:sp>
-        <p:nvSpPr>
-          <p:cNvPr id="5" name="Slide Number Placeholder 4"/>
-          <p:cNvSpPr>
-            <a:spLocks noGrp="1"/>
-          </p:cNvSpPr>
-          <p:nvPr>
-            <p:ph type="sldNum" sz="quarter" idx="12"/>
-          </p:nvPr>
-        </p:nvSpPr>
-        <p:spPr/>
-        <p:txBody>
-          <a:bodyPr/>
-          <a:lstStyle/>
-          <a:p>
-            <a:fld id="{B6F15528-21DE-4FAA-801E-634DDDAF4B2B}" type="slidenum">
-              <a:rPr lang="en-US" smtClean="0"/>
-              <a:pPr/>
-              <a:t>40</a:t>
-            </a:fld>
-            <a:endParaRPr lang="en-US" dirty="0"/>
-          </a:p>
-        </p:txBody>
-      </p:sp>
-      <p:pic>
-        <p:nvPicPr>
-          <p:cNvPr id="4" name="Picture 3" descr="logo.jpg"/>
-          <p:cNvPicPr>
-            <a:picLocks noChangeAspect="1"/>
-          </p:cNvPicPr>
-          <p:nvPr/>
-        </p:nvPicPr>
-        <p:blipFill>
-          <a:blip r:embed="rId2" cstate="print"/>
-          <a:stretch>
-            <a:fillRect/>
-          </a:stretch>
-        </p:blipFill>
-        <p:spPr>
-          <a:xfrm>
-            <a:off x="7956253" y="0"/>
-            <a:ext cx="1187747" cy="1328738"/>
-          </a:xfrm>
-          <a:prstGeom prst="rect">
-            <a:avLst/>
-          </a:prstGeom>
-        </p:spPr>
-      </p:pic>
-    </p:spTree>
-  </p:cSld>
-  <p:clrMapOvr>
-    <a:masterClrMapping/>
-  </p:clrMapOvr>
-  <p:timing>
-    <p:tnLst>
-      <p:par>
-        <p:cTn id="1" dur="indefinite" restart="never" nodeType="tmRoot"/>
-      </p:par>
-    </p:tnLst>
-  </p:timing>
-</p:sld>
-</file>
-
-<file path=ppt/slides/slide41.xml><?xml version="1.0" encoding="utf-8"?>
-<p:sld xmlns:a="http://schemas.openxmlformats.org/drawingml/2006/main" xmlns:r="http://schemas.openxmlformats.org/officeDocument/2006/relationships" xmlns:p="http://schemas.openxmlformats.org/presentationml/2006/main">
-  <p:cSld>
-    <p:spTree>
-      <p:nvGrpSpPr>
-        <p:cNvPr id="1" name=""/>
-        <p:cNvGrpSpPr/>
-        <p:nvPr/>
-      </p:nvGrpSpPr>
-      <p:grpSpPr>
-        <a:xfrm>
-          <a:off x="0" y="0"/>
-          <a:ext cx="0" cy="0"/>
-          <a:chOff x="0" y="0"/>
-          <a:chExt cx="0" cy="0"/>
-        </a:xfrm>
-      </p:grpSpPr>
-      <p:sp>
-        <p:nvSpPr>
-          <p:cNvPr id="2" name="Title 1"/>
-          <p:cNvSpPr>
-            <a:spLocks noGrp="1"/>
-          </p:cNvSpPr>
-          <p:nvPr>
-            <p:ph type="title"/>
-          </p:nvPr>
-        </p:nvSpPr>
-        <p:spPr>
-          <a:xfrm>
-            <a:off x="457200" y="314094"/>
-            <a:ext cx="7391400" cy="1143000"/>
-          </a:xfrm>
-        </p:spPr>
-        <p:txBody>
-          <a:bodyPr>
-            <a:normAutofit fontScale="90000"/>
-          </a:bodyPr>
-          <a:lstStyle/>
-          <a:p>
-            <a:r>
-              <a:rPr lang="en-US" dirty="0" smtClean="0"/>
-              <a:t>Database</a:t>
-            </a:r>
-            <a:br>
-              <a:rPr lang="en-US" dirty="0" smtClean="0"/>
-            </a:br>
-            <a:r>
-              <a:rPr lang="en-US" dirty="0" smtClean="0"/>
-              <a:t>“Summary”</a:t>
-            </a:r>
-            <a:endParaRPr lang="en-US" dirty="0"/>
-          </a:p>
-        </p:txBody>
-      </p:sp>
-      <p:sp>
-        <p:nvSpPr>
-          <p:cNvPr id="3" name="Content Placeholder 2"/>
-          <p:cNvSpPr>
-            <a:spLocks noGrp="1"/>
-          </p:cNvSpPr>
-          <p:nvPr>
-            <p:ph idx="1"/>
-          </p:nvPr>
-        </p:nvSpPr>
-        <p:spPr>
-          <a:xfrm>
-            <a:off x="762000" y="2514600"/>
-            <a:ext cx="8229600" cy="3657600"/>
-          </a:xfrm>
-        </p:spPr>
-        <p:txBody>
-          <a:bodyPr/>
-          <a:lstStyle/>
-          <a:p>
-            <a:r>
-              <a:rPr lang="en-US" dirty="0" smtClean="0"/>
-              <a:t>What Database is?</a:t>
-            </a:r>
-          </a:p>
-          <a:p>
-            <a:r>
-              <a:rPr lang="en-US" dirty="0" smtClean="0"/>
-              <a:t>What Database does in the project?</a:t>
-            </a:r>
-          </a:p>
-          <a:p>
-            <a:r>
-              <a:rPr lang="en-US" dirty="0" smtClean="0"/>
-              <a:t>How Database works?</a:t>
-            </a:r>
-            <a:endParaRPr lang="en-US" dirty="0"/>
-          </a:p>
-        </p:txBody>
-      </p:sp>
-      <p:sp>
-        <p:nvSpPr>
-          <p:cNvPr id="5" name="Slide Number Placeholder 4"/>
-          <p:cNvSpPr>
-            <a:spLocks noGrp="1"/>
-          </p:cNvSpPr>
-          <p:nvPr>
-            <p:ph type="sldNum" sz="quarter" idx="12"/>
-          </p:nvPr>
-        </p:nvSpPr>
-        <p:spPr/>
-        <p:txBody>
-          <a:bodyPr/>
-          <a:lstStyle/>
-          <a:p>
-            <a:fld id="{B6F15528-21DE-4FAA-801E-634DDDAF4B2B}" type="slidenum">
-              <a:rPr lang="en-US" smtClean="0"/>
-              <a:pPr/>
-              <a:t>41</a:t>
-            </a:fld>
-            <a:endParaRPr lang="en-US" dirty="0"/>
-          </a:p>
-        </p:txBody>
-      </p:sp>
-      <p:pic>
-        <p:nvPicPr>
-          <p:cNvPr id="4" name="Picture 3" descr="logo.jpg"/>
-          <p:cNvPicPr>
-            <a:picLocks noChangeAspect="1"/>
-          </p:cNvPicPr>
-          <p:nvPr/>
-        </p:nvPicPr>
-        <p:blipFill>
-          <a:blip r:embed="rId2" cstate="print"/>
-          <a:stretch>
-            <a:fillRect/>
-          </a:stretch>
-        </p:blipFill>
-        <p:spPr>
-          <a:xfrm>
-            <a:off x="7956253" y="0"/>
-            <a:ext cx="1187747" cy="1328738"/>
-          </a:xfrm>
-          <a:prstGeom prst="rect">
-            <a:avLst/>
-          </a:prstGeom>
-        </p:spPr>
-      </p:pic>
-    </p:spTree>
-  </p:cSld>
-  <p:clrMapOvr>
-    <a:masterClrMapping/>
-  </p:clrMapOvr>
-  <p:timing>
-    <p:tnLst>
-      <p:par>
-        <p:cTn id="1" dur="indefinite" restart="never" nodeType="tmRoot"/>
-      </p:par>
-    </p:tnLst>
-  </p:timing>
-</p:sld>
-</file>
-
 <file path=ppt/slides/slide42.xml><?xml version="1.0" encoding="utf-8"?>
 <p:sld xmlns:a="http://schemas.openxmlformats.org/drawingml/2006/main" xmlns:r="http://schemas.openxmlformats.org/officeDocument/2006/relationships" xmlns:p="http://schemas.openxmlformats.org/presentationml/2006/main">
   <p:cSld>
@@ -31475,18 +31513,14 @@
           <a:p>
             <a:r>
               <a:rPr lang="en-US" dirty="0" smtClean="0"/>
-              <a:t>Database</a:t>
+              <a:t>Game Mechanics &amp;</a:t>
             </a:r>
             <a:br>
               <a:rPr lang="en-US" dirty="0" smtClean="0"/>
             </a:br>
             <a:r>
               <a:rPr lang="en-US" dirty="0" smtClean="0"/>
-              <a:t>“</a:t>
-            </a:r>
-            <a:r>
-              <a:rPr lang="en-US" altLang="zh-CN" dirty="0" smtClean="0"/>
-              <a:t>What Database is”</a:t>
+              <a:t> AI Conclusion</a:t>
             </a:r>
             <a:endParaRPr lang="en-US" dirty="0"/>
           </a:p>
@@ -31502,39 +31536,26 @@
             <p:ph idx="1"/>
           </p:nvPr>
         </p:nvSpPr>
-        <p:spPr>
-          <a:xfrm>
-            <a:off x="381000" y="1646237"/>
-            <a:ext cx="8610600" cy="4525963"/>
-          </a:xfrm>
-        </p:spPr>
+        <p:spPr/>
         <p:txBody>
-          <a:bodyPr>
-            <a:normAutofit fontScale="92500"/>
-          </a:bodyPr>
+          <a:bodyPr/>
           <a:lstStyle/>
           <a:p>
             <a:r>
-              <a:rPr lang="en-US" altLang="zh-CN" dirty="0" smtClean="0"/>
-              <a:t>Databases consist of software-based "containers" that are structured to collect and store information.</a:t>
-            </a:r>
-          </a:p>
-          <a:p>
-            <a:r>
-              <a:rPr lang="en-US" altLang="zh-CN" dirty="0" smtClean="0"/>
-              <a:t>Database programs are designed for users so that they can retrieve, add, update or remove information.</a:t>
-            </a:r>
-          </a:p>
-          <a:p>
-            <a:r>
-              <a:rPr lang="en-US" altLang="zh-CN" dirty="0" smtClean="0"/>
-              <a:t>The structure of a database is tabular, consisting of rows and columns of information.</a:t>
-            </a:r>
-          </a:p>
-          <a:p>
-            <a:r>
-              <a:rPr lang="en-US" altLang="zh-CN" dirty="0" smtClean="0"/>
-              <a:t>A number of database architectures exist. Many databases use a combination of strategies.</a:t>
+              <a:rPr lang="en-US" dirty="0" smtClean="0"/>
+              <a:t>Units</a:t>
+            </a:r>
+          </a:p>
+          <a:p>
+            <a:r>
+              <a:rPr lang="en-US" dirty="0" smtClean="0"/>
+              <a:t>Game Mechanics</a:t>
+            </a:r>
+          </a:p>
+          <a:p>
+            <a:r>
+              <a:rPr lang="en-US" dirty="0" smtClean="0"/>
+              <a:t>AI</a:t>
             </a:r>
           </a:p>
         </p:txBody>
@@ -31631,8 +31652,8 @@
         </p:nvSpPr>
         <p:spPr>
           <a:xfrm>
-            <a:off x="-76200" y="274638"/>
-            <a:ext cx="8382000" cy="1143000"/>
+            <a:off x="457200" y="314094"/>
+            <a:ext cx="7391400" cy="1143000"/>
           </a:xfrm>
         </p:spPr>
         <p:txBody>
@@ -31650,11 +31671,7 @@
             </a:br>
             <a:r>
               <a:rPr lang="en-US" dirty="0" smtClean="0"/>
-              <a:t>“</a:t>
-            </a:r>
-            <a:r>
-              <a:rPr lang="en-US" altLang="zh-CN" dirty="0" smtClean="0"/>
-              <a:t>What Database does in the project”</a:t>
+              <a:t>“Summary”</a:t>
             </a:r>
             <a:endParaRPr lang="en-US" dirty="0"/>
           </a:p>
@@ -31672,33 +31689,31 @@
         </p:nvSpPr>
         <p:spPr>
           <a:xfrm>
-            <a:off x="457200" y="1798637"/>
-            <a:ext cx="8229600" cy="4525963"/>
+            <a:off x="762000" y="2514600"/>
+            <a:ext cx="8229600" cy="3657600"/>
           </a:xfrm>
         </p:spPr>
         <p:txBody>
-          <a:bodyPr>
-            <a:normAutofit/>
-          </a:bodyPr>
+          <a:bodyPr/>
           <a:lstStyle/>
           <a:p>
             <a:r>
-              <a:rPr lang="en-US" altLang="zh-CN" dirty="0" smtClean="0"/>
-              <a:t>The game database contains all of data records</a:t>
-            </a:r>
-          </a:p>
-          <a:p>
-            <a:r>
-              <a:rPr lang="en-US" altLang="zh-CN" dirty="0" smtClean="0"/>
-              <a:t>Tables collection of the names, parameters, status of all game units, and the game contents such as maps.</a:t>
-            </a:r>
-          </a:p>
-          <a:p>
-            <a:r>
-              <a:rPr lang="en-US" altLang="zh-CN" dirty="0" smtClean="0"/>
-              <a:t>The data is retrieved and overwritten for synchronous/ asynchronous backup.</a:t>
-            </a:r>
-            <a:endParaRPr lang="zh-CN" altLang="zh-CN" dirty="0" smtClean="0"/>
+              <a:rPr lang="en-US" dirty="0" smtClean="0"/>
+              <a:t>What Database is?</a:t>
+            </a:r>
+          </a:p>
+          <a:p>
+            <a:r>
+              <a:rPr lang="en-US" dirty="0" smtClean="0"/>
+              <a:t>What Database does in the project?</a:t>
+            </a:r>
+          </a:p>
+          <a:p>
+            <a:r>
+              <a:rPr lang="en-US" dirty="0" smtClean="0"/>
+              <a:t>How Database works?</a:t>
+            </a:r>
+            <a:endParaRPr lang="en-US" dirty="0"/>
           </a:p>
         </p:txBody>
       </p:sp>
@@ -31792,12 +31807,7 @@
             <p:ph type="title"/>
           </p:nvPr>
         </p:nvSpPr>
-        <p:spPr>
-          <a:xfrm>
-            <a:off x="228600" y="274638"/>
-            <a:ext cx="8382000" cy="1143000"/>
-          </a:xfrm>
-        </p:spPr>
+        <p:spPr/>
         <p:txBody>
           <a:bodyPr>
             <a:normAutofit fontScale="90000"/>
@@ -31817,9 +31827,56 @@
             </a:r>
             <a:r>
               <a:rPr lang="en-US" altLang="zh-CN" dirty="0" smtClean="0"/>
-              <a:t>How Database works”</a:t>
+              <a:t>What Database is”</a:t>
             </a:r>
             <a:endParaRPr lang="en-US" dirty="0"/>
+          </a:p>
+        </p:txBody>
+      </p:sp>
+      <p:sp>
+        <p:nvSpPr>
+          <p:cNvPr id="3" name="Content Placeholder 2"/>
+          <p:cNvSpPr>
+            <a:spLocks noGrp="1"/>
+          </p:cNvSpPr>
+          <p:nvPr>
+            <p:ph idx="1"/>
+          </p:nvPr>
+        </p:nvSpPr>
+        <p:spPr>
+          <a:xfrm>
+            <a:off x="381000" y="1646237"/>
+            <a:ext cx="8610600" cy="4525963"/>
+          </a:xfrm>
+        </p:spPr>
+        <p:txBody>
+          <a:bodyPr>
+            <a:normAutofit fontScale="92500"/>
+          </a:bodyPr>
+          <a:lstStyle/>
+          <a:p>
+            <a:r>
+              <a:rPr lang="en-US" altLang="zh-CN" dirty="0" smtClean="0"/>
+              <a:t>Databases consist of software-based "containers" that are structured to collect and store information.</a:t>
+            </a:r>
+          </a:p>
+          <a:p>
+            <a:r>
+              <a:rPr lang="en-US" altLang="zh-CN" dirty="0" smtClean="0"/>
+              <a:t>Database programs are designed for users so that they can retrieve, add, update or remove information.</a:t>
+            </a:r>
+          </a:p>
+          <a:p>
+            <a:r>
+              <a:rPr lang="en-US" altLang="zh-CN" dirty="0" smtClean="0"/>
+              <a:t>The structure of a database is tabular, consisting of rows and columns of information.</a:t>
+            </a:r>
+          </a:p>
+          <a:p>
+            <a:r>
+              <a:rPr lang="en-US" altLang="zh-CN" dirty="0" smtClean="0"/>
+              <a:t>A number of database architectures exist. Many databases use a combination of strategies.</a:t>
+            </a:r>
           </a:p>
         </p:txBody>
       </p:sp>
@@ -31842,6 +31899,290 @@
               <a:rPr lang="en-US" smtClean="0"/>
               <a:pPr/>
               <a:t>44</a:t>
+            </a:fld>
+            <a:endParaRPr lang="en-US" dirty="0"/>
+          </a:p>
+        </p:txBody>
+      </p:sp>
+      <p:pic>
+        <p:nvPicPr>
+          <p:cNvPr id="4" name="Picture 3" descr="logo.jpg"/>
+          <p:cNvPicPr>
+            <a:picLocks noChangeAspect="1"/>
+          </p:cNvPicPr>
+          <p:nvPr/>
+        </p:nvPicPr>
+        <p:blipFill>
+          <a:blip r:embed="rId2" cstate="print"/>
+          <a:stretch>
+            <a:fillRect/>
+          </a:stretch>
+        </p:blipFill>
+        <p:spPr>
+          <a:xfrm>
+            <a:off x="7956253" y="0"/>
+            <a:ext cx="1187747" cy="1328738"/>
+          </a:xfrm>
+          <a:prstGeom prst="rect">
+            <a:avLst/>
+          </a:prstGeom>
+        </p:spPr>
+      </p:pic>
+    </p:spTree>
+  </p:cSld>
+  <p:clrMapOvr>
+    <a:masterClrMapping/>
+  </p:clrMapOvr>
+  <p:timing>
+    <p:tnLst>
+      <p:par>
+        <p:cTn id="1" dur="indefinite" restart="never" nodeType="tmRoot"/>
+      </p:par>
+    </p:tnLst>
+  </p:timing>
+</p:sld>
+</file>
+
+<file path=ppt/slides/slide45.xml><?xml version="1.0" encoding="utf-8"?>
+<p:sld xmlns:a="http://schemas.openxmlformats.org/drawingml/2006/main" xmlns:r="http://schemas.openxmlformats.org/officeDocument/2006/relationships" xmlns:p="http://schemas.openxmlformats.org/presentationml/2006/main">
+  <p:cSld>
+    <p:spTree>
+      <p:nvGrpSpPr>
+        <p:cNvPr id="1" name=""/>
+        <p:cNvGrpSpPr/>
+        <p:nvPr/>
+      </p:nvGrpSpPr>
+      <p:grpSpPr>
+        <a:xfrm>
+          <a:off x="0" y="0"/>
+          <a:ext cx="0" cy="0"/>
+          <a:chOff x="0" y="0"/>
+          <a:chExt cx="0" cy="0"/>
+        </a:xfrm>
+      </p:grpSpPr>
+      <p:sp>
+        <p:nvSpPr>
+          <p:cNvPr id="2" name="Title 1"/>
+          <p:cNvSpPr>
+            <a:spLocks noGrp="1"/>
+          </p:cNvSpPr>
+          <p:nvPr>
+            <p:ph type="title"/>
+          </p:nvPr>
+        </p:nvSpPr>
+        <p:spPr>
+          <a:xfrm>
+            <a:off x="-76200" y="274638"/>
+            <a:ext cx="8382000" cy="1143000"/>
+          </a:xfrm>
+        </p:spPr>
+        <p:txBody>
+          <a:bodyPr>
+            <a:normAutofit fontScale="90000"/>
+          </a:bodyPr>
+          <a:lstStyle/>
+          <a:p>
+            <a:r>
+              <a:rPr lang="en-US" dirty="0" smtClean="0"/>
+              <a:t>Database</a:t>
+            </a:r>
+            <a:br>
+              <a:rPr lang="en-US" dirty="0" smtClean="0"/>
+            </a:br>
+            <a:r>
+              <a:rPr lang="en-US" dirty="0" smtClean="0"/>
+              <a:t>“</a:t>
+            </a:r>
+            <a:r>
+              <a:rPr lang="en-US" altLang="zh-CN" dirty="0" smtClean="0"/>
+              <a:t>What Database does in the project”</a:t>
+            </a:r>
+            <a:endParaRPr lang="en-US" dirty="0"/>
+          </a:p>
+        </p:txBody>
+      </p:sp>
+      <p:sp>
+        <p:nvSpPr>
+          <p:cNvPr id="3" name="Content Placeholder 2"/>
+          <p:cNvSpPr>
+            <a:spLocks noGrp="1"/>
+          </p:cNvSpPr>
+          <p:nvPr>
+            <p:ph idx="1"/>
+          </p:nvPr>
+        </p:nvSpPr>
+        <p:spPr>
+          <a:xfrm>
+            <a:off x="457200" y="1798637"/>
+            <a:ext cx="8229600" cy="4525963"/>
+          </a:xfrm>
+        </p:spPr>
+        <p:txBody>
+          <a:bodyPr>
+            <a:normAutofit/>
+          </a:bodyPr>
+          <a:lstStyle/>
+          <a:p>
+            <a:r>
+              <a:rPr lang="en-US" altLang="zh-CN" dirty="0" smtClean="0"/>
+              <a:t>The game database contains all of data records</a:t>
+            </a:r>
+          </a:p>
+          <a:p>
+            <a:r>
+              <a:rPr lang="en-US" altLang="zh-CN" dirty="0" smtClean="0"/>
+              <a:t>Tables collection of the names, parameters, status of all game units, and the game contents such as maps.</a:t>
+            </a:r>
+          </a:p>
+          <a:p>
+            <a:r>
+              <a:rPr lang="en-US" altLang="zh-CN" dirty="0" smtClean="0"/>
+              <a:t>The data is retrieved and overwritten for synchronous/ asynchronous backup.</a:t>
+            </a:r>
+            <a:endParaRPr lang="zh-CN" altLang="zh-CN" dirty="0" smtClean="0"/>
+          </a:p>
+        </p:txBody>
+      </p:sp>
+      <p:sp>
+        <p:nvSpPr>
+          <p:cNvPr id="5" name="Slide Number Placeholder 4"/>
+          <p:cNvSpPr>
+            <a:spLocks noGrp="1"/>
+          </p:cNvSpPr>
+          <p:nvPr>
+            <p:ph type="sldNum" sz="quarter" idx="12"/>
+          </p:nvPr>
+        </p:nvSpPr>
+        <p:spPr/>
+        <p:txBody>
+          <a:bodyPr/>
+          <a:lstStyle/>
+          <a:p>
+            <a:fld id="{B6F15528-21DE-4FAA-801E-634DDDAF4B2B}" type="slidenum">
+              <a:rPr lang="en-US" smtClean="0"/>
+              <a:pPr/>
+              <a:t>45</a:t>
+            </a:fld>
+            <a:endParaRPr lang="en-US" dirty="0"/>
+          </a:p>
+        </p:txBody>
+      </p:sp>
+      <p:pic>
+        <p:nvPicPr>
+          <p:cNvPr id="4" name="Picture 3" descr="logo.jpg"/>
+          <p:cNvPicPr>
+            <a:picLocks noChangeAspect="1"/>
+          </p:cNvPicPr>
+          <p:nvPr/>
+        </p:nvPicPr>
+        <p:blipFill>
+          <a:blip r:embed="rId2" cstate="print"/>
+          <a:stretch>
+            <a:fillRect/>
+          </a:stretch>
+        </p:blipFill>
+        <p:spPr>
+          <a:xfrm>
+            <a:off x="7956253" y="0"/>
+            <a:ext cx="1187747" cy="1328738"/>
+          </a:xfrm>
+          <a:prstGeom prst="rect">
+            <a:avLst/>
+          </a:prstGeom>
+        </p:spPr>
+      </p:pic>
+    </p:spTree>
+  </p:cSld>
+  <p:clrMapOvr>
+    <a:masterClrMapping/>
+  </p:clrMapOvr>
+  <p:timing>
+    <p:tnLst>
+      <p:par>
+        <p:cTn id="1" dur="indefinite" restart="never" nodeType="tmRoot"/>
+      </p:par>
+    </p:tnLst>
+  </p:timing>
+</p:sld>
+</file>
+
+<file path=ppt/slides/slide46.xml><?xml version="1.0" encoding="utf-8"?>
+<p:sld xmlns:a="http://schemas.openxmlformats.org/drawingml/2006/main" xmlns:r="http://schemas.openxmlformats.org/officeDocument/2006/relationships" xmlns:p="http://schemas.openxmlformats.org/presentationml/2006/main">
+  <p:cSld>
+    <p:spTree>
+      <p:nvGrpSpPr>
+        <p:cNvPr id="1" name=""/>
+        <p:cNvGrpSpPr/>
+        <p:nvPr/>
+      </p:nvGrpSpPr>
+      <p:grpSpPr>
+        <a:xfrm>
+          <a:off x="0" y="0"/>
+          <a:ext cx="0" cy="0"/>
+          <a:chOff x="0" y="0"/>
+          <a:chExt cx="0" cy="0"/>
+        </a:xfrm>
+      </p:grpSpPr>
+      <p:sp>
+        <p:nvSpPr>
+          <p:cNvPr id="2" name="Title 1"/>
+          <p:cNvSpPr>
+            <a:spLocks noGrp="1"/>
+          </p:cNvSpPr>
+          <p:nvPr>
+            <p:ph type="title"/>
+          </p:nvPr>
+        </p:nvSpPr>
+        <p:spPr>
+          <a:xfrm>
+            <a:off x="228600" y="274638"/>
+            <a:ext cx="8382000" cy="1143000"/>
+          </a:xfrm>
+        </p:spPr>
+        <p:txBody>
+          <a:bodyPr>
+            <a:normAutofit fontScale="90000"/>
+          </a:bodyPr>
+          <a:lstStyle/>
+          <a:p>
+            <a:r>
+              <a:rPr lang="en-US" dirty="0" smtClean="0"/>
+              <a:t>Database</a:t>
+            </a:r>
+            <a:br>
+              <a:rPr lang="en-US" dirty="0" smtClean="0"/>
+            </a:br>
+            <a:r>
+              <a:rPr lang="en-US" dirty="0" smtClean="0"/>
+              <a:t>“</a:t>
+            </a:r>
+            <a:r>
+              <a:rPr lang="en-US" altLang="zh-CN" dirty="0" smtClean="0"/>
+              <a:t>How Database works”</a:t>
+            </a:r>
+            <a:endParaRPr lang="en-US" dirty="0"/>
+          </a:p>
+        </p:txBody>
+      </p:sp>
+      <p:sp>
+        <p:nvSpPr>
+          <p:cNvPr id="5" name="Slide Number Placeholder 4"/>
+          <p:cNvSpPr>
+            <a:spLocks noGrp="1"/>
+          </p:cNvSpPr>
+          <p:nvPr>
+            <p:ph type="sldNum" sz="quarter" idx="12"/>
+          </p:nvPr>
+        </p:nvSpPr>
+        <p:spPr/>
+        <p:txBody>
+          <a:bodyPr/>
+          <a:lstStyle/>
+          <a:p>
+            <a:fld id="{B6F15528-21DE-4FAA-801E-634DDDAF4B2B}" type="slidenum">
+              <a:rPr lang="en-US" smtClean="0"/>
+              <a:pPr/>
+              <a:t>46</a:t>
             </a:fld>
             <a:endParaRPr lang="en-US" dirty="0"/>
           </a:p>
@@ -31918,7 +32259,7 @@
 </p:sld>
 </file>
 
-<file path=ppt/slides/slide45.xml><?xml version="1.0" encoding="utf-8"?>
+<file path=ppt/slides/slide47.xml><?xml version="1.0" encoding="utf-8"?>
 <p:sld xmlns:a="http://schemas.openxmlformats.org/drawingml/2006/main" xmlns:r="http://schemas.openxmlformats.org/officeDocument/2006/relationships" xmlns:p="http://schemas.openxmlformats.org/presentationml/2006/main">
   <p:cSld>
     <p:spTree>
@@ -32039,7 +32380,7 @@
             <a:fld id="{B6F15528-21DE-4FAA-801E-634DDDAF4B2B}" type="slidenum">
               <a:rPr lang="en-US" smtClean="0"/>
               <a:pPr/>
-              <a:t>45</a:t>
+              <a:t>47</a:t>
             </a:fld>
             <a:endParaRPr lang="en-US" dirty="0"/>
           </a:p>
@@ -32631,7 +32972,7 @@
 </p:sld>
 </file>
 
-<file path=ppt/slides/slide46.xml><?xml version="1.0" encoding="utf-8"?>
+<file path=ppt/slides/slide48.xml><?xml version="1.0" encoding="utf-8"?>
 <p:sld xmlns:a="http://schemas.openxmlformats.org/drawingml/2006/main" xmlns:r="http://schemas.openxmlformats.org/officeDocument/2006/relationships" xmlns:p="http://schemas.openxmlformats.org/presentationml/2006/main">
   <p:cSld>
     <p:spTree>
@@ -32742,7 +33083,7 @@
             <a:fld id="{B6F15528-21DE-4FAA-801E-634DDDAF4B2B}" type="slidenum">
               <a:rPr lang="en-US" smtClean="0"/>
               <a:pPr/>
-              <a:t>46</a:t>
+              <a:t>48</a:t>
             </a:fld>
             <a:endParaRPr lang="en-US" dirty="0"/>
           </a:p>
@@ -32787,7 +33128,7 @@
 </p:sld>
 </file>
 
-<file path=ppt/slides/slide47.xml><?xml version="1.0" encoding="utf-8"?>
+<file path=ppt/slides/slide49.xml><?xml version="1.0" encoding="utf-8"?>
 <p:sld xmlns:a="http://schemas.openxmlformats.org/drawingml/2006/main" xmlns:r="http://schemas.openxmlformats.org/officeDocument/2006/relationships" xmlns:p="http://schemas.openxmlformats.org/presentationml/2006/main">
   <p:cSld>
     <p:spTree>
@@ -32864,7 +33205,7 @@
             <a:fld id="{B6F15528-21DE-4FAA-801E-634DDDAF4B2B}" type="slidenum">
               <a:rPr lang="en-US" smtClean="0"/>
               <a:pPr/>
-              <a:t>47</a:t>
+              <a:t>49</a:t>
             </a:fld>
             <a:endParaRPr lang="en-US" dirty="0"/>
           </a:p>
@@ -32906,232 +33247,6 @@
       </p:par>
     </p:tnLst>
   </p:timing>
-</p:sld>
-</file>
-
-<file path=ppt/slides/slide48.xml><?xml version="1.0" encoding="utf-8"?>
-<p:sld xmlns:a="http://schemas.openxmlformats.org/drawingml/2006/main" xmlns:r="http://schemas.openxmlformats.org/officeDocument/2006/relationships" xmlns:p="http://schemas.openxmlformats.org/presentationml/2006/main">
-  <p:cSld>
-    <p:spTree>
-      <p:nvGrpSpPr>
-        <p:cNvPr id="1" name=""/>
-        <p:cNvGrpSpPr/>
-        <p:nvPr/>
-      </p:nvGrpSpPr>
-      <p:grpSpPr>
-        <a:xfrm>
-          <a:off x="0" y="0"/>
-          <a:ext cx="0" cy="0"/>
-          <a:chOff x="0" y="0"/>
-          <a:chExt cx="0" cy="0"/>
-        </a:xfrm>
-      </p:grpSpPr>
-      <p:sp>
-        <p:nvSpPr>
-          <p:cNvPr id="2" name="Title 1"/>
-          <p:cNvSpPr>
-            <a:spLocks noGrp="1"/>
-          </p:cNvSpPr>
-          <p:nvPr>
-            <p:ph type="title"/>
-          </p:nvPr>
-        </p:nvSpPr>
-        <p:spPr/>
-        <p:txBody>
-          <a:bodyPr/>
-          <a:lstStyle/>
-          <a:p>
-            <a:r>
-              <a:rPr lang="en-US" dirty="0" smtClean="0"/>
-              <a:t>Conclusion</a:t>
-            </a:r>
-            <a:endParaRPr lang="en-US" dirty="0"/>
-          </a:p>
-        </p:txBody>
-      </p:sp>
-      <p:sp>
-        <p:nvSpPr>
-          <p:cNvPr id="3" name="Content Placeholder 2"/>
-          <p:cNvSpPr>
-            <a:spLocks noGrp="1"/>
-          </p:cNvSpPr>
-          <p:nvPr>
-            <p:ph idx="1"/>
-          </p:nvPr>
-        </p:nvSpPr>
-        <p:spPr/>
-        <p:txBody>
-          <a:bodyPr/>
-          <a:lstStyle/>
-          <a:p>
-            <a:r>
-              <a:rPr lang="en-US" dirty="0" smtClean="0"/>
-              <a:t>Conclude this presentation</a:t>
-            </a:r>
-          </a:p>
-          <a:p>
-            <a:r>
-              <a:rPr lang="en-US" dirty="0" smtClean="0"/>
-              <a:t>Told you about our awesome game </a:t>
-            </a:r>
-          </a:p>
-          <a:p>
-            <a:r>
-              <a:rPr lang="en-US" dirty="0" smtClean="0"/>
-              <a:t>Pre-orders available</a:t>
-            </a:r>
-          </a:p>
-        </p:txBody>
-      </p:sp>
-      <p:sp>
-        <p:nvSpPr>
-          <p:cNvPr id="5" name="Slide Number Placeholder 4"/>
-          <p:cNvSpPr>
-            <a:spLocks noGrp="1"/>
-          </p:cNvSpPr>
-          <p:nvPr>
-            <p:ph type="sldNum" sz="quarter" idx="12"/>
-          </p:nvPr>
-        </p:nvSpPr>
-        <p:spPr/>
-        <p:txBody>
-          <a:bodyPr/>
-          <a:lstStyle/>
-          <a:p>
-            <a:fld id="{B6F15528-21DE-4FAA-801E-634DDDAF4B2B}" type="slidenum">
-              <a:rPr lang="en-US" smtClean="0"/>
-              <a:pPr/>
-              <a:t>48</a:t>
-            </a:fld>
-            <a:endParaRPr lang="en-US" dirty="0"/>
-          </a:p>
-        </p:txBody>
-      </p:sp>
-      <p:pic>
-        <p:nvPicPr>
-          <p:cNvPr id="4" name="Picture 3" descr="logo.jpg"/>
-          <p:cNvPicPr>
-            <a:picLocks noChangeAspect="1"/>
-          </p:cNvPicPr>
-          <p:nvPr/>
-        </p:nvPicPr>
-        <p:blipFill>
-          <a:blip r:embed="rId2" cstate="print"/>
-          <a:stretch>
-            <a:fillRect/>
-          </a:stretch>
-        </p:blipFill>
-        <p:spPr>
-          <a:xfrm>
-            <a:off x="7956253" y="0"/>
-            <a:ext cx="1187747" cy="1328738"/>
-          </a:xfrm>
-          <a:prstGeom prst="rect">
-            <a:avLst/>
-          </a:prstGeom>
-        </p:spPr>
-      </p:pic>
-    </p:spTree>
-  </p:cSld>
-  <p:clrMapOvr>
-    <a:masterClrMapping/>
-  </p:clrMapOvr>
-</p:sld>
-</file>
-
-<file path=ppt/slides/slide49.xml><?xml version="1.0" encoding="utf-8"?>
-<p:sld xmlns:a="http://schemas.openxmlformats.org/drawingml/2006/main" xmlns:r="http://schemas.openxmlformats.org/officeDocument/2006/relationships" xmlns:p="http://schemas.openxmlformats.org/presentationml/2006/main">
-  <p:cSld>
-    <p:spTree>
-      <p:nvGrpSpPr>
-        <p:cNvPr id="1" name=""/>
-        <p:cNvGrpSpPr/>
-        <p:nvPr/>
-      </p:nvGrpSpPr>
-      <p:grpSpPr>
-        <a:xfrm>
-          <a:off x="0" y="0"/>
-          <a:ext cx="0" cy="0"/>
-          <a:chOff x="0" y="0"/>
-          <a:chExt cx="0" cy="0"/>
-        </a:xfrm>
-      </p:grpSpPr>
-      <p:sp>
-        <p:nvSpPr>
-          <p:cNvPr id="2" name="Title 1"/>
-          <p:cNvSpPr>
-            <a:spLocks noGrp="1"/>
-          </p:cNvSpPr>
-          <p:nvPr>
-            <p:ph type="title"/>
-          </p:nvPr>
-        </p:nvSpPr>
-        <p:spPr/>
-        <p:txBody>
-          <a:bodyPr/>
-          <a:lstStyle/>
-          <a:p>
-            <a:r>
-              <a:rPr lang="en-US" dirty="0" smtClean="0"/>
-              <a:t>Questions?</a:t>
-            </a:r>
-            <a:endParaRPr lang="en-US" dirty="0"/>
-          </a:p>
-        </p:txBody>
-      </p:sp>
-      <p:sp>
-        <p:nvSpPr>
-          <p:cNvPr id="5" name="Slide Number Placeholder 4"/>
-          <p:cNvSpPr>
-            <a:spLocks noGrp="1"/>
-          </p:cNvSpPr>
-          <p:nvPr>
-            <p:ph type="sldNum" sz="quarter" idx="12"/>
-          </p:nvPr>
-        </p:nvSpPr>
-        <p:spPr/>
-        <p:txBody>
-          <a:bodyPr/>
-          <a:lstStyle/>
-          <a:p>
-            <a:fld id="{B6F15528-21DE-4FAA-801E-634DDDAF4B2B}" type="slidenum">
-              <a:rPr lang="en-US" smtClean="0"/>
-              <a:pPr/>
-              <a:t>49</a:t>
-            </a:fld>
-            <a:endParaRPr lang="en-US" dirty="0"/>
-          </a:p>
-        </p:txBody>
-      </p:sp>
-      <p:pic>
-        <p:nvPicPr>
-          <p:cNvPr id="4" name="Picture 3" descr="logo.jpg"/>
-          <p:cNvPicPr>
-            <a:picLocks noChangeAspect="1"/>
-          </p:cNvPicPr>
-          <p:nvPr/>
-        </p:nvPicPr>
-        <p:blipFill>
-          <a:blip r:embed="rId2" cstate="print"/>
-          <a:stretch>
-            <a:fillRect/>
-          </a:stretch>
-        </p:blipFill>
-        <p:spPr>
-          <a:xfrm>
-            <a:off x="7956253" y="0"/>
-            <a:ext cx="1187747" cy="1328738"/>
-          </a:xfrm>
-          <a:prstGeom prst="rect">
-            <a:avLst/>
-          </a:prstGeom>
-        </p:spPr>
-      </p:pic>
-    </p:spTree>
-  </p:cSld>
-  <p:clrMapOvr>
-    <a:masterClrMapping/>
-  </p:clrMapOvr>
 </p:sld>
 </file>
 
@@ -33339,6 +33454,232 @@
       </p:par>
     </p:tnLst>
   </p:timing>
+</p:sld>
+</file>
+
+<file path=ppt/slides/slide50.xml><?xml version="1.0" encoding="utf-8"?>
+<p:sld xmlns:a="http://schemas.openxmlformats.org/drawingml/2006/main" xmlns:r="http://schemas.openxmlformats.org/officeDocument/2006/relationships" xmlns:p="http://schemas.openxmlformats.org/presentationml/2006/main">
+  <p:cSld>
+    <p:spTree>
+      <p:nvGrpSpPr>
+        <p:cNvPr id="1" name=""/>
+        <p:cNvGrpSpPr/>
+        <p:nvPr/>
+      </p:nvGrpSpPr>
+      <p:grpSpPr>
+        <a:xfrm>
+          <a:off x="0" y="0"/>
+          <a:ext cx="0" cy="0"/>
+          <a:chOff x="0" y="0"/>
+          <a:chExt cx="0" cy="0"/>
+        </a:xfrm>
+      </p:grpSpPr>
+      <p:sp>
+        <p:nvSpPr>
+          <p:cNvPr id="2" name="Title 1"/>
+          <p:cNvSpPr>
+            <a:spLocks noGrp="1"/>
+          </p:cNvSpPr>
+          <p:nvPr>
+            <p:ph type="title"/>
+          </p:nvPr>
+        </p:nvSpPr>
+        <p:spPr/>
+        <p:txBody>
+          <a:bodyPr/>
+          <a:lstStyle/>
+          <a:p>
+            <a:r>
+              <a:rPr lang="en-US" dirty="0" smtClean="0"/>
+              <a:t>Conclusion</a:t>
+            </a:r>
+            <a:endParaRPr lang="en-US" dirty="0"/>
+          </a:p>
+        </p:txBody>
+      </p:sp>
+      <p:sp>
+        <p:nvSpPr>
+          <p:cNvPr id="3" name="Content Placeholder 2"/>
+          <p:cNvSpPr>
+            <a:spLocks noGrp="1"/>
+          </p:cNvSpPr>
+          <p:nvPr>
+            <p:ph idx="1"/>
+          </p:nvPr>
+        </p:nvSpPr>
+        <p:spPr/>
+        <p:txBody>
+          <a:bodyPr/>
+          <a:lstStyle/>
+          <a:p>
+            <a:r>
+              <a:rPr lang="en-US" dirty="0" smtClean="0"/>
+              <a:t>Conclude this presentation</a:t>
+            </a:r>
+          </a:p>
+          <a:p>
+            <a:r>
+              <a:rPr lang="en-US" dirty="0" smtClean="0"/>
+              <a:t>Told you about our awesome game </a:t>
+            </a:r>
+          </a:p>
+          <a:p>
+            <a:r>
+              <a:rPr lang="en-US" dirty="0" smtClean="0"/>
+              <a:t>Pre-orders available</a:t>
+            </a:r>
+          </a:p>
+        </p:txBody>
+      </p:sp>
+      <p:sp>
+        <p:nvSpPr>
+          <p:cNvPr id="5" name="Slide Number Placeholder 4"/>
+          <p:cNvSpPr>
+            <a:spLocks noGrp="1"/>
+          </p:cNvSpPr>
+          <p:nvPr>
+            <p:ph type="sldNum" sz="quarter" idx="12"/>
+          </p:nvPr>
+        </p:nvSpPr>
+        <p:spPr/>
+        <p:txBody>
+          <a:bodyPr/>
+          <a:lstStyle/>
+          <a:p>
+            <a:fld id="{B6F15528-21DE-4FAA-801E-634DDDAF4B2B}" type="slidenum">
+              <a:rPr lang="en-US" smtClean="0"/>
+              <a:pPr/>
+              <a:t>50</a:t>
+            </a:fld>
+            <a:endParaRPr lang="en-US" dirty="0"/>
+          </a:p>
+        </p:txBody>
+      </p:sp>
+      <p:pic>
+        <p:nvPicPr>
+          <p:cNvPr id="4" name="Picture 3" descr="logo.jpg"/>
+          <p:cNvPicPr>
+            <a:picLocks noChangeAspect="1"/>
+          </p:cNvPicPr>
+          <p:nvPr/>
+        </p:nvPicPr>
+        <p:blipFill>
+          <a:blip r:embed="rId2" cstate="print"/>
+          <a:stretch>
+            <a:fillRect/>
+          </a:stretch>
+        </p:blipFill>
+        <p:spPr>
+          <a:xfrm>
+            <a:off x="7956253" y="0"/>
+            <a:ext cx="1187747" cy="1328738"/>
+          </a:xfrm>
+          <a:prstGeom prst="rect">
+            <a:avLst/>
+          </a:prstGeom>
+        </p:spPr>
+      </p:pic>
+    </p:spTree>
+  </p:cSld>
+  <p:clrMapOvr>
+    <a:masterClrMapping/>
+  </p:clrMapOvr>
+</p:sld>
+</file>
+
+<file path=ppt/slides/slide51.xml><?xml version="1.0" encoding="utf-8"?>
+<p:sld xmlns:a="http://schemas.openxmlformats.org/drawingml/2006/main" xmlns:r="http://schemas.openxmlformats.org/officeDocument/2006/relationships" xmlns:p="http://schemas.openxmlformats.org/presentationml/2006/main">
+  <p:cSld>
+    <p:spTree>
+      <p:nvGrpSpPr>
+        <p:cNvPr id="1" name=""/>
+        <p:cNvGrpSpPr/>
+        <p:nvPr/>
+      </p:nvGrpSpPr>
+      <p:grpSpPr>
+        <a:xfrm>
+          <a:off x="0" y="0"/>
+          <a:ext cx="0" cy="0"/>
+          <a:chOff x="0" y="0"/>
+          <a:chExt cx="0" cy="0"/>
+        </a:xfrm>
+      </p:grpSpPr>
+      <p:sp>
+        <p:nvSpPr>
+          <p:cNvPr id="2" name="Title 1"/>
+          <p:cNvSpPr>
+            <a:spLocks noGrp="1"/>
+          </p:cNvSpPr>
+          <p:nvPr>
+            <p:ph type="title"/>
+          </p:nvPr>
+        </p:nvSpPr>
+        <p:spPr/>
+        <p:txBody>
+          <a:bodyPr/>
+          <a:lstStyle/>
+          <a:p>
+            <a:r>
+              <a:rPr lang="en-US" dirty="0" smtClean="0"/>
+              <a:t>Questions?</a:t>
+            </a:r>
+            <a:endParaRPr lang="en-US" dirty="0"/>
+          </a:p>
+        </p:txBody>
+      </p:sp>
+      <p:sp>
+        <p:nvSpPr>
+          <p:cNvPr id="5" name="Slide Number Placeholder 4"/>
+          <p:cNvSpPr>
+            <a:spLocks noGrp="1"/>
+          </p:cNvSpPr>
+          <p:nvPr>
+            <p:ph type="sldNum" sz="quarter" idx="12"/>
+          </p:nvPr>
+        </p:nvSpPr>
+        <p:spPr/>
+        <p:txBody>
+          <a:bodyPr/>
+          <a:lstStyle/>
+          <a:p>
+            <a:fld id="{B6F15528-21DE-4FAA-801E-634DDDAF4B2B}" type="slidenum">
+              <a:rPr lang="en-US" smtClean="0"/>
+              <a:pPr/>
+              <a:t>51</a:t>
+            </a:fld>
+            <a:endParaRPr lang="en-US" dirty="0"/>
+          </a:p>
+        </p:txBody>
+      </p:sp>
+      <p:pic>
+        <p:nvPicPr>
+          <p:cNvPr id="4" name="Picture 3" descr="logo.jpg"/>
+          <p:cNvPicPr>
+            <a:picLocks noChangeAspect="1"/>
+          </p:cNvPicPr>
+          <p:nvPr/>
+        </p:nvPicPr>
+        <p:blipFill>
+          <a:blip r:embed="rId2" cstate="print"/>
+          <a:stretch>
+            <a:fillRect/>
+          </a:stretch>
+        </p:blipFill>
+        <p:spPr>
+          <a:xfrm>
+            <a:off x="7956253" y="0"/>
+            <a:ext cx="1187747" cy="1328738"/>
+          </a:xfrm>
+          <a:prstGeom prst="rect">
+            <a:avLst/>
+          </a:prstGeom>
+        </p:spPr>
+      </p:pic>
+    </p:spTree>
+  </p:cSld>
+  <p:clrMapOvr>
+    <a:masterClrMapping/>
+  </p:clrMapOvr>
 </p:sld>
 </file>
 

--- a/trunk/Docs/DUEL REALITY .pptx
+++ b/trunk/Docs/DUEL REALITY .pptx
@@ -5,13 +5,13 @@
     <p:sldMasterId id="2147483660" r:id="rId1"/>
   </p:sldMasterIdLst>
   <p:notesMasterIdLst>
-    <p:notesMasterId r:id="rId53"/>
+    <p:notesMasterId r:id="rId54"/>
   </p:notesMasterIdLst>
   <p:handoutMasterIdLst>
-    <p:handoutMasterId r:id="rId54"/>
+    <p:handoutMasterId r:id="rId55"/>
   </p:handoutMasterIdLst>
   <p:sldIdLst>
-    <p:sldId id="256" r:id="rId2"/>
+    <p:sldId id="317" r:id="rId2"/>
     <p:sldId id="257" r:id="rId3"/>
     <p:sldId id="258" r:id="rId4"/>
     <p:sldId id="286" r:id="rId5"/>
@@ -42,26 +42,27 @@
     <p:sldId id="310" r:id="rId30"/>
     <p:sldId id="311" r:id="rId31"/>
     <p:sldId id="314" r:id="rId32"/>
-    <p:sldId id="263" r:id="rId33"/>
+    <p:sldId id="318" r:id="rId33"/>
     <p:sldId id="276" r:id="rId34"/>
     <p:sldId id="293" r:id="rId35"/>
     <p:sldId id="277" r:id="rId36"/>
     <p:sldId id="294" r:id="rId37"/>
-    <p:sldId id="297" r:id="rId38"/>
-    <p:sldId id="295" r:id="rId39"/>
-    <p:sldId id="296" r:id="rId40"/>
-    <p:sldId id="291" r:id="rId41"/>
-    <p:sldId id="278" r:id="rId42"/>
-    <p:sldId id="264" r:id="rId43"/>
-    <p:sldId id="280" r:id="rId44"/>
-    <p:sldId id="281" r:id="rId45"/>
-    <p:sldId id="282" r:id="rId46"/>
-    <p:sldId id="283" r:id="rId47"/>
-    <p:sldId id="284" r:id="rId48"/>
-    <p:sldId id="285" r:id="rId49"/>
-    <p:sldId id="267" r:id="rId50"/>
-    <p:sldId id="268" r:id="rId51"/>
-    <p:sldId id="269" r:id="rId52"/>
+    <p:sldId id="319" r:id="rId38"/>
+    <p:sldId id="323" r:id="rId39"/>
+    <p:sldId id="295" r:id="rId40"/>
+    <p:sldId id="320" r:id="rId41"/>
+    <p:sldId id="321" r:id="rId42"/>
+    <p:sldId id="291" r:id="rId43"/>
+    <p:sldId id="278" r:id="rId44"/>
+    <p:sldId id="322" r:id="rId45"/>
+    <p:sldId id="280" r:id="rId46"/>
+    <p:sldId id="281" r:id="rId47"/>
+    <p:sldId id="282" r:id="rId48"/>
+    <p:sldId id="283" r:id="rId49"/>
+    <p:sldId id="284" r:id="rId50"/>
+    <p:sldId id="285" r:id="rId51"/>
+    <p:sldId id="316" r:id="rId52"/>
+    <p:sldId id="315" r:id="rId53"/>
   </p:sldIdLst>
   <p:sldSz cx="9144000" cy="6858000" type="screen4x3"/>
   <p:notesSz cx="7315200" cy="9601200"/>
@@ -4586,8 +4587,8 @@
         </p:blipFill>
         <p:spPr>
           <a:xfrm>
-            <a:off x="7956253" y="0"/>
-            <a:ext cx="1187747" cy="1328738"/>
+            <a:off x="5638800" y="2667000"/>
+            <a:ext cx="2179664" cy="2438400"/>
           </a:xfrm>
           <a:prstGeom prst="rect">
             <a:avLst/>
@@ -7338,7 +7339,6 @@
               <a:rPr lang="en-US" dirty="0" smtClean="0"/>
               <a:t>Application Interaction Items</a:t>
             </a:r>
-            <a:endParaRPr lang="en-US" dirty="0" smtClean="0"/>
           </a:p>
           <a:p>
             <a:r>
@@ -7590,15 +7590,7 @@
           <a:p>
             <a:r>
               <a:rPr lang="en-US" dirty="0" smtClean="0"/>
-              <a:t>Provide the framework for </a:t>
-            </a:r>
-            <a:r>
-              <a:rPr lang="en-US" dirty="0" smtClean="0"/>
-              <a:t>user </a:t>
-            </a:r>
-            <a:r>
-              <a:rPr lang="en-US" dirty="0" smtClean="0"/>
-              <a:t>interaction with the application</a:t>
+              <a:t>Provide the framework for user interaction with the application</a:t>
             </a:r>
           </a:p>
         </p:txBody>
@@ -7902,15 +7894,7 @@
           <a:p>
             <a:r>
               <a:rPr lang="en-US" dirty="0" smtClean="0"/>
-              <a:t>Provide the ability for </a:t>
-            </a:r>
-            <a:r>
-              <a:rPr lang="en-US" dirty="0" smtClean="0"/>
-              <a:t>user </a:t>
-            </a:r>
-            <a:r>
-              <a:rPr lang="en-US" dirty="0" smtClean="0"/>
-              <a:t>to choose desired settings</a:t>
+              <a:t>Provide the ability for user to choose desired settings</a:t>
             </a:r>
           </a:p>
         </p:txBody>
@@ -11053,11 +11037,7 @@
           <a:p>
             <a:r>
               <a:rPr lang="en-US" dirty="0" smtClean="0"/>
-              <a:t>Modularity in game </a:t>
-            </a:r>
-            <a:r>
-              <a:rPr lang="en-US" dirty="0" smtClean="0"/>
-              <a:t>development</a:t>
+              <a:t>Modularity in game development</a:t>
             </a:r>
           </a:p>
           <a:p>
@@ -11065,7 +11045,6 @@
               <a:rPr lang="en-US" dirty="0" smtClean="0"/>
               <a:t>Time constraint</a:t>
             </a:r>
-            <a:endParaRPr lang="en-US" dirty="0" smtClean="0"/>
           </a:p>
         </p:txBody>
       </p:sp>
@@ -11247,22 +11226,22 @@
         <p:spPr/>
         <p:txBody>
           <a:bodyPr>
-            <a:normAutofit fontScale="90000"/>
+            <a:normAutofit/>
           </a:bodyPr>
           <a:lstStyle/>
           <a:p>
             <a:r>
               <a:rPr lang="en-US" dirty="0" smtClean="0"/>
-              <a:t>Game Mechanics</a:t>
+              <a:t>Game Mechanics and AI</a:t>
             </a:r>
             <a:br>
               <a:rPr lang="en-US" dirty="0" smtClean="0"/>
             </a:br>
             <a:r>
-              <a:rPr lang="en-US" dirty="0" smtClean="0"/>
-              <a:t>and AI</a:t>
-            </a:r>
-            <a:endParaRPr lang="en-US" dirty="0"/>
+              <a:rPr lang="en-US" sz="1800" dirty="0" smtClean="0"/>
+              <a:t>Presenter: Josh Kilgore</a:t>
+            </a:r>
+            <a:endParaRPr lang="en-US" sz="1800" dirty="0"/>
           </a:p>
         </p:txBody>
       </p:sp>
@@ -11318,27 +11297,27 @@
             <a:pPr lvl="1"/>
             <a:r>
               <a:rPr lang="en-US" dirty="0" smtClean="0"/>
-              <a:t>Others</a:t>
+              <a:t>Etc.</a:t>
             </a:r>
           </a:p>
           <a:p>
             <a:r>
               <a:rPr lang="en-US" dirty="0" smtClean="0"/>
-              <a:t>AI</a:t>
+              <a:t>Artificial Intelligence</a:t>
             </a:r>
           </a:p>
           <a:p>
             <a:pPr lvl="1"/>
             <a:r>
               <a:rPr lang="en-US" dirty="0" smtClean="0"/>
-              <a:t>Game Tree</a:t>
+              <a:t>What</a:t>
             </a:r>
           </a:p>
           <a:p>
             <a:pPr lvl="1"/>
             <a:r>
               <a:rPr lang="en-US" dirty="0" smtClean="0"/>
-              <a:t>Decision Making</a:t>
+              <a:t>How</a:t>
             </a:r>
             <a:endParaRPr lang="en-US" dirty="0"/>
           </a:p>
@@ -23612,6 +23591,92 @@
           </a:prstGeom>
         </p:spPr>
       </p:pic>
+      <p:sp>
+        <p:nvSpPr>
+          <p:cNvPr id="7" name="TextBox 6"/>
+          <p:cNvSpPr txBox="1"/>
+          <p:nvPr/>
+        </p:nvSpPr>
+        <p:spPr>
+          <a:xfrm>
+            <a:off x="6324600" y="2590800"/>
+            <a:ext cx="2438400" cy="2031325"/>
+          </a:xfrm>
+          <a:prstGeom prst="rect">
+            <a:avLst/>
+          </a:prstGeom>
+          <a:noFill/>
+        </p:spPr>
+        <p:txBody>
+          <a:bodyPr wrap="square" rtlCol="0">
+            <a:spAutoFit/>
+          </a:bodyPr>
+          <a:lstStyle/>
+          <a:p>
+            <a:r>
+              <a:rPr lang="en-US" dirty="0" err="1" smtClean="0"/>
+              <a:t>switchPlayers</a:t>
+            </a:r>
+            <a:r>
+              <a:rPr lang="en-US" dirty="0" smtClean="0"/>
+              <a:t>()</a:t>
+            </a:r>
+          </a:p>
+          <a:p>
+            <a:r>
+              <a:rPr lang="en-US" dirty="0" err="1" smtClean="0"/>
+              <a:t>isGameOver</a:t>
+            </a:r>
+            <a:r>
+              <a:rPr lang="en-US" dirty="0" smtClean="0"/>
+              <a:t>();</a:t>
+            </a:r>
+          </a:p>
+          <a:p>
+            <a:r>
+              <a:rPr lang="en-US" dirty="0" err="1" smtClean="0"/>
+              <a:t>moveComplete</a:t>
+            </a:r>
+            <a:r>
+              <a:rPr lang="en-US" dirty="0" smtClean="0"/>
+              <a:t>();</a:t>
+            </a:r>
+          </a:p>
+          <a:p>
+            <a:r>
+              <a:rPr lang="en-US" dirty="0" err="1" smtClean="0"/>
+              <a:t>isValidMove</a:t>
+            </a:r>
+            <a:r>
+              <a:rPr lang="en-US" dirty="0" smtClean="0"/>
+              <a:t>();</a:t>
+            </a:r>
+          </a:p>
+          <a:p>
+            <a:r>
+              <a:rPr lang="en-US" dirty="0" err="1" smtClean="0"/>
+              <a:t>isValidAttack</a:t>
+            </a:r>
+            <a:r>
+              <a:rPr lang="en-US" dirty="0" smtClean="0"/>
+              <a:t>();</a:t>
+            </a:r>
+          </a:p>
+          <a:p>
+            <a:r>
+              <a:rPr lang="en-US" dirty="0" err="1" smtClean="0"/>
+              <a:t>isOccupied</a:t>
+            </a:r>
+            <a:r>
+              <a:rPr lang="en-US" dirty="0" smtClean="0"/>
+              <a:t>();</a:t>
+            </a:r>
+          </a:p>
+          <a:p>
+            <a:endParaRPr lang="en-US" dirty="0"/>
+          </a:p>
+        </p:txBody>
+      </p:sp>
     </p:spTree>
   </p:cSld>
   <p:clrMapOvr>
@@ -23647,10 +23712,33 @@
             <p:ph type="title"/>
           </p:nvPr>
         </p:nvSpPr>
+        <p:spPr/>
+        <p:txBody>
+          <a:bodyPr/>
+          <a:lstStyle/>
+          <a:p>
+            <a:r>
+              <a:rPr lang="en-US" dirty="0" smtClean="0"/>
+              <a:t>Player Interaction</a:t>
+            </a:r>
+            <a:endParaRPr lang="en-US" dirty="0"/>
+          </a:p>
+        </p:txBody>
+      </p:sp>
+      <p:sp>
+        <p:nvSpPr>
+          <p:cNvPr id="3" name="Content Placeholder 2"/>
+          <p:cNvSpPr>
+            <a:spLocks noGrp="1"/>
+          </p:cNvSpPr>
+          <p:nvPr>
+            <p:ph idx="1"/>
+          </p:nvPr>
+        </p:nvSpPr>
         <p:spPr>
           <a:xfrm>
-            <a:off x="80684" y="155448"/>
-            <a:ext cx="8229600" cy="1252728"/>
+            <a:off x="4495800" y="1752600"/>
+            <a:ext cx="4419600" cy="4625609"/>
           </a:xfrm>
         </p:spPr>
         <p:txBody>
@@ -23659,8 +23747,26 @@
           <a:p>
             <a:r>
               <a:rPr lang="en-US" dirty="0" smtClean="0"/>
-              <a:t>Game Mechanics Class Diagram</a:t>
-            </a:r>
+              <a:t>Player sees icons </a:t>
+            </a:r>
+          </a:p>
+          <a:p>
+            <a:pPr lvl="1"/>
+            <a:r>
+              <a:rPr lang="en-US" dirty="0" smtClean="0"/>
+              <a:t>Signals </a:t>
+            </a:r>
+            <a:r>
+              <a:rPr lang="en-US" dirty="0" smtClean="0"/>
+              <a:t>&amp; </a:t>
+            </a:r>
+            <a:r>
+              <a:rPr lang="en-US" dirty="0" smtClean="0"/>
+              <a:t>slots</a:t>
+            </a:r>
+            <a:endParaRPr lang="en-US" dirty="0" smtClean="0"/>
+          </a:p>
+          <a:p>
             <a:endParaRPr lang="en-US" dirty="0"/>
           </a:p>
         </p:txBody>
@@ -23691,64 +23797,81 @@
       </p:sp>
       <p:pic>
         <p:nvPicPr>
-          <p:cNvPr id="5" name="Picture 4" descr="class1.png"/>
+          <p:cNvPr id="5" name="Picture 3"/>
           <p:cNvPicPr>
-            <a:picLocks noChangeAspect="1"/>
+            <a:picLocks noChangeAspect="1" noChangeArrowheads="1"/>
           </p:cNvPicPr>
           <p:nvPr/>
         </p:nvPicPr>
         <p:blipFill>
           <a:blip r:embed="rId2" cstate="print"/>
+          <a:srcRect/>
           <a:stretch>
             <a:fillRect/>
           </a:stretch>
         </p:blipFill>
-        <p:spPr>
+        <p:spPr bwMode="auto">
           <a:xfrm>
-            <a:off x="457200" y="1566273"/>
-            <a:ext cx="6400800" cy="5079276"/>
+            <a:off x="152400" y="1752600"/>
+            <a:ext cx="4224748" cy="4419600"/>
           </a:xfrm>
           <a:prstGeom prst="rect">
             <a:avLst/>
           </a:prstGeom>
+          <a:noFill/>
+          <a:ln w="9525">
+            <a:noFill/>
+            <a:miter lim="800000"/>
+            <a:headEnd/>
+            <a:tailEnd/>
+          </a:ln>
         </p:spPr>
       </p:pic>
-      <p:pic>
-        <p:nvPicPr>
-          <p:cNvPr id="7" name="Picture 6" descr="logo.jpg"/>
-          <p:cNvPicPr>
-            <a:picLocks noChangeAspect="1"/>
-          </p:cNvPicPr>
+      <p:sp>
+        <p:nvSpPr>
+          <p:cNvPr id="6" name="Left Arrow 5"/>
+          <p:cNvSpPr/>
           <p:nvPr/>
-        </p:nvPicPr>
-        <p:blipFill>
-          <a:blip r:embed="rId3" cstate="print"/>
-          <a:stretch>
-            <a:fillRect/>
-          </a:stretch>
-        </p:blipFill>
+        </p:nvSpPr>
         <p:spPr>
-          <a:xfrm>
-            <a:off x="7956253" y="0"/>
-            <a:ext cx="1187747" cy="1328738"/>
+          <a:xfrm rot="18860148">
+            <a:off x="1600200" y="1447800"/>
+            <a:ext cx="990600" cy="685800"/>
           </a:xfrm>
-          <a:prstGeom prst="rect">
+          <a:prstGeom prst="leftArrow">
             <a:avLst/>
           </a:prstGeom>
         </p:spPr>
-      </p:pic>
+        <p:style>
+          <a:lnRef idx="2">
+            <a:schemeClr val="accent1">
+              <a:shade val="50000"/>
+            </a:schemeClr>
+          </a:lnRef>
+          <a:fillRef idx="1">
+            <a:schemeClr val="accent1"/>
+          </a:fillRef>
+          <a:effectRef idx="0">
+            <a:schemeClr val="accent1"/>
+          </a:effectRef>
+          <a:fontRef idx="minor">
+            <a:schemeClr val="lt1"/>
+          </a:fontRef>
+        </p:style>
+        <p:txBody>
+          <a:bodyPr rtlCol="0" anchor="ctr"/>
+          <a:lstStyle/>
+          <a:p>
+            <a:pPr algn="ctr"/>
+            <a:endParaRPr lang="en-US"/>
+          </a:p>
+        </p:txBody>
+      </p:sp>
     </p:spTree>
   </p:cSld>
   <p:clrMapOvr>
     <a:masterClrMapping/>
   </p:clrMapOvr>
-  <p:timing>
-    <p:tnLst>
-      <p:par>
-        <p:cTn id="1" dur="indefinite" restart="never" nodeType="tmRoot"/>
-      </p:par>
-    </p:tnLst>
-  </p:timing>
 </p:sld>
 </file>
 
@@ -23779,52 +23902,20 @@
             <p:ph type="title"/>
           </p:nvPr>
         </p:nvSpPr>
-        <p:spPr/>
+        <p:spPr>
+          <a:xfrm>
+            <a:off x="80684" y="155448"/>
+            <a:ext cx="8229600" cy="1252728"/>
+          </a:xfrm>
+        </p:spPr>
         <p:txBody>
           <a:bodyPr/>
           <a:lstStyle/>
           <a:p>
             <a:r>
               <a:rPr lang="en-US" dirty="0" smtClean="0"/>
-              <a:t>AI</a:t>
-            </a:r>
-            <a:endParaRPr lang="en-US" dirty="0"/>
-          </a:p>
-        </p:txBody>
-      </p:sp>
-      <p:sp>
-        <p:nvSpPr>
-          <p:cNvPr id="3" name="Content Placeholder 2"/>
-          <p:cNvSpPr>
-            <a:spLocks noGrp="1"/>
-          </p:cNvSpPr>
-          <p:nvPr>
-            <p:ph idx="1"/>
-          </p:nvPr>
-        </p:nvSpPr>
-        <p:spPr/>
-        <p:txBody>
-          <a:bodyPr/>
-          <a:lstStyle/>
-          <a:p>
-            <a:r>
-              <a:rPr lang="en-US" dirty="0" smtClean="0"/>
-              <a:t>Playable Opponent</a:t>
-            </a:r>
-          </a:p>
-          <a:p>
-            <a:r>
-              <a:rPr lang="en-US" dirty="0" smtClean="0"/>
-              <a:t>Board Evaluation</a:t>
-            </a:r>
-          </a:p>
-          <a:p>
-            <a:r>
-              <a:rPr lang="en-US" dirty="0" smtClean="0"/>
-              <a:t>Decision Tree</a:t>
-            </a:r>
-          </a:p>
-          <a:p>
+              <a:t>Game Mechanics Class Diagram</a:t>
+            </a:r>
             <a:endParaRPr lang="en-US" dirty="0"/>
           </a:p>
         </p:txBody>
@@ -23853,6 +23944,125 @@
           </a:p>
         </p:txBody>
       </p:sp>
+      <p:pic>
+        <p:nvPicPr>
+          <p:cNvPr id="7" name="Picture 6" descr="logo.jpg"/>
+          <p:cNvPicPr>
+            <a:picLocks noChangeAspect="1"/>
+          </p:cNvPicPr>
+          <p:nvPr/>
+        </p:nvPicPr>
+        <p:blipFill>
+          <a:blip r:embed="rId2" cstate="print"/>
+          <a:stretch>
+            <a:fillRect/>
+          </a:stretch>
+        </p:blipFill>
+        <p:spPr>
+          <a:xfrm>
+            <a:off x="7956253" y="0"/>
+            <a:ext cx="1187747" cy="1328738"/>
+          </a:xfrm>
+          <a:prstGeom prst="rect">
+            <a:avLst/>
+          </a:prstGeom>
+        </p:spPr>
+      </p:pic>
+      <p:sp>
+        <p:nvSpPr>
+          <p:cNvPr id="6" name="Content Placeholder 2"/>
+          <p:cNvSpPr>
+            <a:spLocks noGrp="1"/>
+          </p:cNvSpPr>
+          <p:nvPr>
+            <p:ph idx="1"/>
+          </p:nvPr>
+        </p:nvSpPr>
+        <p:spPr>
+          <a:xfrm>
+            <a:off x="6096000" y="1752600"/>
+            <a:ext cx="3048000" cy="4343400"/>
+          </a:xfrm>
+        </p:spPr>
+        <p:txBody>
+          <a:bodyPr>
+            <a:normAutofit/>
+          </a:bodyPr>
+          <a:lstStyle/>
+          <a:p>
+            <a:pPr>
+              <a:buFont typeface="Arial" pitchFamily="34" charset="0"/>
+              <a:buChar char="•"/>
+            </a:pPr>
+            <a:endParaRPr lang="en-US" dirty="0" smtClean="0"/>
+          </a:p>
+          <a:p>
+            <a:pPr>
+              <a:buFont typeface="Arial" pitchFamily="34" charset="0"/>
+              <a:buChar char="•"/>
+            </a:pPr>
+            <a:r>
+              <a:rPr lang="en-US" dirty="0" smtClean="0"/>
+              <a:t>Rely on Database to store unit data</a:t>
+            </a:r>
+          </a:p>
+          <a:p>
+            <a:pPr>
+              <a:buFont typeface="Arial" pitchFamily="34" charset="0"/>
+              <a:buChar char="•"/>
+            </a:pPr>
+            <a:endParaRPr lang="en-US" dirty="0" smtClean="0"/>
+          </a:p>
+          <a:p>
+            <a:pPr>
+              <a:buFont typeface="Arial" pitchFamily="34" charset="0"/>
+              <a:buChar char="•"/>
+            </a:pPr>
+            <a:r>
+              <a:rPr lang="en-US" dirty="0" smtClean="0"/>
+              <a:t>Internal Manipulation of  data</a:t>
+            </a:r>
+          </a:p>
+          <a:p>
+            <a:endParaRPr lang="en-US" dirty="0" smtClean="0"/>
+          </a:p>
+          <a:p>
+            <a:endParaRPr lang="en-US" dirty="0"/>
+          </a:p>
+        </p:txBody>
+      </p:sp>
+      <p:pic>
+        <p:nvPicPr>
+          <p:cNvPr id="2050" name="Picture 2"/>
+          <p:cNvPicPr>
+            <a:picLocks noChangeAspect="1" noChangeArrowheads="1"/>
+          </p:cNvPicPr>
+          <p:nvPr/>
+        </p:nvPicPr>
+        <p:blipFill>
+          <a:blip r:embed="rId3" cstate="print"/>
+          <a:srcRect/>
+          <a:stretch>
+            <a:fillRect/>
+          </a:stretch>
+        </p:blipFill>
+        <p:spPr bwMode="auto">
+          <a:xfrm>
+            <a:off x="457201" y="1568644"/>
+            <a:ext cx="5410200" cy="5089331"/>
+          </a:xfrm>
+          <a:prstGeom prst="rect">
+            <a:avLst/>
+          </a:prstGeom>
+          <a:noFill/>
+          <a:ln w="9525">
+            <a:noFill/>
+            <a:miter lim="800000"/>
+            <a:headEnd/>
+            <a:tailEnd/>
+          </a:ln>
+        </p:spPr>
+      </p:pic>
     </p:spTree>
   </p:cSld>
   <p:clrMapOvr>
@@ -25493,10 +25703,33 @@
             <p:ph type="title"/>
           </p:nvPr>
         </p:nvSpPr>
+        <p:spPr/>
+        <p:txBody>
+          <a:bodyPr/>
+          <a:lstStyle/>
+          <a:p>
+            <a:r>
+              <a:rPr lang="en-US" dirty="0" smtClean="0"/>
+              <a:t>Game Mechanics Verification</a:t>
+            </a:r>
+            <a:endParaRPr lang="en-US" dirty="0"/>
+          </a:p>
+        </p:txBody>
+      </p:sp>
+      <p:sp>
+        <p:nvSpPr>
+          <p:cNvPr id="3" name="Content Placeholder 2"/>
+          <p:cNvSpPr>
+            <a:spLocks noGrp="1"/>
+          </p:cNvSpPr>
+          <p:nvPr>
+            <p:ph idx="1"/>
+          </p:nvPr>
+        </p:nvSpPr>
         <p:spPr>
           <a:xfrm>
-            <a:off x="457200" y="-152400"/>
-            <a:ext cx="8229600" cy="914400"/>
+            <a:off x="152400" y="1676401"/>
+            <a:ext cx="4419600" cy="2362200"/>
           </a:xfrm>
         </p:spPr>
         <p:txBody>
@@ -25505,9 +25738,57 @@
           <a:p>
             <a:r>
               <a:rPr lang="en-US" dirty="0" smtClean="0"/>
-              <a:t>AI - Decision Tree</a:t>
-            </a:r>
-            <a:endParaRPr lang="en-US" dirty="0"/>
+              <a:t>Initial Unit Testing  </a:t>
+            </a:r>
+            <a:r>
+              <a:rPr lang="en-US" dirty="0" smtClean="0"/>
+              <a:t>-</a:t>
+            </a:r>
+          </a:p>
+          <a:p>
+            <a:pPr>
+              <a:buNone/>
+            </a:pPr>
+            <a:r>
+              <a:rPr lang="en-US" dirty="0" smtClean="0"/>
+              <a:t> </a:t>
+            </a:r>
+            <a:r>
+              <a:rPr lang="en-US" dirty="0" smtClean="0"/>
+              <a:t>Console </a:t>
+            </a:r>
+            <a:r>
+              <a:rPr lang="en-US" dirty="0" smtClean="0"/>
+              <a:t>Version</a:t>
+            </a:r>
+          </a:p>
+          <a:p>
+            <a:r>
+              <a:rPr lang="en-US" dirty="0" smtClean="0"/>
+              <a:t>Module Testing </a:t>
+            </a:r>
+          </a:p>
+          <a:p>
+            <a:r>
+              <a:rPr lang="en-US" dirty="0" smtClean="0"/>
+              <a:t>System Testing</a:t>
+            </a:r>
+            <a:endParaRPr lang="en-US" dirty="0" smtClean="0"/>
+          </a:p>
+          <a:p>
+            <a:endParaRPr lang="en-US" dirty="0" smtClean="0"/>
+          </a:p>
+          <a:p>
+            <a:pPr>
+              <a:buNone/>
+            </a:pPr>
+            <a:endParaRPr lang="en-US" dirty="0" smtClean="0"/>
+          </a:p>
+          <a:p>
+            <a:pPr>
+              <a:buNone/>
+            </a:pPr>
+            <a:endParaRPr lang="en-US" dirty="0" smtClean="0"/>
           </a:p>
         </p:txBody>
       </p:sp>
@@ -25537,7 +25818,7 @@
       </p:sp>
       <p:pic>
         <p:nvPicPr>
-          <p:cNvPr id="47106" name="Picture 2"/>
+          <p:cNvPr id="1026" name="Picture 2"/>
           <p:cNvPicPr>
             <a:picLocks noChangeAspect="1" noChangeArrowheads="1"/>
           </p:cNvPicPr>
@@ -25545,22 +25826,20 @@
         </p:nvPicPr>
         <p:blipFill>
           <a:blip r:embed="rId2" cstate="print"/>
-          <a:srcRect t="-114" b="-200"/>
+          <a:srcRect/>
           <a:stretch>
             <a:fillRect/>
           </a:stretch>
         </p:blipFill>
         <p:spPr bwMode="auto">
           <a:xfrm>
-            <a:off x="152400" y="1447800"/>
-            <a:ext cx="4282500" cy="5353603"/>
+            <a:off x="4495800" y="1524000"/>
+            <a:ext cx="4648200" cy="5334000"/>
           </a:xfrm>
           <a:prstGeom prst="rect">
             <a:avLst/>
           </a:prstGeom>
-          <a:solidFill>
-            <a:srgbClr val="FFFFFF"/>
-          </a:solidFill>
+          <a:noFill/>
           <a:ln w="9525">
             <a:noFill/>
             <a:miter lim="800000"/>
@@ -25569,42 +25848,11 @@
           </a:ln>
         </p:spPr>
       </p:pic>
-      <p:pic>
-        <p:nvPicPr>
-          <p:cNvPr id="5" name="Picture 4" descr="class2.png"/>
-          <p:cNvPicPr>
-            <a:picLocks noChangeAspect="1"/>
-          </p:cNvPicPr>
-          <p:nvPr/>
-        </p:nvPicPr>
-        <p:blipFill>
-          <a:blip r:embed="rId3" cstate="print"/>
-          <a:stretch>
-            <a:fillRect/>
-          </a:stretch>
-        </p:blipFill>
-        <p:spPr>
-          <a:xfrm>
-            <a:off x="6324600" y="1905000"/>
-            <a:ext cx="2133600" cy="2781300"/>
-          </a:xfrm>
-          <a:prstGeom prst="rect">
-            <a:avLst/>
-          </a:prstGeom>
-        </p:spPr>
-      </p:pic>
     </p:spTree>
   </p:cSld>
   <p:clrMapOvr>
     <a:masterClrMapping/>
   </p:clrMapOvr>
-  <p:timing>
-    <p:tnLst>
-      <p:par>
-        <p:cTn id="1" dur="indefinite" restart="never" nodeType="tmRoot"/>
-      </p:par>
-    </p:tnLst>
-  </p:timing>
 </p:sld>
 </file>
 
@@ -25650,6 +25898,289 @@
       </p:sp>
       <p:sp>
         <p:nvSpPr>
+          <p:cNvPr id="3" name="Content Placeholder 2"/>
+          <p:cNvSpPr>
+            <a:spLocks noGrp="1"/>
+          </p:cNvSpPr>
+          <p:nvPr>
+            <p:ph idx="1"/>
+          </p:nvPr>
+        </p:nvSpPr>
+        <p:spPr/>
+        <p:txBody>
+          <a:bodyPr/>
+          <a:lstStyle/>
+          <a:p>
+            <a:r>
+              <a:rPr lang="en-US" dirty="0" smtClean="0"/>
+              <a:t>Provide Player with playable opponent</a:t>
+            </a:r>
+          </a:p>
+          <a:p>
+            <a:r>
+              <a:rPr lang="en-US" dirty="0" smtClean="0"/>
+              <a:t>Decision Tree</a:t>
+            </a:r>
+          </a:p>
+          <a:p>
+            <a:pPr lvl="1"/>
+            <a:r>
+              <a:rPr lang="en-US" dirty="0" smtClean="0"/>
+              <a:t>Board Evaluation</a:t>
+            </a:r>
+          </a:p>
+          <a:p>
+            <a:pPr lvl="1"/>
+            <a:r>
+              <a:rPr lang="en-US" dirty="0" smtClean="0"/>
+              <a:t>Decide on Best Action</a:t>
+            </a:r>
+          </a:p>
+          <a:p>
+            <a:r>
+              <a:rPr lang="en-US" dirty="0" smtClean="0"/>
+              <a:t>Same constraints as Player actions</a:t>
+            </a:r>
+          </a:p>
+          <a:p>
+            <a:endParaRPr lang="en-US" dirty="0" smtClean="0"/>
+          </a:p>
+          <a:p>
+            <a:endParaRPr lang="en-US" dirty="0"/>
+          </a:p>
+        </p:txBody>
+      </p:sp>
+      <p:sp>
+        <p:nvSpPr>
+          <p:cNvPr id="4" name="Slide Number Placeholder 3"/>
+          <p:cNvSpPr>
+            <a:spLocks noGrp="1"/>
+          </p:cNvSpPr>
+          <p:nvPr>
+            <p:ph type="sldNum" sz="quarter" idx="12"/>
+          </p:nvPr>
+        </p:nvSpPr>
+        <p:spPr/>
+        <p:txBody>
+          <a:bodyPr/>
+          <a:lstStyle/>
+          <a:p>
+            <a:fld id="{B6F15528-21DE-4FAA-801E-634DDDAF4B2B}" type="slidenum">
+              <a:rPr lang="en-US" smtClean="0"/>
+              <a:pPr/>
+              <a:t>41</a:t>
+            </a:fld>
+            <a:endParaRPr lang="en-US" dirty="0"/>
+          </a:p>
+        </p:txBody>
+      </p:sp>
+    </p:spTree>
+  </p:cSld>
+  <p:clrMapOvr>
+    <a:masterClrMapping/>
+  </p:clrMapOvr>
+  <p:timing>
+    <p:tnLst>
+      <p:par>
+        <p:cTn id="1" dur="indefinite" restart="never" nodeType="tmRoot"/>
+      </p:par>
+    </p:tnLst>
+  </p:timing>
+</p:sld>
+</file>
+
+<file path=ppt/slides/slide42.xml><?xml version="1.0" encoding="utf-8"?>
+<p:sld xmlns:a="http://schemas.openxmlformats.org/drawingml/2006/main" xmlns:r="http://schemas.openxmlformats.org/officeDocument/2006/relationships" xmlns:p="http://schemas.openxmlformats.org/presentationml/2006/main">
+  <p:cSld>
+    <p:spTree>
+      <p:nvGrpSpPr>
+        <p:cNvPr id="1" name=""/>
+        <p:cNvGrpSpPr/>
+        <p:nvPr/>
+      </p:nvGrpSpPr>
+      <p:grpSpPr>
+        <a:xfrm>
+          <a:off x="0" y="0"/>
+          <a:ext cx="0" cy="0"/>
+          <a:chOff x="0" y="0"/>
+          <a:chExt cx="0" cy="0"/>
+        </a:xfrm>
+      </p:grpSpPr>
+      <p:sp>
+        <p:nvSpPr>
+          <p:cNvPr id="2" name="Title 1"/>
+          <p:cNvSpPr>
+            <a:spLocks noGrp="1"/>
+          </p:cNvSpPr>
+          <p:nvPr>
+            <p:ph type="title"/>
+          </p:nvPr>
+        </p:nvSpPr>
+        <p:spPr>
+          <a:xfrm>
+            <a:off x="457200" y="-152400"/>
+            <a:ext cx="8229600" cy="914400"/>
+          </a:xfrm>
+        </p:spPr>
+        <p:txBody>
+          <a:bodyPr/>
+          <a:lstStyle/>
+          <a:p>
+            <a:r>
+              <a:rPr lang="en-US" dirty="0" smtClean="0"/>
+              <a:t>AI - Decision Tree</a:t>
+            </a:r>
+            <a:endParaRPr lang="en-US" dirty="0"/>
+          </a:p>
+        </p:txBody>
+      </p:sp>
+      <p:sp>
+        <p:nvSpPr>
+          <p:cNvPr id="4" name="Slide Number Placeholder 3"/>
+          <p:cNvSpPr>
+            <a:spLocks noGrp="1"/>
+          </p:cNvSpPr>
+          <p:nvPr>
+            <p:ph type="sldNum" sz="quarter" idx="12"/>
+          </p:nvPr>
+        </p:nvSpPr>
+        <p:spPr/>
+        <p:txBody>
+          <a:bodyPr/>
+          <a:lstStyle/>
+          <a:p>
+            <a:fld id="{B6F15528-21DE-4FAA-801E-634DDDAF4B2B}" type="slidenum">
+              <a:rPr lang="en-US" smtClean="0"/>
+              <a:pPr/>
+              <a:t>42</a:t>
+            </a:fld>
+            <a:endParaRPr lang="en-US" dirty="0"/>
+          </a:p>
+        </p:txBody>
+      </p:sp>
+      <p:pic>
+        <p:nvPicPr>
+          <p:cNvPr id="47106" name="Picture 2"/>
+          <p:cNvPicPr>
+            <a:picLocks noChangeAspect="1" noChangeArrowheads="1"/>
+          </p:cNvPicPr>
+          <p:nvPr/>
+        </p:nvPicPr>
+        <p:blipFill>
+          <a:blip r:embed="rId2" cstate="print"/>
+          <a:srcRect t="-114" b="-200"/>
+          <a:stretch>
+            <a:fillRect/>
+          </a:stretch>
+        </p:blipFill>
+        <p:spPr bwMode="auto">
+          <a:xfrm>
+            <a:off x="152400" y="1447801"/>
+            <a:ext cx="4023001" cy="5029200"/>
+          </a:xfrm>
+          <a:prstGeom prst="rect">
+            <a:avLst/>
+          </a:prstGeom>
+          <a:solidFill>
+            <a:srgbClr val="FFFFFF"/>
+          </a:solidFill>
+          <a:ln w="9525">
+            <a:noFill/>
+            <a:miter lim="800000"/>
+            <a:headEnd/>
+            <a:tailEnd/>
+          </a:ln>
+        </p:spPr>
+      </p:pic>
+      <p:pic>
+        <p:nvPicPr>
+          <p:cNvPr id="3074" name="Picture 2"/>
+          <p:cNvPicPr>
+            <a:picLocks noChangeAspect="1" noChangeArrowheads="1"/>
+          </p:cNvPicPr>
+          <p:nvPr/>
+        </p:nvPicPr>
+        <p:blipFill>
+          <a:blip r:embed="rId3" cstate="print"/>
+          <a:srcRect/>
+          <a:stretch>
+            <a:fillRect/>
+          </a:stretch>
+        </p:blipFill>
+        <p:spPr bwMode="auto">
+          <a:xfrm>
+            <a:off x="4343400" y="1524000"/>
+            <a:ext cx="4800600" cy="5137484"/>
+          </a:xfrm>
+          <a:prstGeom prst="rect">
+            <a:avLst/>
+          </a:prstGeom>
+          <a:noFill/>
+          <a:ln w="9525">
+            <a:noFill/>
+            <a:miter lim="800000"/>
+            <a:headEnd/>
+            <a:tailEnd/>
+          </a:ln>
+        </p:spPr>
+      </p:pic>
+    </p:spTree>
+  </p:cSld>
+  <p:clrMapOvr>
+    <a:masterClrMapping/>
+  </p:clrMapOvr>
+  <p:timing>
+    <p:tnLst>
+      <p:par>
+        <p:cTn id="1" dur="indefinite" restart="never" nodeType="tmRoot"/>
+      </p:par>
+    </p:tnLst>
+  </p:timing>
+</p:sld>
+</file>
+
+<file path=ppt/slides/slide43.xml><?xml version="1.0" encoding="utf-8"?>
+<p:sld xmlns:a="http://schemas.openxmlformats.org/drawingml/2006/main" xmlns:r="http://schemas.openxmlformats.org/officeDocument/2006/relationships" xmlns:p="http://schemas.openxmlformats.org/presentationml/2006/main">
+  <p:cSld>
+    <p:spTree>
+      <p:nvGrpSpPr>
+        <p:cNvPr id="1" name=""/>
+        <p:cNvGrpSpPr/>
+        <p:nvPr/>
+      </p:nvGrpSpPr>
+      <p:grpSpPr>
+        <a:xfrm>
+          <a:off x="0" y="0"/>
+          <a:ext cx="0" cy="0"/>
+          <a:chOff x="0" y="0"/>
+          <a:chExt cx="0" cy="0"/>
+        </a:xfrm>
+      </p:grpSpPr>
+      <p:sp>
+        <p:nvSpPr>
+          <p:cNvPr id="2" name="Title 1"/>
+          <p:cNvSpPr>
+            <a:spLocks noGrp="1"/>
+          </p:cNvSpPr>
+          <p:nvPr>
+            <p:ph type="title"/>
+          </p:nvPr>
+        </p:nvSpPr>
+        <p:spPr/>
+        <p:txBody>
+          <a:bodyPr/>
+          <a:lstStyle/>
+          <a:p>
+            <a:r>
+              <a:rPr lang="en-US" dirty="0" smtClean="0"/>
+              <a:t>AI</a:t>
+            </a:r>
+            <a:endParaRPr lang="en-US" dirty="0"/>
+          </a:p>
+        </p:txBody>
+      </p:sp>
+      <p:sp>
+        <p:nvSpPr>
           <p:cNvPr id="5" name="Slide Number Placeholder 4"/>
           <p:cNvSpPr>
             <a:spLocks noGrp="1"/>
@@ -25666,7 +26197,7 @@
             <a:fld id="{B6F15528-21DE-4FAA-801E-634DDDAF4B2B}" type="slidenum">
               <a:rPr lang="en-US" smtClean="0"/>
               <a:pPr/>
-              <a:t>41</a:t>
+              <a:t>43</a:t>
             </a:fld>
             <a:endParaRPr lang="en-US" dirty="0"/>
           </a:p>
@@ -31477,309 +32008,6 @@
 </p:sld>
 </file>
 
-<file path=ppt/slides/slide42.xml><?xml version="1.0" encoding="utf-8"?>
-<p:sld xmlns:a="http://schemas.openxmlformats.org/drawingml/2006/main" xmlns:r="http://schemas.openxmlformats.org/officeDocument/2006/relationships" xmlns:p="http://schemas.openxmlformats.org/presentationml/2006/main">
-  <p:cSld>
-    <p:spTree>
-      <p:nvGrpSpPr>
-        <p:cNvPr id="1" name=""/>
-        <p:cNvGrpSpPr/>
-        <p:nvPr/>
-      </p:nvGrpSpPr>
-      <p:grpSpPr>
-        <a:xfrm>
-          <a:off x="0" y="0"/>
-          <a:ext cx="0" cy="0"/>
-          <a:chOff x="0" y="0"/>
-          <a:chExt cx="0" cy="0"/>
-        </a:xfrm>
-      </p:grpSpPr>
-      <p:sp>
-        <p:nvSpPr>
-          <p:cNvPr id="2" name="Title 1"/>
-          <p:cNvSpPr>
-            <a:spLocks noGrp="1"/>
-          </p:cNvSpPr>
-          <p:nvPr>
-            <p:ph type="title"/>
-          </p:nvPr>
-        </p:nvSpPr>
-        <p:spPr/>
-        <p:txBody>
-          <a:bodyPr>
-            <a:normAutofit fontScale="90000"/>
-          </a:bodyPr>
-          <a:lstStyle/>
-          <a:p>
-            <a:r>
-              <a:rPr lang="en-US" dirty="0" smtClean="0"/>
-              <a:t>Game Mechanics &amp;</a:t>
-            </a:r>
-            <a:br>
-              <a:rPr lang="en-US" dirty="0" smtClean="0"/>
-            </a:br>
-            <a:r>
-              <a:rPr lang="en-US" dirty="0" smtClean="0"/>
-              <a:t> AI Conclusion</a:t>
-            </a:r>
-            <a:endParaRPr lang="en-US" dirty="0"/>
-          </a:p>
-        </p:txBody>
-      </p:sp>
-      <p:sp>
-        <p:nvSpPr>
-          <p:cNvPr id="3" name="Content Placeholder 2"/>
-          <p:cNvSpPr>
-            <a:spLocks noGrp="1"/>
-          </p:cNvSpPr>
-          <p:nvPr>
-            <p:ph idx="1"/>
-          </p:nvPr>
-        </p:nvSpPr>
-        <p:spPr/>
-        <p:txBody>
-          <a:bodyPr/>
-          <a:lstStyle/>
-          <a:p>
-            <a:r>
-              <a:rPr lang="en-US" dirty="0" smtClean="0"/>
-              <a:t>Units</a:t>
-            </a:r>
-          </a:p>
-          <a:p>
-            <a:r>
-              <a:rPr lang="en-US" dirty="0" smtClean="0"/>
-              <a:t>Game Mechanics</a:t>
-            </a:r>
-          </a:p>
-          <a:p>
-            <a:r>
-              <a:rPr lang="en-US" dirty="0" smtClean="0"/>
-              <a:t>AI</a:t>
-            </a:r>
-          </a:p>
-        </p:txBody>
-      </p:sp>
-      <p:sp>
-        <p:nvSpPr>
-          <p:cNvPr id="5" name="Slide Number Placeholder 4"/>
-          <p:cNvSpPr>
-            <a:spLocks noGrp="1"/>
-          </p:cNvSpPr>
-          <p:nvPr>
-            <p:ph type="sldNum" sz="quarter" idx="12"/>
-          </p:nvPr>
-        </p:nvSpPr>
-        <p:spPr/>
-        <p:txBody>
-          <a:bodyPr/>
-          <a:lstStyle/>
-          <a:p>
-            <a:fld id="{B6F15528-21DE-4FAA-801E-634DDDAF4B2B}" type="slidenum">
-              <a:rPr lang="en-US" smtClean="0"/>
-              <a:pPr/>
-              <a:t>42</a:t>
-            </a:fld>
-            <a:endParaRPr lang="en-US" dirty="0"/>
-          </a:p>
-        </p:txBody>
-      </p:sp>
-      <p:pic>
-        <p:nvPicPr>
-          <p:cNvPr id="4" name="Picture 3" descr="logo.jpg"/>
-          <p:cNvPicPr>
-            <a:picLocks noChangeAspect="1"/>
-          </p:cNvPicPr>
-          <p:nvPr/>
-        </p:nvPicPr>
-        <p:blipFill>
-          <a:blip r:embed="rId2" cstate="print"/>
-          <a:stretch>
-            <a:fillRect/>
-          </a:stretch>
-        </p:blipFill>
-        <p:spPr>
-          <a:xfrm>
-            <a:off x="7956253" y="0"/>
-            <a:ext cx="1187747" cy="1328738"/>
-          </a:xfrm>
-          <a:prstGeom prst="rect">
-            <a:avLst/>
-          </a:prstGeom>
-        </p:spPr>
-      </p:pic>
-    </p:spTree>
-  </p:cSld>
-  <p:clrMapOvr>
-    <a:masterClrMapping/>
-  </p:clrMapOvr>
-  <p:timing>
-    <p:tnLst>
-      <p:par>
-        <p:cTn id="1" dur="indefinite" restart="never" nodeType="tmRoot"/>
-      </p:par>
-    </p:tnLst>
-  </p:timing>
-</p:sld>
-</file>
-
-<file path=ppt/slides/slide43.xml><?xml version="1.0" encoding="utf-8"?>
-<p:sld xmlns:a="http://schemas.openxmlformats.org/drawingml/2006/main" xmlns:r="http://schemas.openxmlformats.org/officeDocument/2006/relationships" xmlns:p="http://schemas.openxmlformats.org/presentationml/2006/main">
-  <p:cSld>
-    <p:spTree>
-      <p:nvGrpSpPr>
-        <p:cNvPr id="1" name=""/>
-        <p:cNvGrpSpPr/>
-        <p:nvPr/>
-      </p:nvGrpSpPr>
-      <p:grpSpPr>
-        <a:xfrm>
-          <a:off x="0" y="0"/>
-          <a:ext cx="0" cy="0"/>
-          <a:chOff x="0" y="0"/>
-          <a:chExt cx="0" cy="0"/>
-        </a:xfrm>
-      </p:grpSpPr>
-      <p:sp>
-        <p:nvSpPr>
-          <p:cNvPr id="2" name="Title 1"/>
-          <p:cNvSpPr>
-            <a:spLocks noGrp="1"/>
-          </p:cNvSpPr>
-          <p:nvPr>
-            <p:ph type="title"/>
-          </p:nvPr>
-        </p:nvSpPr>
-        <p:spPr>
-          <a:xfrm>
-            <a:off x="457200" y="314094"/>
-            <a:ext cx="7391400" cy="1143000"/>
-          </a:xfrm>
-        </p:spPr>
-        <p:txBody>
-          <a:bodyPr>
-            <a:normAutofit fontScale="90000"/>
-          </a:bodyPr>
-          <a:lstStyle/>
-          <a:p>
-            <a:r>
-              <a:rPr lang="en-US" dirty="0" smtClean="0"/>
-              <a:t>Database</a:t>
-            </a:r>
-            <a:br>
-              <a:rPr lang="en-US" dirty="0" smtClean="0"/>
-            </a:br>
-            <a:r>
-              <a:rPr lang="en-US" dirty="0" smtClean="0"/>
-              <a:t>“Summary”</a:t>
-            </a:r>
-            <a:endParaRPr lang="en-US" dirty="0"/>
-          </a:p>
-        </p:txBody>
-      </p:sp>
-      <p:sp>
-        <p:nvSpPr>
-          <p:cNvPr id="3" name="Content Placeholder 2"/>
-          <p:cNvSpPr>
-            <a:spLocks noGrp="1"/>
-          </p:cNvSpPr>
-          <p:nvPr>
-            <p:ph idx="1"/>
-          </p:nvPr>
-        </p:nvSpPr>
-        <p:spPr>
-          <a:xfrm>
-            <a:off x="762000" y="2514600"/>
-            <a:ext cx="8229600" cy="3657600"/>
-          </a:xfrm>
-        </p:spPr>
-        <p:txBody>
-          <a:bodyPr/>
-          <a:lstStyle/>
-          <a:p>
-            <a:r>
-              <a:rPr lang="en-US" dirty="0" smtClean="0"/>
-              <a:t>What Database is?</a:t>
-            </a:r>
-          </a:p>
-          <a:p>
-            <a:r>
-              <a:rPr lang="en-US" dirty="0" smtClean="0"/>
-              <a:t>What Database does in the project?</a:t>
-            </a:r>
-          </a:p>
-          <a:p>
-            <a:r>
-              <a:rPr lang="en-US" dirty="0" smtClean="0"/>
-              <a:t>How Database works?</a:t>
-            </a:r>
-            <a:endParaRPr lang="en-US" dirty="0"/>
-          </a:p>
-        </p:txBody>
-      </p:sp>
-      <p:sp>
-        <p:nvSpPr>
-          <p:cNvPr id="5" name="Slide Number Placeholder 4"/>
-          <p:cNvSpPr>
-            <a:spLocks noGrp="1"/>
-          </p:cNvSpPr>
-          <p:nvPr>
-            <p:ph type="sldNum" sz="quarter" idx="12"/>
-          </p:nvPr>
-        </p:nvSpPr>
-        <p:spPr/>
-        <p:txBody>
-          <a:bodyPr/>
-          <a:lstStyle/>
-          <a:p>
-            <a:fld id="{B6F15528-21DE-4FAA-801E-634DDDAF4B2B}" type="slidenum">
-              <a:rPr lang="en-US" smtClean="0"/>
-              <a:pPr/>
-              <a:t>43</a:t>
-            </a:fld>
-            <a:endParaRPr lang="en-US" dirty="0"/>
-          </a:p>
-        </p:txBody>
-      </p:sp>
-      <p:pic>
-        <p:nvPicPr>
-          <p:cNvPr id="4" name="Picture 3" descr="logo.jpg"/>
-          <p:cNvPicPr>
-            <a:picLocks noChangeAspect="1"/>
-          </p:cNvPicPr>
-          <p:nvPr/>
-        </p:nvPicPr>
-        <p:blipFill>
-          <a:blip r:embed="rId2" cstate="print"/>
-          <a:stretch>
-            <a:fillRect/>
-          </a:stretch>
-        </p:blipFill>
-        <p:spPr>
-          <a:xfrm>
-            <a:off x="7956253" y="0"/>
-            <a:ext cx="1187747" cy="1328738"/>
-          </a:xfrm>
-          <a:prstGeom prst="rect">
-            <a:avLst/>
-          </a:prstGeom>
-        </p:spPr>
-      </p:pic>
-    </p:spTree>
-  </p:cSld>
-  <p:clrMapOvr>
-    <a:masterClrMapping/>
-  </p:clrMapOvr>
-  <p:timing>
-    <p:tnLst>
-      <p:par>
-        <p:cTn id="1" dur="indefinite" restart="never" nodeType="tmRoot"/>
-      </p:par>
-    </p:tnLst>
-  </p:timing>
-</p:sld>
-</file>
-
 <file path=ppt/slides/slide44.xml><?xml version="1.0" encoding="utf-8"?>
 <p:sld xmlns:a="http://schemas.openxmlformats.org/drawingml/2006/main" xmlns:r="http://schemas.openxmlformats.org/officeDocument/2006/relationships" xmlns:p="http://schemas.openxmlformats.org/presentationml/2006/main">
   <p:cSld>
@@ -31816,18 +32044,14 @@
           <a:p>
             <a:r>
               <a:rPr lang="en-US" dirty="0" smtClean="0"/>
-              <a:t>Database</a:t>
+              <a:t>Game Mechanics &amp;</a:t>
             </a:r>
             <a:br>
               <a:rPr lang="en-US" dirty="0" smtClean="0"/>
             </a:br>
             <a:r>
               <a:rPr lang="en-US" dirty="0" smtClean="0"/>
-              <a:t>“</a:t>
-            </a:r>
-            <a:r>
-              <a:rPr lang="en-US" altLang="zh-CN" dirty="0" smtClean="0"/>
-              <a:t>What Database is”</a:t>
+              <a:t> AI Conclusion</a:t>
             </a:r>
             <a:endParaRPr lang="en-US" dirty="0"/>
           </a:p>
@@ -31843,39 +32067,41 @@
             <p:ph idx="1"/>
           </p:nvPr>
         </p:nvSpPr>
-        <p:spPr>
-          <a:xfrm>
-            <a:off x="381000" y="1646237"/>
-            <a:ext cx="8610600" cy="4525963"/>
-          </a:xfrm>
-        </p:spPr>
+        <p:spPr/>
         <p:txBody>
-          <a:bodyPr>
-            <a:normAutofit fontScale="92500"/>
-          </a:bodyPr>
+          <a:bodyPr/>
           <a:lstStyle/>
           <a:p>
             <a:r>
-              <a:rPr lang="en-US" altLang="zh-CN" dirty="0" smtClean="0"/>
-              <a:t>Databases consist of software-based "containers" that are structured to collect and store information.</a:t>
-            </a:r>
-          </a:p>
-          <a:p>
-            <a:r>
-              <a:rPr lang="en-US" altLang="zh-CN" dirty="0" smtClean="0"/>
-              <a:t>Database programs are designed for users so that they can retrieve, add, update or remove information.</a:t>
-            </a:r>
-          </a:p>
-          <a:p>
-            <a:r>
-              <a:rPr lang="en-US" altLang="zh-CN" dirty="0" smtClean="0"/>
-              <a:t>The structure of a database is tabular, consisting of rows and columns of information.</a:t>
-            </a:r>
-          </a:p>
-          <a:p>
-            <a:r>
-              <a:rPr lang="en-US" altLang="zh-CN" dirty="0" smtClean="0"/>
-              <a:t>A number of database architectures exist. Many databases use a combination of strategies.</a:t>
+              <a:rPr lang="en-US" dirty="0" smtClean="0"/>
+              <a:t>Game Mechanics</a:t>
+            </a:r>
+          </a:p>
+          <a:p>
+            <a:pPr lvl="1"/>
+            <a:r>
+              <a:rPr lang="en-US" dirty="0" smtClean="0"/>
+              <a:t>Classes </a:t>
+            </a:r>
+          </a:p>
+          <a:p>
+            <a:pPr lvl="1"/>
+            <a:r>
+              <a:rPr lang="en-US" dirty="0" smtClean="0"/>
+              <a:t>Functions</a:t>
+            </a:r>
+          </a:p>
+          <a:p>
+            <a:r>
+              <a:rPr lang="en-US" dirty="0" smtClean="0"/>
+              <a:t>AI</a:t>
+            </a:r>
+          </a:p>
+          <a:p>
+            <a:pPr lvl="1"/>
+            <a:r>
+              <a:rPr lang="en-US" dirty="0" smtClean="0"/>
+              <a:t>Opponent generation</a:t>
             </a:r>
           </a:p>
         </p:txBody>
@@ -31972,8 +32198,8 @@
         </p:nvSpPr>
         <p:spPr>
           <a:xfrm>
-            <a:off x="-76200" y="274638"/>
-            <a:ext cx="8382000" cy="1143000"/>
+            <a:off x="457200" y="314094"/>
+            <a:ext cx="7391400" cy="1143000"/>
           </a:xfrm>
         </p:spPr>
         <p:txBody>
@@ -31991,11 +32217,7 @@
             </a:br>
             <a:r>
               <a:rPr lang="en-US" dirty="0" smtClean="0"/>
-              <a:t>“</a:t>
-            </a:r>
-            <a:r>
-              <a:rPr lang="en-US" altLang="zh-CN" dirty="0" smtClean="0"/>
-              <a:t>What Database does in the project”</a:t>
+              <a:t>“Summary”</a:t>
             </a:r>
             <a:endParaRPr lang="en-US" dirty="0"/>
           </a:p>
@@ -32013,33 +32235,31 @@
         </p:nvSpPr>
         <p:spPr>
           <a:xfrm>
-            <a:off x="457200" y="1798637"/>
-            <a:ext cx="8229600" cy="4525963"/>
+            <a:off x="762000" y="2514600"/>
+            <a:ext cx="8229600" cy="3657600"/>
           </a:xfrm>
         </p:spPr>
         <p:txBody>
-          <a:bodyPr>
-            <a:normAutofit/>
-          </a:bodyPr>
+          <a:bodyPr/>
           <a:lstStyle/>
           <a:p>
             <a:r>
-              <a:rPr lang="en-US" altLang="zh-CN" dirty="0" smtClean="0"/>
-              <a:t>The game database contains all of data records</a:t>
-            </a:r>
-          </a:p>
-          <a:p>
-            <a:r>
-              <a:rPr lang="en-US" altLang="zh-CN" dirty="0" smtClean="0"/>
-              <a:t>Tables collection of the names, parameters, status of all game units, and the game contents such as maps.</a:t>
-            </a:r>
-          </a:p>
-          <a:p>
-            <a:r>
-              <a:rPr lang="en-US" altLang="zh-CN" dirty="0" smtClean="0"/>
-              <a:t>The data is retrieved and overwritten for synchronous/ asynchronous backup.</a:t>
-            </a:r>
-            <a:endParaRPr lang="zh-CN" altLang="zh-CN" dirty="0" smtClean="0"/>
+              <a:rPr lang="en-US" dirty="0" smtClean="0"/>
+              <a:t>What Database is?</a:t>
+            </a:r>
+          </a:p>
+          <a:p>
+            <a:r>
+              <a:rPr lang="en-US" dirty="0" smtClean="0"/>
+              <a:t>What Database does in the project?</a:t>
+            </a:r>
+          </a:p>
+          <a:p>
+            <a:r>
+              <a:rPr lang="en-US" dirty="0" smtClean="0"/>
+              <a:t>How Database works?</a:t>
+            </a:r>
+            <a:endParaRPr lang="en-US" dirty="0"/>
           </a:p>
         </p:txBody>
       </p:sp>
@@ -32133,12 +32353,7 @@
             <p:ph type="title"/>
           </p:nvPr>
         </p:nvSpPr>
-        <p:spPr>
-          <a:xfrm>
-            <a:off x="228600" y="274638"/>
-            <a:ext cx="8382000" cy="1143000"/>
-          </a:xfrm>
-        </p:spPr>
+        <p:spPr/>
         <p:txBody>
           <a:bodyPr>
             <a:normAutofit fontScale="90000"/>
@@ -32158,9 +32373,56 @@
             </a:r>
             <a:r>
               <a:rPr lang="en-US" altLang="zh-CN" dirty="0" smtClean="0"/>
-              <a:t>How Database works”</a:t>
+              <a:t>What Database is”</a:t>
             </a:r>
             <a:endParaRPr lang="en-US" dirty="0"/>
+          </a:p>
+        </p:txBody>
+      </p:sp>
+      <p:sp>
+        <p:nvSpPr>
+          <p:cNvPr id="3" name="Content Placeholder 2"/>
+          <p:cNvSpPr>
+            <a:spLocks noGrp="1"/>
+          </p:cNvSpPr>
+          <p:nvPr>
+            <p:ph idx="1"/>
+          </p:nvPr>
+        </p:nvSpPr>
+        <p:spPr>
+          <a:xfrm>
+            <a:off x="381000" y="1646237"/>
+            <a:ext cx="8610600" cy="4525963"/>
+          </a:xfrm>
+        </p:spPr>
+        <p:txBody>
+          <a:bodyPr>
+            <a:normAutofit fontScale="92500"/>
+          </a:bodyPr>
+          <a:lstStyle/>
+          <a:p>
+            <a:r>
+              <a:rPr lang="en-US" altLang="zh-CN" dirty="0" smtClean="0"/>
+              <a:t>Databases consist of software-based "containers" that are structured to collect and store information.</a:t>
+            </a:r>
+          </a:p>
+          <a:p>
+            <a:r>
+              <a:rPr lang="en-US" altLang="zh-CN" dirty="0" smtClean="0"/>
+              <a:t>Database programs are designed for users so that they can retrieve, add, update or remove information.</a:t>
+            </a:r>
+          </a:p>
+          <a:p>
+            <a:r>
+              <a:rPr lang="en-US" altLang="zh-CN" dirty="0" smtClean="0"/>
+              <a:t>The structure of a database is tabular, consisting of rows and columns of information.</a:t>
+            </a:r>
+          </a:p>
+          <a:p>
+            <a:r>
+              <a:rPr lang="en-US" altLang="zh-CN" dirty="0" smtClean="0"/>
+              <a:t>A number of database architectures exist. Many databases use a combination of strategies.</a:t>
+            </a:r>
           </a:p>
         </p:txBody>
       </p:sp>
@@ -32183,6 +32445,290 @@
               <a:rPr lang="en-US" smtClean="0"/>
               <a:pPr/>
               <a:t>46</a:t>
+            </a:fld>
+            <a:endParaRPr lang="en-US" dirty="0"/>
+          </a:p>
+        </p:txBody>
+      </p:sp>
+      <p:pic>
+        <p:nvPicPr>
+          <p:cNvPr id="4" name="Picture 3" descr="logo.jpg"/>
+          <p:cNvPicPr>
+            <a:picLocks noChangeAspect="1"/>
+          </p:cNvPicPr>
+          <p:nvPr/>
+        </p:nvPicPr>
+        <p:blipFill>
+          <a:blip r:embed="rId2" cstate="print"/>
+          <a:stretch>
+            <a:fillRect/>
+          </a:stretch>
+        </p:blipFill>
+        <p:spPr>
+          <a:xfrm>
+            <a:off x="7956253" y="0"/>
+            <a:ext cx="1187747" cy="1328738"/>
+          </a:xfrm>
+          <a:prstGeom prst="rect">
+            <a:avLst/>
+          </a:prstGeom>
+        </p:spPr>
+      </p:pic>
+    </p:spTree>
+  </p:cSld>
+  <p:clrMapOvr>
+    <a:masterClrMapping/>
+  </p:clrMapOvr>
+  <p:timing>
+    <p:tnLst>
+      <p:par>
+        <p:cTn id="1" dur="indefinite" restart="never" nodeType="tmRoot"/>
+      </p:par>
+    </p:tnLst>
+  </p:timing>
+</p:sld>
+</file>
+
+<file path=ppt/slides/slide47.xml><?xml version="1.0" encoding="utf-8"?>
+<p:sld xmlns:a="http://schemas.openxmlformats.org/drawingml/2006/main" xmlns:r="http://schemas.openxmlformats.org/officeDocument/2006/relationships" xmlns:p="http://schemas.openxmlformats.org/presentationml/2006/main">
+  <p:cSld>
+    <p:spTree>
+      <p:nvGrpSpPr>
+        <p:cNvPr id="1" name=""/>
+        <p:cNvGrpSpPr/>
+        <p:nvPr/>
+      </p:nvGrpSpPr>
+      <p:grpSpPr>
+        <a:xfrm>
+          <a:off x="0" y="0"/>
+          <a:ext cx="0" cy="0"/>
+          <a:chOff x="0" y="0"/>
+          <a:chExt cx="0" cy="0"/>
+        </a:xfrm>
+      </p:grpSpPr>
+      <p:sp>
+        <p:nvSpPr>
+          <p:cNvPr id="2" name="Title 1"/>
+          <p:cNvSpPr>
+            <a:spLocks noGrp="1"/>
+          </p:cNvSpPr>
+          <p:nvPr>
+            <p:ph type="title"/>
+          </p:nvPr>
+        </p:nvSpPr>
+        <p:spPr>
+          <a:xfrm>
+            <a:off x="-76200" y="274638"/>
+            <a:ext cx="8382000" cy="1143000"/>
+          </a:xfrm>
+        </p:spPr>
+        <p:txBody>
+          <a:bodyPr>
+            <a:normAutofit fontScale="90000"/>
+          </a:bodyPr>
+          <a:lstStyle/>
+          <a:p>
+            <a:r>
+              <a:rPr lang="en-US" dirty="0" smtClean="0"/>
+              <a:t>Database</a:t>
+            </a:r>
+            <a:br>
+              <a:rPr lang="en-US" dirty="0" smtClean="0"/>
+            </a:br>
+            <a:r>
+              <a:rPr lang="en-US" dirty="0" smtClean="0"/>
+              <a:t>“</a:t>
+            </a:r>
+            <a:r>
+              <a:rPr lang="en-US" altLang="zh-CN" dirty="0" smtClean="0"/>
+              <a:t>What Database does in the project”</a:t>
+            </a:r>
+            <a:endParaRPr lang="en-US" dirty="0"/>
+          </a:p>
+        </p:txBody>
+      </p:sp>
+      <p:sp>
+        <p:nvSpPr>
+          <p:cNvPr id="3" name="Content Placeholder 2"/>
+          <p:cNvSpPr>
+            <a:spLocks noGrp="1"/>
+          </p:cNvSpPr>
+          <p:nvPr>
+            <p:ph idx="1"/>
+          </p:nvPr>
+        </p:nvSpPr>
+        <p:spPr>
+          <a:xfrm>
+            <a:off x="457200" y="1798637"/>
+            <a:ext cx="8229600" cy="4525963"/>
+          </a:xfrm>
+        </p:spPr>
+        <p:txBody>
+          <a:bodyPr>
+            <a:normAutofit/>
+          </a:bodyPr>
+          <a:lstStyle/>
+          <a:p>
+            <a:r>
+              <a:rPr lang="en-US" altLang="zh-CN" dirty="0" smtClean="0"/>
+              <a:t>The game database contains all of data records</a:t>
+            </a:r>
+          </a:p>
+          <a:p>
+            <a:r>
+              <a:rPr lang="en-US" altLang="zh-CN" dirty="0" smtClean="0"/>
+              <a:t>Tables collection of the names, parameters, status of all game units, and the game contents such as maps.</a:t>
+            </a:r>
+          </a:p>
+          <a:p>
+            <a:r>
+              <a:rPr lang="en-US" altLang="zh-CN" dirty="0" smtClean="0"/>
+              <a:t>The data is retrieved and overwritten for synchronous/ asynchronous backup.</a:t>
+            </a:r>
+            <a:endParaRPr lang="zh-CN" altLang="zh-CN" dirty="0" smtClean="0"/>
+          </a:p>
+        </p:txBody>
+      </p:sp>
+      <p:sp>
+        <p:nvSpPr>
+          <p:cNvPr id="5" name="Slide Number Placeholder 4"/>
+          <p:cNvSpPr>
+            <a:spLocks noGrp="1"/>
+          </p:cNvSpPr>
+          <p:nvPr>
+            <p:ph type="sldNum" sz="quarter" idx="12"/>
+          </p:nvPr>
+        </p:nvSpPr>
+        <p:spPr/>
+        <p:txBody>
+          <a:bodyPr/>
+          <a:lstStyle/>
+          <a:p>
+            <a:fld id="{B6F15528-21DE-4FAA-801E-634DDDAF4B2B}" type="slidenum">
+              <a:rPr lang="en-US" smtClean="0"/>
+              <a:pPr/>
+              <a:t>47</a:t>
+            </a:fld>
+            <a:endParaRPr lang="en-US" dirty="0"/>
+          </a:p>
+        </p:txBody>
+      </p:sp>
+      <p:pic>
+        <p:nvPicPr>
+          <p:cNvPr id="4" name="Picture 3" descr="logo.jpg"/>
+          <p:cNvPicPr>
+            <a:picLocks noChangeAspect="1"/>
+          </p:cNvPicPr>
+          <p:nvPr/>
+        </p:nvPicPr>
+        <p:blipFill>
+          <a:blip r:embed="rId2" cstate="print"/>
+          <a:stretch>
+            <a:fillRect/>
+          </a:stretch>
+        </p:blipFill>
+        <p:spPr>
+          <a:xfrm>
+            <a:off x="7956253" y="0"/>
+            <a:ext cx="1187747" cy="1328738"/>
+          </a:xfrm>
+          <a:prstGeom prst="rect">
+            <a:avLst/>
+          </a:prstGeom>
+        </p:spPr>
+      </p:pic>
+    </p:spTree>
+  </p:cSld>
+  <p:clrMapOvr>
+    <a:masterClrMapping/>
+  </p:clrMapOvr>
+  <p:timing>
+    <p:tnLst>
+      <p:par>
+        <p:cTn id="1" dur="indefinite" restart="never" nodeType="tmRoot"/>
+      </p:par>
+    </p:tnLst>
+  </p:timing>
+</p:sld>
+</file>
+
+<file path=ppt/slides/slide48.xml><?xml version="1.0" encoding="utf-8"?>
+<p:sld xmlns:a="http://schemas.openxmlformats.org/drawingml/2006/main" xmlns:r="http://schemas.openxmlformats.org/officeDocument/2006/relationships" xmlns:p="http://schemas.openxmlformats.org/presentationml/2006/main">
+  <p:cSld>
+    <p:spTree>
+      <p:nvGrpSpPr>
+        <p:cNvPr id="1" name=""/>
+        <p:cNvGrpSpPr/>
+        <p:nvPr/>
+      </p:nvGrpSpPr>
+      <p:grpSpPr>
+        <a:xfrm>
+          <a:off x="0" y="0"/>
+          <a:ext cx="0" cy="0"/>
+          <a:chOff x="0" y="0"/>
+          <a:chExt cx="0" cy="0"/>
+        </a:xfrm>
+      </p:grpSpPr>
+      <p:sp>
+        <p:nvSpPr>
+          <p:cNvPr id="2" name="Title 1"/>
+          <p:cNvSpPr>
+            <a:spLocks noGrp="1"/>
+          </p:cNvSpPr>
+          <p:nvPr>
+            <p:ph type="title"/>
+          </p:nvPr>
+        </p:nvSpPr>
+        <p:spPr>
+          <a:xfrm>
+            <a:off x="228600" y="274638"/>
+            <a:ext cx="8382000" cy="1143000"/>
+          </a:xfrm>
+        </p:spPr>
+        <p:txBody>
+          <a:bodyPr>
+            <a:normAutofit fontScale="90000"/>
+          </a:bodyPr>
+          <a:lstStyle/>
+          <a:p>
+            <a:r>
+              <a:rPr lang="en-US" dirty="0" smtClean="0"/>
+              <a:t>Database</a:t>
+            </a:r>
+            <a:br>
+              <a:rPr lang="en-US" dirty="0" smtClean="0"/>
+            </a:br>
+            <a:r>
+              <a:rPr lang="en-US" dirty="0" smtClean="0"/>
+              <a:t>“</a:t>
+            </a:r>
+            <a:r>
+              <a:rPr lang="en-US" altLang="zh-CN" dirty="0" smtClean="0"/>
+              <a:t>How Database works”</a:t>
+            </a:r>
+            <a:endParaRPr lang="en-US" dirty="0"/>
+          </a:p>
+        </p:txBody>
+      </p:sp>
+      <p:sp>
+        <p:nvSpPr>
+          <p:cNvPr id="5" name="Slide Number Placeholder 4"/>
+          <p:cNvSpPr>
+            <a:spLocks noGrp="1"/>
+          </p:cNvSpPr>
+          <p:nvPr>
+            <p:ph type="sldNum" sz="quarter" idx="12"/>
+          </p:nvPr>
+        </p:nvSpPr>
+        <p:spPr/>
+        <p:txBody>
+          <a:bodyPr/>
+          <a:lstStyle/>
+          <a:p>
+            <a:fld id="{B6F15528-21DE-4FAA-801E-634DDDAF4B2B}" type="slidenum">
+              <a:rPr lang="en-US" smtClean="0"/>
+              <a:pPr/>
+              <a:t>48</a:t>
             </a:fld>
             <a:endParaRPr lang="en-US" dirty="0"/>
           </a:p>
@@ -32259,7 +32805,7 @@
 </p:sld>
 </file>
 
-<file path=ppt/slides/slide47.xml><?xml version="1.0" encoding="utf-8"?>
+<file path=ppt/slides/slide49.xml><?xml version="1.0" encoding="utf-8"?>
 <p:sld xmlns:a="http://schemas.openxmlformats.org/drawingml/2006/main" xmlns:r="http://schemas.openxmlformats.org/officeDocument/2006/relationships" xmlns:p="http://schemas.openxmlformats.org/presentationml/2006/main">
   <p:cSld>
     <p:spTree>
@@ -32380,7 +32926,7 @@
             <a:fld id="{B6F15528-21DE-4FAA-801E-634DDDAF4B2B}" type="slidenum">
               <a:rPr lang="en-US" smtClean="0"/>
               <a:pPr/>
-              <a:t>47</a:t>
+              <a:t>49</a:t>
             </a:fld>
             <a:endParaRPr lang="en-US" dirty="0"/>
           </a:p>
@@ -32972,284 +33518,6 @@
 </p:sld>
 </file>
 
-<file path=ppt/slides/slide48.xml><?xml version="1.0" encoding="utf-8"?>
-<p:sld xmlns:a="http://schemas.openxmlformats.org/drawingml/2006/main" xmlns:r="http://schemas.openxmlformats.org/officeDocument/2006/relationships" xmlns:p="http://schemas.openxmlformats.org/presentationml/2006/main">
-  <p:cSld>
-    <p:spTree>
-      <p:nvGrpSpPr>
-        <p:cNvPr id="1" name=""/>
-        <p:cNvGrpSpPr/>
-        <p:nvPr/>
-      </p:nvGrpSpPr>
-      <p:grpSpPr>
-        <a:xfrm>
-          <a:off x="0" y="0"/>
-          <a:ext cx="0" cy="0"/>
-          <a:chOff x="0" y="0"/>
-          <a:chExt cx="0" cy="0"/>
-        </a:xfrm>
-      </p:grpSpPr>
-      <p:sp>
-        <p:nvSpPr>
-          <p:cNvPr id="2" name="Title 1"/>
-          <p:cNvSpPr>
-            <a:spLocks noGrp="1"/>
-          </p:cNvSpPr>
-          <p:nvPr>
-            <p:ph type="title"/>
-          </p:nvPr>
-        </p:nvSpPr>
-        <p:spPr>
-          <a:xfrm>
-            <a:off x="457200" y="381000"/>
-            <a:ext cx="7391400" cy="1143000"/>
-          </a:xfrm>
-        </p:spPr>
-        <p:txBody>
-          <a:bodyPr>
-            <a:normAutofit fontScale="90000"/>
-          </a:bodyPr>
-          <a:lstStyle/>
-          <a:p>
-            <a:r>
-              <a:rPr lang="en-US" dirty="0" smtClean="0"/>
-              <a:t>Database</a:t>
-            </a:r>
-            <a:br>
-              <a:rPr lang="en-US" dirty="0" smtClean="0"/>
-            </a:br>
-            <a:r>
-              <a:rPr lang="en-US" dirty="0" smtClean="0"/>
-              <a:t>“Conclusion”</a:t>
-            </a:r>
-            <a:endParaRPr lang="en-US" dirty="0"/>
-          </a:p>
-        </p:txBody>
-      </p:sp>
-      <p:sp>
-        <p:nvSpPr>
-          <p:cNvPr id="3" name="Content Placeholder 2"/>
-          <p:cNvSpPr>
-            <a:spLocks noGrp="1"/>
-          </p:cNvSpPr>
-          <p:nvPr>
-            <p:ph idx="1"/>
-          </p:nvPr>
-        </p:nvSpPr>
-        <p:spPr>
-          <a:xfrm>
-            <a:off x="609600" y="2362200"/>
-            <a:ext cx="8229600" cy="3657600"/>
-          </a:xfrm>
-        </p:spPr>
-        <p:txBody>
-          <a:bodyPr/>
-          <a:lstStyle/>
-          <a:p>
-            <a:r>
-              <a:rPr lang="en-US" altLang="zh-CN" dirty="0" smtClean="0"/>
-              <a:t>Database functions like a background support to other modules.</a:t>
-            </a:r>
-          </a:p>
-          <a:p>
-            <a:r>
-              <a:rPr lang="en-US" altLang="zh-CN" dirty="0" smtClean="0"/>
-              <a:t>Database provides good organization of the game data.</a:t>
-            </a:r>
-          </a:p>
-          <a:p>
-            <a:r>
-              <a:rPr lang="en-US" altLang="zh-CN" dirty="0" smtClean="0"/>
-              <a:t>Database is useful for Storage and Retrieval of map and unit Data.</a:t>
-            </a:r>
-          </a:p>
-        </p:txBody>
-      </p:sp>
-      <p:sp>
-        <p:nvSpPr>
-          <p:cNvPr id="5" name="Slide Number Placeholder 4"/>
-          <p:cNvSpPr>
-            <a:spLocks noGrp="1"/>
-          </p:cNvSpPr>
-          <p:nvPr>
-            <p:ph type="sldNum" sz="quarter" idx="12"/>
-          </p:nvPr>
-        </p:nvSpPr>
-        <p:spPr/>
-        <p:txBody>
-          <a:bodyPr/>
-          <a:lstStyle/>
-          <a:p>
-            <a:fld id="{B6F15528-21DE-4FAA-801E-634DDDAF4B2B}" type="slidenum">
-              <a:rPr lang="en-US" smtClean="0"/>
-              <a:pPr/>
-              <a:t>48</a:t>
-            </a:fld>
-            <a:endParaRPr lang="en-US" dirty="0"/>
-          </a:p>
-        </p:txBody>
-      </p:sp>
-      <p:pic>
-        <p:nvPicPr>
-          <p:cNvPr id="4" name="Picture 3" descr="logo.jpg"/>
-          <p:cNvPicPr>
-            <a:picLocks noChangeAspect="1"/>
-          </p:cNvPicPr>
-          <p:nvPr/>
-        </p:nvPicPr>
-        <p:blipFill>
-          <a:blip r:embed="rId2" cstate="print"/>
-          <a:stretch>
-            <a:fillRect/>
-          </a:stretch>
-        </p:blipFill>
-        <p:spPr>
-          <a:xfrm>
-            <a:off x="7956253" y="0"/>
-            <a:ext cx="1187747" cy="1328738"/>
-          </a:xfrm>
-          <a:prstGeom prst="rect">
-            <a:avLst/>
-          </a:prstGeom>
-        </p:spPr>
-      </p:pic>
-    </p:spTree>
-  </p:cSld>
-  <p:clrMapOvr>
-    <a:masterClrMapping/>
-  </p:clrMapOvr>
-  <p:timing>
-    <p:tnLst>
-      <p:par>
-        <p:cTn id="1" dur="indefinite" restart="never" nodeType="tmRoot"/>
-      </p:par>
-    </p:tnLst>
-  </p:timing>
-</p:sld>
-</file>
-
-<file path=ppt/slides/slide49.xml><?xml version="1.0" encoding="utf-8"?>
-<p:sld xmlns:a="http://schemas.openxmlformats.org/drawingml/2006/main" xmlns:r="http://schemas.openxmlformats.org/officeDocument/2006/relationships" xmlns:p="http://schemas.openxmlformats.org/presentationml/2006/main">
-  <p:cSld>
-    <p:spTree>
-      <p:nvGrpSpPr>
-        <p:cNvPr id="1" name=""/>
-        <p:cNvGrpSpPr/>
-        <p:nvPr/>
-      </p:nvGrpSpPr>
-      <p:grpSpPr>
-        <a:xfrm>
-          <a:off x="0" y="0"/>
-          <a:ext cx="0" cy="0"/>
-          <a:chOff x="0" y="0"/>
-          <a:chExt cx="0" cy="0"/>
-        </a:xfrm>
-      </p:grpSpPr>
-      <p:sp>
-        <p:nvSpPr>
-          <p:cNvPr id="2" name="Title 1"/>
-          <p:cNvSpPr>
-            <a:spLocks noGrp="1"/>
-          </p:cNvSpPr>
-          <p:nvPr>
-            <p:ph type="title"/>
-          </p:nvPr>
-        </p:nvSpPr>
-        <p:spPr/>
-        <p:txBody>
-          <a:bodyPr/>
-          <a:lstStyle/>
-          <a:p>
-            <a:r>
-              <a:rPr lang="en-US" dirty="0" smtClean="0"/>
-              <a:t>Summary </a:t>
-            </a:r>
-            <a:endParaRPr lang="en-US" dirty="0"/>
-          </a:p>
-        </p:txBody>
-      </p:sp>
-      <p:sp>
-        <p:nvSpPr>
-          <p:cNvPr id="3" name="Content Placeholder 2"/>
-          <p:cNvSpPr>
-            <a:spLocks noGrp="1"/>
-          </p:cNvSpPr>
-          <p:nvPr>
-            <p:ph idx="1"/>
-          </p:nvPr>
-        </p:nvSpPr>
-        <p:spPr/>
-        <p:txBody>
-          <a:bodyPr/>
-          <a:lstStyle/>
-          <a:p>
-            <a:endParaRPr lang="en-US" dirty="0"/>
-          </a:p>
-        </p:txBody>
-      </p:sp>
-      <p:sp>
-        <p:nvSpPr>
-          <p:cNvPr id="5" name="Slide Number Placeholder 4"/>
-          <p:cNvSpPr>
-            <a:spLocks noGrp="1"/>
-          </p:cNvSpPr>
-          <p:nvPr>
-            <p:ph type="sldNum" sz="quarter" idx="12"/>
-          </p:nvPr>
-        </p:nvSpPr>
-        <p:spPr/>
-        <p:txBody>
-          <a:bodyPr/>
-          <a:lstStyle/>
-          <a:p>
-            <a:fld id="{B6F15528-21DE-4FAA-801E-634DDDAF4B2B}" type="slidenum">
-              <a:rPr lang="en-US" smtClean="0"/>
-              <a:pPr/>
-              <a:t>49</a:t>
-            </a:fld>
-            <a:endParaRPr lang="en-US" dirty="0"/>
-          </a:p>
-        </p:txBody>
-      </p:sp>
-      <p:pic>
-        <p:nvPicPr>
-          <p:cNvPr id="4" name="Picture 3" descr="logo.jpg"/>
-          <p:cNvPicPr>
-            <a:picLocks noChangeAspect="1"/>
-          </p:cNvPicPr>
-          <p:nvPr/>
-        </p:nvPicPr>
-        <p:blipFill>
-          <a:blip r:embed="rId2" cstate="print"/>
-          <a:stretch>
-            <a:fillRect/>
-          </a:stretch>
-        </p:blipFill>
-        <p:spPr>
-          <a:xfrm>
-            <a:off x="7956253" y="0"/>
-            <a:ext cx="1187747" cy="1328738"/>
-          </a:xfrm>
-          <a:prstGeom prst="rect">
-            <a:avLst/>
-          </a:prstGeom>
-        </p:spPr>
-      </p:pic>
-    </p:spTree>
-  </p:cSld>
-  <p:clrMapOvr>
-    <a:masterClrMapping/>
-  </p:clrMapOvr>
-  <p:timing>
-    <p:tnLst>
-      <p:par>
-        <p:cTn id="1" dur="indefinite" restart="never" nodeType="tmRoot"/>
-      </p:par>
-    </p:tnLst>
-  </p:timing>
-</p:sld>
-</file>
-
 <file path=ppt/slides/slide5.xml><?xml version="1.0" encoding="utf-8"?>
 <p:sld xmlns:a="http://schemas.openxmlformats.org/drawingml/2006/main" xmlns:r="http://schemas.openxmlformats.org/officeDocument/2006/relationships" xmlns:p="http://schemas.openxmlformats.org/presentationml/2006/main">
   <p:cSld>
@@ -33484,14 +33752,170 @@
             <p:ph type="title"/>
           </p:nvPr>
         </p:nvSpPr>
+        <p:spPr>
+          <a:xfrm>
+            <a:off x="457200" y="381000"/>
+            <a:ext cx="7391400" cy="1143000"/>
+          </a:xfrm>
+        </p:spPr>
+        <p:txBody>
+          <a:bodyPr>
+            <a:normAutofit fontScale="90000"/>
+          </a:bodyPr>
+          <a:lstStyle/>
+          <a:p>
+            <a:r>
+              <a:rPr lang="en-US" dirty="0" smtClean="0"/>
+              <a:t>Database</a:t>
+            </a:r>
+            <a:br>
+              <a:rPr lang="en-US" dirty="0" smtClean="0"/>
+            </a:br>
+            <a:r>
+              <a:rPr lang="en-US" dirty="0" smtClean="0"/>
+              <a:t>“Conclusion”</a:t>
+            </a:r>
+            <a:endParaRPr lang="en-US" dirty="0"/>
+          </a:p>
+        </p:txBody>
+      </p:sp>
+      <p:sp>
+        <p:nvSpPr>
+          <p:cNvPr id="3" name="Content Placeholder 2"/>
+          <p:cNvSpPr>
+            <a:spLocks noGrp="1"/>
+          </p:cNvSpPr>
+          <p:nvPr>
+            <p:ph idx="1"/>
+          </p:nvPr>
+        </p:nvSpPr>
+        <p:spPr>
+          <a:xfrm>
+            <a:off x="609600" y="2362200"/>
+            <a:ext cx="8229600" cy="3657600"/>
+          </a:xfrm>
+        </p:spPr>
+        <p:txBody>
+          <a:bodyPr/>
+          <a:lstStyle/>
+          <a:p>
+            <a:r>
+              <a:rPr lang="en-US" altLang="zh-CN" dirty="0" smtClean="0"/>
+              <a:t>Database functions like a background support to other modules.</a:t>
+            </a:r>
+          </a:p>
+          <a:p>
+            <a:r>
+              <a:rPr lang="en-US" altLang="zh-CN" dirty="0" smtClean="0"/>
+              <a:t>Database provides good organization of the game data.</a:t>
+            </a:r>
+          </a:p>
+          <a:p>
+            <a:r>
+              <a:rPr lang="en-US" altLang="zh-CN" dirty="0" smtClean="0"/>
+              <a:t>Database is useful for Storage and Retrieval of map and unit Data.</a:t>
+            </a:r>
+          </a:p>
+        </p:txBody>
+      </p:sp>
+      <p:sp>
+        <p:nvSpPr>
+          <p:cNvPr id="5" name="Slide Number Placeholder 4"/>
+          <p:cNvSpPr>
+            <a:spLocks noGrp="1"/>
+          </p:cNvSpPr>
+          <p:nvPr>
+            <p:ph type="sldNum" sz="quarter" idx="12"/>
+          </p:nvPr>
+        </p:nvSpPr>
         <p:spPr/>
         <p:txBody>
           <a:bodyPr/>
           <a:lstStyle/>
           <a:p>
+            <a:fld id="{B6F15528-21DE-4FAA-801E-634DDDAF4B2B}" type="slidenum">
+              <a:rPr lang="en-US" smtClean="0"/>
+              <a:pPr/>
+              <a:t>50</a:t>
+            </a:fld>
+            <a:endParaRPr lang="en-US" dirty="0"/>
+          </a:p>
+        </p:txBody>
+      </p:sp>
+      <p:pic>
+        <p:nvPicPr>
+          <p:cNvPr id="4" name="Picture 3" descr="logo.jpg"/>
+          <p:cNvPicPr>
+            <a:picLocks noChangeAspect="1"/>
+          </p:cNvPicPr>
+          <p:nvPr/>
+        </p:nvPicPr>
+        <p:blipFill>
+          <a:blip r:embed="rId2" cstate="print"/>
+          <a:stretch>
+            <a:fillRect/>
+          </a:stretch>
+        </p:blipFill>
+        <p:spPr>
+          <a:xfrm>
+            <a:off x="7956253" y="0"/>
+            <a:ext cx="1187747" cy="1328738"/>
+          </a:xfrm>
+          <a:prstGeom prst="rect">
+            <a:avLst/>
+          </a:prstGeom>
+        </p:spPr>
+      </p:pic>
+    </p:spTree>
+  </p:cSld>
+  <p:clrMapOvr>
+    <a:masterClrMapping/>
+  </p:clrMapOvr>
+  <p:timing>
+    <p:tnLst>
+      <p:par>
+        <p:cTn id="1" dur="indefinite" restart="never" nodeType="tmRoot"/>
+      </p:par>
+    </p:tnLst>
+  </p:timing>
+</p:sld>
+</file>
+
+<file path=ppt/slides/slide51.xml><?xml version="1.0" encoding="utf-8"?>
+<p:sld xmlns:a="http://schemas.openxmlformats.org/drawingml/2006/main" xmlns:r="http://schemas.openxmlformats.org/officeDocument/2006/relationships" xmlns:p="http://schemas.openxmlformats.org/presentationml/2006/main">
+  <p:cSld>
+    <p:spTree>
+      <p:nvGrpSpPr>
+        <p:cNvPr id="1" name=""/>
+        <p:cNvGrpSpPr/>
+        <p:nvPr/>
+      </p:nvGrpSpPr>
+      <p:grpSpPr>
+        <a:xfrm>
+          <a:off x="0" y="0"/>
+          <a:ext cx="0" cy="0"/>
+          <a:chOff x="0" y="0"/>
+          <a:chExt cx="0" cy="0"/>
+        </a:xfrm>
+      </p:grpSpPr>
+      <p:sp>
+        <p:nvSpPr>
+          <p:cNvPr id="2" name="Title 1"/>
+          <p:cNvSpPr>
+            <a:spLocks noGrp="1"/>
+          </p:cNvSpPr>
+          <p:nvPr>
+            <p:ph type="title"/>
+          </p:nvPr>
+        </p:nvSpPr>
+        <p:spPr/>
+        <p:txBody>
+          <a:bodyPr/>
+          <a:lstStyle/>
+          <a:p>
             <a:r>
               <a:rPr lang="en-US" dirty="0" smtClean="0"/>
-              <a:t>Conclusion</a:t>
+              <a:t>Duel Reality: Conclusion</a:t>
             </a:r>
             <a:endParaRPr lang="en-US" dirty="0"/>
           </a:p>
@@ -33514,19 +33938,33 @@
           <a:p>
             <a:r>
               <a:rPr lang="en-US" dirty="0" smtClean="0"/>
-              <a:t>Conclude this presentation</a:t>
-            </a:r>
-          </a:p>
-          <a:p>
+              <a:t>Told you about our awesome game </a:t>
+            </a:r>
+          </a:p>
+          <a:p>
+            <a:pPr lvl="1"/>
             <a:r>
               <a:rPr lang="en-US" dirty="0" smtClean="0"/>
-              <a:t>Told you about our awesome game </a:t>
+              <a:t>Details</a:t>
+            </a:r>
+          </a:p>
+          <a:p>
+            <a:pPr lvl="1"/>
+            <a:r>
+              <a:rPr lang="en-US" dirty="0" smtClean="0"/>
+              <a:t>Modules – Graphics, UI, Game Mechanics &amp;AI, Database</a:t>
             </a:r>
           </a:p>
           <a:p>
             <a:r>
               <a:rPr lang="en-US" dirty="0" smtClean="0"/>
               <a:t>Pre-orders available</a:t>
+            </a:r>
+          </a:p>
+          <a:p>
+            <a:r>
+              <a:rPr lang="en-US" dirty="0" smtClean="0"/>
+              <a:t>Thanks for your attention</a:t>
             </a:r>
           </a:p>
         </p:txBody>
@@ -33549,7 +33987,7 @@
             <a:fld id="{B6F15528-21DE-4FAA-801E-634DDDAF4B2B}" type="slidenum">
               <a:rPr lang="en-US" smtClean="0"/>
               <a:pPr/>
-              <a:t>50</a:t>
+              <a:t>51</a:t>
             </a:fld>
             <a:endParaRPr lang="en-US" dirty="0"/>
           </a:p>
@@ -33587,7 +34025,7 @@
 </p:sld>
 </file>
 
-<file path=ppt/slides/slide51.xml><?xml version="1.0" encoding="utf-8"?>
+<file path=ppt/slides/slide52.xml><?xml version="1.0" encoding="utf-8"?>
 <p:sld xmlns:a="http://schemas.openxmlformats.org/drawingml/2006/main" xmlns:r="http://schemas.openxmlformats.org/officeDocument/2006/relationships" xmlns:p="http://schemas.openxmlformats.org/presentationml/2006/main">
   <p:cSld>
     <p:spTree>
@@ -33645,7 +34083,7 @@
             <a:fld id="{B6F15528-21DE-4FAA-801E-634DDDAF4B2B}" type="slidenum">
               <a:rPr lang="en-US" smtClean="0"/>
               <a:pPr/>
-              <a:t>51</a:t>
+              <a:t>52</a:t>
             </a:fld>
             <a:endParaRPr lang="en-US" dirty="0"/>
           </a:p>
@@ -33673,6 +34111,32 @@
           <a:prstGeom prst="rect">
             <a:avLst/>
           </a:prstGeom>
+        </p:spPr>
+      </p:pic>
+      <p:pic>
+        <p:nvPicPr>
+          <p:cNvPr id="1027" name="Picture 3" descr="C:\Users\KilgoreJ\AppData\Local\Microsoft\Windows\Temporary Internet Files\Content.IE5\40LK1M2T\MM900234752[1].gif"/>
+          <p:cNvPicPr>
+            <a:picLocks noChangeAspect="1" noChangeArrowheads="1" noCrop="1"/>
+          </p:cNvPicPr>
+          <p:nvPr/>
+        </p:nvPicPr>
+        <p:blipFill>
+          <a:blip r:embed="rId3" cstate="print"/>
+          <a:srcRect/>
+          <a:stretch>
+            <a:fillRect/>
+          </a:stretch>
+        </p:blipFill>
+        <p:spPr bwMode="auto">
+          <a:xfrm>
+            <a:off x="3352800" y="2743200"/>
+            <a:ext cx="2249905" cy="2514600"/>
+          </a:xfrm>
+          <a:prstGeom prst="rect">
+            <a:avLst/>
+          </a:prstGeom>
+          <a:noFill/>
         </p:spPr>
       </p:pic>
     </p:spTree>

--- a/trunk/Docs/DUEL REALITY .pptx
+++ b/trunk/Docs/DUEL REALITY .pptx
@@ -5,10 +5,10 @@
     <p:sldMasterId id="2147483660" r:id="rId1"/>
   </p:sldMasterIdLst>
   <p:notesMasterIdLst>
-    <p:notesMasterId r:id="rId54"/>
+    <p:notesMasterId r:id="rId57"/>
   </p:notesMasterIdLst>
   <p:handoutMasterIdLst>
-    <p:handoutMasterId r:id="rId55"/>
+    <p:handoutMasterId r:id="rId58"/>
   </p:handoutMasterIdLst>
   <p:sldIdLst>
     <p:sldId id="317" r:id="rId2"/>
@@ -17,7 +17,7 @@
     <p:sldId id="286" r:id="rId5"/>
     <p:sldId id="287" r:id="rId6"/>
     <p:sldId id="288" r:id="rId7"/>
-    <p:sldId id="289" r:id="rId8"/>
+    <p:sldId id="332" r:id="rId8"/>
     <p:sldId id="290" r:id="rId9"/>
     <p:sldId id="292" r:id="rId10"/>
     <p:sldId id="259" r:id="rId11"/>
@@ -55,14 +55,17 @@
     <p:sldId id="291" r:id="rId43"/>
     <p:sldId id="278" r:id="rId44"/>
     <p:sldId id="322" r:id="rId45"/>
-    <p:sldId id="280" r:id="rId46"/>
-    <p:sldId id="281" r:id="rId47"/>
-    <p:sldId id="282" r:id="rId48"/>
-    <p:sldId id="283" r:id="rId49"/>
-    <p:sldId id="284" r:id="rId50"/>
-    <p:sldId id="285" r:id="rId51"/>
-    <p:sldId id="316" r:id="rId52"/>
-    <p:sldId id="315" r:id="rId53"/>
+    <p:sldId id="324" r:id="rId46"/>
+    <p:sldId id="325" r:id="rId47"/>
+    <p:sldId id="326" r:id="rId48"/>
+    <p:sldId id="327" r:id="rId49"/>
+    <p:sldId id="328" r:id="rId50"/>
+    <p:sldId id="329" r:id="rId51"/>
+    <p:sldId id="330" r:id="rId52"/>
+    <p:sldId id="333" r:id="rId53"/>
+    <p:sldId id="331" r:id="rId54"/>
+    <p:sldId id="316" r:id="rId55"/>
+    <p:sldId id="315" r:id="rId56"/>
   </p:sldIdLst>
   <p:sldSz cx="9144000" cy="6858000" type="screen4x3"/>
   <p:notesSz cx="7315200" cy="9601200"/>
@@ -247,7 +250,7 @@
             <a:fld id="{36092B14-EE1A-4A52-9F56-C4F7F9096ABA}" type="datetimeFigureOut">
               <a:rPr lang="en-US" smtClean="0"/>
               <a:pPr/>
-              <a:t>5/3/2010</a:t>
+              <a:t>5/4/2010</a:t>
             </a:fld>
             <a:endParaRPr lang="en-US"/>
           </a:p>
@@ -409,7 +412,7 @@
             <a:fld id="{2DB3A570-3473-4B51-9859-38FBE4FB2A3F}" type="datetimeFigureOut">
               <a:rPr lang="en-US" smtClean="0"/>
               <a:pPr/>
-              <a:t>5/3/2010</a:t>
+              <a:t>5/4/2010</a:t>
             </a:fld>
             <a:endParaRPr lang="en-US" dirty="0"/>
           </a:p>
@@ -1006,7 +1009,7 @@
             <a:fld id="{10D76176-46D7-45B7-BEC6-0CAB5BAF04B8}" type="datetime1">
               <a:rPr lang="en-US" smtClean="0"/>
               <a:pPr/>
-              <a:t>5/3/2010</a:t>
+              <a:t>5/4/2010</a:t>
             </a:fld>
             <a:endParaRPr lang="en-US" dirty="0"/>
           </a:p>
@@ -1231,7 +1234,7 @@
             <a:fld id="{2ACA5E9D-9FFA-4FE5-8D48-AD97EAE540F6}" type="datetime1">
               <a:rPr lang="en-US" smtClean="0"/>
               <a:pPr/>
-              <a:t>5/3/2010</a:t>
+              <a:t>5/4/2010</a:t>
             </a:fld>
             <a:endParaRPr lang="en-US" dirty="0"/>
           </a:p>
@@ -1513,7 +1516,7 @@
             <a:fld id="{A97A97D5-15F8-466A-ABDA-DF49D1BB6FB5}" type="datetime1">
               <a:rPr lang="en-US" smtClean="0"/>
               <a:pPr/>
-              <a:t>5/3/2010</a:t>
+              <a:t>5/4/2010</a:t>
             </a:fld>
             <a:endParaRPr lang="en-US" dirty="0"/>
           </a:p>
@@ -1694,7 +1697,7 @@
             <a:fld id="{A516281F-2FAF-4B50-BB04-FE7E9D79FCFE}" type="datetime1">
               <a:rPr lang="en-US" smtClean="0"/>
               <a:pPr/>
-              <a:t>5/3/2010</a:t>
+              <a:t>5/4/2010</a:t>
             </a:fld>
             <a:endParaRPr lang="en-US" dirty="0"/>
           </a:p>
@@ -2054,7 +2057,7 @@
             <a:fld id="{2E9CB2DA-F545-4604-A0C7-5A323DB8BBA1}" type="datetime1">
               <a:rPr lang="en-US" smtClean="0"/>
               <a:pPr/>
-              <a:t>5/3/2010</a:t>
+              <a:t>5/4/2010</a:t>
             </a:fld>
             <a:endParaRPr lang="en-US" dirty="0"/>
           </a:p>
@@ -2343,7 +2346,7 @@
             <a:fld id="{32D3AAE4-58A9-4829-84ED-BAB6B9C4B1BD}" type="datetime1">
               <a:rPr lang="en-US" smtClean="0"/>
               <a:pPr/>
-              <a:t>5/3/2010</a:t>
+              <a:t>5/4/2010</a:t>
             </a:fld>
             <a:endParaRPr lang="en-US" dirty="0"/>
           </a:p>
@@ -2767,7 +2770,7 @@
             <a:fld id="{F1F62B83-C1F9-4900-BD8E-DCF5FCA3C455}" type="datetime1">
               <a:rPr lang="en-US" smtClean="0"/>
               <a:pPr/>
-              <a:t>5/3/2010</a:t>
+              <a:t>5/4/2010</a:t>
             </a:fld>
             <a:endParaRPr lang="en-US" dirty="0"/>
           </a:p>
@@ -2884,7 +2887,7 @@
             <a:fld id="{D67003CF-0740-4329-915B-45FAAE4561B5}" type="datetime1">
               <a:rPr lang="en-US" smtClean="0"/>
               <a:pPr/>
-              <a:t>5/3/2010</a:t>
+              <a:t>5/4/2010</a:t>
             </a:fld>
             <a:endParaRPr lang="en-US" dirty="0"/>
           </a:p>
@@ -2976,7 +2979,7 @@
             <a:fld id="{316BD30F-E255-42E4-A430-2D1BA87B0CA1}" type="datetime1">
               <a:rPr lang="en-US" smtClean="0"/>
               <a:pPr/>
-              <a:t>5/3/2010</a:t>
+              <a:t>5/4/2010</a:t>
             </a:fld>
             <a:endParaRPr lang="en-US" dirty="0"/>
           </a:p>
@@ -3256,7 +3259,7 @@
             <a:fld id="{DF955EC1-8AC4-4897-A39C-5C74CF1158C4}" type="datetime1">
               <a:rPr lang="en-US" smtClean="0"/>
               <a:pPr/>
-              <a:t>5/3/2010</a:t>
+              <a:t>5/4/2010</a:t>
             </a:fld>
             <a:endParaRPr lang="en-US" dirty="0"/>
           </a:p>
@@ -3624,7 +3627,7 @@
             <a:fld id="{C69A9847-EB5B-42B5-A3CA-E519FF22C27F}" type="datetime1">
               <a:rPr lang="en-US" smtClean="0"/>
               <a:pPr/>
-              <a:t>5/3/2010</a:t>
+              <a:t>5/4/2010</a:t>
             </a:fld>
             <a:endParaRPr lang="en-US" dirty="0"/>
           </a:p>
@@ -4063,7 +4066,7 @@
             <a:fld id="{BB02A790-4BD0-4AB4-95D4-38BF854DB16E}" type="datetime1">
               <a:rPr lang="en-US" smtClean="0"/>
               <a:pPr/>
-              <a:t>5/3/2010</a:t>
+              <a:t>5/4/2010</a:t>
             </a:fld>
             <a:endParaRPr lang="en-US" dirty="0"/>
           </a:p>
@@ -23754,17 +23757,8 @@
             <a:pPr lvl="1"/>
             <a:r>
               <a:rPr lang="en-US" dirty="0" smtClean="0"/>
-              <a:t>Signals </a:t>
-            </a:r>
-            <a:r>
-              <a:rPr lang="en-US" dirty="0" smtClean="0"/>
-              <a:t>&amp; </a:t>
-            </a:r>
-            <a:r>
-              <a:rPr lang="en-US" dirty="0" smtClean="0"/>
-              <a:t>slots</a:t>
-            </a:r>
-            <a:endParaRPr lang="en-US" dirty="0" smtClean="0"/>
+              <a:t>Signals &amp; slots</a:t>
+            </a:r>
           </a:p>
           <a:p>
             <a:endParaRPr lang="en-US" dirty="0"/>
@@ -25738,11 +25732,7 @@
           <a:p>
             <a:r>
               <a:rPr lang="en-US" dirty="0" smtClean="0"/>
-              <a:t>Initial Unit Testing  </a:t>
-            </a:r>
-            <a:r>
-              <a:rPr lang="en-US" dirty="0" smtClean="0"/>
-              <a:t>-</a:t>
+              <a:t>Initial Unit Testing  -</a:t>
             </a:r>
           </a:p>
           <a:p>
@@ -25751,15 +25741,7 @@
             </a:pPr>
             <a:r>
               <a:rPr lang="en-US" dirty="0" smtClean="0"/>
-              <a:t> </a:t>
-            </a:r>
-            <a:r>
-              <a:rPr lang="en-US" dirty="0" smtClean="0"/>
-              <a:t>Console </a:t>
-            </a:r>
-            <a:r>
-              <a:rPr lang="en-US" dirty="0" smtClean="0"/>
-              <a:t>Version</a:t>
+              <a:t> Console Version</a:t>
             </a:r>
           </a:p>
           <a:p>
@@ -25773,7 +25755,6 @@
               <a:rPr lang="en-US" dirty="0" smtClean="0"/>
               <a:t>System Testing</a:t>
             </a:r>
-            <a:endParaRPr lang="en-US" dirty="0" smtClean="0"/>
           </a:p>
           <a:p>
             <a:endParaRPr lang="en-US" dirty="0" smtClean="0"/>
@@ -32196,30 +32177,37 @@
             <p:ph type="title"/>
           </p:nvPr>
         </p:nvSpPr>
-        <p:spPr>
-          <a:xfrm>
-            <a:off x="457200" y="314094"/>
-            <a:ext cx="7391400" cy="1143000"/>
-          </a:xfrm>
-        </p:spPr>
+        <p:spPr/>
         <p:txBody>
           <a:bodyPr>
-            <a:normAutofit fontScale="90000"/>
+            <a:normAutofit/>
           </a:bodyPr>
           <a:lstStyle/>
           <a:p>
             <a:r>
+              <a:rPr lang="en-US" altLang="zh-CN" dirty="0" smtClean="0"/>
+              <a:t>Database </a:t>
+            </a:r>
+            <a:r>
               <a:rPr lang="en-US" dirty="0" smtClean="0"/>
-              <a:t>Database</a:t>
+              <a:t/>
             </a:r>
             <a:br>
               <a:rPr lang="en-US" dirty="0" smtClean="0"/>
             </a:br>
             <a:r>
-              <a:rPr lang="en-US" dirty="0" smtClean="0"/>
-              <a:t>“Summary”</a:t>
-            </a:r>
-            <a:endParaRPr lang="en-US" dirty="0"/>
+              <a:rPr lang="en-US" sz="1800" dirty="0" smtClean="0"/>
+              <a:t>Presenter: </a:t>
+            </a:r>
+            <a:r>
+              <a:rPr lang="en-US" sz="1800" dirty="0" smtClean="0"/>
+              <a:t>Ye </a:t>
+            </a:r>
+            <a:r>
+              <a:rPr lang="en-US" sz="1800" dirty="0" err="1" smtClean="0"/>
+              <a:t>Tian</a:t>
+            </a:r>
+            <a:endParaRPr lang="en-US" sz="1800" dirty="0"/>
           </a:p>
         </p:txBody>
       </p:sp>
@@ -32233,33 +32221,83 @@
             <p:ph idx="1"/>
           </p:nvPr>
         </p:nvSpPr>
-        <p:spPr>
-          <a:xfrm>
-            <a:off x="762000" y="2514600"/>
-            <a:ext cx="8229600" cy="3657600"/>
-          </a:xfrm>
-        </p:spPr>
+        <p:spPr/>
         <p:txBody>
-          <a:bodyPr/>
+          <a:bodyPr>
+            <a:normAutofit fontScale="92500" lnSpcReduction="10000"/>
+          </a:bodyPr>
           <a:lstStyle/>
           <a:p>
             <a:r>
               <a:rPr lang="en-US" dirty="0" smtClean="0"/>
-              <a:t>What Database is?</a:t>
-            </a:r>
+              <a:t>Database in the game</a:t>
+            </a:r>
+          </a:p>
+          <a:p>
+            <a:pPr lvl="1"/>
+            <a:r>
+              <a:rPr lang="en-US" altLang="zh-CN" dirty="0" smtClean="0"/>
+              <a:t>Software-based containers</a:t>
+            </a:r>
+            <a:endParaRPr lang="en-US" altLang="zh-CN" dirty="0" smtClean="0"/>
+          </a:p>
+          <a:p>
+            <a:pPr lvl="1"/>
+            <a:r>
+              <a:rPr lang="en-US" altLang="zh-CN" dirty="0" smtClean="0"/>
+              <a:t>Storage and retrieval</a:t>
+            </a:r>
+            <a:endParaRPr lang="en-US" dirty="0" smtClean="0"/>
           </a:p>
           <a:p>
             <a:r>
               <a:rPr lang="en-US" dirty="0" smtClean="0"/>
-              <a:t>What Database does in the project?</a:t>
-            </a:r>
+              <a:t>Database Design</a:t>
+            </a:r>
+          </a:p>
+          <a:p>
+            <a:pPr lvl="1"/>
+            <a:r>
+              <a:rPr lang="en-US" altLang="zh-CN" dirty="0" err="1" smtClean="0"/>
+              <a:t>SQLite</a:t>
+            </a:r>
+            <a:endParaRPr lang="en-US" altLang="zh-CN" dirty="0" smtClean="0"/>
+          </a:p>
+          <a:p>
+            <a:pPr lvl="1"/>
+            <a:r>
+              <a:rPr lang="en-US" altLang="zh-CN" dirty="0" smtClean="0"/>
+              <a:t>Qt classes</a:t>
+            </a:r>
+            <a:endParaRPr lang="en-US" dirty="0" smtClean="0"/>
           </a:p>
           <a:p>
             <a:r>
               <a:rPr lang="en-US" dirty="0" smtClean="0"/>
-              <a:t>How Database works?</a:t>
-            </a:r>
-            <a:endParaRPr lang="en-US" dirty="0"/>
+              <a:t>Database Classes</a:t>
+            </a:r>
+            <a:endParaRPr lang="en-US" dirty="0" smtClean="0"/>
+          </a:p>
+          <a:p>
+            <a:pPr lvl="1"/>
+            <a:r>
+              <a:rPr lang="en-US" dirty="0" smtClean="0"/>
+              <a:t>Database</a:t>
+            </a:r>
+          </a:p>
+          <a:p>
+            <a:pPr lvl="1"/>
+            <a:r>
+              <a:rPr lang="en-US" dirty="0" smtClean="0"/>
+              <a:t>Test window</a:t>
+            </a:r>
+          </a:p>
+          <a:p>
+            <a:r>
+              <a:rPr lang="en-US" dirty="0" smtClean="0"/>
+              <a:t>Summary</a:t>
+            </a:r>
+            <a:endParaRPr lang="en-US" dirty="0" smtClean="0"/>
           </a:p>
         </p:txBody>
       </p:sp>
@@ -32356,26 +32394,14 @@
         <p:spPr/>
         <p:txBody>
           <a:bodyPr>
-            <a:normAutofit fontScale="90000"/>
+            <a:normAutofit/>
           </a:bodyPr>
           <a:lstStyle/>
           <a:p>
             <a:r>
-              <a:rPr lang="en-US" dirty="0" smtClean="0"/>
-              <a:t>Database</a:t>
-            </a:r>
-            <a:br>
-              <a:rPr lang="en-US" dirty="0" smtClean="0"/>
-            </a:br>
-            <a:r>
-              <a:rPr lang="en-US" dirty="0" smtClean="0"/>
-              <a:t>“</a:t>
-            </a:r>
-            <a:r>
               <a:rPr lang="en-US" altLang="zh-CN" dirty="0" smtClean="0"/>
-              <a:t>What Database is”</a:t>
-            </a:r>
-            <a:endParaRPr lang="en-US" dirty="0"/>
+              <a:t>Database in the game</a:t>
+            </a:r>
           </a:p>
         </p:txBody>
       </p:sp>
@@ -32392,37 +32418,25 @@
         <p:spPr>
           <a:xfrm>
             <a:off x="381000" y="1646237"/>
-            <a:ext cx="8610600" cy="4525963"/>
+            <a:ext cx="8610600" cy="639763"/>
           </a:xfrm>
         </p:spPr>
         <p:txBody>
           <a:bodyPr>
-            <a:normAutofit fontScale="92500"/>
+            <a:normAutofit/>
           </a:bodyPr>
           <a:lstStyle/>
           <a:p>
             <a:r>
               <a:rPr lang="en-US" altLang="zh-CN" dirty="0" smtClean="0"/>
-              <a:t>Databases consist of software-based "containers" that are structured to collect and store information.</a:t>
-            </a:r>
-          </a:p>
-          <a:p>
-            <a:r>
-              <a:rPr lang="en-US" altLang="zh-CN" dirty="0" smtClean="0"/>
-              <a:t>Database programs are designed for users so that they can retrieve, add, update or remove information.</a:t>
-            </a:r>
-          </a:p>
-          <a:p>
-            <a:r>
-              <a:rPr lang="en-US" altLang="zh-CN" dirty="0" smtClean="0"/>
-              <a:t>The structure of a database is tabular, consisting of rows and columns of information.</a:t>
-            </a:r>
-          </a:p>
-          <a:p>
-            <a:r>
-              <a:rPr lang="en-US" altLang="zh-CN" dirty="0" smtClean="0"/>
-              <a:t>A number of database architectures exist. Many databases use a combination of strategies.</a:t>
-            </a:r>
+              <a:t>Software-based containers</a:t>
+            </a:r>
+          </a:p>
+          <a:p>
+            <a:pPr>
+              <a:buNone/>
+            </a:pPr>
+            <a:endParaRPr lang="en-US" altLang="zh-CN" dirty="0" smtClean="0"/>
           </a:p>
         </p:txBody>
       </p:sp>
@@ -32474,6 +32488,417 @@
           </a:prstGeom>
         </p:spPr>
       </p:pic>
+      <p:pic>
+        <p:nvPicPr>
+          <p:cNvPr id="2051" name="Picture 3"/>
+          <p:cNvPicPr>
+            <a:picLocks noChangeAspect="1" noChangeArrowheads="1"/>
+          </p:cNvPicPr>
+          <p:nvPr/>
+        </p:nvPicPr>
+        <p:blipFill>
+          <a:blip r:embed="rId3" cstate="print"/>
+          <a:srcRect/>
+          <a:stretch>
+            <a:fillRect/>
+          </a:stretch>
+        </p:blipFill>
+        <p:spPr bwMode="auto">
+          <a:xfrm>
+            <a:off x="2743200" y="4724400"/>
+            <a:ext cx="5867400" cy="1833563"/>
+          </a:xfrm>
+          <a:prstGeom prst="rect">
+            <a:avLst/>
+          </a:prstGeom>
+          <a:noFill/>
+          <a:ln w="9525">
+            <a:noFill/>
+            <a:miter lim="800000"/>
+            <a:headEnd/>
+            <a:tailEnd/>
+          </a:ln>
+        </p:spPr>
+      </p:pic>
+      <p:pic>
+        <p:nvPicPr>
+          <p:cNvPr id="2052" name="Picture 4"/>
+          <p:cNvPicPr>
+            <a:picLocks noChangeAspect="1" noChangeArrowheads="1"/>
+          </p:cNvPicPr>
+          <p:nvPr/>
+        </p:nvPicPr>
+        <p:blipFill>
+          <a:blip r:embed="rId4" cstate="print"/>
+          <a:srcRect/>
+          <a:stretch>
+            <a:fillRect/>
+          </a:stretch>
+        </p:blipFill>
+        <p:spPr bwMode="auto">
+          <a:xfrm>
+            <a:off x="2743200" y="2514600"/>
+            <a:ext cx="1752600" cy="1653396"/>
+          </a:xfrm>
+          <a:prstGeom prst="rect">
+            <a:avLst/>
+          </a:prstGeom>
+          <a:noFill/>
+          <a:ln w="9525">
+            <a:noFill/>
+            <a:miter lim="800000"/>
+            <a:headEnd/>
+            <a:tailEnd/>
+          </a:ln>
+        </p:spPr>
+      </p:pic>
+      <p:grpSp>
+        <p:nvGrpSpPr>
+          <p:cNvPr id="6" name="Group 8"/>
+          <p:cNvGrpSpPr/>
+          <p:nvPr/>
+        </p:nvGrpSpPr>
+        <p:grpSpPr>
+          <a:xfrm>
+            <a:off x="5105400" y="2667000"/>
+            <a:ext cx="3124200" cy="1295400"/>
+            <a:chOff x="5257800" y="4648199"/>
+            <a:chExt cx="2514600" cy="990601"/>
+          </a:xfrm>
+        </p:grpSpPr>
+        <p:pic>
+          <p:nvPicPr>
+            <p:cNvPr id="10" name="Picture 2" descr="http://duel-reality.googlecode.com/svn/trunk/Code/TestProject/debug/sprites/desertsoldier.png"/>
+            <p:cNvPicPr>
+              <a:picLocks noChangeAspect="1" noChangeArrowheads="1"/>
+            </p:cNvPicPr>
+            <p:nvPr/>
+          </p:nvPicPr>
+          <p:blipFill>
+            <a:blip r:embed="rId5" cstate="print"/>
+            <a:srcRect/>
+            <a:stretch>
+              <a:fillRect/>
+            </a:stretch>
+          </p:blipFill>
+          <p:spPr bwMode="auto">
+            <a:xfrm>
+              <a:off x="5257800" y="4648200"/>
+              <a:ext cx="686554" cy="990600"/>
+            </a:xfrm>
+            <a:prstGeom prst="rect">
+              <a:avLst/>
+            </a:prstGeom>
+            <a:noFill/>
+          </p:spPr>
+        </p:pic>
+        <p:pic>
+          <p:nvPicPr>
+            <p:cNvPr id="11" name="Picture 4" descr="http://duel-reality.googlecode.com/svn/trunk/Code/TestProject/debug/sprites/bard.png"/>
+            <p:cNvPicPr>
+              <a:picLocks noChangeAspect="1" noChangeArrowheads="1"/>
+            </p:cNvPicPr>
+            <p:nvPr/>
+          </p:nvPicPr>
+          <p:blipFill>
+            <a:blip r:embed="rId6" cstate="print"/>
+            <a:srcRect/>
+            <a:stretch>
+              <a:fillRect/>
+            </a:stretch>
+          </p:blipFill>
+          <p:spPr bwMode="auto">
+            <a:xfrm>
+              <a:off x="6019800" y="4648200"/>
+              <a:ext cx="466725" cy="990600"/>
+            </a:xfrm>
+            <a:prstGeom prst="rect">
+              <a:avLst/>
+            </a:prstGeom>
+            <a:noFill/>
+          </p:spPr>
+        </p:pic>
+        <p:pic>
+          <p:nvPicPr>
+            <p:cNvPr id="12" name="Picture 6" descr="http://duel-reality.googlecode.com/svn/trunk/Code/TestProject/debug/sprites/buddhist.png"/>
+            <p:cNvPicPr>
+              <a:picLocks noChangeAspect="1" noChangeArrowheads="1"/>
+            </p:cNvPicPr>
+            <p:nvPr/>
+          </p:nvPicPr>
+          <p:blipFill>
+            <a:blip r:embed="rId7" cstate="print"/>
+            <a:srcRect/>
+            <a:stretch>
+              <a:fillRect/>
+            </a:stretch>
+          </p:blipFill>
+          <p:spPr bwMode="auto">
+            <a:xfrm>
+              <a:off x="6629400" y="4648199"/>
+              <a:ext cx="533400" cy="986287"/>
+            </a:xfrm>
+            <a:prstGeom prst="rect">
+              <a:avLst/>
+            </a:prstGeom>
+            <a:noFill/>
+          </p:spPr>
+        </p:pic>
+        <p:pic>
+          <p:nvPicPr>
+            <p:cNvPr id="13" name="Picture 8" descr="http://duel-reality.googlecode.com/svn/trunk/Code/TestProject/debug/sprites/wizard.png"/>
+            <p:cNvPicPr>
+              <a:picLocks noChangeAspect="1" noChangeArrowheads="1"/>
+            </p:cNvPicPr>
+            <p:nvPr/>
+          </p:nvPicPr>
+          <p:blipFill>
+            <a:blip r:embed="rId8" cstate="print"/>
+            <a:srcRect/>
+            <a:stretch>
+              <a:fillRect/>
+            </a:stretch>
+          </p:blipFill>
+          <p:spPr bwMode="auto">
+            <a:xfrm>
+              <a:off x="7277100" y="4648200"/>
+              <a:ext cx="495300" cy="990600"/>
+            </a:xfrm>
+            <a:prstGeom prst="rect">
+              <a:avLst/>
+            </a:prstGeom>
+            <a:noFill/>
+          </p:spPr>
+        </p:pic>
+      </p:grpSp>
+      <p:sp>
+        <p:nvSpPr>
+          <p:cNvPr id="14" name="Content Placeholder 2"/>
+          <p:cNvSpPr txBox="1">
+            <a:spLocks/>
+          </p:cNvSpPr>
+          <p:nvPr/>
+        </p:nvSpPr>
+        <p:spPr>
+          <a:xfrm>
+            <a:off x="76200" y="2819400"/>
+            <a:ext cx="1905000" cy="1295400"/>
+          </a:xfrm>
+          <a:prstGeom prst="rect">
+            <a:avLst/>
+          </a:prstGeom>
+        </p:spPr>
+        <p:txBody>
+          <a:bodyPr vert="horz" lIns="54864" tIns="91440" rtlCol="0">
+            <a:normAutofit/>
+          </a:bodyPr>
+          <a:lstStyle/>
+          <a:p>
+            <a:pPr marL="438912" marR="0" lvl="0" indent="-320040" algn="ctr" defTabSz="914400" rtl="0" eaLnBrk="1" fontAlgn="auto" latinLnBrk="0" hangingPunct="1">
+              <a:lnSpc>
+                <a:spcPct val="100000"/>
+              </a:lnSpc>
+              <a:spcBef>
+                <a:spcPts val="0"/>
+              </a:spcBef>
+              <a:spcAft>
+                <a:spcPts val="0"/>
+              </a:spcAft>
+              <a:buClr>
+                <a:schemeClr val="accent1"/>
+              </a:buClr>
+              <a:buSzPct val="80000"/>
+              <a:tabLst/>
+              <a:defRPr/>
+            </a:pPr>
+            <a:r>
+              <a:rPr kumimoji="0" lang="en-US" altLang="zh-CN" sz="2700" b="0" i="0" u="none" strike="noStrike" kern="1200" cap="none" spc="0" normalizeH="0" baseline="0" noProof="0" dirty="0" smtClean="0">
+                <a:ln>
+                  <a:noFill/>
+                </a:ln>
+                <a:solidFill>
+                  <a:schemeClr val="tx1"/>
+                </a:solidFill>
+                <a:effectLst/>
+                <a:uLnTx/>
+                <a:uFillTx/>
+                <a:latin typeface="+mn-lt"/>
+                <a:ea typeface="+mn-ea"/>
+                <a:cs typeface="+mn-cs"/>
+              </a:rPr>
+              <a:t>Game</a:t>
+            </a:r>
+          </a:p>
+          <a:p>
+            <a:pPr marL="438912" marR="0" lvl="0" indent="-320040" algn="ctr" defTabSz="914400" rtl="0" eaLnBrk="1" fontAlgn="auto" latinLnBrk="0" hangingPunct="1">
+              <a:lnSpc>
+                <a:spcPct val="100000"/>
+              </a:lnSpc>
+              <a:spcBef>
+                <a:spcPts val="0"/>
+              </a:spcBef>
+              <a:spcAft>
+                <a:spcPts val="0"/>
+              </a:spcAft>
+              <a:buClr>
+                <a:schemeClr val="accent1"/>
+              </a:buClr>
+              <a:buSzPct val="80000"/>
+              <a:tabLst/>
+              <a:defRPr/>
+            </a:pPr>
+            <a:r>
+              <a:rPr kumimoji="0" lang="en-US" altLang="zh-CN" sz="2700" b="0" i="0" u="none" strike="noStrike" kern="1200" cap="none" spc="0" normalizeH="0" baseline="0" noProof="0" dirty="0" smtClean="0">
+                <a:ln>
+                  <a:noFill/>
+                </a:ln>
+                <a:solidFill>
+                  <a:schemeClr val="tx1"/>
+                </a:solidFill>
+                <a:effectLst/>
+                <a:uLnTx/>
+                <a:uFillTx/>
+                <a:latin typeface="+mn-lt"/>
+                <a:ea typeface="+mn-ea"/>
+                <a:cs typeface="+mn-cs"/>
+              </a:rPr>
+              <a:t>front</a:t>
+            </a:r>
+          </a:p>
+          <a:p>
+            <a:pPr marL="438912" marR="0" lvl="0" indent="-320040" algn="l" defTabSz="914400" rtl="0" eaLnBrk="1" fontAlgn="auto" latinLnBrk="0" hangingPunct="1">
+              <a:lnSpc>
+                <a:spcPct val="100000"/>
+              </a:lnSpc>
+              <a:spcBef>
+                <a:spcPts val="0"/>
+              </a:spcBef>
+              <a:spcAft>
+                <a:spcPts val="0"/>
+              </a:spcAft>
+              <a:buClr>
+                <a:schemeClr val="accent1"/>
+              </a:buClr>
+              <a:buSzPct val="80000"/>
+              <a:buFont typeface="Wingdings 2"/>
+              <a:buNone/>
+              <a:tabLst/>
+              <a:defRPr/>
+            </a:pPr>
+            <a:endParaRPr kumimoji="0" lang="en-US" altLang="zh-CN" sz="3200" b="0" i="0" u="none" strike="noStrike" kern="1200" cap="none" spc="0" normalizeH="0" baseline="0" noProof="0" dirty="0" smtClean="0">
+              <a:ln>
+                <a:noFill/>
+              </a:ln>
+              <a:solidFill>
+                <a:schemeClr val="tx1"/>
+              </a:solidFill>
+              <a:effectLst/>
+              <a:uLnTx/>
+              <a:uFillTx/>
+              <a:latin typeface="+mn-lt"/>
+              <a:ea typeface="+mn-ea"/>
+              <a:cs typeface="+mn-cs"/>
+            </a:endParaRPr>
+          </a:p>
+        </p:txBody>
+      </p:sp>
+      <p:sp>
+        <p:nvSpPr>
+          <p:cNvPr id="15" name="Content Placeholder 2"/>
+          <p:cNvSpPr txBox="1">
+            <a:spLocks/>
+          </p:cNvSpPr>
+          <p:nvPr/>
+        </p:nvSpPr>
+        <p:spPr>
+          <a:xfrm>
+            <a:off x="0" y="5105400"/>
+            <a:ext cx="2133600" cy="1143000"/>
+          </a:xfrm>
+          <a:prstGeom prst="rect">
+            <a:avLst/>
+          </a:prstGeom>
+        </p:spPr>
+        <p:txBody>
+          <a:bodyPr vert="horz" lIns="54864" tIns="91440" rtlCol="0">
+            <a:normAutofit fontScale="85000" lnSpcReduction="10000"/>
+          </a:bodyPr>
+          <a:lstStyle/>
+          <a:p>
+            <a:pPr marL="438912" marR="0" lvl="0" indent="-320040" algn="ctr" defTabSz="914400" rtl="0" eaLnBrk="1" fontAlgn="auto" latinLnBrk="0" hangingPunct="1">
+              <a:lnSpc>
+                <a:spcPct val="100000"/>
+              </a:lnSpc>
+              <a:spcBef>
+                <a:spcPts val="0"/>
+              </a:spcBef>
+              <a:spcAft>
+                <a:spcPts val="0"/>
+              </a:spcAft>
+              <a:buClr>
+                <a:schemeClr val="accent1"/>
+              </a:buClr>
+              <a:buSzPct val="80000"/>
+              <a:tabLst/>
+              <a:defRPr/>
+            </a:pPr>
+            <a:r>
+              <a:rPr kumimoji="0" lang="en-US" altLang="zh-CN" sz="3200" b="0" i="0" u="none" strike="noStrike" kern="1200" cap="none" spc="0" normalizeH="0" baseline="0" noProof="0" dirty="0" smtClean="0">
+                <a:ln>
+                  <a:noFill/>
+                </a:ln>
+                <a:solidFill>
+                  <a:schemeClr val="tx1"/>
+                </a:solidFill>
+                <a:effectLst/>
+                <a:uLnTx/>
+                <a:uFillTx/>
+                <a:latin typeface="+mn-lt"/>
+                <a:ea typeface="+mn-ea"/>
+                <a:cs typeface="+mn-cs"/>
+              </a:rPr>
+              <a:t>Game</a:t>
+            </a:r>
+          </a:p>
+          <a:p>
+            <a:pPr marL="438912" marR="0" lvl="0" indent="-320040" algn="ctr" defTabSz="914400" rtl="0" eaLnBrk="1" fontAlgn="auto" latinLnBrk="0" hangingPunct="1">
+              <a:lnSpc>
+                <a:spcPct val="100000"/>
+              </a:lnSpc>
+              <a:spcBef>
+                <a:spcPts val="0"/>
+              </a:spcBef>
+              <a:spcAft>
+                <a:spcPts val="0"/>
+              </a:spcAft>
+              <a:buClr>
+                <a:schemeClr val="accent1"/>
+              </a:buClr>
+              <a:buSzPct val="80000"/>
+              <a:tabLst/>
+              <a:defRPr/>
+            </a:pPr>
+            <a:r>
+              <a:rPr lang="en-US" altLang="zh-CN" sz="3200" dirty="0" smtClean="0"/>
+              <a:t>background</a:t>
+            </a:r>
+            <a:endParaRPr kumimoji="0" lang="en-US" altLang="zh-CN" sz="3200" b="0" i="0" u="none" strike="noStrike" kern="1200" cap="none" spc="0" normalizeH="0" baseline="0" noProof="0" dirty="0" smtClean="0">
+              <a:ln>
+                <a:noFill/>
+              </a:ln>
+              <a:solidFill>
+                <a:schemeClr val="tx1"/>
+              </a:solidFill>
+              <a:effectLst/>
+              <a:uLnTx/>
+              <a:uFillTx/>
+              <a:latin typeface="+mn-lt"/>
+              <a:ea typeface="+mn-ea"/>
+              <a:cs typeface="+mn-cs"/>
+            </a:endParaRPr>
+          </a:p>
+        </p:txBody>
+      </p:sp>
     </p:spTree>
   </p:cSld>
   <p:clrMapOvr>
@@ -32516,34 +32941,17 @@
             <p:ph type="title"/>
           </p:nvPr>
         </p:nvSpPr>
-        <p:spPr>
-          <a:xfrm>
-            <a:off x="-76200" y="274638"/>
-            <a:ext cx="8382000" cy="1143000"/>
-          </a:xfrm>
-        </p:spPr>
+        <p:spPr/>
         <p:txBody>
           <a:bodyPr>
-            <a:normAutofit fontScale="90000"/>
+            <a:normAutofit/>
           </a:bodyPr>
           <a:lstStyle/>
           <a:p>
             <a:r>
-              <a:rPr lang="en-US" dirty="0" smtClean="0"/>
-              <a:t>Database</a:t>
-            </a:r>
-            <a:br>
-              <a:rPr lang="en-US" dirty="0" smtClean="0"/>
-            </a:br>
-            <a:r>
-              <a:rPr lang="en-US" dirty="0" smtClean="0"/>
-              <a:t>“</a:t>
-            </a:r>
-            <a:r>
               <a:rPr lang="en-US" altLang="zh-CN" dirty="0" smtClean="0"/>
-              <a:t>What Database does in the project”</a:t>
-            </a:r>
-            <a:endParaRPr lang="en-US" dirty="0"/>
+              <a:t>Database in the game</a:t>
+            </a:r>
           </a:p>
         </p:txBody>
       </p:sp>
@@ -32559,8 +32967,8 @@
         </p:nvSpPr>
         <p:spPr>
           <a:xfrm>
-            <a:off x="457200" y="1798637"/>
-            <a:ext cx="8229600" cy="4525963"/>
+            <a:off x="381000" y="1646237"/>
+            <a:ext cx="8610600" cy="792163"/>
           </a:xfrm>
         </p:spPr>
         <p:txBody>
@@ -32569,23 +32977,36 @@
           </a:bodyPr>
           <a:lstStyle/>
           <a:p>
-            <a:r>
-              <a:rPr lang="en-US" altLang="zh-CN" dirty="0" smtClean="0"/>
-              <a:t>The game database contains all of data records</a:t>
-            </a:r>
-          </a:p>
-          <a:p>
-            <a:r>
-              <a:rPr lang="en-US" altLang="zh-CN" dirty="0" smtClean="0"/>
-              <a:t>Tables collection of the names, parameters, status of all game units, and the game contents such as maps.</a:t>
-            </a:r>
-          </a:p>
-          <a:p>
-            <a:r>
-              <a:rPr lang="en-US" altLang="zh-CN" dirty="0" smtClean="0"/>
-              <a:t>The data is retrieved and overwritten for synchronous/ asynchronous backup.</a:t>
-            </a:r>
-            <a:endParaRPr lang="zh-CN" altLang="zh-CN" dirty="0" smtClean="0"/>
+            <a:pPr marL="438912" lvl="1" indent="-320040">
+              <a:spcBef>
+                <a:spcPts val="0"/>
+              </a:spcBef>
+              <a:buClr>
+                <a:schemeClr val="accent1"/>
+              </a:buClr>
+              <a:buSzPct val="80000"/>
+              <a:buFont typeface="Wingdings 2"/>
+              <a:buChar char=""/>
+            </a:pPr>
+            <a:r>
+              <a:rPr lang="en-US" altLang="zh-CN" sz="3200" dirty="0" smtClean="0"/>
+              <a:t>Storage </a:t>
+            </a:r>
+            <a:r>
+              <a:rPr lang="en-US" altLang="zh-CN" sz="3200" dirty="0" smtClean="0"/>
+              <a:t>and </a:t>
+            </a:r>
+            <a:r>
+              <a:rPr lang="en-US" altLang="zh-CN" sz="3200" dirty="0" smtClean="0"/>
+              <a:t>retrieval</a:t>
+            </a:r>
+            <a:endParaRPr lang="en-US" altLang="zh-CN" sz="3200" dirty="0" smtClean="0"/>
+          </a:p>
+          <a:p>
+            <a:pPr>
+              <a:buNone/>
+            </a:pPr>
+            <a:endParaRPr lang="en-US" altLang="zh-CN" dirty="0" smtClean="0"/>
           </a:p>
         </p:txBody>
       </p:sp>
@@ -32637,6 +33058,318 @@
           </a:prstGeom>
         </p:spPr>
       </p:pic>
+      <p:sp>
+        <p:nvSpPr>
+          <p:cNvPr id="15" name="Content Placeholder 2"/>
+          <p:cNvSpPr txBox="1">
+            <a:spLocks/>
+          </p:cNvSpPr>
+          <p:nvPr/>
+        </p:nvSpPr>
+        <p:spPr>
+          <a:xfrm>
+            <a:off x="2286000" y="4648200"/>
+            <a:ext cx="1524000" cy="457200"/>
+          </a:xfrm>
+          <a:prstGeom prst="rect">
+            <a:avLst/>
+          </a:prstGeom>
+        </p:spPr>
+        <p:txBody>
+          <a:bodyPr vert="horz" lIns="54864" tIns="91440" rtlCol="0">
+            <a:normAutofit fontScale="92500" lnSpcReduction="10000"/>
+          </a:bodyPr>
+          <a:lstStyle/>
+          <a:p>
+            <a:pPr marL="438912" marR="0" lvl="0" indent="-320040" algn="ctr" defTabSz="914400" rtl="0" eaLnBrk="1" fontAlgn="auto" latinLnBrk="0" hangingPunct="1">
+              <a:lnSpc>
+                <a:spcPct val="100000"/>
+              </a:lnSpc>
+              <a:spcBef>
+                <a:spcPts val="0"/>
+              </a:spcBef>
+              <a:spcAft>
+                <a:spcPts val="0"/>
+              </a:spcAft>
+              <a:buClr>
+                <a:schemeClr val="accent1"/>
+              </a:buClr>
+              <a:buSzPct val="80000"/>
+              <a:tabLst/>
+              <a:defRPr/>
+            </a:pPr>
+            <a:r>
+              <a:rPr lang="en-US" altLang="zh-CN" sz="2400" b="1" dirty="0" smtClean="0"/>
+              <a:t>Retrieval</a:t>
+            </a:r>
+            <a:endParaRPr kumimoji="0" lang="en-US" altLang="zh-CN" sz="2400" b="1" i="0" u="none" strike="noStrike" kern="1200" cap="none" spc="0" normalizeH="0" baseline="0" noProof="0" dirty="0" smtClean="0">
+              <a:ln>
+                <a:noFill/>
+              </a:ln>
+              <a:solidFill>
+                <a:schemeClr val="tx1"/>
+              </a:solidFill>
+              <a:effectLst/>
+              <a:uLnTx/>
+              <a:uFillTx/>
+              <a:latin typeface="+mn-lt"/>
+              <a:ea typeface="+mn-ea"/>
+              <a:cs typeface="+mn-cs"/>
+            </a:endParaRPr>
+          </a:p>
+        </p:txBody>
+      </p:sp>
+      <p:pic>
+        <p:nvPicPr>
+          <p:cNvPr id="16" name="Picture 15" descr="RecruitUnitsPage2.PNG"/>
+          <p:cNvPicPr>
+            <a:picLocks noChangeAspect="1"/>
+          </p:cNvPicPr>
+          <p:nvPr/>
+        </p:nvPicPr>
+        <p:blipFill>
+          <a:blip r:embed="rId3" cstate="print"/>
+          <a:stretch>
+            <a:fillRect/>
+          </a:stretch>
+        </p:blipFill>
+        <p:spPr>
+          <a:xfrm>
+            <a:off x="1219200" y="2514600"/>
+            <a:ext cx="2362200" cy="1832662"/>
+          </a:xfrm>
+          <a:prstGeom prst="rect">
+            <a:avLst/>
+          </a:prstGeom>
+        </p:spPr>
+      </p:pic>
+      <p:pic>
+        <p:nvPicPr>
+          <p:cNvPr id="17" name="Picture 16" descr="NewGameIntroPage.PNG"/>
+          <p:cNvPicPr>
+            <a:picLocks noChangeAspect="1"/>
+          </p:cNvPicPr>
+          <p:nvPr/>
+        </p:nvPicPr>
+        <p:blipFill>
+          <a:blip r:embed="rId4" cstate="print"/>
+          <a:stretch>
+            <a:fillRect/>
+          </a:stretch>
+        </p:blipFill>
+        <p:spPr>
+          <a:xfrm>
+            <a:off x="5867400" y="2514600"/>
+            <a:ext cx="2286000" cy="1773543"/>
+          </a:xfrm>
+          <a:prstGeom prst="rect">
+            <a:avLst/>
+          </a:prstGeom>
+        </p:spPr>
+      </p:pic>
+      <p:pic>
+        <p:nvPicPr>
+          <p:cNvPr id="18" name="Picture 3"/>
+          <p:cNvPicPr>
+            <a:picLocks noChangeAspect="1" noChangeArrowheads="1"/>
+          </p:cNvPicPr>
+          <p:nvPr/>
+        </p:nvPicPr>
+        <p:blipFill>
+          <a:blip r:embed="rId5" cstate="print"/>
+          <a:srcRect/>
+          <a:stretch>
+            <a:fillRect/>
+          </a:stretch>
+        </p:blipFill>
+        <p:spPr bwMode="auto">
+          <a:xfrm>
+            <a:off x="685800" y="5257800"/>
+            <a:ext cx="3672841" cy="1147763"/>
+          </a:xfrm>
+          <a:prstGeom prst="rect">
+            <a:avLst/>
+          </a:prstGeom>
+          <a:noFill/>
+          <a:ln w="9525">
+            <a:noFill/>
+            <a:miter lim="800000"/>
+            <a:headEnd/>
+            <a:tailEnd/>
+          </a:ln>
+        </p:spPr>
+      </p:pic>
+      <p:pic>
+        <p:nvPicPr>
+          <p:cNvPr id="3074" name="Picture 2"/>
+          <p:cNvPicPr>
+            <a:picLocks noChangeAspect="1" noChangeArrowheads="1"/>
+          </p:cNvPicPr>
+          <p:nvPr/>
+        </p:nvPicPr>
+        <p:blipFill>
+          <a:blip r:embed="rId6" cstate="print"/>
+          <a:srcRect/>
+          <a:stretch>
+            <a:fillRect/>
+          </a:stretch>
+        </p:blipFill>
+        <p:spPr bwMode="auto">
+          <a:xfrm>
+            <a:off x="6248400" y="4953000"/>
+            <a:ext cx="1905000" cy="1664874"/>
+          </a:xfrm>
+          <a:prstGeom prst="rect">
+            <a:avLst/>
+          </a:prstGeom>
+          <a:noFill/>
+          <a:ln w="9525">
+            <a:noFill/>
+            <a:miter lim="800000"/>
+            <a:headEnd/>
+            <a:tailEnd/>
+          </a:ln>
+        </p:spPr>
+      </p:pic>
+      <p:sp>
+        <p:nvSpPr>
+          <p:cNvPr id="20" name="Down Arrow 19"/>
+          <p:cNvSpPr/>
+          <p:nvPr/>
+        </p:nvSpPr>
+        <p:spPr>
+          <a:xfrm flipH="1">
+            <a:off x="6934200" y="4391890"/>
+            <a:ext cx="152400" cy="533400"/>
+          </a:xfrm>
+          <a:prstGeom prst="downArrow">
+            <a:avLst/>
+          </a:prstGeom>
+        </p:spPr>
+        <p:style>
+          <a:lnRef idx="2">
+            <a:schemeClr val="accent6"/>
+          </a:lnRef>
+          <a:fillRef idx="1">
+            <a:schemeClr val="lt1"/>
+          </a:fillRef>
+          <a:effectRef idx="0">
+            <a:schemeClr val="accent6"/>
+          </a:effectRef>
+          <a:fontRef idx="minor">
+            <a:schemeClr val="dk1"/>
+          </a:fontRef>
+        </p:style>
+        <p:txBody>
+          <a:bodyPr rtlCol="0" anchor="ctr"/>
+          <a:lstStyle/>
+          <a:p>
+            <a:pPr algn="ctr"/>
+            <a:endParaRPr lang="zh-CN" altLang="en-US"/>
+          </a:p>
+        </p:txBody>
+      </p:sp>
+      <p:sp>
+        <p:nvSpPr>
+          <p:cNvPr id="21" name="Up Arrow 20"/>
+          <p:cNvSpPr/>
+          <p:nvPr/>
+        </p:nvSpPr>
+        <p:spPr>
+          <a:xfrm>
+            <a:off x="2362200" y="4447310"/>
+            <a:ext cx="45719" cy="762000"/>
+          </a:xfrm>
+          <a:prstGeom prst="upArrow">
+            <a:avLst/>
+          </a:prstGeom>
+        </p:spPr>
+        <p:style>
+          <a:lnRef idx="2">
+            <a:schemeClr val="accent1">
+              <a:shade val="50000"/>
+            </a:schemeClr>
+          </a:lnRef>
+          <a:fillRef idx="1">
+            <a:schemeClr val="accent1"/>
+          </a:fillRef>
+          <a:effectRef idx="0">
+            <a:schemeClr val="accent1"/>
+          </a:effectRef>
+          <a:fontRef idx="minor">
+            <a:schemeClr val="lt1"/>
+          </a:fontRef>
+        </p:style>
+        <p:txBody>
+          <a:bodyPr rtlCol="0" anchor="ctr"/>
+          <a:lstStyle/>
+          <a:p>
+            <a:pPr algn="ctr"/>
+            <a:endParaRPr lang="zh-CN" altLang="en-US"/>
+          </a:p>
+        </p:txBody>
+      </p:sp>
+      <p:sp>
+        <p:nvSpPr>
+          <p:cNvPr id="22" name="Content Placeholder 2"/>
+          <p:cNvSpPr txBox="1">
+            <a:spLocks/>
+          </p:cNvSpPr>
+          <p:nvPr/>
+        </p:nvSpPr>
+        <p:spPr>
+          <a:xfrm>
+            <a:off x="5597235" y="4405745"/>
+            <a:ext cx="1524000" cy="457200"/>
+          </a:xfrm>
+          <a:prstGeom prst="rect">
+            <a:avLst/>
+          </a:prstGeom>
+        </p:spPr>
+        <p:txBody>
+          <a:bodyPr vert="horz" lIns="54864" tIns="91440" rtlCol="0">
+            <a:normAutofit fontScale="92500" lnSpcReduction="10000"/>
+          </a:bodyPr>
+          <a:lstStyle/>
+          <a:p>
+            <a:pPr marL="438912" marR="0" lvl="0" indent="-320040" algn="ctr" defTabSz="914400" rtl="0" eaLnBrk="1" fontAlgn="auto" latinLnBrk="0" hangingPunct="1">
+              <a:lnSpc>
+                <a:spcPct val="100000"/>
+              </a:lnSpc>
+              <a:spcBef>
+                <a:spcPts val="0"/>
+              </a:spcBef>
+              <a:spcAft>
+                <a:spcPts val="0"/>
+              </a:spcAft>
+              <a:buClr>
+                <a:schemeClr val="accent1"/>
+              </a:buClr>
+              <a:buSzPct val="80000"/>
+              <a:tabLst/>
+              <a:defRPr/>
+            </a:pPr>
+            <a:r>
+              <a:rPr lang="en-US" altLang="zh-CN" sz="2400" b="1" dirty="0" smtClean="0"/>
+              <a:t>Storage</a:t>
+            </a:r>
+            <a:endParaRPr kumimoji="0" lang="en-US" altLang="zh-CN" sz="2400" b="1" i="0" u="none" strike="noStrike" kern="1200" cap="none" spc="0" normalizeH="0" baseline="0" noProof="0" dirty="0" smtClean="0">
+              <a:ln>
+                <a:noFill/>
+              </a:ln>
+              <a:solidFill>
+                <a:schemeClr val="tx1"/>
+              </a:solidFill>
+              <a:effectLst/>
+              <a:uLnTx/>
+              <a:uFillTx/>
+              <a:latin typeface="+mn-lt"/>
+              <a:ea typeface="+mn-ea"/>
+              <a:cs typeface="+mn-cs"/>
+            </a:endParaRPr>
+          </a:p>
+        </p:txBody>
+      </p:sp>
     </p:spTree>
   </p:cSld>
   <p:clrMapOvr>
@@ -32681,32 +33414,141 @@
         </p:nvSpPr>
         <p:spPr>
           <a:xfrm>
-            <a:off x="228600" y="274638"/>
-            <a:ext cx="8382000" cy="1143000"/>
+            <a:off x="457200" y="274638"/>
+            <a:ext cx="7848600" cy="1143000"/>
           </a:xfrm>
         </p:spPr>
         <p:txBody>
           <a:bodyPr>
-            <a:normAutofit fontScale="90000"/>
+            <a:normAutofit/>
           </a:bodyPr>
           <a:lstStyle/>
           <a:p>
             <a:r>
-              <a:rPr lang="en-US" dirty="0" smtClean="0"/>
-              <a:t>Database</a:t>
-            </a:r>
-            <a:br>
-              <a:rPr lang="en-US" dirty="0" smtClean="0"/>
-            </a:br>
-            <a:r>
-              <a:rPr lang="en-US" dirty="0" smtClean="0"/>
-              <a:t>“</a:t>
-            </a:r>
-            <a:r>
               <a:rPr lang="en-US" altLang="zh-CN" dirty="0" smtClean="0"/>
-              <a:t>How Database works”</a:t>
-            </a:r>
-            <a:endParaRPr lang="en-US" dirty="0"/>
+              <a:t>Database Design</a:t>
+            </a:r>
+          </a:p>
+        </p:txBody>
+      </p:sp>
+      <p:sp>
+        <p:nvSpPr>
+          <p:cNvPr id="3" name="Content Placeholder 2"/>
+          <p:cNvSpPr>
+            <a:spLocks noGrp="1"/>
+          </p:cNvSpPr>
+          <p:nvPr>
+            <p:ph idx="1"/>
+          </p:nvPr>
+        </p:nvSpPr>
+        <p:spPr>
+          <a:xfrm>
+            <a:off x="457200" y="2057400"/>
+            <a:ext cx="8229600" cy="3763963"/>
+          </a:xfrm>
+        </p:spPr>
+        <p:txBody>
+          <a:bodyPr>
+            <a:normAutofit/>
+          </a:bodyPr>
+          <a:lstStyle/>
+          <a:p>
+            <a:pPr>
+              <a:buNone/>
+            </a:pPr>
+            <a:r>
+              <a:rPr lang="en-US" altLang="zh-CN" dirty="0" err="1" smtClean="0"/>
+              <a:t>SQLite</a:t>
+            </a:r>
+            <a:endParaRPr lang="en-US" altLang="zh-CN" dirty="0" smtClean="0"/>
+          </a:p>
+          <a:p>
+            <a:pPr>
+              <a:buNone/>
+            </a:pPr>
+            <a:endParaRPr lang="en-US" altLang="zh-CN" dirty="0" smtClean="0"/>
+          </a:p>
+          <a:p>
+            <a:pPr>
+              <a:buNone/>
+            </a:pPr>
+            <a:r>
+              <a:rPr lang="en-US" altLang="zh-CN" sz="2800" dirty="0" smtClean="0">
+                <a:hlinkClick r:id="rId2" action="ppaction://hlinkfile"/>
+              </a:rPr>
+              <a:t>Self-contained</a:t>
+            </a:r>
+            <a:endParaRPr lang="en-US" altLang="zh-CN" sz="2800" dirty="0" smtClean="0"/>
+          </a:p>
+          <a:p>
+            <a:pPr>
+              <a:buNone/>
+            </a:pPr>
+            <a:r>
+              <a:rPr lang="en-US" altLang="zh-CN" sz="2800" dirty="0" err="1" smtClean="0">
+                <a:hlinkClick r:id="rId3" action="ppaction://hlinkfile"/>
+              </a:rPr>
+              <a:t>S</a:t>
+            </a:r>
+            <a:r>
+              <a:rPr lang="en-US" altLang="zh-CN" sz="2800" dirty="0" err="1" smtClean="0">
+                <a:hlinkClick r:id="rId4" action="ppaction://hlinkfile"/>
+              </a:rPr>
+              <a:t>erverless</a:t>
+            </a:r>
+            <a:endParaRPr lang="en-US" altLang="zh-CN" sz="2800" dirty="0" smtClean="0"/>
+          </a:p>
+          <a:p>
+            <a:pPr>
+              <a:buNone/>
+            </a:pPr>
+            <a:r>
+              <a:rPr lang="en-US" altLang="zh-CN" sz="2800" dirty="0" smtClean="0">
+                <a:hlinkClick r:id="rId3" action="ppaction://hlinkfile"/>
+              </a:rPr>
+              <a:t>Zero-configuration</a:t>
+            </a:r>
+            <a:endParaRPr lang="en-US" altLang="zh-CN" sz="2800" dirty="0" smtClean="0"/>
+          </a:p>
+          <a:p>
+            <a:pPr>
+              <a:buNone/>
+            </a:pPr>
+            <a:r>
+              <a:rPr lang="en-US" altLang="zh-CN" sz="2800" dirty="0" smtClean="0">
+                <a:hlinkClick r:id="rId5" action="ppaction://hlinkfile"/>
+              </a:rPr>
+              <a:t>Transactional</a:t>
+            </a:r>
+            <a:endParaRPr lang="en-US" altLang="zh-CN" sz="2800" dirty="0" smtClean="0"/>
+          </a:p>
+          <a:p>
+            <a:pPr>
+              <a:buNone/>
+            </a:pPr>
+            <a:r>
+              <a:rPr lang="en-US" altLang="zh-CN" sz="2800" dirty="0" smtClean="0">
+                <a:hlinkClick r:id="rId6" action="ppaction://hlinkfile"/>
+              </a:rPr>
+              <a:t>Public </a:t>
+            </a:r>
+            <a:r>
+              <a:rPr lang="en-US" altLang="zh-CN" sz="2800" dirty="0" smtClean="0">
+                <a:hlinkClick r:id="rId6" action="ppaction://hlinkfile"/>
+              </a:rPr>
+              <a:t>domain</a:t>
+            </a:r>
+            <a:endParaRPr lang="en-US" altLang="zh-CN" sz="2800" dirty="0" smtClean="0"/>
+          </a:p>
+          <a:p>
+            <a:pPr>
+              <a:buNone/>
+            </a:pPr>
+            <a:r>
+              <a:rPr lang="en-US" altLang="zh-CN" dirty="0" smtClean="0"/>
+              <a:t> </a:t>
+            </a:r>
+            <a:endParaRPr lang="zh-CN" altLang="zh-CN" dirty="0" smtClean="0"/>
           </a:p>
         </p:txBody>
       </p:sp>
@@ -32743,7 +33585,7 @@
           <p:nvPr/>
         </p:nvPicPr>
         <p:blipFill>
-          <a:blip r:embed="rId2" cstate="print"/>
+          <a:blip r:embed="rId7" cstate="print"/>
           <a:stretch>
             <a:fillRect/>
           </a:stretch>
@@ -32760,14 +33602,14 @@
       </p:pic>
       <p:pic>
         <p:nvPicPr>
-          <p:cNvPr id="6" name="Picture 2"/>
+          <p:cNvPr id="6" name="Picture 2" descr="C:\Documents and Settings\Administrator\桌面\sqlite.gif"/>
           <p:cNvPicPr>
             <a:picLocks noChangeAspect="1" noChangeArrowheads="1"/>
           </p:cNvPicPr>
           <p:nvPr/>
         </p:nvPicPr>
         <p:blipFill>
-          <a:blip r:embed="rId3" cstate="print"/>
+          <a:blip r:embed="rId8" cstate="print"/>
           <a:srcRect/>
           <a:stretch>
             <a:fillRect/>
@@ -32775,19 +33617,13 @@
         </p:blipFill>
         <p:spPr bwMode="auto">
           <a:xfrm>
-            <a:off x="1143000" y="1730928"/>
-            <a:ext cx="6362700" cy="4669872"/>
+            <a:off x="4495800" y="3276600"/>
+            <a:ext cx="3581400" cy="1057633"/>
           </a:xfrm>
           <a:prstGeom prst="rect">
             <a:avLst/>
           </a:prstGeom>
           <a:noFill/>
-          <a:ln w="9525">
-            <a:noFill/>
-            <a:miter lim="800000"/>
-            <a:headEnd/>
-            <a:tailEnd/>
-          </a:ln>
         </p:spPr>
       </p:pic>
     </p:spTree>
@@ -32834,32 +33670,20 @@
         </p:nvSpPr>
         <p:spPr>
           <a:xfrm>
-            <a:off x="381000" y="274638"/>
-            <a:ext cx="8382000" cy="1143000"/>
+            <a:off x="457200" y="274638"/>
+            <a:ext cx="7848600" cy="1143000"/>
           </a:xfrm>
         </p:spPr>
         <p:txBody>
           <a:bodyPr>
-            <a:normAutofit fontScale="90000"/>
+            <a:normAutofit/>
           </a:bodyPr>
           <a:lstStyle/>
           <a:p>
             <a:r>
-              <a:rPr lang="en-US" dirty="0" smtClean="0"/>
-              <a:t>Database</a:t>
-            </a:r>
-            <a:br>
-              <a:rPr lang="en-US" dirty="0" smtClean="0"/>
-            </a:br>
-            <a:r>
-              <a:rPr lang="en-US" dirty="0" smtClean="0"/>
-              <a:t>“</a:t>
-            </a:r>
-            <a:r>
               <a:rPr lang="en-US" altLang="zh-CN" dirty="0" smtClean="0"/>
-              <a:t>How Database works”</a:t>
-            </a:r>
-            <a:endParaRPr lang="en-US" dirty="0"/>
+              <a:t>Database Design</a:t>
+            </a:r>
           </a:p>
         </p:txBody>
       </p:sp>
@@ -32875,8 +33699,8 @@
         </p:nvSpPr>
         <p:spPr>
           <a:xfrm>
-            <a:off x="457200" y="5105400"/>
-            <a:ext cx="8229600" cy="1371600"/>
+            <a:off x="457200" y="1798637"/>
+            <a:ext cx="8229600" cy="4525963"/>
           </a:xfrm>
         </p:spPr>
         <p:txBody>
@@ -32885,32 +33709,157 @@
           </a:bodyPr>
           <a:lstStyle/>
           <a:p>
-            <a:pPr algn="just">
+            <a:pPr>
               <a:buNone/>
             </a:pPr>
             <a:r>
-              <a:rPr lang="en-US" altLang="zh-CN" sz="2800" dirty="0" smtClean="0"/>
-              <a:t>The database module interacts with other modules, but does not affect them. It </a:t>
-            </a:r>
-            <a:r>
-              <a:rPr lang="en-US" altLang="zh-CN" sz="2800" b="1" i="1" u="sng" dirty="0" smtClean="0"/>
-              <a:t>shall</a:t>
-            </a:r>
-            <a:r>
-              <a:rPr lang="en-US" altLang="zh-CN" sz="2800" b="1" dirty="0" smtClean="0"/>
+              <a:rPr lang="en-US" altLang="zh-CN" dirty="0" smtClean="0"/>
+              <a:t>Qt classes</a:t>
+            </a:r>
+          </a:p>
+          <a:p>
+            <a:pPr>
+              <a:buNone/>
+            </a:pPr>
+            <a:endParaRPr lang="en-US" altLang="zh-CN" dirty="0" smtClean="0"/>
+          </a:p>
+          <a:p>
+            <a:pPr>
+              <a:buNone/>
+            </a:pPr>
+            <a:r>
+              <a:rPr lang="en-US" altLang="zh-CN" sz="2800" dirty="0" err="1" smtClean="0">
+                <a:hlinkClick r:id="rId2" action="ppaction://hlinkfile"/>
+              </a:rPr>
+              <a:t>QSqlDriver</a:t>
+            </a:r>
+            <a:r>
+              <a:rPr lang="en-US" altLang="zh-CN" sz="2800" dirty="0" smtClean="0">
+                <a:hlinkClick r:id="rId2" action="ppaction://hlinkfile"/>
+              </a:rPr>
               <a:t> </a:t>
             </a:r>
-            <a:r>
-              <a:rPr lang="en-US" altLang="zh-CN" sz="2800" dirty="0" smtClean="0"/>
-              <a:t>provide operation function by other modules. Such as: read(); write().</a:t>
-            </a:r>
-            <a:endParaRPr lang="zh-CN" altLang="zh-CN" sz="2800" dirty="0"/>
+            <a:endParaRPr lang="en-US" altLang="zh-CN" sz="2800" dirty="0" smtClean="0">
+              <a:hlinkClick r:id="rId2" action="ppaction://hlinkfile"/>
+            </a:endParaRPr>
+          </a:p>
+          <a:p>
+            <a:pPr>
+              <a:buNone/>
+            </a:pPr>
+            <a:r>
+              <a:rPr lang="en-US" altLang="zh-CN" sz="2800" dirty="0" err="1" smtClean="0">
+                <a:hlinkClick r:id="rId2" action="ppaction://hlinkfile"/>
+              </a:rPr>
+              <a:t>QSqlDatabase</a:t>
+            </a:r>
+            <a:endParaRPr lang="en-US" altLang="zh-CN" sz="2800" dirty="0" smtClean="0">
+              <a:hlinkClick r:id="rId2" action="ppaction://hlinkfile"/>
+            </a:endParaRPr>
+          </a:p>
+          <a:p>
+            <a:pPr>
+              <a:buNone/>
+            </a:pPr>
+            <a:r>
+              <a:rPr lang="en-US" altLang="zh-CN" sz="2800" dirty="0" err="1" smtClean="0">
+                <a:hlinkClick r:id="rId2" action="ppaction://hlinkfile"/>
+              </a:rPr>
+              <a:t>QSqlQuery</a:t>
+            </a:r>
+            <a:endParaRPr lang="en-US" altLang="zh-CN" sz="2800" dirty="0" smtClean="0">
+              <a:hlinkClick r:id="rId2" action="ppaction://hlinkfile"/>
+            </a:endParaRPr>
+          </a:p>
+          <a:p>
+            <a:pPr>
+              <a:buNone/>
+            </a:pPr>
+            <a:r>
+              <a:rPr lang="en-US" altLang="zh-CN" sz="2800" dirty="0" err="1" smtClean="0">
+                <a:hlinkClick r:id="rId2" action="ppaction://hlinkfile"/>
+              </a:rPr>
+              <a:t>QSqlTableModel</a:t>
+            </a:r>
+            <a:endParaRPr lang="en-US" altLang="zh-CN" sz="2800" dirty="0" smtClean="0">
+              <a:hlinkClick r:id="rId2" action="ppaction://hlinkfile"/>
+            </a:endParaRPr>
+          </a:p>
+          <a:p>
+            <a:pPr>
+              <a:buNone/>
+            </a:pPr>
+            <a:r>
+              <a:rPr lang="en-US" altLang="zh-CN" sz="2800" dirty="0" err="1" smtClean="0">
+                <a:hlinkClick r:id="rId2" action="ppaction://hlinkfile"/>
+              </a:rPr>
+              <a:t>QSqlRelationalTableModel</a:t>
+            </a:r>
+            <a:endParaRPr lang="en-US" altLang="zh-CN" sz="2800" dirty="0" smtClean="0">
+              <a:hlinkClick r:id="rId2" action="ppaction://hlinkfile"/>
+            </a:endParaRPr>
+          </a:p>
+          <a:p>
+            <a:pPr>
+              <a:buNone/>
+            </a:pPr>
+            <a:r>
+              <a:rPr lang="en-US" altLang="zh-CN" sz="2800" dirty="0" err="1" smtClean="0">
+                <a:hlinkClick r:id="rId2" action="ppaction://hlinkfile"/>
+              </a:rPr>
+              <a:t>QSqlRecord</a:t>
+            </a:r>
+            <a:endParaRPr lang="en-US" altLang="zh-CN" sz="2800" dirty="0" smtClean="0">
+              <a:hlinkClick r:id="rId2" action="ppaction://hlinkfile"/>
+            </a:endParaRPr>
+          </a:p>
+          <a:p>
+            <a:pPr>
+              <a:buNone/>
+            </a:pPr>
+            <a:r>
+              <a:rPr lang="en-US" altLang="zh-CN" sz="2800" dirty="0" err="1" smtClean="0">
+                <a:hlinkClick r:id="rId2" action="ppaction://hlinkfile"/>
+              </a:rPr>
+              <a:t>QSqlIndex</a:t>
+            </a:r>
+            <a:endParaRPr lang="en-US" altLang="zh-CN" sz="2800" dirty="0" smtClean="0">
+              <a:hlinkClick r:id="rId2" action="ppaction://hlinkfile"/>
+            </a:endParaRPr>
+          </a:p>
+          <a:p>
+            <a:pPr>
+              <a:buNone/>
+            </a:pPr>
+            <a:r>
+              <a:rPr lang="en-US" altLang="zh-CN" sz="2800" dirty="0" err="1" smtClean="0">
+                <a:hlinkClick r:id="rId2" action="ppaction://hlinkfile"/>
+              </a:rPr>
+              <a:t>QSqlField</a:t>
+            </a:r>
+            <a:endParaRPr lang="en-US" altLang="zh-CN" sz="2800" dirty="0" smtClean="0">
+              <a:hlinkClick r:id="rId2" action="ppaction://hlinkfile"/>
+            </a:endParaRPr>
+          </a:p>
+          <a:p>
+            <a:pPr>
+              <a:buNone/>
+            </a:pPr>
+            <a:r>
+              <a:rPr lang="en-US" altLang="zh-CN" sz="2800" dirty="0" err="1" smtClean="0">
+                <a:hlinkClick r:id="rId2" action="ppaction://hlinkfile"/>
+              </a:rPr>
+              <a:t>QSqlError</a:t>
+            </a:r>
+            <a:endParaRPr lang="zh-CN" altLang="zh-CN" sz="2800" dirty="0" smtClean="0">
+              <a:hlinkClick r:id="rId2" action="ppaction://hlinkfile"/>
+            </a:endParaRPr>
           </a:p>
         </p:txBody>
       </p:sp>
       <p:sp>
         <p:nvSpPr>
-          <p:cNvPr id="19" name="Slide Number Placeholder 18"/>
+          <p:cNvPr id="5" name="Slide Number Placeholder 4"/>
           <p:cNvSpPr>
             <a:spLocks noGrp="1"/>
           </p:cNvSpPr>
@@ -32941,7 +33890,7 @@
           <p:nvPr/>
         </p:nvPicPr>
         <p:blipFill>
-          <a:blip r:embed="rId2" cstate="print"/>
+          <a:blip r:embed="rId3" cstate="print"/>
           <a:stretch>
             <a:fillRect/>
           </a:stretch>
@@ -32956,553 +33905,34 @@
           </a:prstGeom>
         </p:spPr>
       </p:pic>
-      <p:grpSp>
-        <p:nvGrpSpPr>
-          <p:cNvPr id="5" name="Group 21"/>
-          <p:cNvGrpSpPr>
-            <a:grpSpLocks/>
-          </p:cNvGrpSpPr>
+      <p:pic>
+        <p:nvPicPr>
+          <p:cNvPr id="7" name="Picture 2" descr="Qt Creator Icon">
+            <a:hlinkClick r:id="rId4"/>
+          </p:cNvPr>
+          <p:cNvPicPr>
+            <a:picLocks noChangeAspect="1" noChangeArrowheads="1"/>
+          </p:cNvPicPr>
           <p:nvPr/>
-        </p:nvGrpSpPr>
-        <p:grpSpPr bwMode="auto">
+        </p:nvPicPr>
+        <p:blipFill>
+          <a:blip r:embed="rId5" cstate="print"/>
+          <a:srcRect/>
+          <a:stretch>
+            <a:fillRect/>
+          </a:stretch>
+        </p:blipFill>
+        <p:spPr bwMode="auto">
           <a:xfrm>
-            <a:off x="990600" y="1524000"/>
-            <a:ext cx="7086600" cy="3581400"/>
-            <a:chOff x="816" y="1104"/>
-            <a:chExt cx="4320" cy="2496"/>
+            <a:off x="6019800" y="3200400"/>
+            <a:ext cx="1600200" cy="1575198"/>
           </a:xfrm>
-        </p:grpSpPr>
-        <p:sp>
-          <p:nvSpPr>
-            <p:cNvPr id="6" name="Rectangle 4"/>
-            <p:cNvSpPr>
-              <a:spLocks noChangeArrowheads="1"/>
-            </p:cNvSpPr>
-            <p:nvPr/>
-          </p:nvSpPr>
-          <p:spPr bwMode="auto">
-            <a:xfrm>
-              <a:off x="816" y="1104"/>
-              <a:ext cx="1008" cy="624"/>
-            </a:xfrm>
-            <a:prstGeom prst="rect">
-              <a:avLst/>
-            </a:prstGeom>
-            <a:solidFill>
-              <a:schemeClr val="bg1"/>
-            </a:solidFill>
-            <a:ln w="9525">
-              <a:solidFill>
-                <a:schemeClr val="tx1"/>
-              </a:solidFill>
-              <a:miter lim="800000"/>
-              <a:headEnd/>
-              <a:tailEnd/>
-            </a:ln>
-          </p:spPr>
-          <p:txBody>
-            <a:bodyPr wrap="none" anchor="ctr"/>
-            <a:lstStyle/>
-            <a:p>
-              <a:endParaRPr lang="zh-CN" altLang="en-US"/>
-            </a:p>
-          </p:txBody>
-        </p:sp>
-        <p:sp>
-          <p:nvSpPr>
-            <p:cNvPr id="7" name="Rectangle 5"/>
-            <p:cNvSpPr>
-              <a:spLocks noChangeArrowheads="1"/>
-            </p:cNvSpPr>
-            <p:nvPr/>
-          </p:nvSpPr>
-          <p:spPr bwMode="auto">
-            <a:xfrm>
-              <a:off x="2448" y="2976"/>
-              <a:ext cx="1008" cy="624"/>
-            </a:xfrm>
-            <a:prstGeom prst="rect">
-              <a:avLst/>
-            </a:prstGeom>
-            <a:solidFill>
-              <a:schemeClr val="accent1"/>
-            </a:solidFill>
-            <a:ln w="9525">
-              <a:solidFill>
-                <a:schemeClr val="tx1"/>
-              </a:solidFill>
-              <a:miter lim="800000"/>
-              <a:headEnd/>
-              <a:tailEnd/>
-            </a:ln>
-          </p:spPr>
-          <p:txBody>
-            <a:bodyPr wrap="none" anchor="ctr"/>
-            <a:lstStyle/>
-            <a:p>
-              <a:endParaRPr lang="zh-CN" altLang="en-US"/>
-            </a:p>
-          </p:txBody>
-        </p:sp>
-        <p:sp>
-          <p:nvSpPr>
-            <p:cNvPr id="8" name="Rectangle 8"/>
-            <p:cNvSpPr>
-              <a:spLocks noChangeArrowheads="1"/>
-            </p:cNvSpPr>
-            <p:nvPr/>
-          </p:nvSpPr>
-          <p:spPr bwMode="auto">
-            <a:xfrm>
-              <a:off x="4128" y="1104"/>
-              <a:ext cx="1008" cy="624"/>
-            </a:xfrm>
-            <a:prstGeom prst="rect">
-              <a:avLst/>
-            </a:prstGeom>
-            <a:solidFill>
-              <a:schemeClr val="bg1"/>
-            </a:solidFill>
-            <a:ln w="9525">
-              <a:solidFill>
-                <a:schemeClr val="tx1"/>
-              </a:solidFill>
-              <a:miter lim="800000"/>
-              <a:headEnd/>
-              <a:tailEnd/>
-            </a:ln>
-          </p:spPr>
-          <p:txBody>
-            <a:bodyPr wrap="none" anchor="ctr"/>
-            <a:lstStyle/>
-            <a:p>
-              <a:endParaRPr lang="zh-CN" altLang="en-US"/>
-            </a:p>
-          </p:txBody>
-        </p:sp>
-        <p:sp>
-          <p:nvSpPr>
-            <p:cNvPr id="9" name="Rectangle 9"/>
-            <p:cNvSpPr>
-              <a:spLocks noChangeArrowheads="1"/>
-            </p:cNvSpPr>
-            <p:nvPr/>
-          </p:nvSpPr>
-          <p:spPr bwMode="auto">
-            <a:xfrm>
-              <a:off x="2448" y="1104"/>
-              <a:ext cx="1008" cy="624"/>
-            </a:xfrm>
-            <a:prstGeom prst="rect">
-              <a:avLst/>
-            </a:prstGeom>
-            <a:solidFill>
-              <a:schemeClr val="bg1"/>
-            </a:solidFill>
-            <a:ln w="9525">
-              <a:solidFill>
-                <a:schemeClr val="tx1"/>
-              </a:solidFill>
-              <a:miter lim="800000"/>
-              <a:headEnd/>
-              <a:tailEnd/>
-            </a:ln>
-          </p:spPr>
-          <p:txBody>
-            <a:bodyPr wrap="none" anchor="ctr"/>
-            <a:lstStyle/>
-            <a:p>
-              <a:endParaRPr lang="zh-CN" altLang="en-US"/>
-            </a:p>
-          </p:txBody>
-        </p:sp>
-        <p:sp>
-          <p:nvSpPr>
-            <p:cNvPr id="10" name="Line 10"/>
-            <p:cNvSpPr>
-              <a:spLocks noChangeShapeType="1"/>
-            </p:cNvSpPr>
-            <p:nvPr/>
-          </p:nvSpPr>
-          <p:spPr bwMode="auto">
-            <a:xfrm flipV="1">
-              <a:off x="2928" y="1728"/>
-              <a:ext cx="0" cy="1248"/>
-            </a:xfrm>
-            <a:prstGeom prst="line">
-              <a:avLst/>
-            </a:prstGeom>
-            <a:noFill/>
-            <a:ln w="63500" cmpd="dbl">
-              <a:solidFill>
-                <a:schemeClr val="tx1"/>
-              </a:solidFill>
-              <a:round/>
-              <a:headEnd type="triangle" w="med" len="med"/>
-              <a:tailEnd type="triangle" w="med" len="med"/>
-            </a:ln>
-          </p:spPr>
-          <p:txBody>
-            <a:bodyPr/>
-            <a:lstStyle/>
-            <a:p>
-              <a:endParaRPr lang="zh-CN" altLang="en-US"/>
-            </a:p>
-          </p:txBody>
-        </p:sp>
-        <p:sp>
-          <p:nvSpPr>
-            <p:cNvPr id="11" name="Line 11"/>
-            <p:cNvSpPr>
-              <a:spLocks noChangeShapeType="1"/>
-            </p:cNvSpPr>
-            <p:nvPr/>
-          </p:nvSpPr>
-          <p:spPr bwMode="auto">
-            <a:xfrm flipV="1">
-              <a:off x="1296" y="1728"/>
-              <a:ext cx="0" cy="1584"/>
-            </a:xfrm>
-            <a:prstGeom prst="line">
-              <a:avLst/>
-            </a:prstGeom>
-            <a:noFill/>
-            <a:ln w="63500" cmpd="dbl">
-              <a:solidFill>
-                <a:schemeClr val="tx1"/>
-              </a:solidFill>
-              <a:prstDash val="dash"/>
-              <a:round/>
-              <a:headEnd/>
-              <a:tailEnd type="triangle" w="med" len="med"/>
-            </a:ln>
-          </p:spPr>
-          <p:txBody>
-            <a:bodyPr/>
-            <a:lstStyle/>
-            <a:p>
-              <a:endParaRPr lang="zh-CN" altLang="en-US"/>
-            </a:p>
-          </p:txBody>
-        </p:sp>
-        <p:sp>
-          <p:nvSpPr>
-            <p:cNvPr id="12" name="Line 12"/>
-            <p:cNvSpPr>
-              <a:spLocks noChangeShapeType="1"/>
-            </p:cNvSpPr>
-            <p:nvPr/>
-          </p:nvSpPr>
-          <p:spPr bwMode="auto">
-            <a:xfrm flipV="1">
-              <a:off x="4656" y="1728"/>
-              <a:ext cx="0" cy="1584"/>
-            </a:xfrm>
-            <a:prstGeom prst="line">
-              <a:avLst/>
-            </a:prstGeom>
-            <a:noFill/>
-            <a:ln w="63500" cmpd="dbl">
-              <a:solidFill>
-                <a:schemeClr val="tx1"/>
-              </a:solidFill>
-              <a:round/>
-              <a:headEnd/>
-              <a:tailEnd type="triangle" w="med" len="med"/>
-            </a:ln>
-          </p:spPr>
-          <p:txBody>
-            <a:bodyPr/>
-            <a:lstStyle/>
-            <a:p>
-              <a:endParaRPr lang="zh-CN" altLang="en-US"/>
-            </a:p>
-          </p:txBody>
-        </p:sp>
-        <p:sp>
-          <p:nvSpPr>
-            <p:cNvPr id="13" name="Line 14"/>
-            <p:cNvSpPr>
-              <a:spLocks noChangeShapeType="1"/>
-            </p:cNvSpPr>
-            <p:nvPr/>
-          </p:nvSpPr>
-          <p:spPr bwMode="auto">
-            <a:xfrm>
-              <a:off x="1296" y="3312"/>
-              <a:ext cx="1152" cy="0"/>
-            </a:xfrm>
-            <a:prstGeom prst="line">
-              <a:avLst/>
-            </a:prstGeom>
-            <a:noFill/>
-            <a:ln w="63500" cmpd="dbl">
-              <a:solidFill>
-                <a:schemeClr val="tx1"/>
-              </a:solidFill>
-              <a:prstDash val="dash"/>
-              <a:round/>
-              <a:headEnd/>
-              <a:tailEnd type="triangle" w="med" len="med"/>
-            </a:ln>
-          </p:spPr>
-          <p:txBody>
-            <a:bodyPr/>
-            <a:lstStyle/>
-            <a:p>
-              <a:endParaRPr lang="zh-CN" altLang="en-US"/>
-            </a:p>
-          </p:txBody>
-        </p:sp>
-        <p:sp>
-          <p:nvSpPr>
-            <p:cNvPr id="14" name="Line 15"/>
-            <p:cNvSpPr>
-              <a:spLocks noChangeShapeType="1"/>
-            </p:cNvSpPr>
-            <p:nvPr/>
-          </p:nvSpPr>
-          <p:spPr bwMode="auto">
-            <a:xfrm flipH="1">
-              <a:off x="3456" y="3312"/>
-              <a:ext cx="1200" cy="0"/>
-            </a:xfrm>
-            <a:prstGeom prst="line">
-              <a:avLst/>
-            </a:prstGeom>
-            <a:noFill/>
-            <a:ln w="63500" cmpd="dbl">
-              <a:solidFill>
-                <a:schemeClr val="tx1"/>
-              </a:solidFill>
-              <a:round/>
-              <a:headEnd/>
-              <a:tailEnd type="triangle" w="med" len="med"/>
-            </a:ln>
-          </p:spPr>
-          <p:txBody>
-            <a:bodyPr/>
-            <a:lstStyle/>
-            <a:p>
-              <a:endParaRPr lang="zh-CN" altLang="en-US"/>
-            </a:p>
-          </p:txBody>
-        </p:sp>
-        <p:sp>
-          <p:nvSpPr>
-            <p:cNvPr id="15" name="Text Box 16"/>
-            <p:cNvSpPr txBox="1">
-              <a:spLocks noChangeArrowheads="1"/>
-            </p:cNvSpPr>
-            <p:nvPr/>
-          </p:nvSpPr>
-          <p:spPr bwMode="auto">
-            <a:xfrm>
-              <a:off x="2544" y="3120"/>
-              <a:ext cx="1008" cy="288"/>
-            </a:xfrm>
-            <a:prstGeom prst="rect">
-              <a:avLst/>
-            </a:prstGeom>
-            <a:noFill/>
-            <a:ln w="9525">
-              <a:noFill/>
-              <a:miter lim="800000"/>
-              <a:headEnd/>
-              <a:tailEnd/>
-            </a:ln>
-          </p:spPr>
-          <p:txBody>
-            <a:bodyPr>
-              <a:spAutoFit/>
-            </a:bodyPr>
-            <a:lstStyle/>
-            <a:p>
-              <a:pPr>
-                <a:spcBef>
-                  <a:spcPct val="50000"/>
-                </a:spcBef>
-              </a:pPr>
-              <a:r>
-                <a:rPr lang="en-US" altLang="zh-CN" sz="2400" b="1" dirty="0">
-                  <a:latin typeface="Times New Roman" pitchFamily="18" charset="0"/>
-                </a:rPr>
-                <a:t>Database</a:t>
-              </a:r>
-            </a:p>
-          </p:txBody>
-        </p:sp>
-        <p:sp>
-          <p:nvSpPr>
-            <p:cNvPr id="16" name="Text Box 17"/>
-            <p:cNvSpPr txBox="1">
-              <a:spLocks noChangeArrowheads="1"/>
-            </p:cNvSpPr>
-            <p:nvPr/>
-          </p:nvSpPr>
-          <p:spPr bwMode="auto">
-            <a:xfrm>
-              <a:off x="912" y="1248"/>
-              <a:ext cx="1008" cy="288"/>
-            </a:xfrm>
-            <a:prstGeom prst="rect">
-              <a:avLst/>
-            </a:prstGeom>
-            <a:noFill/>
-            <a:ln w="9525">
-              <a:noFill/>
-              <a:miter lim="800000"/>
-              <a:headEnd/>
-              <a:tailEnd/>
-            </a:ln>
-          </p:spPr>
-          <p:txBody>
-            <a:bodyPr>
-              <a:spAutoFit/>
-            </a:bodyPr>
-            <a:lstStyle/>
-            <a:p>
-              <a:pPr>
-                <a:spcBef>
-                  <a:spcPct val="50000"/>
-                </a:spcBef>
-              </a:pPr>
-              <a:r>
-                <a:rPr lang="en-US" altLang="zh-CN" sz="2400" b="1" dirty="0">
-                  <a:latin typeface="Times New Roman" pitchFamily="18" charset="0"/>
-                </a:rPr>
-                <a:t>OpenGL</a:t>
-              </a:r>
-            </a:p>
-          </p:txBody>
-        </p:sp>
-        <p:sp>
-          <p:nvSpPr>
-            <p:cNvPr id="17" name="Text Box 18"/>
-            <p:cNvSpPr txBox="1">
-              <a:spLocks noChangeArrowheads="1"/>
-            </p:cNvSpPr>
-            <p:nvPr/>
-          </p:nvSpPr>
-          <p:spPr bwMode="auto">
-            <a:xfrm>
-              <a:off x="2448" y="1200"/>
-              <a:ext cx="1008" cy="403"/>
-            </a:xfrm>
-            <a:prstGeom prst="rect">
-              <a:avLst/>
-            </a:prstGeom>
-            <a:noFill/>
-            <a:ln w="9525">
-              <a:noFill/>
-              <a:miter lim="800000"/>
-              <a:headEnd/>
-              <a:tailEnd/>
-            </a:ln>
-          </p:spPr>
-          <p:txBody>
-            <a:bodyPr>
-              <a:spAutoFit/>
-            </a:bodyPr>
-            <a:lstStyle/>
-            <a:p>
-              <a:pPr algn="ctr">
-                <a:lnSpc>
-                  <a:spcPct val="50000"/>
-                </a:lnSpc>
-                <a:spcBef>
-                  <a:spcPct val="50000"/>
-                </a:spcBef>
-              </a:pPr>
-              <a:r>
-                <a:rPr lang="en-US" altLang="zh-CN" sz="2400" b="1" dirty="0">
-                  <a:latin typeface="Times New Roman" pitchFamily="18" charset="0"/>
-                </a:rPr>
-                <a:t>User</a:t>
-              </a:r>
-            </a:p>
-            <a:p>
-              <a:pPr algn="ctr">
-                <a:lnSpc>
-                  <a:spcPct val="50000"/>
-                </a:lnSpc>
-                <a:spcBef>
-                  <a:spcPct val="50000"/>
-                </a:spcBef>
-              </a:pPr>
-              <a:r>
-                <a:rPr lang="en-US" altLang="zh-CN" sz="2400" b="1" dirty="0">
-                  <a:latin typeface="Times New Roman" pitchFamily="18" charset="0"/>
-                </a:rPr>
-                <a:t>Interface</a:t>
-              </a:r>
-            </a:p>
-          </p:txBody>
-        </p:sp>
-        <p:sp>
-          <p:nvSpPr>
-            <p:cNvPr id="18" name="Text Box 19"/>
-            <p:cNvSpPr txBox="1">
-              <a:spLocks noChangeArrowheads="1"/>
-            </p:cNvSpPr>
-            <p:nvPr/>
-          </p:nvSpPr>
-          <p:spPr bwMode="auto">
-            <a:xfrm>
-              <a:off x="4128" y="1200"/>
-              <a:ext cx="1008" cy="403"/>
-            </a:xfrm>
-            <a:prstGeom prst="rect">
-              <a:avLst/>
-            </a:prstGeom>
-            <a:noFill/>
-            <a:ln w="9525">
-              <a:noFill/>
-              <a:miter lim="800000"/>
-              <a:headEnd/>
-              <a:tailEnd/>
-            </a:ln>
-          </p:spPr>
-          <p:txBody>
-            <a:bodyPr>
-              <a:spAutoFit/>
-            </a:bodyPr>
-            <a:lstStyle/>
-            <a:p>
-              <a:pPr algn="ctr">
-                <a:lnSpc>
-                  <a:spcPct val="50000"/>
-                </a:lnSpc>
-                <a:spcBef>
-                  <a:spcPct val="50000"/>
-                </a:spcBef>
-              </a:pPr>
-              <a:r>
-                <a:rPr lang="en-US" altLang="zh-CN" sz="2400" b="1" dirty="0">
-                  <a:latin typeface="Times New Roman" pitchFamily="18" charset="0"/>
-                </a:rPr>
-                <a:t>Game</a:t>
-              </a:r>
-            </a:p>
-            <a:p>
-              <a:pPr algn="ctr">
-                <a:lnSpc>
-                  <a:spcPct val="50000"/>
-                </a:lnSpc>
-                <a:spcBef>
-                  <a:spcPct val="50000"/>
-                </a:spcBef>
-              </a:pPr>
-              <a:r>
-                <a:rPr lang="en-US" altLang="zh-CN" sz="2400" b="1" dirty="0">
-                  <a:latin typeface="Times New Roman" pitchFamily="18" charset="0"/>
-                </a:rPr>
-                <a:t>Mechanics</a:t>
-              </a:r>
-            </a:p>
-          </p:txBody>
-        </p:sp>
-      </p:grpSp>
+          <a:prstGeom prst="rect">
+            <a:avLst/>
+          </a:prstGeom>
+          <a:noFill/>
+        </p:spPr>
+      </p:pic>
     </p:spTree>
   </p:cSld>
   <p:clrMapOvr>
@@ -33754,28 +34184,25 @@
         </p:nvSpPr>
         <p:spPr>
           <a:xfrm>
-            <a:off x="457200" y="381000"/>
-            <a:ext cx="7391400" cy="1143000"/>
+            <a:off x="457200" y="274638"/>
+            <a:ext cx="7848600" cy="1143000"/>
           </a:xfrm>
         </p:spPr>
         <p:txBody>
           <a:bodyPr>
-            <a:normAutofit fontScale="90000"/>
+            <a:normAutofit/>
           </a:bodyPr>
           <a:lstStyle/>
           <a:p>
             <a:r>
-              <a:rPr lang="en-US" dirty="0" smtClean="0"/>
-              <a:t>Database</a:t>
-            </a:r>
-            <a:br>
-              <a:rPr lang="en-US" dirty="0" smtClean="0"/>
-            </a:br>
-            <a:r>
-              <a:rPr lang="en-US" dirty="0" smtClean="0"/>
-              <a:t>“Conclusion”</a:t>
-            </a:r>
-            <a:endParaRPr lang="en-US" dirty="0"/>
+              <a:rPr lang="en-US" altLang="zh-CN" dirty="0" smtClean="0"/>
+              <a:t>Database </a:t>
+            </a:r>
+            <a:r>
+              <a:rPr lang="en-US" altLang="zh-CN" dirty="0" smtClean="0"/>
+              <a:t>Classes</a:t>
+            </a:r>
+            <a:endParaRPr lang="en-US" altLang="zh-CN" dirty="0" smtClean="0"/>
           </a:p>
         </p:txBody>
       </p:sp>
@@ -33791,30 +34218,37 @@
         </p:nvSpPr>
         <p:spPr>
           <a:xfrm>
-            <a:off x="609600" y="2362200"/>
-            <a:ext cx="8229600" cy="3657600"/>
+            <a:off x="381000" y="1364670"/>
+            <a:ext cx="8229600" cy="4525963"/>
           </a:xfrm>
         </p:spPr>
         <p:txBody>
-          <a:bodyPr/>
+          <a:bodyPr>
+            <a:normAutofit/>
+          </a:bodyPr>
           <a:lstStyle/>
           <a:p>
             <a:r>
               <a:rPr lang="en-US" altLang="zh-CN" dirty="0" smtClean="0"/>
-              <a:t>Database functions like a background support to other modules.</a:t>
-            </a:r>
-          </a:p>
-          <a:p>
+              <a:t>Database</a:t>
+            </a:r>
+            <a:endParaRPr lang="en-US" altLang="zh-CN" dirty="0" smtClean="0"/>
+          </a:p>
+          <a:p>
+            <a:pPr>
+              <a:buNone/>
+            </a:pPr>
+            <a:endParaRPr lang="en-US" altLang="zh-CN" dirty="0" smtClean="0"/>
+          </a:p>
+          <a:p>
+            <a:pPr>
+              <a:buNone/>
+            </a:pPr>
             <a:r>
               <a:rPr lang="en-US" altLang="zh-CN" dirty="0" smtClean="0"/>
-              <a:t>Database provides good organization of the game data.</a:t>
-            </a:r>
-          </a:p>
-          <a:p>
-            <a:r>
-              <a:rPr lang="en-US" altLang="zh-CN" dirty="0" smtClean="0"/>
-              <a:t>Database is useful for Storage and Retrieval of map and unit Data.</a:t>
-            </a:r>
+              <a:t> </a:t>
+            </a:r>
+            <a:endParaRPr lang="zh-CN" altLang="zh-CN" dirty="0" smtClean="0"/>
           </a:p>
         </p:txBody>
       </p:sp>
@@ -33864,6 +34298,38 @@
           <a:prstGeom prst="rect">
             <a:avLst/>
           </a:prstGeom>
+        </p:spPr>
+      </p:pic>
+      <p:pic>
+        <p:nvPicPr>
+          <p:cNvPr id="4099" name="Picture 3"/>
+          <p:cNvPicPr>
+            <a:picLocks noChangeAspect="1" noChangeArrowheads="1"/>
+          </p:cNvPicPr>
+          <p:nvPr/>
+        </p:nvPicPr>
+        <p:blipFill>
+          <a:blip r:embed="rId3" cstate="print"/>
+          <a:srcRect/>
+          <a:stretch>
+            <a:fillRect/>
+          </a:stretch>
+        </p:blipFill>
+        <p:spPr bwMode="auto">
+          <a:xfrm>
+            <a:off x="666750" y="1981200"/>
+            <a:ext cx="7867650" cy="4709886"/>
+          </a:xfrm>
+          <a:prstGeom prst="rect">
+            <a:avLst/>
+          </a:prstGeom>
+          <a:noFill/>
+          <a:ln w="9525">
+            <a:noFill/>
+            <a:miter lim="800000"/>
+            <a:headEnd/>
+            <a:tailEnd/>
+          </a:ln>
         </p:spPr>
       </p:pic>
     </p:spTree>
@@ -33908,6 +34374,984 @@
             <p:ph type="title"/>
           </p:nvPr>
         </p:nvSpPr>
+        <p:spPr>
+          <a:xfrm>
+            <a:off x="457200" y="274638"/>
+            <a:ext cx="7848600" cy="1143000"/>
+          </a:xfrm>
+        </p:spPr>
+        <p:txBody>
+          <a:bodyPr>
+            <a:normAutofit/>
+          </a:bodyPr>
+          <a:lstStyle/>
+          <a:p>
+            <a:r>
+              <a:rPr lang="en-US" altLang="zh-CN" dirty="0" smtClean="0"/>
+              <a:t>Database </a:t>
+            </a:r>
+            <a:r>
+              <a:rPr lang="en-US" altLang="zh-CN" dirty="0" smtClean="0"/>
+              <a:t>Classes</a:t>
+            </a:r>
+            <a:endParaRPr lang="en-US" altLang="zh-CN" dirty="0" smtClean="0"/>
+          </a:p>
+        </p:txBody>
+      </p:sp>
+      <p:sp>
+        <p:nvSpPr>
+          <p:cNvPr id="3" name="Content Placeholder 2"/>
+          <p:cNvSpPr>
+            <a:spLocks noGrp="1"/>
+          </p:cNvSpPr>
+          <p:nvPr>
+            <p:ph idx="1"/>
+          </p:nvPr>
+        </p:nvSpPr>
+        <p:spPr>
+          <a:xfrm>
+            <a:off x="457200" y="1371600"/>
+            <a:ext cx="8229600" cy="4525963"/>
+          </a:xfrm>
+        </p:spPr>
+        <p:txBody>
+          <a:bodyPr>
+            <a:normAutofit/>
+          </a:bodyPr>
+          <a:lstStyle/>
+          <a:p>
+            <a:r>
+              <a:rPr lang="en-US" altLang="zh-CN" dirty="0" smtClean="0"/>
+              <a:t>Test window</a:t>
+            </a:r>
+          </a:p>
+          <a:p>
+            <a:pPr>
+              <a:buNone/>
+            </a:pPr>
+            <a:endParaRPr lang="en-US" altLang="zh-CN" dirty="0" smtClean="0"/>
+          </a:p>
+          <a:p>
+            <a:pPr>
+              <a:buNone/>
+            </a:pPr>
+            <a:r>
+              <a:rPr lang="en-US" altLang="zh-CN" dirty="0" smtClean="0"/>
+              <a:t> </a:t>
+            </a:r>
+            <a:endParaRPr lang="zh-CN" altLang="zh-CN" dirty="0" smtClean="0"/>
+          </a:p>
+        </p:txBody>
+      </p:sp>
+      <p:sp>
+        <p:nvSpPr>
+          <p:cNvPr id="5" name="Slide Number Placeholder 4"/>
+          <p:cNvSpPr>
+            <a:spLocks noGrp="1"/>
+          </p:cNvSpPr>
+          <p:nvPr>
+            <p:ph type="sldNum" sz="quarter" idx="12"/>
+          </p:nvPr>
+        </p:nvSpPr>
+        <p:spPr/>
+        <p:txBody>
+          <a:bodyPr/>
+          <a:lstStyle/>
+          <a:p>
+            <a:fld id="{B6F15528-21DE-4FAA-801E-634DDDAF4B2B}" type="slidenum">
+              <a:rPr lang="en-US" smtClean="0"/>
+              <a:pPr/>
+              <a:t>51</a:t>
+            </a:fld>
+            <a:endParaRPr lang="en-US" dirty="0"/>
+          </a:p>
+        </p:txBody>
+      </p:sp>
+      <p:pic>
+        <p:nvPicPr>
+          <p:cNvPr id="4" name="Picture 3" descr="logo.jpg"/>
+          <p:cNvPicPr>
+            <a:picLocks noChangeAspect="1"/>
+          </p:cNvPicPr>
+          <p:nvPr/>
+        </p:nvPicPr>
+        <p:blipFill>
+          <a:blip r:embed="rId2" cstate="print"/>
+          <a:stretch>
+            <a:fillRect/>
+          </a:stretch>
+        </p:blipFill>
+        <p:spPr>
+          <a:xfrm>
+            <a:off x="7956253" y="0"/>
+            <a:ext cx="1187747" cy="1328738"/>
+          </a:xfrm>
+          <a:prstGeom prst="rect">
+            <a:avLst/>
+          </a:prstGeom>
+        </p:spPr>
+      </p:pic>
+      <p:pic>
+        <p:nvPicPr>
+          <p:cNvPr id="5122" name="Picture 2"/>
+          <p:cNvPicPr>
+            <a:picLocks noChangeAspect="1" noChangeArrowheads="1"/>
+          </p:cNvPicPr>
+          <p:nvPr/>
+        </p:nvPicPr>
+        <p:blipFill>
+          <a:blip r:embed="rId3" cstate="print"/>
+          <a:srcRect/>
+          <a:stretch>
+            <a:fillRect/>
+          </a:stretch>
+        </p:blipFill>
+        <p:spPr bwMode="auto">
+          <a:xfrm>
+            <a:off x="1371600" y="4191000"/>
+            <a:ext cx="6553200" cy="2452804"/>
+          </a:xfrm>
+          <a:prstGeom prst="rect">
+            <a:avLst/>
+          </a:prstGeom>
+          <a:noFill/>
+          <a:ln w="9525">
+            <a:noFill/>
+            <a:miter lim="800000"/>
+            <a:headEnd/>
+            <a:tailEnd/>
+          </a:ln>
+        </p:spPr>
+      </p:pic>
+      <p:sp>
+        <p:nvSpPr>
+          <p:cNvPr id="7" name="Rectangle 6"/>
+          <p:cNvSpPr/>
+          <p:nvPr/>
+        </p:nvSpPr>
+        <p:spPr>
+          <a:xfrm>
+            <a:off x="914400" y="1905000"/>
+            <a:ext cx="4572000" cy="2308324"/>
+          </a:xfrm>
+          <a:prstGeom prst="rect">
+            <a:avLst/>
+          </a:prstGeom>
+        </p:spPr>
+        <p:txBody>
+          <a:bodyPr>
+            <a:spAutoFit/>
+          </a:bodyPr>
+          <a:lstStyle/>
+          <a:p>
+            <a:r>
+              <a:rPr lang="en-US" altLang="zh-CN" dirty="0" err="1" smtClean="0"/>
+              <a:t>int</a:t>
+            </a:r>
+            <a:r>
+              <a:rPr lang="en-US" altLang="zh-CN" dirty="0" smtClean="0"/>
+              <a:t> main(</a:t>
+            </a:r>
+            <a:r>
+              <a:rPr lang="en-US" altLang="zh-CN" dirty="0" err="1" smtClean="0"/>
+              <a:t>int</a:t>
+            </a:r>
+            <a:r>
+              <a:rPr lang="en-US" altLang="zh-CN" dirty="0" smtClean="0"/>
+              <a:t> </a:t>
+            </a:r>
+            <a:r>
+              <a:rPr lang="en-US" altLang="zh-CN" dirty="0" err="1" smtClean="0"/>
+              <a:t>argc</a:t>
+            </a:r>
+            <a:r>
+              <a:rPr lang="en-US" altLang="zh-CN" dirty="0" smtClean="0"/>
+              <a:t>, char *</a:t>
+            </a:r>
+            <a:r>
+              <a:rPr lang="en-US" altLang="zh-CN" dirty="0" err="1" smtClean="0"/>
+              <a:t>argv</a:t>
+            </a:r>
+            <a:r>
+              <a:rPr lang="en-US" altLang="zh-CN" dirty="0" smtClean="0"/>
+              <a:t>[])</a:t>
+            </a:r>
+          </a:p>
+          <a:p>
+            <a:r>
+              <a:rPr lang="en-US" altLang="zh-CN" dirty="0" smtClean="0"/>
+              <a:t>{   </a:t>
+            </a:r>
+          </a:p>
+          <a:p>
+            <a:r>
+              <a:rPr lang="en-US" altLang="zh-CN" dirty="0" smtClean="0"/>
+              <a:t> </a:t>
+            </a:r>
+            <a:r>
+              <a:rPr lang="en-US" altLang="zh-CN" dirty="0" smtClean="0"/>
+              <a:t>   </a:t>
+            </a:r>
+            <a:r>
+              <a:rPr lang="en-US" altLang="zh-CN" dirty="0" err="1" smtClean="0"/>
+              <a:t>QApplication</a:t>
+            </a:r>
+            <a:r>
+              <a:rPr lang="en-US" altLang="zh-CN" dirty="0" smtClean="0"/>
+              <a:t> </a:t>
+            </a:r>
+            <a:r>
+              <a:rPr lang="en-US" altLang="zh-CN" dirty="0" smtClean="0"/>
+              <a:t>app(</a:t>
+            </a:r>
+            <a:r>
+              <a:rPr lang="en-US" altLang="zh-CN" dirty="0" err="1" smtClean="0"/>
+              <a:t>argc</a:t>
+            </a:r>
+            <a:r>
+              <a:rPr lang="en-US" altLang="zh-CN" dirty="0" smtClean="0"/>
+              <a:t>, </a:t>
+            </a:r>
+            <a:r>
+              <a:rPr lang="en-US" altLang="zh-CN" dirty="0" err="1" smtClean="0"/>
+              <a:t>argv</a:t>
+            </a:r>
+            <a:r>
+              <a:rPr lang="en-US" altLang="zh-CN" dirty="0" smtClean="0"/>
+              <a:t>);</a:t>
+            </a:r>
+          </a:p>
+          <a:p>
+            <a:r>
+              <a:rPr lang="en-US" altLang="zh-CN" dirty="0" smtClean="0"/>
+              <a:t>    Database </a:t>
+            </a:r>
+            <a:r>
+              <a:rPr lang="en-US" altLang="zh-CN" dirty="0" err="1" smtClean="0"/>
+              <a:t>gamedata</a:t>
+            </a:r>
+            <a:r>
+              <a:rPr lang="en-US" altLang="zh-CN" dirty="0" smtClean="0"/>
+              <a:t>;</a:t>
+            </a:r>
+          </a:p>
+          <a:p>
+            <a:r>
+              <a:rPr lang="en-US" altLang="zh-CN" dirty="0" smtClean="0"/>
+              <a:t>    </a:t>
+            </a:r>
+            <a:r>
+              <a:rPr lang="en-US" altLang="zh-CN" dirty="0" err="1" smtClean="0"/>
+              <a:t>gamedata.connection</a:t>
+            </a:r>
+            <a:r>
+              <a:rPr lang="en-US" altLang="zh-CN" dirty="0" smtClean="0"/>
+              <a:t>();</a:t>
+            </a:r>
+          </a:p>
+          <a:p>
+            <a:r>
+              <a:rPr lang="en-US" altLang="zh-CN" dirty="0" smtClean="0"/>
+              <a:t>    </a:t>
+            </a:r>
+            <a:r>
+              <a:rPr lang="en-US" altLang="zh-CN" dirty="0" err="1" smtClean="0"/>
+              <a:t>gamedata.addPlayer</a:t>
+            </a:r>
+            <a:r>
+              <a:rPr lang="en-US" altLang="zh-CN" dirty="0" smtClean="0"/>
+              <a:t>(“sprites”);</a:t>
+            </a:r>
+            <a:endParaRPr lang="en-US" altLang="zh-CN" dirty="0" smtClean="0"/>
+          </a:p>
+          <a:p>
+            <a:r>
+              <a:rPr lang="en-US" altLang="zh-CN" dirty="0" smtClean="0"/>
+              <a:t>    </a:t>
+            </a:r>
+            <a:r>
+              <a:rPr lang="en-US" altLang="zh-CN" dirty="0" err="1" smtClean="0"/>
+              <a:t>gamedata.show</a:t>
+            </a:r>
+            <a:r>
+              <a:rPr lang="en-US" altLang="zh-CN" dirty="0" smtClean="0"/>
+              <a:t>("sprites</a:t>
+            </a:r>
+            <a:r>
+              <a:rPr lang="en-US" altLang="zh-CN" dirty="0" smtClean="0"/>
+              <a:t>");</a:t>
+            </a:r>
+          </a:p>
+          <a:p>
+            <a:r>
+              <a:rPr lang="en-US" altLang="zh-CN" dirty="0" smtClean="0"/>
+              <a:t>}</a:t>
+            </a:r>
+            <a:endParaRPr lang="zh-CN" altLang="en-US" dirty="0"/>
+          </a:p>
+        </p:txBody>
+      </p:sp>
+    </p:spTree>
+  </p:cSld>
+  <p:clrMapOvr>
+    <a:masterClrMapping/>
+  </p:clrMapOvr>
+  <p:timing>
+    <p:tnLst>
+      <p:par>
+        <p:cTn id="1" dur="indefinite" restart="never" nodeType="tmRoot"/>
+      </p:par>
+    </p:tnLst>
+  </p:timing>
+</p:sld>
+</file>
+
+<file path=ppt/slides/slide52.xml><?xml version="1.0" encoding="utf-8"?>
+<p:sld xmlns:a="http://schemas.openxmlformats.org/drawingml/2006/main" xmlns:r="http://schemas.openxmlformats.org/officeDocument/2006/relationships" xmlns:p="http://schemas.openxmlformats.org/presentationml/2006/main">
+  <p:cSld>
+    <p:spTree>
+      <p:nvGrpSpPr>
+        <p:cNvPr id="1" name=""/>
+        <p:cNvGrpSpPr/>
+        <p:nvPr/>
+      </p:nvGrpSpPr>
+      <p:grpSpPr>
+        <a:xfrm>
+          <a:off x="0" y="0"/>
+          <a:ext cx="0" cy="0"/>
+          <a:chOff x="0" y="0"/>
+          <a:chExt cx="0" cy="0"/>
+        </a:xfrm>
+      </p:grpSpPr>
+      <p:sp>
+        <p:nvSpPr>
+          <p:cNvPr id="2" name="Title 1"/>
+          <p:cNvSpPr>
+            <a:spLocks noGrp="1"/>
+          </p:cNvSpPr>
+          <p:nvPr>
+            <p:ph type="title"/>
+          </p:nvPr>
+        </p:nvSpPr>
+        <p:spPr>
+          <a:xfrm>
+            <a:off x="457200" y="274638"/>
+            <a:ext cx="7848600" cy="1143000"/>
+          </a:xfrm>
+        </p:spPr>
+        <p:txBody>
+          <a:bodyPr>
+            <a:normAutofit/>
+          </a:bodyPr>
+          <a:lstStyle/>
+          <a:p>
+            <a:r>
+              <a:rPr lang="en-US" altLang="zh-CN" dirty="0" smtClean="0"/>
+              <a:t>Database </a:t>
+            </a:r>
+            <a:r>
+              <a:rPr lang="en-US" altLang="zh-CN" dirty="0" smtClean="0"/>
+              <a:t>Classes</a:t>
+            </a:r>
+            <a:endParaRPr lang="en-US" altLang="zh-CN" dirty="0" smtClean="0"/>
+          </a:p>
+        </p:txBody>
+      </p:sp>
+      <p:sp>
+        <p:nvSpPr>
+          <p:cNvPr id="3" name="Content Placeholder 2"/>
+          <p:cNvSpPr>
+            <a:spLocks noGrp="1"/>
+          </p:cNvSpPr>
+          <p:nvPr>
+            <p:ph idx="1"/>
+          </p:nvPr>
+        </p:nvSpPr>
+        <p:spPr>
+          <a:xfrm>
+            <a:off x="457200" y="1600200"/>
+            <a:ext cx="7467600" cy="4525963"/>
+          </a:xfrm>
+        </p:spPr>
+        <p:txBody>
+          <a:bodyPr>
+            <a:normAutofit lnSpcReduction="10000"/>
+          </a:bodyPr>
+          <a:lstStyle/>
+          <a:p>
+            <a:r>
+              <a:rPr lang="en-US" altLang="zh-CN" dirty="0" smtClean="0"/>
+              <a:t>After unit test</a:t>
+            </a:r>
+          </a:p>
+          <a:p>
+            <a:pPr>
+              <a:buNone/>
+            </a:pPr>
+            <a:endParaRPr lang="en-US" altLang="zh-CN" sz="2800" dirty="0" smtClean="0"/>
+          </a:p>
+          <a:p>
+            <a:pPr>
+              <a:buNone/>
+            </a:pPr>
+            <a:r>
+              <a:rPr lang="en-US" altLang="zh-CN" sz="2800" dirty="0" smtClean="0"/>
+              <a:t>Database module will be added into the entire project through following three steps</a:t>
+            </a:r>
+            <a:r>
+              <a:rPr lang="en-US" altLang="zh-CN" sz="2800" dirty="0" smtClean="0"/>
+              <a:t>:</a:t>
+            </a:r>
+          </a:p>
+          <a:p>
+            <a:pPr>
+              <a:buNone/>
+            </a:pPr>
+            <a:endParaRPr lang="en-US" altLang="zh-CN" sz="2800" dirty="0" smtClean="0"/>
+          </a:p>
+          <a:p>
+            <a:pPr marL="633222" indent="-514350">
+              <a:buNone/>
+            </a:pPr>
+            <a:r>
+              <a:rPr lang="en-US" altLang="zh-CN" sz="2800" dirty="0" smtClean="0"/>
+              <a:t>1. Header </a:t>
+            </a:r>
+            <a:r>
+              <a:rPr lang="en-US" altLang="zh-CN" sz="2800" dirty="0" smtClean="0"/>
+              <a:t>file and source </a:t>
+            </a:r>
+            <a:r>
+              <a:rPr lang="en-US" altLang="zh-CN" sz="2800" dirty="0" smtClean="0"/>
+              <a:t>file</a:t>
+            </a:r>
+          </a:p>
+          <a:p>
+            <a:pPr marL="633222" indent="-514350">
+              <a:buNone/>
+            </a:pPr>
+            <a:r>
+              <a:rPr lang="en-US" altLang="zh-CN" sz="2800" dirty="0" smtClean="0"/>
+              <a:t> </a:t>
+            </a:r>
+            <a:r>
+              <a:rPr lang="en-US" altLang="zh-CN" sz="2800" dirty="0" smtClean="0"/>
+              <a:t>               </a:t>
+            </a:r>
+            <a:r>
+              <a:rPr lang="en-US" altLang="zh-CN" sz="2800" dirty="0" err="1" smtClean="0"/>
+              <a:t>database.h</a:t>
+            </a:r>
+            <a:r>
+              <a:rPr lang="en-US" altLang="zh-CN" sz="2800" dirty="0" smtClean="0"/>
+              <a:t>; database.cpp</a:t>
+            </a:r>
+          </a:p>
+          <a:p>
+            <a:pPr>
+              <a:buNone/>
+            </a:pPr>
+            <a:r>
+              <a:rPr lang="en-US" altLang="zh-CN" sz="2800" dirty="0" smtClean="0"/>
+              <a:t>2. </a:t>
+            </a:r>
+            <a:r>
+              <a:rPr lang="en-US" altLang="zh-CN" sz="2800" dirty="0" smtClean="0"/>
+              <a:t>SQLITE</a:t>
+            </a:r>
+            <a:r>
+              <a:rPr lang="en-US" altLang="zh-CN" sz="2800" dirty="0" smtClean="0"/>
+              <a:t> </a:t>
+            </a:r>
+            <a:r>
+              <a:rPr lang="en-US" altLang="zh-CN" sz="2800" dirty="0" smtClean="0"/>
+              <a:t>database </a:t>
+            </a:r>
+            <a:r>
+              <a:rPr lang="en-US" altLang="zh-CN" sz="2800" dirty="0" smtClean="0"/>
+              <a:t>file</a:t>
+            </a:r>
+          </a:p>
+          <a:p>
+            <a:pPr>
+              <a:buNone/>
+            </a:pPr>
+            <a:r>
+              <a:rPr lang="en-US" altLang="zh-CN" sz="2800" dirty="0" smtClean="0"/>
+              <a:t> </a:t>
+            </a:r>
+            <a:r>
+              <a:rPr lang="en-US" altLang="zh-CN" sz="2800" dirty="0" smtClean="0"/>
+              <a:t>               gamedata.db3</a:t>
+            </a:r>
+          </a:p>
+          <a:p>
+            <a:pPr>
+              <a:buNone/>
+            </a:pPr>
+            <a:r>
+              <a:rPr lang="en-US" altLang="zh-CN" sz="2800" dirty="0" smtClean="0"/>
+              <a:t>3. </a:t>
+            </a:r>
+            <a:r>
+              <a:rPr lang="en-US" altLang="zh-CN" sz="2800" dirty="0" smtClean="0"/>
+              <a:t>Project </a:t>
+            </a:r>
+            <a:r>
+              <a:rPr lang="en-US" altLang="zh-CN" sz="2800" dirty="0" smtClean="0"/>
+              <a:t>file</a:t>
+            </a:r>
+          </a:p>
+          <a:p>
+            <a:pPr>
+              <a:buNone/>
+            </a:pPr>
+            <a:r>
+              <a:rPr lang="en-US" altLang="zh-CN" sz="2800" dirty="0" smtClean="0"/>
+              <a:t> </a:t>
+            </a:r>
+            <a:r>
+              <a:rPr lang="en-US" altLang="zh-CN" sz="2800" dirty="0" smtClean="0"/>
+              <a:t>               QT </a:t>
+            </a:r>
+            <a:r>
+              <a:rPr lang="en-US" altLang="zh-CN" sz="2800" dirty="0" smtClean="0"/>
+              <a:t>+= </a:t>
+            </a:r>
+            <a:r>
+              <a:rPr lang="en-US" altLang="zh-CN" sz="2800" dirty="0" err="1" smtClean="0"/>
+              <a:t>sql</a:t>
+            </a:r>
+            <a:r>
+              <a:rPr lang="en-US" altLang="zh-CN" sz="2800" dirty="0" smtClean="0"/>
+              <a:t>;</a:t>
+            </a:r>
+            <a:endParaRPr lang="zh-CN" altLang="zh-CN" sz="2800" dirty="0" smtClean="0"/>
+          </a:p>
+        </p:txBody>
+      </p:sp>
+      <p:sp>
+        <p:nvSpPr>
+          <p:cNvPr id="5" name="Slide Number Placeholder 4"/>
+          <p:cNvSpPr>
+            <a:spLocks noGrp="1"/>
+          </p:cNvSpPr>
+          <p:nvPr>
+            <p:ph type="sldNum" sz="quarter" idx="12"/>
+          </p:nvPr>
+        </p:nvSpPr>
+        <p:spPr/>
+        <p:txBody>
+          <a:bodyPr/>
+          <a:lstStyle/>
+          <a:p>
+            <a:fld id="{B6F15528-21DE-4FAA-801E-634DDDAF4B2B}" type="slidenum">
+              <a:rPr lang="en-US" smtClean="0"/>
+              <a:pPr/>
+              <a:t>52</a:t>
+            </a:fld>
+            <a:endParaRPr lang="en-US" dirty="0"/>
+          </a:p>
+        </p:txBody>
+      </p:sp>
+      <p:pic>
+        <p:nvPicPr>
+          <p:cNvPr id="4" name="Picture 3" descr="logo.jpg"/>
+          <p:cNvPicPr>
+            <a:picLocks noChangeAspect="1"/>
+          </p:cNvPicPr>
+          <p:nvPr/>
+        </p:nvPicPr>
+        <p:blipFill>
+          <a:blip r:embed="rId2" cstate="print"/>
+          <a:stretch>
+            <a:fillRect/>
+          </a:stretch>
+        </p:blipFill>
+        <p:spPr>
+          <a:xfrm>
+            <a:off x="7956253" y="0"/>
+            <a:ext cx="1187747" cy="1328738"/>
+          </a:xfrm>
+          <a:prstGeom prst="rect">
+            <a:avLst/>
+          </a:prstGeom>
+        </p:spPr>
+      </p:pic>
+    </p:spTree>
+  </p:cSld>
+  <p:clrMapOvr>
+    <a:masterClrMapping/>
+  </p:clrMapOvr>
+  <p:timing>
+    <p:tnLst>
+      <p:par>
+        <p:cTn id="1" dur="indefinite" restart="never" nodeType="tmRoot"/>
+      </p:par>
+    </p:tnLst>
+  </p:timing>
+</p:sld>
+</file>
+
+<file path=ppt/slides/slide53.xml><?xml version="1.0" encoding="utf-8"?>
+<p:sld xmlns:a="http://schemas.openxmlformats.org/drawingml/2006/main" xmlns:r="http://schemas.openxmlformats.org/officeDocument/2006/relationships" xmlns:p="http://schemas.openxmlformats.org/presentationml/2006/main">
+  <p:cSld>
+    <p:spTree>
+      <p:nvGrpSpPr>
+        <p:cNvPr id="1" name=""/>
+        <p:cNvGrpSpPr/>
+        <p:nvPr/>
+      </p:nvGrpSpPr>
+      <p:grpSpPr>
+        <a:xfrm>
+          <a:off x="0" y="0"/>
+          <a:ext cx="0" cy="0"/>
+          <a:chOff x="0" y="0"/>
+          <a:chExt cx="0" cy="0"/>
+        </a:xfrm>
+      </p:grpSpPr>
+      <p:sp>
+        <p:nvSpPr>
+          <p:cNvPr id="2" name="Title 1"/>
+          <p:cNvSpPr>
+            <a:spLocks noGrp="1"/>
+          </p:cNvSpPr>
+          <p:nvPr>
+            <p:ph type="title"/>
+          </p:nvPr>
+        </p:nvSpPr>
+        <p:spPr>
+          <a:xfrm>
+            <a:off x="457200" y="274638"/>
+            <a:ext cx="7848600" cy="1143000"/>
+          </a:xfrm>
+        </p:spPr>
+        <p:txBody>
+          <a:bodyPr>
+            <a:normAutofit/>
+          </a:bodyPr>
+          <a:lstStyle/>
+          <a:p>
+            <a:r>
+              <a:rPr lang="en-US" altLang="zh-CN" dirty="0" smtClean="0"/>
+              <a:t>Summary</a:t>
+            </a:r>
+            <a:endParaRPr lang="en-US" altLang="zh-CN" dirty="0" smtClean="0"/>
+          </a:p>
+        </p:txBody>
+      </p:sp>
+      <p:sp>
+        <p:nvSpPr>
+          <p:cNvPr id="5" name="Slide Number Placeholder 4"/>
+          <p:cNvSpPr>
+            <a:spLocks noGrp="1"/>
+          </p:cNvSpPr>
+          <p:nvPr>
+            <p:ph type="sldNum" sz="quarter" idx="12"/>
+          </p:nvPr>
+        </p:nvSpPr>
+        <p:spPr/>
+        <p:txBody>
+          <a:bodyPr/>
+          <a:lstStyle/>
+          <a:p>
+            <a:fld id="{B6F15528-21DE-4FAA-801E-634DDDAF4B2B}" type="slidenum">
+              <a:rPr lang="en-US" smtClean="0"/>
+              <a:pPr/>
+              <a:t>53</a:t>
+            </a:fld>
+            <a:endParaRPr lang="en-US" dirty="0"/>
+          </a:p>
+        </p:txBody>
+      </p:sp>
+      <p:pic>
+        <p:nvPicPr>
+          <p:cNvPr id="4" name="Picture 3" descr="logo.jpg"/>
+          <p:cNvPicPr>
+            <a:picLocks noChangeAspect="1"/>
+          </p:cNvPicPr>
+          <p:nvPr/>
+        </p:nvPicPr>
+        <p:blipFill>
+          <a:blip r:embed="rId2" cstate="print"/>
+          <a:stretch>
+            <a:fillRect/>
+          </a:stretch>
+        </p:blipFill>
+        <p:spPr>
+          <a:xfrm>
+            <a:off x="7956253" y="0"/>
+            <a:ext cx="1187747" cy="1328738"/>
+          </a:xfrm>
+          <a:prstGeom prst="rect">
+            <a:avLst/>
+          </a:prstGeom>
+        </p:spPr>
+      </p:pic>
+      <p:sp>
+        <p:nvSpPr>
+          <p:cNvPr id="7" name="Content Placeholder 2"/>
+          <p:cNvSpPr txBox="1">
+            <a:spLocks/>
+          </p:cNvSpPr>
+          <p:nvPr/>
+        </p:nvSpPr>
+        <p:spPr>
+          <a:xfrm>
+            <a:off x="762000" y="3048000"/>
+            <a:ext cx="8229600" cy="2057400"/>
+          </a:xfrm>
+          <a:prstGeom prst="rect">
+            <a:avLst/>
+          </a:prstGeom>
+        </p:spPr>
+        <p:txBody>
+          <a:bodyPr vert="horz" lIns="54864" tIns="91440" rtlCol="0">
+            <a:normAutofit/>
+          </a:bodyPr>
+          <a:lstStyle/>
+          <a:p>
+            <a:pPr marL="438912" marR="0" lvl="0" indent="-320040" algn="l" defTabSz="914400" rtl="0" eaLnBrk="1" fontAlgn="auto" latinLnBrk="0" hangingPunct="1">
+              <a:lnSpc>
+                <a:spcPct val="100000"/>
+              </a:lnSpc>
+              <a:spcBef>
+                <a:spcPts val="0"/>
+              </a:spcBef>
+              <a:spcAft>
+                <a:spcPts val="0"/>
+              </a:spcAft>
+              <a:buClr>
+                <a:schemeClr val="accent1"/>
+              </a:buClr>
+              <a:buSzPct val="80000"/>
+              <a:buFont typeface="Wingdings 2"/>
+              <a:buChar char=""/>
+              <a:tabLst/>
+              <a:defRPr/>
+            </a:pPr>
+            <a:r>
+              <a:rPr kumimoji="0" lang="en-US" altLang="zh-CN" sz="3200" b="0" i="0" u="none" strike="noStrike" kern="1200" cap="none" spc="0" normalizeH="0" baseline="0" noProof="0" dirty="0" smtClean="0">
+                <a:ln>
+                  <a:noFill/>
+                </a:ln>
+                <a:solidFill>
+                  <a:schemeClr val="tx1"/>
+                </a:solidFill>
+                <a:effectLst/>
+                <a:uLnTx/>
+                <a:uFillTx/>
+                <a:latin typeface="+mn-lt"/>
+                <a:ea typeface="+mn-ea"/>
+                <a:cs typeface="+mn-cs"/>
+              </a:rPr>
+              <a:t>Good organization for the game data.</a:t>
+            </a:r>
+          </a:p>
+          <a:p>
+            <a:pPr marL="438912" marR="0" lvl="0" indent="-320040" algn="l" defTabSz="914400" rtl="0" eaLnBrk="1" fontAlgn="auto" latinLnBrk="0" hangingPunct="1">
+              <a:lnSpc>
+                <a:spcPct val="100000"/>
+              </a:lnSpc>
+              <a:spcBef>
+                <a:spcPts val="0"/>
+              </a:spcBef>
+              <a:spcAft>
+                <a:spcPts val="0"/>
+              </a:spcAft>
+              <a:buClr>
+                <a:schemeClr val="accent1"/>
+              </a:buClr>
+              <a:buSzPct val="80000"/>
+              <a:buFont typeface="Wingdings 2"/>
+              <a:buChar char=""/>
+              <a:tabLst/>
+              <a:defRPr/>
+            </a:pPr>
+            <a:r>
+              <a:rPr lang="en-US" altLang="zh-CN" sz="3200" dirty="0" smtClean="0"/>
+              <a:t>U</a:t>
+            </a:r>
+            <a:r>
+              <a:rPr kumimoji="0" lang="en-US" altLang="zh-CN" sz="3200" b="0" i="0" u="none" strike="noStrike" kern="1200" cap="none" spc="0" normalizeH="0" baseline="0" noProof="0" dirty="0" err="1" smtClean="0">
+                <a:ln>
+                  <a:noFill/>
+                </a:ln>
+                <a:solidFill>
+                  <a:schemeClr val="tx1"/>
+                </a:solidFill>
+                <a:effectLst/>
+                <a:uLnTx/>
+                <a:uFillTx/>
+                <a:latin typeface="+mn-lt"/>
+                <a:ea typeface="+mn-ea"/>
+                <a:cs typeface="+mn-cs"/>
+              </a:rPr>
+              <a:t>seful</a:t>
+            </a:r>
+            <a:r>
+              <a:rPr kumimoji="0" lang="en-US" altLang="zh-CN" sz="3200" b="0" i="0" u="none" strike="noStrike" kern="1200" cap="none" spc="0" normalizeH="0" baseline="0" noProof="0" dirty="0" smtClean="0">
+                <a:ln>
+                  <a:noFill/>
+                </a:ln>
+                <a:solidFill>
+                  <a:schemeClr val="tx1"/>
+                </a:solidFill>
+                <a:effectLst/>
+                <a:uLnTx/>
+                <a:uFillTx/>
+                <a:latin typeface="+mn-lt"/>
+                <a:ea typeface="+mn-ea"/>
+                <a:cs typeface="+mn-cs"/>
+              </a:rPr>
+              <a:t> for Storage and for</a:t>
+            </a:r>
+            <a:r>
+              <a:rPr kumimoji="0" lang="en-US" altLang="zh-CN" sz="3200" b="0" i="0" u="none" strike="noStrike" kern="1200" cap="none" spc="0" normalizeH="0" noProof="0" dirty="0" smtClean="0">
+                <a:ln>
+                  <a:noFill/>
+                </a:ln>
+                <a:solidFill>
+                  <a:schemeClr val="tx1"/>
+                </a:solidFill>
+                <a:effectLst/>
+                <a:uLnTx/>
+                <a:uFillTx/>
+                <a:latin typeface="+mn-lt"/>
+                <a:ea typeface="+mn-ea"/>
+                <a:cs typeface="+mn-cs"/>
+              </a:rPr>
+              <a:t> game.</a:t>
+            </a:r>
+          </a:p>
+          <a:p>
+            <a:pPr marL="438912" marR="0" lvl="0" indent="-320040" algn="l" defTabSz="914400" rtl="0" eaLnBrk="1" fontAlgn="auto" latinLnBrk="0" hangingPunct="1">
+              <a:lnSpc>
+                <a:spcPct val="100000"/>
+              </a:lnSpc>
+              <a:spcBef>
+                <a:spcPts val="0"/>
+              </a:spcBef>
+              <a:spcAft>
+                <a:spcPts val="0"/>
+              </a:spcAft>
+              <a:buClr>
+                <a:schemeClr val="accent1"/>
+              </a:buClr>
+              <a:buSzPct val="80000"/>
+              <a:buFont typeface="Wingdings 2"/>
+              <a:buChar char=""/>
+              <a:tabLst/>
+              <a:defRPr/>
+            </a:pPr>
+            <a:r>
+              <a:rPr lang="en-US" altLang="zh-CN" sz="3200" baseline="0" dirty="0" smtClean="0"/>
+              <a:t>Interesting</a:t>
+            </a:r>
+            <a:r>
+              <a:rPr lang="en-US" altLang="zh-CN" sz="3200" dirty="0" smtClean="0"/>
+              <a:t> but </a:t>
+            </a:r>
+            <a:r>
+              <a:rPr lang="en-US" altLang="zh-CN" sz="3200" dirty="0" err="1" smtClean="0"/>
+              <a:t>challengable</a:t>
+            </a:r>
+            <a:r>
+              <a:rPr lang="en-US" altLang="zh-CN" sz="3200" dirty="0" smtClean="0"/>
+              <a:t>.</a:t>
+            </a:r>
+            <a:endParaRPr kumimoji="0" lang="en-US" altLang="zh-CN" sz="3200" b="0" i="0" u="none" strike="noStrike" kern="1200" cap="none" spc="0" normalizeH="0" baseline="0" noProof="0" dirty="0" smtClean="0">
+              <a:ln>
+                <a:noFill/>
+              </a:ln>
+              <a:solidFill>
+                <a:schemeClr val="tx1"/>
+              </a:solidFill>
+              <a:effectLst/>
+              <a:uLnTx/>
+              <a:uFillTx/>
+              <a:latin typeface="+mn-lt"/>
+              <a:ea typeface="+mn-ea"/>
+              <a:cs typeface="+mn-cs"/>
+            </a:endParaRPr>
+          </a:p>
+          <a:p>
+            <a:pPr marL="438912" marR="0" lvl="0" indent="-320040" algn="l" defTabSz="914400" rtl="0" eaLnBrk="1" fontAlgn="auto" latinLnBrk="0" hangingPunct="1">
+              <a:lnSpc>
+                <a:spcPct val="100000"/>
+              </a:lnSpc>
+              <a:spcBef>
+                <a:spcPts val="0"/>
+              </a:spcBef>
+              <a:spcAft>
+                <a:spcPts val="0"/>
+              </a:spcAft>
+              <a:buClr>
+                <a:schemeClr val="accent1"/>
+              </a:buClr>
+              <a:buSzPct val="80000"/>
+              <a:tabLst/>
+              <a:defRPr/>
+            </a:pPr>
+            <a:endParaRPr kumimoji="0" lang="en-US" altLang="zh-CN" sz="3200" b="0" i="0" u="none" strike="noStrike" kern="1200" cap="none" spc="0" normalizeH="0" baseline="0" noProof="0" dirty="0" smtClean="0">
+              <a:ln>
+                <a:noFill/>
+              </a:ln>
+              <a:solidFill>
+                <a:schemeClr val="tx1"/>
+              </a:solidFill>
+              <a:effectLst/>
+              <a:uLnTx/>
+              <a:uFillTx/>
+              <a:latin typeface="+mn-lt"/>
+              <a:ea typeface="+mn-ea"/>
+              <a:cs typeface="+mn-cs"/>
+            </a:endParaRPr>
+          </a:p>
+        </p:txBody>
+      </p:sp>
+    </p:spTree>
+  </p:cSld>
+  <p:clrMapOvr>
+    <a:masterClrMapping/>
+  </p:clrMapOvr>
+  <p:timing>
+    <p:tnLst>
+      <p:par>
+        <p:cTn id="1" dur="indefinite" restart="never" nodeType="tmRoot"/>
+      </p:par>
+    </p:tnLst>
+  </p:timing>
+</p:sld>
+</file>
+
+<file path=ppt/slides/slide54.xml><?xml version="1.0" encoding="utf-8"?>
+<p:sld xmlns:a="http://schemas.openxmlformats.org/drawingml/2006/main" xmlns:r="http://schemas.openxmlformats.org/officeDocument/2006/relationships" xmlns:p="http://schemas.openxmlformats.org/presentationml/2006/main">
+  <p:cSld>
+    <p:spTree>
+      <p:nvGrpSpPr>
+        <p:cNvPr id="1" name=""/>
+        <p:cNvGrpSpPr/>
+        <p:nvPr/>
+      </p:nvGrpSpPr>
+      <p:grpSpPr>
+        <a:xfrm>
+          <a:off x="0" y="0"/>
+          <a:ext cx="0" cy="0"/>
+          <a:chOff x="0" y="0"/>
+          <a:chExt cx="0" cy="0"/>
+        </a:xfrm>
+      </p:grpSpPr>
+      <p:sp>
+        <p:nvSpPr>
+          <p:cNvPr id="2" name="Title 1"/>
+          <p:cNvSpPr>
+            <a:spLocks noGrp="1"/>
+          </p:cNvSpPr>
+          <p:nvPr>
+            <p:ph type="title"/>
+          </p:nvPr>
+        </p:nvSpPr>
         <p:spPr/>
         <p:txBody>
           <a:bodyPr/>
@@ -33987,7 +35431,7 @@
             <a:fld id="{B6F15528-21DE-4FAA-801E-634DDDAF4B2B}" type="slidenum">
               <a:rPr lang="en-US" smtClean="0"/>
               <a:pPr/>
-              <a:t>51</a:t>
+              <a:t>54</a:t>
             </a:fld>
             <a:endParaRPr lang="en-US" dirty="0"/>
           </a:p>
@@ -34025,7 +35469,7 @@
 </p:sld>
 </file>
 
-<file path=ppt/slides/slide52.xml><?xml version="1.0" encoding="utf-8"?>
+<file path=ppt/slides/slide55.xml><?xml version="1.0" encoding="utf-8"?>
 <p:sld xmlns:a="http://schemas.openxmlformats.org/drawingml/2006/main" xmlns:r="http://schemas.openxmlformats.org/officeDocument/2006/relationships" xmlns:p="http://schemas.openxmlformats.org/presentationml/2006/main">
   <p:cSld>
     <p:spTree>
@@ -34083,7 +35527,7 @@
             <a:fld id="{B6F15528-21DE-4FAA-801E-634DDDAF4B2B}" type="slidenum">
               <a:rPr lang="en-US" smtClean="0"/>
               <a:pPr/>
-              <a:t>52</a:t>
+              <a:t>55</a:t>
             </a:fld>
             <a:endParaRPr lang="en-US" dirty="0"/>
           </a:p>
@@ -34571,9 +36015,31 @@
       </p:pic>
       <p:pic>
         <p:nvPicPr>
-          <p:cNvPr id="46086" name="Picture 6" descr="MySQL">
-            <a:hlinkClick r:id="rId5"/>
-          </p:cNvPr>
+          <p:cNvPr id="8" name="Picture 7" descr="logo.jpg"/>
+          <p:cNvPicPr>
+            <a:picLocks noChangeAspect="1"/>
+          </p:cNvPicPr>
+          <p:nvPr/>
+        </p:nvPicPr>
+        <p:blipFill>
+          <a:blip r:embed="rId5" cstate="print"/>
+          <a:stretch>
+            <a:fillRect/>
+          </a:stretch>
+        </p:blipFill>
+        <p:spPr>
+          <a:xfrm>
+            <a:off x="7956253" y="0"/>
+            <a:ext cx="1187747" cy="1328738"/>
+          </a:xfrm>
+          <a:prstGeom prst="rect">
+            <a:avLst/>
+          </a:prstGeom>
+        </p:spPr>
+      </p:pic>
+      <p:pic>
+        <p:nvPicPr>
+          <p:cNvPr id="1026" name="Picture 2" descr="C:\Documents and Settings\Administrator\桌面\sqlite.gif"/>
           <p:cNvPicPr>
             <a:picLocks noChangeAspect="1" noChangeArrowheads="1"/>
           </p:cNvPicPr>
@@ -34588,37 +36054,13 @@
         </p:blipFill>
         <p:spPr bwMode="auto">
           <a:xfrm>
-            <a:off x="1024053" y="2711604"/>
-            <a:ext cx="1047750" cy="542926"/>
+            <a:off x="852055" y="2909455"/>
+            <a:ext cx="1499804" cy="442911"/>
           </a:xfrm>
           <a:prstGeom prst="rect">
             <a:avLst/>
           </a:prstGeom>
           <a:noFill/>
-        </p:spPr>
-      </p:pic>
-      <p:pic>
-        <p:nvPicPr>
-          <p:cNvPr id="8" name="Picture 7" descr="logo.jpg"/>
-          <p:cNvPicPr>
-            <a:picLocks noChangeAspect="1"/>
-          </p:cNvPicPr>
-          <p:nvPr/>
-        </p:nvPicPr>
-        <p:blipFill>
-          <a:blip r:embed="rId7" cstate="print"/>
-          <a:stretch>
-            <a:fillRect/>
-          </a:stretch>
-        </p:blipFill>
-        <p:spPr>
-          <a:xfrm>
-            <a:off x="7956253" y="0"/>
-            <a:ext cx="1187747" cy="1328738"/>
-          </a:xfrm>
-          <a:prstGeom prst="rect">
-            <a:avLst/>
-          </a:prstGeom>
         </p:spPr>
       </p:pic>
     </p:spTree>
